--- a/material_de_apoio/resumo_pratico.pptx
+++ b/material_de_apoio/resumo_pratico.pptx
@@ -105,6 +105,11 @@
       </a:defRPr>
     </a:lvl9pPr>
   </p:defaultTextStyle>
+  <p:extLst>
+    <p:ext uri="{EFAFB233-063F-42B5-8137-9DF3F51BA10A}">
+      <p15:sldGuideLst xmlns:p15="http://schemas.microsoft.com/office/powerpoint/2012/main"/>
+    </p:ext>
+  </p:extLst>
 </p:presentation>
 </file>
 
@@ -3162,29 +3167,20 @@
         </p:nvSpPr>
         <p:spPr/>
         <p:txBody>
-          <a:bodyPr/>
-          <a:lstStyle/>
-          <a:p>
-            <a:endParaRPr lang="pt-BR" dirty="0"/>
-          </a:p>
-        </p:txBody>
-      </p:sp>
-      <p:sp>
-        <p:nvSpPr>
-          <p:cNvPr id="3" name="Espaço Reservado para Conteúdo 2"/>
-          <p:cNvSpPr>
-            <a:spLocks noGrp="1"/>
-          </p:cNvSpPr>
-          <p:nvPr>
-            <p:ph idx="1"/>
-          </p:nvPr>
-        </p:nvSpPr>
-        <p:spPr/>
-        <p:txBody>
-          <a:bodyPr/>
-          <a:lstStyle/>
-          <a:p>
-            <a:endParaRPr lang="pt-BR" dirty="0"/>
+          <a:bodyPr>
+            <a:normAutofit/>
+          </a:bodyPr>
+          <a:lstStyle/>
+          <a:p>
+            <a:r>
+              <a:rPr lang="pt-BR" sz="3200" dirty="0" smtClean="0">
+                <a:latin typeface="Consolas" panose="020B0609020204030204" pitchFamily="49" charset="0"/>
+              </a:rPr>
+              <a:t>O programa mais simples em Java</a:t>
+            </a:r>
+            <a:endParaRPr lang="pt-BR" sz="3200" dirty="0">
+              <a:latin typeface="Consolas" panose="020B0609020204030204" pitchFamily="49" charset="0"/>
+            </a:endParaRPr>
           </a:p>
         </p:txBody>
       </p:sp>
@@ -3212,6 +3208,36 @@
           <a:xfrm>
             <a:off x="10441211" y="110689"/>
             <a:ext cx="1750789" cy="2157949"/>
+          </a:xfrm>
+          <a:prstGeom prst="rect">
+            <a:avLst/>
+          </a:prstGeom>
+        </p:spPr>
+      </p:pic>
+      <p:pic>
+        <p:nvPicPr>
+          <p:cNvPr id="5" name="Imagem 4"/>
+          <p:cNvPicPr>
+            <a:picLocks noChangeAspect="1"/>
+          </p:cNvPicPr>
+          <p:nvPr/>
+        </p:nvPicPr>
+        <p:blipFill>
+          <a:blip r:embed="rId3">
+            <a:extLst>
+              <a:ext uri="{28A0092B-C50C-407E-A947-70E740481C1C}">
+                <a14:useLocalDpi xmlns:a14="http://schemas.microsoft.com/office/drawing/2010/main" val="0"/>
+              </a:ext>
+            </a:extLst>
+          </a:blip>
+          <a:stretch>
+            <a:fillRect/>
+          </a:stretch>
+        </p:blipFill>
+        <p:spPr>
+          <a:xfrm>
+            <a:off x="0" y="2688631"/>
+            <a:ext cx="12192000" cy="3221401"/>
           </a:xfrm>
           <a:prstGeom prst="rect">
             <a:avLst/>

--- a/material_de_apoio/resumo_pratico.pptx
+++ b/material_de_apoio/resumo_pratico.pptx
@@ -7,6 +7,7 @@
   <p:sldIdLst>
     <p:sldId id="256" r:id="rId2"/>
     <p:sldId id="257" r:id="rId3"/>
+    <p:sldId id="258" r:id="rId4"/>
   </p:sldIdLst>
   <p:sldSz cx="12192000" cy="6858000"/>
   <p:notesSz cx="6858000" cy="9144000"/>
@@ -244,7 +245,7 @@
           <a:p>
             <a:fld id="{6808C966-7050-4632-AD51-45F5537B7264}" type="datetimeFigureOut">
               <a:rPr lang="pt-BR" smtClean="0"/>
-              <a:t>03/02/2023</a:t>
+              <a:t>13/02/2023</a:t>
             </a:fld>
             <a:endParaRPr lang="pt-BR"/>
           </a:p>
@@ -414,7 +415,7 @@
           <a:p>
             <a:fld id="{6808C966-7050-4632-AD51-45F5537B7264}" type="datetimeFigureOut">
               <a:rPr lang="pt-BR" smtClean="0"/>
-              <a:t>03/02/2023</a:t>
+              <a:t>13/02/2023</a:t>
             </a:fld>
             <a:endParaRPr lang="pt-BR"/>
           </a:p>
@@ -594,7 +595,7 @@
           <a:p>
             <a:fld id="{6808C966-7050-4632-AD51-45F5537B7264}" type="datetimeFigureOut">
               <a:rPr lang="pt-BR" smtClean="0"/>
-              <a:t>03/02/2023</a:t>
+              <a:t>13/02/2023</a:t>
             </a:fld>
             <a:endParaRPr lang="pt-BR"/>
           </a:p>
@@ -764,7 +765,7 @@
           <a:p>
             <a:fld id="{6808C966-7050-4632-AD51-45F5537B7264}" type="datetimeFigureOut">
               <a:rPr lang="pt-BR" smtClean="0"/>
-              <a:t>03/02/2023</a:t>
+              <a:t>13/02/2023</a:t>
             </a:fld>
             <a:endParaRPr lang="pt-BR"/>
           </a:p>
@@ -1010,7 +1011,7 @@
           <a:p>
             <a:fld id="{6808C966-7050-4632-AD51-45F5537B7264}" type="datetimeFigureOut">
               <a:rPr lang="pt-BR" smtClean="0"/>
-              <a:t>03/02/2023</a:t>
+              <a:t>13/02/2023</a:t>
             </a:fld>
             <a:endParaRPr lang="pt-BR"/>
           </a:p>
@@ -1242,7 +1243,7 @@
           <a:p>
             <a:fld id="{6808C966-7050-4632-AD51-45F5537B7264}" type="datetimeFigureOut">
               <a:rPr lang="pt-BR" smtClean="0"/>
-              <a:t>03/02/2023</a:t>
+              <a:t>13/02/2023</a:t>
             </a:fld>
             <a:endParaRPr lang="pt-BR"/>
           </a:p>
@@ -1609,7 +1610,7 @@
           <a:p>
             <a:fld id="{6808C966-7050-4632-AD51-45F5537B7264}" type="datetimeFigureOut">
               <a:rPr lang="pt-BR" smtClean="0"/>
-              <a:t>03/02/2023</a:t>
+              <a:t>13/02/2023</a:t>
             </a:fld>
             <a:endParaRPr lang="pt-BR"/>
           </a:p>
@@ -1727,7 +1728,7 @@
           <a:p>
             <a:fld id="{6808C966-7050-4632-AD51-45F5537B7264}" type="datetimeFigureOut">
               <a:rPr lang="pt-BR" smtClean="0"/>
-              <a:t>03/02/2023</a:t>
+              <a:t>13/02/2023</a:t>
             </a:fld>
             <a:endParaRPr lang="pt-BR"/>
           </a:p>
@@ -1822,7 +1823,7 @@
           <a:p>
             <a:fld id="{6808C966-7050-4632-AD51-45F5537B7264}" type="datetimeFigureOut">
               <a:rPr lang="pt-BR" smtClean="0"/>
-              <a:t>03/02/2023</a:t>
+              <a:t>13/02/2023</a:t>
             </a:fld>
             <a:endParaRPr lang="pt-BR"/>
           </a:p>
@@ -2099,7 +2100,7 @@
           <a:p>
             <a:fld id="{6808C966-7050-4632-AD51-45F5537B7264}" type="datetimeFigureOut">
               <a:rPr lang="pt-BR" smtClean="0"/>
-              <a:t>03/02/2023</a:t>
+              <a:t>13/02/2023</a:t>
             </a:fld>
             <a:endParaRPr lang="pt-BR"/>
           </a:p>
@@ -2356,7 +2357,7 @@
           <a:p>
             <a:fld id="{6808C966-7050-4632-AD51-45F5537B7264}" type="datetimeFigureOut">
               <a:rPr lang="pt-BR" smtClean="0"/>
-              <a:t>03/02/2023</a:t>
+              <a:t>13/02/2023</a:t>
             </a:fld>
             <a:endParaRPr lang="pt-BR"/>
           </a:p>
@@ -2569,7 +2570,7 @@
           <a:p>
             <a:fld id="{6808C966-7050-4632-AD51-45F5537B7264}" type="datetimeFigureOut">
               <a:rPr lang="pt-BR" smtClean="0"/>
-              <a:t>03/02/2023</a:t>
+              <a:t>13/02/2023</a:t>
             </a:fld>
             <a:endParaRPr lang="pt-BR"/>
           </a:p>
@@ -3264,6 +3265,1421 @@
 </p:sld>
 </file>
 
+<file path=ppt/slides/slide3.xml><?xml version="1.0" encoding="utf-8"?>
+<p:sld xmlns:a="http://schemas.openxmlformats.org/drawingml/2006/main" xmlns:r="http://schemas.openxmlformats.org/officeDocument/2006/relationships" xmlns:p="http://schemas.openxmlformats.org/presentationml/2006/main">
+  <p:cSld>
+    <p:spTree>
+      <p:nvGrpSpPr>
+        <p:cNvPr id="1" name=""/>
+        <p:cNvGrpSpPr/>
+        <p:nvPr/>
+      </p:nvGrpSpPr>
+      <p:grpSpPr>
+        <a:xfrm>
+          <a:off x="0" y="0"/>
+          <a:ext cx="0" cy="0"/>
+          <a:chOff x="0" y="0"/>
+          <a:chExt cx="0" cy="0"/>
+        </a:xfrm>
+      </p:grpSpPr>
+      <p:sp>
+        <p:nvSpPr>
+          <p:cNvPr id="2" name="Título 1"/>
+          <p:cNvSpPr>
+            <a:spLocks noGrp="1"/>
+          </p:cNvSpPr>
+          <p:nvPr>
+            <p:ph type="title"/>
+          </p:nvPr>
+        </p:nvSpPr>
+        <p:spPr>
+          <a:xfrm>
+            <a:off x="838200" y="365125"/>
+            <a:ext cx="9603011" cy="1325563"/>
+          </a:xfrm>
+        </p:spPr>
+        <p:txBody>
+          <a:bodyPr>
+            <a:normAutofit/>
+          </a:bodyPr>
+          <a:lstStyle/>
+          <a:p>
+            <a:r>
+              <a:rPr lang="pt-BR" sz="3200" dirty="0" smtClean="0">
+                <a:latin typeface="Consolas" panose="020B0609020204030204" pitchFamily="49" charset="0"/>
+              </a:rPr>
+              <a:t>Fluxo de criação, compilação e execução de um programa em JAVA</a:t>
+            </a:r>
+            <a:endParaRPr lang="pt-BR" sz="3200" dirty="0">
+              <a:latin typeface="Consolas" panose="020B0609020204030204" pitchFamily="49" charset="0"/>
+            </a:endParaRPr>
+          </a:p>
+        </p:txBody>
+      </p:sp>
+      <p:pic>
+        <p:nvPicPr>
+          <p:cNvPr id="4" name="Imagem 3"/>
+          <p:cNvPicPr>
+            <a:picLocks noChangeAspect="1"/>
+          </p:cNvPicPr>
+          <p:nvPr/>
+        </p:nvPicPr>
+        <p:blipFill>
+          <a:blip r:embed="rId2" cstate="print">
+            <a:extLst>
+              <a:ext uri="{28A0092B-C50C-407E-A947-70E740481C1C}">
+                <a14:useLocalDpi xmlns:a14="http://schemas.microsoft.com/office/drawing/2010/main" val="0"/>
+              </a:ext>
+            </a:extLst>
+          </a:blip>
+          <a:stretch>
+            <a:fillRect/>
+          </a:stretch>
+        </p:blipFill>
+        <p:spPr>
+          <a:xfrm>
+            <a:off x="10441211" y="110689"/>
+            <a:ext cx="1750789" cy="2157949"/>
+          </a:xfrm>
+          <a:prstGeom prst="rect">
+            <a:avLst/>
+          </a:prstGeom>
+        </p:spPr>
+      </p:pic>
+      <p:sp>
+        <p:nvSpPr>
+          <p:cNvPr id="3" name="Retângulo 2"/>
+          <p:cNvSpPr/>
+          <p:nvPr/>
+        </p:nvSpPr>
+        <p:spPr>
+          <a:xfrm>
+            <a:off x="988998" y="2058823"/>
+            <a:ext cx="1463917" cy="816346"/>
+          </a:xfrm>
+          <a:prstGeom prst="rect">
+            <a:avLst/>
+          </a:prstGeom>
+          <a:noFill/>
+          <a:ln w="76200" cmpd="dbl">
+            <a:solidFill>
+              <a:schemeClr val="tx1">
+                <a:lumMod val="95000"/>
+              </a:schemeClr>
+            </a:solidFill>
+          </a:ln>
+        </p:spPr>
+        <p:style>
+          <a:lnRef idx="2">
+            <a:schemeClr val="accent1">
+              <a:shade val="50000"/>
+            </a:schemeClr>
+          </a:lnRef>
+          <a:fillRef idx="1001">
+            <a:schemeClr val="lt2"/>
+          </a:fillRef>
+          <a:effectRef idx="0">
+            <a:schemeClr val="accent1"/>
+          </a:effectRef>
+          <a:fontRef idx="minor">
+            <a:schemeClr val="lt1"/>
+          </a:fontRef>
+        </p:style>
+        <p:txBody>
+          <a:bodyPr rtlCol="0" anchor="ctr"/>
+          <a:lstStyle/>
+          <a:p>
+            <a:r>
+              <a:rPr lang="pt-BR" dirty="0" smtClean="0">
+                <a:latin typeface="Consolas" panose="020B0609020204030204" pitchFamily="49" charset="0"/>
+              </a:rPr>
+              <a:t>Editor</a:t>
+            </a:r>
+            <a:endParaRPr lang="pt-BR" dirty="0">
+              <a:latin typeface="Consolas" panose="020B0609020204030204" pitchFamily="49" charset="0"/>
+            </a:endParaRPr>
+          </a:p>
+        </p:txBody>
+      </p:sp>
+      <p:sp>
+        <p:nvSpPr>
+          <p:cNvPr id="7" name="CaixaDeTexto 6"/>
+          <p:cNvSpPr txBox="1"/>
+          <p:nvPr/>
+        </p:nvSpPr>
+        <p:spPr>
+          <a:xfrm>
+            <a:off x="930942" y="3012471"/>
+            <a:ext cx="1713931" cy="461665"/>
+          </a:xfrm>
+          <a:prstGeom prst="rect">
+            <a:avLst/>
+          </a:prstGeom>
+          <a:noFill/>
+        </p:spPr>
+        <p:txBody>
+          <a:bodyPr wrap="none" rtlCol="0">
+            <a:spAutoFit/>
+          </a:bodyPr>
+          <a:lstStyle/>
+          <a:p>
+            <a:r>
+              <a:rPr lang="pt-BR" sz="1200" dirty="0" smtClean="0">
+                <a:latin typeface="Consolas" panose="020B0609020204030204" pitchFamily="49" charset="0"/>
+              </a:rPr>
+              <a:t>Vamos utilizar o </a:t>
+            </a:r>
+          </a:p>
+          <a:p>
+            <a:r>
+              <a:rPr lang="pt-BR" sz="1200" dirty="0" smtClean="0">
+                <a:latin typeface="Consolas" panose="020B0609020204030204" pitchFamily="49" charset="0"/>
+              </a:rPr>
+              <a:t>VISUAL STUDIO CODE</a:t>
+            </a:r>
+            <a:endParaRPr lang="pt-BR" sz="1200" dirty="0">
+              <a:latin typeface="Consolas" panose="020B0609020204030204" pitchFamily="49" charset="0"/>
+            </a:endParaRPr>
+          </a:p>
+        </p:txBody>
+      </p:sp>
+      <p:sp>
+        <p:nvSpPr>
+          <p:cNvPr id="8" name="Retângulo 7"/>
+          <p:cNvSpPr/>
+          <p:nvPr/>
+        </p:nvSpPr>
+        <p:spPr>
+          <a:xfrm>
+            <a:off x="4038772" y="2058823"/>
+            <a:ext cx="1963755" cy="816346"/>
+          </a:xfrm>
+          <a:prstGeom prst="rect">
+            <a:avLst/>
+          </a:prstGeom>
+          <a:noFill/>
+          <a:ln w="76200" cmpd="dbl">
+            <a:solidFill>
+              <a:schemeClr val="tx1">
+                <a:lumMod val="95000"/>
+              </a:schemeClr>
+            </a:solidFill>
+          </a:ln>
+        </p:spPr>
+        <p:style>
+          <a:lnRef idx="2">
+            <a:schemeClr val="accent1">
+              <a:shade val="50000"/>
+            </a:schemeClr>
+          </a:lnRef>
+          <a:fillRef idx="1001">
+            <a:schemeClr val="lt2"/>
+          </a:fillRef>
+          <a:effectRef idx="0">
+            <a:schemeClr val="accent1"/>
+          </a:effectRef>
+          <a:fontRef idx="minor">
+            <a:schemeClr val="lt1"/>
+          </a:fontRef>
+        </p:style>
+        <p:txBody>
+          <a:bodyPr rtlCol="0" anchor="ctr"/>
+          <a:lstStyle/>
+          <a:p>
+            <a:r>
+              <a:rPr lang="pt-BR" dirty="0">
+                <a:latin typeface="Consolas" panose="020B0609020204030204" pitchFamily="49" charset="0"/>
+              </a:rPr>
+              <a:t>a</a:t>
+            </a:r>
+            <a:r>
+              <a:rPr lang="pt-BR" dirty="0" smtClean="0">
+                <a:latin typeface="Consolas" panose="020B0609020204030204" pitchFamily="49" charset="0"/>
+              </a:rPr>
+              <a:t>rquivo: olaMundo.java</a:t>
+            </a:r>
+            <a:endParaRPr lang="pt-BR" dirty="0">
+              <a:latin typeface="Consolas" panose="020B0609020204030204" pitchFamily="49" charset="0"/>
+            </a:endParaRPr>
+          </a:p>
+        </p:txBody>
+      </p:sp>
+      <p:sp>
+        <p:nvSpPr>
+          <p:cNvPr id="9" name="CaixaDeTexto 8"/>
+          <p:cNvSpPr txBox="1"/>
+          <p:nvPr/>
+        </p:nvSpPr>
+        <p:spPr>
+          <a:xfrm>
+            <a:off x="2715696" y="2044172"/>
+            <a:ext cx="1199367" cy="830997"/>
+          </a:xfrm>
+          <a:prstGeom prst="rect">
+            <a:avLst/>
+          </a:prstGeom>
+          <a:noFill/>
+        </p:spPr>
+        <p:txBody>
+          <a:bodyPr wrap="none" rtlCol="0">
+            <a:spAutoFit/>
+          </a:bodyPr>
+          <a:lstStyle/>
+          <a:p>
+            <a:r>
+              <a:rPr lang="pt-BR" sz="4800" dirty="0" smtClean="0">
+                <a:latin typeface="Consolas" panose="020B0609020204030204" pitchFamily="49" charset="0"/>
+              </a:rPr>
+              <a:t>--&gt;</a:t>
+            </a:r>
+          </a:p>
+        </p:txBody>
+      </p:sp>
+      <p:sp>
+        <p:nvSpPr>
+          <p:cNvPr id="10" name="Retângulo 9"/>
+          <p:cNvSpPr/>
+          <p:nvPr/>
+        </p:nvSpPr>
+        <p:spPr>
+          <a:xfrm>
+            <a:off x="7586741" y="2044172"/>
+            <a:ext cx="1949145" cy="816346"/>
+          </a:xfrm>
+          <a:prstGeom prst="rect">
+            <a:avLst/>
+          </a:prstGeom>
+          <a:noFill/>
+          <a:ln w="76200" cmpd="dbl">
+            <a:solidFill>
+              <a:schemeClr val="tx1">
+                <a:lumMod val="95000"/>
+              </a:schemeClr>
+            </a:solidFill>
+          </a:ln>
+        </p:spPr>
+        <p:style>
+          <a:lnRef idx="2">
+            <a:schemeClr val="accent1">
+              <a:shade val="50000"/>
+            </a:schemeClr>
+          </a:lnRef>
+          <a:fillRef idx="1001">
+            <a:schemeClr val="lt2"/>
+          </a:fillRef>
+          <a:effectRef idx="0">
+            <a:schemeClr val="accent1"/>
+          </a:effectRef>
+          <a:fontRef idx="minor">
+            <a:schemeClr val="lt1"/>
+          </a:fontRef>
+        </p:style>
+        <p:txBody>
+          <a:bodyPr rtlCol="0" anchor="ctr"/>
+          <a:lstStyle/>
+          <a:p>
+            <a:r>
+              <a:rPr lang="pt-BR" dirty="0" smtClean="0">
+                <a:latin typeface="Consolas" panose="020B0609020204030204" pitchFamily="49" charset="0"/>
+              </a:rPr>
+              <a:t>Compilador</a:t>
+            </a:r>
+            <a:endParaRPr lang="pt-BR" dirty="0">
+              <a:latin typeface="Consolas" panose="020B0609020204030204" pitchFamily="49" charset="0"/>
+            </a:endParaRPr>
+          </a:p>
+        </p:txBody>
+      </p:sp>
+      <p:sp>
+        <p:nvSpPr>
+          <p:cNvPr id="11" name="CaixaDeTexto 10"/>
+          <p:cNvSpPr txBox="1"/>
+          <p:nvPr/>
+        </p:nvSpPr>
+        <p:spPr>
+          <a:xfrm>
+            <a:off x="6227332" y="2044309"/>
+            <a:ext cx="1199367" cy="830997"/>
+          </a:xfrm>
+          <a:prstGeom prst="rect">
+            <a:avLst/>
+          </a:prstGeom>
+          <a:noFill/>
+        </p:spPr>
+        <p:txBody>
+          <a:bodyPr wrap="none" rtlCol="0">
+            <a:spAutoFit/>
+          </a:bodyPr>
+          <a:lstStyle/>
+          <a:p>
+            <a:r>
+              <a:rPr lang="pt-BR" sz="4800" dirty="0" smtClean="0">
+                <a:latin typeface="Consolas" panose="020B0609020204030204" pitchFamily="49" charset="0"/>
+              </a:rPr>
+              <a:t>--&gt;</a:t>
+            </a:r>
+          </a:p>
+        </p:txBody>
+      </p:sp>
+      <p:pic>
+        <p:nvPicPr>
+          <p:cNvPr id="12" name="Imagem 11"/>
+          <p:cNvPicPr>
+            <a:picLocks noChangeAspect="1"/>
+          </p:cNvPicPr>
+          <p:nvPr/>
+        </p:nvPicPr>
+        <p:blipFill>
+          <a:blip r:embed="rId2" cstate="print">
+            <a:extLst>
+              <a:ext uri="{28A0092B-C50C-407E-A947-70E740481C1C}">
+                <a14:useLocalDpi xmlns:a14="http://schemas.microsoft.com/office/drawing/2010/main" val="0"/>
+              </a:ext>
+            </a:extLst>
+          </a:blip>
+          <a:stretch>
+            <a:fillRect/>
+          </a:stretch>
+        </p:blipFill>
+        <p:spPr>
+          <a:xfrm>
+            <a:off x="8903415" y="2101536"/>
+            <a:ext cx="593010" cy="730919"/>
+          </a:xfrm>
+          <a:prstGeom prst="rect">
+            <a:avLst/>
+          </a:prstGeom>
+        </p:spPr>
+      </p:pic>
+      <p:pic>
+        <p:nvPicPr>
+          <p:cNvPr id="13" name="Imagem 12"/>
+          <p:cNvPicPr>
+            <a:picLocks noChangeAspect="1"/>
+          </p:cNvPicPr>
+          <p:nvPr/>
+        </p:nvPicPr>
+        <p:blipFill>
+          <a:blip r:embed="rId3" cstate="print">
+            <a:extLst>
+              <a:ext uri="{28A0092B-C50C-407E-A947-70E740481C1C}">
+                <a14:useLocalDpi xmlns:a14="http://schemas.microsoft.com/office/drawing/2010/main" val="0"/>
+              </a:ext>
+            </a:extLst>
+          </a:blip>
+          <a:stretch>
+            <a:fillRect/>
+          </a:stretch>
+        </p:blipFill>
+        <p:spPr>
+          <a:xfrm>
+            <a:off x="1888430" y="2268638"/>
+            <a:ext cx="448534" cy="448534"/>
+          </a:xfrm>
+          <a:prstGeom prst="rect">
+            <a:avLst/>
+          </a:prstGeom>
+        </p:spPr>
+      </p:pic>
+      <p:sp>
+        <p:nvSpPr>
+          <p:cNvPr id="14" name="CaixaDeTexto 13"/>
+          <p:cNvSpPr txBox="1"/>
+          <p:nvPr/>
+        </p:nvSpPr>
+        <p:spPr>
+          <a:xfrm>
+            <a:off x="7661868" y="1606694"/>
+            <a:ext cx="1798890" cy="276999"/>
+          </a:xfrm>
+          <a:prstGeom prst="rect">
+            <a:avLst/>
+          </a:prstGeom>
+          <a:noFill/>
+        </p:spPr>
+        <p:txBody>
+          <a:bodyPr wrap="none" rtlCol="0">
+            <a:spAutoFit/>
+          </a:bodyPr>
+          <a:lstStyle/>
+          <a:p>
+            <a:r>
+              <a:rPr lang="pt-BR" sz="1200" dirty="0" err="1">
+                <a:latin typeface="Consolas" panose="020B0609020204030204" pitchFamily="49" charset="0"/>
+              </a:rPr>
+              <a:t>j</a:t>
+            </a:r>
+            <a:r>
+              <a:rPr lang="pt-BR" sz="1200" dirty="0" err="1" smtClean="0">
+                <a:latin typeface="Consolas" panose="020B0609020204030204" pitchFamily="49" charset="0"/>
+              </a:rPr>
+              <a:t>avac</a:t>
+            </a:r>
+            <a:r>
+              <a:rPr lang="pt-BR" sz="1200" dirty="0" smtClean="0">
+                <a:latin typeface="Consolas" panose="020B0609020204030204" pitchFamily="49" charset="0"/>
+              </a:rPr>
+              <a:t> olaMundo.java</a:t>
+            </a:r>
+            <a:endParaRPr lang="pt-BR" sz="1200" dirty="0">
+              <a:latin typeface="Consolas" panose="020B0609020204030204" pitchFamily="49" charset="0"/>
+            </a:endParaRPr>
+          </a:p>
+        </p:txBody>
+      </p:sp>
+      <p:sp>
+        <p:nvSpPr>
+          <p:cNvPr id="17" name="Retângulo 16"/>
+          <p:cNvSpPr/>
+          <p:nvPr/>
+        </p:nvSpPr>
+        <p:spPr>
+          <a:xfrm>
+            <a:off x="8346393" y="4336344"/>
+            <a:ext cx="1985954" cy="816346"/>
+          </a:xfrm>
+          <a:prstGeom prst="rect">
+            <a:avLst/>
+          </a:prstGeom>
+          <a:noFill/>
+          <a:ln w="76200" cmpd="dbl">
+            <a:solidFill>
+              <a:schemeClr val="tx1">
+                <a:lumMod val="95000"/>
+              </a:schemeClr>
+            </a:solidFill>
+          </a:ln>
+        </p:spPr>
+        <p:style>
+          <a:lnRef idx="2">
+            <a:schemeClr val="accent1">
+              <a:shade val="50000"/>
+            </a:schemeClr>
+          </a:lnRef>
+          <a:fillRef idx="1001">
+            <a:schemeClr val="lt2"/>
+          </a:fillRef>
+          <a:effectRef idx="0">
+            <a:schemeClr val="accent1"/>
+          </a:effectRef>
+          <a:fontRef idx="minor">
+            <a:schemeClr val="lt1"/>
+          </a:fontRef>
+        </p:style>
+        <p:txBody>
+          <a:bodyPr rtlCol="0" anchor="ctr"/>
+          <a:lstStyle/>
+          <a:p>
+            <a:r>
+              <a:rPr lang="pt-BR" dirty="0">
+                <a:latin typeface="Consolas" panose="020B0609020204030204" pitchFamily="49" charset="0"/>
+              </a:rPr>
+              <a:t>a</a:t>
+            </a:r>
+            <a:r>
+              <a:rPr lang="pt-BR" dirty="0" smtClean="0">
+                <a:latin typeface="Consolas" panose="020B0609020204030204" pitchFamily="49" charset="0"/>
+              </a:rPr>
+              <a:t>rquivo:</a:t>
+            </a:r>
+          </a:p>
+          <a:p>
+            <a:r>
+              <a:rPr lang="pt-BR" dirty="0" err="1" smtClean="0">
+                <a:latin typeface="Consolas" panose="020B0609020204030204" pitchFamily="49" charset="0"/>
+              </a:rPr>
+              <a:t>olaMundo.class</a:t>
+            </a:r>
+            <a:endParaRPr lang="pt-BR" dirty="0">
+              <a:latin typeface="Consolas" panose="020B0609020204030204" pitchFamily="49" charset="0"/>
+            </a:endParaRPr>
+          </a:p>
+        </p:txBody>
+      </p:sp>
+      <p:sp>
+        <p:nvSpPr>
+          <p:cNvPr id="18" name="CaixaDeTexto 17"/>
+          <p:cNvSpPr txBox="1"/>
+          <p:nvPr/>
+        </p:nvSpPr>
+        <p:spPr>
+          <a:xfrm rot="3105052">
+            <a:off x="8402061" y="3232940"/>
+            <a:ext cx="1199367" cy="830997"/>
+          </a:xfrm>
+          <a:prstGeom prst="rect">
+            <a:avLst/>
+          </a:prstGeom>
+          <a:noFill/>
+        </p:spPr>
+        <p:txBody>
+          <a:bodyPr wrap="none" rtlCol="0">
+            <a:spAutoFit/>
+          </a:bodyPr>
+          <a:lstStyle/>
+          <a:p>
+            <a:r>
+              <a:rPr lang="pt-BR" sz="4800" dirty="0" smtClean="0">
+                <a:latin typeface="Consolas" panose="020B0609020204030204" pitchFamily="49" charset="0"/>
+              </a:rPr>
+              <a:t>--&gt;</a:t>
+            </a:r>
+          </a:p>
+        </p:txBody>
+      </p:sp>
+      <p:sp>
+        <p:nvSpPr>
+          <p:cNvPr id="21" name="Retângulo 20"/>
+          <p:cNvSpPr/>
+          <p:nvPr/>
+        </p:nvSpPr>
+        <p:spPr>
+          <a:xfrm>
+            <a:off x="5655211" y="4336344"/>
+            <a:ext cx="1156012" cy="816346"/>
+          </a:xfrm>
+          <a:prstGeom prst="rect">
+            <a:avLst/>
+          </a:prstGeom>
+          <a:noFill/>
+          <a:ln w="76200" cmpd="dbl">
+            <a:solidFill>
+              <a:schemeClr val="tx1">
+                <a:lumMod val="95000"/>
+              </a:schemeClr>
+            </a:solidFill>
+          </a:ln>
+        </p:spPr>
+        <p:style>
+          <a:lnRef idx="2">
+            <a:schemeClr val="accent1">
+              <a:shade val="50000"/>
+            </a:schemeClr>
+          </a:lnRef>
+          <a:fillRef idx="1001">
+            <a:schemeClr val="lt2"/>
+          </a:fillRef>
+          <a:effectRef idx="0">
+            <a:schemeClr val="accent1"/>
+          </a:effectRef>
+          <a:fontRef idx="minor">
+            <a:schemeClr val="lt1"/>
+          </a:fontRef>
+        </p:style>
+        <p:txBody>
+          <a:bodyPr rtlCol="0" anchor="ctr"/>
+          <a:lstStyle/>
+          <a:p>
+            <a:r>
+              <a:rPr lang="pt-BR" dirty="0" smtClean="0">
+                <a:latin typeface="Consolas" panose="020B0609020204030204" pitchFamily="49" charset="0"/>
+              </a:rPr>
+              <a:t>JVM</a:t>
+            </a:r>
+            <a:endParaRPr lang="pt-BR" dirty="0">
+              <a:latin typeface="Consolas" panose="020B0609020204030204" pitchFamily="49" charset="0"/>
+            </a:endParaRPr>
+          </a:p>
+        </p:txBody>
+      </p:sp>
+      <p:pic>
+        <p:nvPicPr>
+          <p:cNvPr id="22" name="Imagem 21"/>
+          <p:cNvPicPr>
+            <a:picLocks noChangeAspect="1"/>
+          </p:cNvPicPr>
+          <p:nvPr/>
+        </p:nvPicPr>
+        <p:blipFill>
+          <a:blip r:embed="rId2" cstate="print">
+            <a:extLst>
+              <a:ext uri="{28A0092B-C50C-407E-A947-70E740481C1C}">
+                <a14:useLocalDpi xmlns:a14="http://schemas.microsoft.com/office/drawing/2010/main" val="0"/>
+              </a:ext>
+            </a:extLst>
+          </a:blip>
+          <a:stretch>
+            <a:fillRect/>
+          </a:stretch>
+        </p:blipFill>
+        <p:spPr>
+          <a:xfrm>
+            <a:off x="6160220" y="4363004"/>
+            <a:ext cx="593010" cy="730919"/>
+          </a:xfrm>
+          <a:prstGeom prst="rect">
+            <a:avLst/>
+          </a:prstGeom>
+        </p:spPr>
+      </p:pic>
+      <p:sp>
+        <p:nvSpPr>
+          <p:cNvPr id="23" name="CaixaDeTexto 22"/>
+          <p:cNvSpPr txBox="1"/>
+          <p:nvPr/>
+        </p:nvSpPr>
+        <p:spPr>
+          <a:xfrm rot="10800000">
+            <a:off x="6963032" y="4363004"/>
+            <a:ext cx="1199367" cy="830997"/>
+          </a:xfrm>
+          <a:prstGeom prst="rect">
+            <a:avLst/>
+          </a:prstGeom>
+          <a:noFill/>
+        </p:spPr>
+        <p:txBody>
+          <a:bodyPr wrap="none" rtlCol="0">
+            <a:spAutoFit/>
+          </a:bodyPr>
+          <a:lstStyle/>
+          <a:p>
+            <a:r>
+              <a:rPr lang="pt-BR" sz="4800" dirty="0" smtClean="0">
+                <a:latin typeface="Consolas" panose="020B0609020204030204" pitchFamily="49" charset="0"/>
+              </a:rPr>
+              <a:t>--&gt;</a:t>
+            </a:r>
+          </a:p>
+        </p:txBody>
+      </p:sp>
+      <p:sp>
+        <p:nvSpPr>
+          <p:cNvPr id="24" name="CaixaDeTexto 23"/>
+          <p:cNvSpPr txBox="1"/>
+          <p:nvPr/>
+        </p:nvSpPr>
+        <p:spPr>
+          <a:xfrm rot="10800000">
+            <a:off x="4179455" y="4363005"/>
+            <a:ext cx="1199367" cy="830997"/>
+          </a:xfrm>
+          <a:prstGeom prst="rect">
+            <a:avLst/>
+          </a:prstGeom>
+          <a:noFill/>
+        </p:spPr>
+        <p:txBody>
+          <a:bodyPr wrap="none" rtlCol="0">
+            <a:spAutoFit/>
+          </a:bodyPr>
+          <a:lstStyle/>
+          <a:p>
+            <a:r>
+              <a:rPr lang="pt-BR" sz="4800" dirty="0" smtClean="0">
+                <a:latin typeface="Consolas" panose="020B0609020204030204" pitchFamily="49" charset="0"/>
+              </a:rPr>
+              <a:t>--&gt;</a:t>
+            </a:r>
+          </a:p>
+        </p:txBody>
+      </p:sp>
+      <p:sp>
+        <p:nvSpPr>
+          <p:cNvPr id="25" name="CaixaDeTexto 24"/>
+          <p:cNvSpPr txBox="1"/>
+          <p:nvPr/>
+        </p:nvSpPr>
+        <p:spPr>
+          <a:xfrm>
+            <a:off x="5392311" y="3907516"/>
+            <a:ext cx="1798890" cy="276999"/>
+          </a:xfrm>
+          <a:prstGeom prst="rect">
+            <a:avLst/>
+          </a:prstGeom>
+          <a:noFill/>
+        </p:spPr>
+        <p:txBody>
+          <a:bodyPr wrap="none" rtlCol="0">
+            <a:spAutoFit/>
+          </a:bodyPr>
+          <a:lstStyle/>
+          <a:p>
+            <a:r>
+              <a:rPr lang="pt-BR" sz="1200" dirty="0" err="1" smtClean="0">
+                <a:latin typeface="Consolas" panose="020B0609020204030204" pitchFamily="49" charset="0"/>
+              </a:rPr>
+              <a:t>java</a:t>
+            </a:r>
+            <a:r>
+              <a:rPr lang="pt-BR" sz="1200" dirty="0" smtClean="0">
+                <a:latin typeface="Consolas" panose="020B0609020204030204" pitchFamily="49" charset="0"/>
+              </a:rPr>
+              <a:t> </a:t>
+            </a:r>
+            <a:r>
+              <a:rPr lang="pt-BR" sz="1200" dirty="0" err="1" smtClean="0">
+                <a:latin typeface="Consolas" panose="020B0609020204030204" pitchFamily="49" charset="0"/>
+              </a:rPr>
+              <a:t>olaMundo.class</a:t>
+            </a:r>
+            <a:endParaRPr lang="pt-BR" sz="1200" dirty="0">
+              <a:latin typeface="Consolas" panose="020B0609020204030204" pitchFamily="49" charset="0"/>
+            </a:endParaRPr>
+          </a:p>
+        </p:txBody>
+      </p:sp>
+      <p:pic>
+        <p:nvPicPr>
+          <p:cNvPr id="26" name="Imagem 25"/>
+          <p:cNvPicPr>
+            <a:picLocks noChangeAspect="1"/>
+          </p:cNvPicPr>
+          <p:nvPr/>
+        </p:nvPicPr>
+        <p:blipFill>
+          <a:blip r:embed="rId4"/>
+          <a:stretch>
+            <a:fillRect/>
+          </a:stretch>
+        </p:blipFill>
+        <p:spPr>
+          <a:xfrm>
+            <a:off x="919658" y="3907516"/>
+            <a:ext cx="3147370" cy="1899275"/>
+          </a:xfrm>
+          <a:prstGeom prst="rect">
+            <a:avLst/>
+          </a:prstGeom>
+        </p:spPr>
+      </p:pic>
+    </p:spTree>
+    <p:extLst>
+      <p:ext uri="{BB962C8B-B14F-4D97-AF65-F5344CB8AC3E}">
+        <p14:creationId xmlns:p14="http://schemas.microsoft.com/office/powerpoint/2010/main" val="3399759716"/>
+      </p:ext>
+    </p:extLst>
+  </p:cSld>
+  <p:clrMapOvr>
+    <a:masterClrMapping/>
+  </p:clrMapOvr>
+  <p:timing>
+    <p:tnLst>
+      <p:par>
+        <p:cTn id="1" dur="indefinite" restart="never" nodeType="tmRoot">
+          <p:childTnLst>
+            <p:seq concurrent="1" nextAc="seek">
+              <p:cTn id="2" dur="indefinite" nodeType="mainSeq">
+                <p:childTnLst>
+                  <p:par>
+                    <p:cTn id="3" fill="hold">
+                      <p:stCondLst>
+                        <p:cond delay="indefinite"/>
+                      </p:stCondLst>
+                      <p:childTnLst>
+                        <p:par>
+                          <p:cTn id="4" fill="hold">
+                            <p:stCondLst>
+                              <p:cond delay="0"/>
+                            </p:stCondLst>
+                            <p:childTnLst>
+                              <p:par>
+                                <p:cTn id="5" presetID="10" presetClass="entr" presetSubtype="0" fill="hold" grpId="0" nodeType="clickEffect">
+                                  <p:stCondLst>
+                                    <p:cond delay="0"/>
+                                  </p:stCondLst>
+                                  <p:childTnLst>
+                                    <p:set>
+                                      <p:cBhvr>
+                                        <p:cTn id="6" dur="1" fill="hold">
+                                          <p:stCondLst>
+                                            <p:cond delay="0"/>
+                                          </p:stCondLst>
+                                        </p:cTn>
+                                        <p:tgtEl>
+                                          <p:spTgt spid="8"/>
+                                        </p:tgtEl>
+                                        <p:attrNameLst>
+                                          <p:attrName>style.visibility</p:attrName>
+                                        </p:attrNameLst>
+                                      </p:cBhvr>
+                                      <p:to>
+                                        <p:strVal val="visible"/>
+                                      </p:to>
+                                    </p:set>
+                                    <p:animEffect transition="in" filter="fade">
+                                      <p:cBhvr>
+                                        <p:cTn id="7" dur="500"/>
+                                        <p:tgtEl>
+                                          <p:spTgt spid="8"/>
+                                        </p:tgtEl>
+                                      </p:cBhvr>
+                                    </p:animEffect>
+                                  </p:childTnLst>
+                                </p:cTn>
+                              </p:par>
+                              <p:par>
+                                <p:cTn id="8" presetID="10" presetClass="entr" presetSubtype="0" fill="hold" grpId="0" nodeType="withEffect">
+                                  <p:stCondLst>
+                                    <p:cond delay="0"/>
+                                  </p:stCondLst>
+                                  <p:childTnLst>
+                                    <p:set>
+                                      <p:cBhvr>
+                                        <p:cTn id="9" dur="1" fill="hold">
+                                          <p:stCondLst>
+                                            <p:cond delay="0"/>
+                                          </p:stCondLst>
+                                        </p:cTn>
+                                        <p:tgtEl>
+                                          <p:spTgt spid="9"/>
+                                        </p:tgtEl>
+                                        <p:attrNameLst>
+                                          <p:attrName>style.visibility</p:attrName>
+                                        </p:attrNameLst>
+                                      </p:cBhvr>
+                                      <p:to>
+                                        <p:strVal val="visible"/>
+                                      </p:to>
+                                    </p:set>
+                                    <p:animEffect transition="in" filter="fade">
+                                      <p:cBhvr>
+                                        <p:cTn id="10" dur="500"/>
+                                        <p:tgtEl>
+                                          <p:spTgt spid="9"/>
+                                        </p:tgtEl>
+                                      </p:cBhvr>
+                                    </p:animEffect>
+                                  </p:childTnLst>
+                                </p:cTn>
+                              </p:par>
+                            </p:childTnLst>
+                          </p:cTn>
+                        </p:par>
+                      </p:childTnLst>
+                    </p:cTn>
+                  </p:par>
+                  <p:par>
+                    <p:cTn id="11" fill="hold">
+                      <p:stCondLst>
+                        <p:cond delay="indefinite"/>
+                      </p:stCondLst>
+                      <p:childTnLst>
+                        <p:par>
+                          <p:cTn id="12" fill="hold">
+                            <p:stCondLst>
+                              <p:cond delay="0"/>
+                            </p:stCondLst>
+                            <p:childTnLst>
+                              <p:par>
+                                <p:cTn id="13" presetID="10" presetClass="entr" presetSubtype="0" fill="hold" grpId="0" nodeType="clickEffect">
+                                  <p:stCondLst>
+                                    <p:cond delay="0"/>
+                                  </p:stCondLst>
+                                  <p:childTnLst>
+                                    <p:set>
+                                      <p:cBhvr>
+                                        <p:cTn id="14" dur="1" fill="hold">
+                                          <p:stCondLst>
+                                            <p:cond delay="0"/>
+                                          </p:stCondLst>
+                                        </p:cTn>
+                                        <p:tgtEl>
+                                          <p:spTgt spid="11"/>
+                                        </p:tgtEl>
+                                        <p:attrNameLst>
+                                          <p:attrName>style.visibility</p:attrName>
+                                        </p:attrNameLst>
+                                      </p:cBhvr>
+                                      <p:to>
+                                        <p:strVal val="visible"/>
+                                      </p:to>
+                                    </p:set>
+                                    <p:animEffect transition="in" filter="fade">
+                                      <p:cBhvr>
+                                        <p:cTn id="15" dur="500"/>
+                                        <p:tgtEl>
+                                          <p:spTgt spid="11"/>
+                                        </p:tgtEl>
+                                      </p:cBhvr>
+                                    </p:animEffect>
+                                  </p:childTnLst>
+                                </p:cTn>
+                              </p:par>
+                              <p:par>
+                                <p:cTn id="16" presetID="10" presetClass="entr" presetSubtype="0" fill="hold" grpId="0" nodeType="withEffect">
+                                  <p:stCondLst>
+                                    <p:cond delay="0"/>
+                                  </p:stCondLst>
+                                  <p:childTnLst>
+                                    <p:set>
+                                      <p:cBhvr>
+                                        <p:cTn id="17" dur="1" fill="hold">
+                                          <p:stCondLst>
+                                            <p:cond delay="0"/>
+                                          </p:stCondLst>
+                                        </p:cTn>
+                                        <p:tgtEl>
+                                          <p:spTgt spid="10"/>
+                                        </p:tgtEl>
+                                        <p:attrNameLst>
+                                          <p:attrName>style.visibility</p:attrName>
+                                        </p:attrNameLst>
+                                      </p:cBhvr>
+                                      <p:to>
+                                        <p:strVal val="visible"/>
+                                      </p:to>
+                                    </p:set>
+                                    <p:animEffect transition="in" filter="fade">
+                                      <p:cBhvr>
+                                        <p:cTn id="18" dur="500"/>
+                                        <p:tgtEl>
+                                          <p:spTgt spid="10"/>
+                                        </p:tgtEl>
+                                      </p:cBhvr>
+                                    </p:animEffect>
+                                  </p:childTnLst>
+                                </p:cTn>
+                              </p:par>
+                              <p:par>
+                                <p:cTn id="19" presetID="10" presetClass="entr" presetSubtype="0" fill="hold" nodeType="withEffect">
+                                  <p:stCondLst>
+                                    <p:cond delay="0"/>
+                                  </p:stCondLst>
+                                  <p:childTnLst>
+                                    <p:set>
+                                      <p:cBhvr>
+                                        <p:cTn id="20" dur="1" fill="hold">
+                                          <p:stCondLst>
+                                            <p:cond delay="0"/>
+                                          </p:stCondLst>
+                                        </p:cTn>
+                                        <p:tgtEl>
+                                          <p:spTgt spid="12"/>
+                                        </p:tgtEl>
+                                        <p:attrNameLst>
+                                          <p:attrName>style.visibility</p:attrName>
+                                        </p:attrNameLst>
+                                      </p:cBhvr>
+                                      <p:to>
+                                        <p:strVal val="visible"/>
+                                      </p:to>
+                                    </p:set>
+                                    <p:animEffect transition="in" filter="fade">
+                                      <p:cBhvr>
+                                        <p:cTn id="21" dur="500"/>
+                                        <p:tgtEl>
+                                          <p:spTgt spid="12"/>
+                                        </p:tgtEl>
+                                      </p:cBhvr>
+                                    </p:animEffect>
+                                  </p:childTnLst>
+                                </p:cTn>
+                              </p:par>
+                              <p:par>
+                                <p:cTn id="22" presetID="10" presetClass="entr" presetSubtype="0" fill="hold" grpId="0" nodeType="withEffect">
+                                  <p:stCondLst>
+                                    <p:cond delay="0"/>
+                                  </p:stCondLst>
+                                  <p:childTnLst>
+                                    <p:set>
+                                      <p:cBhvr>
+                                        <p:cTn id="23" dur="1" fill="hold">
+                                          <p:stCondLst>
+                                            <p:cond delay="0"/>
+                                          </p:stCondLst>
+                                        </p:cTn>
+                                        <p:tgtEl>
+                                          <p:spTgt spid="14"/>
+                                        </p:tgtEl>
+                                        <p:attrNameLst>
+                                          <p:attrName>style.visibility</p:attrName>
+                                        </p:attrNameLst>
+                                      </p:cBhvr>
+                                      <p:to>
+                                        <p:strVal val="visible"/>
+                                      </p:to>
+                                    </p:set>
+                                    <p:animEffect transition="in" filter="fade">
+                                      <p:cBhvr>
+                                        <p:cTn id="24" dur="500"/>
+                                        <p:tgtEl>
+                                          <p:spTgt spid="14"/>
+                                        </p:tgtEl>
+                                      </p:cBhvr>
+                                    </p:animEffect>
+                                  </p:childTnLst>
+                                </p:cTn>
+                              </p:par>
+                            </p:childTnLst>
+                          </p:cTn>
+                        </p:par>
+                      </p:childTnLst>
+                    </p:cTn>
+                  </p:par>
+                  <p:par>
+                    <p:cTn id="25" fill="hold">
+                      <p:stCondLst>
+                        <p:cond delay="indefinite"/>
+                      </p:stCondLst>
+                      <p:childTnLst>
+                        <p:par>
+                          <p:cTn id="26" fill="hold">
+                            <p:stCondLst>
+                              <p:cond delay="0"/>
+                            </p:stCondLst>
+                            <p:childTnLst>
+                              <p:par>
+                                <p:cTn id="27" presetID="10" presetClass="entr" presetSubtype="0" fill="hold" grpId="0" nodeType="clickEffect">
+                                  <p:stCondLst>
+                                    <p:cond delay="0"/>
+                                  </p:stCondLst>
+                                  <p:childTnLst>
+                                    <p:set>
+                                      <p:cBhvr>
+                                        <p:cTn id="28" dur="1" fill="hold">
+                                          <p:stCondLst>
+                                            <p:cond delay="0"/>
+                                          </p:stCondLst>
+                                        </p:cTn>
+                                        <p:tgtEl>
+                                          <p:spTgt spid="18"/>
+                                        </p:tgtEl>
+                                        <p:attrNameLst>
+                                          <p:attrName>style.visibility</p:attrName>
+                                        </p:attrNameLst>
+                                      </p:cBhvr>
+                                      <p:to>
+                                        <p:strVal val="visible"/>
+                                      </p:to>
+                                    </p:set>
+                                    <p:animEffect transition="in" filter="fade">
+                                      <p:cBhvr>
+                                        <p:cTn id="29" dur="500"/>
+                                        <p:tgtEl>
+                                          <p:spTgt spid="18"/>
+                                        </p:tgtEl>
+                                      </p:cBhvr>
+                                    </p:animEffect>
+                                  </p:childTnLst>
+                                </p:cTn>
+                              </p:par>
+                              <p:par>
+                                <p:cTn id="30" presetID="10" presetClass="entr" presetSubtype="0" fill="hold" grpId="0" nodeType="withEffect">
+                                  <p:stCondLst>
+                                    <p:cond delay="0"/>
+                                  </p:stCondLst>
+                                  <p:childTnLst>
+                                    <p:set>
+                                      <p:cBhvr>
+                                        <p:cTn id="31" dur="1" fill="hold">
+                                          <p:stCondLst>
+                                            <p:cond delay="0"/>
+                                          </p:stCondLst>
+                                        </p:cTn>
+                                        <p:tgtEl>
+                                          <p:spTgt spid="17"/>
+                                        </p:tgtEl>
+                                        <p:attrNameLst>
+                                          <p:attrName>style.visibility</p:attrName>
+                                        </p:attrNameLst>
+                                      </p:cBhvr>
+                                      <p:to>
+                                        <p:strVal val="visible"/>
+                                      </p:to>
+                                    </p:set>
+                                    <p:animEffect transition="in" filter="fade">
+                                      <p:cBhvr>
+                                        <p:cTn id="32" dur="500"/>
+                                        <p:tgtEl>
+                                          <p:spTgt spid="17"/>
+                                        </p:tgtEl>
+                                      </p:cBhvr>
+                                    </p:animEffect>
+                                  </p:childTnLst>
+                                </p:cTn>
+                              </p:par>
+                            </p:childTnLst>
+                          </p:cTn>
+                        </p:par>
+                      </p:childTnLst>
+                    </p:cTn>
+                  </p:par>
+                  <p:par>
+                    <p:cTn id="33" fill="hold">
+                      <p:stCondLst>
+                        <p:cond delay="indefinite"/>
+                      </p:stCondLst>
+                      <p:childTnLst>
+                        <p:par>
+                          <p:cTn id="34" fill="hold">
+                            <p:stCondLst>
+                              <p:cond delay="0"/>
+                            </p:stCondLst>
+                            <p:childTnLst>
+                              <p:par>
+                                <p:cTn id="35" presetID="10" presetClass="entr" presetSubtype="0" fill="hold" grpId="0" nodeType="clickEffect">
+                                  <p:stCondLst>
+                                    <p:cond delay="0"/>
+                                  </p:stCondLst>
+                                  <p:childTnLst>
+                                    <p:set>
+                                      <p:cBhvr>
+                                        <p:cTn id="36" dur="1" fill="hold">
+                                          <p:stCondLst>
+                                            <p:cond delay="0"/>
+                                          </p:stCondLst>
+                                        </p:cTn>
+                                        <p:tgtEl>
+                                          <p:spTgt spid="23"/>
+                                        </p:tgtEl>
+                                        <p:attrNameLst>
+                                          <p:attrName>style.visibility</p:attrName>
+                                        </p:attrNameLst>
+                                      </p:cBhvr>
+                                      <p:to>
+                                        <p:strVal val="visible"/>
+                                      </p:to>
+                                    </p:set>
+                                    <p:animEffect transition="in" filter="fade">
+                                      <p:cBhvr>
+                                        <p:cTn id="37" dur="500"/>
+                                        <p:tgtEl>
+                                          <p:spTgt spid="23"/>
+                                        </p:tgtEl>
+                                      </p:cBhvr>
+                                    </p:animEffect>
+                                  </p:childTnLst>
+                                </p:cTn>
+                              </p:par>
+                              <p:par>
+                                <p:cTn id="38" presetID="10" presetClass="entr" presetSubtype="0" fill="hold" grpId="0" nodeType="withEffect">
+                                  <p:stCondLst>
+                                    <p:cond delay="0"/>
+                                  </p:stCondLst>
+                                  <p:childTnLst>
+                                    <p:set>
+                                      <p:cBhvr>
+                                        <p:cTn id="39" dur="1" fill="hold">
+                                          <p:stCondLst>
+                                            <p:cond delay="0"/>
+                                          </p:stCondLst>
+                                        </p:cTn>
+                                        <p:tgtEl>
+                                          <p:spTgt spid="25"/>
+                                        </p:tgtEl>
+                                        <p:attrNameLst>
+                                          <p:attrName>style.visibility</p:attrName>
+                                        </p:attrNameLst>
+                                      </p:cBhvr>
+                                      <p:to>
+                                        <p:strVal val="visible"/>
+                                      </p:to>
+                                    </p:set>
+                                    <p:animEffect transition="in" filter="fade">
+                                      <p:cBhvr>
+                                        <p:cTn id="40" dur="500"/>
+                                        <p:tgtEl>
+                                          <p:spTgt spid="25"/>
+                                        </p:tgtEl>
+                                      </p:cBhvr>
+                                    </p:animEffect>
+                                  </p:childTnLst>
+                                </p:cTn>
+                              </p:par>
+                              <p:par>
+                                <p:cTn id="41" presetID="10" presetClass="entr" presetSubtype="0" fill="hold" nodeType="withEffect">
+                                  <p:stCondLst>
+                                    <p:cond delay="0"/>
+                                  </p:stCondLst>
+                                  <p:childTnLst>
+                                    <p:set>
+                                      <p:cBhvr>
+                                        <p:cTn id="42" dur="1" fill="hold">
+                                          <p:stCondLst>
+                                            <p:cond delay="0"/>
+                                          </p:stCondLst>
+                                        </p:cTn>
+                                        <p:tgtEl>
+                                          <p:spTgt spid="22"/>
+                                        </p:tgtEl>
+                                        <p:attrNameLst>
+                                          <p:attrName>style.visibility</p:attrName>
+                                        </p:attrNameLst>
+                                      </p:cBhvr>
+                                      <p:to>
+                                        <p:strVal val="visible"/>
+                                      </p:to>
+                                    </p:set>
+                                    <p:animEffect transition="in" filter="fade">
+                                      <p:cBhvr>
+                                        <p:cTn id="43" dur="500"/>
+                                        <p:tgtEl>
+                                          <p:spTgt spid="22"/>
+                                        </p:tgtEl>
+                                      </p:cBhvr>
+                                    </p:animEffect>
+                                  </p:childTnLst>
+                                </p:cTn>
+                              </p:par>
+                              <p:par>
+                                <p:cTn id="44" presetID="10" presetClass="entr" presetSubtype="0" fill="hold" grpId="0" nodeType="withEffect">
+                                  <p:stCondLst>
+                                    <p:cond delay="0"/>
+                                  </p:stCondLst>
+                                  <p:childTnLst>
+                                    <p:set>
+                                      <p:cBhvr>
+                                        <p:cTn id="45" dur="1" fill="hold">
+                                          <p:stCondLst>
+                                            <p:cond delay="0"/>
+                                          </p:stCondLst>
+                                        </p:cTn>
+                                        <p:tgtEl>
+                                          <p:spTgt spid="21"/>
+                                        </p:tgtEl>
+                                        <p:attrNameLst>
+                                          <p:attrName>style.visibility</p:attrName>
+                                        </p:attrNameLst>
+                                      </p:cBhvr>
+                                      <p:to>
+                                        <p:strVal val="visible"/>
+                                      </p:to>
+                                    </p:set>
+                                    <p:animEffect transition="in" filter="fade">
+                                      <p:cBhvr>
+                                        <p:cTn id="46" dur="500"/>
+                                        <p:tgtEl>
+                                          <p:spTgt spid="21"/>
+                                        </p:tgtEl>
+                                      </p:cBhvr>
+                                    </p:animEffect>
+                                  </p:childTnLst>
+                                </p:cTn>
+                              </p:par>
+                            </p:childTnLst>
+                          </p:cTn>
+                        </p:par>
+                      </p:childTnLst>
+                    </p:cTn>
+                  </p:par>
+                  <p:par>
+                    <p:cTn id="47" fill="hold">
+                      <p:stCondLst>
+                        <p:cond delay="indefinite"/>
+                      </p:stCondLst>
+                      <p:childTnLst>
+                        <p:par>
+                          <p:cTn id="48" fill="hold">
+                            <p:stCondLst>
+                              <p:cond delay="0"/>
+                            </p:stCondLst>
+                            <p:childTnLst>
+                              <p:par>
+                                <p:cTn id="49" presetID="10" presetClass="entr" presetSubtype="0" fill="hold" grpId="0" nodeType="clickEffect">
+                                  <p:stCondLst>
+                                    <p:cond delay="0"/>
+                                  </p:stCondLst>
+                                  <p:childTnLst>
+                                    <p:set>
+                                      <p:cBhvr>
+                                        <p:cTn id="50" dur="1" fill="hold">
+                                          <p:stCondLst>
+                                            <p:cond delay="0"/>
+                                          </p:stCondLst>
+                                        </p:cTn>
+                                        <p:tgtEl>
+                                          <p:spTgt spid="24"/>
+                                        </p:tgtEl>
+                                        <p:attrNameLst>
+                                          <p:attrName>style.visibility</p:attrName>
+                                        </p:attrNameLst>
+                                      </p:cBhvr>
+                                      <p:to>
+                                        <p:strVal val="visible"/>
+                                      </p:to>
+                                    </p:set>
+                                    <p:animEffect transition="in" filter="fade">
+                                      <p:cBhvr>
+                                        <p:cTn id="51" dur="500"/>
+                                        <p:tgtEl>
+                                          <p:spTgt spid="24"/>
+                                        </p:tgtEl>
+                                      </p:cBhvr>
+                                    </p:animEffect>
+                                  </p:childTnLst>
+                                </p:cTn>
+                              </p:par>
+                              <p:par>
+                                <p:cTn id="52" presetID="10" presetClass="entr" presetSubtype="0" fill="hold" nodeType="withEffect">
+                                  <p:stCondLst>
+                                    <p:cond delay="0"/>
+                                  </p:stCondLst>
+                                  <p:childTnLst>
+                                    <p:set>
+                                      <p:cBhvr>
+                                        <p:cTn id="53" dur="1" fill="hold">
+                                          <p:stCondLst>
+                                            <p:cond delay="0"/>
+                                          </p:stCondLst>
+                                        </p:cTn>
+                                        <p:tgtEl>
+                                          <p:spTgt spid="26"/>
+                                        </p:tgtEl>
+                                        <p:attrNameLst>
+                                          <p:attrName>style.visibility</p:attrName>
+                                        </p:attrNameLst>
+                                      </p:cBhvr>
+                                      <p:to>
+                                        <p:strVal val="visible"/>
+                                      </p:to>
+                                    </p:set>
+                                    <p:animEffect transition="in" filter="fade">
+                                      <p:cBhvr>
+                                        <p:cTn id="54" dur="500"/>
+                                        <p:tgtEl>
+                                          <p:spTgt spid="26"/>
+                                        </p:tgtEl>
+                                      </p:cBhvr>
+                                    </p:animEffect>
+                                  </p:childTnLst>
+                                </p:cTn>
+                              </p:par>
+                            </p:childTnLst>
+                          </p:cTn>
+                        </p:par>
+                      </p:childTnLst>
+                    </p:cTn>
+                  </p:par>
+                </p:childTnLst>
+              </p:cTn>
+              <p:prevCondLst>
+                <p:cond evt="onPrev" delay="0">
+                  <p:tgtEl>
+                    <p:sldTgt/>
+                  </p:tgtEl>
+                </p:cond>
+              </p:prevCondLst>
+              <p:nextCondLst>
+                <p:cond evt="onNext" delay="0">
+                  <p:tgtEl>
+                    <p:sldTgt/>
+                  </p:tgtEl>
+                </p:cond>
+              </p:nextCondLst>
+            </p:seq>
+          </p:childTnLst>
+        </p:cTn>
+      </p:par>
+    </p:tnLst>
+    <p:bldLst>
+      <p:bldP spid="8" grpId="0" animBg="1"/>
+      <p:bldP spid="9" grpId="0"/>
+      <p:bldP spid="10" grpId="0" animBg="1"/>
+      <p:bldP spid="11" grpId="0"/>
+      <p:bldP spid="14" grpId="0"/>
+      <p:bldP spid="17" grpId="0" animBg="1"/>
+      <p:bldP spid="18" grpId="0"/>
+      <p:bldP spid="21" grpId="0" animBg="1"/>
+      <p:bldP spid="23" grpId="0"/>
+      <p:bldP spid="24" grpId="0"/>
+      <p:bldP spid="25" grpId="0"/>
+    </p:bldLst>
+  </p:timing>
+</p:sld>
+</file>
+
 <file path=ppt/theme/theme1.xml><?xml version="1.0" encoding="utf-8"?>
 <a:theme xmlns:a="http://schemas.openxmlformats.org/drawingml/2006/main" name="Office Theme">
   <a:themeElements>

--- a/material_de_apoio/resumo_pratico.pptx
+++ b/material_de_apoio/resumo_pratico.pptx
@@ -4,10 +4,14 @@
   <p:sldMasterIdLst>
     <p:sldMasterId id="2147483660" r:id="rId1"/>
   </p:sldMasterIdLst>
+  <p:notesMasterIdLst>
+    <p:notesMasterId r:id="rId6"/>
+  </p:notesMasterIdLst>
   <p:sldIdLst>
     <p:sldId id="256" r:id="rId2"/>
     <p:sldId id="257" r:id="rId3"/>
     <p:sldId id="258" r:id="rId4"/>
+    <p:sldId id="259" r:id="rId5"/>
   </p:sldIdLst>
   <p:sldSz cx="12192000" cy="6858000"/>
   <p:notesSz cx="6858000" cy="9144000"/>
@@ -112,6 +116,440 @@
     </p:ext>
   </p:extLst>
 </p:presentation>
+</file>
+
+<file path=ppt/notesMasters/notesMaster1.xml><?xml version="1.0" encoding="utf-8"?>
+<p:notesMaster xmlns:a="http://schemas.openxmlformats.org/drawingml/2006/main" xmlns:r="http://schemas.openxmlformats.org/officeDocument/2006/relationships" xmlns:p="http://schemas.openxmlformats.org/presentationml/2006/main">
+  <p:cSld>
+    <p:bg>
+      <p:bgRef idx="1001">
+        <a:schemeClr val="bg1"/>
+      </p:bgRef>
+    </p:bg>
+    <p:spTree>
+      <p:nvGrpSpPr>
+        <p:cNvPr id="1" name=""/>
+        <p:cNvGrpSpPr/>
+        <p:nvPr/>
+      </p:nvGrpSpPr>
+      <p:grpSpPr>
+        <a:xfrm>
+          <a:off x="0" y="0"/>
+          <a:ext cx="0" cy="0"/>
+          <a:chOff x="0" y="0"/>
+          <a:chExt cx="0" cy="0"/>
+        </a:xfrm>
+      </p:grpSpPr>
+      <p:sp>
+        <p:nvSpPr>
+          <p:cNvPr id="2" name="Espaço Reservado para Cabeçalho 1"/>
+          <p:cNvSpPr>
+            <a:spLocks noGrp="1"/>
+          </p:cNvSpPr>
+          <p:nvPr>
+            <p:ph type="hdr" sz="quarter"/>
+          </p:nvPr>
+        </p:nvSpPr>
+        <p:spPr>
+          <a:xfrm>
+            <a:off x="0" y="0"/>
+            <a:ext cx="2971800" cy="458788"/>
+          </a:xfrm>
+          <a:prstGeom prst="rect">
+            <a:avLst/>
+          </a:prstGeom>
+        </p:spPr>
+        <p:txBody>
+          <a:bodyPr vert="horz" lIns="91440" tIns="45720" rIns="91440" bIns="45720" rtlCol="0"/>
+          <a:lstStyle>
+            <a:lvl1pPr algn="l">
+              <a:defRPr sz="1200"/>
+            </a:lvl1pPr>
+          </a:lstStyle>
+          <a:p>
+            <a:endParaRPr lang="pt-BR"/>
+          </a:p>
+        </p:txBody>
+      </p:sp>
+      <p:sp>
+        <p:nvSpPr>
+          <p:cNvPr id="3" name="Espaço Reservado para Data 2"/>
+          <p:cNvSpPr>
+            <a:spLocks noGrp="1"/>
+          </p:cNvSpPr>
+          <p:nvPr>
+            <p:ph type="dt" idx="1"/>
+          </p:nvPr>
+        </p:nvSpPr>
+        <p:spPr>
+          <a:xfrm>
+            <a:off x="3884613" y="0"/>
+            <a:ext cx="2971800" cy="458788"/>
+          </a:xfrm>
+          <a:prstGeom prst="rect">
+            <a:avLst/>
+          </a:prstGeom>
+        </p:spPr>
+        <p:txBody>
+          <a:bodyPr vert="horz" lIns="91440" tIns="45720" rIns="91440" bIns="45720" rtlCol="0"/>
+          <a:lstStyle>
+            <a:lvl1pPr algn="r">
+              <a:defRPr sz="1200"/>
+            </a:lvl1pPr>
+          </a:lstStyle>
+          <a:p>
+            <a:fld id="{84F8FAB4-CDC9-4783-9150-ADAB9E9698F4}" type="datetimeFigureOut">
+              <a:rPr lang="pt-BR" smtClean="0"/>
+              <a:t>13/02/2023</a:t>
+            </a:fld>
+            <a:endParaRPr lang="pt-BR"/>
+          </a:p>
+        </p:txBody>
+      </p:sp>
+      <p:sp>
+        <p:nvSpPr>
+          <p:cNvPr id="4" name="Espaço Reservado para Imagem de Slide 3"/>
+          <p:cNvSpPr>
+            <a:spLocks noGrp="1" noRot="1" noChangeAspect="1"/>
+          </p:cNvSpPr>
+          <p:nvPr>
+            <p:ph type="sldImg" idx="2"/>
+          </p:nvPr>
+        </p:nvSpPr>
+        <p:spPr>
+          <a:xfrm>
+            <a:off x="685800" y="1143000"/>
+            <a:ext cx="5486400" cy="3086100"/>
+          </a:xfrm>
+          <a:prstGeom prst="rect">
+            <a:avLst/>
+          </a:prstGeom>
+          <a:noFill/>
+          <a:ln w="12700">
+            <a:solidFill>
+              <a:prstClr val="black"/>
+            </a:solidFill>
+          </a:ln>
+        </p:spPr>
+        <p:txBody>
+          <a:bodyPr vert="horz" lIns="91440" tIns="45720" rIns="91440" bIns="45720" rtlCol="0" anchor="ctr"/>
+          <a:lstStyle/>
+          <a:p>
+            <a:endParaRPr lang="pt-BR"/>
+          </a:p>
+        </p:txBody>
+      </p:sp>
+      <p:sp>
+        <p:nvSpPr>
+          <p:cNvPr id="5" name="Espaço Reservado para Anotações 4"/>
+          <p:cNvSpPr>
+            <a:spLocks noGrp="1"/>
+          </p:cNvSpPr>
+          <p:nvPr>
+            <p:ph type="body" sz="quarter" idx="3"/>
+          </p:nvPr>
+        </p:nvSpPr>
+        <p:spPr>
+          <a:xfrm>
+            <a:off x="685800" y="4400550"/>
+            <a:ext cx="5486400" cy="3600450"/>
+          </a:xfrm>
+          <a:prstGeom prst="rect">
+            <a:avLst/>
+          </a:prstGeom>
+        </p:spPr>
+        <p:txBody>
+          <a:bodyPr vert="horz" lIns="91440" tIns="45720" rIns="91440" bIns="45720" rtlCol="0"/>
+          <a:lstStyle/>
+          <a:p>
+            <a:pPr lvl="0"/>
+            <a:r>
+              <a:rPr lang="pt-BR" smtClean="0"/>
+              <a:t>Clique para editar o texto mestre</a:t>
+            </a:r>
+          </a:p>
+          <a:p>
+            <a:pPr lvl="1"/>
+            <a:r>
+              <a:rPr lang="pt-BR" smtClean="0"/>
+              <a:t>Segundo nível</a:t>
+            </a:r>
+          </a:p>
+          <a:p>
+            <a:pPr lvl="2"/>
+            <a:r>
+              <a:rPr lang="pt-BR" smtClean="0"/>
+              <a:t>Terceiro nível</a:t>
+            </a:r>
+          </a:p>
+          <a:p>
+            <a:pPr lvl="3"/>
+            <a:r>
+              <a:rPr lang="pt-BR" smtClean="0"/>
+              <a:t>Quarto nível</a:t>
+            </a:r>
+          </a:p>
+          <a:p>
+            <a:pPr lvl="4"/>
+            <a:r>
+              <a:rPr lang="pt-BR" smtClean="0"/>
+              <a:t>Quinto nível</a:t>
+            </a:r>
+            <a:endParaRPr lang="pt-BR"/>
+          </a:p>
+        </p:txBody>
+      </p:sp>
+      <p:sp>
+        <p:nvSpPr>
+          <p:cNvPr id="6" name="Espaço Reservado para Rodapé 5"/>
+          <p:cNvSpPr>
+            <a:spLocks noGrp="1"/>
+          </p:cNvSpPr>
+          <p:nvPr>
+            <p:ph type="ftr" sz="quarter" idx="4"/>
+          </p:nvPr>
+        </p:nvSpPr>
+        <p:spPr>
+          <a:xfrm>
+            <a:off x="0" y="8685213"/>
+            <a:ext cx="2971800" cy="458787"/>
+          </a:xfrm>
+          <a:prstGeom prst="rect">
+            <a:avLst/>
+          </a:prstGeom>
+        </p:spPr>
+        <p:txBody>
+          <a:bodyPr vert="horz" lIns="91440" tIns="45720" rIns="91440" bIns="45720" rtlCol="0" anchor="b"/>
+          <a:lstStyle>
+            <a:lvl1pPr algn="l">
+              <a:defRPr sz="1200"/>
+            </a:lvl1pPr>
+          </a:lstStyle>
+          <a:p>
+            <a:endParaRPr lang="pt-BR"/>
+          </a:p>
+        </p:txBody>
+      </p:sp>
+      <p:sp>
+        <p:nvSpPr>
+          <p:cNvPr id="7" name="Espaço Reservado para Número de Slide 6"/>
+          <p:cNvSpPr>
+            <a:spLocks noGrp="1"/>
+          </p:cNvSpPr>
+          <p:nvPr>
+            <p:ph type="sldNum" sz="quarter" idx="5"/>
+          </p:nvPr>
+        </p:nvSpPr>
+        <p:spPr>
+          <a:xfrm>
+            <a:off x="3884613" y="8685213"/>
+            <a:ext cx="2971800" cy="458787"/>
+          </a:xfrm>
+          <a:prstGeom prst="rect">
+            <a:avLst/>
+          </a:prstGeom>
+        </p:spPr>
+        <p:txBody>
+          <a:bodyPr vert="horz" lIns="91440" tIns="45720" rIns="91440" bIns="45720" rtlCol="0" anchor="b"/>
+          <a:lstStyle>
+            <a:lvl1pPr algn="r">
+              <a:defRPr sz="1200"/>
+            </a:lvl1pPr>
+          </a:lstStyle>
+          <a:p>
+            <a:fld id="{F6A099E1-500E-4369-A36A-E001CECA3727}" type="slidenum">
+              <a:rPr lang="pt-BR" smtClean="0"/>
+              <a:t>‹nº›</a:t>
+            </a:fld>
+            <a:endParaRPr lang="pt-BR"/>
+          </a:p>
+        </p:txBody>
+      </p:sp>
+    </p:spTree>
+    <p:extLst>
+      <p:ext uri="{BB962C8B-B14F-4D97-AF65-F5344CB8AC3E}">
+        <p14:creationId xmlns:p14="http://schemas.microsoft.com/office/powerpoint/2010/main" val="1036149346"/>
+      </p:ext>
+    </p:extLst>
+  </p:cSld>
+  <p:clrMap bg1="lt1" tx1="dk1" bg2="lt2" tx2="dk2" accent1="accent1" accent2="accent2" accent3="accent3" accent4="accent4" accent5="accent5" accent6="accent6" hlink="hlink" folHlink="folHlink"/>
+  <p:notesStyle>
+    <a:lvl1pPr marL="0" algn="l" defTabSz="914400" rtl="0" eaLnBrk="1" latinLnBrk="0" hangingPunct="1">
+      <a:defRPr sz="1200" kern="1200">
+        <a:solidFill>
+          <a:schemeClr val="tx1"/>
+        </a:solidFill>
+        <a:latin typeface="+mn-lt"/>
+        <a:ea typeface="+mn-ea"/>
+        <a:cs typeface="+mn-cs"/>
+      </a:defRPr>
+    </a:lvl1pPr>
+    <a:lvl2pPr marL="457200" algn="l" defTabSz="914400" rtl="0" eaLnBrk="1" latinLnBrk="0" hangingPunct="1">
+      <a:defRPr sz="1200" kern="1200">
+        <a:solidFill>
+          <a:schemeClr val="tx1"/>
+        </a:solidFill>
+        <a:latin typeface="+mn-lt"/>
+        <a:ea typeface="+mn-ea"/>
+        <a:cs typeface="+mn-cs"/>
+      </a:defRPr>
+    </a:lvl2pPr>
+    <a:lvl3pPr marL="914400" algn="l" defTabSz="914400" rtl="0" eaLnBrk="1" latinLnBrk="0" hangingPunct="1">
+      <a:defRPr sz="1200" kern="1200">
+        <a:solidFill>
+          <a:schemeClr val="tx1"/>
+        </a:solidFill>
+        <a:latin typeface="+mn-lt"/>
+        <a:ea typeface="+mn-ea"/>
+        <a:cs typeface="+mn-cs"/>
+      </a:defRPr>
+    </a:lvl3pPr>
+    <a:lvl4pPr marL="1371600" algn="l" defTabSz="914400" rtl="0" eaLnBrk="1" latinLnBrk="0" hangingPunct="1">
+      <a:defRPr sz="1200" kern="1200">
+        <a:solidFill>
+          <a:schemeClr val="tx1"/>
+        </a:solidFill>
+        <a:latin typeface="+mn-lt"/>
+        <a:ea typeface="+mn-ea"/>
+        <a:cs typeface="+mn-cs"/>
+      </a:defRPr>
+    </a:lvl4pPr>
+    <a:lvl5pPr marL="1828800" algn="l" defTabSz="914400" rtl="0" eaLnBrk="1" latinLnBrk="0" hangingPunct="1">
+      <a:defRPr sz="1200" kern="1200">
+        <a:solidFill>
+          <a:schemeClr val="tx1"/>
+        </a:solidFill>
+        <a:latin typeface="+mn-lt"/>
+        <a:ea typeface="+mn-ea"/>
+        <a:cs typeface="+mn-cs"/>
+      </a:defRPr>
+    </a:lvl5pPr>
+    <a:lvl6pPr marL="2286000" algn="l" defTabSz="914400" rtl="0" eaLnBrk="1" latinLnBrk="0" hangingPunct="1">
+      <a:defRPr sz="1200" kern="1200">
+        <a:solidFill>
+          <a:schemeClr val="tx1"/>
+        </a:solidFill>
+        <a:latin typeface="+mn-lt"/>
+        <a:ea typeface="+mn-ea"/>
+        <a:cs typeface="+mn-cs"/>
+      </a:defRPr>
+    </a:lvl6pPr>
+    <a:lvl7pPr marL="2743200" algn="l" defTabSz="914400" rtl="0" eaLnBrk="1" latinLnBrk="0" hangingPunct="1">
+      <a:defRPr sz="1200" kern="1200">
+        <a:solidFill>
+          <a:schemeClr val="tx1"/>
+        </a:solidFill>
+        <a:latin typeface="+mn-lt"/>
+        <a:ea typeface="+mn-ea"/>
+        <a:cs typeface="+mn-cs"/>
+      </a:defRPr>
+    </a:lvl7pPr>
+    <a:lvl8pPr marL="3200400" algn="l" defTabSz="914400" rtl="0" eaLnBrk="1" latinLnBrk="0" hangingPunct="1">
+      <a:defRPr sz="1200" kern="1200">
+        <a:solidFill>
+          <a:schemeClr val="tx1"/>
+        </a:solidFill>
+        <a:latin typeface="+mn-lt"/>
+        <a:ea typeface="+mn-ea"/>
+        <a:cs typeface="+mn-cs"/>
+      </a:defRPr>
+    </a:lvl8pPr>
+    <a:lvl9pPr marL="3657600" algn="l" defTabSz="914400" rtl="0" eaLnBrk="1" latinLnBrk="0" hangingPunct="1">
+      <a:defRPr sz="1200" kern="1200">
+        <a:solidFill>
+          <a:schemeClr val="tx1"/>
+        </a:solidFill>
+        <a:latin typeface="+mn-lt"/>
+        <a:ea typeface="+mn-ea"/>
+        <a:cs typeface="+mn-cs"/>
+      </a:defRPr>
+    </a:lvl9pPr>
+  </p:notesStyle>
+</p:notesMaster>
+</file>
+
+<file path=ppt/notesSlides/notesSlide1.xml><?xml version="1.0" encoding="utf-8"?>
+<p:notes xmlns:a="http://schemas.openxmlformats.org/drawingml/2006/main" xmlns:r="http://schemas.openxmlformats.org/officeDocument/2006/relationships" xmlns:p="http://schemas.openxmlformats.org/presentationml/2006/main">
+  <p:cSld>
+    <p:spTree>
+      <p:nvGrpSpPr>
+        <p:cNvPr id="1" name=""/>
+        <p:cNvGrpSpPr/>
+        <p:nvPr/>
+      </p:nvGrpSpPr>
+      <p:grpSpPr>
+        <a:xfrm>
+          <a:off x="0" y="0"/>
+          <a:ext cx="0" cy="0"/>
+          <a:chOff x="0" y="0"/>
+          <a:chExt cx="0" cy="0"/>
+        </a:xfrm>
+      </p:grpSpPr>
+      <p:sp>
+        <p:nvSpPr>
+          <p:cNvPr id="2" name="Espaço Reservado para Imagem de Slide 1"/>
+          <p:cNvSpPr>
+            <a:spLocks noGrp="1" noRot="1" noChangeAspect="1"/>
+          </p:cNvSpPr>
+          <p:nvPr>
+            <p:ph type="sldImg"/>
+          </p:nvPr>
+        </p:nvSpPr>
+        <p:spPr/>
+      </p:sp>
+      <p:sp>
+        <p:nvSpPr>
+          <p:cNvPr id="3" name="Espaço Reservado para Anotações 2"/>
+          <p:cNvSpPr>
+            <a:spLocks noGrp="1"/>
+          </p:cNvSpPr>
+          <p:nvPr>
+            <p:ph type="body" idx="1"/>
+          </p:nvPr>
+        </p:nvSpPr>
+        <p:spPr/>
+        <p:txBody>
+          <a:bodyPr/>
+          <a:lstStyle/>
+          <a:p>
+            <a:endParaRPr lang="pt-BR" dirty="0"/>
+          </a:p>
+        </p:txBody>
+      </p:sp>
+      <p:sp>
+        <p:nvSpPr>
+          <p:cNvPr id="4" name="Espaço Reservado para Número de Slide 3"/>
+          <p:cNvSpPr>
+            <a:spLocks noGrp="1"/>
+          </p:cNvSpPr>
+          <p:nvPr>
+            <p:ph type="sldNum" sz="quarter" idx="10"/>
+          </p:nvPr>
+        </p:nvSpPr>
+        <p:spPr/>
+        <p:txBody>
+          <a:bodyPr/>
+          <a:lstStyle/>
+          <a:p>
+            <a:fld id="{F6A099E1-500E-4369-A36A-E001CECA3727}" type="slidenum">
+              <a:rPr lang="pt-BR" smtClean="0"/>
+              <a:t>4</a:t>
+            </a:fld>
+            <a:endParaRPr lang="pt-BR"/>
+          </a:p>
+        </p:txBody>
+      </p:sp>
+    </p:spTree>
+    <p:extLst>
+      <p:ext uri="{BB962C8B-B14F-4D97-AF65-F5344CB8AC3E}">
+        <p14:creationId xmlns:p14="http://schemas.microsoft.com/office/powerpoint/2010/main" val="2722460365"/>
+      </p:ext>
+    </p:extLst>
+  </p:cSld>
+  <p:clrMapOvr>
+    <a:masterClrMapping/>
+  </p:clrMapOvr>
+</p:notes>
 </file>
 
 <file path=ppt/slideLayouts/slideLayout1.xml><?xml version="1.0" encoding="utf-8"?>
@@ -3904,7 +4342,7 @@
         </p:blipFill>
         <p:spPr>
           <a:xfrm>
-            <a:off x="6160220" y="4363004"/>
+            <a:off x="6143204" y="4350412"/>
             <a:ext cx="593010" cy="730919"/>
           </a:xfrm>
           <a:prstGeom prst="rect">
@@ -4675,6 +5113,2882 @@
       <p:bldP spid="23" grpId="0"/>
       <p:bldP spid="24" grpId="0"/>
       <p:bldP spid="25" grpId="0"/>
+    </p:bldLst>
+  </p:timing>
+</p:sld>
+</file>
+
+<file path=ppt/slides/slide4.xml><?xml version="1.0" encoding="utf-8"?>
+<p:sld xmlns:a="http://schemas.openxmlformats.org/drawingml/2006/main" xmlns:r="http://schemas.openxmlformats.org/officeDocument/2006/relationships" xmlns:p="http://schemas.openxmlformats.org/presentationml/2006/main">
+  <p:cSld>
+    <p:spTree>
+      <p:nvGrpSpPr>
+        <p:cNvPr id="1" name=""/>
+        <p:cNvGrpSpPr/>
+        <p:nvPr/>
+      </p:nvGrpSpPr>
+      <p:grpSpPr>
+        <a:xfrm>
+          <a:off x="0" y="0"/>
+          <a:ext cx="0" cy="0"/>
+          <a:chOff x="0" y="0"/>
+          <a:chExt cx="0" cy="0"/>
+        </a:xfrm>
+      </p:grpSpPr>
+      <p:sp>
+        <p:nvSpPr>
+          <p:cNvPr id="2" name="Título 1"/>
+          <p:cNvSpPr>
+            <a:spLocks noGrp="1"/>
+          </p:cNvSpPr>
+          <p:nvPr>
+            <p:ph type="title"/>
+          </p:nvPr>
+        </p:nvSpPr>
+        <p:spPr>
+          <a:xfrm>
+            <a:off x="142164" y="110689"/>
+            <a:ext cx="10515600" cy="644809"/>
+          </a:xfrm>
+        </p:spPr>
+        <p:txBody>
+          <a:bodyPr>
+            <a:normAutofit/>
+          </a:bodyPr>
+          <a:lstStyle/>
+          <a:p>
+            <a:r>
+              <a:rPr lang="pt-BR" sz="3200" dirty="0" smtClean="0">
+                <a:latin typeface="Consolas" panose="020B0609020204030204" pitchFamily="49" charset="0"/>
+              </a:rPr>
+              <a:t>Tipos primitivos em Java</a:t>
+            </a:r>
+            <a:endParaRPr lang="pt-BR" sz="3200" dirty="0">
+              <a:latin typeface="Consolas" panose="020B0609020204030204" pitchFamily="49" charset="0"/>
+            </a:endParaRPr>
+          </a:p>
+        </p:txBody>
+      </p:sp>
+      <p:pic>
+        <p:nvPicPr>
+          <p:cNvPr id="4" name="Imagem 3"/>
+          <p:cNvPicPr>
+            <a:picLocks noChangeAspect="1"/>
+          </p:cNvPicPr>
+          <p:nvPr/>
+        </p:nvPicPr>
+        <p:blipFill>
+          <a:blip r:embed="rId3" cstate="print">
+            <a:extLst>
+              <a:ext uri="{28A0092B-C50C-407E-A947-70E740481C1C}">
+                <a14:useLocalDpi xmlns:a14="http://schemas.microsoft.com/office/drawing/2010/main" val="0"/>
+              </a:ext>
+            </a:extLst>
+          </a:blip>
+          <a:stretch>
+            <a:fillRect/>
+          </a:stretch>
+        </p:blipFill>
+        <p:spPr>
+          <a:xfrm>
+            <a:off x="10441211" y="110689"/>
+            <a:ext cx="1750789" cy="2157949"/>
+          </a:xfrm>
+          <a:prstGeom prst="rect">
+            <a:avLst/>
+          </a:prstGeom>
+        </p:spPr>
+      </p:pic>
+      <p:sp>
+        <p:nvSpPr>
+          <p:cNvPr id="6" name="Retângulo 5"/>
+          <p:cNvSpPr/>
+          <p:nvPr/>
+        </p:nvSpPr>
+        <p:spPr>
+          <a:xfrm>
+            <a:off x="300250" y="859809"/>
+            <a:ext cx="7901215" cy="5677469"/>
+          </a:xfrm>
+          <a:prstGeom prst="rect">
+            <a:avLst/>
+          </a:prstGeom>
+          <a:noFill/>
+          <a:ln w="76200" cmpd="dbl">
+            <a:solidFill>
+              <a:schemeClr val="tx1">
+                <a:lumMod val="95000"/>
+              </a:schemeClr>
+            </a:solidFill>
+          </a:ln>
+        </p:spPr>
+        <p:style>
+          <a:lnRef idx="2">
+            <a:schemeClr val="accent1">
+              <a:shade val="50000"/>
+            </a:schemeClr>
+          </a:lnRef>
+          <a:fillRef idx="1001">
+            <a:schemeClr val="lt2"/>
+          </a:fillRef>
+          <a:effectRef idx="0">
+            <a:schemeClr val="accent1"/>
+          </a:effectRef>
+          <a:fontRef idx="minor">
+            <a:schemeClr val="lt1"/>
+          </a:fontRef>
+        </p:style>
+        <p:txBody>
+          <a:bodyPr rtlCol="0" anchor="t"/>
+          <a:lstStyle/>
+          <a:p>
+            <a:pPr algn="ctr"/>
+            <a:r>
+              <a:rPr lang="pt-BR" b="1" dirty="0" smtClean="0">
+                <a:latin typeface="Consolas" panose="020B0609020204030204" pitchFamily="49" charset="0"/>
+              </a:rPr>
+              <a:t>Tipos numéricos</a:t>
+            </a:r>
+            <a:endParaRPr lang="pt-BR" b="1" dirty="0">
+              <a:latin typeface="Consolas" panose="020B0609020204030204" pitchFamily="49" charset="0"/>
+            </a:endParaRPr>
+          </a:p>
+        </p:txBody>
+      </p:sp>
+      <p:sp>
+        <p:nvSpPr>
+          <p:cNvPr id="7" name="Retângulo 6"/>
+          <p:cNvSpPr/>
+          <p:nvPr/>
+        </p:nvSpPr>
+        <p:spPr>
+          <a:xfrm>
+            <a:off x="8384342" y="859808"/>
+            <a:ext cx="1944324" cy="5677469"/>
+          </a:xfrm>
+          <a:prstGeom prst="rect">
+            <a:avLst/>
+          </a:prstGeom>
+          <a:noFill/>
+          <a:ln w="76200" cmpd="dbl">
+            <a:solidFill>
+              <a:schemeClr val="tx1">
+                <a:lumMod val="95000"/>
+              </a:schemeClr>
+            </a:solidFill>
+          </a:ln>
+        </p:spPr>
+        <p:style>
+          <a:lnRef idx="2">
+            <a:schemeClr val="accent1">
+              <a:shade val="50000"/>
+            </a:schemeClr>
+          </a:lnRef>
+          <a:fillRef idx="1001">
+            <a:schemeClr val="lt2"/>
+          </a:fillRef>
+          <a:effectRef idx="0">
+            <a:schemeClr val="accent1"/>
+          </a:effectRef>
+          <a:fontRef idx="minor">
+            <a:schemeClr val="lt1"/>
+          </a:fontRef>
+        </p:style>
+        <p:txBody>
+          <a:bodyPr rtlCol="0" anchor="t"/>
+          <a:lstStyle/>
+          <a:p>
+            <a:pPr algn="ctr"/>
+            <a:r>
+              <a:rPr lang="pt-BR" b="1" dirty="0" smtClean="0">
+                <a:latin typeface="Consolas" panose="020B0609020204030204" pitchFamily="49" charset="0"/>
+              </a:rPr>
+              <a:t>Tipo booleano</a:t>
+            </a:r>
+            <a:endParaRPr lang="pt-BR" b="1" dirty="0">
+              <a:latin typeface="Consolas" panose="020B0609020204030204" pitchFamily="49" charset="0"/>
+            </a:endParaRPr>
+          </a:p>
+        </p:txBody>
+      </p:sp>
+      <p:sp>
+        <p:nvSpPr>
+          <p:cNvPr id="8" name="Retângulo 7"/>
+          <p:cNvSpPr/>
+          <p:nvPr/>
+        </p:nvSpPr>
+        <p:spPr>
+          <a:xfrm>
+            <a:off x="8539087" y="1357277"/>
+            <a:ext cx="1636433" cy="2449434"/>
+          </a:xfrm>
+          <a:prstGeom prst="rect">
+            <a:avLst/>
+          </a:prstGeom>
+          <a:noFill/>
+          <a:ln w="25400" cmpd="sng">
+            <a:solidFill>
+              <a:schemeClr val="tx1">
+                <a:lumMod val="95000"/>
+              </a:schemeClr>
+            </a:solidFill>
+            <a:prstDash val="sysDash"/>
+          </a:ln>
+        </p:spPr>
+        <p:style>
+          <a:lnRef idx="2">
+            <a:schemeClr val="accent1">
+              <a:shade val="50000"/>
+            </a:schemeClr>
+          </a:lnRef>
+          <a:fillRef idx="1001">
+            <a:schemeClr val="lt2"/>
+          </a:fillRef>
+          <a:effectRef idx="0">
+            <a:schemeClr val="accent1"/>
+          </a:effectRef>
+          <a:fontRef idx="minor">
+            <a:schemeClr val="lt1"/>
+          </a:fontRef>
+        </p:style>
+        <p:txBody>
+          <a:bodyPr rtlCol="0" anchor="ctr"/>
+          <a:lstStyle/>
+          <a:p>
+            <a:pPr algn="ctr"/>
+            <a:r>
+              <a:rPr lang="pt-BR" b="1" dirty="0" err="1" smtClean="0">
+                <a:latin typeface="Consolas" panose="020B0609020204030204" pitchFamily="49" charset="0"/>
+              </a:rPr>
+              <a:t>true</a:t>
+            </a:r>
+            <a:endParaRPr lang="pt-BR" b="1" dirty="0">
+              <a:latin typeface="Consolas" panose="020B0609020204030204" pitchFamily="49" charset="0"/>
+            </a:endParaRPr>
+          </a:p>
+        </p:txBody>
+      </p:sp>
+      <p:sp>
+        <p:nvSpPr>
+          <p:cNvPr id="9" name="Retângulo 8"/>
+          <p:cNvSpPr/>
+          <p:nvPr/>
+        </p:nvSpPr>
+        <p:spPr>
+          <a:xfrm>
+            <a:off x="8539087" y="3981157"/>
+            <a:ext cx="1636433" cy="2389167"/>
+          </a:xfrm>
+          <a:prstGeom prst="rect">
+            <a:avLst/>
+          </a:prstGeom>
+          <a:noFill/>
+          <a:ln w="25400" cmpd="sng">
+            <a:solidFill>
+              <a:schemeClr val="tx1">
+                <a:lumMod val="95000"/>
+              </a:schemeClr>
+            </a:solidFill>
+            <a:prstDash val="sysDash"/>
+          </a:ln>
+        </p:spPr>
+        <p:style>
+          <a:lnRef idx="2">
+            <a:schemeClr val="accent1">
+              <a:shade val="50000"/>
+            </a:schemeClr>
+          </a:lnRef>
+          <a:fillRef idx="1001">
+            <a:schemeClr val="lt2"/>
+          </a:fillRef>
+          <a:effectRef idx="0">
+            <a:schemeClr val="accent1"/>
+          </a:effectRef>
+          <a:fontRef idx="minor">
+            <a:schemeClr val="lt1"/>
+          </a:fontRef>
+        </p:style>
+        <p:txBody>
+          <a:bodyPr rtlCol="0" anchor="ctr"/>
+          <a:lstStyle/>
+          <a:p>
+            <a:pPr algn="ctr"/>
+            <a:r>
+              <a:rPr lang="pt-BR" b="1" dirty="0" smtClean="0">
+                <a:latin typeface="Consolas" panose="020B0609020204030204" pitchFamily="49" charset="0"/>
+              </a:rPr>
+              <a:t>false</a:t>
+            </a:r>
+            <a:endParaRPr lang="pt-BR" b="1" dirty="0">
+              <a:latin typeface="Consolas" panose="020B0609020204030204" pitchFamily="49" charset="0"/>
+            </a:endParaRPr>
+          </a:p>
+        </p:txBody>
+      </p:sp>
+      <p:sp>
+        <p:nvSpPr>
+          <p:cNvPr id="10" name="Retângulo 9"/>
+          <p:cNvSpPr/>
+          <p:nvPr/>
+        </p:nvSpPr>
+        <p:spPr>
+          <a:xfrm>
+            <a:off x="436097" y="1385412"/>
+            <a:ext cx="5043127" cy="5013048"/>
+          </a:xfrm>
+          <a:prstGeom prst="rect">
+            <a:avLst/>
+          </a:prstGeom>
+          <a:noFill/>
+          <a:ln w="25400" cmpd="sng">
+            <a:solidFill>
+              <a:schemeClr val="tx1">
+                <a:lumMod val="95000"/>
+              </a:schemeClr>
+            </a:solidFill>
+          </a:ln>
+        </p:spPr>
+        <p:style>
+          <a:lnRef idx="2">
+            <a:schemeClr val="accent1">
+              <a:shade val="50000"/>
+            </a:schemeClr>
+          </a:lnRef>
+          <a:fillRef idx="1001">
+            <a:schemeClr val="lt2"/>
+          </a:fillRef>
+          <a:effectRef idx="0">
+            <a:schemeClr val="accent1"/>
+          </a:effectRef>
+          <a:fontRef idx="minor">
+            <a:schemeClr val="lt1"/>
+          </a:fontRef>
+        </p:style>
+        <p:txBody>
+          <a:bodyPr rtlCol="0" anchor="t"/>
+          <a:lstStyle/>
+          <a:p>
+            <a:pPr algn="ctr"/>
+            <a:r>
+              <a:rPr lang="pt-BR" b="1" dirty="0" smtClean="0">
+                <a:latin typeface="Consolas" panose="020B0609020204030204" pitchFamily="49" charset="0"/>
+              </a:rPr>
+              <a:t>Tipos integrais</a:t>
+            </a:r>
+            <a:endParaRPr lang="pt-BR" b="1" dirty="0">
+              <a:latin typeface="Consolas" panose="020B0609020204030204" pitchFamily="49" charset="0"/>
+            </a:endParaRPr>
+          </a:p>
+        </p:txBody>
+      </p:sp>
+      <p:sp>
+        <p:nvSpPr>
+          <p:cNvPr id="11" name="Retângulo 10"/>
+          <p:cNvSpPr/>
+          <p:nvPr/>
+        </p:nvSpPr>
+        <p:spPr>
+          <a:xfrm>
+            <a:off x="5594110" y="1383066"/>
+            <a:ext cx="2478401" cy="5013048"/>
+          </a:xfrm>
+          <a:prstGeom prst="rect">
+            <a:avLst/>
+          </a:prstGeom>
+          <a:noFill/>
+          <a:ln w="25400" cmpd="sng">
+            <a:solidFill>
+              <a:schemeClr val="tx1">
+                <a:lumMod val="95000"/>
+              </a:schemeClr>
+            </a:solidFill>
+          </a:ln>
+        </p:spPr>
+        <p:style>
+          <a:lnRef idx="2">
+            <a:schemeClr val="accent1">
+              <a:shade val="50000"/>
+            </a:schemeClr>
+          </a:lnRef>
+          <a:fillRef idx="1001">
+            <a:schemeClr val="lt2"/>
+          </a:fillRef>
+          <a:effectRef idx="0">
+            <a:schemeClr val="accent1"/>
+          </a:effectRef>
+          <a:fontRef idx="minor">
+            <a:schemeClr val="lt1"/>
+          </a:fontRef>
+        </p:style>
+        <p:txBody>
+          <a:bodyPr rtlCol="0" anchor="t"/>
+          <a:lstStyle/>
+          <a:p>
+            <a:pPr algn="ctr"/>
+            <a:r>
+              <a:rPr lang="pt-BR" b="1" dirty="0" smtClean="0">
+                <a:latin typeface="Consolas" panose="020B0609020204030204" pitchFamily="49" charset="0"/>
+              </a:rPr>
+              <a:t>Tipos de ponto flutuante</a:t>
+            </a:r>
+            <a:endParaRPr lang="pt-BR" b="1" dirty="0">
+              <a:latin typeface="Consolas" panose="020B0609020204030204" pitchFamily="49" charset="0"/>
+            </a:endParaRPr>
+          </a:p>
+        </p:txBody>
+      </p:sp>
+      <p:sp>
+        <p:nvSpPr>
+          <p:cNvPr id="12" name="Retângulo 11"/>
+          <p:cNvSpPr/>
+          <p:nvPr/>
+        </p:nvSpPr>
+        <p:spPr>
+          <a:xfrm>
+            <a:off x="586014" y="1864519"/>
+            <a:ext cx="4681182" cy="742695"/>
+          </a:xfrm>
+          <a:prstGeom prst="rect">
+            <a:avLst/>
+          </a:prstGeom>
+          <a:noFill/>
+          <a:ln w="34925" cmpd="sng">
+            <a:solidFill>
+              <a:schemeClr val="tx1">
+                <a:lumMod val="95000"/>
+              </a:schemeClr>
+            </a:solidFill>
+            <a:prstDash val="sysDash"/>
+          </a:ln>
+        </p:spPr>
+        <p:style>
+          <a:lnRef idx="2">
+            <a:schemeClr val="accent1">
+              <a:shade val="50000"/>
+            </a:schemeClr>
+          </a:lnRef>
+          <a:fillRef idx="1001">
+            <a:schemeClr val="lt2"/>
+          </a:fillRef>
+          <a:effectRef idx="0">
+            <a:schemeClr val="accent1"/>
+          </a:effectRef>
+          <a:fontRef idx="minor">
+            <a:schemeClr val="lt1"/>
+          </a:fontRef>
+        </p:style>
+        <p:txBody>
+          <a:bodyPr rtlCol="0" anchor="t"/>
+          <a:lstStyle/>
+          <a:p>
+            <a:r>
+              <a:rPr lang="pt-BR" b="1" dirty="0" smtClean="0">
+                <a:latin typeface="Consolas" panose="020B0609020204030204" pitchFamily="49" charset="0"/>
+              </a:rPr>
+              <a:t>byte</a:t>
+            </a:r>
+            <a:endParaRPr lang="pt-BR" b="1" dirty="0">
+              <a:latin typeface="Consolas" panose="020B0609020204030204" pitchFamily="49" charset="0"/>
+            </a:endParaRPr>
+          </a:p>
+        </p:txBody>
+      </p:sp>
+      <p:sp>
+        <p:nvSpPr>
+          <p:cNvPr id="14" name="Retângulo 13"/>
+          <p:cNvSpPr/>
+          <p:nvPr/>
+        </p:nvSpPr>
+        <p:spPr>
+          <a:xfrm>
+            <a:off x="597737" y="2762503"/>
+            <a:ext cx="4681182" cy="742695"/>
+          </a:xfrm>
+          <a:prstGeom prst="rect">
+            <a:avLst/>
+          </a:prstGeom>
+          <a:noFill/>
+          <a:ln w="34925" cmpd="sng">
+            <a:solidFill>
+              <a:schemeClr val="tx1">
+                <a:lumMod val="95000"/>
+              </a:schemeClr>
+            </a:solidFill>
+            <a:prstDash val="sysDash"/>
+          </a:ln>
+        </p:spPr>
+        <p:style>
+          <a:lnRef idx="2">
+            <a:schemeClr val="accent1">
+              <a:shade val="50000"/>
+            </a:schemeClr>
+          </a:lnRef>
+          <a:fillRef idx="1001">
+            <a:schemeClr val="lt2"/>
+          </a:fillRef>
+          <a:effectRef idx="0">
+            <a:schemeClr val="accent1"/>
+          </a:effectRef>
+          <a:fontRef idx="minor">
+            <a:schemeClr val="lt1"/>
+          </a:fontRef>
+        </p:style>
+        <p:txBody>
+          <a:bodyPr rtlCol="0" anchor="t"/>
+          <a:lstStyle/>
+          <a:p>
+            <a:r>
+              <a:rPr lang="pt-BR" b="1" dirty="0" smtClean="0">
+                <a:latin typeface="Consolas" panose="020B0609020204030204" pitchFamily="49" charset="0"/>
+              </a:rPr>
+              <a:t>short</a:t>
+            </a:r>
+            <a:endParaRPr lang="pt-BR" b="1" dirty="0">
+              <a:latin typeface="Consolas" panose="020B0609020204030204" pitchFamily="49" charset="0"/>
+            </a:endParaRPr>
+          </a:p>
+        </p:txBody>
+      </p:sp>
+      <p:sp>
+        <p:nvSpPr>
+          <p:cNvPr id="15" name="Retângulo 14"/>
+          <p:cNvSpPr/>
+          <p:nvPr/>
+        </p:nvSpPr>
+        <p:spPr>
+          <a:xfrm>
+            <a:off x="609457" y="3660494"/>
+            <a:ext cx="4681182" cy="742695"/>
+          </a:xfrm>
+          <a:prstGeom prst="rect">
+            <a:avLst/>
+          </a:prstGeom>
+          <a:noFill/>
+          <a:ln w="34925" cmpd="sng">
+            <a:solidFill>
+              <a:schemeClr val="tx1">
+                <a:lumMod val="95000"/>
+              </a:schemeClr>
+            </a:solidFill>
+            <a:prstDash val="sysDash"/>
+          </a:ln>
+        </p:spPr>
+        <p:style>
+          <a:lnRef idx="2">
+            <a:schemeClr val="accent1">
+              <a:shade val="50000"/>
+            </a:schemeClr>
+          </a:lnRef>
+          <a:fillRef idx="1001">
+            <a:schemeClr val="lt2"/>
+          </a:fillRef>
+          <a:effectRef idx="0">
+            <a:schemeClr val="accent1"/>
+          </a:effectRef>
+          <a:fontRef idx="minor">
+            <a:schemeClr val="lt1"/>
+          </a:fontRef>
+        </p:style>
+        <p:txBody>
+          <a:bodyPr rtlCol="0" anchor="t"/>
+          <a:lstStyle/>
+          <a:p>
+            <a:r>
+              <a:rPr lang="pt-BR" b="1" dirty="0" err="1" smtClean="0">
+                <a:latin typeface="Consolas" panose="020B0609020204030204" pitchFamily="49" charset="0"/>
+              </a:rPr>
+              <a:t>int</a:t>
+            </a:r>
+            <a:endParaRPr lang="pt-BR" b="1" dirty="0">
+              <a:latin typeface="Consolas" panose="020B0609020204030204" pitchFamily="49" charset="0"/>
+            </a:endParaRPr>
+          </a:p>
+        </p:txBody>
+      </p:sp>
+      <p:sp>
+        <p:nvSpPr>
+          <p:cNvPr id="16" name="Retângulo 15"/>
+          <p:cNvSpPr/>
+          <p:nvPr/>
+        </p:nvSpPr>
+        <p:spPr>
+          <a:xfrm>
+            <a:off x="623526" y="4560827"/>
+            <a:ext cx="4681182" cy="742695"/>
+          </a:xfrm>
+          <a:prstGeom prst="rect">
+            <a:avLst/>
+          </a:prstGeom>
+          <a:noFill/>
+          <a:ln w="34925" cmpd="sng">
+            <a:solidFill>
+              <a:schemeClr val="tx1">
+                <a:lumMod val="95000"/>
+              </a:schemeClr>
+            </a:solidFill>
+            <a:prstDash val="sysDash"/>
+          </a:ln>
+        </p:spPr>
+        <p:style>
+          <a:lnRef idx="2">
+            <a:schemeClr val="accent1">
+              <a:shade val="50000"/>
+            </a:schemeClr>
+          </a:lnRef>
+          <a:fillRef idx="1001">
+            <a:schemeClr val="lt2"/>
+          </a:fillRef>
+          <a:effectRef idx="0">
+            <a:schemeClr val="accent1"/>
+          </a:effectRef>
+          <a:fontRef idx="minor">
+            <a:schemeClr val="lt1"/>
+          </a:fontRef>
+        </p:style>
+        <p:txBody>
+          <a:bodyPr rtlCol="0" anchor="t"/>
+          <a:lstStyle/>
+          <a:p>
+            <a:r>
+              <a:rPr lang="pt-BR" b="1" dirty="0" err="1" smtClean="0">
+                <a:latin typeface="Consolas" panose="020B0609020204030204" pitchFamily="49" charset="0"/>
+              </a:rPr>
+              <a:t>long</a:t>
+            </a:r>
+            <a:endParaRPr lang="pt-BR" b="1" dirty="0">
+              <a:latin typeface="Consolas" panose="020B0609020204030204" pitchFamily="49" charset="0"/>
+            </a:endParaRPr>
+          </a:p>
+        </p:txBody>
+      </p:sp>
+      <p:sp>
+        <p:nvSpPr>
+          <p:cNvPr id="17" name="Retângulo 16"/>
+          <p:cNvSpPr/>
+          <p:nvPr/>
+        </p:nvSpPr>
+        <p:spPr>
+          <a:xfrm>
+            <a:off x="621180" y="5472880"/>
+            <a:ext cx="4681182" cy="742695"/>
+          </a:xfrm>
+          <a:prstGeom prst="rect">
+            <a:avLst/>
+          </a:prstGeom>
+          <a:noFill/>
+          <a:ln w="34925" cmpd="sng">
+            <a:solidFill>
+              <a:schemeClr val="tx1">
+                <a:lumMod val="95000"/>
+              </a:schemeClr>
+            </a:solidFill>
+            <a:prstDash val="sysDash"/>
+          </a:ln>
+        </p:spPr>
+        <p:style>
+          <a:lnRef idx="2">
+            <a:schemeClr val="accent1">
+              <a:shade val="50000"/>
+            </a:schemeClr>
+          </a:lnRef>
+          <a:fillRef idx="1001">
+            <a:schemeClr val="lt2"/>
+          </a:fillRef>
+          <a:effectRef idx="0">
+            <a:schemeClr val="accent1"/>
+          </a:effectRef>
+          <a:fontRef idx="minor">
+            <a:schemeClr val="lt1"/>
+          </a:fontRef>
+        </p:style>
+        <p:txBody>
+          <a:bodyPr rtlCol="0" anchor="t"/>
+          <a:lstStyle/>
+          <a:p>
+            <a:r>
+              <a:rPr lang="pt-BR" b="1" dirty="0" smtClean="0">
+                <a:latin typeface="Consolas" panose="020B0609020204030204" pitchFamily="49" charset="0"/>
+              </a:rPr>
+              <a:t>char</a:t>
+            </a:r>
+            <a:endParaRPr lang="pt-BR" b="1" dirty="0">
+              <a:latin typeface="Consolas" panose="020B0609020204030204" pitchFamily="49" charset="0"/>
+            </a:endParaRPr>
+          </a:p>
+        </p:txBody>
+      </p:sp>
+      <p:sp>
+        <p:nvSpPr>
+          <p:cNvPr id="18" name="Retângulo 17"/>
+          <p:cNvSpPr/>
+          <p:nvPr/>
+        </p:nvSpPr>
+        <p:spPr>
+          <a:xfrm>
+            <a:off x="5767754" y="2762509"/>
+            <a:ext cx="2138289" cy="1640680"/>
+          </a:xfrm>
+          <a:prstGeom prst="rect">
+            <a:avLst/>
+          </a:prstGeom>
+          <a:noFill/>
+          <a:ln w="34925" cmpd="sng">
+            <a:solidFill>
+              <a:schemeClr val="tx1">
+                <a:lumMod val="95000"/>
+              </a:schemeClr>
+            </a:solidFill>
+            <a:prstDash val="sysDash"/>
+          </a:ln>
+        </p:spPr>
+        <p:style>
+          <a:lnRef idx="2">
+            <a:schemeClr val="accent1">
+              <a:shade val="50000"/>
+            </a:schemeClr>
+          </a:lnRef>
+          <a:fillRef idx="1001">
+            <a:schemeClr val="lt2"/>
+          </a:fillRef>
+          <a:effectRef idx="0">
+            <a:schemeClr val="accent1"/>
+          </a:effectRef>
+          <a:fontRef idx="minor">
+            <a:schemeClr val="lt1"/>
+          </a:fontRef>
+        </p:style>
+        <p:txBody>
+          <a:bodyPr rtlCol="0" anchor="t"/>
+          <a:lstStyle/>
+          <a:p>
+            <a:r>
+              <a:rPr lang="pt-BR" b="1" dirty="0" err="1" smtClean="0">
+                <a:latin typeface="Consolas" panose="020B0609020204030204" pitchFamily="49" charset="0"/>
+              </a:rPr>
+              <a:t>float</a:t>
+            </a:r>
+            <a:endParaRPr lang="pt-BR" b="1" dirty="0">
+              <a:latin typeface="Consolas" panose="020B0609020204030204" pitchFamily="49" charset="0"/>
+            </a:endParaRPr>
+          </a:p>
+        </p:txBody>
+      </p:sp>
+      <p:sp>
+        <p:nvSpPr>
+          <p:cNvPr id="19" name="Retângulo 18"/>
+          <p:cNvSpPr/>
+          <p:nvPr/>
+        </p:nvSpPr>
+        <p:spPr>
+          <a:xfrm>
+            <a:off x="5765406" y="4560828"/>
+            <a:ext cx="2138289" cy="1640680"/>
+          </a:xfrm>
+          <a:prstGeom prst="rect">
+            <a:avLst/>
+          </a:prstGeom>
+          <a:noFill/>
+          <a:ln w="34925" cmpd="sng">
+            <a:solidFill>
+              <a:schemeClr val="tx1">
+                <a:lumMod val="95000"/>
+              </a:schemeClr>
+            </a:solidFill>
+            <a:prstDash val="sysDash"/>
+          </a:ln>
+        </p:spPr>
+        <p:style>
+          <a:lnRef idx="2">
+            <a:schemeClr val="accent1">
+              <a:shade val="50000"/>
+            </a:schemeClr>
+          </a:lnRef>
+          <a:fillRef idx="1001">
+            <a:schemeClr val="lt2"/>
+          </a:fillRef>
+          <a:effectRef idx="0">
+            <a:schemeClr val="accent1"/>
+          </a:effectRef>
+          <a:fontRef idx="minor">
+            <a:schemeClr val="lt1"/>
+          </a:fontRef>
+        </p:style>
+        <p:txBody>
+          <a:bodyPr rtlCol="0" anchor="t"/>
+          <a:lstStyle/>
+          <a:p>
+            <a:r>
+              <a:rPr lang="pt-BR" b="1" dirty="0" err="1" smtClean="0">
+                <a:latin typeface="Consolas" panose="020B0609020204030204" pitchFamily="49" charset="0"/>
+              </a:rPr>
+              <a:t>double</a:t>
+            </a:r>
+            <a:endParaRPr lang="pt-BR" b="1" dirty="0">
+              <a:latin typeface="Consolas" panose="020B0609020204030204" pitchFamily="49" charset="0"/>
+            </a:endParaRPr>
+          </a:p>
+        </p:txBody>
+      </p:sp>
+      <p:sp>
+        <p:nvSpPr>
+          <p:cNvPr id="3" name="CaixaDeTexto 2"/>
+          <p:cNvSpPr txBox="1"/>
+          <p:nvPr/>
+        </p:nvSpPr>
+        <p:spPr>
+          <a:xfrm>
+            <a:off x="3802791" y="1901090"/>
+            <a:ext cx="1451038" cy="369332"/>
+          </a:xfrm>
+          <a:prstGeom prst="rect">
+            <a:avLst/>
+          </a:prstGeom>
+          <a:noFill/>
+        </p:spPr>
+        <p:txBody>
+          <a:bodyPr wrap="none" rtlCol="0">
+            <a:spAutoFit/>
+          </a:bodyPr>
+          <a:lstStyle/>
+          <a:p>
+            <a:r>
+              <a:rPr lang="pt-BR" dirty="0" smtClean="0">
+                <a:latin typeface="Consolas" panose="020B0609020204030204" pitchFamily="49" charset="0"/>
+              </a:rPr>
+              <a:t>-128 a 127</a:t>
+            </a:r>
+            <a:endParaRPr lang="pt-BR" dirty="0">
+              <a:latin typeface="Consolas" panose="020B0609020204030204" pitchFamily="49" charset="0"/>
+            </a:endParaRPr>
+          </a:p>
+        </p:txBody>
+      </p:sp>
+      <p:sp>
+        <p:nvSpPr>
+          <p:cNvPr id="20" name="CaixaDeTexto 19"/>
+          <p:cNvSpPr txBox="1"/>
+          <p:nvPr/>
+        </p:nvSpPr>
+        <p:spPr>
+          <a:xfrm>
+            <a:off x="3043041" y="2764605"/>
+            <a:ext cx="2210862" cy="369332"/>
+          </a:xfrm>
+          <a:prstGeom prst="rect">
+            <a:avLst/>
+          </a:prstGeom>
+          <a:noFill/>
+        </p:spPr>
+        <p:txBody>
+          <a:bodyPr wrap="none" rtlCol="0">
+            <a:spAutoFit/>
+          </a:bodyPr>
+          <a:lstStyle/>
+          <a:p>
+            <a:r>
+              <a:rPr lang="pt-BR" dirty="0" smtClean="0">
+                <a:latin typeface="Consolas" panose="020B0609020204030204" pitchFamily="49" charset="0"/>
+              </a:rPr>
+              <a:t>-32.768 a 32.767</a:t>
+            </a:r>
+            <a:endParaRPr lang="pt-BR" dirty="0">
+              <a:latin typeface="Consolas" panose="020B0609020204030204" pitchFamily="49" charset="0"/>
+            </a:endParaRPr>
+          </a:p>
+        </p:txBody>
+      </p:sp>
+      <p:sp>
+        <p:nvSpPr>
+          <p:cNvPr id="21" name="CaixaDeTexto 20"/>
+          <p:cNvSpPr txBox="1"/>
+          <p:nvPr/>
+        </p:nvSpPr>
+        <p:spPr>
+          <a:xfrm>
+            <a:off x="3837495" y="5485782"/>
+            <a:ext cx="1451038" cy="369332"/>
+          </a:xfrm>
+          <a:prstGeom prst="rect">
+            <a:avLst/>
+          </a:prstGeom>
+          <a:noFill/>
+        </p:spPr>
+        <p:txBody>
+          <a:bodyPr wrap="none" rtlCol="0">
+            <a:spAutoFit/>
+          </a:bodyPr>
+          <a:lstStyle/>
+          <a:p>
+            <a:r>
+              <a:rPr lang="pt-BR" dirty="0" smtClean="0">
+                <a:latin typeface="Consolas" panose="020B0609020204030204" pitchFamily="49" charset="0"/>
+              </a:rPr>
+              <a:t>Caracteres</a:t>
+            </a:r>
+            <a:endParaRPr lang="pt-BR" dirty="0">
+              <a:latin typeface="Consolas" panose="020B0609020204030204" pitchFamily="49" charset="0"/>
+            </a:endParaRPr>
+          </a:p>
+        </p:txBody>
+      </p:sp>
+      <p:sp>
+        <p:nvSpPr>
+          <p:cNvPr id="22" name="CaixaDeTexto 21"/>
+          <p:cNvSpPr txBox="1"/>
+          <p:nvPr/>
+        </p:nvSpPr>
+        <p:spPr>
+          <a:xfrm>
+            <a:off x="1298457" y="3672497"/>
+            <a:ext cx="3983783" cy="369332"/>
+          </a:xfrm>
+          <a:prstGeom prst="rect">
+            <a:avLst/>
+          </a:prstGeom>
+          <a:noFill/>
+        </p:spPr>
+        <p:txBody>
+          <a:bodyPr wrap="none" rtlCol="0">
+            <a:spAutoFit/>
+          </a:bodyPr>
+          <a:lstStyle/>
+          <a:p>
+            <a:r>
+              <a:rPr lang="pt-BR" dirty="0" smtClean="0">
+                <a:latin typeface="Consolas" panose="020B0609020204030204" pitchFamily="49" charset="0"/>
+              </a:rPr>
+              <a:t>-2.147.483.648 a 2.147.483.647</a:t>
+            </a:r>
+            <a:endParaRPr lang="pt-BR" dirty="0">
+              <a:latin typeface="Consolas" panose="020B0609020204030204" pitchFamily="49" charset="0"/>
+            </a:endParaRPr>
+          </a:p>
+        </p:txBody>
+      </p:sp>
+      <p:sp>
+        <p:nvSpPr>
+          <p:cNvPr id="23" name="CaixaDeTexto 22"/>
+          <p:cNvSpPr txBox="1"/>
+          <p:nvPr/>
+        </p:nvSpPr>
+        <p:spPr>
+          <a:xfrm>
+            <a:off x="1563400" y="4570483"/>
+            <a:ext cx="3730508" cy="646331"/>
+          </a:xfrm>
+          <a:prstGeom prst="rect">
+            <a:avLst/>
+          </a:prstGeom>
+          <a:noFill/>
+        </p:spPr>
+        <p:txBody>
+          <a:bodyPr wrap="none" rtlCol="0">
+            <a:spAutoFit/>
+          </a:bodyPr>
+          <a:lstStyle/>
+          <a:p>
+            <a:r>
+              <a:rPr lang="pt-BR" dirty="0" smtClean="0">
+                <a:latin typeface="Consolas" panose="020B0609020204030204" pitchFamily="49" charset="0"/>
+              </a:rPr>
+              <a:t>-9.223.372.036.854.775.808 a</a:t>
+            </a:r>
+          </a:p>
+          <a:p>
+            <a:r>
+              <a:rPr lang="pt-BR" dirty="0" smtClean="0">
+                <a:latin typeface="Consolas" panose="020B0609020204030204" pitchFamily="49" charset="0"/>
+              </a:rPr>
+              <a:t> 9.223.372.036.854.775.807</a:t>
+            </a:r>
+            <a:endParaRPr lang="pt-BR" dirty="0">
+              <a:latin typeface="Consolas" panose="020B0609020204030204" pitchFamily="49" charset="0"/>
+            </a:endParaRPr>
+          </a:p>
+        </p:txBody>
+      </p:sp>
+      <p:sp>
+        <p:nvSpPr>
+          <p:cNvPr id="24" name="CaixaDeTexto 23"/>
+          <p:cNvSpPr txBox="1"/>
+          <p:nvPr/>
+        </p:nvSpPr>
+        <p:spPr>
+          <a:xfrm>
+            <a:off x="591546" y="2139952"/>
+            <a:ext cx="694421" cy="461665"/>
+          </a:xfrm>
+          <a:prstGeom prst="rect">
+            <a:avLst/>
+          </a:prstGeom>
+          <a:noFill/>
+        </p:spPr>
+        <p:txBody>
+          <a:bodyPr wrap="none" rtlCol="0">
+            <a:spAutoFit/>
+          </a:bodyPr>
+          <a:lstStyle/>
+          <a:p>
+            <a:r>
+              <a:rPr lang="pt-BR" sz="1200" dirty="0" smtClean="0">
+                <a:latin typeface="Consolas" panose="020B0609020204030204" pitchFamily="49" charset="0"/>
+              </a:rPr>
+              <a:t>1 byte</a:t>
+            </a:r>
+          </a:p>
+          <a:p>
+            <a:r>
+              <a:rPr lang="pt-BR" sz="1200" dirty="0" smtClean="0">
+                <a:latin typeface="Consolas" panose="020B0609020204030204" pitchFamily="49" charset="0"/>
+              </a:rPr>
+              <a:t>8 bits</a:t>
+            </a:r>
+            <a:endParaRPr lang="pt-BR" sz="1200" dirty="0">
+              <a:latin typeface="Consolas" panose="020B0609020204030204" pitchFamily="49" charset="0"/>
+            </a:endParaRPr>
+          </a:p>
+        </p:txBody>
+      </p:sp>
+      <p:sp>
+        <p:nvSpPr>
+          <p:cNvPr id="25" name="CaixaDeTexto 24"/>
+          <p:cNvSpPr txBox="1"/>
+          <p:nvPr/>
+        </p:nvSpPr>
+        <p:spPr>
+          <a:xfrm>
+            <a:off x="589202" y="3023877"/>
+            <a:ext cx="817567" cy="461665"/>
+          </a:xfrm>
+          <a:prstGeom prst="rect">
+            <a:avLst/>
+          </a:prstGeom>
+          <a:noFill/>
+        </p:spPr>
+        <p:txBody>
+          <a:bodyPr wrap="square" rtlCol="0">
+            <a:spAutoFit/>
+          </a:bodyPr>
+          <a:lstStyle/>
+          <a:p>
+            <a:r>
+              <a:rPr lang="pt-BR" sz="1200" dirty="0" smtClean="0">
+                <a:latin typeface="Consolas" panose="020B0609020204030204" pitchFamily="49" charset="0"/>
+              </a:rPr>
+              <a:t>2 bytes</a:t>
+            </a:r>
+          </a:p>
+          <a:p>
+            <a:r>
+              <a:rPr lang="pt-BR" sz="1200" dirty="0" smtClean="0">
+                <a:latin typeface="Consolas" panose="020B0609020204030204" pitchFamily="49" charset="0"/>
+              </a:rPr>
+              <a:t>8 bits</a:t>
+            </a:r>
+            <a:endParaRPr lang="pt-BR" sz="1200" dirty="0">
+              <a:latin typeface="Consolas" panose="020B0609020204030204" pitchFamily="49" charset="0"/>
+            </a:endParaRPr>
+          </a:p>
+        </p:txBody>
+      </p:sp>
+      <p:sp>
+        <p:nvSpPr>
+          <p:cNvPr id="26" name="CaixaDeTexto 25"/>
+          <p:cNvSpPr txBox="1"/>
+          <p:nvPr/>
+        </p:nvSpPr>
+        <p:spPr>
+          <a:xfrm>
+            <a:off x="595389" y="3935405"/>
+            <a:ext cx="817567" cy="461665"/>
+          </a:xfrm>
+          <a:prstGeom prst="rect">
+            <a:avLst/>
+          </a:prstGeom>
+          <a:noFill/>
+        </p:spPr>
+        <p:txBody>
+          <a:bodyPr wrap="square" rtlCol="0">
+            <a:spAutoFit/>
+          </a:bodyPr>
+          <a:lstStyle/>
+          <a:p>
+            <a:r>
+              <a:rPr lang="pt-BR" sz="1200" dirty="0">
+                <a:latin typeface="Consolas" panose="020B0609020204030204" pitchFamily="49" charset="0"/>
+              </a:rPr>
+              <a:t>4</a:t>
+            </a:r>
+            <a:r>
+              <a:rPr lang="pt-BR" sz="1200" dirty="0" smtClean="0">
+                <a:latin typeface="Consolas" panose="020B0609020204030204" pitchFamily="49" charset="0"/>
+              </a:rPr>
+              <a:t> bytes</a:t>
+            </a:r>
+          </a:p>
+          <a:p>
+            <a:r>
+              <a:rPr lang="pt-BR" sz="1200" dirty="0" smtClean="0">
+                <a:latin typeface="Consolas" panose="020B0609020204030204" pitchFamily="49" charset="0"/>
+              </a:rPr>
+              <a:t>32 bits</a:t>
+            </a:r>
+            <a:endParaRPr lang="pt-BR" sz="1200" dirty="0">
+              <a:latin typeface="Consolas" panose="020B0609020204030204" pitchFamily="49" charset="0"/>
+            </a:endParaRPr>
+          </a:p>
+        </p:txBody>
+      </p:sp>
+      <p:sp>
+        <p:nvSpPr>
+          <p:cNvPr id="27" name="CaixaDeTexto 26"/>
+          <p:cNvSpPr txBox="1"/>
+          <p:nvPr/>
+        </p:nvSpPr>
+        <p:spPr>
+          <a:xfrm>
+            <a:off x="618832" y="4845860"/>
+            <a:ext cx="817567" cy="461665"/>
+          </a:xfrm>
+          <a:prstGeom prst="rect">
+            <a:avLst/>
+          </a:prstGeom>
+          <a:noFill/>
+        </p:spPr>
+        <p:txBody>
+          <a:bodyPr wrap="square" rtlCol="0">
+            <a:spAutoFit/>
+          </a:bodyPr>
+          <a:lstStyle/>
+          <a:p>
+            <a:r>
+              <a:rPr lang="pt-BR" sz="1200" dirty="0" smtClean="0">
+                <a:latin typeface="Consolas" panose="020B0609020204030204" pitchFamily="49" charset="0"/>
+              </a:rPr>
+              <a:t>8 bytes</a:t>
+            </a:r>
+          </a:p>
+          <a:p>
+            <a:r>
+              <a:rPr lang="pt-BR" sz="1200" dirty="0" smtClean="0">
+                <a:latin typeface="Consolas" panose="020B0609020204030204" pitchFamily="49" charset="0"/>
+              </a:rPr>
+              <a:t>64 bits</a:t>
+            </a:r>
+            <a:endParaRPr lang="pt-BR" sz="1200" dirty="0">
+              <a:latin typeface="Consolas" panose="020B0609020204030204" pitchFamily="49" charset="0"/>
+            </a:endParaRPr>
+          </a:p>
+        </p:txBody>
+      </p:sp>
+      <p:sp>
+        <p:nvSpPr>
+          <p:cNvPr id="28" name="CaixaDeTexto 27"/>
+          <p:cNvSpPr txBox="1"/>
+          <p:nvPr/>
+        </p:nvSpPr>
+        <p:spPr>
+          <a:xfrm>
+            <a:off x="616486" y="5743849"/>
+            <a:ext cx="817567" cy="461665"/>
+          </a:xfrm>
+          <a:prstGeom prst="rect">
+            <a:avLst/>
+          </a:prstGeom>
+          <a:noFill/>
+        </p:spPr>
+        <p:txBody>
+          <a:bodyPr wrap="square" rtlCol="0">
+            <a:spAutoFit/>
+          </a:bodyPr>
+          <a:lstStyle/>
+          <a:p>
+            <a:r>
+              <a:rPr lang="pt-BR" sz="1200" dirty="0">
+                <a:latin typeface="Consolas" panose="020B0609020204030204" pitchFamily="49" charset="0"/>
+              </a:rPr>
+              <a:t>2</a:t>
+            </a:r>
+            <a:r>
+              <a:rPr lang="pt-BR" sz="1200" dirty="0" smtClean="0">
+                <a:latin typeface="Consolas" panose="020B0609020204030204" pitchFamily="49" charset="0"/>
+              </a:rPr>
+              <a:t> bytes</a:t>
+            </a:r>
+          </a:p>
+          <a:p>
+            <a:r>
+              <a:rPr lang="pt-BR" sz="1200" dirty="0" smtClean="0">
+                <a:latin typeface="Consolas" panose="020B0609020204030204" pitchFamily="49" charset="0"/>
+              </a:rPr>
+              <a:t>16 bits</a:t>
+            </a:r>
+            <a:endParaRPr lang="pt-BR" sz="1200" dirty="0">
+              <a:latin typeface="Consolas" panose="020B0609020204030204" pitchFamily="49" charset="0"/>
+            </a:endParaRPr>
+          </a:p>
+        </p:txBody>
+      </p:sp>
+      <p:sp>
+        <p:nvSpPr>
+          <p:cNvPr id="29" name="CaixaDeTexto 28"/>
+          <p:cNvSpPr txBox="1"/>
+          <p:nvPr/>
+        </p:nvSpPr>
+        <p:spPr>
+          <a:xfrm>
+            <a:off x="5755568" y="3097450"/>
+            <a:ext cx="817567" cy="461665"/>
+          </a:xfrm>
+          <a:prstGeom prst="rect">
+            <a:avLst/>
+          </a:prstGeom>
+          <a:noFill/>
+        </p:spPr>
+        <p:txBody>
+          <a:bodyPr wrap="square" rtlCol="0">
+            <a:spAutoFit/>
+          </a:bodyPr>
+          <a:lstStyle/>
+          <a:p>
+            <a:r>
+              <a:rPr lang="pt-BR" sz="1200" dirty="0">
+                <a:latin typeface="Consolas" panose="020B0609020204030204" pitchFamily="49" charset="0"/>
+              </a:rPr>
+              <a:t>4</a:t>
+            </a:r>
+            <a:r>
+              <a:rPr lang="pt-BR" sz="1200" dirty="0" smtClean="0">
+                <a:latin typeface="Consolas" panose="020B0609020204030204" pitchFamily="49" charset="0"/>
+              </a:rPr>
+              <a:t> bytes</a:t>
+            </a:r>
+          </a:p>
+          <a:p>
+            <a:r>
+              <a:rPr lang="pt-BR" sz="1200" dirty="0" smtClean="0">
+                <a:latin typeface="Consolas" panose="020B0609020204030204" pitchFamily="49" charset="0"/>
+              </a:rPr>
+              <a:t>32 bits</a:t>
+            </a:r>
+            <a:endParaRPr lang="pt-BR" sz="1200" dirty="0">
+              <a:latin typeface="Consolas" panose="020B0609020204030204" pitchFamily="49" charset="0"/>
+            </a:endParaRPr>
+          </a:p>
+        </p:txBody>
+      </p:sp>
+      <p:sp>
+        <p:nvSpPr>
+          <p:cNvPr id="30" name="CaixaDeTexto 29"/>
+          <p:cNvSpPr txBox="1"/>
+          <p:nvPr/>
+        </p:nvSpPr>
+        <p:spPr>
+          <a:xfrm>
+            <a:off x="5755110" y="4845860"/>
+            <a:ext cx="817567" cy="461665"/>
+          </a:xfrm>
+          <a:prstGeom prst="rect">
+            <a:avLst/>
+          </a:prstGeom>
+          <a:noFill/>
+        </p:spPr>
+        <p:txBody>
+          <a:bodyPr wrap="square" rtlCol="0">
+            <a:spAutoFit/>
+          </a:bodyPr>
+          <a:lstStyle/>
+          <a:p>
+            <a:r>
+              <a:rPr lang="pt-BR" sz="1200" dirty="0" smtClean="0">
+                <a:latin typeface="Consolas" panose="020B0609020204030204" pitchFamily="49" charset="0"/>
+              </a:rPr>
+              <a:t>8 bytes</a:t>
+            </a:r>
+          </a:p>
+          <a:p>
+            <a:r>
+              <a:rPr lang="pt-BR" sz="1200" dirty="0" smtClean="0">
+                <a:latin typeface="Consolas" panose="020B0609020204030204" pitchFamily="49" charset="0"/>
+              </a:rPr>
+              <a:t>64 bits</a:t>
+            </a:r>
+            <a:endParaRPr lang="pt-BR" sz="1200" dirty="0">
+              <a:latin typeface="Consolas" panose="020B0609020204030204" pitchFamily="49" charset="0"/>
+            </a:endParaRPr>
+          </a:p>
+        </p:txBody>
+      </p:sp>
+      <p:sp>
+        <p:nvSpPr>
+          <p:cNvPr id="31" name="CaixaDeTexto 30"/>
+          <p:cNvSpPr txBox="1"/>
+          <p:nvPr/>
+        </p:nvSpPr>
+        <p:spPr>
+          <a:xfrm>
+            <a:off x="5780427" y="3920283"/>
+            <a:ext cx="1088959" cy="461665"/>
+          </a:xfrm>
+          <a:prstGeom prst="rect">
+            <a:avLst/>
+          </a:prstGeom>
+          <a:noFill/>
+        </p:spPr>
+        <p:txBody>
+          <a:bodyPr wrap="square" rtlCol="0">
+            <a:spAutoFit/>
+          </a:bodyPr>
+          <a:lstStyle/>
+          <a:p>
+            <a:r>
+              <a:rPr lang="pt-BR" sz="1200" dirty="0" smtClean="0">
+                <a:latin typeface="Consolas" panose="020B0609020204030204" pitchFamily="49" charset="0"/>
+              </a:rPr>
+              <a:t>6 dígitos decimais</a:t>
+            </a:r>
+            <a:endParaRPr lang="pt-BR" sz="1200" dirty="0">
+              <a:latin typeface="Consolas" panose="020B0609020204030204" pitchFamily="49" charset="0"/>
+            </a:endParaRPr>
+          </a:p>
+        </p:txBody>
+      </p:sp>
+      <p:sp>
+        <p:nvSpPr>
+          <p:cNvPr id="32" name="CaixaDeTexto 31"/>
+          <p:cNvSpPr txBox="1"/>
+          <p:nvPr/>
+        </p:nvSpPr>
+        <p:spPr>
+          <a:xfrm>
+            <a:off x="5751385" y="5732138"/>
+            <a:ext cx="1088959" cy="461665"/>
+          </a:xfrm>
+          <a:prstGeom prst="rect">
+            <a:avLst/>
+          </a:prstGeom>
+          <a:noFill/>
+        </p:spPr>
+        <p:txBody>
+          <a:bodyPr wrap="square" rtlCol="0">
+            <a:spAutoFit/>
+          </a:bodyPr>
+          <a:lstStyle/>
+          <a:p>
+            <a:r>
+              <a:rPr lang="pt-BR" sz="1200" dirty="0" smtClean="0">
+                <a:latin typeface="Consolas" panose="020B0609020204030204" pitchFamily="49" charset="0"/>
+              </a:rPr>
+              <a:t>15 dígitos decimais</a:t>
+            </a:r>
+            <a:endParaRPr lang="pt-BR" sz="1200" dirty="0">
+              <a:latin typeface="Consolas" panose="020B0609020204030204" pitchFamily="49" charset="0"/>
+            </a:endParaRPr>
+          </a:p>
+        </p:txBody>
+      </p:sp>
+      <p:sp>
+        <p:nvSpPr>
+          <p:cNvPr id="33" name="CaixaDeTexto 32"/>
+          <p:cNvSpPr txBox="1"/>
+          <p:nvPr/>
+        </p:nvSpPr>
+        <p:spPr>
+          <a:xfrm>
+            <a:off x="8539087" y="6087879"/>
+            <a:ext cx="609462" cy="276999"/>
+          </a:xfrm>
+          <a:prstGeom prst="rect">
+            <a:avLst/>
+          </a:prstGeom>
+          <a:noFill/>
+        </p:spPr>
+        <p:txBody>
+          <a:bodyPr wrap="none" rtlCol="0">
+            <a:spAutoFit/>
+          </a:bodyPr>
+          <a:lstStyle/>
+          <a:p>
+            <a:r>
+              <a:rPr lang="pt-BR" sz="1200" dirty="0" smtClean="0">
+                <a:latin typeface="Consolas" panose="020B0609020204030204" pitchFamily="49" charset="0"/>
+              </a:rPr>
+              <a:t>1 bit</a:t>
+            </a:r>
+            <a:endParaRPr lang="pt-BR" sz="1200" dirty="0">
+              <a:latin typeface="Consolas" panose="020B0609020204030204" pitchFamily="49" charset="0"/>
+            </a:endParaRPr>
+          </a:p>
+        </p:txBody>
+      </p:sp>
+      <p:sp>
+        <p:nvSpPr>
+          <p:cNvPr id="34" name="CaixaDeTexto 33"/>
+          <p:cNvSpPr txBox="1"/>
+          <p:nvPr/>
+        </p:nvSpPr>
+        <p:spPr>
+          <a:xfrm>
+            <a:off x="8539087" y="3525446"/>
+            <a:ext cx="609462" cy="276999"/>
+          </a:xfrm>
+          <a:prstGeom prst="rect">
+            <a:avLst/>
+          </a:prstGeom>
+          <a:noFill/>
+        </p:spPr>
+        <p:txBody>
+          <a:bodyPr wrap="none" rtlCol="0">
+            <a:spAutoFit/>
+          </a:bodyPr>
+          <a:lstStyle/>
+          <a:p>
+            <a:r>
+              <a:rPr lang="pt-BR" sz="1200" dirty="0" smtClean="0">
+                <a:latin typeface="Consolas" panose="020B0609020204030204" pitchFamily="49" charset="0"/>
+              </a:rPr>
+              <a:t>1 bit</a:t>
+            </a:r>
+            <a:endParaRPr lang="pt-BR" sz="1200" dirty="0">
+              <a:latin typeface="Consolas" panose="020B0609020204030204" pitchFamily="49" charset="0"/>
+            </a:endParaRPr>
+          </a:p>
+        </p:txBody>
+      </p:sp>
+      <p:sp>
+        <p:nvSpPr>
+          <p:cNvPr id="35" name="CaixaDeTexto 34"/>
+          <p:cNvSpPr txBox="1"/>
+          <p:nvPr/>
+        </p:nvSpPr>
+        <p:spPr>
+          <a:xfrm>
+            <a:off x="5779908" y="3511798"/>
+            <a:ext cx="1714270" cy="461665"/>
+          </a:xfrm>
+          <a:prstGeom prst="rect">
+            <a:avLst/>
+          </a:prstGeom>
+          <a:noFill/>
+        </p:spPr>
+        <p:txBody>
+          <a:bodyPr wrap="square" rtlCol="0">
+            <a:spAutoFit/>
+          </a:bodyPr>
+          <a:lstStyle/>
+          <a:p>
+            <a:r>
+              <a:rPr lang="pt-BR" sz="1200" dirty="0"/>
+              <a:t>-3.40292347E+38 a +3.40292347E+38</a:t>
+            </a:r>
+            <a:endParaRPr lang="pt-BR" sz="1200" dirty="0">
+              <a:latin typeface="Consolas" panose="020B0609020204030204" pitchFamily="49" charset="0"/>
+            </a:endParaRPr>
+          </a:p>
+        </p:txBody>
+      </p:sp>
+      <p:sp>
+        <p:nvSpPr>
+          <p:cNvPr id="36" name="CaixaDeTexto 35"/>
+          <p:cNvSpPr txBox="1"/>
+          <p:nvPr/>
+        </p:nvSpPr>
+        <p:spPr>
+          <a:xfrm>
+            <a:off x="5766259" y="5287831"/>
+            <a:ext cx="2252322" cy="461665"/>
+          </a:xfrm>
+          <a:prstGeom prst="rect">
+            <a:avLst/>
+          </a:prstGeom>
+          <a:noFill/>
+        </p:spPr>
+        <p:txBody>
+          <a:bodyPr wrap="square" rtlCol="0">
+            <a:spAutoFit/>
+          </a:bodyPr>
+          <a:lstStyle/>
+          <a:p>
+            <a:r>
+              <a:rPr lang="pt-BR" sz="1200" dirty="0"/>
+              <a:t>-1.79769313486231570E+308 a +1.79769313486231570E+308</a:t>
+            </a:r>
+            <a:endParaRPr lang="pt-BR" sz="1200" dirty="0"/>
+          </a:p>
+        </p:txBody>
+      </p:sp>
+    </p:spTree>
+    <p:extLst>
+      <p:ext uri="{BB962C8B-B14F-4D97-AF65-F5344CB8AC3E}">
+        <p14:creationId xmlns:p14="http://schemas.microsoft.com/office/powerpoint/2010/main" val="2584081913"/>
+      </p:ext>
+    </p:extLst>
+  </p:cSld>
+  <p:clrMapOvr>
+    <a:masterClrMapping/>
+  </p:clrMapOvr>
+  <p:timing>
+    <p:tnLst>
+      <p:par>
+        <p:cTn id="1" dur="indefinite" restart="never" nodeType="tmRoot">
+          <p:childTnLst>
+            <p:seq concurrent="1" nextAc="seek">
+              <p:cTn id="2" dur="indefinite" nodeType="mainSeq">
+                <p:childTnLst>
+                  <p:par>
+                    <p:cTn id="3" fill="hold">
+                      <p:stCondLst>
+                        <p:cond delay="indefinite"/>
+                      </p:stCondLst>
+                      <p:childTnLst>
+                        <p:par>
+                          <p:cTn id="4" fill="hold">
+                            <p:stCondLst>
+                              <p:cond delay="0"/>
+                            </p:stCondLst>
+                            <p:childTnLst>
+                              <p:par>
+                                <p:cTn id="5" presetID="10" presetClass="entr" presetSubtype="0" fill="hold" grpId="0" nodeType="clickEffect">
+                                  <p:stCondLst>
+                                    <p:cond delay="0"/>
+                                  </p:stCondLst>
+                                  <p:childTnLst>
+                                    <p:set>
+                                      <p:cBhvr>
+                                        <p:cTn id="6" dur="1" fill="hold">
+                                          <p:stCondLst>
+                                            <p:cond delay="0"/>
+                                          </p:stCondLst>
+                                        </p:cTn>
+                                        <p:tgtEl>
+                                          <p:spTgt spid="6"/>
+                                        </p:tgtEl>
+                                        <p:attrNameLst>
+                                          <p:attrName>style.visibility</p:attrName>
+                                        </p:attrNameLst>
+                                      </p:cBhvr>
+                                      <p:to>
+                                        <p:strVal val="visible"/>
+                                      </p:to>
+                                    </p:set>
+                                    <p:animEffect transition="in" filter="fade">
+                                      <p:cBhvr>
+                                        <p:cTn id="7" dur="500"/>
+                                        <p:tgtEl>
+                                          <p:spTgt spid="6"/>
+                                        </p:tgtEl>
+                                      </p:cBhvr>
+                                    </p:animEffect>
+                                  </p:childTnLst>
+                                </p:cTn>
+                              </p:par>
+                            </p:childTnLst>
+                          </p:cTn>
+                        </p:par>
+                      </p:childTnLst>
+                    </p:cTn>
+                  </p:par>
+                  <p:par>
+                    <p:cTn id="8" fill="hold">
+                      <p:stCondLst>
+                        <p:cond delay="indefinite"/>
+                      </p:stCondLst>
+                      <p:childTnLst>
+                        <p:par>
+                          <p:cTn id="9" fill="hold">
+                            <p:stCondLst>
+                              <p:cond delay="0"/>
+                            </p:stCondLst>
+                            <p:childTnLst>
+                              <p:par>
+                                <p:cTn id="10" presetID="10" presetClass="entr" presetSubtype="0" fill="hold" grpId="0" nodeType="clickEffect">
+                                  <p:stCondLst>
+                                    <p:cond delay="0"/>
+                                  </p:stCondLst>
+                                  <p:childTnLst>
+                                    <p:set>
+                                      <p:cBhvr>
+                                        <p:cTn id="11" dur="1" fill="hold">
+                                          <p:stCondLst>
+                                            <p:cond delay="0"/>
+                                          </p:stCondLst>
+                                        </p:cTn>
+                                        <p:tgtEl>
+                                          <p:spTgt spid="10"/>
+                                        </p:tgtEl>
+                                        <p:attrNameLst>
+                                          <p:attrName>style.visibility</p:attrName>
+                                        </p:attrNameLst>
+                                      </p:cBhvr>
+                                      <p:to>
+                                        <p:strVal val="visible"/>
+                                      </p:to>
+                                    </p:set>
+                                    <p:animEffect transition="in" filter="fade">
+                                      <p:cBhvr>
+                                        <p:cTn id="12" dur="500"/>
+                                        <p:tgtEl>
+                                          <p:spTgt spid="10"/>
+                                        </p:tgtEl>
+                                      </p:cBhvr>
+                                    </p:animEffect>
+                                  </p:childTnLst>
+                                </p:cTn>
+                              </p:par>
+                            </p:childTnLst>
+                          </p:cTn>
+                        </p:par>
+                      </p:childTnLst>
+                    </p:cTn>
+                  </p:par>
+                  <p:par>
+                    <p:cTn id="13" fill="hold">
+                      <p:stCondLst>
+                        <p:cond delay="indefinite"/>
+                      </p:stCondLst>
+                      <p:childTnLst>
+                        <p:par>
+                          <p:cTn id="14" fill="hold">
+                            <p:stCondLst>
+                              <p:cond delay="0"/>
+                            </p:stCondLst>
+                            <p:childTnLst>
+                              <p:par>
+                                <p:cTn id="15" presetID="10" presetClass="entr" presetSubtype="0" fill="hold" grpId="0" nodeType="clickEffect">
+                                  <p:stCondLst>
+                                    <p:cond delay="0"/>
+                                  </p:stCondLst>
+                                  <p:childTnLst>
+                                    <p:set>
+                                      <p:cBhvr>
+                                        <p:cTn id="16" dur="1" fill="hold">
+                                          <p:stCondLst>
+                                            <p:cond delay="0"/>
+                                          </p:stCondLst>
+                                        </p:cTn>
+                                        <p:tgtEl>
+                                          <p:spTgt spid="11"/>
+                                        </p:tgtEl>
+                                        <p:attrNameLst>
+                                          <p:attrName>style.visibility</p:attrName>
+                                        </p:attrNameLst>
+                                      </p:cBhvr>
+                                      <p:to>
+                                        <p:strVal val="visible"/>
+                                      </p:to>
+                                    </p:set>
+                                    <p:animEffect transition="in" filter="fade">
+                                      <p:cBhvr>
+                                        <p:cTn id="17" dur="500"/>
+                                        <p:tgtEl>
+                                          <p:spTgt spid="11"/>
+                                        </p:tgtEl>
+                                      </p:cBhvr>
+                                    </p:animEffect>
+                                  </p:childTnLst>
+                                </p:cTn>
+                              </p:par>
+                            </p:childTnLst>
+                          </p:cTn>
+                        </p:par>
+                      </p:childTnLst>
+                    </p:cTn>
+                  </p:par>
+                  <p:par>
+                    <p:cTn id="18" fill="hold">
+                      <p:stCondLst>
+                        <p:cond delay="indefinite"/>
+                      </p:stCondLst>
+                      <p:childTnLst>
+                        <p:par>
+                          <p:cTn id="19" fill="hold">
+                            <p:stCondLst>
+                              <p:cond delay="0"/>
+                            </p:stCondLst>
+                            <p:childTnLst>
+                              <p:par>
+                                <p:cTn id="20" presetID="10" presetClass="entr" presetSubtype="0" fill="hold" grpId="0" nodeType="clickEffect">
+                                  <p:stCondLst>
+                                    <p:cond delay="0"/>
+                                  </p:stCondLst>
+                                  <p:childTnLst>
+                                    <p:set>
+                                      <p:cBhvr>
+                                        <p:cTn id="21" dur="1" fill="hold">
+                                          <p:stCondLst>
+                                            <p:cond delay="0"/>
+                                          </p:stCondLst>
+                                        </p:cTn>
+                                        <p:tgtEl>
+                                          <p:spTgt spid="7"/>
+                                        </p:tgtEl>
+                                        <p:attrNameLst>
+                                          <p:attrName>style.visibility</p:attrName>
+                                        </p:attrNameLst>
+                                      </p:cBhvr>
+                                      <p:to>
+                                        <p:strVal val="visible"/>
+                                      </p:to>
+                                    </p:set>
+                                    <p:animEffect transition="in" filter="fade">
+                                      <p:cBhvr>
+                                        <p:cTn id="22" dur="500"/>
+                                        <p:tgtEl>
+                                          <p:spTgt spid="7"/>
+                                        </p:tgtEl>
+                                      </p:cBhvr>
+                                    </p:animEffect>
+                                  </p:childTnLst>
+                                </p:cTn>
+                              </p:par>
+                            </p:childTnLst>
+                          </p:cTn>
+                        </p:par>
+                      </p:childTnLst>
+                    </p:cTn>
+                  </p:par>
+                  <p:par>
+                    <p:cTn id="23" fill="hold">
+                      <p:stCondLst>
+                        <p:cond delay="indefinite"/>
+                      </p:stCondLst>
+                      <p:childTnLst>
+                        <p:par>
+                          <p:cTn id="24" fill="hold">
+                            <p:stCondLst>
+                              <p:cond delay="0"/>
+                            </p:stCondLst>
+                            <p:childTnLst>
+                              <p:par>
+                                <p:cTn id="25" presetID="10" presetClass="entr" presetSubtype="0" fill="hold" grpId="0" nodeType="clickEffect">
+                                  <p:stCondLst>
+                                    <p:cond delay="0"/>
+                                  </p:stCondLst>
+                                  <p:childTnLst>
+                                    <p:set>
+                                      <p:cBhvr>
+                                        <p:cTn id="26" dur="1" fill="hold">
+                                          <p:stCondLst>
+                                            <p:cond delay="0"/>
+                                          </p:stCondLst>
+                                        </p:cTn>
+                                        <p:tgtEl>
+                                          <p:spTgt spid="24"/>
+                                        </p:tgtEl>
+                                        <p:attrNameLst>
+                                          <p:attrName>style.visibility</p:attrName>
+                                        </p:attrNameLst>
+                                      </p:cBhvr>
+                                      <p:to>
+                                        <p:strVal val="visible"/>
+                                      </p:to>
+                                    </p:set>
+                                    <p:animEffect transition="in" filter="fade">
+                                      <p:cBhvr>
+                                        <p:cTn id="27" dur="500"/>
+                                        <p:tgtEl>
+                                          <p:spTgt spid="24"/>
+                                        </p:tgtEl>
+                                      </p:cBhvr>
+                                    </p:animEffect>
+                                  </p:childTnLst>
+                                </p:cTn>
+                              </p:par>
+                              <p:par>
+                                <p:cTn id="28" presetID="10" presetClass="entr" presetSubtype="0" fill="hold" grpId="0" nodeType="withEffect">
+                                  <p:stCondLst>
+                                    <p:cond delay="0"/>
+                                  </p:stCondLst>
+                                  <p:childTnLst>
+                                    <p:set>
+                                      <p:cBhvr>
+                                        <p:cTn id="29" dur="1" fill="hold">
+                                          <p:stCondLst>
+                                            <p:cond delay="0"/>
+                                          </p:stCondLst>
+                                        </p:cTn>
+                                        <p:tgtEl>
+                                          <p:spTgt spid="12"/>
+                                        </p:tgtEl>
+                                        <p:attrNameLst>
+                                          <p:attrName>style.visibility</p:attrName>
+                                        </p:attrNameLst>
+                                      </p:cBhvr>
+                                      <p:to>
+                                        <p:strVal val="visible"/>
+                                      </p:to>
+                                    </p:set>
+                                    <p:animEffect transition="in" filter="fade">
+                                      <p:cBhvr>
+                                        <p:cTn id="30" dur="500"/>
+                                        <p:tgtEl>
+                                          <p:spTgt spid="12"/>
+                                        </p:tgtEl>
+                                      </p:cBhvr>
+                                    </p:animEffect>
+                                  </p:childTnLst>
+                                </p:cTn>
+                              </p:par>
+                              <p:par>
+                                <p:cTn id="31" presetID="10" presetClass="entr" presetSubtype="0" fill="hold" grpId="0" nodeType="withEffect">
+                                  <p:stCondLst>
+                                    <p:cond delay="0"/>
+                                  </p:stCondLst>
+                                  <p:childTnLst>
+                                    <p:set>
+                                      <p:cBhvr>
+                                        <p:cTn id="32" dur="1" fill="hold">
+                                          <p:stCondLst>
+                                            <p:cond delay="0"/>
+                                          </p:stCondLst>
+                                        </p:cTn>
+                                        <p:tgtEl>
+                                          <p:spTgt spid="3"/>
+                                        </p:tgtEl>
+                                        <p:attrNameLst>
+                                          <p:attrName>style.visibility</p:attrName>
+                                        </p:attrNameLst>
+                                      </p:cBhvr>
+                                      <p:to>
+                                        <p:strVal val="visible"/>
+                                      </p:to>
+                                    </p:set>
+                                    <p:animEffect transition="in" filter="fade">
+                                      <p:cBhvr>
+                                        <p:cTn id="33" dur="500"/>
+                                        <p:tgtEl>
+                                          <p:spTgt spid="3"/>
+                                        </p:tgtEl>
+                                      </p:cBhvr>
+                                    </p:animEffect>
+                                  </p:childTnLst>
+                                </p:cTn>
+                              </p:par>
+                            </p:childTnLst>
+                          </p:cTn>
+                        </p:par>
+                      </p:childTnLst>
+                    </p:cTn>
+                  </p:par>
+                  <p:par>
+                    <p:cTn id="34" fill="hold">
+                      <p:stCondLst>
+                        <p:cond delay="indefinite"/>
+                      </p:stCondLst>
+                      <p:childTnLst>
+                        <p:par>
+                          <p:cTn id="35" fill="hold">
+                            <p:stCondLst>
+                              <p:cond delay="0"/>
+                            </p:stCondLst>
+                            <p:childTnLst>
+                              <p:par>
+                                <p:cTn id="36" presetID="10" presetClass="entr" presetSubtype="0" fill="hold" grpId="0" nodeType="clickEffect">
+                                  <p:stCondLst>
+                                    <p:cond delay="0"/>
+                                  </p:stCondLst>
+                                  <p:childTnLst>
+                                    <p:set>
+                                      <p:cBhvr>
+                                        <p:cTn id="37" dur="1" fill="hold">
+                                          <p:stCondLst>
+                                            <p:cond delay="0"/>
+                                          </p:stCondLst>
+                                        </p:cTn>
+                                        <p:tgtEl>
+                                          <p:spTgt spid="14"/>
+                                        </p:tgtEl>
+                                        <p:attrNameLst>
+                                          <p:attrName>style.visibility</p:attrName>
+                                        </p:attrNameLst>
+                                      </p:cBhvr>
+                                      <p:to>
+                                        <p:strVal val="visible"/>
+                                      </p:to>
+                                    </p:set>
+                                    <p:animEffect transition="in" filter="fade">
+                                      <p:cBhvr>
+                                        <p:cTn id="38" dur="500"/>
+                                        <p:tgtEl>
+                                          <p:spTgt spid="14"/>
+                                        </p:tgtEl>
+                                      </p:cBhvr>
+                                    </p:animEffect>
+                                  </p:childTnLst>
+                                </p:cTn>
+                              </p:par>
+                              <p:par>
+                                <p:cTn id="39" presetID="10" presetClass="entr" presetSubtype="0" fill="hold" grpId="0" nodeType="withEffect">
+                                  <p:stCondLst>
+                                    <p:cond delay="0"/>
+                                  </p:stCondLst>
+                                  <p:childTnLst>
+                                    <p:set>
+                                      <p:cBhvr>
+                                        <p:cTn id="40" dur="1" fill="hold">
+                                          <p:stCondLst>
+                                            <p:cond delay="0"/>
+                                          </p:stCondLst>
+                                        </p:cTn>
+                                        <p:tgtEl>
+                                          <p:spTgt spid="25"/>
+                                        </p:tgtEl>
+                                        <p:attrNameLst>
+                                          <p:attrName>style.visibility</p:attrName>
+                                        </p:attrNameLst>
+                                      </p:cBhvr>
+                                      <p:to>
+                                        <p:strVal val="visible"/>
+                                      </p:to>
+                                    </p:set>
+                                    <p:animEffect transition="in" filter="fade">
+                                      <p:cBhvr>
+                                        <p:cTn id="41" dur="500"/>
+                                        <p:tgtEl>
+                                          <p:spTgt spid="25"/>
+                                        </p:tgtEl>
+                                      </p:cBhvr>
+                                    </p:animEffect>
+                                  </p:childTnLst>
+                                </p:cTn>
+                              </p:par>
+                              <p:par>
+                                <p:cTn id="42" presetID="10" presetClass="entr" presetSubtype="0" fill="hold" grpId="0" nodeType="withEffect">
+                                  <p:stCondLst>
+                                    <p:cond delay="0"/>
+                                  </p:stCondLst>
+                                  <p:childTnLst>
+                                    <p:set>
+                                      <p:cBhvr>
+                                        <p:cTn id="43" dur="1" fill="hold">
+                                          <p:stCondLst>
+                                            <p:cond delay="0"/>
+                                          </p:stCondLst>
+                                        </p:cTn>
+                                        <p:tgtEl>
+                                          <p:spTgt spid="20"/>
+                                        </p:tgtEl>
+                                        <p:attrNameLst>
+                                          <p:attrName>style.visibility</p:attrName>
+                                        </p:attrNameLst>
+                                      </p:cBhvr>
+                                      <p:to>
+                                        <p:strVal val="visible"/>
+                                      </p:to>
+                                    </p:set>
+                                    <p:animEffect transition="in" filter="fade">
+                                      <p:cBhvr>
+                                        <p:cTn id="44" dur="500"/>
+                                        <p:tgtEl>
+                                          <p:spTgt spid="20"/>
+                                        </p:tgtEl>
+                                      </p:cBhvr>
+                                    </p:animEffect>
+                                  </p:childTnLst>
+                                </p:cTn>
+                              </p:par>
+                            </p:childTnLst>
+                          </p:cTn>
+                        </p:par>
+                      </p:childTnLst>
+                    </p:cTn>
+                  </p:par>
+                  <p:par>
+                    <p:cTn id="45" fill="hold">
+                      <p:stCondLst>
+                        <p:cond delay="indefinite"/>
+                      </p:stCondLst>
+                      <p:childTnLst>
+                        <p:par>
+                          <p:cTn id="46" fill="hold">
+                            <p:stCondLst>
+                              <p:cond delay="0"/>
+                            </p:stCondLst>
+                            <p:childTnLst>
+                              <p:par>
+                                <p:cTn id="47" presetID="10" presetClass="entr" presetSubtype="0" fill="hold" grpId="0" nodeType="clickEffect">
+                                  <p:stCondLst>
+                                    <p:cond delay="0"/>
+                                  </p:stCondLst>
+                                  <p:childTnLst>
+                                    <p:set>
+                                      <p:cBhvr>
+                                        <p:cTn id="48" dur="1" fill="hold">
+                                          <p:stCondLst>
+                                            <p:cond delay="0"/>
+                                          </p:stCondLst>
+                                        </p:cTn>
+                                        <p:tgtEl>
+                                          <p:spTgt spid="22"/>
+                                        </p:tgtEl>
+                                        <p:attrNameLst>
+                                          <p:attrName>style.visibility</p:attrName>
+                                        </p:attrNameLst>
+                                      </p:cBhvr>
+                                      <p:to>
+                                        <p:strVal val="visible"/>
+                                      </p:to>
+                                    </p:set>
+                                    <p:animEffect transition="in" filter="fade">
+                                      <p:cBhvr>
+                                        <p:cTn id="49" dur="500"/>
+                                        <p:tgtEl>
+                                          <p:spTgt spid="22"/>
+                                        </p:tgtEl>
+                                      </p:cBhvr>
+                                    </p:animEffect>
+                                  </p:childTnLst>
+                                </p:cTn>
+                              </p:par>
+                              <p:par>
+                                <p:cTn id="50" presetID="10" presetClass="entr" presetSubtype="0" fill="hold" grpId="0" nodeType="withEffect">
+                                  <p:stCondLst>
+                                    <p:cond delay="0"/>
+                                  </p:stCondLst>
+                                  <p:childTnLst>
+                                    <p:set>
+                                      <p:cBhvr>
+                                        <p:cTn id="51" dur="1" fill="hold">
+                                          <p:stCondLst>
+                                            <p:cond delay="0"/>
+                                          </p:stCondLst>
+                                        </p:cTn>
+                                        <p:tgtEl>
+                                          <p:spTgt spid="26"/>
+                                        </p:tgtEl>
+                                        <p:attrNameLst>
+                                          <p:attrName>style.visibility</p:attrName>
+                                        </p:attrNameLst>
+                                      </p:cBhvr>
+                                      <p:to>
+                                        <p:strVal val="visible"/>
+                                      </p:to>
+                                    </p:set>
+                                    <p:animEffect transition="in" filter="fade">
+                                      <p:cBhvr>
+                                        <p:cTn id="52" dur="500"/>
+                                        <p:tgtEl>
+                                          <p:spTgt spid="26"/>
+                                        </p:tgtEl>
+                                      </p:cBhvr>
+                                    </p:animEffect>
+                                  </p:childTnLst>
+                                </p:cTn>
+                              </p:par>
+                              <p:par>
+                                <p:cTn id="53" presetID="10" presetClass="entr" presetSubtype="0" fill="hold" grpId="0" nodeType="withEffect">
+                                  <p:stCondLst>
+                                    <p:cond delay="0"/>
+                                  </p:stCondLst>
+                                  <p:childTnLst>
+                                    <p:set>
+                                      <p:cBhvr>
+                                        <p:cTn id="54" dur="1" fill="hold">
+                                          <p:stCondLst>
+                                            <p:cond delay="0"/>
+                                          </p:stCondLst>
+                                        </p:cTn>
+                                        <p:tgtEl>
+                                          <p:spTgt spid="15"/>
+                                        </p:tgtEl>
+                                        <p:attrNameLst>
+                                          <p:attrName>style.visibility</p:attrName>
+                                        </p:attrNameLst>
+                                      </p:cBhvr>
+                                      <p:to>
+                                        <p:strVal val="visible"/>
+                                      </p:to>
+                                    </p:set>
+                                    <p:animEffect transition="in" filter="fade">
+                                      <p:cBhvr>
+                                        <p:cTn id="55" dur="500"/>
+                                        <p:tgtEl>
+                                          <p:spTgt spid="15"/>
+                                        </p:tgtEl>
+                                      </p:cBhvr>
+                                    </p:animEffect>
+                                  </p:childTnLst>
+                                </p:cTn>
+                              </p:par>
+                            </p:childTnLst>
+                          </p:cTn>
+                        </p:par>
+                      </p:childTnLst>
+                    </p:cTn>
+                  </p:par>
+                  <p:par>
+                    <p:cTn id="56" fill="hold">
+                      <p:stCondLst>
+                        <p:cond delay="indefinite"/>
+                      </p:stCondLst>
+                      <p:childTnLst>
+                        <p:par>
+                          <p:cTn id="57" fill="hold">
+                            <p:stCondLst>
+                              <p:cond delay="0"/>
+                            </p:stCondLst>
+                            <p:childTnLst>
+                              <p:par>
+                                <p:cTn id="58" presetID="10" presetClass="entr" presetSubtype="0" fill="hold" grpId="0" nodeType="clickEffect">
+                                  <p:stCondLst>
+                                    <p:cond delay="0"/>
+                                  </p:stCondLst>
+                                  <p:childTnLst>
+                                    <p:set>
+                                      <p:cBhvr>
+                                        <p:cTn id="59" dur="1" fill="hold">
+                                          <p:stCondLst>
+                                            <p:cond delay="0"/>
+                                          </p:stCondLst>
+                                        </p:cTn>
+                                        <p:tgtEl>
+                                          <p:spTgt spid="23"/>
+                                        </p:tgtEl>
+                                        <p:attrNameLst>
+                                          <p:attrName>style.visibility</p:attrName>
+                                        </p:attrNameLst>
+                                      </p:cBhvr>
+                                      <p:to>
+                                        <p:strVal val="visible"/>
+                                      </p:to>
+                                    </p:set>
+                                    <p:animEffect transition="in" filter="fade">
+                                      <p:cBhvr>
+                                        <p:cTn id="60" dur="500"/>
+                                        <p:tgtEl>
+                                          <p:spTgt spid="23"/>
+                                        </p:tgtEl>
+                                      </p:cBhvr>
+                                    </p:animEffect>
+                                  </p:childTnLst>
+                                </p:cTn>
+                              </p:par>
+                              <p:par>
+                                <p:cTn id="61" presetID="10" presetClass="entr" presetSubtype="0" fill="hold" grpId="0" nodeType="withEffect">
+                                  <p:stCondLst>
+                                    <p:cond delay="0"/>
+                                  </p:stCondLst>
+                                  <p:childTnLst>
+                                    <p:set>
+                                      <p:cBhvr>
+                                        <p:cTn id="62" dur="1" fill="hold">
+                                          <p:stCondLst>
+                                            <p:cond delay="0"/>
+                                          </p:stCondLst>
+                                        </p:cTn>
+                                        <p:tgtEl>
+                                          <p:spTgt spid="27"/>
+                                        </p:tgtEl>
+                                        <p:attrNameLst>
+                                          <p:attrName>style.visibility</p:attrName>
+                                        </p:attrNameLst>
+                                      </p:cBhvr>
+                                      <p:to>
+                                        <p:strVal val="visible"/>
+                                      </p:to>
+                                    </p:set>
+                                    <p:animEffect transition="in" filter="fade">
+                                      <p:cBhvr>
+                                        <p:cTn id="63" dur="500"/>
+                                        <p:tgtEl>
+                                          <p:spTgt spid="27"/>
+                                        </p:tgtEl>
+                                      </p:cBhvr>
+                                    </p:animEffect>
+                                  </p:childTnLst>
+                                </p:cTn>
+                              </p:par>
+                              <p:par>
+                                <p:cTn id="64" presetID="10" presetClass="entr" presetSubtype="0" fill="hold" grpId="0" nodeType="withEffect">
+                                  <p:stCondLst>
+                                    <p:cond delay="0"/>
+                                  </p:stCondLst>
+                                  <p:childTnLst>
+                                    <p:set>
+                                      <p:cBhvr>
+                                        <p:cTn id="65" dur="1" fill="hold">
+                                          <p:stCondLst>
+                                            <p:cond delay="0"/>
+                                          </p:stCondLst>
+                                        </p:cTn>
+                                        <p:tgtEl>
+                                          <p:spTgt spid="16"/>
+                                        </p:tgtEl>
+                                        <p:attrNameLst>
+                                          <p:attrName>style.visibility</p:attrName>
+                                        </p:attrNameLst>
+                                      </p:cBhvr>
+                                      <p:to>
+                                        <p:strVal val="visible"/>
+                                      </p:to>
+                                    </p:set>
+                                    <p:animEffect transition="in" filter="fade">
+                                      <p:cBhvr>
+                                        <p:cTn id="66" dur="500"/>
+                                        <p:tgtEl>
+                                          <p:spTgt spid="16"/>
+                                        </p:tgtEl>
+                                      </p:cBhvr>
+                                    </p:animEffect>
+                                  </p:childTnLst>
+                                </p:cTn>
+                              </p:par>
+                            </p:childTnLst>
+                          </p:cTn>
+                        </p:par>
+                      </p:childTnLst>
+                    </p:cTn>
+                  </p:par>
+                  <p:par>
+                    <p:cTn id="67" fill="hold">
+                      <p:stCondLst>
+                        <p:cond delay="indefinite"/>
+                      </p:stCondLst>
+                      <p:childTnLst>
+                        <p:par>
+                          <p:cTn id="68" fill="hold">
+                            <p:stCondLst>
+                              <p:cond delay="0"/>
+                            </p:stCondLst>
+                            <p:childTnLst>
+                              <p:par>
+                                <p:cTn id="69" presetID="10" presetClass="entr" presetSubtype="0" fill="hold" grpId="0" nodeType="clickEffect">
+                                  <p:stCondLst>
+                                    <p:cond delay="0"/>
+                                  </p:stCondLst>
+                                  <p:childTnLst>
+                                    <p:set>
+                                      <p:cBhvr>
+                                        <p:cTn id="70" dur="1" fill="hold">
+                                          <p:stCondLst>
+                                            <p:cond delay="0"/>
+                                          </p:stCondLst>
+                                        </p:cTn>
+                                        <p:tgtEl>
+                                          <p:spTgt spid="21"/>
+                                        </p:tgtEl>
+                                        <p:attrNameLst>
+                                          <p:attrName>style.visibility</p:attrName>
+                                        </p:attrNameLst>
+                                      </p:cBhvr>
+                                      <p:to>
+                                        <p:strVal val="visible"/>
+                                      </p:to>
+                                    </p:set>
+                                    <p:animEffect transition="in" filter="fade">
+                                      <p:cBhvr>
+                                        <p:cTn id="71" dur="500"/>
+                                        <p:tgtEl>
+                                          <p:spTgt spid="21"/>
+                                        </p:tgtEl>
+                                      </p:cBhvr>
+                                    </p:animEffect>
+                                  </p:childTnLst>
+                                </p:cTn>
+                              </p:par>
+                              <p:par>
+                                <p:cTn id="72" presetID="10" presetClass="entr" presetSubtype="0" fill="hold" grpId="0" nodeType="withEffect">
+                                  <p:stCondLst>
+                                    <p:cond delay="0"/>
+                                  </p:stCondLst>
+                                  <p:childTnLst>
+                                    <p:set>
+                                      <p:cBhvr>
+                                        <p:cTn id="73" dur="1" fill="hold">
+                                          <p:stCondLst>
+                                            <p:cond delay="0"/>
+                                          </p:stCondLst>
+                                        </p:cTn>
+                                        <p:tgtEl>
+                                          <p:spTgt spid="17"/>
+                                        </p:tgtEl>
+                                        <p:attrNameLst>
+                                          <p:attrName>style.visibility</p:attrName>
+                                        </p:attrNameLst>
+                                      </p:cBhvr>
+                                      <p:to>
+                                        <p:strVal val="visible"/>
+                                      </p:to>
+                                    </p:set>
+                                    <p:animEffect transition="in" filter="fade">
+                                      <p:cBhvr>
+                                        <p:cTn id="74" dur="500"/>
+                                        <p:tgtEl>
+                                          <p:spTgt spid="17"/>
+                                        </p:tgtEl>
+                                      </p:cBhvr>
+                                    </p:animEffect>
+                                  </p:childTnLst>
+                                </p:cTn>
+                              </p:par>
+                              <p:par>
+                                <p:cTn id="75" presetID="10" presetClass="entr" presetSubtype="0" fill="hold" grpId="0" nodeType="withEffect">
+                                  <p:stCondLst>
+                                    <p:cond delay="0"/>
+                                  </p:stCondLst>
+                                  <p:childTnLst>
+                                    <p:set>
+                                      <p:cBhvr>
+                                        <p:cTn id="76" dur="1" fill="hold">
+                                          <p:stCondLst>
+                                            <p:cond delay="0"/>
+                                          </p:stCondLst>
+                                        </p:cTn>
+                                        <p:tgtEl>
+                                          <p:spTgt spid="28"/>
+                                        </p:tgtEl>
+                                        <p:attrNameLst>
+                                          <p:attrName>style.visibility</p:attrName>
+                                        </p:attrNameLst>
+                                      </p:cBhvr>
+                                      <p:to>
+                                        <p:strVal val="visible"/>
+                                      </p:to>
+                                    </p:set>
+                                    <p:animEffect transition="in" filter="fade">
+                                      <p:cBhvr>
+                                        <p:cTn id="77" dur="500"/>
+                                        <p:tgtEl>
+                                          <p:spTgt spid="28"/>
+                                        </p:tgtEl>
+                                      </p:cBhvr>
+                                    </p:animEffect>
+                                  </p:childTnLst>
+                                </p:cTn>
+                              </p:par>
+                            </p:childTnLst>
+                          </p:cTn>
+                        </p:par>
+                      </p:childTnLst>
+                    </p:cTn>
+                  </p:par>
+                  <p:par>
+                    <p:cTn id="78" fill="hold">
+                      <p:stCondLst>
+                        <p:cond delay="indefinite"/>
+                      </p:stCondLst>
+                      <p:childTnLst>
+                        <p:par>
+                          <p:cTn id="79" fill="hold">
+                            <p:stCondLst>
+                              <p:cond delay="0"/>
+                            </p:stCondLst>
+                            <p:childTnLst>
+                              <p:par>
+                                <p:cTn id="80" presetID="10" presetClass="entr" presetSubtype="0" fill="hold" grpId="0" nodeType="clickEffect">
+                                  <p:stCondLst>
+                                    <p:cond delay="0"/>
+                                  </p:stCondLst>
+                                  <p:childTnLst>
+                                    <p:set>
+                                      <p:cBhvr>
+                                        <p:cTn id="81" dur="1" fill="hold">
+                                          <p:stCondLst>
+                                            <p:cond delay="0"/>
+                                          </p:stCondLst>
+                                        </p:cTn>
+                                        <p:tgtEl>
+                                          <p:spTgt spid="18"/>
+                                        </p:tgtEl>
+                                        <p:attrNameLst>
+                                          <p:attrName>style.visibility</p:attrName>
+                                        </p:attrNameLst>
+                                      </p:cBhvr>
+                                      <p:to>
+                                        <p:strVal val="visible"/>
+                                      </p:to>
+                                    </p:set>
+                                    <p:animEffect transition="in" filter="fade">
+                                      <p:cBhvr>
+                                        <p:cTn id="82" dur="500"/>
+                                        <p:tgtEl>
+                                          <p:spTgt spid="18"/>
+                                        </p:tgtEl>
+                                      </p:cBhvr>
+                                    </p:animEffect>
+                                  </p:childTnLst>
+                                </p:cTn>
+                              </p:par>
+                              <p:par>
+                                <p:cTn id="83" presetID="10" presetClass="entr" presetSubtype="0" fill="hold" grpId="0" nodeType="withEffect">
+                                  <p:stCondLst>
+                                    <p:cond delay="0"/>
+                                  </p:stCondLst>
+                                  <p:childTnLst>
+                                    <p:set>
+                                      <p:cBhvr>
+                                        <p:cTn id="84" dur="1" fill="hold">
+                                          <p:stCondLst>
+                                            <p:cond delay="0"/>
+                                          </p:stCondLst>
+                                        </p:cTn>
+                                        <p:tgtEl>
+                                          <p:spTgt spid="29"/>
+                                        </p:tgtEl>
+                                        <p:attrNameLst>
+                                          <p:attrName>style.visibility</p:attrName>
+                                        </p:attrNameLst>
+                                      </p:cBhvr>
+                                      <p:to>
+                                        <p:strVal val="visible"/>
+                                      </p:to>
+                                    </p:set>
+                                    <p:animEffect transition="in" filter="fade">
+                                      <p:cBhvr>
+                                        <p:cTn id="85" dur="500"/>
+                                        <p:tgtEl>
+                                          <p:spTgt spid="29"/>
+                                        </p:tgtEl>
+                                      </p:cBhvr>
+                                    </p:animEffect>
+                                  </p:childTnLst>
+                                </p:cTn>
+                              </p:par>
+                              <p:par>
+                                <p:cTn id="86" presetID="10" presetClass="entr" presetSubtype="0" fill="hold" grpId="0" nodeType="withEffect">
+                                  <p:stCondLst>
+                                    <p:cond delay="0"/>
+                                  </p:stCondLst>
+                                  <p:childTnLst>
+                                    <p:set>
+                                      <p:cBhvr>
+                                        <p:cTn id="87" dur="1" fill="hold">
+                                          <p:stCondLst>
+                                            <p:cond delay="0"/>
+                                          </p:stCondLst>
+                                        </p:cTn>
+                                        <p:tgtEl>
+                                          <p:spTgt spid="35"/>
+                                        </p:tgtEl>
+                                        <p:attrNameLst>
+                                          <p:attrName>style.visibility</p:attrName>
+                                        </p:attrNameLst>
+                                      </p:cBhvr>
+                                      <p:to>
+                                        <p:strVal val="visible"/>
+                                      </p:to>
+                                    </p:set>
+                                    <p:animEffect transition="in" filter="fade">
+                                      <p:cBhvr>
+                                        <p:cTn id="88" dur="500"/>
+                                        <p:tgtEl>
+                                          <p:spTgt spid="35"/>
+                                        </p:tgtEl>
+                                      </p:cBhvr>
+                                    </p:animEffect>
+                                  </p:childTnLst>
+                                </p:cTn>
+                              </p:par>
+                              <p:par>
+                                <p:cTn id="89" presetID="10" presetClass="entr" presetSubtype="0" fill="hold" grpId="0" nodeType="withEffect">
+                                  <p:stCondLst>
+                                    <p:cond delay="0"/>
+                                  </p:stCondLst>
+                                  <p:childTnLst>
+                                    <p:set>
+                                      <p:cBhvr>
+                                        <p:cTn id="90" dur="1" fill="hold">
+                                          <p:stCondLst>
+                                            <p:cond delay="0"/>
+                                          </p:stCondLst>
+                                        </p:cTn>
+                                        <p:tgtEl>
+                                          <p:spTgt spid="31"/>
+                                        </p:tgtEl>
+                                        <p:attrNameLst>
+                                          <p:attrName>style.visibility</p:attrName>
+                                        </p:attrNameLst>
+                                      </p:cBhvr>
+                                      <p:to>
+                                        <p:strVal val="visible"/>
+                                      </p:to>
+                                    </p:set>
+                                    <p:animEffect transition="in" filter="fade">
+                                      <p:cBhvr>
+                                        <p:cTn id="91" dur="500"/>
+                                        <p:tgtEl>
+                                          <p:spTgt spid="31"/>
+                                        </p:tgtEl>
+                                      </p:cBhvr>
+                                    </p:animEffect>
+                                  </p:childTnLst>
+                                </p:cTn>
+                              </p:par>
+                            </p:childTnLst>
+                          </p:cTn>
+                        </p:par>
+                      </p:childTnLst>
+                    </p:cTn>
+                  </p:par>
+                  <p:par>
+                    <p:cTn id="92" fill="hold">
+                      <p:stCondLst>
+                        <p:cond delay="indefinite"/>
+                      </p:stCondLst>
+                      <p:childTnLst>
+                        <p:par>
+                          <p:cTn id="93" fill="hold">
+                            <p:stCondLst>
+                              <p:cond delay="0"/>
+                            </p:stCondLst>
+                            <p:childTnLst>
+                              <p:par>
+                                <p:cTn id="94" presetID="10" presetClass="entr" presetSubtype="0" fill="hold" grpId="0" nodeType="clickEffect">
+                                  <p:stCondLst>
+                                    <p:cond delay="0"/>
+                                  </p:stCondLst>
+                                  <p:childTnLst>
+                                    <p:set>
+                                      <p:cBhvr>
+                                        <p:cTn id="95" dur="1" fill="hold">
+                                          <p:stCondLst>
+                                            <p:cond delay="0"/>
+                                          </p:stCondLst>
+                                        </p:cTn>
+                                        <p:tgtEl>
+                                          <p:spTgt spid="19"/>
+                                        </p:tgtEl>
+                                        <p:attrNameLst>
+                                          <p:attrName>style.visibility</p:attrName>
+                                        </p:attrNameLst>
+                                      </p:cBhvr>
+                                      <p:to>
+                                        <p:strVal val="visible"/>
+                                      </p:to>
+                                    </p:set>
+                                    <p:animEffect transition="in" filter="fade">
+                                      <p:cBhvr>
+                                        <p:cTn id="96" dur="500"/>
+                                        <p:tgtEl>
+                                          <p:spTgt spid="19"/>
+                                        </p:tgtEl>
+                                      </p:cBhvr>
+                                    </p:animEffect>
+                                  </p:childTnLst>
+                                </p:cTn>
+                              </p:par>
+                              <p:par>
+                                <p:cTn id="97" presetID="10" presetClass="entr" presetSubtype="0" fill="hold" grpId="0" nodeType="withEffect">
+                                  <p:stCondLst>
+                                    <p:cond delay="0"/>
+                                  </p:stCondLst>
+                                  <p:childTnLst>
+                                    <p:set>
+                                      <p:cBhvr>
+                                        <p:cTn id="98" dur="1" fill="hold">
+                                          <p:stCondLst>
+                                            <p:cond delay="0"/>
+                                          </p:stCondLst>
+                                        </p:cTn>
+                                        <p:tgtEl>
+                                          <p:spTgt spid="30"/>
+                                        </p:tgtEl>
+                                        <p:attrNameLst>
+                                          <p:attrName>style.visibility</p:attrName>
+                                        </p:attrNameLst>
+                                      </p:cBhvr>
+                                      <p:to>
+                                        <p:strVal val="visible"/>
+                                      </p:to>
+                                    </p:set>
+                                    <p:animEffect transition="in" filter="fade">
+                                      <p:cBhvr>
+                                        <p:cTn id="99" dur="500"/>
+                                        <p:tgtEl>
+                                          <p:spTgt spid="30"/>
+                                        </p:tgtEl>
+                                      </p:cBhvr>
+                                    </p:animEffect>
+                                  </p:childTnLst>
+                                </p:cTn>
+                              </p:par>
+                              <p:par>
+                                <p:cTn id="100" presetID="10" presetClass="entr" presetSubtype="0" fill="hold" grpId="0" nodeType="withEffect">
+                                  <p:stCondLst>
+                                    <p:cond delay="0"/>
+                                  </p:stCondLst>
+                                  <p:childTnLst>
+                                    <p:set>
+                                      <p:cBhvr>
+                                        <p:cTn id="101" dur="1" fill="hold">
+                                          <p:stCondLst>
+                                            <p:cond delay="0"/>
+                                          </p:stCondLst>
+                                        </p:cTn>
+                                        <p:tgtEl>
+                                          <p:spTgt spid="36"/>
+                                        </p:tgtEl>
+                                        <p:attrNameLst>
+                                          <p:attrName>style.visibility</p:attrName>
+                                        </p:attrNameLst>
+                                      </p:cBhvr>
+                                      <p:to>
+                                        <p:strVal val="visible"/>
+                                      </p:to>
+                                    </p:set>
+                                    <p:animEffect transition="in" filter="fade">
+                                      <p:cBhvr>
+                                        <p:cTn id="102" dur="500"/>
+                                        <p:tgtEl>
+                                          <p:spTgt spid="36"/>
+                                        </p:tgtEl>
+                                      </p:cBhvr>
+                                    </p:animEffect>
+                                  </p:childTnLst>
+                                </p:cTn>
+                              </p:par>
+                              <p:par>
+                                <p:cTn id="103" presetID="10" presetClass="entr" presetSubtype="0" fill="hold" grpId="0" nodeType="withEffect">
+                                  <p:stCondLst>
+                                    <p:cond delay="0"/>
+                                  </p:stCondLst>
+                                  <p:childTnLst>
+                                    <p:set>
+                                      <p:cBhvr>
+                                        <p:cTn id="104" dur="1" fill="hold">
+                                          <p:stCondLst>
+                                            <p:cond delay="0"/>
+                                          </p:stCondLst>
+                                        </p:cTn>
+                                        <p:tgtEl>
+                                          <p:spTgt spid="32"/>
+                                        </p:tgtEl>
+                                        <p:attrNameLst>
+                                          <p:attrName>style.visibility</p:attrName>
+                                        </p:attrNameLst>
+                                      </p:cBhvr>
+                                      <p:to>
+                                        <p:strVal val="visible"/>
+                                      </p:to>
+                                    </p:set>
+                                    <p:animEffect transition="in" filter="fade">
+                                      <p:cBhvr>
+                                        <p:cTn id="105" dur="500"/>
+                                        <p:tgtEl>
+                                          <p:spTgt spid="32"/>
+                                        </p:tgtEl>
+                                      </p:cBhvr>
+                                    </p:animEffect>
+                                  </p:childTnLst>
+                                </p:cTn>
+                              </p:par>
+                            </p:childTnLst>
+                          </p:cTn>
+                        </p:par>
+                      </p:childTnLst>
+                    </p:cTn>
+                  </p:par>
+                  <p:par>
+                    <p:cTn id="106" fill="hold">
+                      <p:stCondLst>
+                        <p:cond delay="indefinite"/>
+                      </p:stCondLst>
+                      <p:childTnLst>
+                        <p:par>
+                          <p:cTn id="107" fill="hold">
+                            <p:stCondLst>
+                              <p:cond delay="0"/>
+                            </p:stCondLst>
+                            <p:childTnLst>
+                              <p:par>
+                                <p:cTn id="108" presetID="10" presetClass="entr" presetSubtype="0" fill="hold" grpId="0" nodeType="clickEffect">
+                                  <p:stCondLst>
+                                    <p:cond delay="0"/>
+                                  </p:stCondLst>
+                                  <p:childTnLst>
+                                    <p:set>
+                                      <p:cBhvr>
+                                        <p:cTn id="109" dur="1" fill="hold">
+                                          <p:stCondLst>
+                                            <p:cond delay="0"/>
+                                          </p:stCondLst>
+                                        </p:cTn>
+                                        <p:tgtEl>
+                                          <p:spTgt spid="8"/>
+                                        </p:tgtEl>
+                                        <p:attrNameLst>
+                                          <p:attrName>style.visibility</p:attrName>
+                                        </p:attrNameLst>
+                                      </p:cBhvr>
+                                      <p:to>
+                                        <p:strVal val="visible"/>
+                                      </p:to>
+                                    </p:set>
+                                    <p:animEffect transition="in" filter="fade">
+                                      <p:cBhvr>
+                                        <p:cTn id="110" dur="500"/>
+                                        <p:tgtEl>
+                                          <p:spTgt spid="8"/>
+                                        </p:tgtEl>
+                                      </p:cBhvr>
+                                    </p:animEffect>
+                                  </p:childTnLst>
+                                </p:cTn>
+                              </p:par>
+                              <p:par>
+                                <p:cTn id="111" presetID="10" presetClass="entr" presetSubtype="0" fill="hold" grpId="0" nodeType="withEffect">
+                                  <p:stCondLst>
+                                    <p:cond delay="0"/>
+                                  </p:stCondLst>
+                                  <p:childTnLst>
+                                    <p:set>
+                                      <p:cBhvr>
+                                        <p:cTn id="112" dur="1" fill="hold">
+                                          <p:stCondLst>
+                                            <p:cond delay="0"/>
+                                          </p:stCondLst>
+                                        </p:cTn>
+                                        <p:tgtEl>
+                                          <p:spTgt spid="34"/>
+                                        </p:tgtEl>
+                                        <p:attrNameLst>
+                                          <p:attrName>style.visibility</p:attrName>
+                                        </p:attrNameLst>
+                                      </p:cBhvr>
+                                      <p:to>
+                                        <p:strVal val="visible"/>
+                                      </p:to>
+                                    </p:set>
+                                    <p:animEffect transition="in" filter="fade">
+                                      <p:cBhvr>
+                                        <p:cTn id="113" dur="500"/>
+                                        <p:tgtEl>
+                                          <p:spTgt spid="34"/>
+                                        </p:tgtEl>
+                                      </p:cBhvr>
+                                    </p:animEffect>
+                                  </p:childTnLst>
+                                </p:cTn>
+                              </p:par>
+                              <p:par>
+                                <p:cTn id="114" presetID="10" presetClass="entr" presetSubtype="0" fill="hold" grpId="0" nodeType="withEffect">
+                                  <p:stCondLst>
+                                    <p:cond delay="0"/>
+                                  </p:stCondLst>
+                                  <p:childTnLst>
+                                    <p:set>
+                                      <p:cBhvr>
+                                        <p:cTn id="115" dur="1" fill="hold">
+                                          <p:stCondLst>
+                                            <p:cond delay="0"/>
+                                          </p:stCondLst>
+                                        </p:cTn>
+                                        <p:tgtEl>
+                                          <p:spTgt spid="9"/>
+                                        </p:tgtEl>
+                                        <p:attrNameLst>
+                                          <p:attrName>style.visibility</p:attrName>
+                                        </p:attrNameLst>
+                                      </p:cBhvr>
+                                      <p:to>
+                                        <p:strVal val="visible"/>
+                                      </p:to>
+                                    </p:set>
+                                    <p:animEffect transition="in" filter="fade">
+                                      <p:cBhvr>
+                                        <p:cTn id="116" dur="500"/>
+                                        <p:tgtEl>
+                                          <p:spTgt spid="9"/>
+                                        </p:tgtEl>
+                                      </p:cBhvr>
+                                    </p:animEffect>
+                                  </p:childTnLst>
+                                </p:cTn>
+                              </p:par>
+                              <p:par>
+                                <p:cTn id="117" presetID="10" presetClass="entr" presetSubtype="0" fill="hold" grpId="0" nodeType="withEffect">
+                                  <p:stCondLst>
+                                    <p:cond delay="0"/>
+                                  </p:stCondLst>
+                                  <p:childTnLst>
+                                    <p:set>
+                                      <p:cBhvr>
+                                        <p:cTn id="118" dur="1" fill="hold">
+                                          <p:stCondLst>
+                                            <p:cond delay="0"/>
+                                          </p:stCondLst>
+                                        </p:cTn>
+                                        <p:tgtEl>
+                                          <p:spTgt spid="33"/>
+                                        </p:tgtEl>
+                                        <p:attrNameLst>
+                                          <p:attrName>style.visibility</p:attrName>
+                                        </p:attrNameLst>
+                                      </p:cBhvr>
+                                      <p:to>
+                                        <p:strVal val="visible"/>
+                                      </p:to>
+                                    </p:set>
+                                    <p:animEffect transition="in" filter="fade">
+                                      <p:cBhvr>
+                                        <p:cTn id="119" dur="500"/>
+                                        <p:tgtEl>
+                                          <p:spTgt spid="33"/>
+                                        </p:tgtEl>
+                                      </p:cBhvr>
+                                    </p:animEffect>
+                                  </p:childTnLst>
+                                </p:cTn>
+                              </p:par>
+                            </p:childTnLst>
+                          </p:cTn>
+                        </p:par>
+                      </p:childTnLst>
+                    </p:cTn>
+                  </p:par>
+                </p:childTnLst>
+              </p:cTn>
+              <p:prevCondLst>
+                <p:cond evt="onPrev" delay="0">
+                  <p:tgtEl>
+                    <p:sldTgt/>
+                  </p:tgtEl>
+                </p:cond>
+              </p:prevCondLst>
+              <p:nextCondLst>
+                <p:cond evt="onNext" delay="0">
+                  <p:tgtEl>
+                    <p:sldTgt/>
+                  </p:tgtEl>
+                </p:cond>
+              </p:nextCondLst>
+            </p:seq>
+          </p:childTnLst>
+        </p:cTn>
+      </p:par>
+    </p:tnLst>
+    <p:bldLst>
+      <p:bldP spid="6" grpId="0" animBg="1"/>
+      <p:bldP spid="7" grpId="0" animBg="1"/>
+      <p:bldP spid="8" grpId="0" animBg="1"/>
+      <p:bldP spid="9" grpId="0" animBg="1"/>
+      <p:bldP spid="10" grpId="0" animBg="1"/>
+      <p:bldP spid="11" grpId="0" animBg="1"/>
+      <p:bldP spid="12" grpId="0" animBg="1"/>
+      <p:bldP spid="14" grpId="0" animBg="1"/>
+      <p:bldP spid="15" grpId="0" animBg="1"/>
+      <p:bldP spid="16" grpId="0" animBg="1"/>
+      <p:bldP spid="17" grpId="0" animBg="1"/>
+      <p:bldP spid="18" grpId="0" animBg="1"/>
+      <p:bldP spid="19" grpId="0" animBg="1"/>
+      <p:bldP spid="3" grpId="0"/>
+      <p:bldP spid="20" grpId="0"/>
+      <p:bldP spid="21" grpId="0"/>
+      <p:bldP spid="22" grpId="0"/>
+      <p:bldP spid="23" grpId="0"/>
+      <p:bldP spid="24" grpId="0"/>
+      <p:bldP spid="25" grpId="0"/>
+      <p:bldP spid="26" grpId="0"/>
+      <p:bldP spid="27" grpId="0"/>
+      <p:bldP spid="28" grpId="0"/>
+      <p:bldP spid="29" grpId="0"/>
+      <p:bldP spid="30" grpId="0"/>
+      <p:bldP spid="31" grpId="0"/>
+      <p:bldP spid="32" grpId="0"/>
+      <p:bldP spid="33" grpId="0"/>
+      <p:bldP spid="34" grpId="0"/>
+      <p:bldP spid="35" grpId="0"/>
+      <p:bldP spid="36" grpId="0"/>
     </p:bldLst>
   </p:timing>
 </p:sld>
@@ -4939,4 +8253,265 @@
     </a:ext>
   </a:extLst>
 </a:theme>
+</file>
+
+<file path=ppt/theme/theme2.xml><?xml version="1.0" encoding="utf-8"?>
+<a:theme xmlns:a="http://schemas.openxmlformats.org/drawingml/2006/main" name="Tema do Office">
+  <a:themeElements>
+    <a:clrScheme name="Escritório">
+      <a:dk1>
+        <a:sysClr val="windowText" lastClr="000000"/>
+      </a:dk1>
+      <a:lt1>
+        <a:sysClr val="window" lastClr="FFFFFF"/>
+      </a:lt1>
+      <a:dk2>
+        <a:srgbClr val="44546A"/>
+      </a:dk2>
+      <a:lt2>
+        <a:srgbClr val="E7E6E6"/>
+      </a:lt2>
+      <a:accent1>
+        <a:srgbClr val="5B9BD5"/>
+      </a:accent1>
+      <a:accent2>
+        <a:srgbClr val="ED7D31"/>
+      </a:accent2>
+      <a:accent3>
+        <a:srgbClr val="A5A5A5"/>
+      </a:accent3>
+      <a:accent4>
+        <a:srgbClr val="FFC000"/>
+      </a:accent4>
+      <a:accent5>
+        <a:srgbClr val="4472C4"/>
+      </a:accent5>
+      <a:accent6>
+        <a:srgbClr val="70AD47"/>
+      </a:accent6>
+      <a:hlink>
+        <a:srgbClr val="0563C1"/>
+      </a:hlink>
+      <a:folHlink>
+        <a:srgbClr val="954F72"/>
+      </a:folHlink>
+    </a:clrScheme>
+    <a:fontScheme name="Escritório">
+      <a:majorFont>
+        <a:latin typeface="Calibri Light" panose="020F0302020204030204"/>
+        <a:ea typeface=""/>
+        <a:cs typeface=""/>
+        <a:font script="Jpan" typeface="ＭＳ Ｐゴシック"/>
+        <a:font script="Hang" typeface="맑은 고딕"/>
+        <a:font script="Hans" typeface="宋体"/>
+        <a:font script="Hant" typeface="新細明體"/>
+        <a:font script="Arab" typeface="Times New Roman"/>
+        <a:font script="Hebr" typeface="Times New Roman"/>
+        <a:font script="Thai" typeface="Angsana New"/>
+        <a:font script="Ethi" typeface="Nyala"/>
+        <a:font script="Beng" typeface="Vrinda"/>
+        <a:font script="Gujr" typeface="Shruti"/>
+        <a:font script="Khmr" typeface="MoolBoran"/>
+        <a:font script="Knda" typeface="Tunga"/>
+        <a:font script="Guru" typeface="Raavi"/>
+        <a:font script="Cans" typeface="Euphemia"/>
+        <a:font script="Cher" typeface="Plantagenet Cherokee"/>
+        <a:font script="Yiii" typeface="Microsoft Yi Baiti"/>
+        <a:font script="Tibt" typeface="Microsoft Himalaya"/>
+        <a:font script="Thaa" typeface="MV Boli"/>
+        <a:font script="Deva" typeface="Mangal"/>
+        <a:font script="Telu" typeface="Gautami"/>
+        <a:font script="Taml" typeface="Latha"/>
+        <a:font script="Syrc" typeface="Estrangelo Edessa"/>
+        <a:font script="Orya" typeface="Kalinga"/>
+        <a:font script="Mlym" typeface="Kartika"/>
+        <a:font script="Laoo" typeface="DokChampa"/>
+        <a:font script="Sinh" typeface="Iskoola Pota"/>
+        <a:font script="Mong" typeface="Mongolian Baiti"/>
+        <a:font script="Viet" typeface="Times New Roman"/>
+        <a:font script="Uigh" typeface="Microsoft Uighur"/>
+        <a:font script="Geor" typeface="Sylfaen"/>
+      </a:majorFont>
+      <a:minorFont>
+        <a:latin typeface="Calibri" panose="020F0502020204030204"/>
+        <a:ea typeface=""/>
+        <a:cs typeface=""/>
+        <a:font script="Jpan" typeface="ＭＳ Ｐゴシック"/>
+        <a:font script="Hang" typeface="맑은 고딕"/>
+        <a:font script="Hans" typeface="宋体"/>
+        <a:font script="Hant" typeface="新細明體"/>
+        <a:font script="Arab" typeface="Arial"/>
+        <a:font script="Hebr" typeface="Arial"/>
+        <a:font script="Thai" typeface="Cordia New"/>
+        <a:font script="Ethi" typeface="Nyala"/>
+        <a:font script="Beng" typeface="Vrinda"/>
+        <a:font script="Gujr" typeface="Shruti"/>
+        <a:font script="Khmr" typeface="DaunPenh"/>
+        <a:font script="Knda" typeface="Tunga"/>
+        <a:font script="Guru" typeface="Raavi"/>
+        <a:font script="Cans" typeface="Euphemia"/>
+        <a:font script="Cher" typeface="Plantagenet Cherokee"/>
+        <a:font script="Yiii" typeface="Microsoft Yi Baiti"/>
+        <a:font script="Tibt" typeface="Microsoft Himalaya"/>
+        <a:font script="Thaa" typeface="MV Boli"/>
+        <a:font script="Deva" typeface="Mangal"/>
+        <a:font script="Telu" typeface="Gautami"/>
+        <a:font script="Taml" typeface="Latha"/>
+        <a:font script="Syrc" typeface="Estrangelo Edessa"/>
+        <a:font script="Orya" typeface="Kalinga"/>
+        <a:font script="Mlym" typeface="Kartika"/>
+        <a:font script="Laoo" typeface="DokChampa"/>
+        <a:font script="Sinh" typeface="Iskoola Pota"/>
+        <a:font script="Mong" typeface="Mongolian Baiti"/>
+        <a:font script="Viet" typeface="Arial"/>
+        <a:font script="Uigh" typeface="Microsoft Uighur"/>
+        <a:font script="Geor" typeface="Sylfaen"/>
+      </a:minorFont>
+    </a:fontScheme>
+    <a:fmtScheme name="Escritório">
+      <a:fillStyleLst>
+        <a:solidFill>
+          <a:schemeClr val="phClr"/>
+        </a:solidFill>
+        <a:gradFill rotWithShape="1">
+          <a:gsLst>
+            <a:gs pos="0">
+              <a:schemeClr val="phClr">
+                <a:lumMod val="110000"/>
+                <a:satMod val="105000"/>
+                <a:tint val="67000"/>
+              </a:schemeClr>
+            </a:gs>
+            <a:gs pos="50000">
+              <a:schemeClr val="phClr">
+                <a:lumMod val="105000"/>
+                <a:satMod val="103000"/>
+                <a:tint val="73000"/>
+              </a:schemeClr>
+            </a:gs>
+            <a:gs pos="100000">
+              <a:schemeClr val="phClr">
+                <a:lumMod val="105000"/>
+                <a:satMod val="109000"/>
+                <a:tint val="81000"/>
+              </a:schemeClr>
+            </a:gs>
+          </a:gsLst>
+          <a:lin ang="5400000" scaled="0"/>
+        </a:gradFill>
+        <a:gradFill rotWithShape="1">
+          <a:gsLst>
+            <a:gs pos="0">
+              <a:schemeClr val="phClr">
+                <a:satMod val="103000"/>
+                <a:lumMod val="102000"/>
+                <a:tint val="94000"/>
+              </a:schemeClr>
+            </a:gs>
+            <a:gs pos="50000">
+              <a:schemeClr val="phClr">
+                <a:satMod val="110000"/>
+                <a:lumMod val="100000"/>
+                <a:shade val="100000"/>
+              </a:schemeClr>
+            </a:gs>
+            <a:gs pos="100000">
+              <a:schemeClr val="phClr">
+                <a:lumMod val="99000"/>
+                <a:satMod val="120000"/>
+                <a:shade val="78000"/>
+              </a:schemeClr>
+            </a:gs>
+          </a:gsLst>
+          <a:lin ang="5400000" scaled="0"/>
+        </a:gradFill>
+      </a:fillStyleLst>
+      <a:lnStyleLst>
+        <a:ln w="6350" cap="flat" cmpd="sng" algn="ctr">
+          <a:solidFill>
+            <a:schemeClr val="phClr"/>
+          </a:solidFill>
+          <a:prstDash val="solid"/>
+          <a:miter lim="800000"/>
+        </a:ln>
+        <a:ln w="12700" cap="flat" cmpd="sng" algn="ctr">
+          <a:solidFill>
+            <a:schemeClr val="phClr"/>
+          </a:solidFill>
+          <a:prstDash val="solid"/>
+          <a:miter lim="800000"/>
+        </a:ln>
+        <a:ln w="19050" cap="flat" cmpd="sng" algn="ctr">
+          <a:solidFill>
+            <a:schemeClr val="phClr"/>
+          </a:solidFill>
+          <a:prstDash val="solid"/>
+          <a:miter lim="800000"/>
+        </a:ln>
+      </a:lnStyleLst>
+      <a:effectStyleLst>
+        <a:effectStyle>
+          <a:effectLst/>
+        </a:effectStyle>
+        <a:effectStyle>
+          <a:effectLst/>
+        </a:effectStyle>
+        <a:effectStyle>
+          <a:effectLst>
+            <a:outerShdw blurRad="57150" dist="19050" dir="5400000" algn="ctr" rotWithShape="0">
+              <a:srgbClr val="000000">
+                <a:alpha val="63000"/>
+              </a:srgbClr>
+            </a:outerShdw>
+          </a:effectLst>
+        </a:effectStyle>
+      </a:effectStyleLst>
+      <a:bgFillStyleLst>
+        <a:solidFill>
+          <a:schemeClr val="phClr"/>
+        </a:solidFill>
+        <a:solidFill>
+          <a:schemeClr val="phClr">
+            <a:tint val="95000"/>
+            <a:satMod val="170000"/>
+          </a:schemeClr>
+        </a:solidFill>
+        <a:gradFill rotWithShape="1">
+          <a:gsLst>
+            <a:gs pos="0">
+              <a:schemeClr val="phClr">
+                <a:tint val="93000"/>
+                <a:satMod val="150000"/>
+                <a:shade val="98000"/>
+                <a:lumMod val="102000"/>
+              </a:schemeClr>
+            </a:gs>
+            <a:gs pos="50000">
+              <a:schemeClr val="phClr">
+                <a:tint val="98000"/>
+                <a:satMod val="130000"/>
+                <a:shade val="90000"/>
+                <a:lumMod val="103000"/>
+              </a:schemeClr>
+            </a:gs>
+            <a:gs pos="100000">
+              <a:schemeClr val="phClr">
+                <a:shade val="63000"/>
+                <a:satMod val="120000"/>
+              </a:schemeClr>
+            </a:gs>
+          </a:gsLst>
+          <a:lin ang="5400000" scaled="0"/>
+        </a:gradFill>
+      </a:bgFillStyleLst>
+    </a:fmtScheme>
+  </a:themeElements>
+  <a:objectDefaults/>
+  <a:extraClrSchemeLst/>
+  <a:extLst>
+    <a:ext uri="{05A4C25C-085E-4340-85A3-A5531E510DB2}">
+      <thm15:themeFamily xmlns:thm15="http://schemas.microsoft.com/office/thememl/2012/main" name="Office Theme" id="{62F939B6-93AF-4DB8-9C6B-D6C7DFDC589F}" vid="{4A3C46E8-61CC-4603-A589-7422A47A8E4A}"/>
+    </a:ext>
+  </a:extLst>
+</a:theme>
 </file>
--- a/material_de_apoio/resumo_pratico.pptx
+++ b/material_de_apoio/resumo_pratico.pptx
@@ -5,13 +5,15 @@
     <p:sldMasterId id="2147483660" r:id="rId1"/>
   </p:sldMasterIdLst>
   <p:notesMasterIdLst>
-    <p:notesMasterId r:id="rId6"/>
+    <p:notesMasterId r:id="rId8"/>
   </p:notesMasterIdLst>
   <p:sldIdLst>
     <p:sldId id="256" r:id="rId2"/>
     <p:sldId id="257" r:id="rId3"/>
     <p:sldId id="258" r:id="rId4"/>
     <p:sldId id="259" r:id="rId5"/>
+    <p:sldId id="260" r:id="rId6"/>
+    <p:sldId id="261" r:id="rId7"/>
   </p:sldIdLst>
   <p:sldSz cx="12192000" cy="6858000"/>
   <p:notesSz cx="6858000" cy="9144000"/>
@@ -200,7 +202,7 @@
           <a:p>
             <a:fld id="{84F8FAB4-CDC9-4783-9150-ADAB9E9698F4}" type="datetimeFigureOut">
               <a:rPr lang="pt-BR" smtClean="0"/>
-              <a:t>13/02/2023</a:t>
+              <a:t>14/02/2023</a:t>
             </a:fld>
             <a:endParaRPr lang="pt-BR"/>
           </a:p>
@@ -683,7 +685,7 @@
           <a:p>
             <a:fld id="{6808C966-7050-4632-AD51-45F5537B7264}" type="datetimeFigureOut">
               <a:rPr lang="pt-BR" smtClean="0"/>
-              <a:t>13/02/2023</a:t>
+              <a:t>14/02/2023</a:t>
             </a:fld>
             <a:endParaRPr lang="pt-BR"/>
           </a:p>
@@ -853,7 +855,7 @@
           <a:p>
             <a:fld id="{6808C966-7050-4632-AD51-45F5537B7264}" type="datetimeFigureOut">
               <a:rPr lang="pt-BR" smtClean="0"/>
-              <a:t>13/02/2023</a:t>
+              <a:t>14/02/2023</a:t>
             </a:fld>
             <a:endParaRPr lang="pt-BR"/>
           </a:p>
@@ -1033,7 +1035,7 @@
           <a:p>
             <a:fld id="{6808C966-7050-4632-AD51-45F5537B7264}" type="datetimeFigureOut">
               <a:rPr lang="pt-BR" smtClean="0"/>
-              <a:t>13/02/2023</a:t>
+              <a:t>14/02/2023</a:t>
             </a:fld>
             <a:endParaRPr lang="pt-BR"/>
           </a:p>
@@ -1203,7 +1205,7 @@
           <a:p>
             <a:fld id="{6808C966-7050-4632-AD51-45F5537B7264}" type="datetimeFigureOut">
               <a:rPr lang="pt-BR" smtClean="0"/>
-              <a:t>13/02/2023</a:t>
+              <a:t>14/02/2023</a:t>
             </a:fld>
             <a:endParaRPr lang="pt-BR"/>
           </a:p>
@@ -1449,7 +1451,7 @@
           <a:p>
             <a:fld id="{6808C966-7050-4632-AD51-45F5537B7264}" type="datetimeFigureOut">
               <a:rPr lang="pt-BR" smtClean="0"/>
-              <a:t>13/02/2023</a:t>
+              <a:t>14/02/2023</a:t>
             </a:fld>
             <a:endParaRPr lang="pt-BR"/>
           </a:p>
@@ -1681,7 +1683,7 @@
           <a:p>
             <a:fld id="{6808C966-7050-4632-AD51-45F5537B7264}" type="datetimeFigureOut">
               <a:rPr lang="pt-BR" smtClean="0"/>
-              <a:t>13/02/2023</a:t>
+              <a:t>14/02/2023</a:t>
             </a:fld>
             <a:endParaRPr lang="pt-BR"/>
           </a:p>
@@ -2048,7 +2050,7 @@
           <a:p>
             <a:fld id="{6808C966-7050-4632-AD51-45F5537B7264}" type="datetimeFigureOut">
               <a:rPr lang="pt-BR" smtClean="0"/>
-              <a:t>13/02/2023</a:t>
+              <a:t>14/02/2023</a:t>
             </a:fld>
             <a:endParaRPr lang="pt-BR"/>
           </a:p>
@@ -2166,7 +2168,7 @@
           <a:p>
             <a:fld id="{6808C966-7050-4632-AD51-45F5537B7264}" type="datetimeFigureOut">
               <a:rPr lang="pt-BR" smtClean="0"/>
-              <a:t>13/02/2023</a:t>
+              <a:t>14/02/2023</a:t>
             </a:fld>
             <a:endParaRPr lang="pt-BR"/>
           </a:p>
@@ -2261,7 +2263,7 @@
           <a:p>
             <a:fld id="{6808C966-7050-4632-AD51-45F5537B7264}" type="datetimeFigureOut">
               <a:rPr lang="pt-BR" smtClean="0"/>
-              <a:t>13/02/2023</a:t>
+              <a:t>14/02/2023</a:t>
             </a:fld>
             <a:endParaRPr lang="pt-BR"/>
           </a:p>
@@ -2538,7 +2540,7 @@
           <a:p>
             <a:fld id="{6808C966-7050-4632-AD51-45F5537B7264}" type="datetimeFigureOut">
               <a:rPr lang="pt-BR" smtClean="0"/>
-              <a:t>13/02/2023</a:t>
+              <a:t>14/02/2023</a:t>
             </a:fld>
             <a:endParaRPr lang="pt-BR"/>
           </a:p>
@@ -2795,7 +2797,7 @@
           <a:p>
             <a:fld id="{6808C966-7050-4632-AD51-45F5537B7264}" type="datetimeFigureOut">
               <a:rPr lang="pt-BR" smtClean="0"/>
-              <a:t>13/02/2023</a:t>
+              <a:t>14/02/2023</a:t>
             </a:fld>
             <a:endParaRPr lang="pt-BR"/>
           </a:p>
@@ -3008,7 +3010,7 @@
           <a:p>
             <a:fld id="{6808C966-7050-4632-AD51-45F5537B7264}" type="datetimeFigureOut">
               <a:rPr lang="pt-BR" smtClean="0"/>
-              <a:t>13/02/2023</a:t>
+              <a:t>14/02/2023</a:t>
             </a:fld>
             <a:endParaRPr lang="pt-BR"/>
           </a:p>
@@ -6613,7 +6615,198 @@
               <a:rPr lang="pt-BR" sz="1200" dirty="0"/>
               <a:t>-1.79769313486231570E+308 a +1.79769313486231570E+308</a:t>
             </a:r>
-            <a:endParaRPr lang="pt-BR" sz="1200" dirty="0"/>
+          </a:p>
+        </p:txBody>
+      </p:sp>
+      <p:sp>
+        <p:nvSpPr>
+          <p:cNvPr id="37" name="Retângulo 36"/>
+          <p:cNvSpPr/>
+          <p:nvPr/>
+        </p:nvSpPr>
+        <p:spPr>
+          <a:xfrm>
+            <a:off x="602892" y="3658331"/>
+            <a:ext cx="4681182" cy="742695"/>
+          </a:xfrm>
+          <a:prstGeom prst="rect">
+            <a:avLst/>
+          </a:prstGeom>
+          <a:noFill/>
+          <a:ln w="82550" cmpd="sng">
+            <a:solidFill>
+              <a:srgbClr val="FF0000"/>
+            </a:solidFill>
+            <a:prstDash val="solid"/>
+          </a:ln>
+        </p:spPr>
+        <p:style>
+          <a:lnRef idx="2">
+            <a:schemeClr val="accent1">
+              <a:shade val="50000"/>
+            </a:schemeClr>
+          </a:lnRef>
+          <a:fillRef idx="1001">
+            <a:schemeClr val="lt2"/>
+          </a:fillRef>
+          <a:effectRef idx="0">
+            <a:schemeClr val="accent1"/>
+          </a:effectRef>
+          <a:fontRef idx="minor">
+            <a:schemeClr val="lt1"/>
+          </a:fontRef>
+        </p:style>
+        <p:txBody>
+          <a:bodyPr rtlCol="0" anchor="t"/>
+          <a:lstStyle/>
+          <a:p>
+            <a:endParaRPr lang="pt-BR" b="1" dirty="0">
+              <a:latin typeface="Consolas" panose="020B0609020204030204" pitchFamily="49" charset="0"/>
+            </a:endParaRPr>
+          </a:p>
+        </p:txBody>
+      </p:sp>
+      <p:sp>
+        <p:nvSpPr>
+          <p:cNvPr id="38" name="Retângulo 37"/>
+          <p:cNvSpPr/>
+          <p:nvPr/>
+        </p:nvSpPr>
+        <p:spPr>
+          <a:xfrm>
+            <a:off x="630717" y="5476926"/>
+            <a:ext cx="4681182" cy="742695"/>
+          </a:xfrm>
+          <a:prstGeom prst="rect">
+            <a:avLst/>
+          </a:prstGeom>
+          <a:noFill/>
+          <a:ln w="82550" cmpd="sng">
+            <a:solidFill>
+              <a:srgbClr val="FF0000"/>
+            </a:solidFill>
+            <a:prstDash val="solid"/>
+          </a:ln>
+        </p:spPr>
+        <p:style>
+          <a:lnRef idx="2">
+            <a:schemeClr val="accent1">
+              <a:shade val="50000"/>
+            </a:schemeClr>
+          </a:lnRef>
+          <a:fillRef idx="1001">
+            <a:schemeClr val="lt2"/>
+          </a:fillRef>
+          <a:effectRef idx="0">
+            <a:schemeClr val="accent1"/>
+          </a:effectRef>
+          <a:fontRef idx="minor">
+            <a:schemeClr val="lt1"/>
+          </a:fontRef>
+        </p:style>
+        <p:txBody>
+          <a:bodyPr rtlCol="0" anchor="t"/>
+          <a:lstStyle/>
+          <a:p>
+            <a:endParaRPr lang="pt-BR" b="1" dirty="0">
+              <a:latin typeface="Consolas" panose="020B0609020204030204" pitchFamily="49" charset="0"/>
+            </a:endParaRPr>
+          </a:p>
+        </p:txBody>
+      </p:sp>
+      <p:sp>
+        <p:nvSpPr>
+          <p:cNvPr id="39" name="Retângulo 38"/>
+          <p:cNvSpPr/>
+          <p:nvPr/>
+        </p:nvSpPr>
+        <p:spPr>
+          <a:xfrm>
+            <a:off x="5782749" y="2762503"/>
+            <a:ext cx="2107298" cy="1638523"/>
+          </a:xfrm>
+          <a:prstGeom prst="rect">
+            <a:avLst/>
+          </a:prstGeom>
+          <a:noFill/>
+          <a:ln w="82550" cmpd="sng">
+            <a:solidFill>
+              <a:srgbClr val="FF0000"/>
+            </a:solidFill>
+            <a:prstDash val="solid"/>
+          </a:ln>
+        </p:spPr>
+        <p:style>
+          <a:lnRef idx="2">
+            <a:schemeClr val="accent1">
+              <a:shade val="50000"/>
+            </a:schemeClr>
+          </a:lnRef>
+          <a:fillRef idx="1001">
+            <a:schemeClr val="lt2"/>
+          </a:fillRef>
+          <a:effectRef idx="0">
+            <a:schemeClr val="accent1"/>
+          </a:effectRef>
+          <a:fontRef idx="minor">
+            <a:schemeClr val="lt1"/>
+          </a:fontRef>
+        </p:style>
+        <p:txBody>
+          <a:bodyPr rtlCol="0" anchor="t"/>
+          <a:lstStyle/>
+          <a:p>
+            <a:endParaRPr lang="pt-BR" b="1" dirty="0">
+              <a:latin typeface="Consolas" panose="020B0609020204030204" pitchFamily="49" charset="0"/>
+            </a:endParaRPr>
+          </a:p>
+        </p:txBody>
+      </p:sp>
+      <p:sp>
+        <p:nvSpPr>
+          <p:cNvPr id="41" name="Retângulo 40"/>
+          <p:cNvSpPr/>
+          <p:nvPr/>
+        </p:nvSpPr>
+        <p:spPr>
+          <a:xfrm>
+            <a:off x="8384405" y="859808"/>
+            <a:ext cx="1944261" cy="5677469"/>
+          </a:xfrm>
+          <a:prstGeom prst="rect">
+            <a:avLst/>
+          </a:prstGeom>
+          <a:noFill/>
+          <a:ln w="82550" cmpd="sng">
+            <a:solidFill>
+              <a:srgbClr val="FF0000"/>
+            </a:solidFill>
+            <a:prstDash val="solid"/>
+          </a:ln>
+        </p:spPr>
+        <p:style>
+          <a:lnRef idx="2">
+            <a:schemeClr val="accent1">
+              <a:shade val="50000"/>
+            </a:schemeClr>
+          </a:lnRef>
+          <a:fillRef idx="1001">
+            <a:schemeClr val="lt2"/>
+          </a:fillRef>
+          <a:effectRef idx="0">
+            <a:schemeClr val="accent1"/>
+          </a:effectRef>
+          <a:fontRef idx="minor">
+            <a:schemeClr val="lt1"/>
+          </a:fontRef>
+        </p:style>
+        <p:txBody>
+          <a:bodyPr rtlCol="0" anchor="t"/>
+          <a:lstStyle/>
+          <a:p>
+            <a:endParaRPr lang="pt-BR" b="1" dirty="0">
+              <a:latin typeface="Consolas" panose="020B0609020204030204" pitchFamily="49" charset="0"/>
+            </a:endParaRPr>
           </a:p>
         </p:txBody>
       </p:sp>
@@ -7924,6 +8117,164 @@
                                         <p:cTn id="119" dur="500"/>
                                         <p:tgtEl>
                                           <p:spTgt spid="33"/>
+                                        </p:tgtEl>
+                                      </p:cBhvr>
+                                    </p:animEffect>
+                                  </p:childTnLst>
+                                </p:cTn>
+                              </p:par>
+                            </p:childTnLst>
+                          </p:cTn>
+                        </p:par>
+                      </p:childTnLst>
+                    </p:cTn>
+                  </p:par>
+                  <p:par>
+                    <p:cTn id="120" fill="hold">
+                      <p:stCondLst>
+                        <p:cond delay="indefinite"/>
+                      </p:stCondLst>
+                      <p:childTnLst>
+                        <p:par>
+                          <p:cTn id="121" fill="hold">
+                            <p:stCondLst>
+                              <p:cond delay="0"/>
+                            </p:stCondLst>
+                            <p:childTnLst>
+                              <p:par>
+                                <p:cTn id="122" presetID="10" presetClass="entr" presetSubtype="0" fill="hold" grpId="0" nodeType="clickEffect">
+                                  <p:stCondLst>
+                                    <p:cond delay="0"/>
+                                  </p:stCondLst>
+                                  <p:childTnLst>
+                                    <p:set>
+                                      <p:cBhvr>
+                                        <p:cTn id="123" dur="1" fill="hold">
+                                          <p:stCondLst>
+                                            <p:cond delay="0"/>
+                                          </p:stCondLst>
+                                        </p:cTn>
+                                        <p:tgtEl>
+                                          <p:spTgt spid="37"/>
+                                        </p:tgtEl>
+                                        <p:attrNameLst>
+                                          <p:attrName>style.visibility</p:attrName>
+                                        </p:attrNameLst>
+                                      </p:cBhvr>
+                                      <p:to>
+                                        <p:strVal val="visible"/>
+                                      </p:to>
+                                    </p:set>
+                                    <p:animEffect transition="in" filter="fade">
+                                      <p:cBhvr>
+                                        <p:cTn id="124" dur="500"/>
+                                        <p:tgtEl>
+                                          <p:spTgt spid="37"/>
+                                        </p:tgtEl>
+                                      </p:cBhvr>
+                                    </p:animEffect>
+                                  </p:childTnLst>
+                                </p:cTn>
+                              </p:par>
+                              <p:par>
+                                <p:cTn id="125" presetID="10" presetClass="entr" presetSubtype="0" fill="hold" grpId="0" nodeType="withEffect">
+                                  <p:stCondLst>
+                                    <p:cond delay="0"/>
+                                  </p:stCondLst>
+                                  <p:childTnLst>
+                                    <p:set>
+                                      <p:cBhvr>
+                                        <p:cTn id="126" dur="1" fill="hold">
+                                          <p:stCondLst>
+                                            <p:cond delay="0"/>
+                                          </p:stCondLst>
+                                        </p:cTn>
+                                        <p:tgtEl>
+                                          <p:spTgt spid="38"/>
+                                        </p:tgtEl>
+                                        <p:attrNameLst>
+                                          <p:attrName>style.visibility</p:attrName>
+                                        </p:attrNameLst>
+                                      </p:cBhvr>
+                                      <p:to>
+                                        <p:strVal val="visible"/>
+                                      </p:to>
+                                    </p:set>
+                                    <p:animEffect transition="in" filter="fade">
+                                      <p:cBhvr>
+                                        <p:cTn id="127" dur="500"/>
+                                        <p:tgtEl>
+                                          <p:spTgt spid="38"/>
+                                        </p:tgtEl>
+                                      </p:cBhvr>
+                                    </p:animEffect>
+                                  </p:childTnLst>
+                                </p:cTn>
+                              </p:par>
+                              <p:par>
+                                <p:cTn id="128" presetID="10" presetClass="entr" presetSubtype="0" fill="hold" grpId="0" nodeType="withEffect">
+                                  <p:stCondLst>
+                                    <p:cond delay="0"/>
+                                  </p:stCondLst>
+                                  <p:childTnLst>
+                                    <p:set>
+                                      <p:cBhvr>
+                                        <p:cTn id="129" dur="1" fill="hold">
+                                          <p:stCondLst>
+                                            <p:cond delay="0"/>
+                                          </p:stCondLst>
+                                        </p:cTn>
+                                        <p:tgtEl>
+                                          <p:spTgt spid="39"/>
+                                        </p:tgtEl>
+                                        <p:attrNameLst>
+                                          <p:attrName>style.visibility</p:attrName>
+                                        </p:attrNameLst>
+                                      </p:cBhvr>
+                                      <p:to>
+                                        <p:strVal val="visible"/>
+                                      </p:to>
+                                    </p:set>
+                                    <p:animEffect transition="in" filter="fade">
+                                      <p:cBhvr>
+                                        <p:cTn id="130" dur="500"/>
+                                        <p:tgtEl>
+                                          <p:spTgt spid="39"/>
+                                        </p:tgtEl>
+                                      </p:cBhvr>
+                                    </p:animEffect>
+                                  </p:childTnLst>
+                                </p:cTn>
+                              </p:par>
+                              <p:par>
+                                <p:cTn id="131" presetID="10" presetClass="entr" presetSubtype="0" fill="hold" grpId="0" nodeType="withEffect">
+                                  <p:stCondLst>
+                                    <p:cond delay="0"/>
+                                  </p:stCondLst>
+                                  <p:childTnLst>
+                                    <p:set>
+                                      <p:cBhvr>
+                                        <p:cTn id="132" dur="1" fill="hold">
+                                          <p:stCondLst>
+                                            <p:cond delay="0"/>
+                                          </p:stCondLst>
+                                        </p:cTn>
+                                        <p:tgtEl>
+                                          <p:spTgt spid="41"/>
+                                        </p:tgtEl>
+                                        <p:attrNameLst>
+                                          <p:attrName>style.visibility</p:attrName>
+                                        </p:attrNameLst>
+                                      </p:cBhvr>
+                                      <p:to>
+                                        <p:strVal val="visible"/>
+                                      </p:to>
+                                    </p:set>
+                                    <p:animEffect transition="in" filter="fade">
+                                      <p:cBhvr>
+                                        <p:cTn id="133" dur="500"/>
+                                        <p:tgtEl>
+                                          <p:spTgt spid="41"/>
                                         </p:tgtEl>
                                       </p:cBhvr>
                                     </p:animEffect>
@@ -7989,7 +8340,215 @@
       <p:bldP spid="34" grpId="0"/>
       <p:bldP spid="35" grpId="0"/>
       <p:bldP spid="36" grpId="0"/>
+      <p:bldP spid="37" grpId="0" animBg="1"/>
+      <p:bldP spid="38" grpId="0" animBg="1"/>
+      <p:bldP spid="39" grpId="0" animBg="1"/>
+      <p:bldP spid="41" grpId="0" animBg="1"/>
     </p:bldLst>
+  </p:timing>
+</p:sld>
+</file>
+
+<file path=ppt/slides/slide5.xml><?xml version="1.0" encoding="utf-8"?>
+<p:sld xmlns:a="http://schemas.openxmlformats.org/drawingml/2006/main" xmlns:r="http://schemas.openxmlformats.org/officeDocument/2006/relationships" xmlns:p="http://schemas.openxmlformats.org/presentationml/2006/main">
+  <p:cSld>
+    <p:spTree>
+      <p:nvGrpSpPr>
+        <p:cNvPr id="1" name=""/>
+        <p:cNvGrpSpPr/>
+        <p:nvPr/>
+      </p:nvGrpSpPr>
+      <p:grpSpPr>
+        <a:xfrm>
+          <a:off x="0" y="0"/>
+          <a:ext cx="0" cy="0"/>
+          <a:chOff x="0" y="0"/>
+          <a:chExt cx="0" cy="0"/>
+        </a:xfrm>
+      </p:grpSpPr>
+      <p:sp>
+        <p:nvSpPr>
+          <p:cNvPr id="2" name="Título 1"/>
+          <p:cNvSpPr>
+            <a:spLocks noGrp="1"/>
+          </p:cNvSpPr>
+          <p:nvPr>
+            <p:ph type="title"/>
+          </p:nvPr>
+        </p:nvSpPr>
+        <p:spPr/>
+        <p:txBody>
+          <a:bodyPr>
+            <a:normAutofit/>
+          </a:bodyPr>
+          <a:lstStyle/>
+          <a:p>
+            <a:r>
+              <a:rPr lang="pt-BR" sz="3200" dirty="0" smtClean="0">
+                <a:latin typeface="Consolas" panose="020B0609020204030204" pitchFamily="49" charset="0"/>
+              </a:rPr>
+              <a:t>Declaração e instruções </a:t>
+            </a:r>
+            <a:r>
+              <a:rPr lang="pt-BR" sz="3200" smtClean="0">
+                <a:latin typeface="Consolas" panose="020B0609020204030204" pitchFamily="49" charset="0"/>
+              </a:rPr>
+              <a:t>de atribuição</a:t>
+            </a:r>
+            <a:endParaRPr lang="pt-BR" sz="3200" dirty="0">
+              <a:latin typeface="Consolas" panose="020B0609020204030204" pitchFamily="49" charset="0"/>
+            </a:endParaRPr>
+          </a:p>
+        </p:txBody>
+      </p:sp>
+      <p:pic>
+        <p:nvPicPr>
+          <p:cNvPr id="4" name="Imagem 3"/>
+          <p:cNvPicPr>
+            <a:picLocks noChangeAspect="1"/>
+          </p:cNvPicPr>
+          <p:nvPr/>
+        </p:nvPicPr>
+        <p:blipFill>
+          <a:blip r:embed="rId2" cstate="print">
+            <a:extLst>
+              <a:ext uri="{28A0092B-C50C-407E-A947-70E740481C1C}">
+                <a14:useLocalDpi xmlns:a14="http://schemas.microsoft.com/office/drawing/2010/main" val="0"/>
+              </a:ext>
+            </a:extLst>
+          </a:blip>
+          <a:stretch>
+            <a:fillRect/>
+          </a:stretch>
+        </p:blipFill>
+        <p:spPr>
+          <a:xfrm>
+            <a:off x="10441211" y="110689"/>
+            <a:ext cx="1750789" cy="2157949"/>
+          </a:xfrm>
+          <a:prstGeom prst="rect">
+            <a:avLst/>
+          </a:prstGeom>
+        </p:spPr>
+      </p:pic>
+    </p:spTree>
+    <p:extLst>
+      <p:ext uri="{BB962C8B-B14F-4D97-AF65-F5344CB8AC3E}">
+        <p14:creationId xmlns:p14="http://schemas.microsoft.com/office/powerpoint/2010/main" val="3961768606"/>
+      </p:ext>
+    </p:extLst>
+  </p:cSld>
+  <p:clrMapOvr>
+    <a:masterClrMapping/>
+  </p:clrMapOvr>
+  <p:timing>
+    <p:tnLst>
+      <p:par>
+        <p:cTn id="1" dur="indefinite" restart="never" nodeType="tmRoot"/>
+      </p:par>
+    </p:tnLst>
+  </p:timing>
+</p:sld>
+</file>
+
+<file path=ppt/slides/slide6.xml><?xml version="1.0" encoding="utf-8"?>
+<p:sld xmlns:a="http://schemas.openxmlformats.org/drawingml/2006/main" xmlns:r="http://schemas.openxmlformats.org/officeDocument/2006/relationships" xmlns:p="http://schemas.openxmlformats.org/presentationml/2006/main">
+  <p:cSld>
+    <p:spTree>
+      <p:nvGrpSpPr>
+        <p:cNvPr id="1" name=""/>
+        <p:cNvGrpSpPr/>
+        <p:nvPr/>
+      </p:nvGrpSpPr>
+      <p:grpSpPr>
+        <a:xfrm>
+          <a:off x="0" y="0"/>
+          <a:ext cx="0" cy="0"/>
+          <a:chOff x="0" y="0"/>
+          <a:chExt cx="0" cy="0"/>
+        </a:xfrm>
+      </p:grpSpPr>
+      <p:sp>
+        <p:nvSpPr>
+          <p:cNvPr id="2" name="Título 1"/>
+          <p:cNvSpPr>
+            <a:spLocks noGrp="1"/>
+          </p:cNvSpPr>
+          <p:nvPr>
+            <p:ph type="title"/>
+          </p:nvPr>
+        </p:nvSpPr>
+        <p:spPr/>
+        <p:txBody>
+          <a:bodyPr>
+            <a:normAutofit/>
+          </a:bodyPr>
+          <a:lstStyle/>
+          <a:p>
+            <a:r>
+              <a:rPr lang="pt-BR" sz="3200" dirty="0" err="1" smtClean="0">
+                <a:latin typeface="Consolas" panose="020B0609020204030204" pitchFamily="49" charset="0"/>
+              </a:rPr>
+              <a:t>Arrays</a:t>
+            </a:r>
+            <a:r>
+              <a:rPr lang="pt-BR" sz="3200" dirty="0" smtClean="0">
+                <a:latin typeface="Consolas" panose="020B0609020204030204" pitchFamily="49" charset="0"/>
+              </a:rPr>
+              <a:t> em Java</a:t>
+            </a:r>
+            <a:endParaRPr lang="pt-BR" sz="3200" dirty="0">
+              <a:latin typeface="Consolas" panose="020B0609020204030204" pitchFamily="49" charset="0"/>
+            </a:endParaRPr>
+          </a:p>
+        </p:txBody>
+      </p:sp>
+      <p:pic>
+        <p:nvPicPr>
+          <p:cNvPr id="4" name="Imagem 3"/>
+          <p:cNvPicPr>
+            <a:picLocks noChangeAspect="1"/>
+          </p:cNvPicPr>
+          <p:nvPr/>
+        </p:nvPicPr>
+        <p:blipFill>
+          <a:blip r:embed="rId2" cstate="print">
+            <a:extLst>
+              <a:ext uri="{28A0092B-C50C-407E-A947-70E740481C1C}">
+                <a14:useLocalDpi xmlns:a14="http://schemas.microsoft.com/office/drawing/2010/main" val="0"/>
+              </a:ext>
+            </a:extLst>
+          </a:blip>
+          <a:stretch>
+            <a:fillRect/>
+          </a:stretch>
+        </p:blipFill>
+        <p:spPr>
+          <a:xfrm>
+            <a:off x="10441211" y="110689"/>
+            <a:ext cx="1750789" cy="2157949"/>
+          </a:xfrm>
+          <a:prstGeom prst="rect">
+            <a:avLst/>
+          </a:prstGeom>
+        </p:spPr>
+      </p:pic>
+    </p:spTree>
+    <p:extLst>
+      <p:ext uri="{BB962C8B-B14F-4D97-AF65-F5344CB8AC3E}">
+        <p14:creationId xmlns:p14="http://schemas.microsoft.com/office/powerpoint/2010/main" val="1760843099"/>
+      </p:ext>
+    </p:extLst>
+  </p:cSld>
+  <p:clrMapOvr>
+    <a:masterClrMapping/>
+  </p:clrMapOvr>
+  <p:timing>
+    <p:tnLst>
+      <p:par>
+        <p:cTn id="1" dur="indefinite" restart="never" nodeType="tmRoot"/>
+      </p:par>
+    </p:tnLst>
   </p:timing>
 </p:sld>
 </file>

--- a/material_de_apoio/resumo_pratico.pptx
+++ b/material_de_apoio/resumo_pratico.pptx
@@ -202,7 +202,7 @@
           <a:p>
             <a:fld id="{84F8FAB4-CDC9-4783-9150-ADAB9E9698F4}" type="datetimeFigureOut">
               <a:rPr lang="pt-BR" smtClean="0"/>
-              <a:t>14/02/2023</a:t>
+              <a:t>24/02/2023</a:t>
             </a:fld>
             <a:endParaRPr lang="pt-BR"/>
           </a:p>
@@ -685,7 +685,7 @@
           <a:p>
             <a:fld id="{6808C966-7050-4632-AD51-45F5537B7264}" type="datetimeFigureOut">
               <a:rPr lang="pt-BR" smtClean="0"/>
-              <a:t>14/02/2023</a:t>
+              <a:t>24/02/2023</a:t>
             </a:fld>
             <a:endParaRPr lang="pt-BR"/>
           </a:p>
@@ -855,7 +855,7 @@
           <a:p>
             <a:fld id="{6808C966-7050-4632-AD51-45F5537B7264}" type="datetimeFigureOut">
               <a:rPr lang="pt-BR" smtClean="0"/>
-              <a:t>14/02/2023</a:t>
+              <a:t>24/02/2023</a:t>
             </a:fld>
             <a:endParaRPr lang="pt-BR"/>
           </a:p>
@@ -1035,7 +1035,7 @@
           <a:p>
             <a:fld id="{6808C966-7050-4632-AD51-45F5537B7264}" type="datetimeFigureOut">
               <a:rPr lang="pt-BR" smtClean="0"/>
-              <a:t>14/02/2023</a:t>
+              <a:t>24/02/2023</a:t>
             </a:fld>
             <a:endParaRPr lang="pt-BR"/>
           </a:p>
@@ -1205,7 +1205,7 @@
           <a:p>
             <a:fld id="{6808C966-7050-4632-AD51-45F5537B7264}" type="datetimeFigureOut">
               <a:rPr lang="pt-BR" smtClean="0"/>
-              <a:t>14/02/2023</a:t>
+              <a:t>24/02/2023</a:t>
             </a:fld>
             <a:endParaRPr lang="pt-BR"/>
           </a:p>
@@ -1451,7 +1451,7 @@
           <a:p>
             <a:fld id="{6808C966-7050-4632-AD51-45F5537B7264}" type="datetimeFigureOut">
               <a:rPr lang="pt-BR" smtClean="0"/>
-              <a:t>14/02/2023</a:t>
+              <a:t>24/02/2023</a:t>
             </a:fld>
             <a:endParaRPr lang="pt-BR"/>
           </a:p>
@@ -1683,7 +1683,7 @@
           <a:p>
             <a:fld id="{6808C966-7050-4632-AD51-45F5537B7264}" type="datetimeFigureOut">
               <a:rPr lang="pt-BR" smtClean="0"/>
-              <a:t>14/02/2023</a:t>
+              <a:t>24/02/2023</a:t>
             </a:fld>
             <a:endParaRPr lang="pt-BR"/>
           </a:p>
@@ -2050,7 +2050,7 @@
           <a:p>
             <a:fld id="{6808C966-7050-4632-AD51-45F5537B7264}" type="datetimeFigureOut">
               <a:rPr lang="pt-BR" smtClean="0"/>
-              <a:t>14/02/2023</a:t>
+              <a:t>24/02/2023</a:t>
             </a:fld>
             <a:endParaRPr lang="pt-BR"/>
           </a:p>
@@ -2168,7 +2168,7 @@
           <a:p>
             <a:fld id="{6808C966-7050-4632-AD51-45F5537B7264}" type="datetimeFigureOut">
               <a:rPr lang="pt-BR" smtClean="0"/>
-              <a:t>14/02/2023</a:t>
+              <a:t>24/02/2023</a:t>
             </a:fld>
             <a:endParaRPr lang="pt-BR"/>
           </a:p>
@@ -2263,7 +2263,7 @@
           <a:p>
             <a:fld id="{6808C966-7050-4632-AD51-45F5537B7264}" type="datetimeFigureOut">
               <a:rPr lang="pt-BR" smtClean="0"/>
-              <a:t>14/02/2023</a:t>
+              <a:t>24/02/2023</a:t>
             </a:fld>
             <a:endParaRPr lang="pt-BR"/>
           </a:p>
@@ -2540,7 +2540,7 @@
           <a:p>
             <a:fld id="{6808C966-7050-4632-AD51-45F5537B7264}" type="datetimeFigureOut">
               <a:rPr lang="pt-BR" smtClean="0"/>
-              <a:t>14/02/2023</a:t>
+              <a:t>24/02/2023</a:t>
             </a:fld>
             <a:endParaRPr lang="pt-BR"/>
           </a:p>
@@ -2797,7 +2797,7 @@
           <a:p>
             <a:fld id="{6808C966-7050-4632-AD51-45F5537B7264}" type="datetimeFigureOut">
               <a:rPr lang="pt-BR" smtClean="0"/>
-              <a:t>14/02/2023</a:t>
+              <a:t>24/02/2023</a:t>
             </a:fld>
             <a:endParaRPr lang="pt-BR"/>
           </a:p>
@@ -3010,7 +3010,7 @@
           <a:p>
             <a:fld id="{6808C966-7050-4632-AD51-45F5537B7264}" type="datetimeFigureOut">
               <a:rPr lang="pt-BR" smtClean="0"/>
-              <a:t>14/02/2023</a:t>
+              <a:t>24/02/2023</a:t>
             </a:fld>
             <a:endParaRPr lang="pt-BR"/>
           </a:p>
@@ -8387,13 +8387,7 @@
               <a:rPr lang="pt-BR" sz="3200" dirty="0" smtClean="0">
                 <a:latin typeface="Consolas" panose="020B0609020204030204" pitchFamily="49" charset="0"/>
               </a:rPr>
-              <a:t>Declaração e instruções </a:t>
-            </a:r>
-            <a:r>
-              <a:rPr lang="pt-BR" sz="3200" smtClean="0">
-                <a:latin typeface="Consolas" panose="020B0609020204030204" pitchFamily="49" charset="0"/>
-              </a:rPr>
-              <a:t>de atribuição</a:t>
+              <a:t>Declaração e instruções de atribuição</a:t>
             </a:r>
             <a:endParaRPr lang="pt-BR" sz="3200" dirty="0">
               <a:latin typeface="Consolas" panose="020B0609020204030204" pitchFamily="49" charset="0"/>
@@ -8431,6 +8425,524 @@
           </a:prstGeom>
         </p:spPr>
       </p:pic>
+      <p:pic>
+        <p:nvPicPr>
+          <p:cNvPr id="5" name="Imagem 4"/>
+          <p:cNvPicPr>
+            <a:picLocks noChangeAspect="1"/>
+          </p:cNvPicPr>
+          <p:nvPr/>
+        </p:nvPicPr>
+        <p:blipFill>
+          <a:blip r:embed="rId3">
+            <a:extLst>
+              <a:ext uri="{28A0092B-C50C-407E-A947-70E740481C1C}">
+                <a14:useLocalDpi xmlns:a14="http://schemas.microsoft.com/office/drawing/2010/main" val="0"/>
+              </a:ext>
+            </a:extLst>
+          </a:blip>
+          <a:stretch>
+            <a:fillRect/>
+          </a:stretch>
+        </p:blipFill>
+        <p:spPr>
+          <a:xfrm>
+            <a:off x="838200" y="1945124"/>
+            <a:ext cx="4286250" cy="4038600"/>
+          </a:xfrm>
+          <a:prstGeom prst="rect">
+            <a:avLst/>
+          </a:prstGeom>
+        </p:spPr>
+      </p:pic>
+      <p:sp>
+        <p:nvSpPr>
+          <p:cNvPr id="6" name="Retângulo 5"/>
+          <p:cNvSpPr/>
+          <p:nvPr/>
+        </p:nvSpPr>
+        <p:spPr>
+          <a:xfrm>
+            <a:off x="1677203" y="3046560"/>
+            <a:ext cx="2075932" cy="556449"/>
+          </a:xfrm>
+          <a:prstGeom prst="rect">
+            <a:avLst/>
+          </a:prstGeom>
+          <a:noFill/>
+          <a:ln w="25400" cmpd="sng">
+            <a:solidFill>
+              <a:schemeClr val="tx1">
+                <a:lumMod val="95000"/>
+              </a:schemeClr>
+            </a:solidFill>
+          </a:ln>
+        </p:spPr>
+        <p:style>
+          <a:lnRef idx="2">
+            <a:schemeClr val="accent1">
+              <a:shade val="50000"/>
+            </a:schemeClr>
+          </a:lnRef>
+          <a:fillRef idx="1001">
+            <a:schemeClr val="lt2"/>
+          </a:fillRef>
+          <a:effectRef idx="0">
+            <a:schemeClr val="accent1"/>
+          </a:effectRef>
+          <a:fontRef idx="minor">
+            <a:schemeClr val="lt1"/>
+          </a:fontRef>
+        </p:style>
+        <p:txBody>
+          <a:bodyPr rtlCol="0" anchor="t"/>
+          <a:lstStyle/>
+          <a:p>
+            <a:pPr algn="ctr"/>
+            <a:endParaRPr lang="pt-BR" b="1" dirty="0">
+              <a:latin typeface="Consolas" panose="020B0609020204030204" pitchFamily="49" charset="0"/>
+            </a:endParaRPr>
+          </a:p>
+        </p:txBody>
+      </p:sp>
+      <p:cxnSp>
+        <p:nvCxnSpPr>
+          <p:cNvPr id="8" name="Conector de seta reta 7"/>
+          <p:cNvCxnSpPr/>
+          <p:nvPr/>
+        </p:nvCxnSpPr>
+        <p:spPr>
+          <a:xfrm>
+            <a:off x="3766782" y="3043451"/>
+            <a:ext cx="2197290" cy="0"/>
+          </a:xfrm>
+          <a:prstGeom prst="straightConnector1">
+            <a:avLst/>
+          </a:prstGeom>
+          <a:ln w="28575">
+            <a:solidFill>
+              <a:schemeClr val="tx1">
+                <a:lumMod val="95000"/>
+              </a:schemeClr>
+            </a:solidFill>
+            <a:tailEnd type="triangle"/>
+          </a:ln>
+        </p:spPr>
+        <p:style>
+          <a:lnRef idx="1">
+            <a:schemeClr val="accent1"/>
+          </a:lnRef>
+          <a:fillRef idx="0">
+            <a:schemeClr val="accent1"/>
+          </a:fillRef>
+          <a:effectRef idx="0">
+            <a:schemeClr val="accent1"/>
+          </a:effectRef>
+          <a:fontRef idx="minor">
+            <a:schemeClr val="tx1"/>
+          </a:fontRef>
+        </p:style>
+      </p:cxnSp>
+      <p:sp>
+        <p:nvSpPr>
+          <p:cNvPr id="9" name="CaixaDeTexto 8"/>
+          <p:cNvSpPr txBox="1"/>
+          <p:nvPr/>
+        </p:nvSpPr>
+        <p:spPr>
+          <a:xfrm>
+            <a:off x="5990749" y="2754545"/>
+            <a:ext cx="5022995" cy="523220"/>
+          </a:xfrm>
+          <a:prstGeom prst="rect">
+            <a:avLst/>
+          </a:prstGeom>
+          <a:noFill/>
+        </p:spPr>
+        <p:txBody>
+          <a:bodyPr wrap="square" rtlCol="0">
+            <a:spAutoFit/>
+          </a:bodyPr>
+          <a:lstStyle/>
+          <a:p>
+            <a:r>
+              <a:rPr lang="pt-BR" sz="2800" dirty="0" smtClean="0">
+                <a:latin typeface="Consolas" panose="020B0609020204030204" pitchFamily="49" charset="0"/>
+              </a:rPr>
+              <a:t>Declaração</a:t>
+            </a:r>
+            <a:endParaRPr lang="pt-BR" sz="2800" dirty="0">
+              <a:latin typeface="Consolas" panose="020B0609020204030204" pitchFamily="49" charset="0"/>
+            </a:endParaRPr>
+          </a:p>
+        </p:txBody>
+      </p:sp>
+      <p:sp>
+        <p:nvSpPr>
+          <p:cNvPr id="10" name="Retângulo 9"/>
+          <p:cNvSpPr/>
+          <p:nvPr/>
+        </p:nvSpPr>
+        <p:spPr>
+          <a:xfrm>
+            <a:off x="1677203" y="3666376"/>
+            <a:ext cx="342666" cy="556449"/>
+          </a:xfrm>
+          <a:prstGeom prst="rect">
+            <a:avLst/>
+          </a:prstGeom>
+          <a:noFill/>
+          <a:ln w="25400" cmpd="sng">
+            <a:solidFill>
+              <a:schemeClr val="tx1">
+                <a:lumMod val="95000"/>
+              </a:schemeClr>
+            </a:solidFill>
+          </a:ln>
+        </p:spPr>
+        <p:style>
+          <a:lnRef idx="2">
+            <a:schemeClr val="accent1">
+              <a:shade val="50000"/>
+            </a:schemeClr>
+          </a:lnRef>
+          <a:fillRef idx="1001">
+            <a:schemeClr val="lt2"/>
+          </a:fillRef>
+          <a:effectRef idx="0">
+            <a:schemeClr val="accent1"/>
+          </a:effectRef>
+          <a:fontRef idx="minor">
+            <a:schemeClr val="lt1"/>
+          </a:fontRef>
+        </p:style>
+        <p:txBody>
+          <a:bodyPr rtlCol="0" anchor="t"/>
+          <a:lstStyle/>
+          <a:p>
+            <a:pPr algn="ctr"/>
+            <a:endParaRPr lang="pt-BR" b="1" dirty="0">
+              <a:latin typeface="Consolas" panose="020B0609020204030204" pitchFamily="49" charset="0"/>
+            </a:endParaRPr>
+          </a:p>
+        </p:txBody>
+      </p:sp>
+      <p:cxnSp>
+        <p:nvCxnSpPr>
+          <p:cNvPr id="11" name="Conector de seta reta 10"/>
+          <p:cNvCxnSpPr/>
+          <p:nvPr/>
+        </p:nvCxnSpPr>
+        <p:spPr>
+          <a:xfrm flipV="1">
+            <a:off x="2019869" y="3666376"/>
+            <a:ext cx="3943584" cy="1"/>
+          </a:xfrm>
+          <a:prstGeom prst="straightConnector1">
+            <a:avLst/>
+          </a:prstGeom>
+          <a:ln w="28575">
+            <a:solidFill>
+              <a:schemeClr val="tx1">
+                <a:lumMod val="95000"/>
+              </a:schemeClr>
+            </a:solidFill>
+            <a:tailEnd type="triangle"/>
+          </a:ln>
+        </p:spPr>
+        <p:style>
+          <a:lnRef idx="1">
+            <a:schemeClr val="accent1"/>
+          </a:lnRef>
+          <a:fillRef idx="0">
+            <a:schemeClr val="accent1"/>
+          </a:fillRef>
+          <a:effectRef idx="0">
+            <a:schemeClr val="accent1"/>
+          </a:effectRef>
+          <a:fontRef idx="minor">
+            <a:schemeClr val="tx1"/>
+          </a:fontRef>
+        </p:style>
+      </p:cxnSp>
+      <p:sp>
+        <p:nvSpPr>
+          <p:cNvPr id="15" name="CaixaDeTexto 14"/>
+          <p:cNvSpPr txBox="1"/>
+          <p:nvPr/>
+        </p:nvSpPr>
+        <p:spPr>
+          <a:xfrm>
+            <a:off x="5993021" y="3370968"/>
+            <a:ext cx="5022995" cy="523220"/>
+          </a:xfrm>
+          <a:prstGeom prst="rect">
+            <a:avLst/>
+          </a:prstGeom>
+          <a:noFill/>
+        </p:spPr>
+        <p:txBody>
+          <a:bodyPr wrap="square" rtlCol="0">
+            <a:spAutoFit/>
+          </a:bodyPr>
+          <a:lstStyle/>
+          <a:p>
+            <a:r>
+              <a:rPr lang="pt-BR" sz="2800" dirty="0" smtClean="0">
+                <a:latin typeface="Consolas" panose="020B0609020204030204" pitchFamily="49" charset="0"/>
+              </a:rPr>
+              <a:t>Variável</a:t>
+            </a:r>
+            <a:endParaRPr lang="pt-BR" sz="2800" dirty="0">
+              <a:latin typeface="Consolas" panose="020B0609020204030204" pitchFamily="49" charset="0"/>
+            </a:endParaRPr>
+          </a:p>
+        </p:txBody>
+      </p:sp>
+      <p:sp>
+        <p:nvSpPr>
+          <p:cNvPr id="16" name="Retângulo 15"/>
+          <p:cNvSpPr/>
+          <p:nvPr/>
+        </p:nvSpPr>
+        <p:spPr>
+          <a:xfrm>
+            <a:off x="1679475" y="4304428"/>
+            <a:ext cx="2075932" cy="556449"/>
+          </a:xfrm>
+          <a:prstGeom prst="rect">
+            <a:avLst/>
+          </a:prstGeom>
+          <a:noFill/>
+          <a:ln w="25400" cmpd="sng">
+            <a:solidFill>
+              <a:schemeClr val="tx1">
+                <a:lumMod val="95000"/>
+              </a:schemeClr>
+            </a:solidFill>
+          </a:ln>
+        </p:spPr>
+        <p:style>
+          <a:lnRef idx="2">
+            <a:schemeClr val="accent1">
+              <a:shade val="50000"/>
+            </a:schemeClr>
+          </a:lnRef>
+          <a:fillRef idx="1001">
+            <a:schemeClr val="lt2"/>
+          </a:fillRef>
+          <a:effectRef idx="0">
+            <a:schemeClr val="accent1"/>
+          </a:effectRef>
+          <a:fontRef idx="minor">
+            <a:schemeClr val="lt1"/>
+          </a:fontRef>
+        </p:style>
+        <p:txBody>
+          <a:bodyPr rtlCol="0" anchor="t"/>
+          <a:lstStyle/>
+          <a:p>
+            <a:pPr algn="ctr"/>
+            <a:endParaRPr lang="pt-BR" b="1" dirty="0">
+              <a:latin typeface="Consolas" panose="020B0609020204030204" pitchFamily="49" charset="0"/>
+            </a:endParaRPr>
+          </a:p>
+        </p:txBody>
+      </p:sp>
+      <p:cxnSp>
+        <p:nvCxnSpPr>
+          <p:cNvPr id="17" name="Conector de seta reta 16"/>
+          <p:cNvCxnSpPr/>
+          <p:nvPr/>
+        </p:nvCxnSpPr>
+        <p:spPr>
+          <a:xfrm>
+            <a:off x="3769054" y="4301319"/>
+            <a:ext cx="2197290" cy="0"/>
+          </a:xfrm>
+          <a:prstGeom prst="straightConnector1">
+            <a:avLst/>
+          </a:prstGeom>
+          <a:ln w="28575">
+            <a:solidFill>
+              <a:schemeClr val="tx1">
+                <a:lumMod val="95000"/>
+              </a:schemeClr>
+            </a:solidFill>
+            <a:tailEnd type="triangle"/>
+          </a:ln>
+        </p:spPr>
+        <p:style>
+          <a:lnRef idx="1">
+            <a:schemeClr val="accent1"/>
+          </a:lnRef>
+          <a:fillRef idx="0">
+            <a:schemeClr val="accent1"/>
+          </a:fillRef>
+          <a:effectRef idx="0">
+            <a:schemeClr val="accent1"/>
+          </a:effectRef>
+          <a:fontRef idx="minor">
+            <a:schemeClr val="tx1"/>
+          </a:fontRef>
+        </p:style>
+      </p:cxnSp>
+      <p:sp>
+        <p:nvSpPr>
+          <p:cNvPr id="18" name="CaixaDeTexto 17"/>
+          <p:cNvSpPr txBox="1"/>
+          <p:nvPr/>
+        </p:nvSpPr>
+        <p:spPr>
+          <a:xfrm>
+            <a:off x="5993021" y="4012413"/>
+            <a:ext cx="5022995" cy="523220"/>
+          </a:xfrm>
+          <a:prstGeom prst="rect">
+            <a:avLst/>
+          </a:prstGeom>
+          <a:noFill/>
+        </p:spPr>
+        <p:txBody>
+          <a:bodyPr wrap="square" rtlCol="0">
+            <a:spAutoFit/>
+          </a:bodyPr>
+          <a:lstStyle/>
+          <a:p>
+            <a:r>
+              <a:rPr lang="pt-BR" sz="2800" dirty="0" smtClean="0">
+                <a:latin typeface="Consolas" panose="020B0609020204030204" pitchFamily="49" charset="0"/>
+              </a:rPr>
+              <a:t>Comando de atribuição</a:t>
+            </a:r>
+            <a:endParaRPr lang="pt-BR" sz="2800" dirty="0">
+              <a:latin typeface="Consolas" panose="020B0609020204030204" pitchFamily="49" charset="0"/>
+            </a:endParaRPr>
+          </a:p>
+        </p:txBody>
+      </p:sp>
+      <p:sp>
+        <p:nvSpPr>
+          <p:cNvPr id="19" name="Retângulo 18"/>
+          <p:cNvSpPr/>
+          <p:nvPr/>
+        </p:nvSpPr>
+        <p:spPr>
+          <a:xfrm>
+            <a:off x="1679475" y="4932223"/>
+            <a:ext cx="3056298" cy="556449"/>
+          </a:xfrm>
+          <a:prstGeom prst="rect">
+            <a:avLst/>
+          </a:prstGeom>
+          <a:noFill/>
+          <a:ln w="25400" cmpd="sng">
+            <a:solidFill>
+              <a:schemeClr val="tx1">
+                <a:lumMod val="95000"/>
+              </a:schemeClr>
+            </a:solidFill>
+          </a:ln>
+        </p:spPr>
+        <p:style>
+          <a:lnRef idx="2">
+            <a:schemeClr val="accent1">
+              <a:shade val="50000"/>
+            </a:schemeClr>
+          </a:lnRef>
+          <a:fillRef idx="1001">
+            <a:schemeClr val="lt2"/>
+          </a:fillRef>
+          <a:effectRef idx="0">
+            <a:schemeClr val="accent1"/>
+          </a:effectRef>
+          <a:fontRef idx="minor">
+            <a:schemeClr val="lt1"/>
+          </a:fontRef>
+        </p:style>
+        <p:txBody>
+          <a:bodyPr rtlCol="0" anchor="t"/>
+          <a:lstStyle/>
+          <a:p>
+            <a:pPr algn="ctr"/>
+            <a:endParaRPr lang="pt-BR" b="1" dirty="0">
+              <a:latin typeface="Consolas" panose="020B0609020204030204" pitchFamily="49" charset="0"/>
+            </a:endParaRPr>
+          </a:p>
+        </p:txBody>
+      </p:sp>
+      <p:cxnSp>
+        <p:nvCxnSpPr>
+          <p:cNvPr id="20" name="Conector de seta reta 19"/>
+          <p:cNvCxnSpPr/>
+          <p:nvPr/>
+        </p:nvCxnSpPr>
+        <p:spPr>
+          <a:xfrm>
+            <a:off x="3769054" y="4929114"/>
+            <a:ext cx="2197290" cy="0"/>
+          </a:xfrm>
+          <a:prstGeom prst="straightConnector1">
+            <a:avLst/>
+          </a:prstGeom>
+          <a:ln w="28575">
+            <a:solidFill>
+              <a:schemeClr val="tx1">
+                <a:lumMod val="95000"/>
+              </a:schemeClr>
+            </a:solidFill>
+            <a:tailEnd type="triangle"/>
+          </a:ln>
+        </p:spPr>
+        <p:style>
+          <a:lnRef idx="1">
+            <a:schemeClr val="accent1"/>
+          </a:lnRef>
+          <a:fillRef idx="0">
+            <a:schemeClr val="accent1"/>
+          </a:fillRef>
+          <a:effectRef idx="0">
+            <a:schemeClr val="accent1"/>
+          </a:effectRef>
+          <a:fontRef idx="minor">
+            <a:schemeClr val="tx1"/>
+          </a:fontRef>
+        </p:style>
+      </p:cxnSp>
+      <p:sp>
+        <p:nvSpPr>
+          <p:cNvPr id="21" name="CaixaDeTexto 20"/>
+          <p:cNvSpPr txBox="1"/>
+          <p:nvPr/>
+        </p:nvSpPr>
+        <p:spPr>
+          <a:xfrm>
+            <a:off x="5993021" y="4640208"/>
+            <a:ext cx="5022995" cy="954107"/>
+          </a:xfrm>
+          <a:prstGeom prst="rect">
+            <a:avLst/>
+          </a:prstGeom>
+          <a:noFill/>
+        </p:spPr>
+        <p:txBody>
+          <a:bodyPr wrap="square" rtlCol="0">
+            <a:spAutoFit/>
+          </a:bodyPr>
+          <a:lstStyle/>
+          <a:p>
+            <a:r>
+              <a:rPr lang="pt-BR" sz="2800" dirty="0" smtClean="0">
+                <a:latin typeface="Consolas" panose="020B0609020204030204" pitchFamily="49" charset="0"/>
+              </a:rPr>
+              <a:t>Declaração e comando de atribuição</a:t>
+            </a:r>
+            <a:endParaRPr lang="pt-BR" sz="2800" dirty="0">
+              <a:latin typeface="Consolas" panose="020B0609020204030204" pitchFamily="49" charset="0"/>
+            </a:endParaRPr>
+          </a:p>
+        </p:txBody>
+      </p:sp>
     </p:spTree>
     <p:extLst>
       <p:ext uri="{BB962C8B-B14F-4D97-AF65-F5344CB8AC3E}">
@@ -8444,9 +8956,534 @@
   <p:timing>
     <p:tnLst>
       <p:par>
-        <p:cTn id="1" dur="indefinite" restart="never" nodeType="tmRoot"/>
+        <p:cTn id="1" dur="indefinite" restart="never" nodeType="tmRoot">
+          <p:childTnLst>
+            <p:seq concurrent="1" nextAc="seek">
+              <p:cTn id="2" dur="indefinite" nodeType="mainSeq">
+                <p:childTnLst>
+                  <p:par>
+                    <p:cTn id="3" fill="hold">
+                      <p:stCondLst>
+                        <p:cond delay="indefinite"/>
+                      </p:stCondLst>
+                      <p:childTnLst>
+                        <p:par>
+                          <p:cTn id="4" fill="hold">
+                            <p:stCondLst>
+                              <p:cond delay="0"/>
+                            </p:stCondLst>
+                            <p:childTnLst>
+                              <p:par>
+                                <p:cTn id="5" presetID="10" presetClass="entr" presetSubtype="0" fill="hold" grpId="0" nodeType="clickEffect">
+                                  <p:stCondLst>
+                                    <p:cond delay="0"/>
+                                  </p:stCondLst>
+                                  <p:childTnLst>
+                                    <p:set>
+                                      <p:cBhvr>
+                                        <p:cTn id="6" dur="1" fill="hold">
+                                          <p:stCondLst>
+                                            <p:cond delay="0"/>
+                                          </p:stCondLst>
+                                        </p:cTn>
+                                        <p:tgtEl>
+                                          <p:spTgt spid="9"/>
+                                        </p:tgtEl>
+                                        <p:attrNameLst>
+                                          <p:attrName>style.visibility</p:attrName>
+                                        </p:attrNameLst>
+                                      </p:cBhvr>
+                                      <p:to>
+                                        <p:strVal val="visible"/>
+                                      </p:to>
+                                    </p:set>
+                                    <p:animEffect transition="in" filter="fade">
+                                      <p:cBhvr>
+                                        <p:cTn id="7" dur="500"/>
+                                        <p:tgtEl>
+                                          <p:spTgt spid="9"/>
+                                        </p:tgtEl>
+                                      </p:cBhvr>
+                                    </p:animEffect>
+                                  </p:childTnLst>
+                                </p:cTn>
+                              </p:par>
+                              <p:par>
+                                <p:cTn id="8" presetID="10" presetClass="entr" presetSubtype="0" fill="hold" nodeType="withEffect">
+                                  <p:stCondLst>
+                                    <p:cond delay="0"/>
+                                  </p:stCondLst>
+                                  <p:childTnLst>
+                                    <p:set>
+                                      <p:cBhvr>
+                                        <p:cTn id="9" dur="1" fill="hold">
+                                          <p:stCondLst>
+                                            <p:cond delay="0"/>
+                                          </p:stCondLst>
+                                        </p:cTn>
+                                        <p:tgtEl>
+                                          <p:spTgt spid="8"/>
+                                        </p:tgtEl>
+                                        <p:attrNameLst>
+                                          <p:attrName>style.visibility</p:attrName>
+                                        </p:attrNameLst>
+                                      </p:cBhvr>
+                                      <p:to>
+                                        <p:strVal val="visible"/>
+                                      </p:to>
+                                    </p:set>
+                                    <p:animEffect transition="in" filter="fade">
+                                      <p:cBhvr>
+                                        <p:cTn id="10" dur="500"/>
+                                        <p:tgtEl>
+                                          <p:spTgt spid="8"/>
+                                        </p:tgtEl>
+                                      </p:cBhvr>
+                                    </p:animEffect>
+                                  </p:childTnLst>
+                                </p:cTn>
+                              </p:par>
+                              <p:par>
+                                <p:cTn id="11" presetID="10" presetClass="entr" presetSubtype="0" fill="hold" grpId="0" nodeType="withEffect">
+                                  <p:stCondLst>
+                                    <p:cond delay="0"/>
+                                  </p:stCondLst>
+                                  <p:childTnLst>
+                                    <p:set>
+                                      <p:cBhvr>
+                                        <p:cTn id="12" dur="1" fill="hold">
+                                          <p:stCondLst>
+                                            <p:cond delay="0"/>
+                                          </p:stCondLst>
+                                        </p:cTn>
+                                        <p:tgtEl>
+                                          <p:spTgt spid="6"/>
+                                        </p:tgtEl>
+                                        <p:attrNameLst>
+                                          <p:attrName>style.visibility</p:attrName>
+                                        </p:attrNameLst>
+                                      </p:cBhvr>
+                                      <p:to>
+                                        <p:strVal val="visible"/>
+                                      </p:to>
+                                    </p:set>
+                                    <p:animEffect transition="in" filter="fade">
+                                      <p:cBhvr>
+                                        <p:cTn id="13" dur="500"/>
+                                        <p:tgtEl>
+                                          <p:spTgt spid="6"/>
+                                        </p:tgtEl>
+                                      </p:cBhvr>
+                                    </p:animEffect>
+                                  </p:childTnLst>
+                                </p:cTn>
+                              </p:par>
+                            </p:childTnLst>
+                          </p:cTn>
+                        </p:par>
+                      </p:childTnLst>
+                    </p:cTn>
+                  </p:par>
+                  <p:par>
+                    <p:cTn id="14" fill="hold">
+                      <p:stCondLst>
+                        <p:cond delay="indefinite"/>
+                      </p:stCondLst>
+                      <p:childTnLst>
+                        <p:par>
+                          <p:cTn id="15" fill="hold">
+                            <p:stCondLst>
+                              <p:cond delay="0"/>
+                            </p:stCondLst>
+                            <p:childTnLst>
+                              <p:par>
+                                <p:cTn id="16" presetID="10" presetClass="entr" presetSubtype="0" fill="hold" grpId="0" nodeType="clickEffect">
+                                  <p:stCondLst>
+                                    <p:cond delay="0"/>
+                                  </p:stCondLst>
+                                  <p:childTnLst>
+                                    <p:set>
+                                      <p:cBhvr>
+                                        <p:cTn id="17" dur="1" fill="hold">
+                                          <p:stCondLst>
+                                            <p:cond delay="0"/>
+                                          </p:stCondLst>
+                                        </p:cTn>
+                                        <p:tgtEl>
+                                          <p:spTgt spid="10"/>
+                                        </p:tgtEl>
+                                        <p:attrNameLst>
+                                          <p:attrName>style.visibility</p:attrName>
+                                        </p:attrNameLst>
+                                      </p:cBhvr>
+                                      <p:to>
+                                        <p:strVal val="visible"/>
+                                      </p:to>
+                                    </p:set>
+                                    <p:animEffect transition="in" filter="fade">
+                                      <p:cBhvr>
+                                        <p:cTn id="18" dur="500"/>
+                                        <p:tgtEl>
+                                          <p:spTgt spid="10"/>
+                                        </p:tgtEl>
+                                      </p:cBhvr>
+                                    </p:animEffect>
+                                  </p:childTnLst>
+                                </p:cTn>
+                              </p:par>
+                              <p:par>
+                                <p:cTn id="19" presetID="10" presetClass="entr" presetSubtype="0" fill="hold" nodeType="withEffect">
+                                  <p:stCondLst>
+                                    <p:cond delay="0"/>
+                                  </p:stCondLst>
+                                  <p:childTnLst>
+                                    <p:set>
+                                      <p:cBhvr>
+                                        <p:cTn id="20" dur="1" fill="hold">
+                                          <p:stCondLst>
+                                            <p:cond delay="0"/>
+                                          </p:stCondLst>
+                                        </p:cTn>
+                                        <p:tgtEl>
+                                          <p:spTgt spid="11"/>
+                                        </p:tgtEl>
+                                        <p:attrNameLst>
+                                          <p:attrName>style.visibility</p:attrName>
+                                        </p:attrNameLst>
+                                      </p:cBhvr>
+                                      <p:to>
+                                        <p:strVal val="visible"/>
+                                      </p:to>
+                                    </p:set>
+                                    <p:animEffect transition="in" filter="fade">
+                                      <p:cBhvr>
+                                        <p:cTn id="21" dur="500"/>
+                                        <p:tgtEl>
+                                          <p:spTgt spid="11"/>
+                                        </p:tgtEl>
+                                      </p:cBhvr>
+                                    </p:animEffect>
+                                  </p:childTnLst>
+                                </p:cTn>
+                              </p:par>
+                              <p:par>
+                                <p:cTn id="22" presetID="10" presetClass="entr" presetSubtype="0" fill="hold" grpId="0" nodeType="withEffect">
+                                  <p:stCondLst>
+                                    <p:cond delay="0"/>
+                                  </p:stCondLst>
+                                  <p:childTnLst>
+                                    <p:set>
+                                      <p:cBhvr>
+                                        <p:cTn id="23" dur="1" fill="hold">
+                                          <p:stCondLst>
+                                            <p:cond delay="0"/>
+                                          </p:stCondLst>
+                                        </p:cTn>
+                                        <p:tgtEl>
+                                          <p:spTgt spid="15"/>
+                                        </p:tgtEl>
+                                        <p:attrNameLst>
+                                          <p:attrName>style.visibility</p:attrName>
+                                        </p:attrNameLst>
+                                      </p:cBhvr>
+                                      <p:to>
+                                        <p:strVal val="visible"/>
+                                      </p:to>
+                                    </p:set>
+                                    <p:animEffect transition="in" filter="fade">
+                                      <p:cBhvr>
+                                        <p:cTn id="24" dur="500"/>
+                                        <p:tgtEl>
+                                          <p:spTgt spid="15"/>
+                                        </p:tgtEl>
+                                      </p:cBhvr>
+                                    </p:animEffect>
+                                  </p:childTnLst>
+                                </p:cTn>
+                              </p:par>
+                            </p:childTnLst>
+                          </p:cTn>
+                        </p:par>
+                      </p:childTnLst>
+                    </p:cTn>
+                  </p:par>
+                  <p:par>
+                    <p:cTn id="25" fill="hold">
+                      <p:stCondLst>
+                        <p:cond delay="indefinite"/>
+                      </p:stCondLst>
+                      <p:childTnLst>
+                        <p:par>
+                          <p:cTn id="26" fill="hold">
+                            <p:stCondLst>
+                              <p:cond delay="0"/>
+                            </p:stCondLst>
+                            <p:childTnLst>
+                              <p:par>
+                                <p:cTn id="27" presetID="10" presetClass="entr" presetSubtype="0" fill="hold" grpId="0" nodeType="clickEffect">
+                                  <p:stCondLst>
+                                    <p:cond delay="0"/>
+                                  </p:stCondLst>
+                                  <p:childTnLst>
+                                    <p:set>
+                                      <p:cBhvr>
+                                        <p:cTn id="28" dur="1" fill="hold">
+                                          <p:stCondLst>
+                                            <p:cond delay="0"/>
+                                          </p:stCondLst>
+                                        </p:cTn>
+                                        <p:tgtEl>
+                                          <p:spTgt spid="16"/>
+                                        </p:tgtEl>
+                                        <p:attrNameLst>
+                                          <p:attrName>style.visibility</p:attrName>
+                                        </p:attrNameLst>
+                                      </p:cBhvr>
+                                      <p:to>
+                                        <p:strVal val="visible"/>
+                                      </p:to>
+                                    </p:set>
+                                    <p:animEffect transition="in" filter="fade">
+                                      <p:cBhvr>
+                                        <p:cTn id="29" dur="500"/>
+                                        <p:tgtEl>
+                                          <p:spTgt spid="16"/>
+                                        </p:tgtEl>
+                                      </p:cBhvr>
+                                    </p:animEffect>
+                                  </p:childTnLst>
+                                </p:cTn>
+                              </p:par>
+                              <p:par>
+                                <p:cTn id="30" presetID="10" presetClass="entr" presetSubtype="0" fill="hold" nodeType="withEffect">
+                                  <p:stCondLst>
+                                    <p:cond delay="0"/>
+                                  </p:stCondLst>
+                                  <p:childTnLst>
+                                    <p:set>
+                                      <p:cBhvr>
+                                        <p:cTn id="31" dur="1" fill="hold">
+                                          <p:stCondLst>
+                                            <p:cond delay="0"/>
+                                          </p:stCondLst>
+                                        </p:cTn>
+                                        <p:tgtEl>
+                                          <p:spTgt spid="17"/>
+                                        </p:tgtEl>
+                                        <p:attrNameLst>
+                                          <p:attrName>style.visibility</p:attrName>
+                                        </p:attrNameLst>
+                                      </p:cBhvr>
+                                      <p:to>
+                                        <p:strVal val="visible"/>
+                                      </p:to>
+                                    </p:set>
+                                    <p:animEffect transition="in" filter="fade">
+                                      <p:cBhvr>
+                                        <p:cTn id="32" dur="500"/>
+                                        <p:tgtEl>
+                                          <p:spTgt spid="17"/>
+                                        </p:tgtEl>
+                                      </p:cBhvr>
+                                    </p:animEffect>
+                                  </p:childTnLst>
+                                </p:cTn>
+                              </p:par>
+                              <p:par>
+                                <p:cTn id="33" presetID="10" presetClass="entr" presetSubtype="0" fill="hold" grpId="0" nodeType="withEffect">
+                                  <p:stCondLst>
+                                    <p:cond delay="0"/>
+                                  </p:stCondLst>
+                                  <p:childTnLst>
+                                    <p:set>
+                                      <p:cBhvr>
+                                        <p:cTn id="34" dur="1" fill="hold">
+                                          <p:stCondLst>
+                                            <p:cond delay="0"/>
+                                          </p:stCondLst>
+                                        </p:cTn>
+                                        <p:tgtEl>
+                                          <p:spTgt spid="18"/>
+                                        </p:tgtEl>
+                                        <p:attrNameLst>
+                                          <p:attrName>style.visibility</p:attrName>
+                                        </p:attrNameLst>
+                                      </p:cBhvr>
+                                      <p:to>
+                                        <p:strVal val="visible"/>
+                                      </p:to>
+                                    </p:set>
+                                    <p:animEffect transition="in" filter="fade">
+                                      <p:cBhvr>
+                                        <p:cTn id="35" dur="500"/>
+                                        <p:tgtEl>
+                                          <p:spTgt spid="18"/>
+                                        </p:tgtEl>
+                                      </p:cBhvr>
+                                    </p:animEffect>
+                                  </p:childTnLst>
+                                </p:cTn>
+                              </p:par>
+                            </p:childTnLst>
+                          </p:cTn>
+                        </p:par>
+                      </p:childTnLst>
+                    </p:cTn>
+                  </p:par>
+                  <p:par>
+                    <p:cTn id="36" fill="hold">
+                      <p:stCondLst>
+                        <p:cond delay="indefinite"/>
+                      </p:stCondLst>
+                      <p:childTnLst>
+                        <p:par>
+                          <p:cTn id="37" fill="hold">
+                            <p:stCondLst>
+                              <p:cond delay="0"/>
+                            </p:stCondLst>
+                            <p:childTnLst>
+                              <p:par>
+                                <p:cTn id="38" presetID="10" presetClass="entr" presetSubtype="0" fill="hold" nodeType="clickEffect">
+                                  <p:stCondLst>
+                                    <p:cond delay="0"/>
+                                  </p:stCondLst>
+                                  <p:childTnLst>
+                                    <p:set>
+                                      <p:cBhvr>
+                                        <p:cTn id="39" dur="1" fill="hold">
+                                          <p:stCondLst>
+                                            <p:cond delay="0"/>
+                                          </p:stCondLst>
+                                        </p:cTn>
+                                        <p:tgtEl>
+                                          <p:spTgt spid="20"/>
+                                        </p:tgtEl>
+                                        <p:attrNameLst>
+                                          <p:attrName>style.visibility</p:attrName>
+                                        </p:attrNameLst>
+                                      </p:cBhvr>
+                                      <p:to>
+                                        <p:strVal val="visible"/>
+                                      </p:to>
+                                    </p:set>
+                                    <p:animEffect transition="in" filter="fade">
+                                      <p:cBhvr>
+                                        <p:cTn id="40" dur="500"/>
+                                        <p:tgtEl>
+                                          <p:spTgt spid="20"/>
+                                        </p:tgtEl>
+                                      </p:cBhvr>
+                                    </p:animEffect>
+                                  </p:childTnLst>
+                                </p:cTn>
+                              </p:par>
+                              <p:par>
+                                <p:cTn id="41" presetID="10" presetClass="entr" presetSubtype="0" fill="hold" grpId="0" nodeType="withEffect">
+                                  <p:stCondLst>
+                                    <p:cond delay="0"/>
+                                  </p:stCondLst>
+                                  <p:childTnLst>
+                                    <p:set>
+                                      <p:cBhvr>
+                                        <p:cTn id="42" dur="1" fill="hold">
+                                          <p:stCondLst>
+                                            <p:cond delay="0"/>
+                                          </p:stCondLst>
+                                        </p:cTn>
+                                        <p:tgtEl>
+                                          <p:spTgt spid="21"/>
+                                        </p:tgtEl>
+                                        <p:attrNameLst>
+                                          <p:attrName>style.visibility</p:attrName>
+                                        </p:attrNameLst>
+                                      </p:cBhvr>
+                                      <p:to>
+                                        <p:strVal val="visible"/>
+                                      </p:to>
+                                    </p:set>
+                                    <p:animEffect transition="in" filter="fade">
+                                      <p:cBhvr>
+                                        <p:cTn id="43" dur="500"/>
+                                        <p:tgtEl>
+                                          <p:spTgt spid="21"/>
+                                        </p:tgtEl>
+                                      </p:cBhvr>
+                                    </p:animEffect>
+                                  </p:childTnLst>
+                                </p:cTn>
+                              </p:par>
+                              <p:par>
+                                <p:cTn id="44" presetID="10" presetClass="entr" presetSubtype="0" fill="hold" grpId="0" nodeType="withEffect">
+                                  <p:stCondLst>
+                                    <p:cond delay="0"/>
+                                  </p:stCondLst>
+                                  <p:childTnLst>
+                                    <p:set>
+                                      <p:cBhvr>
+                                        <p:cTn id="45" dur="1" fill="hold">
+                                          <p:stCondLst>
+                                            <p:cond delay="0"/>
+                                          </p:stCondLst>
+                                        </p:cTn>
+                                        <p:tgtEl>
+                                          <p:spTgt spid="19"/>
+                                        </p:tgtEl>
+                                        <p:attrNameLst>
+                                          <p:attrName>style.visibility</p:attrName>
+                                        </p:attrNameLst>
+                                      </p:cBhvr>
+                                      <p:to>
+                                        <p:strVal val="visible"/>
+                                      </p:to>
+                                    </p:set>
+                                    <p:animEffect transition="in" filter="fade">
+                                      <p:cBhvr>
+                                        <p:cTn id="46" dur="500"/>
+                                        <p:tgtEl>
+                                          <p:spTgt spid="19"/>
+                                        </p:tgtEl>
+                                      </p:cBhvr>
+                                    </p:animEffect>
+                                  </p:childTnLst>
+                                </p:cTn>
+                              </p:par>
+                            </p:childTnLst>
+                          </p:cTn>
+                        </p:par>
+                      </p:childTnLst>
+                    </p:cTn>
+                  </p:par>
+                </p:childTnLst>
+              </p:cTn>
+              <p:prevCondLst>
+                <p:cond evt="onPrev" delay="0">
+                  <p:tgtEl>
+                    <p:sldTgt/>
+                  </p:tgtEl>
+                </p:cond>
+              </p:prevCondLst>
+              <p:nextCondLst>
+                <p:cond evt="onNext" delay="0">
+                  <p:tgtEl>
+                    <p:sldTgt/>
+                  </p:tgtEl>
+                </p:cond>
+              </p:nextCondLst>
+            </p:seq>
+          </p:childTnLst>
+        </p:cTn>
       </p:par>
     </p:tnLst>
+    <p:bldLst>
+      <p:bldP spid="6" grpId="0" animBg="1"/>
+      <p:bldP spid="9" grpId="0"/>
+      <p:bldP spid="10" grpId="0" animBg="1"/>
+      <p:bldP spid="15" grpId="0"/>
+      <p:bldP spid="16" grpId="0" animBg="1"/>
+      <p:bldP spid="18" grpId="0"/>
+      <p:bldP spid="19" grpId="0" animBg="1"/>
+      <p:bldP spid="21" grpId="0"/>
+    </p:bldLst>
   </p:timing>
 </p:sld>
 </file>

--- a/material_de_apoio/resumo_pratico.pptx
+++ b/material_de_apoio/resumo_pratico.pptx
@@ -5,7 +5,7 @@
     <p:sldMasterId id="2147483660" r:id="rId1"/>
   </p:sldMasterIdLst>
   <p:notesMasterIdLst>
-    <p:notesMasterId r:id="rId8"/>
+    <p:notesMasterId r:id="rId9"/>
   </p:notesMasterIdLst>
   <p:sldIdLst>
     <p:sldId id="256" r:id="rId2"/>
@@ -14,6 +14,7 @@
     <p:sldId id="259" r:id="rId5"/>
     <p:sldId id="260" r:id="rId6"/>
     <p:sldId id="261" r:id="rId7"/>
+    <p:sldId id="262" r:id="rId8"/>
   </p:sldIdLst>
   <p:sldSz cx="12192000" cy="6858000"/>
   <p:notesSz cx="6858000" cy="9144000"/>
@@ -9570,6 +9571,2382 @@
           </a:prstGeom>
         </p:spPr>
       </p:pic>
+      <p:sp>
+        <p:nvSpPr>
+          <p:cNvPr id="5" name="CaixaDeTexto 4"/>
+          <p:cNvSpPr txBox="1"/>
+          <p:nvPr/>
+        </p:nvSpPr>
+        <p:spPr>
+          <a:xfrm>
+            <a:off x="346879" y="2007028"/>
+            <a:ext cx="3378959" cy="523220"/>
+          </a:xfrm>
+          <a:prstGeom prst="rect">
+            <a:avLst/>
+          </a:prstGeom>
+          <a:noFill/>
+        </p:spPr>
+        <p:txBody>
+          <a:bodyPr wrap="square" rtlCol="0">
+            <a:spAutoFit/>
+          </a:bodyPr>
+          <a:lstStyle/>
+          <a:p>
+            <a:r>
+              <a:rPr lang="pt-BR" sz="2800" dirty="0" smtClean="0">
+                <a:latin typeface="Consolas" panose="020B0609020204030204" pitchFamily="49" charset="0"/>
+              </a:rPr>
+              <a:t>Variável(</a:t>
+            </a:r>
+            <a:r>
+              <a:rPr lang="pt-BR" sz="2800" dirty="0" err="1" smtClean="0">
+                <a:latin typeface="Consolas" panose="020B0609020204030204" pitchFamily="49" charset="0"/>
+              </a:rPr>
+              <a:t>int</a:t>
+            </a:r>
+            <a:r>
+              <a:rPr lang="pt-BR" sz="2800" dirty="0" smtClean="0">
+                <a:latin typeface="Consolas" panose="020B0609020204030204" pitchFamily="49" charset="0"/>
+              </a:rPr>
+              <a:t>) a </a:t>
+            </a:r>
+            <a:endParaRPr lang="pt-BR" sz="2800" dirty="0">
+              <a:latin typeface="Consolas" panose="020B0609020204030204" pitchFamily="49" charset="0"/>
+            </a:endParaRPr>
+          </a:p>
+        </p:txBody>
+      </p:sp>
+      <p:sp>
+        <p:nvSpPr>
+          <p:cNvPr id="6" name="Retângulo 5"/>
+          <p:cNvSpPr/>
+          <p:nvPr/>
+        </p:nvSpPr>
+        <p:spPr>
+          <a:xfrm>
+            <a:off x="2218357" y="2644623"/>
+            <a:ext cx="528875" cy="564431"/>
+          </a:xfrm>
+          <a:prstGeom prst="rect">
+            <a:avLst/>
+          </a:prstGeom>
+          <a:noFill/>
+          <a:ln w="25400" cmpd="sng">
+            <a:solidFill>
+              <a:schemeClr val="tx1">
+                <a:lumMod val="95000"/>
+              </a:schemeClr>
+            </a:solidFill>
+          </a:ln>
+        </p:spPr>
+        <p:style>
+          <a:lnRef idx="2">
+            <a:schemeClr val="accent1">
+              <a:shade val="50000"/>
+            </a:schemeClr>
+          </a:lnRef>
+          <a:fillRef idx="1001">
+            <a:schemeClr val="lt2"/>
+          </a:fillRef>
+          <a:effectRef idx="0">
+            <a:schemeClr val="accent1"/>
+          </a:effectRef>
+          <a:fontRef idx="minor">
+            <a:schemeClr val="lt1"/>
+          </a:fontRef>
+        </p:style>
+        <p:txBody>
+          <a:bodyPr rtlCol="0" anchor="t"/>
+          <a:lstStyle/>
+          <a:p>
+            <a:pPr algn="ctr"/>
+            <a:endParaRPr lang="pt-BR" b="1" dirty="0">
+              <a:latin typeface="Consolas" panose="020B0609020204030204" pitchFamily="49" charset="0"/>
+            </a:endParaRPr>
+          </a:p>
+        </p:txBody>
+      </p:sp>
+      <p:sp>
+        <p:nvSpPr>
+          <p:cNvPr id="7" name="CaixaDeTexto 6"/>
+          <p:cNvSpPr txBox="1"/>
+          <p:nvPr/>
+        </p:nvSpPr>
+        <p:spPr>
+          <a:xfrm>
+            <a:off x="2205657" y="4422623"/>
+            <a:ext cx="528875" cy="523220"/>
+          </a:xfrm>
+          <a:prstGeom prst="rect">
+            <a:avLst/>
+          </a:prstGeom>
+          <a:noFill/>
+        </p:spPr>
+        <p:txBody>
+          <a:bodyPr wrap="square" rtlCol="0">
+            <a:spAutoFit/>
+          </a:bodyPr>
+          <a:lstStyle/>
+          <a:p>
+            <a:pPr algn="ctr"/>
+            <a:r>
+              <a:rPr lang="pt-BR" sz="2800" b="1" dirty="0" smtClean="0">
+                <a:solidFill>
+                  <a:srgbClr val="00FF00"/>
+                </a:solidFill>
+                <a:latin typeface="Consolas" panose="020B0609020204030204" pitchFamily="49" charset="0"/>
+              </a:rPr>
+              <a:t>3</a:t>
+            </a:r>
+            <a:endParaRPr lang="pt-BR" sz="2800" b="1" dirty="0">
+              <a:solidFill>
+                <a:srgbClr val="00FF00"/>
+              </a:solidFill>
+              <a:latin typeface="Consolas" panose="020B0609020204030204" pitchFamily="49" charset="0"/>
+            </a:endParaRPr>
+          </a:p>
+        </p:txBody>
+      </p:sp>
+      <p:sp>
+        <p:nvSpPr>
+          <p:cNvPr id="8" name="CaixaDeTexto 7"/>
+          <p:cNvSpPr txBox="1"/>
+          <p:nvPr/>
+        </p:nvSpPr>
+        <p:spPr>
+          <a:xfrm>
+            <a:off x="346879" y="2685840"/>
+            <a:ext cx="1370463" cy="400110"/>
+          </a:xfrm>
+          <a:prstGeom prst="rect">
+            <a:avLst/>
+          </a:prstGeom>
+          <a:noFill/>
+        </p:spPr>
+        <p:txBody>
+          <a:bodyPr wrap="square" rtlCol="0">
+            <a:spAutoFit/>
+          </a:bodyPr>
+          <a:lstStyle/>
+          <a:p>
+            <a:r>
+              <a:rPr lang="pt-BR" sz="2000" dirty="0" err="1">
+                <a:latin typeface="Consolas" panose="020B0609020204030204" pitchFamily="49" charset="0"/>
+              </a:rPr>
+              <a:t>i</a:t>
+            </a:r>
+            <a:r>
+              <a:rPr lang="pt-BR" sz="2000" dirty="0" err="1" smtClean="0">
+                <a:latin typeface="Consolas" panose="020B0609020204030204" pitchFamily="49" charset="0"/>
+              </a:rPr>
+              <a:t>nt</a:t>
+            </a:r>
+            <a:r>
+              <a:rPr lang="pt-BR" sz="2000" dirty="0" smtClean="0">
+                <a:latin typeface="Consolas" panose="020B0609020204030204" pitchFamily="49" charset="0"/>
+              </a:rPr>
+              <a:t> a;</a:t>
+            </a:r>
+            <a:endParaRPr lang="pt-BR" sz="2000" dirty="0">
+              <a:latin typeface="Consolas" panose="020B0609020204030204" pitchFamily="49" charset="0"/>
+            </a:endParaRPr>
+          </a:p>
+        </p:txBody>
+      </p:sp>
+      <p:cxnSp>
+        <p:nvCxnSpPr>
+          <p:cNvPr id="9" name="Conector de seta reta 8"/>
+          <p:cNvCxnSpPr/>
+          <p:nvPr/>
+        </p:nvCxnSpPr>
+        <p:spPr>
+          <a:xfrm>
+            <a:off x="1487602" y="2920619"/>
+            <a:ext cx="450376" cy="0"/>
+          </a:xfrm>
+          <a:prstGeom prst="straightConnector1">
+            <a:avLst/>
+          </a:prstGeom>
+          <a:ln w="28575">
+            <a:solidFill>
+              <a:schemeClr val="tx1">
+                <a:lumMod val="95000"/>
+              </a:schemeClr>
+            </a:solidFill>
+            <a:tailEnd type="triangle"/>
+          </a:ln>
+        </p:spPr>
+        <p:style>
+          <a:lnRef idx="1">
+            <a:schemeClr val="accent1"/>
+          </a:lnRef>
+          <a:fillRef idx="0">
+            <a:schemeClr val="accent1"/>
+          </a:fillRef>
+          <a:effectRef idx="0">
+            <a:schemeClr val="accent1"/>
+          </a:effectRef>
+          <a:fontRef idx="minor">
+            <a:schemeClr val="tx1"/>
+          </a:fontRef>
+        </p:style>
+      </p:cxnSp>
+      <p:sp>
+        <p:nvSpPr>
+          <p:cNvPr id="10" name="CaixaDeTexto 9"/>
+          <p:cNvSpPr txBox="1"/>
+          <p:nvPr/>
+        </p:nvSpPr>
+        <p:spPr>
+          <a:xfrm>
+            <a:off x="4443492" y="1995653"/>
+            <a:ext cx="3378959" cy="523220"/>
+          </a:xfrm>
+          <a:prstGeom prst="rect">
+            <a:avLst/>
+          </a:prstGeom>
+          <a:noFill/>
+        </p:spPr>
+        <p:txBody>
+          <a:bodyPr wrap="square" rtlCol="0">
+            <a:spAutoFit/>
+          </a:bodyPr>
+          <a:lstStyle/>
+          <a:p>
+            <a:r>
+              <a:rPr lang="pt-BR" sz="2800" dirty="0" err="1" smtClean="0">
+                <a:latin typeface="Consolas" panose="020B0609020204030204" pitchFamily="49" charset="0"/>
+              </a:rPr>
+              <a:t>Array</a:t>
+            </a:r>
+            <a:r>
+              <a:rPr lang="pt-BR" sz="2800" dirty="0" smtClean="0">
+                <a:latin typeface="Consolas" panose="020B0609020204030204" pitchFamily="49" charset="0"/>
+              </a:rPr>
+              <a:t>(</a:t>
+            </a:r>
+            <a:r>
+              <a:rPr lang="pt-BR" sz="2800" dirty="0" err="1" smtClean="0">
+                <a:latin typeface="Consolas" panose="020B0609020204030204" pitchFamily="49" charset="0"/>
+              </a:rPr>
+              <a:t>int</a:t>
+            </a:r>
+            <a:r>
+              <a:rPr lang="pt-BR" sz="2800" dirty="0" smtClean="0">
+                <a:latin typeface="Consolas" panose="020B0609020204030204" pitchFamily="49" charset="0"/>
+              </a:rPr>
+              <a:t>) x </a:t>
+            </a:r>
+            <a:endParaRPr lang="pt-BR" sz="2800" dirty="0">
+              <a:latin typeface="Consolas" panose="020B0609020204030204" pitchFamily="49" charset="0"/>
+            </a:endParaRPr>
+          </a:p>
+        </p:txBody>
+      </p:sp>
+      <p:sp>
+        <p:nvSpPr>
+          <p:cNvPr id="11" name="CaixaDeTexto 10"/>
+          <p:cNvSpPr txBox="1"/>
+          <p:nvPr/>
+        </p:nvSpPr>
+        <p:spPr>
+          <a:xfrm>
+            <a:off x="4525379" y="2701760"/>
+            <a:ext cx="1370463" cy="400110"/>
+          </a:xfrm>
+          <a:prstGeom prst="rect">
+            <a:avLst/>
+          </a:prstGeom>
+          <a:noFill/>
+        </p:spPr>
+        <p:txBody>
+          <a:bodyPr wrap="square" rtlCol="0">
+            <a:spAutoFit/>
+          </a:bodyPr>
+          <a:lstStyle/>
+          <a:p>
+            <a:r>
+              <a:rPr lang="pt-BR" sz="2000" u="sng" dirty="0" err="1">
+                <a:latin typeface="Consolas" panose="020B0609020204030204" pitchFamily="49" charset="0"/>
+              </a:rPr>
+              <a:t>i</a:t>
+            </a:r>
+            <a:r>
+              <a:rPr lang="pt-BR" sz="2000" u="sng" dirty="0" err="1" smtClean="0">
+                <a:latin typeface="Consolas" panose="020B0609020204030204" pitchFamily="49" charset="0"/>
+              </a:rPr>
+              <a:t>nt</a:t>
+            </a:r>
+            <a:r>
+              <a:rPr lang="pt-BR" sz="2000" dirty="0" smtClean="0">
+                <a:latin typeface="Consolas" panose="020B0609020204030204" pitchFamily="49" charset="0"/>
+              </a:rPr>
+              <a:t>[] x;</a:t>
+            </a:r>
+            <a:endParaRPr lang="pt-BR" sz="2000" dirty="0">
+              <a:latin typeface="Consolas" panose="020B0609020204030204" pitchFamily="49" charset="0"/>
+            </a:endParaRPr>
+          </a:p>
+        </p:txBody>
+      </p:sp>
+      <p:cxnSp>
+        <p:nvCxnSpPr>
+          <p:cNvPr id="12" name="Conector de seta reta 11"/>
+          <p:cNvCxnSpPr/>
+          <p:nvPr/>
+        </p:nvCxnSpPr>
+        <p:spPr>
+          <a:xfrm>
+            <a:off x="5895842" y="2922891"/>
+            <a:ext cx="1699142" cy="0"/>
+          </a:xfrm>
+          <a:prstGeom prst="straightConnector1">
+            <a:avLst/>
+          </a:prstGeom>
+          <a:ln w="28575">
+            <a:solidFill>
+              <a:schemeClr val="tx1">
+                <a:lumMod val="95000"/>
+              </a:schemeClr>
+            </a:solidFill>
+            <a:tailEnd type="triangle"/>
+          </a:ln>
+        </p:spPr>
+        <p:style>
+          <a:lnRef idx="1">
+            <a:schemeClr val="accent1"/>
+          </a:lnRef>
+          <a:fillRef idx="0">
+            <a:schemeClr val="accent1"/>
+          </a:fillRef>
+          <a:effectRef idx="0">
+            <a:schemeClr val="accent1"/>
+          </a:effectRef>
+          <a:fontRef idx="minor">
+            <a:schemeClr val="tx1"/>
+          </a:fontRef>
+        </p:style>
+      </p:cxnSp>
+      <p:sp>
+        <p:nvSpPr>
+          <p:cNvPr id="13" name="Retângulo 12"/>
+          <p:cNvSpPr/>
+          <p:nvPr/>
+        </p:nvSpPr>
+        <p:spPr>
+          <a:xfrm>
+            <a:off x="7807126" y="2649276"/>
+            <a:ext cx="528875" cy="564431"/>
+          </a:xfrm>
+          <a:prstGeom prst="rect">
+            <a:avLst/>
+          </a:prstGeom>
+          <a:noFill/>
+          <a:ln w="25400" cmpd="sng">
+            <a:solidFill>
+              <a:schemeClr val="tx1">
+                <a:lumMod val="95000"/>
+              </a:schemeClr>
+            </a:solidFill>
+          </a:ln>
+        </p:spPr>
+        <p:style>
+          <a:lnRef idx="2">
+            <a:schemeClr val="accent1">
+              <a:shade val="50000"/>
+            </a:schemeClr>
+          </a:lnRef>
+          <a:fillRef idx="1001">
+            <a:schemeClr val="lt2"/>
+          </a:fillRef>
+          <a:effectRef idx="0">
+            <a:schemeClr val="accent1"/>
+          </a:effectRef>
+          <a:fontRef idx="minor">
+            <a:schemeClr val="lt1"/>
+          </a:fontRef>
+        </p:style>
+        <p:txBody>
+          <a:bodyPr rtlCol="0" anchor="t"/>
+          <a:lstStyle/>
+          <a:p>
+            <a:pPr algn="ctr"/>
+            <a:endParaRPr lang="pt-BR" b="1" dirty="0">
+              <a:latin typeface="Consolas" panose="020B0609020204030204" pitchFamily="49" charset="0"/>
+            </a:endParaRPr>
+          </a:p>
+        </p:txBody>
+      </p:sp>
+      <p:sp>
+        <p:nvSpPr>
+          <p:cNvPr id="14" name="Retângulo 13"/>
+          <p:cNvSpPr/>
+          <p:nvPr/>
+        </p:nvSpPr>
+        <p:spPr>
+          <a:xfrm>
+            <a:off x="8328020" y="2649169"/>
+            <a:ext cx="528875" cy="564431"/>
+          </a:xfrm>
+          <a:prstGeom prst="rect">
+            <a:avLst/>
+          </a:prstGeom>
+          <a:noFill/>
+          <a:ln w="25400" cmpd="sng">
+            <a:solidFill>
+              <a:schemeClr val="tx1">
+                <a:lumMod val="95000"/>
+              </a:schemeClr>
+            </a:solidFill>
+          </a:ln>
+        </p:spPr>
+        <p:style>
+          <a:lnRef idx="2">
+            <a:schemeClr val="accent1">
+              <a:shade val="50000"/>
+            </a:schemeClr>
+          </a:lnRef>
+          <a:fillRef idx="1001">
+            <a:schemeClr val="lt2"/>
+          </a:fillRef>
+          <a:effectRef idx="0">
+            <a:schemeClr val="accent1"/>
+          </a:effectRef>
+          <a:fontRef idx="minor">
+            <a:schemeClr val="lt1"/>
+          </a:fontRef>
+        </p:style>
+        <p:txBody>
+          <a:bodyPr rtlCol="0" anchor="t"/>
+          <a:lstStyle/>
+          <a:p>
+            <a:pPr algn="ctr"/>
+            <a:endParaRPr lang="pt-BR" b="1" dirty="0">
+              <a:latin typeface="Consolas" panose="020B0609020204030204" pitchFamily="49" charset="0"/>
+            </a:endParaRPr>
+          </a:p>
+        </p:txBody>
+      </p:sp>
+      <p:sp>
+        <p:nvSpPr>
+          <p:cNvPr id="15" name="Retângulo 14"/>
+          <p:cNvSpPr/>
+          <p:nvPr/>
+        </p:nvSpPr>
+        <p:spPr>
+          <a:xfrm>
+            <a:off x="8860280" y="2649167"/>
+            <a:ext cx="528875" cy="564431"/>
+          </a:xfrm>
+          <a:prstGeom prst="rect">
+            <a:avLst/>
+          </a:prstGeom>
+          <a:noFill/>
+          <a:ln w="25400" cmpd="sng">
+            <a:solidFill>
+              <a:schemeClr val="tx1">
+                <a:lumMod val="95000"/>
+              </a:schemeClr>
+            </a:solidFill>
+          </a:ln>
+        </p:spPr>
+        <p:style>
+          <a:lnRef idx="2">
+            <a:schemeClr val="accent1">
+              <a:shade val="50000"/>
+            </a:schemeClr>
+          </a:lnRef>
+          <a:fillRef idx="1001">
+            <a:schemeClr val="lt2"/>
+          </a:fillRef>
+          <a:effectRef idx="0">
+            <a:schemeClr val="accent1"/>
+          </a:effectRef>
+          <a:fontRef idx="minor">
+            <a:schemeClr val="lt1"/>
+          </a:fontRef>
+        </p:style>
+        <p:txBody>
+          <a:bodyPr rtlCol="0" anchor="t"/>
+          <a:lstStyle/>
+          <a:p>
+            <a:pPr algn="ctr"/>
+            <a:endParaRPr lang="pt-BR" b="1" dirty="0">
+              <a:latin typeface="Consolas" panose="020B0609020204030204" pitchFamily="49" charset="0"/>
+            </a:endParaRPr>
+          </a:p>
+        </p:txBody>
+      </p:sp>
+      <p:sp>
+        <p:nvSpPr>
+          <p:cNvPr id="16" name="Retângulo 15"/>
+          <p:cNvSpPr/>
+          <p:nvPr/>
+        </p:nvSpPr>
+        <p:spPr>
+          <a:xfrm>
+            <a:off x="9392546" y="2649167"/>
+            <a:ext cx="528875" cy="564431"/>
+          </a:xfrm>
+          <a:prstGeom prst="rect">
+            <a:avLst/>
+          </a:prstGeom>
+          <a:noFill/>
+          <a:ln w="25400" cmpd="sng">
+            <a:solidFill>
+              <a:schemeClr val="tx1">
+                <a:lumMod val="95000"/>
+              </a:schemeClr>
+            </a:solidFill>
+          </a:ln>
+        </p:spPr>
+        <p:style>
+          <a:lnRef idx="2">
+            <a:schemeClr val="accent1">
+              <a:shade val="50000"/>
+            </a:schemeClr>
+          </a:lnRef>
+          <a:fillRef idx="1001">
+            <a:schemeClr val="lt2"/>
+          </a:fillRef>
+          <a:effectRef idx="0">
+            <a:schemeClr val="accent1"/>
+          </a:effectRef>
+          <a:fontRef idx="minor">
+            <a:schemeClr val="lt1"/>
+          </a:fontRef>
+        </p:style>
+        <p:txBody>
+          <a:bodyPr rtlCol="0" anchor="t"/>
+          <a:lstStyle/>
+          <a:p>
+            <a:pPr algn="ctr"/>
+            <a:endParaRPr lang="pt-BR" b="1" dirty="0">
+              <a:latin typeface="Consolas" panose="020B0609020204030204" pitchFamily="49" charset="0"/>
+            </a:endParaRPr>
+          </a:p>
+        </p:txBody>
+      </p:sp>
+      <p:sp>
+        <p:nvSpPr>
+          <p:cNvPr id="17" name="Retângulo 16"/>
+          <p:cNvSpPr/>
+          <p:nvPr/>
+        </p:nvSpPr>
+        <p:spPr>
+          <a:xfrm>
+            <a:off x="9920734" y="2649851"/>
+            <a:ext cx="528875" cy="563965"/>
+          </a:xfrm>
+          <a:prstGeom prst="rect">
+            <a:avLst/>
+          </a:prstGeom>
+          <a:noFill/>
+          <a:ln w="25400" cmpd="sng">
+            <a:solidFill>
+              <a:schemeClr val="tx1">
+                <a:lumMod val="95000"/>
+              </a:schemeClr>
+            </a:solidFill>
+            <a:prstDash val="sysDash"/>
+          </a:ln>
+        </p:spPr>
+        <p:style>
+          <a:lnRef idx="2">
+            <a:schemeClr val="accent1">
+              <a:shade val="50000"/>
+            </a:schemeClr>
+          </a:lnRef>
+          <a:fillRef idx="1001">
+            <a:schemeClr val="lt2"/>
+          </a:fillRef>
+          <a:effectRef idx="0">
+            <a:schemeClr val="accent1"/>
+          </a:effectRef>
+          <a:fontRef idx="minor">
+            <a:schemeClr val="lt1"/>
+          </a:fontRef>
+        </p:style>
+        <p:txBody>
+          <a:bodyPr rtlCol="0" anchor="t"/>
+          <a:lstStyle/>
+          <a:p>
+            <a:pPr algn="ctr"/>
+            <a:endParaRPr lang="pt-BR" b="1" dirty="0">
+              <a:latin typeface="Consolas" panose="020B0609020204030204" pitchFamily="49" charset="0"/>
+            </a:endParaRPr>
+          </a:p>
+        </p:txBody>
+      </p:sp>
+      <p:sp>
+        <p:nvSpPr>
+          <p:cNvPr id="18" name="Retângulo 17"/>
+          <p:cNvSpPr/>
+          <p:nvPr/>
+        </p:nvSpPr>
+        <p:spPr>
+          <a:xfrm>
+            <a:off x="10449371" y="2649852"/>
+            <a:ext cx="528875" cy="563965"/>
+          </a:xfrm>
+          <a:prstGeom prst="rect">
+            <a:avLst/>
+          </a:prstGeom>
+          <a:noFill/>
+          <a:ln w="25400" cmpd="sng">
+            <a:solidFill>
+              <a:schemeClr val="tx1">
+                <a:lumMod val="95000"/>
+              </a:schemeClr>
+            </a:solidFill>
+            <a:prstDash val="sysDash"/>
+          </a:ln>
+        </p:spPr>
+        <p:style>
+          <a:lnRef idx="2">
+            <a:schemeClr val="accent1">
+              <a:shade val="50000"/>
+            </a:schemeClr>
+          </a:lnRef>
+          <a:fillRef idx="1001">
+            <a:schemeClr val="lt2"/>
+          </a:fillRef>
+          <a:effectRef idx="0">
+            <a:schemeClr val="accent1"/>
+          </a:effectRef>
+          <a:fontRef idx="minor">
+            <a:schemeClr val="lt1"/>
+          </a:fontRef>
+        </p:style>
+        <p:txBody>
+          <a:bodyPr rtlCol="0" anchor="t"/>
+          <a:lstStyle/>
+          <a:p>
+            <a:pPr algn="ctr"/>
+            <a:endParaRPr lang="pt-BR" b="1" dirty="0">
+              <a:latin typeface="Consolas" panose="020B0609020204030204" pitchFamily="49" charset="0"/>
+            </a:endParaRPr>
+          </a:p>
+        </p:txBody>
+      </p:sp>
+      <p:sp>
+        <p:nvSpPr>
+          <p:cNvPr id="19" name="CaixaDeTexto 18"/>
+          <p:cNvSpPr txBox="1"/>
+          <p:nvPr/>
+        </p:nvSpPr>
+        <p:spPr>
+          <a:xfrm>
+            <a:off x="10900779" y="2943060"/>
+            <a:ext cx="759632" cy="400110"/>
+          </a:xfrm>
+          <a:prstGeom prst="rect">
+            <a:avLst/>
+          </a:prstGeom>
+          <a:noFill/>
+        </p:spPr>
+        <p:txBody>
+          <a:bodyPr wrap="square" rtlCol="0">
+            <a:spAutoFit/>
+          </a:bodyPr>
+          <a:lstStyle/>
+          <a:p>
+            <a:r>
+              <a:rPr lang="pt-BR" sz="2000" dirty="0" smtClean="0">
+                <a:latin typeface="Consolas" panose="020B0609020204030204" pitchFamily="49" charset="0"/>
+              </a:rPr>
+              <a:t>...</a:t>
+            </a:r>
+            <a:endParaRPr lang="pt-BR" sz="2000" dirty="0">
+              <a:latin typeface="Consolas" panose="020B0609020204030204" pitchFamily="49" charset="0"/>
+            </a:endParaRPr>
+          </a:p>
+        </p:txBody>
+      </p:sp>
+      <p:sp>
+        <p:nvSpPr>
+          <p:cNvPr id="20" name="CaixaDeTexto 19"/>
+          <p:cNvSpPr txBox="1"/>
+          <p:nvPr/>
+        </p:nvSpPr>
+        <p:spPr>
+          <a:xfrm>
+            <a:off x="4525378" y="3426990"/>
+            <a:ext cx="2904122" cy="400110"/>
+          </a:xfrm>
+          <a:prstGeom prst="rect">
+            <a:avLst/>
+          </a:prstGeom>
+          <a:noFill/>
+        </p:spPr>
+        <p:txBody>
+          <a:bodyPr wrap="square" rtlCol="0">
+            <a:spAutoFit/>
+          </a:bodyPr>
+          <a:lstStyle/>
+          <a:p>
+            <a:r>
+              <a:rPr lang="pt-BR" sz="2000" dirty="0" smtClean="0">
+                <a:latin typeface="Consolas" panose="020B0609020204030204" pitchFamily="49" charset="0"/>
+              </a:rPr>
+              <a:t>x = new </a:t>
+            </a:r>
+            <a:r>
+              <a:rPr lang="pt-BR" sz="2000" dirty="0" err="1" smtClean="0">
+                <a:latin typeface="Consolas" panose="020B0609020204030204" pitchFamily="49" charset="0"/>
+              </a:rPr>
+              <a:t>int</a:t>
+            </a:r>
+            <a:r>
+              <a:rPr lang="pt-BR" sz="2000" dirty="0" smtClean="0">
+                <a:latin typeface="Consolas" panose="020B0609020204030204" pitchFamily="49" charset="0"/>
+              </a:rPr>
+              <a:t>[4];</a:t>
+            </a:r>
+            <a:endParaRPr lang="pt-BR" sz="2000" dirty="0">
+              <a:latin typeface="Consolas" panose="020B0609020204030204" pitchFamily="49" charset="0"/>
+            </a:endParaRPr>
+          </a:p>
+        </p:txBody>
+      </p:sp>
+      <p:cxnSp>
+        <p:nvCxnSpPr>
+          <p:cNvPr id="22" name="Conector de seta reta 21"/>
+          <p:cNvCxnSpPr/>
+          <p:nvPr/>
+        </p:nvCxnSpPr>
+        <p:spPr>
+          <a:xfrm>
+            <a:off x="6848342" y="3667111"/>
+            <a:ext cx="746642" cy="0"/>
+          </a:xfrm>
+          <a:prstGeom prst="straightConnector1">
+            <a:avLst/>
+          </a:prstGeom>
+          <a:ln w="28575">
+            <a:solidFill>
+              <a:schemeClr val="tx1">
+                <a:lumMod val="95000"/>
+              </a:schemeClr>
+            </a:solidFill>
+            <a:tailEnd type="triangle"/>
+          </a:ln>
+        </p:spPr>
+        <p:style>
+          <a:lnRef idx="1">
+            <a:schemeClr val="accent1"/>
+          </a:lnRef>
+          <a:fillRef idx="0">
+            <a:schemeClr val="accent1"/>
+          </a:fillRef>
+          <a:effectRef idx="0">
+            <a:schemeClr val="accent1"/>
+          </a:effectRef>
+          <a:fontRef idx="minor">
+            <a:schemeClr val="tx1"/>
+          </a:fontRef>
+        </p:style>
+      </p:cxnSp>
+      <p:sp>
+        <p:nvSpPr>
+          <p:cNvPr id="24" name="Retângulo 23"/>
+          <p:cNvSpPr/>
+          <p:nvPr/>
+        </p:nvSpPr>
+        <p:spPr>
+          <a:xfrm>
+            <a:off x="7807126" y="3342696"/>
+            <a:ext cx="528875" cy="564431"/>
+          </a:xfrm>
+          <a:prstGeom prst="rect">
+            <a:avLst/>
+          </a:prstGeom>
+          <a:noFill/>
+          <a:ln w="25400" cmpd="sng">
+            <a:solidFill>
+              <a:schemeClr val="tx1">
+                <a:lumMod val="95000"/>
+              </a:schemeClr>
+            </a:solidFill>
+          </a:ln>
+        </p:spPr>
+        <p:style>
+          <a:lnRef idx="2">
+            <a:schemeClr val="accent1">
+              <a:shade val="50000"/>
+            </a:schemeClr>
+          </a:lnRef>
+          <a:fillRef idx="1001">
+            <a:schemeClr val="lt2"/>
+          </a:fillRef>
+          <a:effectRef idx="0">
+            <a:schemeClr val="accent1"/>
+          </a:effectRef>
+          <a:fontRef idx="minor">
+            <a:schemeClr val="lt1"/>
+          </a:fontRef>
+        </p:style>
+        <p:txBody>
+          <a:bodyPr rtlCol="0" anchor="t"/>
+          <a:lstStyle/>
+          <a:p>
+            <a:pPr algn="ctr"/>
+            <a:endParaRPr lang="pt-BR" b="1" dirty="0">
+              <a:latin typeface="Consolas" panose="020B0609020204030204" pitchFamily="49" charset="0"/>
+            </a:endParaRPr>
+          </a:p>
+        </p:txBody>
+      </p:sp>
+      <p:sp>
+        <p:nvSpPr>
+          <p:cNvPr id="25" name="Retângulo 24"/>
+          <p:cNvSpPr/>
+          <p:nvPr/>
+        </p:nvSpPr>
+        <p:spPr>
+          <a:xfrm>
+            <a:off x="8328020" y="3342589"/>
+            <a:ext cx="528875" cy="564431"/>
+          </a:xfrm>
+          <a:prstGeom prst="rect">
+            <a:avLst/>
+          </a:prstGeom>
+          <a:noFill/>
+          <a:ln w="25400" cmpd="sng">
+            <a:solidFill>
+              <a:schemeClr val="tx1">
+                <a:lumMod val="95000"/>
+              </a:schemeClr>
+            </a:solidFill>
+          </a:ln>
+        </p:spPr>
+        <p:style>
+          <a:lnRef idx="2">
+            <a:schemeClr val="accent1">
+              <a:shade val="50000"/>
+            </a:schemeClr>
+          </a:lnRef>
+          <a:fillRef idx="1001">
+            <a:schemeClr val="lt2"/>
+          </a:fillRef>
+          <a:effectRef idx="0">
+            <a:schemeClr val="accent1"/>
+          </a:effectRef>
+          <a:fontRef idx="minor">
+            <a:schemeClr val="lt1"/>
+          </a:fontRef>
+        </p:style>
+        <p:txBody>
+          <a:bodyPr rtlCol="0" anchor="t"/>
+          <a:lstStyle/>
+          <a:p>
+            <a:pPr algn="ctr"/>
+            <a:endParaRPr lang="pt-BR" b="1" dirty="0">
+              <a:latin typeface="Consolas" panose="020B0609020204030204" pitchFamily="49" charset="0"/>
+            </a:endParaRPr>
+          </a:p>
+        </p:txBody>
+      </p:sp>
+      <p:sp>
+        <p:nvSpPr>
+          <p:cNvPr id="26" name="Retângulo 25"/>
+          <p:cNvSpPr/>
+          <p:nvPr/>
+        </p:nvSpPr>
+        <p:spPr>
+          <a:xfrm>
+            <a:off x="8860280" y="3342587"/>
+            <a:ext cx="528875" cy="564431"/>
+          </a:xfrm>
+          <a:prstGeom prst="rect">
+            <a:avLst/>
+          </a:prstGeom>
+          <a:noFill/>
+          <a:ln w="25400" cmpd="sng">
+            <a:solidFill>
+              <a:schemeClr val="tx1">
+                <a:lumMod val="95000"/>
+              </a:schemeClr>
+            </a:solidFill>
+          </a:ln>
+        </p:spPr>
+        <p:style>
+          <a:lnRef idx="2">
+            <a:schemeClr val="accent1">
+              <a:shade val="50000"/>
+            </a:schemeClr>
+          </a:lnRef>
+          <a:fillRef idx="1001">
+            <a:schemeClr val="lt2"/>
+          </a:fillRef>
+          <a:effectRef idx="0">
+            <a:schemeClr val="accent1"/>
+          </a:effectRef>
+          <a:fontRef idx="minor">
+            <a:schemeClr val="lt1"/>
+          </a:fontRef>
+        </p:style>
+        <p:txBody>
+          <a:bodyPr rtlCol="0" anchor="t"/>
+          <a:lstStyle/>
+          <a:p>
+            <a:pPr algn="ctr"/>
+            <a:endParaRPr lang="pt-BR" b="1" dirty="0">
+              <a:latin typeface="Consolas" panose="020B0609020204030204" pitchFamily="49" charset="0"/>
+            </a:endParaRPr>
+          </a:p>
+        </p:txBody>
+      </p:sp>
+      <p:sp>
+        <p:nvSpPr>
+          <p:cNvPr id="27" name="Retângulo 26"/>
+          <p:cNvSpPr/>
+          <p:nvPr/>
+        </p:nvSpPr>
+        <p:spPr>
+          <a:xfrm>
+            <a:off x="9392546" y="3342587"/>
+            <a:ext cx="528875" cy="564431"/>
+          </a:xfrm>
+          <a:prstGeom prst="rect">
+            <a:avLst/>
+          </a:prstGeom>
+          <a:noFill/>
+          <a:ln w="25400" cmpd="sng">
+            <a:solidFill>
+              <a:schemeClr val="tx1">
+                <a:lumMod val="95000"/>
+              </a:schemeClr>
+            </a:solidFill>
+          </a:ln>
+        </p:spPr>
+        <p:style>
+          <a:lnRef idx="2">
+            <a:schemeClr val="accent1">
+              <a:shade val="50000"/>
+            </a:schemeClr>
+          </a:lnRef>
+          <a:fillRef idx="1001">
+            <a:schemeClr val="lt2"/>
+          </a:fillRef>
+          <a:effectRef idx="0">
+            <a:schemeClr val="accent1"/>
+          </a:effectRef>
+          <a:fontRef idx="minor">
+            <a:schemeClr val="lt1"/>
+          </a:fontRef>
+        </p:style>
+        <p:txBody>
+          <a:bodyPr rtlCol="0" anchor="t"/>
+          <a:lstStyle/>
+          <a:p>
+            <a:pPr algn="ctr"/>
+            <a:endParaRPr lang="pt-BR" b="1" dirty="0">
+              <a:latin typeface="Consolas" panose="020B0609020204030204" pitchFamily="49" charset="0"/>
+            </a:endParaRPr>
+          </a:p>
+        </p:txBody>
+      </p:sp>
+      <p:sp>
+        <p:nvSpPr>
+          <p:cNvPr id="28" name="Retângulo 27"/>
+          <p:cNvSpPr/>
+          <p:nvPr/>
+        </p:nvSpPr>
+        <p:spPr>
+          <a:xfrm>
+            <a:off x="2205657" y="4397223"/>
+            <a:ext cx="528875" cy="564431"/>
+          </a:xfrm>
+          <a:prstGeom prst="rect">
+            <a:avLst/>
+          </a:prstGeom>
+          <a:noFill/>
+          <a:ln w="25400" cmpd="sng">
+            <a:solidFill>
+              <a:schemeClr val="tx1">
+                <a:lumMod val="95000"/>
+              </a:schemeClr>
+            </a:solidFill>
+          </a:ln>
+        </p:spPr>
+        <p:style>
+          <a:lnRef idx="2">
+            <a:schemeClr val="accent1">
+              <a:shade val="50000"/>
+            </a:schemeClr>
+          </a:lnRef>
+          <a:fillRef idx="1001">
+            <a:schemeClr val="lt2"/>
+          </a:fillRef>
+          <a:effectRef idx="0">
+            <a:schemeClr val="accent1"/>
+          </a:effectRef>
+          <a:fontRef idx="minor">
+            <a:schemeClr val="lt1"/>
+          </a:fontRef>
+        </p:style>
+        <p:txBody>
+          <a:bodyPr rtlCol="0" anchor="t"/>
+          <a:lstStyle/>
+          <a:p>
+            <a:pPr algn="ctr"/>
+            <a:endParaRPr lang="pt-BR" b="1" dirty="0">
+              <a:latin typeface="Consolas" panose="020B0609020204030204" pitchFamily="49" charset="0"/>
+            </a:endParaRPr>
+          </a:p>
+        </p:txBody>
+      </p:sp>
+      <p:sp>
+        <p:nvSpPr>
+          <p:cNvPr id="29" name="CaixaDeTexto 28"/>
+          <p:cNvSpPr txBox="1"/>
+          <p:nvPr/>
+        </p:nvSpPr>
+        <p:spPr>
+          <a:xfrm>
+            <a:off x="334179" y="4438440"/>
+            <a:ext cx="1370463" cy="400110"/>
+          </a:xfrm>
+          <a:prstGeom prst="rect">
+            <a:avLst/>
+          </a:prstGeom>
+          <a:noFill/>
+        </p:spPr>
+        <p:txBody>
+          <a:bodyPr wrap="square" rtlCol="0">
+            <a:spAutoFit/>
+          </a:bodyPr>
+          <a:lstStyle/>
+          <a:p>
+            <a:r>
+              <a:rPr lang="pt-BR" sz="2000" dirty="0">
+                <a:latin typeface="Consolas" panose="020B0609020204030204" pitchFamily="49" charset="0"/>
+              </a:rPr>
+              <a:t>a</a:t>
+            </a:r>
+            <a:r>
+              <a:rPr lang="pt-BR" sz="2000" dirty="0" smtClean="0">
+                <a:latin typeface="Consolas" panose="020B0609020204030204" pitchFamily="49" charset="0"/>
+              </a:rPr>
+              <a:t> = 3;</a:t>
+            </a:r>
+            <a:endParaRPr lang="pt-BR" sz="2000" dirty="0">
+              <a:latin typeface="Consolas" panose="020B0609020204030204" pitchFamily="49" charset="0"/>
+            </a:endParaRPr>
+          </a:p>
+        </p:txBody>
+      </p:sp>
+      <p:cxnSp>
+        <p:nvCxnSpPr>
+          <p:cNvPr id="30" name="Conector de seta reta 29"/>
+          <p:cNvCxnSpPr/>
+          <p:nvPr/>
+        </p:nvCxnSpPr>
+        <p:spPr>
+          <a:xfrm>
+            <a:off x="1474902" y="4673219"/>
+            <a:ext cx="450376" cy="0"/>
+          </a:xfrm>
+          <a:prstGeom prst="straightConnector1">
+            <a:avLst/>
+          </a:prstGeom>
+          <a:ln w="28575">
+            <a:solidFill>
+              <a:schemeClr val="tx1">
+                <a:lumMod val="95000"/>
+              </a:schemeClr>
+            </a:solidFill>
+            <a:tailEnd type="triangle"/>
+          </a:ln>
+        </p:spPr>
+        <p:style>
+          <a:lnRef idx="1">
+            <a:schemeClr val="accent1"/>
+          </a:lnRef>
+          <a:fillRef idx="0">
+            <a:schemeClr val="accent1"/>
+          </a:fillRef>
+          <a:effectRef idx="0">
+            <a:schemeClr val="accent1"/>
+          </a:effectRef>
+          <a:fontRef idx="minor">
+            <a:schemeClr val="tx1"/>
+          </a:fontRef>
+        </p:style>
+      </p:cxnSp>
+      <p:sp>
+        <p:nvSpPr>
+          <p:cNvPr id="31" name="CaixaDeTexto 30"/>
+          <p:cNvSpPr txBox="1"/>
+          <p:nvPr/>
+        </p:nvSpPr>
+        <p:spPr>
+          <a:xfrm>
+            <a:off x="7870371" y="3883389"/>
+            <a:ext cx="2050363" cy="400110"/>
+          </a:xfrm>
+          <a:prstGeom prst="rect">
+            <a:avLst/>
+          </a:prstGeom>
+          <a:noFill/>
+        </p:spPr>
+        <p:txBody>
+          <a:bodyPr wrap="square" rtlCol="0">
+            <a:spAutoFit/>
+          </a:bodyPr>
+          <a:lstStyle/>
+          <a:p>
+            <a:r>
+              <a:rPr lang="pt-BR" sz="2000" dirty="0" smtClean="0">
+                <a:solidFill>
+                  <a:srgbClr val="99CCFF"/>
+                </a:solidFill>
+                <a:latin typeface="Consolas" panose="020B0609020204030204" pitchFamily="49" charset="0"/>
+              </a:rPr>
+              <a:t>0   1   2   3</a:t>
+            </a:r>
+            <a:endParaRPr lang="pt-BR" sz="2000" dirty="0">
+              <a:solidFill>
+                <a:srgbClr val="99CCFF"/>
+              </a:solidFill>
+              <a:latin typeface="Consolas" panose="020B0609020204030204" pitchFamily="49" charset="0"/>
+            </a:endParaRPr>
+          </a:p>
+        </p:txBody>
+      </p:sp>
+      <p:sp>
+        <p:nvSpPr>
+          <p:cNvPr id="32" name="CaixaDeTexto 31"/>
+          <p:cNvSpPr txBox="1"/>
+          <p:nvPr/>
+        </p:nvSpPr>
+        <p:spPr>
+          <a:xfrm>
+            <a:off x="4525378" y="4473164"/>
+            <a:ext cx="2904122" cy="400110"/>
+          </a:xfrm>
+          <a:prstGeom prst="rect">
+            <a:avLst/>
+          </a:prstGeom>
+          <a:noFill/>
+        </p:spPr>
+        <p:txBody>
+          <a:bodyPr wrap="square" rtlCol="0">
+            <a:spAutoFit/>
+          </a:bodyPr>
+          <a:lstStyle/>
+          <a:p>
+            <a:r>
+              <a:rPr lang="pt-BR" sz="2000" dirty="0">
+                <a:latin typeface="Consolas" panose="020B0609020204030204" pitchFamily="49" charset="0"/>
+              </a:rPr>
+              <a:t>x</a:t>
+            </a:r>
+            <a:r>
+              <a:rPr lang="pt-BR" sz="2000" dirty="0" smtClean="0">
+                <a:latin typeface="Consolas" panose="020B0609020204030204" pitchFamily="49" charset="0"/>
+              </a:rPr>
+              <a:t>[0] = 3;</a:t>
+            </a:r>
+            <a:endParaRPr lang="pt-BR" sz="2000" dirty="0">
+              <a:latin typeface="Consolas" panose="020B0609020204030204" pitchFamily="49" charset="0"/>
+            </a:endParaRPr>
+          </a:p>
+        </p:txBody>
+      </p:sp>
+      <p:cxnSp>
+        <p:nvCxnSpPr>
+          <p:cNvPr id="33" name="Conector de seta reta 32"/>
+          <p:cNvCxnSpPr/>
+          <p:nvPr/>
+        </p:nvCxnSpPr>
+        <p:spPr>
+          <a:xfrm>
+            <a:off x="6086342" y="4688191"/>
+            <a:ext cx="1508642" cy="0"/>
+          </a:xfrm>
+          <a:prstGeom prst="straightConnector1">
+            <a:avLst/>
+          </a:prstGeom>
+          <a:ln w="28575">
+            <a:solidFill>
+              <a:schemeClr val="tx1">
+                <a:lumMod val="95000"/>
+              </a:schemeClr>
+            </a:solidFill>
+            <a:tailEnd type="triangle"/>
+          </a:ln>
+        </p:spPr>
+        <p:style>
+          <a:lnRef idx="1">
+            <a:schemeClr val="accent1"/>
+          </a:lnRef>
+          <a:fillRef idx="0">
+            <a:schemeClr val="accent1"/>
+          </a:fillRef>
+          <a:effectRef idx="0">
+            <a:schemeClr val="accent1"/>
+          </a:effectRef>
+          <a:fontRef idx="minor">
+            <a:schemeClr val="tx1"/>
+          </a:fontRef>
+        </p:style>
+      </p:cxnSp>
+      <p:sp>
+        <p:nvSpPr>
+          <p:cNvPr id="39" name="Retângulo 38"/>
+          <p:cNvSpPr/>
+          <p:nvPr/>
+        </p:nvSpPr>
+        <p:spPr>
+          <a:xfrm>
+            <a:off x="7807126" y="4409496"/>
+            <a:ext cx="528875" cy="564431"/>
+          </a:xfrm>
+          <a:prstGeom prst="rect">
+            <a:avLst/>
+          </a:prstGeom>
+          <a:noFill/>
+          <a:ln w="25400" cmpd="sng">
+            <a:solidFill>
+              <a:schemeClr val="tx1">
+                <a:lumMod val="95000"/>
+              </a:schemeClr>
+            </a:solidFill>
+          </a:ln>
+        </p:spPr>
+        <p:style>
+          <a:lnRef idx="2">
+            <a:schemeClr val="accent1">
+              <a:shade val="50000"/>
+            </a:schemeClr>
+          </a:lnRef>
+          <a:fillRef idx="1001">
+            <a:schemeClr val="lt2"/>
+          </a:fillRef>
+          <a:effectRef idx="0">
+            <a:schemeClr val="accent1"/>
+          </a:effectRef>
+          <a:fontRef idx="minor">
+            <a:schemeClr val="lt1"/>
+          </a:fontRef>
+        </p:style>
+        <p:txBody>
+          <a:bodyPr rtlCol="0" anchor="t"/>
+          <a:lstStyle/>
+          <a:p>
+            <a:pPr algn="ctr"/>
+            <a:endParaRPr lang="pt-BR" b="1" dirty="0">
+              <a:latin typeface="Consolas" panose="020B0609020204030204" pitchFamily="49" charset="0"/>
+            </a:endParaRPr>
+          </a:p>
+        </p:txBody>
+      </p:sp>
+      <p:sp>
+        <p:nvSpPr>
+          <p:cNvPr id="40" name="Retângulo 39"/>
+          <p:cNvSpPr/>
+          <p:nvPr/>
+        </p:nvSpPr>
+        <p:spPr>
+          <a:xfrm>
+            <a:off x="8328020" y="4409389"/>
+            <a:ext cx="528875" cy="564431"/>
+          </a:xfrm>
+          <a:prstGeom prst="rect">
+            <a:avLst/>
+          </a:prstGeom>
+          <a:noFill/>
+          <a:ln w="25400" cmpd="sng">
+            <a:solidFill>
+              <a:schemeClr val="tx1">
+                <a:lumMod val="95000"/>
+              </a:schemeClr>
+            </a:solidFill>
+          </a:ln>
+        </p:spPr>
+        <p:style>
+          <a:lnRef idx="2">
+            <a:schemeClr val="accent1">
+              <a:shade val="50000"/>
+            </a:schemeClr>
+          </a:lnRef>
+          <a:fillRef idx="1001">
+            <a:schemeClr val="lt2"/>
+          </a:fillRef>
+          <a:effectRef idx="0">
+            <a:schemeClr val="accent1"/>
+          </a:effectRef>
+          <a:fontRef idx="minor">
+            <a:schemeClr val="lt1"/>
+          </a:fontRef>
+        </p:style>
+        <p:txBody>
+          <a:bodyPr rtlCol="0" anchor="t"/>
+          <a:lstStyle/>
+          <a:p>
+            <a:pPr algn="ctr"/>
+            <a:endParaRPr lang="pt-BR" b="1" dirty="0">
+              <a:latin typeface="Consolas" panose="020B0609020204030204" pitchFamily="49" charset="0"/>
+            </a:endParaRPr>
+          </a:p>
+        </p:txBody>
+      </p:sp>
+      <p:sp>
+        <p:nvSpPr>
+          <p:cNvPr id="41" name="Retângulo 40"/>
+          <p:cNvSpPr/>
+          <p:nvPr/>
+        </p:nvSpPr>
+        <p:spPr>
+          <a:xfrm>
+            <a:off x="8860280" y="4409387"/>
+            <a:ext cx="528875" cy="564431"/>
+          </a:xfrm>
+          <a:prstGeom prst="rect">
+            <a:avLst/>
+          </a:prstGeom>
+          <a:noFill/>
+          <a:ln w="25400" cmpd="sng">
+            <a:solidFill>
+              <a:schemeClr val="tx1">
+                <a:lumMod val="95000"/>
+              </a:schemeClr>
+            </a:solidFill>
+          </a:ln>
+        </p:spPr>
+        <p:style>
+          <a:lnRef idx="2">
+            <a:schemeClr val="accent1">
+              <a:shade val="50000"/>
+            </a:schemeClr>
+          </a:lnRef>
+          <a:fillRef idx="1001">
+            <a:schemeClr val="lt2"/>
+          </a:fillRef>
+          <a:effectRef idx="0">
+            <a:schemeClr val="accent1"/>
+          </a:effectRef>
+          <a:fontRef idx="minor">
+            <a:schemeClr val="lt1"/>
+          </a:fontRef>
+        </p:style>
+        <p:txBody>
+          <a:bodyPr rtlCol="0" anchor="t"/>
+          <a:lstStyle/>
+          <a:p>
+            <a:pPr algn="ctr"/>
+            <a:endParaRPr lang="pt-BR" b="1" dirty="0">
+              <a:latin typeface="Consolas" panose="020B0609020204030204" pitchFamily="49" charset="0"/>
+            </a:endParaRPr>
+          </a:p>
+        </p:txBody>
+      </p:sp>
+      <p:sp>
+        <p:nvSpPr>
+          <p:cNvPr id="42" name="Retângulo 41"/>
+          <p:cNvSpPr/>
+          <p:nvPr/>
+        </p:nvSpPr>
+        <p:spPr>
+          <a:xfrm>
+            <a:off x="9392546" y="4409387"/>
+            <a:ext cx="528875" cy="564431"/>
+          </a:xfrm>
+          <a:prstGeom prst="rect">
+            <a:avLst/>
+          </a:prstGeom>
+          <a:noFill/>
+          <a:ln w="25400" cmpd="sng">
+            <a:solidFill>
+              <a:schemeClr val="tx1">
+                <a:lumMod val="95000"/>
+              </a:schemeClr>
+            </a:solidFill>
+          </a:ln>
+        </p:spPr>
+        <p:style>
+          <a:lnRef idx="2">
+            <a:schemeClr val="accent1">
+              <a:shade val="50000"/>
+            </a:schemeClr>
+          </a:lnRef>
+          <a:fillRef idx="1001">
+            <a:schemeClr val="lt2"/>
+          </a:fillRef>
+          <a:effectRef idx="0">
+            <a:schemeClr val="accent1"/>
+          </a:effectRef>
+          <a:fontRef idx="minor">
+            <a:schemeClr val="lt1"/>
+          </a:fontRef>
+        </p:style>
+        <p:txBody>
+          <a:bodyPr rtlCol="0" anchor="t"/>
+          <a:lstStyle/>
+          <a:p>
+            <a:pPr algn="ctr"/>
+            <a:endParaRPr lang="pt-BR" b="1" dirty="0">
+              <a:latin typeface="Consolas" panose="020B0609020204030204" pitchFamily="49" charset="0"/>
+            </a:endParaRPr>
+          </a:p>
+        </p:txBody>
+      </p:sp>
+      <p:sp>
+        <p:nvSpPr>
+          <p:cNvPr id="43" name="CaixaDeTexto 42"/>
+          <p:cNvSpPr txBox="1"/>
+          <p:nvPr/>
+        </p:nvSpPr>
+        <p:spPr>
+          <a:xfrm>
+            <a:off x="7730671" y="4950189"/>
+            <a:ext cx="2797629" cy="338554"/>
+          </a:xfrm>
+          <a:prstGeom prst="rect">
+            <a:avLst/>
+          </a:prstGeom>
+          <a:noFill/>
+        </p:spPr>
+        <p:txBody>
+          <a:bodyPr wrap="square" rtlCol="0">
+            <a:spAutoFit/>
+          </a:bodyPr>
+          <a:lstStyle/>
+          <a:p>
+            <a:r>
+              <a:rPr lang="pt-BR" sz="1600" dirty="0" smtClean="0">
+                <a:solidFill>
+                  <a:srgbClr val="66FFFF"/>
+                </a:solidFill>
+                <a:latin typeface="Consolas" panose="020B0609020204030204" pitchFamily="49" charset="0"/>
+              </a:rPr>
+              <a:t>x[0] x[1] x[2] x[3]</a:t>
+            </a:r>
+            <a:endParaRPr lang="pt-BR" sz="1600" dirty="0">
+              <a:solidFill>
+                <a:srgbClr val="66FFFF"/>
+              </a:solidFill>
+              <a:latin typeface="Consolas" panose="020B0609020204030204" pitchFamily="49" charset="0"/>
+            </a:endParaRPr>
+          </a:p>
+        </p:txBody>
+      </p:sp>
+      <p:sp>
+        <p:nvSpPr>
+          <p:cNvPr id="44" name="CaixaDeTexto 43"/>
+          <p:cNvSpPr txBox="1"/>
+          <p:nvPr/>
+        </p:nvSpPr>
+        <p:spPr>
+          <a:xfrm>
+            <a:off x="7806357" y="4435323"/>
+            <a:ext cx="528875" cy="523220"/>
+          </a:xfrm>
+          <a:prstGeom prst="rect">
+            <a:avLst/>
+          </a:prstGeom>
+          <a:noFill/>
+        </p:spPr>
+        <p:txBody>
+          <a:bodyPr wrap="square" rtlCol="0">
+            <a:spAutoFit/>
+          </a:bodyPr>
+          <a:lstStyle/>
+          <a:p>
+            <a:pPr algn="ctr"/>
+            <a:r>
+              <a:rPr lang="pt-BR" sz="2800" b="1" dirty="0" smtClean="0">
+                <a:solidFill>
+                  <a:srgbClr val="00FF00"/>
+                </a:solidFill>
+                <a:latin typeface="Consolas" panose="020B0609020204030204" pitchFamily="49" charset="0"/>
+              </a:rPr>
+              <a:t>3</a:t>
+            </a:r>
+            <a:endParaRPr lang="pt-BR" sz="2800" b="1" dirty="0">
+              <a:solidFill>
+                <a:srgbClr val="00FF00"/>
+              </a:solidFill>
+              <a:latin typeface="Consolas" panose="020B0609020204030204" pitchFamily="49" charset="0"/>
+            </a:endParaRPr>
+          </a:p>
+        </p:txBody>
+      </p:sp>
+      <p:sp>
+        <p:nvSpPr>
+          <p:cNvPr id="45" name="CaixaDeTexto 44"/>
+          <p:cNvSpPr txBox="1"/>
+          <p:nvPr/>
+        </p:nvSpPr>
+        <p:spPr>
+          <a:xfrm>
+            <a:off x="4525378" y="5463764"/>
+            <a:ext cx="2904122" cy="400110"/>
+          </a:xfrm>
+          <a:prstGeom prst="rect">
+            <a:avLst/>
+          </a:prstGeom>
+          <a:noFill/>
+        </p:spPr>
+        <p:txBody>
+          <a:bodyPr wrap="square" rtlCol="0">
+            <a:spAutoFit/>
+          </a:bodyPr>
+          <a:lstStyle/>
+          <a:p>
+            <a:r>
+              <a:rPr lang="pt-BR" sz="2000" dirty="0" smtClean="0">
+                <a:latin typeface="Consolas" panose="020B0609020204030204" pitchFamily="49" charset="0"/>
+              </a:rPr>
+              <a:t>x[1] = 5;</a:t>
+            </a:r>
+            <a:endParaRPr lang="pt-BR" sz="2000" dirty="0">
+              <a:latin typeface="Consolas" panose="020B0609020204030204" pitchFamily="49" charset="0"/>
+            </a:endParaRPr>
+          </a:p>
+        </p:txBody>
+      </p:sp>
+      <p:cxnSp>
+        <p:nvCxnSpPr>
+          <p:cNvPr id="46" name="Conector de seta reta 45"/>
+          <p:cNvCxnSpPr/>
+          <p:nvPr/>
+        </p:nvCxnSpPr>
+        <p:spPr>
+          <a:xfrm>
+            <a:off x="6086342" y="5678791"/>
+            <a:ext cx="1508642" cy="0"/>
+          </a:xfrm>
+          <a:prstGeom prst="straightConnector1">
+            <a:avLst/>
+          </a:prstGeom>
+          <a:ln w="28575">
+            <a:solidFill>
+              <a:schemeClr val="tx1">
+                <a:lumMod val="95000"/>
+              </a:schemeClr>
+            </a:solidFill>
+            <a:tailEnd type="triangle"/>
+          </a:ln>
+        </p:spPr>
+        <p:style>
+          <a:lnRef idx="1">
+            <a:schemeClr val="accent1"/>
+          </a:lnRef>
+          <a:fillRef idx="0">
+            <a:schemeClr val="accent1"/>
+          </a:fillRef>
+          <a:effectRef idx="0">
+            <a:schemeClr val="accent1"/>
+          </a:effectRef>
+          <a:fontRef idx="minor">
+            <a:schemeClr val="tx1"/>
+          </a:fontRef>
+        </p:style>
+      </p:cxnSp>
+      <p:sp>
+        <p:nvSpPr>
+          <p:cNvPr id="47" name="Retângulo 46"/>
+          <p:cNvSpPr/>
+          <p:nvPr/>
+        </p:nvSpPr>
+        <p:spPr>
+          <a:xfrm>
+            <a:off x="7807126" y="5400096"/>
+            <a:ext cx="528875" cy="564431"/>
+          </a:xfrm>
+          <a:prstGeom prst="rect">
+            <a:avLst/>
+          </a:prstGeom>
+          <a:noFill/>
+          <a:ln w="25400" cmpd="sng">
+            <a:solidFill>
+              <a:schemeClr val="tx1">
+                <a:lumMod val="95000"/>
+              </a:schemeClr>
+            </a:solidFill>
+          </a:ln>
+        </p:spPr>
+        <p:style>
+          <a:lnRef idx="2">
+            <a:schemeClr val="accent1">
+              <a:shade val="50000"/>
+            </a:schemeClr>
+          </a:lnRef>
+          <a:fillRef idx="1001">
+            <a:schemeClr val="lt2"/>
+          </a:fillRef>
+          <a:effectRef idx="0">
+            <a:schemeClr val="accent1"/>
+          </a:effectRef>
+          <a:fontRef idx="minor">
+            <a:schemeClr val="lt1"/>
+          </a:fontRef>
+        </p:style>
+        <p:txBody>
+          <a:bodyPr rtlCol="0" anchor="t"/>
+          <a:lstStyle/>
+          <a:p>
+            <a:pPr algn="ctr"/>
+            <a:endParaRPr lang="pt-BR" b="1" dirty="0">
+              <a:latin typeface="Consolas" panose="020B0609020204030204" pitchFamily="49" charset="0"/>
+            </a:endParaRPr>
+          </a:p>
+        </p:txBody>
+      </p:sp>
+      <p:sp>
+        <p:nvSpPr>
+          <p:cNvPr id="48" name="Retângulo 47"/>
+          <p:cNvSpPr/>
+          <p:nvPr/>
+        </p:nvSpPr>
+        <p:spPr>
+          <a:xfrm>
+            <a:off x="8328020" y="5399989"/>
+            <a:ext cx="528875" cy="564431"/>
+          </a:xfrm>
+          <a:prstGeom prst="rect">
+            <a:avLst/>
+          </a:prstGeom>
+          <a:noFill/>
+          <a:ln w="25400" cmpd="sng">
+            <a:solidFill>
+              <a:schemeClr val="tx1">
+                <a:lumMod val="95000"/>
+              </a:schemeClr>
+            </a:solidFill>
+          </a:ln>
+        </p:spPr>
+        <p:style>
+          <a:lnRef idx="2">
+            <a:schemeClr val="accent1">
+              <a:shade val="50000"/>
+            </a:schemeClr>
+          </a:lnRef>
+          <a:fillRef idx="1001">
+            <a:schemeClr val="lt2"/>
+          </a:fillRef>
+          <a:effectRef idx="0">
+            <a:schemeClr val="accent1"/>
+          </a:effectRef>
+          <a:fontRef idx="minor">
+            <a:schemeClr val="lt1"/>
+          </a:fontRef>
+        </p:style>
+        <p:txBody>
+          <a:bodyPr rtlCol="0" anchor="t"/>
+          <a:lstStyle/>
+          <a:p>
+            <a:pPr algn="ctr"/>
+            <a:endParaRPr lang="pt-BR" b="1" dirty="0">
+              <a:latin typeface="Consolas" panose="020B0609020204030204" pitchFamily="49" charset="0"/>
+            </a:endParaRPr>
+          </a:p>
+        </p:txBody>
+      </p:sp>
+      <p:sp>
+        <p:nvSpPr>
+          <p:cNvPr id="49" name="Retângulo 48"/>
+          <p:cNvSpPr/>
+          <p:nvPr/>
+        </p:nvSpPr>
+        <p:spPr>
+          <a:xfrm>
+            <a:off x="8860280" y="5399987"/>
+            <a:ext cx="528875" cy="564431"/>
+          </a:xfrm>
+          <a:prstGeom prst="rect">
+            <a:avLst/>
+          </a:prstGeom>
+          <a:noFill/>
+          <a:ln w="25400" cmpd="sng">
+            <a:solidFill>
+              <a:schemeClr val="tx1">
+                <a:lumMod val="95000"/>
+              </a:schemeClr>
+            </a:solidFill>
+          </a:ln>
+        </p:spPr>
+        <p:style>
+          <a:lnRef idx="2">
+            <a:schemeClr val="accent1">
+              <a:shade val="50000"/>
+            </a:schemeClr>
+          </a:lnRef>
+          <a:fillRef idx="1001">
+            <a:schemeClr val="lt2"/>
+          </a:fillRef>
+          <a:effectRef idx="0">
+            <a:schemeClr val="accent1"/>
+          </a:effectRef>
+          <a:fontRef idx="minor">
+            <a:schemeClr val="lt1"/>
+          </a:fontRef>
+        </p:style>
+        <p:txBody>
+          <a:bodyPr rtlCol="0" anchor="t"/>
+          <a:lstStyle/>
+          <a:p>
+            <a:pPr algn="ctr"/>
+            <a:endParaRPr lang="pt-BR" b="1" dirty="0">
+              <a:latin typeface="Consolas" panose="020B0609020204030204" pitchFamily="49" charset="0"/>
+            </a:endParaRPr>
+          </a:p>
+        </p:txBody>
+      </p:sp>
+      <p:sp>
+        <p:nvSpPr>
+          <p:cNvPr id="50" name="Retângulo 49"/>
+          <p:cNvSpPr/>
+          <p:nvPr/>
+        </p:nvSpPr>
+        <p:spPr>
+          <a:xfrm>
+            <a:off x="9392546" y="5399987"/>
+            <a:ext cx="528875" cy="564431"/>
+          </a:xfrm>
+          <a:prstGeom prst="rect">
+            <a:avLst/>
+          </a:prstGeom>
+          <a:noFill/>
+          <a:ln w="25400" cmpd="sng">
+            <a:solidFill>
+              <a:schemeClr val="tx1">
+                <a:lumMod val="95000"/>
+              </a:schemeClr>
+            </a:solidFill>
+          </a:ln>
+        </p:spPr>
+        <p:style>
+          <a:lnRef idx="2">
+            <a:schemeClr val="accent1">
+              <a:shade val="50000"/>
+            </a:schemeClr>
+          </a:lnRef>
+          <a:fillRef idx="1001">
+            <a:schemeClr val="lt2"/>
+          </a:fillRef>
+          <a:effectRef idx="0">
+            <a:schemeClr val="accent1"/>
+          </a:effectRef>
+          <a:fontRef idx="minor">
+            <a:schemeClr val="lt1"/>
+          </a:fontRef>
+        </p:style>
+        <p:txBody>
+          <a:bodyPr rtlCol="0" anchor="t"/>
+          <a:lstStyle/>
+          <a:p>
+            <a:pPr algn="ctr"/>
+            <a:endParaRPr lang="pt-BR" b="1" dirty="0">
+              <a:latin typeface="Consolas" panose="020B0609020204030204" pitchFamily="49" charset="0"/>
+            </a:endParaRPr>
+          </a:p>
+        </p:txBody>
+      </p:sp>
+      <p:sp>
+        <p:nvSpPr>
+          <p:cNvPr id="51" name="CaixaDeTexto 50"/>
+          <p:cNvSpPr txBox="1"/>
+          <p:nvPr/>
+        </p:nvSpPr>
+        <p:spPr>
+          <a:xfrm>
+            <a:off x="7730671" y="5940789"/>
+            <a:ext cx="2670629" cy="338554"/>
+          </a:xfrm>
+          <a:prstGeom prst="rect">
+            <a:avLst/>
+          </a:prstGeom>
+          <a:noFill/>
+        </p:spPr>
+        <p:txBody>
+          <a:bodyPr wrap="square" rtlCol="0">
+            <a:spAutoFit/>
+          </a:bodyPr>
+          <a:lstStyle/>
+          <a:p>
+            <a:r>
+              <a:rPr lang="pt-BR" sz="1600" dirty="0">
+                <a:solidFill>
+                  <a:srgbClr val="66FFFF"/>
+                </a:solidFill>
+                <a:latin typeface="Consolas" panose="020B0609020204030204" pitchFamily="49" charset="0"/>
+              </a:rPr>
+              <a:t>x[0] x[1] x[2] x[3]</a:t>
+            </a:r>
+            <a:endParaRPr lang="pt-BR" sz="1600" dirty="0">
+              <a:solidFill>
+                <a:srgbClr val="66FFFF"/>
+              </a:solidFill>
+              <a:latin typeface="Consolas" panose="020B0609020204030204" pitchFamily="49" charset="0"/>
+            </a:endParaRPr>
+          </a:p>
+        </p:txBody>
+      </p:sp>
+      <p:sp>
+        <p:nvSpPr>
+          <p:cNvPr id="52" name="CaixaDeTexto 51"/>
+          <p:cNvSpPr txBox="1"/>
+          <p:nvPr/>
+        </p:nvSpPr>
+        <p:spPr>
+          <a:xfrm>
+            <a:off x="7806357" y="5425923"/>
+            <a:ext cx="528875" cy="523220"/>
+          </a:xfrm>
+          <a:prstGeom prst="rect">
+            <a:avLst/>
+          </a:prstGeom>
+          <a:noFill/>
+        </p:spPr>
+        <p:txBody>
+          <a:bodyPr wrap="square" rtlCol="0">
+            <a:spAutoFit/>
+          </a:bodyPr>
+          <a:lstStyle/>
+          <a:p>
+            <a:pPr algn="ctr"/>
+            <a:r>
+              <a:rPr lang="pt-BR" sz="2800" b="1" dirty="0" smtClean="0">
+                <a:solidFill>
+                  <a:srgbClr val="00FF00"/>
+                </a:solidFill>
+                <a:latin typeface="Consolas" panose="020B0609020204030204" pitchFamily="49" charset="0"/>
+              </a:rPr>
+              <a:t>3</a:t>
+            </a:r>
+            <a:endParaRPr lang="pt-BR" sz="2800" b="1" dirty="0">
+              <a:solidFill>
+                <a:srgbClr val="00FF00"/>
+              </a:solidFill>
+              <a:latin typeface="Consolas" panose="020B0609020204030204" pitchFamily="49" charset="0"/>
+            </a:endParaRPr>
+          </a:p>
+        </p:txBody>
+      </p:sp>
+      <p:sp>
+        <p:nvSpPr>
+          <p:cNvPr id="53" name="CaixaDeTexto 52"/>
+          <p:cNvSpPr txBox="1"/>
+          <p:nvPr/>
+        </p:nvSpPr>
+        <p:spPr>
+          <a:xfrm>
+            <a:off x="8327057" y="5425923"/>
+            <a:ext cx="528875" cy="523220"/>
+          </a:xfrm>
+          <a:prstGeom prst="rect">
+            <a:avLst/>
+          </a:prstGeom>
+          <a:noFill/>
+        </p:spPr>
+        <p:txBody>
+          <a:bodyPr wrap="square" rtlCol="0">
+            <a:spAutoFit/>
+          </a:bodyPr>
+          <a:lstStyle/>
+          <a:p>
+            <a:pPr algn="ctr"/>
+            <a:r>
+              <a:rPr lang="pt-BR" sz="2800" b="1" dirty="0" smtClean="0">
+                <a:solidFill>
+                  <a:srgbClr val="00FF00"/>
+                </a:solidFill>
+                <a:latin typeface="Consolas" panose="020B0609020204030204" pitchFamily="49" charset="0"/>
+              </a:rPr>
+              <a:t>5</a:t>
+            </a:r>
+            <a:endParaRPr lang="pt-BR" sz="2800" b="1" dirty="0">
+              <a:solidFill>
+                <a:srgbClr val="00FF00"/>
+              </a:solidFill>
+              <a:latin typeface="Consolas" panose="020B0609020204030204" pitchFamily="49" charset="0"/>
+            </a:endParaRPr>
+          </a:p>
+        </p:txBody>
+      </p:sp>
+      <p:sp>
+        <p:nvSpPr>
+          <p:cNvPr id="54" name="CaixaDeTexto 53"/>
+          <p:cNvSpPr txBox="1"/>
+          <p:nvPr/>
+        </p:nvSpPr>
+        <p:spPr>
+          <a:xfrm>
+            <a:off x="7806357" y="3368523"/>
+            <a:ext cx="528875" cy="523220"/>
+          </a:xfrm>
+          <a:prstGeom prst="rect">
+            <a:avLst/>
+          </a:prstGeom>
+          <a:noFill/>
+        </p:spPr>
+        <p:txBody>
+          <a:bodyPr wrap="square" rtlCol="0">
+            <a:spAutoFit/>
+          </a:bodyPr>
+          <a:lstStyle/>
+          <a:p>
+            <a:pPr algn="ctr"/>
+            <a:r>
+              <a:rPr lang="pt-BR" sz="2800" b="1" dirty="0" smtClean="0">
+                <a:latin typeface="Consolas" panose="020B0609020204030204" pitchFamily="49" charset="0"/>
+              </a:rPr>
+              <a:t>0</a:t>
+            </a:r>
+            <a:endParaRPr lang="pt-BR" sz="2800" b="1" dirty="0">
+              <a:latin typeface="Consolas" panose="020B0609020204030204" pitchFamily="49" charset="0"/>
+            </a:endParaRPr>
+          </a:p>
+        </p:txBody>
+      </p:sp>
+      <p:sp>
+        <p:nvSpPr>
+          <p:cNvPr id="55" name="CaixaDeTexto 54"/>
+          <p:cNvSpPr txBox="1"/>
+          <p:nvPr/>
+        </p:nvSpPr>
+        <p:spPr>
+          <a:xfrm>
+            <a:off x="8339757" y="3368523"/>
+            <a:ext cx="528875" cy="523220"/>
+          </a:xfrm>
+          <a:prstGeom prst="rect">
+            <a:avLst/>
+          </a:prstGeom>
+          <a:noFill/>
+        </p:spPr>
+        <p:txBody>
+          <a:bodyPr wrap="square" rtlCol="0">
+            <a:spAutoFit/>
+          </a:bodyPr>
+          <a:lstStyle/>
+          <a:p>
+            <a:pPr algn="ctr"/>
+            <a:r>
+              <a:rPr lang="pt-BR" sz="2800" b="1" dirty="0" smtClean="0">
+                <a:latin typeface="Consolas" panose="020B0609020204030204" pitchFamily="49" charset="0"/>
+              </a:rPr>
+              <a:t>0</a:t>
+            </a:r>
+            <a:endParaRPr lang="pt-BR" sz="2800" b="1" dirty="0">
+              <a:latin typeface="Consolas" panose="020B0609020204030204" pitchFamily="49" charset="0"/>
+            </a:endParaRPr>
+          </a:p>
+        </p:txBody>
+      </p:sp>
+      <p:sp>
+        <p:nvSpPr>
+          <p:cNvPr id="56" name="CaixaDeTexto 55"/>
+          <p:cNvSpPr txBox="1"/>
+          <p:nvPr/>
+        </p:nvSpPr>
+        <p:spPr>
+          <a:xfrm>
+            <a:off x="8860457" y="3368523"/>
+            <a:ext cx="528875" cy="523220"/>
+          </a:xfrm>
+          <a:prstGeom prst="rect">
+            <a:avLst/>
+          </a:prstGeom>
+          <a:noFill/>
+        </p:spPr>
+        <p:txBody>
+          <a:bodyPr wrap="square" rtlCol="0">
+            <a:spAutoFit/>
+          </a:bodyPr>
+          <a:lstStyle/>
+          <a:p>
+            <a:pPr algn="ctr"/>
+            <a:r>
+              <a:rPr lang="pt-BR" sz="2800" b="1" dirty="0" smtClean="0">
+                <a:latin typeface="Consolas" panose="020B0609020204030204" pitchFamily="49" charset="0"/>
+              </a:rPr>
+              <a:t>0</a:t>
+            </a:r>
+            <a:endParaRPr lang="pt-BR" sz="2800" b="1" dirty="0">
+              <a:latin typeface="Consolas" panose="020B0609020204030204" pitchFamily="49" charset="0"/>
+            </a:endParaRPr>
+          </a:p>
+        </p:txBody>
+      </p:sp>
+      <p:sp>
+        <p:nvSpPr>
+          <p:cNvPr id="57" name="CaixaDeTexto 56"/>
+          <p:cNvSpPr txBox="1"/>
+          <p:nvPr/>
+        </p:nvSpPr>
+        <p:spPr>
+          <a:xfrm>
+            <a:off x="9393857" y="3368523"/>
+            <a:ext cx="528875" cy="523220"/>
+          </a:xfrm>
+          <a:prstGeom prst="rect">
+            <a:avLst/>
+          </a:prstGeom>
+          <a:noFill/>
+        </p:spPr>
+        <p:txBody>
+          <a:bodyPr wrap="square" rtlCol="0">
+            <a:spAutoFit/>
+          </a:bodyPr>
+          <a:lstStyle/>
+          <a:p>
+            <a:pPr algn="ctr"/>
+            <a:r>
+              <a:rPr lang="pt-BR" sz="2800" b="1" dirty="0" smtClean="0">
+                <a:latin typeface="Consolas" panose="020B0609020204030204" pitchFamily="49" charset="0"/>
+              </a:rPr>
+              <a:t>0</a:t>
+            </a:r>
+            <a:endParaRPr lang="pt-BR" sz="2800" b="1" dirty="0">
+              <a:latin typeface="Consolas" panose="020B0609020204030204" pitchFamily="49" charset="0"/>
+            </a:endParaRPr>
+          </a:p>
+        </p:txBody>
+      </p:sp>
+      <p:sp>
+        <p:nvSpPr>
+          <p:cNvPr id="58" name="CaixaDeTexto 57"/>
+          <p:cNvSpPr txBox="1"/>
+          <p:nvPr/>
+        </p:nvSpPr>
+        <p:spPr>
+          <a:xfrm>
+            <a:off x="8339757" y="4435323"/>
+            <a:ext cx="528875" cy="523220"/>
+          </a:xfrm>
+          <a:prstGeom prst="rect">
+            <a:avLst/>
+          </a:prstGeom>
+          <a:noFill/>
+        </p:spPr>
+        <p:txBody>
+          <a:bodyPr wrap="square" rtlCol="0">
+            <a:spAutoFit/>
+          </a:bodyPr>
+          <a:lstStyle/>
+          <a:p>
+            <a:pPr algn="ctr"/>
+            <a:r>
+              <a:rPr lang="pt-BR" sz="2800" b="1" dirty="0" smtClean="0">
+                <a:latin typeface="Consolas" panose="020B0609020204030204" pitchFamily="49" charset="0"/>
+              </a:rPr>
+              <a:t>0</a:t>
+            </a:r>
+            <a:endParaRPr lang="pt-BR" sz="2800" b="1" dirty="0">
+              <a:latin typeface="Consolas" panose="020B0609020204030204" pitchFamily="49" charset="0"/>
+            </a:endParaRPr>
+          </a:p>
+        </p:txBody>
+      </p:sp>
+      <p:sp>
+        <p:nvSpPr>
+          <p:cNvPr id="59" name="CaixaDeTexto 58"/>
+          <p:cNvSpPr txBox="1"/>
+          <p:nvPr/>
+        </p:nvSpPr>
+        <p:spPr>
+          <a:xfrm>
+            <a:off x="8860457" y="4435323"/>
+            <a:ext cx="528875" cy="523220"/>
+          </a:xfrm>
+          <a:prstGeom prst="rect">
+            <a:avLst/>
+          </a:prstGeom>
+          <a:noFill/>
+        </p:spPr>
+        <p:txBody>
+          <a:bodyPr wrap="square" rtlCol="0">
+            <a:spAutoFit/>
+          </a:bodyPr>
+          <a:lstStyle/>
+          <a:p>
+            <a:pPr algn="ctr"/>
+            <a:r>
+              <a:rPr lang="pt-BR" sz="2800" b="1" dirty="0" smtClean="0">
+                <a:latin typeface="Consolas" panose="020B0609020204030204" pitchFamily="49" charset="0"/>
+              </a:rPr>
+              <a:t>0</a:t>
+            </a:r>
+            <a:endParaRPr lang="pt-BR" sz="2800" b="1" dirty="0">
+              <a:latin typeface="Consolas" panose="020B0609020204030204" pitchFamily="49" charset="0"/>
+            </a:endParaRPr>
+          </a:p>
+        </p:txBody>
+      </p:sp>
+      <p:sp>
+        <p:nvSpPr>
+          <p:cNvPr id="60" name="CaixaDeTexto 59"/>
+          <p:cNvSpPr txBox="1"/>
+          <p:nvPr/>
+        </p:nvSpPr>
+        <p:spPr>
+          <a:xfrm>
+            <a:off x="9393857" y="4435323"/>
+            <a:ext cx="528875" cy="523220"/>
+          </a:xfrm>
+          <a:prstGeom prst="rect">
+            <a:avLst/>
+          </a:prstGeom>
+          <a:noFill/>
+        </p:spPr>
+        <p:txBody>
+          <a:bodyPr wrap="square" rtlCol="0">
+            <a:spAutoFit/>
+          </a:bodyPr>
+          <a:lstStyle/>
+          <a:p>
+            <a:pPr algn="ctr"/>
+            <a:r>
+              <a:rPr lang="pt-BR" sz="2800" b="1" dirty="0" smtClean="0">
+                <a:latin typeface="Consolas" panose="020B0609020204030204" pitchFamily="49" charset="0"/>
+              </a:rPr>
+              <a:t>0</a:t>
+            </a:r>
+            <a:endParaRPr lang="pt-BR" sz="2800" b="1" dirty="0">
+              <a:latin typeface="Consolas" panose="020B0609020204030204" pitchFamily="49" charset="0"/>
+            </a:endParaRPr>
+          </a:p>
+        </p:txBody>
+      </p:sp>
+      <p:sp>
+        <p:nvSpPr>
+          <p:cNvPr id="61" name="CaixaDeTexto 60"/>
+          <p:cNvSpPr txBox="1"/>
+          <p:nvPr/>
+        </p:nvSpPr>
+        <p:spPr>
+          <a:xfrm>
+            <a:off x="8847757" y="5425923"/>
+            <a:ext cx="528875" cy="523220"/>
+          </a:xfrm>
+          <a:prstGeom prst="rect">
+            <a:avLst/>
+          </a:prstGeom>
+          <a:noFill/>
+        </p:spPr>
+        <p:txBody>
+          <a:bodyPr wrap="square" rtlCol="0">
+            <a:spAutoFit/>
+          </a:bodyPr>
+          <a:lstStyle/>
+          <a:p>
+            <a:pPr algn="ctr"/>
+            <a:r>
+              <a:rPr lang="pt-BR" sz="2800" b="1" dirty="0" smtClean="0">
+                <a:latin typeface="Consolas" panose="020B0609020204030204" pitchFamily="49" charset="0"/>
+              </a:rPr>
+              <a:t>0</a:t>
+            </a:r>
+            <a:endParaRPr lang="pt-BR" sz="2800" b="1" dirty="0">
+              <a:latin typeface="Consolas" panose="020B0609020204030204" pitchFamily="49" charset="0"/>
+            </a:endParaRPr>
+          </a:p>
+        </p:txBody>
+      </p:sp>
+      <p:sp>
+        <p:nvSpPr>
+          <p:cNvPr id="62" name="CaixaDeTexto 61"/>
+          <p:cNvSpPr txBox="1"/>
+          <p:nvPr/>
+        </p:nvSpPr>
+        <p:spPr>
+          <a:xfrm>
+            <a:off x="9381157" y="5425923"/>
+            <a:ext cx="528875" cy="523220"/>
+          </a:xfrm>
+          <a:prstGeom prst="rect">
+            <a:avLst/>
+          </a:prstGeom>
+          <a:noFill/>
+        </p:spPr>
+        <p:txBody>
+          <a:bodyPr wrap="square" rtlCol="0">
+            <a:spAutoFit/>
+          </a:bodyPr>
+          <a:lstStyle/>
+          <a:p>
+            <a:pPr algn="ctr"/>
+            <a:r>
+              <a:rPr lang="pt-BR" sz="2800" b="1" dirty="0" smtClean="0">
+                <a:latin typeface="Consolas" panose="020B0609020204030204" pitchFamily="49" charset="0"/>
+              </a:rPr>
+              <a:t>0</a:t>
+            </a:r>
+            <a:endParaRPr lang="pt-BR" sz="2800" b="1" dirty="0">
+              <a:latin typeface="Consolas" panose="020B0609020204030204" pitchFamily="49" charset="0"/>
+            </a:endParaRPr>
+          </a:p>
+        </p:txBody>
+      </p:sp>
+      <p:sp>
+        <p:nvSpPr>
+          <p:cNvPr id="67" name="Retângulo 66"/>
+          <p:cNvSpPr/>
+          <p:nvPr/>
+        </p:nvSpPr>
+        <p:spPr>
+          <a:xfrm>
+            <a:off x="2218357" y="3343123"/>
+            <a:ext cx="528875" cy="564431"/>
+          </a:xfrm>
+          <a:prstGeom prst="rect">
+            <a:avLst/>
+          </a:prstGeom>
+          <a:noFill/>
+          <a:ln w="25400" cmpd="sng">
+            <a:solidFill>
+              <a:schemeClr val="tx1">
+                <a:lumMod val="95000"/>
+              </a:schemeClr>
+            </a:solidFill>
+          </a:ln>
+        </p:spPr>
+        <p:style>
+          <a:lnRef idx="2">
+            <a:schemeClr val="accent1">
+              <a:shade val="50000"/>
+            </a:schemeClr>
+          </a:lnRef>
+          <a:fillRef idx="1001">
+            <a:schemeClr val="lt2"/>
+          </a:fillRef>
+          <a:effectRef idx="0">
+            <a:schemeClr val="accent1"/>
+          </a:effectRef>
+          <a:fontRef idx="minor">
+            <a:schemeClr val="lt1"/>
+          </a:fontRef>
+        </p:style>
+        <p:txBody>
+          <a:bodyPr rtlCol="0" anchor="t"/>
+          <a:lstStyle/>
+          <a:p>
+            <a:pPr algn="ctr"/>
+            <a:endParaRPr lang="pt-BR" b="1" dirty="0">
+              <a:latin typeface="Consolas" panose="020B0609020204030204" pitchFamily="49" charset="0"/>
+            </a:endParaRPr>
+          </a:p>
+        </p:txBody>
+      </p:sp>
+      <p:sp>
+        <p:nvSpPr>
+          <p:cNvPr id="68" name="CaixaDeTexto 67"/>
+          <p:cNvSpPr txBox="1"/>
+          <p:nvPr/>
+        </p:nvSpPr>
+        <p:spPr>
+          <a:xfrm>
+            <a:off x="346879" y="3384340"/>
+            <a:ext cx="1370463" cy="400110"/>
+          </a:xfrm>
+          <a:prstGeom prst="rect">
+            <a:avLst/>
+          </a:prstGeom>
+          <a:noFill/>
+        </p:spPr>
+        <p:txBody>
+          <a:bodyPr wrap="square" rtlCol="0">
+            <a:spAutoFit/>
+          </a:bodyPr>
+          <a:lstStyle/>
+          <a:p>
+            <a:r>
+              <a:rPr lang="pt-BR" sz="2000" dirty="0">
+                <a:latin typeface="Consolas" panose="020B0609020204030204" pitchFamily="49" charset="0"/>
+              </a:rPr>
+              <a:t>a</a:t>
+            </a:r>
+            <a:r>
+              <a:rPr lang="pt-BR" sz="2000" dirty="0" smtClean="0">
+                <a:latin typeface="Consolas" panose="020B0609020204030204" pitchFamily="49" charset="0"/>
+              </a:rPr>
+              <a:t> = 0;</a:t>
+            </a:r>
+            <a:endParaRPr lang="pt-BR" sz="2000" dirty="0">
+              <a:latin typeface="Consolas" panose="020B0609020204030204" pitchFamily="49" charset="0"/>
+            </a:endParaRPr>
+          </a:p>
+        </p:txBody>
+      </p:sp>
+      <p:cxnSp>
+        <p:nvCxnSpPr>
+          <p:cNvPr id="69" name="Conector de seta reta 68"/>
+          <p:cNvCxnSpPr/>
+          <p:nvPr/>
+        </p:nvCxnSpPr>
+        <p:spPr>
+          <a:xfrm>
+            <a:off x="1487602" y="3619119"/>
+            <a:ext cx="450376" cy="0"/>
+          </a:xfrm>
+          <a:prstGeom prst="straightConnector1">
+            <a:avLst/>
+          </a:prstGeom>
+          <a:ln w="28575">
+            <a:solidFill>
+              <a:schemeClr val="tx1">
+                <a:lumMod val="95000"/>
+              </a:schemeClr>
+            </a:solidFill>
+            <a:tailEnd type="triangle"/>
+          </a:ln>
+        </p:spPr>
+        <p:style>
+          <a:lnRef idx="1">
+            <a:schemeClr val="accent1"/>
+          </a:lnRef>
+          <a:fillRef idx="0">
+            <a:schemeClr val="accent1"/>
+          </a:fillRef>
+          <a:effectRef idx="0">
+            <a:schemeClr val="accent1"/>
+          </a:effectRef>
+          <a:fontRef idx="minor">
+            <a:schemeClr val="tx1"/>
+          </a:fontRef>
+        </p:style>
+      </p:cxnSp>
+      <p:sp>
+        <p:nvSpPr>
+          <p:cNvPr id="70" name="CaixaDeTexto 69"/>
+          <p:cNvSpPr txBox="1"/>
+          <p:nvPr/>
+        </p:nvSpPr>
+        <p:spPr>
+          <a:xfrm>
+            <a:off x="2213091" y="3368282"/>
+            <a:ext cx="528875" cy="523220"/>
+          </a:xfrm>
+          <a:prstGeom prst="rect">
+            <a:avLst/>
+          </a:prstGeom>
+          <a:noFill/>
+        </p:spPr>
+        <p:txBody>
+          <a:bodyPr wrap="square" rtlCol="0">
+            <a:spAutoFit/>
+          </a:bodyPr>
+          <a:lstStyle/>
+          <a:p>
+            <a:pPr algn="ctr"/>
+            <a:r>
+              <a:rPr lang="pt-BR" sz="2800" b="1" dirty="0" smtClean="0">
+                <a:latin typeface="Consolas" panose="020B0609020204030204" pitchFamily="49" charset="0"/>
+              </a:rPr>
+              <a:t>0</a:t>
+            </a:r>
+            <a:endParaRPr lang="pt-BR" sz="2800" b="1" dirty="0">
+              <a:latin typeface="Consolas" panose="020B0609020204030204" pitchFamily="49" charset="0"/>
+            </a:endParaRPr>
+          </a:p>
+        </p:txBody>
+      </p:sp>
     </p:spTree>
     <p:extLst>
       <p:ext uri="{BB962C8B-B14F-4D97-AF65-F5344CB8AC3E}">
@@ -9583,9 +11960,5756 @@
   <p:timing>
     <p:tnLst>
       <p:par>
-        <p:cTn id="1" dur="indefinite" restart="never" nodeType="tmRoot"/>
+        <p:cTn id="1" dur="indefinite" restart="never" nodeType="tmRoot">
+          <p:childTnLst>
+            <p:seq concurrent="1" nextAc="seek">
+              <p:cTn id="2" dur="indefinite" nodeType="mainSeq">
+                <p:childTnLst>
+                  <p:par>
+                    <p:cTn id="3" fill="hold">
+                      <p:stCondLst>
+                        <p:cond delay="indefinite"/>
+                      </p:stCondLst>
+                      <p:childTnLst>
+                        <p:par>
+                          <p:cTn id="4" fill="hold">
+                            <p:stCondLst>
+                              <p:cond delay="0"/>
+                            </p:stCondLst>
+                            <p:childTnLst>
+                              <p:par>
+                                <p:cTn id="5" presetID="10" presetClass="entr" presetSubtype="0" fill="hold" grpId="0" nodeType="clickEffect">
+                                  <p:stCondLst>
+                                    <p:cond delay="0"/>
+                                  </p:stCondLst>
+                                  <p:childTnLst>
+                                    <p:set>
+                                      <p:cBhvr>
+                                        <p:cTn id="6" dur="1" fill="hold">
+                                          <p:stCondLst>
+                                            <p:cond delay="0"/>
+                                          </p:stCondLst>
+                                        </p:cTn>
+                                        <p:tgtEl>
+                                          <p:spTgt spid="5"/>
+                                        </p:tgtEl>
+                                        <p:attrNameLst>
+                                          <p:attrName>style.visibility</p:attrName>
+                                        </p:attrNameLst>
+                                      </p:cBhvr>
+                                      <p:to>
+                                        <p:strVal val="visible"/>
+                                      </p:to>
+                                    </p:set>
+                                    <p:animEffect transition="in" filter="fade">
+                                      <p:cBhvr>
+                                        <p:cTn id="7" dur="500"/>
+                                        <p:tgtEl>
+                                          <p:spTgt spid="5"/>
+                                        </p:tgtEl>
+                                      </p:cBhvr>
+                                    </p:animEffect>
+                                  </p:childTnLst>
+                                </p:cTn>
+                              </p:par>
+                            </p:childTnLst>
+                          </p:cTn>
+                        </p:par>
+                      </p:childTnLst>
+                    </p:cTn>
+                  </p:par>
+                  <p:par>
+                    <p:cTn id="8" fill="hold">
+                      <p:stCondLst>
+                        <p:cond delay="indefinite"/>
+                      </p:stCondLst>
+                      <p:childTnLst>
+                        <p:par>
+                          <p:cTn id="9" fill="hold">
+                            <p:stCondLst>
+                              <p:cond delay="0"/>
+                            </p:stCondLst>
+                            <p:childTnLst>
+                              <p:par>
+                                <p:cTn id="10" presetID="10" presetClass="entr" presetSubtype="0" fill="hold" grpId="0" nodeType="clickEffect">
+                                  <p:stCondLst>
+                                    <p:cond delay="0"/>
+                                  </p:stCondLst>
+                                  <p:childTnLst>
+                                    <p:set>
+                                      <p:cBhvr>
+                                        <p:cTn id="11" dur="1" fill="hold">
+                                          <p:stCondLst>
+                                            <p:cond delay="0"/>
+                                          </p:stCondLst>
+                                        </p:cTn>
+                                        <p:tgtEl>
+                                          <p:spTgt spid="6"/>
+                                        </p:tgtEl>
+                                        <p:attrNameLst>
+                                          <p:attrName>style.visibility</p:attrName>
+                                        </p:attrNameLst>
+                                      </p:cBhvr>
+                                      <p:to>
+                                        <p:strVal val="visible"/>
+                                      </p:to>
+                                    </p:set>
+                                    <p:animEffect transition="in" filter="fade">
+                                      <p:cBhvr>
+                                        <p:cTn id="12" dur="500"/>
+                                        <p:tgtEl>
+                                          <p:spTgt spid="6"/>
+                                        </p:tgtEl>
+                                      </p:cBhvr>
+                                    </p:animEffect>
+                                  </p:childTnLst>
+                                </p:cTn>
+                              </p:par>
+                              <p:par>
+                                <p:cTn id="13" presetID="10" presetClass="entr" presetSubtype="0" fill="hold" grpId="0" nodeType="withEffect">
+                                  <p:stCondLst>
+                                    <p:cond delay="0"/>
+                                  </p:stCondLst>
+                                  <p:childTnLst>
+                                    <p:set>
+                                      <p:cBhvr>
+                                        <p:cTn id="14" dur="1" fill="hold">
+                                          <p:stCondLst>
+                                            <p:cond delay="0"/>
+                                          </p:stCondLst>
+                                        </p:cTn>
+                                        <p:tgtEl>
+                                          <p:spTgt spid="8"/>
+                                        </p:tgtEl>
+                                        <p:attrNameLst>
+                                          <p:attrName>style.visibility</p:attrName>
+                                        </p:attrNameLst>
+                                      </p:cBhvr>
+                                      <p:to>
+                                        <p:strVal val="visible"/>
+                                      </p:to>
+                                    </p:set>
+                                    <p:animEffect transition="in" filter="fade">
+                                      <p:cBhvr>
+                                        <p:cTn id="15" dur="500"/>
+                                        <p:tgtEl>
+                                          <p:spTgt spid="8"/>
+                                        </p:tgtEl>
+                                      </p:cBhvr>
+                                    </p:animEffect>
+                                  </p:childTnLst>
+                                </p:cTn>
+                              </p:par>
+                              <p:par>
+                                <p:cTn id="16" presetID="10" presetClass="entr" presetSubtype="0" fill="hold" nodeType="withEffect">
+                                  <p:stCondLst>
+                                    <p:cond delay="0"/>
+                                  </p:stCondLst>
+                                  <p:childTnLst>
+                                    <p:set>
+                                      <p:cBhvr>
+                                        <p:cTn id="17" dur="1" fill="hold">
+                                          <p:stCondLst>
+                                            <p:cond delay="0"/>
+                                          </p:stCondLst>
+                                        </p:cTn>
+                                        <p:tgtEl>
+                                          <p:spTgt spid="9"/>
+                                        </p:tgtEl>
+                                        <p:attrNameLst>
+                                          <p:attrName>style.visibility</p:attrName>
+                                        </p:attrNameLst>
+                                      </p:cBhvr>
+                                      <p:to>
+                                        <p:strVal val="visible"/>
+                                      </p:to>
+                                    </p:set>
+                                    <p:animEffect transition="in" filter="fade">
+                                      <p:cBhvr>
+                                        <p:cTn id="18" dur="500"/>
+                                        <p:tgtEl>
+                                          <p:spTgt spid="9"/>
+                                        </p:tgtEl>
+                                      </p:cBhvr>
+                                    </p:animEffect>
+                                  </p:childTnLst>
+                                </p:cTn>
+                              </p:par>
+                            </p:childTnLst>
+                          </p:cTn>
+                        </p:par>
+                      </p:childTnLst>
+                    </p:cTn>
+                  </p:par>
+                  <p:par>
+                    <p:cTn id="19" fill="hold">
+                      <p:stCondLst>
+                        <p:cond delay="indefinite"/>
+                      </p:stCondLst>
+                      <p:childTnLst>
+                        <p:par>
+                          <p:cTn id="20" fill="hold">
+                            <p:stCondLst>
+                              <p:cond delay="0"/>
+                            </p:stCondLst>
+                            <p:childTnLst>
+                              <p:par>
+                                <p:cTn id="21" presetID="10" presetClass="entr" presetSubtype="0" fill="hold" grpId="0" nodeType="clickEffect">
+                                  <p:stCondLst>
+                                    <p:cond delay="0"/>
+                                  </p:stCondLst>
+                                  <p:childTnLst>
+                                    <p:set>
+                                      <p:cBhvr>
+                                        <p:cTn id="22" dur="1" fill="hold">
+                                          <p:stCondLst>
+                                            <p:cond delay="0"/>
+                                          </p:stCondLst>
+                                        </p:cTn>
+                                        <p:tgtEl>
+                                          <p:spTgt spid="10"/>
+                                        </p:tgtEl>
+                                        <p:attrNameLst>
+                                          <p:attrName>style.visibility</p:attrName>
+                                        </p:attrNameLst>
+                                      </p:cBhvr>
+                                      <p:to>
+                                        <p:strVal val="visible"/>
+                                      </p:to>
+                                    </p:set>
+                                    <p:animEffect transition="in" filter="fade">
+                                      <p:cBhvr>
+                                        <p:cTn id="23" dur="500"/>
+                                        <p:tgtEl>
+                                          <p:spTgt spid="10"/>
+                                        </p:tgtEl>
+                                      </p:cBhvr>
+                                    </p:animEffect>
+                                  </p:childTnLst>
+                                </p:cTn>
+                              </p:par>
+                            </p:childTnLst>
+                          </p:cTn>
+                        </p:par>
+                      </p:childTnLst>
+                    </p:cTn>
+                  </p:par>
+                  <p:par>
+                    <p:cTn id="24" fill="hold">
+                      <p:stCondLst>
+                        <p:cond delay="indefinite"/>
+                      </p:stCondLst>
+                      <p:childTnLst>
+                        <p:par>
+                          <p:cTn id="25" fill="hold">
+                            <p:stCondLst>
+                              <p:cond delay="0"/>
+                            </p:stCondLst>
+                            <p:childTnLst>
+                              <p:par>
+                                <p:cTn id="26" presetID="10" presetClass="entr" presetSubtype="0" fill="hold" grpId="0" nodeType="clickEffect">
+                                  <p:stCondLst>
+                                    <p:cond delay="0"/>
+                                  </p:stCondLst>
+                                  <p:childTnLst>
+                                    <p:set>
+                                      <p:cBhvr>
+                                        <p:cTn id="27" dur="1" fill="hold">
+                                          <p:stCondLst>
+                                            <p:cond delay="0"/>
+                                          </p:stCondLst>
+                                        </p:cTn>
+                                        <p:tgtEl>
+                                          <p:spTgt spid="11"/>
+                                        </p:tgtEl>
+                                        <p:attrNameLst>
+                                          <p:attrName>style.visibility</p:attrName>
+                                        </p:attrNameLst>
+                                      </p:cBhvr>
+                                      <p:to>
+                                        <p:strVal val="visible"/>
+                                      </p:to>
+                                    </p:set>
+                                    <p:animEffect transition="in" filter="fade">
+                                      <p:cBhvr>
+                                        <p:cTn id="28" dur="500"/>
+                                        <p:tgtEl>
+                                          <p:spTgt spid="11"/>
+                                        </p:tgtEl>
+                                      </p:cBhvr>
+                                    </p:animEffect>
+                                  </p:childTnLst>
+                                </p:cTn>
+                              </p:par>
+                              <p:par>
+                                <p:cTn id="29" presetID="10" presetClass="entr" presetSubtype="0" fill="hold" nodeType="withEffect">
+                                  <p:stCondLst>
+                                    <p:cond delay="0"/>
+                                  </p:stCondLst>
+                                  <p:childTnLst>
+                                    <p:set>
+                                      <p:cBhvr>
+                                        <p:cTn id="30" dur="1" fill="hold">
+                                          <p:stCondLst>
+                                            <p:cond delay="0"/>
+                                          </p:stCondLst>
+                                        </p:cTn>
+                                        <p:tgtEl>
+                                          <p:spTgt spid="12"/>
+                                        </p:tgtEl>
+                                        <p:attrNameLst>
+                                          <p:attrName>style.visibility</p:attrName>
+                                        </p:attrNameLst>
+                                      </p:cBhvr>
+                                      <p:to>
+                                        <p:strVal val="visible"/>
+                                      </p:to>
+                                    </p:set>
+                                    <p:animEffect transition="in" filter="fade">
+                                      <p:cBhvr>
+                                        <p:cTn id="31" dur="500"/>
+                                        <p:tgtEl>
+                                          <p:spTgt spid="12"/>
+                                        </p:tgtEl>
+                                      </p:cBhvr>
+                                    </p:animEffect>
+                                  </p:childTnLst>
+                                </p:cTn>
+                              </p:par>
+                            </p:childTnLst>
+                          </p:cTn>
+                        </p:par>
+                      </p:childTnLst>
+                    </p:cTn>
+                  </p:par>
+                  <p:par>
+                    <p:cTn id="32" fill="hold">
+                      <p:stCondLst>
+                        <p:cond delay="indefinite"/>
+                      </p:stCondLst>
+                      <p:childTnLst>
+                        <p:par>
+                          <p:cTn id="33" fill="hold">
+                            <p:stCondLst>
+                              <p:cond delay="0"/>
+                            </p:stCondLst>
+                            <p:childTnLst>
+                              <p:par>
+                                <p:cTn id="34" presetID="10" presetClass="entr" presetSubtype="0" fill="hold" grpId="0" nodeType="clickEffect">
+                                  <p:stCondLst>
+                                    <p:cond delay="0"/>
+                                  </p:stCondLst>
+                                  <p:childTnLst>
+                                    <p:set>
+                                      <p:cBhvr>
+                                        <p:cTn id="35" dur="1" fill="hold">
+                                          <p:stCondLst>
+                                            <p:cond delay="0"/>
+                                          </p:stCondLst>
+                                        </p:cTn>
+                                        <p:tgtEl>
+                                          <p:spTgt spid="13"/>
+                                        </p:tgtEl>
+                                        <p:attrNameLst>
+                                          <p:attrName>style.visibility</p:attrName>
+                                        </p:attrNameLst>
+                                      </p:cBhvr>
+                                      <p:to>
+                                        <p:strVal val="visible"/>
+                                      </p:to>
+                                    </p:set>
+                                    <p:animEffect transition="in" filter="fade">
+                                      <p:cBhvr>
+                                        <p:cTn id="36" dur="500"/>
+                                        <p:tgtEl>
+                                          <p:spTgt spid="13"/>
+                                        </p:tgtEl>
+                                      </p:cBhvr>
+                                    </p:animEffect>
+                                  </p:childTnLst>
+                                </p:cTn>
+                              </p:par>
+                            </p:childTnLst>
+                          </p:cTn>
+                        </p:par>
+                      </p:childTnLst>
+                    </p:cTn>
+                  </p:par>
+                  <p:par>
+                    <p:cTn id="37" fill="hold">
+                      <p:stCondLst>
+                        <p:cond delay="indefinite"/>
+                      </p:stCondLst>
+                      <p:childTnLst>
+                        <p:par>
+                          <p:cTn id="38" fill="hold">
+                            <p:stCondLst>
+                              <p:cond delay="0"/>
+                            </p:stCondLst>
+                            <p:childTnLst>
+                              <p:par>
+                                <p:cTn id="39" presetID="10" presetClass="entr" presetSubtype="0" fill="hold" grpId="0" nodeType="clickEffect">
+                                  <p:stCondLst>
+                                    <p:cond delay="0"/>
+                                  </p:stCondLst>
+                                  <p:childTnLst>
+                                    <p:set>
+                                      <p:cBhvr>
+                                        <p:cTn id="40" dur="1" fill="hold">
+                                          <p:stCondLst>
+                                            <p:cond delay="0"/>
+                                          </p:stCondLst>
+                                        </p:cTn>
+                                        <p:tgtEl>
+                                          <p:spTgt spid="14"/>
+                                        </p:tgtEl>
+                                        <p:attrNameLst>
+                                          <p:attrName>style.visibility</p:attrName>
+                                        </p:attrNameLst>
+                                      </p:cBhvr>
+                                      <p:to>
+                                        <p:strVal val="visible"/>
+                                      </p:to>
+                                    </p:set>
+                                    <p:animEffect transition="in" filter="fade">
+                                      <p:cBhvr>
+                                        <p:cTn id="41" dur="500"/>
+                                        <p:tgtEl>
+                                          <p:spTgt spid="14"/>
+                                        </p:tgtEl>
+                                      </p:cBhvr>
+                                    </p:animEffect>
+                                  </p:childTnLst>
+                                </p:cTn>
+                              </p:par>
+                            </p:childTnLst>
+                          </p:cTn>
+                        </p:par>
+                        <p:par>
+                          <p:cTn id="42" fill="hold">
+                            <p:stCondLst>
+                              <p:cond delay="500"/>
+                            </p:stCondLst>
+                            <p:childTnLst>
+                              <p:par>
+                                <p:cTn id="43" presetID="10" presetClass="entr" presetSubtype="0" fill="hold" grpId="0" nodeType="afterEffect">
+                                  <p:stCondLst>
+                                    <p:cond delay="0"/>
+                                  </p:stCondLst>
+                                  <p:childTnLst>
+                                    <p:set>
+                                      <p:cBhvr>
+                                        <p:cTn id="44" dur="1" fill="hold">
+                                          <p:stCondLst>
+                                            <p:cond delay="0"/>
+                                          </p:stCondLst>
+                                        </p:cTn>
+                                        <p:tgtEl>
+                                          <p:spTgt spid="15"/>
+                                        </p:tgtEl>
+                                        <p:attrNameLst>
+                                          <p:attrName>style.visibility</p:attrName>
+                                        </p:attrNameLst>
+                                      </p:cBhvr>
+                                      <p:to>
+                                        <p:strVal val="visible"/>
+                                      </p:to>
+                                    </p:set>
+                                    <p:animEffect transition="in" filter="fade">
+                                      <p:cBhvr>
+                                        <p:cTn id="45" dur="500"/>
+                                        <p:tgtEl>
+                                          <p:spTgt spid="15"/>
+                                        </p:tgtEl>
+                                      </p:cBhvr>
+                                    </p:animEffect>
+                                  </p:childTnLst>
+                                </p:cTn>
+                              </p:par>
+                            </p:childTnLst>
+                          </p:cTn>
+                        </p:par>
+                        <p:par>
+                          <p:cTn id="46" fill="hold">
+                            <p:stCondLst>
+                              <p:cond delay="1000"/>
+                            </p:stCondLst>
+                            <p:childTnLst>
+                              <p:par>
+                                <p:cTn id="47" presetID="10" presetClass="entr" presetSubtype="0" fill="hold" grpId="0" nodeType="afterEffect">
+                                  <p:stCondLst>
+                                    <p:cond delay="0"/>
+                                  </p:stCondLst>
+                                  <p:childTnLst>
+                                    <p:set>
+                                      <p:cBhvr>
+                                        <p:cTn id="48" dur="1" fill="hold">
+                                          <p:stCondLst>
+                                            <p:cond delay="0"/>
+                                          </p:stCondLst>
+                                        </p:cTn>
+                                        <p:tgtEl>
+                                          <p:spTgt spid="16"/>
+                                        </p:tgtEl>
+                                        <p:attrNameLst>
+                                          <p:attrName>style.visibility</p:attrName>
+                                        </p:attrNameLst>
+                                      </p:cBhvr>
+                                      <p:to>
+                                        <p:strVal val="visible"/>
+                                      </p:to>
+                                    </p:set>
+                                    <p:animEffect transition="in" filter="fade">
+                                      <p:cBhvr>
+                                        <p:cTn id="49" dur="500"/>
+                                        <p:tgtEl>
+                                          <p:spTgt spid="16"/>
+                                        </p:tgtEl>
+                                      </p:cBhvr>
+                                    </p:animEffect>
+                                  </p:childTnLst>
+                                </p:cTn>
+                              </p:par>
+                            </p:childTnLst>
+                          </p:cTn>
+                        </p:par>
+                        <p:par>
+                          <p:cTn id="50" fill="hold">
+                            <p:stCondLst>
+                              <p:cond delay="1500"/>
+                            </p:stCondLst>
+                            <p:childTnLst>
+                              <p:par>
+                                <p:cTn id="51" presetID="10" presetClass="entr" presetSubtype="0" fill="hold" grpId="0" nodeType="afterEffect">
+                                  <p:stCondLst>
+                                    <p:cond delay="0"/>
+                                  </p:stCondLst>
+                                  <p:childTnLst>
+                                    <p:set>
+                                      <p:cBhvr>
+                                        <p:cTn id="52" dur="1" fill="hold">
+                                          <p:stCondLst>
+                                            <p:cond delay="0"/>
+                                          </p:stCondLst>
+                                        </p:cTn>
+                                        <p:tgtEl>
+                                          <p:spTgt spid="17"/>
+                                        </p:tgtEl>
+                                        <p:attrNameLst>
+                                          <p:attrName>style.visibility</p:attrName>
+                                        </p:attrNameLst>
+                                      </p:cBhvr>
+                                      <p:to>
+                                        <p:strVal val="visible"/>
+                                      </p:to>
+                                    </p:set>
+                                    <p:animEffect transition="in" filter="fade">
+                                      <p:cBhvr>
+                                        <p:cTn id="53" dur="500"/>
+                                        <p:tgtEl>
+                                          <p:spTgt spid="17"/>
+                                        </p:tgtEl>
+                                      </p:cBhvr>
+                                    </p:animEffect>
+                                  </p:childTnLst>
+                                </p:cTn>
+                              </p:par>
+                            </p:childTnLst>
+                          </p:cTn>
+                        </p:par>
+                        <p:par>
+                          <p:cTn id="54" fill="hold">
+                            <p:stCondLst>
+                              <p:cond delay="2000"/>
+                            </p:stCondLst>
+                            <p:childTnLst>
+                              <p:par>
+                                <p:cTn id="55" presetID="10" presetClass="entr" presetSubtype="0" fill="hold" grpId="0" nodeType="afterEffect">
+                                  <p:stCondLst>
+                                    <p:cond delay="0"/>
+                                  </p:stCondLst>
+                                  <p:childTnLst>
+                                    <p:set>
+                                      <p:cBhvr>
+                                        <p:cTn id="56" dur="1" fill="hold">
+                                          <p:stCondLst>
+                                            <p:cond delay="0"/>
+                                          </p:stCondLst>
+                                        </p:cTn>
+                                        <p:tgtEl>
+                                          <p:spTgt spid="18"/>
+                                        </p:tgtEl>
+                                        <p:attrNameLst>
+                                          <p:attrName>style.visibility</p:attrName>
+                                        </p:attrNameLst>
+                                      </p:cBhvr>
+                                      <p:to>
+                                        <p:strVal val="visible"/>
+                                      </p:to>
+                                    </p:set>
+                                    <p:animEffect transition="in" filter="fade">
+                                      <p:cBhvr>
+                                        <p:cTn id="57" dur="500"/>
+                                        <p:tgtEl>
+                                          <p:spTgt spid="18"/>
+                                        </p:tgtEl>
+                                      </p:cBhvr>
+                                    </p:animEffect>
+                                  </p:childTnLst>
+                                </p:cTn>
+                              </p:par>
+                            </p:childTnLst>
+                          </p:cTn>
+                        </p:par>
+                        <p:par>
+                          <p:cTn id="58" fill="hold">
+                            <p:stCondLst>
+                              <p:cond delay="2500"/>
+                            </p:stCondLst>
+                            <p:childTnLst>
+                              <p:par>
+                                <p:cTn id="59" presetID="10" presetClass="entr" presetSubtype="0" fill="hold" grpId="0" nodeType="afterEffect">
+                                  <p:stCondLst>
+                                    <p:cond delay="0"/>
+                                  </p:stCondLst>
+                                  <p:childTnLst>
+                                    <p:set>
+                                      <p:cBhvr>
+                                        <p:cTn id="60" dur="1" fill="hold">
+                                          <p:stCondLst>
+                                            <p:cond delay="0"/>
+                                          </p:stCondLst>
+                                        </p:cTn>
+                                        <p:tgtEl>
+                                          <p:spTgt spid="19"/>
+                                        </p:tgtEl>
+                                        <p:attrNameLst>
+                                          <p:attrName>style.visibility</p:attrName>
+                                        </p:attrNameLst>
+                                      </p:cBhvr>
+                                      <p:to>
+                                        <p:strVal val="visible"/>
+                                      </p:to>
+                                    </p:set>
+                                    <p:animEffect transition="in" filter="fade">
+                                      <p:cBhvr>
+                                        <p:cTn id="61" dur="500"/>
+                                        <p:tgtEl>
+                                          <p:spTgt spid="19"/>
+                                        </p:tgtEl>
+                                      </p:cBhvr>
+                                    </p:animEffect>
+                                  </p:childTnLst>
+                                </p:cTn>
+                              </p:par>
+                            </p:childTnLst>
+                          </p:cTn>
+                        </p:par>
+                      </p:childTnLst>
+                    </p:cTn>
+                  </p:par>
+                  <p:par>
+                    <p:cTn id="62" fill="hold">
+                      <p:stCondLst>
+                        <p:cond delay="indefinite"/>
+                      </p:stCondLst>
+                      <p:childTnLst>
+                        <p:par>
+                          <p:cTn id="63" fill="hold">
+                            <p:stCondLst>
+                              <p:cond delay="0"/>
+                            </p:stCondLst>
+                            <p:childTnLst>
+                              <p:par>
+                                <p:cTn id="64" presetID="10" presetClass="entr" presetSubtype="0" fill="hold" grpId="0" nodeType="clickEffect">
+                                  <p:stCondLst>
+                                    <p:cond delay="0"/>
+                                  </p:stCondLst>
+                                  <p:childTnLst>
+                                    <p:set>
+                                      <p:cBhvr>
+                                        <p:cTn id="65" dur="1" fill="hold">
+                                          <p:stCondLst>
+                                            <p:cond delay="0"/>
+                                          </p:stCondLst>
+                                        </p:cTn>
+                                        <p:tgtEl>
+                                          <p:spTgt spid="67"/>
+                                        </p:tgtEl>
+                                        <p:attrNameLst>
+                                          <p:attrName>style.visibility</p:attrName>
+                                        </p:attrNameLst>
+                                      </p:cBhvr>
+                                      <p:to>
+                                        <p:strVal val="visible"/>
+                                      </p:to>
+                                    </p:set>
+                                    <p:animEffect transition="in" filter="fade">
+                                      <p:cBhvr>
+                                        <p:cTn id="66" dur="500"/>
+                                        <p:tgtEl>
+                                          <p:spTgt spid="67"/>
+                                        </p:tgtEl>
+                                      </p:cBhvr>
+                                    </p:animEffect>
+                                  </p:childTnLst>
+                                </p:cTn>
+                              </p:par>
+                              <p:par>
+                                <p:cTn id="67" presetID="10" presetClass="entr" presetSubtype="0" fill="hold" grpId="0" nodeType="withEffect">
+                                  <p:stCondLst>
+                                    <p:cond delay="0"/>
+                                  </p:stCondLst>
+                                  <p:childTnLst>
+                                    <p:set>
+                                      <p:cBhvr>
+                                        <p:cTn id="68" dur="1" fill="hold">
+                                          <p:stCondLst>
+                                            <p:cond delay="0"/>
+                                          </p:stCondLst>
+                                        </p:cTn>
+                                        <p:tgtEl>
+                                          <p:spTgt spid="68"/>
+                                        </p:tgtEl>
+                                        <p:attrNameLst>
+                                          <p:attrName>style.visibility</p:attrName>
+                                        </p:attrNameLst>
+                                      </p:cBhvr>
+                                      <p:to>
+                                        <p:strVal val="visible"/>
+                                      </p:to>
+                                    </p:set>
+                                    <p:animEffect transition="in" filter="fade">
+                                      <p:cBhvr>
+                                        <p:cTn id="69" dur="500"/>
+                                        <p:tgtEl>
+                                          <p:spTgt spid="68"/>
+                                        </p:tgtEl>
+                                      </p:cBhvr>
+                                    </p:animEffect>
+                                  </p:childTnLst>
+                                </p:cTn>
+                              </p:par>
+                              <p:par>
+                                <p:cTn id="70" presetID="10" presetClass="entr" presetSubtype="0" fill="hold" nodeType="withEffect">
+                                  <p:stCondLst>
+                                    <p:cond delay="0"/>
+                                  </p:stCondLst>
+                                  <p:childTnLst>
+                                    <p:set>
+                                      <p:cBhvr>
+                                        <p:cTn id="71" dur="1" fill="hold">
+                                          <p:stCondLst>
+                                            <p:cond delay="0"/>
+                                          </p:stCondLst>
+                                        </p:cTn>
+                                        <p:tgtEl>
+                                          <p:spTgt spid="69"/>
+                                        </p:tgtEl>
+                                        <p:attrNameLst>
+                                          <p:attrName>style.visibility</p:attrName>
+                                        </p:attrNameLst>
+                                      </p:cBhvr>
+                                      <p:to>
+                                        <p:strVal val="visible"/>
+                                      </p:to>
+                                    </p:set>
+                                    <p:animEffect transition="in" filter="fade">
+                                      <p:cBhvr>
+                                        <p:cTn id="72" dur="500"/>
+                                        <p:tgtEl>
+                                          <p:spTgt spid="69"/>
+                                        </p:tgtEl>
+                                      </p:cBhvr>
+                                    </p:animEffect>
+                                  </p:childTnLst>
+                                </p:cTn>
+                              </p:par>
+                              <p:par>
+                                <p:cTn id="73" presetID="10" presetClass="entr" presetSubtype="0" fill="hold" grpId="0" nodeType="withEffect">
+                                  <p:stCondLst>
+                                    <p:cond delay="0"/>
+                                  </p:stCondLst>
+                                  <p:childTnLst>
+                                    <p:set>
+                                      <p:cBhvr>
+                                        <p:cTn id="74" dur="1" fill="hold">
+                                          <p:stCondLst>
+                                            <p:cond delay="0"/>
+                                          </p:stCondLst>
+                                        </p:cTn>
+                                        <p:tgtEl>
+                                          <p:spTgt spid="70"/>
+                                        </p:tgtEl>
+                                        <p:attrNameLst>
+                                          <p:attrName>style.visibility</p:attrName>
+                                        </p:attrNameLst>
+                                      </p:cBhvr>
+                                      <p:to>
+                                        <p:strVal val="visible"/>
+                                      </p:to>
+                                    </p:set>
+                                    <p:animEffect transition="in" filter="fade">
+                                      <p:cBhvr>
+                                        <p:cTn id="75" dur="500"/>
+                                        <p:tgtEl>
+                                          <p:spTgt spid="70"/>
+                                        </p:tgtEl>
+                                      </p:cBhvr>
+                                    </p:animEffect>
+                                  </p:childTnLst>
+                                </p:cTn>
+                              </p:par>
+                            </p:childTnLst>
+                          </p:cTn>
+                        </p:par>
+                      </p:childTnLst>
+                    </p:cTn>
+                  </p:par>
+                  <p:par>
+                    <p:cTn id="76" fill="hold">
+                      <p:stCondLst>
+                        <p:cond delay="indefinite"/>
+                      </p:stCondLst>
+                      <p:childTnLst>
+                        <p:par>
+                          <p:cTn id="77" fill="hold">
+                            <p:stCondLst>
+                              <p:cond delay="0"/>
+                            </p:stCondLst>
+                            <p:childTnLst>
+                              <p:par>
+                                <p:cTn id="78" presetID="10" presetClass="entr" presetSubtype="0" fill="hold" grpId="0" nodeType="clickEffect">
+                                  <p:stCondLst>
+                                    <p:cond delay="0"/>
+                                  </p:stCondLst>
+                                  <p:childTnLst>
+                                    <p:set>
+                                      <p:cBhvr>
+                                        <p:cTn id="79" dur="1" fill="hold">
+                                          <p:stCondLst>
+                                            <p:cond delay="0"/>
+                                          </p:stCondLst>
+                                        </p:cTn>
+                                        <p:tgtEl>
+                                          <p:spTgt spid="20"/>
+                                        </p:tgtEl>
+                                        <p:attrNameLst>
+                                          <p:attrName>style.visibility</p:attrName>
+                                        </p:attrNameLst>
+                                      </p:cBhvr>
+                                      <p:to>
+                                        <p:strVal val="visible"/>
+                                      </p:to>
+                                    </p:set>
+                                    <p:animEffect transition="in" filter="fade">
+                                      <p:cBhvr>
+                                        <p:cTn id="80" dur="500"/>
+                                        <p:tgtEl>
+                                          <p:spTgt spid="20"/>
+                                        </p:tgtEl>
+                                      </p:cBhvr>
+                                    </p:animEffect>
+                                  </p:childTnLst>
+                                </p:cTn>
+                              </p:par>
+                              <p:par>
+                                <p:cTn id="81" presetID="10" presetClass="entr" presetSubtype="0" fill="hold" nodeType="withEffect">
+                                  <p:stCondLst>
+                                    <p:cond delay="0"/>
+                                  </p:stCondLst>
+                                  <p:childTnLst>
+                                    <p:set>
+                                      <p:cBhvr>
+                                        <p:cTn id="82" dur="1" fill="hold">
+                                          <p:stCondLst>
+                                            <p:cond delay="0"/>
+                                          </p:stCondLst>
+                                        </p:cTn>
+                                        <p:tgtEl>
+                                          <p:spTgt spid="22"/>
+                                        </p:tgtEl>
+                                        <p:attrNameLst>
+                                          <p:attrName>style.visibility</p:attrName>
+                                        </p:attrNameLst>
+                                      </p:cBhvr>
+                                      <p:to>
+                                        <p:strVal val="visible"/>
+                                      </p:to>
+                                    </p:set>
+                                    <p:animEffect transition="in" filter="fade">
+                                      <p:cBhvr>
+                                        <p:cTn id="83" dur="500"/>
+                                        <p:tgtEl>
+                                          <p:spTgt spid="22"/>
+                                        </p:tgtEl>
+                                      </p:cBhvr>
+                                    </p:animEffect>
+                                  </p:childTnLst>
+                                </p:cTn>
+                              </p:par>
+                              <p:par>
+                                <p:cTn id="84" presetID="10" presetClass="entr" presetSubtype="0" fill="hold" grpId="0" nodeType="withEffect">
+                                  <p:stCondLst>
+                                    <p:cond delay="0"/>
+                                  </p:stCondLst>
+                                  <p:childTnLst>
+                                    <p:set>
+                                      <p:cBhvr>
+                                        <p:cTn id="85" dur="1" fill="hold">
+                                          <p:stCondLst>
+                                            <p:cond delay="0"/>
+                                          </p:stCondLst>
+                                        </p:cTn>
+                                        <p:tgtEl>
+                                          <p:spTgt spid="24"/>
+                                        </p:tgtEl>
+                                        <p:attrNameLst>
+                                          <p:attrName>style.visibility</p:attrName>
+                                        </p:attrNameLst>
+                                      </p:cBhvr>
+                                      <p:to>
+                                        <p:strVal val="visible"/>
+                                      </p:to>
+                                    </p:set>
+                                    <p:animEffect transition="in" filter="fade">
+                                      <p:cBhvr>
+                                        <p:cTn id="86" dur="500"/>
+                                        <p:tgtEl>
+                                          <p:spTgt spid="24"/>
+                                        </p:tgtEl>
+                                      </p:cBhvr>
+                                    </p:animEffect>
+                                  </p:childTnLst>
+                                </p:cTn>
+                              </p:par>
+                              <p:par>
+                                <p:cTn id="87" presetID="10" presetClass="entr" presetSubtype="0" fill="hold" grpId="0" nodeType="withEffect">
+                                  <p:stCondLst>
+                                    <p:cond delay="0"/>
+                                  </p:stCondLst>
+                                  <p:childTnLst>
+                                    <p:set>
+                                      <p:cBhvr>
+                                        <p:cTn id="88" dur="1" fill="hold">
+                                          <p:stCondLst>
+                                            <p:cond delay="0"/>
+                                          </p:stCondLst>
+                                        </p:cTn>
+                                        <p:tgtEl>
+                                          <p:spTgt spid="25"/>
+                                        </p:tgtEl>
+                                        <p:attrNameLst>
+                                          <p:attrName>style.visibility</p:attrName>
+                                        </p:attrNameLst>
+                                      </p:cBhvr>
+                                      <p:to>
+                                        <p:strVal val="visible"/>
+                                      </p:to>
+                                    </p:set>
+                                    <p:animEffect transition="in" filter="fade">
+                                      <p:cBhvr>
+                                        <p:cTn id="89" dur="500"/>
+                                        <p:tgtEl>
+                                          <p:spTgt spid="25"/>
+                                        </p:tgtEl>
+                                      </p:cBhvr>
+                                    </p:animEffect>
+                                  </p:childTnLst>
+                                </p:cTn>
+                              </p:par>
+                              <p:par>
+                                <p:cTn id="90" presetID="10" presetClass="entr" presetSubtype="0" fill="hold" grpId="0" nodeType="withEffect">
+                                  <p:stCondLst>
+                                    <p:cond delay="0"/>
+                                  </p:stCondLst>
+                                  <p:childTnLst>
+                                    <p:set>
+                                      <p:cBhvr>
+                                        <p:cTn id="91" dur="1" fill="hold">
+                                          <p:stCondLst>
+                                            <p:cond delay="0"/>
+                                          </p:stCondLst>
+                                        </p:cTn>
+                                        <p:tgtEl>
+                                          <p:spTgt spid="26"/>
+                                        </p:tgtEl>
+                                        <p:attrNameLst>
+                                          <p:attrName>style.visibility</p:attrName>
+                                        </p:attrNameLst>
+                                      </p:cBhvr>
+                                      <p:to>
+                                        <p:strVal val="visible"/>
+                                      </p:to>
+                                    </p:set>
+                                    <p:animEffect transition="in" filter="fade">
+                                      <p:cBhvr>
+                                        <p:cTn id="92" dur="500"/>
+                                        <p:tgtEl>
+                                          <p:spTgt spid="26"/>
+                                        </p:tgtEl>
+                                      </p:cBhvr>
+                                    </p:animEffect>
+                                  </p:childTnLst>
+                                </p:cTn>
+                              </p:par>
+                              <p:par>
+                                <p:cTn id="93" presetID="10" presetClass="entr" presetSubtype="0" fill="hold" grpId="0" nodeType="withEffect">
+                                  <p:stCondLst>
+                                    <p:cond delay="0"/>
+                                  </p:stCondLst>
+                                  <p:childTnLst>
+                                    <p:set>
+                                      <p:cBhvr>
+                                        <p:cTn id="94" dur="1" fill="hold">
+                                          <p:stCondLst>
+                                            <p:cond delay="0"/>
+                                          </p:stCondLst>
+                                        </p:cTn>
+                                        <p:tgtEl>
+                                          <p:spTgt spid="27"/>
+                                        </p:tgtEl>
+                                        <p:attrNameLst>
+                                          <p:attrName>style.visibility</p:attrName>
+                                        </p:attrNameLst>
+                                      </p:cBhvr>
+                                      <p:to>
+                                        <p:strVal val="visible"/>
+                                      </p:to>
+                                    </p:set>
+                                    <p:animEffect transition="in" filter="fade">
+                                      <p:cBhvr>
+                                        <p:cTn id="95" dur="500"/>
+                                        <p:tgtEl>
+                                          <p:spTgt spid="27"/>
+                                        </p:tgtEl>
+                                      </p:cBhvr>
+                                    </p:animEffect>
+                                  </p:childTnLst>
+                                </p:cTn>
+                              </p:par>
+                              <p:par>
+                                <p:cTn id="96" presetID="10" presetClass="entr" presetSubtype="0" fill="hold" grpId="0" nodeType="withEffect">
+                                  <p:stCondLst>
+                                    <p:cond delay="0"/>
+                                  </p:stCondLst>
+                                  <p:childTnLst>
+                                    <p:set>
+                                      <p:cBhvr>
+                                        <p:cTn id="97" dur="1" fill="hold">
+                                          <p:stCondLst>
+                                            <p:cond delay="0"/>
+                                          </p:stCondLst>
+                                        </p:cTn>
+                                        <p:tgtEl>
+                                          <p:spTgt spid="31"/>
+                                        </p:tgtEl>
+                                        <p:attrNameLst>
+                                          <p:attrName>style.visibility</p:attrName>
+                                        </p:attrNameLst>
+                                      </p:cBhvr>
+                                      <p:to>
+                                        <p:strVal val="visible"/>
+                                      </p:to>
+                                    </p:set>
+                                    <p:animEffect transition="in" filter="fade">
+                                      <p:cBhvr>
+                                        <p:cTn id="98" dur="500"/>
+                                        <p:tgtEl>
+                                          <p:spTgt spid="31"/>
+                                        </p:tgtEl>
+                                      </p:cBhvr>
+                                    </p:animEffect>
+                                  </p:childTnLst>
+                                </p:cTn>
+                              </p:par>
+                              <p:par>
+                                <p:cTn id="99" presetID="10" presetClass="entr" presetSubtype="0" fill="hold" grpId="0" nodeType="withEffect">
+                                  <p:stCondLst>
+                                    <p:cond delay="0"/>
+                                  </p:stCondLst>
+                                  <p:childTnLst>
+                                    <p:set>
+                                      <p:cBhvr>
+                                        <p:cTn id="100" dur="1" fill="hold">
+                                          <p:stCondLst>
+                                            <p:cond delay="0"/>
+                                          </p:stCondLst>
+                                        </p:cTn>
+                                        <p:tgtEl>
+                                          <p:spTgt spid="54"/>
+                                        </p:tgtEl>
+                                        <p:attrNameLst>
+                                          <p:attrName>style.visibility</p:attrName>
+                                        </p:attrNameLst>
+                                      </p:cBhvr>
+                                      <p:to>
+                                        <p:strVal val="visible"/>
+                                      </p:to>
+                                    </p:set>
+                                    <p:animEffect transition="in" filter="fade">
+                                      <p:cBhvr>
+                                        <p:cTn id="101" dur="500"/>
+                                        <p:tgtEl>
+                                          <p:spTgt spid="54"/>
+                                        </p:tgtEl>
+                                      </p:cBhvr>
+                                    </p:animEffect>
+                                  </p:childTnLst>
+                                </p:cTn>
+                              </p:par>
+                              <p:par>
+                                <p:cTn id="102" presetID="10" presetClass="entr" presetSubtype="0" fill="hold" grpId="0" nodeType="withEffect">
+                                  <p:stCondLst>
+                                    <p:cond delay="0"/>
+                                  </p:stCondLst>
+                                  <p:childTnLst>
+                                    <p:set>
+                                      <p:cBhvr>
+                                        <p:cTn id="103" dur="1" fill="hold">
+                                          <p:stCondLst>
+                                            <p:cond delay="0"/>
+                                          </p:stCondLst>
+                                        </p:cTn>
+                                        <p:tgtEl>
+                                          <p:spTgt spid="55"/>
+                                        </p:tgtEl>
+                                        <p:attrNameLst>
+                                          <p:attrName>style.visibility</p:attrName>
+                                        </p:attrNameLst>
+                                      </p:cBhvr>
+                                      <p:to>
+                                        <p:strVal val="visible"/>
+                                      </p:to>
+                                    </p:set>
+                                    <p:animEffect transition="in" filter="fade">
+                                      <p:cBhvr>
+                                        <p:cTn id="104" dur="500"/>
+                                        <p:tgtEl>
+                                          <p:spTgt spid="55"/>
+                                        </p:tgtEl>
+                                      </p:cBhvr>
+                                    </p:animEffect>
+                                  </p:childTnLst>
+                                </p:cTn>
+                              </p:par>
+                              <p:par>
+                                <p:cTn id="105" presetID="10" presetClass="entr" presetSubtype="0" fill="hold" grpId="0" nodeType="withEffect">
+                                  <p:stCondLst>
+                                    <p:cond delay="0"/>
+                                  </p:stCondLst>
+                                  <p:childTnLst>
+                                    <p:set>
+                                      <p:cBhvr>
+                                        <p:cTn id="106" dur="1" fill="hold">
+                                          <p:stCondLst>
+                                            <p:cond delay="0"/>
+                                          </p:stCondLst>
+                                        </p:cTn>
+                                        <p:tgtEl>
+                                          <p:spTgt spid="56"/>
+                                        </p:tgtEl>
+                                        <p:attrNameLst>
+                                          <p:attrName>style.visibility</p:attrName>
+                                        </p:attrNameLst>
+                                      </p:cBhvr>
+                                      <p:to>
+                                        <p:strVal val="visible"/>
+                                      </p:to>
+                                    </p:set>
+                                    <p:animEffect transition="in" filter="fade">
+                                      <p:cBhvr>
+                                        <p:cTn id="107" dur="500"/>
+                                        <p:tgtEl>
+                                          <p:spTgt spid="56"/>
+                                        </p:tgtEl>
+                                      </p:cBhvr>
+                                    </p:animEffect>
+                                  </p:childTnLst>
+                                </p:cTn>
+                              </p:par>
+                              <p:par>
+                                <p:cTn id="108" presetID="10" presetClass="entr" presetSubtype="0" fill="hold" grpId="0" nodeType="withEffect">
+                                  <p:stCondLst>
+                                    <p:cond delay="0"/>
+                                  </p:stCondLst>
+                                  <p:childTnLst>
+                                    <p:set>
+                                      <p:cBhvr>
+                                        <p:cTn id="109" dur="1" fill="hold">
+                                          <p:stCondLst>
+                                            <p:cond delay="0"/>
+                                          </p:stCondLst>
+                                        </p:cTn>
+                                        <p:tgtEl>
+                                          <p:spTgt spid="57"/>
+                                        </p:tgtEl>
+                                        <p:attrNameLst>
+                                          <p:attrName>style.visibility</p:attrName>
+                                        </p:attrNameLst>
+                                      </p:cBhvr>
+                                      <p:to>
+                                        <p:strVal val="visible"/>
+                                      </p:to>
+                                    </p:set>
+                                    <p:animEffect transition="in" filter="fade">
+                                      <p:cBhvr>
+                                        <p:cTn id="110" dur="500"/>
+                                        <p:tgtEl>
+                                          <p:spTgt spid="57"/>
+                                        </p:tgtEl>
+                                      </p:cBhvr>
+                                    </p:animEffect>
+                                  </p:childTnLst>
+                                </p:cTn>
+                              </p:par>
+                            </p:childTnLst>
+                          </p:cTn>
+                        </p:par>
+                      </p:childTnLst>
+                    </p:cTn>
+                  </p:par>
+                  <p:par>
+                    <p:cTn id="111" fill="hold">
+                      <p:stCondLst>
+                        <p:cond delay="indefinite"/>
+                      </p:stCondLst>
+                      <p:childTnLst>
+                        <p:par>
+                          <p:cTn id="112" fill="hold">
+                            <p:stCondLst>
+                              <p:cond delay="0"/>
+                            </p:stCondLst>
+                            <p:childTnLst>
+                              <p:par>
+                                <p:cTn id="113" presetID="10" presetClass="entr" presetSubtype="0" fill="hold" grpId="0" nodeType="clickEffect">
+                                  <p:stCondLst>
+                                    <p:cond delay="0"/>
+                                  </p:stCondLst>
+                                  <p:childTnLst>
+                                    <p:set>
+                                      <p:cBhvr>
+                                        <p:cTn id="114" dur="1" fill="hold">
+                                          <p:stCondLst>
+                                            <p:cond delay="0"/>
+                                          </p:stCondLst>
+                                        </p:cTn>
+                                        <p:tgtEl>
+                                          <p:spTgt spid="7"/>
+                                        </p:tgtEl>
+                                        <p:attrNameLst>
+                                          <p:attrName>style.visibility</p:attrName>
+                                        </p:attrNameLst>
+                                      </p:cBhvr>
+                                      <p:to>
+                                        <p:strVal val="visible"/>
+                                      </p:to>
+                                    </p:set>
+                                    <p:animEffect transition="in" filter="fade">
+                                      <p:cBhvr>
+                                        <p:cTn id="115" dur="500"/>
+                                        <p:tgtEl>
+                                          <p:spTgt spid="7"/>
+                                        </p:tgtEl>
+                                      </p:cBhvr>
+                                    </p:animEffect>
+                                  </p:childTnLst>
+                                </p:cTn>
+                              </p:par>
+                              <p:par>
+                                <p:cTn id="116" presetID="10" presetClass="entr" presetSubtype="0" fill="hold" grpId="0" nodeType="withEffect">
+                                  <p:stCondLst>
+                                    <p:cond delay="0"/>
+                                  </p:stCondLst>
+                                  <p:childTnLst>
+                                    <p:set>
+                                      <p:cBhvr>
+                                        <p:cTn id="117" dur="1" fill="hold">
+                                          <p:stCondLst>
+                                            <p:cond delay="0"/>
+                                          </p:stCondLst>
+                                        </p:cTn>
+                                        <p:tgtEl>
+                                          <p:spTgt spid="28"/>
+                                        </p:tgtEl>
+                                        <p:attrNameLst>
+                                          <p:attrName>style.visibility</p:attrName>
+                                        </p:attrNameLst>
+                                      </p:cBhvr>
+                                      <p:to>
+                                        <p:strVal val="visible"/>
+                                      </p:to>
+                                    </p:set>
+                                    <p:animEffect transition="in" filter="fade">
+                                      <p:cBhvr>
+                                        <p:cTn id="118" dur="500"/>
+                                        <p:tgtEl>
+                                          <p:spTgt spid="28"/>
+                                        </p:tgtEl>
+                                      </p:cBhvr>
+                                    </p:animEffect>
+                                  </p:childTnLst>
+                                </p:cTn>
+                              </p:par>
+                              <p:par>
+                                <p:cTn id="119" presetID="10" presetClass="entr" presetSubtype="0" fill="hold" grpId="0" nodeType="withEffect">
+                                  <p:stCondLst>
+                                    <p:cond delay="0"/>
+                                  </p:stCondLst>
+                                  <p:childTnLst>
+                                    <p:set>
+                                      <p:cBhvr>
+                                        <p:cTn id="120" dur="1" fill="hold">
+                                          <p:stCondLst>
+                                            <p:cond delay="0"/>
+                                          </p:stCondLst>
+                                        </p:cTn>
+                                        <p:tgtEl>
+                                          <p:spTgt spid="29"/>
+                                        </p:tgtEl>
+                                        <p:attrNameLst>
+                                          <p:attrName>style.visibility</p:attrName>
+                                        </p:attrNameLst>
+                                      </p:cBhvr>
+                                      <p:to>
+                                        <p:strVal val="visible"/>
+                                      </p:to>
+                                    </p:set>
+                                    <p:animEffect transition="in" filter="fade">
+                                      <p:cBhvr>
+                                        <p:cTn id="121" dur="500"/>
+                                        <p:tgtEl>
+                                          <p:spTgt spid="29"/>
+                                        </p:tgtEl>
+                                      </p:cBhvr>
+                                    </p:animEffect>
+                                  </p:childTnLst>
+                                </p:cTn>
+                              </p:par>
+                              <p:par>
+                                <p:cTn id="122" presetID="10" presetClass="entr" presetSubtype="0" fill="hold" nodeType="withEffect">
+                                  <p:stCondLst>
+                                    <p:cond delay="0"/>
+                                  </p:stCondLst>
+                                  <p:childTnLst>
+                                    <p:set>
+                                      <p:cBhvr>
+                                        <p:cTn id="123" dur="1" fill="hold">
+                                          <p:stCondLst>
+                                            <p:cond delay="0"/>
+                                          </p:stCondLst>
+                                        </p:cTn>
+                                        <p:tgtEl>
+                                          <p:spTgt spid="30"/>
+                                        </p:tgtEl>
+                                        <p:attrNameLst>
+                                          <p:attrName>style.visibility</p:attrName>
+                                        </p:attrNameLst>
+                                      </p:cBhvr>
+                                      <p:to>
+                                        <p:strVal val="visible"/>
+                                      </p:to>
+                                    </p:set>
+                                    <p:animEffect transition="in" filter="fade">
+                                      <p:cBhvr>
+                                        <p:cTn id="124" dur="500"/>
+                                        <p:tgtEl>
+                                          <p:spTgt spid="30"/>
+                                        </p:tgtEl>
+                                      </p:cBhvr>
+                                    </p:animEffect>
+                                  </p:childTnLst>
+                                </p:cTn>
+                              </p:par>
+                            </p:childTnLst>
+                          </p:cTn>
+                        </p:par>
+                      </p:childTnLst>
+                    </p:cTn>
+                  </p:par>
+                  <p:par>
+                    <p:cTn id="125" fill="hold">
+                      <p:stCondLst>
+                        <p:cond delay="indefinite"/>
+                      </p:stCondLst>
+                      <p:childTnLst>
+                        <p:par>
+                          <p:cTn id="126" fill="hold">
+                            <p:stCondLst>
+                              <p:cond delay="0"/>
+                            </p:stCondLst>
+                            <p:childTnLst>
+                              <p:par>
+                                <p:cTn id="127" presetID="10" presetClass="entr" presetSubtype="0" fill="hold" grpId="0" nodeType="clickEffect">
+                                  <p:stCondLst>
+                                    <p:cond delay="0"/>
+                                  </p:stCondLst>
+                                  <p:childTnLst>
+                                    <p:set>
+                                      <p:cBhvr>
+                                        <p:cTn id="128" dur="1" fill="hold">
+                                          <p:stCondLst>
+                                            <p:cond delay="0"/>
+                                          </p:stCondLst>
+                                        </p:cTn>
+                                        <p:tgtEl>
+                                          <p:spTgt spid="32"/>
+                                        </p:tgtEl>
+                                        <p:attrNameLst>
+                                          <p:attrName>style.visibility</p:attrName>
+                                        </p:attrNameLst>
+                                      </p:cBhvr>
+                                      <p:to>
+                                        <p:strVal val="visible"/>
+                                      </p:to>
+                                    </p:set>
+                                    <p:animEffect transition="in" filter="fade">
+                                      <p:cBhvr>
+                                        <p:cTn id="129" dur="500"/>
+                                        <p:tgtEl>
+                                          <p:spTgt spid="32"/>
+                                        </p:tgtEl>
+                                      </p:cBhvr>
+                                    </p:animEffect>
+                                  </p:childTnLst>
+                                </p:cTn>
+                              </p:par>
+                              <p:par>
+                                <p:cTn id="130" presetID="10" presetClass="entr" presetSubtype="0" fill="hold" nodeType="withEffect">
+                                  <p:stCondLst>
+                                    <p:cond delay="0"/>
+                                  </p:stCondLst>
+                                  <p:childTnLst>
+                                    <p:set>
+                                      <p:cBhvr>
+                                        <p:cTn id="131" dur="1" fill="hold">
+                                          <p:stCondLst>
+                                            <p:cond delay="0"/>
+                                          </p:stCondLst>
+                                        </p:cTn>
+                                        <p:tgtEl>
+                                          <p:spTgt spid="33"/>
+                                        </p:tgtEl>
+                                        <p:attrNameLst>
+                                          <p:attrName>style.visibility</p:attrName>
+                                        </p:attrNameLst>
+                                      </p:cBhvr>
+                                      <p:to>
+                                        <p:strVal val="visible"/>
+                                      </p:to>
+                                    </p:set>
+                                    <p:animEffect transition="in" filter="fade">
+                                      <p:cBhvr>
+                                        <p:cTn id="132" dur="500"/>
+                                        <p:tgtEl>
+                                          <p:spTgt spid="33"/>
+                                        </p:tgtEl>
+                                      </p:cBhvr>
+                                    </p:animEffect>
+                                  </p:childTnLst>
+                                </p:cTn>
+                              </p:par>
+                              <p:par>
+                                <p:cTn id="133" presetID="10" presetClass="entr" presetSubtype="0" fill="hold" grpId="0" nodeType="withEffect">
+                                  <p:stCondLst>
+                                    <p:cond delay="0"/>
+                                  </p:stCondLst>
+                                  <p:childTnLst>
+                                    <p:set>
+                                      <p:cBhvr>
+                                        <p:cTn id="134" dur="1" fill="hold">
+                                          <p:stCondLst>
+                                            <p:cond delay="0"/>
+                                          </p:stCondLst>
+                                        </p:cTn>
+                                        <p:tgtEl>
+                                          <p:spTgt spid="39"/>
+                                        </p:tgtEl>
+                                        <p:attrNameLst>
+                                          <p:attrName>style.visibility</p:attrName>
+                                        </p:attrNameLst>
+                                      </p:cBhvr>
+                                      <p:to>
+                                        <p:strVal val="visible"/>
+                                      </p:to>
+                                    </p:set>
+                                    <p:animEffect transition="in" filter="fade">
+                                      <p:cBhvr>
+                                        <p:cTn id="135" dur="500"/>
+                                        <p:tgtEl>
+                                          <p:spTgt spid="39"/>
+                                        </p:tgtEl>
+                                      </p:cBhvr>
+                                    </p:animEffect>
+                                  </p:childTnLst>
+                                </p:cTn>
+                              </p:par>
+                              <p:par>
+                                <p:cTn id="136" presetID="10" presetClass="entr" presetSubtype="0" fill="hold" grpId="0" nodeType="withEffect">
+                                  <p:stCondLst>
+                                    <p:cond delay="0"/>
+                                  </p:stCondLst>
+                                  <p:childTnLst>
+                                    <p:set>
+                                      <p:cBhvr>
+                                        <p:cTn id="137" dur="1" fill="hold">
+                                          <p:stCondLst>
+                                            <p:cond delay="0"/>
+                                          </p:stCondLst>
+                                        </p:cTn>
+                                        <p:tgtEl>
+                                          <p:spTgt spid="40"/>
+                                        </p:tgtEl>
+                                        <p:attrNameLst>
+                                          <p:attrName>style.visibility</p:attrName>
+                                        </p:attrNameLst>
+                                      </p:cBhvr>
+                                      <p:to>
+                                        <p:strVal val="visible"/>
+                                      </p:to>
+                                    </p:set>
+                                    <p:animEffect transition="in" filter="fade">
+                                      <p:cBhvr>
+                                        <p:cTn id="138" dur="500"/>
+                                        <p:tgtEl>
+                                          <p:spTgt spid="40"/>
+                                        </p:tgtEl>
+                                      </p:cBhvr>
+                                    </p:animEffect>
+                                  </p:childTnLst>
+                                </p:cTn>
+                              </p:par>
+                              <p:par>
+                                <p:cTn id="139" presetID="10" presetClass="entr" presetSubtype="0" fill="hold" grpId="0" nodeType="withEffect">
+                                  <p:stCondLst>
+                                    <p:cond delay="0"/>
+                                  </p:stCondLst>
+                                  <p:childTnLst>
+                                    <p:set>
+                                      <p:cBhvr>
+                                        <p:cTn id="140" dur="1" fill="hold">
+                                          <p:stCondLst>
+                                            <p:cond delay="0"/>
+                                          </p:stCondLst>
+                                        </p:cTn>
+                                        <p:tgtEl>
+                                          <p:spTgt spid="41"/>
+                                        </p:tgtEl>
+                                        <p:attrNameLst>
+                                          <p:attrName>style.visibility</p:attrName>
+                                        </p:attrNameLst>
+                                      </p:cBhvr>
+                                      <p:to>
+                                        <p:strVal val="visible"/>
+                                      </p:to>
+                                    </p:set>
+                                    <p:animEffect transition="in" filter="fade">
+                                      <p:cBhvr>
+                                        <p:cTn id="141" dur="500"/>
+                                        <p:tgtEl>
+                                          <p:spTgt spid="41"/>
+                                        </p:tgtEl>
+                                      </p:cBhvr>
+                                    </p:animEffect>
+                                  </p:childTnLst>
+                                </p:cTn>
+                              </p:par>
+                              <p:par>
+                                <p:cTn id="142" presetID="10" presetClass="entr" presetSubtype="0" fill="hold" grpId="0" nodeType="withEffect">
+                                  <p:stCondLst>
+                                    <p:cond delay="0"/>
+                                  </p:stCondLst>
+                                  <p:childTnLst>
+                                    <p:set>
+                                      <p:cBhvr>
+                                        <p:cTn id="143" dur="1" fill="hold">
+                                          <p:stCondLst>
+                                            <p:cond delay="0"/>
+                                          </p:stCondLst>
+                                        </p:cTn>
+                                        <p:tgtEl>
+                                          <p:spTgt spid="42"/>
+                                        </p:tgtEl>
+                                        <p:attrNameLst>
+                                          <p:attrName>style.visibility</p:attrName>
+                                        </p:attrNameLst>
+                                      </p:cBhvr>
+                                      <p:to>
+                                        <p:strVal val="visible"/>
+                                      </p:to>
+                                    </p:set>
+                                    <p:animEffect transition="in" filter="fade">
+                                      <p:cBhvr>
+                                        <p:cTn id="144" dur="500"/>
+                                        <p:tgtEl>
+                                          <p:spTgt spid="42"/>
+                                        </p:tgtEl>
+                                      </p:cBhvr>
+                                    </p:animEffect>
+                                  </p:childTnLst>
+                                </p:cTn>
+                              </p:par>
+                              <p:par>
+                                <p:cTn id="145" presetID="10" presetClass="entr" presetSubtype="0" fill="hold" grpId="0" nodeType="withEffect">
+                                  <p:stCondLst>
+                                    <p:cond delay="0"/>
+                                  </p:stCondLst>
+                                  <p:childTnLst>
+                                    <p:set>
+                                      <p:cBhvr>
+                                        <p:cTn id="146" dur="1" fill="hold">
+                                          <p:stCondLst>
+                                            <p:cond delay="0"/>
+                                          </p:stCondLst>
+                                        </p:cTn>
+                                        <p:tgtEl>
+                                          <p:spTgt spid="43"/>
+                                        </p:tgtEl>
+                                        <p:attrNameLst>
+                                          <p:attrName>style.visibility</p:attrName>
+                                        </p:attrNameLst>
+                                      </p:cBhvr>
+                                      <p:to>
+                                        <p:strVal val="visible"/>
+                                      </p:to>
+                                    </p:set>
+                                    <p:animEffect transition="in" filter="fade">
+                                      <p:cBhvr>
+                                        <p:cTn id="147" dur="500"/>
+                                        <p:tgtEl>
+                                          <p:spTgt spid="43"/>
+                                        </p:tgtEl>
+                                      </p:cBhvr>
+                                    </p:animEffect>
+                                  </p:childTnLst>
+                                </p:cTn>
+                              </p:par>
+                              <p:par>
+                                <p:cTn id="148" presetID="10" presetClass="entr" presetSubtype="0" fill="hold" grpId="0" nodeType="withEffect">
+                                  <p:stCondLst>
+                                    <p:cond delay="0"/>
+                                  </p:stCondLst>
+                                  <p:childTnLst>
+                                    <p:set>
+                                      <p:cBhvr>
+                                        <p:cTn id="149" dur="1" fill="hold">
+                                          <p:stCondLst>
+                                            <p:cond delay="0"/>
+                                          </p:stCondLst>
+                                        </p:cTn>
+                                        <p:tgtEl>
+                                          <p:spTgt spid="44"/>
+                                        </p:tgtEl>
+                                        <p:attrNameLst>
+                                          <p:attrName>style.visibility</p:attrName>
+                                        </p:attrNameLst>
+                                      </p:cBhvr>
+                                      <p:to>
+                                        <p:strVal val="visible"/>
+                                      </p:to>
+                                    </p:set>
+                                    <p:animEffect transition="in" filter="fade">
+                                      <p:cBhvr>
+                                        <p:cTn id="150" dur="500"/>
+                                        <p:tgtEl>
+                                          <p:spTgt spid="44"/>
+                                        </p:tgtEl>
+                                      </p:cBhvr>
+                                    </p:animEffect>
+                                  </p:childTnLst>
+                                </p:cTn>
+                              </p:par>
+                              <p:par>
+                                <p:cTn id="151" presetID="10" presetClass="entr" presetSubtype="0" fill="hold" grpId="0" nodeType="withEffect">
+                                  <p:stCondLst>
+                                    <p:cond delay="0"/>
+                                  </p:stCondLst>
+                                  <p:childTnLst>
+                                    <p:set>
+                                      <p:cBhvr>
+                                        <p:cTn id="152" dur="1" fill="hold">
+                                          <p:stCondLst>
+                                            <p:cond delay="0"/>
+                                          </p:stCondLst>
+                                        </p:cTn>
+                                        <p:tgtEl>
+                                          <p:spTgt spid="58"/>
+                                        </p:tgtEl>
+                                        <p:attrNameLst>
+                                          <p:attrName>style.visibility</p:attrName>
+                                        </p:attrNameLst>
+                                      </p:cBhvr>
+                                      <p:to>
+                                        <p:strVal val="visible"/>
+                                      </p:to>
+                                    </p:set>
+                                    <p:animEffect transition="in" filter="fade">
+                                      <p:cBhvr>
+                                        <p:cTn id="153" dur="500"/>
+                                        <p:tgtEl>
+                                          <p:spTgt spid="58"/>
+                                        </p:tgtEl>
+                                      </p:cBhvr>
+                                    </p:animEffect>
+                                  </p:childTnLst>
+                                </p:cTn>
+                              </p:par>
+                              <p:par>
+                                <p:cTn id="154" presetID="10" presetClass="entr" presetSubtype="0" fill="hold" grpId="0" nodeType="withEffect">
+                                  <p:stCondLst>
+                                    <p:cond delay="0"/>
+                                  </p:stCondLst>
+                                  <p:childTnLst>
+                                    <p:set>
+                                      <p:cBhvr>
+                                        <p:cTn id="155" dur="1" fill="hold">
+                                          <p:stCondLst>
+                                            <p:cond delay="0"/>
+                                          </p:stCondLst>
+                                        </p:cTn>
+                                        <p:tgtEl>
+                                          <p:spTgt spid="59"/>
+                                        </p:tgtEl>
+                                        <p:attrNameLst>
+                                          <p:attrName>style.visibility</p:attrName>
+                                        </p:attrNameLst>
+                                      </p:cBhvr>
+                                      <p:to>
+                                        <p:strVal val="visible"/>
+                                      </p:to>
+                                    </p:set>
+                                    <p:animEffect transition="in" filter="fade">
+                                      <p:cBhvr>
+                                        <p:cTn id="156" dur="500"/>
+                                        <p:tgtEl>
+                                          <p:spTgt spid="59"/>
+                                        </p:tgtEl>
+                                      </p:cBhvr>
+                                    </p:animEffect>
+                                  </p:childTnLst>
+                                </p:cTn>
+                              </p:par>
+                              <p:par>
+                                <p:cTn id="157" presetID="10" presetClass="entr" presetSubtype="0" fill="hold" grpId="0" nodeType="withEffect">
+                                  <p:stCondLst>
+                                    <p:cond delay="0"/>
+                                  </p:stCondLst>
+                                  <p:childTnLst>
+                                    <p:set>
+                                      <p:cBhvr>
+                                        <p:cTn id="158" dur="1" fill="hold">
+                                          <p:stCondLst>
+                                            <p:cond delay="0"/>
+                                          </p:stCondLst>
+                                        </p:cTn>
+                                        <p:tgtEl>
+                                          <p:spTgt spid="60"/>
+                                        </p:tgtEl>
+                                        <p:attrNameLst>
+                                          <p:attrName>style.visibility</p:attrName>
+                                        </p:attrNameLst>
+                                      </p:cBhvr>
+                                      <p:to>
+                                        <p:strVal val="visible"/>
+                                      </p:to>
+                                    </p:set>
+                                    <p:animEffect transition="in" filter="fade">
+                                      <p:cBhvr>
+                                        <p:cTn id="159" dur="500"/>
+                                        <p:tgtEl>
+                                          <p:spTgt spid="60"/>
+                                        </p:tgtEl>
+                                      </p:cBhvr>
+                                    </p:animEffect>
+                                  </p:childTnLst>
+                                </p:cTn>
+                              </p:par>
+                            </p:childTnLst>
+                          </p:cTn>
+                        </p:par>
+                      </p:childTnLst>
+                    </p:cTn>
+                  </p:par>
+                  <p:par>
+                    <p:cTn id="160" fill="hold">
+                      <p:stCondLst>
+                        <p:cond delay="indefinite"/>
+                      </p:stCondLst>
+                      <p:childTnLst>
+                        <p:par>
+                          <p:cTn id="161" fill="hold">
+                            <p:stCondLst>
+                              <p:cond delay="0"/>
+                            </p:stCondLst>
+                            <p:childTnLst>
+                              <p:par>
+                                <p:cTn id="162" presetID="10" presetClass="entr" presetSubtype="0" fill="hold" grpId="0" nodeType="clickEffect">
+                                  <p:stCondLst>
+                                    <p:cond delay="0"/>
+                                  </p:stCondLst>
+                                  <p:childTnLst>
+                                    <p:set>
+                                      <p:cBhvr>
+                                        <p:cTn id="163" dur="1" fill="hold">
+                                          <p:stCondLst>
+                                            <p:cond delay="0"/>
+                                          </p:stCondLst>
+                                        </p:cTn>
+                                        <p:tgtEl>
+                                          <p:spTgt spid="45"/>
+                                        </p:tgtEl>
+                                        <p:attrNameLst>
+                                          <p:attrName>style.visibility</p:attrName>
+                                        </p:attrNameLst>
+                                      </p:cBhvr>
+                                      <p:to>
+                                        <p:strVal val="visible"/>
+                                      </p:to>
+                                    </p:set>
+                                    <p:animEffect transition="in" filter="fade">
+                                      <p:cBhvr>
+                                        <p:cTn id="164" dur="500"/>
+                                        <p:tgtEl>
+                                          <p:spTgt spid="45"/>
+                                        </p:tgtEl>
+                                      </p:cBhvr>
+                                    </p:animEffect>
+                                  </p:childTnLst>
+                                </p:cTn>
+                              </p:par>
+                              <p:par>
+                                <p:cTn id="165" presetID="10" presetClass="entr" presetSubtype="0" fill="hold" nodeType="withEffect">
+                                  <p:stCondLst>
+                                    <p:cond delay="0"/>
+                                  </p:stCondLst>
+                                  <p:childTnLst>
+                                    <p:set>
+                                      <p:cBhvr>
+                                        <p:cTn id="166" dur="1" fill="hold">
+                                          <p:stCondLst>
+                                            <p:cond delay="0"/>
+                                          </p:stCondLst>
+                                        </p:cTn>
+                                        <p:tgtEl>
+                                          <p:spTgt spid="46"/>
+                                        </p:tgtEl>
+                                        <p:attrNameLst>
+                                          <p:attrName>style.visibility</p:attrName>
+                                        </p:attrNameLst>
+                                      </p:cBhvr>
+                                      <p:to>
+                                        <p:strVal val="visible"/>
+                                      </p:to>
+                                    </p:set>
+                                    <p:animEffect transition="in" filter="fade">
+                                      <p:cBhvr>
+                                        <p:cTn id="167" dur="500"/>
+                                        <p:tgtEl>
+                                          <p:spTgt spid="46"/>
+                                        </p:tgtEl>
+                                      </p:cBhvr>
+                                    </p:animEffect>
+                                  </p:childTnLst>
+                                </p:cTn>
+                              </p:par>
+                              <p:par>
+                                <p:cTn id="168" presetID="10" presetClass="entr" presetSubtype="0" fill="hold" grpId="0" nodeType="withEffect">
+                                  <p:stCondLst>
+                                    <p:cond delay="0"/>
+                                  </p:stCondLst>
+                                  <p:childTnLst>
+                                    <p:set>
+                                      <p:cBhvr>
+                                        <p:cTn id="169" dur="1" fill="hold">
+                                          <p:stCondLst>
+                                            <p:cond delay="0"/>
+                                          </p:stCondLst>
+                                        </p:cTn>
+                                        <p:tgtEl>
+                                          <p:spTgt spid="47"/>
+                                        </p:tgtEl>
+                                        <p:attrNameLst>
+                                          <p:attrName>style.visibility</p:attrName>
+                                        </p:attrNameLst>
+                                      </p:cBhvr>
+                                      <p:to>
+                                        <p:strVal val="visible"/>
+                                      </p:to>
+                                    </p:set>
+                                    <p:animEffect transition="in" filter="fade">
+                                      <p:cBhvr>
+                                        <p:cTn id="170" dur="500"/>
+                                        <p:tgtEl>
+                                          <p:spTgt spid="47"/>
+                                        </p:tgtEl>
+                                      </p:cBhvr>
+                                    </p:animEffect>
+                                  </p:childTnLst>
+                                </p:cTn>
+                              </p:par>
+                              <p:par>
+                                <p:cTn id="171" presetID="10" presetClass="entr" presetSubtype="0" fill="hold" grpId="0" nodeType="withEffect">
+                                  <p:stCondLst>
+                                    <p:cond delay="0"/>
+                                  </p:stCondLst>
+                                  <p:childTnLst>
+                                    <p:set>
+                                      <p:cBhvr>
+                                        <p:cTn id="172" dur="1" fill="hold">
+                                          <p:stCondLst>
+                                            <p:cond delay="0"/>
+                                          </p:stCondLst>
+                                        </p:cTn>
+                                        <p:tgtEl>
+                                          <p:spTgt spid="48"/>
+                                        </p:tgtEl>
+                                        <p:attrNameLst>
+                                          <p:attrName>style.visibility</p:attrName>
+                                        </p:attrNameLst>
+                                      </p:cBhvr>
+                                      <p:to>
+                                        <p:strVal val="visible"/>
+                                      </p:to>
+                                    </p:set>
+                                    <p:animEffect transition="in" filter="fade">
+                                      <p:cBhvr>
+                                        <p:cTn id="173" dur="500"/>
+                                        <p:tgtEl>
+                                          <p:spTgt spid="48"/>
+                                        </p:tgtEl>
+                                      </p:cBhvr>
+                                    </p:animEffect>
+                                  </p:childTnLst>
+                                </p:cTn>
+                              </p:par>
+                              <p:par>
+                                <p:cTn id="174" presetID="10" presetClass="entr" presetSubtype="0" fill="hold" grpId="0" nodeType="withEffect">
+                                  <p:stCondLst>
+                                    <p:cond delay="0"/>
+                                  </p:stCondLst>
+                                  <p:childTnLst>
+                                    <p:set>
+                                      <p:cBhvr>
+                                        <p:cTn id="175" dur="1" fill="hold">
+                                          <p:stCondLst>
+                                            <p:cond delay="0"/>
+                                          </p:stCondLst>
+                                        </p:cTn>
+                                        <p:tgtEl>
+                                          <p:spTgt spid="49"/>
+                                        </p:tgtEl>
+                                        <p:attrNameLst>
+                                          <p:attrName>style.visibility</p:attrName>
+                                        </p:attrNameLst>
+                                      </p:cBhvr>
+                                      <p:to>
+                                        <p:strVal val="visible"/>
+                                      </p:to>
+                                    </p:set>
+                                    <p:animEffect transition="in" filter="fade">
+                                      <p:cBhvr>
+                                        <p:cTn id="176" dur="500"/>
+                                        <p:tgtEl>
+                                          <p:spTgt spid="49"/>
+                                        </p:tgtEl>
+                                      </p:cBhvr>
+                                    </p:animEffect>
+                                  </p:childTnLst>
+                                </p:cTn>
+                              </p:par>
+                              <p:par>
+                                <p:cTn id="177" presetID="10" presetClass="entr" presetSubtype="0" fill="hold" grpId="0" nodeType="withEffect">
+                                  <p:stCondLst>
+                                    <p:cond delay="0"/>
+                                  </p:stCondLst>
+                                  <p:childTnLst>
+                                    <p:set>
+                                      <p:cBhvr>
+                                        <p:cTn id="178" dur="1" fill="hold">
+                                          <p:stCondLst>
+                                            <p:cond delay="0"/>
+                                          </p:stCondLst>
+                                        </p:cTn>
+                                        <p:tgtEl>
+                                          <p:spTgt spid="50"/>
+                                        </p:tgtEl>
+                                        <p:attrNameLst>
+                                          <p:attrName>style.visibility</p:attrName>
+                                        </p:attrNameLst>
+                                      </p:cBhvr>
+                                      <p:to>
+                                        <p:strVal val="visible"/>
+                                      </p:to>
+                                    </p:set>
+                                    <p:animEffect transition="in" filter="fade">
+                                      <p:cBhvr>
+                                        <p:cTn id="179" dur="500"/>
+                                        <p:tgtEl>
+                                          <p:spTgt spid="50"/>
+                                        </p:tgtEl>
+                                      </p:cBhvr>
+                                    </p:animEffect>
+                                  </p:childTnLst>
+                                </p:cTn>
+                              </p:par>
+                              <p:par>
+                                <p:cTn id="180" presetID="10" presetClass="entr" presetSubtype="0" fill="hold" grpId="0" nodeType="withEffect">
+                                  <p:stCondLst>
+                                    <p:cond delay="0"/>
+                                  </p:stCondLst>
+                                  <p:childTnLst>
+                                    <p:set>
+                                      <p:cBhvr>
+                                        <p:cTn id="181" dur="1" fill="hold">
+                                          <p:stCondLst>
+                                            <p:cond delay="0"/>
+                                          </p:stCondLst>
+                                        </p:cTn>
+                                        <p:tgtEl>
+                                          <p:spTgt spid="51"/>
+                                        </p:tgtEl>
+                                        <p:attrNameLst>
+                                          <p:attrName>style.visibility</p:attrName>
+                                        </p:attrNameLst>
+                                      </p:cBhvr>
+                                      <p:to>
+                                        <p:strVal val="visible"/>
+                                      </p:to>
+                                    </p:set>
+                                    <p:animEffect transition="in" filter="fade">
+                                      <p:cBhvr>
+                                        <p:cTn id="182" dur="500"/>
+                                        <p:tgtEl>
+                                          <p:spTgt spid="51"/>
+                                        </p:tgtEl>
+                                      </p:cBhvr>
+                                    </p:animEffect>
+                                  </p:childTnLst>
+                                </p:cTn>
+                              </p:par>
+                              <p:par>
+                                <p:cTn id="183" presetID="10" presetClass="entr" presetSubtype="0" fill="hold" grpId="0" nodeType="withEffect">
+                                  <p:stCondLst>
+                                    <p:cond delay="0"/>
+                                  </p:stCondLst>
+                                  <p:childTnLst>
+                                    <p:set>
+                                      <p:cBhvr>
+                                        <p:cTn id="184" dur="1" fill="hold">
+                                          <p:stCondLst>
+                                            <p:cond delay="0"/>
+                                          </p:stCondLst>
+                                        </p:cTn>
+                                        <p:tgtEl>
+                                          <p:spTgt spid="52"/>
+                                        </p:tgtEl>
+                                        <p:attrNameLst>
+                                          <p:attrName>style.visibility</p:attrName>
+                                        </p:attrNameLst>
+                                      </p:cBhvr>
+                                      <p:to>
+                                        <p:strVal val="visible"/>
+                                      </p:to>
+                                    </p:set>
+                                    <p:animEffect transition="in" filter="fade">
+                                      <p:cBhvr>
+                                        <p:cTn id="185" dur="500"/>
+                                        <p:tgtEl>
+                                          <p:spTgt spid="52"/>
+                                        </p:tgtEl>
+                                      </p:cBhvr>
+                                    </p:animEffect>
+                                  </p:childTnLst>
+                                </p:cTn>
+                              </p:par>
+                              <p:par>
+                                <p:cTn id="186" presetID="10" presetClass="entr" presetSubtype="0" fill="hold" grpId="0" nodeType="withEffect">
+                                  <p:stCondLst>
+                                    <p:cond delay="0"/>
+                                  </p:stCondLst>
+                                  <p:childTnLst>
+                                    <p:set>
+                                      <p:cBhvr>
+                                        <p:cTn id="187" dur="1" fill="hold">
+                                          <p:stCondLst>
+                                            <p:cond delay="0"/>
+                                          </p:stCondLst>
+                                        </p:cTn>
+                                        <p:tgtEl>
+                                          <p:spTgt spid="53"/>
+                                        </p:tgtEl>
+                                        <p:attrNameLst>
+                                          <p:attrName>style.visibility</p:attrName>
+                                        </p:attrNameLst>
+                                      </p:cBhvr>
+                                      <p:to>
+                                        <p:strVal val="visible"/>
+                                      </p:to>
+                                    </p:set>
+                                    <p:animEffect transition="in" filter="fade">
+                                      <p:cBhvr>
+                                        <p:cTn id="188" dur="500"/>
+                                        <p:tgtEl>
+                                          <p:spTgt spid="53"/>
+                                        </p:tgtEl>
+                                      </p:cBhvr>
+                                    </p:animEffect>
+                                  </p:childTnLst>
+                                </p:cTn>
+                              </p:par>
+                              <p:par>
+                                <p:cTn id="189" presetID="10" presetClass="entr" presetSubtype="0" fill="hold" grpId="0" nodeType="withEffect">
+                                  <p:stCondLst>
+                                    <p:cond delay="0"/>
+                                  </p:stCondLst>
+                                  <p:childTnLst>
+                                    <p:set>
+                                      <p:cBhvr>
+                                        <p:cTn id="190" dur="1" fill="hold">
+                                          <p:stCondLst>
+                                            <p:cond delay="0"/>
+                                          </p:stCondLst>
+                                        </p:cTn>
+                                        <p:tgtEl>
+                                          <p:spTgt spid="61"/>
+                                        </p:tgtEl>
+                                        <p:attrNameLst>
+                                          <p:attrName>style.visibility</p:attrName>
+                                        </p:attrNameLst>
+                                      </p:cBhvr>
+                                      <p:to>
+                                        <p:strVal val="visible"/>
+                                      </p:to>
+                                    </p:set>
+                                    <p:animEffect transition="in" filter="fade">
+                                      <p:cBhvr>
+                                        <p:cTn id="191" dur="500"/>
+                                        <p:tgtEl>
+                                          <p:spTgt spid="61"/>
+                                        </p:tgtEl>
+                                      </p:cBhvr>
+                                    </p:animEffect>
+                                  </p:childTnLst>
+                                </p:cTn>
+                              </p:par>
+                              <p:par>
+                                <p:cTn id="192" presetID="10" presetClass="entr" presetSubtype="0" fill="hold" grpId="0" nodeType="withEffect">
+                                  <p:stCondLst>
+                                    <p:cond delay="0"/>
+                                  </p:stCondLst>
+                                  <p:childTnLst>
+                                    <p:set>
+                                      <p:cBhvr>
+                                        <p:cTn id="193" dur="1" fill="hold">
+                                          <p:stCondLst>
+                                            <p:cond delay="0"/>
+                                          </p:stCondLst>
+                                        </p:cTn>
+                                        <p:tgtEl>
+                                          <p:spTgt spid="62"/>
+                                        </p:tgtEl>
+                                        <p:attrNameLst>
+                                          <p:attrName>style.visibility</p:attrName>
+                                        </p:attrNameLst>
+                                      </p:cBhvr>
+                                      <p:to>
+                                        <p:strVal val="visible"/>
+                                      </p:to>
+                                    </p:set>
+                                    <p:animEffect transition="in" filter="fade">
+                                      <p:cBhvr>
+                                        <p:cTn id="194" dur="500"/>
+                                        <p:tgtEl>
+                                          <p:spTgt spid="62"/>
+                                        </p:tgtEl>
+                                      </p:cBhvr>
+                                    </p:animEffect>
+                                  </p:childTnLst>
+                                </p:cTn>
+                              </p:par>
+                            </p:childTnLst>
+                          </p:cTn>
+                        </p:par>
+                      </p:childTnLst>
+                    </p:cTn>
+                  </p:par>
+                </p:childTnLst>
+              </p:cTn>
+              <p:prevCondLst>
+                <p:cond evt="onPrev" delay="0">
+                  <p:tgtEl>
+                    <p:sldTgt/>
+                  </p:tgtEl>
+                </p:cond>
+              </p:prevCondLst>
+              <p:nextCondLst>
+                <p:cond evt="onNext" delay="0">
+                  <p:tgtEl>
+                    <p:sldTgt/>
+                  </p:tgtEl>
+                </p:cond>
+              </p:nextCondLst>
+            </p:seq>
+          </p:childTnLst>
+        </p:cTn>
       </p:par>
     </p:tnLst>
+    <p:bldLst>
+      <p:bldP spid="5" grpId="0"/>
+      <p:bldP spid="6" grpId="0" animBg="1"/>
+      <p:bldP spid="7" grpId="0"/>
+      <p:bldP spid="8" grpId="0"/>
+      <p:bldP spid="10" grpId="0"/>
+      <p:bldP spid="11" grpId="0"/>
+      <p:bldP spid="13" grpId="0" animBg="1"/>
+      <p:bldP spid="14" grpId="0" animBg="1"/>
+      <p:bldP spid="15" grpId="0" animBg="1"/>
+      <p:bldP spid="16" grpId="0" animBg="1"/>
+      <p:bldP spid="17" grpId="0" animBg="1"/>
+      <p:bldP spid="18" grpId="0" animBg="1"/>
+      <p:bldP spid="19" grpId="0"/>
+      <p:bldP spid="20" grpId="0"/>
+      <p:bldP spid="24" grpId="0" animBg="1"/>
+      <p:bldP spid="25" grpId="0" animBg="1"/>
+      <p:bldP spid="26" grpId="0" animBg="1"/>
+      <p:bldP spid="27" grpId="0" animBg="1"/>
+      <p:bldP spid="28" grpId="0" animBg="1"/>
+      <p:bldP spid="29" grpId="0"/>
+      <p:bldP spid="31" grpId="0"/>
+      <p:bldP spid="32" grpId="0"/>
+      <p:bldP spid="39" grpId="0" animBg="1"/>
+      <p:bldP spid="40" grpId="0" animBg="1"/>
+      <p:bldP spid="41" grpId="0" animBg="1"/>
+      <p:bldP spid="42" grpId="0" animBg="1"/>
+      <p:bldP spid="43" grpId="0"/>
+      <p:bldP spid="44" grpId="0"/>
+      <p:bldP spid="45" grpId="0"/>
+      <p:bldP spid="47" grpId="0" animBg="1"/>
+      <p:bldP spid="48" grpId="0" animBg="1"/>
+      <p:bldP spid="49" grpId="0" animBg="1"/>
+      <p:bldP spid="50" grpId="0" animBg="1"/>
+      <p:bldP spid="51" grpId="0"/>
+      <p:bldP spid="52" grpId="0"/>
+      <p:bldP spid="53" grpId="0"/>
+      <p:bldP spid="54" grpId="0"/>
+      <p:bldP spid="55" grpId="0"/>
+      <p:bldP spid="56" grpId="0"/>
+      <p:bldP spid="57" grpId="0"/>
+      <p:bldP spid="58" grpId="0"/>
+      <p:bldP spid="59" grpId="0"/>
+      <p:bldP spid="60" grpId="0"/>
+      <p:bldP spid="61" grpId="0"/>
+      <p:bldP spid="62" grpId="0"/>
+      <p:bldP spid="67" grpId="0" animBg="1"/>
+      <p:bldP spid="68" grpId="0"/>
+      <p:bldP spid="70" grpId="0"/>
+    </p:bldLst>
+  </p:timing>
+</p:sld>
+</file>
+
+<file path=ppt/slides/slide7.xml><?xml version="1.0" encoding="utf-8"?>
+<p:sld xmlns:a="http://schemas.openxmlformats.org/drawingml/2006/main" xmlns:r="http://schemas.openxmlformats.org/officeDocument/2006/relationships" xmlns:p="http://schemas.openxmlformats.org/presentationml/2006/main">
+  <p:cSld>
+    <p:spTree>
+      <p:nvGrpSpPr>
+        <p:cNvPr id="1" name=""/>
+        <p:cNvGrpSpPr/>
+        <p:nvPr/>
+      </p:nvGrpSpPr>
+      <p:grpSpPr>
+        <a:xfrm>
+          <a:off x="0" y="0"/>
+          <a:ext cx="0" cy="0"/>
+          <a:chOff x="0" y="0"/>
+          <a:chExt cx="0" cy="0"/>
+        </a:xfrm>
+      </p:grpSpPr>
+      <p:sp>
+        <p:nvSpPr>
+          <p:cNvPr id="2" name="Título 1"/>
+          <p:cNvSpPr>
+            <a:spLocks noGrp="1"/>
+          </p:cNvSpPr>
+          <p:nvPr>
+            <p:ph type="title"/>
+          </p:nvPr>
+        </p:nvSpPr>
+        <p:spPr/>
+        <p:txBody>
+          <a:bodyPr>
+            <a:normAutofit/>
+          </a:bodyPr>
+          <a:lstStyle/>
+          <a:p>
+            <a:r>
+              <a:rPr lang="pt-BR" sz="3200" dirty="0" smtClean="0">
+                <a:latin typeface="Consolas" panose="020B0609020204030204" pitchFamily="49" charset="0"/>
+              </a:rPr>
+              <a:t>Operadores Aritméticos</a:t>
+            </a:r>
+            <a:endParaRPr lang="pt-BR" sz="3200" dirty="0">
+              <a:latin typeface="Consolas" panose="020B0609020204030204" pitchFamily="49" charset="0"/>
+            </a:endParaRPr>
+          </a:p>
+        </p:txBody>
+      </p:sp>
+      <p:pic>
+        <p:nvPicPr>
+          <p:cNvPr id="4" name="Imagem 3"/>
+          <p:cNvPicPr>
+            <a:picLocks noChangeAspect="1"/>
+          </p:cNvPicPr>
+          <p:nvPr/>
+        </p:nvPicPr>
+        <p:blipFill>
+          <a:blip r:embed="rId2" cstate="print">
+            <a:extLst>
+              <a:ext uri="{28A0092B-C50C-407E-A947-70E740481C1C}">
+                <a14:useLocalDpi xmlns:a14="http://schemas.microsoft.com/office/drawing/2010/main" val="0"/>
+              </a:ext>
+            </a:extLst>
+          </a:blip>
+          <a:stretch>
+            <a:fillRect/>
+          </a:stretch>
+        </p:blipFill>
+        <p:spPr>
+          <a:xfrm>
+            <a:off x="10441211" y="110689"/>
+            <a:ext cx="1750789" cy="2157949"/>
+          </a:xfrm>
+          <a:prstGeom prst="rect">
+            <a:avLst/>
+          </a:prstGeom>
+        </p:spPr>
+      </p:pic>
+      <p:sp>
+        <p:nvSpPr>
+          <p:cNvPr id="10" name="CaixaDeTexto 9"/>
+          <p:cNvSpPr txBox="1"/>
+          <p:nvPr/>
+        </p:nvSpPr>
+        <p:spPr>
+          <a:xfrm>
+            <a:off x="346879" y="1981628"/>
+            <a:ext cx="4364821" cy="523220"/>
+          </a:xfrm>
+          <a:prstGeom prst="rect">
+            <a:avLst/>
+          </a:prstGeom>
+          <a:noFill/>
+        </p:spPr>
+        <p:txBody>
+          <a:bodyPr wrap="square" rtlCol="0">
+            <a:spAutoFit/>
+          </a:bodyPr>
+          <a:lstStyle/>
+          <a:p>
+            <a:r>
+              <a:rPr lang="pt-BR" sz="2800" dirty="0" smtClean="0">
+                <a:latin typeface="Consolas" panose="020B0609020204030204" pitchFamily="49" charset="0"/>
+              </a:rPr>
+              <a:t>Operador de soma: </a:t>
+            </a:r>
+            <a:r>
+              <a:rPr lang="pt-BR" sz="2800" b="1" dirty="0" smtClean="0">
+                <a:solidFill>
+                  <a:srgbClr val="66FFFF"/>
+                </a:solidFill>
+                <a:latin typeface="Consolas" panose="020B0609020204030204" pitchFamily="49" charset="0"/>
+              </a:rPr>
+              <a:t>+</a:t>
+            </a:r>
+            <a:endParaRPr lang="pt-BR" sz="2800" b="1" dirty="0">
+              <a:solidFill>
+                <a:srgbClr val="66FFFF"/>
+              </a:solidFill>
+              <a:latin typeface="Consolas" panose="020B0609020204030204" pitchFamily="49" charset="0"/>
+            </a:endParaRPr>
+          </a:p>
+        </p:txBody>
+      </p:sp>
+      <p:sp>
+        <p:nvSpPr>
+          <p:cNvPr id="11" name="CaixaDeTexto 10"/>
+          <p:cNvSpPr txBox="1"/>
+          <p:nvPr/>
+        </p:nvSpPr>
+        <p:spPr>
+          <a:xfrm>
+            <a:off x="346879" y="2908728"/>
+            <a:ext cx="5241121" cy="523220"/>
+          </a:xfrm>
+          <a:prstGeom prst="rect">
+            <a:avLst/>
+          </a:prstGeom>
+          <a:noFill/>
+        </p:spPr>
+        <p:txBody>
+          <a:bodyPr wrap="square" rtlCol="0">
+            <a:spAutoFit/>
+          </a:bodyPr>
+          <a:lstStyle/>
+          <a:p>
+            <a:r>
+              <a:rPr lang="pt-BR" sz="2800" dirty="0" smtClean="0">
+                <a:latin typeface="Consolas" panose="020B0609020204030204" pitchFamily="49" charset="0"/>
+              </a:rPr>
+              <a:t>Operador de subtração: </a:t>
+            </a:r>
+            <a:r>
+              <a:rPr lang="pt-BR" sz="2800" b="1" dirty="0">
+                <a:solidFill>
+                  <a:srgbClr val="66FFFF"/>
+                </a:solidFill>
+                <a:latin typeface="Consolas" panose="020B0609020204030204" pitchFamily="49" charset="0"/>
+              </a:rPr>
+              <a:t>-</a:t>
+            </a:r>
+            <a:endParaRPr lang="pt-BR" sz="2800" b="1" dirty="0">
+              <a:solidFill>
+                <a:srgbClr val="66FFFF"/>
+              </a:solidFill>
+              <a:latin typeface="Consolas" panose="020B0609020204030204" pitchFamily="49" charset="0"/>
+            </a:endParaRPr>
+          </a:p>
+        </p:txBody>
+      </p:sp>
+      <p:sp>
+        <p:nvSpPr>
+          <p:cNvPr id="12" name="CaixaDeTexto 11"/>
+          <p:cNvSpPr txBox="1"/>
+          <p:nvPr/>
+        </p:nvSpPr>
+        <p:spPr>
+          <a:xfrm>
+            <a:off x="346879" y="3861228"/>
+            <a:ext cx="6079321" cy="523220"/>
+          </a:xfrm>
+          <a:prstGeom prst="rect">
+            <a:avLst/>
+          </a:prstGeom>
+          <a:noFill/>
+        </p:spPr>
+        <p:txBody>
+          <a:bodyPr wrap="square" rtlCol="0">
+            <a:spAutoFit/>
+          </a:bodyPr>
+          <a:lstStyle/>
+          <a:p>
+            <a:r>
+              <a:rPr lang="pt-BR" sz="2800" dirty="0" smtClean="0">
+                <a:latin typeface="Consolas" panose="020B0609020204030204" pitchFamily="49" charset="0"/>
+              </a:rPr>
+              <a:t>Operador de multiplicação: </a:t>
+            </a:r>
+            <a:r>
+              <a:rPr lang="pt-BR" sz="2800" b="1" dirty="0" smtClean="0">
+                <a:solidFill>
+                  <a:srgbClr val="66FFFF"/>
+                </a:solidFill>
+                <a:latin typeface="Consolas" panose="020B0609020204030204" pitchFamily="49" charset="0"/>
+              </a:rPr>
+              <a:t>*</a:t>
+            </a:r>
+            <a:endParaRPr lang="pt-BR" sz="2800" b="1" dirty="0">
+              <a:solidFill>
+                <a:srgbClr val="66FFFF"/>
+              </a:solidFill>
+              <a:latin typeface="Consolas" panose="020B0609020204030204" pitchFamily="49" charset="0"/>
+            </a:endParaRPr>
+          </a:p>
+        </p:txBody>
+      </p:sp>
+      <p:sp>
+        <p:nvSpPr>
+          <p:cNvPr id="13" name="CaixaDeTexto 12"/>
+          <p:cNvSpPr txBox="1"/>
+          <p:nvPr/>
+        </p:nvSpPr>
+        <p:spPr>
+          <a:xfrm>
+            <a:off x="346879" y="4788328"/>
+            <a:ext cx="6079321" cy="523220"/>
+          </a:xfrm>
+          <a:prstGeom prst="rect">
+            <a:avLst/>
+          </a:prstGeom>
+          <a:noFill/>
+        </p:spPr>
+        <p:txBody>
+          <a:bodyPr wrap="square" rtlCol="0">
+            <a:spAutoFit/>
+          </a:bodyPr>
+          <a:lstStyle/>
+          <a:p>
+            <a:r>
+              <a:rPr lang="pt-BR" sz="2800" dirty="0" smtClean="0">
+                <a:latin typeface="Consolas" panose="020B0609020204030204" pitchFamily="49" charset="0"/>
+              </a:rPr>
+              <a:t>Operador de divisão: </a:t>
+            </a:r>
+            <a:r>
+              <a:rPr lang="pt-BR" sz="2800" b="1" dirty="0" smtClean="0">
+                <a:solidFill>
+                  <a:srgbClr val="66FFFF"/>
+                </a:solidFill>
+                <a:latin typeface="Consolas" panose="020B0609020204030204" pitchFamily="49" charset="0"/>
+              </a:rPr>
+              <a:t>/</a:t>
+            </a:r>
+            <a:endParaRPr lang="pt-BR" sz="2800" b="1" dirty="0">
+              <a:solidFill>
+                <a:srgbClr val="66FFFF"/>
+              </a:solidFill>
+              <a:latin typeface="Consolas" panose="020B0609020204030204" pitchFamily="49" charset="0"/>
+            </a:endParaRPr>
+          </a:p>
+        </p:txBody>
+      </p:sp>
+      <p:sp>
+        <p:nvSpPr>
+          <p:cNvPr id="14" name="CaixaDeTexto 13"/>
+          <p:cNvSpPr txBox="1"/>
+          <p:nvPr/>
+        </p:nvSpPr>
+        <p:spPr>
+          <a:xfrm>
+            <a:off x="346879" y="5690028"/>
+            <a:ext cx="6079321" cy="523220"/>
+          </a:xfrm>
+          <a:prstGeom prst="rect">
+            <a:avLst/>
+          </a:prstGeom>
+          <a:noFill/>
+        </p:spPr>
+        <p:txBody>
+          <a:bodyPr wrap="square" rtlCol="0">
+            <a:spAutoFit/>
+          </a:bodyPr>
+          <a:lstStyle/>
+          <a:p>
+            <a:r>
+              <a:rPr lang="pt-BR" sz="2800" dirty="0" smtClean="0">
+                <a:latin typeface="Consolas" panose="020B0609020204030204" pitchFamily="49" charset="0"/>
+              </a:rPr>
+              <a:t>Operador de módulo ou resto: </a:t>
+            </a:r>
+            <a:r>
+              <a:rPr lang="pt-BR" sz="2800" b="1" dirty="0" smtClean="0">
+                <a:solidFill>
+                  <a:srgbClr val="66FFFF"/>
+                </a:solidFill>
+                <a:latin typeface="Consolas" panose="020B0609020204030204" pitchFamily="49" charset="0"/>
+              </a:rPr>
+              <a:t>%</a:t>
+            </a:r>
+            <a:endParaRPr lang="pt-BR" sz="2800" b="1" dirty="0">
+              <a:solidFill>
+                <a:srgbClr val="66FFFF"/>
+              </a:solidFill>
+              <a:latin typeface="Consolas" panose="020B0609020204030204" pitchFamily="49" charset="0"/>
+            </a:endParaRPr>
+          </a:p>
+        </p:txBody>
+      </p:sp>
+      <p:cxnSp>
+        <p:nvCxnSpPr>
+          <p:cNvPr id="15" name="Conector de seta reta 14"/>
+          <p:cNvCxnSpPr/>
+          <p:nvPr/>
+        </p:nvCxnSpPr>
+        <p:spPr>
+          <a:xfrm>
+            <a:off x="4261324" y="2268638"/>
+            <a:ext cx="2736376" cy="0"/>
+          </a:xfrm>
+          <a:prstGeom prst="straightConnector1">
+            <a:avLst/>
+          </a:prstGeom>
+          <a:ln w="28575">
+            <a:solidFill>
+              <a:schemeClr val="tx1">
+                <a:lumMod val="95000"/>
+              </a:schemeClr>
+            </a:solidFill>
+            <a:prstDash val="dash"/>
+            <a:tailEnd type="triangle"/>
+          </a:ln>
+        </p:spPr>
+        <p:style>
+          <a:lnRef idx="1">
+            <a:schemeClr val="accent1"/>
+          </a:lnRef>
+          <a:fillRef idx="0">
+            <a:schemeClr val="accent1"/>
+          </a:fillRef>
+          <a:effectRef idx="0">
+            <a:schemeClr val="accent1"/>
+          </a:effectRef>
+          <a:fontRef idx="minor">
+            <a:schemeClr val="tx1"/>
+          </a:fontRef>
+        </p:style>
+      </p:cxnSp>
+      <p:sp>
+        <p:nvSpPr>
+          <p:cNvPr id="18" name="CaixaDeTexto 17"/>
+          <p:cNvSpPr txBox="1"/>
+          <p:nvPr/>
+        </p:nvSpPr>
+        <p:spPr>
+          <a:xfrm>
+            <a:off x="9435935" y="2002233"/>
+            <a:ext cx="388667" cy="523220"/>
+          </a:xfrm>
+          <a:prstGeom prst="rect">
+            <a:avLst/>
+          </a:prstGeom>
+          <a:noFill/>
+        </p:spPr>
+        <p:txBody>
+          <a:bodyPr wrap="square" rtlCol="0">
+            <a:spAutoFit/>
+          </a:bodyPr>
+          <a:lstStyle/>
+          <a:p>
+            <a:pPr algn="ctr"/>
+            <a:r>
+              <a:rPr lang="pt-BR" sz="2800" b="1" dirty="0" smtClean="0">
+                <a:solidFill>
+                  <a:srgbClr val="00FF00"/>
+                </a:solidFill>
+                <a:latin typeface="Consolas" panose="020B0609020204030204" pitchFamily="49" charset="0"/>
+              </a:rPr>
+              <a:t>3</a:t>
+            </a:r>
+            <a:endParaRPr lang="pt-BR" sz="2800" b="1" dirty="0">
+              <a:solidFill>
+                <a:srgbClr val="00FF00"/>
+              </a:solidFill>
+              <a:latin typeface="Consolas" panose="020B0609020204030204" pitchFamily="49" charset="0"/>
+            </a:endParaRPr>
+          </a:p>
+        </p:txBody>
+      </p:sp>
+      <p:sp>
+        <p:nvSpPr>
+          <p:cNvPr id="19" name="Retângulo 18"/>
+          <p:cNvSpPr/>
+          <p:nvPr/>
+        </p:nvSpPr>
+        <p:spPr>
+          <a:xfrm>
+            <a:off x="9372436" y="1986422"/>
+            <a:ext cx="528875" cy="564431"/>
+          </a:xfrm>
+          <a:prstGeom prst="rect">
+            <a:avLst/>
+          </a:prstGeom>
+          <a:noFill/>
+          <a:ln w="25400" cmpd="sng">
+            <a:solidFill>
+              <a:schemeClr val="tx1">
+                <a:lumMod val="95000"/>
+              </a:schemeClr>
+            </a:solidFill>
+          </a:ln>
+        </p:spPr>
+        <p:style>
+          <a:lnRef idx="2">
+            <a:schemeClr val="accent1">
+              <a:shade val="50000"/>
+            </a:schemeClr>
+          </a:lnRef>
+          <a:fillRef idx="1001">
+            <a:schemeClr val="lt2"/>
+          </a:fillRef>
+          <a:effectRef idx="0">
+            <a:schemeClr val="accent1"/>
+          </a:effectRef>
+          <a:fontRef idx="minor">
+            <a:schemeClr val="lt1"/>
+          </a:fontRef>
+        </p:style>
+        <p:txBody>
+          <a:bodyPr rtlCol="0" anchor="t"/>
+          <a:lstStyle/>
+          <a:p>
+            <a:pPr algn="ctr"/>
+            <a:endParaRPr lang="pt-BR" b="1" dirty="0">
+              <a:latin typeface="Consolas" panose="020B0609020204030204" pitchFamily="49" charset="0"/>
+            </a:endParaRPr>
+          </a:p>
+        </p:txBody>
+      </p:sp>
+      <p:sp>
+        <p:nvSpPr>
+          <p:cNvPr id="20" name="CaixaDeTexto 19"/>
+          <p:cNvSpPr txBox="1"/>
+          <p:nvPr/>
+        </p:nvSpPr>
+        <p:spPr>
+          <a:xfrm>
+            <a:off x="7086436" y="1956228"/>
+            <a:ext cx="1888321" cy="523220"/>
+          </a:xfrm>
+          <a:prstGeom prst="rect">
+            <a:avLst/>
+          </a:prstGeom>
+          <a:noFill/>
+        </p:spPr>
+        <p:txBody>
+          <a:bodyPr wrap="square" rtlCol="0">
+            <a:spAutoFit/>
+          </a:bodyPr>
+          <a:lstStyle/>
+          <a:p>
+            <a:r>
+              <a:rPr lang="pt-BR" sz="2000" dirty="0">
+                <a:latin typeface="Consolas" panose="020B0609020204030204" pitchFamily="49" charset="0"/>
+              </a:rPr>
+              <a:t>a</a:t>
+            </a:r>
+            <a:r>
+              <a:rPr lang="pt-BR" sz="2000" dirty="0" smtClean="0">
+                <a:latin typeface="Consolas" panose="020B0609020204030204" pitchFamily="49" charset="0"/>
+              </a:rPr>
+              <a:t> = 2 </a:t>
+            </a:r>
+            <a:r>
+              <a:rPr lang="pt-BR" sz="2800" b="1" dirty="0" smtClean="0">
+                <a:solidFill>
+                  <a:srgbClr val="66FFFF"/>
+                </a:solidFill>
+                <a:latin typeface="Consolas" panose="020B0609020204030204" pitchFamily="49" charset="0"/>
+              </a:rPr>
+              <a:t>+</a:t>
+            </a:r>
+            <a:r>
+              <a:rPr lang="pt-BR" sz="2000" dirty="0" smtClean="0">
+                <a:latin typeface="Consolas" panose="020B0609020204030204" pitchFamily="49" charset="0"/>
+              </a:rPr>
+              <a:t> 1;</a:t>
+            </a:r>
+            <a:endParaRPr lang="pt-BR" sz="2000" dirty="0">
+              <a:latin typeface="Consolas" panose="020B0609020204030204" pitchFamily="49" charset="0"/>
+            </a:endParaRPr>
+          </a:p>
+        </p:txBody>
+      </p:sp>
+      <p:cxnSp>
+        <p:nvCxnSpPr>
+          <p:cNvPr id="21" name="Conector de seta reta 20"/>
+          <p:cNvCxnSpPr/>
+          <p:nvPr/>
+        </p:nvCxnSpPr>
+        <p:spPr>
+          <a:xfrm>
+            <a:off x="8770826" y="2268638"/>
+            <a:ext cx="450376" cy="0"/>
+          </a:xfrm>
+          <a:prstGeom prst="straightConnector1">
+            <a:avLst/>
+          </a:prstGeom>
+          <a:ln w="28575">
+            <a:solidFill>
+              <a:schemeClr val="tx1">
+                <a:lumMod val="95000"/>
+              </a:schemeClr>
+            </a:solidFill>
+            <a:tailEnd type="triangle"/>
+          </a:ln>
+        </p:spPr>
+        <p:style>
+          <a:lnRef idx="1">
+            <a:schemeClr val="accent1"/>
+          </a:lnRef>
+          <a:fillRef idx="0">
+            <a:schemeClr val="accent1"/>
+          </a:fillRef>
+          <a:effectRef idx="0">
+            <a:schemeClr val="accent1"/>
+          </a:effectRef>
+          <a:fontRef idx="minor">
+            <a:schemeClr val="tx1"/>
+          </a:fontRef>
+        </p:style>
+      </p:cxnSp>
+      <p:sp>
+        <p:nvSpPr>
+          <p:cNvPr id="22" name="CaixaDeTexto 21"/>
+          <p:cNvSpPr txBox="1"/>
+          <p:nvPr/>
+        </p:nvSpPr>
+        <p:spPr>
+          <a:xfrm>
+            <a:off x="7086436" y="2807127"/>
+            <a:ext cx="1888321" cy="400110"/>
+          </a:xfrm>
+          <a:prstGeom prst="rect">
+            <a:avLst/>
+          </a:prstGeom>
+          <a:noFill/>
+        </p:spPr>
+        <p:txBody>
+          <a:bodyPr wrap="square" rtlCol="0">
+            <a:spAutoFit/>
+          </a:bodyPr>
+          <a:lstStyle/>
+          <a:p>
+            <a:r>
+              <a:rPr lang="pt-BR" sz="2000" dirty="0" smtClean="0">
+                <a:latin typeface="Consolas" panose="020B0609020204030204" pitchFamily="49" charset="0"/>
+              </a:rPr>
+              <a:t>b = 4;</a:t>
+            </a:r>
+            <a:endParaRPr lang="pt-BR" sz="2000" dirty="0">
+              <a:latin typeface="Consolas" panose="020B0609020204030204" pitchFamily="49" charset="0"/>
+            </a:endParaRPr>
+          </a:p>
+        </p:txBody>
+      </p:sp>
+      <p:sp>
+        <p:nvSpPr>
+          <p:cNvPr id="23" name="CaixaDeTexto 22"/>
+          <p:cNvSpPr txBox="1"/>
+          <p:nvPr/>
+        </p:nvSpPr>
+        <p:spPr>
+          <a:xfrm>
+            <a:off x="9429928" y="2790993"/>
+            <a:ext cx="388667" cy="523220"/>
+          </a:xfrm>
+          <a:prstGeom prst="rect">
+            <a:avLst/>
+          </a:prstGeom>
+          <a:noFill/>
+        </p:spPr>
+        <p:txBody>
+          <a:bodyPr wrap="square" rtlCol="0">
+            <a:spAutoFit/>
+          </a:bodyPr>
+          <a:lstStyle/>
+          <a:p>
+            <a:pPr algn="ctr"/>
+            <a:r>
+              <a:rPr lang="pt-BR" sz="2800" b="1" dirty="0" smtClean="0">
+                <a:solidFill>
+                  <a:srgbClr val="00FF00"/>
+                </a:solidFill>
+                <a:latin typeface="Consolas" panose="020B0609020204030204" pitchFamily="49" charset="0"/>
+              </a:rPr>
+              <a:t>4</a:t>
+            </a:r>
+            <a:endParaRPr lang="pt-BR" sz="2800" b="1" dirty="0">
+              <a:solidFill>
+                <a:srgbClr val="00FF00"/>
+              </a:solidFill>
+              <a:latin typeface="Consolas" panose="020B0609020204030204" pitchFamily="49" charset="0"/>
+            </a:endParaRPr>
+          </a:p>
+        </p:txBody>
+      </p:sp>
+      <p:sp>
+        <p:nvSpPr>
+          <p:cNvPr id="24" name="Retângulo 23"/>
+          <p:cNvSpPr/>
+          <p:nvPr/>
+        </p:nvSpPr>
+        <p:spPr>
+          <a:xfrm>
+            <a:off x="9366429" y="2775182"/>
+            <a:ext cx="528875" cy="564431"/>
+          </a:xfrm>
+          <a:prstGeom prst="rect">
+            <a:avLst/>
+          </a:prstGeom>
+          <a:noFill/>
+          <a:ln w="25400" cmpd="sng">
+            <a:solidFill>
+              <a:schemeClr val="tx1">
+                <a:lumMod val="95000"/>
+              </a:schemeClr>
+            </a:solidFill>
+          </a:ln>
+        </p:spPr>
+        <p:style>
+          <a:lnRef idx="2">
+            <a:schemeClr val="accent1">
+              <a:shade val="50000"/>
+            </a:schemeClr>
+          </a:lnRef>
+          <a:fillRef idx="1001">
+            <a:schemeClr val="lt2"/>
+          </a:fillRef>
+          <a:effectRef idx="0">
+            <a:schemeClr val="accent1"/>
+          </a:effectRef>
+          <a:fontRef idx="minor">
+            <a:schemeClr val="lt1"/>
+          </a:fontRef>
+        </p:style>
+        <p:txBody>
+          <a:bodyPr rtlCol="0" anchor="t"/>
+          <a:lstStyle/>
+          <a:p>
+            <a:pPr algn="ctr"/>
+            <a:endParaRPr lang="pt-BR" b="1" dirty="0">
+              <a:latin typeface="Consolas" panose="020B0609020204030204" pitchFamily="49" charset="0"/>
+            </a:endParaRPr>
+          </a:p>
+        </p:txBody>
+      </p:sp>
+      <p:cxnSp>
+        <p:nvCxnSpPr>
+          <p:cNvPr id="25" name="Conector de seta reta 24"/>
+          <p:cNvCxnSpPr/>
+          <p:nvPr/>
+        </p:nvCxnSpPr>
+        <p:spPr>
+          <a:xfrm>
+            <a:off x="8142519" y="3057398"/>
+            <a:ext cx="1078683" cy="0"/>
+          </a:xfrm>
+          <a:prstGeom prst="straightConnector1">
+            <a:avLst/>
+          </a:prstGeom>
+          <a:ln w="28575">
+            <a:solidFill>
+              <a:schemeClr val="tx1">
+                <a:lumMod val="95000"/>
+              </a:schemeClr>
+            </a:solidFill>
+            <a:tailEnd type="triangle"/>
+          </a:ln>
+        </p:spPr>
+        <p:style>
+          <a:lnRef idx="1">
+            <a:schemeClr val="accent1"/>
+          </a:lnRef>
+          <a:fillRef idx="0">
+            <a:schemeClr val="accent1"/>
+          </a:fillRef>
+          <a:effectRef idx="0">
+            <a:schemeClr val="accent1"/>
+          </a:effectRef>
+          <a:fontRef idx="minor">
+            <a:schemeClr val="tx1"/>
+          </a:fontRef>
+        </p:style>
+      </p:cxnSp>
+      <p:sp>
+        <p:nvSpPr>
+          <p:cNvPr id="27" name="CaixaDeTexto 26"/>
+          <p:cNvSpPr txBox="1"/>
+          <p:nvPr/>
+        </p:nvSpPr>
+        <p:spPr>
+          <a:xfrm>
+            <a:off x="7086436" y="3683427"/>
+            <a:ext cx="1888321" cy="523220"/>
+          </a:xfrm>
+          <a:prstGeom prst="rect">
+            <a:avLst/>
+          </a:prstGeom>
+          <a:noFill/>
+        </p:spPr>
+        <p:txBody>
+          <a:bodyPr wrap="square" rtlCol="0">
+            <a:spAutoFit/>
+          </a:bodyPr>
+          <a:lstStyle/>
+          <a:p>
+            <a:r>
+              <a:rPr lang="pt-BR" sz="2000" dirty="0" smtClean="0">
+                <a:latin typeface="Consolas" panose="020B0609020204030204" pitchFamily="49" charset="0"/>
+              </a:rPr>
+              <a:t>c = a </a:t>
+            </a:r>
+            <a:r>
+              <a:rPr lang="pt-BR" sz="2800" dirty="0" smtClean="0">
+                <a:solidFill>
+                  <a:srgbClr val="66FFFF"/>
+                </a:solidFill>
+                <a:latin typeface="Consolas" panose="020B0609020204030204" pitchFamily="49" charset="0"/>
+              </a:rPr>
+              <a:t>+</a:t>
+            </a:r>
+            <a:r>
+              <a:rPr lang="pt-BR" sz="2000" dirty="0" smtClean="0">
+                <a:latin typeface="Consolas" panose="020B0609020204030204" pitchFamily="49" charset="0"/>
+              </a:rPr>
+              <a:t> b;</a:t>
+            </a:r>
+            <a:endParaRPr lang="pt-BR" sz="2000" dirty="0">
+              <a:latin typeface="Consolas" panose="020B0609020204030204" pitchFamily="49" charset="0"/>
+            </a:endParaRPr>
+          </a:p>
+        </p:txBody>
+      </p:sp>
+      <p:sp>
+        <p:nvSpPr>
+          <p:cNvPr id="28" name="CaixaDeTexto 27"/>
+          <p:cNvSpPr txBox="1"/>
+          <p:nvPr/>
+        </p:nvSpPr>
+        <p:spPr>
+          <a:xfrm>
+            <a:off x="9023528" y="3667293"/>
+            <a:ext cx="388667" cy="523220"/>
+          </a:xfrm>
+          <a:prstGeom prst="rect">
+            <a:avLst/>
+          </a:prstGeom>
+          <a:noFill/>
+        </p:spPr>
+        <p:txBody>
+          <a:bodyPr wrap="square" rtlCol="0">
+            <a:spAutoFit/>
+          </a:bodyPr>
+          <a:lstStyle/>
+          <a:p>
+            <a:pPr algn="ctr"/>
+            <a:r>
+              <a:rPr lang="pt-BR" sz="2800" b="1" dirty="0" smtClean="0">
+                <a:solidFill>
+                  <a:srgbClr val="00FF00"/>
+                </a:solidFill>
+                <a:latin typeface="Consolas" panose="020B0609020204030204" pitchFamily="49" charset="0"/>
+              </a:rPr>
+              <a:t>7</a:t>
+            </a:r>
+            <a:endParaRPr lang="pt-BR" sz="2800" b="1" dirty="0">
+              <a:solidFill>
+                <a:srgbClr val="00FF00"/>
+              </a:solidFill>
+              <a:latin typeface="Consolas" panose="020B0609020204030204" pitchFamily="49" charset="0"/>
+            </a:endParaRPr>
+          </a:p>
+        </p:txBody>
+      </p:sp>
+      <p:sp>
+        <p:nvSpPr>
+          <p:cNvPr id="29" name="Retângulo 28"/>
+          <p:cNvSpPr/>
+          <p:nvPr/>
+        </p:nvSpPr>
+        <p:spPr>
+          <a:xfrm>
+            <a:off x="8934629" y="3651482"/>
+            <a:ext cx="528875" cy="564431"/>
+          </a:xfrm>
+          <a:prstGeom prst="rect">
+            <a:avLst/>
+          </a:prstGeom>
+          <a:noFill/>
+          <a:ln w="25400" cmpd="sng">
+            <a:solidFill>
+              <a:schemeClr val="tx1">
+                <a:lumMod val="95000"/>
+              </a:schemeClr>
+            </a:solidFill>
+          </a:ln>
+        </p:spPr>
+        <p:style>
+          <a:lnRef idx="2">
+            <a:schemeClr val="accent1">
+              <a:shade val="50000"/>
+            </a:schemeClr>
+          </a:lnRef>
+          <a:fillRef idx="1001">
+            <a:schemeClr val="lt2"/>
+          </a:fillRef>
+          <a:effectRef idx="0">
+            <a:schemeClr val="accent1"/>
+          </a:effectRef>
+          <a:fontRef idx="minor">
+            <a:schemeClr val="lt1"/>
+          </a:fontRef>
+        </p:style>
+        <p:txBody>
+          <a:bodyPr rtlCol="0" anchor="t"/>
+          <a:lstStyle/>
+          <a:p>
+            <a:pPr algn="ctr"/>
+            <a:endParaRPr lang="pt-BR" b="1" dirty="0">
+              <a:latin typeface="Consolas" panose="020B0609020204030204" pitchFamily="49" charset="0"/>
+            </a:endParaRPr>
+          </a:p>
+        </p:txBody>
+      </p:sp>
+      <p:sp>
+        <p:nvSpPr>
+          <p:cNvPr id="31" name="CaixaDeTexto 30"/>
+          <p:cNvSpPr txBox="1"/>
+          <p:nvPr/>
+        </p:nvSpPr>
+        <p:spPr>
+          <a:xfrm>
+            <a:off x="9996394" y="3670404"/>
+            <a:ext cx="388667" cy="523220"/>
+          </a:xfrm>
+          <a:prstGeom prst="rect">
+            <a:avLst/>
+          </a:prstGeom>
+          <a:noFill/>
+        </p:spPr>
+        <p:txBody>
+          <a:bodyPr wrap="square" rtlCol="0">
+            <a:spAutoFit/>
+          </a:bodyPr>
+          <a:lstStyle/>
+          <a:p>
+            <a:pPr algn="ctr"/>
+            <a:r>
+              <a:rPr lang="pt-BR" sz="2800" b="1" dirty="0" smtClean="0">
+                <a:solidFill>
+                  <a:srgbClr val="00FF00"/>
+                </a:solidFill>
+                <a:latin typeface="Consolas" panose="020B0609020204030204" pitchFamily="49" charset="0"/>
+              </a:rPr>
+              <a:t>3</a:t>
+            </a:r>
+            <a:endParaRPr lang="pt-BR" sz="2800" b="1" dirty="0">
+              <a:solidFill>
+                <a:srgbClr val="00FF00"/>
+              </a:solidFill>
+              <a:latin typeface="Consolas" panose="020B0609020204030204" pitchFamily="49" charset="0"/>
+            </a:endParaRPr>
+          </a:p>
+        </p:txBody>
+      </p:sp>
+      <p:sp>
+        <p:nvSpPr>
+          <p:cNvPr id="32" name="Retângulo 31"/>
+          <p:cNvSpPr/>
+          <p:nvPr/>
+        </p:nvSpPr>
+        <p:spPr>
+          <a:xfrm>
+            <a:off x="9932895" y="3654593"/>
+            <a:ext cx="528875" cy="564431"/>
+          </a:xfrm>
+          <a:prstGeom prst="rect">
+            <a:avLst/>
+          </a:prstGeom>
+          <a:noFill/>
+          <a:ln w="25400" cmpd="sng">
+            <a:solidFill>
+              <a:schemeClr val="tx1">
+                <a:lumMod val="95000"/>
+              </a:schemeClr>
+            </a:solidFill>
+          </a:ln>
+        </p:spPr>
+        <p:style>
+          <a:lnRef idx="2">
+            <a:schemeClr val="accent1">
+              <a:shade val="50000"/>
+            </a:schemeClr>
+          </a:lnRef>
+          <a:fillRef idx="1001">
+            <a:schemeClr val="lt2"/>
+          </a:fillRef>
+          <a:effectRef idx="0">
+            <a:schemeClr val="accent1"/>
+          </a:effectRef>
+          <a:fontRef idx="minor">
+            <a:schemeClr val="lt1"/>
+          </a:fontRef>
+        </p:style>
+        <p:txBody>
+          <a:bodyPr rtlCol="0" anchor="t"/>
+          <a:lstStyle/>
+          <a:p>
+            <a:pPr algn="ctr"/>
+            <a:endParaRPr lang="pt-BR" b="1" dirty="0">
+              <a:latin typeface="Consolas" panose="020B0609020204030204" pitchFamily="49" charset="0"/>
+            </a:endParaRPr>
+          </a:p>
+        </p:txBody>
+      </p:sp>
+      <p:sp>
+        <p:nvSpPr>
+          <p:cNvPr id="33" name="CaixaDeTexto 32"/>
+          <p:cNvSpPr txBox="1"/>
+          <p:nvPr/>
+        </p:nvSpPr>
+        <p:spPr>
+          <a:xfrm>
+            <a:off x="10993043" y="3669527"/>
+            <a:ext cx="388667" cy="523220"/>
+          </a:xfrm>
+          <a:prstGeom prst="rect">
+            <a:avLst/>
+          </a:prstGeom>
+          <a:noFill/>
+        </p:spPr>
+        <p:txBody>
+          <a:bodyPr wrap="square" rtlCol="0">
+            <a:spAutoFit/>
+          </a:bodyPr>
+          <a:lstStyle/>
+          <a:p>
+            <a:pPr algn="ctr"/>
+            <a:r>
+              <a:rPr lang="pt-BR" sz="2800" b="1" dirty="0" smtClean="0">
+                <a:solidFill>
+                  <a:srgbClr val="00FF00"/>
+                </a:solidFill>
+                <a:latin typeface="Consolas" panose="020B0609020204030204" pitchFamily="49" charset="0"/>
+              </a:rPr>
+              <a:t>4</a:t>
+            </a:r>
+            <a:endParaRPr lang="pt-BR" sz="2800" b="1" dirty="0">
+              <a:solidFill>
+                <a:srgbClr val="00FF00"/>
+              </a:solidFill>
+              <a:latin typeface="Consolas" panose="020B0609020204030204" pitchFamily="49" charset="0"/>
+            </a:endParaRPr>
+          </a:p>
+        </p:txBody>
+      </p:sp>
+      <p:sp>
+        <p:nvSpPr>
+          <p:cNvPr id="34" name="Retângulo 33"/>
+          <p:cNvSpPr/>
+          <p:nvPr/>
+        </p:nvSpPr>
+        <p:spPr>
+          <a:xfrm>
+            <a:off x="10929544" y="3653716"/>
+            <a:ext cx="528875" cy="564431"/>
+          </a:xfrm>
+          <a:prstGeom prst="rect">
+            <a:avLst/>
+          </a:prstGeom>
+          <a:noFill/>
+          <a:ln w="25400" cmpd="sng">
+            <a:solidFill>
+              <a:schemeClr val="tx1">
+                <a:lumMod val="95000"/>
+              </a:schemeClr>
+            </a:solidFill>
+          </a:ln>
+        </p:spPr>
+        <p:style>
+          <a:lnRef idx="2">
+            <a:schemeClr val="accent1">
+              <a:shade val="50000"/>
+            </a:schemeClr>
+          </a:lnRef>
+          <a:fillRef idx="1001">
+            <a:schemeClr val="lt2"/>
+          </a:fillRef>
+          <a:effectRef idx="0">
+            <a:schemeClr val="accent1"/>
+          </a:effectRef>
+          <a:fontRef idx="minor">
+            <a:schemeClr val="lt1"/>
+          </a:fontRef>
+        </p:style>
+        <p:txBody>
+          <a:bodyPr rtlCol="0" anchor="t"/>
+          <a:lstStyle/>
+          <a:p>
+            <a:pPr algn="ctr"/>
+            <a:endParaRPr lang="pt-BR" b="1" dirty="0">
+              <a:latin typeface="Consolas" panose="020B0609020204030204" pitchFamily="49" charset="0"/>
+            </a:endParaRPr>
+          </a:p>
+        </p:txBody>
+      </p:sp>
+      <p:sp>
+        <p:nvSpPr>
+          <p:cNvPr id="35" name="CaixaDeTexto 34"/>
+          <p:cNvSpPr txBox="1"/>
+          <p:nvPr/>
+        </p:nvSpPr>
+        <p:spPr>
+          <a:xfrm>
+            <a:off x="9507078" y="3683427"/>
+            <a:ext cx="388226" cy="523220"/>
+          </a:xfrm>
+          <a:prstGeom prst="rect">
+            <a:avLst/>
+          </a:prstGeom>
+          <a:noFill/>
+        </p:spPr>
+        <p:txBody>
+          <a:bodyPr wrap="square" rtlCol="0">
+            <a:spAutoFit/>
+          </a:bodyPr>
+          <a:lstStyle/>
+          <a:p>
+            <a:r>
+              <a:rPr lang="pt-BR" sz="2800" dirty="0" smtClean="0">
+                <a:latin typeface="Consolas" panose="020B0609020204030204" pitchFamily="49" charset="0"/>
+              </a:rPr>
+              <a:t>=</a:t>
+            </a:r>
+            <a:endParaRPr lang="pt-BR" sz="2800" dirty="0">
+              <a:latin typeface="Consolas" panose="020B0609020204030204" pitchFamily="49" charset="0"/>
+            </a:endParaRPr>
+          </a:p>
+        </p:txBody>
+      </p:sp>
+      <p:sp>
+        <p:nvSpPr>
+          <p:cNvPr id="36" name="CaixaDeTexto 35"/>
+          <p:cNvSpPr txBox="1"/>
+          <p:nvPr/>
+        </p:nvSpPr>
+        <p:spPr>
+          <a:xfrm>
+            <a:off x="10515918" y="3667293"/>
+            <a:ext cx="388226" cy="523220"/>
+          </a:xfrm>
+          <a:prstGeom prst="rect">
+            <a:avLst/>
+          </a:prstGeom>
+          <a:noFill/>
+        </p:spPr>
+        <p:txBody>
+          <a:bodyPr wrap="square" rtlCol="0">
+            <a:spAutoFit/>
+          </a:bodyPr>
+          <a:lstStyle/>
+          <a:p>
+            <a:r>
+              <a:rPr lang="pt-BR" sz="2800" dirty="0" smtClean="0">
+                <a:solidFill>
+                  <a:srgbClr val="66FFFF"/>
+                </a:solidFill>
+                <a:latin typeface="Consolas" panose="020B0609020204030204" pitchFamily="49" charset="0"/>
+              </a:rPr>
+              <a:t>+</a:t>
+            </a:r>
+            <a:endParaRPr lang="pt-BR" sz="2800" dirty="0">
+              <a:solidFill>
+                <a:srgbClr val="66FFFF"/>
+              </a:solidFill>
+              <a:latin typeface="Consolas" panose="020B0609020204030204" pitchFamily="49" charset="0"/>
+            </a:endParaRPr>
+          </a:p>
+        </p:txBody>
+      </p:sp>
+      <p:sp>
+        <p:nvSpPr>
+          <p:cNvPr id="37" name="Retângulo 36"/>
+          <p:cNvSpPr/>
+          <p:nvPr/>
+        </p:nvSpPr>
+        <p:spPr>
+          <a:xfrm>
+            <a:off x="9902418" y="1985047"/>
+            <a:ext cx="177412" cy="200247"/>
+          </a:xfrm>
+          <a:prstGeom prst="rect">
+            <a:avLst/>
+          </a:prstGeom>
+          <a:noFill/>
+          <a:ln w="25400" cmpd="sng">
+            <a:solidFill>
+              <a:schemeClr val="tx1">
+                <a:lumMod val="95000"/>
+              </a:schemeClr>
+            </a:solidFill>
+          </a:ln>
+        </p:spPr>
+        <p:style>
+          <a:lnRef idx="2">
+            <a:schemeClr val="accent1">
+              <a:shade val="50000"/>
+            </a:schemeClr>
+          </a:lnRef>
+          <a:fillRef idx="1001">
+            <a:schemeClr val="lt2"/>
+          </a:fillRef>
+          <a:effectRef idx="0">
+            <a:schemeClr val="accent1"/>
+          </a:effectRef>
+          <a:fontRef idx="minor">
+            <a:schemeClr val="lt1"/>
+          </a:fontRef>
+        </p:style>
+        <p:txBody>
+          <a:bodyPr rtlCol="0" anchor="ctr"/>
+          <a:lstStyle/>
+          <a:p>
+            <a:pPr algn="ctr"/>
+            <a:r>
+              <a:rPr lang="pt-BR" b="1" dirty="0" smtClean="0">
+                <a:latin typeface="Consolas" panose="020B0609020204030204" pitchFamily="49" charset="0"/>
+              </a:rPr>
+              <a:t>a</a:t>
+            </a:r>
+            <a:endParaRPr lang="pt-BR" b="1" dirty="0">
+              <a:latin typeface="Consolas" panose="020B0609020204030204" pitchFamily="49" charset="0"/>
+            </a:endParaRPr>
+          </a:p>
+        </p:txBody>
+      </p:sp>
+      <p:sp>
+        <p:nvSpPr>
+          <p:cNvPr id="38" name="Retângulo 37"/>
+          <p:cNvSpPr/>
+          <p:nvPr/>
+        </p:nvSpPr>
+        <p:spPr>
+          <a:xfrm>
+            <a:off x="9895304" y="2774700"/>
+            <a:ext cx="177412" cy="200247"/>
+          </a:xfrm>
+          <a:prstGeom prst="rect">
+            <a:avLst/>
+          </a:prstGeom>
+          <a:noFill/>
+          <a:ln w="25400" cmpd="sng">
+            <a:solidFill>
+              <a:schemeClr val="tx1">
+                <a:lumMod val="95000"/>
+              </a:schemeClr>
+            </a:solidFill>
+          </a:ln>
+        </p:spPr>
+        <p:style>
+          <a:lnRef idx="2">
+            <a:schemeClr val="accent1">
+              <a:shade val="50000"/>
+            </a:schemeClr>
+          </a:lnRef>
+          <a:fillRef idx="1001">
+            <a:schemeClr val="lt2"/>
+          </a:fillRef>
+          <a:effectRef idx="0">
+            <a:schemeClr val="accent1"/>
+          </a:effectRef>
+          <a:fontRef idx="minor">
+            <a:schemeClr val="lt1"/>
+          </a:fontRef>
+        </p:style>
+        <p:txBody>
+          <a:bodyPr rtlCol="0" anchor="ctr"/>
+          <a:lstStyle/>
+          <a:p>
+            <a:pPr algn="ctr"/>
+            <a:r>
+              <a:rPr lang="pt-BR" b="1" dirty="0" smtClean="0">
+                <a:latin typeface="Consolas" panose="020B0609020204030204" pitchFamily="49" charset="0"/>
+              </a:rPr>
+              <a:t>b</a:t>
+            </a:r>
+            <a:endParaRPr lang="pt-BR" b="1" dirty="0">
+              <a:latin typeface="Consolas" panose="020B0609020204030204" pitchFamily="49" charset="0"/>
+            </a:endParaRPr>
+          </a:p>
+        </p:txBody>
+      </p:sp>
+      <p:sp>
+        <p:nvSpPr>
+          <p:cNvPr id="39" name="Retângulo 38"/>
+          <p:cNvSpPr/>
+          <p:nvPr/>
+        </p:nvSpPr>
+        <p:spPr>
+          <a:xfrm>
+            <a:off x="9464223" y="3651482"/>
+            <a:ext cx="177412" cy="200247"/>
+          </a:xfrm>
+          <a:prstGeom prst="rect">
+            <a:avLst/>
+          </a:prstGeom>
+          <a:noFill/>
+          <a:ln w="25400" cmpd="sng">
+            <a:solidFill>
+              <a:schemeClr val="tx1">
+                <a:lumMod val="95000"/>
+              </a:schemeClr>
+            </a:solidFill>
+          </a:ln>
+        </p:spPr>
+        <p:style>
+          <a:lnRef idx="2">
+            <a:schemeClr val="accent1">
+              <a:shade val="50000"/>
+            </a:schemeClr>
+          </a:lnRef>
+          <a:fillRef idx="1001">
+            <a:schemeClr val="lt2"/>
+          </a:fillRef>
+          <a:effectRef idx="0">
+            <a:schemeClr val="accent1"/>
+          </a:effectRef>
+          <a:fontRef idx="minor">
+            <a:schemeClr val="lt1"/>
+          </a:fontRef>
+        </p:style>
+        <p:txBody>
+          <a:bodyPr rtlCol="0" anchor="ctr"/>
+          <a:lstStyle/>
+          <a:p>
+            <a:pPr algn="ctr"/>
+            <a:r>
+              <a:rPr lang="pt-BR" b="1" dirty="0" smtClean="0">
+                <a:latin typeface="Consolas" panose="020B0609020204030204" pitchFamily="49" charset="0"/>
+              </a:rPr>
+              <a:t>c</a:t>
+            </a:r>
+            <a:endParaRPr lang="pt-BR" b="1" dirty="0">
+              <a:latin typeface="Consolas" panose="020B0609020204030204" pitchFamily="49" charset="0"/>
+            </a:endParaRPr>
+          </a:p>
+        </p:txBody>
+      </p:sp>
+      <p:sp>
+        <p:nvSpPr>
+          <p:cNvPr id="40" name="Retângulo 39"/>
+          <p:cNvSpPr/>
+          <p:nvPr/>
+        </p:nvSpPr>
+        <p:spPr>
+          <a:xfrm>
+            <a:off x="10461770" y="3653007"/>
+            <a:ext cx="177412" cy="200247"/>
+          </a:xfrm>
+          <a:prstGeom prst="rect">
+            <a:avLst/>
+          </a:prstGeom>
+          <a:noFill/>
+          <a:ln w="25400" cmpd="sng">
+            <a:solidFill>
+              <a:schemeClr val="tx1">
+                <a:lumMod val="95000"/>
+              </a:schemeClr>
+            </a:solidFill>
+          </a:ln>
+        </p:spPr>
+        <p:style>
+          <a:lnRef idx="2">
+            <a:schemeClr val="accent1">
+              <a:shade val="50000"/>
+            </a:schemeClr>
+          </a:lnRef>
+          <a:fillRef idx="1001">
+            <a:schemeClr val="lt2"/>
+          </a:fillRef>
+          <a:effectRef idx="0">
+            <a:schemeClr val="accent1"/>
+          </a:effectRef>
+          <a:fontRef idx="minor">
+            <a:schemeClr val="lt1"/>
+          </a:fontRef>
+        </p:style>
+        <p:txBody>
+          <a:bodyPr rtlCol="0" anchor="ctr"/>
+          <a:lstStyle/>
+          <a:p>
+            <a:pPr algn="ctr"/>
+            <a:r>
+              <a:rPr lang="pt-BR" b="1" dirty="0" smtClean="0">
+                <a:latin typeface="Consolas" panose="020B0609020204030204" pitchFamily="49" charset="0"/>
+              </a:rPr>
+              <a:t>a</a:t>
+            </a:r>
+            <a:endParaRPr lang="pt-BR" b="1" dirty="0">
+              <a:latin typeface="Consolas" panose="020B0609020204030204" pitchFamily="49" charset="0"/>
+            </a:endParaRPr>
+          </a:p>
+        </p:txBody>
+      </p:sp>
+      <p:sp>
+        <p:nvSpPr>
+          <p:cNvPr id="41" name="Retângulo 40"/>
+          <p:cNvSpPr/>
+          <p:nvPr/>
+        </p:nvSpPr>
+        <p:spPr>
+          <a:xfrm>
+            <a:off x="11458419" y="3653863"/>
+            <a:ext cx="177412" cy="200247"/>
+          </a:xfrm>
+          <a:prstGeom prst="rect">
+            <a:avLst/>
+          </a:prstGeom>
+          <a:noFill/>
+          <a:ln w="25400" cmpd="sng">
+            <a:solidFill>
+              <a:schemeClr val="tx1">
+                <a:lumMod val="95000"/>
+              </a:schemeClr>
+            </a:solidFill>
+          </a:ln>
+        </p:spPr>
+        <p:style>
+          <a:lnRef idx="2">
+            <a:schemeClr val="accent1">
+              <a:shade val="50000"/>
+            </a:schemeClr>
+          </a:lnRef>
+          <a:fillRef idx="1001">
+            <a:schemeClr val="lt2"/>
+          </a:fillRef>
+          <a:effectRef idx="0">
+            <a:schemeClr val="accent1"/>
+          </a:effectRef>
+          <a:fontRef idx="minor">
+            <a:schemeClr val="lt1"/>
+          </a:fontRef>
+        </p:style>
+        <p:txBody>
+          <a:bodyPr rtlCol="0" anchor="ctr"/>
+          <a:lstStyle/>
+          <a:p>
+            <a:pPr algn="ctr"/>
+            <a:r>
+              <a:rPr lang="pt-BR" b="1" dirty="0" smtClean="0">
+                <a:latin typeface="Consolas" panose="020B0609020204030204" pitchFamily="49" charset="0"/>
+              </a:rPr>
+              <a:t>b</a:t>
+            </a:r>
+            <a:endParaRPr lang="pt-BR" b="1" dirty="0">
+              <a:latin typeface="Consolas" panose="020B0609020204030204" pitchFamily="49" charset="0"/>
+            </a:endParaRPr>
+          </a:p>
+        </p:txBody>
+      </p:sp>
+      <p:sp>
+        <p:nvSpPr>
+          <p:cNvPr id="42" name="CaixaDeTexto 41"/>
+          <p:cNvSpPr txBox="1"/>
+          <p:nvPr/>
+        </p:nvSpPr>
+        <p:spPr>
+          <a:xfrm>
+            <a:off x="7086436" y="4559727"/>
+            <a:ext cx="1888321" cy="523220"/>
+          </a:xfrm>
+          <a:prstGeom prst="rect">
+            <a:avLst/>
+          </a:prstGeom>
+          <a:noFill/>
+        </p:spPr>
+        <p:txBody>
+          <a:bodyPr wrap="square" rtlCol="0">
+            <a:spAutoFit/>
+          </a:bodyPr>
+          <a:lstStyle/>
+          <a:p>
+            <a:r>
+              <a:rPr lang="pt-BR" sz="2000" dirty="0" smtClean="0">
+                <a:latin typeface="Consolas" panose="020B0609020204030204" pitchFamily="49" charset="0"/>
+              </a:rPr>
+              <a:t>d = c </a:t>
+            </a:r>
+            <a:r>
+              <a:rPr lang="pt-BR" sz="2800" dirty="0" smtClean="0">
+                <a:solidFill>
+                  <a:srgbClr val="66FFFF"/>
+                </a:solidFill>
+                <a:latin typeface="Consolas" panose="020B0609020204030204" pitchFamily="49" charset="0"/>
+              </a:rPr>
+              <a:t>+</a:t>
+            </a:r>
+            <a:r>
+              <a:rPr lang="pt-BR" sz="2000" dirty="0" smtClean="0">
+                <a:latin typeface="Consolas" panose="020B0609020204030204" pitchFamily="49" charset="0"/>
+              </a:rPr>
+              <a:t> 1;</a:t>
+            </a:r>
+            <a:endParaRPr lang="pt-BR" sz="2000" dirty="0">
+              <a:latin typeface="Consolas" panose="020B0609020204030204" pitchFamily="49" charset="0"/>
+            </a:endParaRPr>
+          </a:p>
+        </p:txBody>
+      </p:sp>
+      <p:sp>
+        <p:nvSpPr>
+          <p:cNvPr id="43" name="CaixaDeTexto 42"/>
+          <p:cNvSpPr txBox="1"/>
+          <p:nvPr/>
+        </p:nvSpPr>
+        <p:spPr>
+          <a:xfrm>
+            <a:off x="9023528" y="4543593"/>
+            <a:ext cx="388667" cy="523220"/>
+          </a:xfrm>
+          <a:prstGeom prst="rect">
+            <a:avLst/>
+          </a:prstGeom>
+          <a:noFill/>
+        </p:spPr>
+        <p:txBody>
+          <a:bodyPr wrap="square" rtlCol="0">
+            <a:spAutoFit/>
+          </a:bodyPr>
+          <a:lstStyle/>
+          <a:p>
+            <a:pPr algn="ctr"/>
+            <a:r>
+              <a:rPr lang="pt-BR" sz="2800" b="1" dirty="0" smtClean="0">
+                <a:solidFill>
+                  <a:srgbClr val="00FF00"/>
+                </a:solidFill>
+                <a:latin typeface="Consolas" panose="020B0609020204030204" pitchFamily="49" charset="0"/>
+              </a:rPr>
+              <a:t>8</a:t>
+            </a:r>
+            <a:endParaRPr lang="pt-BR" sz="2800" b="1" dirty="0">
+              <a:solidFill>
+                <a:srgbClr val="00FF00"/>
+              </a:solidFill>
+              <a:latin typeface="Consolas" panose="020B0609020204030204" pitchFamily="49" charset="0"/>
+            </a:endParaRPr>
+          </a:p>
+        </p:txBody>
+      </p:sp>
+      <p:sp>
+        <p:nvSpPr>
+          <p:cNvPr id="44" name="Retângulo 43"/>
+          <p:cNvSpPr/>
+          <p:nvPr/>
+        </p:nvSpPr>
+        <p:spPr>
+          <a:xfrm>
+            <a:off x="8934629" y="4527782"/>
+            <a:ext cx="528875" cy="564431"/>
+          </a:xfrm>
+          <a:prstGeom prst="rect">
+            <a:avLst/>
+          </a:prstGeom>
+          <a:noFill/>
+          <a:ln w="25400" cmpd="sng">
+            <a:solidFill>
+              <a:schemeClr val="tx1">
+                <a:lumMod val="95000"/>
+              </a:schemeClr>
+            </a:solidFill>
+          </a:ln>
+        </p:spPr>
+        <p:style>
+          <a:lnRef idx="2">
+            <a:schemeClr val="accent1">
+              <a:shade val="50000"/>
+            </a:schemeClr>
+          </a:lnRef>
+          <a:fillRef idx="1001">
+            <a:schemeClr val="lt2"/>
+          </a:fillRef>
+          <a:effectRef idx="0">
+            <a:schemeClr val="accent1"/>
+          </a:effectRef>
+          <a:fontRef idx="minor">
+            <a:schemeClr val="lt1"/>
+          </a:fontRef>
+        </p:style>
+        <p:txBody>
+          <a:bodyPr rtlCol="0" anchor="t"/>
+          <a:lstStyle/>
+          <a:p>
+            <a:pPr algn="ctr"/>
+            <a:endParaRPr lang="pt-BR" b="1" dirty="0">
+              <a:latin typeface="Consolas" panose="020B0609020204030204" pitchFamily="49" charset="0"/>
+            </a:endParaRPr>
+          </a:p>
+        </p:txBody>
+      </p:sp>
+      <p:sp>
+        <p:nvSpPr>
+          <p:cNvPr id="45" name="CaixaDeTexto 44"/>
+          <p:cNvSpPr txBox="1"/>
+          <p:nvPr/>
+        </p:nvSpPr>
+        <p:spPr>
+          <a:xfrm>
+            <a:off x="9996394" y="4546704"/>
+            <a:ext cx="388667" cy="523220"/>
+          </a:xfrm>
+          <a:prstGeom prst="rect">
+            <a:avLst/>
+          </a:prstGeom>
+          <a:noFill/>
+        </p:spPr>
+        <p:txBody>
+          <a:bodyPr wrap="square" rtlCol="0">
+            <a:spAutoFit/>
+          </a:bodyPr>
+          <a:lstStyle/>
+          <a:p>
+            <a:pPr algn="ctr"/>
+            <a:r>
+              <a:rPr lang="pt-BR" sz="2800" b="1" dirty="0" smtClean="0">
+                <a:solidFill>
+                  <a:srgbClr val="00FF00"/>
+                </a:solidFill>
+                <a:latin typeface="Consolas" panose="020B0609020204030204" pitchFamily="49" charset="0"/>
+              </a:rPr>
+              <a:t>7</a:t>
+            </a:r>
+            <a:endParaRPr lang="pt-BR" sz="2800" b="1" dirty="0">
+              <a:solidFill>
+                <a:srgbClr val="00FF00"/>
+              </a:solidFill>
+              <a:latin typeface="Consolas" panose="020B0609020204030204" pitchFamily="49" charset="0"/>
+            </a:endParaRPr>
+          </a:p>
+        </p:txBody>
+      </p:sp>
+      <p:sp>
+        <p:nvSpPr>
+          <p:cNvPr id="46" name="Retângulo 45"/>
+          <p:cNvSpPr/>
+          <p:nvPr/>
+        </p:nvSpPr>
+        <p:spPr>
+          <a:xfrm>
+            <a:off x="9932895" y="4530893"/>
+            <a:ext cx="528875" cy="564431"/>
+          </a:xfrm>
+          <a:prstGeom prst="rect">
+            <a:avLst/>
+          </a:prstGeom>
+          <a:noFill/>
+          <a:ln w="25400" cmpd="sng">
+            <a:solidFill>
+              <a:schemeClr val="tx1">
+                <a:lumMod val="95000"/>
+              </a:schemeClr>
+            </a:solidFill>
+          </a:ln>
+        </p:spPr>
+        <p:style>
+          <a:lnRef idx="2">
+            <a:schemeClr val="accent1">
+              <a:shade val="50000"/>
+            </a:schemeClr>
+          </a:lnRef>
+          <a:fillRef idx="1001">
+            <a:schemeClr val="lt2"/>
+          </a:fillRef>
+          <a:effectRef idx="0">
+            <a:schemeClr val="accent1"/>
+          </a:effectRef>
+          <a:fontRef idx="minor">
+            <a:schemeClr val="lt1"/>
+          </a:fontRef>
+        </p:style>
+        <p:txBody>
+          <a:bodyPr rtlCol="0" anchor="t"/>
+          <a:lstStyle/>
+          <a:p>
+            <a:pPr algn="ctr"/>
+            <a:endParaRPr lang="pt-BR" b="1" dirty="0">
+              <a:latin typeface="Consolas" panose="020B0609020204030204" pitchFamily="49" charset="0"/>
+            </a:endParaRPr>
+          </a:p>
+        </p:txBody>
+      </p:sp>
+      <p:sp>
+        <p:nvSpPr>
+          <p:cNvPr id="47" name="CaixaDeTexto 46"/>
+          <p:cNvSpPr txBox="1"/>
+          <p:nvPr/>
+        </p:nvSpPr>
+        <p:spPr>
+          <a:xfrm>
+            <a:off x="10993043" y="4545827"/>
+            <a:ext cx="388667" cy="523220"/>
+          </a:xfrm>
+          <a:prstGeom prst="rect">
+            <a:avLst/>
+          </a:prstGeom>
+          <a:noFill/>
+        </p:spPr>
+        <p:txBody>
+          <a:bodyPr wrap="square" rtlCol="0">
+            <a:spAutoFit/>
+          </a:bodyPr>
+          <a:lstStyle/>
+          <a:p>
+            <a:pPr algn="ctr"/>
+            <a:r>
+              <a:rPr lang="pt-BR" sz="2800" b="1" dirty="0" smtClean="0">
+                <a:solidFill>
+                  <a:srgbClr val="00FF00"/>
+                </a:solidFill>
+                <a:latin typeface="Consolas" panose="020B0609020204030204" pitchFamily="49" charset="0"/>
+              </a:rPr>
+              <a:t>1</a:t>
+            </a:r>
+            <a:endParaRPr lang="pt-BR" sz="2800" b="1" dirty="0">
+              <a:solidFill>
+                <a:srgbClr val="00FF00"/>
+              </a:solidFill>
+              <a:latin typeface="Consolas" panose="020B0609020204030204" pitchFamily="49" charset="0"/>
+            </a:endParaRPr>
+          </a:p>
+        </p:txBody>
+      </p:sp>
+      <p:sp>
+        <p:nvSpPr>
+          <p:cNvPr id="49" name="CaixaDeTexto 48"/>
+          <p:cNvSpPr txBox="1"/>
+          <p:nvPr/>
+        </p:nvSpPr>
+        <p:spPr>
+          <a:xfrm>
+            <a:off x="9507078" y="4559727"/>
+            <a:ext cx="388226" cy="523220"/>
+          </a:xfrm>
+          <a:prstGeom prst="rect">
+            <a:avLst/>
+          </a:prstGeom>
+          <a:noFill/>
+        </p:spPr>
+        <p:txBody>
+          <a:bodyPr wrap="square" rtlCol="0">
+            <a:spAutoFit/>
+          </a:bodyPr>
+          <a:lstStyle/>
+          <a:p>
+            <a:r>
+              <a:rPr lang="pt-BR" sz="2800" dirty="0" smtClean="0">
+                <a:latin typeface="Consolas" panose="020B0609020204030204" pitchFamily="49" charset="0"/>
+              </a:rPr>
+              <a:t>=</a:t>
+            </a:r>
+            <a:endParaRPr lang="pt-BR" sz="2800" dirty="0">
+              <a:latin typeface="Consolas" panose="020B0609020204030204" pitchFamily="49" charset="0"/>
+            </a:endParaRPr>
+          </a:p>
+        </p:txBody>
+      </p:sp>
+      <p:sp>
+        <p:nvSpPr>
+          <p:cNvPr id="50" name="CaixaDeTexto 49"/>
+          <p:cNvSpPr txBox="1"/>
+          <p:nvPr/>
+        </p:nvSpPr>
+        <p:spPr>
+          <a:xfrm>
+            <a:off x="10515918" y="4543593"/>
+            <a:ext cx="388226" cy="523220"/>
+          </a:xfrm>
+          <a:prstGeom prst="rect">
+            <a:avLst/>
+          </a:prstGeom>
+          <a:noFill/>
+        </p:spPr>
+        <p:txBody>
+          <a:bodyPr wrap="square" rtlCol="0">
+            <a:spAutoFit/>
+          </a:bodyPr>
+          <a:lstStyle/>
+          <a:p>
+            <a:r>
+              <a:rPr lang="pt-BR" sz="2800" dirty="0" smtClean="0">
+                <a:solidFill>
+                  <a:srgbClr val="66FFFF"/>
+                </a:solidFill>
+                <a:latin typeface="Consolas" panose="020B0609020204030204" pitchFamily="49" charset="0"/>
+              </a:rPr>
+              <a:t>+</a:t>
+            </a:r>
+            <a:endParaRPr lang="pt-BR" sz="2800" dirty="0">
+              <a:solidFill>
+                <a:srgbClr val="66FFFF"/>
+              </a:solidFill>
+              <a:latin typeface="Consolas" panose="020B0609020204030204" pitchFamily="49" charset="0"/>
+            </a:endParaRPr>
+          </a:p>
+        </p:txBody>
+      </p:sp>
+      <p:sp>
+        <p:nvSpPr>
+          <p:cNvPr id="51" name="Retângulo 50"/>
+          <p:cNvSpPr/>
+          <p:nvPr/>
+        </p:nvSpPr>
+        <p:spPr>
+          <a:xfrm>
+            <a:off x="9464223" y="4527782"/>
+            <a:ext cx="177412" cy="200247"/>
+          </a:xfrm>
+          <a:prstGeom prst="rect">
+            <a:avLst/>
+          </a:prstGeom>
+          <a:noFill/>
+          <a:ln w="25400" cmpd="sng">
+            <a:solidFill>
+              <a:schemeClr val="tx1">
+                <a:lumMod val="95000"/>
+              </a:schemeClr>
+            </a:solidFill>
+          </a:ln>
+        </p:spPr>
+        <p:style>
+          <a:lnRef idx="2">
+            <a:schemeClr val="accent1">
+              <a:shade val="50000"/>
+            </a:schemeClr>
+          </a:lnRef>
+          <a:fillRef idx="1001">
+            <a:schemeClr val="lt2"/>
+          </a:fillRef>
+          <a:effectRef idx="0">
+            <a:schemeClr val="accent1"/>
+          </a:effectRef>
+          <a:fontRef idx="minor">
+            <a:schemeClr val="lt1"/>
+          </a:fontRef>
+        </p:style>
+        <p:txBody>
+          <a:bodyPr rtlCol="0" anchor="ctr"/>
+          <a:lstStyle/>
+          <a:p>
+            <a:pPr algn="ctr"/>
+            <a:r>
+              <a:rPr lang="pt-BR" b="1" dirty="0" smtClean="0">
+                <a:latin typeface="Consolas" panose="020B0609020204030204" pitchFamily="49" charset="0"/>
+              </a:rPr>
+              <a:t>d</a:t>
+            </a:r>
+            <a:endParaRPr lang="pt-BR" b="1" dirty="0">
+              <a:latin typeface="Consolas" panose="020B0609020204030204" pitchFamily="49" charset="0"/>
+            </a:endParaRPr>
+          </a:p>
+        </p:txBody>
+      </p:sp>
+      <p:sp>
+        <p:nvSpPr>
+          <p:cNvPr id="52" name="Retângulo 51"/>
+          <p:cNvSpPr/>
+          <p:nvPr/>
+        </p:nvSpPr>
+        <p:spPr>
+          <a:xfrm>
+            <a:off x="10461770" y="4529307"/>
+            <a:ext cx="177412" cy="200247"/>
+          </a:xfrm>
+          <a:prstGeom prst="rect">
+            <a:avLst/>
+          </a:prstGeom>
+          <a:noFill/>
+          <a:ln w="25400" cmpd="sng">
+            <a:solidFill>
+              <a:schemeClr val="tx1">
+                <a:lumMod val="95000"/>
+              </a:schemeClr>
+            </a:solidFill>
+          </a:ln>
+        </p:spPr>
+        <p:style>
+          <a:lnRef idx="2">
+            <a:schemeClr val="accent1">
+              <a:shade val="50000"/>
+            </a:schemeClr>
+          </a:lnRef>
+          <a:fillRef idx="1001">
+            <a:schemeClr val="lt2"/>
+          </a:fillRef>
+          <a:effectRef idx="0">
+            <a:schemeClr val="accent1"/>
+          </a:effectRef>
+          <a:fontRef idx="minor">
+            <a:schemeClr val="lt1"/>
+          </a:fontRef>
+        </p:style>
+        <p:txBody>
+          <a:bodyPr rtlCol="0" anchor="ctr"/>
+          <a:lstStyle/>
+          <a:p>
+            <a:pPr algn="ctr"/>
+            <a:r>
+              <a:rPr lang="pt-BR" b="1" dirty="0" smtClean="0">
+                <a:latin typeface="Consolas" panose="020B0609020204030204" pitchFamily="49" charset="0"/>
+              </a:rPr>
+              <a:t>c</a:t>
+            </a:r>
+            <a:endParaRPr lang="pt-BR" b="1" dirty="0">
+              <a:latin typeface="Consolas" panose="020B0609020204030204" pitchFamily="49" charset="0"/>
+            </a:endParaRPr>
+          </a:p>
+        </p:txBody>
+      </p:sp>
+    </p:spTree>
+    <p:extLst>
+      <p:ext uri="{BB962C8B-B14F-4D97-AF65-F5344CB8AC3E}">
+        <p14:creationId xmlns:p14="http://schemas.microsoft.com/office/powerpoint/2010/main" val="1535145366"/>
+      </p:ext>
+    </p:extLst>
+  </p:cSld>
+  <p:clrMapOvr>
+    <a:masterClrMapping/>
+  </p:clrMapOvr>
+  <p:timing>
+    <p:tnLst>
+      <p:par>
+        <p:cTn id="1" dur="indefinite" restart="never" nodeType="tmRoot">
+          <p:childTnLst>
+            <p:seq concurrent="1" nextAc="seek">
+              <p:cTn id="2" dur="indefinite" nodeType="mainSeq">
+                <p:childTnLst>
+                  <p:par>
+                    <p:cTn id="3" fill="hold">
+                      <p:stCondLst>
+                        <p:cond delay="indefinite"/>
+                      </p:stCondLst>
+                      <p:childTnLst>
+                        <p:par>
+                          <p:cTn id="4" fill="hold">
+                            <p:stCondLst>
+                              <p:cond delay="0"/>
+                            </p:stCondLst>
+                            <p:childTnLst>
+                              <p:par>
+                                <p:cTn id="5" presetID="10" presetClass="entr" presetSubtype="0" fill="hold" grpId="0" nodeType="clickEffect">
+                                  <p:stCondLst>
+                                    <p:cond delay="0"/>
+                                  </p:stCondLst>
+                                  <p:childTnLst>
+                                    <p:set>
+                                      <p:cBhvr>
+                                        <p:cTn id="6" dur="1" fill="hold">
+                                          <p:stCondLst>
+                                            <p:cond delay="0"/>
+                                          </p:stCondLst>
+                                        </p:cTn>
+                                        <p:tgtEl>
+                                          <p:spTgt spid="10"/>
+                                        </p:tgtEl>
+                                        <p:attrNameLst>
+                                          <p:attrName>style.visibility</p:attrName>
+                                        </p:attrNameLst>
+                                      </p:cBhvr>
+                                      <p:to>
+                                        <p:strVal val="visible"/>
+                                      </p:to>
+                                    </p:set>
+                                    <p:animEffect transition="in" filter="fade">
+                                      <p:cBhvr>
+                                        <p:cTn id="7" dur="500"/>
+                                        <p:tgtEl>
+                                          <p:spTgt spid="10"/>
+                                        </p:tgtEl>
+                                      </p:cBhvr>
+                                    </p:animEffect>
+                                  </p:childTnLst>
+                                </p:cTn>
+                              </p:par>
+                            </p:childTnLst>
+                          </p:cTn>
+                        </p:par>
+                      </p:childTnLst>
+                    </p:cTn>
+                  </p:par>
+                  <p:par>
+                    <p:cTn id="8" fill="hold">
+                      <p:stCondLst>
+                        <p:cond delay="indefinite"/>
+                      </p:stCondLst>
+                      <p:childTnLst>
+                        <p:par>
+                          <p:cTn id="9" fill="hold">
+                            <p:stCondLst>
+                              <p:cond delay="0"/>
+                            </p:stCondLst>
+                            <p:childTnLst>
+                              <p:par>
+                                <p:cTn id="10" presetID="10" presetClass="entr" presetSubtype="0" fill="hold" grpId="0" nodeType="clickEffect">
+                                  <p:stCondLst>
+                                    <p:cond delay="0"/>
+                                  </p:stCondLst>
+                                  <p:childTnLst>
+                                    <p:set>
+                                      <p:cBhvr>
+                                        <p:cTn id="11" dur="1" fill="hold">
+                                          <p:stCondLst>
+                                            <p:cond delay="0"/>
+                                          </p:stCondLst>
+                                        </p:cTn>
+                                        <p:tgtEl>
+                                          <p:spTgt spid="11"/>
+                                        </p:tgtEl>
+                                        <p:attrNameLst>
+                                          <p:attrName>style.visibility</p:attrName>
+                                        </p:attrNameLst>
+                                      </p:cBhvr>
+                                      <p:to>
+                                        <p:strVal val="visible"/>
+                                      </p:to>
+                                    </p:set>
+                                    <p:animEffect transition="in" filter="fade">
+                                      <p:cBhvr>
+                                        <p:cTn id="12" dur="500"/>
+                                        <p:tgtEl>
+                                          <p:spTgt spid="11"/>
+                                        </p:tgtEl>
+                                      </p:cBhvr>
+                                    </p:animEffect>
+                                  </p:childTnLst>
+                                </p:cTn>
+                              </p:par>
+                            </p:childTnLst>
+                          </p:cTn>
+                        </p:par>
+                      </p:childTnLst>
+                    </p:cTn>
+                  </p:par>
+                  <p:par>
+                    <p:cTn id="13" fill="hold">
+                      <p:stCondLst>
+                        <p:cond delay="indefinite"/>
+                      </p:stCondLst>
+                      <p:childTnLst>
+                        <p:par>
+                          <p:cTn id="14" fill="hold">
+                            <p:stCondLst>
+                              <p:cond delay="0"/>
+                            </p:stCondLst>
+                            <p:childTnLst>
+                              <p:par>
+                                <p:cTn id="15" presetID="10" presetClass="entr" presetSubtype="0" fill="hold" grpId="0" nodeType="clickEffect">
+                                  <p:stCondLst>
+                                    <p:cond delay="0"/>
+                                  </p:stCondLst>
+                                  <p:childTnLst>
+                                    <p:set>
+                                      <p:cBhvr>
+                                        <p:cTn id="16" dur="1" fill="hold">
+                                          <p:stCondLst>
+                                            <p:cond delay="0"/>
+                                          </p:stCondLst>
+                                        </p:cTn>
+                                        <p:tgtEl>
+                                          <p:spTgt spid="12"/>
+                                        </p:tgtEl>
+                                        <p:attrNameLst>
+                                          <p:attrName>style.visibility</p:attrName>
+                                        </p:attrNameLst>
+                                      </p:cBhvr>
+                                      <p:to>
+                                        <p:strVal val="visible"/>
+                                      </p:to>
+                                    </p:set>
+                                    <p:animEffect transition="in" filter="fade">
+                                      <p:cBhvr>
+                                        <p:cTn id="17" dur="500"/>
+                                        <p:tgtEl>
+                                          <p:spTgt spid="12"/>
+                                        </p:tgtEl>
+                                      </p:cBhvr>
+                                    </p:animEffect>
+                                  </p:childTnLst>
+                                </p:cTn>
+                              </p:par>
+                            </p:childTnLst>
+                          </p:cTn>
+                        </p:par>
+                      </p:childTnLst>
+                    </p:cTn>
+                  </p:par>
+                  <p:par>
+                    <p:cTn id="18" fill="hold">
+                      <p:stCondLst>
+                        <p:cond delay="indefinite"/>
+                      </p:stCondLst>
+                      <p:childTnLst>
+                        <p:par>
+                          <p:cTn id="19" fill="hold">
+                            <p:stCondLst>
+                              <p:cond delay="0"/>
+                            </p:stCondLst>
+                            <p:childTnLst>
+                              <p:par>
+                                <p:cTn id="20" presetID="10" presetClass="entr" presetSubtype="0" fill="hold" grpId="0" nodeType="clickEffect">
+                                  <p:stCondLst>
+                                    <p:cond delay="0"/>
+                                  </p:stCondLst>
+                                  <p:childTnLst>
+                                    <p:set>
+                                      <p:cBhvr>
+                                        <p:cTn id="21" dur="1" fill="hold">
+                                          <p:stCondLst>
+                                            <p:cond delay="0"/>
+                                          </p:stCondLst>
+                                        </p:cTn>
+                                        <p:tgtEl>
+                                          <p:spTgt spid="13"/>
+                                        </p:tgtEl>
+                                        <p:attrNameLst>
+                                          <p:attrName>style.visibility</p:attrName>
+                                        </p:attrNameLst>
+                                      </p:cBhvr>
+                                      <p:to>
+                                        <p:strVal val="visible"/>
+                                      </p:to>
+                                    </p:set>
+                                    <p:animEffect transition="in" filter="fade">
+                                      <p:cBhvr>
+                                        <p:cTn id="22" dur="500"/>
+                                        <p:tgtEl>
+                                          <p:spTgt spid="13"/>
+                                        </p:tgtEl>
+                                      </p:cBhvr>
+                                    </p:animEffect>
+                                  </p:childTnLst>
+                                </p:cTn>
+                              </p:par>
+                            </p:childTnLst>
+                          </p:cTn>
+                        </p:par>
+                      </p:childTnLst>
+                    </p:cTn>
+                  </p:par>
+                  <p:par>
+                    <p:cTn id="23" fill="hold">
+                      <p:stCondLst>
+                        <p:cond delay="indefinite"/>
+                      </p:stCondLst>
+                      <p:childTnLst>
+                        <p:par>
+                          <p:cTn id="24" fill="hold">
+                            <p:stCondLst>
+                              <p:cond delay="0"/>
+                            </p:stCondLst>
+                            <p:childTnLst>
+                              <p:par>
+                                <p:cTn id="25" presetID="10" presetClass="entr" presetSubtype="0" fill="hold" grpId="0" nodeType="clickEffect">
+                                  <p:stCondLst>
+                                    <p:cond delay="0"/>
+                                  </p:stCondLst>
+                                  <p:childTnLst>
+                                    <p:set>
+                                      <p:cBhvr>
+                                        <p:cTn id="26" dur="1" fill="hold">
+                                          <p:stCondLst>
+                                            <p:cond delay="0"/>
+                                          </p:stCondLst>
+                                        </p:cTn>
+                                        <p:tgtEl>
+                                          <p:spTgt spid="14"/>
+                                        </p:tgtEl>
+                                        <p:attrNameLst>
+                                          <p:attrName>style.visibility</p:attrName>
+                                        </p:attrNameLst>
+                                      </p:cBhvr>
+                                      <p:to>
+                                        <p:strVal val="visible"/>
+                                      </p:to>
+                                    </p:set>
+                                    <p:animEffect transition="in" filter="fade">
+                                      <p:cBhvr>
+                                        <p:cTn id="27" dur="500"/>
+                                        <p:tgtEl>
+                                          <p:spTgt spid="14"/>
+                                        </p:tgtEl>
+                                      </p:cBhvr>
+                                    </p:animEffect>
+                                  </p:childTnLst>
+                                </p:cTn>
+                              </p:par>
+                            </p:childTnLst>
+                          </p:cTn>
+                        </p:par>
+                      </p:childTnLst>
+                    </p:cTn>
+                  </p:par>
+                  <p:par>
+                    <p:cTn id="28" fill="hold">
+                      <p:stCondLst>
+                        <p:cond delay="indefinite"/>
+                      </p:stCondLst>
+                      <p:childTnLst>
+                        <p:par>
+                          <p:cTn id="29" fill="hold">
+                            <p:stCondLst>
+                              <p:cond delay="0"/>
+                            </p:stCondLst>
+                            <p:childTnLst>
+                              <p:par>
+                                <p:cTn id="30" presetID="10" presetClass="entr" presetSubtype="0" fill="hold" nodeType="clickEffect">
+                                  <p:stCondLst>
+                                    <p:cond delay="0"/>
+                                  </p:stCondLst>
+                                  <p:childTnLst>
+                                    <p:set>
+                                      <p:cBhvr>
+                                        <p:cTn id="31" dur="1" fill="hold">
+                                          <p:stCondLst>
+                                            <p:cond delay="0"/>
+                                          </p:stCondLst>
+                                        </p:cTn>
+                                        <p:tgtEl>
+                                          <p:spTgt spid="15"/>
+                                        </p:tgtEl>
+                                        <p:attrNameLst>
+                                          <p:attrName>style.visibility</p:attrName>
+                                        </p:attrNameLst>
+                                      </p:cBhvr>
+                                      <p:to>
+                                        <p:strVal val="visible"/>
+                                      </p:to>
+                                    </p:set>
+                                    <p:animEffect transition="in" filter="fade">
+                                      <p:cBhvr>
+                                        <p:cTn id="32" dur="500"/>
+                                        <p:tgtEl>
+                                          <p:spTgt spid="15"/>
+                                        </p:tgtEl>
+                                      </p:cBhvr>
+                                    </p:animEffect>
+                                  </p:childTnLst>
+                                </p:cTn>
+                              </p:par>
+                              <p:par>
+                                <p:cTn id="33" presetID="10" presetClass="entr" presetSubtype="0" fill="hold" grpId="0" nodeType="withEffect">
+                                  <p:stCondLst>
+                                    <p:cond delay="0"/>
+                                  </p:stCondLst>
+                                  <p:childTnLst>
+                                    <p:set>
+                                      <p:cBhvr>
+                                        <p:cTn id="34" dur="1" fill="hold">
+                                          <p:stCondLst>
+                                            <p:cond delay="0"/>
+                                          </p:stCondLst>
+                                        </p:cTn>
+                                        <p:tgtEl>
+                                          <p:spTgt spid="20"/>
+                                        </p:tgtEl>
+                                        <p:attrNameLst>
+                                          <p:attrName>style.visibility</p:attrName>
+                                        </p:attrNameLst>
+                                      </p:cBhvr>
+                                      <p:to>
+                                        <p:strVal val="visible"/>
+                                      </p:to>
+                                    </p:set>
+                                    <p:animEffect transition="in" filter="fade">
+                                      <p:cBhvr>
+                                        <p:cTn id="35" dur="500"/>
+                                        <p:tgtEl>
+                                          <p:spTgt spid="20"/>
+                                        </p:tgtEl>
+                                      </p:cBhvr>
+                                    </p:animEffect>
+                                  </p:childTnLst>
+                                </p:cTn>
+                              </p:par>
+                            </p:childTnLst>
+                          </p:cTn>
+                        </p:par>
+                      </p:childTnLst>
+                    </p:cTn>
+                  </p:par>
+                  <p:par>
+                    <p:cTn id="36" fill="hold">
+                      <p:stCondLst>
+                        <p:cond delay="indefinite"/>
+                      </p:stCondLst>
+                      <p:childTnLst>
+                        <p:par>
+                          <p:cTn id="37" fill="hold">
+                            <p:stCondLst>
+                              <p:cond delay="0"/>
+                            </p:stCondLst>
+                            <p:childTnLst>
+                              <p:par>
+                                <p:cTn id="38" presetID="10" presetClass="entr" presetSubtype="0" fill="hold" nodeType="clickEffect">
+                                  <p:stCondLst>
+                                    <p:cond delay="0"/>
+                                  </p:stCondLst>
+                                  <p:childTnLst>
+                                    <p:set>
+                                      <p:cBhvr>
+                                        <p:cTn id="39" dur="1" fill="hold">
+                                          <p:stCondLst>
+                                            <p:cond delay="0"/>
+                                          </p:stCondLst>
+                                        </p:cTn>
+                                        <p:tgtEl>
+                                          <p:spTgt spid="21"/>
+                                        </p:tgtEl>
+                                        <p:attrNameLst>
+                                          <p:attrName>style.visibility</p:attrName>
+                                        </p:attrNameLst>
+                                      </p:cBhvr>
+                                      <p:to>
+                                        <p:strVal val="visible"/>
+                                      </p:to>
+                                    </p:set>
+                                    <p:animEffect transition="in" filter="fade">
+                                      <p:cBhvr>
+                                        <p:cTn id="40" dur="500"/>
+                                        <p:tgtEl>
+                                          <p:spTgt spid="21"/>
+                                        </p:tgtEl>
+                                      </p:cBhvr>
+                                    </p:animEffect>
+                                  </p:childTnLst>
+                                </p:cTn>
+                              </p:par>
+                              <p:par>
+                                <p:cTn id="41" presetID="10" presetClass="entr" presetSubtype="0" fill="hold" grpId="0" nodeType="withEffect">
+                                  <p:stCondLst>
+                                    <p:cond delay="0"/>
+                                  </p:stCondLst>
+                                  <p:childTnLst>
+                                    <p:set>
+                                      <p:cBhvr>
+                                        <p:cTn id="42" dur="1" fill="hold">
+                                          <p:stCondLst>
+                                            <p:cond delay="0"/>
+                                          </p:stCondLst>
+                                        </p:cTn>
+                                        <p:tgtEl>
+                                          <p:spTgt spid="37"/>
+                                        </p:tgtEl>
+                                        <p:attrNameLst>
+                                          <p:attrName>style.visibility</p:attrName>
+                                        </p:attrNameLst>
+                                      </p:cBhvr>
+                                      <p:to>
+                                        <p:strVal val="visible"/>
+                                      </p:to>
+                                    </p:set>
+                                    <p:animEffect transition="in" filter="fade">
+                                      <p:cBhvr>
+                                        <p:cTn id="43" dur="500"/>
+                                        <p:tgtEl>
+                                          <p:spTgt spid="37"/>
+                                        </p:tgtEl>
+                                      </p:cBhvr>
+                                    </p:animEffect>
+                                  </p:childTnLst>
+                                </p:cTn>
+                              </p:par>
+                              <p:par>
+                                <p:cTn id="44" presetID="10" presetClass="entr" presetSubtype="0" fill="hold" grpId="0" nodeType="withEffect">
+                                  <p:stCondLst>
+                                    <p:cond delay="0"/>
+                                  </p:stCondLst>
+                                  <p:childTnLst>
+                                    <p:set>
+                                      <p:cBhvr>
+                                        <p:cTn id="45" dur="1" fill="hold">
+                                          <p:stCondLst>
+                                            <p:cond delay="0"/>
+                                          </p:stCondLst>
+                                        </p:cTn>
+                                        <p:tgtEl>
+                                          <p:spTgt spid="18"/>
+                                        </p:tgtEl>
+                                        <p:attrNameLst>
+                                          <p:attrName>style.visibility</p:attrName>
+                                        </p:attrNameLst>
+                                      </p:cBhvr>
+                                      <p:to>
+                                        <p:strVal val="visible"/>
+                                      </p:to>
+                                    </p:set>
+                                    <p:animEffect transition="in" filter="fade">
+                                      <p:cBhvr>
+                                        <p:cTn id="46" dur="500"/>
+                                        <p:tgtEl>
+                                          <p:spTgt spid="18"/>
+                                        </p:tgtEl>
+                                      </p:cBhvr>
+                                    </p:animEffect>
+                                  </p:childTnLst>
+                                </p:cTn>
+                              </p:par>
+                              <p:par>
+                                <p:cTn id="47" presetID="10" presetClass="entr" presetSubtype="0" fill="hold" grpId="0" nodeType="withEffect">
+                                  <p:stCondLst>
+                                    <p:cond delay="0"/>
+                                  </p:stCondLst>
+                                  <p:childTnLst>
+                                    <p:set>
+                                      <p:cBhvr>
+                                        <p:cTn id="48" dur="1" fill="hold">
+                                          <p:stCondLst>
+                                            <p:cond delay="0"/>
+                                          </p:stCondLst>
+                                        </p:cTn>
+                                        <p:tgtEl>
+                                          <p:spTgt spid="19"/>
+                                        </p:tgtEl>
+                                        <p:attrNameLst>
+                                          <p:attrName>style.visibility</p:attrName>
+                                        </p:attrNameLst>
+                                      </p:cBhvr>
+                                      <p:to>
+                                        <p:strVal val="visible"/>
+                                      </p:to>
+                                    </p:set>
+                                    <p:animEffect transition="in" filter="fade">
+                                      <p:cBhvr>
+                                        <p:cTn id="49" dur="500"/>
+                                        <p:tgtEl>
+                                          <p:spTgt spid="19"/>
+                                        </p:tgtEl>
+                                      </p:cBhvr>
+                                    </p:animEffect>
+                                  </p:childTnLst>
+                                </p:cTn>
+                              </p:par>
+                            </p:childTnLst>
+                          </p:cTn>
+                        </p:par>
+                      </p:childTnLst>
+                    </p:cTn>
+                  </p:par>
+                  <p:par>
+                    <p:cTn id="50" fill="hold">
+                      <p:stCondLst>
+                        <p:cond delay="indefinite"/>
+                      </p:stCondLst>
+                      <p:childTnLst>
+                        <p:par>
+                          <p:cTn id="51" fill="hold">
+                            <p:stCondLst>
+                              <p:cond delay="0"/>
+                            </p:stCondLst>
+                            <p:childTnLst>
+                              <p:par>
+                                <p:cTn id="52" presetID="10" presetClass="entr" presetSubtype="0" fill="hold" grpId="0" nodeType="clickEffect">
+                                  <p:stCondLst>
+                                    <p:cond delay="0"/>
+                                  </p:stCondLst>
+                                  <p:childTnLst>
+                                    <p:set>
+                                      <p:cBhvr>
+                                        <p:cTn id="53" dur="1" fill="hold">
+                                          <p:stCondLst>
+                                            <p:cond delay="0"/>
+                                          </p:stCondLst>
+                                        </p:cTn>
+                                        <p:tgtEl>
+                                          <p:spTgt spid="22"/>
+                                        </p:tgtEl>
+                                        <p:attrNameLst>
+                                          <p:attrName>style.visibility</p:attrName>
+                                        </p:attrNameLst>
+                                      </p:cBhvr>
+                                      <p:to>
+                                        <p:strVal val="visible"/>
+                                      </p:to>
+                                    </p:set>
+                                    <p:animEffect transition="in" filter="fade">
+                                      <p:cBhvr>
+                                        <p:cTn id="54" dur="500"/>
+                                        <p:tgtEl>
+                                          <p:spTgt spid="22"/>
+                                        </p:tgtEl>
+                                      </p:cBhvr>
+                                    </p:animEffect>
+                                  </p:childTnLst>
+                                </p:cTn>
+                              </p:par>
+                            </p:childTnLst>
+                          </p:cTn>
+                        </p:par>
+                      </p:childTnLst>
+                    </p:cTn>
+                  </p:par>
+                  <p:par>
+                    <p:cTn id="55" fill="hold">
+                      <p:stCondLst>
+                        <p:cond delay="indefinite"/>
+                      </p:stCondLst>
+                      <p:childTnLst>
+                        <p:par>
+                          <p:cTn id="56" fill="hold">
+                            <p:stCondLst>
+                              <p:cond delay="0"/>
+                            </p:stCondLst>
+                            <p:childTnLst>
+                              <p:par>
+                                <p:cTn id="57" presetID="10" presetClass="entr" presetSubtype="0" fill="hold" nodeType="clickEffect">
+                                  <p:stCondLst>
+                                    <p:cond delay="0"/>
+                                  </p:stCondLst>
+                                  <p:childTnLst>
+                                    <p:set>
+                                      <p:cBhvr>
+                                        <p:cTn id="58" dur="1" fill="hold">
+                                          <p:stCondLst>
+                                            <p:cond delay="0"/>
+                                          </p:stCondLst>
+                                        </p:cTn>
+                                        <p:tgtEl>
+                                          <p:spTgt spid="25"/>
+                                        </p:tgtEl>
+                                        <p:attrNameLst>
+                                          <p:attrName>style.visibility</p:attrName>
+                                        </p:attrNameLst>
+                                      </p:cBhvr>
+                                      <p:to>
+                                        <p:strVal val="visible"/>
+                                      </p:to>
+                                    </p:set>
+                                    <p:animEffect transition="in" filter="fade">
+                                      <p:cBhvr>
+                                        <p:cTn id="59" dur="500"/>
+                                        <p:tgtEl>
+                                          <p:spTgt spid="25"/>
+                                        </p:tgtEl>
+                                      </p:cBhvr>
+                                    </p:animEffect>
+                                  </p:childTnLst>
+                                </p:cTn>
+                              </p:par>
+                              <p:par>
+                                <p:cTn id="60" presetID="10" presetClass="entr" presetSubtype="0" fill="hold" grpId="0" nodeType="withEffect">
+                                  <p:stCondLst>
+                                    <p:cond delay="0"/>
+                                  </p:stCondLst>
+                                  <p:childTnLst>
+                                    <p:set>
+                                      <p:cBhvr>
+                                        <p:cTn id="61" dur="1" fill="hold">
+                                          <p:stCondLst>
+                                            <p:cond delay="0"/>
+                                          </p:stCondLst>
+                                        </p:cTn>
+                                        <p:tgtEl>
+                                          <p:spTgt spid="38"/>
+                                        </p:tgtEl>
+                                        <p:attrNameLst>
+                                          <p:attrName>style.visibility</p:attrName>
+                                        </p:attrNameLst>
+                                      </p:cBhvr>
+                                      <p:to>
+                                        <p:strVal val="visible"/>
+                                      </p:to>
+                                    </p:set>
+                                    <p:animEffect transition="in" filter="fade">
+                                      <p:cBhvr>
+                                        <p:cTn id="62" dur="500"/>
+                                        <p:tgtEl>
+                                          <p:spTgt spid="38"/>
+                                        </p:tgtEl>
+                                      </p:cBhvr>
+                                    </p:animEffect>
+                                  </p:childTnLst>
+                                </p:cTn>
+                              </p:par>
+                              <p:par>
+                                <p:cTn id="63" presetID="10" presetClass="entr" presetSubtype="0" fill="hold" grpId="0" nodeType="withEffect">
+                                  <p:stCondLst>
+                                    <p:cond delay="0"/>
+                                  </p:stCondLst>
+                                  <p:childTnLst>
+                                    <p:set>
+                                      <p:cBhvr>
+                                        <p:cTn id="64" dur="1" fill="hold">
+                                          <p:stCondLst>
+                                            <p:cond delay="0"/>
+                                          </p:stCondLst>
+                                        </p:cTn>
+                                        <p:tgtEl>
+                                          <p:spTgt spid="23"/>
+                                        </p:tgtEl>
+                                        <p:attrNameLst>
+                                          <p:attrName>style.visibility</p:attrName>
+                                        </p:attrNameLst>
+                                      </p:cBhvr>
+                                      <p:to>
+                                        <p:strVal val="visible"/>
+                                      </p:to>
+                                    </p:set>
+                                    <p:animEffect transition="in" filter="fade">
+                                      <p:cBhvr>
+                                        <p:cTn id="65" dur="500"/>
+                                        <p:tgtEl>
+                                          <p:spTgt spid="23"/>
+                                        </p:tgtEl>
+                                      </p:cBhvr>
+                                    </p:animEffect>
+                                  </p:childTnLst>
+                                </p:cTn>
+                              </p:par>
+                              <p:par>
+                                <p:cTn id="66" presetID="10" presetClass="entr" presetSubtype="0" fill="hold" grpId="0" nodeType="withEffect">
+                                  <p:stCondLst>
+                                    <p:cond delay="0"/>
+                                  </p:stCondLst>
+                                  <p:childTnLst>
+                                    <p:set>
+                                      <p:cBhvr>
+                                        <p:cTn id="67" dur="1" fill="hold">
+                                          <p:stCondLst>
+                                            <p:cond delay="0"/>
+                                          </p:stCondLst>
+                                        </p:cTn>
+                                        <p:tgtEl>
+                                          <p:spTgt spid="24"/>
+                                        </p:tgtEl>
+                                        <p:attrNameLst>
+                                          <p:attrName>style.visibility</p:attrName>
+                                        </p:attrNameLst>
+                                      </p:cBhvr>
+                                      <p:to>
+                                        <p:strVal val="visible"/>
+                                      </p:to>
+                                    </p:set>
+                                    <p:animEffect transition="in" filter="fade">
+                                      <p:cBhvr>
+                                        <p:cTn id="68" dur="500"/>
+                                        <p:tgtEl>
+                                          <p:spTgt spid="24"/>
+                                        </p:tgtEl>
+                                      </p:cBhvr>
+                                    </p:animEffect>
+                                  </p:childTnLst>
+                                </p:cTn>
+                              </p:par>
+                            </p:childTnLst>
+                          </p:cTn>
+                        </p:par>
+                      </p:childTnLst>
+                    </p:cTn>
+                  </p:par>
+                  <p:par>
+                    <p:cTn id="69" fill="hold">
+                      <p:stCondLst>
+                        <p:cond delay="indefinite"/>
+                      </p:stCondLst>
+                      <p:childTnLst>
+                        <p:par>
+                          <p:cTn id="70" fill="hold">
+                            <p:stCondLst>
+                              <p:cond delay="0"/>
+                            </p:stCondLst>
+                            <p:childTnLst>
+                              <p:par>
+                                <p:cTn id="71" presetID="10" presetClass="entr" presetSubtype="0" fill="hold" grpId="0" nodeType="clickEffect">
+                                  <p:stCondLst>
+                                    <p:cond delay="0"/>
+                                  </p:stCondLst>
+                                  <p:childTnLst>
+                                    <p:set>
+                                      <p:cBhvr>
+                                        <p:cTn id="72" dur="1" fill="hold">
+                                          <p:stCondLst>
+                                            <p:cond delay="0"/>
+                                          </p:stCondLst>
+                                        </p:cTn>
+                                        <p:tgtEl>
+                                          <p:spTgt spid="27"/>
+                                        </p:tgtEl>
+                                        <p:attrNameLst>
+                                          <p:attrName>style.visibility</p:attrName>
+                                        </p:attrNameLst>
+                                      </p:cBhvr>
+                                      <p:to>
+                                        <p:strVal val="visible"/>
+                                      </p:to>
+                                    </p:set>
+                                    <p:animEffect transition="in" filter="fade">
+                                      <p:cBhvr>
+                                        <p:cTn id="73" dur="500"/>
+                                        <p:tgtEl>
+                                          <p:spTgt spid="27"/>
+                                        </p:tgtEl>
+                                      </p:cBhvr>
+                                    </p:animEffect>
+                                  </p:childTnLst>
+                                </p:cTn>
+                              </p:par>
+                            </p:childTnLst>
+                          </p:cTn>
+                        </p:par>
+                      </p:childTnLst>
+                    </p:cTn>
+                  </p:par>
+                  <p:par>
+                    <p:cTn id="74" fill="hold">
+                      <p:stCondLst>
+                        <p:cond delay="indefinite"/>
+                      </p:stCondLst>
+                      <p:childTnLst>
+                        <p:par>
+                          <p:cTn id="75" fill="hold">
+                            <p:stCondLst>
+                              <p:cond delay="0"/>
+                            </p:stCondLst>
+                            <p:childTnLst>
+                              <p:par>
+                                <p:cTn id="76" presetID="10" presetClass="entr" presetSubtype="0" fill="hold" grpId="0" nodeType="clickEffect">
+                                  <p:stCondLst>
+                                    <p:cond delay="0"/>
+                                  </p:stCondLst>
+                                  <p:childTnLst>
+                                    <p:set>
+                                      <p:cBhvr>
+                                        <p:cTn id="77" dur="1" fill="hold">
+                                          <p:stCondLst>
+                                            <p:cond delay="0"/>
+                                          </p:stCondLst>
+                                        </p:cTn>
+                                        <p:tgtEl>
+                                          <p:spTgt spid="29"/>
+                                        </p:tgtEl>
+                                        <p:attrNameLst>
+                                          <p:attrName>style.visibility</p:attrName>
+                                        </p:attrNameLst>
+                                      </p:cBhvr>
+                                      <p:to>
+                                        <p:strVal val="visible"/>
+                                      </p:to>
+                                    </p:set>
+                                    <p:animEffect transition="in" filter="fade">
+                                      <p:cBhvr>
+                                        <p:cTn id="78" dur="500"/>
+                                        <p:tgtEl>
+                                          <p:spTgt spid="29"/>
+                                        </p:tgtEl>
+                                      </p:cBhvr>
+                                    </p:animEffect>
+                                  </p:childTnLst>
+                                </p:cTn>
+                              </p:par>
+                              <p:par>
+                                <p:cTn id="79" presetID="10" presetClass="entr" presetSubtype="0" fill="hold" grpId="0" nodeType="withEffect">
+                                  <p:stCondLst>
+                                    <p:cond delay="0"/>
+                                  </p:stCondLst>
+                                  <p:childTnLst>
+                                    <p:set>
+                                      <p:cBhvr>
+                                        <p:cTn id="80" dur="1" fill="hold">
+                                          <p:stCondLst>
+                                            <p:cond delay="0"/>
+                                          </p:stCondLst>
+                                        </p:cTn>
+                                        <p:tgtEl>
+                                          <p:spTgt spid="39"/>
+                                        </p:tgtEl>
+                                        <p:attrNameLst>
+                                          <p:attrName>style.visibility</p:attrName>
+                                        </p:attrNameLst>
+                                      </p:cBhvr>
+                                      <p:to>
+                                        <p:strVal val="visible"/>
+                                      </p:to>
+                                    </p:set>
+                                    <p:animEffect transition="in" filter="fade">
+                                      <p:cBhvr>
+                                        <p:cTn id="81" dur="500"/>
+                                        <p:tgtEl>
+                                          <p:spTgt spid="39"/>
+                                        </p:tgtEl>
+                                      </p:cBhvr>
+                                    </p:animEffect>
+                                  </p:childTnLst>
+                                </p:cTn>
+                              </p:par>
+                              <p:par>
+                                <p:cTn id="82" presetID="10" presetClass="entr" presetSubtype="0" fill="hold" grpId="0" nodeType="withEffect">
+                                  <p:stCondLst>
+                                    <p:cond delay="0"/>
+                                  </p:stCondLst>
+                                  <p:childTnLst>
+                                    <p:set>
+                                      <p:cBhvr>
+                                        <p:cTn id="83" dur="1" fill="hold">
+                                          <p:stCondLst>
+                                            <p:cond delay="0"/>
+                                          </p:stCondLst>
+                                        </p:cTn>
+                                        <p:tgtEl>
+                                          <p:spTgt spid="41"/>
+                                        </p:tgtEl>
+                                        <p:attrNameLst>
+                                          <p:attrName>style.visibility</p:attrName>
+                                        </p:attrNameLst>
+                                      </p:cBhvr>
+                                      <p:to>
+                                        <p:strVal val="visible"/>
+                                      </p:to>
+                                    </p:set>
+                                    <p:animEffect transition="in" filter="fade">
+                                      <p:cBhvr>
+                                        <p:cTn id="84" dur="500"/>
+                                        <p:tgtEl>
+                                          <p:spTgt spid="41"/>
+                                        </p:tgtEl>
+                                      </p:cBhvr>
+                                    </p:animEffect>
+                                  </p:childTnLst>
+                                </p:cTn>
+                              </p:par>
+                              <p:par>
+                                <p:cTn id="85" presetID="10" presetClass="entr" presetSubtype="0" fill="hold" grpId="0" nodeType="withEffect">
+                                  <p:stCondLst>
+                                    <p:cond delay="0"/>
+                                  </p:stCondLst>
+                                  <p:childTnLst>
+                                    <p:set>
+                                      <p:cBhvr>
+                                        <p:cTn id="86" dur="1" fill="hold">
+                                          <p:stCondLst>
+                                            <p:cond delay="0"/>
+                                          </p:stCondLst>
+                                        </p:cTn>
+                                        <p:tgtEl>
+                                          <p:spTgt spid="40"/>
+                                        </p:tgtEl>
+                                        <p:attrNameLst>
+                                          <p:attrName>style.visibility</p:attrName>
+                                        </p:attrNameLst>
+                                      </p:cBhvr>
+                                      <p:to>
+                                        <p:strVal val="visible"/>
+                                      </p:to>
+                                    </p:set>
+                                    <p:animEffect transition="in" filter="fade">
+                                      <p:cBhvr>
+                                        <p:cTn id="87" dur="500"/>
+                                        <p:tgtEl>
+                                          <p:spTgt spid="40"/>
+                                        </p:tgtEl>
+                                      </p:cBhvr>
+                                    </p:animEffect>
+                                  </p:childTnLst>
+                                </p:cTn>
+                              </p:par>
+                              <p:par>
+                                <p:cTn id="88" presetID="10" presetClass="entr" presetSubtype="0" fill="hold" grpId="0" nodeType="withEffect">
+                                  <p:stCondLst>
+                                    <p:cond delay="0"/>
+                                  </p:stCondLst>
+                                  <p:childTnLst>
+                                    <p:set>
+                                      <p:cBhvr>
+                                        <p:cTn id="89" dur="1" fill="hold">
+                                          <p:stCondLst>
+                                            <p:cond delay="0"/>
+                                          </p:stCondLst>
+                                        </p:cTn>
+                                        <p:tgtEl>
+                                          <p:spTgt spid="31"/>
+                                        </p:tgtEl>
+                                        <p:attrNameLst>
+                                          <p:attrName>style.visibility</p:attrName>
+                                        </p:attrNameLst>
+                                      </p:cBhvr>
+                                      <p:to>
+                                        <p:strVal val="visible"/>
+                                      </p:to>
+                                    </p:set>
+                                    <p:animEffect transition="in" filter="fade">
+                                      <p:cBhvr>
+                                        <p:cTn id="90" dur="500"/>
+                                        <p:tgtEl>
+                                          <p:spTgt spid="31"/>
+                                        </p:tgtEl>
+                                      </p:cBhvr>
+                                    </p:animEffect>
+                                  </p:childTnLst>
+                                </p:cTn>
+                              </p:par>
+                              <p:par>
+                                <p:cTn id="91" presetID="10" presetClass="entr" presetSubtype="0" fill="hold" grpId="0" nodeType="withEffect">
+                                  <p:stCondLst>
+                                    <p:cond delay="0"/>
+                                  </p:stCondLst>
+                                  <p:childTnLst>
+                                    <p:set>
+                                      <p:cBhvr>
+                                        <p:cTn id="92" dur="1" fill="hold">
+                                          <p:stCondLst>
+                                            <p:cond delay="0"/>
+                                          </p:stCondLst>
+                                        </p:cTn>
+                                        <p:tgtEl>
+                                          <p:spTgt spid="32"/>
+                                        </p:tgtEl>
+                                        <p:attrNameLst>
+                                          <p:attrName>style.visibility</p:attrName>
+                                        </p:attrNameLst>
+                                      </p:cBhvr>
+                                      <p:to>
+                                        <p:strVal val="visible"/>
+                                      </p:to>
+                                    </p:set>
+                                    <p:animEffect transition="in" filter="fade">
+                                      <p:cBhvr>
+                                        <p:cTn id="93" dur="500"/>
+                                        <p:tgtEl>
+                                          <p:spTgt spid="32"/>
+                                        </p:tgtEl>
+                                      </p:cBhvr>
+                                    </p:animEffect>
+                                  </p:childTnLst>
+                                </p:cTn>
+                              </p:par>
+                              <p:par>
+                                <p:cTn id="94" presetID="10" presetClass="entr" presetSubtype="0" fill="hold" grpId="0" nodeType="withEffect">
+                                  <p:stCondLst>
+                                    <p:cond delay="0"/>
+                                  </p:stCondLst>
+                                  <p:childTnLst>
+                                    <p:set>
+                                      <p:cBhvr>
+                                        <p:cTn id="95" dur="1" fill="hold">
+                                          <p:stCondLst>
+                                            <p:cond delay="0"/>
+                                          </p:stCondLst>
+                                        </p:cTn>
+                                        <p:tgtEl>
+                                          <p:spTgt spid="33"/>
+                                        </p:tgtEl>
+                                        <p:attrNameLst>
+                                          <p:attrName>style.visibility</p:attrName>
+                                        </p:attrNameLst>
+                                      </p:cBhvr>
+                                      <p:to>
+                                        <p:strVal val="visible"/>
+                                      </p:to>
+                                    </p:set>
+                                    <p:animEffect transition="in" filter="fade">
+                                      <p:cBhvr>
+                                        <p:cTn id="96" dur="500"/>
+                                        <p:tgtEl>
+                                          <p:spTgt spid="33"/>
+                                        </p:tgtEl>
+                                      </p:cBhvr>
+                                    </p:animEffect>
+                                  </p:childTnLst>
+                                </p:cTn>
+                              </p:par>
+                              <p:par>
+                                <p:cTn id="97" presetID="10" presetClass="entr" presetSubtype="0" fill="hold" grpId="0" nodeType="withEffect">
+                                  <p:stCondLst>
+                                    <p:cond delay="0"/>
+                                  </p:stCondLst>
+                                  <p:childTnLst>
+                                    <p:set>
+                                      <p:cBhvr>
+                                        <p:cTn id="98" dur="1" fill="hold">
+                                          <p:stCondLst>
+                                            <p:cond delay="0"/>
+                                          </p:stCondLst>
+                                        </p:cTn>
+                                        <p:tgtEl>
+                                          <p:spTgt spid="34"/>
+                                        </p:tgtEl>
+                                        <p:attrNameLst>
+                                          <p:attrName>style.visibility</p:attrName>
+                                        </p:attrNameLst>
+                                      </p:cBhvr>
+                                      <p:to>
+                                        <p:strVal val="visible"/>
+                                      </p:to>
+                                    </p:set>
+                                    <p:animEffect transition="in" filter="fade">
+                                      <p:cBhvr>
+                                        <p:cTn id="99" dur="500"/>
+                                        <p:tgtEl>
+                                          <p:spTgt spid="34"/>
+                                        </p:tgtEl>
+                                      </p:cBhvr>
+                                    </p:animEffect>
+                                  </p:childTnLst>
+                                </p:cTn>
+                              </p:par>
+                              <p:par>
+                                <p:cTn id="100" presetID="10" presetClass="entr" presetSubtype="0" fill="hold" grpId="0" nodeType="withEffect">
+                                  <p:stCondLst>
+                                    <p:cond delay="0"/>
+                                  </p:stCondLst>
+                                  <p:childTnLst>
+                                    <p:set>
+                                      <p:cBhvr>
+                                        <p:cTn id="101" dur="1" fill="hold">
+                                          <p:stCondLst>
+                                            <p:cond delay="0"/>
+                                          </p:stCondLst>
+                                        </p:cTn>
+                                        <p:tgtEl>
+                                          <p:spTgt spid="35"/>
+                                        </p:tgtEl>
+                                        <p:attrNameLst>
+                                          <p:attrName>style.visibility</p:attrName>
+                                        </p:attrNameLst>
+                                      </p:cBhvr>
+                                      <p:to>
+                                        <p:strVal val="visible"/>
+                                      </p:to>
+                                    </p:set>
+                                    <p:animEffect transition="in" filter="fade">
+                                      <p:cBhvr>
+                                        <p:cTn id="102" dur="500"/>
+                                        <p:tgtEl>
+                                          <p:spTgt spid="35"/>
+                                        </p:tgtEl>
+                                      </p:cBhvr>
+                                    </p:animEffect>
+                                  </p:childTnLst>
+                                </p:cTn>
+                              </p:par>
+                              <p:par>
+                                <p:cTn id="103" presetID="10" presetClass="entr" presetSubtype="0" fill="hold" grpId="0" nodeType="withEffect">
+                                  <p:stCondLst>
+                                    <p:cond delay="0"/>
+                                  </p:stCondLst>
+                                  <p:childTnLst>
+                                    <p:set>
+                                      <p:cBhvr>
+                                        <p:cTn id="104" dur="1" fill="hold">
+                                          <p:stCondLst>
+                                            <p:cond delay="0"/>
+                                          </p:stCondLst>
+                                        </p:cTn>
+                                        <p:tgtEl>
+                                          <p:spTgt spid="36"/>
+                                        </p:tgtEl>
+                                        <p:attrNameLst>
+                                          <p:attrName>style.visibility</p:attrName>
+                                        </p:attrNameLst>
+                                      </p:cBhvr>
+                                      <p:to>
+                                        <p:strVal val="visible"/>
+                                      </p:to>
+                                    </p:set>
+                                    <p:animEffect transition="in" filter="fade">
+                                      <p:cBhvr>
+                                        <p:cTn id="105" dur="500"/>
+                                        <p:tgtEl>
+                                          <p:spTgt spid="36"/>
+                                        </p:tgtEl>
+                                      </p:cBhvr>
+                                    </p:animEffect>
+                                  </p:childTnLst>
+                                </p:cTn>
+                              </p:par>
+                            </p:childTnLst>
+                          </p:cTn>
+                        </p:par>
+                      </p:childTnLst>
+                    </p:cTn>
+                  </p:par>
+                  <p:par>
+                    <p:cTn id="106" fill="hold">
+                      <p:stCondLst>
+                        <p:cond delay="indefinite"/>
+                      </p:stCondLst>
+                      <p:childTnLst>
+                        <p:par>
+                          <p:cTn id="107" fill="hold">
+                            <p:stCondLst>
+                              <p:cond delay="0"/>
+                            </p:stCondLst>
+                            <p:childTnLst>
+                              <p:par>
+                                <p:cTn id="108" presetID="10" presetClass="entr" presetSubtype="0" fill="hold" grpId="0" nodeType="clickEffect">
+                                  <p:stCondLst>
+                                    <p:cond delay="0"/>
+                                  </p:stCondLst>
+                                  <p:childTnLst>
+                                    <p:set>
+                                      <p:cBhvr>
+                                        <p:cTn id="109" dur="1" fill="hold">
+                                          <p:stCondLst>
+                                            <p:cond delay="0"/>
+                                          </p:stCondLst>
+                                        </p:cTn>
+                                        <p:tgtEl>
+                                          <p:spTgt spid="28"/>
+                                        </p:tgtEl>
+                                        <p:attrNameLst>
+                                          <p:attrName>style.visibility</p:attrName>
+                                        </p:attrNameLst>
+                                      </p:cBhvr>
+                                      <p:to>
+                                        <p:strVal val="visible"/>
+                                      </p:to>
+                                    </p:set>
+                                    <p:animEffect transition="in" filter="fade">
+                                      <p:cBhvr>
+                                        <p:cTn id="110" dur="500"/>
+                                        <p:tgtEl>
+                                          <p:spTgt spid="28"/>
+                                        </p:tgtEl>
+                                      </p:cBhvr>
+                                    </p:animEffect>
+                                  </p:childTnLst>
+                                </p:cTn>
+                              </p:par>
+                            </p:childTnLst>
+                          </p:cTn>
+                        </p:par>
+                      </p:childTnLst>
+                    </p:cTn>
+                  </p:par>
+                  <p:par>
+                    <p:cTn id="111" fill="hold">
+                      <p:stCondLst>
+                        <p:cond delay="indefinite"/>
+                      </p:stCondLst>
+                      <p:childTnLst>
+                        <p:par>
+                          <p:cTn id="112" fill="hold">
+                            <p:stCondLst>
+                              <p:cond delay="0"/>
+                            </p:stCondLst>
+                            <p:childTnLst>
+                              <p:par>
+                                <p:cTn id="113" presetID="10" presetClass="entr" presetSubtype="0" fill="hold" grpId="0" nodeType="clickEffect">
+                                  <p:stCondLst>
+                                    <p:cond delay="0"/>
+                                  </p:stCondLst>
+                                  <p:childTnLst>
+                                    <p:set>
+                                      <p:cBhvr>
+                                        <p:cTn id="114" dur="1" fill="hold">
+                                          <p:stCondLst>
+                                            <p:cond delay="0"/>
+                                          </p:stCondLst>
+                                        </p:cTn>
+                                        <p:tgtEl>
+                                          <p:spTgt spid="42"/>
+                                        </p:tgtEl>
+                                        <p:attrNameLst>
+                                          <p:attrName>style.visibility</p:attrName>
+                                        </p:attrNameLst>
+                                      </p:cBhvr>
+                                      <p:to>
+                                        <p:strVal val="visible"/>
+                                      </p:to>
+                                    </p:set>
+                                    <p:animEffect transition="in" filter="fade">
+                                      <p:cBhvr>
+                                        <p:cTn id="115" dur="500"/>
+                                        <p:tgtEl>
+                                          <p:spTgt spid="42"/>
+                                        </p:tgtEl>
+                                      </p:cBhvr>
+                                    </p:animEffect>
+                                  </p:childTnLst>
+                                </p:cTn>
+                              </p:par>
+                            </p:childTnLst>
+                          </p:cTn>
+                        </p:par>
+                      </p:childTnLst>
+                    </p:cTn>
+                  </p:par>
+                  <p:par>
+                    <p:cTn id="116" fill="hold">
+                      <p:stCondLst>
+                        <p:cond delay="indefinite"/>
+                      </p:stCondLst>
+                      <p:childTnLst>
+                        <p:par>
+                          <p:cTn id="117" fill="hold">
+                            <p:stCondLst>
+                              <p:cond delay="0"/>
+                            </p:stCondLst>
+                            <p:childTnLst>
+                              <p:par>
+                                <p:cTn id="118" presetID="10" presetClass="entr" presetSubtype="0" fill="hold" grpId="0" nodeType="clickEffect">
+                                  <p:stCondLst>
+                                    <p:cond delay="0"/>
+                                  </p:stCondLst>
+                                  <p:childTnLst>
+                                    <p:set>
+                                      <p:cBhvr>
+                                        <p:cTn id="119" dur="1" fill="hold">
+                                          <p:stCondLst>
+                                            <p:cond delay="0"/>
+                                          </p:stCondLst>
+                                        </p:cTn>
+                                        <p:tgtEl>
+                                          <p:spTgt spid="44"/>
+                                        </p:tgtEl>
+                                        <p:attrNameLst>
+                                          <p:attrName>style.visibility</p:attrName>
+                                        </p:attrNameLst>
+                                      </p:cBhvr>
+                                      <p:to>
+                                        <p:strVal val="visible"/>
+                                      </p:to>
+                                    </p:set>
+                                    <p:animEffect transition="in" filter="fade">
+                                      <p:cBhvr>
+                                        <p:cTn id="120" dur="500"/>
+                                        <p:tgtEl>
+                                          <p:spTgt spid="44"/>
+                                        </p:tgtEl>
+                                      </p:cBhvr>
+                                    </p:animEffect>
+                                  </p:childTnLst>
+                                </p:cTn>
+                              </p:par>
+                              <p:par>
+                                <p:cTn id="121" presetID="10" presetClass="entr" presetSubtype="0" fill="hold" grpId="0" nodeType="withEffect">
+                                  <p:stCondLst>
+                                    <p:cond delay="0"/>
+                                  </p:stCondLst>
+                                  <p:childTnLst>
+                                    <p:set>
+                                      <p:cBhvr>
+                                        <p:cTn id="122" dur="1" fill="hold">
+                                          <p:stCondLst>
+                                            <p:cond delay="0"/>
+                                          </p:stCondLst>
+                                        </p:cTn>
+                                        <p:tgtEl>
+                                          <p:spTgt spid="51"/>
+                                        </p:tgtEl>
+                                        <p:attrNameLst>
+                                          <p:attrName>style.visibility</p:attrName>
+                                        </p:attrNameLst>
+                                      </p:cBhvr>
+                                      <p:to>
+                                        <p:strVal val="visible"/>
+                                      </p:to>
+                                    </p:set>
+                                    <p:animEffect transition="in" filter="fade">
+                                      <p:cBhvr>
+                                        <p:cTn id="123" dur="500"/>
+                                        <p:tgtEl>
+                                          <p:spTgt spid="51"/>
+                                        </p:tgtEl>
+                                      </p:cBhvr>
+                                    </p:animEffect>
+                                  </p:childTnLst>
+                                </p:cTn>
+                              </p:par>
+                              <p:par>
+                                <p:cTn id="124" presetID="10" presetClass="entr" presetSubtype="0" fill="hold" grpId="0" nodeType="withEffect">
+                                  <p:stCondLst>
+                                    <p:cond delay="0"/>
+                                  </p:stCondLst>
+                                  <p:childTnLst>
+                                    <p:set>
+                                      <p:cBhvr>
+                                        <p:cTn id="125" dur="1" fill="hold">
+                                          <p:stCondLst>
+                                            <p:cond delay="0"/>
+                                          </p:stCondLst>
+                                        </p:cTn>
+                                        <p:tgtEl>
+                                          <p:spTgt spid="52"/>
+                                        </p:tgtEl>
+                                        <p:attrNameLst>
+                                          <p:attrName>style.visibility</p:attrName>
+                                        </p:attrNameLst>
+                                      </p:cBhvr>
+                                      <p:to>
+                                        <p:strVal val="visible"/>
+                                      </p:to>
+                                    </p:set>
+                                    <p:animEffect transition="in" filter="fade">
+                                      <p:cBhvr>
+                                        <p:cTn id="126" dur="500"/>
+                                        <p:tgtEl>
+                                          <p:spTgt spid="52"/>
+                                        </p:tgtEl>
+                                      </p:cBhvr>
+                                    </p:animEffect>
+                                  </p:childTnLst>
+                                </p:cTn>
+                              </p:par>
+                              <p:par>
+                                <p:cTn id="127" presetID="10" presetClass="entr" presetSubtype="0" fill="hold" grpId="0" nodeType="withEffect">
+                                  <p:stCondLst>
+                                    <p:cond delay="0"/>
+                                  </p:stCondLst>
+                                  <p:childTnLst>
+                                    <p:set>
+                                      <p:cBhvr>
+                                        <p:cTn id="128" dur="1" fill="hold">
+                                          <p:stCondLst>
+                                            <p:cond delay="0"/>
+                                          </p:stCondLst>
+                                        </p:cTn>
+                                        <p:tgtEl>
+                                          <p:spTgt spid="45"/>
+                                        </p:tgtEl>
+                                        <p:attrNameLst>
+                                          <p:attrName>style.visibility</p:attrName>
+                                        </p:attrNameLst>
+                                      </p:cBhvr>
+                                      <p:to>
+                                        <p:strVal val="visible"/>
+                                      </p:to>
+                                    </p:set>
+                                    <p:animEffect transition="in" filter="fade">
+                                      <p:cBhvr>
+                                        <p:cTn id="129" dur="500"/>
+                                        <p:tgtEl>
+                                          <p:spTgt spid="45"/>
+                                        </p:tgtEl>
+                                      </p:cBhvr>
+                                    </p:animEffect>
+                                  </p:childTnLst>
+                                </p:cTn>
+                              </p:par>
+                              <p:par>
+                                <p:cTn id="130" presetID="10" presetClass="entr" presetSubtype="0" fill="hold" grpId="0" nodeType="withEffect">
+                                  <p:stCondLst>
+                                    <p:cond delay="0"/>
+                                  </p:stCondLst>
+                                  <p:childTnLst>
+                                    <p:set>
+                                      <p:cBhvr>
+                                        <p:cTn id="131" dur="1" fill="hold">
+                                          <p:stCondLst>
+                                            <p:cond delay="0"/>
+                                          </p:stCondLst>
+                                        </p:cTn>
+                                        <p:tgtEl>
+                                          <p:spTgt spid="46"/>
+                                        </p:tgtEl>
+                                        <p:attrNameLst>
+                                          <p:attrName>style.visibility</p:attrName>
+                                        </p:attrNameLst>
+                                      </p:cBhvr>
+                                      <p:to>
+                                        <p:strVal val="visible"/>
+                                      </p:to>
+                                    </p:set>
+                                    <p:animEffect transition="in" filter="fade">
+                                      <p:cBhvr>
+                                        <p:cTn id="132" dur="500"/>
+                                        <p:tgtEl>
+                                          <p:spTgt spid="46"/>
+                                        </p:tgtEl>
+                                      </p:cBhvr>
+                                    </p:animEffect>
+                                  </p:childTnLst>
+                                </p:cTn>
+                              </p:par>
+                              <p:par>
+                                <p:cTn id="133" presetID="10" presetClass="entr" presetSubtype="0" fill="hold" grpId="0" nodeType="withEffect">
+                                  <p:stCondLst>
+                                    <p:cond delay="0"/>
+                                  </p:stCondLst>
+                                  <p:childTnLst>
+                                    <p:set>
+                                      <p:cBhvr>
+                                        <p:cTn id="134" dur="1" fill="hold">
+                                          <p:stCondLst>
+                                            <p:cond delay="0"/>
+                                          </p:stCondLst>
+                                        </p:cTn>
+                                        <p:tgtEl>
+                                          <p:spTgt spid="47"/>
+                                        </p:tgtEl>
+                                        <p:attrNameLst>
+                                          <p:attrName>style.visibility</p:attrName>
+                                        </p:attrNameLst>
+                                      </p:cBhvr>
+                                      <p:to>
+                                        <p:strVal val="visible"/>
+                                      </p:to>
+                                    </p:set>
+                                    <p:animEffect transition="in" filter="fade">
+                                      <p:cBhvr>
+                                        <p:cTn id="135" dur="500"/>
+                                        <p:tgtEl>
+                                          <p:spTgt spid="47"/>
+                                        </p:tgtEl>
+                                      </p:cBhvr>
+                                    </p:animEffect>
+                                  </p:childTnLst>
+                                </p:cTn>
+                              </p:par>
+                              <p:par>
+                                <p:cTn id="136" presetID="10" presetClass="entr" presetSubtype="0" fill="hold" grpId="0" nodeType="withEffect">
+                                  <p:stCondLst>
+                                    <p:cond delay="0"/>
+                                  </p:stCondLst>
+                                  <p:childTnLst>
+                                    <p:set>
+                                      <p:cBhvr>
+                                        <p:cTn id="137" dur="1" fill="hold">
+                                          <p:stCondLst>
+                                            <p:cond delay="0"/>
+                                          </p:stCondLst>
+                                        </p:cTn>
+                                        <p:tgtEl>
+                                          <p:spTgt spid="49"/>
+                                        </p:tgtEl>
+                                        <p:attrNameLst>
+                                          <p:attrName>style.visibility</p:attrName>
+                                        </p:attrNameLst>
+                                      </p:cBhvr>
+                                      <p:to>
+                                        <p:strVal val="visible"/>
+                                      </p:to>
+                                    </p:set>
+                                    <p:animEffect transition="in" filter="fade">
+                                      <p:cBhvr>
+                                        <p:cTn id="138" dur="500"/>
+                                        <p:tgtEl>
+                                          <p:spTgt spid="49"/>
+                                        </p:tgtEl>
+                                      </p:cBhvr>
+                                    </p:animEffect>
+                                  </p:childTnLst>
+                                </p:cTn>
+                              </p:par>
+                              <p:par>
+                                <p:cTn id="139" presetID="10" presetClass="entr" presetSubtype="0" fill="hold" grpId="0" nodeType="withEffect">
+                                  <p:stCondLst>
+                                    <p:cond delay="0"/>
+                                  </p:stCondLst>
+                                  <p:childTnLst>
+                                    <p:set>
+                                      <p:cBhvr>
+                                        <p:cTn id="140" dur="1" fill="hold">
+                                          <p:stCondLst>
+                                            <p:cond delay="0"/>
+                                          </p:stCondLst>
+                                        </p:cTn>
+                                        <p:tgtEl>
+                                          <p:spTgt spid="50"/>
+                                        </p:tgtEl>
+                                        <p:attrNameLst>
+                                          <p:attrName>style.visibility</p:attrName>
+                                        </p:attrNameLst>
+                                      </p:cBhvr>
+                                      <p:to>
+                                        <p:strVal val="visible"/>
+                                      </p:to>
+                                    </p:set>
+                                    <p:animEffect transition="in" filter="fade">
+                                      <p:cBhvr>
+                                        <p:cTn id="141" dur="500"/>
+                                        <p:tgtEl>
+                                          <p:spTgt spid="50"/>
+                                        </p:tgtEl>
+                                      </p:cBhvr>
+                                    </p:animEffect>
+                                  </p:childTnLst>
+                                </p:cTn>
+                              </p:par>
+                            </p:childTnLst>
+                          </p:cTn>
+                        </p:par>
+                      </p:childTnLst>
+                    </p:cTn>
+                  </p:par>
+                  <p:par>
+                    <p:cTn id="142" fill="hold">
+                      <p:stCondLst>
+                        <p:cond delay="indefinite"/>
+                      </p:stCondLst>
+                      <p:childTnLst>
+                        <p:par>
+                          <p:cTn id="143" fill="hold">
+                            <p:stCondLst>
+                              <p:cond delay="0"/>
+                            </p:stCondLst>
+                            <p:childTnLst>
+                              <p:par>
+                                <p:cTn id="144" presetID="10" presetClass="entr" presetSubtype="0" fill="hold" grpId="0" nodeType="clickEffect">
+                                  <p:stCondLst>
+                                    <p:cond delay="0"/>
+                                  </p:stCondLst>
+                                  <p:childTnLst>
+                                    <p:set>
+                                      <p:cBhvr>
+                                        <p:cTn id="145" dur="1" fill="hold">
+                                          <p:stCondLst>
+                                            <p:cond delay="0"/>
+                                          </p:stCondLst>
+                                        </p:cTn>
+                                        <p:tgtEl>
+                                          <p:spTgt spid="43"/>
+                                        </p:tgtEl>
+                                        <p:attrNameLst>
+                                          <p:attrName>style.visibility</p:attrName>
+                                        </p:attrNameLst>
+                                      </p:cBhvr>
+                                      <p:to>
+                                        <p:strVal val="visible"/>
+                                      </p:to>
+                                    </p:set>
+                                    <p:animEffect transition="in" filter="fade">
+                                      <p:cBhvr>
+                                        <p:cTn id="146" dur="500"/>
+                                        <p:tgtEl>
+                                          <p:spTgt spid="43"/>
+                                        </p:tgtEl>
+                                      </p:cBhvr>
+                                    </p:animEffect>
+                                  </p:childTnLst>
+                                </p:cTn>
+                              </p:par>
+                            </p:childTnLst>
+                          </p:cTn>
+                        </p:par>
+                      </p:childTnLst>
+                    </p:cTn>
+                  </p:par>
+                </p:childTnLst>
+              </p:cTn>
+              <p:prevCondLst>
+                <p:cond evt="onPrev" delay="0">
+                  <p:tgtEl>
+                    <p:sldTgt/>
+                  </p:tgtEl>
+                </p:cond>
+              </p:prevCondLst>
+              <p:nextCondLst>
+                <p:cond evt="onNext" delay="0">
+                  <p:tgtEl>
+                    <p:sldTgt/>
+                  </p:tgtEl>
+                </p:cond>
+              </p:nextCondLst>
+            </p:seq>
+          </p:childTnLst>
+        </p:cTn>
+      </p:par>
+    </p:tnLst>
+    <p:bldLst>
+      <p:bldP spid="10" grpId="0"/>
+      <p:bldP spid="11" grpId="0"/>
+      <p:bldP spid="12" grpId="0"/>
+      <p:bldP spid="13" grpId="0"/>
+      <p:bldP spid="14" grpId="0"/>
+      <p:bldP spid="18" grpId="0"/>
+      <p:bldP spid="19" grpId="0" animBg="1"/>
+      <p:bldP spid="20" grpId="0"/>
+      <p:bldP spid="22" grpId="0"/>
+      <p:bldP spid="23" grpId="0"/>
+      <p:bldP spid="24" grpId="0" animBg="1"/>
+      <p:bldP spid="27" grpId="0"/>
+      <p:bldP spid="28" grpId="0"/>
+      <p:bldP spid="29" grpId="0" animBg="1"/>
+      <p:bldP spid="31" grpId="0"/>
+      <p:bldP spid="32" grpId="0" animBg="1"/>
+      <p:bldP spid="33" grpId="0"/>
+      <p:bldP spid="34" grpId="0" animBg="1"/>
+      <p:bldP spid="35" grpId="0"/>
+      <p:bldP spid="36" grpId="0"/>
+      <p:bldP spid="37" grpId="0" animBg="1"/>
+      <p:bldP spid="38" grpId="0" animBg="1"/>
+      <p:bldP spid="39" grpId="0" animBg="1"/>
+      <p:bldP spid="40" grpId="0" animBg="1"/>
+      <p:bldP spid="41" grpId="0" animBg="1"/>
+      <p:bldP spid="42" grpId="0"/>
+      <p:bldP spid="43" grpId="0"/>
+      <p:bldP spid="44" grpId="0" animBg="1"/>
+      <p:bldP spid="45" grpId="0"/>
+      <p:bldP spid="46" grpId="0" animBg="1"/>
+      <p:bldP spid="47" grpId="0"/>
+      <p:bldP spid="49" grpId="0"/>
+      <p:bldP spid="50" grpId="0"/>
+      <p:bldP spid="51" grpId="0" animBg="1"/>
+      <p:bldP spid="52" grpId="0" animBg="1"/>
+    </p:bldLst>
   </p:timing>
 </p:sld>
 </file>

--- a/material_de_apoio/resumo_pratico.pptx
+++ b/material_de_apoio/resumo_pratico.pptx
@@ -5,16 +5,17 @@
     <p:sldMasterId id="2147483660" r:id="rId1"/>
   </p:sldMasterIdLst>
   <p:notesMasterIdLst>
-    <p:notesMasterId r:id="rId9"/>
+    <p:notesMasterId r:id="rId10"/>
   </p:notesMasterIdLst>
   <p:sldIdLst>
     <p:sldId id="256" r:id="rId2"/>
-    <p:sldId id="257" r:id="rId3"/>
-    <p:sldId id="258" r:id="rId4"/>
+    <p:sldId id="258" r:id="rId3"/>
+    <p:sldId id="257" r:id="rId4"/>
     <p:sldId id="259" r:id="rId5"/>
     <p:sldId id="260" r:id="rId6"/>
-    <p:sldId id="261" r:id="rId7"/>
-    <p:sldId id="262" r:id="rId8"/>
+    <p:sldId id="263" r:id="rId7"/>
+    <p:sldId id="261" r:id="rId8"/>
+    <p:sldId id="262" r:id="rId9"/>
   </p:sldIdLst>
   <p:sldSz cx="12192000" cy="6858000"/>
   <p:notesSz cx="6858000" cy="9144000"/>
@@ -3607,132 +3608,6 @@
             <p:ph type="title"/>
           </p:nvPr>
         </p:nvSpPr>
-        <p:spPr/>
-        <p:txBody>
-          <a:bodyPr>
-            <a:normAutofit/>
-          </a:bodyPr>
-          <a:lstStyle/>
-          <a:p>
-            <a:r>
-              <a:rPr lang="pt-BR" sz="3200" dirty="0" smtClean="0">
-                <a:latin typeface="Consolas" panose="020B0609020204030204" pitchFamily="49" charset="0"/>
-              </a:rPr>
-              <a:t>O programa mais simples em Java</a:t>
-            </a:r>
-            <a:endParaRPr lang="pt-BR" sz="3200" dirty="0">
-              <a:latin typeface="Consolas" panose="020B0609020204030204" pitchFamily="49" charset="0"/>
-            </a:endParaRPr>
-          </a:p>
-        </p:txBody>
-      </p:sp>
-      <p:pic>
-        <p:nvPicPr>
-          <p:cNvPr id="4" name="Imagem 3"/>
-          <p:cNvPicPr>
-            <a:picLocks noChangeAspect="1"/>
-          </p:cNvPicPr>
-          <p:nvPr/>
-        </p:nvPicPr>
-        <p:blipFill>
-          <a:blip r:embed="rId2" cstate="print">
-            <a:extLst>
-              <a:ext uri="{28A0092B-C50C-407E-A947-70E740481C1C}">
-                <a14:useLocalDpi xmlns:a14="http://schemas.microsoft.com/office/drawing/2010/main" val="0"/>
-              </a:ext>
-            </a:extLst>
-          </a:blip>
-          <a:stretch>
-            <a:fillRect/>
-          </a:stretch>
-        </p:blipFill>
-        <p:spPr>
-          <a:xfrm>
-            <a:off x="10441211" y="110689"/>
-            <a:ext cx="1750789" cy="2157949"/>
-          </a:xfrm>
-          <a:prstGeom prst="rect">
-            <a:avLst/>
-          </a:prstGeom>
-        </p:spPr>
-      </p:pic>
-      <p:pic>
-        <p:nvPicPr>
-          <p:cNvPr id="5" name="Imagem 4"/>
-          <p:cNvPicPr>
-            <a:picLocks noChangeAspect="1"/>
-          </p:cNvPicPr>
-          <p:nvPr/>
-        </p:nvPicPr>
-        <p:blipFill>
-          <a:blip r:embed="rId3">
-            <a:extLst>
-              <a:ext uri="{28A0092B-C50C-407E-A947-70E740481C1C}">
-                <a14:useLocalDpi xmlns:a14="http://schemas.microsoft.com/office/drawing/2010/main" val="0"/>
-              </a:ext>
-            </a:extLst>
-          </a:blip>
-          <a:stretch>
-            <a:fillRect/>
-          </a:stretch>
-        </p:blipFill>
-        <p:spPr>
-          <a:xfrm>
-            <a:off x="0" y="2688631"/>
-            <a:ext cx="12192000" cy="3221401"/>
-          </a:xfrm>
-          <a:prstGeom prst="rect">
-            <a:avLst/>
-          </a:prstGeom>
-        </p:spPr>
-      </p:pic>
-    </p:spTree>
-    <p:extLst>
-      <p:ext uri="{BB962C8B-B14F-4D97-AF65-F5344CB8AC3E}">
-        <p14:creationId xmlns:p14="http://schemas.microsoft.com/office/powerpoint/2010/main" val="1140937190"/>
-      </p:ext>
-    </p:extLst>
-  </p:cSld>
-  <p:clrMapOvr>
-    <a:masterClrMapping/>
-  </p:clrMapOvr>
-  <p:timing>
-    <p:tnLst>
-      <p:par>
-        <p:cTn id="1" dur="indefinite" restart="never" nodeType="tmRoot"/>
-      </p:par>
-    </p:tnLst>
-  </p:timing>
-</p:sld>
-</file>
-
-<file path=ppt/slides/slide3.xml><?xml version="1.0" encoding="utf-8"?>
-<p:sld xmlns:a="http://schemas.openxmlformats.org/drawingml/2006/main" xmlns:r="http://schemas.openxmlformats.org/officeDocument/2006/relationships" xmlns:p="http://schemas.openxmlformats.org/presentationml/2006/main">
-  <p:cSld>
-    <p:spTree>
-      <p:nvGrpSpPr>
-        <p:cNvPr id="1" name=""/>
-        <p:cNvGrpSpPr/>
-        <p:nvPr/>
-      </p:nvGrpSpPr>
-      <p:grpSpPr>
-        <a:xfrm>
-          <a:off x="0" y="0"/>
-          <a:ext cx="0" cy="0"/>
-          <a:chOff x="0" y="0"/>
-          <a:chExt cx="0" cy="0"/>
-        </a:xfrm>
-      </p:grpSpPr>
-      <p:sp>
-        <p:nvSpPr>
-          <p:cNvPr id="2" name="Título 1"/>
-          <p:cNvSpPr>
-            <a:spLocks noGrp="1"/>
-          </p:cNvSpPr>
-          <p:nvPr>
-            <p:ph type="title"/>
-          </p:nvPr>
-        </p:nvSpPr>
         <p:spPr>
           <a:xfrm>
             <a:off x="838200" y="365125"/>
@@ -5117,6 +4992,172 @@
       <p:bldP spid="24" grpId="0"/>
       <p:bldP spid="25" grpId="0"/>
     </p:bldLst>
+  </p:timing>
+</p:sld>
+</file>
+
+<file path=ppt/slides/slide3.xml><?xml version="1.0" encoding="utf-8"?>
+<p:sld xmlns:a="http://schemas.openxmlformats.org/drawingml/2006/main" xmlns:r="http://schemas.openxmlformats.org/officeDocument/2006/relationships" xmlns:p="http://schemas.openxmlformats.org/presentationml/2006/main">
+  <p:cSld>
+    <p:spTree>
+      <p:nvGrpSpPr>
+        <p:cNvPr id="1" name=""/>
+        <p:cNvGrpSpPr/>
+        <p:nvPr/>
+      </p:nvGrpSpPr>
+      <p:grpSpPr>
+        <a:xfrm>
+          <a:off x="0" y="0"/>
+          <a:ext cx="0" cy="0"/>
+          <a:chOff x="0" y="0"/>
+          <a:chExt cx="0" cy="0"/>
+        </a:xfrm>
+      </p:grpSpPr>
+      <p:sp>
+        <p:nvSpPr>
+          <p:cNvPr id="2" name="Título 1"/>
+          <p:cNvSpPr>
+            <a:spLocks noGrp="1"/>
+          </p:cNvSpPr>
+          <p:nvPr>
+            <p:ph type="title"/>
+          </p:nvPr>
+        </p:nvSpPr>
+        <p:spPr>
+          <a:xfrm>
+            <a:off x="838200" y="365125"/>
+            <a:ext cx="10515600" cy="1586505"/>
+          </a:xfrm>
+        </p:spPr>
+        <p:txBody>
+          <a:bodyPr>
+            <a:normAutofit/>
+          </a:bodyPr>
+          <a:lstStyle/>
+          <a:p>
+            <a:r>
+              <a:rPr lang="pt-BR" sz="3200" dirty="0" smtClean="0">
+                <a:latin typeface="Consolas" panose="020B0609020204030204" pitchFamily="49" charset="0"/>
+              </a:rPr>
+              <a:t>Instrução de </a:t>
+            </a:r>
+            <a:r>
+              <a:rPr lang="pt-BR" sz="3200" dirty="0" smtClean="0">
+                <a:latin typeface="Consolas" panose="020B0609020204030204" pitchFamily="49" charset="0"/>
+              </a:rPr>
+              <a:t>escrita</a:t>
+            </a:r>
+            <a:r>
+              <a:rPr lang="pt-BR" sz="3200" dirty="0">
+                <a:latin typeface="Consolas" panose="020B0609020204030204" pitchFamily="49" charset="0"/>
+              </a:rPr>
+              <a:t/>
+            </a:r>
+            <a:br>
+              <a:rPr lang="pt-BR" sz="3200" dirty="0">
+                <a:latin typeface="Consolas" panose="020B0609020204030204" pitchFamily="49" charset="0"/>
+              </a:rPr>
+            </a:br>
+            <a:r>
+              <a:rPr lang="pt-BR" sz="3200" dirty="0" smtClean="0">
+                <a:latin typeface="Consolas" panose="020B0609020204030204" pitchFamily="49" charset="0"/>
+              </a:rPr>
+              <a:t>(O </a:t>
+            </a:r>
+            <a:r>
+              <a:rPr lang="pt-BR" sz="3200" dirty="0">
+                <a:latin typeface="Consolas" panose="020B0609020204030204" pitchFamily="49" charset="0"/>
+              </a:rPr>
+              <a:t>programa mais simples em </a:t>
+            </a:r>
+            <a:r>
+              <a:rPr lang="pt-BR" sz="3200" dirty="0" smtClean="0">
+                <a:latin typeface="Consolas" panose="020B0609020204030204" pitchFamily="49" charset="0"/>
+              </a:rPr>
+              <a:t>Java)</a:t>
+            </a:r>
+            <a:endParaRPr lang="pt-BR" sz="3200" dirty="0">
+              <a:latin typeface="Consolas" panose="020B0609020204030204" pitchFamily="49" charset="0"/>
+            </a:endParaRPr>
+          </a:p>
+        </p:txBody>
+      </p:sp>
+      <p:pic>
+        <p:nvPicPr>
+          <p:cNvPr id="4" name="Imagem 3"/>
+          <p:cNvPicPr>
+            <a:picLocks noChangeAspect="1"/>
+          </p:cNvPicPr>
+          <p:nvPr/>
+        </p:nvPicPr>
+        <p:blipFill>
+          <a:blip r:embed="rId2" cstate="print">
+            <a:extLst>
+              <a:ext uri="{28A0092B-C50C-407E-A947-70E740481C1C}">
+                <a14:useLocalDpi xmlns:a14="http://schemas.microsoft.com/office/drawing/2010/main" val="0"/>
+              </a:ext>
+            </a:extLst>
+          </a:blip>
+          <a:stretch>
+            <a:fillRect/>
+          </a:stretch>
+        </p:blipFill>
+        <p:spPr>
+          <a:xfrm>
+            <a:off x="10441211" y="110689"/>
+            <a:ext cx="1750789" cy="2157949"/>
+          </a:xfrm>
+          <a:prstGeom prst="rect">
+            <a:avLst/>
+          </a:prstGeom>
+        </p:spPr>
+      </p:pic>
+      <p:pic>
+        <p:nvPicPr>
+          <p:cNvPr id="5" name="Imagem 4"/>
+          <p:cNvPicPr>
+            <a:picLocks noChangeAspect="1"/>
+          </p:cNvPicPr>
+          <p:nvPr/>
+        </p:nvPicPr>
+        <p:blipFill>
+          <a:blip r:embed="rId3">
+            <a:extLst>
+              <a:ext uri="{28A0092B-C50C-407E-A947-70E740481C1C}">
+                <a14:useLocalDpi xmlns:a14="http://schemas.microsoft.com/office/drawing/2010/main" val="0"/>
+              </a:ext>
+            </a:extLst>
+          </a:blip>
+          <a:stretch>
+            <a:fillRect/>
+          </a:stretch>
+        </p:blipFill>
+        <p:spPr>
+          <a:xfrm>
+            <a:off x="0" y="2688631"/>
+            <a:ext cx="12192000" cy="3221401"/>
+          </a:xfrm>
+          <a:prstGeom prst="rect">
+            <a:avLst/>
+          </a:prstGeom>
+        </p:spPr>
+      </p:pic>
+    </p:spTree>
+    <p:extLst>
+      <p:ext uri="{BB962C8B-B14F-4D97-AF65-F5344CB8AC3E}">
+        <p14:creationId xmlns:p14="http://schemas.microsoft.com/office/powerpoint/2010/main" val="1140937190"/>
+      </p:ext>
+    </p:extLst>
+  </p:cSld>
+  <p:clrMapOvr>
+    <a:masterClrMapping/>
+  </p:clrMapOvr>
+  <p:timing>
+    <p:tnLst>
+      <p:par>
+        <p:cTn id="1" dur="indefinite" restart="never" nodeType="tmRoot"/>
+      </p:par>
+    </p:tnLst>
   </p:timing>
 </p:sld>
 </file>
@@ -9516,7 +9557,12 @@
             <p:ph type="title"/>
           </p:nvPr>
         </p:nvSpPr>
-        <p:spPr/>
+        <p:spPr>
+          <a:xfrm>
+            <a:off x="838200" y="365125"/>
+            <a:ext cx="10515600" cy="1586505"/>
+          </a:xfrm>
+        </p:spPr>
         <p:txBody>
           <a:bodyPr>
             <a:normAutofit/>
@@ -9524,16 +9570,16 @@
           <a:lstStyle/>
           <a:p>
             <a:r>
-              <a:rPr lang="pt-BR" sz="3200" dirty="0" err="1" smtClean="0">
-                <a:latin typeface="Consolas" panose="020B0609020204030204" pitchFamily="49" charset="0"/>
-              </a:rPr>
-              <a:t>Arrays</a:t>
-            </a:r>
-            <a:r>
               <a:rPr lang="pt-BR" sz="3200" dirty="0" smtClean="0">
                 <a:latin typeface="Consolas" panose="020B0609020204030204" pitchFamily="49" charset="0"/>
               </a:rPr>
-              <a:t> em Java</a:t>
+              <a:t>Instrução de </a:t>
+            </a:r>
+            <a:r>
+              <a:rPr lang="pt-BR" sz="3200" dirty="0" smtClean="0">
+                <a:latin typeface="Consolas" panose="020B0609020204030204" pitchFamily="49" charset="0"/>
+              </a:rPr>
+              <a:t>leitura</a:t>
             </a:r>
             <a:endParaRPr lang="pt-BR" sz="3200" dirty="0">
               <a:latin typeface="Consolas" panose="020B0609020204030204" pitchFamily="49" charset="0"/>
@@ -9571,52 +9617,36 @@
           </a:prstGeom>
         </p:spPr>
       </p:pic>
-      <p:sp>
-        <p:nvSpPr>
-          <p:cNvPr id="5" name="CaixaDeTexto 4"/>
-          <p:cNvSpPr txBox="1"/>
+      <p:pic>
+        <p:nvPicPr>
+          <p:cNvPr id="3" name="Imagem 2"/>
+          <p:cNvPicPr>
+            <a:picLocks noChangeAspect="1"/>
+          </p:cNvPicPr>
           <p:nvPr/>
-        </p:nvSpPr>
-        <p:spPr>
-          <a:xfrm>
-            <a:off x="346879" y="2007028"/>
-            <a:ext cx="3378959" cy="523220"/>
+        </p:nvPicPr>
+        <p:blipFill>
+          <a:blip r:embed="rId3">
+            <a:extLst>
+              <a:ext uri="{28A0092B-C50C-407E-A947-70E740481C1C}">
+                <a14:useLocalDpi xmlns:a14="http://schemas.microsoft.com/office/drawing/2010/main" val="0"/>
+              </a:ext>
+            </a:extLst>
+          </a:blip>
+          <a:stretch>
+            <a:fillRect/>
+          </a:stretch>
+        </p:blipFill>
+        <p:spPr>
+          <a:xfrm>
+            <a:off x="464024" y="1607314"/>
+            <a:ext cx="9977187" cy="4755246"/>
           </a:xfrm>
           <a:prstGeom prst="rect">
             <a:avLst/>
           </a:prstGeom>
-          <a:noFill/>
-        </p:spPr>
-        <p:txBody>
-          <a:bodyPr wrap="square" rtlCol="0">
-            <a:spAutoFit/>
-          </a:bodyPr>
-          <a:lstStyle/>
-          <a:p>
-            <a:r>
-              <a:rPr lang="pt-BR" sz="2800" dirty="0" smtClean="0">
-                <a:latin typeface="Consolas" panose="020B0609020204030204" pitchFamily="49" charset="0"/>
-              </a:rPr>
-              <a:t>Variável(</a:t>
-            </a:r>
-            <a:r>
-              <a:rPr lang="pt-BR" sz="2800" dirty="0" err="1" smtClean="0">
-                <a:latin typeface="Consolas" panose="020B0609020204030204" pitchFamily="49" charset="0"/>
-              </a:rPr>
-              <a:t>int</a:t>
-            </a:r>
-            <a:r>
-              <a:rPr lang="pt-BR" sz="2800" dirty="0" smtClean="0">
-                <a:latin typeface="Consolas" panose="020B0609020204030204" pitchFamily="49" charset="0"/>
-              </a:rPr>
-              <a:t>) a </a:t>
-            </a:r>
-            <a:endParaRPr lang="pt-BR" sz="2800" dirty="0">
-              <a:latin typeface="Consolas" panose="020B0609020204030204" pitchFamily="49" charset="0"/>
-            </a:endParaRPr>
-          </a:p>
-        </p:txBody>
-      </p:sp>
+        </p:spPr>
+      </p:pic>
       <p:sp>
         <p:nvSpPr>
           <p:cNvPr id="6" name="Retângulo 5"/>
@@ -9625,8 +9655,8 @@
         </p:nvSpPr>
         <p:spPr>
           <a:xfrm>
-            <a:off x="2218357" y="2644623"/>
-            <a:ext cx="528875" cy="564431"/>
+            <a:off x="2109176" y="3701444"/>
+            <a:ext cx="5190103" cy="365381"/>
           </a:xfrm>
           <a:prstGeom prst="rect">
             <a:avLst/>
@@ -9669,275 +9699,14 @@
       </p:sp>
       <p:sp>
         <p:nvSpPr>
-          <p:cNvPr id="7" name="CaixaDeTexto 6"/>
-          <p:cNvSpPr txBox="1"/>
-          <p:nvPr/>
-        </p:nvSpPr>
-        <p:spPr>
-          <a:xfrm>
-            <a:off x="2205657" y="4422623"/>
-            <a:ext cx="528875" cy="523220"/>
-          </a:xfrm>
-          <a:prstGeom prst="rect">
-            <a:avLst/>
-          </a:prstGeom>
-          <a:noFill/>
-        </p:spPr>
-        <p:txBody>
-          <a:bodyPr wrap="square" rtlCol="0">
-            <a:spAutoFit/>
-          </a:bodyPr>
-          <a:lstStyle/>
-          <a:p>
-            <a:pPr algn="ctr"/>
-            <a:r>
-              <a:rPr lang="pt-BR" sz="2800" b="1" dirty="0" smtClean="0">
-                <a:solidFill>
-                  <a:srgbClr val="00FF00"/>
-                </a:solidFill>
-                <a:latin typeface="Consolas" panose="020B0609020204030204" pitchFamily="49" charset="0"/>
-              </a:rPr>
-              <a:t>3</a:t>
-            </a:r>
-            <a:endParaRPr lang="pt-BR" sz="2800" b="1" dirty="0">
-              <a:solidFill>
-                <a:srgbClr val="00FF00"/>
-              </a:solidFill>
-              <a:latin typeface="Consolas" panose="020B0609020204030204" pitchFamily="49" charset="0"/>
-            </a:endParaRPr>
-          </a:p>
-        </p:txBody>
-      </p:sp>
-      <p:sp>
-        <p:nvSpPr>
-          <p:cNvPr id="8" name="CaixaDeTexto 7"/>
-          <p:cNvSpPr txBox="1"/>
-          <p:nvPr/>
-        </p:nvSpPr>
-        <p:spPr>
-          <a:xfrm>
-            <a:off x="346879" y="2685840"/>
-            <a:ext cx="1370463" cy="400110"/>
-          </a:xfrm>
-          <a:prstGeom prst="rect">
-            <a:avLst/>
-          </a:prstGeom>
-          <a:noFill/>
-        </p:spPr>
-        <p:txBody>
-          <a:bodyPr wrap="square" rtlCol="0">
-            <a:spAutoFit/>
-          </a:bodyPr>
-          <a:lstStyle/>
-          <a:p>
-            <a:r>
-              <a:rPr lang="pt-BR" sz="2000" dirty="0" err="1">
-                <a:latin typeface="Consolas" panose="020B0609020204030204" pitchFamily="49" charset="0"/>
-              </a:rPr>
-              <a:t>i</a:t>
-            </a:r>
-            <a:r>
-              <a:rPr lang="pt-BR" sz="2000" dirty="0" err="1" smtClean="0">
-                <a:latin typeface="Consolas" panose="020B0609020204030204" pitchFamily="49" charset="0"/>
-              </a:rPr>
-              <a:t>nt</a:t>
-            </a:r>
-            <a:r>
-              <a:rPr lang="pt-BR" sz="2000" dirty="0" smtClean="0">
-                <a:latin typeface="Consolas" panose="020B0609020204030204" pitchFamily="49" charset="0"/>
-              </a:rPr>
-              <a:t> a;</a:t>
-            </a:r>
-            <a:endParaRPr lang="pt-BR" sz="2000" dirty="0">
-              <a:latin typeface="Consolas" panose="020B0609020204030204" pitchFamily="49" charset="0"/>
-            </a:endParaRPr>
-          </a:p>
-        </p:txBody>
-      </p:sp>
-      <p:cxnSp>
-        <p:nvCxnSpPr>
-          <p:cNvPr id="9" name="Conector de seta reta 8"/>
-          <p:cNvCxnSpPr/>
-          <p:nvPr/>
-        </p:nvCxnSpPr>
-        <p:spPr>
-          <a:xfrm>
-            <a:off x="1487602" y="2920619"/>
-            <a:ext cx="450376" cy="0"/>
-          </a:xfrm>
-          <a:prstGeom prst="straightConnector1">
-            <a:avLst/>
-          </a:prstGeom>
-          <a:ln w="28575">
-            <a:solidFill>
-              <a:schemeClr val="tx1">
-                <a:lumMod val="95000"/>
-              </a:schemeClr>
-            </a:solidFill>
-            <a:tailEnd type="triangle"/>
-          </a:ln>
-        </p:spPr>
-        <p:style>
-          <a:lnRef idx="1">
-            <a:schemeClr val="accent1"/>
-          </a:lnRef>
-          <a:fillRef idx="0">
-            <a:schemeClr val="accent1"/>
-          </a:fillRef>
-          <a:effectRef idx="0">
-            <a:schemeClr val="accent1"/>
-          </a:effectRef>
-          <a:fontRef idx="minor">
-            <a:schemeClr val="tx1"/>
-          </a:fontRef>
-        </p:style>
-      </p:cxnSp>
-      <p:sp>
-        <p:nvSpPr>
-          <p:cNvPr id="10" name="CaixaDeTexto 9"/>
-          <p:cNvSpPr txBox="1"/>
-          <p:nvPr/>
-        </p:nvSpPr>
-        <p:spPr>
-          <a:xfrm>
-            <a:off x="4443492" y="1995653"/>
-            <a:ext cx="3378959" cy="523220"/>
-          </a:xfrm>
-          <a:prstGeom prst="rect">
-            <a:avLst/>
-          </a:prstGeom>
-          <a:noFill/>
-        </p:spPr>
-        <p:txBody>
-          <a:bodyPr wrap="square" rtlCol="0">
-            <a:spAutoFit/>
-          </a:bodyPr>
-          <a:lstStyle/>
-          <a:p>
-            <a:r>
-              <a:rPr lang="pt-BR" sz="2800" dirty="0" err="1" smtClean="0">
-                <a:latin typeface="Consolas" panose="020B0609020204030204" pitchFamily="49" charset="0"/>
-              </a:rPr>
-              <a:t>Array</a:t>
-            </a:r>
-            <a:r>
-              <a:rPr lang="pt-BR" sz="2800" dirty="0" smtClean="0">
-                <a:latin typeface="Consolas" panose="020B0609020204030204" pitchFamily="49" charset="0"/>
-              </a:rPr>
-              <a:t>(</a:t>
-            </a:r>
-            <a:r>
-              <a:rPr lang="pt-BR" sz="2800" dirty="0" err="1" smtClean="0">
-                <a:latin typeface="Consolas" panose="020B0609020204030204" pitchFamily="49" charset="0"/>
-              </a:rPr>
-              <a:t>int</a:t>
-            </a:r>
-            <a:r>
-              <a:rPr lang="pt-BR" sz="2800" dirty="0" smtClean="0">
-                <a:latin typeface="Consolas" panose="020B0609020204030204" pitchFamily="49" charset="0"/>
-              </a:rPr>
-              <a:t>) x </a:t>
-            </a:r>
-            <a:endParaRPr lang="pt-BR" sz="2800" dirty="0">
-              <a:latin typeface="Consolas" panose="020B0609020204030204" pitchFamily="49" charset="0"/>
-            </a:endParaRPr>
-          </a:p>
-        </p:txBody>
-      </p:sp>
-      <p:sp>
-        <p:nvSpPr>
-          <p:cNvPr id="11" name="CaixaDeTexto 10"/>
-          <p:cNvSpPr txBox="1"/>
-          <p:nvPr/>
-        </p:nvSpPr>
-        <p:spPr>
-          <a:xfrm>
-            <a:off x="4525379" y="2701760"/>
-            <a:ext cx="1370463" cy="400110"/>
-          </a:xfrm>
-          <a:prstGeom prst="rect">
-            <a:avLst/>
-          </a:prstGeom>
-          <a:noFill/>
-        </p:spPr>
-        <p:txBody>
-          <a:bodyPr wrap="square" rtlCol="0">
-            <a:spAutoFit/>
-          </a:bodyPr>
-          <a:lstStyle/>
-          <a:p>
-            <a:r>
-              <a:rPr lang="pt-BR" sz="2000" u="sng" dirty="0" err="1">
-                <a:latin typeface="Consolas" panose="020B0609020204030204" pitchFamily="49" charset="0"/>
-              </a:rPr>
-              <a:t>i</a:t>
-            </a:r>
-            <a:r>
-              <a:rPr lang="pt-BR" sz="2000" u="sng" dirty="0" err="1" smtClean="0">
-                <a:latin typeface="Consolas" panose="020B0609020204030204" pitchFamily="49" charset="0"/>
-              </a:rPr>
-              <a:t>nt</a:t>
-            </a:r>
-            <a:r>
-              <a:rPr lang="pt-BR" sz="2000" dirty="0" smtClean="0">
-                <a:latin typeface="Consolas" panose="020B0609020204030204" pitchFamily="49" charset="0"/>
-              </a:rPr>
-              <a:t>[] x;</a:t>
-            </a:r>
-            <a:endParaRPr lang="pt-BR" sz="2000" dirty="0">
-              <a:latin typeface="Consolas" panose="020B0609020204030204" pitchFamily="49" charset="0"/>
-            </a:endParaRPr>
-          </a:p>
-        </p:txBody>
-      </p:sp>
-      <p:cxnSp>
-        <p:nvCxnSpPr>
-          <p:cNvPr id="12" name="Conector de seta reta 11"/>
-          <p:cNvCxnSpPr/>
-          <p:nvPr/>
-        </p:nvCxnSpPr>
-        <p:spPr>
-          <a:xfrm>
-            <a:off x="5895842" y="2922891"/>
-            <a:ext cx="1699142" cy="0"/>
-          </a:xfrm>
-          <a:prstGeom prst="straightConnector1">
-            <a:avLst/>
-          </a:prstGeom>
-          <a:ln w="28575">
-            <a:solidFill>
-              <a:schemeClr val="tx1">
-                <a:lumMod val="95000"/>
-              </a:schemeClr>
-            </a:solidFill>
-            <a:tailEnd type="triangle"/>
-          </a:ln>
-        </p:spPr>
-        <p:style>
-          <a:lnRef idx="1">
-            <a:schemeClr val="accent1"/>
-          </a:lnRef>
-          <a:fillRef idx="0">
-            <a:schemeClr val="accent1"/>
-          </a:fillRef>
-          <a:effectRef idx="0">
-            <a:schemeClr val="accent1"/>
-          </a:effectRef>
-          <a:fontRef idx="minor">
-            <a:schemeClr val="tx1"/>
-          </a:fontRef>
-        </p:style>
-      </p:cxnSp>
-      <p:sp>
-        <p:nvSpPr>
-          <p:cNvPr id="13" name="Retângulo 12"/>
+          <p:cNvPr id="7" name="Retângulo 6"/>
           <p:cNvSpPr/>
           <p:nvPr/>
         </p:nvSpPr>
         <p:spPr>
           <a:xfrm>
-            <a:off x="7807126" y="2649276"/>
-            <a:ext cx="528875" cy="564431"/>
+            <a:off x="2111448" y="4276929"/>
+            <a:ext cx="5190103" cy="365381"/>
           </a:xfrm>
           <a:prstGeom prst="rect">
             <a:avLst/>
@@ -9980,14 +9749,14 @@
       </p:sp>
       <p:sp>
         <p:nvSpPr>
-          <p:cNvPr id="14" name="Retângulo 13"/>
+          <p:cNvPr id="8" name="Retângulo 7"/>
           <p:cNvSpPr/>
           <p:nvPr/>
         </p:nvSpPr>
         <p:spPr>
           <a:xfrm>
-            <a:off x="8328020" y="2649169"/>
-            <a:ext cx="528875" cy="564431"/>
+            <a:off x="2109177" y="4849311"/>
+            <a:ext cx="5190103" cy="365381"/>
           </a:xfrm>
           <a:prstGeom prst="rect">
             <a:avLst/>
@@ -10030,13 +9799,893 @@
       </p:sp>
       <p:sp>
         <p:nvSpPr>
-          <p:cNvPr id="15" name="Retângulo 14"/>
+          <p:cNvPr id="9" name="Seta para baixo 8"/>
           <p:cNvSpPr/>
           <p:nvPr/>
         </p:nvSpPr>
         <p:spPr>
           <a:xfrm>
-            <a:off x="8860280" y="2649167"/>
+            <a:off x="1119112" y="3701444"/>
+            <a:ext cx="545911" cy="1513248"/>
+          </a:xfrm>
+          <a:prstGeom prst="downArrow">
+            <a:avLst/>
+          </a:prstGeom>
+          <a:noFill/>
+          <a:ln w="28575">
+            <a:solidFill>
+              <a:schemeClr val="tx1"/>
+            </a:solidFill>
+          </a:ln>
+        </p:spPr>
+        <p:style>
+          <a:lnRef idx="2">
+            <a:schemeClr val="accent1">
+              <a:shade val="50000"/>
+            </a:schemeClr>
+          </a:lnRef>
+          <a:fillRef idx="1">
+            <a:schemeClr val="accent1"/>
+          </a:fillRef>
+          <a:effectRef idx="0">
+            <a:schemeClr val="accent1"/>
+          </a:effectRef>
+          <a:fontRef idx="minor">
+            <a:schemeClr val="lt1"/>
+          </a:fontRef>
+        </p:style>
+        <p:txBody>
+          <a:bodyPr rtlCol="0" anchor="ctr"/>
+          <a:lstStyle/>
+          <a:p>
+            <a:pPr algn="ctr"/>
+            <a:endParaRPr lang="pt-BR"/>
+          </a:p>
+        </p:txBody>
+      </p:sp>
+      <p:cxnSp>
+        <p:nvCxnSpPr>
+          <p:cNvPr id="10" name="Conector de seta reta 9"/>
+          <p:cNvCxnSpPr/>
+          <p:nvPr/>
+        </p:nvCxnSpPr>
+        <p:spPr>
+          <a:xfrm>
+            <a:off x="7299279" y="3703187"/>
+            <a:ext cx="599327" cy="0"/>
+          </a:xfrm>
+          <a:prstGeom prst="straightConnector1">
+            <a:avLst/>
+          </a:prstGeom>
+          <a:ln w="28575">
+            <a:solidFill>
+              <a:schemeClr val="tx1">
+                <a:lumMod val="95000"/>
+              </a:schemeClr>
+            </a:solidFill>
+            <a:tailEnd type="triangle"/>
+          </a:ln>
+        </p:spPr>
+        <p:style>
+          <a:lnRef idx="1">
+            <a:schemeClr val="accent1"/>
+          </a:lnRef>
+          <a:fillRef idx="0">
+            <a:schemeClr val="accent1"/>
+          </a:fillRef>
+          <a:effectRef idx="0">
+            <a:schemeClr val="accent1"/>
+          </a:effectRef>
+          <a:fontRef idx="minor">
+            <a:schemeClr val="tx1"/>
+          </a:fontRef>
+        </p:style>
+      </p:cxnSp>
+      <p:cxnSp>
+        <p:nvCxnSpPr>
+          <p:cNvPr id="12" name="Conector de seta reta 11"/>
+          <p:cNvCxnSpPr/>
+          <p:nvPr/>
+        </p:nvCxnSpPr>
+        <p:spPr>
+          <a:xfrm>
+            <a:off x="7299278" y="4279310"/>
+            <a:ext cx="599327" cy="0"/>
+          </a:xfrm>
+          <a:prstGeom prst="straightConnector1">
+            <a:avLst/>
+          </a:prstGeom>
+          <a:ln w="28575">
+            <a:solidFill>
+              <a:schemeClr val="tx1">
+                <a:lumMod val="95000"/>
+              </a:schemeClr>
+            </a:solidFill>
+            <a:tailEnd type="triangle"/>
+          </a:ln>
+        </p:spPr>
+        <p:style>
+          <a:lnRef idx="1">
+            <a:schemeClr val="accent1"/>
+          </a:lnRef>
+          <a:fillRef idx="0">
+            <a:schemeClr val="accent1"/>
+          </a:fillRef>
+          <a:effectRef idx="0">
+            <a:schemeClr val="accent1"/>
+          </a:effectRef>
+          <a:fontRef idx="minor">
+            <a:schemeClr val="tx1"/>
+          </a:fontRef>
+        </p:style>
+      </p:cxnSp>
+      <p:cxnSp>
+        <p:nvCxnSpPr>
+          <p:cNvPr id="13" name="Conector de seta reta 12"/>
+          <p:cNvCxnSpPr/>
+          <p:nvPr/>
+        </p:nvCxnSpPr>
+        <p:spPr>
+          <a:xfrm>
+            <a:off x="7287370" y="4851692"/>
+            <a:ext cx="599327" cy="0"/>
+          </a:xfrm>
+          <a:prstGeom prst="straightConnector1">
+            <a:avLst/>
+          </a:prstGeom>
+          <a:ln w="28575">
+            <a:solidFill>
+              <a:schemeClr val="tx1">
+                <a:lumMod val="95000"/>
+              </a:schemeClr>
+            </a:solidFill>
+            <a:tailEnd type="triangle"/>
+          </a:ln>
+        </p:spPr>
+        <p:style>
+          <a:lnRef idx="1">
+            <a:schemeClr val="accent1"/>
+          </a:lnRef>
+          <a:fillRef idx="0">
+            <a:schemeClr val="accent1"/>
+          </a:fillRef>
+          <a:effectRef idx="0">
+            <a:schemeClr val="accent1"/>
+          </a:effectRef>
+          <a:fontRef idx="minor">
+            <a:schemeClr val="tx1"/>
+          </a:fontRef>
+        </p:style>
+      </p:cxnSp>
+      <p:sp>
+        <p:nvSpPr>
+          <p:cNvPr id="14" name="CaixaDeTexto 13"/>
+          <p:cNvSpPr txBox="1"/>
+          <p:nvPr/>
+        </p:nvSpPr>
+        <p:spPr>
+          <a:xfrm>
+            <a:off x="7898605" y="3514802"/>
+            <a:ext cx="1895948" cy="369332"/>
+          </a:xfrm>
+          <a:prstGeom prst="rect">
+            <a:avLst/>
+          </a:prstGeom>
+          <a:noFill/>
+        </p:spPr>
+        <p:txBody>
+          <a:bodyPr wrap="square" rtlCol="0">
+            <a:spAutoFit/>
+          </a:bodyPr>
+          <a:lstStyle/>
+          <a:p>
+            <a:r>
+              <a:rPr lang="pt-BR" dirty="0" smtClean="0">
+                <a:latin typeface="Consolas" panose="020B0609020204030204" pitchFamily="49" charset="0"/>
+              </a:rPr>
+              <a:t>Declaração</a:t>
+            </a:r>
+            <a:endParaRPr lang="pt-BR" dirty="0">
+              <a:latin typeface="Consolas" panose="020B0609020204030204" pitchFamily="49" charset="0"/>
+            </a:endParaRPr>
+          </a:p>
+        </p:txBody>
+      </p:sp>
+      <p:sp>
+        <p:nvSpPr>
+          <p:cNvPr id="15" name="CaixaDeTexto 14"/>
+          <p:cNvSpPr txBox="1"/>
+          <p:nvPr/>
+        </p:nvSpPr>
+        <p:spPr>
+          <a:xfrm>
+            <a:off x="7884991" y="3895389"/>
+            <a:ext cx="3211308" cy="646331"/>
+          </a:xfrm>
+          <a:prstGeom prst="rect">
+            <a:avLst/>
+          </a:prstGeom>
+          <a:noFill/>
+        </p:spPr>
+        <p:txBody>
+          <a:bodyPr wrap="square" rtlCol="0">
+            <a:spAutoFit/>
+          </a:bodyPr>
+          <a:lstStyle/>
+          <a:p>
+            <a:r>
+              <a:rPr lang="pt-BR" dirty="0" smtClean="0">
+                <a:latin typeface="Consolas" panose="020B0609020204030204" pitchFamily="49" charset="0"/>
+              </a:rPr>
+              <a:t>Instrução </a:t>
+            </a:r>
+          </a:p>
+          <a:p>
+            <a:r>
+              <a:rPr lang="pt-BR" dirty="0" smtClean="0">
+                <a:latin typeface="Consolas" panose="020B0609020204030204" pitchFamily="49" charset="0"/>
+              </a:rPr>
+              <a:t>de leitura</a:t>
+            </a:r>
+            <a:endParaRPr lang="pt-BR" dirty="0">
+              <a:latin typeface="Consolas" panose="020B0609020204030204" pitchFamily="49" charset="0"/>
+            </a:endParaRPr>
+          </a:p>
+        </p:txBody>
+      </p:sp>
+      <p:sp>
+        <p:nvSpPr>
+          <p:cNvPr id="16" name="CaixaDeTexto 15"/>
+          <p:cNvSpPr txBox="1"/>
+          <p:nvPr/>
+        </p:nvSpPr>
+        <p:spPr>
+          <a:xfrm>
+            <a:off x="7884991" y="4510430"/>
+            <a:ext cx="3211308" cy="646331"/>
+          </a:xfrm>
+          <a:prstGeom prst="rect">
+            <a:avLst/>
+          </a:prstGeom>
+          <a:noFill/>
+        </p:spPr>
+        <p:txBody>
+          <a:bodyPr wrap="square" rtlCol="0">
+            <a:spAutoFit/>
+          </a:bodyPr>
+          <a:lstStyle/>
+          <a:p>
+            <a:r>
+              <a:rPr lang="pt-BR" dirty="0" smtClean="0">
+                <a:latin typeface="Consolas" panose="020B0609020204030204" pitchFamily="49" charset="0"/>
+              </a:rPr>
+              <a:t>Instrução </a:t>
+            </a:r>
+          </a:p>
+          <a:p>
+            <a:r>
+              <a:rPr lang="pt-BR" dirty="0" smtClean="0">
+                <a:latin typeface="Consolas" panose="020B0609020204030204" pitchFamily="49" charset="0"/>
+              </a:rPr>
+              <a:t>de Escrita</a:t>
+            </a:r>
+            <a:endParaRPr lang="pt-BR" dirty="0">
+              <a:latin typeface="Consolas" panose="020B0609020204030204" pitchFamily="49" charset="0"/>
+            </a:endParaRPr>
+          </a:p>
+        </p:txBody>
+      </p:sp>
+    </p:spTree>
+    <p:extLst>
+      <p:ext uri="{BB962C8B-B14F-4D97-AF65-F5344CB8AC3E}">
+        <p14:creationId xmlns:p14="http://schemas.microsoft.com/office/powerpoint/2010/main" val="1835654900"/>
+      </p:ext>
+    </p:extLst>
+  </p:cSld>
+  <p:clrMapOvr>
+    <a:masterClrMapping/>
+  </p:clrMapOvr>
+  <p:timing>
+    <p:tnLst>
+      <p:par>
+        <p:cTn id="1" dur="indefinite" restart="never" nodeType="tmRoot">
+          <p:childTnLst>
+            <p:seq concurrent="1" nextAc="seek">
+              <p:cTn id="2" dur="indefinite" nodeType="mainSeq">
+                <p:childTnLst>
+                  <p:par>
+                    <p:cTn id="3" fill="hold">
+                      <p:stCondLst>
+                        <p:cond delay="indefinite"/>
+                      </p:stCondLst>
+                      <p:childTnLst>
+                        <p:par>
+                          <p:cTn id="4" fill="hold">
+                            <p:stCondLst>
+                              <p:cond delay="0"/>
+                            </p:stCondLst>
+                            <p:childTnLst>
+                              <p:par>
+                                <p:cTn id="5" presetID="10" presetClass="entr" presetSubtype="0" fill="hold" grpId="0" nodeType="clickEffect">
+                                  <p:stCondLst>
+                                    <p:cond delay="0"/>
+                                  </p:stCondLst>
+                                  <p:childTnLst>
+                                    <p:set>
+                                      <p:cBhvr>
+                                        <p:cTn id="6" dur="1" fill="hold">
+                                          <p:stCondLst>
+                                            <p:cond delay="0"/>
+                                          </p:stCondLst>
+                                        </p:cTn>
+                                        <p:tgtEl>
+                                          <p:spTgt spid="6"/>
+                                        </p:tgtEl>
+                                        <p:attrNameLst>
+                                          <p:attrName>style.visibility</p:attrName>
+                                        </p:attrNameLst>
+                                      </p:cBhvr>
+                                      <p:to>
+                                        <p:strVal val="visible"/>
+                                      </p:to>
+                                    </p:set>
+                                    <p:animEffect transition="in" filter="fade">
+                                      <p:cBhvr>
+                                        <p:cTn id="7" dur="500"/>
+                                        <p:tgtEl>
+                                          <p:spTgt spid="6"/>
+                                        </p:tgtEl>
+                                      </p:cBhvr>
+                                    </p:animEffect>
+                                  </p:childTnLst>
+                                </p:cTn>
+                              </p:par>
+                              <p:par>
+                                <p:cTn id="8" presetID="10" presetClass="entr" presetSubtype="0" fill="hold" nodeType="withEffect">
+                                  <p:stCondLst>
+                                    <p:cond delay="0"/>
+                                  </p:stCondLst>
+                                  <p:childTnLst>
+                                    <p:set>
+                                      <p:cBhvr>
+                                        <p:cTn id="9" dur="1" fill="hold">
+                                          <p:stCondLst>
+                                            <p:cond delay="0"/>
+                                          </p:stCondLst>
+                                        </p:cTn>
+                                        <p:tgtEl>
+                                          <p:spTgt spid="10"/>
+                                        </p:tgtEl>
+                                        <p:attrNameLst>
+                                          <p:attrName>style.visibility</p:attrName>
+                                        </p:attrNameLst>
+                                      </p:cBhvr>
+                                      <p:to>
+                                        <p:strVal val="visible"/>
+                                      </p:to>
+                                    </p:set>
+                                    <p:animEffect transition="in" filter="fade">
+                                      <p:cBhvr>
+                                        <p:cTn id="10" dur="500"/>
+                                        <p:tgtEl>
+                                          <p:spTgt spid="10"/>
+                                        </p:tgtEl>
+                                      </p:cBhvr>
+                                    </p:animEffect>
+                                  </p:childTnLst>
+                                </p:cTn>
+                              </p:par>
+                              <p:par>
+                                <p:cTn id="11" presetID="10" presetClass="entr" presetSubtype="0" fill="hold" grpId="0" nodeType="withEffect">
+                                  <p:stCondLst>
+                                    <p:cond delay="0"/>
+                                  </p:stCondLst>
+                                  <p:childTnLst>
+                                    <p:set>
+                                      <p:cBhvr>
+                                        <p:cTn id="12" dur="1" fill="hold">
+                                          <p:stCondLst>
+                                            <p:cond delay="0"/>
+                                          </p:stCondLst>
+                                        </p:cTn>
+                                        <p:tgtEl>
+                                          <p:spTgt spid="14"/>
+                                        </p:tgtEl>
+                                        <p:attrNameLst>
+                                          <p:attrName>style.visibility</p:attrName>
+                                        </p:attrNameLst>
+                                      </p:cBhvr>
+                                      <p:to>
+                                        <p:strVal val="visible"/>
+                                      </p:to>
+                                    </p:set>
+                                    <p:animEffect transition="in" filter="fade">
+                                      <p:cBhvr>
+                                        <p:cTn id="13" dur="500"/>
+                                        <p:tgtEl>
+                                          <p:spTgt spid="14"/>
+                                        </p:tgtEl>
+                                      </p:cBhvr>
+                                    </p:animEffect>
+                                  </p:childTnLst>
+                                </p:cTn>
+                              </p:par>
+                            </p:childTnLst>
+                          </p:cTn>
+                        </p:par>
+                      </p:childTnLst>
+                    </p:cTn>
+                  </p:par>
+                  <p:par>
+                    <p:cTn id="14" fill="hold">
+                      <p:stCondLst>
+                        <p:cond delay="indefinite"/>
+                      </p:stCondLst>
+                      <p:childTnLst>
+                        <p:par>
+                          <p:cTn id="15" fill="hold">
+                            <p:stCondLst>
+                              <p:cond delay="0"/>
+                            </p:stCondLst>
+                            <p:childTnLst>
+                              <p:par>
+                                <p:cTn id="16" presetID="10" presetClass="entr" presetSubtype="0" fill="hold" grpId="0" nodeType="clickEffect">
+                                  <p:stCondLst>
+                                    <p:cond delay="0"/>
+                                  </p:stCondLst>
+                                  <p:childTnLst>
+                                    <p:set>
+                                      <p:cBhvr>
+                                        <p:cTn id="17" dur="1" fill="hold">
+                                          <p:stCondLst>
+                                            <p:cond delay="0"/>
+                                          </p:stCondLst>
+                                        </p:cTn>
+                                        <p:tgtEl>
+                                          <p:spTgt spid="7"/>
+                                        </p:tgtEl>
+                                        <p:attrNameLst>
+                                          <p:attrName>style.visibility</p:attrName>
+                                        </p:attrNameLst>
+                                      </p:cBhvr>
+                                      <p:to>
+                                        <p:strVal val="visible"/>
+                                      </p:to>
+                                    </p:set>
+                                    <p:animEffect transition="in" filter="fade">
+                                      <p:cBhvr>
+                                        <p:cTn id="18" dur="500"/>
+                                        <p:tgtEl>
+                                          <p:spTgt spid="7"/>
+                                        </p:tgtEl>
+                                      </p:cBhvr>
+                                    </p:animEffect>
+                                  </p:childTnLst>
+                                </p:cTn>
+                              </p:par>
+                              <p:par>
+                                <p:cTn id="19" presetID="10" presetClass="entr" presetSubtype="0" fill="hold" grpId="0" nodeType="withEffect">
+                                  <p:stCondLst>
+                                    <p:cond delay="0"/>
+                                  </p:stCondLst>
+                                  <p:childTnLst>
+                                    <p:set>
+                                      <p:cBhvr>
+                                        <p:cTn id="20" dur="1" fill="hold">
+                                          <p:stCondLst>
+                                            <p:cond delay="0"/>
+                                          </p:stCondLst>
+                                        </p:cTn>
+                                        <p:tgtEl>
+                                          <p:spTgt spid="15"/>
+                                        </p:tgtEl>
+                                        <p:attrNameLst>
+                                          <p:attrName>style.visibility</p:attrName>
+                                        </p:attrNameLst>
+                                      </p:cBhvr>
+                                      <p:to>
+                                        <p:strVal val="visible"/>
+                                      </p:to>
+                                    </p:set>
+                                    <p:animEffect transition="in" filter="fade">
+                                      <p:cBhvr>
+                                        <p:cTn id="21" dur="500"/>
+                                        <p:tgtEl>
+                                          <p:spTgt spid="15"/>
+                                        </p:tgtEl>
+                                      </p:cBhvr>
+                                    </p:animEffect>
+                                  </p:childTnLst>
+                                </p:cTn>
+                              </p:par>
+                              <p:par>
+                                <p:cTn id="22" presetID="10" presetClass="entr" presetSubtype="0" fill="hold" nodeType="withEffect">
+                                  <p:stCondLst>
+                                    <p:cond delay="0"/>
+                                  </p:stCondLst>
+                                  <p:childTnLst>
+                                    <p:set>
+                                      <p:cBhvr>
+                                        <p:cTn id="23" dur="1" fill="hold">
+                                          <p:stCondLst>
+                                            <p:cond delay="0"/>
+                                          </p:stCondLst>
+                                        </p:cTn>
+                                        <p:tgtEl>
+                                          <p:spTgt spid="12"/>
+                                        </p:tgtEl>
+                                        <p:attrNameLst>
+                                          <p:attrName>style.visibility</p:attrName>
+                                        </p:attrNameLst>
+                                      </p:cBhvr>
+                                      <p:to>
+                                        <p:strVal val="visible"/>
+                                      </p:to>
+                                    </p:set>
+                                    <p:animEffect transition="in" filter="fade">
+                                      <p:cBhvr>
+                                        <p:cTn id="24" dur="500"/>
+                                        <p:tgtEl>
+                                          <p:spTgt spid="12"/>
+                                        </p:tgtEl>
+                                      </p:cBhvr>
+                                    </p:animEffect>
+                                  </p:childTnLst>
+                                </p:cTn>
+                              </p:par>
+                            </p:childTnLst>
+                          </p:cTn>
+                        </p:par>
+                      </p:childTnLst>
+                    </p:cTn>
+                  </p:par>
+                  <p:par>
+                    <p:cTn id="25" fill="hold">
+                      <p:stCondLst>
+                        <p:cond delay="indefinite"/>
+                      </p:stCondLst>
+                      <p:childTnLst>
+                        <p:par>
+                          <p:cTn id="26" fill="hold">
+                            <p:stCondLst>
+                              <p:cond delay="0"/>
+                            </p:stCondLst>
+                            <p:childTnLst>
+                              <p:par>
+                                <p:cTn id="27" presetID="10" presetClass="entr" presetSubtype="0" fill="hold" grpId="0" nodeType="clickEffect">
+                                  <p:stCondLst>
+                                    <p:cond delay="0"/>
+                                  </p:stCondLst>
+                                  <p:childTnLst>
+                                    <p:set>
+                                      <p:cBhvr>
+                                        <p:cTn id="28" dur="1" fill="hold">
+                                          <p:stCondLst>
+                                            <p:cond delay="0"/>
+                                          </p:stCondLst>
+                                        </p:cTn>
+                                        <p:tgtEl>
+                                          <p:spTgt spid="8"/>
+                                        </p:tgtEl>
+                                        <p:attrNameLst>
+                                          <p:attrName>style.visibility</p:attrName>
+                                        </p:attrNameLst>
+                                      </p:cBhvr>
+                                      <p:to>
+                                        <p:strVal val="visible"/>
+                                      </p:to>
+                                    </p:set>
+                                    <p:animEffect transition="in" filter="fade">
+                                      <p:cBhvr>
+                                        <p:cTn id="29" dur="500"/>
+                                        <p:tgtEl>
+                                          <p:spTgt spid="8"/>
+                                        </p:tgtEl>
+                                      </p:cBhvr>
+                                    </p:animEffect>
+                                  </p:childTnLst>
+                                </p:cTn>
+                              </p:par>
+                              <p:par>
+                                <p:cTn id="30" presetID="10" presetClass="entr" presetSubtype="0" fill="hold" grpId="0" nodeType="withEffect">
+                                  <p:stCondLst>
+                                    <p:cond delay="0"/>
+                                  </p:stCondLst>
+                                  <p:childTnLst>
+                                    <p:set>
+                                      <p:cBhvr>
+                                        <p:cTn id="31" dur="1" fill="hold">
+                                          <p:stCondLst>
+                                            <p:cond delay="0"/>
+                                          </p:stCondLst>
+                                        </p:cTn>
+                                        <p:tgtEl>
+                                          <p:spTgt spid="16"/>
+                                        </p:tgtEl>
+                                        <p:attrNameLst>
+                                          <p:attrName>style.visibility</p:attrName>
+                                        </p:attrNameLst>
+                                      </p:cBhvr>
+                                      <p:to>
+                                        <p:strVal val="visible"/>
+                                      </p:to>
+                                    </p:set>
+                                    <p:animEffect transition="in" filter="fade">
+                                      <p:cBhvr>
+                                        <p:cTn id="32" dur="500"/>
+                                        <p:tgtEl>
+                                          <p:spTgt spid="16"/>
+                                        </p:tgtEl>
+                                      </p:cBhvr>
+                                    </p:animEffect>
+                                  </p:childTnLst>
+                                </p:cTn>
+                              </p:par>
+                              <p:par>
+                                <p:cTn id="33" presetID="10" presetClass="entr" presetSubtype="0" fill="hold" nodeType="withEffect">
+                                  <p:stCondLst>
+                                    <p:cond delay="0"/>
+                                  </p:stCondLst>
+                                  <p:childTnLst>
+                                    <p:set>
+                                      <p:cBhvr>
+                                        <p:cTn id="34" dur="1" fill="hold">
+                                          <p:stCondLst>
+                                            <p:cond delay="0"/>
+                                          </p:stCondLst>
+                                        </p:cTn>
+                                        <p:tgtEl>
+                                          <p:spTgt spid="13"/>
+                                        </p:tgtEl>
+                                        <p:attrNameLst>
+                                          <p:attrName>style.visibility</p:attrName>
+                                        </p:attrNameLst>
+                                      </p:cBhvr>
+                                      <p:to>
+                                        <p:strVal val="visible"/>
+                                      </p:to>
+                                    </p:set>
+                                    <p:animEffect transition="in" filter="fade">
+                                      <p:cBhvr>
+                                        <p:cTn id="35" dur="500"/>
+                                        <p:tgtEl>
+                                          <p:spTgt spid="13"/>
+                                        </p:tgtEl>
+                                      </p:cBhvr>
+                                    </p:animEffect>
+                                  </p:childTnLst>
+                                </p:cTn>
+                              </p:par>
+                            </p:childTnLst>
+                          </p:cTn>
+                        </p:par>
+                      </p:childTnLst>
+                    </p:cTn>
+                  </p:par>
+                  <p:par>
+                    <p:cTn id="36" fill="hold">
+                      <p:stCondLst>
+                        <p:cond delay="indefinite"/>
+                      </p:stCondLst>
+                      <p:childTnLst>
+                        <p:par>
+                          <p:cTn id="37" fill="hold">
+                            <p:stCondLst>
+                              <p:cond delay="0"/>
+                            </p:stCondLst>
+                            <p:childTnLst>
+                              <p:par>
+                                <p:cTn id="38" presetID="22" presetClass="entr" presetSubtype="1" fill="hold" grpId="0" nodeType="clickEffect">
+                                  <p:stCondLst>
+                                    <p:cond delay="0"/>
+                                  </p:stCondLst>
+                                  <p:childTnLst>
+                                    <p:set>
+                                      <p:cBhvr>
+                                        <p:cTn id="39" dur="1" fill="hold">
+                                          <p:stCondLst>
+                                            <p:cond delay="0"/>
+                                          </p:stCondLst>
+                                        </p:cTn>
+                                        <p:tgtEl>
+                                          <p:spTgt spid="9"/>
+                                        </p:tgtEl>
+                                        <p:attrNameLst>
+                                          <p:attrName>style.visibility</p:attrName>
+                                        </p:attrNameLst>
+                                      </p:cBhvr>
+                                      <p:to>
+                                        <p:strVal val="visible"/>
+                                      </p:to>
+                                    </p:set>
+                                    <p:animEffect transition="in" filter="wipe(up)">
+                                      <p:cBhvr>
+                                        <p:cTn id="40" dur="500"/>
+                                        <p:tgtEl>
+                                          <p:spTgt spid="9"/>
+                                        </p:tgtEl>
+                                      </p:cBhvr>
+                                    </p:animEffect>
+                                  </p:childTnLst>
+                                </p:cTn>
+                              </p:par>
+                            </p:childTnLst>
+                          </p:cTn>
+                        </p:par>
+                      </p:childTnLst>
+                    </p:cTn>
+                  </p:par>
+                </p:childTnLst>
+              </p:cTn>
+              <p:prevCondLst>
+                <p:cond evt="onPrev" delay="0">
+                  <p:tgtEl>
+                    <p:sldTgt/>
+                  </p:tgtEl>
+                </p:cond>
+              </p:prevCondLst>
+              <p:nextCondLst>
+                <p:cond evt="onNext" delay="0">
+                  <p:tgtEl>
+                    <p:sldTgt/>
+                  </p:tgtEl>
+                </p:cond>
+              </p:nextCondLst>
+            </p:seq>
+          </p:childTnLst>
+        </p:cTn>
+      </p:par>
+    </p:tnLst>
+    <p:bldLst>
+      <p:bldP spid="6" grpId="0" animBg="1"/>
+      <p:bldP spid="7" grpId="0" animBg="1"/>
+      <p:bldP spid="8" grpId="0" animBg="1"/>
+      <p:bldP spid="9" grpId="0" animBg="1"/>
+      <p:bldP spid="14" grpId="0"/>
+      <p:bldP spid="15" grpId="0"/>
+      <p:bldP spid="16" grpId="0"/>
+    </p:bldLst>
+  </p:timing>
+</p:sld>
+</file>
+
+<file path=ppt/slides/slide7.xml><?xml version="1.0" encoding="utf-8"?>
+<p:sld xmlns:a="http://schemas.openxmlformats.org/drawingml/2006/main" xmlns:r="http://schemas.openxmlformats.org/officeDocument/2006/relationships" xmlns:p="http://schemas.openxmlformats.org/presentationml/2006/main">
+  <p:cSld>
+    <p:spTree>
+      <p:nvGrpSpPr>
+        <p:cNvPr id="1" name=""/>
+        <p:cNvGrpSpPr/>
+        <p:nvPr/>
+      </p:nvGrpSpPr>
+      <p:grpSpPr>
+        <a:xfrm>
+          <a:off x="0" y="0"/>
+          <a:ext cx="0" cy="0"/>
+          <a:chOff x="0" y="0"/>
+          <a:chExt cx="0" cy="0"/>
+        </a:xfrm>
+      </p:grpSpPr>
+      <p:sp>
+        <p:nvSpPr>
+          <p:cNvPr id="2" name="Título 1"/>
+          <p:cNvSpPr>
+            <a:spLocks noGrp="1"/>
+          </p:cNvSpPr>
+          <p:nvPr>
+            <p:ph type="title"/>
+          </p:nvPr>
+        </p:nvSpPr>
+        <p:spPr/>
+        <p:txBody>
+          <a:bodyPr>
+            <a:normAutofit/>
+          </a:bodyPr>
+          <a:lstStyle/>
+          <a:p>
+            <a:r>
+              <a:rPr lang="pt-BR" sz="3200" dirty="0" err="1" smtClean="0">
+                <a:latin typeface="Consolas" panose="020B0609020204030204" pitchFamily="49" charset="0"/>
+              </a:rPr>
+              <a:t>Arrays</a:t>
+            </a:r>
+            <a:r>
+              <a:rPr lang="pt-BR" sz="3200" dirty="0" smtClean="0">
+                <a:latin typeface="Consolas" panose="020B0609020204030204" pitchFamily="49" charset="0"/>
+              </a:rPr>
+              <a:t> em Java</a:t>
+            </a:r>
+            <a:endParaRPr lang="pt-BR" sz="3200" dirty="0">
+              <a:latin typeface="Consolas" panose="020B0609020204030204" pitchFamily="49" charset="0"/>
+            </a:endParaRPr>
+          </a:p>
+        </p:txBody>
+      </p:sp>
+      <p:pic>
+        <p:nvPicPr>
+          <p:cNvPr id="4" name="Imagem 3"/>
+          <p:cNvPicPr>
+            <a:picLocks noChangeAspect="1"/>
+          </p:cNvPicPr>
+          <p:nvPr/>
+        </p:nvPicPr>
+        <p:blipFill>
+          <a:blip r:embed="rId2" cstate="print">
+            <a:extLst>
+              <a:ext uri="{28A0092B-C50C-407E-A947-70E740481C1C}">
+                <a14:useLocalDpi xmlns:a14="http://schemas.microsoft.com/office/drawing/2010/main" val="0"/>
+              </a:ext>
+            </a:extLst>
+          </a:blip>
+          <a:stretch>
+            <a:fillRect/>
+          </a:stretch>
+        </p:blipFill>
+        <p:spPr>
+          <a:xfrm>
+            <a:off x="10441211" y="110689"/>
+            <a:ext cx="1750789" cy="2157949"/>
+          </a:xfrm>
+          <a:prstGeom prst="rect">
+            <a:avLst/>
+          </a:prstGeom>
+        </p:spPr>
+      </p:pic>
+      <p:sp>
+        <p:nvSpPr>
+          <p:cNvPr id="5" name="CaixaDeTexto 4"/>
+          <p:cNvSpPr txBox="1"/>
+          <p:nvPr/>
+        </p:nvSpPr>
+        <p:spPr>
+          <a:xfrm>
+            <a:off x="346879" y="2007028"/>
+            <a:ext cx="3378959" cy="523220"/>
+          </a:xfrm>
+          <a:prstGeom prst="rect">
+            <a:avLst/>
+          </a:prstGeom>
+          <a:noFill/>
+        </p:spPr>
+        <p:txBody>
+          <a:bodyPr wrap="square" rtlCol="0">
+            <a:spAutoFit/>
+          </a:bodyPr>
+          <a:lstStyle/>
+          <a:p>
+            <a:r>
+              <a:rPr lang="pt-BR" sz="2800" dirty="0" smtClean="0">
+                <a:latin typeface="Consolas" panose="020B0609020204030204" pitchFamily="49" charset="0"/>
+              </a:rPr>
+              <a:t>Variável(</a:t>
+            </a:r>
+            <a:r>
+              <a:rPr lang="pt-BR" sz="2800" dirty="0" err="1" smtClean="0">
+                <a:latin typeface="Consolas" panose="020B0609020204030204" pitchFamily="49" charset="0"/>
+              </a:rPr>
+              <a:t>int</a:t>
+            </a:r>
+            <a:r>
+              <a:rPr lang="pt-BR" sz="2800" dirty="0" smtClean="0">
+                <a:latin typeface="Consolas" panose="020B0609020204030204" pitchFamily="49" charset="0"/>
+              </a:rPr>
+              <a:t>) a </a:t>
+            </a:r>
+            <a:endParaRPr lang="pt-BR" sz="2800" dirty="0">
+              <a:latin typeface="Consolas" panose="020B0609020204030204" pitchFamily="49" charset="0"/>
+            </a:endParaRPr>
+          </a:p>
+        </p:txBody>
+      </p:sp>
+      <p:sp>
+        <p:nvSpPr>
+          <p:cNvPr id="6" name="Retângulo 5"/>
+          <p:cNvSpPr/>
+          <p:nvPr/>
+        </p:nvSpPr>
+        <p:spPr>
+          <a:xfrm>
+            <a:off x="2218357" y="2644623"/>
             <a:ext cx="528875" cy="564431"/>
           </a:xfrm>
           <a:prstGeom prst="rect">
@@ -10080,13 +10729,274 @@
       </p:sp>
       <p:sp>
         <p:nvSpPr>
-          <p:cNvPr id="16" name="Retângulo 15"/>
+          <p:cNvPr id="7" name="CaixaDeTexto 6"/>
+          <p:cNvSpPr txBox="1"/>
+          <p:nvPr/>
+        </p:nvSpPr>
+        <p:spPr>
+          <a:xfrm>
+            <a:off x="2205657" y="4422623"/>
+            <a:ext cx="528875" cy="523220"/>
+          </a:xfrm>
+          <a:prstGeom prst="rect">
+            <a:avLst/>
+          </a:prstGeom>
+          <a:noFill/>
+        </p:spPr>
+        <p:txBody>
+          <a:bodyPr wrap="square" rtlCol="0">
+            <a:spAutoFit/>
+          </a:bodyPr>
+          <a:lstStyle/>
+          <a:p>
+            <a:pPr algn="ctr"/>
+            <a:r>
+              <a:rPr lang="pt-BR" sz="2800" b="1" dirty="0" smtClean="0">
+                <a:solidFill>
+                  <a:srgbClr val="00FF00"/>
+                </a:solidFill>
+                <a:latin typeface="Consolas" panose="020B0609020204030204" pitchFamily="49" charset="0"/>
+              </a:rPr>
+              <a:t>3</a:t>
+            </a:r>
+            <a:endParaRPr lang="pt-BR" sz="2800" b="1" dirty="0">
+              <a:solidFill>
+                <a:srgbClr val="00FF00"/>
+              </a:solidFill>
+              <a:latin typeface="Consolas" panose="020B0609020204030204" pitchFamily="49" charset="0"/>
+            </a:endParaRPr>
+          </a:p>
+        </p:txBody>
+      </p:sp>
+      <p:sp>
+        <p:nvSpPr>
+          <p:cNvPr id="8" name="CaixaDeTexto 7"/>
+          <p:cNvSpPr txBox="1"/>
+          <p:nvPr/>
+        </p:nvSpPr>
+        <p:spPr>
+          <a:xfrm>
+            <a:off x="346879" y="2685840"/>
+            <a:ext cx="1370463" cy="400110"/>
+          </a:xfrm>
+          <a:prstGeom prst="rect">
+            <a:avLst/>
+          </a:prstGeom>
+          <a:noFill/>
+        </p:spPr>
+        <p:txBody>
+          <a:bodyPr wrap="square" rtlCol="0">
+            <a:spAutoFit/>
+          </a:bodyPr>
+          <a:lstStyle/>
+          <a:p>
+            <a:r>
+              <a:rPr lang="pt-BR" sz="2000" dirty="0" err="1">
+                <a:latin typeface="Consolas" panose="020B0609020204030204" pitchFamily="49" charset="0"/>
+              </a:rPr>
+              <a:t>i</a:t>
+            </a:r>
+            <a:r>
+              <a:rPr lang="pt-BR" sz="2000" dirty="0" err="1" smtClean="0">
+                <a:latin typeface="Consolas" panose="020B0609020204030204" pitchFamily="49" charset="0"/>
+              </a:rPr>
+              <a:t>nt</a:t>
+            </a:r>
+            <a:r>
+              <a:rPr lang="pt-BR" sz="2000" dirty="0" smtClean="0">
+                <a:latin typeface="Consolas" panose="020B0609020204030204" pitchFamily="49" charset="0"/>
+              </a:rPr>
+              <a:t> a;</a:t>
+            </a:r>
+            <a:endParaRPr lang="pt-BR" sz="2000" dirty="0">
+              <a:latin typeface="Consolas" panose="020B0609020204030204" pitchFamily="49" charset="0"/>
+            </a:endParaRPr>
+          </a:p>
+        </p:txBody>
+      </p:sp>
+      <p:cxnSp>
+        <p:nvCxnSpPr>
+          <p:cNvPr id="9" name="Conector de seta reta 8"/>
+          <p:cNvCxnSpPr/>
+          <p:nvPr/>
+        </p:nvCxnSpPr>
+        <p:spPr>
+          <a:xfrm>
+            <a:off x="1487602" y="2920619"/>
+            <a:ext cx="450376" cy="0"/>
+          </a:xfrm>
+          <a:prstGeom prst="straightConnector1">
+            <a:avLst/>
+          </a:prstGeom>
+          <a:ln w="28575">
+            <a:solidFill>
+              <a:schemeClr val="tx1">
+                <a:lumMod val="95000"/>
+              </a:schemeClr>
+            </a:solidFill>
+            <a:tailEnd type="triangle"/>
+          </a:ln>
+        </p:spPr>
+        <p:style>
+          <a:lnRef idx="1">
+            <a:schemeClr val="accent1"/>
+          </a:lnRef>
+          <a:fillRef idx="0">
+            <a:schemeClr val="accent1"/>
+          </a:fillRef>
+          <a:effectRef idx="0">
+            <a:schemeClr val="accent1"/>
+          </a:effectRef>
+          <a:fontRef idx="minor">
+            <a:schemeClr val="tx1"/>
+          </a:fontRef>
+        </p:style>
+      </p:cxnSp>
+      <p:sp>
+        <p:nvSpPr>
+          <p:cNvPr id="10" name="CaixaDeTexto 9"/>
+          <p:cNvSpPr txBox="1"/>
+          <p:nvPr/>
+        </p:nvSpPr>
+        <p:spPr>
+          <a:xfrm>
+            <a:off x="4443492" y="1995653"/>
+            <a:ext cx="3378959" cy="523220"/>
+          </a:xfrm>
+          <a:prstGeom prst="rect">
+            <a:avLst/>
+          </a:prstGeom>
+          <a:noFill/>
+        </p:spPr>
+        <p:txBody>
+          <a:bodyPr wrap="square" rtlCol="0">
+            <a:spAutoFit/>
+          </a:bodyPr>
+          <a:lstStyle/>
+          <a:p>
+            <a:r>
+              <a:rPr lang="pt-BR" sz="2800" dirty="0" err="1" smtClean="0">
+                <a:latin typeface="Consolas" panose="020B0609020204030204" pitchFamily="49" charset="0"/>
+              </a:rPr>
+              <a:t>Array</a:t>
+            </a:r>
+            <a:r>
+              <a:rPr lang="pt-BR" sz="2800" dirty="0" smtClean="0">
+                <a:latin typeface="Consolas" panose="020B0609020204030204" pitchFamily="49" charset="0"/>
+              </a:rPr>
+              <a:t>(</a:t>
+            </a:r>
+            <a:r>
+              <a:rPr lang="pt-BR" sz="2800" dirty="0" err="1" smtClean="0">
+                <a:latin typeface="Consolas" panose="020B0609020204030204" pitchFamily="49" charset="0"/>
+              </a:rPr>
+              <a:t>int</a:t>
+            </a:r>
+            <a:r>
+              <a:rPr lang="pt-BR" sz="2800" dirty="0" smtClean="0">
+                <a:latin typeface="Consolas" panose="020B0609020204030204" pitchFamily="49" charset="0"/>
+              </a:rPr>
+              <a:t>) x </a:t>
+            </a:r>
+            <a:endParaRPr lang="pt-BR" sz="2800" dirty="0">
+              <a:latin typeface="Consolas" panose="020B0609020204030204" pitchFamily="49" charset="0"/>
+            </a:endParaRPr>
+          </a:p>
+        </p:txBody>
+      </p:sp>
+      <p:sp>
+        <p:nvSpPr>
+          <p:cNvPr id="11" name="CaixaDeTexto 10"/>
+          <p:cNvSpPr txBox="1"/>
+          <p:nvPr/>
+        </p:nvSpPr>
+        <p:spPr>
+          <a:xfrm>
+            <a:off x="4525379" y="2701760"/>
+            <a:ext cx="1370463" cy="400110"/>
+          </a:xfrm>
+          <a:prstGeom prst="rect">
+            <a:avLst/>
+          </a:prstGeom>
+          <a:noFill/>
+        </p:spPr>
+        <p:txBody>
+          <a:bodyPr wrap="square" rtlCol="0">
+            <a:spAutoFit/>
+          </a:bodyPr>
+          <a:lstStyle/>
+          <a:p>
+            <a:r>
+              <a:rPr lang="pt-BR" sz="2000" u="sng" dirty="0" err="1">
+                <a:latin typeface="Consolas" panose="020B0609020204030204" pitchFamily="49" charset="0"/>
+              </a:rPr>
+              <a:t>i</a:t>
+            </a:r>
+            <a:r>
+              <a:rPr lang="pt-BR" sz="2000" u="sng" dirty="0" err="1" smtClean="0">
+                <a:latin typeface="Consolas" panose="020B0609020204030204" pitchFamily="49" charset="0"/>
+              </a:rPr>
+              <a:t>nt</a:t>
+            </a:r>
+            <a:r>
+              <a:rPr lang="pt-BR" sz="2000" dirty="0" smtClean="0">
+                <a:latin typeface="Consolas" panose="020B0609020204030204" pitchFamily="49" charset="0"/>
+              </a:rPr>
+              <a:t>[] x;</a:t>
+            </a:r>
+            <a:endParaRPr lang="pt-BR" sz="2000" dirty="0">
+              <a:latin typeface="Consolas" panose="020B0609020204030204" pitchFamily="49" charset="0"/>
+            </a:endParaRPr>
+          </a:p>
+        </p:txBody>
+      </p:sp>
+      <p:cxnSp>
+        <p:nvCxnSpPr>
+          <p:cNvPr id="12" name="Conector de seta reta 11"/>
+          <p:cNvCxnSpPr/>
+          <p:nvPr/>
+        </p:nvCxnSpPr>
+        <p:spPr>
+          <a:xfrm>
+            <a:off x="5895842" y="2922891"/>
+            <a:ext cx="1699142" cy="0"/>
+          </a:xfrm>
+          <a:prstGeom prst="straightConnector1">
+            <a:avLst/>
+          </a:prstGeom>
+          <a:ln w="28575">
+            <a:solidFill>
+              <a:schemeClr val="tx1">
+                <a:lumMod val="95000"/>
+              </a:schemeClr>
+            </a:solidFill>
+            <a:tailEnd type="triangle"/>
+          </a:ln>
+        </p:spPr>
+        <p:style>
+          <a:lnRef idx="1">
+            <a:schemeClr val="accent1"/>
+          </a:lnRef>
+          <a:fillRef idx="0">
+            <a:schemeClr val="accent1"/>
+          </a:fillRef>
+          <a:effectRef idx="0">
+            <a:schemeClr val="accent1"/>
+          </a:effectRef>
+          <a:fontRef idx="minor">
+            <a:schemeClr val="tx1"/>
+          </a:fontRef>
+        </p:style>
+      </p:cxnSp>
+      <p:sp>
+        <p:nvSpPr>
+          <p:cNvPr id="13" name="Retângulo 12"/>
           <p:cNvSpPr/>
           <p:nvPr/>
         </p:nvSpPr>
         <p:spPr>
           <a:xfrm>
-            <a:off x="9392546" y="2649167"/>
+            <a:off x="7807126" y="2649276"/>
             <a:ext cx="528875" cy="564431"/>
           </a:xfrm>
           <a:prstGeom prst="rect">
@@ -10130,14 +11040,14 @@
       </p:sp>
       <p:sp>
         <p:nvSpPr>
-          <p:cNvPr id="17" name="Retângulo 16"/>
+          <p:cNvPr id="14" name="Retângulo 13"/>
           <p:cNvSpPr/>
           <p:nvPr/>
         </p:nvSpPr>
         <p:spPr>
           <a:xfrm>
-            <a:off x="9920734" y="2649851"/>
-            <a:ext cx="528875" cy="563965"/>
+            <a:off x="8328020" y="2649169"/>
+            <a:ext cx="528875" cy="564431"/>
           </a:xfrm>
           <a:prstGeom prst="rect">
             <a:avLst/>
@@ -10149,7 +11059,6 @@
                 <a:lumMod val="95000"/>
               </a:schemeClr>
             </a:solidFill>
-            <a:prstDash val="sysDash"/>
           </a:ln>
         </p:spPr>
         <p:style>
@@ -10181,14 +11090,14 @@
       </p:sp>
       <p:sp>
         <p:nvSpPr>
-          <p:cNvPr id="18" name="Retângulo 17"/>
+          <p:cNvPr id="15" name="Retângulo 14"/>
           <p:cNvSpPr/>
           <p:nvPr/>
         </p:nvSpPr>
         <p:spPr>
           <a:xfrm>
-            <a:off x="10449371" y="2649852"/>
-            <a:ext cx="528875" cy="563965"/>
+            <a:off x="8860280" y="2649167"/>
+            <a:ext cx="528875" cy="564431"/>
           </a:xfrm>
           <a:prstGeom prst="rect">
             <a:avLst/>
@@ -10200,7 +11109,6 @@
                 <a:lumMod val="95000"/>
               </a:schemeClr>
             </a:solidFill>
-            <a:prstDash val="sysDash"/>
           </a:ln>
         </p:spPr>
         <p:style>
@@ -10232,131 +11140,13 @@
       </p:sp>
       <p:sp>
         <p:nvSpPr>
-          <p:cNvPr id="19" name="CaixaDeTexto 18"/>
-          <p:cNvSpPr txBox="1"/>
-          <p:nvPr/>
-        </p:nvSpPr>
-        <p:spPr>
-          <a:xfrm>
-            <a:off x="10900779" y="2943060"/>
-            <a:ext cx="759632" cy="400110"/>
-          </a:xfrm>
-          <a:prstGeom prst="rect">
-            <a:avLst/>
-          </a:prstGeom>
-          <a:noFill/>
-        </p:spPr>
-        <p:txBody>
-          <a:bodyPr wrap="square" rtlCol="0">
-            <a:spAutoFit/>
-          </a:bodyPr>
-          <a:lstStyle/>
-          <a:p>
-            <a:r>
-              <a:rPr lang="pt-BR" sz="2000" dirty="0" smtClean="0">
-                <a:latin typeface="Consolas" panose="020B0609020204030204" pitchFamily="49" charset="0"/>
-              </a:rPr>
-              <a:t>...</a:t>
-            </a:r>
-            <a:endParaRPr lang="pt-BR" sz="2000" dirty="0">
-              <a:latin typeface="Consolas" panose="020B0609020204030204" pitchFamily="49" charset="0"/>
-            </a:endParaRPr>
-          </a:p>
-        </p:txBody>
-      </p:sp>
-      <p:sp>
-        <p:nvSpPr>
-          <p:cNvPr id="20" name="CaixaDeTexto 19"/>
-          <p:cNvSpPr txBox="1"/>
-          <p:nvPr/>
-        </p:nvSpPr>
-        <p:spPr>
-          <a:xfrm>
-            <a:off x="4525378" y="3426990"/>
-            <a:ext cx="2904122" cy="400110"/>
-          </a:xfrm>
-          <a:prstGeom prst="rect">
-            <a:avLst/>
-          </a:prstGeom>
-          <a:noFill/>
-        </p:spPr>
-        <p:txBody>
-          <a:bodyPr wrap="square" rtlCol="0">
-            <a:spAutoFit/>
-          </a:bodyPr>
-          <a:lstStyle/>
-          <a:p>
-            <a:r>
-              <a:rPr lang="pt-BR" sz="2000" dirty="0" smtClean="0">
-                <a:latin typeface="Consolas" panose="020B0609020204030204" pitchFamily="49" charset="0"/>
-              </a:rPr>
-              <a:t>x = new </a:t>
-            </a:r>
-            <a:r>
-              <a:rPr lang="pt-BR" sz="2000" dirty="0" err="1" smtClean="0">
-                <a:latin typeface="Consolas" panose="020B0609020204030204" pitchFamily="49" charset="0"/>
-              </a:rPr>
-              <a:t>int</a:t>
-            </a:r>
-            <a:r>
-              <a:rPr lang="pt-BR" sz="2000" dirty="0" smtClean="0">
-                <a:latin typeface="Consolas" panose="020B0609020204030204" pitchFamily="49" charset="0"/>
-              </a:rPr>
-              <a:t>[4];</a:t>
-            </a:r>
-            <a:endParaRPr lang="pt-BR" sz="2000" dirty="0">
-              <a:latin typeface="Consolas" panose="020B0609020204030204" pitchFamily="49" charset="0"/>
-            </a:endParaRPr>
-          </a:p>
-        </p:txBody>
-      </p:sp>
-      <p:cxnSp>
-        <p:nvCxnSpPr>
-          <p:cNvPr id="22" name="Conector de seta reta 21"/>
-          <p:cNvCxnSpPr/>
-          <p:nvPr/>
-        </p:nvCxnSpPr>
-        <p:spPr>
-          <a:xfrm>
-            <a:off x="6848342" y="3667111"/>
-            <a:ext cx="746642" cy="0"/>
-          </a:xfrm>
-          <a:prstGeom prst="straightConnector1">
-            <a:avLst/>
-          </a:prstGeom>
-          <a:ln w="28575">
-            <a:solidFill>
-              <a:schemeClr val="tx1">
-                <a:lumMod val="95000"/>
-              </a:schemeClr>
-            </a:solidFill>
-            <a:tailEnd type="triangle"/>
-          </a:ln>
-        </p:spPr>
-        <p:style>
-          <a:lnRef idx="1">
-            <a:schemeClr val="accent1"/>
-          </a:lnRef>
-          <a:fillRef idx="0">
-            <a:schemeClr val="accent1"/>
-          </a:fillRef>
-          <a:effectRef idx="0">
-            <a:schemeClr val="accent1"/>
-          </a:effectRef>
-          <a:fontRef idx="minor">
-            <a:schemeClr val="tx1"/>
-          </a:fontRef>
-        </p:style>
-      </p:cxnSp>
-      <p:sp>
-        <p:nvSpPr>
-          <p:cNvPr id="24" name="Retângulo 23"/>
+          <p:cNvPr id="16" name="Retângulo 15"/>
           <p:cNvSpPr/>
           <p:nvPr/>
         </p:nvSpPr>
         <p:spPr>
           <a:xfrm>
-            <a:off x="7807126" y="3342696"/>
+            <a:off x="9392546" y="2649167"/>
             <a:ext cx="528875" cy="564431"/>
           </a:xfrm>
           <a:prstGeom prst="rect">
@@ -10400,14 +11190,14 @@
       </p:sp>
       <p:sp>
         <p:nvSpPr>
-          <p:cNvPr id="25" name="Retângulo 24"/>
+          <p:cNvPr id="17" name="Retângulo 16"/>
           <p:cNvSpPr/>
           <p:nvPr/>
         </p:nvSpPr>
         <p:spPr>
           <a:xfrm>
-            <a:off x="8328020" y="3342589"/>
-            <a:ext cx="528875" cy="564431"/>
+            <a:off x="9920734" y="2649851"/>
+            <a:ext cx="528875" cy="563965"/>
           </a:xfrm>
           <a:prstGeom prst="rect">
             <a:avLst/>
@@ -10419,6 +11209,7 @@
                 <a:lumMod val="95000"/>
               </a:schemeClr>
             </a:solidFill>
+            <a:prstDash val="sysDash"/>
           </a:ln>
         </p:spPr>
         <p:style>
@@ -10450,14 +11241,14 @@
       </p:sp>
       <p:sp>
         <p:nvSpPr>
-          <p:cNvPr id="26" name="Retângulo 25"/>
+          <p:cNvPr id="18" name="Retângulo 17"/>
           <p:cNvSpPr/>
           <p:nvPr/>
         </p:nvSpPr>
         <p:spPr>
           <a:xfrm>
-            <a:off x="8860280" y="3342587"/>
-            <a:ext cx="528875" cy="564431"/>
+            <a:off x="10449371" y="2649852"/>
+            <a:ext cx="528875" cy="563965"/>
           </a:xfrm>
           <a:prstGeom prst="rect">
             <a:avLst/>
@@ -10469,6 +11260,7 @@
                 <a:lumMod val="95000"/>
               </a:schemeClr>
             </a:solidFill>
+            <a:prstDash val="sysDash"/>
           </a:ln>
         </p:spPr>
         <p:style>
@@ -10500,13 +11292,131 @@
       </p:sp>
       <p:sp>
         <p:nvSpPr>
-          <p:cNvPr id="27" name="Retângulo 26"/>
+          <p:cNvPr id="19" name="CaixaDeTexto 18"/>
+          <p:cNvSpPr txBox="1"/>
+          <p:nvPr/>
+        </p:nvSpPr>
+        <p:spPr>
+          <a:xfrm>
+            <a:off x="10900779" y="2943060"/>
+            <a:ext cx="759632" cy="400110"/>
+          </a:xfrm>
+          <a:prstGeom prst="rect">
+            <a:avLst/>
+          </a:prstGeom>
+          <a:noFill/>
+        </p:spPr>
+        <p:txBody>
+          <a:bodyPr wrap="square" rtlCol="0">
+            <a:spAutoFit/>
+          </a:bodyPr>
+          <a:lstStyle/>
+          <a:p>
+            <a:r>
+              <a:rPr lang="pt-BR" sz="2000" dirty="0" smtClean="0">
+                <a:latin typeface="Consolas" panose="020B0609020204030204" pitchFamily="49" charset="0"/>
+              </a:rPr>
+              <a:t>...</a:t>
+            </a:r>
+            <a:endParaRPr lang="pt-BR" sz="2000" dirty="0">
+              <a:latin typeface="Consolas" panose="020B0609020204030204" pitchFamily="49" charset="0"/>
+            </a:endParaRPr>
+          </a:p>
+        </p:txBody>
+      </p:sp>
+      <p:sp>
+        <p:nvSpPr>
+          <p:cNvPr id="20" name="CaixaDeTexto 19"/>
+          <p:cNvSpPr txBox="1"/>
+          <p:nvPr/>
+        </p:nvSpPr>
+        <p:spPr>
+          <a:xfrm>
+            <a:off x="4525378" y="3426990"/>
+            <a:ext cx="2904122" cy="400110"/>
+          </a:xfrm>
+          <a:prstGeom prst="rect">
+            <a:avLst/>
+          </a:prstGeom>
+          <a:noFill/>
+        </p:spPr>
+        <p:txBody>
+          <a:bodyPr wrap="square" rtlCol="0">
+            <a:spAutoFit/>
+          </a:bodyPr>
+          <a:lstStyle/>
+          <a:p>
+            <a:r>
+              <a:rPr lang="pt-BR" sz="2000" dirty="0" smtClean="0">
+                <a:latin typeface="Consolas" panose="020B0609020204030204" pitchFamily="49" charset="0"/>
+              </a:rPr>
+              <a:t>x = new </a:t>
+            </a:r>
+            <a:r>
+              <a:rPr lang="pt-BR" sz="2000" dirty="0" err="1" smtClean="0">
+                <a:latin typeface="Consolas" panose="020B0609020204030204" pitchFamily="49" charset="0"/>
+              </a:rPr>
+              <a:t>int</a:t>
+            </a:r>
+            <a:r>
+              <a:rPr lang="pt-BR" sz="2000" dirty="0" smtClean="0">
+                <a:latin typeface="Consolas" panose="020B0609020204030204" pitchFamily="49" charset="0"/>
+              </a:rPr>
+              <a:t>[4];</a:t>
+            </a:r>
+            <a:endParaRPr lang="pt-BR" sz="2000" dirty="0">
+              <a:latin typeface="Consolas" panose="020B0609020204030204" pitchFamily="49" charset="0"/>
+            </a:endParaRPr>
+          </a:p>
+        </p:txBody>
+      </p:sp>
+      <p:cxnSp>
+        <p:nvCxnSpPr>
+          <p:cNvPr id="22" name="Conector de seta reta 21"/>
+          <p:cNvCxnSpPr/>
+          <p:nvPr/>
+        </p:nvCxnSpPr>
+        <p:spPr>
+          <a:xfrm>
+            <a:off x="6848342" y="3667111"/>
+            <a:ext cx="746642" cy="0"/>
+          </a:xfrm>
+          <a:prstGeom prst="straightConnector1">
+            <a:avLst/>
+          </a:prstGeom>
+          <a:ln w="28575">
+            <a:solidFill>
+              <a:schemeClr val="tx1">
+                <a:lumMod val="95000"/>
+              </a:schemeClr>
+            </a:solidFill>
+            <a:tailEnd type="triangle"/>
+          </a:ln>
+        </p:spPr>
+        <p:style>
+          <a:lnRef idx="1">
+            <a:schemeClr val="accent1"/>
+          </a:lnRef>
+          <a:fillRef idx="0">
+            <a:schemeClr val="accent1"/>
+          </a:fillRef>
+          <a:effectRef idx="0">
+            <a:schemeClr val="accent1"/>
+          </a:effectRef>
+          <a:fontRef idx="minor">
+            <a:schemeClr val="tx1"/>
+          </a:fontRef>
+        </p:style>
+      </p:cxnSp>
+      <p:sp>
+        <p:nvSpPr>
+          <p:cNvPr id="24" name="Retângulo 23"/>
           <p:cNvSpPr/>
           <p:nvPr/>
         </p:nvSpPr>
         <p:spPr>
           <a:xfrm>
-            <a:off x="9392546" y="3342587"/>
+            <a:off x="7807126" y="3342696"/>
             <a:ext cx="528875" cy="564431"/>
           </a:xfrm>
           <a:prstGeom prst="rect">
@@ -10550,13 +11460,13 @@
       </p:sp>
       <p:sp>
         <p:nvSpPr>
-          <p:cNvPr id="28" name="Retângulo 27"/>
+          <p:cNvPr id="25" name="Retângulo 24"/>
           <p:cNvSpPr/>
           <p:nvPr/>
         </p:nvSpPr>
         <p:spPr>
           <a:xfrm>
-            <a:off x="2205657" y="4397223"/>
+            <a:off x="8328020" y="3342589"/>
             <a:ext cx="528875" cy="564431"/>
           </a:xfrm>
           <a:prstGeom prst="rect">
@@ -10600,209 +11510,13 @@
       </p:sp>
       <p:sp>
         <p:nvSpPr>
-          <p:cNvPr id="29" name="CaixaDeTexto 28"/>
-          <p:cNvSpPr txBox="1"/>
-          <p:nvPr/>
-        </p:nvSpPr>
-        <p:spPr>
-          <a:xfrm>
-            <a:off x="334179" y="4438440"/>
-            <a:ext cx="1370463" cy="400110"/>
-          </a:xfrm>
-          <a:prstGeom prst="rect">
-            <a:avLst/>
-          </a:prstGeom>
-          <a:noFill/>
-        </p:spPr>
-        <p:txBody>
-          <a:bodyPr wrap="square" rtlCol="0">
-            <a:spAutoFit/>
-          </a:bodyPr>
-          <a:lstStyle/>
-          <a:p>
-            <a:r>
-              <a:rPr lang="pt-BR" sz="2000" dirty="0">
-                <a:latin typeface="Consolas" panose="020B0609020204030204" pitchFamily="49" charset="0"/>
-              </a:rPr>
-              <a:t>a</a:t>
-            </a:r>
-            <a:r>
-              <a:rPr lang="pt-BR" sz="2000" dirty="0" smtClean="0">
-                <a:latin typeface="Consolas" panose="020B0609020204030204" pitchFamily="49" charset="0"/>
-              </a:rPr>
-              <a:t> = 3;</a:t>
-            </a:r>
-            <a:endParaRPr lang="pt-BR" sz="2000" dirty="0">
-              <a:latin typeface="Consolas" panose="020B0609020204030204" pitchFamily="49" charset="0"/>
-            </a:endParaRPr>
-          </a:p>
-        </p:txBody>
-      </p:sp>
-      <p:cxnSp>
-        <p:nvCxnSpPr>
-          <p:cNvPr id="30" name="Conector de seta reta 29"/>
-          <p:cNvCxnSpPr/>
-          <p:nvPr/>
-        </p:nvCxnSpPr>
-        <p:spPr>
-          <a:xfrm>
-            <a:off x="1474902" y="4673219"/>
-            <a:ext cx="450376" cy="0"/>
-          </a:xfrm>
-          <a:prstGeom prst="straightConnector1">
-            <a:avLst/>
-          </a:prstGeom>
-          <a:ln w="28575">
-            <a:solidFill>
-              <a:schemeClr val="tx1">
-                <a:lumMod val="95000"/>
-              </a:schemeClr>
-            </a:solidFill>
-            <a:tailEnd type="triangle"/>
-          </a:ln>
-        </p:spPr>
-        <p:style>
-          <a:lnRef idx="1">
-            <a:schemeClr val="accent1"/>
-          </a:lnRef>
-          <a:fillRef idx="0">
-            <a:schemeClr val="accent1"/>
-          </a:fillRef>
-          <a:effectRef idx="0">
-            <a:schemeClr val="accent1"/>
-          </a:effectRef>
-          <a:fontRef idx="minor">
-            <a:schemeClr val="tx1"/>
-          </a:fontRef>
-        </p:style>
-      </p:cxnSp>
-      <p:sp>
-        <p:nvSpPr>
-          <p:cNvPr id="31" name="CaixaDeTexto 30"/>
-          <p:cNvSpPr txBox="1"/>
-          <p:nvPr/>
-        </p:nvSpPr>
-        <p:spPr>
-          <a:xfrm>
-            <a:off x="7870371" y="3883389"/>
-            <a:ext cx="2050363" cy="400110"/>
-          </a:xfrm>
-          <a:prstGeom prst="rect">
-            <a:avLst/>
-          </a:prstGeom>
-          <a:noFill/>
-        </p:spPr>
-        <p:txBody>
-          <a:bodyPr wrap="square" rtlCol="0">
-            <a:spAutoFit/>
-          </a:bodyPr>
-          <a:lstStyle/>
-          <a:p>
-            <a:r>
-              <a:rPr lang="pt-BR" sz="2000" dirty="0" smtClean="0">
-                <a:solidFill>
-                  <a:srgbClr val="99CCFF"/>
-                </a:solidFill>
-                <a:latin typeface="Consolas" panose="020B0609020204030204" pitchFamily="49" charset="0"/>
-              </a:rPr>
-              <a:t>0   1   2   3</a:t>
-            </a:r>
-            <a:endParaRPr lang="pt-BR" sz="2000" dirty="0">
-              <a:solidFill>
-                <a:srgbClr val="99CCFF"/>
-              </a:solidFill>
-              <a:latin typeface="Consolas" panose="020B0609020204030204" pitchFamily="49" charset="0"/>
-            </a:endParaRPr>
-          </a:p>
-        </p:txBody>
-      </p:sp>
-      <p:sp>
-        <p:nvSpPr>
-          <p:cNvPr id="32" name="CaixaDeTexto 31"/>
-          <p:cNvSpPr txBox="1"/>
-          <p:nvPr/>
-        </p:nvSpPr>
-        <p:spPr>
-          <a:xfrm>
-            <a:off x="4525378" y="4473164"/>
-            <a:ext cx="2904122" cy="400110"/>
-          </a:xfrm>
-          <a:prstGeom prst="rect">
-            <a:avLst/>
-          </a:prstGeom>
-          <a:noFill/>
-        </p:spPr>
-        <p:txBody>
-          <a:bodyPr wrap="square" rtlCol="0">
-            <a:spAutoFit/>
-          </a:bodyPr>
-          <a:lstStyle/>
-          <a:p>
-            <a:r>
-              <a:rPr lang="pt-BR" sz="2000" dirty="0">
-                <a:latin typeface="Consolas" panose="020B0609020204030204" pitchFamily="49" charset="0"/>
-              </a:rPr>
-              <a:t>x</a:t>
-            </a:r>
-            <a:r>
-              <a:rPr lang="pt-BR" sz="2000" dirty="0" smtClean="0">
-                <a:latin typeface="Consolas" panose="020B0609020204030204" pitchFamily="49" charset="0"/>
-              </a:rPr>
-              <a:t>[0] = 3;</a:t>
-            </a:r>
-            <a:endParaRPr lang="pt-BR" sz="2000" dirty="0">
-              <a:latin typeface="Consolas" panose="020B0609020204030204" pitchFamily="49" charset="0"/>
-            </a:endParaRPr>
-          </a:p>
-        </p:txBody>
-      </p:sp>
-      <p:cxnSp>
-        <p:nvCxnSpPr>
-          <p:cNvPr id="33" name="Conector de seta reta 32"/>
-          <p:cNvCxnSpPr/>
-          <p:nvPr/>
-        </p:nvCxnSpPr>
-        <p:spPr>
-          <a:xfrm>
-            <a:off x="6086342" y="4688191"/>
-            <a:ext cx="1508642" cy="0"/>
-          </a:xfrm>
-          <a:prstGeom prst="straightConnector1">
-            <a:avLst/>
-          </a:prstGeom>
-          <a:ln w="28575">
-            <a:solidFill>
-              <a:schemeClr val="tx1">
-                <a:lumMod val="95000"/>
-              </a:schemeClr>
-            </a:solidFill>
-            <a:tailEnd type="triangle"/>
-          </a:ln>
-        </p:spPr>
-        <p:style>
-          <a:lnRef idx="1">
-            <a:schemeClr val="accent1"/>
-          </a:lnRef>
-          <a:fillRef idx="0">
-            <a:schemeClr val="accent1"/>
-          </a:fillRef>
-          <a:effectRef idx="0">
-            <a:schemeClr val="accent1"/>
-          </a:effectRef>
-          <a:fontRef idx="minor">
-            <a:schemeClr val="tx1"/>
-          </a:fontRef>
-        </p:style>
-      </p:cxnSp>
-      <p:sp>
-        <p:nvSpPr>
-          <p:cNvPr id="39" name="Retângulo 38"/>
+          <p:cNvPr id="26" name="Retângulo 25"/>
           <p:cNvSpPr/>
           <p:nvPr/>
         </p:nvSpPr>
         <p:spPr>
           <a:xfrm>
-            <a:off x="7807126" y="4409496"/>
+            <a:off x="8860280" y="3342587"/>
             <a:ext cx="528875" cy="564431"/>
           </a:xfrm>
           <a:prstGeom prst="rect">
@@ -10846,13 +11560,13 @@
       </p:sp>
       <p:sp>
         <p:nvSpPr>
-          <p:cNvPr id="40" name="Retângulo 39"/>
+          <p:cNvPr id="27" name="Retângulo 26"/>
           <p:cNvSpPr/>
           <p:nvPr/>
         </p:nvSpPr>
         <p:spPr>
           <a:xfrm>
-            <a:off x="8328020" y="4409389"/>
+            <a:off x="9392546" y="3342587"/>
             <a:ext cx="528875" cy="564431"/>
           </a:xfrm>
           <a:prstGeom prst="rect">
@@ -10896,13 +11610,13 @@
       </p:sp>
       <p:sp>
         <p:nvSpPr>
-          <p:cNvPr id="41" name="Retângulo 40"/>
+          <p:cNvPr id="28" name="Retângulo 27"/>
           <p:cNvSpPr/>
           <p:nvPr/>
         </p:nvSpPr>
         <p:spPr>
           <a:xfrm>
-            <a:off x="8860280" y="4409387"/>
+            <a:off x="2205657" y="4397223"/>
             <a:ext cx="528875" cy="564431"/>
           </a:xfrm>
           <a:prstGeom prst="rect">
@@ -10946,13 +11660,209 @@
       </p:sp>
       <p:sp>
         <p:nvSpPr>
-          <p:cNvPr id="42" name="Retângulo 41"/>
+          <p:cNvPr id="29" name="CaixaDeTexto 28"/>
+          <p:cNvSpPr txBox="1"/>
+          <p:nvPr/>
+        </p:nvSpPr>
+        <p:spPr>
+          <a:xfrm>
+            <a:off x="334179" y="4438440"/>
+            <a:ext cx="1370463" cy="400110"/>
+          </a:xfrm>
+          <a:prstGeom prst="rect">
+            <a:avLst/>
+          </a:prstGeom>
+          <a:noFill/>
+        </p:spPr>
+        <p:txBody>
+          <a:bodyPr wrap="square" rtlCol="0">
+            <a:spAutoFit/>
+          </a:bodyPr>
+          <a:lstStyle/>
+          <a:p>
+            <a:r>
+              <a:rPr lang="pt-BR" sz="2000" dirty="0">
+                <a:latin typeface="Consolas" panose="020B0609020204030204" pitchFamily="49" charset="0"/>
+              </a:rPr>
+              <a:t>a</a:t>
+            </a:r>
+            <a:r>
+              <a:rPr lang="pt-BR" sz="2000" dirty="0" smtClean="0">
+                <a:latin typeface="Consolas" panose="020B0609020204030204" pitchFamily="49" charset="0"/>
+              </a:rPr>
+              <a:t> = 3;</a:t>
+            </a:r>
+            <a:endParaRPr lang="pt-BR" sz="2000" dirty="0">
+              <a:latin typeface="Consolas" panose="020B0609020204030204" pitchFamily="49" charset="0"/>
+            </a:endParaRPr>
+          </a:p>
+        </p:txBody>
+      </p:sp>
+      <p:cxnSp>
+        <p:nvCxnSpPr>
+          <p:cNvPr id="30" name="Conector de seta reta 29"/>
+          <p:cNvCxnSpPr/>
+          <p:nvPr/>
+        </p:nvCxnSpPr>
+        <p:spPr>
+          <a:xfrm>
+            <a:off x="1474902" y="4673219"/>
+            <a:ext cx="450376" cy="0"/>
+          </a:xfrm>
+          <a:prstGeom prst="straightConnector1">
+            <a:avLst/>
+          </a:prstGeom>
+          <a:ln w="28575">
+            <a:solidFill>
+              <a:schemeClr val="tx1">
+                <a:lumMod val="95000"/>
+              </a:schemeClr>
+            </a:solidFill>
+            <a:tailEnd type="triangle"/>
+          </a:ln>
+        </p:spPr>
+        <p:style>
+          <a:lnRef idx="1">
+            <a:schemeClr val="accent1"/>
+          </a:lnRef>
+          <a:fillRef idx="0">
+            <a:schemeClr val="accent1"/>
+          </a:fillRef>
+          <a:effectRef idx="0">
+            <a:schemeClr val="accent1"/>
+          </a:effectRef>
+          <a:fontRef idx="minor">
+            <a:schemeClr val="tx1"/>
+          </a:fontRef>
+        </p:style>
+      </p:cxnSp>
+      <p:sp>
+        <p:nvSpPr>
+          <p:cNvPr id="31" name="CaixaDeTexto 30"/>
+          <p:cNvSpPr txBox="1"/>
+          <p:nvPr/>
+        </p:nvSpPr>
+        <p:spPr>
+          <a:xfrm>
+            <a:off x="7870371" y="3883389"/>
+            <a:ext cx="2050363" cy="400110"/>
+          </a:xfrm>
+          <a:prstGeom prst="rect">
+            <a:avLst/>
+          </a:prstGeom>
+          <a:noFill/>
+        </p:spPr>
+        <p:txBody>
+          <a:bodyPr wrap="square" rtlCol="0">
+            <a:spAutoFit/>
+          </a:bodyPr>
+          <a:lstStyle/>
+          <a:p>
+            <a:r>
+              <a:rPr lang="pt-BR" sz="2000" dirty="0" smtClean="0">
+                <a:solidFill>
+                  <a:srgbClr val="99CCFF"/>
+                </a:solidFill>
+                <a:latin typeface="Consolas" panose="020B0609020204030204" pitchFamily="49" charset="0"/>
+              </a:rPr>
+              <a:t>0   1   2   3</a:t>
+            </a:r>
+            <a:endParaRPr lang="pt-BR" sz="2000" dirty="0">
+              <a:solidFill>
+                <a:srgbClr val="99CCFF"/>
+              </a:solidFill>
+              <a:latin typeface="Consolas" panose="020B0609020204030204" pitchFamily="49" charset="0"/>
+            </a:endParaRPr>
+          </a:p>
+        </p:txBody>
+      </p:sp>
+      <p:sp>
+        <p:nvSpPr>
+          <p:cNvPr id="32" name="CaixaDeTexto 31"/>
+          <p:cNvSpPr txBox="1"/>
+          <p:nvPr/>
+        </p:nvSpPr>
+        <p:spPr>
+          <a:xfrm>
+            <a:off x="4525378" y="4473164"/>
+            <a:ext cx="2904122" cy="400110"/>
+          </a:xfrm>
+          <a:prstGeom prst="rect">
+            <a:avLst/>
+          </a:prstGeom>
+          <a:noFill/>
+        </p:spPr>
+        <p:txBody>
+          <a:bodyPr wrap="square" rtlCol="0">
+            <a:spAutoFit/>
+          </a:bodyPr>
+          <a:lstStyle/>
+          <a:p>
+            <a:r>
+              <a:rPr lang="pt-BR" sz="2000" dirty="0">
+                <a:latin typeface="Consolas" panose="020B0609020204030204" pitchFamily="49" charset="0"/>
+              </a:rPr>
+              <a:t>x</a:t>
+            </a:r>
+            <a:r>
+              <a:rPr lang="pt-BR" sz="2000" dirty="0" smtClean="0">
+                <a:latin typeface="Consolas" panose="020B0609020204030204" pitchFamily="49" charset="0"/>
+              </a:rPr>
+              <a:t>[0] = 3;</a:t>
+            </a:r>
+            <a:endParaRPr lang="pt-BR" sz="2000" dirty="0">
+              <a:latin typeface="Consolas" panose="020B0609020204030204" pitchFamily="49" charset="0"/>
+            </a:endParaRPr>
+          </a:p>
+        </p:txBody>
+      </p:sp>
+      <p:cxnSp>
+        <p:nvCxnSpPr>
+          <p:cNvPr id="33" name="Conector de seta reta 32"/>
+          <p:cNvCxnSpPr/>
+          <p:nvPr/>
+        </p:nvCxnSpPr>
+        <p:spPr>
+          <a:xfrm>
+            <a:off x="6086342" y="4688191"/>
+            <a:ext cx="1508642" cy="0"/>
+          </a:xfrm>
+          <a:prstGeom prst="straightConnector1">
+            <a:avLst/>
+          </a:prstGeom>
+          <a:ln w="28575">
+            <a:solidFill>
+              <a:schemeClr val="tx1">
+                <a:lumMod val="95000"/>
+              </a:schemeClr>
+            </a:solidFill>
+            <a:tailEnd type="triangle"/>
+          </a:ln>
+        </p:spPr>
+        <p:style>
+          <a:lnRef idx="1">
+            <a:schemeClr val="accent1"/>
+          </a:lnRef>
+          <a:fillRef idx="0">
+            <a:schemeClr val="accent1"/>
+          </a:fillRef>
+          <a:effectRef idx="0">
+            <a:schemeClr val="accent1"/>
+          </a:effectRef>
+          <a:fontRef idx="minor">
+            <a:schemeClr val="tx1"/>
+          </a:fontRef>
+        </p:style>
+      </p:cxnSp>
+      <p:sp>
+        <p:nvSpPr>
+          <p:cNvPr id="39" name="Retângulo 38"/>
           <p:cNvSpPr/>
           <p:nvPr/>
         </p:nvSpPr>
         <p:spPr>
           <a:xfrm>
-            <a:off x="9392546" y="4409387"/>
+            <a:off x="7807126" y="4409496"/>
             <a:ext cx="528875" cy="564431"/>
           </a:xfrm>
           <a:prstGeom prst="rect">
@@ -10996,166 +11906,13 @@
       </p:sp>
       <p:sp>
         <p:nvSpPr>
-          <p:cNvPr id="43" name="CaixaDeTexto 42"/>
-          <p:cNvSpPr txBox="1"/>
-          <p:nvPr/>
-        </p:nvSpPr>
-        <p:spPr>
-          <a:xfrm>
-            <a:off x="7730671" y="4950189"/>
-            <a:ext cx="2797629" cy="338554"/>
-          </a:xfrm>
-          <a:prstGeom prst="rect">
-            <a:avLst/>
-          </a:prstGeom>
-          <a:noFill/>
-        </p:spPr>
-        <p:txBody>
-          <a:bodyPr wrap="square" rtlCol="0">
-            <a:spAutoFit/>
-          </a:bodyPr>
-          <a:lstStyle/>
-          <a:p>
-            <a:r>
-              <a:rPr lang="pt-BR" sz="1600" dirty="0" smtClean="0">
-                <a:solidFill>
-                  <a:srgbClr val="66FFFF"/>
-                </a:solidFill>
-                <a:latin typeface="Consolas" panose="020B0609020204030204" pitchFamily="49" charset="0"/>
-              </a:rPr>
-              <a:t>x[0] x[1] x[2] x[3]</a:t>
-            </a:r>
-            <a:endParaRPr lang="pt-BR" sz="1600" dirty="0">
-              <a:solidFill>
-                <a:srgbClr val="66FFFF"/>
-              </a:solidFill>
-              <a:latin typeface="Consolas" panose="020B0609020204030204" pitchFamily="49" charset="0"/>
-            </a:endParaRPr>
-          </a:p>
-        </p:txBody>
-      </p:sp>
-      <p:sp>
-        <p:nvSpPr>
-          <p:cNvPr id="44" name="CaixaDeTexto 43"/>
-          <p:cNvSpPr txBox="1"/>
-          <p:nvPr/>
-        </p:nvSpPr>
-        <p:spPr>
-          <a:xfrm>
-            <a:off x="7806357" y="4435323"/>
-            <a:ext cx="528875" cy="523220"/>
-          </a:xfrm>
-          <a:prstGeom prst="rect">
-            <a:avLst/>
-          </a:prstGeom>
-          <a:noFill/>
-        </p:spPr>
-        <p:txBody>
-          <a:bodyPr wrap="square" rtlCol="0">
-            <a:spAutoFit/>
-          </a:bodyPr>
-          <a:lstStyle/>
-          <a:p>
-            <a:pPr algn="ctr"/>
-            <a:r>
-              <a:rPr lang="pt-BR" sz="2800" b="1" dirty="0" smtClean="0">
-                <a:solidFill>
-                  <a:srgbClr val="00FF00"/>
-                </a:solidFill>
-                <a:latin typeface="Consolas" panose="020B0609020204030204" pitchFamily="49" charset="0"/>
-              </a:rPr>
-              <a:t>3</a:t>
-            </a:r>
-            <a:endParaRPr lang="pt-BR" sz="2800" b="1" dirty="0">
-              <a:solidFill>
-                <a:srgbClr val="00FF00"/>
-              </a:solidFill>
-              <a:latin typeface="Consolas" panose="020B0609020204030204" pitchFamily="49" charset="0"/>
-            </a:endParaRPr>
-          </a:p>
-        </p:txBody>
-      </p:sp>
-      <p:sp>
-        <p:nvSpPr>
-          <p:cNvPr id="45" name="CaixaDeTexto 44"/>
-          <p:cNvSpPr txBox="1"/>
-          <p:nvPr/>
-        </p:nvSpPr>
-        <p:spPr>
-          <a:xfrm>
-            <a:off x="4525378" y="5463764"/>
-            <a:ext cx="2904122" cy="400110"/>
-          </a:xfrm>
-          <a:prstGeom prst="rect">
-            <a:avLst/>
-          </a:prstGeom>
-          <a:noFill/>
-        </p:spPr>
-        <p:txBody>
-          <a:bodyPr wrap="square" rtlCol="0">
-            <a:spAutoFit/>
-          </a:bodyPr>
-          <a:lstStyle/>
-          <a:p>
-            <a:r>
-              <a:rPr lang="pt-BR" sz="2000" dirty="0" smtClean="0">
-                <a:latin typeface="Consolas" panose="020B0609020204030204" pitchFamily="49" charset="0"/>
-              </a:rPr>
-              <a:t>x[1] = 5;</a:t>
-            </a:r>
-            <a:endParaRPr lang="pt-BR" sz="2000" dirty="0">
-              <a:latin typeface="Consolas" panose="020B0609020204030204" pitchFamily="49" charset="0"/>
-            </a:endParaRPr>
-          </a:p>
-        </p:txBody>
-      </p:sp>
-      <p:cxnSp>
-        <p:nvCxnSpPr>
-          <p:cNvPr id="46" name="Conector de seta reta 45"/>
-          <p:cNvCxnSpPr/>
-          <p:nvPr/>
-        </p:nvCxnSpPr>
-        <p:spPr>
-          <a:xfrm>
-            <a:off x="6086342" y="5678791"/>
-            <a:ext cx="1508642" cy="0"/>
-          </a:xfrm>
-          <a:prstGeom prst="straightConnector1">
-            <a:avLst/>
-          </a:prstGeom>
-          <a:ln w="28575">
-            <a:solidFill>
-              <a:schemeClr val="tx1">
-                <a:lumMod val="95000"/>
-              </a:schemeClr>
-            </a:solidFill>
-            <a:tailEnd type="triangle"/>
-          </a:ln>
-        </p:spPr>
-        <p:style>
-          <a:lnRef idx="1">
-            <a:schemeClr val="accent1"/>
-          </a:lnRef>
-          <a:fillRef idx="0">
-            <a:schemeClr val="accent1"/>
-          </a:fillRef>
-          <a:effectRef idx="0">
-            <a:schemeClr val="accent1"/>
-          </a:effectRef>
-          <a:fontRef idx="minor">
-            <a:schemeClr val="tx1"/>
-          </a:fontRef>
-        </p:style>
-      </p:cxnSp>
-      <p:sp>
-        <p:nvSpPr>
-          <p:cNvPr id="47" name="Retângulo 46"/>
+          <p:cNvPr id="40" name="Retângulo 39"/>
           <p:cNvSpPr/>
           <p:nvPr/>
         </p:nvSpPr>
         <p:spPr>
           <a:xfrm>
-            <a:off x="7807126" y="5400096"/>
+            <a:off x="8328020" y="4409389"/>
             <a:ext cx="528875" cy="564431"/>
           </a:xfrm>
           <a:prstGeom prst="rect">
@@ -11199,13 +11956,13 @@
       </p:sp>
       <p:sp>
         <p:nvSpPr>
-          <p:cNvPr id="48" name="Retângulo 47"/>
+          <p:cNvPr id="41" name="Retângulo 40"/>
           <p:cNvSpPr/>
           <p:nvPr/>
         </p:nvSpPr>
         <p:spPr>
           <a:xfrm>
-            <a:off x="8328020" y="5399989"/>
+            <a:off x="8860280" y="4409387"/>
             <a:ext cx="528875" cy="564431"/>
           </a:xfrm>
           <a:prstGeom prst="rect">
@@ -11249,13 +12006,13 @@
       </p:sp>
       <p:sp>
         <p:nvSpPr>
-          <p:cNvPr id="49" name="Retângulo 48"/>
+          <p:cNvPr id="42" name="Retângulo 41"/>
           <p:cNvSpPr/>
           <p:nvPr/>
         </p:nvSpPr>
         <p:spPr>
           <a:xfrm>
-            <a:off x="8860280" y="5399987"/>
+            <a:off x="9392546" y="4409387"/>
             <a:ext cx="528875" cy="564431"/>
           </a:xfrm>
           <a:prstGeom prst="rect">
@@ -11299,13 +12056,166 @@
       </p:sp>
       <p:sp>
         <p:nvSpPr>
-          <p:cNvPr id="50" name="Retângulo 49"/>
+          <p:cNvPr id="43" name="CaixaDeTexto 42"/>
+          <p:cNvSpPr txBox="1"/>
+          <p:nvPr/>
+        </p:nvSpPr>
+        <p:spPr>
+          <a:xfrm>
+            <a:off x="7730671" y="4950189"/>
+            <a:ext cx="2797629" cy="338554"/>
+          </a:xfrm>
+          <a:prstGeom prst="rect">
+            <a:avLst/>
+          </a:prstGeom>
+          <a:noFill/>
+        </p:spPr>
+        <p:txBody>
+          <a:bodyPr wrap="square" rtlCol="0">
+            <a:spAutoFit/>
+          </a:bodyPr>
+          <a:lstStyle/>
+          <a:p>
+            <a:r>
+              <a:rPr lang="pt-BR" sz="1600" dirty="0" smtClean="0">
+                <a:solidFill>
+                  <a:srgbClr val="66FFFF"/>
+                </a:solidFill>
+                <a:latin typeface="Consolas" panose="020B0609020204030204" pitchFamily="49" charset="0"/>
+              </a:rPr>
+              <a:t>x[0] x[1] x[2] x[3]</a:t>
+            </a:r>
+            <a:endParaRPr lang="pt-BR" sz="1600" dirty="0">
+              <a:solidFill>
+                <a:srgbClr val="66FFFF"/>
+              </a:solidFill>
+              <a:latin typeface="Consolas" panose="020B0609020204030204" pitchFamily="49" charset="0"/>
+            </a:endParaRPr>
+          </a:p>
+        </p:txBody>
+      </p:sp>
+      <p:sp>
+        <p:nvSpPr>
+          <p:cNvPr id="44" name="CaixaDeTexto 43"/>
+          <p:cNvSpPr txBox="1"/>
+          <p:nvPr/>
+        </p:nvSpPr>
+        <p:spPr>
+          <a:xfrm>
+            <a:off x="7806357" y="4435323"/>
+            <a:ext cx="528875" cy="523220"/>
+          </a:xfrm>
+          <a:prstGeom prst="rect">
+            <a:avLst/>
+          </a:prstGeom>
+          <a:noFill/>
+        </p:spPr>
+        <p:txBody>
+          <a:bodyPr wrap="square" rtlCol="0">
+            <a:spAutoFit/>
+          </a:bodyPr>
+          <a:lstStyle/>
+          <a:p>
+            <a:pPr algn="ctr"/>
+            <a:r>
+              <a:rPr lang="pt-BR" sz="2800" b="1" dirty="0" smtClean="0">
+                <a:solidFill>
+                  <a:srgbClr val="00FF00"/>
+                </a:solidFill>
+                <a:latin typeface="Consolas" panose="020B0609020204030204" pitchFamily="49" charset="0"/>
+              </a:rPr>
+              <a:t>3</a:t>
+            </a:r>
+            <a:endParaRPr lang="pt-BR" sz="2800" b="1" dirty="0">
+              <a:solidFill>
+                <a:srgbClr val="00FF00"/>
+              </a:solidFill>
+              <a:latin typeface="Consolas" panose="020B0609020204030204" pitchFamily="49" charset="0"/>
+            </a:endParaRPr>
+          </a:p>
+        </p:txBody>
+      </p:sp>
+      <p:sp>
+        <p:nvSpPr>
+          <p:cNvPr id="45" name="CaixaDeTexto 44"/>
+          <p:cNvSpPr txBox="1"/>
+          <p:nvPr/>
+        </p:nvSpPr>
+        <p:spPr>
+          <a:xfrm>
+            <a:off x="4525378" y="5463764"/>
+            <a:ext cx="2904122" cy="400110"/>
+          </a:xfrm>
+          <a:prstGeom prst="rect">
+            <a:avLst/>
+          </a:prstGeom>
+          <a:noFill/>
+        </p:spPr>
+        <p:txBody>
+          <a:bodyPr wrap="square" rtlCol="0">
+            <a:spAutoFit/>
+          </a:bodyPr>
+          <a:lstStyle/>
+          <a:p>
+            <a:r>
+              <a:rPr lang="pt-BR" sz="2000" dirty="0" smtClean="0">
+                <a:latin typeface="Consolas" panose="020B0609020204030204" pitchFamily="49" charset="0"/>
+              </a:rPr>
+              <a:t>x[1] = 5;</a:t>
+            </a:r>
+            <a:endParaRPr lang="pt-BR" sz="2000" dirty="0">
+              <a:latin typeface="Consolas" panose="020B0609020204030204" pitchFamily="49" charset="0"/>
+            </a:endParaRPr>
+          </a:p>
+        </p:txBody>
+      </p:sp>
+      <p:cxnSp>
+        <p:nvCxnSpPr>
+          <p:cNvPr id="46" name="Conector de seta reta 45"/>
+          <p:cNvCxnSpPr/>
+          <p:nvPr/>
+        </p:nvCxnSpPr>
+        <p:spPr>
+          <a:xfrm>
+            <a:off x="6086342" y="5678791"/>
+            <a:ext cx="1508642" cy="0"/>
+          </a:xfrm>
+          <a:prstGeom prst="straightConnector1">
+            <a:avLst/>
+          </a:prstGeom>
+          <a:ln w="28575">
+            <a:solidFill>
+              <a:schemeClr val="tx1">
+                <a:lumMod val="95000"/>
+              </a:schemeClr>
+            </a:solidFill>
+            <a:tailEnd type="triangle"/>
+          </a:ln>
+        </p:spPr>
+        <p:style>
+          <a:lnRef idx="1">
+            <a:schemeClr val="accent1"/>
+          </a:lnRef>
+          <a:fillRef idx="0">
+            <a:schemeClr val="accent1"/>
+          </a:fillRef>
+          <a:effectRef idx="0">
+            <a:schemeClr val="accent1"/>
+          </a:effectRef>
+          <a:fontRef idx="minor">
+            <a:schemeClr val="tx1"/>
+          </a:fontRef>
+        </p:style>
+      </p:cxnSp>
+      <p:sp>
+        <p:nvSpPr>
+          <p:cNvPr id="47" name="Retângulo 46"/>
           <p:cNvSpPr/>
           <p:nvPr/>
         </p:nvSpPr>
         <p:spPr>
           <a:xfrm>
-            <a:off x="9392546" y="5399987"/>
+            <a:off x="7807126" y="5400096"/>
             <a:ext cx="528875" cy="564431"/>
           </a:xfrm>
           <a:prstGeom prst="rect">
@@ -11349,6 +12259,156 @@
       </p:sp>
       <p:sp>
         <p:nvSpPr>
+          <p:cNvPr id="48" name="Retângulo 47"/>
+          <p:cNvSpPr/>
+          <p:nvPr/>
+        </p:nvSpPr>
+        <p:spPr>
+          <a:xfrm>
+            <a:off x="8328020" y="5399989"/>
+            <a:ext cx="528875" cy="564431"/>
+          </a:xfrm>
+          <a:prstGeom prst="rect">
+            <a:avLst/>
+          </a:prstGeom>
+          <a:noFill/>
+          <a:ln w="25400" cmpd="sng">
+            <a:solidFill>
+              <a:schemeClr val="tx1">
+                <a:lumMod val="95000"/>
+              </a:schemeClr>
+            </a:solidFill>
+          </a:ln>
+        </p:spPr>
+        <p:style>
+          <a:lnRef idx="2">
+            <a:schemeClr val="accent1">
+              <a:shade val="50000"/>
+            </a:schemeClr>
+          </a:lnRef>
+          <a:fillRef idx="1001">
+            <a:schemeClr val="lt2"/>
+          </a:fillRef>
+          <a:effectRef idx="0">
+            <a:schemeClr val="accent1"/>
+          </a:effectRef>
+          <a:fontRef idx="minor">
+            <a:schemeClr val="lt1"/>
+          </a:fontRef>
+        </p:style>
+        <p:txBody>
+          <a:bodyPr rtlCol="0" anchor="t"/>
+          <a:lstStyle/>
+          <a:p>
+            <a:pPr algn="ctr"/>
+            <a:endParaRPr lang="pt-BR" b="1" dirty="0">
+              <a:latin typeface="Consolas" panose="020B0609020204030204" pitchFamily="49" charset="0"/>
+            </a:endParaRPr>
+          </a:p>
+        </p:txBody>
+      </p:sp>
+      <p:sp>
+        <p:nvSpPr>
+          <p:cNvPr id="49" name="Retângulo 48"/>
+          <p:cNvSpPr/>
+          <p:nvPr/>
+        </p:nvSpPr>
+        <p:spPr>
+          <a:xfrm>
+            <a:off x="8860280" y="5399987"/>
+            <a:ext cx="528875" cy="564431"/>
+          </a:xfrm>
+          <a:prstGeom prst="rect">
+            <a:avLst/>
+          </a:prstGeom>
+          <a:noFill/>
+          <a:ln w="25400" cmpd="sng">
+            <a:solidFill>
+              <a:schemeClr val="tx1">
+                <a:lumMod val="95000"/>
+              </a:schemeClr>
+            </a:solidFill>
+          </a:ln>
+        </p:spPr>
+        <p:style>
+          <a:lnRef idx="2">
+            <a:schemeClr val="accent1">
+              <a:shade val="50000"/>
+            </a:schemeClr>
+          </a:lnRef>
+          <a:fillRef idx="1001">
+            <a:schemeClr val="lt2"/>
+          </a:fillRef>
+          <a:effectRef idx="0">
+            <a:schemeClr val="accent1"/>
+          </a:effectRef>
+          <a:fontRef idx="minor">
+            <a:schemeClr val="lt1"/>
+          </a:fontRef>
+        </p:style>
+        <p:txBody>
+          <a:bodyPr rtlCol="0" anchor="t"/>
+          <a:lstStyle/>
+          <a:p>
+            <a:pPr algn="ctr"/>
+            <a:endParaRPr lang="pt-BR" b="1" dirty="0">
+              <a:latin typeface="Consolas" panose="020B0609020204030204" pitchFamily="49" charset="0"/>
+            </a:endParaRPr>
+          </a:p>
+        </p:txBody>
+      </p:sp>
+      <p:sp>
+        <p:nvSpPr>
+          <p:cNvPr id="50" name="Retângulo 49"/>
+          <p:cNvSpPr/>
+          <p:nvPr/>
+        </p:nvSpPr>
+        <p:spPr>
+          <a:xfrm>
+            <a:off x="9392546" y="5399987"/>
+            <a:ext cx="528875" cy="564431"/>
+          </a:xfrm>
+          <a:prstGeom prst="rect">
+            <a:avLst/>
+          </a:prstGeom>
+          <a:noFill/>
+          <a:ln w="25400" cmpd="sng">
+            <a:solidFill>
+              <a:schemeClr val="tx1">
+                <a:lumMod val="95000"/>
+              </a:schemeClr>
+            </a:solidFill>
+          </a:ln>
+        </p:spPr>
+        <p:style>
+          <a:lnRef idx="2">
+            <a:schemeClr val="accent1">
+              <a:shade val="50000"/>
+            </a:schemeClr>
+          </a:lnRef>
+          <a:fillRef idx="1001">
+            <a:schemeClr val="lt2"/>
+          </a:fillRef>
+          <a:effectRef idx="0">
+            <a:schemeClr val="accent1"/>
+          </a:effectRef>
+          <a:fontRef idx="minor">
+            <a:schemeClr val="lt1"/>
+          </a:fontRef>
+        </p:style>
+        <p:txBody>
+          <a:bodyPr rtlCol="0" anchor="t"/>
+          <a:lstStyle/>
+          <a:p>
+            <a:pPr algn="ctr"/>
+            <a:endParaRPr lang="pt-BR" b="1" dirty="0">
+              <a:latin typeface="Consolas" panose="020B0609020204030204" pitchFamily="49" charset="0"/>
+            </a:endParaRPr>
+          </a:p>
+        </p:txBody>
+      </p:sp>
+      <p:sp>
+        <p:nvSpPr>
           <p:cNvPr id="51" name="CaixaDeTexto 50"/>
           <p:cNvSpPr txBox="1"/>
           <p:nvPr/>
@@ -11378,12 +12438,6 @@
               </a:rPr>
               <a:t>x[0] x[1] x[2] x[3]</a:t>
             </a:r>
-            <a:endParaRPr lang="pt-BR" sz="1600" dirty="0">
-              <a:solidFill>
-                <a:srgbClr val="66FFFF"/>
-              </a:solidFill>
-              <a:latin typeface="Consolas" panose="020B0609020204030204" pitchFamily="49" charset="0"/>
-            </a:endParaRPr>
           </a:p>
         </p:txBody>
       </p:sp>
@@ -14208,7 +15262,7 @@
 </p:sld>
 </file>
 
-<file path=ppt/slides/slide7.xml><?xml version="1.0" encoding="utf-8"?>
+<file path=ppt/slides/slide8.xml><?xml version="1.0" encoding="utf-8"?>
 <p:sld xmlns:a="http://schemas.openxmlformats.org/drawingml/2006/main" xmlns:r="http://schemas.openxmlformats.org/officeDocument/2006/relationships" xmlns:p="http://schemas.openxmlformats.org/presentationml/2006/main">
   <p:cSld>
     <p:spTree>
@@ -14367,12 +15421,6 @@
               </a:rPr>
               <a:t>-</a:t>
             </a:r>
-            <a:endParaRPr lang="pt-BR" sz="2800" b="1" dirty="0">
-              <a:solidFill>
-                <a:srgbClr val="66FFFF"/>
-              </a:solidFill>
-              <a:latin typeface="Consolas" panose="020B0609020204030204" pitchFamily="49" charset="0"/>
-            </a:endParaRPr>
           </a:p>
         </p:txBody>
       </p:sp>

--- a/material_de_apoio/resumo_pratico.pptx
+++ b/material_de_apoio/resumo_pratico.pptx
@@ -5,7 +5,7 @@
     <p:sldMasterId id="2147483660" r:id="rId1"/>
   </p:sldMasterIdLst>
   <p:notesMasterIdLst>
-    <p:notesMasterId r:id="rId13"/>
+    <p:notesMasterId r:id="rId16"/>
   </p:notesMasterIdLst>
   <p:sldIdLst>
     <p:sldId id="256" r:id="rId2"/>
@@ -18,7 +18,10 @@
     <p:sldId id="264" r:id="rId9"/>
     <p:sldId id="265" r:id="rId10"/>
     <p:sldId id="266" r:id="rId11"/>
-    <p:sldId id="263" r:id="rId12"/>
+    <p:sldId id="267" r:id="rId12"/>
+    <p:sldId id="268" r:id="rId13"/>
+    <p:sldId id="269" r:id="rId14"/>
+    <p:sldId id="263" r:id="rId15"/>
   </p:sldIdLst>
   <p:sldSz cx="12192000" cy="6858000"/>
   <p:notesSz cx="6858000" cy="9144000"/>
@@ -3628,7 +3631,7 @@
               <a:rPr lang="pt-BR" sz="3200" dirty="0" err="1" smtClean="0">
                 <a:latin typeface="Consolas" panose="020B0609020204030204" pitchFamily="49" charset="0"/>
               </a:rPr>
-              <a:t>String</a:t>
+              <a:t>Strings</a:t>
             </a:r>
             <a:endParaRPr lang="pt-BR" sz="3200" dirty="0">
               <a:latin typeface="Consolas" panose="020B0609020204030204" pitchFamily="49" charset="0"/>
@@ -4248,6 +4251,1376 @@
 </file>
 
 <file path=ppt/slides/slide11.xml><?xml version="1.0" encoding="utf-8"?>
+<p:sld xmlns:a="http://schemas.openxmlformats.org/drawingml/2006/main" xmlns:r="http://schemas.openxmlformats.org/officeDocument/2006/relationships" xmlns:p="http://schemas.openxmlformats.org/presentationml/2006/main">
+  <p:cSld>
+    <p:spTree>
+      <p:nvGrpSpPr>
+        <p:cNvPr id="1" name=""/>
+        <p:cNvGrpSpPr/>
+        <p:nvPr/>
+      </p:nvGrpSpPr>
+      <p:grpSpPr>
+        <a:xfrm>
+          <a:off x="0" y="0"/>
+          <a:ext cx="0" cy="0"/>
+          <a:chOff x="0" y="0"/>
+          <a:chExt cx="0" cy="0"/>
+        </a:xfrm>
+      </p:grpSpPr>
+      <p:pic>
+        <p:nvPicPr>
+          <p:cNvPr id="5" name="Imagem 4"/>
+          <p:cNvPicPr>
+            <a:picLocks noChangeAspect="1"/>
+          </p:cNvPicPr>
+          <p:nvPr/>
+        </p:nvPicPr>
+        <p:blipFill>
+          <a:blip r:embed="rId2">
+            <a:extLst>
+              <a:ext uri="{28A0092B-C50C-407E-A947-70E740481C1C}">
+                <a14:useLocalDpi xmlns:a14="http://schemas.microsoft.com/office/drawing/2010/main" val="0"/>
+              </a:ext>
+            </a:extLst>
+          </a:blip>
+          <a:stretch>
+            <a:fillRect/>
+          </a:stretch>
+        </p:blipFill>
+        <p:spPr>
+          <a:xfrm>
+            <a:off x="748904" y="1595913"/>
+            <a:ext cx="3835134" cy="2608368"/>
+          </a:xfrm>
+          <a:prstGeom prst="rect">
+            <a:avLst/>
+          </a:prstGeom>
+        </p:spPr>
+      </p:pic>
+      <p:sp>
+        <p:nvSpPr>
+          <p:cNvPr id="2" name="Título 1"/>
+          <p:cNvSpPr>
+            <a:spLocks noGrp="1"/>
+          </p:cNvSpPr>
+          <p:nvPr>
+            <p:ph type="title"/>
+          </p:nvPr>
+        </p:nvSpPr>
+        <p:spPr>
+          <a:xfrm>
+            <a:off x="838200" y="365125"/>
+            <a:ext cx="10515600" cy="1586505"/>
+          </a:xfrm>
+        </p:spPr>
+        <p:txBody>
+          <a:bodyPr>
+            <a:normAutofit/>
+          </a:bodyPr>
+          <a:lstStyle/>
+          <a:p>
+            <a:r>
+              <a:rPr lang="pt-BR" sz="3200" dirty="0" smtClean="0">
+                <a:latin typeface="Consolas" panose="020B0609020204030204" pitchFamily="49" charset="0"/>
+              </a:rPr>
+              <a:t>Atribuição utilizando o </a:t>
+            </a:r>
+            <a:r>
+              <a:rPr lang="pt-BR" sz="3200" dirty="0" smtClean="0">
+                <a:latin typeface="Consolas" panose="020B0609020204030204" pitchFamily="49" charset="0"/>
+              </a:rPr>
+              <a:t>tipo </a:t>
+            </a:r>
+            <a:r>
+              <a:rPr lang="pt-BR" sz="3200" dirty="0" err="1" smtClean="0">
+                <a:latin typeface="Consolas" panose="020B0609020204030204" pitchFamily="49" charset="0"/>
+              </a:rPr>
+              <a:t>boolean</a:t>
+            </a:r>
+            <a:endParaRPr lang="pt-BR" sz="3200" dirty="0">
+              <a:latin typeface="Consolas" panose="020B0609020204030204" pitchFamily="49" charset="0"/>
+            </a:endParaRPr>
+          </a:p>
+        </p:txBody>
+      </p:sp>
+      <p:pic>
+        <p:nvPicPr>
+          <p:cNvPr id="4" name="Imagem 3"/>
+          <p:cNvPicPr>
+            <a:picLocks noChangeAspect="1"/>
+          </p:cNvPicPr>
+          <p:nvPr/>
+        </p:nvPicPr>
+        <p:blipFill>
+          <a:blip r:embed="rId3" cstate="print">
+            <a:extLst>
+              <a:ext uri="{28A0092B-C50C-407E-A947-70E740481C1C}">
+                <a14:useLocalDpi xmlns:a14="http://schemas.microsoft.com/office/drawing/2010/main" val="0"/>
+              </a:ext>
+            </a:extLst>
+          </a:blip>
+          <a:stretch>
+            <a:fillRect/>
+          </a:stretch>
+        </p:blipFill>
+        <p:spPr>
+          <a:xfrm>
+            <a:off x="10441211" y="110689"/>
+            <a:ext cx="1750789" cy="2157949"/>
+          </a:xfrm>
+          <a:prstGeom prst="rect">
+            <a:avLst/>
+          </a:prstGeom>
+        </p:spPr>
+      </p:pic>
+      <p:sp>
+        <p:nvSpPr>
+          <p:cNvPr id="17" name="Retângulo 16"/>
+          <p:cNvSpPr/>
+          <p:nvPr/>
+        </p:nvSpPr>
+        <p:spPr>
+          <a:xfrm>
+            <a:off x="1284999" y="2268637"/>
+            <a:ext cx="2448801" cy="278851"/>
+          </a:xfrm>
+          <a:prstGeom prst="rect">
+            <a:avLst/>
+          </a:prstGeom>
+          <a:noFill/>
+          <a:ln w="25400" cmpd="sng">
+            <a:solidFill>
+              <a:schemeClr val="tx1">
+                <a:lumMod val="95000"/>
+              </a:schemeClr>
+            </a:solidFill>
+          </a:ln>
+        </p:spPr>
+        <p:style>
+          <a:lnRef idx="2">
+            <a:schemeClr val="accent1">
+              <a:shade val="50000"/>
+            </a:schemeClr>
+          </a:lnRef>
+          <a:fillRef idx="1001">
+            <a:schemeClr val="lt2"/>
+          </a:fillRef>
+          <a:effectRef idx="0">
+            <a:schemeClr val="accent1"/>
+          </a:effectRef>
+          <a:fontRef idx="minor">
+            <a:schemeClr val="lt1"/>
+          </a:fontRef>
+        </p:style>
+        <p:txBody>
+          <a:bodyPr rtlCol="0" anchor="t"/>
+          <a:lstStyle/>
+          <a:p>
+            <a:pPr algn="ctr"/>
+            <a:endParaRPr lang="pt-BR" b="1" dirty="0">
+              <a:latin typeface="Consolas" panose="020B0609020204030204" pitchFamily="49" charset="0"/>
+            </a:endParaRPr>
+          </a:p>
+        </p:txBody>
+      </p:sp>
+      <p:cxnSp>
+        <p:nvCxnSpPr>
+          <p:cNvPr id="18" name="Conector de seta reta 17"/>
+          <p:cNvCxnSpPr/>
+          <p:nvPr/>
+        </p:nvCxnSpPr>
+        <p:spPr>
+          <a:xfrm>
+            <a:off x="3733800" y="2271218"/>
+            <a:ext cx="1905106" cy="0"/>
+          </a:xfrm>
+          <a:prstGeom prst="straightConnector1">
+            <a:avLst/>
+          </a:prstGeom>
+          <a:ln w="28575">
+            <a:solidFill>
+              <a:schemeClr val="tx1">
+                <a:lumMod val="95000"/>
+              </a:schemeClr>
+            </a:solidFill>
+            <a:tailEnd type="triangle"/>
+          </a:ln>
+        </p:spPr>
+        <p:style>
+          <a:lnRef idx="1">
+            <a:schemeClr val="accent1"/>
+          </a:lnRef>
+          <a:fillRef idx="0">
+            <a:schemeClr val="accent1"/>
+          </a:fillRef>
+          <a:effectRef idx="0">
+            <a:schemeClr val="accent1"/>
+          </a:effectRef>
+          <a:fontRef idx="minor">
+            <a:schemeClr val="tx1"/>
+          </a:fontRef>
+        </p:style>
+      </p:cxnSp>
+      <p:sp>
+        <p:nvSpPr>
+          <p:cNvPr id="19" name="CaixaDeTexto 18"/>
+          <p:cNvSpPr txBox="1"/>
+          <p:nvPr/>
+        </p:nvSpPr>
+        <p:spPr>
+          <a:xfrm>
+            <a:off x="5636525" y="2074796"/>
+            <a:ext cx="3630305" cy="369332"/>
+          </a:xfrm>
+          <a:prstGeom prst="rect">
+            <a:avLst/>
+          </a:prstGeom>
+          <a:noFill/>
+        </p:spPr>
+        <p:txBody>
+          <a:bodyPr wrap="square" rtlCol="0">
+            <a:spAutoFit/>
+          </a:bodyPr>
+          <a:lstStyle/>
+          <a:p>
+            <a:r>
+              <a:rPr lang="pt-BR" dirty="0" smtClean="0">
+                <a:latin typeface="Consolas" panose="020B0609020204030204" pitchFamily="49" charset="0"/>
+              </a:rPr>
+              <a:t>Declaração e inicialização</a:t>
+            </a:r>
+            <a:endParaRPr lang="pt-BR" dirty="0">
+              <a:latin typeface="Consolas" panose="020B0609020204030204" pitchFamily="49" charset="0"/>
+            </a:endParaRPr>
+          </a:p>
+        </p:txBody>
+      </p:sp>
+      <p:sp>
+        <p:nvSpPr>
+          <p:cNvPr id="23" name="Retângulo 22"/>
+          <p:cNvSpPr/>
+          <p:nvPr/>
+        </p:nvSpPr>
+        <p:spPr>
+          <a:xfrm>
+            <a:off x="1284999" y="2606320"/>
+            <a:ext cx="3095931" cy="259573"/>
+          </a:xfrm>
+          <a:prstGeom prst="rect">
+            <a:avLst/>
+          </a:prstGeom>
+          <a:noFill/>
+          <a:ln w="25400" cmpd="sng">
+            <a:solidFill>
+              <a:schemeClr val="tx1">
+                <a:lumMod val="95000"/>
+              </a:schemeClr>
+            </a:solidFill>
+          </a:ln>
+        </p:spPr>
+        <p:style>
+          <a:lnRef idx="2">
+            <a:schemeClr val="accent1">
+              <a:shade val="50000"/>
+            </a:schemeClr>
+          </a:lnRef>
+          <a:fillRef idx="1001">
+            <a:schemeClr val="lt2"/>
+          </a:fillRef>
+          <a:effectRef idx="0">
+            <a:schemeClr val="accent1"/>
+          </a:effectRef>
+          <a:fontRef idx="minor">
+            <a:schemeClr val="lt1"/>
+          </a:fontRef>
+        </p:style>
+        <p:txBody>
+          <a:bodyPr rtlCol="0" anchor="t"/>
+          <a:lstStyle/>
+          <a:p>
+            <a:pPr algn="ctr"/>
+            <a:endParaRPr lang="pt-BR" b="1" dirty="0">
+              <a:latin typeface="Consolas" panose="020B0609020204030204" pitchFamily="49" charset="0"/>
+            </a:endParaRPr>
+          </a:p>
+        </p:txBody>
+      </p:sp>
+      <p:cxnSp>
+        <p:nvCxnSpPr>
+          <p:cNvPr id="30" name="Conector de seta reta 29"/>
+          <p:cNvCxnSpPr/>
+          <p:nvPr/>
+        </p:nvCxnSpPr>
+        <p:spPr>
+          <a:xfrm>
+            <a:off x="4380931" y="2610552"/>
+            <a:ext cx="1255594" cy="0"/>
+          </a:xfrm>
+          <a:prstGeom prst="straightConnector1">
+            <a:avLst/>
+          </a:prstGeom>
+          <a:ln w="28575">
+            <a:solidFill>
+              <a:schemeClr val="tx1">
+                <a:lumMod val="95000"/>
+              </a:schemeClr>
+            </a:solidFill>
+            <a:tailEnd type="triangle"/>
+          </a:ln>
+        </p:spPr>
+        <p:style>
+          <a:lnRef idx="1">
+            <a:schemeClr val="accent1"/>
+          </a:lnRef>
+          <a:fillRef idx="0">
+            <a:schemeClr val="accent1"/>
+          </a:fillRef>
+          <a:effectRef idx="0">
+            <a:schemeClr val="accent1"/>
+          </a:effectRef>
+          <a:fontRef idx="minor">
+            <a:schemeClr val="tx1"/>
+          </a:fontRef>
+        </p:style>
+      </p:cxnSp>
+      <p:sp>
+        <p:nvSpPr>
+          <p:cNvPr id="43" name="CaixaDeTexto 42"/>
+          <p:cNvSpPr txBox="1"/>
+          <p:nvPr/>
+        </p:nvSpPr>
+        <p:spPr>
+          <a:xfrm>
+            <a:off x="5636525" y="2387701"/>
+            <a:ext cx="3971499" cy="369332"/>
+          </a:xfrm>
+          <a:prstGeom prst="rect">
+            <a:avLst/>
+          </a:prstGeom>
+          <a:noFill/>
+        </p:spPr>
+        <p:txBody>
+          <a:bodyPr wrap="square" rtlCol="0">
+            <a:spAutoFit/>
+          </a:bodyPr>
+          <a:lstStyle/>
+          <a:p>
+            <a:r>
+              <a:rPr lang="pt-BR" dirty="0" smtClean="0">
+                <a:latin typeface="Consolas" panose="020B0609020204030204" pitchFamily="49" charset="0"/>
+              </a:rPr>
+              <a:t>Imprime “</a:t>
+            </a:r>
+            <a:r>
+              <a:rPr lang="pt-BR" dirty="0" err="1" smtClean="0">
+                <a:latin typeface="Consolas" panose="020B0609020204030204" pitchFamily="49" charset="0"/>
+              </a:rPr>
+              <a:t>true</a:t>
+            </a:r>
+            <a:r>
+              <a:rPr lang="pt-BR" dirty="0" smtClean="0">
+                <a:latin typeface="Consolas" panose="020B0609020204030204" pitchFamily="49" charset="0"/>
+              </a:rPr>
+              <a:t>”</a:t>
+            </a:r>
+            <a:endParaRPr lang="pt-BR" dirty="0">
+              <a:latin typeface="Consolas" panose="020B0609020204030204" pitchFamily="49" charset="0"/>
+            </a:endParaRPr>
+          </a:p>
+        </p:txBody>
+      </p:sp>
+      <p:sp>
+        <p:nvSpPr>
+          <p:cNvPr id="37" name="Retângulo 36"/>
+          <p:cNvSpPr/>
+          <p:nvPr/>
+        </p:nvSpPr>
+        <p:spPr>
+          <a:xfrm>
+            <a:off x="1284999" y="3268762"/>
+            <a:ext cx="2448801" cy="278851"/>
+          </a:xfrm>
+          <a:prstGeom prst="rect">
+            <a:avLst/>
+          </a:prstGeom>
+          <a:noFill/>
+          <a:ln w="25400" cmpd="sng">
+            <a:solidFill>
+              <a:schemeClr val="tx1">
+                <a:lumMod val="95000"/>
+              </a:schemeClr>
+            </a:solidFill>
+          </a:ln>
+        </p:spPr>
+        <p:style>
+          <a:lnRef idx="2">
+            <a:schemeClr val="accent1">
+              <a:shade val="50000"/>
+            </a:schemeClr>
+          </a:lnRef>
+          <a:fillRef idx="1001">
+            <a:schemeClr val="lt2"/>
+          </a:fillRef>
+          <a:effectRef idx="0">
+            <a:schemeClr val="accent1"/>
+          </a:effectRef>
+          <a:fontRef idx="minor">
+            <a:schemeClr val="lt1"/>
+          </a:fontRef>
+        </p:style>
+        <p:txBody>
+          <a:bodyPr rtlCol="0" anchor="t"/>
+          <a:lstStyle/>
+          <a:p>
+            <a:pPr algn="ctr"/>
+            <a:endParaRPr lang="pt-BR" b="1" dirty="0">
+              <a:latin typeface="Consolas" panose="020B0609020204030204" pitchFamily="49" charset="0"/>
+            </a:endParaRPr>
+          </a:p>
+        </p:txBody>
+      </p:sp>
+      <p:cxnSp>
+        <p:nvCxnSpPr>
+          <p:cNvPr id="38" name="Conector de seta reta 37"/>
+          <p:cNvCxnSpPr/>
+          <p:nvPr/>
+        </p:nvCxnSpPr>
+        <p:spPr>
+          <a:xfrm>
+            <a:off x="3733800" y="3271343"/>
+            <a:ext cx="1905106" cy="0"/>
+          </a:xfrm>
+          <a:prstGeom prst="straightConnector1">
+            <a:avLst/>
+          </a:prstGeom>
+          <a:ln w="28575">
+            <a:solidFill>
+              <a:schemeClr val="tx1">
+                <a:lumMod val="95000"/>
+              </a:schemeClr>
+            </a:solidFill>
+            <a:tailEnd type="triangle"/>
+          </a:ln>
+        </p:spPr>
+        <p:style>
+          <a:lnRef idx="1">
+            <a:schemeClr val="accent1"/>
+          </a:lnRef>
+          <a:fillRef idx="0">
+            <a:schemeClr val="accent1"/>
+          </a:fillRef>
+          <a:effectRef idx="0">
+            <a:schemeClr val="accent1"/>
+          </a:effectRef>
+          <a:fontRef idx="minor">
+            <a:schemeClr val="tx1"/>
+          </a:fontRef>
+        </p:style>
+      </p:cxnSp>
+      <p:sp>
+        <p:nvSpPr>
+          <p:cNvPr id="39" name="CaixaDeTexto 38"/>
+          <p:cNvSpPr txBox="1"/>
+          <p:nvPr/>
+        </p:nvSpPr>
+        <p:spPr>
+          <a:xfrm>
+            <a:off x="5636525" y="3074921"/>
+            <a:ext cx="3630305" cy="369332"/>
+          </a:xfrm>
+          <a:prstGeom prst="rect">
+            <a:avLst/>
+          </a:prstGeom>
+          <a:noFill/>
+        </p:spPr>
+        <p:txBody>
+          <a:bodyPr wrap="square" rtlCol="0">
+            <a:spAutoFit/>
+          </a:bodyPr>
+          <a:lstStyle/>
+          <a:p>
+            <a:r>
+              <a:rPr lang="pt-BR" dirty="0" smtClean="0">
+                <a:latin typeface="Consolas" panose="020B0609020204030204" pitchFamily="49" charset="0"/>
+              </a:rPr>
+              <a:t>atribuição</a:t>
+            </a:r>
+            <a:endParaRPr lang="pt-BR" dirty="0">
+              <a:latin typeface="Consolas" panose="020B0609020204030204" pitchFamily="49" charset="0"/>
+            </a:endParaRPr>
+          </a:p>
+        </p:txBody>
+      </p:sp>
+      <p:sp>
+        <p:nvSpPr>
+          <p:cNvPr id="40" name="Retângulo 39"/>
+          <p:cNvSpPr/>
+          <p:nvPr/>
+        </p:nvSpPr>
+        <p:spPr>
+          <a:xfrm>
+            <a:off x="1284999" y="3606445"/>
+            <a:ext cx="3095931" cy="259573"/>
+          </a:xfrm>
+          <a:prstGeom prst="rect">
+            <a:avLst/>
+          </a:prstGeom>
+          <a:noFill/>
+          <a:ln w="25400" cmpd="sng">
+            <a:solidFill>
+              <a:schemeClr val="tx1">
+                <a:lumMod val="95000"/>
+              </a:schemeClr>
+            </a:solidFill>
+          </a:ln>
+        </p:spPr>
+        <p:style>
+          <a:lnRef idx="2">
+            <a:schemeClr val="accent1">
+              <a:shade val="50000"/>
+            </a:schemeClr>
+          </a:lnRef>
+          <a:fillRef idx="1001">
+            <a:schemeClr val="lt2"/>
+          </a:fillRef>
+          <a:effectRef idx="0">
+            <a:schemeClr val="accent1"/>
+          </a:effectRef>
+          <a:fontRef idx="minor">
+            <a:schemeClr val="lt1"/>
+          </a:fontRef>
+        </p:style>
+        <p:txBody>
+          <a:bodyPr rtlCol="0" anchor="t"/>
+          <a:lstStyle/>
+          <a:p>
+            <a:pPr algn="ctr"/>
+            <a:endParaRPr lang="pt-BR" b="1" dirty="0">
+              <a:latin typeface="Consolas" panose="020B0609020204030204" pitchFamily="49" charset="0"/>
+            </a:endParaRPr>
+          </a:p>
+        </p:txBody>
+      </p:sp>
+      <p:cxnSp>
+        <p:nvCxnSpPr>
+          <p:cNvPr id="41" name="Conector de seta reta 40"/>
+          <p:cNvCxnSpPr/>
+          <p:nvPr/>
+        </p:nvCxnSpPr>
+        <p:spPr>
+          <a:xfrm>
+            <a:off x="4380931" y="3610677"/>
+            <a:ext cx="1255594" cy="0"/>
+          </a:xfrm>
+          <a:prstGeom prst="straightConnector1">
+            <a:avLst/>
+          </a:prstGeom>
+          <a:ln w="28575">
+            <a:solidFill>
+              <a:schemeClr val="tx1">
+                <a:lumMod val="95000"/>
+              </a:schemeClr>
+            </a:solidFill>
+            <a:tailEnd type="triangle"/>
+          </a:ln>
+        </p:spPr>
+        <p:style>
+          <a:lnRef idx="1">
+            <a:schemeClr val="accent1"/>
+          </a:lnRef>
+          <a:fillRef idx="0">
+            <a:schemeClr val="accent1"/>
+          </a:fillRef>
+          <a:effectRef idx="0">
+            <a:schemeClr val="accent1"/>
+          </a:effectRef>
+          <a:fontRef idx="minor">
+            <a:schemeClr val="tx1"/>
+          </a:fontRef>
+        </p:style>
+      </p:cxnSp>
+      <p:sp>
+        <p:nvSpPr>
+          <p:cNvPr id="42" name="CaixaDeTexto 41"/>
+          <p:cNvSpPr txBox="1"/>
+          <p:nvPr/>
+        </p:nvSpPr>
+        <p:spPr>
+          <a:xfrm>
+            <a:off x="5636525" y="3387826"/>
+            <a:ext cx="3971499" cy="369332"/>
+          </a:xfrm>
+          <a:prstGeom prst="rect">
+            <a:avLst/>
+          </a:prstGeom>
+          <a:noFill/>
+        </p:spPr>
+        <p:txBody>
+          <a:bodyPr wrap="square" rtlCol="0">
+            <a:spAutoFit/>
+          </a:bodyPr>
+          <a:lstStyle/>
+          <a:p>
+            <a:r>
+              <a:rPr lang="pt-BR" dirty="0" smtClean="0">
+                <a:latin typeface="Consolas" panose="020B0609020204030204" pitchFamily="49" charset="0"/>
+              </a:rPr>
+              <a:t>Imprime “false”</a:t>
+            </a:r>
+            <a:endParaRPr lang="pt-BR" dirty="0">
+              <a:latin typeface="Consolas" panose="020B0609020204030204" pitchFamily="49" charset="0"/>
+            </a:endParaRPr>
+          </a:p>
+        </p:txBody>
+      </p:sp>
+    </p:spTree>
+    <p:extLst>
+      <p:ext uri="{BB962C8B-B14F-4D97-AF65-F5344CB8AC3E}">
+        <p14:creationId xmlns:p14="http://schemas.microsoft.com/office/powerpoint/2010/main" val="4140814500"/>
+      </p:ext>
+    </p:extLst>
+  </p:cSld>
+  <p:clrMapOvr>
+    <a:masterClrMapping/>
+  </p:clrMapOvr>
+  <p:timing>
+    <p:tnLst>
+      <p:par>
+        <p:cTn id="1" dur="indefinite" restart="never" nodeType="tmRoot">
+          <p:childTnLst>
+            <p:seq concurrent="1" nextAc="seek">
+              <p:cTn id="2" dur="indefinite" nodeType="mainSeq">
+                <p:childTnLst>
+                  <p:par>
+                    <p:cTn id="3" fill="hold">
+                      <p:stCondLst>
+                        <p:cond delay="indefinite"/>
+                      </p:stCondLst>
+                      <p:childTnLst>
+                        <p:par>
+                          <p:cTn id="4" fill="hold">
+                            <p:stCondLst>
+                              <p:cond delay="0"/>
+                            </p:stCondLst>
+                            <p:childTnLst>
+                              <p:par>
+                                <p:cTn id="5" presetID="10" presetClass="entr" presetSubtype="0" fill="hold" grpId="0" nodeType="clickEffect">
+                                  <p:stCondLst>
+                                    <p:cond delay="0"/>
+                                  </p:stCondLst>
+                                  <p:childTnLst>
+                                    <p:set>
+                                      <p:cBhvr>
+                                        <p:cTn id="6" dur="1" fill="hold">
+                                          <p:stCondLst>
+                                            <p:cond delay="0"/>
+                                          </p:stCondLst>
+                                        </p:cTn>
+                                        <p:tgtEl>
+                                          <p:spTgt spid="17"/>
+                                        </p:tgtEl>
+                                        <p:attrNameLst>
+                                          <p:attrName>style.visibility</p:attrName>
+                                        </p:attrNameLst>
+                                      </p:cBhvr>
+                                      <p:to>
+                                        <p:strVal val="visible"/>
+                                      </p:to>
+                                    </p:set>
+                                    <p:animEffect transition="in" filter="fade">
+                                      <p:cBhvr>
+                                        <p:cTn id="7" dur="500"/>
+                                        <p:tgtEl>
+                                          <p:spTgt spid="17"/>
+                                        </p:tgtEl>
+                                      </p:cBhvr>
+                                    </p:animEffect>
+                                  </p:childTnLst>
+                                </p:cTn>
+                              </p:par>
+                              <p:par>
+                                <p:cTn id="8" presetID="10" presetClass="entr" presetSubtype="0" fill="hold" nodeType="withEffect">
+                                  <p:stCondLst>
+                                    <p:cond delay="0"/>
+                                  </p:stCondLst>
+                                  <p:childTnLst>
+                                    <p:set>
+                                      <p:cBhvr>
+                                        <p:cTn id="9" dur="1" fill="hold">
+                                          <p:stCondLst>
+                                            <p:cond delay="0"/>
+                                          </p:stCondLst>
+                                        </p:cTn>
+                                        <p:tgtEl>
+                                          <p:spTgt spid="18"/>
+                                        </p:tgtEl>
+                                        <p:attrNameLst>
+                                          <p:attrName>style.visibility</p:attrName>
+                                        </p:attrNameLst>
+                                      </p:cBhvr>
+                                      <p:to>
+                                        <p:strVal val="visible"/>
+                                      </p:to>
+                                    </p:set>
+                                    <p:animEffect transition="in" filter="fade">
+                                      <p:cBhvr>
+                                        <p:cTn id="10" dur="500"/>
+                                        <p:tgtEl>
+                                          <p:spTgt spid="18"/>
+                                        </p:tgtEl>
+                                      </p:cBhvr>
+                                    </p:animEffect>
+                                  </p:childTnLst>
+                                </p:cTn>
+                              </p:par>
+                              <p:par>
+                                <p:cTn id="11" presetID="10" presetClass="entr" presetSubtype="0" fill="hold" grpId="0" nodeType="withEffect">
+                                  <p:stCondLst>
+                                    <p:cond delay="0"/>
+                                  </p:stCondLst>
+                                  <p:childTnLst>
+                                    <p:set>
+                                      <p:cBhvr>
+                                        <p:cTn id="12" dur="1" fill="hold">
+                                          <p:stCondLst>
+                                            <p:cond delay="0"/>
+                                          </p:stCondLst>
+                                        </p:cTn>
+                                        <p:tgtEl>
+                                          <p:spTgt spid="19"/>
+                                        </p:tgtEl>
+                                        <p:attrNameLst>
+                                          <p:attrName>style.visibility</p:attrName>
+                                        </p:attrNameLst>
+                                      </p:cBhvr>
+                                      <p:to>
+                                        <p:strVal val="visible"/>
+                                      </p:to>
+                                    </p:set>
+                                    <p:animEffect transition="in" filter="fade">
+                                      <p:cBhvr>
+                                        <p:cTn id="13" dur="500"/>
+                                        <p:tgtEl>
+                                          <p:spTgt spid="19"/>
+                                        </p:tgtEl>
+                                      </p:cBhvr>
+                                    </p:animEffect>
+                                  </p:childTnLst>
+                                </p:cTn>
+                              </p:par>
+                            </p:childTnLst>
+                          </p:cTn>
+                        </p:par>
+                      </p:childTnLst>
+                    </p:cTn>
+                  </p:par>
+                  <p:par>
+                    <p:cTn id="14" fill="hold">
+                      <p:stCondLst>
+                        <p:cond delay="indefinite"/>
+                      </p:stCondLst>
+                      <p:childTnLst>
+                        <p:par>
+                          <p:cTn id="15" fill="hold">
+                            <p:stCondLst>
+                              <p:cond delay="0"/>
+                            </p:stCondLst>
+                            <p:childTnLst>
+                              <p:par>
+                                <p:cTn id="16" presetID="10" presetClass="entr" presetSubtype="0" fill="hold" grpId="0" nodeType="clickEffect">
+                                  <p:stCondLst>
+                                    <p:cond delay="0"/>
+                                  </p:stCondLst>
+                                  <p:childTnLst>
+                                    <p:set>
+                                      <p:cBhvr>
+                                        <p:cTn id="17" dur="1" fill="hold">
+                                          <p:stCondLst>
+                                            <p:cond delay="0"/>
+                                          </p:stCondLst>
+                                        </p:cTn>
+                                        <p:tgtEl>
+                                          <p:spTgt spid="23"/>
+                                        </p:tgtEl>
+                                        <p:attrNameLst>
+                                          <p:attrName>style.visibility</p:attrName>
+                                        </p:attrNameLst>
+                                      </p:cBhvr>
+                                      <p:to>
+                                        <p:strVal val="visible"/>
+                                      </p:to>
+                                    </p:set>
+                                    <p:animEffect transition="in" filter="fade">
+                                      <p:cBhvr>
+                                        <p:cTn id="18" dur="500"/>
+                                        <p:tgtEl>
+                                          <p:spTgt spid="23"/>
+                                        </p:tgtEl>
+                                      </p:cBhvr>
+                                    </p:animEffect>
+                                  </p:childTnLst>
+                                </p:cTn>
+                              </p:par>
+                              <p:par>
+                                <p:cTn id="19" presetID="10" presetClass="entr" presetSubtype="0" fill="hold" nodeType="withEffect">
+                                  <p:stCondLst>
+                                    <p:cond delay="0"/>
+                                  </p:stCondLst>
+                                  <p:childTnLst>
+                                    <p:set>
+                                      <p:cBhvr>
+                                        <p:cTn id="20" dur="1" fill="hold">
+                                          <p:stCondLst>
+                                            <p:cond delay="0"/>
+                                          </p:stCondLst>
+                                        </p:cTn>
+                                        <p:tgtEl>
+                                          <p:spTgt spid="30"/>
+                                        </p:tgtEl>
+                                        <p:attrNameLst>
+                                          <p:attrName>style.visibility</p:attrName>
+                                        </p:attrNameLst>
+                                      </p:cBhvr>
+                                      <p:to>
+                                        <p:strVal val="visible"/>
+                                      </p:to>
+                                    </p:set>
+                                    <p:animEffect transition="in" filter="fade">
+                                      <p:cBhvr>
+                                        <p:cTn id="21" dur="500"/>
+                                        <p:tgtEl>
+                                          <p:spTgt spid="30"/>
+                                        </p:tgtEl>
+                                      </p:cBhvr>
+                                    </p:animEffect>
+                                  </p:childTnLst>
+                                </p:cTn>
+                              </p:par>
+                              <p:par>
+                                <p:cTn id="22" presetID="10" presetClass="entr" presetSubtype="0" fill="hold" grpId="0" nodeType="withEffect">
+                                  <p:stCondLst>
+                                    <p:cond delay="0"/>
+                                  </p:stCondLst>
+                                  <p:childTnLst>
+                                    <p:set>
+                                      <p:cBhvr>
+                                        <p:cTn id="23" dur="1" fill="hold">
+                                          <p:stCondLst>
+                                            <p:cond delay="0"/>
+                                          </p:stCondLst>
+                                        </p:cTn>
+                                        <p:tgtEl>
+                                          <p:spTgt spid="43"/>
+                                        </p:tgtEl>
+                                        <p:attrNameLst>
+                                          <p:attrName>style.visibility</p:attrName>
+                                        </p:attrNameLst>
+                                      </p:cBhvr>
+                                      <p:to>
+                                        <p:strVal val="visible"/>
+                                      </p:to>
+                                    </p:set>
+                                    <p:animEffect transition="in" filter="fade">
+                                      <p:cBhvr>
+                                        <p:cTn id="24" dur="500"/>
+                                        <p:tgtEl>
+                                          <p:spTgt spid="43"/>
+                                        </p:tgtEl>
+                                      </p:cBhvr>
+                                    </p:animEffect>
+                                  </p:childTnLst>
+                                </p:cTn>
+                              </p:par>
+                            </p:childTnLst>
+                          </p:cTn>
+                        </p:par>
+                      </p:childTnLst>
+                    </p:cTn>
+                  </p:par>
+                  <p:par>
+                    <p:cTn id="25" fill="hold">
+                      <p:stCondLst>
+                        <p:cond delay="indefinite"/>
+                      </p:stCondLst>
+                      <p:childTnLst>
+                        <p:par>
+                          <p:cTn id="26" fill="hold">
+                            <p:stCondLst>
+                              <p:cond delay="0"/>
+                            </p:stCondLst>
+                            <p:childTnLst>
+                              <p:par>
+                                <p:cTn id="27" presetID="10" presetClass="entr" presetSubtype="0" fill="hold" grpId="0" nodeType="clickEffect">
+                                  <p:stCondLst>
+                                    <p:cond delay="0"/>
+                                  </p:stCondLst>
+                                  <p:childTnLst>
+                                    <p:set>
+                                      <p:cBhvr>
+                                        <p:cTn id="28" dur="1" fill="hold">
+                                          <p:stCondLst>
+                                            <p:cond delay="0"/>
+                                          </p:stCondLst>
+                                        </p:cTn>
+                                        <p:tgtEl>
+                                          <p:spTgt spid="37"/>
+                                        </p:tgtEl>
+                                        <p:attrNameLst>
+                                          <p:attrName>style.visibility</p:attrName>
+                                        </p:attrNameLst>
+                                      </p:cBhvr>
+                                      <p:to>
+                                        <p:strVal val="visible"/>
+                                      </p:to>
+                                    </p:set>
+                                    <p:animEffect transition="in" filter="fade">
+                                      <p:cBhvr>
+                                        <p:cTn id="29" dur="500"/>
+                                        <p:tgtEl>
+                                          <p:spTgt spid="37"/>
+                                        </p:tgtEl>
+                                      </p:cBhvr>
+                                    </p:animEffect>
+                                  </p:childTnLst>
+                                </p:cTn>
+                              </p:par>
+                              <p:par>
+                                <p:cTn id="30" presetID="10" presetClass="entr" presetSubtype="0" fill="hold" nodeType="withEffect">
+                                  <p:stCondLst>
+                                    <p:cond delay="0"/>
+                                  </p:stCondLst>
+                                  <p:childTnLst>
+                                    <p:set>
+                                      <p:cBhvr>
+                                        <p:cTn id="31" dur="1" fill="hold">
+                                          <p:stCondLst>
+                                            <p:cond delay="0"/>
+                                          </p:stCondLst>
+                                        </p:cTn>
+                                        <p:tgtEl>
+                                          <p:spTgt spid="38"/>
+                                        </p:tgtEl>
+                                        <p:attrNameLst>
+                                          <p:attrName>style.visibility</p:attrName>
+                                        </p:attrNameLst>
+                                      </p:cBhvr>
+                                      <p:to>
+                                        <p:strVal val="visible"/>
+                                      </p:to>
+                                    </p:set>
+                                    <p:animEffect transition="in" filter="fade">
+                                      <p:cBhvr>
+                                        <p:cTn id="32" dur="500"/>
+                                        <p:tgtEl>
+                                          <p:spTgt spid="38"/>
+                                        </p:tgtEl>
+                                      </p:cBhvr>
+                                    </p:animEffect>
+                                  </p:childTnLst>
+                                </p:cTn>
+                              </p:par>
+                              <p:par>
+                                <p:cTn id="33" presetID="10" presetClass="entr" presetSubtype="0" fill="hold" grpId="0" nodeType="withEffect">
+                                  <p:stCondLst>
+                                    <p:cond delay="0"/>
+                                  </p:stCondLst>
+                                  <p:childTnLst>
+                                    <p:set>
+                                      <p:cBhvr>
+                                        <p:cTn id="34" dur="1" fill="hold">
+                                          <p:stCondLst>
+                                            <p:cond delay="0"/>
+                                          </p:stCondLst>
+                                        </p:cTn>
+                                        <p:tgtEl>
+                                          <p:spTgt spid="39"/>
+                                        </p:tgtEl>
+                                        <p:attrNameLst>
+                                          <p:attrName>style.visibility</p:attrName>
+                                        </p:attrNameLst>
+                                      </p:cBhvr>
+                                      <p:to>
+                                        <p:strVal val="visible"/>
+                                      </p:to>
+                                    </p:set>
+                                    <p:animEffect transition="in" filter="fade">
+                                      <p:cBhvr>
+                                        <p:cTn id="35" dur="500"/>
+                                        <p:tgtEl>
+                                          <p:spTgt spid="39"/>
+                                        </p:tgtEl>
+                                      </p:cBhvr>
+                                    </p:animEffect>
+                                  </p:childTnLst>
+                                </p:cTn>
+                              </p:par>
+                            </p:childTnLst>
+                          </p:cTn>
+                        </p:par>
+                      </p:childTnLst>
+                    </p:cTn>
+                  </p:par>
+                  <p:par>
+                    <p:cTn id="36" fill="hold">
+                      <p:stCondLst>
+                        <p:cond delay="indefinite"/>
+                      </p:stCondLst>
+                      <p:childTnLst>
+                        <p:par>
+                          <p:cTn id="37" fill="hold">
+                            <p:stCondLst>
+                              <p:cond delay="0"/>
+                            </p:stCondLst>
+                            <p:childTnLst>
+                              <p:par>
+                                <p:cTn id="38" presetID="10" presetClass="entr" presetSubtype="0" fill="hold" grpId="0" nodeType="clickEffect">
+                                  <p:stCondLst>
+                                    <p:cond delay="0"/>
+                                  </p:stCondLst>
+                                  <p:childTnLst>
+                                    <p:set>
+                                      <p:cBhvr>
+                                        <p:cTn id="39" dur="1" fill="hold">
+                                          <p:stCondLst>
+                                            <p:cond delay="0"/>
+                                          </p:stCondLst>
+                                        </p:cTn>
+                                        <p:tgtEl>
+                                          <p:spTgt spid="40"/>
+                                        </p:tgtEl>
+                                        <p:attrNameLst>
+                                          <p:attrName>style.visibility</p:attrName>
+                                        </p:attrNameLst>
+                                      </p:cBhvr>
+                                      <p:to>
+                                        <p:strVal val="visible"/>
+                                      </p:to>
+                                    </p:set>
+                                    <p:animEffect transition="in" filter="fade">
+                                      <p:cBhvr>
+                                        <p:cTn id="40" dur="500"/>
+                                        <p:tgtEl>
+                                          <p:spTgt spid="40"/>
+                                        </p:tgtEl>
+                                      </p:cBhvr>
+                                    </p:animEffect>
+                                  </p:childTnLst>
+                                </p:cTn>
+                              </p:par>
+                              <p:par>
+                                <p:cTn id="41" presetID="10" presetClass="entr" presetSubtype="0" fill="hold" nodeType="withEffect">
+                                  <p:stCondLst>
+                                    <p:cond delay="0"/>
+                                  </p:stCondLst>
+                                  <p:childTnLst>
+                                    <p:set>
+                                      <p:cBhvr>
+                                        <p:cTn id="42" dur="1" fill="hold">
+                                          <p:stCondLst>
+                                            <p:cond delay="0"/>
+                                          </p:stCondLst>
+                                        </p:cTn>
+                                        <p:tgtEl>
+                                          <p:spTgt spid="41"/>
+                                        </p:tgtEl>
+                                        <p:attrNameLst>
+                                          <p:attrName>style.visibility</p:attrName>
+                                        </p:attrNameLst>
+                                      </p:cBhvr>
+                                      <p:to>
+                                        <p:strVal val="visible"/>
+                                      </p:to>
+                                    </p:set>
+                                    <p:animEffect transition="in" filter="fade">
+                                      <p:cBhvr>
+                                        <p:cTn id="43" dur="500"/>
+                                        <p:tgtEl>
+                                          <p:spTgt spid="41"/>
+                                        </p:tgtEl>
+                                      </p:cBhvr>
+                                    </p:animEffect>
+                                  </p:childTnLst>
+                                </p:cTn>
+                              </p:par>
+                              <p:par>
+                                <p:cTn id="44" presetID="10" presetClass="entr" presetSubtype="0" fill="hold" grpId="0" nodeType="withEffect">
+                                  <p:stCondLst>
+                                    <p:cond delay="0"/>
+                                  </p:stCondLst>
+                                  <p:childTnLst>
+                                    <p:set>
+                                      <p:cBhvr>
+                                        <p:cTn id="45" dur="1" fill="hold">
+                                          <p:stCondLst>
+                                            <p:cond delay="0"/>
+                                          </p:stCondLst>
+                                        </p:cTn>
+                                        <p:tgtEl>
+                                          <p:spTgt spid="42"/>
+                                        </p:tgtEl>
+                                        <p:attrNameLst>
+                                          <p:attrName>style.visibility</p:attrName>
+                                        </p:attrNameLst>
+                                      </p:cBhvr>
+                                      <p:to>
+                                        <p:strVal val="visible"/>
+                                      </p:to>
+                                    </p:set>
+                                    <p:animEffect transition="in" filter="fade">
+                                      <p:cBhvr>
+                                        <p:cTn id="46" dur="500"/>
+                                        <p:tgtEl>
+                                          <p:spTgt spid="42"/>
+                                        </p:tgtEl>
+                                      </p:cBhvr>
+                                    </p:animEffect>
+                                  </p:childTnLst>
+                                </p:cTn>
+                              </p:par>
+                            </p:childTnLst>
+                          </p:cTn>
+                        </p:par>
+                      </p:childTnLst>
+                    </p:cTn>
+                  </p:par>
+                </p:childTnLst>
+              </p:cTn>
+              <p:prevCondLst>
+                <p:cond evt="onPrev" delay="0">
+                  <p:tgtEl>
+                    <p:sldTgt/>
+                  </p:tgtEl>
+                </p:cond>
+              </p:prevCondLst>
+              <p:nextCondLst>
+                <p:cond evt="onNext" delay="0">
+                  <p:tgtEl>
+                    <p:sldTgt/>
+                  </p:tgtEl>
+                </p:cond>
+              </p:nextCondLst>
+            </p:seq>
+          </p:childTnLst>
+        </p:cTn>
+      </p:par>
+    </p:tnLst>
+    <p:bldLst>
+      <p:bldP spid="17" grpId="0" animBg="1"/>
+      <p:bldP spid="19" grpId="0"/>
+      <p:bldP spid="23" grpId="0" animBg="1"/>
+      <p:bldP spid="43" grpId="0"/>
+      <p:bldP spid="37" grpId="0" animBg="1"/>
+      <p:bldP spid="39" grpId="0"/>
+      <p:bldP spid="40" grpId="0" animBg="1"/>
+      <p:bldP spid="42" grpId="0"/>
+    </p:bldLst>
+  </p:timing>
+</p:sld>
+</file>
+
+<file path=ppt/slides/slide12.xml><?xml version="1.0" encoding="utf-8"?>
+<p:sld xmlns:a="http://schemas.openxmlformats.org/drawingml/2006/main" xmlns:r="http://schemas.openxmlformats.org/officeDocument/2006/relationships" xmlns:p="http://schemas.openxmlformats.org/presentationml/2006/main">
+  <p:cSld>
+    <p:spTree>
+      <p:nvGrpSpPr>
+        <p:cNvPr id="1" name=""/>
+        <p:cNvGrpSpPr/>
+        <p:nvPr/>
+      </p:nvGrpSpPr>
+      <p:grpSpPr>
+        <a:xfrm>
+          <a:off x="0" y="0"/>
+          <a:ext cx="0" cy="0"/>
+          <a:chOff x="0" y="0"/>
+          <a:chExt cx="0" cy="0"/>
+        </a:xfrm>
+      </p:grpSpPr>
+      <p:sp>
+        <p:nvSpPr>
+          <p:cNvPr id="2" name="Título 1"/>
+          <p:cNvSpPr>
+            <a:spLocks noGrp="1"/>
+          </p:cNvSpPr>
+          <p:nvPr>
+            <p:ph type="title"/>
+          </p:nvPr>
+        </p:nvSpPr>
+        <p:spPr>
+          <a:xfrm>
+            <a:off x="838200" y="365125"/>
+            <a:ext cx="10515600" cy="1586505"/>
+          </a:xfrm>
+        </p:spPr>
+        <p:txBody>
+          <a:bodyPr>
+            <a:normAutofit/>
+          </a:bodyPr>
+          <a:lstStyle/>
+          <a:p>
+            <a:r>
+              <a:rPr lang="pt-BR" sz="3200" dirty="0" smtClean="0">
+                <a:latin typeface="Consolas" panose="020B0609020204030204" pitchFamily="49" charset="0"/>
+              </a:rPr>
+              <a:t>Operadores relacionais</a:t>
+            </a:r>
+            <a:endParaRPr lang="pt-BR" sz="3200" dirty="0">
+              <a:latin typeface="Consolas" panose="020B0609020204030204" pitchFamily="49" charset="0"/>
+            </a:endParaRPr>
+          </a:p>
+        </p:txBody>
+      </p:sp>
+      <p:pic>
+        <p:nvPicPr>
+          <p:cNvPr id="4" name="Imagem 3"/>
+          <p:cNvPicPr>
+            <a:picLocks noChangeAspect="1"/>
+          </p:cNvPicPr>
+          <p:nvPr/>
+        </p:nvPicPr>
+        <p:blipFill>
+          <a:blip r:embed="rId2" cstate="print">
+            <a:extLst>
+              <a:ext uri="{28A0092B-C50C-407E-A947-70E740481C1C}">
+                <a14:useLocalDpi xmlns:a14="http://schemas.microsoft.com/office/drawing/2010/main" val="0"/>
+              </a:ext>
+            </a:extLst>
+          </a:blip>
+          <a:stretch>
+            <a:fillRect/>
+          </a:stretch>
+        </p:blipFill>
+        <p:spPr>
+          <a:xfrm>
+            <a:off x="10441211" y="110689"/>
+            <a:ext cx="1750789" cy="2157949"/>
+          </a:xfrm>
+          <a:prstGeom prst="rect">
+            <a:avLst/>
+          </a:prstGeom>
+        </p:spPr>
+      </p:pic>
+    </p:spTree>
+    <p:extLst>
+      <p:ext uri="{BB962C8B-B14F-4D97-AF65-F5344CB8AC3E}">
+        <p14:creationId xmlns:p14="http://schemas.microsoft.com/office/powerpoint/2010/main" val="4079778984"/>
+      </p:ext>
+    </p:extLst>
+  </p:cSld>
+  <p:clrMapOvr>
+    <a:masterClrMapping/>
+  </p:clrMapOvr>
+  <p:timing>
+    <p:tnLst>
+      <p:par>
+        <p:cTn id="1" dur="indefinite" restart="never" nodeType="tmRoot"/>
+      </p:par>
+    </p:tnLst>
+  </p:timing>
+</p:sld>
+</file>
+
+<file path=ppt/slides/slide13.xml><?xml version="1.0" encoding="utf-8"?>
+<p:sld xmlns:a="http://schemas.openxmlformats.org/drawingml/2006/main" xmlns:r="http://schemas.openxmlformats.org/officeDocument/2006/relationships" xmlns:p="http://schemas.openxmlformats.org/presentationml/2006/main">
+  <p:cSld>
+    <p:spTree>
+      <p:nvGrpSpPr>
+        <p:cNvPr id="1" name=""/>
+        <p:cNvGrpSpPr/>
+        <p:nvPr/>
+      </p:nvGrpSpPr>
+      <p:grpSpPr>
+        <a:xfrm>
+          <a:off x="0" y="0"/>
+          <a:ext cx="0" cy="0"/>
+          <a:chOff x="0" y="0"/>
+          <a:chExt cx="0" cy="0"/>
+        </a:xfrm>
+      </p:grpSpPr>
+      <p:sp>
+        <p:nvSpPr>
+          <p:cNvPr id="2" name="Título 1"/>
+          <p:cNvSpPr>
+            <a:spLocks noGrp="1"/>
+          </p:cNvSpPr>
+          <p:nvPr>
+            <p:ph type="title"/>
+          </p:nvPr>
+        </p:nvSpPr>
+        <p:spPr>
+          <a:xfrm>
+            <a:off x="838200" y="365125"/>
+            <a:ext cx="10515600" cy="1586505"/>
+          </a:xfrm>
+        </p:spPr>
+        <p:txBody>
+          <a:bodyPr>
+            <a:normAutofit/>
+          </a:bodyPr>
+          <a:lstStyle/>
+          <a:p>
+            <a:r>
+              <a:rPr lang="pt-BR" sz="3200" dirty="0" smtClean="0">
+                <a:latin typeface="Consolas" panose="020B0609020204030204" pitchFamily="49" charset="0"/>
+              </a:rPr>
+              <a:t>Operadores lógicos</a:t>
+            </a:r>
+            <a:endParaRPr lang="pt-BR" sz="3200" dirty="0">
+              <a:latin typeface="Consolas" panose="020B0609020204030204" pitchFamily="49" charset="0"/>
+            </a:endParaRPr>
+          </a:p>
+        </p:txBody>
+      </p:sp>
+      <p:pic>
+        <p:nvPicPr>
+          <p:cNvPr id="4" name="Imagem 3"/>
+          <p:cNvPicPr>
+            <a:picLocks noChangeAspect="1"/>
+          </p:cNvPicPr>
+          <p:nvPr/>
+        </p:nvPicPr>
+        <p:blipFill>
+          <a:blip r:embed="rId2" cstate="print">
+            <a:extLst>
+              <a:ext uri="{28A0092B-C50C-407E-A947-70E740481C1C}">
+                <a14:useLocalDpi xmlns:a14="http://schemas.microsoft.com/office/drawing/2010/main" val="0"/>
+              </a:ext>
+            </a:extLst>
+          </a:blip>
+          <a:stretch>
+            <a:fillRect/>
+          </a:stretch>
+        </p:blipFill>
+        <p:spPr>
+          <a:xfrm>
+            <a:off x="10441211" y="110689"/>
+            <a:ext cx="1750789" cy="2157949"/>
+          </a:xfrm>
+          <a:prstGeom prst="rect">
+            <a:avLst/>
+          </a:prstGeom>
+        </p:spPr>
+      </p:pic>
+    </p:spTree>
+    <p:extLst>
+      <p:ext uri="{BB962C8B-B14F-4D97-AF65-F5344CB8AC3E}">
+        <p14:creationId xmlns:p14="http://schemas.microsoft.com/office/powerpoint/2010/main" val="235196599"/>
+      </p:ext>
+    </p:extLst>
+  </p:cSld>
+  <p:clrMapOvr>
+    <a:masterClrMapping/>
+  </p:clrMapOvr>
+  <p:timing>
+    <p:tnLst>
+      <p:par>
+        <p:cTn id="1" dur="indefinite" restart="never" nodeType="tmRoot"/>
+      </p:par>
+    </p:tnLst>
+  </p:timing>
+</p:sld>
+</file>
+
+<file path=ppt/slides/slide14.xml><?xml version="1.0" encoding="utf-8"?>
 <p:sld xmlns:a="http://schemas.openxmlformats.org/drawingml/2006/main" xmlns:r="http://schemas.openxmlformats.org/officeDocument/2006/relationships" xmlns:p="http://schemas.openxmlformats.org/presentationml/2006/main">
   <p:cSld>
     <p:spTree>
@@ -20203,7 +21576,7 @@
               <a:rPr lang="pt-BR" dirty="0" smtClean="0">
                 <a:latin typeface="Consolas" panose="020B0609020204030204" pitchFamily="49" charset="0"/>
               </a:rPr>
-              <a:t>Inicialização e atribuição</a:t>
+              <a:t>Atribuição</a:t>
             </a:r>
             <a:endParaRPr lang="pt-BR" dirty="0">
               <a:latin typeface="Consolas" panose="020B0609020204030204" pitchFamily="49" charset="0"/>
@@ -20287,7 +21660,7 @@
         </p:nvSpPr>
         <p:spPr>
           <a:xfrm>
-            <a:off x="5629699" y="3688820"/>
+            <a:off x="5591599" y="3688820"/>
             <a:ext cx="1890218" cy="369332"/>
           </a:xfrm>
           <a:prstGeom prst="rect">
@@ -21386,13 +22759,7 @@
               <a:rPr lang="pt-BR" sz="3200" dirty="0" smtClean="0">
                 <a:latin typeface="Consolas" panose="020B0609020204030204" pitchFamily="49" charset="0"/>
               </a:rPr>
-              <a:t>Atribuição utilizando o </a:t>
-            </a:r>
-            <a:r>
-              <a:rPr lang="pt-BR" sz="3200" dirty="0" smtClean="0">
-                <a:latin typeface="Consolas" panose="020B0609020204030204" pitchFamily="49" charset="0"/>
-              </a:rPr>
-              <a:t>“tipo” </a:t>
+              <a:t>Atribuição utilizando o “tipo” </a:t>
             </a:r>
             <a:r>
               <a:rPr lang="pt-BR" sz="3200" dirty="0" err="1" smtClean="0">
@@ -22021,10 +23388,16 @@
           <a:lstStyle/>
           <a:p>
             <a:r>
+              <a:rPr lang="pt-BR" dirty="0">
+                <a:latin typeface="Consolas" panose="020B0609020204030204" pitchFamily="49" charset="0"/>
+              </a:rPr>
+              <a:t>A</a:t>
+            </a:r>
+            <a:r>
               <a:rPr lang="pt-BR" dirty="0" smtClean="0">
                 <a:latin typeface="Consolas" panose="020B0609020204030204" pitchFamily="49" charset="0"/>
               </a:rPr>
-              <a:t>Inicialização e atribuição</a:t>
+              <a:t>tribuição</a:t>
             </a:r>
             <a:endParaRPr lang="pt-BR" dirty="0">
               <a:latin typeface="Consolas" panose="020B0609020204030204" pitchFamily="49" charset="0"/>
@@ -22108,7 +23481,7 @@
         </p:nvSpPr>
         <p:spPr>
           <a:xfrm>
-            <a:off x="5629697" y="3661222"/>
+            <a:off x="5620172" y="3661222"/>
             <a:ext cx="1589969" cy="369332"/>
           </a:xfrm>
           <a:prstGeom prst="rect">

--- a/material_de_apoio/resumo_pratico.pptx
+++ b/material_de_apoio/resumo_pratico.pptx
@@ -210,7 +210,7 @@
           <a:p>
             <a:fld id="{84F8FAB4-CDC9-4783-9150-ADAB9E9698F4}" type="datetimeFigureOut">
               <a:rPr lang="pt-BR" smtClean="0"/>
-              <a:t>24/02/2023</a:t>
+              <a:t>26/02/2023</a:t>
             </a:fld>
             <a:endParaRPr lang="pt-BR"/>
           </a:p>
@@ -693,7 +693,7 @@
           <a:p>
             <a:fld id="{6808C966-7050-4632-AD51-45F5537B7264}" type="datetimeFigureOut">
               <a:rPr lang="pt-BR" smtClean="0"/>
-              <a:t>24/02/2023</a:t>
+              <a:t>26/02/2023</a:t>
             </a:fld>
             <a:endParaRPr lang="pt-BR"/>
           </a:p>
@@ -863,7 +863,7 @@
           <a:p>
             <a:fld id="{6808C966-7050-4632-AD51-45F5537B7264}" type="datetimeFigureOut">
               <a:rPr lang="pt-BR" smtClean="0"/>
-              <a:t>24/02/2023</a:t>
+              <a:t>26/02/2023</a:t>
             </a:fld>
             <a:endParaRPr lang="pt-BR"/>
           </a:p>
@@ -1043,7 +1043,7 @@
           <a:p>
             <a:fld id="{6808C966-7050-4632-AD51-45F5537B7264}" type="datetimeFigureOut">
               <a:rPr lang="pt-BR" smtClean="0"/>
-              <a:t>24/02/2023</a:t>
+              <a:t>26/02/2023</a:t>
             </a:fld>
             <a:endParaRPr lang="pt-BR"/>
           </a:p>
@@ -1213,7 +1213,7 @@
           <a:p>
             <a:fld id="{6808C966-7050-4632-AD51-45F5537B7264}" type="datetimeFigureOut">
               <a:rPr lang="pt-BR" smtClean="0"/>
-              <a:t>24/02/2023</a:t>
+              <a:t>26/02/2023</a:t>
             </a:fld>
             <a:endParaRPr lang="pt-BR"/>
           </a:p>
@@ -1459,7 +1459,7 @@
           <a:p>
             <a:fld id="{6808C966-7050-4632-AD51-45F5537B7264}" type="datetimeFigureOut">
               <a:rPr lang="pt-BR" smtClean="0"/>
-              <a:t>24/02/2023</a:t>
+              <a:t>26/02/2023</a:t>
             </a:fld>
             <a:endParaRPr lang="pt-BR"/>
           </a:p>
@@ -1691,7 +1691,7 @@
           <a:p>
             <a:fld id="{6808C966-7050-4632-AD51-45F5537B7264}" type="datetimeFigureOut">
               <a:rPr lang="pt-BR" smtClean="0"/>
-              <a:t>24/02/2023</a:t>
+              <a:t>26/02/2023</a:t>
             </a:fld>
             <a:endParaRPr lang="pt-BR"/>
           </a:p>
@@ -2058,7 +2058,7 @@
           <a:p>
             <a:fld id="{6808C966-7050-4632-AD51-45F5537B7264}" type="datetimeFigureOut">
               <a:rPr lang="pt-BR" smtClean="0"/>
-              <a:t>24/02/2023</a:t>
+              <a:t>26/02/2023</a:t>
             </a:fld>
             <a:endParaRPr lang="pt-BR"/>
           </a:p>
@@ -2176,7 +2176,7 @@
           <a:p>
             <a:fld id="{6808C966-7050-4632-AD51-45F5537B7264}" type="datetimeFigureOut">
               <a:rPr lang="pt-BR" smtClean="0"/>
-              <a:t>24/02/2023</a:t>
+              <a:t>26/02/2023</a:t>
             </a:fld>
             <a:endParaRPr lang="pt-BR"/>
           </a:p>
@@ -2271,7 +2271,7 @@
           <a:p>
             <a:fld id="{6808C966-7050-4632-AD51-45F5537B7264}" type="datetimeFigureOut">
               <a:rPr lang="pt-BR" smtClean="0"/>
-              <a:t>24/02/2023</a:t>
+              <a:t>26/02/2023</a:t>
             </a:fld>
             <a:endParaRPr lang="pt-BR"/>
           </a:p>
@@ -2548,7 +2548,7 @@
           <a:p>
             <a:fld id="{6808C966-7050-4632-AD51-45F5537B7264}" type="datetimeFigureOut">
               <a:rPr lang="pt-BR" smtClean="0"/>
-              <a:t>24/02/2023</a:t>
+              <a:t>26/02/2023</a:t>
             </a:fld>
             <a:endParaRPr lang="pt-BR"/>
           </a:p>
@@ -2805,7 +2805,7 @@
           <a:p>
             <a:fld id="{6808C966-7050-4632-AD51-45F5537B7264}" type="datetimeFigureOut">
               <a:rPr lang="pt-BR" smtClean="0"/>
-              <a:t>24/02/2023</a:t>
+              <a:t>26/02/2023</a:t>
             </a:fld>
             <a:endParaRPr lang="pt-BR"/>
           </a:p>
@@ -3018,7 +3018,7 @@
           <a:p>
             <a:fld id="{6808C966-7050-4632-AD51-45F5537B7264}" type="datetimeFigureOut">
               <a:rPr lang="pt-BR" smtClean="0"/>
-              <a:t>24/02/2023</a:t>
+              <a:t>26/02/2023</a:t>
             </a:fld>
             <a:endParaRPr lang="pt-BR"/>
           </a:p>
@@ -4323,13 +4323,7 @@
               <a:rPr lang="pt-BR" sz="3200" dirty="0" smtClean="0">
                 <a:latin typeface="Consolas" panose="020B0609020204030204" pitchFamily="49" charset="0"/>
               </a:rPr>
-              <a:t>Atribuição utilizando o </a:t>
-            </a:r>
-            <a:r>
-              <a:rPr lang="pt-BR" sz="3200" dirty="0" smtClean="0">
-                <a:latin typeface="Consolas" panose="020B0609020204030204" pitchFamily="49" charset="0"/>
-              </a:rPr>
-              <a:t>tipo </a:t>
+              <a:t>Atribuição utilizando o tipo </a:t>
             </a:r>
             <a:r>
               <a:rPr lang="pt-BR" sz="3200" dirty="0" err="1" smtClean="0">
@@ -5447,8 +5441,8 @@
         </p:nvSpPr>
         <p:spPr>
           <a:xfrm>
-            <a:off x="838200" y="365125"/>
-            <a:ext cx="10515600" cy="1586505"/>
+            <a:off x="574916" y="419322"/>
+            <a:ext cx="10515600" cy="680656"/>
           </a:xfrm>
         </p:spPr>
         <p:txBody>
@@ -5461,7 +5455,13 @@
               <a:rPr lang="pt-BR" sz="3200" dirty="0" smtClean="0">
                 <a:latin typeface="Consolas" panose="020B0609020204030204" pitchFamily="49" charset="0"/>
               </a:rPr>
-              <a:t>Operadores relacionais</a:t>
+              <a:t>Operadores </a:t>
+            </a:r>
+            <a:r>
+              <a:rPr lang="pt-BR" sz="3200" dirty="0" smtClean="0">
+                <a:latin typeface="Consolas" panose="020B0609020204030204" pitchFamily="49" charset="0"/>
+              </a:rPr>
+              <a:t>relacionais (Comparação)</a:t>
             </a:r>
             <a:endParaRPr lang="pt-BR" sz="3200" dirty="0">
               <a:latin typeface="Consolas" panose="020B0609020204030204" pitchFamily="49" charset="0"/>
@@ -5499,6 +5499,1602 @@
           </a:prstGeom>
         </p:spPr>
       </p:pic>
+      <p:sp>
+        <p:nvSpPr>
+          <p:cNvPr id="6" name="CaixaDeTexto 5"/>
+          <p:cNvSpPr txBox="1"/>
+          <p:nvPr/>
+        </p:nvSpPr>
+        <p:spPr>
+          <a:xfrm>
+            <a:off x="3322098" y="1837581"/>
+            <a:ext cx="1064526" cy="400110"/>
+          </a:xfrm>
+          <a:prstGeom prst="rect">
+            <a:avLst/>
+          </a:prstGeom>
+          <a:noFill/>
+        </p:spPr>
+        <p:txBody>
+          <a:bodyPr wrap="square" rtlCol="0">
+            <a:spAutoFit/>
+          </a:bodyPr>
+          <a:lstStyle/>
+          <a:p>
+            <a:r>
+              <a:rPr lang="pt-BR" sz="2000" b="1" dirty="0" smtClean="0">
+                <a:latin typeface="Consolas" panose="020B0609020204030204" pitchFamily="49" charset="0"/>
+              </a:rPr>
+              <a:t>2 </a:t>
+            </a:r>
+            <a:r>
+              <a:rPr lang="pt-BR" sz="2000" b="1" dirty="0" smtClean="0">
+                <a:solidFill>
+                  <a:srgbClr val="00FF00"/>
+                </a:solidFill>
+                <a:latin typeface="Consolas" panose="020B0609020204030204" pitchFamily="49" charset="0"/>
+              </a:rPr>
+              <a:t>==</a:t>
+            </a:r>
+            <a:r>
+              <a:rPr lang="pt-BR" sz="2000" b="1" dirty="0" smtClean="0">
+                <a:latin typeface="Consolas" panose="020B0609020204030204" pitchFamily="49" charset="0"/>
+              </a:rPr>
+              <a:t> 2</a:t>
+            </a:r>
+            <a:endParaRPr lang="pt-BR" sz="2000" b="1" dirty="0">
+              <a:latin typeface="Consolas" panose="020B0609020204030204" pitchFamily="49" charset="0"/>
+            </a:endParaRPr>
+          </a:p>
+        </p:txBody>
+      </p:sp>
+      <p:sp>
+        <p:nvSpPr>
+          <p:cNvPr id="7" name="CaixaDeTexto 6"/>
+          <p:cNvSpPr txBox="1"/>
+          <p:nvPr/>
+        </p:nvSpPr>
+        <p:spPr>
+          <a:xfrm>
+            <a:off x="5041724" y="1310253"/>
+            <a:ext cx="1820839" cy="400110"/>
+          </a:xfrm>
+          <a:prstGeom prst="rect">
+            <a:avLst/>
+          </a:prstGeom>
+          <a:noFill/>
+        </p:spPr>
+        <p:txBody>
+          <a:bodyPr wrap="square" rtlCol="0">
+            <a:spAutoFit/>
+          </a:bodyPr>
+          <a:lstStyle/>
+          <a:p>
+            <a:r>
+              <a:rPr lang="pt-BR" sz="2000" b="1" dirty="0" smtClean="0">
+                <a:latin typeface="Consolas" panose="020B0609020204030204" pitchFamily="49" charset="0"/>
+              </a:rPr>
+              <a:t>Resultado</a:t>
+            </a:r>
+            <a:endParaRPr lang="pt-BR" sz="2000" b="1" dirty="0">
+              <a:latin typeface="Consolas" panose="020B0609020204030204" pitchFamily="49" charset="0"/>
+            </a:endParaRPr>
+          </a:p>
+        </p:txBody>
+      </p:sp>
+      <p:sp>
+        <p:nvSpPr>
+          <p:cNvPr id="9" name="CaixaDeTexto 8"/>
+          <p:cNvSpPr txBox="1"/>
+          <p:nvPr/>
+        </p:nvSpPr>
+        <p:spPr>
+          <a:xfrm>
+            <a:off x="5041724" y="1837581"/>
+            <a:ext cx="1064526" cy="400110"/>
+          </a:xfrm>
+          <a:prstGeom prst="rect">
+            <a:avLst/>
+          </a:prstGeom>
+          <a:noFill/>
+        </p:spPr>
+        <p:txBody>
+          <a:bodyPr wrap="square" rtlCol="0">
+            <a:spAutoFit/>
+          </a:bodyPr>
+          <a:lstStyle/>
+          <a:p>
+            <a:r>
+              <a:rPr lang="pt-BR" sz="2000" b="1" dirty="0" err="1" smtClean="0">
+                <a:solidFill>
+                  <a:srgbClr val="0000FF"/>
+                </a:solidFill>
+                <a:latin typeface="Consolas" panose="020B0609020204030204" pitchFamily="49" charset="0"/>
+              </a:rPr>
+              <a:t>true</a:t>
+            </a:r>
+            <a:endParaRPr lang="pt-BR" sz="2000" b="1" dirty="0">
+              <a:solidFill>
+                <a:srgbClr val="0000FF"/>
+              </a:solidFill>
+              <a:latin typeface="Consolas" panose="020B0609020204030204" pitchFamily="49" charset="0"/>
+            </a:endParaRPr>
+          </a:p>
+        </p:txBody>
+      </p:sp>
+      <p:sp>
+        <p:nvSpPr>
+          <p:cNvPr id="10" name="CaixaDeTexto 9"/>
+          <p:cNvSpPr txBox="1"/>
+          <p:nvPr/>
+        </p:nvSpPr>
+        <p:spPr>
+          <a:xfrm>
+            <a:off x="3322097" y="2204135"/>
+            <a:ext cx="1719625" cy="400110"/>
+          </a:xfrm>
+          <a:prstGeom prst="rect">
+            <a:avLst/>
+          </a:prstGeom>
+          <a:noFill/>
+        </p:spPr>
+        <p:txBody>
+          <a:bodyPr wrap="square" rtlCol="0">
+            <a:spAutoFit/>
+          </a:bodyPr>
+          <a:lstStyle/>
+          <a:p>
+            <a:r>
+              <a:rPr lang="pt-BR" sz="2000" b="1" dirty="0" smtClean="0">
+                <a:latin typeface="Consolas" panose="020B0609020204030204" pitchFamily="49" charset="0"/>
+              </a:rPr>
+              <a:t>2 </a:t>
+            </a:r>
+            <a:r>
+              <a:rPr lang="pt-BR" sz="2000" b="1" dirty="0" smtClean="0">
+                <a:solidFill>
+                  <a:srgbClr val="00FF00"/>
+                </a:solidFill>
+                <a:latin typeface="Consolas" panose="020B0609020204030204" pitchFamily="49" charset="0"/>
+              </a:rPr>
+              <a:t>==</a:t>
+            </a:r>
+            <a:r>
+              <a:rPr lang="pt-BR" sz="2000" b="1" dirty="0" smtClean="0">
+                <a:latin typeface="Consolas" panose="020B0609020204030204" pitchFamily="49" charset="0"/>
+              </a:rPr>
+              <a:t> 5</a:t>
+            </a:r>
+            <a:endParaRPr lang="pt-BR" sz="2000" b="1" dirty="0">
+              <a:latin typeface="Consolas" panose="020B0609020204030204" pitchFamily="49" charset="0"/>
+            </a:endParaRPr>
+          </a:p>
+        </p:txBody>
+      </p:sp>
+      <p:sp>
+        <p:nvSpPr>
+          <p:cNvPr id="11" name="CaixaDeTexto 10"/>
+          <p:cNvSpPr txBox="1"/>
+          <p:nvPr/>
+        </p:nvSpPr>
+        <p:spPr>
+          <a:xfrm>
+            <a:off x="5041724" y="2204135"/>
+            <a:ext cx="1064526" cy="400110"/>
+          </a:xfrm>
+          <a:prstGeom prst="rect">
+            <a:avLst/>
+          </a:prstGeom>
+          <a:noFill/>
+        </p:spPr>
+        <p:txBody>
+          <a:bodyPr wrap="square" rtlCol="0">
+            <a:spAutoFit/>
+          </a:bodyPr>
+          <a:lstStyle/>
+          <a:p>
+            <a:r>
+              <a:rPr lang="pt-BR" sz="2000" b="1" dirty="0" smtClean="0">
+                <a:solidFill>
+                  <a:srgbClr val="0000FF"/>
+                </a:solidFill>
+                <a:latin typeface="Consolas" panose="020B0609020204030204" pitchFamily="49" charset="0"/>
+              </a:rPr>
+              <a:t>false</a:t>
+            </a:r>
+            <a:endParaRPr lang="pt-BR" sz="2000" b="1" dirty="0">
+              <a:solidFill>
+                <a:srgbClr val="0000FF"/>
+              </a:solidFill>
+              <a:latin typeface="Consolas" panose="020B0609020204030204" pitchFamily="49" charset="0"/>
+            </a:endParaRPr>
+          </a:p>
+        </p:txBody>
+      </p:sp>
+      <p:sp>
+        <p:nvSpPr>
+          <p:cNvPr id="12" name="CaixaDeTexto 11"/>
+          <p:cNvSpPr txBox="1"/>
+          <p:nvPr/>
+        </p:nvSpPr>
+        <p:spPr>
+          <a:xfrm>
+            <a:off x="621535" y="1284067"/>
+            <a:ext cx="976955" cy="400110"/>
+          </a:xfrm>
+          <a:prstGeom prst="rect">
+            <a:avLst/>
+          </a:prstGeom>
+          <a:noFill/>
+        </p:spPr>
+        <p:txBody>
+          <a:bodyPr wrap="square" rtlCol="0">
+            <a:spAutoFit/>
+          </a:bodyPr>
+          <a:lstStyle/>
+          <a:p>
+            <a:r>
+              <a:rPr lang="pt-BR" sz="2000" b="1" dirty="0" smtClean="0">
+                <a:latin typeface="Consolas" panose="020B0609020204030204" pitchFamily="49" charset="0"/>
+              </a:rPr>
+              <a:t>Nome</a:t>
+            </a:r>
+            <a:endParaRPr lang="pt-BR" sz="2000" b="1" dirty="0">
+              <a:latin typeface="Consolas" panose="020B0609020204030204" pitchFamily="49" charset="0"/>
+            </a:endParaRPr>
+          </a:p>
+        </p:txBody>
+      </p:sp>
+      <p:sp>
+        <p:nvSpPr>
+          <p:cNvPr id="13" name="CaixaDeTexto 12"/>
+          <p:cNvSpPr txBox="1"/>
+          <p:nvPr/>
+        </p:nvSpPr>
+        <p:spPr>
+          <a:xfrm>
+            <a:off x="616990" y="1837581"/>
+            <a:ext cx="1435861" cy="400110"/>
+          </a:xfrm>
+          <a:prstGeom prst="rect">
+            <a:avLst/>
+          </a:prstGeom>
+          <a:noFill/>
+        </p:spPr>
+        <p:txBody>
+          <a:bodyPr wrap="square" rtlCol="0">
+            <a:spAutoFit/>
+          </a:bodyPr>
+          <a:lstStyle/>
+          <a:p>
+            <a:r>
+              <a:rPr lang="pt-BR" sz="2000" b="1" dirty="0" smtClean="0">
+                <a:latin typeface="Consolas" panose="020B0609020204030204" pitchFamily="49" charset="0"/>
+              </a:rPr>
+              <a:t>Igual</a:t>
+            </a:r>
+            <a:endParaRPr lang="pt-BR" sz="2000" b="1" dirty="0">
+              <a:latin typeface="Consolas" panose="020B0609020204030204" pitchFamily="49" charset="0"/>
+            </a:endParaRPr>
+          </a:p>
+        </p:txBody>
+      </p:sp>
+      <p:sp>
+        <p:nvSpPr>
+          <p:cNvPr id="14" name="CaixaDeTexto 13"/>
+          <p:cNvSpPr txBox="1"/>
+          <p:nvPr/>
+        </p:nvSpPr>
+        <p:spPr>
+          <a:xfrm>
+            <a:off x="616989" y="2212125"/>
+            <a:ext cx="1435861" cy="400110"/>
+          </a:xfrm>
+          <a:prstGeom prst="rect">
+            <a:avLst/>
+          </a:prstGeom>
+          <a:noFill/>
+        </p:spPr>
+        <p:txBody>
+          <a:bodyPr wrap="square" rtlCol="0">
+            <a:spAutoFit/>
+          </a:bodyPr>
+          <a:lstStyle/>
+          <a:p>
+            <a:r>
+              <a:rPr lang="pt-BR" sz="2000" b="1" dirty="0" smtClean="0">
+                <a:latin typeface="Consolas" panose="020B0609020204030204" pitchFamily="49" charset="0"/>
+              </a:rPr>
+              <a:t>Igual</a:t>
+            </a:r>
+            <a:endParaRPr lang="pt-BR" sz="2000" b="1" dirty="0">
+              <a:latin typeface="Consolas" panose="020B0609020204030204" pitchFamily="49" charset="0"/>
+            </a:endParaRPr>
+          </a:p>
+        </p:txBody>
+      </p:sp>
+      <p:sp>
+        <p:nvSpPr>
+          <p:cNvPr id="15" name="CaixaDeTexto 14"/>
+          <p:cNvSpPr txBox="1"/>
+          <p:nvPr/>
+        </p:nvSpPr>
+        <p:spPr>
+          <a:xfrm>
+            <a:off x="3335754" y="1310741"/>
+            <a:ext cx="1400026" cy="400110"/>
+          </a:xfrm>
+          <a:prstGeom prst="rect">
+            <a:avLst/>
+          </a:prstGeom>
+          <a:noFill/>
+        </p:spPr>
+        <p:txBody>
+          <a:bodyPr wrap="square" rtlCol="0">
+            <a:spAutoFit/>
+          </a:bodyPr>
+          <a:lstStyle/>
+          <a:p>
+            <a:r>
+              <a:rPr lang="pt-BR" sz="2000" b="1" dirty="0" smtClean="0">
+                <a:latin typeface="Consolas" panose="020B0609020204030204" pitchFamily="49" charset="0"/>
+              </a:rPr>
+              <a:t>Operação</a:t>
+            </a:r>
+            <a:endParaRPr lang="pt-BR" sz="2000" b="1" dirty="0">
+              <a:latin typeface="Consolas" panose="020B0609020204030204" pitchFamily="49" charset="0"/>
+            </a:endParaRPr>
+          </a:p>
+        </p:txBody>
+      </p:sp>
+      <p:sp>
+        <p:nvSpPr>
+          <p:cNvPr id="16" name="CaixaDeTexto 15"/>
+          <p:cNvSpPr txBox="1"/>
+          <p:nvPr/>
+        </p:nvSpPr>
+        <p:spPr>
+          <a:xfrm>
+            <a:off x="3324371" y="2561253"/>
+            <a:ext cx="1719625" cy="400110"/>
+          </a:xfrm>
+          <a:prstGeom prst="rect">
+            <a:avLst/>
+          </a:prstGeom>
+          <a:noFill/>
+        </p:spPr>
+        <p:txBody>
+          <a:bodyPr wrap="square" rtlCol="0">
+            <a:spAutoFit/>
+          </a:bodyPr>
+          <a:lstStyle/>
+          <a:p>
+            <a:r>
+              <a:rPr lang="pt-BR" sz="2000" b="1" dirty="0" smtClean="0">
+                <a:latin typeface="Consolas" panose="020B0609020204030204" pitchFamily="49" charset="0"/>
+              </a:rPr>
+              <a:t>3 </a:t>
+            </a:r>
+            <a:r>
+              <a:rPr lang="pt-BR" sz="2000" b="1" dirty="0">
+                <a:solidFill>
+                  <a:srgbClr val="00FF00"/>
+                </a:solidFill>
+                <a:latin typeface="Consolas" panose="020B0609020204030204" pitchFamily="49" charset="0"/>
+              </a:rPr>
+              <a:t>!</a:t>
+            </a:r>
+            <a:r>
+              <a:rPr lang="pt-BR" sz="2000" b="1" dirty="0" smtClean="0">
+                <a:solidFill>
+                  <a:srgbClr val="00FF00"/>
+                </a:solidFill>
+                <a:latin typeface="Consolas" panose="020B0609020204030204" pitchFamily="49" charset="0"/>
+              </a:rPr>
+              <a:t>=</a:t>
+            </a:r>
+            <a:r>
+              <a:rPr lang="pt-BR" sz="2000" b="1" dirty="0" smtClean="0">
+                <a:latin typeface="Consolas" panose="020B0609020204030204" pitchFamily="49" charset="0"/>
+              </a:rPr>
+              <a:t> 4</a:t>
+            </a:r>
+            <a:endParaRPr lang="pt-BR" sz="2000" b="1" dirty="0">
+              <a:latin typeface="Consolas" panose="020B0609020204030204" pitchFamily="49" charset="0"/>
+            </a:endParaRPr>
+          </a:p>
+        </p:txBody>
+      </p:sp>
+      <p:sp>
+        <p:nvSpPr>
+          <p:cNvPr id="17" name="CaixaDeTexto 16"/>
+          <p:cNvSpPr txBox="1"/>
+          <p:nvPr/>
+        </p:nvSpPr>
+        <p:spPr>
+          <a:xfrm>
+            <a:off x="5043998" y="2561253"/>
+            <a:ext cx="1064526" cy="400110"/>
+          </a:xfrm>
+          <a:prstGeom prst="rect">
+            <a:avLst/>
+          </a:prstGeom>
+          <a:noFill/>
+        </p:spPr>
+        <p:txBody>
+          <a:bodyPr wrap="square" rtlCol="0">
+            <a:spAutoFit/>
+          </a:bodyPr>
+          <a:lstStyle/>
+          <a:p>
+            <a:r>
+              <a:rPr lang="pt-BR" sz="2000" b="1" dirty="0" err="1" smtClean="0">
+                <a:solidFill>
+                  <a:srgbClr val="0000FF"/>
+                </a:solidFill>
+                <a:latin typeface="Consolas" panose="020B0609020204030204" pitchFamily="49" charset="0"/>
+              </a:rPr>
+              <a:t>true</a:t>
+            </a:r>
+            <a:endParaRPr lang="pt-BR" sz="2000" b="1" dirty="0">
+              <a:solidFill>
+                <a:srgbClr val="0000FF"/>
+              </a:solidFill>
+              <a:latin typeface="Consolas" panose="020B0609020204030204" pitchFamily="49" charset="0"/>
+            </a:endParaRPr>
+          </a:p>
+        </p:txBody>
+      </p:sp>
+      <p:sp>
+        <p:nvSpPr>
+          <p:cNvPr id="18" name="CaixaDeTexto 17"/>
+          <p:cNvSpPr txBox="1"/>
+          <p:nvPr/>
+        </p:nvSpPr>
+        <p:spPr>
+          <a:xfrm>
+            <a:off x="619263" y="2569243"/>
+            <a:ext cx="1878276" cy="400110"/>
+          </a:xfrm>
+          <a:prstGeom prst="rect">
+            <a:avLst/>
+          </a:prstGeom>
+          <a:noFill/>
+        </p:spPr>
+        <p:txBody>
+          <a:bodyPr wrap="square" rtlCol="0">
+            <a:spAutoFit/>
+          </a:bodyPr>
+          <a:lstStyle/>
+          <a:p>
+            <a:r>
+              <a:rPr lang="pt-BR" sz="2000" b="1" dirty="0" smtClean="0">
+                <a:latin typeface="Consolas" panose="020B0609020204030204" pitchFamily="49" charset="0"/>
+              </a:rPr>
+              <a:t>Diferente</a:t>
+            </a:r>
+            <a:endParaRPr lang="pt-BR" sz="2000" b="1" dirty="0">
+              <a:latin typeface="Consolas" panose="020B0609020204030204" pitchFamily="49" charset="0"/>
+            </a:endParaRPr>
+          </a:p>
+        </p:txBody>
+      </p:sp>
+      <p:sp>
+        <p:nvSpPr>
+          <p:cNvPr id="19" name="CaixaDeTexto 18"/>
+          <p:cNvSpPr txBox="1"/>
+          <p:nvPr/>
+        </p:nvSpPr>
+        <p:spPr>
+          <a:xfrm>
+            <a:off x="3326644" y="2918372"/>
+            <a:ext cx="1719625" cy="400110"/>
+          </a:xfrm>
+          <a:prstGeom prst="rect">
+            <a:avLst/>
+          </a:prstGeom>
+          <a:noFill/>
+        </p:spPr>
+        <p:txBody>
+          <a:bodyPr wrap="square" rtlCol="0">
+            <a:spAutoFit/>
+          </a:bodyPr>
+          <a:lstStyle/>
+          <a:p>
+            <a:r>
+              <a:rPr lang="pt-BR" sz="2000" b="1" dirty="0" smtClean="0">
+                <a:latin typeface="Consolas" panose="020B0609020204030204" pitchFamily="49" charset="0"/>
+              </a:rPr>
+              <a:t>3 </a:t>
+            </a:r>
+            <a:r>
+              <a:rPr lang="pt-BR" sz="2000" b="1" dirty="0">
+                <a:solidFill>
+                  <a:srgbClr val="00FF00"/>
+                </a:solidFill>
+                <a:latin typeface="Consolas" panose="020B0609020204030204" pitchFamily="49" charset="0"/>
+              </a:rPr>
+              <a:t>!</a:t>
+            </a:r>
+            <a:r>
+              <a:rPr lang="pt-BR" sz="2000" b="1" dirty="0" smtClean="0">
+                <a:solidFill>
+                  <a:srgbClr val="00FF00"/>
+                </a:solidFill>
+                <a:latin typeface="Consolas" panose="020B0609020204030204" pitchFamily="49" charset="0"/>
+              </a:rPr>
+              <a:t>=</a:t>
+            </a:r>
+            <a:r>
+              <a:rPr lang="pt-BR" sz="2000" b="1" dirty="0" smtClean="0">
+                <a:latin typeface="Consolas" panose="020B0609020204030204" pitchFamily="49" charset="0"/>
+              </a:rPr>
+              <a:t> 3</a:t>
+            </a:r>
+            <a:endParaRPr lang="pt-BR" sz="2000" b="1" dirty="0">
+              <a:latin typeface="Consolas" panose="020B0609020204030204" pitchFamily="49" charset="0"/>
+            </a:endParaRPr>
+          </a:p>
+        </p:txBody>
+      </p:sp>
+      <p:sp>
+        <p:nvSpPr>
+          <p:cNvPr id="20" name="CaixaDeTexto 19"/>
+          <p:cNvSpPr txBox="1"/>
+          <p:nvPr/>
+        </p:nvSpPr>
+        <p:spPr>
+          <a:xfrm>
+            <a:off x="5046271" y="2918372"/>
+            <a:ext cx="1064526" cy="400110"/>
+          </a:xfrm>
+          <a:prstGeom prst="rect">
+            <a:avLst/>
+          </a:prstGeom>
+          <a:noFill/>
+        </p:spPr>
+        <p:txBody>
+          <a:bodyPr wrap="square" rtlCol="0">
+            <a:spAutoFit/>
+          </a:bodyPr>
+          <a:lstStyle/>
+          <a:p>
+            <a:r>
+              <a:rPr lang="pt-BR" sz="2000" b="1" dirty="0" smtClean="0">
+                <a:solidFill>
+                  <a:srgbClr val="0000FF"/>
+                </a:solidFill>
+                <a:latin typeface="Consolas" panose="020B0609020204030204" pitchFamily="49" charset="0"/>
+              </a:rPr>
+              <a:t>false</a:t>
+            </a:r>
+            <a:endParaRPr lang="pt-BR" sz="2000" b="1" dirty="0">
+              <a:solidFill>
+                <a:srgbClr val="0000FF"/>
+              </a:solidFill>
+              <a:latin typeface="Consolas" panose="020B0609020204030204" pitchFamily="49" charset="0"/>
+            </a:endParaRPr>
+          </a:p>
+        </p:txBody>
+      </p:sp>
+      <p:sp>
+        <p:nvSpPr>
+          <p:cNvPr id="21" name="CaixaDeTexto 20"/>
+          <p:cNvSpPr txBox="1"/>
+          <p:nvPr/>
+        </p:nvSpPr>
+        <p:spPr>
+          <a:xfrm>
+            <a:off x="621536" y="2926362"/>
+            <a:ext cx="1878276" cy="400110"/>
+          </a:xfrm>
+          <a:prstGeom prst="rect">
+            <a:avLst/>
+          </a:prstGeom>
+          <a:noFill/>
+        </p:spPr>
+        <p:txBody>
+          <a:bodyPr wrap="square" rtlCol="0">
+            <a:spAutoFit/>
+          </a:bodyPr>
+          <a:lstStyle/>
+          <a:p>
+            <a:r>
+              <a:rPr lang="pt-BR" sz="2000" b="1" dirty="0" smtClean="0">
+                <a:latin typeface="Consolas" panose="020B0609020204030204" pitchFamily="49" charset="0"/>
+              </a:rPr>
+              <a:t>Diferente</a:t>
+            </a:r>
+            <a:endParaRPr lang="pt-BR" sz="2000" b="1" dirty="0">
+              <a:latin typeface="Consolas" panose="020B0609020204030204" pitchFamily="49" charset="0"/>
+            </a:endParaRPr>
+          </a:p>
+        </p:txBody>
+      </p:sp>
+      <p:sp>
+        <p:nvSpPr>
+          <p:cNvPr id="22" name="CaixaDeTexto 21"/>
+          <p:cNvSpPr txBox="1"/>
+          <p:nvPr/>
+        </p:nvSpPr>
+        <p:spPr>
+          <a:xfrm>
+            <a:off x="3324371" y="3272873"/>
+            <a:ext cx="1064526" cy="400110"/>
+          </a:xfrm>
+          <a:prstGeom prst="rect">
+            <a:avLst/>
+          </a:prstGeom>
+          <a:noFill/>
+        </p:spPr>
+        <p:txBody>
+          <a:bodyPr wrap="square" rtlCol="0">
+            <a:spAutoFit/>
+          </a:bodyPr>
+          <a:lstStyle/>
+          <a:p>
+            <a:r>
+              <a:rPr lang="pt-BR" sz="2000" b="1" dirty="0" smtClean="0">
+                <a:latin typeface="Consolas" panose="020B0609020204030204" pitchFamily="49" charset="0"/>
+              </a:rPr>
+              <a:t>2 </a:t>
+            </a:r>
+            <a:r>
+              <a:rPr lang="pt-BR" sz="2000" b="1" dirty="0" smtClean="0">
+                <a:solidFill>
+                  <a:srgbClr val="00FF00"/>
+                </a:solidFill>
+                <a:latin typeface="Consolas" panose="020B0609020204030204" pitchFamily="49" charset="0"/>
+              </a:rPr>
+              <a:t>&lt;</a:t>
+            </a:r>
+            <a:r>
+              <a:rPr lang="pt-BR" sz="2000" b="1" dirty="0" smtClean="0">
+                <a:latin typeface="Consolas" panose="020B0609020204030204" pitchFamily="49" charset="0"/>
+              </a:rPr>
+              <a:t> 3</a:t>
+            </a:r>
+            <a:endParaRPr lang="pt-BR" sz="2000" b="1" dirty="0">
+              <a:latin typeface="Consolas" panose="020B0609020204030204" pitchFamily="49" charset="0"/>
+            </a:endParaRPr>
+          </a:p>
+        </p:txBody>
+      </p:sp>
+      <p:sp>
+        <p:nvSpPr>
+          <p:cNvPr id="23" name="CaixaDeTexto 22"/>
+          <p:cNvSpPr txBox="1"/>
+          <p:nvPr/>
+        </p:nvSpPr>
+        <p:spPr>
+          <a:xfrm>
+            <a:off x="5043997" y="3272873"/>
+            <a:ext cx="1064526" cy="400110"/>
+          </a:xfrm>
+          <a:prstGeom prst="rect">
+            <a:avLst/>
+          </a:prstGeom>
+          <a:noFill/>
+        </p:spPr>
+        <p:txBody>
+          <a:bodyPr wrap="square" rtlCol="0">
+            <a:spAutoFit/>
+          </a:bodyPr>
+          <a:lstStyle/>
+          <a:p>
+            <a:r>
+              <a:rPr lang="pt-BR" sz="2000" b="1" dirty="0" err="1" smtClean="0">
+                <a:solidFill>
+                  <a:srgbClr val="0000FF"/>
+                </a:solidFill>
+                <a:latin typeface="Consolas" panose="020B0609020204030204" pitchFamily="49" charset="0"/>
+              </a:rPr>
+              <a:t>true</a:t>
+            </a:r>
+            <a:endParaRPr lang="pt-BR" sz="2000" b="1" dirty="0">
+              <a:solidFill>
+                <a:srgbClr val="0000FF"/>
+              </a:solidFill>
+              <a:latin typeface="Consolas" panose="020B0609020204030204" pitchFamily="49" charset="0"/>
+            </a:endParaRPr>
+          </a:p>
+        </p:txBody>
+      </p:sp>
+      <p:sp>
+        <p:nvSpPr>
+          <p:cNvPr id="24" name="CaixaDeTexto 23"/>
+          <p:cNvSpPr txBox="1"/>
+          <p:nvPr/>
+        </p:nvSpPr>
+        <p:spPr>
+          <a:xfrm>
+            <a:off x="3324370" y="3625779"/>
+            <a:ext cx="1719625" cy="400110"/>
+          </a:xfrm>
+          <a:prstGeom prst="rect">
+            <a:avLst/>
+          </a:prstGeom>
+          <a:noFill/>
+        </p:spPr>
+        <p:txBody>
+          <a:bodyPr wrap="square" rtlCol="0">
+            <a:spAutoFit/>
+          </a:bodyPr>
+          <a:lstStyle/>
+          <a:p>
+            <a:r>
+              <a:rPr lang="pt-BR" sz="2000" b="1" dirty="0" smtClean="0">
+                <a:latin typeface="Consolas" panose="020B0609020204030204" pitchFamily="49" charset="0"/>
+              </a:rPr>
+              <a:t>2 </a:t>
+            </a:r>
+            <a:r>
+              <a:rPr lang="pt-BR" sz="2000" b="1" dirty="0">
+                <a:solidFill>
+                  <a:srgbClr val="00FF00"/>
+                </a:solidFill>
+                <a:latin typeface="Consolas" panose="020B0609020204030204" pitchFamily="49" charset="0"/>
+              </a:rPr>
+              <a:t>&lt; </a:t>
+            </a:r>
+            <a:r>
+              <a:rPr lang="pt-BR" sz="2000" b="1" dirty="0">
+                <a:latin typeface="Consolas" panose="020B0609020204030204" pitchFamily="49" charset="0"/>
+              </a:rPr>
+              <a:t>1</a:t>
+            </a:r>
+            <a:endParaRPr lang="pt-BR" sz="2000" b="1" dirty="0">
+              <a:latin typeface="Consolas" panose="020B0609020204030204" pitchFamily="49" charset="0"/>
+            </a:endParaRPr>
+          </a:p>
+        </p:txBody>
+      </p:sp>
+      <p:sp>
+        <p:nvSpPr>
+          <p:cNvPr id="25" name="CaixaDeTexto 24"/>
+          <p:cNvSpPr txBox="1"/>
+          <p:nvPr/>
+        </p:nvSpPr>
+        <p:spPr>
+          <a:xfrm>
+            <a:off x="5043997" y="3625779"/>
+            <a:ext cx="1064526" cy="400110"/>
+          </a:xfrm>
+          <a:prstGeom prst="rect">
+            <a:avLst/>
+          </a:prstGeom>
+          <a:noFill/>
+        </p:spPr>
+        <p:txBody>
+          <a:bodyPr wrap="square" rtlCol="0">
+            <a:spAutoFit/>
+          </a:bodyPr>
+          <a:lstStyle/>
+          <a:p>
+            <a:r>
+              <a:rPr lang="pt-BR" sz="2000" b="1" dirty="0" smtClean="0">
+                <a:solidFill>
+                  <a:srgbClr val="0000FF"/>
+                </a:solidFill>
+                <a:latin typeface="Consolas" panose="020B0609020204030204" pitchFamily="49" charset="0"/>
+              </a:rPr>
+              <a:t>false</a:t>
+            </a:r>
+            <a:endParaRPr lang="pt-BR" sz="2000" b="1" dirty="0">
+              <a:solidFill>
+                <a:srgbClr val="0000FF"/>
+              </a:solidFill>
+              <a:latin typeface="Consolas" panose="020B0609020204030204" pitchFamily="49" charset="0"/>
+            </a:endParaRPr>
+          </a:p>
+        </p:txBody>
+      </p:sp>
+      <p:sp>
+        <p:nvSpPr>
+          <p:cNvPr id="26" name="CaixaDeTexto 25"/>
+          <p:cNvSpPr txBox="1"/>
+          <p:nvPr/>
+        </p:nvSpPr>
+        <p:spPr>
+          <a:xfrm>
+            <a:off x="619263" y="3272873"/>
+            <a:ext cx="1700858" cy="400110"/>
+          </a:xfrm>
+          <a:prstGeom prst="rect">
+            <a:avLst/>
+          </a:prstGeom>
+          <a:noFill/>
+        </p:spPr>
+        <p:txBody>
+          <a:bodyPr wrap="square" rtlCol="0">
+            <a:spAutoFit/>
+          </a:bodyPr>
+          <a:lstStyle/>
+          <a:p>
+            <a:r>
+              <a:rPr lang="pt-BR" sz="2000" b="1" dirty="0" smtClean="0">
+                <a:latin typeface="Consolas" panose="020B0609020204030204" pitchFamily="49" charset="0"/>
+              </a:rPr>
+              <a:t>Menor que</a:t>
+            </a:r>
+            <a:endParaRPr lang="pt-BR" sz="2000" b="1" dirty="0">
+              <a:latin typeface="Consolas" panose="020B0609020204030204" pitchFamily="49" charset="0"/>
+            </a:endParaRPr>
+          </a:p>
+        </p:txBody>
+      </p:sp>
+      <p:sp>
+        <p:nvSpPr>
+          <p:cNvPr id="27" name="CaixaDeTexto 26"/>
+          <p:cNvSpPr txBox="1"/>
+          <p:nvPr/>
+        </p:nvSpPr>
+        <p:spPr>
+          <a:xfrm>
+            <a:off x="619262" y="3633769"/>
+            <a:ext cx="1605321" cy="400110"/>
+          </a:xfrm>
+          <a:prstGeom prst="rect">
+            <a:avLst/>
+          </a:prstGeom>
+          <a:noFill/>
+        </p:spPr>
+        <p:txBody>
+          <a:bodyPr wrap="square" rtlCol="0">
+            <a:spAutoFit/>
+          </a:bodyPr>
+          <a:lstStyle/>
+          <a:p>
+            <a:r>
+              <a:rPr lang="pt-BR" sz="2000" b="1" dirty="0" smtClean="0">
+                <a:latin typeface="Consolas" panose="020B0609020204030204" pitchFamily="49" charset="0"/>
+              </a:rPr>
+              <a:t>Menor que</a:t>
+            </a:r>
+            <a:endParaRPr lang="pt-BR" sz="2000" b="1" dirty="0">
+              <a:latin typeface="Consolas" panose="020B0609020204030204" pitchFamily="49" charset="0"/>
+            </a:endParaRPr>
+          </a:p>
+        </p:txBody>
+      </p:sp>
+      <p:sp>
+        <p:nvSpPr>
+          <p:cNvPr id="28" name="CaixaDeTexto 27"/>
+          <p:cNvSpPr txBox="1"/>
+          <p:nvPr/>
+        </p:nvSpPr>
+        <p:spPr>
+          <a:xfrm>
+            <a:off x="3326644" y="3982897"/>
+            <a:ext cx="1719625" cy="400110"/>
+          </a:xfrm>
+          <a:prstGeom prst="rect">
+            <a:avLst/>
+          </a:prstGeom>
+          <a:noFill/>
+        </p:spPr>
+        <p:txBody>
+          <a:bodyPr wrap="square" rtlCol="0">
+            <a:spAutoFit/>
+          </a:bodyPr>
+          <a:lstStyle/>
+          <a:p>
+            <a:r>
+              <a:rPr lang="pt-BR" sz="2000" b="1" dirty="0" smtClean="0">
+                <a:latin typeface="Consolas" panose="020B0609020204030204" pitchFamily="49" charset="0"/>
+              </a:rPr>
+              <a:t>3 </a:t>
+            </a:r>
+            <a:r>
+              <a:rPr lang="pt-BR" sz="2000" b="1" dirty="0" smtClean="0">
+                <a:solidFill>
+                  <a:srgbClr val="00FF00"/>
+                </a:solidFill>
+                <a:latin typeface="Consolas" panose="020B0609020204030204" pitchFamily="49" charset="0"/>
+              </a:rPr>
+              <a:t>&lt;=</a:t>
+            </a:r>
+            <a:r>
+              <a:rPr lang="pt-BR" sz="2000" b="1" dirty="0" smtClean="0">
+                <a:latin typeface="Consolas" panose="020B0609020204030204" pitchFamily="49" charset="0"/>
+              </a:rPr>
+              <a:t> 3</a:t>
+            </a:r>
+            <a:endParaRPr lang="pt-BR" sz="2000" b="1" dirty="0">
+              <a:latin typeface="Consolas" panose="020B0609020204030204" pitchFamily="49" charset="0"/>
+            </a:endParaRPr>
+          </a:p>
+        </p:txBody>
+      </p:sp>
+      <p:sp>
+        <p:nvSpPr>
+          <p:cNvPr id="29" name="CaixaDeTexto 28"/>
+          <p:cNvSpPr txBox="1"/>
+          <p:nvPr/>
+        </p:nvSpPr>
+        <p:spPr>
+          <a:xfrm>
+            <a:off x="5046271" y="3982897"/>
+            <a:ext cx="1064526" cy="400110"/>
+          </a:xfrm>
+          <a:prstGeom prst="rect">
+            <a:avLst/>
+          </a:prstGeom>
+          <a:noFill/>
+        </p:spPr>
+        <p:txBody>
+          <a:bodyPr wrap="square" rtlCol="0">
+            <a:spAutoFit/>
+          </a:bodyPr>
+          <a:lstStyle/>
+          <a:p>
+            <a:r>
+              <a:rPr lang="pt-BR" sz="2000" b="1" dirty="0" err="1" smtClean="0">
+                <a:solidFill>
+                  <a:srgbClr val="0000FF"/>
+                </a:solidFill>
+                <a:latin typeface="Consolas" panose="020B0609020204030204" pitchFamily="49" charset="0"/>
+              </a:rPr>
+              <a:t>true</a:t>
+            </a:r>
+            <a:endParaRPr lang="pt-BR" sz="2000" b="1" dirty="0">
+              <a:solidFill>
+                <a:srgbClr val="0000FF"/>
+              </a:solidFill>
+              <a:latin typeface="Consolas" panose="020B0609020204030204" pitchFamily="49" charset="0"/>
+            </a:endParaRPr>
+          </a:p>
+        </p:txBody>
+      </p:sp>
+      <p:sp>
+        <p:nvSpPr>
+          <p:cNvPr id="30" name="CaixaDeTexto 29"/>
+          <p:cNvSpPr txBox="1"/>
+          <p:nvPr/>
+        </p:nvSpPr>
+        <p:spPr>
+          <a:xfrm>
+            <a:off x="621535" y="3990887"/>
+            <a:ext cx="2271789" cy="400110"/>
+          </a:xfrm>
+          <a:prstGeom prst="rect">
+            <a:avLst/>
+          </a:prstGeom>
+          <a:noFill/>
+        </p:spPr>
+        <p:txBody>
+          <a:bodyPr wrap="square" rtlCol="0">
+            <a:spAutoFit/>
+          </a:bodyPr>
+          <a:lstStyle/>
+          <a:p>
+            <a:r>
+              <a:rPr lang="pt-BR" sz="2000" b="1" dirty="0" smtClean="0">
+                <a:latin typeface="Consolas" panose="020B0609020204030204" pitchFamily="49" charset="0"/>
+              </a:rPr>
+              <a:t>Menor ou igual</a:t>
+            </a:r>
+            <a:endParaRPr lang="pt-BR" sz="2000" b="1" dirty="0">
+              <a:latin typeface="Consolas" panose="020B0609020204030204" pitchFamily="49" charset="0"/>
+            </a:endParaRPr>
+          </a:p>
+        </p:txBody>
+      </p:sp>
+      <p:sp>
+        <p:nvSpPr>
+          <p:cNvPr id="31" name="CaixaDeTexto 30"/>
+          <p:cNvSpPr txBox="1"/>
+          <p:nvPr/>
+        </p:nvSpPr>
+        <p:spPr>
+          <a:xfrm>
+            <a:off x="3328917" y="4340016"/>
+            <a:ext cx="1719625" cy="400110"/>
+          </a:xfrm>
+          <a:prstGeom prst="rect">
+            <a:avLst/>
+          </a:prstGeom>
+          <a:noFill/>
+        </p:spPr>
+        <p:txBody>
+          <a:bodyPr wrap="square" rtlCol="0">
+            <a:spAutoFit/>
+          </a:bodyPr>
+          <a:lstStyle/>
+          <a:p>
+            <a:r>
+              <a:rPr lang="pt-BR" sz="2000" b="1" dirty="0" smtClean="0">
+                <a:latin typeface="Consolas" panose="020B0609020204030204" pitchFamily="49" charset="0"/>
+              </a:rPr>
+              <a:t>3 </a:t>
+            </a:r>
+            <a:r>
+              <a:rPr lang="pt-BR" sz="2000" b="1" dirty="0" smtClean="0">
+                <a:solidFill>
+                  <a:srgbClr val="00FF00"/>
+                </a:solidFill>
+                <a:latin typeface="Consolas" panose="020B0609020204030204" pitchFamily="49" charset="0"/>
+              </a:rPr>
+              <a:t>&lt;=</a:t>
+            </a:r>
+            <a:r>
+              <a:rPr lang="pt-BR" sz="2000" b="1" dirty="0" smtClean="0">
+                <a:latin typeface="Consolas" panose="020B0609020204030204" pitchFamily="49" charset="0"/>
+              </a:rPr>
+              <a:t> 2</a:t>
+            </a:r>
+            <a:endParaRPr lang="pt-BR" sz="2000" b="1" dirty="0">
+              <a:latin typeface="Consolas" panose="020B0609020204030204" pitchFamily="49" charset="0"/>
+            </a:endParaRPr>
+          </a:p>
+        </p:txBody>
+      </p:sp>
+      <p:sp>
+        <p:nvSpPr>
+          <p:cNvPr id="32" name="CaixaDeTexto 31"/>
+          <p:cNvSpPr txBox="1"/>
+          <p:nvPr/>
+        </p:nvSpPr>
+        <p:spPr>
+          <a:xfrm>
+            <a:off x="5048544" y="4340016"/>
+            <a:ext cx="1064526" cy="400110"/>
+          </a:xfrm>
+          <a:prstGeom prst="rect">
+            <a:avLst/>
+          </a:prstGeom>
+          <a:noFill/>
+        </p:spPr>
+        <p:txBody>
+          <a:bodyPr wrap="square" rtlCol="0">
+            <a:spAutoFit/>
+          </a:bodyPr>
+          <a:lstStyle/>
+          <a:p>
+            <a:r>
+              <a:rPr lang="pt-BR" sz="2000" b="1" dirty="0" smtClean="0">
+                <a:solidFill>
+                  <a:srgbClr val="0000FF"/>
+                </a:solidFill>
+                <a:latin typeface="Consolas" panose="020B0609020204030204" pitchFamily="49" charset="0"/>
+              </a:rPr>
+              <a:t>false</a:t>
+            </a:r>
+            <a:endParaRPr lang="pt-BR" sz="2000" b="1" dirty="0">
+              <a:solidFill>
+                <a:srgbClr val="0000FF"/>
+              </a:solidFill>
+              <a:latin typeface="Consolas" panose="020B0609020204030204" pitchFamily="49" charset="0"/>
+            </a:endParaRPr>
+          </a:p>
+        </p:txBody>
+      </p:sp>
+      <p:sp>
+        <p:nvSpPr>
+          <p:cNvPr id="33" name="CaixaDeTexto 32"/>
+          <p:cNvSpPr txBox="1"/>
+          <p:nvPr/>
+        </p:nvSpPr>
+        <p:spPr>
+          <a:xfrm>
+            <a:off x="623809" y="4348006"/>
+            <a:ext cx="2698288" cy="400110"/>
+          </a:xfrm>
+          <a:prstGeom prst="rect">
+            <a:avLst/>
+          </a:prstGeom>
+          <a:noFill/>
+        </p:spPr>
+        <p:txBody>
+          <a:bodyPr wrap="square" rtlCol="0">
+            <a:spAutoFit/>
+          </a:bodyPr>
+          <a:lstStyle/>
+          <a:p>
+            <a:r>
+              <a:rPr lang="pt-BR" sz="2000" b="1" dirty="0" smtClean="0">
+                <a:latin typeface="Consolas" panose="020B0609020204030204" pitchFamily="49" charset="0"/>
+              </a:rPr>
+              <a:t>Menor ou igual</a:t>
+            </a:r>
+            <a:endParaRPr lang="pt-BR" sz="2000" b="1" dirty="0">
+              <a:latin typeface="Consolas" panose="020B0609020204030204" pitchFamily="49" charset="0"/>
+            </a:endParaRPr>
+          </a:p>
+        </p:txBody>
+      </p:sp>
+      <p:sp>
+        <p:nvSpPr>
+          <p:cNvPr id="34" name="CaixaDeTexto 33"/>
+          <p:cNvSpPr txBox="1"/>
+          <p:nvPr/>
+        </p:nvSpPr>
+        <p:spPr>
+          <a:xfrm>
+            <a:off x="3326643" y="4708165"/>
+            <a:ext cx="1064526" cy="400110"/>
+          </a:xfrm>
+          <a:prstGeom prst="rect">
+            <a:avLst/>
+          </a:prstGeom>
+          <a:noFill/>
+        </p:spPr>
+        <p:txBody>
+          <a:bodyPr wrap="square" rtlCol="0">
+            <a:spAutoFit/>
+          </a:bodyPr>
+          <a:lstStyle/>
+          <a:p>
+            <a:r>
+              <a:rPr lang="pt-BR" sz="2000" b="1" dirty="0" smtClean="0">
+                <a:latin typeface="Consolas" panose="020B0609020204030204" pitchFamily="49" charset="0"/>
+              </a:rPr>
+              <a:t>2 </a:t>
+            </a:r>
+            <a:r>
+              <a:rPr lang="pt-BR" sz="2000" b="1" dirty="0" smtClean="0">
+                <a:solidFill>
+                  <a:srgbClr val="00FF00"/>
+                </a:solidFill>
+                <a:latin typeface="Consolas" panose="020B0609020204030204" pitchFamily="49" charset="0"/>
+              </a:rPr>
+              <a:t>&gt;</a:t>
+            </a:r>
+            <a:r>
+              <a:rPr lang="pt-BR" sz="2000" b="1" dirty="0" smtClean="0">
+                <a:latin typeface="Consolas" panose="020B0609020204030204" pitchFamily="49" charset="0"/>
+              </a:rPr>
+              <a:t> 1</a:t>
+            </a:r>
+            <a:endParaRPr lang="pt-BR" sz="2000" b="1" dirty="0">
+              <a:latin typeface="Consolas" panose="020B0609020204030204" pitchFamily="49" charset="0"/>
+            </a:endParaRPr>
+          </a:p>
+        </p:txBody>
+      </p:sp>
+      <p:sp>
+        <p:nvSpPr>
+          <p:cNvPr id="35" name="CaixaDeTexto 34"/>
+          <p:cNvSpPr txBox="1"/>
+          <p:nvPr/>
+        </p:nvSpPr>
+        <p:spPr>
+          <a:xfrm>
+            <a:off x="5046269" y="4708165"/>
+            <a:ext cx="1064526" cy="400110"/>
+          </a:xfrm>
+          <a:prstGeom prst="rect">
+            <a:avLst/>
+          </a:prstGeom>
+          <a:noFill/>
+        </p:spPr>
+        <p:txBody>
+          <a:bodyPr wrap="square" rtlCol="0">
+            <a:spAutoFit/>
+          </a:bodyPr>
+          <a:lstStyle/>
+          <a:p>
+            <a:r>
+              <a:rPr lang="pt-BR" sz="2000" b="1" dirty="0" err="1" smtClean="0">
+                <a:solidFill>
+                  <a:srgbClr val="0000FF"/>
+                </a:solidFill>
+                <a:latin typeface="Consolas" panose="020B0609020204030204" pitchFamily="49" charset="0"/>
+              </a:rPr>
+              <a:t>true</a:t>
+            </a:r>
+            <a:endParaRPr lang="pt-BR" sz="2000" b="1" dirty="0">
+              <a:solidFill>
+                <a:srgbClr val="0000FF"/>
+              </a:solidFill>
+              <a:latin typeface="Consolas" panose="020B0609020204030204" pitchFamily="49" charset="0"/>
+            </a:endParaRPr>
+          </a:p>
+        </p:txBody>
+      </p:sp>
+      <p:sp>
+        <p:nvSpPr>
+          <p:cNvPr id="36" name="CaixaDeTexto 35"/>
+          <p:cNvSpPr txBox="1"/>
+          <p:nvPr/>
+        </p:nvSpPr>
+        <p:spPr>
+          <a:xfrm>
+            <a:off x="3326642" y="5074719"/>
+            <a:ext cx="1719625" cy="400110"/>
+          </a:xfrm>
+          <a:prstGeom prst="rect">
+            <a:avLst/>
+          </a:prstGeom>
+          <a:noFill/>
+        </p:spPr>
+        <p:txBody>
+          <a:bodyPr wrap="square" rtlCol="0">
+            <a:spAutoFit/>
+          </a:bodyPr>
+          <a:lstStyle/>
+          <a:p>
+            <a:r>
+              <a:rPr lang="pt-BR" sz="2000" b="1" dirty="0" smtClean="0">
+                <a:latin typeface="Consolas" panose="020B0609020204030204" pitchFamily="49" charset="0"/>
+              </a:rPr>
+              <a:t>2 </a:t>
+            </a:r>
+            <a:r>
+              <a:rPr lang="pt-BR" sz="2000" b="1" dirty="0" smtClean="0">
+                <a:solidFill>
+                  <a:srgbClr val="00FF00"/>
+                </a:solidFill>
+                <a:latin typeface="Consolas" panose="020B0609020204030204" pitchFamily="49" charset="0"/>
+              </a:rPr>
+              <a:t>&gt;</a:t>
+            </a:r>
+            <a:r>
+              <a:rPr lang="pt-BR" sz="2000" b="1" dirty="0" smtClean="0">
+                <a:latin typeface="Consolas" panose="020B0609020204030204" pitchFamily="49" charset="0"/>
+              </a:rPr>
+              <a:t> 5</a:t>
+            </a:r>
+            <a:endParaRPr lang="pt-BR" sz="2000" b="1" dirty="0">
+              <a:latin typeface="Consolas" panose="020B0609020204030204" pitchFamily="49" charset="0"/>
+            </a:endParaRPr>
+          </a:p>
+        </p:txBody>
+      </p:sp>
+      <p:sp>
+        <p:nvSpPr>
+          <p:cNvPr id="37" name="CaixaDeTexto 36"/>
+          <p:cNvSpPr txBox="1"/>
+          <p:nvPr/>
+        </p:nvSpPr>
+        <p:spPr>
+          <a:xfrm>
+            <a:off x="5046269" y="5074719"/>
+            <a:ext cx="1064526" cy="400110"/>
+          </a:xfrm>
+          <a:prstGeom prst="rect">
+            <a:avLst/>
+          </a:prstGeom>
+          <a:noFill/>
+        </p:spPr>
+        <p:txBody>
+          <a:bodyPr wrap="square" rtlCol="0">
+            <a:spAutoFit/>
+          </a:bodyPr>
+          <a:lstStyle/>
+          <a:p>
+            <a:r>
+              <a:rPr lang="pt-BR" sz="2000" b="1" dirty="0" smtClean="0">
+                <a:solidFill>
+                  <a:srgbClr val="0000FF"/>
+                </a:solidFill>
+                <a:latin typeface="Consolas" panose="020B0609020204030204" pitchFamily="49" charset="0"/>
+              </a:rPr>
+              <a:t>false</a:t>
+            </a:r>
+            <a:endParaRPr lang="pt-BR" sz="2000" b="1" dirty="0">
+              <a:solidFill>
+                <a:srgbClr val="0000FF"/>
+              </a:solidFill>
+              <a:latin typeface="Consolas" panose="020B0609020204030204" pitchFamily="49" charset="0"/>
+            </a:endParaRPr>
+          </a:p>
+        </p:txBody>
+      </p:sp>
+      <p:sp>
+        <p:nvSpPr>
+          <p:cNvPr id="38" name="CaixaDeTexto 37"/>
+          <p:cNvSpPr txBox="1"/>
+          <p:nvPr/>
+        </p:nvSpPr>
+        <p:spPr>
+          <a:xfrm>
+            <a:off x="621535" y="4708165"/>
+            <a:ext cx="1700858" cy="400110"/>
+          </a:xfrm>
+          <a:prstGeom prst="rect">
+            <a:avLst/>
+          </a:prstGeom>
+          <a:noFill/>
+        </p:spPr>
+        <p:txBody>
+          <a:bodyPr wrap="square" rtlCol="0">
+            <a:spAutoFit/>
+          </a:bodyPr>
+          <a:lstStyle/>
+          <a:p>
+            <a:r>
+              <a:rPr lang="pt-BR" sz="2000" b="1" dirty="0" smtClean="0">
+                <a:latin typeface="Consolas" panose="020B0609020204030204" pitchFamily="49" charset="0"/>
+              </a:rPr>
+              <a:t>Maior que</a:t>
+            </a:r>
+            <a:endParaRPr lang="pt-BR" sz="2000" b="1" dirty="0">
+              <a:latin typeface="Consolas" panose="020B0609020204030204" pitchFamily="49" charset="0"/>
+            </a:endParaRPr>
+          </a:p>
+        </p:txBody>
+      </p:sp>
+      <p:sp>
+        <p:nvSpPr>
+          <p:cNvPr id="39" name="CaixaDeTexto 38"/>
+          <p:cNvSpPr txBox="1"/>
+          <p:nvPr/>
+        </p:nvSpPr>
+        <p:spPr>
+          <a:xfrm>
+            <a:off x="621534" y="5082709"/>
+            <a:ext cx="1605321" cy="400110"/>
+          </a:xfrm>
+          <a:prstGeom prst="rect">
+            <a:avLst/>
+          </a:prstGeom>
+          <a:noFill/>
+        </p:spPr>
+        <p:txBody>
+          <a:bodyPr wrap="square" rtlCol="0">
+            <a:spAutoFit/>
+          </a:bodyPr>
+          <a:lstStyle/>
+          <a:p>
+            <a:r>
+              <a:rPr lang="pt-BR" sz="2000" b="1" dirty="0" smtClean="0">
+                <a:latin typeface="Consolas" panose="020B0609020204030204" pitchFamily="49" charset="0"/>
+              </a:rPr>
+              <a:t>Maior que</a:t>
+            </a:r>
+            <a:endParaRPr lang="pt-BR" sz="2000" b="1" dirty="0">
+              <a:latin typeface="Consolas" panose="020B0609020204030204" pitchFamily="49" charset="0"/>
+            </a:endParaRPr>
+          </a:p>
+        </p:txBody>
+      </p:sp>
+      <p:sp>
+        <p:nvSpPr>
+          <p:cNvPr id="40" name="CaixaDeTexto 39"/>
+          <p:cNvSpPr txBox="1"/>
+          <p:nvPr/>
+        </p:nvSpPr>
+        <p:spPr>
+          <a:xfrm>
+            <a:off x="3328915" y="5461070"/>
+            <a:ext cx="1064526" cy="400110"/>
+          </a:xfrm>
+          <a:prstGeom prst="rect">
+            <a:avLst/>
+          </a:prstGeom>
+          <a:noFill/>
+        </p:spPr>
+        <p:txBody>
+          <a:bodyPr wrap="square" rtlCol="0">
+            <a:spAutoFit/>
+          </a:bodyPr>
+          <a:lstStyle/>
+          <a:p>
+            <a:r>
+              <a:rPr lang="pt-BR" sz="2000" b="1" dirty="0" smtClean="0">
+                <a:latin typeface="Consolas" panose="020B0609020204030204" pitchFamily="49" charset="0"/>
+              </a:rPr>
+              <a:t>2 </a:t>
+            </a:r>
+            <a:r>
+              <a:rPr lang="pt-BR" sz="2000" b="1" dirty="0" smtClean="0">
+                <a:solidFill>
+                  <a:srgbClr val="00FF00"/>
+                </a:solidFill>
+                <a:latin typeface="Consolas" panose="020B0609020204030204" pitchFamily="49" charset="0"/>
+              </a:rPr>
+              <a:t>&gt;=</a:t>
+            </a:r>
+            <a:r>
+              <a:rPr lang="pt-BR" sz="2000" b="1" dirty="0" smtClean="0">
+                <a:latin typeface="Consolas" panose="020B0609020204030204" pitchFamily="49" charset="0"/>
+              </a:rPr>
+              <a:t> 1</a:t>
+            </a:r>
+            <a:endParaRPr lang="pt-BR" sz="2000" b="1" dirty="0">
+              <a:latin typeface="Consolas" panose="020B0609020204030204" pitchFamily="49" charset="0"/>
+            </a:endParaRPr>
+          </a:p>
+        </p:txBody>
+      </p:sp>
+      <p:sp>
+        <p:nvSpPr>
+          <p:cNvPr id="41" name="CaixaDeTexto 40"/>
+          <p:cNvSpPr txBox="1"/>
+          <p:nvPr/>
+        </p:nvSpPr>
+        <p:spPr>
+          <a:xfrm>
+            <a:off x="5048541" y="5461070"/>
+            <a:ext cx="1064526" cy="400110"/>
+          </a:xfrm>
+          <a:prstGeom prst="rect">
+            <a:avLst/>
+          </a:prstGeom>
+          <a:noFill/>
+        </p:spPr>
+        <p:txBody>
+          <a:bodyPr wrap="square" rtlCol="0">
+            <a:spAutoFit/>
+          </a:bodyPr>
+          <a:lstStyle/>
+          <a:p>
+            <a:r>
+              <a:rPr lang="pt-BR" sz="2000" b="1" dirty="0" err="1" smtClean="0">
+                <a:solidFill>
+                  <a:srgbClr val="0000FF"/>
+                </a:solidFill>
+                <a:latin typeface="Consolas" panose="020B0609020204030204" pitchFamily="49" charset="0"/>
+              </a:rPr>
+              <a:t>true</a:t>
+            </a:r>
+            <a:endParaRPr lang="pt-BR" sz="2000" b="1" dirty="0">
+              <a:solidFill>
+                <a:srgbClr val="0000FF"/>
+              </a:solidFill>
+              <a:latin typeface="Consolas" panose="020B0609020204030204" pitchFamily="49" charset="0"/>
+            </a:endParaRPr>
+          </a:p>
+        </p:txBody>
+      </p:sp>
+      <p:sp>
+        <p:nvSpPr>
+          <p:cNvPr id="42" name="CaixaDeTexto 41"/>
+          <p:cNvSpPr txBox="1"/>
+          <p:nvPr/>
+        </p:nvSpPr>
+        <p:spPr>
+          <a:xfrm>
+            <a:off x="3328914" y="5827624"/>
+            <a:ext cx="1719625" cy="400110"/>
+          </a:xfrm>
+          <a:prstGeom prst="rect">
+            <a:avLst/>
+          </a:prstGeom>
+          <a:noFill/>
+        </p:spPr>
+        <p:txBody>
+          <a:bodyPr wrap="square" rtlCol="0">
+            <a:spAutoFit/>
+          </a:bodyPr>
+          <a:lstStyle/>
+          <a:p>
+            <a:r>
+              <a:rPr lang="pt-BR" sz="2000" b="1" dirty="0" smtClean="0">
+                <a:latin typeface="Consolas" panose="020B0609020204030204" pitchFamily="49" charset="0"/>
+              </a:rPr>
+              <a:t>2 </a:t>
+            </a:r>
+            <a:r>
+              <a:rPr lang="pt-BR" sz="2000" b="1" dirty="0" smtClean="0">
+                <a:solidFill>
+                  <a:srgbClr val="00FF00"/>
+                </a:solidFill>
+                <a:latin typeface="Consolas" panose="020B0609020204030204" pitchFamily="49" charset="0"/>
+              </a:rPr>
+              <a:t>&gt;=</a:t>
+            </a:r>
+            <a:r>
+              <a:rPr lang="pt-BR" sz="2000" b="1" dirty="0" smtClean="0">
+                <a:latin typeface="Consolas" panose="020B0609020204030204" pitchFamily="49" charset="0"/>
+              </a:rPr>
+              <a:t> 5</a:t>
+            </a:r>
+            <a:endParaRPr lang="pt-BR" sz="2000" b="1" dirty="0">
+              <a:latin typeface="Consolas" panose="020B0609020204030204" pitchFamily="49" charset="0"/>
+            </a:endParaRPr>
+          </a:p>
+        </p:txBody>
+      </p:sp>
+      <p:sp>
+        <p:nvSpPr>
+          <p:cNvPr id="43" name="CaixaDeTexto 42"/>
+          <p:cNvSpPr txBox="1"/>
+          <p:nvPr/>
+        </p:nvSpPr>
+        <p:spPr>
+          <a:xfrm>
+            <a:off x="5048541" y="5827624"/>
+            <a:ext cx="1064526" cy="400110"/>
+          </a:xfrm>
+          <a:prstGeom prst="rect">
+            <a:avLst/>
+          </a:prstGeom>
+          <a:noFill/>
+        </p:spPr>
+        <p:txBody>
+          <a:bodyPr wrap="square" rtlCol="0">
+            <a:spAutoFit/>
+          </a:bodyPr>
+          <a:lstStyle/>
+          <a:p>
+            <a:r>
+              <a:rPr lang="pt-BR" sz="2000" b="1" dirty="0" smtClean="0">
+                <a:solidFill>
+                  <a:srgbClr val="0000FF"/>
+                </a:solidFill>
+                <a:latin typeface="Consolas" panose="020B0609020204030204" pitchFamily="49" charset="0"/>
+              </a:rPr>
+              <a:t>false</a:t>
+            </a:r>
+            <a:endParaRPr lang="pt-BR" sz="2000" b="1" dirty="0">
+              <a:solidFill>
+                <a:srgbClr val="0000FF"/>
+              </a:solidFill>
+              <a:latin typeface="Consolas" panose="020B0609020204030204" pitchFamily="49" charset="0"/>
+            </a:endParaRPr>
+          </a:p>
+        </p:txBody>
+      </p:sp>
+      <p:sp>
+        <p:nvSpPr>
+          <p:cNvPr id="44" name="CaixaDeTexto 43"/>
+          <p:cNvSpPr txBox="1"/>
+          <p:nvPr/>
+        </p:nvSpPr>
+        <p:spPr>
+          <a:xfrm>
+            <a:off x="623806" y="5461070"/>
+            <a:ext cx="2365053" cy="400110"/>
+          </a:xfrm>
+          <a:prstGeom prst="rect">
+            <a:avLst/>
+          </a:prstGeom>
+          <a:noFill/>
+        </p:spPr>
+        <p:txBody>
+          <a:bodyPr wrap="square" rtlCol="0">
+            <a:spAutoFit/>
+          </a:bodyPr>
+          <a:lstStyle/>
+          <a:p>
+            <a:r>
+              <a:rPr lang="pt-BR" sz="2000" b="1" dirty="0" smtClean="0">
+                <a:latin typeface="Consolas" panose="020B0609020204030204" pitchFamily="49" charset="0"/>
+              </a:rPr>
+              <a:t>Maior ou igual</a:t>
+            </a:r>
+            <a:endParaRPr lang="pt-BR" sz="2000" b="1" dirty="0">
+              <a:latin typeface="Consolas" panose="020B0609020204030204" pitchFamily="49" charset="0"/>
+            </a:endParaRPr>
+          </a:p>
+        </p:txBody>
+      </p:sp>
+      <p:sp>
+        <p:nvSpPr>
+          <p:cNvPr id="45" name="CaixaDeTexto 44"/>
+          <p:cNvSpPr txBox="1"/>
+          <p:nvPr/>
+        </p:nvSpPr>
+        <p:spPr>
+          <a:xfrm>
+            <a:off x="623806" y="5835614"/>
+            <a:ext cx="2365053" cy="400110"/>
+          </a:xfrm>
+          <a:prstGeom prst="rect">
+            <a:avLst/>
+          </a:prstGeom>
+          <a:noFill/>
+        </p:spPr>
+        <p:txBody>
+          <a:bodyPr wrap="square" rtlCol="0">
+            <a:spAutoFit/>
+          </a:bodyPr>
+          <a:lstStyle/>
+          <a:p>
+            <a:r>
+              <a:rPr lang="pt-BR" sz="2000" b="1" dirty="0">
+                <a:latin typeface="Consolas" panose="020B0609020204030204" pitchFamily="49" charset="0"/>
+              </a:rPr>
+              <a:t>Maior ou igual</a:t>
+            </a:r>
+            <a:endParaRPr lang="pt-BR" sz="2000" b="1" dirty="0">
+              <a:latin typeface="Consolas" panose="020B0609020204030204" pitchFamily="49" charset="0"/>
+            </a:endParaRPr>
+          </a:p>
+        </p:txBody>
+      </p:sp>
     </p:spTree>
     <p:extLst>
       <p:ext uri="{BB962C8B-B14F-4D97-AF65-F5344CB8AC3E}">
@@ -5512,9 +7108,1420 @@
   <p:timing>
     <p:tnLst>
       <p:par>
-        <p:cTn id="1" dur="indefinite" restart="never" nodeType="tmRoot"/>
+        <p:cTn id="1" dur="indefinite" restart="never" nodeType="tmRoot">
+          <p:childTnLst>
+            <p:seq concurrent="1" nextAc="seek">
+              <p:cTn id="2" dur="indefinite" nodeType="mainSeq">
+                <p:childTnLst>
+                  <p:par>
+                    <p:cTn id="3" fill="hold">
+                      <p:stCondLst>
+                        <p:cond delay="indefinite"/>
+                      </p:stCondLst>
+                      <p:childTnLst>
+                        <p:par>
+                          <p:cTn id="4" fill="hold">
+                            <p:stCondLst>
+                              <p:cond delay="0"/>
+                            </p:stCondLst>
+                            <p:childTnLst>
+                              <p:par>
+                                <p:cTn id="5" presetID="10" presetClass="entr" presetSubtype="0" fill="hold" grpId="0" nodeType="clickEffect">
+                                  <p:stCondLst>
+                                    <p:cond delay="0"/>
+                                  </p:stCondLst>
+                                  <p:childTnLst>
+                                    <p:set>
+                                      <p:cBhvr>
+                                        <p:cTn id="6" dur="1" fill="hold">
+                                          <p:stCondLst>
+                                            <p:cond delay="0"/>
+                                          </p:stCondLst>
+                                        </p:cTn>
+                                        <p:tgtEl>
+                                          <p:spTgt spid="10"/>
+                                        </p:tgtEl>
+                                        <p:attrNameLst>
+                                          <p:attrName>style.visibility</p:attrName>
+                                        </p:attrNameLst>
+                                      </p:cBhvr>
+                                      <p:to>
+                                        <p:strVal val="visible"/>
+                                      </p:to>
+                                    </p:set>
+                                    <p:animEffect transition="in" filter="fade">
+                                      <p:cBhvr>
+                                        <p:cTn id="7" dur="500"/>
+                                        <p:tgtEl>
+                                          <p:spTgt spid="10"/>
+                                        </p:tgtEl>
+                                      </p:cBhvr>
+                                    </p:animEffect>
+                                  </p:childTnLst>
+                                </p:cTn>
+                              </p:par>
+                              <p:par>
+                                <p:cTn id="8" presetID="10" presetClass="entr" presetSubtype="0" fill="hold" grpId="0" nodeType="withEffect">
+                                  <p:stCondLst>
+                                    <p:cond delay="0"/>
+                                  </p:stCondLst>
+                                  <p:childTnLst>
+                                    <p:set>
+                                      <p:cBhvr>
+                                        <p:cTn id="9" dur="1" fill="hold">
+                                          <p:stCondLst>
+                                            <p:cond delay="0"/>
+                                          </p:stCondLst>
+                                        </p:cTn>
+                                        <p:tgtEl>
+                                          <p:spTgt spid="11"/>
+                                        </p:tgtEl>
+                                        <p:attrNameLst>
+                                          <p:attrName>style.visibility</p:attrName>
+                                        </p:attrNameLst>
+                                      </p:cBhvr>
+                                      <p:to>
+                                        <p:strVal val="visible"/>
+                                      </p:to>
+                                    </p:set>
+                                    <p:animEffect transition="in" filter="fade">
+                                      <p:cBhvr>
+                                        <p:cTn id="10" dur="500"/>
+                                        <p:tgtEl>
+                                          <p:spTgt spid="11"/>
+                                        </p:tgtEl>
+                                      </p:cBhvr>
+                                    </p:animEffect>
+                                  </p:childTnLst>
+                                </p:cTn>
+                              </p:par>
+                              <p:par>
+                                <p:cTn id="11" presetID="10" presetClass="entr" presetSubtype="0" fill="hold" grpId="0" nodeType="withEffect">
+                                  <p:stCondLst>
+                                    <p:cond delay="0"/>
+                                  </p:stCondLst>
+                                  <p:childTnLst>
+                                    <p:set>
+                                      <p:cBhvr>
+                                        <p:cTn id="12" dur="1" fill="hold">
+                                          <p:stCondLst>
+                                            <p:cond delay="0"/>
+                                          </p:stCondLst>
+                                        </p:cTn>
+                                        <p:tgtEl>
+                                          <p:spTgt spid="14"/>
+                                        </p:tgtEl>
+                                        <p:attrNameLst>
+                                          <p:attrName>style.visibility</p:attrName>
+                                        </p:attrNameLst>
+                                      </p:cBhvr>
+                                      <p:to>
+                                        <p:strVal val="visible"/>
+                                      </p:to>
+                                    </p:set>
+                                    <p:animEffect transition="in" filter="fade">
+                                      <p:cBhvr>
+                                        <p:cTn id="13" dur="500"/>
+                                        <p:tgtEl>
+                                          <p:spTgt spid="14"/>
+                                        </p:tgtEl>
+                                      </p:cBhvr>
+                                    </p:animEffect>
+                                  </p:childTnLst>
+                                </p:cTn>
+                              </p:par>
+                            </p:childTnLst>
+                          </p:cTn>
+                        </p:par>
+                      </p:childTnLst>
+                    </p:cTn>
+                  </p:par>
+                  <p:par>
+                    <p:cTn id="14" fill="hold">
+                      <p:stCondLst>
+                        <p:cond delay="indefinite"/>
+                      </p:stCondLst>
+                      <p:childTnLst>
+                        <p:par>
+                          <p:cTn id="15" fill="hold">
+                            <p:stCondLst>
+                              <p:cond delay="0"/>
+                            </p:stCondLst>
+                            <p:childTnLst>
+                              <p:par>
+                                <p:cTn id="16" presetID="10" presetClass="entr" presetSubtype="0" fill="hold" grpId="0" nodeType="clickEffect">
+                                  <p:stCondLst>
+                                    <p:cond delay="0"/>
+                                  </p:stCondLst>
+                                  <p:childTnLst>
+                                    <p:set>
+                                      <p:cBhvr>
+                                        <p:cTn id="17" dur="1" fill="hold">
+                                          <p:stCondLst>
+                                            <p:cond delay="0"/>
+                                          </p:stCondLst>
+                                        </p:cTn>
+                                        <p:tgtEl>
+                                          <p:spTgt spid="16"/>
+                                        </p:tgtEl>
+                                        <p:attrNameLst>
+                                          <p:attrName>style.visibility</p:attrName>
+                                        </p:attrNameLst>
+                                      </p:cBhvr>
+                                      <p:to>
+                                        <p:strVal val="visible"/>
+                                      </p:to>
+                                    </p:set>
+                                    <p:animEffect transition="in" filter="fade">
+                                      <p:cBhvr>
+                                        <p:cTn id="18" dur="500"/>
+                                        <p:tgtEl>
+                                          <p:spTgt spid="16"/>
+                                        </p:tgtEl>
+                                      </p:cBhvr>
+                                    </p:animEffect>
+                                  </p:childTnLst>
+                                </p:cTn>
+                              </p:par>
+                              <p:par>
+                                <p:cTn id="19" presetID="10" presetClass="entr" presetSubtype="0" fill="hold" grpId="0" nodeType="withEffect">
+                                  <p:stCondLst>
+                                    <p:cond delay="0"/>
+                                  </p:stCondLst>
+                                  <p:childTnLst>
+                                    <p:set>
+                                      <p:cBhvr>
+                                        <p:cTn id="20" dur="1" fill="hold">
+                                          <p:stCondLst>
+                                            <p:cond delay="0"/>
+                                          </p:stCondLst>
+                                        </p:cTn>
+                                        <p:tgtEl>
+                                          <p:spTgt spid="17"/>
+                                        </p:tgtEl>
+                                        <p:attrNameLst>
+                                          <p:attrName>style.visibility</p:attrName>
+                                        </p:attrNameLst>
+                                      </p:cBhvr>
+                                      <p:to>
+                                        <p:strVal val="visible"/>
+                                      </p:to>
+                                    </p:set>
+                                    <p:animEffect transition="in" filter="fade">
+                                      <p:cBhvr>
+                                        <p:cTn id="21" dur="500"/>
+                                        <p:tgtEl>
+                                          <p:spTgt spid="17"/>
+                                        </p:tgtEl>
+                                      </p:cBhvr>
+                                    </p:animEffect>
+                                  </p:childTnLst>
+                                </p:cTn>
+                              </p:par>
+                              <p:par>
+                                <p:cTn id="22" presetID="10" presetClass="entr" presetSubtype="0" fill="hold" grpId="0" nodeType="withEffect">
+                                  <p:stCondLst>
+                                    <p:cond delay="0"/>
+                                  </p:stCondLst>
+                                  <p:childTnLst>
+                                    <p:set>
+                                      <p:cBhvr>
+                                        <p:cTn id="23" dur="1" fill="hold">
+                                          <p:stCondLst>
+                                            <p:cond delay="0"/>
+                                          </p:stCondLst>
+                                        </p:cTn>
+                                        <p:tgtEl>
+                                          <p:spTgt spid="18"/>
+                                        </p:tgtEl>
+                                        <p:attrNameLst>
+                                          <p:attrName>style.visibility</p:attrName>
+                                        </p:attrNameLst>
+                                      </p:cBhvr>
+                                      <p:to>
+                                        <p:strVal val="visible"/>
+                                      </p:to>
+                                    </p:set>
+                                    <p:animEffect transition="in" filter="fade">
+                                      <p:cBhvr>
+                                        <p:cTn id="24" dur="500"/>
+                                        <p:tgtEl>
+                                          <p:spTgt spid="18"/>
+                                        </p:tgtEl>
+                                      </p:cBhvr>
+                                    </p:animEffect>
+                                  </p:childTnLst>
+                                </p:cTn>
+                              </p:par>
+                            </p:childTnLst>
+                          </p:cTn>
+                        </p:par>
+                      </p:childTnLst>
+                    </p:cTn>
+                  </p:par>
+                  <p:par>
+                    <p:cTn id="25" fill="hold">
+                      <p:stCondLst>
+                        <p:cond delay="indefinite"/>
+                      </p:stCondLst>
+                      <p:childTnLst>
+                        <p:par>
+                          <p:cTn id="26" fill="hold">
+                            <p:stCondLst>
+                              <p:cond delay="0"/>
+                            </p:stCondLst>
+                            <p:childTnLst>
+                              <p:par>
+                                <p:cTn id="27" presetID="10" presetClass="entr" presetSubtype="0" fill="hold" grpId="0" nodeType="clickEffect">
+                                  <p:stCondLst>
+                                    <p:cond delay="0"/>
+                                  </p:stCondLst>
+                                  <p:childTnLst>
+                                    <p:set>
+                                      <p:cBhvr>
+                                        <p:cTn id="28" dur="1" fill="hold">
+                                          <p:stCondLst>
+                                            <p:cond delay="0"/>
+                                          </p:stCondLst>
+                                        </p:cTn>
+                                        <p:tgtEl>
+                                          <p:spTgt spid="19"/>
+                                        </p:tgtEl>
+                                        <p:attrNameLst>
+                                          <p:attrName>style.visibility</p:attrName>
+                                        </p:attrNameLst>
+                                      </p:cBhvr>
+                                      <p:to>
+                                        <p:strVal val="visible"/>
+                                      </p:to>
+                                    </p:set>
+                                    <p:animEffect transition="in" filter="fade">
+                                      <p:cBhvr>
+                                        <p:cTn id="29" dur="500"/>
+                                        <p:tgtEl>
+                                          <p:spTgt spid="19"/>
+                                        </p:tgtEl>
+                                      </p:cBhvr>
+                                    </p:animEffect>
+                                  </p:childTnLst>
+                                </p:cTn>
+                              </p:par>
+                              <p:par>
+                                <p:cTn id="30" presetID="10" presetClass="entr" presetSubtype="0" fill="hold" grpId="0" nodeType="withEffect">
+                                  <p:stCondLst>
+                                    <p:cond delay="0"/>
+                                  </p:stCondLst>
+                                  <p:childTnLst>
+                                    <p:set>
+                                      <p:cBhvr>
+                                        <p:cTn id="31" dur="1" fill="hold">
+                                          <p:stCondLst>
+                                            <p:cond delay="0"/>
+                                          </p:stCondLst>
+                                        </p:cTn>
+                                        <p:tgtEl>
+                                          <p:spTgt spid="20"/>
+                                        </p:tgtEl>
+                                        <p:attrNameLst>
+                                          <p:attrName>style.visibility</p:attrName>
+                                        </p:attrNameLst>
+                                      </p:cBhvr>
+                                      <p:to>
+                                        <p:strVal val="visible"/>
+                                      </p:to>
+                                    </p:set>
+                                    <p:animEffect transition="in" filter="fade">
+                                      <p:cBhvr>
+                                        <p:cTn id="32" dur="500"/>
+                                        <p:tgtEl>
+                                          <p:spTgt spid="20"/>
+                                        </p:tgtEl>
+                                      </p:cBhvr>
+                                    </p:animEffect>
+                                  </p:childTnLst>
+                                </p:cTn>
+                              </p:par>
+                              <p:par>
+                                <p:cTn id="33" presetID="10" presetClass="entr" presetSubtype="0" fill="hold" grpId="0" nodeType="withEffect">
+                                  <p:stCondLst>
+                                    <p:cond delay="0"/>
+                                  </p:stCondLst>
+                                  <p:childTnLst>
+                                    <p:set>
+                                      <p:cBhvr>
+                                        <p:cTn id="34" dur="1" fill="hold">
+                                          <p:stCondLst>
+                                            <p:cond delay="0"/>
+                                          </p:stCondLst>
+                                        </p:cTn>
+                                        <p:tgtEl>
+                                          <p:spTgt spid="21"/>
+                                        </p:tgtEl>
+                                        <p:attrNameLst>
+                                          <p:attrName>style.visibility</p:attrName>
+                                        </p:attrNameLst>
+                                      </p:cBhvr>
+                                      <p:to>
+                                        <p:strVal val="visible"/>
+                                      </p:to>
+                                    </p:set>
+                                    <p:animEffect transition="in" filter="fade">
+                                      <p:cBhvr>
+                                        <p:cTn id="35" dur="500"/>
+                                        <p:tgtEl>
+                                          <p:spTgt spid="21"/>
+                                        </p:tgtEl>
+                                      </p:cBhvr>
+                                    </p:animEffect>
+                                  </p:childTnLst>
+                                </p:cTn>
+                              </p:par>
+                            </p:childTnLst>
+                          </p:cTn>
+                        </p:par>
+                      </p:childTnLst>
+                    </p:cTn>
+                  </p:par>
+                  <p:par>
+                    <p:cTn id="36" fill="hold">
+                      <p:stCondLst>
+                        <p:cond delay="indefinite"/>
+                      </p:stCondLst>
+                      <p:childTnLst>
+                        <p:par>
+                          <p:cTn id="37" fill="hold">
+                            <p:stCondLst>
+                              <p:cond delay="0"/>
+                            </p:stCondLst>
+                            <p:childTnLst>
+                              <p:par>
+                                <p:cTn id="38" presetID="10" presetClass="entr" presetSubtype="0" fill="hold" grpId="0" nodeType="clickEffect">
+                                  <p:stCondLst>
+                                    <p:cond delay="0"/>
+                                  </p:stCondLst>
+                                  <p:childTnLst>
+                                    <p:set>
+                                      <p:cBhvr>
+                                        <p:cTn id="39" dur="1" fill="hold">
+                                          <p:stCondLst>
+                                            <p:cond delay="0"/>
+                                          </p:stCondLst>
+                                        </p:cTn>
+                                        <p:tgtEl>
+                                          <p:spTgt spid="22"/>
+                                        </p:tgtEl>
+                                        <p:attrNameLst>
+                                          <p:attrName>style.visibility</p:attrName>
+                                        </p:attrNameLst>
+                                      </p:cBhvr>
+                                      <p:to>
+                                        <p:strVal val="visible"/>
+                                      </p:to>
+                                    </p:set>
+                                    <p:animEffect transition="in" filter="fade">
+                                      <p:cBhvr>
+                                        <p:cTn id="40" dur="500"/>
+                                        <p:tgtEl>
+                                          <p:spTgt spid="22"/>
+                                        </p:tgtEl>
+                                      </p:cBhvr>
+                                    </p:animEffect>
+                                  </p:childTnLst>
+                                </p:cTn>
+                              </p:par>
+                              <p:par>
+                                <p:cTn id="41" presetID="10" presetClass="entr" presetSubtype="0" fill="hold" grpId="0" nodeType="withEffect">
+                                  <p:stCondLst>
+                                    <p:cond delay="0"/>
+                                  </p:stCondLst>
+                                  <p:childTnLst>
+                                    <p:set>
+                                      <p:cBhvr>
+                                        <p:cTn id="42" dur="1" fill="hold">
+                                          <p:stCondLst>
+                                            <p:cond delay="0"/>
+                                          </p:stCondLst>
+                                        </p:cTn>
+                                        <p:tgtEl>
+                                          <p:spTgt spid="23"/>
+                                        </p:tgtEl>
+                                        <p:attrNameLst>
+                                          <p:attrName>style.visibility</p:attrName>
+                                        </p:attrNameLst>
+                                      </p:cBhvr>
+                                      <p:to>
+                                        <p:strVal val="visible"/>
+                                      </p:to>
+                                    </p:set>
+                                    <p:animEffect transition="in" filter="fade">
+                                      <p:cBhvr>
+                                        <p:cTn id="43" dur="500"/>
+                                        <p:tgtEl>
+                                          <p:spTgt spid="23"/>
+                                        </p:tgtEl>
+                                      </p:cBhvr>
+                                    </p:animEffect>
+                                  </p:childTnLst>
+                                </p:cTn>
+                              </p:par>
+                              <p:par>
+                                <p:cTn id="44" presetID="10" presetClass="entr" presetSubtype="0" fill="hold" grpId="0" nodeType="withEffect">
+                                  <p:stCondLst>
+                                    <p:cond delay="0"/>
+                                  </p:stCondLst>
+                                  <p:childTnLst>
+                                    <p:set>
+                                      <p:cBhvr>
+                                        <p:cTn id="45" dur="1" fill="hold">
+                                          <p:stCondLst>
+                                            <p:cond delay="0"/>
+                                          </p:stCondLst>
+                                        </p:cTn>
+                                        <p:tgtEl>
+                                          <p:spTgt spid="26"/>
+                                        </p:tgtEl>
+                                        <p:attrNameLst>
+                                          <p:attrName>style.visibility</p:attrName>
+                                        </p:attrNameLst>
+                                      </p:cBhvr>
+                                      <p:to>
+                                        <p:strVal val="visible"/>
+                                      </p:to>
+                                    </p:set>
+                                    <p:animEffect transition="in" filter="fade">
+                                      <p:cBhvr>
+                                        <p:cTn id="46" dur="500"/>
+                                        <p:tgtEl>
+                                          <p:spTgt spid="26"/>
+                                        </p:tgtEl>
+                                      </p:cBhvr>
+                                    </p:animEffect>
+                                  </p:childTnLst>
+                                </p:cTn>
+                              </p:par>
+                            </p:childTnLst>
+                          </p:cTn>
+                        </p:par>
+                      </p:childTnLst>
+                    </p:cTn>
+                  </p:par>
+                  <p:par>
+                    <p:cTn id="47" fill="hold">
+                      <p:stCondLst>
+                        <p:cond delay="indefinite"/>
+                      </p:stCondLst>
+                      <p:childTnLst>
+                        <p:par>
+                          <p:cTn id="48" fill="hold">
+                            <p:stCondLst>
+                              <p:cond delay="0"/>
+                            </p:stCondLst>
+                            <p:childTnLst>
+                              <p:par>
+                                <p:cTn id="49" presetID="10" presetClass="entr" presetSubtype="0" fill="hold" grpId="0" nodeType="clickEffect">
+                                  <p:stCondLst>
+                                    <p:cond delay="0"/>
+                                  </p:stCondLst>
+                                  <p:childTnLst>
+                                    <p:set>
+                                      <p:cBhvr>
+                                        <p:cTn id="50" dur="1" fill="hold">
+                                          <p:stCondLst>
+                                            <p:cond delay="0"/>
+                                          </p:stCondLst>
+                                        </p:cTn>
+                                        <p:tgtEl>
+                                          <p:spTgt spid="24"/>
+                                        </p:tgtEl>
+                                        <p:attrNameLst>
+                                          <p:attrName>style.visibility</p:attrName>
+                                        </p:attrNameLst>
+                                      </p:cBhvr>
+                                      <p:to>
+                                        <p:strVal val="visible"/>
+                                      </p:to>
+                                    </p:set>
+                                    <p:animEffect transition="in" filter="fade">
+                                      <p:cBhvr>
+                                        <p:cTn id="51" dur="500"/>
+                                        <p:tgtEl>
+                                          <p:spTgt spid="24"/>
+                                        </p:tgtEl>
+                                      </p:cBhvr>
+                                    </p:animEffect>
+                                  </p:childTnLst>
+                                </p:cTn>
+                              </p:par>
+                              <p:par>
+                                <p:cTn id="52" presetID="10" presetClass="entr" presetSubtype="0" fill="hold" grpId="0" nodeType="withEffect">
+                                  <p:stCondLst>
+                                    <p:cond delay="0"/>
+                                  </p:stCondLst>
+                                  <p:childTnLst>
+                                    <p:set>
+                                      <p:cBhvr>
+                                        <p:cTn id="53" dur="1" fill="hold">
+                                          <p:stCondLst>
+                                            <p:cond delay="0"/>
+                                          </p:stCondLst>
+                                        </p:cTn>
+                                        <p:tgtEl>
+                                          <p:spTgt spid="25"/>
+                                        </p:tgtEl>
+                                        <p:attrNameLst>
+                                          <p:attrName>style.visibility</p:attrName>
+                                        </p:attrNameLst>
+                                      </p:cBhvr>
+                                      <p:to>
+                                        <p:strVal val="visible"/>
+                                      </p:to>
+                                    </p:set>
+                                    <p:animEffect transition="in" filter="fade">
+                                      <p:cBhvr>
+                                        <p:cTn id="54" dur="500"/>
+                                        <p:tgtEl>
+                                          <p:spTgt spid="25"/>
+                                        </p:tgtEl>
+                                      </p:cBhvr>
+                                    </p:animEffect>
+                                  </p:childTnLst>
+                                </p:cTn>
+                              </p:par>
+                              <p:par>
+                                <p:cTn id="55" presetID="10" presetClass="entr" presetSubtype="0" fill="hold" grpId="0" nodeType="withEffect">
+                                  <p:stCondLst>
+                                    <p:cond delay="0"/>
+                                  </p:stCondLst>
+                                  <p:childTnLst>
+                                    <p:set>
+                                      <p:cBhvr>
+                                        <p:cTn id="56" dur="1" fill="hold">
+                                          <p:stCondLst>
+                                            <p:cond delay="0"/>
+                                          </p:stCondLst>
+                                        </p:cTn>
+                                        <p:tgtEl>
+                                          <p:spTgt spid="27"/>
+                                        </p:tgtEl>
+                                        <p:attrNameLst>
+                                          <p:attrName>style.visibility</p:attrName>
+                                        </p:attrNameLst>
+                                      </p:cBhvr>
+                                      <p:to>
+                                        <p:strVal val="visible"/>
+                                      </p:to>
+                                    </p:set>
+                                    <p:animEffect transition="in" filter="fade">
+                                      <p:cBhvr>
+                                        <p:cTn id="57" dur="500"/>
+                                        <p:tgtEl>
+                                          <p:spTgt spid="27"/>
+                                        </p:tgtEl>
+                                      </p:cBhvr>
+                                    </p:animEffect>
+                                  </p:childTnLst>
+                                </p:cTn>
+                              </p:par>
+                            </p:childTnLst>
+                          </p:cTn>
+                        </p:par>
+                      </p:childTnLst>
+                    </p:cTn>
+                  </p:par>
+                  <p:par>
+                    <p:cTn id="58" fill="hold">
+                      <p:stCondLst>
+                        <p:cond delay="indefinite"/>
+                      </p:stCondLst>
+                      <p:childTnLst>
+                        <p:par>
+                          <p:cTn id="59" fill="hold">
+                            <p:stCondLst>
+                              <p:cond delay="0"/>
+                            </p:stCondLst>
+                            <p:childTnLst>
+                              <p:par>
+                                <p:cTn id="60" presetID="10" presetClass="entr" presetSubtype="0" fill="hold" grpId="0" nodeType="clickEffect">
+                                  <p:stCondLst>
+                                    <p:cond delay="0"/>
+                                  </p:stCondLst>
+                                  <p:childTnLst>
+                                    <p:set>
+                                      <p:cBhvr>
+                                        <p:cTn id="61" dur="1" fill="hold">
+                                          <p:stCondLst>
+                                            <p:cond delay="0"/>
+                                          </p:stCondLst>
+                                        </p:cTn>
+                                        <p:tgtEl>
+                                          <p:spTgt spid="28"/>
+                                        </p:tgtEl>
+                                        <p:attrNameLst>
+                                          <p:attrName>style.visibility</p:attrName>
+                                        </p:attrNameLst>
+                                      </p:cBhvr>
+                                      <p:to>
+                                        <p:strVal val="visible"/>
+                                      </p:to>
+                                    </p:set>
+                                    <p:animEffect transition="in" filter="fade">
+                                      <p:cBhvr>
+                                        <p:cTn id="62" dur="500"/>
+                                        <p:tgtEl>
+                                          <p:spTgt spid="28"/>
+                                        </p:tgtEl>
+                                      </p:cBhvr>
+                                    </p:animEffect>
+                                  </p:childTnLst>
+                                </p:cTn>
+                              </p:par>
+                              <p:par>
+                                <p:cTn id="63" presetID="10" presetClass="entr" presetSubtype="0" fill="hold" grpId="0" nodeType="withEffect">
+                                  <p:stCondLst>
+                                    <p:cond delay="0"/>
+                                  </p:stCondLst>
+                                  <p:childTnLst>
+                                    <p:set>
+                                      <p:cBhvr>
+                                        <p:cTn id="64" dur="1" fill="hold">
+                                          <p:stCondLst>
+                                            <p:cond delay="0"/>
+                                          </p:stCondLst>
+                                        </p:cTn>
+                                        <p:tgtEl>
+                                          <p:spTgt spid="29"/>
+                                        </p:tgtEl>
+                                        <p:attrNameLst>
+                                          <p:attrName>style.visibility</p:attrName>
+                                        </p:attrNameLst>
+                                      </p:cBhvr>
+                                      <p:to>
+                                        <p:strVal val="visible"/>
+                                      </p:to>
+                                    </p:set>
+                                    <p:animEffect transition="in" filter="fade">
+                                      <p:cBhvr>
+                                        <p:cTn id="65" dur="500"/>
+                                        <p:tgtEl>
+                                          <p:spTgt spid="29"/>
+                                        </p:tgtEl>
+                                      </p:cBhvr>
+                                    </p:animEffect>
+                                  </p:childTnLst>
+                                </p:cTn>
+                              </p:par>
+                              <p:par>
+                                <p:cTn id="66" presetID="10" presetClass="entr" presetSubtype="0" fill="hold" grpId="0" nodeType="withEffect">
+                                  <p:stCondLst>
+                                    <p:cond delay="0"/>
+                                  </p:stCondLst>
+                                  <p:childTnLst>
+                                    <p:set>
+                                      <p:cBhvr>
+                                        <p:cTn id="67" dur="1" fill="hold">
+                                          <p:stCondLst>
+                                            <p:cond delay="0"/>
+                                          </p:stCondLst>
+                                        </p:cTn>
+                                        <p:tgtEl>
+                                          <p:spTgt spid="30"/>
+                                        </p:tgtEl>
+                                        <p:attrNameLst>
+                                          <p:attrName>style.visibility</p:attrName>
+                                        </p:attrNameLst>
+                                      </p:cBhvr>
+                                      <p:to>
+                                        <p:strVal val="visible"/>
+                                      </p:to>
+                                    </p:set>
+                                    <p:animEffect transition="in" filter="fade">
+                                      <p:cBhvr>
+                                        <p:cTn id="68" dur="500"/>
+                                        <p:tgtEl>
+                                          <p:spTgt spid="30"/>
+                                        </p:tgtEl>
+                                      </p:cBhvr>
+                                    </p:animEffect>
+                                  </p:childTnLst>
+                                </p:cTn>
+                              </p:par>
+                            </p:childTnLst>
+                          </p:cTn>
+                        </p:par>
+                      </p:childTnLst>
+                    </p:cTn>
+                  </p:par>
+                  <p:par>
+                    <p:cTn id="69" fill="hold">
+                      <p:stCondLst>
+                        <p:cond delay="indefinite"/>
+                      </p:stCondLst>
+                      <p:childTnLst>
+                        <p:par>
+                          <p:cTn id="70" fill="hold">
+                            <p:stCondLst>
+                              <p:cond delay="0"/>
+                            </p:stCondLst>
+                            <p:childTnLst>
+                              <p:par>
+                                <p:cTn id="71" presetID="10" presetClass="entr" presetSubtype="0" fill="hold" grpId="0" nodeType="clickEffect">
+                                  <p:stCondLst>
+                                    <p:cond delay="0"/>
+                                  </p:stCondLst>
+                                  <p:childTnLst>
+                                    <p:set>
+                                      <p:cBhvr>
+                                        <p:cTn id="72" dur="1" fill="hold">
+                                          <p:stCondLst>
+                                            <p:cond delay="0"/>
+                                          </p:stCondLst>
+                                        </p:cTn>
+                                        <p:tgtEl>
+                                          <p:spTgt spid="31"/>
+                                        </p:tgtEl>
+                                        <p:attrNameLst>
+                                          <p:attrName>style.visibility</p:attrName>
+                                        </p:attrNameLst>
+                                      </p:cBhvr>
+                                      <p:to>
+                                        <p:strVal val="visible"/>
+                                      </p:to>
+                                    </p:set>
+                                    <p:animEffect transition="in" filter="fade">
+                                      <p:cBhvr>
+                                        <p:cTn id="73" dur="500"/>
+                                        <p:tgtEl>
+                                          <p:spTgt spid="31"/>
+                                        </p:tgtEl>
+                                      </p:cBhvr>
+                                    </p:animEffect>
+                                  </p:childTnLst>
+                                </p:cTn>
+                              </p:par>
+                              <p:par>
+                                <p:cTn id="74" presetID="10" presetClass="entr" presetSubtype="0" fill="hold" grpId="0" nodeType="withEffect">
+                                  <p:stCondLst>
+                                    <p:cond delay="0"/>
+                                  </p:stCondLst>
+                                  <p:childTnLst>
+                                    <p:set>
+                                      <p:cBhvr>
+                                        <p:cTn id="75" dur="1" fill="hold">
+                                          <p:stCondLst>
+                                            <p:cond delay="0"/>
+                                          </p:stCondLst>
+                                        </p:cTn>
+                                        <p:tgtEl>
+                                          <p:spTgt spid="32"/>
+                                        </p:tgtEl>
+                                        <p:attrNameLst>
+                                          <p:attrName>style.visibility</p:attrName>
+                                        </p:attrNameLst>
+                                      </p:cBhvr>
+                                      <p:to>
+                                        <p:strVal val="visible"/>
+                                      </p:to>
+                                    </p:set>
+                                    <p:animEffect transition="in" filter="fade">
+                                      <p:cBhvr>
+                                        <p:cTn id="76" dur="500"/>
+                                        <p:tgtEl>
+                                          <p:spTgt spid="32"/>
+                                        </p:tgtEl>
+                                      </p:cBhvr>
+                                    </p:animEffect>
+                                  </p:childTnLst>
+                                </p:cTn>
+                              </p:par>
+                              <p:par>
+                                <p:cTn id="77" presetID="10" presetClass="entr" presetSubtype="0" fill="hold" grpId="0" nodeType="withEffect">
+                                  <p:stCondLst>
+                                    <p:cond delay="0"/>
+                                  </p:stCondLst>
+                                  <p:childTnLst>
+                                    <p:set>
+                                      <p:cBhvr>
+                                        <p:cTn id="78" dur="1" fill="hold">
+                                          <p:stCondLst>
+                                            <p:cond delay="0"/>
+                                          </p:stCondLst>
+                                        </p:cTn>
+                                        <p:tgtEl>
+                                          <p:spTgt spid="33"/>
+                                        </p:tgtEl>
+                                        <p:attrNameLst>
+                                          <p:attrName>style.visibility</p:attrName>
+                                        </p:attrNameLst>
+                                      </p:cBhvr>
+                                      <p:to>
+                                        <p:strVal val="visible"/>
+                                      </p:to>
+                                    </p:set>
+                                    <p:animEffect transition="in" filter="fade">
+                                      <p:cBhvr>
+                                        <p:cTn id="79" dur="500"/>
+                                        <p:tgtEl>
+                                          <p:spTgt spid="33"/>
+                                        </p:tgtEl>
+                                      </p:cBhvr>
+                                    </p:animEffect>
+                                  </p:childTnLst>
+                                </p:cTn>
+                              </p:par>
+                            </p:childTnLst>
+                          </p:cTn>
+                        </p:par>
+                      </p:childTnLst>
+                    </p:cTn>
+                  </p:par>
+                  <p:par>
+                    <p:cTn id="80" fill="hold">
+                      <p:stCondLst>
+                        <p:cond delay="indefinite"/>
+                      </p:stCondLst>
+                      <p:childTnLst>
+                        <p:par>
+                          <p:cTn id="81" fill="hold">
+                            <p:stCondLst>
+                              <p:cond delay="0"/>
+                            </p:stCondLst>
+                            <p:childTnLst>
+                              <p:par>
+                                <p:cTn id="82" presetID="10" presetClass="entr" presetSubtype="0" fill="hold" grpId="0" nodeType="clickEffect">
+                                  <p:stCondLst>
+                                    <p:cond delay="0"/>
+                                  </p:stCondLst>
+                                  <p:childTnLst>
+                                    <p:set>
+                                      <p:cBhvr>
+                                        <p:cTn id="83" dur="1" fill="hold">
+                                          <p:stCondLst>
+                                            <p:cond delay="0"/>
+                                          </p:stCondLst>
+                                        </p:cTn>
+                                        <p:tgtEl>
+                                          <p:spTgt spid="34"/>
+                                        </p:tgtEl>
+                                        <p:attrNameLst>
+                                          <p:attrName>style.visibility</p:attrName>
+                                        </p:attrNameLst>
+                                      </p:cBhvr>
+                                      <p:to>
+                                        <p:strVal val="visible"/>
+                                      </p:to>
+                                    </p:set>
+                                    <p:animEffect transition="in" filter="fade">
+                                      <p:cBhvr>
+                                        <p:cTn id="84" dur="500"/>
+                                        <p:tgtEl>
+                                          <p:spTgt spid="34"/>
+                                        </p:tgtEl>
+                                      </p:cBhvr>
+                                    </p:animEffect>
+                                  </p:childTnLst>
+                                </p:cTn>
+                              </p:par>
+                              <p:par>
+                                <p:cTn id="85" presetID="10" presetClass="entr" presetSubtype="0" fill="hold" grpId="0" nodeType="withEffect">
+                                  <p:stCondLst>
+                                    <p:cond delay="0"/>
+                                  </p:stCondLst>
+                                  <p:childTnLst>
+                                    <p:set>
+                                      <p:cBhvr>
+                                        <p:cTn id="86" dur="1" fill="hold">
+                                          <p:stCondLst>
+                                            <p:cond delay="0"/>
+                                          </p:stCondLst>
+                                        </p:cTn>
+                                        <p:tgtEl>
+                                          <p:spTgt spid="35"/>
+                                        </p:tgtEl>
+                                        <p:attrNameLst>
+                                          <p:attrName>style.visibility</p:attrName>
+                                        </p:attrNameLst>
+                                      </p:cBhvr>
+                                      <p:to>
+                                        <p:strVal val="visible"/>
+                                      </p:to>
+                                    </p:set>
+                                    <p:animEffect transition="in" filter="fade">
+                                      <p:cBhvr>
+                                        <p:cTn id="87" dur="500"/>
+                                        <p:tgtEl>
+                                          <p:spTgt spid="35"/>
+                                        </p:tgtEl>
+                                      </p:cBhvr>
+                                    </p:animEffect>
+                                  </p:childTnLst>
+                                </p:cTn>
+                              </p:par>
+                              <p:par>
+                                <p:cTn id="88" presetID="10" presetClass="entr" presetSubtype="0" fill="hold" grpId="0" nodeType="withEffect">
+                                  <p:stCondLst>
+                                    <p:cond delay="0"/>
+                                  </p:stCondLst>
+                                  <p:childTnLst>
+                                    <p:set>
+                                      <p:cBhvr>
+                                        <p:cTn id="89" dur="1" fill="hold">
+                                          <p:stCondLst>
+                                            <p:cond delay="0"/>
+                                          </p:stCondLst>
+                                        </p:cTn>
+                                        <p:tgtEl>
+                                          <p:spTgt spid="38"/>
+                                        </p:tgtEl>
+                                        <p:attrNameLst>
+                                          <p:attrName>style.visibility</p:attrName>
+                                        </p:attrNameLst>
+                                      </p:cBhvr>
+                                      <p:to>
+                                        <p:strVal val="visible"/>
+                                      </p:to>
+                                    </p:set>
+                                    <p:animEffect transition="in" filter="fade">
+                                      <p:cBhvr>
+                                        <p:cTn id="90" dur="500"/>
+                                        <p:tgtEl>
+                                          <p:spTgt spid="38"/>
+                                        </p:tgtEl>
+                                      </p:cBhvr>
+                                    </p:animEffect>
+                                  </p:childTnLst>
+                                </p:cTn>
+                              </p:par>
+                            </p:childTnLst>
+                          </p:cTn>
+                        </p:par>
+                      </p:childTnLst>
+                    </p:cTn>
+                  </p:par>
+                  <p:par>
+                    <p:cTn id="91" fill="hold">
+                      <p:stCondLst>
+                        <p:cond delay="indefinite"/>
+                      </p:stCondLst>
+                      <p:childTnLst>
+                        <p:par>
+                          <p:cTn id="92" fill="hold">
+                            <p:stCondLst>
+                              <p:cond delay="0"/>
+                            </p:stCondLst>
+                            <p:childTnLst>
+                              <p:par>
+                                <p:cTn id="93" presetID="10" presetClass="entr" presetSubtype="0" fill="hold" grpId="0" nodeType="clickEffect">
+                                  <p:stCondLst>
+                                    <p:cond delay="0"/>
+                                  </p:stCondLst>
+                                  <p:childTnLst>
+                                    <p:set>
+                                      <p:cBhvr>
+                                        <p:cTn id="94" dur="1" fill="hold">
+                                          <p:stCondLst>
+                                            <p:cond delay="0"/>
+                                          </p:stCondLst>
+                                        </p:cTn>
+                                        <p:tgtEl>
+                                          <p:spTgt spid="36"/>
+                                        </p:tgtEl>
+                                        <p:attrNameLst>
+                                          <p:attrName>style.visibility</p:attrName>
+                                        </p:attrNameLst>
+                                      </p:cBhvr>
+                                      <p:to>
+                                        <p:strVal val="visible"/>
+                                      </p:to>
+                                    </p:set>
+                                    <p:animEffect transition="in" filter="fade">
+                                      <p:cBhvr>
+                                        <p:cTn id="95" dur="500"/>
+                                        <p:tgtEl>
+                                          <p:spTgt spid="36"/>
+                                        </p:tgtEl>
+                                      </p:cBhvr>
+                                    </p:animEffect>
+                                  </p:childTnLst>
+                                </p:cTn>
+                              </p:par>
+                              <p:par>
+                                <p:cTn id="96" presetID="10" presetClass="entr" presetSubtype="0" fill="hold" grpId="0" nodeType="withEffect">
+                                  <p:stCondLst>
+                                    <p:cond delay="0"/>
+                                  </p:stCondLst>
+                                  <p:childTnLst>
+                                    <p:set>
+                                      <p:cBhvr>
+                                        <p:cTn id="97" dur="1" fill="hold">
+                                          <p:stCondLst>
+                                            <p:cond delay="0"/>
+                                          </p:stCondLst>
+                                        </p:cTn>
+                                        <p:tgtEl>
+                                          <p:spTgt spid="37"/>
+                                        </p:tgtEl>
+                                        <p:attrNameLst>
+                                          <p:attrName>style.visibility</p:attrName>
+                                        </p:attrNameLst>
+                                      </p:cBhvr>
+                                      <p:to>
+                                        <p:strVal val="visible"/>
+                                      </p:to>
+                                    </p:set>
+                                    <p:animEffect transition="in" filter="fade">
+                                      <p:cBhvr>
+                                        <p:cTn id="98" dur="500"/>
+                                        <p:tgtEl>
+                                          <p:spTgt spid="37"/>
+                                        </p:tgtEl>
+                                      </p:cBhvr>
+                                    </p:animEffect>
+                                  </p:childTnLst>
+                                </p:cTn>
+                              </p:par>
+                              <p:par>
+                                <p:cTn id="99" presetID="10" presetClass="entr" presetSubtype="0" fill="hold" grpId="0" nodeType="withEffect">
+                                  <p:stCondLst>
+                                    <p:cond delay="0"/>
+                                  </p:stCondLst>
+                                  <p:childTnLst>
+                                    <p:set>
+                                      <p:cBhvr>
+                                        <p:cTn id="100" dur="1" fill="hold">
+                                          <p:stCondLst>
+                                            <p:cond delay="0"/>
+                                          </p:stCondLst>
+                                        </p:cTn>
+                                        <p:tgtEl>
+                                          <p:spTgt spid="39"/>
+                                        </p:tgtEl>
+                                        <p:attrNameLst>
+                                          <p:attrName>style.visibility</p:attrName>
+                                        </p:attrNameLst>
+                                      </p:cBhvr>
+                                      <p:to>
+                                        <p:strVal val="visible"/>
+                                      </p:to>
+                                    </p:set>
+                                    <p:animEffect transition="in" filter="fade">
+                                      <p:cBhvr>
+                                        <p:cTn id="101" dur="500"/>
+                                        <p:tgtEl>
+                                          <p:spTgt spid="39"/>
+                                        </p:tgtEl>
+                                      </p:cBhvr>
+                                    </p:animEffect>
+                                  </p:childTnLst>
+                                </p:cTn>
+                              </p:par>
+                            </p:childTnLst>
+                          </p:cTn>
+                        </p:par>
+                      </p:childTnLst>
+                    </p:cTn>
+                  </p:par>
+                  <p:par>
+                    <p:cTn id="102" fill="hold">
+                      <p:stCondLst>
+                        <p:cond delay="indefinite"/>
+                      </p:stCondLst>
+                      <p:childTnLst>
+                        <p:par>
+                          <p:cTn id="103" fill="hold">
+                            <p:stCondLst>
+                              <p:cond delay="0"/>
+                            </p:stCondLst>
+                            <p:childTnLst>
+                              <p:par>
+                                <p:cTn id="104" presetID="10" presetClass="entr" presetSubtype="0" fill="hold" grpId="0" nodeType="clickEffect">
+                                  <p:stCondLst>
+                                    <p:cond delay="0"/>
+                                  </p:stCondLst>
+                                  <p:childTnLst>
+                                    <p:set>
+                                      <p:cBhvr>
+                                        <p:cTn id="105" dur="1" fill="hold">
+                                          <p:stCondLst>
+                                            <p:cond delay="0"/>
+                                          </p:stCondLst>
+                                        </p:cTn>
+                                        <p:tgtEl>
+                                          <p:spTgt spid="40"/>
+                                        </p:tgtEl>
+                                        <p:attrNameLst>
+                                          <p:attrName>style.visibility</p:attrName>
+                                        </p:attrNameLst>
+                                      </p:cBhvr>
+                                      <p:to>
+                                        <p:strVal val="visible"/>
+                                      </p:to>
+                                    </p:set>
+                                    <p:animEffect transition="in" filter="fade">
+                                      <p:cBhvr>
+                                        <p:cTn id="106" dur="500"/>
+                                        <p:tgtEl>
+                                          <p:spTgt spid="40"/>
+                                        </p:tgtEl>
+                                      </p:cBhvr>
+                                    </p:animEffect>
+                                  </p:childTnLst>
+                                </p:cTn>
+                              </p:par>
+                              <p:par>
+                                <p:cTn id="107" presetID="10" presetClass="entr" presetSubtype="0" fill="hold" grpId="0" nodeType="withEffect">
+                                  <p:stCondLst>
+                                    <p:cond delay="0"/>
+                                  </p:stCondLst>
+                                  <p:childTnLst>
+                                    <p:set>
+                                      <p:cBhvr>
+                                        <p:cTn id="108" dur="1" fill="hold">
+                                          <p:stCondLst>
+                                            <p:cond delay="0"/>
+                                          </p:stCondLst>
+                                        </p:cTn>
+                                        <p:tgtEl>
+                                          <p:spTgt spid="41"/>
+                                        </p:tgtEl>
+                                        <p:attrNameLst>
+                                          <p:attrName>style.visibility</p:attrName>
+                                        </p:attrNameLst>
+                                      </p:cBhvr>
+                                      <p:to>
+                                        <p:strVal val="visible"/>
+                                      </p:to>
+                                    </p:set>
+                                    <p:animEffect transition="in" filter="fade">
+                                      <p:cBhvr>
+                                        <p:cTn id="109" dur="500"/>
+                                        <p:tgtEl>
+                                          <p:spTgt spid="41"/>
+                                        </p:tgtEl>
+                                      </p:cBhvr>
+                                    </p:animEffect>
+                                  </p:childTnLst>
+                                </p:cTn>
+                              </p:par>
+                              <p:par>
+                                <p:cTn id="110" presetID="10" presetClass="entr" presetSubtype="0" fill="hold" grpId="0" nodeType="withEffect">
+                                  <p:stCondLst>
+                                    <p:cond delay="0"/>
+                                  </p:stCondLst>
+                                  <p:childTnLst>
+                                    <p:set>
+                                      <p:cBhvr>
+                                        <p:cTn id="111" dur="1" fill="hold">
+                                          <p:stCondLst>
+                                            <p:cond delay="0"/>
+                                          </p:stCondLst>
+                                        </p:cTn>
+                                        <p:tgtEl>
+                                          <p:spTgt spid="44"/>
+                                        </p:tgtEl>
+                                        <p:attrNameLst>
+                                          <p:attrName>style.visibility</p:attrName>
+                                        </p:attrNameLst>
+                                      </p:cBhvr>
+                                      <p:to>
+                                        <p:strVal val="visible"/>
+                                      </p:to>
+                                    </p:set>
+                                    <p:animEffect transition="in" filter="fade">
+                                      <p:cBhvr>
+                                        <p:cTn id="112" dur="500"/>
+                                        <p:tgtEl>
+                                          <p:spTgt spid="44"/>
+                                        </p:tgtEl>
+                                      </p:cBhvr>
+                                    </p:animEffect>
+                                  </p:childTnLst>
+                                </p:cTn>
+                              </p:par>
+                            </p:childTnLst>
+                          </p:cTn>
+                        </p:par>
+                      </p:childTnLst>
+                    </p:cTn>
+                  </p:par>
+                  <p:par>
+                    <p:cTn id="113" fill="hold">
+                      <p:stCondLst>
+                        <p:cond delay="indefinite"/>
+                      </p:stCondLst>
+                      <p:childTnLst>
+                        <p:par>
+                          <p:cTn id="114" fill="hold">
+                            <p:stCondLst>
+                              <p:cond delay="0"/>
+                            </p:stCondLst>
+                            <p:childTnLst>
+                              <p:par>
+                                <p:cTn id="115" presetID="10" presetClass="entr" presetSubtype="0" fill="hold" grpId="0" nodeType="clickEffect">
+                                  <p:stCondLst>
+                                    <p:cond delay="0"/>
+                                  </p:stCondLst>
+                                  <p:childTnLst>
+                                    <p:set>
+                                      <p:cBhvr>
+                                        <p:cTn id="116" dur="1" fill="hold">
+                                          <p:stCondLst>
+                                            <p:cond delay="0"/>
+                                          </p:stCondLst>
+                                        </p:cTn>
+                                        <p:tgtEl>
+                                          <p:spTgt spid="42"/>
+                                        </p:tgtEl>
+                                        <p:attrNameLst>
+                                          <p:attrName>style.visibility</p:attrName>
+                                        </p:attrNameLst>
+                                      </p:cBhvr>
+                                      <p:to>
+                                        <p:strVal val="visible"/>
+                                      </p:to>
+                                    </p:set>
+                                    <p:animEffect transition="in" filter="fade">
+                                      <p:cBhvr>
+                                        <p:cTn id="117" dur="500"/>
+                                        <p:tgtEl>
+                                          <p:spTgt spid="42"/>
+                                        </p:tgtEl>
+                                      </p:cBhvr>
+                                    </p:animEffect>
+                                  </p:childTnLst>
+                                </p:cTn>
+                              </p:par>
+                              <p:par>
+                                <p:cTn id="118" presetID="10" presetClass="entr" presetSubtype="0" fill="hold" grpId="0" nodeType="withEffect">
+                                  <p:stCondLst>
+                                    <p:cond delay="0"/>
+                                  </p:stCondLst>
+                                  <p:childTnLst>
+                                    <p:set>
+                                      <p:cBhvr>
+                                        <p:cTn id="119" dur="1" fill="hold">
+                                          <p:stCondLst>
+                                            <p:cond delay="0"/>
+                                          </p:stCondLst>
+                                        </p:cTn>
+                                        <p:tgtEl>
+                                          <p:spTgt spid="43"/>
+                                        </p:tgtEl>
+                                        <p:attrNameLst>
+                                          <p:attrName>style.visibility</p:attrName>
+                                        </p:attrNameLst>
+                                      </p:cBhvr>
+                                      <p:to>
+                                        <p:strVal val="visible"/>
+                                      </p:to>
+                                    </p:set>
+                                    <p:animEffect transition="in" filter="fade">
+                                      <p:cBhvr>
+                                        <p:cTn id="120" dur="500"/>
+                                        <p:tgtEl>
+                                          <p:spTgt spid="43"/>
+                                        </p:tgtEl>
+                                      </p:cBhvr>
+                                    </p:animEffect>
+                                  </p:childTnLst>
+                                </p:cTn>
+                              </p:par>
+                              <p:par>
+                                <p:cTn id="121" presetID="10" presetClass="entr" presetSubtype="0" fill="hold" grpId="0" nodeType="withEffect">
+                                  <p:stCondLst>
+                                    <p:cond delay="0"/>
+                                  </p:stCondLst>
+                                  <p:childTnLst>
+                                    <p:set>
+                                      <p:cBhvr>
+                                        <p:cTn id="122" dur="1" fill="hold">
+                                          <p:stCondLst>
+                                            <p:cond delay="0"/>
+                                          </p:stCondLst>
+                                        </p:cTn>
+                                        <p:tgtEl>
+                                          <p:spTgt spid="45"/>
+                                        </p:tgtEl>
+                                        <p:attrNameLst>
+                                          <p:attrName>style.visibility</p:attrName>
+                                        </p:attrNameLst>
+                                      </p:cBhvr>
+                                      <p:to>
+                                        <p:strVal val="visible"/>
+                                      </p:to>
+                                    </p:set>
+                                    <p:animEffect transition="in" filter="fade">
+                                      <p:cBhvr>
+                                        <p:cTn id="123" dur="500"/>
+                                        <p:tgtEl>
+                                          <p:spTgt spid="45"/>
+                                        </p:tgtEl>
+                                      </p:cBhvr>
+                                    </p:animEffect>
+                                  </p:childTnLst>
+                                </p:cTn>
+                              </p:par>
+                            </p:childTnLst>
+                          </p:cTn>
+                        </p:par>
+                      </p:childTnLst>
+                    </p:cTn>
+                  </p:par>
+                </p:childTnLst>
+              </p:cTn>
+              <p:prevCondLst>
+                <p:cond evt="onPrev" delay="0">
+                  <p:tgtEl>
+                    <p:sldTgt/>
+                  </p:tgtEl>
+                </p:cond>
+              </p:prevCondLst>
+              <p:nextCondLst>
+                <p:cond evt="onNext" delay="0">
+                  <p:tgtEl>
+                    <p:sldTgt/>
+                  </p:tgtEl>
+                </p:cond>
+              </p:nextCondLst>
+            </p:seq>
+          </p:childTnLst>
+        </p:cTn>
       </p:par>
     </p:tnLst>
+    <p:bldLst>
+      <p:bldP spid="10" grpId="0"/>
+      <p:bldP spid="11" grpId="0"/>
+      <p:bldP spid="14" grpId="0"/>
+      <p:bldP spid="16" grpId="0"/>
+      <p:bldP spid="17" grpId="0"/>
+      <p:bldP spid="18" grpId="0"/>
+      <p:bldP spid="19" grpId="0"/>
+      <p:bldP spid="20" grpId="0"/>
+      <p:bldP spid="21" grpId="0"/>
+      <p:bldP spid="22" grpId="0"/>
+      <p:bldP spid="23" grpId="0"/>
+      <p:bldP spid="24" grpId="0"/>
+      <p:bldP spid="25" grpId="0"/>
+      <p:bldP spid="26" grpId="0"/>
+      <p:bldP spid="27" grpId="0"/>
+      <p:bldP spid="28" grpId="0"/>
+      <p:bldP spid="29" grpId="0"/>
+      <p:bldP spid="30" grpId="0"/>
+      <p:bldP spid="31" grpId="0"/>
+      <p:bldP spid="32" grpId="0"/>
+      <p:bldP spid="33" grpId="0"/>
+      <p:bldP spid="34" grpId="0"/>
+      <p:bldP spid="35" grpId="0"/>
+      <p:bldP spid="36" grpId="0"/>
+      <p:bldP spid="37" grpId="0"/>
+      <p:bldP spid="38" grpId="0"/>
+      <p:bldP spid="39" grpId="0"/>
+      <p:bldP spid="40" grpId="0"/>
+      <p:bldP spid="41" grpId="0"/>
+      <p:bldP spid="42" grpId="0"/>
+      <p:bldP spid="43" grpId="0"/>
+      <p:bldP spid="44" grpId="0"/>
+      <p:bldP spid="45" grpId="0"/>
+    </p:bldLst>
   </p:timing>
 </p:sld>
 </file>
@@ -5548,8 +8555,8 @@
         </p:nvSpPr>
         <p:spPr>
           <a:xfrm>
-            <a:off x="838200" y="365125"/>
-            <a:ext cx="10515600" cy="1586505"/>
+            <a:off x="469709" y="269590"/>
+            <a:ext cx="5357884" cy="685753"/>
           </a:xfrm>
         </p:spPr>
         <p:txBody>
@@ -5600,6 +8607,1627 @@
           </a:prstGeom>
         </p:spPr>
       </p:pic>
+      <p:sp>
+        <p:nvSpPr>
+          <p:cNvPr id="5" name="CaixaDeTexto 4"/>
+          <p:cNvSpPr txBox="1"/>
+          <p:nvPr/>
+        </p:nvSpPr>
+        <p:spPr>
+          <a:xfrm>
+            <a:off x="920089" y="1285199"/>
+            <a:ext cx="3722999" cy="523220"/>
+          </a:xfrm>
+          <a:prstGeom prst="rect">
+            <a:avLst/>
+          </a:prstGeom>
+          <a:noFill/>
+        </p:spPr>
+        <p:txBody>
+          <a:bodyPr wrap="square" rtlCol="0">
+            <a:spAutoFit/>
+          </a:bodyPr>
+          <a:lstStyle/>
+          <a:p>
+            <a:r>
+              <a:rPr lang="pt-BR" sz="2800" b="1" dirty="0" smtClean="0">
+                <a:latin typeface="Consolas" panose="020B0609020204030204" pitchFamily="49" charset="0"/>
+              </a:rPr>
+              <a:t>&amp;&amp; (operador “e”)</a:t>
+            </a:r>
+            <a:endParaRPr lang="pt-BR" sz="2800" b="1" dirty="0">
+              <a:latin typeface="Consolas" panose="020B0609020204030204" pitchFamily="49" charset="0"/>
+            </a:endParaRPr>
+          </a:p>
+        </p:txBody>
+      </p:sp>
+      <p:sp>
+        <p:nvSpPr>
+          <p:cNvPr id="6" name="CaixaDeTexto 5"/>
+          <p:cNvSpPr txBox="1"/>
+          <p:nvPr/>
+        </p:nvSpPr>
+        <p:spPr>
+          <a:xfrm>
+            <a:off x="6270028" y="1285199"/>
+            <a:ext cx="3722999" cy="523220"/>
+          </a:xfrm>
+          <a:prstGeom prst="rect">
+            <a:avLst/>
+          </a:prstGeom>
+          <a:noFill/>
+        </p:spPr>
+        <p:txBody>
+          <a:bodyPr wrap="square" rtlCol="0">
+            <a:spAutoFit/>
+          </a:bodyPr>
+          <a:lstStyle/>
+          <a:p>
+            <a:r>
+              <a:rPr lang="pt-BR" sz="2800" b="1" dirty="0" smtClean="0">
+                <a:latin typeface="Consolas" panose="020B0609020204030204" pitchFamily="49" charset="0"/>
+              </a:rPr>
+              <a:t>|| (operador “ou”)</a:t>
+            </a:r>
+            <a:endParaRPr lang="pt-BR" sz="2800" b="1" dirty="0">
+              <a:latin typeface="Consolas" panose="020B0609020204030204" pitchFamily="49" charset="0"/>
+            </a:endParaRPr>
+          </a:p>
+        </p:txBody>
+      </p:sp>
+      <p:sp>
+        <p:nvSpPr>
+          <p:cNvPr id="7" name="CaixaDeTexto 6"/>
+          <p:cNvSpPr txBox="1"/>
+          <p:nvPr/>
+        </p:nvSpPr>
+        <p:spPr>
+          <a:xfrm>
+            <a:off x="920089" y="2042739"/>
+            <a:ext cx="3829336" cy="400110"/>
+          </a:xfrm>
+          <a:prstGeom prst="rect">
+            <a:avLst/>
+          </a:prstGeom>
+          <a:noFill/>
+        </p:spPr>
+        <p:txBody>
+          <a:bodyPr wrap="square" rtlCol="0">
+            <a:spAutoFit/>
+          </a:bodyPr>
+          <a:lstStyle/>
+          <a:p>
+            <a:r>
+              <a:rPr lang="pt-BR" sz="2000" b="1" dirty="0" err="1" smtClean="0">
+                <a:solidFill>
+                  <a:srgbClr val="0000FF"/>
+                </a:solidFill>
+                <a:latin typeface="Consolas" panose="020B0609020204030204" pitchFamily="49" charset="0"/>
+              </a:rPr>
+              <a:t>t</a:t>
+            </a:r>
+            <a:r>
+              <a:rPr lang="pt-BR" sz="2000" b="1" dirty="0" err="1" smtClean="0">
+                <a:solidFill>
+                  <a:srgbClr val="0000FF"/>
+                </a:solidFill>
+                <a:latin typeface="Consolas" panose="020B0609020204030204" pitchFamily="49" charset="0"/>
+              </a:rPr>
+              <a:t>rue</a:t>
+            </a:r>
+            <a:r>
+              <a:rPr lang="pt-BR" sz="2000" b="1" dirty="0">
+                <a:solidFill>
+                  <a:srgbClr val="0000FF"/>
+                </a:solidFill>
+                <a:latin typeface="Consolas" panose="020B0609020204030204" pitchFamily="49" charset="0"/>
+              </a:rPr>
+              <a:t> </a:t>
+            </a:r>
+            <a:r>
+              <a:rPr lang="pt-BR" sz="2000" b="1" dirty="0" smtClean="0">
+                <a:solidFill>
+                  <a:srgbClr val="0000FF"/>
+                </a:solidFill>
+                <a:latin typeface="Consolas" panose="020B0609020204030204" pitchFamily="49" charset="0"/>
+              </a:rPr>
+              <a:t> </a:t>
+            </a:r>
+            <a:r>
+              <a:rPr lang="pt-BR" sz="2000" b="1" dirty="0" smtClean="0">
+                <a:solidFill>
+                  <a:srgbClr val="00FF00"/>
+                </a:solidFill>
+                <a:latin typeface="Consolas" panose="020B0609020204030204" pitchFamily="49" charset="0"/>
+              </a:rPr>
+              <a:t>&amp;&amp;</a:t>
+            </a:r>
+            <a:r>
+              <a:rPr lang="pt-BR" sz="2000" b="1" dirty="0" smtClean="0">
+                <a:solidFill>
+                  <a:srgbClr val="0000FF"/>
+                </a:solidFill>
+                <a:latin typeface="Consolas" panose="020B0609020204030204" pitchFamily="49" charset="0"/>
+              </a:rPr>
+              <a:t> </a:t>
+            </a:r>
+            <a:r>
+              <a:rPr lang="pt-BR" sz="2000" b="1" dirty="0" err="1" smtClean="0">
+                <a:solidFill>
+                  <a:srgbClr val="0000FF"/>
+                </a:solidFill>
+                <a:latin typeface="Consolas" panose="020B0609020204030204" pitchFamily="49" charset="0"/>
+              </a:rPr>
+              <a:t>true</a:t>
+            </a:r>
+            <a:r>
+              <a:rPr lang="pt-BR" sz="2000" b="1" dirty="0" smtClean="0">
+                <a:solidFill>
+                  <a:srgbClr val="0000FF"/>
+                </a:solidFill>
+                <a:latin typeface="Consolas" panose="020B0609020204030204" pitchFamily="49" charset="0"/>
+              </a:rPr>
+              <a:t>   </a:t>
+            </a:r>
+            <a:r>
+              <a:rPr lang="pt-BR" sz="2000" b="1" dirty="0" smtClean="0">
+                <a:latin typeface="Consolas" panose="020B0609020204030204" pitchFamily="49" charset="0"/>
+              </a:rPr>
+              <a:t>→</a:t>
+            </a:r>
+            <a:r>
+              <a:rPr lang="pt-BR" sz="2000" b="1" dirty="0" smtClean="0">
+                <a:solidFill>
+                  <a:srgbClr val="0000FF"/>
+                </a:solidFill>
+                <a:latin typeface="Consolas" panose="020B0609020204030204" pitchFamily="49" charset="0"/>
+              </a:rPr>
+              <a:t> </a:t>
+            </a:r>
+            <a:r>
+              <a:rPr lang="pt-BR" sz="2000" b="1" dirty="0" err="1" smtClean="0">
+                <a:latin typeface="Consolas" panose="020B0609020204030204" pitchFamily="49" charset="0"/>
+              </a:rPr>
+              <a:t>true</a:t>
+            </a:r>
+            <a:endParaRPr lang="pt-BR" sz="2000" b="1" dirty="0">
+              <a:latin typeface="Consolas" panose="020B0609020204030204" pitchFamily="49" charset="0"/>
+            </a:endParaRPr>
+          </a:p>
+        </p:txBody>
+      </p:sp>
+      <p:sp>
+        <p:nvSpPr>
+          <p:cNvPr id="9" name="CaixaDeTexto 8"/>
+          <p:cNvSpPr txBox="1"/>
+          <p:nvPr/>
+        </p:nvSpPr>
+        <p:spPr>
+          <a:xfrm>
+            <a:off x="920089" y="2477114"/>
+            <a:ext cx="3722999" cy="400110"/>
+          </a:xfrm>
+          <a:prstGeom prst="rect">
+            <a:avLst/>
+          </a:prstGeom>
+          <a:noFill/>
+        </p:spPr>
+        <p:txBody>
+          <a:bodyPr wrap="square" rtlCol="0">
+            <a:spAutoFit/>
+          </a:bodyPr>
+          <a:lstStyle/>
+          <a:p>
+            <a:r>
+              <a:rPr lang="pt-BR" sz="2000" b="1" dirty="0" err="1" smtClean="0">
+                <a:solidFill>
+                  <a:srgbClr val="0000FF"/>
+                </a:solidFill>
+                <a:latin typeface="Consolas" panose="020B0609020204030204" pitchFamily="49" charset="0"/>
+              </a:rPr>
+              <a:t>t</a:t>
+            </a:r>
+            <a:r>
+              <a:rPr lang="pt-BR" sz="2000" b="1" dirty="0" err="1" smtClean="0">
+                <a:solidFill>
+                  <a:srgbClr val="0000FF"/>
+                </a:solidFill>
+                <a:latin typeface="Consolas" panose="020B0609020204030204" pitchFamily="49" charset="0"/>
+              </a:rPr>
+              <a:t>rue</a:t>
+            </a:r>
+            <a:r>
+              <a:rPr lang="pt-BR" sz="2000" b="1" dirty="0">
+                <a:solidFill>
+                  <a:srgbClr val="0000FF"/>
+                </a:solidFill>
+                <a:latin typeface="Consolas" panose="020B0609020204030204" pitchFamily="49" charset="0"/>
+              </a:rPr>
+              <a:t> </a:t>
+            </a:r>
+            <a:r>
+              <a:rPr lang="pt-BR" sz="2000" b="1" dirty="0" smtClean="0">
+                <a:solidFill>
+                  <a:srgbClr val="0000FF"/>
+                </a:solidFill>
+                <a:latin typeface="Consolas" panose="020B0609020204030204" pitchFamily="49" charset="0"/>
+              </a:rPr>
+              <a:t> </a:t>
+            </a:r>
+            <a:r>
+              <a:rPr lang="pt-BR" sz="2000" b="1" dirty="0" smtClean="0">
+                <a:solidFill>
+                  <a:srgbClr val="00FF00"/>
+                </a:solidFill>
+                <a:latin typeface="Consolas" panose="020B0609020204030204" pitchFamily="49" charset="0"/>
+              </a:rPr>
+              <a:t>&amp;&amp;</a:t>
+            </a:r>
+            <a:r>
+              <a:rPr lang="pt-BR" sz="2000" b="1" dirty="0" smtClean="0">
+                <a:solidFill>
+                  <a:srgbClr val="0000FF"/>
+                </a:solidFill>
+                <a:latin typeface="Consolas" panose="020B0609020204030204" pitchFamily="49" charset="0"/>
+              </a:rPr>
+              <a:t> false  </a:t>
+            </a:r>
+            <a:r>
+              <a:rPr lang="pt-BR" sz="2000" b="1" dirty="0" smtClean="0">
+                <a:latin typeface="Consolas" panose="020B0609020204030204" pitchFamily="49" charset="0"/>
+              </a:rPr>
+              <a:t>→</a:t>
+            </a:r>
+            <a:r>
+              <a:rPr lang="pt-BR" sz="2000" b="1" dirty="0" smtClean="0">
+                <a:solidFill>
+                  <a:srgbClr val="0000FF"/>
+                </a:solidFill>
+                <a:latin typeface="Consolas" panose="020B0609020204030204" pitchFamily="49" charset="0"/>
+              </a:rPr>
+              <a:t> </a:t>
+            </a:r>
+            <a:r>
+              <a:rPr lang="pt-BR" sz="2000" b="1" dirty="0" smtClean="0">
+                <a:latin typeface="Consolas" panose="020B0609020204030204" pitchFamily="49" charset="0"/>
+              </a:rPr>
+              <a:t>false</a:t>
+            </a:r>
+            <a:endParaRPr lang="pt-BR" sz="2000" b="1" dirty="0">
+              <a:latin typeface="Consolas" panose="020B0609020204030204" pitchFamily="49" charset="0"/>
+            </a:endParaRPr>
+          </a:p>
+        </p:txBody>
+      </p:sp>
+      <p:sp>
+        <p:nvSpPr>
+          <p:cNvPr id="10" name="CaixaDeTexto 9"/>
+          <p:cNvSpPr txBox="1"/>
+          <p:nvPr/>
+        </p:nvSpPr>
+        <p:spPr>
+          <a:xfrm>
+            <a:off x="920088" y="2911489"/>
+            <a:ext cx="3723000" cy="400110"/>
+          </a:xfrm>
+          <a:prstGeom prst="rect">
+            <a:avLst/>
+          </a:prstGeom>
+          <a:noFill/>
+        </p:spPr>
+        <p:txBody>
+          <a:bodyPr wrap="square" rtlCol="0">
+            <a:spAutoFit/>
+          </a:bodyPr>
+          <a:lstStyle/>
+          <a:p>
+            <a:r>
+              <a:rPr lang="pt-BR" sz="2000" b="1" dirty="0">
+                <a:solidFill>
+                  <a:srgbClr val="0000FF"/>
+                </a:solidFill>
+                <a:latin typeface="Consolas" panose="020B0609020204030204" pitchFamily="49" charset="0"/>
+              </a:rPr>
+              <a:t>f</a:t>
+            </a:r>
+            <a:r>
+              <a:rPr lang="pt-BR" sz="2000" b="1" dirty="0" smtClean="0">
+                <a:solidFill>
+                  <a:srgbClr val="0000FF"/>
+                </a:solidFill>
+                <a:latin typeface="Consolas" panose="020B0609020204030204" pitchFamily="49" charset="0"/>
+              </a:rPr>
+              <a:t>alse </a:t>
+            </a:r>
+            <a:r>
+              <a:rPr lang="pt-BR" sz="2000" b="1" dirty="0" smtClean="0">
+                <a:solidFill>
+                  <a:srgbClr val="00FF00"/>
+                </a:solidFill>
+                <a:latin typeface="Consolas" panose="020B0609020204030204" pitchFamily="49" charset="0"/>
+              </a:rPr>
+              <a:t>&amp;&amp;</a:t>
+            </a:r>
+            <a:r>
+              <a:rPr lang="pt-BR" sz="2000" b="1" dirty="0" smtClean="0">
+                <a:solidFill>
+                  <a:srgbClr val="0000FF"/>
+                </a:solidFill>
+                <a:latin typeface="Consolas" panose="020B0609020204030204" pitchFamily="49" charset="0"/>
+              </a:rPr>
+              <a:t> </a:t>
+            </a:r>
+            <a:r>
+              <a:rPr lang="pt-BR" sz="2000" b="1" dirty="0" err="1" smtClean="0">
+                <a:solidFill>
+                  <a:srgbClr val="0000FF"/>
+                </a:solidFill>
+                <a:latin typeface="Consolas" panose="020B0609020204030204" pitchFamily="49" charset="0"/>
+              </a:rPr>
+              <a:t>true</a:t>
+            </a:r>
+            <a:r>
+              <a:rPr lang="pt-BR" sz="2000" b="1" dirty="0" smtClean="0">
+                <a:solidFill>
+                  <a:srgbClr val="0000FF"/>
+                </a:solidFill>
+                <a:latin typeface="Consolas" panose="020B0609020204030204" pitchFamily="49" charset="0"/>
+              </a:rPr>
+              <a:t>   </a:t>
+            </a:r>
+            <a:r>
+              <a:rPr lang="pt-BR" sz="2000" b="1" dirty="0" smtClean="0">
+                <a:latin typeface="Consolas" panose="020B0609020204030204" pitchFamily="49" charset="0"/>
+              </a:rPr>
+              <a:t>→</a:t>
+            </a:r>
+            <a:r>
+              <a:rPr lang="pt-BR" sz="2000" b="1" dirty="0" smtClean="0">
+                <a:solidFill>
+                  <a:srgbClr val="0000FF"/>
+                </a:solidFill>
+                <a:latin typeface="Consolas" panose="020B0609020204030204" pitchFamily="49" charset="0"/>
+              </a:rPr>
+              <a:t> </a:t>
+            </a:r>
+            <a:r>
+              <a:rPr lang="pt-BR" sz="2000" b="1" dirty="0">
+                <a:latin typeface="Consolas" panose="020B0609020204030204" pitchFamily="49" charset="0"/>
+              </a:rPr>
+              <a:t>false</a:t>
+            </a:r>
+            <a:endParaRPr lang="pt-BR" sz="2000" b="1" dirty="0">
+              <a:latin typeface="Consolas" panose="020B0609020204030204" pitchFamily="49" charset="0"/>
+            </a:endParaRPr>
+          </a:p>
+        </p:txBody>
+      </p:sp>
+      <p:sp>
+        <p:nvSpPr>
+          <p:cNvPr id="11" name="CaixaDeTexto 10"/>
+          <p:cNvSpPr txBox="1"/>
+          <p:nvPr/>
+        </p:nvSpPr>
+        <p:spPr>
+          <a:xfrm>
+            <a:off x="920087" y="3345864"/>
+            <a:ext cx="3723001" cy="400110"/>
+          </a:xfrm>
+          <a:prstGeom prst="rect">
+            <a:avLst/>
+          </a:prstGeom>
+          <a:noFill/>
+        </p:spPr>
+        <p:txBody>
+          <a:bodyPr wrap="square" rtlCol="0">
+            <a:spAutoFit/>
+          </a:bodyPr>
+          <a:lstStyle/>
+          <a:p>
+            <a:r>
+              <a:rPr lang="pt-BR" sz="2000" b="1" dirty="0">
+                <a:solidFill>
+                  <a:srgbClr val="0000FF"/>
+                </a:solidFill>
+                <a:latin typeface="Consolas" panose="020B0609020204030204" pitchFamily="49" charset="0"/>
+              </a:rPr>
+              <a:t>f</a:t>
+            </a:r>
+            <a:r>
+              <a:rPr lang="pt-BR" sz="2000" b="1" dirty="0" smtClean="0">
+                <a:solidFill>
+                  <a:srgbClr val="0000FF"/>
+                </a:solidFill>
+                <a:latin typeface="Consolas" panose="020B0609020204030204" pitchFamily="49" charset="0"/>
+              </a:rPr>
+              <a:t>alse </a:t>
+            </a:r>
+            <a:r>
+              <a:rPr lang="pt-BR" sz="2000" b="1" dirty="0" smtClean="0">
+                <a:solidFill>
+                  <a:srgbClr val="00FF00"/>
+                </a:solidFill>
+                <a:latin typeface="Consolas" panose="020B0609020204030204" pitchFamily="49" charset="0"/>
+              </a:rPr>
+              <a:t>&amp;&amp;</a:t>
+            </a:r>
+            <a:r>
+              <a:rPr lang="pt-BR" sz="2000" b="1" dirty="0" smtClean="0">
+                <a:solidFill>
+                  <a:srgbClr val="0000FF"/>
+                </a:solidFill>
+                <a:latin typeface="Consolas" panose="020B0609020204030204" pitchFamily="49" charset="0"/>
+              </a:rPr>
+              <a:t> false  </a:t>
+            </a:r>
+            <a:r>
+              <a:rPr lang="pt-BR" sz="2000" b="1" dirty="0" smtClean="0">
+                <a:latin typeface="Consolas" panose="020B0609020204030204" pitchFamily="49" charset="0"/>
+              </a:rPr>
+              <a:t>→</a:t>
+            </a:r>
+            <a:r>
+              <a:rPr lang="pt-BR" sz="2000" b="1" dirty="0" smtClean="0">
+                <a:solidFill>
+                  <a:srgbClr val="0000FF"/>
+                </a:solidFill>
+                <a:latin typeface="Consolas" panose="020B0609020204030204" pitchFamily="49" charset="0"/>
+              </a:rPr>
+              <a:t> </a:t>
+            </a:r>
+            <a:r>
+              <a:rPr lang="pt-BR" sz="2000" b="1" dirty="0">
+                <a:latin typeface="Consolas" panose="020B0609020204030204" pitchFamily="49" charset="0"/>
+              </a:rPr>
+              <a:t>false</a:t>
+            </a:r>
+            <a:endParaRPr lang="pt-BR" sz="2000" b="1" dirty="0">
+              <a:latin typeface="Consolas" panose="020B0609020204030204" pitchFamily="49" charset="0"/>
+            </a:endParaRPr>
+          </a:p>
+        </p:txBody>
+      </p:sp>
+      <p:sp>
+        <p:nvSpPr>
+          <p:cNvPr id="12" name="CaixaDeTexto 11"/>
+          <p:cNvSpPr txBox="1"/>
+          <p:nvPr/>
+        </p:nvSpPr>
+        <p:spPr>
+          <a:xfrm>
+            <a:off x="6270028" y="2042739"/>
+            <a:ext cx="3829336" cy="400110"/>
+          </a:xfrm>
+          <a:prstGeom prst="rect">
+            <a:avLst/>
+          </a:prstGeom>
+          <a:noFill/>
+        </p:spPr>
+        <p:txBody>
+          <a:bodyPr wrap="square" rtlCol="0">
+            <a:spAutoFit/>
+          </a:bodyPr>
+          <a:lstStyle/>
+          <a:p>
+            <a:r>
+              <a:rPr lang="pt-BR" sz="2000" b="1" dirty="0" err="1" smtClean="0">
+                <a:solidFill>
+                  <a:srgbClr val="0000FF"/>
+                </a:solidFill>
+                <a:latin typeface="Consolas" panose="020B0609020204030204" pitchFamily="49" charset="0"/>
+              </a:rPr>
+              <a:t>t</a:t>
+            </a:r>
+            <a:r>
+              <a:rPr lang="pt-BR" sz="2000" b="1" dirty="0" err="1" smtClean="0">
+                <a:solidFill>
+                  <a:srgbClr val="0000FF"/>
+                </a:solidFill>
+                <a:latin typeface="Consolas" panose="020B0609020204030204" pitchFamily="49" charset="0"/>
+              </a:rPr>
+              <a:t>rue</a:t>
+            </a:r>
+            <a:r>
+              <a:rPr lang="pt-BR" sz="2000" b="1" dirty="0">
+                <a:solidFill>
+                  <a:srgbClr val="0000FF"/>
+                </a:solidFill>
+                <a:latin typeface="Consolas" panose="020B0609020204030204" pitchFamily="49" charset="0"/>
+              </a:rPr>
+              <a:t> </a:t>
+            </a:r>
+            <a:r>
+              <a:rPr lang="pt-BR" sz="2000" b="1" dirty="0" smtClean="0">
+                <a:solidFill>
+                  <a:srgbClr val="0000FF"/>
+                </a:solidFill>
+                <a:latin typeface="Consolas" panose="020B0609020204030204" pitchFamily="49" charset="0"/>
+              </a:rPr>
+              <a:t> </a:t>
+            </a:r>
+            <a:r>
+              <a:rPr lang="pt-BR" sz="2000" b="1" dirty="0" smtClean="0">
+                <a:solidFill>
+                  <a:srgbClr val="00FF00"/>
+                </a:solidFill>
+                <a:latin typeface="Consolas" panose="020B0609020204030204" pitchFamily="49" charset="0"/>
+              </a:rPr>
+              <a:t>|| </a:t>
+            </a:r>
+            <a:r>
+              <a:rPr lang="pt-BR" sz="2000" b="1" dirty="0" err="1" smtClean="0">
+                <a:solidFill>
+                  <a:srgbClr val="0000FF"/>
+                </a:solidFill>
+                <a:latin typeface="Consolas" panose="020B0609020204030204" pitchFamily="49" charset="0"/>
+              </a:rPr>
+              <a:t>true</a:t>
+            </a:r>
+            <a:r>
+              <a:rPr lang="pt-BR" sz="2000" b="1" dirty="0" smtClean="0">
+                <a:solidFill>
+                  <a:srgbClr val="0000FF"/>
+                </a:solidFill>
+                <a:latin typeface="Consolas" panose="020B0609020204030204" pitchFamily="49" charset="0"/>
+              </a:rPr>
+              <a:t>   </a:t>
+            </a:r>
+            <a:r>
+              <a:rPr lang="pt-BR" sz="2000" b="1" dirty="0" smtClean="0">
+                <a:latin typeface="Consolas" panose="020B0609020204030204" pitchFamily="49" charset="0"/>
+              </a:rPr>
+              <a:t>→</a:t>
+            </a:r>
+            <a:r>
+              <a:rPr lang="pt-BR" sz="2000" b="1" dirty="0" smtClean="0">
+                <a:solidFill>
+                  <a:srgbClr val="0000FF"/>
+                </a:solidFill>
+                <a:latin typeface="Consolas" panose="020B0609020204030204" pitchFamily="49" charset="0"/>
+              </a:rPr>
+              <a:t> </a:t>
+            </a:r>
+            <a:r>
+              <a:rPr lang="pt-BR" sz="2000" b="1" dirty="0" err="1" smtClean="0">
+                <a:latin typeface="Consolas" panose="020B0609020204030204" pitchFamily="49" charset="0"/>
+              </a:rPr>
+              <a:t>true</a:t>
+            </a:r>
+            <a:endParaRPr lang="pt-BR" sz="2000" b="1" dirty="0">
+              <a:latin typeface="Consolas" panose="020B0609020204030204" pitchFamily="49" charset="0"/>
+            </a:endParaRPr>
+          </a:p>
+        </p:txBody>
+      </p:sp>
+      <p:sp>
+        <p:nvSpPr>
+          <p:cNvPr id="13" name="CaixaDeTexto 12"/>
+          <p:cNvSpPr txBox="1"/>
+          <p:nvPr/>
+        </p:nvSpPr>
+        <p:spPr>
+          <a:xfrm>
+            <a:off x="6270028" y="2477114"/>
+            <a:ext cx="3722999" cy="400110"/>
+          </a:xfrm>
+          <a:prstGeom prst="rect">
+            <a:avLst/>
+          </a:prstGeom>
+          <a:noFill/>
+        </p:spPr>
+        <p:txBody>
+          <a:bodyPr wrap="square" rtlCol="0">
+            <a:spAutoFit/>
+          </a:bodyPr>
+          <a:lstStyle/>
+          <a:p>
+            <a:r>
+              <a:rPr lang="pt-BR" sz="2000" b="1" dirty="0" err="1" smtClean="0">
+                <a:solidFill>
+                  <a:srgbClr val="0000FF"/>
+                </a:solidFill>
+                <a:latin typeface="Consolas" panose="020B0609020204030204" pitchFamily="49" charset="0"/>
+              </a:rPr>
+              <a:t>t</a:t>
+            </a:r>
+            <a:r>
+              <a:rPr lang="pt-BR" sz="2000" b="1" dirty="0" err="1" smtClean="0">
+                <a:solidFill>
+                  <a:srgbClr val="0000FF"/>
+                </a:solidFill>
+                <a:latin typeface="Consolas" panose="020B0609020204030204" pitchFamily="49" charset="0"/>
+              </a:rPr>
+              <a:t>rue</a:t>
+            </a:r>
+            <a:r>
+              <a:rPr lang="pt-BR" sz="2000" b="1" dirty="0">
+                <a:solidFill>
+                  <a:srgbClr val="0000FF"/>
+                </a:solidFill>
+                <a:latin typeface="Consolas" panose="020B0609020204030204" pitchFamily="49" charset="0"/>
+              </a:rPr>
+              <a:t> </a:t>
+            </a:r>
+            <a:r>
+              <a:rPr lang="pt-BR" sz="2000" b="1" dirty="0" smtClean="0">
+                <a:solidFill>
+                  <a:srgbClr val="0000FF"/>
+                </a:solidFill>
+                <a:latin typeface="Consolas" panose="020B0609020204030204" pitchFamily="49" charset="0"/>
+              </a:rPr>
+              <a:t> </a:t>
+            </a:r>
+            <a:r>
+              <a:rPr lang="pt-BR" sz="2000" b="1" dirty="0" smtClean="0">
+                <a:solidFill>
+                  <a:srgbClr val="00FF00"/>
+                </a:solidFill>
+                <a:latin typeface="Consolas" panose="020B0609020204030204" pitchFamily="49" charset="0"/>
+              </a:rPr>
+              <a:t>|| </a:t>
+            </a:r>
+            <a:r>
+              <a:rPr lang="pt-BR" sz="2000" b="1" dirty="0" smtClean="0">
+                <a:solidFill>
+                  <a:srgbClr val="0000FF"/>
+                </a:solidFill>
+                <a:latin typeface="Consolas" panose="020B0609020204030204" pitchFamily="49" charset="0"/>
+              </a:rPr>
+              <a:t>false  </a:t>
+            </a:r>
+            <a:r>
+              <a:rPr lang="pt-BR" sz="2000" b="1" dirty="0" smtClean="0">
+                <a:latin typeface="Consolas" panose="020B0609020204030204" pitchFamily="49" charset="0"/>
+              </a:rPr>
+              <a:t>→</a:t>
+            </a:r>
+            <a:r>
+              <a:rPr lang="pt-BR" sz="2000" b="1" dirty="0" smtClean="0">
+                <a:solidFill>
+                  <a:srgbClr val="0000FF"/>
+                </a:solidFill>
+                <a:latin typeface="Consolas" panose="020B0609020204030204" pitchFamily="49" charset="0"/>
+              </a:rPr>
+              <a:t> </a:t>
+            </a:r>
+            <a:r>
+              <a:rPr lang="pt-BR" sz="2000" b="1" dirty="0" err="1" smtClean="0">
+                <a:latin typeface="Consolas" panose="020B0609020204030204" pitchFamily="49" charset="0"/>
+              </a:rPr>
+              <a:t>true</a:t>
+            </a:r>
+            <a:endParaRPr lang="pt-BR" sz="2000" b="1" dirty="0">
+              <a:latin typeface="Consolas" panose="020B0609020204030204" pitchFamily="49" charset="0"/>
+            </a:endParaRPr>
+          </a:p>
+        </p:txBody>
+      </p:sp>
+      <p:sp>
+        <p:nvSpPr>
+          <p:cNvPr id="14" name="CaixaDeTexto 13"/>
+          <p:cNvSpPr txBox="1"/>
+          <p:nvPr/>
+        </p:nvSpPr>
+        <p:spPr>
+          <a:xfrm>
+            <a:off x="6270027" y="2911489"/>
+            <a:ext cx="3723000" cy="400110"/>
+          </a:xfrm>
+          <a:prstGeom prst="rect">
+            <a:avLst/>
+          </a:prstGeom>
+          <a:noFill/>
+        </p:spPr>
+        <p:txBody>
+          <a:bodyPr wrap="square" rtlCol="0">
+            <a:spAutoFit/>
+          </a:bodyPr>
+          <a:lstStyle/>
+          <a:p>
+            <a:r>
+              <a:rPr lang="pt-BR" sz="2000" b="1" dirty="0" smtClean="0">
+                <a:solidFill>
+                  <a:srgbClr val="0000FF"/>
+                </a:solidFill>
+                <a:latin typeface="Consolas" panose="020B0609020204030204" pitchFamily="49" charset="0"/>
+              </a:rPr>
+              <a:t>false </a:t>
+            </a:r>
+            <a:r>
+              <a:rPr lang="pt-BR" sz="2000" b="1" dirty="0" smtClean="0">
+                <a:solidFill>
+                  <a:srgbClr val="00FF00"/>
+                </a:solidFill>
+                <a:latin typeface="Consolas" panose="020B0609020204030204" pitchFamily="49" charset="0"/>
+              </a:rPr>
+              <a:t>|| </a:t>
+            </a:r>
+            <a:r>
+              <a:rPr lang="pt-BR" sz="2000" b="1" dirty="0" err="1" smtClean="0">
+                <a:solidFill>
+                  <a:srgbClr val="0000FF"/>
+                </a:solidFill>
+                <a:latin typeface="Consolas" panose="020B0609020204030204" pitchFamily="49" charset="0"/>
+              </a:rPr>
+              <a:t>true</a:t>
+            </a:r>
+            <a:r>
+              <a:rPr lang="pt-BR" sz="2000" b="1" dirty="0" smtClean="0">
+                <a:solidFill>
+                  <a:srgbClr val="0000FF"/>
+                </a:solidFill>
+                <a:latin typeface="Consolas" panose="020B0609020204030204" pitchFamily="49" charset="0"/>
+              </a:rPr>
+              <a:t>   </a:t>
+            </a:r>
+            <a:r>
+              <a:rPr lang="pt-BR" sz="2000" b="1" dirty="0" smtClean="0">
+                <a:latin typeface="Consolas" panose="020B0609020204030204" pitchFamily="49" charset="0"/>
+              </a:rPr>
+              <a:t>→</a:t>
+            </a:r>
+            <a:r>
+              <a:rPr lang="pt-BR" sz="2000" b="1" dirty="0" smtClean="0">
+                <a:solidFill>
+                  <a:srgbClr val="0000FF"/>
+                </a:solidFill>
+                <a:latin typeface="Consolas" panose="020B0609020204030204" pitchFamily="49" charset="0"/>
+              </a:rPr>
+              <a:t> </a:t>
+            </a:r>
+            <a:r>
+              <a:rPr lang="pt-BR" sz="2000" b="1" dirty="0" err="1" smtClean="0">
+                <a:latin typeface="Consolas" panose="020B0609020204030204" pitchFamily="49" charset="0"/>
+              </a:rPr>
+              <a:t>true</a:t>
+            </a:r>
+            <a:endParaRPr lang="pt-BR" sz="2000" b="1" dirty="0">
+              <a:latin typeface="Consolas" panose="020B0609020204030204" pitchFamily="49" charset="0"/>
+            </a:endParaRPr>
+          </a:p>
+        </p:txBody>
+      </p:sp>
+      <p:sp>
+        <p:nvSpPr>
+          <p:cNvPr id="15" name="CaixaDeTexto 14"/>
+          <p:cNvSpPr txBox="1"/>
+          <p:nvPr/>
+        </p:nvSpPr>
+        <p:spPr>
+          <a:xfrm>
+            <a:off x="6270026" y="3345864"/>
+            <a:ext cx="3723001" cy="400110"/>
+          </a:xfrm>
+          <a:prstGeom prst="rect">
+            <a:avLst/>
+          </a:prstGeom>
+          <a:noFill/>
+        </p:spPr>
+        <p:txBody>
+          <a:bodyPr wrap="square" rtlCol="0">
+            <a:spAutoFit/>
+          </a:bodyPr>
+          <a:lstStyle/>
+          <a:p>
+            <a:r>
+              <a:rPr lang="pt-BR" sz="2000" b="1" dirty="0">
+                <a:solidFill>
+                  <a:srgbClr val="0000FF"/>
+                </a:solidFill>
+                <a:latin typeface="Consolas" panose="020B0609020204030204" pitchFamily="49" charset="0"/>
+              </a:rPr>
+              <a:t>f</a:t>
+            </a:r>
+            <a:r>
+              <a:rPr lang="pt-BR" sz="2000" b="1" dirty="0" smtClean="0">
+                <a:solidFill>
+                  <a:srgbClr val="0000FF"/>
+                </a:solidFill>
+                <a:latin typeface="Consolas" panose="020B0609020204030204" pitchFamily="49" charset="0"/>
+              </a:rPr>
+              <a:t>alse </a:t>
+            </a:r>
+            <a:r>
+              <a:rPr lang="pt-BR" sz="2000" b="1" dirty="0" smtClean="0">
+                <a:solidFill>
+                  <a:srgbClr val="00FF00"/>
+                </a:solidFill>
+                <a:latin typeface="Consolas" panose="020B0609020204030204" pitchFamily="49" charset="0"/>
+              </a:rPr>
+              <a:t>|| </a:t>
+            </a:r>
+            <a:r>
+              <a:rPr lang="pt-BR" sz="2000" b="1" dirty="0" smtClean="0">
+                <a:solidFill>
+                  <a:srgbClr val="0000FF"/>
+                </a:solidFill>
+                <a:latin typeface="Consolas" panose="020B0609020204030204" pitchFamily="49" charset="0"/>
+              </a:rPr>
+              <a:t>false  </a:t>
+            </a:r>
+            <a:r>
+              <a:rPr lang="pt-BR" sz="2000" b="1" dirty="0" smtClean="0">
+                <a:latin typeface="Consolas" panose="020B0609020204030204" pitchFamily="49" charset="0"/>
+              </a:rPr>
+              <a:t>→</a:t>
+            </a:r>
+            <a:r>
+              <a:rPr lang="pt-BR" sz="2000" b="1" dirty="0" smtClean="0">
+                <a:solidFill>
+                  <a:srgbClr val="0000FF"/>
+                </a:solidFill>
+                <a:latin typeface="Consolas" panose="020B0609020204030204" pitchFamily="49" charset="0"/>
+              </a:rPr>
+              <a:t> </a:t>
+            </a:r>
+            <a:r>
+              <a:rPr lang="pt-BR" sz="2000" b="1" dirty="0">
+                <a:latin typeface="Consolas" panose="020B0609020204030204" pitchFamily="49" charset="0"/>
+              </a:rPr>
+              <a:t>false</a:t>
+            </a:r>
+            <a:endParaRPr lang="pt-BR" sz="2000" b="1" dirty="0">
+              <a:latin typeface="Consolas" panose="020B0609020204030204" pitchFamily="49" charset="0"/>
+            </a:endParaRPr>
+          </a:p>
+        </p:txBody>
+      </p:sp>
+      <p:sp>
+        <p:nvSpPr>
+          <p:cNvPr id="16" name="CaixaDeTexto 15"/>
+          <p:cNvSpPr txBox="1"/>
+          <p:nvPr/>
+        </p:nvSpPr>
+        <p:spPr>
+          <a:xfrm>
+            <a:off x="961032" y="3946319"/>
+            <a:ext cx="2427044" cy="400110"/>
+          </a:xfrm>
+          <a:prstGeom prst="rect">
+            <a:avLst/>
+          </a:prstGeom>
+          <a:noFill/>
+        </p:spPr>
+        <p:txBody>
+          <a:bodyPr wrap="square" rtlCol="0">
+            <a:spAutoFit/>
+          </a:bodyPr>
+          <a:lstStyle/>
+          <a:p>
+            <a:r>
+              <a:rPr lang="pt-BR" sz="2000" b="1" dirty="0" smtClean="0">
+                <a:solidFill>
+                  <a:srgbClr val="0000FF"/>
+                </a:solidFill>
+                <a:latin typeface="Consolas" panose="020B0609020204030204" pitchFamily="49" charset="0"/>
+              </a:rPr>
+              <a:t>2 </a:t>
+            </a:r>
+            <a:r>
+              <a:rPr lang="pt-BR" sz="2000" b="1" dirty="0" smtClean="0">
+                <a:solidFill>
+                  <a:srgbClr val="00FF00"/>
+                </a:solidFill>
+                <a:latin typeface="Consolas" panose="020B0609020204030204" pitchFamily="49" charset="0"/>
+              </a:rPr>
+              <a:t>&lt;</a:t>
+            </a:r>
+            <a:r>
+              <a:rPr lang="pt-BR" sz="2000" b="1" dirty="0" smtClean="0">
+                <a:solidFill>
+                  <a:srgbClr val="0000FF"/>
+                </a:solidFill>
+                <a:latin typeface="Consolas" panose="020B0609020204030204" pitchFamily="49" charset="0"/>
+              </a:rPr>
+              <a:t> 3 </a:t>
+            </a:r>
+            <a:r>
+              <a:rPr lang="pt-BR" sz="2000" b="1" dirty="0" smtClean="0">
+                <a:solidFill>
+                  <a:srgbClr val="00FF00"/>
+                </a:solidFill>
+                <a:latin typeface="Consolas" panose="020B0609020204030204" pitchFamily="49" charset="0"/>
+              </a:rPr>
+              <a:t>&amp;&amp;</a:t>
+            </a:r>
+            <a:r>
+              <a:rPr lang="pt-BR" sz="2000" b="1" dirty="0" smtClean="0">
+                <a:solidFill>
+                  <a:srgbClr val="0000FF"/>
+                </a:solidFill>
+                <a:latin typeface="Consolas" panose="020B0609020204030204" pitchFamily="49" charset="0"/>
+              </a:rPr>
+              <a:t> 5 </a:t>
+            </a:r>
+            <a:r>
+              <a:rPr lang="pt-BR" sz="2000" b="1" dirty="0" smtClean="0">
+                <a:solidFill>
+                  <a:srgbClr val="00FF00"/>
+                </a:solidFill>
+                <a:latin typeface="Consolas" panose="020B0609020204030204" pitchFamily="49" charset="0"/>
+              </a:rPr>
+              <a:t>&gt;</a:t>
+            </a:r>
+            <a:r>
+              <a:rPr lang="pt-BR" sz="2000" b="1" dirty="0" smtClean="0">
+                <a:solidFill>
+                  <a:srgbClr val="0000FF"/>
+                </a:solidFill>
+                <a:latin typeface="Consolas" panose="020B0609020204030204" pitchFamily="49" charset="0"/>
+              </a:rPr>
+              <a:t> 2</a:t>
+            </a:r>
+            <a:endParaRPr lang="pt-BR" sz="2000" b="1" dirty="0">
+              <a:latin typeface="Consolas" panose="020B0609020204030204" pitchFamily="49" charset="0"/>
+            </a:endParaRPr>
+          </a:p>
+        </p:txBody>
+      </p:sp>
+      <p:sp>
+        <p:nvSpPr>
+          <p:cNvPr id="3" name="Seta para baixo 2"/>
+          <p:cNvSpPr/>
+          <p:nvPr/>
+        </p:nvSpPr>
+        <p:spPr>
+          <a:xfrm>
+            <a:off x="1179396" y="4393047"/>
+            <a:ext cx="444689" cy="443934"/>
+          </a:xfrm>
+          <a:prstGeom prst="downArrow">
+            <a:avLst/>
+          </a:prstGeom>
+          <a:noFill/>
+          <a:ln w="38100">
+            <a:solidFill>
+              <a:schemeClr val="tx1"/>
+            </a:solidFill>
+          </a:ln>
+        </p:spPr>
+        <p:style>
+          <a:lnRef idx="2">
+            <a:schemeClr val="accent1">
+              <a:shade val="50000"/>
+            </a:schemeClr>
+          </a:lnRef>
+          <a:fillRef idx="1">
+            <a:schemeClr val="accent1"/>
+          </a:fillRef>
+          <a:effectRef idx="0">
+            <a:schemeClr val="accent1"/>
+          </a:effectRef>
+          <a:fontRef idx="minor">
+            <a:schemeClr val="lt1"/>
+          </a:fontRef>
+        </p:style>
+        <p:txBody>
+          <a:bodyPr rtlCol="0" anchor="ctr"/>
+          <a:lstStyle/>
+          <a:p>
+            <a:pPr algn="ctr"/>
+            <a:endParaRPr lang="pt-BR"/>
+          </a:p>
+        </p:txBody>
+      </p:sp>
+      <p:sp>
+        <p:nvSpPr>
+          <p:cNvPr id="17" name="Seta para baixo 16"/>
+          <p:cNvSpPr/>
+          <p:nvPr/>
+        </p:nvSpPr>
+        <p:spPr>
+          <a:xfrm>
+            <a:off x="1651381" y="5413125"/>
+            <a:ext cx="730013" cy="728774"/>
+          </a:xfrm>
+          <a:prstGeom prst="downArrow">
+            <a:avLst/>
+          </a:prstGeom>
+          <a:noFill/>
+          <a:ln w="38100">
+            <a:solidFill>
+              <a:schemeClr val="tx1"/>
+            </a:solidFill>
+          </a:ln>
+        </p:spPr>
+        <p:style>
+          <a:lnRef idx="2">
+            <a:schemeClr val="accent1">
+              <a:shade val="50000"/>
+            </a:schemeClr>
+          </a:lnRef>
+          <a:fillRef idx="1">
+            <a:schemeClr val="accent1"/>
+          </a:fillRef>
+          <a:effectRef idx="0">
+            <a:schemeClr val="accent1"/>
+          </a:effectRef>
+          <a:fontRef idx="minor">
+            <a:schemeClr val="lt1"/>
+          </a:fontRef>
+        </p:style>
+        <p:txBody>
+          <a:bodyPr rtlCol="0" anchor="ctr"/>
+          <a:lstStyle/>
+          <a:p>
+            <a:pPr algn="ctr"/>
+            <a:endParaRPr lang="pt-BR"/>
+          </a:p>
+        </p:txBody>
+      </p:sp>
+      <p:sp>
+        <p:nvSpPr>
+          <p:cNvPr id="18" name="CaixaDeTexto 17"/>
+          <p:cNvSpPr txBox="1"/>
+          <p:nvPr/>
+        </p:nvSpPr>
+        <p:spPr>
+          <a:xfrm>
+            <a:off x="769962" y="4831138"/>
+            <a:ext cx="2641977" cy="461665"/>
+          </a:xfrm>
+          <a:prstGeom prst="rect">
+            <a:avLst/>
+          </a:prstGeom>
+          <a:noFill/>
+        </p:spPr>
+        <p:txBody>
+          <a:bodyPr wrap="square" rtlCol="0">
+            <a:spAutoFit/>
+          </a:bodyPr>
+          <a:lstStyle/>
+          <a:p>
+            <a:r>
+              <a:rPr lang="pt-BR" sz="2000" b="1" dirty="0" smtClean="0">
+                <a:solidFill>
+                  <a:srgbClr val="0000FF"/>
+                </a:solidFill>
+                <a:latin typeface="Consolas" panose="020B0609020204030204" pitchFamily="49" charset="0"/>
+              </a:rPr>
+              <a:t> </a:t>
+            </a:r>
+            <a:r>
+              <a:rPr lang="pt-BR" sz="2400" b="1" dirty="0" err="1" smtClean="0">
+                <a:solidFill>
+                  <a:srgbClr val="0000FF"/>
+                </a:solidFill>
+                <a:latin typeface="Consolas" panose="020B0609020204030204" pitchFamily="49" charset="0"/>
+              </a:rPr>
+              <a:t>t</a:t>
+            </a:r>
+            <a:r>
+              <a:rPr lang="pt-BR" sz="2400" b="1" dirty="0" err="1" smtClean="0">
+                <a:solidFill>
+                  <a:srgbClr val="0000FF"/>
+                </a:solidFill>
+                <a:latin typeface="Consolas" panose="020B0609020204030204" pitchFamily="49" charset="0"/>
+              </a:rPr>
+              <a:t>rue</a:t>
+            </a:r>
+            <a:r>
+              <a:rPr lang="pt-BR" sz="2400" b="1" dirty="0" smtClean="0">
+                <a:solidFill>
+                  <a:srgbClr val="0000FF"/>
+                </a:solidFill>
+                <a:latin typeface="Consolas" panose="020B0609020204030204" pitchFamily="49" charset="0"/>
+              </a:rPr>
+              <a:t> </a:t>
+            </a:r>
+            <a:r>
+              <a:rPr lang="pt-BR" sz="2400" b="1" dirty="0" smtClean="0">
+                <a:solidFill>
+                  <a:srgbClr val="00FF00"/>
+                </a:solidFill>
+                <a:latin typeface="Consolas" panose="020B0609020204030204" pitchFamily="49" charset="0"/>
+              </a:rPr>
+              <a:t>&amp;&amp;</a:t>
+            </a:r>
+            <a:r>
+              <a:rPr lang="pt-BR" sz="2400" b="1" dirty="0" smtClean="0">
+                <a:solidFill>
+                  <a:srgbClr val="0000FF"/>
+                </a:solidFill>
+                <a:latin typeface="Consolas" panose="020B0609020204030204" pitchFamily="49" charset="0"/>
+              </a:rPr>
+              <a:t> </a:t>
+            </a:r>
+            <a:r>
+              <a:rPr lang="pt-BR" sz="2400" b="1" dirty="0" err="1" smtClean="0">
+                <a:solidFill>
+                  <a:srgbClr val="0000FF"/>
+                </a:solidFill>
+                <a:latin typeface="Consolas" panose="020B0609020204030204" pitchFamily="49" charset="0"/>
+              </a:rPr>
+              <a:t>true</a:t>
+            </a:r>
+            <a:endParaRPr lang="pt-BR" sz="2400" b="1" dirty="0">
+              <a:latin typeface="Consolas" panose="020B0609020204030204" pitchFamily="49" charset="0"/>
+            </a:endParaRPr>
+          </a:p>
+        </p:txBody>
+      </p:sp>
+      <p:sp>
+        <p:nvSpPr>
+          <p:cNvPr id="19" name="Seta para baixo 18"/>
+          <p:cNvSpPr/>
+          <p:nvPr/>
+        </p:nvSpPr>
+        <p:spPr>
+          <a:xfrm>
+            <a:off x="2431013" y="4394112"/>
+            <a:ext cx="444689" cy="443934"/>
+          </a:xfrm>
+          <a:prstGeom prst="downArrow">
+            <a:avLst/>
+          </a:prstGeom>
+          <a:noFill/>
+          <a:ln w="38100">
+            <a:solidFill>
+              <a:schemeClr val="tx1"/>
+            </a:solidFill>
+          </a:ln>
+        </p:spPr>
+        <p:style>
+          <a:lnRef idx="2">
+            <a:schemeClr val="accent1">
+              <a:shade val="50000"/>
+            </a:schemeClr>
+          </a:lnRef>
+          <a:fillRef idx="1">
+            <a:schemeClr val="accent1"/>
+          </a:fillRef>
+          <a:effectRef idx="0">
+            <a:schemeClr val="accent1"/>
+          </a:effectRef>
+          <a:fontRef idx="minor">
+            <a:schemeClr val="lt1"/>
+          </a:fontRef>
+        </p:style>
+        <p:txBody>
+          <a:bodyPr rtlCol="0" anchor="ctr"/>
+          <a:lstStyle/>
+          <a:p>
+            <a:pPr algn="ctr"/>
+            <a:endParaRPr lang="pt-BR"/>
+          </a:p>
+        </p:txBody>
+      </p:sp>
+      <p:sp>
+        <p:nvSpPr>
+          <p:cNvPr id="20" name="CaixaDeTexto 19"/>
+          <p:cNvSpPr txBox="1"/>
+          <p:nvPr/>
+        </p:nvSpPr>
+        <p:spPr>
+          <a:xfrm>
+            <a:off x="1347147" y="6103491"/>
+            <a:ext cx="1528556" cy="584775"/>
+          </a:xfrm>
+          <a:prstGeom prst="rect">
+            <a:avLst/>
+          </a:prstGeom>
+          <a:noFill/>
+        </p:spPr>
+        <p:txBody>
+          <a:bodyPr wrap="square" rtlCol="0">
+            <a:spAutoFit/>
+          </a:bodyPr>
+          <a:lstStyle/>
+          <a:p>
+            <a:r>
+              <a:rPr lang="pt-BR" sz="2000" b="1" dirty="0" smtClean="0">
+                <a:solidFill>
+                  <a:srgbClr val="0000FF"/>
+                </a:solidFill>
+                <a:latin typeface="Consolas" panose="020B0609020204030204" pitchFamily="49" charset="0"/>
+              </a:rPr>
+              <a:t> </a:t>
+            </a:r>
+            <a:r>
+              <a:rPr lang="pt-BR" sz="3200" b="1" dirty="0" err="1" smtClean="0">
+                <a:solidFill>
+                  <a:srgbClr val="0000FF"/>
+                </a:solidFill>
+                <a:latin typeface="Consolas" panose="020B0609020204030204" pitchFamily="49" charset="0"/>
+              </a:rPr>
+              <a:t>t</a:t>
+            </a:r>
+            <a:r>
+              <a:rPr lang="pt-BR" sz="3200" b="1" dirty="0" err="1" smtClean="0">
+                <a:solidFill>
+                  <a:srgbClr val="0000FF"/>
+                </a:solidFill>
+                <a:latin typeface="Consolas" panose="020B0609020204030204" pitchFamily="49" charset="0"/>
+              </a:rPr>
+              <a:t>rue</a:t>
+            </a:r>
+            <a:endParaRPr lang="pt-BR" sz="3200" b="1" dirty="0">
+              <a:latin typeface="Consolas" panose="020B0609020204030204" pitchFamily="49" charset="0"/>
+            </a:endParaRPr>
+          </a:p>
+        </p:txBody>
+      </p:sp>
+      <p:sp>
+        <p:nvSpPr>
+          <p:cNvPr id="21" name="CaixaDeTexto 20"/>
+          <p:cNvSpPr txBox="1"/>
+          <p:nvPr/>
+        </p:nvSpPr>
+        <p:spPr>
+          <a:xfrm>
+            <a:off x="6270026" y="3982837"/>
+            <a:ext cx="3722999" cy="523220"/>
+          </a:xfrm>
+          <a:prstGeom prst="rect">
+            <a:avLst/>
+          </a:prstGeom>
+          <a:noFill/>
+        </p:spPr>
+        <p:txBody>
+          <a:bodyPr wrap="square" rtlCol="0">
+            <a:spAutoFit/>
+          </a:bodyPr>
+          <a:lstStyle/>
+          <a:p>
+            <a:r>
+              <a:rPr lang="pt-BR" sz="2800" b="1" dirty="0" smtClean="0">
+                <a:latin typeface="Consolas" panose="020B0609020204030204" pitchFamily="49" charset="0"/>
+              </a:rPr>
+              <a:t>! (operador “não”)</a:t>
+            </a:r>
+            <a:endParaRPr lang="pt-BR" sz="2800" b="1" dirty="0">
+              <a:latin typeface="Consolas" panose="020B0609020204030204" pitchFamily="49" charset="0"/>
+            </a:endParaRPr>
+          </a:p>
+        </p:txBody>
+      </p:sp>
+      <p:sp>
+        <p:nvSpPr>
+          <p:cNvPr id="22" name="CaixaDeTexto 21"/>
+          <p:cNvSpPr txBox="1"/>
+          <p:nvPr/>
+        </p:nvSpPr>
+        <p:spPr>
+          <a:xfrm>
+            <a:off x="6270028" y="4542865"/>
+            <a:ext cx="2205232" cy="400110"/>
+          </a:xfrm>
+          <a:prstGeom prst="rect">
+            <a:avLst/>
+          </a:prstGeom>
+          <a:noFill/>
+        </p:spPr>
+        <p:txBody>
+          <a:bodyPr wrap="square" rtlCol="0">
+            <a:spAutoFit/>
+          </a:bodyPr>
+          <a:lstStyle/>
+          <a:p>
+            <a:r>
+              <a:rPr lang="pt-BR" sz="2000" b="1" dirty="0" smtClean="0">
+                <a:solidFill>
+                  <a:srgbClr val="00FF00"/>
+                </a:solidFill>
+                <a:latin typeface="Consolas" panose="020B0609020204030204" pitchFamily="49" charset="0"/>
+              </a:rPr>
+              <a:t>!</a:t>
+            </a:r>
+            <a:r>
+              <a:rPr lang="pt-BR" sz="2000" b="1" dirty="0" err="1" smtClean="0">
+                <a:solidFill>
+                  <a:srgbClr val="0000FF"/>
+                </a:solidFill>
+                <a:latin typeface="Consolas" panose="020B0609020204030204" pitchFamily="49" charset="0"/>
+              </a:rPr>
+              <a:t>t</a:t>
+            </a:r>
+            <a:r>
+              <a:rPr lang="pt-BR" sz="2000" b="1" dirty="0" err="1" smtClean="0">
+                <a:solidFill>
+                  <a:srgbClr val="0000FF"/>
+                </a:solidFill>
+                <a:latin typeface="Consolas" panose="020B0609020204030204" pitchFamily="49" charset="0"/>
+              </a:rPr>
+              <a:t>rue</a:t>
+            </a:r>
+            <a:r>
+              <a:rPr lang="pt-BR" sz="2000" b="1" dirty="0" smtClean="0">
+                <a:solidFill>
+                  <a:srgbClr val="0000FF"/>
+                </a:solidFill>
+                <a:latin typeface="Consolas" panose="020B0609020204030204" pitchFamily="49" charset="0"/>
+              </a:rPr>
+              <a:t> </a:t>
+            </a:r>
+            <a:r>
+              <a:rPr lang="pt-BR" sz="2000" b="1" dirty="0" smtClean="0">
+                <a:solidFill>
+                  <a:srgbClr val="0000FF"/>
+                </a:solidFill>
+                <a:latin typeface="Consolas" panose="020B0609020204030204" pitchFamily="49" charset="0"/>
+              </a:rPr>
+              <a:t> </a:t>
+            </a:r>
+            <a:r>
+              <a:rPr lang="pt-BR" sz="2000" b="1" dirty="0" smtClean="0">
+                <a:latin typeface="Consolas" panose="020B0609020204030204" pitchFamily="49" charset="0"/>
+              </a:rPr>
+              <a:t>→</a:t>
+            </a:r>
+            <a:r>
+              <a:rPr lang="pt-BR" sz="2000" b="1" dirty="0" smtClean="0">
+                <a:solidFill>
+                  <a:srgbClr val="0000FF"/>
+                </a:solidFill>
+                <a:latin typeface="Consolas" panose="020B0609020204030204" pitchFamily="49" charset="0"/>
+              </a:rPr>
+              <a:t> </a:t>
+            </a:r>
+            <a:r>
+              <a:rPr lang="pt-BR" sz="2000" b="1" dirty="0" smtClean="0">
+                <a:latin typeface="Consolas" panose="020B0609020204030204" pitchFamily="49" charset="0"/>
+              </a:rPr>
+              <a:t>false</a:t>
+            </a:r>
+            <a:endParaRPr lang="pt-BR" sz="2000" b="1" dirty="0">
+              <a:latin typeface="Consolas" panose="020B0609020204030204" pitchFamily="49" charset="0"/>
+            </a:endParaRPr>
+          </a:p>
+        </p:txBody>
+      </p:sp>
+      <p:sp>
+        <p:nvSpPr>
+          <p:cNvPr id="23" name="CaixaDeTexto 22"/>
+          <p:cNvSpPr txBox="1"/>
+          <p:nvPr/>
+        </p:nvSpPr>
+        <p:spPr>
+          <a:xfrm>
+            <a:off x="6270026" y="4880228"/>
+            <a:ext cx="2205232" cy="400110"/>
+          </a:xfrm>
+          <a:prstGeom prst="rect">
+            <a:avLst/>
+          </a:prstGeom>
+          <a:noFill/>
+        </p:spPr>
+        <p:txBody>
+          <a:bodyPr wrap="square" rtlCol="0">
+            <a:spAutoFit/>
+          </a:bodyPr>
+          <a:lstStyle/>
+          <a:p>
+            <a:r>
+              <a:rPr lang="pt-BR" sz="2000" b="1" dirty="0" smtClean="0">
+                <a:solidFill>
+                  <a:srgbClr val="00FF00"/>
+                </a:solidFill>
+                <a:latin typeface="Consolas" panose="020B0609020204030204" pitchFamily="49" charset="0"/>
+              </a:rPr>
+              <a:t>!</a:t>
+            </a:r>
+            <a:r>
+              <a:rPr lang="pt-BR" sz="2000" b="1" dirty="0" smtClean="0">
+                <a:solidFill>
+                  <a:srgbClr val="0000FF"/>
+                </a:solidFill>
+                <a:latin typeface="Consolas" panose="020B0609020204030204" pitchFamily="49" charset="0"/>
+              </a:rPr>
+              <a:t>false </a:t>
+            </a:r>
+            <a:r>
+              <a:rPr lang="pt-BR" sz="2000" b="1" dirty="0" smtClean="0">
+                <a:latin typeface="Consolas" panose="020B0609020204030204" pitchFamily="49" charset="0"/>
+              </a:rPr>
+              <a:t>→</a:t>
+            </a:r>
+            <a:r>
+              <a:rPr lang="pt-BR" sz="2000" b="1" dirty="0" smtClean="0">
+                <a:solidFill>
+                  <a:srgbClr val="0000FF"/>
+                </a:solidFill>
+                <a:latin typeface="Consolas" panose="020B0609020204030204" pitchFamily="49" charset="0"/>
+              </a:rPr>
+              <a:t> </a:t>
+            </a:r>
+            <a:r>
+              <a:rPr lang="pt-BR" sz="2000" b="1" dirty="0" err="1" smtClean="0">
+                <a:latin typeface="Consolas" panose="020B0609020204030204" pitchFamily="49" charset="0"/>
+              </a:rPr>
+              <a:t>true</a:t>
+            </a:r>
+            <a:endParaRPr lang="pt-BR" sz="2000" b="1" dirty="0">
+              <a:latin typeface="Consolas" panose="020B0609020204030204" pitchFamily="49" charset="0"/>
+            </a:endParaRPr>
+          </a:p>
+        </p:txBody>
+      </p:sp>
+      <p:sp>
+        <p:nvSpPr>
+          <p:cNvPr id="24" name="CaixaDeTexto 23"/>
+          <p:cNvSpPr txBox="1"/>
+          <p:nvPr/>
+        </p:nvSpPr>
+        <p:spPr>
+          <a:xfrm>
+            <a:off x="6270026" y="5436141"/>
+            <a:ext cx="2427044" cy="400110"/>
+          </a:xfrm>
+          <a:prstGeom prst="rect">
+            <a:avLst/>
+          </a:prstGeom>
+          <a:noFill/>
+        </p:spPr>
+        <p:txBody>
+          <a:bodyPr wrap="square" rtlCol="0">
+            <a:spAutoFit/>
+          </a:bodyPr>
+          <a:lstStyle/>
+          <a:p>
+            <a:r>
+              <a:rPr lang="pt-BR" sz="2000" b="1" dirty="0" smtClean="0">
+                <a:solidFill>
+                  <a:srgbClr val="00FF00"/>
+                </a:solidFill>
+                <a:latin typeface="Consolas" panose="020B0609020204030204" pitchFamily="49" charset="0"/>
+              </a:rPr>
+              <a:t>!</a:t>
+            </a:r>
+            <a:r>
+              <a:rPr lang="pt-BR" sz="2000" b="1" dirty="0" smtClean="0">
+                <a:latin typeface="Consolas" panose="020B0609020204030204" pitchFamily="49" charset="0"/>
+              </a:rPr>
+              <a:t>(</a:t>
+            </a:r>
+            <a:r>
+              <a:rPr lang="pt-BR" sz="2000" b="1" dirty="0" smtClean="0">
+                <a:solidFill>
+                  <a:srgbClr val="0000FF"/>
+                </a:solidFill>
+                <a:latin typeface="Consolas" panose="020B0609020204030204" pitchFamily="49" charset="0"/>
+              </a:rPr>
+              <a:t>2 </a:t>
+            </a:r>
+            <a:r>
+              <a:rPr lang="pt-BR" sz="2000" b="1" dirty="0" smtClean="0">
+                <a:solidFill>
+                  <a:srgbClr val="00FF00"/>
+                </a:solidFill>
+                <a:latin typeface="Consolas" panose="020B0609020204030204" pitchFamily="49" charset="0"/>
+              </a:rPr>
+              <a:t>&lt;</a:t>
+            </a:r>
+            <a:r>
+              <a:rPr lang="pt-BR" sz="2000" b="1" dirty="0" smtClean="0">
+                <a:solidFill>
+                  <a:srgbClr val="0000FF"/>
+                </a:solidFill>
+                <a:latin typeface="Consolas" panose="020B0609020204030204" pitchFamily="49" charset="0"/>
+              </a:rPr>
+              <a:t> 3</a:t>
+            </a:r>
+            <a:r>
+              <a:rPr lang="pt-BR" sz="2000" b="1" dirty="0" smtClean="0">
+                <a:latin typeface="Consolas" panose="020B0609020204030204" pitchFamily="49" charset="0"/>
+              </a:rPr>
+              <a:t>) </a:t>
+            </a:r>
+            <a:endParaRPr lang="pt-BR" sz="2000" b="1" dirty="0">
+              <a:latin typeface="Consolas" panose="020B0609020204030204" pitchFamily="49" charset="0"/>
+            </a:endParaRPr>
+          </a:p>
+        </p:txBody>
+      </p:sp>
+      <p:sp>
+        <p:nvSpPr>
+          <p:cNvPr id="25" name="CaixaDeTexto 24"/>
+          <p:cNvSpPr txBox="1"/>
+          <p:nvPr/>
+        </p:nvSpPr>
+        <p:spPr>
+          <a:xfrm>
+            <a:off x="6505771" y="6202267"/>
+            <a:ext cx="2014342" cy="400110"/>
+          </a:xfrm>
+          <a:prstGeom prst="rect">
+            <a:avLst/>
+          </a:prstGeom>
+          <a:noFill/>
+        </p:spPr>
+        <p:txBody>
+          <a:bodyPr wrap="square" rtlCol="0">
+            <a:spAutoFit/>
+          </a:bodyPr>
+          <a:lstStyle/>
+          <a:p>
+            <a:r>
+              <a:rPr lang="pt-BR" sz="2000" b="1" dirty="0" smtClean="0">
+                <a:solidFill>
+                  <a:srgbClr val="00FF00"/>
+                </a:solidFill>
+                <a:latin typeface="Consolas" panose="020B0609020204030204" pitchFamily="49" charset="0"/>
+              </a:rPr>
+              <a:t>!</a:t>
+            </a:r>
+            <a:r>
+              <a:rPr lang="pt-BR" sz="2000" b="1" dirty="0" err="1" smtClean="0">
+                <a:solidFill>
+                  <a:srgbClr val="0000FF"/>
+                </a:solidFill>
+                <a:latin typeface="Consolas" panose="020B0609020204030204" pitchFamily="49" charset="0"/>
+              </a:rPr>
+              <a:t>true</a:t>
+            </a:r>
+            <a:r>
+              <a:rPr lang="pt-BR" sz="2000" b="1" dirty="0" smtClean="0">
+                <a:solidFill>
+                  <a:srgbClr val="0000FF"/>
+                </a:solidFill>
+                <a:latin typeface="Consolas" panose="020B0609020204030204" pitchFamily="49" charset="0"/>
+              </a:rPr>
+              <a:t> </a:t>
+            </a:r>
+            <a:r>
+              <a:rPr lang="pt-BR" sz="2000" b="1" dirty="0" smtClean="0">
+                <a:latin typeface="Consolas" panose="020B0609020204030204" pitchFamily="49" charset="0"/>
+              </a:rPr>
+              <a:t>→ false</a:t>
+            </a:r>
+            <a:endParaRPr lang="pt-BR" sz="2000" b="1" dirty="0">
+              <a:solidFill>
+                <a:srgbClr val="0000FF"/>
+              </a:solidFill>
+              <a:latin typeface="Consolas" panose="020B0609020204030204" pitchFamily="49" charset="0"/>
+            </a:endParaRPr>
+          </a:p>
+        </p:txBody>
+      </p:sp>
+      <p:sp>
+        <p:nvSpPr>
+          <p:cNvPr id="26" name="Seta para baixo 25"/>
+          <p:cNvSpPr/>
+          <p:nvPr/>
+        </p:nvSpPr>
+        <p:spPr>
+          <a:xfrm>
+            <a:off x="6897753" y="5859351"/>
+            <a:ext cx="217424" cy="381016"/>
+          </a:xfrm>
+          <a:prstGeom prst="downArrow">
+            <a:avLst/>
+          </a:prstGeom>
+          <a:noFill/>
+          <a:ln w="38100">
+            <a:solidFill>
+              <a:schemeClr val="tx1"/>
+            </a:solidFill>
+          </a:ln>
+        </p:spPr>
+        <p:style>
+          <a:lnRef idx="2">
+            <a:schemeClr val="accent1">
+              <a:shade val="50000"/>
+            </a:schemeClr>
+          </a:lnRef>
+          <a:fillRef idx="1">
+            <a:schemeClr val="accent1"/>
+          </a:fillRef>
+          <a:effectRef idx="0">
+            <a:schemeClr val="accent1"/>
+          </a:effectRef>
+          <a:fontRef idx="minor">
+            <a:schemeClr val="lt1"/>
+          </a:fontRef>
+        </p:style>
+        <p:txBody>
+          <a:bodyPr rtlCol="0" anchor="ctr"/>
+          <a:lstStyle/>
+          <a:p>
+            <a:pPr algn="ctr"/>
+            <a:endParaRPr lang="pt-BR"/>
+          </a:p>
+        </p:txBody>
+      </p:sp>
     </p:spTree>
     <p:extLst>
       <p:ext uri="{BB962C8B-B14F-4D97-AF65-F5344CB8AC3E}">
@@ -5613,9 +10241,1171 @@
   <p:timing>
     <p:tnLst>
       <p:par>
-        <p:cTn id="1" dur="indefinite" restart="never" nodeType="tmRoot"/>
+        <p:cTn id="1" dur="indefinite" restart="never" nodeType="tmRoot">
+          <p:childTnLst>
+            <p:seq concurrent="1" nextAc="seek">
+              <p:cTn id="2" dur="indefinite" nodeType="mainSeq">
+                <p:childTnLst>
+                  <p:par>
+                    <p:cTn id="3" fill="hold">
+                      <p:stCondLst>
+                        <p:cond delay="indefinite"/>
+                        <p:cond evt="onBegin" delay="0">
+                          <p:tn val="2"/>
+                        </p:cond>
+                      </p:stCondLst>
+                      <p:childTnLst>
+                        <p:par>
+                          <p:cTn id="4" fill="hold">
+                            <p:stCondLst>
+                              <p:cond delay="0"/>
+                            </p:stCondLst>
+                            <p:childTnLst>
+                              <p:par>
+                                <p:cTn id="5" presetID="10" presetClass="entr" presetSubtype="0" fill="hold" grpId="0" nodeType="withEffect">
+                                  <p:stCondLst>
+                                    <p:cond delay="0"/>
+                                  </p:stCondLst>
+                                  <p:childTnLst>
+                                    <p:set>
+                                      <p:cBhvr>
+                                        <p:cTn id="6" dur="1" fill="hold">
+                                          <p:stCondLst>
+                                            <p:cond delay="0"/>
+                                          </p:stCondLst>
+                                        </p:cTn>
+                                        <p:tgtEl>
+                                          <p:spTgt spid="5"/>
+                                        </p:tgtEl>
+                                        <p:attrNameLst>
+                                          <p:attrName>style.visibility</p:attrName>
+                                        </p:attrNameLst>
+                                      </p:cBhvr>
+                                      <p:to>
+                                        <p:strVal val="visible"/>
+                                      </p:to>
+                                    </p:set>
+                                    <p:animEffect transition="in" filter="fade">
+                                      <p:cBhvr>
+                                        <p:cTn id="7" dur="500"/>
+                                        <p:tgtEl>
+                                          <p:spTgt spid="5"/>
+                                        </p:tgtEl>
+                                      </p:cBhvr>
+                                    </p:animEffect>
+                                  </p:childTnLst>
+                                </p:cTn>
+                              </p:par>
+                              <p:par>
+                                <p:cTn id="8" presetID="10" presetClass="entr" presetSubtype="0" fill="hold" grpId="0" nodeType="withEffect">
+                                  <p:stCondLst>
+                                    <p:cond delay="0"/>
+                                  </p:stCondLst>
+                                  <p:childTnLst>
+                                    <p:set>
+                                      <p:cBhvr>
+                                        <p:cTn id="9" dur="1" fill="hold">
+                                          <p:stCondLst>
+                                            <p:cond delay="0"/>
+                                          </p:stCondLst>
+                                        </p:cTn>
+                                        <p:tgtEl>
+                                          <p:spTgt spid="6"/>
+                                        </p:tgtEl>
+                                        <p:attrNameLst>
+                                          <p:attrName>style.visibility</p:attrName>
+                                        </p:attrNameLst>
+                                      </p:cBhvr>
+                                      <p:to>
+                                        <p:strVal val="visible"/>
+                                      </p:to>
+                                    </p:set>
+                                    <p:animEffect transition="in" filter="fade">
+                                      <p:cBhvr>
+                                        <p:cTn id="10" dur="500"/>
+                                        <p:tgtEl>
+                                          <p:spTgt spid="6"/>
+                                        </p:tgtEl>
+                                      </p:cBhvr>
+                                    </p:animEffect>
+                                  </p:childTnLst>
+                                </p:cTn>
+                              </p:par>
+                            </p:childTnLst>
+                          </p:cTn>
+                        </p:par>
+                      </p:childTnLst>
+                    </p:cTn>
+                  </p:par>
+                  <p:par>
+                    <p:cTn id="11" fill="hold">
+                      <p:stCondLst>
+                        <p:cond delay="indefinite"/>
+                      </p:stCondLst>
+                      <p:childTnLst>
+                        <p:par>
+                          <p:cTn id="12" fill="hold">
+                            <p:stCondLst>
+                              <p:cond delay="0"/>
+                            </p:stCondLst>
+                            <p:childTnLst>
+                              <p:par>
+                                <p:cTn id="13" presetID="10" presetClass="entr" presetSubtype="0" fill="hold" grpId="0" nodeType="clickEffect">
+                                  <p:stCondLst>
+                                    <p:cond delay="0"/>
+                                  </p:stCondLst>
+                                  <p:childTnLst>
+                                    <p:set>
+                                      <p:cBhvr>
+                                        <p:cTn id="14" dur="1" fill="hold">
+                                          <p:stCondLst>
+                                            <p:cond delay="0"/>
+                                          </p:stCondLst>
+                                        </p:cTn>
+                                        <p:tgtEl>
+                                          <p:spTgt spid="7"/>
+                                        </p:tgtEl>
+                                        <p:attrNameLst>
+                                          <p:attrName>style.visibility</p:attrName>
+                                        </p:attrNameLst>
+                                      </p:cBhvr>
+                                      <p:to>
+                                        <p:strVal val="visible"/>
+                                      </p:to>
+                                    </p:set>
+                                    <p:animEffect transition="in" filter="fade">
+                                      <p:cBhvr>
+                                        <p:cTn id="15" dur="500"/>
+                                        <p:tgtEl>
+                                          <p:spTgt spid="7"/>
+                                        </p:tgtEl>
+                                      </p:cBhvr>
+                                    </p:animEffect>
+                                  </p:childTnLst>
+                                </p:cTn>
+                              </p:par>
+                            </p:childTnLst>
+                          </p:cTn>
+                        </p:par>
+                      </p:childTnLst>
+                    </p:cTn>
+                  </p:par>
+                  <p:par>
+                    <p:cTn id="16" fill="hold">
+                      <p:stCondLst>
+                        <p:cond delay="indefinite"/>
+                      </p:stCondLst>
+                      <p:childTnLst>
+                        <p:par>
+                          <p:cTn id="17" fill="hold">
+                            <p:stCondLst>
+                              <p:cond delay="0"/>
+                            </p:stCondLst>
+                            <p:childTnLst>
+                              <p:par>
+                                <p:cTn id="18" presetID="10" presetClass="entr" presetSubtype="0" fill="hold" grpId="0" nodeType="clickEffect">
+                                  <p:stCondLst>
+                                    <p:cond delay="0"/>
+                                  </p:stCondLst>
+                                  <p:childTnLst>
+                                    <p:set>
+                                      <p:cBhvr>
+                                        <p:cTn id="19" dur="1" fill="hold">
+                                          <p:stCondLst>
+                                            <p:cond delay="0"/>
+                                          </p:stCondLst>
+                                        </p:cTn>
+                                        <p:tgtEl>
+                                          <p:spTgt spid="9"/>
+                                        </p:tgtEl>
+                                        <p:attrNameLst>
+                                          <p:attrName>style.visibility</p:attrName>
+                                        </p:attrNameLst>
+                                      </p:cBhvr>
+                                      <p:to>
+                                        <p:strVal val="visible"/>
+                                      </p:to>
+                                    </p:set>
+                                    <p:animEffect transition="in" filter="fade">
+                                      <p:cBhvr>
+                                        <p:cTn id="20" dur="500"/>
+                                        <p:tgtEl>
+                                          <p:spTgt spid="9"/>
+                                        </p:tgtEl>
+                                      </p:cBhvr>
+                                    </p:animEffect>
+                                  </p:childTnLst>
+                                </p:cTn>
+                              </p:par>
+                            </p:childTnLst>
+                          </p:cTn>
+                        </p:par>
+                      </p:childTnLst>
+                    </p:cTn>
+                  </p:par>
+                  <p:par>
+                    <p:cTn id="21" fill="hold">
+                      <p:stCondLst>
+                        <p:cond delay="indefinite"/>
+                      </p:stCondLst>
+                      <p:childTnLst>
+                        <p:par>
+                          <p:cTn id="22" fill="hold">
+                            <p:stCondLst>
+                              <p:cond delay="0"/>
+                            </p:stCondLst>
+                            <p:childTnLst>
+                              <p:par>
+                                <p:cTn id="23" presetID="10" presetClass="entr" presetSubtype="0" fill="hold" grpId="0" nodeType="clickEffect">
+                                  <p:stCondLst>
+                                    <p:cond delay="0"/>
+                                  </p:stCondLst>
+                                  <p:childTnLst>
+                                    <p:set>
+                                      <p:cBhvr>
+                                        <p:cTn id="24" dur="1" fill="hold">
+                                          <p:stCondLst>
+                                            <p:cond delay="0"/>
+                                          </p:stCondLst>
+                                        </p:cTn>
+                                        <p:tgtEl>
+                                          <p:spTgt spid="10"/>
+                                        </p:tgtEl>
+                                        <p:attrNameLst>
+                                          <p:attrName>style.visibility</p:attrName>
+                                        </p:attrNameLst>
+                                      </p:cBhvr>
+                                      <p:to>
+                                        <p:strVal val="visible"/>
+                                      </p:to>
+                                    </p:set>
+                                    <p:animEffect transition="in" filter="fade">
+                                      <p:cBhvr>
+                                        <p:cTn id="25" dur="500"/>
+                                        <p:tgtEl>
+                                          <p:spTgt spid="10"/>
+                                        </p:tgtEl>
+                                      </p:cBhvr>
+                                    </p:animEffect>
+                                  </p:childTnLst>
+                                </p:cTn>
+                              </p:par>
+                            </p:childTnLst>
+                          </p:cTn>
+                        </p:par>
+                      </p:childTnLst>
+                    </p:cTn>
+                  </p:par>
+                  <p:par>
+                    <p:cTn id="26" fill="hold">
+                      <p:stCondLst>
+                        <p:cond delay="indefinite"/>
+                      </p:stCondLst>
+                      <p:childTnLst>
+                        <p:par>
+                          <p:cTn id="27" fill="hold">
+                            <p:stCondLst>
+                              <p:cond delay="0"/>
+                            </p:stCondLst>
+                            <p:childTnLst>
+                              <p:par>
+                                <p:cTn id="28" presetID="10" presetClass="entr" presetSubtype="0" fill="hold" grpId="0" nodeType="clickEffect">
+                                  <p:stCondLst>
+                                    <p:cond delay="0"/>
+                                  </p:stCondLst>
+                                  <p:childTnLst>
+                                    <p:set>
+                                      <p:cBhvr>
+                                        <p:cTn id="29" dur="1" fill="hold">
+                                          <p:stCondLst>
+                                            <p:cond delay="0"/>
+                                          </p:stCondLst>
+                                        </p:cTn>
+                                        <p:tgtEl>
+                                          <p:spTgt spid="11"/>
+                                        </p:tgtEl>
+                                        <p:attrNameLst>
+                                          <p:attrName>style.visibility</p:attrName>
+                                        </p:attrNameLst>
+                                      </p:cBhvr>
+                                      <p:to>
+                                        <p:strVal val="visible"/>
+                                      </p:to>
+                                    </p:set>
+                                    <p:animEffect transition="in" filter="fade">
+                                      <p:cBhvr>
+                                        <p:cTn id="30" dur="500"/>
+                                        <p:tgtEl>
+                                          <p:spTgt spid="11"/>
+                                        </p:tgtEl>
+                                      </p:cBhvr>
+                                    </p:animEffect>
+                                  </p:childTnLst>
+                                </p:cTn>
+                              </p:par>
+                            </p:childTnLst>
+                          </p:cTn>
+                        </p:par>
+                      </p:childTnLst>
+                    </p:cTn>
+                  </p:par>
+                  <p:par>
+                    <p:cTn id="31" fill="hold">
+                      <p:stCondLst>
+                        <p:cond delay="indefinite"/>
+                      </p:stCondLst>
+                      <p:childTnLst>
+                        <p:par>
+                          <p:cTn id="32" fill="hold">
+                            <p:stCondLst>
+                              <p:cond delay="0"/>
+                            </p:stCondLst>
+                            <p:childTnLst>
+                              <p:par>
+                                <p:cTn id="33" presetID="10" presetClass="entr" presetSubtype="0" fill="hold" grpId="0" nodeType="clickEffect">
+                                  <p:stCondLst>
+                                    <p:cond delay="0"/>
+                                  </p:stCondLst>
+                                  <p:childTnLst>
+                                    <p:set>
+                                      <p:cBhvr>
+                                        <p:cTn id="34" dur="1" fill="hold">
+                                          <p:stCondLst>
+                                            <p:cond delay="0"/>
+                                          </p:stCondLst>
+                                        </p:cTn>
+                                        <p:tgtEl>
+                                          <p:spTgt spid="12"/>
+                                        </p:tgtEl>
+                                        <p:attrNameLst>
+                                          <p:attrName>style.visibility</p:attrName>
+                                        </p:attrNameLst>
+                                      </p:cBhvr>
+                                      <p:to>
+                                        <p:strVal val="visible"/>
+                                      </p:to>
+                                    </p:set>
+                                    <p:animEffect transition="in" filter="fade">
+                                      <p:cBhvr>
+                                        <p:cTn id="35" dur="500"/>
+                                        <p:tgtEl>
+                                          <p:spTgt spid="12"/>
+                                        </p:tgtEl>
+                                      </p:cBhvr>
+                                    </p:animEffect>
+                                  </p:childTnLst>
+                                </p:cTn>
+                              </p:par>
+                            </p:childTnLst>
+                          </p:cTn>
+                        </p:par>
+                      </p:childTnLst>
+                    </p:cTn>
+                  </p:par>
+                  <p:par>
+                    <p:cTn id="36" fill="hold">
+                      <p:stCondLst>
+                        <p:cond delay="indefinite"/>
+                      </p:stCondLst>
+                      <p:childTnLst>
+                        <p:par>
+                          <p:cTn id="37" fill="hold">
+                            <p:stCondLst>
+                              <p:cond delay="0"/>
+                            </p:stCondLst>
+                            <p:childTnLst>
+                              <p:par>
+                                <p:cTn id="38" presetID="10" presetClass="entr" presetSubtype="0" fill="hold" grpId="0" nodeType="clickEffect">
+                                  <p:stCondLst>
+                                    <p:cond delay="0"/>
+                                  </p:stCondLst>
+                                  <p:childTnLst>
+                                    <p:set>
+                                      <p:cBhvr>
+                                        <p:cTn id="39" dur="1" fill="hold">
+                                          <p:stCondLst>
+                                            <p:cond delay="0"/>
+                                          </p:stCondLst>
+                                        </p:cTn>
+                                        <p:tgtEl>
+                                          <p:spTgt spid="13"/>
+                                        </p:tgtEl>
+                                        <p:attrNameLst>
+                                          <p:attrName>style.visibility</p:attrName>
+                                        </p:attrNameLst>
+                                      </p:cBhvr>
+                                      <p:to>
+                                        <p:strVal val="visible"/>
+                                      </p:to>
+                                    </p:set>
+                                    <p:animEffect transition="in" filter="fade">
+                                      <p:cBhvr>
+                                        <p:cTn id="40" dur="500"/>
+                                        <p:tgtEl>
+                                          <p:spTgt spid="13"/>
+                                        </p:tgtEl>
+                                      </p:cBhvr>
+                                    </p:animEffect>
+                                  </p:childTnLst>
+                                </p:cTn>
+                              </p:par>
+                            </p:childTnLst>
+                          </p:cTn>
+                        </p:par>
+                      </p:childTnLst>
+                    </p:cTn>
+                  </p:par>
+                  <p:par>
+                    <p:cTn id="41" fill="hold">
+                      <p:stCondLst>
+                        <p:cond delay="indefinite"/>
+                      </p:stCondLst>
+                      <p:childTnLst>
+                        <p:par>
+                          <p:cTn id="42" fill="hold">
+                            <p:stCondLst>
+                              <p:cond delay="0"/>
+                            </p:stCondLst>
+                            <p:childTnLst>
+                              <p:par>
+                                <p:cTn id="43" presetID="10" presetClass="entr" presetSubtype="0" fill="hold" grpId="0" nodeType="clickEffect">
+                                  <p:stCondLst>
+                                    <p:cond delay="0"/>
+                                  </p:stCondLst>
+                                  <p:childTnLst>
+                                    <p:set>
+                                      <p:cBhvr>
+                                        <p:cTn id="44" dur="1" fill="hold">
+                                          <p:stCondLst>
+                                            <p:cond delay="0"/>
+                                          </p:stCondLst>
+                                        </p:cTn>
+                                        <p:tgtEl>
+                                          <p:spTgt spid="14"/>
+                                        </p:tgtEl>
+                                        <p:attrNameLst>
+                                          <p:attrName>style.visibility</p:attrName>
+                                        </p:attrNameLst>
+                                      </p:cBhvr>
+                                      <p:to>
+                                        <p:strVal val="visible"/>
+                                      </p:to>
+                                    </p:set>
+                                    <p:animEffect transition="in" filter="fade">
+                                      <p:cBhvr>
+                                        <p:cTn id="45" dur="500"/>
+                                        <p:tgtEl>
+                                          <p:spTgt spid="14"/>
+                                        </p:tgtEl>
+                                      </p:cBhvr>
+                                    </p:animEffect>
+                                  </p:childTnLst>
+                                </p:cTn>
+                              </p:par>
+                            </p:childTnLst>
+                          </p:cTn>
+                        </p:par>
+                      </p:childTnLst>
+                    </p:cTn>
+                  </p:par>
+                  <p:par>
+                    <p:cTn id="46" fill="hold">
+                      <p:stCondLst>
+                        <p:cond delay="indefinite"/>
+                      </p:stCondLst>
+                      <p:childTnLst>
+                        <p:par>
+                          <p:cTn id="47" fill="hold">
+                            <p:stCondLst>
+                              <p:cond delay="0"/>
+                            </p:stCondLst>
+                            <p:childTnLst>
+                              <p:par>
+                                <p:cTn id="48" presetID="10" presetClass="entr" presetSubtype="0" fill="hold" grpId="0" nodeType="clickEffect">
+                                  <p:stCondLst>
+                                    <p:cond delay="0"/>
+                                  </p:stCondLst>
+                                  <p:childTnLst>
+                                    <p:set>
+                                      <p:cBhvr>
+                                        <p:cTn id="49" dur="1" fill="hold">
+                                          <p:stCondLst>
+                                            <p:cond delay="0"/>
+                                          </p:stCondLst>
+                                        </p:cTn>
+                                        <p:tgtEl>
+                                          <p:spTgt spid="15"/>
+                                        </p:tgtEl>
+                                        <p:attrNameLst>
+                                          <p:attrName>style.visibility</p:attrName>
+                                        </p:attrNameLst>
+                                      </p:cBhvr>
+                                      <p:to>
+                                        <p:strVal val="visible"/>
+                                      </p:to>
+                                    </p:set>
+                                    <p:animEffect transition="in" filter="fade">
+                                      <p:cBhvr>
+                                        <p:cTn id="50" dur="500"/>
+                                        <p:tgtEl>
+                                          <p:spTgt spid="15"/>
+                                        </p:tgtEl>
+                                      </p:cBhvr>
+                                    </p:animEffect>
+                                  </p:childTnLst>
+                                </p:cTn>
+                              </p:par>
+                            </p:childTnLst>
+                          </p:cTn>
+                        </p:par>
+                      </p:childTnLst>
+                    </p:cTn>
+                  </p:par>
+                  <p:par>
+                    <p:cTn id="51" fill="hold">
+                      <p:stCondLst>
+                        <p:cond delay="indefinite"/>
+                      </p:stCondLst>
+                      <p:childTnLst>
+                        <p:par>
+                          <p:cTn id="52" fill="hold">
+                            <p:stCondLst>
+                              <p:cond delay="0"/>
+                            </p:stCondLst>
+                            <p:childTnLst>
+                              <p:par>
+                                <p:cTn id="53" presetID="10" presetClass="entr" presetSubtype="0" fill="hold" grpId="0" nodeType="clickEffect">
+                                  <p:stCondLst>
+                                    <p:cond delay="0"/>
+                                  </p:stCondLst>
+                                  <p:childTnLst>
+                                    <p:set>
+                                      <p:cBhvr>
+                                        <p:cTn id="54" dur="1" fill="hold">
+                                          <p:stCondLst>
+                                            <p:cond delay="0"/>
+                                          </p:stCondLst>
+                                        </p:cTn>
+                                        <p:tgtEl>
+                                          <p:spTgt spid="16"/>
+                                        </p:tgtEl>
+                                        <p:attrNameLst>
+                                          <p:attrName>style.visibility</p:attrName>
+                                        </p:attrNameLst>
+                                      </p:cBhvr>
+                                      <p:to>
+                                        <p:strVal val="visible"/>
+                                      </p:to>
+                                    </p:set>
+                                    <p:animEffect transition="in" filter="fade">
+                                      <p:cBhvr>
+                                        <p:cTn id="55" dur="500"/>
+                                        <p:tgtEl>
+                                          <p:spTgt spid="16"/>
+                                        </p:tgtEl>
+                                      </p:cBhvr>
+                                    </p:animEffect>
+                                  </p:childTnLst>
+                                </p:cTn>
+                              </p:par>
+                            </p:childTnLst>
+                          </p:cTn>
+                        </p:par>
+                      </p:childTnLst>
+                    </p:cTn>
+                  </p:par>
+                  <p:par>
+                    <p:cTn id="56" fill="hold">
+                      <p:stCondLst>
+                        <p:cond delay="indefinite"/>
+                      </p:stCondLst>
+                      <p:childTnLst>
+                        <p:par>
+                          <p:cTn id="57" fill="hold">
+                            <p:stCondLst>
+                              <p:cond delay="0"/>
+                            </p:stCondLst>
+                            <p:childTnLst>
+                              <p:par>
+                                <p:cTn id="58" presetID="10" presetClass="entr" presetSubtype="0" fill="hold" grpId="0" nodeType="clickEffect">
+                                  <p:stCondLst>
+                                    <p:cond delay="0"/>
+                                  </p:stCondLst>
+                                  <p:childTnLst>
+                                    <p:set>
+                                      <p:cBhvr>
+                                        <p:cTn id="59" dur="1" fill="hold">
+                                          <p:stCondLst>
+                                            <p:cond delay="0"/>
+                                          </p:stCondLst>
+                                        </p:cTn>
+                                        <p:tgtEl>
+                                          <p:spTgt spid="3"/>
+                                        </p:tgtEl>
+                                        <p:attrNameLst>
+                                          <p:attrName>style.visibility</p:attrName>
+                                        </p:attrNameLst>
+                                      </p:cBhvr>
+                                      <p:to>
+                                        <p:strVal val="visible"/>
+                                      </p:to>
+                                    </p:set>
+                                    <p:animEffect transition="in" filter="fade">
+                                      <p:cBhvr>
+                                        <p:cTn id="60" dur="500"/>
+                                        <p:tgtEl>
+                                          <p:spTgt spid="3"/>
+                                        </p:tgtEl>
+                                      </p:cBhvr>
+                                    </p:animEffect>
+                                  </p:childTnLst>
+                                </p:cTn>
+                              </p:par>
+                              <p:par>
+                                <p:cTn id="61" presetID="10" presetClass="entr" presetSubtype="0" fill="hold" grpId="0" nodeType="withEffect">
+                                  <p:stCondLst>
+                                    <p:cond delay="0"/>
+                                  </p:stCondLst>
+                                  <p:childTnLst>
+                                    <p:set>
+                                      <p:cBhvr>
+                                        <p:cTn id="62" dur="1" fill="hold">
+                                          <p:stCondLst>
+                                            <p:cond delay="0"/>
+                                          </p:stCondLst>
+                                        </p:cTn>
+                                        <p:tgtEl>
+                                          <p:spTgt spid="19"/>
+                                        </p:tgtEl>
+                                        <p:attrNameLst>
+                                          <p:attrName>style.visibility</p:attrName>
+                                        </p:attrNameLst>
+                                      </p:cBhvr>
+                                      <p:to>
+                                        <p:strVal val="visible"/>
+                                      </p:to>
+                                    </p:set>
+                                    <p:animEffect transition="in" filter="fade">
+                                      <p:cBhvr>
+                                        <p:cTn id="63" dur="500"/>
+                                        <p:tgtEl>
+                                          <p:spTgt spid="19"/>
+                                        </p:tgtEl>
+                                      </p:cBhvr>
+                                    </p:animEffect>
+                                  </p:childTnLst>
+                                </p:cTn>
+                              </p:par>
+                            </p:childTnLst>
+                          </p:cTn>
+                        </p:par>
+                      </p:childTnLst>
+                    </p:cTn>
+                  </p:par>
+                  <p:par>
+                    <p:cTn id="64" fill="hold">
+                      <p:stCondLst>
+                        <p:cond delay="indefinite"/>
+                      </p:stCondLst>
+                      <p:childTnLst>
+                        <p:par>
+                          <p:cTn id="65" fill="hold">
+                            <p:stCondLst>
+                              <p:cond delay="0"/>
+                            </p:stCondLst>
+                            <p:childTnLst>
+                              <p:par>
+                                <p:cTn id="66" presetID="10" presetClass="entr" presetSubtype="0" fill="hold" grpId="0" nodeType="clickEffect">
+                                  <p:stCondLst>
+                                    <p:cond delay="0"/>
+                                  </p:stCondLst>
+                                  <p:childTnLst>
+                                    <p:set>
+                                      <p:cBhvr>
+                                        <p:cTn id="67" dur="1" fill="hold">
+                                          <p:stCondLst>
+                                            <p:cond delay="0"/>
+                                          </p:stCondLst>
+                                        </p:cTn>
+                                        <p:tgtEl>
+                                          <p:spTgt spid="18"/>
+                                        </p:tgtEl>
+                                        <p:attrNameLst>
+                                          <p:attrName>style.visibility</p:attrName>
+                                        </p:attrNameLst>
+                                      </p:cBhvr>
+                                      <p:to>
+                                        <p:strVal val="visible"/>
+                                      </p:to>
+                                    </p:set>
+                                    <p:animEffect transition="in" filter="fade">
+                                      <p:cBhvr>
+                                        <p:cTn id="68" dur="500"/>
+                                        <p:tgtEl>
+                                          <p:spTgt spid="18"/>
+                                        </p:tgtEl>
+                                      </p:cBhvr>
+                                    </p:animEffect>
+                                  </p:childTnLst>
+                                </p:cTn>
+                              </p:par>
+                            </p:childTnLst>
+                          </p:cTn>
+                        </p:par>
+                      </p:childTnLst>
+                    </p:cTn>
+                  </p:par>
+                  <p:par>
+                    <p:cTn id="69" fill="hold">
+                      <p:stCondLst>
+                        <p:cond delay="indefinite"/>
+                      </p:stCondLst>
+                      <p:childTnLst>
+                        <p:par>
+                          <p:cTn id="70" fill="hold">
+                            <p:stCondLst>
+                              <p:cond delay="0"/>
+                            </p:stCondLst>
+                            <p:childTnLst>
+                              <p:par>
+                                <p:cTn id="71" presetID="10" presetClass="entr" presetSubtype="0" fill="hold" grpId="0" nodeType="clickEffect">
+                                  <p:stCondLst>
+                                    <p:cond delay="0"/>
+                                  </p:stCondLst>
+                                  <p:childTnLst>
+                                    <p:set>
+                                      <p:cBhvr>
+                                        <p:cTn id="72" dur="1" fill="hold">
+                                          <p:stCondLst>
+                                            <p:cond delay="0"/>
+                                          </p:stCondLst>
+                                        </p:cTn>
+                                        <p:tgtEl>
+                                          <p:spTgt spid="17"/>
+                                        </p:tgtEl>
+                                        <p:attrNameLst>
+                                          <p:attrName>style.visibility</p:attrName>
+                                        </p:attrNameLst>
+                                      </p:cBhvr>
+                                      <p:to>
+                                        <p:strVal val="visible"/>
+                                      </p:to>
+                                    </p:set>
+                                    <p:animEffect transition="in" filter="fade">
+                                      <p:cBhvr>
+                                        <p:cTn id="73" dur="500"/>
+                                        <p:tgtEl>
+                                          <p:spTgt spid="17"/>
+                                        </p:tgtEl>
+                                      </p:cBhvr>
+                                    </p:animEffect>
+                                  </p:childTnLst>
+                                </p:cTn>
+                              </p:par>
+                            </p:childTnLst>
+                          </p:cTn>
+                        </p:par>
+                      </p:childTnLst>
+                    </p:cTn>
+                  </p:par>
+                  <p:par>
+                    <p:cTn id="74" fill="hold">
+                      <p:stCondLst>
+                        <p:cond delay="indefinite"/>
+                      </p:stCondLst>
+                      <p:childTnLst>
+                        <p:par>
+                          <p:cTn id="75" fill="hold">
+                            <p:stCondLst>
+                              <p:cond delay="0"/>
+                            </p:stCondLst>
+                            <p:childTnLst>
+                              <p:par>
+                                <p:cTn id="76" presetID="10" presetClass="entr" presetSubtype="0" fill="hold" grpId="0" nodeType="clickEffect">
+                                  <p:stCondLst>
+                                    <p:cond delay="0"/>
+                                  </p:stCondLst>
+                                  <p:childTnLst>
+                                    <p:set>
+                                      <p:cBhvr>
+                                        <p:cTn id="77" dur="1" fill="hold">
+                                          <p:stCondLst>
+                                            <p:cond delay="0"/>
+                                          </p:stCondLst>
+                                        </p:cTn>
+                                        <p:tgtEl>
+                                          <p:spTgt spid="20"/>
+                                        </p:tgtEl>
+                                        <p:attrNameLst>
+                                          <p:attrName>style.visibility</p:attrName>
+                                        </p:attrNameLst>
+                                      </p:cBhvr>
+                                      <p:to>
+                                        <p:strVal val="visible"/>
+                                      </p:to>
+                                    </p:set>
+                                    <p:animEffect transition="in" filter="fade">
+                                      <p:cBhvr>
+                                        <p:cTn id="78" dur="500"/>
+                                        <p:tgtEl>
+                                          <p:spTgt spid="20"/>
+                                        </p:tgtEl>
+                                      </p:cBhvr>
+                                    </p:animEffect>
+                                  </p:childTnLst>
+                                </p:cTn>
+                              </p:par>
+                            </p:childTnLst>
+                          </p:cTn>
+                        </p:par>
+                      </p:childTnLst>
+                    </p:cTn>
+                  </p:par>
+                  <p:par>
+                    <p:cTn id="79" fill="hold">
+                      <p:stCondLst>
+                        <p:cond delay="indefinite"/>
+                      </p:stCondLst>
+                      <p:childTnLst>
+                        <p:par>
+                          <p:cTn id="80" fill="hold">
+                            <p:stCondLst>
+                              <p:cond delay="0"/>
+                            </p:stCondLst>
+                            <p:childTnLst>
+                              <p:par>
+                                <p:cTn id="81" presetID="10" presetClass="entr" presetSubtype="0" fill="hold" grpId="0" nodeType="clickEffect">
+                                  <p:stCondLst>
+                                    <p:cond delay="0"/>
+                                  </p:stCondLst>
+                                  <p:childTnLst>
+                                    <p:set>
+                                      <p:cBhvr>
+                                        <p:cTn id="82" dur="1" fill="hold">
+                                          <p:stCondLst>
+                                            <p:cond delay="0"/>
+                                          </p:stCondLst>
+                                        </p:cTn>
+                                        <p:tgtEl>
+                                          <p:spTgt spid="21"/>
+                                        </p:tgtEl>
+                                        <p:attrNameLst>
+                                          <p:attrName>style.visibility</p:attrName>
+                                        </p:attrNameLst>
+                                      </p:cBhvr>
+                                      <p:to>
+                                        <p:strVal val="visible"/>
+                                      </p:to>
+                                    </p:set>
+                                    <p:animEffect transition="in" filter="fade">
+                                      <p:cBhvr>
+                                        <p:cTn id="83" dur="500"/>
+                                        <p:tgtEl>
+                                          <p:spTgt spid="21"/>
+                                        </p:tgtEl>
+                                      </p:cBhvr>
+                                    </p:animEffect>
+                                  </p:childTnLst>
+                                </p:cTn>
+                              </p:par>
+                            </p:childTnLst>
+                          </p:cTn>
+                        </p:par>
+                      </p:childTnLst>
+                    </p:cTn>
+                  </p:par>
+                  <p:par>
+                    <p:cTn id="84" fill="hold">
+                      <p:stCondLst>
+                        <p:cond delay="indefinite"/>
+                      </p:stCondLst>
+                      <p:childTnLst>
+                        <p:par>
+                          <p:cTn id="85" fill="hold">
+                            <p:stCondLst>
+                              <p:cond delay="0"/>
+                            </p:stCondLst>
+                            <p:childTnLst>
+                              <p:par>
+                                <p:cTn id="86" presetID="10" presetClass="entr" presetSubtype="0" fill="hold" grpId="0" nodeType="clickEffect">
+                                  <p:stCondLst>
+                                    <p:cond delay="0"/>
+                                  </p:stCondLst>
+                                  <p:childTnLst>
+                                    <p:set>
+                                      <p:cBhvr>
+                                        <p:cTn id="87" dur="1" fill="hold">
+                                          <p:stCondLst>
+                                            <p:cond delay="0"/>
+                                          </p:stCondLst>
+                                        </p:cTn>
+                                        <p:tgtEl>
+                                          <p:spTgt spid="22"/>
+                                        </p:tgtEl>
+                                        <p:attrNameLst>
+                                          <p:attrName>style.visibility</p:attrName>
+                                        </p:attrNameLst>
+                                      </p:cBhvr>
+                                      <p:to>
+                                        <p:strVal val="visible"/>
+                                      </p:to>
+                                    </p:set>
+                                    <p:animEffect transition="in" filter="fade">
+                                      <p:cBhvr>
+                                        <p:cTn id="88" dur="500"/>
+                                        <p:tgtEl>
+                                          <p:spTgt spid="22"/>
+                                        </p:tgtEl>
+                                      </p:cBhvr>
+                                    </p:animEffect>
+                                  </p:childTnLst>
+                                </p:cTn>
+                              </p:par>
+                            </p:childTnLst>
+                          </p:cTn>
+                        </p:par>
+                      </p:childTnLst>
+                    </p:cTn>
+                  </p:par>
+                  <p:par>
+                    <p:cTn id="89" fill="hold">
+                      <p:stCondLst>
+                        <p:cond delay="indefinite"/>
+                      </p:stCondLst>
+                      <p:childTnLst>
+                        <p:par>
+                          <p:cTn id="90" fill="hold">
+                            <p:stCondLst>
+                              <p:cond delay="0"/>
+                            </p:stCondLst>
+                            <p:childTnLst>
+                              <p:par>
+                                <p:cTn id="91" presetID="10" presetClass="entr" presetSubtype="0" fill="hold" grpId="0" nodeType="clickEffect">
+                                  <p:stCondLst>
+                                    <p:cond delay="0"/>
+                                  </p:stCondLst>
+                                  <p:childTnLst>
+                                    <p:set>
+                                      <p:cBhvr>
+                                        <p:cTn id="92" dur="1" fill="hold">
+                                          <p:stCondLst>
+                                            <p:cond delay="0"/>
+                                          </p:stCondLst>
+                                        </p:cTn>
+                                        <p:tgtEl>
+                                          <p:spTgt spid="23"/>
+                                        </p:tgtEl>
+                                        <p:attrNameLst>
+                                          <p:attrName>style.visibility</p:attrName>
+                                        </p:attrNameLst>
+                                      </p:cBhvr>
+                                      <p:to>
+                                        <p:strVal val="visible"/>
+                                      </p:to>
+                                    </p:set>
+                                    <p:animEffect transition="in" filter="fade">
+                                      <p:cBhvr>
+                                        <p:cTn id="93" dur="500"/>
+                                        <p:tgtEl>
+                                          <p:spTgt spid="23"/>
+                                        </p:tgtEl>
+                                      </p:cBhvr>
+                                    </p:animEffect>
+                                  </p:childTnLst>
+                                </p:cTn>
+                              </p:par>
+                            </p:childTnLst>
+                          </p:cTn>
+                        </p:par>
+                      </p:childTnLst>
+                    </p:cTn>
+                  </p:par>
+                  <p:par>
+                    <p:cTn id="94" fill="hold">
+                      <p:stCondLst>
+                        <p:cond delay="indefinite"/>
+                      </p:stCondLst>
+                      <p:childTnLst>
+                        <p:par>
+                          <p:cTn id="95" fill="hold">
+                            <p:stCondLst>
+                              <p:cond delay="0"/>
+                            </p:stCondLst>
+                            <p:childTnLst>
+                              <p:par>
+                                <p:cTn id="96" presetID="10" presetClass="entr" presetSubtype="0" fill="hold" grpId="0" nodeType="clickEffect">
+                                  <p:stCondLst>
+                                    <p:cond delay="0"/>
+                                  </p:stCondLst>
+                                  <p:childTnLst>
+                                    <p:set>
+                                      <p:cBhvr>
+                                        <p:cTn id="97" dur="1" fill="hold">
+                                          <p:stCondLst>
+                                            <p:cond delay="0"/>
+                                          </p:stCondLst>
+                                        </p:cTn>
+                                        <p:tgtEl>
+                                          <p:spTgt spid="24"/>
+                                        </p:tgtEl>
+                                        <p:attrNameLst>
+                                          <p:attrName>style.visibility</p:attrName>
+                                        </p:attrNameLst>
+                                      </p:cBhvr>
+                                      <p:to>
+                                        <p:strVal val="visible"/>
+                                      </p:to>
+                                    </p:set>
+                                    <p:animEffect transition="in" filter="fade">
+                                      <p:cBhvr>
+                                        <p:cTn id="98" dur="500"/>
+                                        <p:tgtEl>
+                                          <p:spTgt spid="24"/>
+                                        </p:tgtEl>
+                                      </p:cBhvr>
+                                    </p:animEffect>
+                                  </p:childTnLst>
+                                </p:cTn>
+                              </p:par>
+                            </p:childTnLst>
+                          </p:cTn>
+                        </p:par>
+                      </p:childTnLst>
+                    </p:cTn>
+                  </p:par>
+                  <p:par>
+                    <p:cTn id="99" fill="hold">
+                      <p:stCondLst>
+                        <p:cond delay="indefinite"/>
+                      </p:stCondLst>
+                      <p:childTnLst>
+                        <p:par>
+                          <p:cTn id="100" fill="hold">
+                            <p:stCondLst>
+                              <p:cond delay="0"/>
+                            </p:stCondLst>
+                            <p:childTnLst>
+                              <p:par>
+                                <p:cTn id="101" presetID="10" presetClass="entr" presetSubtype="0" fill="hold" grpId="0" nodeType="clickEffect">
+                                  <p:stCondLst>
+                                    <p:cond delay="0"/>
+                                  </p:stCondLst>
+                                  <p:childTnLst>
+                                    <p:set>
+                                      <p:cBhvr>
+                                        <p:cTn id="102" dur="1" fill="hold">
+                                          <p:stCondLst>
+                                            <p:cond delay="0"/>
+                                          </p:stCondLst>
+                                        </p:cTn>
+                                        <p:tgtEl>
+                                          <p:spTgt spid="25"/>
+                                        </p:tgtEl>
+                                        <p:attrNameLst>
+                                          <p:attrName>style.visibility</p:attrName>
+                                        </p:attrNameLst>
+                                      </p:cBhvr>
+                                      <p:to>
+                                        <p:strVal val="visible"/>
+                                      </p:to>
+                                    </p:set>
+                                    <p:animEffect transition="in" filter="fade">
+                                      <p:cBhvr>
+                                        <p:cTn id="103" dur="500"/>
+                                        <p:tgtEl>
+                                          <p:spTgt spid="25"/>
+                                        </p:tgtEl>
+                                      </p:cBhvr>
+                                    </p:animEffect>
+                                  </p:childTnLst>
+                                </p:cTn>
+                              </p:par>
+                              <p:par>
+                                <p:cTn id="104" presetID="10" presetClass="entr" presetSubtype="0" fill="hold" grpId="0" nodeType="withEffect">
+                                  <p:stCondLst>
+                                    <p:cond delay="0"/>
+                                  </p:stCondLst>
+                                  <p:childTnLst>
+                                    <p:set>
+                                      <p:cBhvr>
+                                        <p:cTn id="105" dur="1" fill="hold">
+                                          <p:stCondLst>
+                                            <p:cond delay="0"/>
+                                          </p:stCondLst>
+                                        </p:cTn>
+                                        <p:tgtEl>
+                                          <p:spTgt spid="26"/>
+                                        </p:tgtEl>
+                                        <p:attrNameLst>
+                                          <p:attrName>style.visibility</p:attrName>
+                                        </p:attrNameLst>
+                                      </p:cBhvr>
+                                      <p:to>
+                                        <p:strVal val="visible"/>
+                                      </p:to>
+                                    </p:set>
+                                    <p:animEffect transition="in" filter="fade">
+                                      <p:cBhvr>
+                                        <p:cTn id="106" dur="500"/>
+                                        <p:tgtEl>
+                                          <p:spTgt spid="26"/>
+                                        </p:tgtEl>
+                                      </p:cBhvr>
+                                    </p:animEffect>
+                                  </p:childTnLst>
+                                </p:cTn>
+                              </p:par>
+                            </p:childTnLst>
+                          </p:cTn>
+                        </p:par>
+                      </p:childTnLst>
+                    </p:cTn>
+                  </p:par>
+                </p:childTnLst>
+              </p:cTn>
+              <p:prevCondLst>
+                <p:cond evt="onPrev" delay="0">
+                  <p:tgtEl>
+                    <p:sldTgt/>
+                  </p:tgtEl>
+                </p:cond>
+              </p:prevCondLst>
+              <p:nextCondLst>
+                <p:cond evt="onNext" delay="0">
+                  <p:tgtEl>
+                    <p:sldTgt/>
+                  </p:tgtEl>
+                </p:cond>
+              </p:nextCondLst>
+            </p:seq>
+          </p:childTnLst>
+        </p:cTn>
       </p:par>
     </p:tnLst>
+    <p:bldLst>
+      <p:bldP spid="5" grpId="0"/>
+      <p:bldP spid="6" grpId="0"/>
+      <p:bldP spid="7" grpId="0"/>
+      <p:bldP spid="9" grpId="0"/>
+      <p:bldP spid="10" grpId="0"/>
+      <p:bldP spid="11" grpId="0"/>
+      <p:bldP spid="12" grpId="0"/>
+      <p:bldP spid="13" grpId="0"/>
+      <p:bldP spid="14" grpId="0"/>
+      <p:bldP spid="15" grpId="0"/>
+      <p:bldP spid="16" grpId="0"/>
+      <p:bldP spid="3" grpId="0" animBg="1"/>
+      <p:bldP spid="17" grpId="0" animBg="1"/>
+      <p:bldP spid="18" grpId="0"/>
+      <p:bldP spid="19" grpId="0" animBg="1"/>
+      <p:bldP spid="20" grpId="0"/>
+      <p:bldP spid="21" grpId="0"/>
+      <p:bldP spid="22" grpId="0"/>
+      <p:bldP spid="23" grpId="0"/>
+      <p:bldP spid="24" grpId="0"/>
+      <p:bldP spid="25" grpId="0"/>
+      <p:bldP spid="26" grpId="0" animBg="1"/>
+    </p:bldLst>
   </p:timing>
 </p:sld>
 </file>

--- a/material_de_apoio/resumo_pratico.pptx
+++ b/material_de_apoio/resumo_pratico.pptx
@@ -5,23 +5,26 @@
     <p:sldMasterId id="2147483660" r:id="rId1"/>
   </p:sldMasterIdLst>
   <p:notesMasterIdLst>
-    <p:notesMasterId r:id="rId16"/>
+    <p:notesMasterId r:id="rId19"/>
   </p:notesMasterIdLst>
   <p:sldIdLst>
     <p:sldId id="256" r:id="rId2"/>
     <p:sldId id="258" r:id="rId3"/>
     <p:sldId id="257" r:id="rId4"/>
-    <p:sldId id="259" r:id="rId5"/>
-    <p:sldId id="260" r:id="rId6"/>
-    <p:sldId id="262" r:id="rId7"/>
-    <p:sldId id="261" r:id="rId8"/>
-    <p:sldId id="264" r:id="rId9"/>
-    <p:sldId id="265" r:id="rId10"/>
-    <p:sldId id="266" r:id="rId11"/>
-    <p:sldId id="267" r:id="rId12"/>
-    <p:sldId id="268" r:id="rId13"/>
-    <p:sldId id="269" r:id="rId14"/>
-    <p:sldId id="263" r:id="rId15"/>
+    <p:sldId id="272" r:id="rId5"/>
+    <p:sldId id="259" r:id="rId6"/>
+    <p:sldId id="260" r:id="rId7"/>
+    <p:sldId id="262" r:id="rId8"/>
+    <p:sldId id="261" r:id="rId9"/>
+    <p:sldId id="264" r:id="rId10"/>
+    <p:sldId id="265" r:id="rId11"/>
+    <p:sldId id="266" r:id="rId12"/>
+    <p:sldId id="267" r:id="rId13"/>
+    <p:sldId id="268" r:id="rId14"/>
+    <p:sldId id="269" r:id="rId15"/>
+    <p:sldId id="270" r:id="rId16"/>
+    <p:sldId id="271" r:id="rId17"/>
+    <p:sldId id="263" r:id="rId18"/>
   </p:sldIdLst>
   <p:sldSz cx="12192000" cy="6858000"/>
   <p:notesSz cx="6858000" cy="9144000"/>
@@ -543,7 +546,7 @@
           <a:p>
             <a:fld id="{F6A099E1-500E-4369-A36A-E001CECA3727}" type="slidenum">
               <a:rPr lang="pt-BR" smtClean="0"/>
-              <a:t>4</a:t>
+              <a:t>5</a:t>
             </a:fld>
             <a:endParaRPr lang="pt-BR"/>
           </a:p>
@@ -3604,6 +3607,1668 @@
           <a:chExt cx="0" cy="0"/>
         </a:xfrm>
       </p:grpSpPr>
+      <p:pic>
+        <p:nvPicPr>
+          <p:cNvPr id="3" name="Imagem 2"/>
+          <p:cNvPicPr>
+            <a:picLocks noChangeAspect="1"/>
+          </p:cNvPicPr>
+          <p:nvPr/>
+        </p:nvPicPr>
+        <p:blipFill>
+          <a:blip r:embed="rId2">
+            <a:extLst>
+              <a:ext uri="{28A0092B-C50C-407E-A947-70E740481C1C}">
+                <a14:useLocalDpi xmlns:a14="http://schemas.microsoft.com/office/drawing/2010/main" val="0"/>
+              </a:ext>
+            </a:extLst>
+          </a:blip>
+          <a:stretch>
+            <a:fillRect/>
+          </a:stretch>
+        </p:blipFill>
+        <p:spPr>
+          <a:xfrm>
+            <a:off x="772259" y="1585247"/>
+            <a:ext cx="4172748" cy="3232411"/>
+          </a:xfrm>
+          <a:prstGeom prst="rect">
+            <a:avLst/>
+          </a:prstGeom>
+        </p:spPr>
+      </p:pic>
+      <p:sp>
+        <p:nvSpPr>
+          <p:cNvPr id="2" name="Título 1"/>
+          <p:cNvSpPr>
+            <a:spLocks noGrp="1"/>
+          </p:cNvSpPr>
+          <p:nvPr>
+            <p:ph type="title"/>
+          </p:nvPr>
+        </p:nvSpPr>
+        <p:spPr>
+          <a:xfrm>
+            <a:off x="838200" y="365125"/>
+            <a:ext cx="10515600" cy="1586505"/>
+          </a:xfrm>
+        </p:spPr>
+        <p:txBody>
+          <a:bodyPr>
+            <a:normAutofit/>
+          </a:bodyPr>
+          <a:lstStyle/>
+          <a:p>
+            <a:r>
+              <a:rPr lang="pt-BR" sz="3200" dirty="0" smtClean="0">
+                <a:latin typeface="Consolas" panose="020B0609020204030204" pitchFamily="49" charset="0"/>
+              </a:rPr>
+              <a:t>Atribuição utilizando o “tipo” </a:t>
+            </a:r>
+            <a:r>
+              <a:rPr lang="pt-BR" sz="3200" dirty="0" err="1" smtClean="0">
+                <a:latin typeface="Consolas" panose="020B0609020204030204" pitchFamily="49" charset="0"/>
+              </a:rPr>
+              <a:t>String</a:t>
+            </a:r>
+            <a:endParaRPr lang="pt-BR" sz="3200" dirty="0">
+              <a:latin typeface="Consolas" panose="020B0609020204030204" pitchFamily="49" charset="0"/>
+            </a:endParaRPr>
+          </a:p>
+        </p:txBody>
+      </p:sp>
+      <p:pic>
+        <p:nvPicPr>
+          <p:cNvPr id="4" name="Imagem 3"/>
+          <p:cNvPicPr>
+            <a:picLocks noChangeAspect="1"/>
+          </p:cNvPicPr>
+          <p:nvPr/>
+        </p:nvPicPr>
+        <p:blipFill>
+          <a:blip r:embed="rId3" cstate="print">
+            <a:extLst>
+              <a:ext uri="{28A0092B-C50C-407E-A947-70E740481C1C}">
+                <a14:useLocalDpi xmlns:a14="http://schemas.microsoft.com/office/drawing/2010/main" val="0"/>
+              </a:ext>
+            </a:extLst>
+          </a:blip>
+          <a:stretch>
+            <a:fillRect/>
+          </a:stretch>
+        </p:blipFill>
+        <p:spPr>
+          <a:xfrm>
+            <a:off x="10441211" y="110689"/>
+            <a:ext cx="1750789" cy="2157949"/>
+          </a:xfrm>
+          <a:prstGeom prst="rect">
+            <a:avLst/>
+          </a:prstGeom>
+        </p:spPr>
+      </p:pic>
+      <p:sp>
+        <p:nvSpPr>
+          <p:cNvPr id="17" name="Retângulo 16"/>
+          <p:cNvSpPr/>
+          <p:nvPr/>
+        </p:nvSpPr>
+        <p:spPr>
+          <a:xfrm>
+            <a:off x="1284999" y="2268638"/>
+            <a:ext cx="1717507" cy="258502"/>
+          </a:xfrm>
+          <a:prstGeom prst="rect">
+            <a:avLst/>
+          </a:prstGeom>
+          <a:noFill/>
+          <a:ln w="25400" cmpd="sng">
+            <a:solidFill>
+              <a:schemeClr val="tx1">
+                <a:lumMod val="95000"/>
+              </a:schemeClr>
+            </a:solidFill>
+          </a:ln>
+        </p:spPr>
+        <p:style>
+          <a:lnRef idx="2">
+            <a:schemeClr val="accent1">
+              <a:shade val="50000"/>
+            </a:schemeClr>
+          </a:lnRef>
+          <a:fillRef idx="1001">
+            <a:schemeClr val="lt2"/>
+          </a:fillRef>
+          <a:effectRef idx="0">
+            <a:schemeClr val="accent1"/>
+          </a:effectRef>
+          <a:fontRef idx="minor">
+            <a:schemeClr val="lt1"/>
+          </a:fontRef>
+        </p:style>
+        <p:txBody>
+          <a:bodyPr rtlCol="0" anchor="t"/>
+          <a:lstStyle/>
+          <a:p>
+            <a:pPr algn="ctr"/>
+            <a:endParaRPr lang="pt-BR" b="1" dirty="0">
+              <a:latin typeface="Consolas" panose="020B0609020204030204" pitchFamily="49" charset="0"/>
+            </a:endParaRPr>
+          </a:p>
+        </p:txBody>
+      </p:sp>
+      <p:cxnSp>
+        <p:nvCxnSpPr>
+          <p:cNvPr id="18" name="Conector de seta reta 17"/>
+          <p:cNvCxnSpPr/>
+          <p:nvPr/>
+        </p:nvCxnSpPr>
+        <p:spPr>
+          <a:xfrm flipV="1">
+            <a:off x="3002506" y="2266456"/>
+            <a:ext cx="2636400" cy="2182"/>
+          </a:xfrm>
+          <a:prstGeom prst="straightConnector1">
+            <a:avLst/>
+          </a:prstGeom>
+          <a:ln w="28575">
+            <a:solidFill>
+              <a:schemeClr val="tx1">
+                <a:lumMod val="95000"/>
+              </a:schemeClr>
+            </a:solidFill>
+            <a:tailEnd type="triangle"/>
+          </a:ln>
+        </p:spPr>
+        <p:style>
+          <a:lnRef idx="1">
+            <a:schemeClr val="accent1"/>
+          </a:lnRef>
+          <a:fillRef idx="0">
+            <a:schemeClr val="accent1"/>
+          </a:fillRef>
+          <a:effectRef idx="0">
+            <a:schemeClr val="accent1"/>
+          </a:effectRef>
+          <a:fontRef idx="minor">
+            <a:schemeClr val="tx1"/>
+          </a:fontRef>
+        </p:style>
+      </p:cxnSp>
+      <p:sp>
+        <p:nvSpPr>
+          <p:cNvPr id="19" name="CaixaDeTexto 18"/>
+          <p:cNvSpPr txBox="1"/>
+          <p:nvPr/>
+        </p:nvSpPr>
+        <p:spPr>
+          <a:xfrm>
+            <a:off x="5636525" y="2074796"/>
+            <a:ext cx="1583141" cy="369332"/>
+          </a:xfrm>
+          <a:prstGeom prst="rect">
+            <a:avLst/>
+          </a:prstGeom>
+          <a:noFill/>
+        </p:spPr>
+        <p:txBody>
+          <a:bodyPr wrap="square" rtlCol="0">
+            <a:spAutoFit/>
+          </a:bodyPr>
+          <a:lstStyle/>
+          <a:p>
+            <a:r>
+              <a:rPr lang="pt-BR" dirty="0" smtClean="0">
+                <a:latin typeface="Consolas" panose="020B0609020204030204" pitchFamily="49" charset="0"/>
+              </a:rPr>
+              <a:t>Declaração</a:t>
+            </a:r>
+            <a:endParaRPr lang="pt-BR" dirty="0">
+              <a:latin typeface="Consolas" panose="020B0609020204030204" pitchFamily="49" charset="0"/>
+            </a:endParaRPr>
+          </a:p>
+        </p:txBody>
+      </p:sp>
+      <p:sp>
+        <p:nvSpPr>
+          <p:cNvPr id="23" name="Retângulo 22"/>
+          <p:cNvSpPr/>
+          <p:nvPr/>
+        </p:nvSpPr>
+        <p:spPr>
+          <a:xfrm>
+            <a:off x="1289686" y="2591996"/>
+            <a:ext cx="1561464" cy="260250"/>
+          </a:xfrm>
+          <a:prstGeom prst="rect">
+            <a:avLst/>
+          </a:prstGeom>
+          <a:noFill/>
+          <a:ln w="25400" cmpd="sng">
+            <a:solidFill>
+              <a:schemeClr val="tx1">
+                <a:lumMod val="95000"/>
+              </a:schemeClr>
+            </a:solidFill>
+          </a:ln>
+        </p:spPr>
+        <p:style>
+          <a:lnRef idx="2">
+            <a:schemeClr val="accent1">
+              <a:shade val="50000"/>
+            </a:schemeClr>
+          </a:lnRef>
+          <a:fillRef idx="1001">
+            <a:schemeClr val="lt2"/>
+          </a:fillRef>
+          <a:effectRef idx="0">
+            <a:schemeClr val="accent1"/>
+          </a:effectRef>
+          <a:fontRef idx="minor">
+            <a:schemeClr val="lt1"/>
+          </a:fontRef>
+        </p:style>
+        <p:txBody>
+          <a:bodyPr rtlCol="0" anchor="t"/>
+          <a:lstStyle/>
+          <a:p>
+            <a:pPr algn="ctr"/>
+            <a:endParaRPr lang="pt-BR" b="1" dirty="0">
+              <a:latin typeface="Consolas" panose="020B0609020204030204" pitchFamily="49" charset="0"/>
+            </a:endParaRPr>
+          </a:p>
+        </p:txBody>
+      </p:sp>
+      <p:sp>
+        <p:nvSpPr>
+          <p:cNvPr id="24" name="Retângulo 23"/>
+          <p:cNvSpPr/>
+          <p:nvPr/>
+        </p:nvSpPr>
+        <p:spPr>
+          <a:xfrm>
+            <a:off x="1289686" y="2921148"/>
+            <a:ext cx="3352164" cy="260250"/>
+          </a:xfrm>
+          <a:prstGeom prst="rect">
+            <a:avLst/>
+          </a:prstGeom>
+          <a:noFill/>
+          <a:ln w="25400" cmpd="sng">
+            <a:solidFill>
+              <a:schemeClr val="tx1">
+                <a:lumMod val="95000"/>
+              </a:schemeClr>
+            </a:solidFill>
+          </a:ln>
+        </p:spPr>
+        <p:style>
+          <a:lnRef idx="2">
+            <a:schemeClr val="accent1">
+              <a:shade val="50000"/>
+            </a:schemeClr>
+          </a:lnRef>
+          <a:fillRef idx="1001">
+            <a:schemeClr val="lt2"/>
+          </a:fillRef>
+          <a:effectRef idx="0">
+            <a:schemeClr val="accent1"/>
+          </a:effectRef>
+          <a:fontRef idx="minor">
+            <a:schemeClr val="lt1"/>
+          </a:fontRef>
+        </p:style>
+        <p:txBody>
+          <a:bodyPr rtlCol="0" anchor="t"/>
+          <a:lstStyle/>
+          <a:p>
+            <a:pPr algn="ctr"/>
+            <a:endParaRPr lang="pt-BR" b="1" dirty="0">
+              <a:latin typeface="Consolas" panose="020B0609020204030204" pitchFamily="49" charset="0"/>
+            </a:endParaRPr>
+          </a:p>
+        </p:txBody>
+      </p:sp>
+      <p:sp>
+        <p:nvSpPr>
+          <p:cNvPr id="25" name="Retângulo 24"/>
+          <p:cNvSpPr/>
+          <p:nvPr/>
+        </p:nvSpPr>
+        <p:spPr>
+          <a:xfrm>
+            <a:off x="1285000" y="3580564"/>
+            <a:ext cx="1566150" cy="260250"/>
+          </a:xfrm>
+          <a:prstGeom prst="rect">
+            <a:avLst/>
+          </a:prstGeom>
+          <a:noFill/>
+          <a:ln w="25400" cmpd="sng">
+            <a:solidFill>
+              <a:schemeClr val="tx1">
+                <a:lumMod val="95000"/>
+              </a:schemeClr>
+            </a:solidFill>
+          </a:ln>
+        </p:spPr>
+        <p:style>
+          <a:lnRef idx="2">
+            <a:schemeClr val="accent1">
+              <a:shade val="50000"/>
+            </a:schemeClr>
+          </a:lnRef>
+          <a:fillRef idx="1001">
+            <a:schemeClr val="lt2"/>
+          </a:fillRef>
+          <a:effectRef idx="0">
+            <a:schemeClr val="accent1"/>
+          </a:effectRef>
+          <a:fontRef idx="minor">
+            <a:schemeClr val="lt1"/>
+          </a:fontRef>
+        </p:style>
+        <p:txBody>
+          <a:bodyPr rtlCol="0" anchor="t"/>
+          <a:lstStyle/>
+          <a:p>
+            <a:pPr algn="ctr"/>
+            <a:endParaRPr lang="pt-BR" b="1" dirty="0">
+              <a:latin typeface="Consolas" panose="020B0609020204030204" pitchFamily="49" charset="0"/>
+            </a:endParaRPr>
+          </a:p>
+        </p:txBody>
+      </p:sp>
+      <p:sp>
+        <p:nvSpPr>
+          <p:cNvPr id="26" name="Retângulo 25"/>
+          <p:cNvSpPr/>
+          <p:nvPr/>
+        </p:nvSpPr>
+        <p:spPr>
+          <a:xfrm>
+            <a:off x="1289686" y="3903922"/>
+            <a:ext cx="2444114" cy="260250"/>
+          </a:xfrm>
+          <a:prstGeom prst="rect">
+            <a:avLst/>
+          </a:prstGeom>
+          <a:noFill/>
+          <a:ln w="25400" cmpd="sng">
+            <a:solidFill>
+              <a:schemeClr val="tx1">
+                <a:lumMod val="95000"/>
+              </a:schemeClr>
+            </a:solidFill>
+          </a:ln>
+        </p:spPr>
+        <p:style>
+          <a:lnRef idx="2">
+            <a:schemeClr val="accent1">
+              <a:shade val="50000"/>
+            </a:schemeClr>
+          </a:lnRef>
+          <a:fillRef idx="1001">
+            <a:schemeClr val="lt2"/>
+          </a:fillRef>
+          <a:effectRef idx="0">
+            <a:schemeClr val="accent1"/>
+          </a:effectRef>
+          <a:fontRef idx="minor">
+            <a:schemeClr val="lt1"/>
+          </a:fontRef>
+        </p:style>
+        <p:txBody>
+          <a:bodyPr rtlCol="0" anchor="t"/>
+          <a:lstStyle/>
+          <a:p>
+            <a:pPr algn="ctr"/>
+            <a:endParaRPr lang="pt-BR" b="1" dirty="0">
+              <a:latin typeface="Consolas" panose="020B0609020204030204" pitchFamily="49" charset="0"/>
+            </a:endParaRPr>
+          </a:p>
+        </p:txBody>
+      </p:sp>
+      <p:sp>
+        <p:nvSpPr>
+          <p:cNvPr id="28" name="Retângulo 27"/>
+          <p:cNvSpPr/>
+          <p:nvPr/>
+        </p:nvSpPr>
+        <p:spPr>
+          <a:xfrm>
+            <a:off x="1285000" y="4246406"/>
+            <a:ext cx="3217150" cy="260250"/>
+          </a:xfrm>
+          <a:prstGeom prst="rect">
+            <a:avLst/>
+          </a:prstGeom>
+          <a:noFill/>
+          <a:ln w="25400" cmpd="sng">
+            <a:solidFill>
+              <a:schemeClr val="tx1">
+                <a:lumMod val="95000"/>
+              </a:schemeClr>
+            </a:solidFill>
+          </a:ln>
+        </p:spPr>
+        <p:style>
+          <a:lnRef idx="2">
+            <a:schemeClr val="accent1">
+              <a:shade val="50000"/>
+            </a:schemeClr>
+          </a:lnRef>
+          <a:fillRef idx="1001">
+            <a:schemeClr val="lt2"/>
+          </a:fillRef>
+          <a:effectRef idx="0">
+            <a:schemeClr val="accent1"/>
+          </a:effectRef>
+          <a:fontRef idx="minor">
+            <a:schemeClr val="lt1"/>
+          </a:fontRef>
+        </p:style>
+        <p:txBody>
+          <a:bodyPr rtlCol="0" anchor="t"/>
+          <a:lstStyle/>
+          <a:p>
+            <a:pPr algn="ctr"/>
+            <a:endParaRPr lang="pt-BR" b="1" dirty="0">
+              <a:latin typeface="Consolas" panose="020B0609020204030204" pitchFamily="49" charset="0"/>
+            </a:endParaRPr>
+          </a:p>
+        </p:txBody>
+      </p:sp>
+      <p:cxnSp>
+        <p:nvCxnSpPr>
+          <p:cNvPr id="30" name="Conector de seta reta 29"/>
+          <p:cNvCxnSpPr/>
+          <p:nvPr/>
+        </p:nvCxnSpPr>
+        <p:spPr>
+          <a:xfrm>
+            <a:off x="2842842" y="2594678"/>
+            <a:ext cx="2793683" cy="0"/>
+          </a:xfrm>
+          <a:prstGeom prst="straightConnector1">
+            <a:avLst/>
+          </a:prstGeom>
+          <a:ln w="28575">
+            <a:solidFill>
+              <a:schemeClr val="tx1">
+                <a:lumMod val="95000"/>
+              </a:schemeClr>
+            </a:solidFill>
+            <a:tailEnd type="triangle"/>
+          </a:ln>
+        </p:spPr>
+        <p:style>
+          <a:lnRef idx="1">
+            <a:schemeClr val="accent1"/>
+          </a:lnRef>
+          <a:fillRef idx="0">
+            <a:schemeClr val="accent1"/>
+          </a:fillRef>
+          <a:effectRef idx="0">
+            <a:schemeClr val="accent1"/>
+          </a:effectRef>
+          <a:fontRef idx="minor">
+            <a:schemeClr val="tx1"/>
+          </a:fontRef>
+        </p:style>
+      </p:cxnSp>
+      <p:cxnSp>
+        <p:nvCxnSpPr>
+          <p:cNvPr id="31" name="Conector de seta reta 30"/>
+          <p:cNvCxnSpPr/>
+          <p:nvPr/>
+        </p:nvCxnSpPr>
+        <p:spPr>
+          <a:xfrm>
+            <a:off x="4641850" y="2923529"/>
+            <a:ext cx="994675" cy="0"/>
+          </a:xfrm>
+          <a:prstGeom prst="straightConnector1">
+            <a:avLst/>
+          </a:prstGeom>
+          <a:ln w="28575">
+            <a:solidFill>
+              <a:schemeClr val="tx1">
+                <a:lumMod val="95000"/>
+              </a:schemeClr>
+            </a:solidFill>
+            <a:tailEnd type="triangle"/>
+          </a:ln>
+        </p:spPr>
+        <p:style>
+          <a:lnRef idx="1">
+            <a:schemeClr val="accent1"/>
+          </a:lnRef>
+          <a:fillRef idx="0">
+            <a:schemeClr val="accent1"/>
+          </a:fillRef>
+          <a:effectRef idx="0">
+            <a:schemeClr val="accent1"/>
+          </a:effectRef>
+          <a:fontRef idx="minor">
+            <a:schemeClr val="tx1"/>
+          </a:fontRef>
+        </p:style>
+      </p:cxnSp>
+      <p:cxnSp>
+        <p:nvCxnSpPr>
+          <p:cNvPr id="32" name="Conector de seta reta 31"/>
+          <p:cNvCxnSpPr/>
+          <p:nvPr/>
+        </p:nvCxnSpPr>
+        <p:spPr>
+          <a:xfrm>
+            <a:off x="2853533" y="3583248"/>
+            <a:ext cx="2782992" cy="0"/>
+          </a:xfrm>
+          <a:prstGeom prst="straightConnector1">
+            <a:avLst/>
+          </a:prstGeom>
+          <a:ln w="28575">
+            <a:solidFill>
+              <a:schemeClr val="tx1">
+                <a:lumMod val="95000"/>
+              </a:schemeClr>
+            </a:solidFill>
+            <a:tailEnd type="triangle"/>
+          </a:ln>
+        </p:spPr>
+        <p:style>
+          <a:lnRef idx="1">
+            <a:schemeClr val="accent1"/>
+          </a:lnRef>
+          <a:fillRef idx="0">
+            <a:schemeClr val="accent1"/>
+          </a:fillRef>
+          <a:effectRef idx="0">
+            <a:schemeClr val="accent1"/>
+          </a:effectRef>
+          <a:fontRef idx="minor">
+            <a:schemeClr val="tx1"/>
+          </a:fontRef>
+        </p:style>
+      </p:cxnSp>
+      <p:cxnSp>
+        <p:nvCxnSpPr>
+          <p:cNvPr id="33" name="Conector de seta reta 32"/>
+          <p:cNvCxnSpPr/>
+          <p:nvPr/>
+        </p:nvCxnSpPr>
+        <p:spPr>
+          <a:xfrm>
+            <a:off x="3733800" y="3906304"/>
+            <a:ext cx="1902725" cy="0"/>
+          </a:xfrm>
+          <a:prstGeom prst="straightConnector1">
+            <a:avLst/>
+          </a:prstGeom>
+          <a:ln w="28575">
+            <a:solidFill>
+              <a:schemeClr val="tx1">
+                <a:lumMod val="95000"/>
+              </a:schemeClr>
+            </a:solidFill>
+            <a:tailEnd type="triangle"/>
+          </a:ln>
+        </p:spPr>
+        <p:style>
+          <a:lnRef idx="1">
+            <a:schemeClr val="accent1"/>
+          </a:lnRef>
+          <a:fillRef idx="0">
+            <a:schemeClr val="accent1"/>
+          </a:fillRef>
+          <a:effectRef idx="0">
+            <a:schemeClr val="accent1"/>
+          </a:effectRef>
+          <a:fontRef idx="minor">
+            <a:schemeClr val="tx1"/>
+          </a:fontRef>
+        </p:style>
+      </p:cxnSp>
+      <p:cxnSp>
+        <p:nvCxnSpPr>
+          <p:cNvPr id="35" name="Conector de seta reta 34"/>
+          <p:cNvCxnSpPr/>
+          <p:nvPr/>
+        </p:nvCxnSpPr>
+        <p:spPr>
+          <a:xfrm>
+            <a:off x="4502150" y="4248788"/>
+            <a:ext cx="1134375" cy="0"/>
+          </a:xfrm>
+          <a:prstGeom prst="straightConnector1">
+            <a:avLst/>
+          </a:prstGeom>
+          <a:ln w="28575">
+            <a:solidFill>
+              <a:schemeClr val="tx1">
+                <a:lumMod val="95000"/>
+              </a:schemeClr>
+            </a:solidFill>
+            <a:tailEnd type="triangle"/>
+          </a:ln>
+        </p:spPr>
+        <p:style>
+          <a:lnRef idx="1">
+            <a:schemeClr val="accent1"/>
+          </a:lnRef>
+          <a:fillRef idx="0">
+            <a:schemeClr val="accent1"/>
+          </a:fillRef>
+          <a:effectRef idx="0">
+            <a:schemeClr val="accent1"/>
+          </a:effectRef>
+          <a:fontRef idx="minor">
+            <a:schemeClr val="tx1"/>
+          </a:fontRef>
+        </p:style>
+      </p:cxnSp>
+      <p:sp>
+        <p:nvSpPr>
+          <p:cNvPr id="43" name="CaixaDeTexto 42"/>
+          <p:cNvSpPr txBox="1"/>
+          <p:nvPr/>
+        </p:nvSpPr>
+        <p:spPr>
+          <a:xfrm>
+            <a:off x="5636525" y="2387701"/>
+            <a:ext cx="3971499" cy="369332"/>
+          </a:xfrm>
+          <a:prstGeom prst="rect">
+            <a:avLst/>
+          </a:prstGeom>
+          <a:noFill/>
+        </p:spPr>
+        <p:txBody>
+          <a:bodyPr wrap="square" rtlCol="0">
+            <a:spAutoFit/>
+          </a:bodyPr>
+          <a:lstStyle/>
+          <a:p>
+            <a:r>
+              <a:rPr lang="pt-BR" dirty="0">
+                <a:latin typeface="Consolas" panose="020B0609020204030204" pitchFamily="49" charset="0"/>
+              </a:rPr>
+              <a:t>A</a:t>
+            </a:r>
+            <a:r>
+              <a:rPr lang="pt-BR" dirty="0" smtClean="0">
+                <a:latin typeface="Consolas" panose="020B0609020204030204" pitchFamily="49" charset="0"/>
+              </a:rPr>
+              <a:t>tribuição</a:t>
+            </a:r>
+            <a:endParaRPr lang="pt-BR" dirty="0">
+              <a:latin typeface="Consolas" panose="020B0609020204030204" pitchFamily="49" charset="0"/>
+            </a:endParaRPr>
+          </a:p>
+        </p:txBody>
+      </p:sp>
+      <p:sp>
+        <p:nvSpPr>
+          <p:cNvPr id="44" name="CaixaDeTexto 43"/>
+          <p:cNvSpPr txBox="1"/>
+          <p:nvPr/>
+        </p:nvSpPr>
+        <p:spPr>
+          <a:xfrm>
+            <a:off x="5636524" y="2718691"/>
+            <a:ext cx="3971499" cy="369332"/>
+          </a:xfrm>
+          <a:prstGeom prst="rect">
+            <a:avLst/>
+          </a:prstGeom>
+          <a:noFill/>
+        </p:spPr>
+        <p:txBody>
+          <a:bodyPr wrap="square" rtlCol="0">
+            <a:spAutoFit/>
+          </a:bodyPr>
+          <a:lstStyle/>
+          <a:p>
+            <a:r>
+              <a:rPr lang="pt-BR" dirty="0" smtClean="0">
+                <a:latin typeface="Consolas" panose="020B0609020204030204" pitchFamily="49" charset="0"/>
+              </a:rPr>
+              <a:t>Escrita (Imprime “a” na tela)</a:t>
+            </a:r>
+            <a:endParaRPr lang="pt-BR" dirty="0">
+              <a:latin typeface="Consolas" panose="020B0609020204030204" pitchFamily="49" charset="0"/>
+            </a:endParaRPr>
+          </a:p>
+        </p:txBody>
+      </p:sp>
+      <p:sp>
+        <p:nvSpPr>
+          <p:cNvPr id="45" name="CaixaDeTexto 44"/>
+          <p:cNvSpPr txBox="1"/>
+          <p:nvPr/>
+        </p:nvSpPr>
+        <p:spPr>
+          <a:xfrm>
+            <a:off x="5599363" y="3385125"/>
+            <a:ext cx="1715837" cy="369332"/>
+          </a:xfrm>
+          <a:prstGeom prst="rect">
+            <a:avLst/>
+          </a:prstGeom>
+          <a:noFill/>
+        </p:spPr>
+        <p:txBody>
+          <a:bodyPr wrap="square" rtlCol="0">
+            <a:spAutoFit/>
+          </a:bodyPr>
+          <a:lstStyle/>
+          <a:p>
+            <a:r>
+              <a:rPr lang="pt-BR" dirty="0" smtClean="0">
+                <a:latin typeface="Consolas" panose="020B0609020204030204" pitchFamily="49" charset="0"/>
+              </a:rPr>
+              <a:t>Declaração</a:t>
+            </a:r>
+            <a:endParaRPr lang="pt-BR" dirty="0">
+              <a:latin typeface="Consolas" panose="020B0609020204030204" pitchFamily="49" charset="0"/>
+            </a:endParaRPr>
+          </a:p>
+        </p:txBody>
+      </p:sp>
+      <p:sp>
+        <p:nvSpPr>
+          <p:cNvPr id="47" name="CaixaDeTexto 46"/>
+          <p:cNvSpPr txBox="1"/>
+          <p:nvPr/>
+        </p:nvSpPr>
+        <p:spPr>
+          <a:xfrm>
+            <a:off x="5620172" y="3661222"/>
+            <a:ext cx="1589969" cy="369332"/>
+          </a:xfrm>
+          <a:prstGeom prst="rect">
+            <a:avLst/>
+          </a:prstGeom>
+          <a:noFill/>
+        </p:spPr>
+        <p:txBody>
+          <a:bodyPr wrap="square" rtlCol="0">
+            <a:spAutoFit/>
+          </a:bodyPr>
+          <a:lstStyle/>
+          <a:p>
+            <a:r>
+              <a:rPr lang="pt-BR" dirty="0" smtClean="0">
+                <a:latin typeface="Consolas" panose="020B0609020204030204" pitchFamily="49" charset="0"/>
+              </a:rPr>
+              <a:t>Atribuição</a:t>
+            </a:r>
+            <a:endParaRPr lang="pt-BR" dirty="0">
+              <a:latin typeface="Consolas" panose="020B0609020204030204" pitchFamily="49" charset="0"/>
+            </a:endParaRPr>
+          </a:p>
+        </p:txBody>
+      </p:sp>
+      <p:sp>
+        <p:nvSpPr>
+          <p:cNvPr id="48" name="CaixaDeTexto 47"/>
+          <p:cNvSpPr txBox="1"/>
+          <p:nvPr/>
+        </p:nvSpPr>
+        <p:spPr>
+          <a:xfrm>
+            <a:off x="5579466" y="4034495"/>
+            <a:ext cx="4506230" cy="369332"/>
+          </a:xfrm>
+          <a:prstGeom prst="rect">
+            <a:avLst/>
+          </a:prstGeom>
+          <a:noFill/>
+        </p:spPr>
+        <p:txBody>
+          <a:bodyPr wrap="square" rtlCol="0">
+            <a:spAutoFit/>
+          </a:bodyPr>
+          <a:lstStyle/>
+          <a:p>
+            <a:r>
+              <a:rPr lang="pt-BR" dirty="0" smtClean="0">
+                <a:latin typeface="Consolas" panose="020B0609020204030204" pitchFamily="49" charset="0"/>
+              </a:rPr>
+              <a:t>Escrita (Imprime “</a:t>
+            </a:r>
+            <a:r>
+              <a:rPr lang="pt-BR" dirty="0" err="1" smtClean="0">
+                <a:latin typeface="Consolas" panose="020B0609020204030204" pitchFamily="49" charset="0"/>
+              </a:rPr>
+              <a:t>pedro</a:t>
+            </a:r>
+            <a:r>
+              <a:rPr lang="pt-BR" dirty="0" smtClean="0">
+                <a:latin typeface="Consolas" panose="020B0609020204030204" pitchFamily="49" charset="0"/>
+              </a:rPr>
+              <a:t>” na tela)</a:t>
+            </a:r>
+            <a:endParaRPr lang="pt-BR" dirty="0">
+              <a:latin typeface="Consolas" panose="020B0609020204030204" pitchFamily="49" charset="0"/>
+            </a:endParaRPr>
+          </a:p>
+        </p:txBody>
+      </p:sp>
+    </p:spTree>
+    <p:extLst>
+      <p:ext uri="{BB962C8B-B14F-4D97-AF65-F5344CB8AC3E}">
+        <p14:creationId xmlns:p14="http://schemas.microsoft.com/office/powerpoint/2010/main" val="818936931"/>
+      </p:ext>
+    </p:extLst>
+  </p:cSld>
+  <p:clrMapOvr>
+    <a:masterClrMapping/>
+  </p:clrMapOvr>
+  <p:timing>
+    <p:tnLst>
+      <p:par>
+        <p:cTn id="1" dur="indefinite" restart="never" nodeType="tmRoot">
+          <p:childTnLst>
+            <p:seq concurrent="1" nextAc="seek">
+              <p:cTn id="2" dur="indefinite" nodeType="mainSeq">
+                <p:childTnLst>
+                  <p:par>
+                    <p:cTn id="3" fill="hold">
+                      <p:stCondLst>
+                        <p:cond delay="indefinite"/>
+                      </p:stCondLst>
+                      <p:childTnLst>
+                        <p:par>
+                          <p:cTn id="4" fill="hold">
+                            <p:stCondLst>
+                              <p:cond delay="0"/>
+                            </p:stCondLst>
+                            <p:childTnLst>
+                              <p:par>
+                                <p:cTn id="5" presetID="10" presetClass="entr" presetSubtype="0" fill="hold" grpId="0" nodeType="clickEffect">
+                                  <p:stCondLst>
+                                    <p:cond delay="0"/>
+                                  </p:stCondLst>
+                                  <p:childTnLst>
+                                    <p:set>
+                                      <p:cBhvr>
+                                        <p:cTn id="6" dur="1" fill="hold">
+                                          <p:stCondLst>
+                                            <p:cond delay="0"/>
+                                          </p:stCondLst>
+                                        </p:cTn>
+                                        <p:tgtEl>
+                                          <p:spTgt spid="17"/>
+                                        </p:tgtEl>
+                                        <p:attrNameLst>
+                                          <p:attrName>style.visibility</p:attrName>
+                                        </p:attrNameLst>
+                                      </p:cBhvr>
+                                      <p:to>
+                                        <p:strVal val="visible"/>
+                                      </p:to>
+                                    </p:set>
+                                    <p:animEffect transition="in" filter="fade">
+                                      <p:cBhvr>
+                                        <p:cTn id="7" dur="500"/>
+                                        <p:tgtEl>
+                                          <p:spTgt spid="17"/>
+                                        </p:tgtEl>
+                                      </p:cBhvr>
+                                    </p:animEffect>
+                                  </p:childTnLst>
+                                </p:cTn>
+                              </p:par>
+                              <p:par>
+                                <p:cTn id="8" presetID="10" presetClass="entr" presetSubtype="0" fill="hold" nodeType="withEffect">
+                                  <p:stCondLst>
+                                    <p:cond delay="0"/>
+                                  </p:stCondLst>
+                                  <p:childTnLst>
+                                    <p:set>
+                                      <p:cBhvr>
+                                        <p:cTn id="9" dur="1" fill="hold">
+                                          <p:stCondLst>
+                                            <p:cond delay="0"/>
+                                          </p:stCondLst>
+                                        </p:cTn>
+                                        <p:tgtEl>
+                                          <p:spTgt spid="18"/>
+                                        </p:tgtEl>
+                                        <p:attrNameLst>
+                                          <p:attrName>style.visibility</p:attrName>
+                                        </p:attrNameLst>
+                                      </p:cBhvr>
+                                      <p:to>
+                                        <p:strVal val="visible"/>
+                                      </p:to>
+                                    </p:set>
+                                    <p:animEffect transition="in" filter="fade">
+                                      <p:cBhvr>
+                                        <p:cTn id="10" dur="500"/>
+                                        <p:tgtEl>
+                                          <p:spTgt spid="18"/>
+                                        </p:tgtEl>
+                                      </p:cBhvr>
+                                    </p:animEffect>
+                                  </p:childTnLst>
+                                </p:cTn>
+                              </p:par>
+                              <p:par>
+                                <p:cTn id="11" presetID="10" presetClass="entr" presetSubtype="0" fill="hold" grpId="0" nodeType="withEffect">
+                                  <p:stCondLst>
+                                    <p:cond delay="0"/>
+                                  </p:stCondLst>
+                                  <p:childTnLst>
+                                    <p:set>
+                                      <p:cBhvr>
+                                        <p:cTn id="12" dur="1" fill="hold">
+                                          <p:stCondLst>
+                                            <p:cond delay="0"/>
+                                          </p:stCondLst>
+                                        </p:cTn>
+                                        <p:tgtEl>
+                                          <p:spTgt spid="19"/>
+                                        </p:tgtEl>
+                                        <p:attrNameLst>
+                                          <p:attrName>style.visibility</p:attrName>
+                                        </p:attrNameLst>
+                                      </p:cBhvr>
+                                      <p:to>
+                                        <p:strVal val="visible"/>
+                                      </p:to>
+                                    </p:set>
+                                    <p:animEffect transition="in" filter="fade">
+                                      <p:cBhvr>
+                                        <p:cTn id="13" dur="500"/>
+                                        <p:tgtEl>
+                                          <p:spTgt spid="19"/>
+                                        </p:tgtEl>
+                                      </p:cBhvr>
+                                    </p:animEffect>
+                                  </p:childTnLst>
+                                </p:cTn>
+                              </p:par>
+                            </p:childTnLst>
+                          </p:cTn>
+                        </p:par>
+                      </p:childTnLst>
+                    </p:cTn>
+                  </p:par>
+                  <p:par>
+                    <p:cTn id="14" fill="hold">
+                      <p:stCondLst>
+                        <p:cond delay="indefinite"/>
+                      </p:stCondLst>
+                      <p:childTnLst>
+                        <p:par>
+                          <p:cTn id="15" fill="hold">
+                            <p:stCondLst>
+                              <p:cond delay="0"/>
+                            </p:stCondLst>
+                            <p:childTnLst>
+                              <p:par>
+                                <p:cTn id="16" presetID="10" presetClass="entr" presetSubtype="0" fill="hold" grpId="0" nodeType="clickEffect">
+                                  <p:stCondLst>
+                                    <p:cond delay="0"/>
+                                  </p:stCondLst>
+                                  <p:childTnLst>
+                                    <p:set>
+                                      <p:cBhvr>
+                                        <p:cTn id="17" dur="1" fill="hold">
+                                          <p:stCondLst>
+                                            <p:cond delay="0"/>
+                                          </p:stCondLst>
+                                        </p:cTn>
+                                        <p:tgtEl>
+                                          <p:spTgt spid="23"/>
+                                        </p:tgtEl>
+                                        <p:attrNameLst>
+                                          <p:attrName>style.visibility</p:attrName>
+                                        </p:attrNameLst>
+                                      </p:cBhvr>
+                                      <p:to>
+                                        <p:strVal val="visible"/>
+                                      </p:to>
+                                    </p:set>
+                                    <p:animEffect transition="in" filter="fade">
+                                      <p:cBhvr>
+                                        <p:cTn id="18" dur="500"/>
+                                        <p:tgtEl>
+                                          <p:spTgt spid="23"/>
+                                        </p:tgtEl>
+                                      </p:cBhvr>
+                                    </p:animEffect>
+                                  </p:childTnLst>
+                                </p:cTn>
+                              </p:par>
+                              <p:par>
+                                <p:cTn id="19" presetID="10" presetClass="entr" presetSubtype="0" fill="hold" nodeType="withEffect">
+                                  <p:stCondLst>
+                                    <p:cond delay="0"/>
+                                  </p:stCondLst>
+                                  <p:childTnLst>
+                                    <p:set>
+                                      <p:cBhvr>
+                                        <p:cTn id="20" dur="1" fill="hold">
+                                          <p:stCondLst>
+                                            <p:cond delay="0"/>
+                                          </p:stCondLst>
+                                        </p:cTn>
+                                        <p:tgtEl>
+                                          <p:spTgt spid="30"/>
+                                        </p:tgtEl>
+                                        <p:attrNameLst>
+                                          <p:attrName>style.visibility</p:attrName>
+                                        </p:attrNameLst>
+                                      </p:cBhvr>
+                                      <p:to>
+                                        <p:strVal val="visible"/>
+                                      </p:to>
+                                    </p:set>
+                                    <p:animEffect transition="in" filter="fade">
+                                      <p:cBhvr>
+                                        <p:cTn id="21" dur="500"/>
+                                        <p:tgtEl>
+                                          <p:spTgt spid="30"/>
+                                        </p:tgtEl>
+                                      </p:cBhvr>
+                                    </p:animEffect>
+                                  </p:childTnLst>
+                                </p:cTn>
+                              </p:par>
+                              <p:par>
+                                <p:cTn id="22" presetID="10" presetClass="entr" presetSubtype="0" fill="hold" grpId="0" nodeType="withEffect">
+                                  <p:stCondLst>
+                                    <p:cond delay="0"/>
+                                  </p:stCondLst>
+                                  <p:childTnLst>
+                                    <p:set>
+                                      <p:cBhvr>
+                                        <p:cTn id="23" dur="1" fill="hold">
+                                          <p:stCondLst>
+                                            <p:cond delay="0"/>
+                                          </p:stCondLst>
+                                        </p:cTn>
+                                        <p:tgtEl>
+                                          <p:spTgt spid="43"/>
+                                        </p:tgtEl>
+                                        <p:attrNameLst>
+                                          <p:attrName>style.visibility</p:attrName>
+                                        </p:attrNameLst>
+                                      </p:cBhvr>
+                                      <p:to>
+                                        <p:strVal val="visible"/>
+                                      </p:to>
+                                    </p:set>
+                                    <p:animEffect transition="in" filter="fade">
+                                      <p:cBhvr>
+                                        <p:cTn id="24" dur="500"/>
+                                        <p:tgtEl>
+                                          <p:spTgt spid="43"/>
+                                        </p:tgtEl>
+                                      </p:cBhvr>
+                                    </p:animEffect>
+                                  </p:childTnLst>
+                                </p:cTn>
+                              </p:par>
+                            </p:childTnLst>
+                          </p:cTn>
+                        </p:par>
+                      </p:childTnLst>
+                    </p:cTn>
+                  </p:par>
+                  <p:par>
+                    <p:cTn id="25" fill="hold">
+                      <p:stCondLst>
+                        <p:cond delay="indefinite"/>
+                      </p:stCondLst>
+                      <p:childTnLst>
+                        <p:par>
+                          <p:cTn id="26" fill="hold">
+                            <p:stCondLst>
+                              <p:cond delay="0"/>
+                            </p:stCondLst>
+                            <p:childTnLst>
+                              <p:par>
+                                <p:cTn id="27" presetID="10" presetClass="entr" presetSubtype="0" fill="hold" grpId="0" nodeType="clickEffect">
+                                  <p:stCondLst>
+                                    <p:cond delay="0"/>
+                                  </p:stCondLst>
+                                  <p:childTnLst>
+                                    <p:set>
+                                      <p:cBhvr>
+                                        <p:cTn id="28" dur="1" fill="hold">
+                                          <p:stCondLst>
+                                            <p:cond delay="0"/>
+                                          </p:stCondLst>
+                                        </p:cTn>
+                                        <p:tgtEl>
+                                          <p:spTgt spid="44"/>
+                                        </p:tgtEl>
+                                        <p:attrNameLst>
+                                          <p:attrName>style.visibility</p:attrName>
+                                        </p:attrNameLst>
+                                      </p:cBhvr>
+                                      <p:to>
+                                        <p:strVal val="visible"/>
+                                      </p:to>
+                                    </p:set>
+                                    <p:animEffect transition="in" filter="fade">
+                                      <p:cBhvr>
+                                        <p:cTn id="29" dur="500"/>
+                                        <p:tgtEl>
+                                          <p:spTgt spid="44"/>
+                                        </p:tgtEl>
+                                      </p:cBhvr>
+                                    </p:animEffect>
+                                  </p:childTnLst>
+                                </p:cTn>
+                              </p:par>
+                              <p:par>
+                                <p:cTn id="30" presetID="10" presetClass="entr" presetSubtype="0" fill="hold" nodeType="withEffect">
+                                  <p:stCondLst>
+                                    <p:cond delay="0"/>
+                                  </p:stCondLst>
+                                  <p:childTnLst>
+                                    <p:set>
+                                      <p:cBhvr>
+                                        <p:cTn id="31" dur="1" fill="hold">
+                                          <p:stCondLst>
+                                            <p:cond delay="0"/>
+                                          </p:stCondLst>
+                                        </p:cTn>
+                                        <p:tgtEl>
+                                          <p:spTgt spid="31"/>
+                                        </p:tgtEl>
+                                        <p:attrNameLst>
+                                          <p:attrName>style.visibility</p:attrName>
+                                        </p:attrNameLst>
+                                      </p:cBhvr>
+                                      <p:to>
+                                        <p:strVal val="visible"/>
+                                      </p:to>
+                                    </p:set>
+                                    <p:animEffect transition="in" filter="fade">
+                                      <p:cBhvr>
+                                        <p:cTn id="32" dur="500"/>
+                                        <p:tgtEl>
+                                          <p:spTgt spid="31"/>
+                                        </p:tgtEl>
+                                      </p:cBhvr>
+                                    </p:animEffect>
+                                  </p:childTnLst>
+                                </p:cTn>
+                              </p:par>
+                              <p:par>
+                                <p:cTn id="33" presetID="10" presetClass="entr" presetSubtype="0" fill="hold" grpId="0" nodeType="withEffect">
+                                  <p:stCondLst>
+                                    <p:cond delay="0"/>
+                                  </p:stCondLst>
+                                  <p:childTnLst>
+                                    <p:set>
+                                      <p:cBhvr>
+                                        <p:cTn id="34" dur="1" fill="hold">
+                                          <p:stCondLst>
+                                            <p:cond delay="0"/>
+                                          </p:stCondLst>
+                                        </p:cTn>
+                                        <p:tgtEl>
+                                          <p:spTgt spid="24"/>
+                                        </p:tgtEl>
+                                        <p:attrNameLst>
+                                          <p:attrName>style.visibility</p:attrName>
+                                        </p:attrNameLst>
+                                      </p:cBhvr>
+                                      <p:to>
+                                        <p:strVal val="visible"/>
+                                      </p:to>
+                                    </p:set>
+                                    <p:animEffect transition="in" filter="fade">
+                                      <p:cBhvr>
+                                        <p:cTn id="35" dur="500"/>
+                                        <p:tgtEl>
+                                          <p:spTgt spid="24"/>
+                                        </p:tgtEl>
+                                      </p:cBhvr>
+                                    </p:animEffect>
+                                  </p:childTnLst>
+                                </p:cTn>
+                              </p:par>
+                            </p:childTnLst>
+                          </p:cTn>
+                        </p:par>
+                      </p:childTnLst>
+                    </p:cTn>
+                  </p:par>
+                  <p:par>
+                    <p:cTn id="36" fill="hold">
+                      <p:stCondLst>
+                        <p:cond delay="indefinite"/>
+                      </p:stCondLst>
+                      <p:childTnLst>
+                        <p:par>
+                          <p:cTn id="37" fill="hold">
+                            <p:stCondLst>
+                              <p:cond delay="0"/>
+                            </p:stCondLst>
+                            <p:childTnLst>
+                              <p:par>
+                                <p:cTn id="38" presetID="10" presetClass="entr" presetSubtype="0" fill="hold" grpId="0" nodeType="clickEffect">
+                                  <p:stCondLst>
+                                    <p:cond delay="0"/>
+                                  </p:stCondLst>
+                                  <p:childTnLst>
+                                    <p:set>
+                                      <p:cBhvr>
+                                        <p:cTn id="39" dur="1" fill="hold">
+                                          <p:stCondLst>
+                                            <p:cond delay="0"/>
+                                          </p:stCondLst>
+                                        </p:cTn>
+                                        <p:tgtEl>
+                                          <p:spTgt spid="45"/>
+                                        </p:tgtEl>
+                                        <p:attrNameLst>
+                                          <p:attrName>style.visibility</p:attrName>
+                                        </p:attrNameLst>
+                                      </p:cBhvr>
+                                      <p:to>
+                                        <p:strVal val="visible"/>
+                                      </p:to>
+                                    </p:set>
+                                    <p:animEffect transition="in" filter="fade">
+                                      <p:cBhvr>
+                                        <p:cTn id="40" dur="500"/>
+                                        <p:tgtEl>
+                                          <p:spTgt spid="45"/>
+                                        </p:tgtEl>
+                                      </p:cBhvr>
+                                    </p:animEffect>
+                                  </p:childTnLst>
+                                </p:cTn>
+                              </p:par>
+                              <p:par>
+                                <p:cTn id="41" presetID="10" presetClass="entr" presetSubtype="0" fill="hold" nodeType="withEffect">
+                                  <p:stCondLst>
+                                    <p:cond delay="0"/>
+                                  </p:stCondLst>
+                                  <p:childTnLst>
+                                    <p:set>
+                                      <p:cBhvr>
+                                        <p:cTn id="42" dur="1" fill="hold">
+                                          <p:stCondLst>
+                                            <p:cond delay="0"/>
+                                          </p:stCondLst>
+                                        </p:cTn>
+                                        <p:tgtEl>
+                                          <p:spTgt spid="32"/>
+                                        </p:tgtEl>
+                                        <p:attrNameLst>
+                                          <p:attrName>style.visibility</p:attrName>
+                                        </p:attrNameLst>
+                                      </p:cBhvr>
+                                      <p:to>
+                                        <p:strVal val="visible"/>
+                                      </p:to>
+                                    </p:set>
+                                    <p:animEffect transition="in" filter="fade">
+                                      <p:cBhvr>
+                                        <p:cTn id="43" dur="500"/>
+                                        <p:tgtEl>
+                                          <p:spTgt spid="32"/>
+                                        </p:tgtEl>
+                                      </p:cBhvr>
+                                    </p:animEffect>
+                                  </p:childTnLst>
+                                </p:cTn>
+                              </p:par>
+                              <p:par>
+                                <p:cTn id="44" presetID="10" presetClass="entr" presetSubtype="0" fill="hold" grpId="0" nodeType="withEffect">
+                                  <p:stCondLst>
+                                    <p:cond delay="0"/>
+                                  </p:stCondLst>
+                                  <p:childTnLst>
+                                    <p:set>
+                                      <p:cBhvr>
+                                        <p:cTn id="45" dur="1" fill="hold">
+                                          <p:stCondLst>
+                                            <p:cond delay="0"/>
+                                          </p:stCondLst>
+                                        </p:cTn>
+                                        <p:tgtEl>
+                                          <p:spTgt spid="25"/>
+                                        </p:tgtEl>
+                                        <p:attrNameLst>
+                                          <p:attrName>style.visibility</p:attrName>
+                                        </p:attrNameLst>
+                                      </p:cBhvr>
+                                      <p:to>
+                                        <p:strVal val="visible"/>
+                                      </p:to>
+                                    </p:set>
+                                    <p:animEffect transition="in" filter="fade">
+                                      <p:cBhvr>
+                                        <p:cTn id="46" dur="500"/>
+                                        <p:tgtEl>
+                                          <p:spTgt spid="25"/>
+                                        </p:tgtEl>
+                                      </p:cBhvr>
+                                    </p:animEffect>
+                                  </p:childTnLst>
+                                </p:cTn>
+                              </p:par>
+                            </p:childTnLst>
+                          </p:cTn>
+                        </p:par>
+                      </p:childTnLst>
+                    </p:cTn>
+                  </p:par>
+                  <p:par>
+                    <p:cTn id="47" fill="hold">
+                      <p:stCondLst>
+                        <p:cond delay="indefinite"/>
+                      </p:stCondLst>
+                      <p:childTnLst>
+                        <p:par>
+                          <p:cTn id="48" fill="hold">
+                            <p:stCondLst>
+                              <p:cond delay="0"/>
+                            </p:stCondLst>
+                            <p:childTnLst>
+                              <p:par>
+                                <p:cTn id="49" presetID="10" presetClass="entr" presetSubtype="0" fill="hold" grpId="0" nodeType="clickEffect">
+                                  <p:stCondLst>
+                                    <p:cond delay="0"/>
+                                  </p:stCondLst>
+                                  <p:childTnLst>
+                                    <p:set>
+                                      <p:cBhvr>
+                                        <p:cTn id="50" dur="1" fill="hold">
+                                          <p:stCondLst>
+                                            <p:cond delay="0"/>
+                                          </p:stCondLst>
+                                        </p:cTn>
+                                        <p:tgtEl>
+                                          <p:spTgt spid="26"/>
+                                        </p:tgtEl>
+                                        <p:attrNameLst>
+                                          <p:attrName>style.visibility</p:attrName>
+                                        </p:attrNameLst>
+                                      </p:cBhvr>
+                                      <p:to>
+                                        <p:strVal val="visible"/>
+                                      </p:to>
+                                    </p:set>
+                                    <p:animEffect transition="in" filter="fade">
+                                      <p:cBhvr>
+                                        <p:cTn id="51" dur="500"/>
+                                        <p:tgtEl>
+                                          <p:spTgt spid="26"/>
+                                        </p:tgtEl>
+                                      </p:cBhvr>
+                                    </p:animEffect>
+                                  </p:childTnLst>
+                                </p:cTn>
+                              </p:par>
+                              <p:par>
+                                <p:cTn id="52" presetID="10" presetClass="entr" presetSubtype="0" fill="hold" nodeType="withEffect">
+                                  <p:stCondLst>
+                                    <p:cond delay="0"/>
+                                  </p:stCondLst>
+                                  <p:childTnLst>
+                                    <p:set>
+                                      <p:cBhvr>
+                                        <p:cTn id="53" dur="1" fill="hold">
+                                          <p:stCondLst>
+                                            <p:cond delay="0"/>
+                                          </p:stCondLst>
+                                        </p:cTn>
+                                        <p:tgtEl>
+                                          <p:spTgt spid="33"/>
+                                        </p:tgtEl>
+                                        <p:attrNameLst>
+                                          <p:attrName>style.visibility</p:attrName>
+                                        </p:attrNameLst>
+                                      </p:cBhvr>
+                                      <p:to>
+                                        <p:strVal val="visible"/>
+                                      </p:to>
+                                    </p:set>
+                                    <p:animEffect transition="in" filter="fade">
+                                      <p:cBhvr>
+                                        <p:cTn id="54" dur="500"/>
+                                        <p:tgtEl>
+                                          <p:spTgt spid="33"/>
+                                        </p:tgtEl>
+                                      </p:cBhvr>
+                                    </p:animEffect>
+                                  </p:childTnLst>
+                                </p:cTn>
+                              </p:par>
+                              <p:par>
+                                <p:cTn id="55" presetID="10" presetClass="entr" presetSubtype="0" fill="hold" grpId="0" nodeType="withEffect">
+                                  <p:stCondLst>
+                                    <p:cond delay="0"/>
+                                  </p:stCondLst>
+                                  <p:childTnLst>
+                                    <p:set>
+                                      <p:cBhvr>
+                                        <p:cTn id="56" dur="1" fill="hold">
+                                          <p:stCondLst>
+                                            <p:cond delay="0"/>
+                                          </p:stCondLst>
+                                        </p:cTn>
+                                        <p:tgtEl>
+                                          <p:spTgt spid="47"/>
+                                        </p:tgtEl>
+                                        <p:attrNameLst>
+                                          <p:attrName>style.visibility</p:attrName>
+                                        </p:attrNameLst>
+                                      </p:cBhvr>
+                                      <p:to>
+                                        <p:strVal val="visible"/>
+                                      </p:to>
+                                    </p:set>
+                                    <p:animEffect transition="in" filter="fade">
+                                      <p:cBhvr>
+                                        <p:cTn id="57" dur="500"/>
+                                        <p:tgtEl>
+                                          <p:spTgt spid="47"/>
+                                        </p:tgtEl>
+                                      </p:cBhvr>
+                                    </p:animEffect>
+                                  </p:childTnLst>
+                                </p:cTn>
+                              </p:par>
+                            </p:childTnLst>
+                          </p:cTn>
+                        </p:par>
+                      </p:childTnLst>
+                    </p:cTn>
+                  </p:par>
+                  <p:par>
+                    <p:cTn id="58" fill="hold">
+                      <p:stCondLst>
+                        <p:cond delay="indefinite"/>
+                      </p:stCondLst>
+                      <p:childTnLst>
+                        <p:par>
+                          <p:cTn id="59" fill="hold">
+                            <p:stCondLst>
+                              <p:cond delay="0"/>
+                            </p:stCondLst>
+                            <p:childTnLst>
+                              <p:par>
+                                <p:cTn id="60" presetID="10" presetClass="entr" presetSubtype="0" fill="hold" grpId="0" nodeType="clickEffect">
+                                  <p:stCondLst>
+                                    <p:cond delay="0"/>
+                                  </p:stCondLst>
+                                  <p:childTnLst>
+                                    <p:set>
+                                      <p:cBhvr>
+                                        <p:cTn id="61" dur="1" fill="hold">
+                                          <p:stCondLst>
+                                            <p:cond delay="0"/>
+                                          </p:stCondLst>
+                                        </p:cTn>
+                                        <p:tgtEl>
+                                          <p:spTgt spid="48"/>
+                                        </p:tgtEl>
+                                        <p:attrNameLst>
+                                          <p:attrName>style.visibility</p:attrName>
+                                        </p:attrNameLst>
+                                      </p:cBhvr>
+                                      <p:to>
+                                        <p:strVal val="visible"/>
+                                      </p:to>
+                                    </p:set>
+                                    <p:animEffect transition="in" filter="fade">
+                                      <p:cBhvr>
+                                        <p:cTn id="62" dur="500"/>
+                                        <p:tgtEl>
+                                          <p:spTgt spid="48"/>
+                                        </p:tgtEl>
+                                      </p:cBhvr>
+                                    </p:animEffect>
+                                  </p:childTnLst>
+                                </p:cTn>
+                              </p:par>
+                              <p:par>
+                                <p:cTn id="63" presetID="10" presetClass="entr" presetSubtype="0" fill="hold" nodeType="withEffect">
+                                  <p:stCondLst>
+                                    <p:cond delay="0"/>
+                                  </p:stCondLst>
+                                  <p:childTnLst>
+                                    <p:set>
+                                      <p:cBhvr>
+                                        <p:cTn id="64" dur="1" fill="hold">
+                                          <p:stCondLst>
+                                            <p:cond delay="0"/>
+                                          </p:stCondLst>
+                                        </p:cTn>
+                                        <p:tgtEl>
+                                          <p:spTgt spid="35"/>
+                                        </p:tgtEl>
+                                        <p:attrNameLst>
+                                          <p:attrName>style.visibility</p:attrName>
+                                        </p:attrNameLst>
+                                      </p:cBhvr>
+                                      <p:to>
+                                        <p:strVal val="visible"/>
+                                      </p:to>
+                                    </p:set>
+                                    <p:animEffect transition="in" filter="fade">
+                                      <p:cBhvr>
+                                        <p:cTn id="65" dur="500"/>
+                                        <p:tgtEl>
+                                          <p:spTgt spid="35"/>
+                                        </p:tgtEl>
+                                      </p:cBhvr>
+                                    </p:animEffect>
+                                  </p:childTnLst>
+                                </p:cTn>
+                              </p:par>
+                              <p:par>
+                                <p:cTn id="66" presetID="10" presetClass="entr" presetSubtype="0" fill="hold" grpId="0" nodeType="withEffect">
+                                  <p:stCondLst>
+                                    <p:cond delay="0"/>
+                                  </p:stCondLst>
+                                  <p:childTnLst>
+                                    <p:set>
+                                      <p:cBhvr>
+                                        <p:cTn id="67" dur="1" fill="hold">
+                                          <p:stCondLst>
+                                            <p:cond delay="0"/>
+                                          </p:stCondLst>
+                                        </p:cTn>
+                                        <p:tgtEl>
+                                          <p:spTgt spid="28"/>
+                                        </p:tgtEl>
+                                        <p:attrNameLst>
+                                          <p:attrName>style.visibility</p:attrName>
+                                        </p:attrNameLst>
+                                      </p:cBhvr>
+                                      <p:to>
+                                        <p:strVal val="visible"/>
+                                      </p:to>
+                                    </p:set>
+                                    <p:animEffect transition="in" filter="fade">
+                                      <p:cBhvr>
+                                        <p:cTn id="68" dur="500"/>
+                                        <p:tgtEl>
+                                          <p:spTgt spid="28"/>
+                                        </p:tgtEl>
+                                      </p:cBhvr>
+                                    </p:animEffect>
+                                  </p:childTnLst>
+                                </p:cTn>
+                              </p:par>
+                            </p:childTnLst>
+                          </p:cTn>
+                        </p:par>
+                      </p:childTnLst>
+                    </p:cTn>
+                  </p:par>
+                </p:childTnLst>
+              </p:cTn>
+              <p:prevCondLst>
+                <p:cond evt="onPrev" delay="0">
+                  <p:tgtEl>
+                    <p:sldTgt/>
+                  </p:tgtEl>
+                </p:cond>
+              </p:prevCondLst>
+              <p:nextCondLst>
+                <p:cond evt="onNext" delay="0">
+                  <p:tgtEl>
+                    <p:sldTgt/>
+                  </p:tgtEl>
+                </p:cond>
+              </p:nextCondLst>
+            </p:seq>
+          </p:childTnLst>
+        </p:cTn>
+      </p:par>
+    </p:tnLst>
+    <p:bldLst>
+      <p:bldP spid="17" grpId="0" animBg="1"/>
+      <p:bldP spid="19" grpId="0"/>
+      <p:bldP spid="23" grpId="0" animBg="1"/>
+      <p:bldP spid="24" grpId="0" animBg="1"/>
+      <p:bldP spid="25" grpId="0" animBg="1"/>
+      <p:bldP spid="26" grpId="0" animBg="1"/>
+      <p:bldP spid="28" grpId="0" animBg="1"/>
+      <p:bldP spid="43" grpId="0"/>
+      <p:bldP spid="44" grpId="0"/>
+      <p:bldP spid="45" grpId="0"/>
+      <p:bldP spid="47" grpId="0"/>
+      <p:bldP spid="48" grpId="0"/>
+    </p:bldLst>
+  </p:timing>
+</p:sld>
+</file>
+
+<file path=ppt/slides/slide11.xml><?xml version="1.0" encoding="utf-8"?>
+<p:sld xmlns:a="http://schemas.openxmlformats.org/drawingml/2006/main" xmlns:r="http://schemas.openxmlformats.org/officeDocument/2006/relationships" xmlns:p="http://schemas.openxmlformats.org/presentationml/2006/main">
+  <p:cSld>
+    <p:spTree>
+      <p:nvGrpSpPr>
+        <p:cNvPr id="1" name=""/>
+        <p:cNvGrpSpPr/>
+        <p:nvPr/>
+      </p:nvGrpSpPr>
+      <p:grpSpPr>
+        <a:xfrm>
+          <a:off x="0" y="0"/>
+          <a:ext cx="0" cy="0"/>
+          <a:chOff x="0" y="0"/>
+          <a:chExt cx="0" cy="0"/>
+        </a:xfrm>
+      </p:grpSpPr>
       <p:sp>
         <p:nvSpPr>
           <p:cNvPr id="2" name="Título 1"/>
@@ -4250,7 +5915,7 @@
 </p:sld>
 </file>
 
-<file path=ppt/slides/slide11.xml><?xml version="1.0" encoding="utf-8"?>
+<file path=ppt/slides/slide12.xml><?xml version="1.0" encoding="utf-8"?>
 <p:sld xmlns:a="http://schemas.openxmlformats.org/drawingml/2006/main" xmlns:r="http://schemas.openxmlformats.org/officeDocument/2006/relationships" xmlns:p="http://schemas.openxmlformats.org/presentationml/2006/main">
   <p:cSld>
     <p:spTree>
@@ -5412,7 +7077,7 @@
 </p:sld>
 </file>
 
-<file path=ppt/slides/slide12.xml><?xml version="1.0" encoding="utf-8"?>
+<file path=ppt/slides/slide13.xml><?xml version="1.0" encoding="utf-8"?>
 <p:sld xmlns:a="http://schemas.openxmlformats.org/drawingml/2006/main" xmlns:r="http://schemas.openxmlformats.org/officeDocument/2006/relationships" xmlns:p="http://schemas.openxmlformats.org/presentationml/2006/main">
   <p:cSld>
     <p:spTree>
@@ -5455,13 +7120,7 @@
               <a:rPr lang="pt-BR" sz="3200" dirty="0" smtClean="0">
                 <a:latin typeface="Consolas" panose="020B0609020204030204" pitchFamily="49" charset="0"/>
               </a:rPr>
-              <a:t>Operadores </a:t>
-            </a:r>
-            <a:r>
-              <a:rPr lang="pt-BR" sz="3200" dirty="0" smtClean="0">
-                <a:latin typeface="Consolas" panose="020B0609020204030204" pitchFamily="49" charset="0"/>
-              </a:rPr>
-              <a:t>relacionais (Comparação)</a:t>
+              <a:t>Operadores relacionais (Comparação)</a:t>
             </a:r>
             <a:endParaRPr lang="pt-BR" sz="3200" dirty="0">
               <a:latin typeface="Consolas" panose="020B0609020204030204" pitchFamily="49" charset="0"/>
@@ -6243,9 +7902,6 @@
               </a:rPr>
               <a:t>1</a:t>
             </a:r>
-            <a:endParaRPr lang="pt-BR" sz="2000" b="1" dirty="0">
-              <a:latin typeface="Consolas" panose="020B0609020204030204" pitchFamily="49" charset="0"/>
-            </a:endParaRPr>
           </a:p>
         </p:txBody>
       </p:sp>
@@ -7089,9 +8745,6 @@
               </a:rPr>
               <a:t>Maior ou igual</a:t>
             </a:r>
-            <a:endParaRPr lang="pt-BR" sz="2000" b="1" dirty="0">
-              <a:latin typeface="Consolas" panose="020B0609020204030204" pitchFamily="49" charset="0"/>
-            </a:endParaRPr>
           </a:p>
         </p:txBody>
       </p:sp>
@@ -8526,7 +10179,7 @@
 </p:sld>
 </file>
 
-<file path=ppt/slides/slide13.xml><?xml version="1.0" encoding="utf-8"?>
+<file path=ppt/slides/slide14.xml><?xml version="1.0" encoding="utf-8"?>
 <p:sld xmlns:a="http://schemas.openxmlformats.org/drawingml/2006/main" xmlns:r="http://schemas.openxmlformats.org/officeDocument/2006/relationships" xmlns:p="http://schemas.openxmlformats.org/presentationml/2006/main">
   <p:cSld>
     <p:spTree>
@@ -8704,7 +10357,43 @@
                 </a:solidFill>
                 <a:latin typeface="Consolas" panose="020B0609020204030204" pitchFamily="49" charset="0"/>
               </a:rPr>
-              <a:t>t</a:t>
+              <a:t>true</a:t>
+            </a:r>
+            <a:r>
+              <a:rPr lang="pt-BR" sz="2000" b="1" dirty="0">
+                <a:solidFill>
+                  <a:srgbClr val="0000FF"/>
+                </a:solidFill>
+                <a:latin typeface="Consolas" panose="020B0609020204030204" pitchFamily="49" charset="0"/>
+              </a:rPr>
+              <a:t> </a:t>
+            </a:r>
+            <a:r>
+              <a:rPr lang="pt-BR" sz="2000" b="1" dirty="0" smtClean="0">
+                <a:solidFill>
+                  <a:srgbClr val="0000FF"/>
+                </a:solidFill>
+                <a:latin typeface="Consolas" panose="020B0609020204030204" pitchFamily="49" charset="0"/>
+              </a:rPr>
+              <a:t> </a:t>
+            </a:r>
+            <a:r>
+              <a:rPr lang="pt-BR" sz="2000" b="1" dirty="0" smtClean="0">
+                <a:solidFill>
+                  <a:srgbClr val="00FF00"/>
+                </a:solidFill>
+                <a:latin typeface="Consolas" panose="020B0609020204030204" pitchFamily="49" charset="0"/>
+              </a:rPr>
+              <a:t>&amp;&amp;</a:t>
+            </a:r>
+            <a:r>
+              <a:rPr lang="pt-BR" sz="2000" b="1" dirty="0" smtClean="0">
+                <a:solidFill>
+                  <a:srgbClr val="0000FF"/>
+                </a:solidFill>
+                <a:latin typeface="Consolas" panose="020B0609020204030204" pitchFamily="49" charset="0"/>
+              </a:rPr>
+              <a:t> </a:t>
             </a:r>
             <a:r>
               <a:rPr lang="pt-BR" sz="2000" b="1" dirty="0" err="1" smtClean="0">
@@ -8713,7 +10402,74 @@
                 </a:solidFill>
                 <a:latin typeface="Consolas" panose="020B0609020204030204" pitchFamily="49" charset="0"/>
               </a:rPr>
-              <a:t>rue</a:t>
+              <a:t>true</a:t>
+            </a:r>
+            <a:r>
+              <a:rPr lang="pt-BR" sz="2000" b="1" dirty="0" smtClean="0">
+                <a:solidFill>
+                  <a:srgbClr val="0000FF"/>
+                </a:solidFill>
+                <a:latin typeface="Consolas" panose="020B0609020204030204" pitchFamily="49" charset="0"/>
+              </a:rPr>
+              <a:t>   </a:t>
+            </a:r>
+            <a:r>
+              <a:rPr lang="pt-BR" sz="2000" b="1" dirty="0" smtClean="0">
+                <a:latin typeface="Consolas" panose="020B0609020204030204" pitchFamily="49" charset="0"/>
+              </a:rPr>
+              <a:t>→</a:t>
+            </a:r>
+            <a:r>
+              <a:rPr lang="pt-BR" sz="2000" b="1" dirty="0" smtClean="0">
+                <a:solidFill>
+                  <a:srgbClr val="0000FF"/>
+                </a:solidFill>
+                <a:latin typeface="Consolas" panose="020B0609020204030204" pitchFamily="49" charset="0"/>
+              </a:rPr>
+              <a:t> </a:t>
+            </a:r>
+            <a:r>
+              <a:rPr lang="pt-BR" sz="2000" b="1" dirty="0" err="1" smtClean="0">
+                <a:latin typeface="Consolas" panose="020B0609020204030204" pitchFamily="49" charset="0"/>
+              </a:rPr>
+              <a:t>true</a:t>
+            </a:r>
+            <a:endParaRPr lang="pt-BR" sz="2000" b="1" dirty="0">
+              <a:latin typeface="Consolas" panose="020B0609020204030204" pitchFamily="49" charset="0"/>
+            </a:endParaRPr>
+          </a:p>
+        </p:txBody>
+      </p:sp>
+      <p:sp>
+        <p:nvSpPr>
+          <p:cNvPr id="9" name="CaixaDeTexto 8"/>
+          <p:cNvSpPr txBox="1"/>
+          <p:nvPr/>
+        </p:nvSpPr>
+        <p:spPr>
+          <a:xfrm>
+            <a:off x="920089" y="2477114"/>
+            <a:ext cx="3722999" cy="400110"/>
+          </a:xfrm>
+          <a:prstGeom prst="rect">
+            <a:avLst/>
+          </a:prstGeom>
+          <a:noFill/>
+        </p:spPr>
+        <p:txBody>
+          <a:bodyPr wrap="square" rtlCol="0">
+            <a:spAutoFit/>
+          </a:bodyPr>
+          <a:lstStyle/>
+          <a:p>
+            <a:r>
+              <a:rPr lang="pt-BR" sz="2000" b="1" dirty="0" err="1" smtClean="0">
+                <a:solidFill>
+                  <a:srgbClr val="0000FF"/>
+                </a:solidFill>
+                <a:latin typeface="Consolas" panose="020B0609020204030204" pitchFamily="49" charset="0"/>
+              </a:rPr>
+              <a:t>true</a:t>
             </a:r>
             <a:r>
               <a:rPr lang="pt-BR" sz="2000" b="1" dirty="0">
@@ -8749,6 +10505,91 @@
                 </a:solidFill>
                 <a:latin typeface="Consolas" panose="020B0609020204030204" pitchFamily="49" charset="0"/>
               </a:rPr>
+              <a:t> false  </a:t>
+            </a:r>
+            <a:r>
+              <a:rPr lang="pt-BR" sz="2000" b="1" dirty="0" smtClean="0">
+                <a:latin typeface="Consolas" panose="020B0609020204030204" pitchFamily="49" charset="0"/>
+              </a:rPr>
+              <a:t>→</a:t>
+            </a:r>
+            <a:r>
+              <a:rPr lang="pt-BR" sz="2000" b="1" dirty="0" smtClean="0">
+                <a:solidFill>
+                  <a:srgbClr val="0000FF"/>
+                </a:solidFill>
+                <a:latin typeface="Consolas" panose="020B0609020204030204" pitchFamily="49" charset="0"/>
+              </a:rPr>
+              <a:t> </a:t>
+            </a:r>
+            <a:r>
+              <a:rPr lang="pt-BR" sz="2000" b="1" dirty="0" smtClean="0">
+                <a:latin typeface="Consolas" panose="020B0609020204030204" pitchFamily="49" charset="0"/>
+              </a:rPr>
+              <a:t>false</a:t>
+            </a:r>
+            <a:endParaRPr lang="pt-BR" sz="2000" b="1" dirty="0">
+              <a:latin typeface="Consolas" panose="020B0609020204030204" pitchFamily="49" charset="0"/>
+            </a:endParaRPr>
+          </a:p>
+        </p:txBody>
+      </p:sp>
+      <p:sp>
+        <p:nvSpPr>
+          <p:cNvPr id="10" name="CaixaDeTexto 9"/>
+          <p:cNvSpPr txBox="1"/>
+          <p:nvPr/>
+        </p:nvSpPr>
+        <p:spPr>
+          <a:xfrm>
+            <a:off x="920088" y="2911489"/>
+            <a:ext cx="3723000" cy="400110"/>
+          </a:xfrm>
+          <a:prstGeom prst="rect">
+            <a:avLst/>
+          </a:prstGeom>
+          <a:noFill/>
+        </p:spPr>
+        <p:txBody>
+          <a:bodyPr wrap="square" rtlCol="0">
+            <a:spAutoFit/>
+          </a:bodyPr>
+          <a:lstStyle/>
+          <a:p>
+            <a:r>
+              <a:rPr lang="pt-BR" sz="2000" b="1" dirty="0">
+                <a:solidFill>
+                  <a:srgbClr val="0000FF"/>
+                </a:solidFill>
+                <a:latin typeface="Consolas" panose="020B0609020204030204" pitchFamily="49" charset="0"/>
+              </a:rPr>
+              <a:t>f</a:t>
+            </a:r>
+            <a:r>
+              <a:rPr lang="pt-BR" sz="2000" b="1" dirty="0" smtClean="0">
+                <a:solidFill>
+                  <a:srgbClr val="0000FF"/>
+                </a:solidFill>
+                <a:latin typeface="Consolas" panose="020B0609020204030204" pitchFamily="49" charset="0"/>
+              </a:rPr>
+              <a:t>alse </a:t>
+            </a:r>
+            <a:r>
+              <a:rPr lang="pt-BR" sz="2000" b="1" dirty="0" smtClean="0">
+                <a:solidFill>
+                  <a:srgbClr val="00FF00"/>
+                </a:solidFill>
+                <a:latin typeface="Consolas" panose="020B0609020204030204" pitchFamily="49" charset="0"/>
+              </a:rPr>
+              <a:t>&amp;&amp;</a:t>
+            </a:r>
+            <a:r>
+              <a:rPr lang="pt-BR" sz="2000" b="1" dirty="0" smtClean="0">
+                <a:solidFill>
+                  <a:srgbClr val="0000FF"/>
+                </a:solidFill>
+                <a:latin typeface="Consolas" panose="020B0609020204030204" pitchFamily="49" charset="0"/>
+              </a:rPr>
               <a:t> </a:t>
             </a:r>
             <a:r>
@@ -8785,27 +10626,106 @@
               <a:t> </a:t>
             </a:r>
             <a:r>
-              <a:rPr lang="pt-BR" sz="2000" b="1" dirty="0" err="1" smtClean="0">
-                <a:latin typeface="Consolas" panose="020B0609020204030204" pitchFamily="49" charset="0"/>
-              </a:rPr>
-              <a:t>true</a:t>
-            </a:r>
-            <a:endParaRPr lang="pt-BR" sz="2000" b="1" dirty="0">
-              <a:latin typeface="Consolas" panose="020B0609020204030204" pitchFamily="49" charset="0"/>
-            </a:endParaRPr>
-          </a:p>
-        </p:txBody>
-      </p:sp>
-      <p:sp>
-        <p:nvSpPr>
-          <p:cNvPr id="9" name="CaixaDeTexto 8"/>
+              <a:rPr lang="pt-BR" sz="2000" b="1" dirty="0">
+                <a:latin typeface="Consolas" panose="020B0609020204030204" pitchFamily="49" charset="0"/>
+              </a:rPr>
+              <a:t>false</a:t>
+            </a:r>
+          </a:p>
+        </p:txBody>
+      </p:sp>
+      <p:sp>
+        <p:nvSpPr>
+          <p:cNvPr id="11" name="CaixaDeTexto 10"/>
           <p:cNvSpPr txBox="1"/>
           <p:nvPr/>
         </p:nvSpPr>
         <p:spPr>
           <a:xfrm>
-            <a:off x="920089" y="2477114"/>
-            <a:ext cx="3722999" cy="400110"/>
+            <a:off x="920087" y="3345864"/>
+            <a:ext cx="3723001" cy="400110"/>
+          </a:xfrm>
+          <a:prstGeom prst="rect">
+            <a:avLst/>
+          </a:prstGeom>
+          <a:noFill/>
+        </p:spPr>
+        <p:txBody>
+          <a:bodyPr wrap="square" rtlCol="0">
+            <a:spAutoFit/>
+          </a:bodyPr>
+          <a:lstStyle/>
+          <a:p>
+            <a:r>
+              <a:rPr lang="pt-BR" sz="2000" b="1" dirty="0">
+                <a:solidFill>
+                  <a:srgbClr val="0000FF"/>
+                </a:solidFill>
+                <a:latin typeface="Consolas" panose="020B0609020204030204" pitchFamily="49" charset="0"/>
+              </a:rPr>
+              <a:t>f</a:t>
+            </a:r>
+            <a:r>
+              <a:rPr lang="pt-BR" sz="2000" b="1" dirty="0" smtClean="0">
+                <a:solidFill>
+                  <a:srgbClr val="0000FF"/>
+                </a:solidFill>
+                <a:latin typeface="Consolas" panose="020B0609020204030204" pitchFamily="49" charset="0"/>
+              </a:rPr>
+              <a:t>alse </a:t>
+            </a:r>
+            <a:r>
+              <a:rPr lang="pt-BR" sz="2000" b="1" dirty="0" smtClean="0">
+                <a:solidFill>
+                  <a:srgbClr val="00FF00"/>
+                </a:solidFill>
+                <a:latin typeface="Consolas" panose="020B0609020204030204" pitchFamily="49" charset="0"/>
+              </a:rPr>
+              <a:t>&amp;&amp;</a:t>
+            </a:r>
+            <a:r>
+              <a:rPr lang="pt-BR" sz="2000" b="1" dirty="0" smtClean="0">
+                <a:solidFill>
+                  <a:srgbClr val="0000FF"/>
+                </a:solidFill>
+                <a:latin typeface="Consolas" panose="020B0609020204030204" pitchFamily="49" charset="0"/>
+              </a:rPr>
+              <a:t> false  </a:t>
+            </a:r>
+            <a:r>
+              <a:rPr lang="pt-BR" sz="2000" b="1" dirty="0" smtClean="0">
+                <a:latin typeface="Consolas" panose="020B0609020204030204" pitchFamily="49" charset="0"/>
+              </a:rPr>
+              <a:t>→</a:t>
+            </a:r>
+            <a:r>
+              <a:rPr lang="pt-BR" sz="2000" b="1" dirty="0" smtClean="0">
+                <a:solidFill>
+                  <a:srgbClr val="0000FF"/>
+                </a:solidFill>
+                <a:latin typeface="Consolas" panose="020B0609020204030204" pitchFamily="49" charset="0"/>
+              </a:rPr>
+              <a:t> </a:t>
+            </a:r>
+            <a:r>
+              <a:rPr lang="pt-BR" sz="2000" b="1" dirty="0">
+                <a:latin typeface="Consolas" panose="020B0609020204030204" pitchFamily="49" charset="0"/>
+              </a:rPr>
+              <a:t>false</a:t>
+            </a:r>
+          </a:p>
+        </p:txBody>
+      </p:sp>
+      <p:sp>
+        <p:nvSpPr>
+          <p:cNvPr id="12" name="CaixaDeTexto 11"/>
+          <p:cNvSpPr txBox="1"/>
+          <p:nvPr/>
+        </p:nvSpPr>
+        <p:spPr>
+          <a:xfrm>
+            <a:off x="6270028" y="2042739"/>
+            <a:ext cx="3829336" cy="400110"/>
           </a:xfrm>
           <a:prstGeom prst="rect">
             <a:avLst/>
@@ -8825,7 +10745,34 @@
                 </a:solidFill>
                 <a:latin typeface="Consolas" panose="020B0609020204030204" pitchFamily="49" charset="0"/>
               </a:rPr>
-              <a:t>t</a:t>
+              <a:t>true</a:t>
+            </a:r>
+            <a:r>
+              <a:rPr lang="pt-BR" sz="2000" b="1" dirty="0">
+                <a:solidFill>
+                  <a:srgbClr val="0000FF"/>
+                </a:solidFill>
+                <a:latin typeface="Consolas" panose="020B0609020204030204" pitchFamily="49" charset="0"/>
+              </a:rPr>
+              <a:t> </a:t>
+            </a:r>
+            <a:r>
+              <a:rPr lang="pt-BR" sz="2000" b="1" dirty="0" smtClean="0">
+                <a:solidFill>
+                  <a:srgbClr val="0000FF"/>
+                </a:solidFill>
+                <a:latin typeface="Consolas" panose="020B0609020204030204" pitchFamily="49" charset="0"/>
+              </a:rPr>
+              <a:t> </a:t>
+            </a:r>
+            <a:r>
+              <a:rPr lang="pt-BR" sz="2000" b="1" dirty="0" smtClean="0">
+                <a:solidFill>
+                  <a:srgbClr val="00FF00"/>
+                </a:solidFill>
+                <a:latin typeface="Consolas" panose="020B0609020204030204" pitchFamily="49" charset="0"/>
+              </a:rPr>
+              <a:t>|| </a:t>
             </a:r>
             <a:r>
               <a:rPr lang="pt-BR" sz="2000" b="1" dirty="0" err="1" smtClean="0">
@@ -8834,7 +10781,74 @@
                 </a:solidFill>
                 <a:latin typeface="Consolas" panose="020B0609020204030204" pitchFamily="49" charset="0"/>
               </a:rPr>
-              <a:t>rue</a:t>
+              <a:t>true</a:t>
+            </a:r>
+            <a:r>
+              <a:rPr lang="pt-BR" sz="2000" b="1" dirty="0" smtClean="0">
+                <a:solidFill>
+                  <a:srgbClr val="0000FF"/>
+                </a:solidFill>
+                <a:latin typeface="Consolas" panose="020B0609020204030204" pitchFamily="49" charset="0"/>
+              </a:rPr>
+              <a:t>   </a:t>
+            </a:r>
+            <a:r>
+              <a:rPr lang="pt-BR" sz="2000" b="1" dirty="0" smtClean="0">
+                <a:latin typeface="Consolas" panose="020B0609020204030204" pitchFamily="49" charset="0"/>
+              </a:rPr>
+              <a:t>→</a:t>
+            </a:r>
+            <a:r>
+              <a:rPr lang="pt-BR" sz="2000" b="1" dirty="0" smtClean="0">
+                <a:solidFill>
+                  <a:srgbClr val="0000FF"/>
+                </a:solidFill>
+                <a:latin typeface="Consolas" panose="020B0609020204030204" pitchFamily="49" charset="0"/>
+              </a:rPr>
+              <a:t> </a:t>
+            </a:r>
+            <a:r>
+              <a:rPr lang="pt-BR" sz="2000" b="1" dirty="0" err="1" smtClean="0">
+                <a:latin typeface="Consolas" panose="020B0609020204030204" pitchFamily="49" charset="0"/>
+              </a:rPr>
+              <a:t>true</a:t>
+            </a:r>
+            <a:endParaRPr lang="pt-BR" sz="2000" b="1" dirty="0">
+              <a:latin typeface="Consolas" panose="020B0609020204030204" pitchFamily="49" charset="0"/>
+            </a:endParaRPr>
+          </a:p>
+        </p:txBody>
+      </p:sp>
+      <p:sp>
+        <p:nvSpPr>
+          <p:cNvPr id="13" name="CaixaDeTexto 12"/>
+          <p:cNvSpPr txBox="1"/>
+          <p:nvPr/>
+        </p:nvSpPr>
+        <p:spPr>
+          <a:xfrm>
+            <a:off x="6270028" y="2477114"/>
+            <a:ext cx="3722999" cy="400110"/>
+          </a:xfrm>
+          <a:prstGeom prst="rect">
+            <a:avLst/>
+          </a:prstGeom>
+          <a:noFill/>
+        </p:spPr>
+        <p:txBody>
+          <a:bodyPr wrap="square" rtlCol="0">
+            <a:spAutoFit/>
+          </a:bodyPr>
+          <a:lstStyle/>
+          <a:p>
+            <a:r>
+              <a:rPr lang="pt-BR" sz="2000" b="1" dirty="0" err="1" smtClean="0">
+                <a:solidFill>
+                  <a:srgbClr val="0000FF"/>
+                </a:solidFill>
+                <a:latin typeface="Consolas" panose="020B0609020204030204" pitchFamily="49" charset="0"/>
+              </a:rPr>
+              <a:t>true</a:t>
             </a:r>
             <a:r>
               <a:rPr lang="pt-BR" sz="2000" b="1" dirty="0">
@@ -8861,7 +10875,7 @@
                 </a:solidFill>
                 <a:latin typeface="Consolas" panose="020B0609020204030204" pitchFamily="49" charset="0"/>
               </a:rPr>
-              <a:t>&amp;&amp;</a:t>
+              <a:t>|| </a:t>
             </a:r>
             <a:r>
               <a:rPr lang="pt-BR" sz="2000" b="1" dirty="0" smtClean="0">
@@ -8870,7 +10884,7 @@
                 </a:solidFill>
                 <a:latin typeface="Consolas" panose="020B0609020204030204" pitchFamily="49" charset="0"/>
               </a:rPr>
-              <a:t> false  </a:t>
+              <a:t>false  </a:t>
             </a:r>
             <a:r>
               <a:rPr lang="pt-BR" sz="2000" b="1" dirty="0" smtClean="0">
@@ -8888,10 +10902,10 @@
               <a:t> </a:t>
             </a:r>
             <a:r>
-              <a:rPr lang="pt-BR" sz="2000" b="1" dirty="0" smtClean="0">
-                <a:latin typeface="Consolas" panose="020B0609020204030204" pitchFamily="49" charset="0"/>
-              </a:rPr>
-              <a:t>false</a:t>
+              <a:rPr lang="pt-BR" sz="2000" b="1" dirty="0" err="1" smtClean="0">
+                <a:latin typeface="Consolas" panose="020B0609020204030204" pitchFamily="49" charset="0"/>
+              </a:rPr>
+              <a:t>true</a:t>
             </a:r>
             <a:endParaRPr lang="pt-BR" sz="2000" b="1" dirty="0">
               <a:latin typeface="Consolas" panose="020B0609020204030204" pitchFamily="49" charset="0"/>
@@ -8901,14 +10915,99 @@
       </p:sp>
       <p:sp>
         <p:nvSpPr>
-          <p:cNvPr id="10" name="CaixaDeTexto 9"/>
+          <p:cNvPr id="14" name="CaixaDeTexto 13"/>
           <p:cNvSpPr txBox="1"/>
           <p:nvPr/>
         </p:nvSpPr>
         <p:spPr>
           <a:xfrm>
-            <a:off x="920088" y="2911489"/>
+            <a:off x="6270027" y="2911489"/>
             <a:ext cx="3723000" cy="400110"/>
+          </a:xfrm>
+          <a:prstGeom prst="rect">
+            <a:avLst/>
+          </a:prstGeom>
+          <a:noFill/>
+        </p:spPr>
+        <p:txBody>
+          <a:bodyPr wrap="square" rtlCol="0">
+            <a:spAutoFit/>
+          </a:bodyPr>
+          <a:lstStyle/>
+          <a:p>
+            <a:r>
+              <a:rPr lang="pt-BR" sz="2000" b="1" dirty="0" smtClean="0">
+                <a:solidFill>
+                  <a:srgbClr val="0000FF"/>
+                </a:solidFill>
+                <a:latin typeface="Consolas" panose="020B0609020204030204" pitchFamily="49" charset="0"/>
+              </a:rPr>
+              <a:t>false </a:t>
+            </a:r>
+            <a:r>
+              <a:rPr lang="pt-BR" sz="2000" b="1" dirty="0" smtClean="0">
+                <a:solidFill>
+                  <a:srgbClr val="00FF00"/>
+                </a:solidFill>
+                <a:latin typeface="Consolas" panose="020B0609020204030204" pitchFamily="49" charset="0"/>
+              </a:rPr>
+              <a:t>|| </a:t>
+            </a:r>
+            <a:r>
+              <a:rPr lang="pt-BR" sz="2000" b="1" dirty="0" err="1" smtClean="0">
+                <a:solidFill>
+                  <a:srgbClr val="0000FF"/>
+                </a:solidFill>
+                <a:latin typeface="Consolas" panose="020B0609020204030204" pitchFamily="49" charset="0"/>
+              </a:rPr>
+              <a:t>true</a:t>
+            </a:r>
+            <a:r>
+              <a:rPr lang="pt-BR" sz="2000" b="1" dirty="0" smtClean="0">
+                <a:solidFill>
+                  <a:srgbClr val="0000FF"/>
+                </a:solidFill>
+                <a:latin typeface="Consolas" panose="020B0609020204030204" pitchFamily="49" charset="0"/>
+              </a:rPr>
+              <a:t>   </a:t>
+            </a:r>
+            <a:r>
+              <a:rPr lang="pt-BR" sz="2000" b="1" dirty="0" smtClean="0">
+                <a:latin typeface="Consolas" panose="020B0609020204030204" pitchFamily="49" charset="0"/>
+              </a:rPr>
+              <a:t>→</a:t>
+            </a:r>
+            <a:r>
+              <a:rPr lang="pt-BR" sz="2000" b="1" dirty="0" smtClean="0">
+                <a:solidFill>
+                  <a:srgbClr val="0000FF"/>
+                </a:solidFill>
+                <a:latin typeface="Consolas" panose="020B0609020204030204" pitchFamily="49" charset="0"/>
+              </a:rPr>
+              <a:t> </a:t>
+            </a:r>
+            <a:r>
+              <a:rPr lang="pt-BR" sz="2000" b="1" dirty="0" err="1" smtClean="0">
+                <a:latin typeface="Consolas" panose="020B0609020204030204" pitchFamily="49" charset="0"/>
+              </a:rPr>
+              <a:t>true</a:t>
+            </a:r>
+            <a:endParaRPr lang="pt-BR" sz="2000" b="1" dirty="0">
+              <a:latin typeface="Consolas" panose="020B0609020204030204" pitchFamily="49" charset="0"/>
+            </a:endParaRPr>
+          </a:p>
+        </p:txBody>
+      </p:sp>
+      <p:sp>
+        <p:nvSpPr>
+          <p:cNvPr id="15" name="CaixaDeTexto 14"/>
+          <p:cNvSpPr txBox="1"/>
+          <p:nvPr/>
+        </p:nvSpPr>
+        <p:spPr>
+          <a:xfrm>
+            <a:off x="6270026" y="3345864"/>
+            <a:ext cx="3723001" cy="400110"/>
           </a:xfrm>
           <a:prstGeom prst="rect">
             <a:avLst/>
@@ -8946,7 +11045,7 @@
                 </a:solidFill>
                 <a:latin typeface="Consolas" panose="020B0609020204030204" pitchFamily="49" charset="0"/>
               </a:rPr>
-              <a:t>&amp;&amp;</a:t>
+              <a:t>|| </a:t>
             </a:r>
             <a:r>
               <a:rPr lang="pt-BR" sz="2000" b="1" dirty="0" smtClean="0">
@@ -8955,16 +11054,13 @@
                 </a:solidFill>
                 <a:latin typeface="Consolas" panose="020B0609020204030204" pitchFamily="49" charset="0"/>
               </a:rPr>
-              <a:t> </a:t>
-            </a:r>
-            <a:r>
-              <a:rPr lang="pt-BR" sz="2000" b="1" dirty="0" err="1" smtClean="0">
-                <a:solidFill>
-                  <a:srgbClr val="0000FF"/>
-                </a:solidFill>
-                <a:latin typeface="Consolas" panose="020B0609020204030204" pitchFamily="49" charset="0"/>
-              </a:rPr>
-              <a:t>true</a:t>
+              <a:t>false  </a:t>
+            </a:r>
+            <a:r>
+              <a:rPr lang="pt-BR" sz="2000" b="1" dirty="0" smtClean="0">
+                <a:latin typeface="Consolas" panose="020B0609020204030204" pitchFamily="49" charset="0"/>
+              </a:rPr>
+              <a:t>→</a:t>
             </a:r>
             <a:r>
               <a:rPr lang="pt-BR" sz="2000" b="1" dirty="0" smtClean="0">
@@ -8973,21 +11069,6 @@
                 </a:solidFill>
                 <a:latin typeface="Consolas" panose="020B0609020204030204" pitchFamily="49" charset="0"/>
               </a:rPr>
-              <a:t>   </a:t>
-            </a:r>
-            <a:r>
-              <a:rPr lang="pt-BR" sz="2000" b="1" dirty="0" smtClean="0">
-                <a:latin typeface="Consolas" panose="020B0609020204030204" pitchFamily="49" charset="0"/>
-              </a:rPr>
-              <a:t>→</a:t>
-            </a:r>
-            <a:r>
-              <a:rPr lang="pt-BR" sz="2000" b="1" dirty="0" smtClean="0">
-                <a:solidFill>
-                  <a:srgbClr val="0000FF"/>
-                </a:solidFill>
-                <a:latin typeface="Consolas" panose="020B0609020204030204" pitchFamily="49" charset="0"/>
-              </a:rPr>
               <a:t> </a:t>
             </a:r>
             <a:r>
@@ -8996,479 +11077,6 @@
               </a:rPr>
               <a:t>false</a:t>
             </a:r>
-            <a:endParaRPr lang="pt-BR" sz="2000" b="1" dirty="0">
-              <a:latin typeface="Consolas" panose="020B0609020204030204" pitchFamily="49" charset="0"/>
-            </a:endParaRPr>
-          </a:p>
-        </p:txBody>
-      </p:sp>
-      <p:sp>
-        <p:nvSpPr>
-          <p:cNvPr id="11" name="CaixaDeTexto 10"/>
-          <p:cNvSpPr txBox="1"/>
-          <p:nvPr/>
-        </p:nvSpPr>
-        <p:spPr>
-          <a:xfrm>
-            <a:off x="920087" y="3345864"/>
-            <a:ext cx="3723001" cy="400110"/>
-          </a:xfrm>
-          <a:prstGeom prst="rect">
-            <a:avLst/>
-          </a:prstGeom>
-          <a:noFill/>
-        </p:spPr>
-        <p:txBody>
-          <a:bodyPr wrap="square" rtlCol="0">
-            <a:spAutoFit/>
-          </a:bodyPr>
-          <a:lstStyle/>
-          <a:p>
-            <a:r>
-              <a:rPr lang="pt-BR" sz="2000" b="1" dirty="0">
-                <a:solidFill>
-                  <a:srgbClr val="0000FF"/>
-                </a:solidFill>
-                <a:latin typeface="Consolas" panose="020B0609020204030204" pitchFamily="49" charset="0"/>
-              </a:rPr>
-              <a:t>f</a:t>
-            </a:r>
-            <a:r>
-              <a:rPr lang="pt-BR" sz="2000" b="1" dirty="0" smtClean="0">
-                <a:solidFill>
-                  <a:srgbClr val="0000FF"/>
-                </a:solidFill>
-                <a:latin typeface="Consolas" panose="020B0609020204030204" pitchFamily="49" charset="0"/>
-              </a:rPr>
-              <a:t>alse </a:t>
-            </a:r>
-            <a:r>
-              <a:rPr lang="pt-BR" sz="2000" b="1" dirty="0" smtClean="0">
-                <a:solidFill>
-                  <a:srgbClr val="00FF00"/>
-                </a:solidFill>
-                <a:latin typeface="Consolas" panose="020B0609020204030204" pitchFamily="49" charset="0"/>
-              </a:rPr>
-              <a:t>&amp;&amp;</a:t>
-            </a:r>
-            <a:r>
-              <a:rPr lang="pt-BR" sz="2000" b="1" dirty="0" smtClean="0">
-                <a:solidFill>
-                  <a:srgbClr val="0000FF"/>
-                </a:solidFill>
-                <a:latin typeface="Consolas" panose="020B0609020204030204" pitchFamily="49" charset="0"/>
-              </a:rPr>
-              <a:t> false  </a:t>
-            </a:r>
-            <a:r>
-              <a:rPr lang="pt-BR" sz="2000" b="1" dirty="0" smtClean="0">
-                <a:latin typeface="Consolas" panose="020B0609020204030204" pitchFamily="49" charset="0"/>
-              </a:rPr>
-              <a:t>→</a:t>
-            </a:r>
-            <a:r>
-              <a:rPr lang="pt-BR" sz="2000" b="1" dirty="0" smtClean="0">
-                <a:solidFill>
-                  <a:srgbClr val="0000FF"/>
-                </a:solidFill>
-                <a:latin typeface="Consolas" panose="020B0609020204030204" pitchFamily="49" charset="0"/>
-              </a:rPr>
-              <a:t> </a:t>
-            </a:r>
-            <a:r>
-              <a:rPr lang="pt-BR" sz="2000" b="1" dirty="0">
-                <a:latin typeface="Consolas" panose="020B0609020204030204" pitchFamily="49" charset="0"/>
-              </a:rPr>
-              <a:t>false</a:t>
-            </a:r>
-            <a:endParaRPr lang="pt-BR" sz="2000" b="1" dirty="0">
-              <a:latin typeface="Consolas" panose="020B0609020204030204" pitchFamily="49" charset="0"/>
-            </a:endParaRPr>
-          </a:p>
-        </p:txBody>
-      </p:sp>
-      <p:sp>
-        <p:nvSpPr>
-          <p:cNvPr id="12" name="CaixaDeTexto 11"/>
-          <p:cNvSpPr txBox="1"/>
-          <p:nvPr/>
-        </p:nvSpPr>
-        <p:spPr>
-          <a:xfrm>
-            <a:off x="6270028" y="2042739"/>
-            <a:ext cx="3829336" cy="400110"/>
-          </a:xfrm>
-          <a:prstGeom prst="rect">
-            <a:avLst/>
-          </a:prstGeom>
-          <a:noFill/>
-        </p:spPr>
-        <p:txBody>
-          <a:bodyPr wrap="square" rtlCol="0">
-            <a:spAutoFit/>
-          </a:bodyPr>
-          <a:lstStyle/>
-          <a:p>
-            <a:r>
-              <a:rPr lang="pt-BR" sz="2000" b="1" dirty="0" err="1" smtClean="0">
-                <a:solidFill>
-                  <a:srgbClr val="0000FF"/>
-                </a:solidFill>
-                <a:latin typeface="Consolas" panose="020B0609020204030204" pitchFamily="49" charset="0"/>
-              </a:rPr>
-              <a:t>t</a:t>
-            </a:r>
-            <a:r>
-              <a:rPr lang="pt-BR" sz="2000" b="1" dirty="0" err="1" smtClean="0">
-                <a:solidFill>
-                  <a:srgbClr val="0000FF"/>
-                </a:solidFill>
-                <a:latin typeface="Consolas" panose="020B0609020204030204" pitchFamily="49" charset="0"/>
-              </a:rPr>
-              <a:t>rue</a:t>
-            </a:r>
-            <a:r>
-              <a:rPr lang="pt-BR" sz="2000" b="1" dirty="0">
-                <a:solidFill>
-                  <a:srgbClr val="0000FF"/>
-                </a:solidFill>
-                <a:latin typeface="Consolas" panose="020B0609020204030204" pitchFamily="49" charset="0"/>
-              </a:rPr>
-              <a:t> </a:t>
-            </a:r>
-            <a:r>
-              <a:rPr lang="pt-BR" sz="2000" b="1" dirty="0" smtClean="0">
-                <a:solidFill>
-                  <a:srgbClr val="0000FF"/>
-                </a:solidFill>
-                <a:latin typeface="Consolas" panose="020B0609020204030204" pitchFamily="49" charset="0"/>
-              </a:rPr>
-              <a:t> </a:t>
-            </a:r>
-            <a:r>
-              <a:rPr lang="pt-BR" sz="2000" b="1" dirty="0" smtClean="0">
-                <a:solidFill>
-                  <a:srgbClr val="00FF00"/>
-                </a:solidFill>
-                <a:latin typeface="Consolas" panose="020B0609020204030204" pitchFamily="49" charset="0"/>
-              </a:rPr>
-              <a:t>|| </a:t>
-            </a:r>
-            <a:r>
-              <a:rPr lang="pt-BR" sz="2000" b="1" dirty="0" err="1" smtClean="0">
-                <a:solidFill>
-                  <a:srgbClr val="0000FF"/>
-                </a:solidFill>
-                <a:latin typeface="Consolas" panose="020B0609020204030204" pitchFamily="49" charset="0"/>
-              </a:rPr>
-              <a:t>true</a:t>
-            </a:r>
-            <a:r>
-              <a:rPr lang="pt-BR" sz="2000" b="1" dirty="0" smtClean="0">
-                <a:solidFill>
-                  <a:srgbClr val="0000FF"/>
-                </a:solidFill>
-                <a:latin typeface="Consolas" panose="020B0609020204030204" pitchFamily="49" charset="0"/>
-              </a:rPr>
-              <a:t>   </a:t>
-            </a:r>
-            <a:r>
-              <a:rPr lang="pt-BR" sz="2000" b="1" dirty="0" smtClean="0">
-                <a:latin typeface="Consolas" panose="020B0609020204030204" pitchFamily="49" charset="0"/>
-              </a:rPr>
-              <a:t>→</a:t>
-            </a:r>
-            <a:r>
-              <a:rPr lang="pt-BR" sz="2000" b="1" dirty="0" smtClean="0">
-                <a:solidFill>
-                  <a:srgbClr val="0000FF"/>
-                </a:solidFill>
-                <a:latin typeface="Consolas" panose="020B0609020204030204" pitchFamily="49" charset="0"/>
-              </a:rPr>
-              <a:t> </a:t>
-            </a:r>
-            <a:r>
-              <a:rPr lang="pt-BR" sz="2000" b="1" dirty="0" err="1" smtClean="0">
-                <a:latin typeface="Consolas" panose="020B0609020204030204" pitchFamily="49" charset="0"/>
-              </a:rPr>
-              <a:t>true</a:t>
-            </a:r>
-            <a:endParaRPr lang="pt-BR" sz="2000" b="1" dirty="0">
-              <a:latin typeface="Consolas" panose="020B0609020204030204" pitchFamily="49" charset="0"/>
-            </a:endParaRPr>
-          </a:p>
-        </p:txBody>
-      </p:sp>
-      <p:sp>
-        <p:nvSpPr>
-          <p:cNvPr id="13" name="CaixaDeTexto 12"/>
-          <p:cNvSpPr txBox="1"/>
-          <p:nvPr/>
-        </p:nvSpPr>
-        <p:spPr>
-          <a:xfrm>
-            <a:off x="6270028" y="2477114"/>
-            <a:ext cx="3722999" cy="400110"/>
-          </a:xfrm>
-          <a:prstGeom prst="rect">
-            <a:avLst/>
-          </a:prstGeom>
-          <a:noFill/>
-        </p:spPr>
-        <p:txBody>
-          <a:bodyPr wrap="square" rtlCol="0">
-            <a:spAutoFit/>
-          </a:bodyPr>
-          <a:lstStyle/>
-          <a:p>
-            <a:r>
-              <a:rPr lang="pt-BR" sz="2000" b="1" dirty="0" err="1" smtClean="0">
-                <a:solidFill>
-                  <a:srgbClr val="0000FF"/>
-                </a:solidFill>
-                <a:latin typeface="Consolas" panose="020B0609020204030204" pitchFamily="49" charset="0"/>
-              </a:rPr>
-              <a:t>t</a:t>
-            </a:r>
-            <a:r>
-              <a:rPr lang="pt-BR" sz="2000" b="1" dirty="0" err="1" smtClean="0">
-                <a:solidFill>
-                  <a:srgbClr val="0000FF"/>
-                </a:solidFill>
-                <a:latin typeface="Consolas" panose="020B0609020204030204" pitchFamily="49" charset="0"/>
-              </a:rPr>
-              <a:t>rue</a:t>
-            </a:r>
-            <a:r>
-              <a:rPr lang="pt-BR" sz="2000" b="1" dirty="0">
-                <a:solidFill>
-                  <a:srgbClr val="0000FF"/>
-                </a:solidFill>
-                <a:latin typeface="Consolas" panose="020B0609020204030204" pitchFamily="49" charset="0"/>
-              </a:rPr>
-              <a:t> </a:t>
-            </a:r>
-            <a:r>
-              <a:rPr lang="pt-BR" sz="2000" b="1" dirty="0" smtClean="0">
-                <a:solidFill>
-                  <a:srgbClr val="0000FF"/>
-                </a:solidFill>
-                <a:latin typeface="Consolas" panose="020B0609020204030204" pitchFamily="49" charset="0"/>
-              </a:rPr>
-              <a:t> </a:t>
-            </a:r>
-            <a:r>
-              <a:rPr lang="pt-BR" sz="2000" b="1" dirty="0" smtClean="0">
-                <a:solidFill>
-                  <a:srgbClr val="00FF00"/>
-                </a:solidFill>
-                <a:latin typeface="Consolas" panose="020B0609020204030204" pitchFamily="49" charset="0"/>
-              </a:rPr>
-              <a:t>|| </a:t>
-            </a:r>
-            <a:r>
-              <a:rPr lang="pt-BR" sz="2000" b="1" dirty="0" smtClean="0">
-                <a:solidFill>
-                  <a:srgbClr val="0000FF"/>
-                </a:solidFill>
-                <a:latin typeface="Consolas" panose="020B0609020204030204" pitchFamily="49" charset="0"/>
-              </a:rPr>
-              <a:t>false  </a:t>
-            </a:r>
-            <a:r>
-              <a:rPr lang="pt-BR" sz="2000" b="1" dirty="0" smtClean="0">
-                <a:latin typeface="Consolas" panose="020B0609020204030204" pitchFamily="49" charset="0"/>
-              </a:rPr>
-              <a:t>→</a:t>
-            </a:r>
-            <a:r>
-              <a:rPr lang="pt-BR" sz="2000" b="1" dirty="0" smtClean="0">
-                <a:solidFill>
-                  <a:srgbClr val="0000FF"/>
-                </a:solidFill>
-                <a:latin typeface="Consolas" panose="020B0609020204030204" pitchFamily="49" charset="0"/>
-              </a:rPr>
-              <a:t> </a:t>
-            </a:r>
-            <a:r>
-              <a:rPr lang="pt-BR" sz="2000" b="1" dirty="0" err="1" smtClean="0">
-                <a:latin typeface="Consolas" panose="020B0609020204030204" pitchFamily="49" charset="0"/>
-              </a:rPr>
-              <a:t>true</a:t>
-            </a:r>
-            <a:endParaRPr lang="pt-BR" sz="2000" b="1" dirty="0">
-              <a:latin typeface="Consolas" panose="020B0609020204030204" pitchFamily="49" charset="0"/>
-            </a:endParaRPr>
-          </a:p>
-        </p:txBody>
-      </p:sp>
-      <p:sp>
-        <p:nvSpPr>
-          <p:cNvPr id="14" name="CaixaDeTexto 13"/>
-          <p:cNvSpPr txBox="1"/>
-          <p:nvPr/>
-        </p:nvSpPr>
-        <p:spPr>
-          <a:xfrm>
-            <a:off x="6270027" y="2911489"/>
-            <a:ext cx="3723000" cy="400110"/>
-          </a:xfrm>
-          <a:prstGeom prst="rect">
-            <a:avLst/>
-          </a:prstGeom>
-          <a:noFill/>
-        </p:spPr>
-        <p:txBody>
-          <a:bodyPr wrap="square" rtlCol="0">
-            <a:spAutoFit/>
-          </a:bodyPr>
-          <a:lstStyle/>
-          <a:p>
-            <a:r>
-              <a:rPr lang="pt-BR" sz="2000" b="1" dirty="0" smtClean="0">
-                <a:solidFill>
-                  <a:srgbClr val="0000FF"/>
-                </a:solidFill>
-                <a:latin typeface="Consolas" panose="020B0609020204030204" pitchFamily="49" charset="0"/>
-              </a:rPr>
-              <a:t>false </a:t>
-            </a:r>
-            <a:r>
-              <a:rPr lang="pt-BR" sz="2000" b="1" dirty="0" smtClean="0">
-                <a:solidFill>
-                  <a:srgbClr val="00FF00"/>
-                </a:solidFill>
-                <a:latin typeface="Consolas" panose="020B0609020204030204" pitchFamily="49" charset="0"/>
-              </a:rPr>
-              <a:t>|| </a:t>
-            </a:r>
-            <a:r>
-              <a:rPr lang="pt-BR" sz="2000" b="1" dirty="0" err="1" smtClean="0">
-                <a:solidFill>
-                  <a:srgbClr val="0000FF"/>
-                </a:solidFill>
-                <a:latin typeface="Consolas" panose="020B0609020204030204" pitchFamily="49" charset="0"/>
-              </a:rPr>
-              <a:t>true</a:t>
-            </a:r>
-            <a:r>
-              <a:rPr lang="pt-BR" sz="2000" b="1" dirty="0" smtClean="0">
-                <a:solidFill>
-                  <a:srgbClr val="0000FF"/>
-                </a:solidFill>
-                <a:latin typeface="Consolas" panose="020B0609020204030204" pitchFamily="49" charset="0"/>
-              </a:rPr>
-              <a:t>   </a:t>
-            </a:r>
-            <a:r>
-              <a:rPr lang="pt-BR" sz="2000" b="1" dirty="0" smtClean="0">
-                <a:latin typeface="Consolas" panose="020B0609020204030204" pitchFamily="49" charset="0"/>
-              </a:rPr>
-              <a:t>→</a:t>
-            </a:r>
-            <a:r>
-              <a:rPr lang="pt-BR" sz="2000" b="1" dirty="0" smtClean="0">
-                <a:solidFill>
-                  <a:srgbClr val="0000FF"/>
-                </a:solidFill>
-                <a:latin typeface="Consolas" panose="020B0609020204030204" pitchFamily="49" charset="0"/>
-              </a:rPr>
-              <a:t> </a:t>
-            </a:r>
-            <a:r>
-              <a:rPr lang="pt-BR" sz="2000" b="1" dirty="0" err="1" smtClean="0">
-                <a:latin typeface="Consolas" panose="020B0609020204030204" pitchFamily="49" charset="0"/>
-              </a:rPr>
-              <a:t>true</a:t>
-            </a:r>
-            <a:endParaRPr lang="pt-BR" sz="2000" b="1" dirty="0">
-              <a:latin typeface="Consolas" panose="020B0609020204030204" pitchFamily="49" charset="0"/>
-            </a:endParaRPr>
-          </a:p>
-        </p:txBody>
-      </p:sp>
-      <p:sp>
-        <p:nvSpPr>
-          <p:cNvPr id="15" name="CaixaDeTexto 14"/>
-          <p:cNvSpPr txBox="1"/>
-          <p:nvPr/>
-        </p:nvSpPr>
-        <p:spPr>
-          <a:xfrm>
-            <a:off x="6270026" y="3345864"/>
-            <a:ext cx="3723001" cy="400110"/>
-          </a:xfrm>
-          <a:prstGeom prst="rect">
-            <a:avLst/>
-          </a:prstGeom>
-          <a:noFill/>
-        </p:spPr>
-        <p:txBody>
-          <a:bodyPr wrap="square" rtlCol="0">
-            <a:spAutoFit/>
-          </a:bodyPr>
-          <a:lstStyle/>
-          <a:p>
-            <a:r>
-              <a:rPr lang="pt-BR" sz="2000" b="1" dirty="0">
-                <a:solidFill>
-                  <a:srgbClr val="0000FF"/>
-                </a:solidFill>
-                <a:latin typeface="Consolas" panose="020B0609020204030204" pitchFamily="49" charset="0"/>
-              </a:rPr>
-              <a:t>f</a:t>
-            </a:r>
-            <a:r>
-              <a:rPr lang="pt-BR" sz="2000" b="1" dirty="0" smtClean="0">
-                <a:solidFill>
-                  <a:srgbClr val="0000FF"/>
-                </a:solidFill>
-                <a:latin typeface="Consolas" panose="020B0609020204030204" pitchFamily="49" charset="0"/>
-              </a:rPr>
-              <a:t>alse </a:t>
-            </a:r>
-            <a:r>
-              <a:rPr lang="pt-BR" sz="2000" b="1" dirty="0" smtClean="0">
-                <a:solidFill>
-                  <a:srgbClr val="00FF00"/>
-                </a:solidFill>
-                <a:latin typeface="Consolas" panose="020B0609020204030204" pitchFamily="49" charset="0"/>
-              </a:rPr>
-              <a:t>|| </a:t>
-            </a:r>
-            <a:r>
-              <a:rPr lang="pt-BR" sz="2000" b="1" dirty="0" smtClean="0">
-                <a:solidFill>
-                  <a:srgbClr val="0000FF"/>
-                </a:solidFill>
-                <a:latin typeface="Consolas" panose="020B0609020204030204" pitchFamily="49" charset="0"/>
-              </a:rPr>
-              <a:t>false  </a:t>
-            </a:r>
-            <a:r>
-              <a:rPr lang="pt-BR" sz="2000" b="1" dirty="0" smtClean="0">
-                <a:latin typeface="Consolas" panose="020B0609020204030204" pitchFamily="49" charset="0"/>
-              </a:rPr>
-              <a:t>→</a:t>
-            </a:r>
-            <a:r>
-              <a:rPr lang="pt-BR" sz="2000" b="1" dirty="0" smtClean="0">
-                <a:solidFill>
-                  <a:srgbClr val="0000FF"/>
-                </a:solidFill>
-                <a:latin typeface="Consolas" panose="020B0609020204030204" pitchFamily="49" charset="0"/>
-              </a:rPr>
-              <a:t> </a:t>
-            </a:r>
-            <a:r>
-              <a:rPr lang="pt-BR" sz="2000" b="1" dirty="0">
-                <a:latin typeface="Consolas" panose="020B0609020204030204" pitchFamily="49" charset="0"/>
-              </a:rPr>
-              <a:t>false</a:t>
-            </a:r>
-            <a:endParaRPr lang="pt-BR" sz="2000" b="1" dirty="0">
-              <a:latin typeface="Consolas" panose="020B0609020204030204" pitchFamily="49" charset="0"/>
-            </a:endParaRPr>
           </a:p>
         </p:txBody>
       </p:sp>
@@ -9693,16 +11301,7 @@
                 </a:solidFill>
                 <a:latin typeface="Consolas" panose="020B0609020204030204" pitchFamily="49" charset="0"/>
               </a:rPr>
-              <a:t>t</a:t>
-            </a:r>
-            <a:r>
-              <a:rPr lang="pt-BR" sz="2400" b="1" dirty="0" err="1" smtClean="0">
-                <a:solidFill>
-                  <a:srgbClr val="0000FF"/>
-                </a:solidFill>
-                <a:latin typeface="Consolas" panose="020B0609020204030204" pitchFamily="49" charset="0"/>
-              </a:rPr>
-              <a:t>rue</a:t>
+              <a:t>true</a:t>
             </a:r>
             <a:r>
               <a:rPr lang="pt-BR" sz="2400" b="1" dirty="0" smtClean="0">
@@ -9830,16 +11429,7 @@
                 </a:solidFill>
                 <a:latin typeface="Consolas" panose="020B0609020204030204" pitchFamily="49" charset="0"/>
               </a:rPr>
-              <a:t>t</a:t>
-            </a:r>
-            <a:r>
-              <a:rPr lang="pt-BR" sz="3200" b="1" dirty="0" err="1" smtClean="0">
-                <a:solidFill>
-                  <a:srgbClr val="0000FF"/>
-                </a:solidFill>
-                <a:latin typeface="Consolas" panose="020B0609020204030204" pitchFamily="49" charset="0"/>
-              </a:rPr>
-              <a:t>rue</a:t>
+              <a:t>true</a:t>
             </a:r>
             <a:endParaRPr lang="pt-BR" sz="3200" b="1" dirty="0">
               <a:latin typeface="Consolas" panose="020B0609020204030204" pitchFamily="49" charset="0"/>
@@ -9919,16 +11509,7 @@
                 </a:solidFill>
                 <a:latin typeface="Consolas" panose="020B0609020204030204" pitchFamily="49" charset="0"/>
               </a:rPr>
-              <a:t>t</a:t>
-            </a:r>
-            <a:r>
-              <a:rPr lang="pt-BR" sz="2000" b="1" dirty="0" err="1" smtClean="0">
-                <a:solidFill>
-                  <a:srgbClr val="0000FF"/>
-                </a:solidFill>
-                <a:latin typeface="Consolas" panose="020B0609020204030204" pitchFamily="49" charset="0"/>
-              </a:rPr>
-              <a:t>rue</a:t>
+              <a:t>true</a:t>
             </a:r>
             <a:r>
               <a:rPr lang="pt-BR" sz="2000" b="1" dirty="0" smtClean="0">
@@ -9937,16 +11518,7 @@
                 </a:solidFill>
                 <a:latin typeface="Consolas" panose="020B0609020204030204" pitchFamily="49" charset="0"/>
               </a:rPr>
-              <a:t> </a:t>
-            </a:r>
-            <a:r>
-              <a:rPr lang="pt-BR" sz="2000" b="1" dirty="0" smtClean="0">
-                <a:solidFill>
-                  <a:srgbClr val="0000FF"/>
-                </a:solidFill>
-                <a:latin typeface="Consolas" panose="020B0609020204030204" pitchFamily="49" charset="0"/>
-              </a:rPr>
-              <a:t> </a:t>
+              <a:t>  </a:t>
             </a:r>
             <a:r>
               <a:rPr lang="pt-BR" sz="2000" b="1" dirty="0" smtClean="0">
@@ -11410,7 +12982,1094 @@
 </p:sld>
 </file>
 
-<file path=ppt/slides/slide14.xml><?xml version="1.0" encoding="utf-8"?>
+<file path=ppt/slides/slide15.xml><?xml version="1.0" encoding="utf-8"?>
+<p:sld xmlns:a="http://schemas.openxmlformats.org/drawingml/2006/main" xmlns:r="http://schemas.openxmlformats.org/officeDocument/2006/relationships" xmlns:p="http://schemas.openxmlformats.org/presentationml/2006/main">
+  <p:cSld>
+    <p:spTree>
+      <p:nvGrpSpPr>
+        <p:cNvPr id="1" name=""/>
+        <p:cNvGrpSpPr/>
+        <p:nvPr/>
+      </p:nvGrpSpPr>
+      <p:grpSpPr>
+        <a:xfrm>
+          <a:off x="0" y="0"/>
+          <a:ext cx="0" cy="0"/>
+          <a:chOff x="0" y="0"/>
+          <a:chExt cx="0" cy="0"/>
+        </a:xfrm>
+      </p:grpSpPr>
+      <p:sp>
+        <p:nvSpPr>
+          <p:cNvPr id="2" name="Título 1"/>
+          <p:cNvSpPr>
+            <a:spLocks noGrp="1"/>
+          </p:cNvSpPr>
+          <p:nvPr>
+            <p:ph type="title"/>
+          </p:nvPr>
+        </p:nvSpPr>
+        <p:spPr>
+          <a:xfrm>
+            <a:off x="469709" y="269590"/>
+            <a:ext cx="5357884" cy="685753"/>
+          </a:xfrm>
+        </p:spPr>
+        <p:txBody>
+          <a:bodyPr>
+            <a:normAutofit fontScale="90000"/>
+          </a:bodyPr>
+          <a:lstStyle/>
+          <a:p>
+            <a:r>
+              <a:rPr lang="pt-BR" sz="3200" dirty="0" smtClean="0">
+                <a:latin typeface="Consolas" panose="020B0609020204030204" pitchFamily="49" charset="0"/>
+              </a:rPr>
+              <a:t>Estrutura condicional IF</a:t>
+            </a:r>
+            <a:endParaRPr lang="pt-BR" sz="3200" dirty="0">
+              <a:latin typeface="Consolas" panose="020B0609020204030204" pitchFamily="49" charset="0"/>
+            </a:endParaRPr>
+          </a:p>
+        </p:txBody>
+      </p:sp>
+      <p:pic>
+        <p:nvPicPr>
+          <p:cNvPr id="4" name="Imagem 3"/>
+          <p:cNvPicPr>
+            <a:picLocks noChangeAspect="1"/>
+          </p:cNvPicPr>
+          <p:nvPr/>
+        </p:nvPicPr>
+        <p:blipFill>
+          <a:blip r:embed="rId2" cstate="print">
+            <a:extLst>
+              <a:ext uri="{28A0092B-C50C-407E-A947-70E740481C1C}">
+                <a14:useLocalDpi xmlns:a14="http://schemas.microsoft.com/office/drawing/2010/main" val="0"/>
+              </a:ext>
+            </a:extLst>
+          </a:blip>
+          <a:stretch>
+            <a:fillRect/>
+          </a:stretch>
+        </p:blipFill>
+        <p:spPr>
+          <a:xfrm>
+            <a:off x="10441211" y="110689"/>
+            <a:ext cx="1750789" cy="2157949"/>
+          </a:xfrm>
+          <a:prstGeom prst="rect">
+            <a:avLst/>
+          </a:prstGeom>
+        </p:spPr>
+      </p:pic>
+      <p:sp>
+        <p:nvSpPr>
+          <p:cNvPr id="34" name="CaixaDeTexto 33"/>
+          <p:cNvSpPr txBox="1"/>
+          <p:nvPr/>
+        </p:nvSpPr>
+        <p:spPr>
+          <a:xfrm>
+            <a:off x="469709" y="1708279"/>
+            <a:ext cx="10304060" cy="3970318"/>
+          </a:xfrm>
+          <a:prstGeom prst="rect">
+            <a:avLst/>
+          </a:prstGeom>
+          <a:noFill/>
+        </p:spPr>
+        <p:txBody>
+          <a:bodyPr wrap="square" rtlCol="0">
+            <a:spAutoFit/>
+          </a:bodyPr>
+          <a:lstStyle/>
+          <a:p>
+            <a:r>
+              <a:rPr lang="pt-BR" sz="2800" b="1" dirty="0" err="1">
+                <a:solidFill>
+                  <a:srgbClr val="FF0000"/>
+                </a:solidFill>
+                <a:latin typeface="Consolas" panose="020B0609020204030204" pitchFamily="49" charset="0"/>
+              </a:rPr>
+              <a:t>if</a:t>
+            </a:r>
+            <a:r>
+              <a:rPr lang="pt-BR" sz="2800" b="1" dirty="0">
+                <a:latin typeface="Consolas" panose="020B0609020204030204" pitchFamily="49" charset="0"/>
+              </a:rPr>
+              <a:t>(</a:t>
+            </a:r>
+            <a:r>
+              <a:rPr lang="pt-BR" sz="2800" b="1" dirty="0">
+                <a:solidFill>
+                  <a:srgbClr val="00FF00"/>
+                </a:solidFill>
+                <a:latin typeface="Consolas" panose="020B0609020204030204" pitchFamily="49" charset="0"/>
+              </a:rPr>
+              <a:t>[Teste que retornar um verdadeiro ou falso</a:t>
+            </a:r>
+            <a:r>
+              <a:rPr lang="pt-BR" sz="2800" b="1" dirty="0" smtClean="0">
+                <a:solidFill>
+                  <a:srgbClr val="00FF00"/>
+                </a:solidFill>
+                <a:latin typeface="Consolas" panose="020B0609020204030204" pitchFamily="49" charset="0"/>
+              </a:rPr>
+              <a:t>]</a:t>
+            </a:r>
+            <a:r>
+              <a:rPr lang="pt-BR" sz="2800" b="1" dirty="0" smtClean="0">
+                <a:latin typeface="Consolas" panose="020B0609020204030204" pitchFamily="49" charset="0"/>
+              </a:rPr>
+              <a:t>){</a:t>
+            </a:r>
+          </a:p>
+          <a:p>
+            <a:endParaRPr lang="pt-BR" sz="2800" b="1" dirty="0">
+              <a:latin typeface="Consolas" panose="020B0609020204030204" pitchFamily="49" charset="0"/>
+            </a:endParaRPr>
+          </a:p>
+          <a:p>
+            <a:r>
+              <a:rPr lang="pt-BR" sz="2800" b="1" dirty="0">
+                <a:latin typeface="Consolas" panose="020B0609020204030204" pitchFamily="49" charset="0"/>
+              </a:rPr>
+              <a:t>    </a:t>
+            </a:r>
+            <a:r>
+              <a:rPr lang="pt-BR" sz="2800" b="1" dirty="0">
+                <a:solidFill>
+                  <a:srgbClr val="0000FF"/>
+                </a:solidFill>
+                <a:latin typeface="Consolas" panose="020B0609020204030204" pitchFamily="49" charset="0"/>
+              </a:rPr>
+              <a:t>[Bloco de código se o teste for verdadeiro</a:t>
+            </a:r>
+            <a:r>
+              <a:rPr lang="pt-BR" sz="2800" b="1" dirty="0" smtClean="0">
+                <a:solidFill>
+                  <a:srgbClr val="0000FF"/>
+                </a:solidFill>
+                <a:latin typeface="Consolas" panose="020B0609020204030204" pitchFamily="49" charset="0"/>
+              </a:rPr>
+              <a:t>]</a:t>
+            </a:r>
+          </a:p>
+          <a:p>
+            <a:endParaRPr lang="pt-BR" sz="2800" b="1" dirty="0">
+              <a:solidFill>
+                <a:srgbClr val="0000FF"/>
+              </a:solidFill>
+              <a:latin typeface="Consolas" panose="020B0609020204030204" pitchFamily="49" charset="0"/>
+            </a:endParaRPr>
+          </a:p>
+          <a:p>
+            <a:r>
+              <a:rPr lang="pt-BR" sz="2800" b="1" dirty="0">
+                <a:latin typeface="Consolas" panose="020B0609020204030204" pitchFamily="49" charset="0"/>
+              </a:rPr>
+              <a:t>} </a:t>
+            </a:r>
+            <a:r>
+              <a:rPr lang="pt-BR" sz="2800" b="1" dirty="0" err="1">
+                <a:solidFill>
+                  <a:srgbClr val="FF0000"/>
+                </a:solidFill>
+                <a:latin typeface="Consolas" panose="020B0609020204030204" pitchFamily="49" charset="0"/>
+              </a:rPr>
+              <a:t>else</a:t>
+            </a:r>
+            <a:r>
+              <a:rPr lang="pt-BR" sz="2800" b="1" dirty="0">
+                <a:solidFill>
+                  <a:srgbClr val="FF0000"/>
+                </a:solidFill>
+                <a:latin typeface="Consolas" panose="020B0609020204030204" pitchFamily="49" charset="0"/>
+              </a:rPr>
+              <a:t> </a:t>
+            </a:r>
+            <a:r>
+              <a:rPr lang="pt-BR" sz="2800" b="1" dirty="0" smtClean="0">
+                <a:latin typeface="Consolas" panose="020B0609020204030204" pitchFamily="49" charset="0"/>
+              </a:rPr>
+              <a:t>{</a:t>
+            </a:r>
+          </a:p>
+          <a:p>
+            <a:endParaRPr lang="pt-BR" sz="2800" b="1" dirty="0">
+              <a:latin typeface="Consolas" panose="020B0609020204030204" pitchFamily="49" charset="0"/>
+            </a:endParaRPr>
+          </a:p>
+          <a:p>
+            <a:r>
+              <a:rPr lang="pt-BR" sz="2800" b="1" dirty="0">
+                <a:latin typeface="Consolas" panose="020B0609020204030204" pitchFamily="49" charset="0"/>
+              </a:rPr>
+              <a:t>    </a:t>
+            </a:r>
+            <a:r>
+              <a:rPr lang="pt-BR" sz="2800" b="1" dirty="0">
+                <a:solidFill>
+                  <a:srgbClr val="0000FF"/>
+                </a:solidFill>
+                <a:latin typeface="Consolas" panose="020B0609020204030204" pitchFamily="49" charset="0"/>
+              </a:rPr>
+              <a:t>[Bloco de código se o teste for falso</a:t>
+            </a:r>
+            <a:r>
+              <a:rPr lang="pt-BR" sz="2800" b="1" dirty="0" smtClean="0">
+                <a:solidFill>
+                  <a:srgbClr val="0000FF"/>
+                </a:solidFill>
+                <a:latin typeface="Consolas" panose="020B0609020204030204" pitchFamily="49" charset="0"/>
+              </a:rPr>
+              <a:t>]</a:t>
+            </a:r>
+          </a:p>
+          <a:p>
+            <a:endParaRPr lang="pt-BR" sz="2800" b="1" dirty="0">
+              <a:solidFill>
+                <a:srgbClr val="0000FF"/>
+              </a:solidFill>
+              <a:latin typeface="Consolas" panose="020B0609020204030204" pitchFamily="49" charset="0"/>
+            </a:endParaRPr>
+          </a:p>
+          <a:p>
+            <a:r>
+              <a:rPr lang="pt-BR" sz="2800" b="1" dirty="0">
+                <a:latin typeface="Consolas" panose="020B0609020204030204" pitchFamily="49" charset="0"/>
+              </a:rPr>
+              <a:t>}</a:t>
+            </a:r>
+            <a:endParaRPr lang="pt-BR" sz="2800" b="1" dirty="0">
+              <a:latin typeface="Consolas" panose="020B0609020204030204" pitchFamily="49" charset="0"/>
+            </a:endParaRPr>
+          </a:p>
+        </p:txBody>
+      </p:sp>
+    </p:spTree>
+    <p:extLst>
+      <p:ext uri="{BB962C8B-B14F-4D97-AF65-F5344CB8AC3E}">
+        <p14:creationId xmlns:p14="http://schemas.microsoft.com/office/powerpoint/2010/main" val="112157494"/>
+      </p:ext>
+    </p:extLst>
+  </p:cSld>
+  <p:clrMapOvr>
+    <a:masterClrMapping/>
+  </p:clrMapOvr>
+  <p:timing>
+    <p:tnLst>
+      <p:par>
+        <p:cTn id="1" dur="indefinite" restart="never" nodeType="tmRoot"/>
+      </p:par>
+    </p:tnLst>
+  </p:timing>
+</p:sld>
+</file>
+
+<file path=ppt/slides/slide16.xml><?xml version="1.0" encoding="utf-8"?>
+<p:sld xmlns:a="http://schemas.openxmlformats.org/drawingml/2006/main" xmlns:r="http://schemas.openxmlformats.org/officeDocument/2006/relationships" xmlns:p="http://schemas.openxmlformats.org/presentationml/2006/main">
+  <p:cSld>
+    <p:spTree>
+      <p:nvGrpSpPr>
+        <p:cNvPr id="1" name=""/>
+        <p:cNvGrpSpPr/>
+        <p:nvPr/>
+      </p:nvGrpSpPr>
+      <p:grpSpPr>
+        <a:xfrm>
+          <a:off x="0" y="0"/>
+          <a:ext cx="0" cy="0"/>
+          <a:chOff x="0" y="0"/>
+          <a:chExt cx="0" cy="0"/>
+        </a:xfrm>
+      </p:grpSpPr>
+      <p:sp>
+        <p:nvSpPr>
+          <p:cNvPr id="2" name="Título 1"/>
+          <p:cNvSpPr>
+            <a:spLocks noGrp="1"/>
+          </p:cNvSpPr>
+          <p:nvPr>
+            <p:ph type="title"/>
+          </p:nvPr>
+        </p:nvSpPr>
+        <p:spPr>
+          <a:xfrm>
+            <a:off x="469709" y="269590"/>
+            <a:ext cx="5357884" cy="685753"/>
+          </a:xfrm>
+        </p:spPr>
+        <p:txBody>
+          <a:bodyPr>
+            <a:normAutofit fontScale="90000"/>
+          </a:bodyPr>
+          <a:lstStyle/>
+          <a:p>
+            <a:r>
+              <a:rPr lang="pt-BR" sz="3200" dirty="0" smtClean="0">
+                <a:latin typeface="Consolas" panose="020B0609020204030204" pitchFamily="49" charset="0"/>
+              </a:rPr>
+              <a:t>Estrutura condicional IF</a:t>
+            </a:r>
+            <a:endParaRPr lang="pt-BR" sz="3200" dirty="0">
+              <a:latin typeface="Consolas" panose="020B0609020204030204" pitchFamily="49" charset="0"/>
+            </a:endParaRPr>
+          </a:p>
+        </p:txBody>
+      </p:sp>
+      <p:pic>
+        <p:nvPicPr>
+          <p:cNvPr id="4" name="Imagem 3"/>
+          <p:cNvPicPr>
+            <a:picLocks noChangeAspect="1"/>
+          </p:cNvPicPr>
+          <p:nvPr/>
+        </p:nvPicPr>
+        <p:blipFill>
+          <a:blip r:embed="rId2" cstate="print">
+            <a:extLst>
+              <a:ext uri="{28A0092B-C50C-407E-A947-70E740481C1C}">
+                <a14:useLocalDpi xmlns:a14="http://schemas.microsoft.com/office/drawing/2010/main" val="0"/>
+              </a:ext>
+            </a:extLst>
+          </a:blip>
+          <a:stretch>
+            <a:fillRect/>
+          </a:stretch>
+        </p:blipFill>
+        <p:spPr>
+          <a:xfrm>
+            <a:off x="10441211" y="110689"/>
+            <a:ext cx="1750789" cy="2157949"/>
+          </a:xfrm>
+          <a:prstGeom prst="rect">
+            <a:avLst/>
+          </a:prstGeom>
+        </p:spPr>
+      </p:pic>
+      <p:pic>
+        <p:nvPicPr>
+          <p:cNvPr id="8" name="Imagem 7"/>
+          <p:cNvPicPr>
+            <a:picLocks noChangeAspect="1"/>
+          </p:cNvPicPr>
+          <p:nvPr/>
+        </p:nvPicPr>
+        <p:blipFill>
+          <a:blip r:embed="rId3">
+            <a:extLst>
+              <a:ext uri="{28A0092B-C50C-407E-A947-70E740481C1C}">
+                <a14:useLocalDpi xmlns:a14="http://schemas.microsoft.com/office/drawing/2010/main" val="0"/>
+              </a:ext>
+            </a:extLst>
+          </a:blip>
+          <a:stretch>
+            <a:fillRect/>
+          </a:stretch>
+        </p:blipFill>
+        <p:spPr>
+          <a:xfrm>
+            <a:off x="758189" y="1696015"/>
+            <a:ext cx="4780923" cy="2016172"/>
+          </a:xfrm>
+          <a:prstGeom prst="rect">
+            <a:avLst/>
+          </a:prstGeom>
+        </p:spPr>
+      </p:pic>
+      <p:pic>
+        <p:nvPicPr>
+          <p:cNvPr id="27" name="Imagem 26"/>
+          <p:cNvPicPr>
+            <a:picLocks noChangeAspect="1"/>
+          </p:cNvPicPr>
+          <p:nvPr/>
+        </p:nvPicPr>
+        <p:blipFill>
+          <a:blip r:embed="rId4">
+            <a:extLst>
+              <a:ext uri="{28A0092B-C50C-407E-A947-70E740481C1C}">
+                <a14:useLocalDpi xmlns:a14="http://schemas.microsoft.com/office/drawing/2010/main" val="0"/>
+              </a:ext>
+            </a:extLst>
+          </a:blip>
+          <a:stretch>
+            <a:fillRect/>
+          </a:stretch>
+        </p:blipFill>
+        <p:spPr>
+          <a:xfrm>
+            <a:off x="5972374" y="1696015"/>
+            <a:ext cx="4566308" cy="2016172"/>
+          </a:xfrm>
+          <a:prstGeom prst="rect">
+            <a:avLst/>
+          </a:prstGeom>
+        </p:spPr>
+      </p:pic>
+      <p:sp>
+        <p:nvSpPr>
+          <p:cNvPr id="28" name="CaixaDeTexto 27"/>
+          <p:cNvSpPr txBox="1"/>
+          <p:nvPr/>
+        </p:nvSpPr>
+        <p:spPr>
+          <a:xfrm>
+            <a:off x="1478929" y="1064069"/>
+            <a:ext cx="3339441" cy="523220"/>
+          </a:xfrm>
+          <a:prstGeom prst="rect">
+            <a:avLst/>
+          </a:prstGeom>
+          <a:noFill/>
+        </p:spPr>
+        <p:txBody>
+          <a:bodyPr wrap="square" rtlCol="0">
+            <a:spAutoFit/>
+          </a:bodyPr>
+          <a:lstStyle/>
+          <a:p>
+            <a:pPr algn="ctr"/>
+            <a:r>
+              <a:rPr lang="pt-BR" sz="2800" b="1" dirty="0" smtClean="0">
+                <a:latin typeface="Consolas" panose="020B0609020204030204" pitchFamily="49" charset="0"/>
+              </a:rPr>
+              <a:t>Caso verdadeiro</a:t>
+            </a:r>
+            <a:endParaRPr lang="pt-BR" sz="2800" b="1" dirty="0">
+              <a:latin typeface="Consolas" panose="020B0609020204030204" pitchFamily="49" charset="0"/>
+            </a:endParaRPr>
+          </a:p>
+        </p:txBody>
+      </p:sp>
+      <p:sp>
+        <p:nvSpPr>
+          <p:cNvPr id="29" name="CaixaDeTexto 28"/>
+          <p:cNvSpPr txBox="1"/>
+          <p:nvPr/>
+        </p:nvSpPr>
+        <p:spPr>
+          <a:xfrm>
+            <a:off x="6585807" y="1052729"/>
+            <a:ext cx="3339441" cy="523220"/>
+          </a:xfrm>
+          <a:prstGeom prst="rect">
+            <a:avLst/>
+          </a:prstGeom>
+          <a:noFill/>
+        </p:spPr>
+        <p:txBody>
+          <a:bodyPr wrap="square" rtlCol="0">
+            <a:spAutoFit/>
+          </a:bodyPr>
+          <a:lstStyle/>
+          <a:p>
+            <a:pPr algn="ctr"/>
+            <a:r>
+              <a:rPr lang="pt-BR" sz="2800" b="1" dirty="0" smtClean="0">
+                <a:latin typeface="Consolas" panose="020B0609020204030204" pitchFamily="49" charset="0"/>
+              </a:rPr>
+              <a:t>Caso falso</a:t>
+            </a:r>
+            <a:endParaRPr lang="pt-BR" sz="2800" b="1" dirty="0">
+              <a:latin typeface="Consolas" panose="020B0609020204030204" pitchFamily="49" charset="0"/>
+            </a:endParaRPr>
+          </a:p>
+        </p:txBody>
+      </p:sp>
+      <p:pic>
+        <p:nvPicPr>
+          <p:cNvPr id="30" name="Imagem 29"/>
+          <p:cNvPicPr>
+            <a:picLocks noChangeAspect="1"/>
+          </p:cNvPicPr>
+          <p:nvPr/>
+        </p:nvPicPr>
+        <p:blipFill>
+          <a:blip r:embed="rId5">
+            <a:extLst>
+              <a:ext uri="{28A0092B-C50C-407E-A947-70E740481C1C}">
+                <a14:useLocalDpi xmlns:a14="http://schemas.microsoft.com/office/drawing/2010/main" val="0"/>
+              </a:ext>
+            </a:extLst>
+          </a:blip>
+          <a:stretch>
+            <a:fillRect/>
+          </a:stretch>
+        </p:blipFill>
+        <p:spPr>
+          <a:xfrm>
+            <a:off x="2932335" y="3930097"/>
+            <a:ext cx="6080078" cy="2684551"/>
+          </a:xfrm>
+          <a:prstGeom prst="rect">
+            <a:avLst/>
+          </a:prstGeom>
+        </p:spPr>
+      </p:pic>
+      <p:sp>
+        <p:nvSpPr>
+          <p:cNvPr id="31" name="Seta para baixo 30"/>
+          <p:cNvSpPr/>
+          <p:nvPr/>
+        </p:nvSpPr>
+        <p:spPr>
+          <a:xfrm rot="16200000">
+            <a:off x="1214292" y="2421754"/>
+            <a:ext cx="309243" cy="442827"/>
+          </a:xfrm>
+          <a:prstGeom prst="downArrow">
+            <a:avLst/>
+          </a:prstGeom>
+          <a:noFill/>
+          <a:ln w="38100">
+            <a:solidFill>
+              <a:schemeClr val="tx1"/>
+            </a:solidFill>
+          </a:ln>
+        </p:spPr>
+        <p:style>
+          <a:lnRef idx="2">
+            <a:schemeClr val="accent1">
+              <a:shade val="50000"/>
+            </a:schemeClr>
+          </a:lnRef>
+          <a:fillRef idx="1">
+            <a:schemeClr val="accent1"/>
+          </a:fillRef>
+          <a:effectRef idx="0">
+            <a:schemeClr val="accent1"/>
+          </a:effectRef>
+          <a:fontRef idx="minor">
+            <a:schemeClr val="lt1"/>
+          </a:fontRef>
+        </p:style>
+        <p:txBody>
+          <a:bodyPr rtlCol="0" anchor="ctr"/>
+          <a:lstStyle/>
+          <a:p>
+            <a:pPr algn="ctr"/>
+            <a:endParaRPr lang="pt-BR"/>
+          </a:p>
+        </p:txBody>
+      </p:sp>
+      <p:sp>
+        <p:nvSpPr>
+          <p:cNvPr id="32" name="Seta para baixo 31"/>
+          <p:cNvSpPr/>
+          <p:nvPr/>
+        </p:nvSpPr>
+        <p:spPr>
+          <a:xfrm rot="16200000">
+            <a:off x="6352598" y="2866669"/>
+            <a:ext cx="309243" cy="442827"/>
+          </a:xfrm>
+          <a:prstGeom prst="downArrow">
+            <a:avLst/>
+          </a:prstGeom>
+          <a:noFill/>
+          <a:ln w="38100">
+            <a:solidFill>
+              <a:schemeClr val="tx1"/>
+            </a:solidFill>
+          </a:ln>
+        </p:spPr>
+        <p:style>
+          <a:lnRef idx="2">
+            <a:schemeClr val="accent1">
+              <a:shade val="50000"/>
+            </a:schemeClr>
+          </a:lnRef>
+          <a:fillRef idx="1">
+            <a:schemeClr val="accent1"/>
+          </a:fillRef>
+          <a:effectRef idx="0">
+            <a:schemeClr val="accent1"/>
+          </a:effectRef>
+          <a:fontRef idx="minor">
+            <a:schemeClr val="lt1"/>
+          </a:fontRef>
+        </p:style>
+        <p:txBody>
+          <a:bodyPr rtlCol="0" anchor="ctr"/>
+          <a:lstStyle/>
+          <a:p>
+            <a:pPr algn="ctr"/>
+            <a:endParaRPr lang="pt-BR"/>
+          </a:p>
+        </p:txBody>
+      </p:sp>
+      <p:sp>
+        <p:nvSpPr>
+          <p:cNvPr id="33" name="Seta para baixo 32"/>
+          <p:cNvSpPr/>
+          <p:nvPr/>
+        </p:nvSpPr>
+        <p:spPr>
+          <a:xfrm rot="16200000">
+            <a:off x="3625321" y="4888110"/>
+            <a:ext cx="309243" cy="442827"/>
+          </a:xfrm>
+          <a:prstGeom prst="downArrow">
+            <a:avLst/>
+          </a:prstGeom>
+          <a:noFill/>
+          <a:ln w="38100">
+            <a:solidFill>
+              <a:schemeClr val="tx1"/>
+            </a:solidFill>
+          </a:ln>
+        </p:spPr>
+        <p:style>
+          <a:lnRef idx="2">
+            <a:schemeClr val="accent1">
+              <a:shade val="50000"/>
+            </a:schemeClr>
+          </a:lnRef>
+          <a:fillRef idx="1">
+            <a:schemeClr val="accent1"/>
+          </a:fillRef>
+          <a:effectRef idx="0">
+            <a:schemeClr val="accent1"/>
+          </a:effectRef>
+          <a:fontRef idx="minor">
+            <a:schemeClr val="lt1"/>
+          </a:fontRef>
+        </p:style>
+        <p:txBody>
+          <a:bodyPr rtlCol="0" anchor="ctr"/>
+          <a:lstStyle/>
+          <a:p>
+            <a:pPr algn="ctr"/>
+            <a:endParaRPr lang="pt-BR"/>
+          </a:p>
+        </p:txBody>
+      </p:sp>
+    </p:spTree>
+    <p:extLst>
+      <p:ext uri="{BB962C8B-B14F-4D97-AF65-F5344CB8AC3E}">
+        <p14:creationId xmlns:p14="http://schemas.microsoft.com/office/powerpoint/2010/main" val="3760970488"/>
+      </p:ext>
+    </p:extLst>
+  </p:cSld>
+  <p:clrMapOvr>
+    <a:masterClrMapping/>
+  </p:clrMapOvr>
+  <p:timing>
+    <p:tnLst>
+      <p:par>
+        <p:cTn id="1" dur="indefinite" restart="never" nodeType="tmRoot">
+          <p:childTnLst>
+            <p:seq concurrent="1" nextAc="seek">
+              <p:cTn id="2" dur="indefinite" nodeType="mainSeq">
+                <p:childTnLst>
+                  <p:par>
+                    <p:cTn id="3" fill="hold">
+                      <p:stCondLst>
+                        <p:cond delay="indefinite"/>
+                      </p:stCondLst>
+                      <p:childTnLst>
+                        <p:par>
+                          <p:cTn id="4" fill="hold">
+                            <p:stCondLst>
+                              <p:cond delay="0"/>
+                            </p:stCondLst>
+                            <p:childTnLst>
+                              <p:par>
+                                <p:cTn id="5" presetID="1" presetClass="entr" presetSubtype="0" fill="hold" grpId="0" nodeType="clickEffect">
+                                  <p:stCondLst>
+                                    <p:cond delay="0"/>
+                                  </p:stCondLst>
+                                  <p:childTnLst>
+                                    <p:set>
+                                      <p:cBhvr>
+                                        <p:cTn id="6" dur="1" fill="hold">
+                                          <p:stCondLst>
+                                            <p:cond delay="0"/>
+                                          </p:stCondLst>
+                                        </p:cTn>
+                                        <p:tgtEl>
+                                          <p:spTgt spid="28"/>
+                                        </p:tgtEl>
+                                        <p:attrNameLst>
+                                          <p:attrName>style.visibility</p:attrName>
+                                        </p:attrNameLst>
+                                      </p:cBhvr>
+                                      <p:to>
+                                        <p:strVal val="visible"/>
+                                      </p:to>
+                                    </p:set>
+                                  </p:childTnLst>
+                                </p:cTn>
+                              </p:par>
+                              <p:par>
+                                <p:cTn id="7" presetID="10" presetClass="entr" presetSubtype="0" fill="hold" nodeType="withEffect">
+                                  <p:stCondLst>
+                                    <p:cond delay="0"/>
+                                  </p:stCondLst>
+                                  <p:childTnLst>
+                                    <p:set>
+                                      <p:cBhvr>
+                                        <p:cTn id="8" dur="1" fill="hold">
+                                          <p:stCondLst>
+                                            <p:cond delay="0"/>
+                                          </p:stCondLst>
+                                        </p:cTn>
+                                        <p:tgtEl>
+                                          <p:spTgt spid="8"/>
+                                        </p:tgtEl>
+                                        <p:attrNameLst>
+                                          <p:attrName>style.visibility</p:attrName>
+                                        </p:attrNameLst>
+                                      </p:cBhvr>
+                                      <p:to>
+                                        <p:strVal val="visible"/>
+                                      </p:to>
+                                    </p:set>
+                                    <p:animEffect transition="in" filter="fade">
+                                      <p:cBhvr>
+                                        <p:cTn id="9" dur="500"/>
+                                        <p:tgtEl>
+                                          <p:spTgt spid="8"/>
+                                        </p:tgtEl>
+                                      </p:cBhvr>
+                                    </p:animEffect>
+                                  </p:childTnLst>
+                                </p:cTn>
+                              </p:par>
+                            </p:childTnLst>
+                          </p:cTn>
+                        </p:par>
+                      </p:childTnLst>
+                    </p:cTn>
+                  </p:par>
+                  <p:par>
+                    <p:cTn id="10" fill="hold">
+                      <p:stCondLst>
+                        <p:cond delay="indefinite"/>
+                      </p:stCondLst>
+                      <p:childTnLst>
+                        <p:par>
+                          <p:cTn id="11" fill="hold">
+                            <p:stCondLst>
+                              <p:cond delay="0"/>
+                            </p:stCondLst>
+                            <p:childTnLst>
+                              <p:par>
+                                <p:cTn id="12" presetID="10" presetClass="entr" presetSubtype="0" fill="hold" grpId="0" nodeType="clickEffect">
+                                  <p:stCondLst>
+                                    <p:cond delay="0"/>
+                                  </p:stCondLst>
+                                  <p:childTnLst>
+                                    <p:set>
+                                      <p:cBhvr>
+                                        <p:cTn id="13" dur="1" fill="hold">
+                                          <p:stCondLst>
+                                            <p:cond delay="0"/>
+                                          </p:stCondLst>
+                                        </p:cTn>
+                                        <p:tgtEl>
+                                          <p:spTgt spid="31"/>
+                                        </p:tgtEl>
+                                        <p:attrNameLst>
+                                          <p:attrName>style.visibility</p:attrName>
+                                        </p:attrNameLst>
+                                      </p:cBhvr>
+                                      <p:to>
+                                        <p:strVal val="visible"/>
+                                      </p:to>
+                                    </p:set>
+                                    <p:animEffect transition="in" filter="fade">
+                                      <p:cBhvr>
+                                        <p:cTn id="14" dur="500"/>
+                                        <p:tgtEl>
+                                          <p:spTgt spid="31"/>
+                                        </p:tgtEl>
+                                      </p:cBhvr>
+                                    </p:animEffect>
+                                  </p:childTnLst>
+                                </p:cTn>
+                              </p:par>
+                            </p:childTnLst>
+                          </p:cTn>
+                        </p:par>
+                      </p:childTnLst>
+                    </p:cTn>
+                  </p:par>
+                  <p:par>
+                    <p:cTn id="15" fill="hold">
+                      <p:stCondLst>
+                        <p:cond delay="indefinite"/>
+                      </p:stCondLst>
+                      <p:childTnLst>
+                        <p:par>
+                          <p:cTn id="16" fill="hold">
+                            <p:stCondLst>
+                              <p:cond delay="0"/>
+                            </p:stCondLst>
+                            <p:childTnLst>
+                              <p:par>
+                                <p:cTn id="17" presetID="1" presetClass="entr" presetSubtype="0" fill="hold" grpId="0" nodeType="clickEffect">
+                                  <p:stCondLst>
+                                    <p:cond delay="0"/>
+                                  </p:stCondLst>
+                                  <p:childTnLst>
+                                    <p:set>
+                                      <p:cBhvr>
+                                        <p:cTn id="18" dur="1" fill="hold">
+                                          <p:stCondLst>
+                                            <p:cond delay="0"/>
+                                          </p:stCondLst>
+                                        </p:cTn>
+                                        <p:tgtEl>
+                                          <p:spTgt spid="29"/>
+                                        </p:tgtEl>
+                                        <p:attrNameLst>
+                                          <p:attrName>style.visibility</p:attrName>
+                                        </p:attrNameLst>
+                                      </p:cBhvr>
+                                      <p:to>
+                                        <p:strVal val="visible"/>
+                                      </p:to>
+                                    </p:set>
+                                  </p:childTnLst>
+                                </p:cTn>
+                              </p:par>
+                              <p:par>
+                                <p:cTn id="19" presetID="10" presetClass="entr" presetSubtype="0" fill="hold" nodeType="withEffect">
+                                  <p:stCondLst>
+                                    <p:cond delay="0"/>
+                                  </p:stCondLst>
+                                  <p:childTnLst>
+                                    <p:set>
+                                      <p:cBhvr>
+                                        <p:cTn id="20" dur="1" fill="hold">
+                                          <p:stCondLst>
+                                            <p:cond delay="0"/>
+                                          </p:stCondLst>
+                                        </p:cTn>
+                                        <p:tgtEl>
+                                          <p:spTgt spid="27"/>
+                                        </p:tgtEl>
+                                        <p:attrNameLst>
+                                          <p:attrName>style.visibility</p:attrName>
+                                        </p:attrNameLst>
+                                      </p:cBhvr>
+                                      <p:to>
+                                        <p:strVal val="visible"/>
+                                      </p:to>
+                                    </p:set>
+                                    <p:animEffect transition="in" filter="fade">
+                                      <p:cBhvr>
+                                        <p:cTn id="21" dur="500"/>
+                                        <p:tgtEl>
+                                          <p:spTgt spid="27"/>
+                                        </p:tgtEl>
+                                      </p:cBhvr>
+                                    </p:animEffect>
+                                  </p:childTnLst>
+                                </p:cTn>
+                              </p:par>
+                            </p:childTnLst>
+                          </p:cTn>
+                        </p:par>
+                      </p:childTnLst>
+                    </p:cTn>
+                  </p:par>
+                  <p:par>
+                    <p:cTn id="22" fill="hold">
+                      <p:stCondLst>
+                        <p:cond delay="indefinite"/>
+                      </p:stCondLst>
+                      <p:childTnLst>
+                        <p:par>
+                          <p:cTn id="23" fill="hold">
+                            <p:stCondLst>
+                              <p:cond delay="0"/>
+                            </p:stCondLst>
+                            <p:childTnLst>
+                              <p:par>
+                                <p:cTn id="24" presetID="10" presetClass="entr" presetSubtype="0" fill="hold" grpId="0" nodeType="clickEffect">
+                                  <p:stCondLst>
+                                    <p:cond delay="0"/>
+                                  </p:stCondLst>
+                                  <p:childTnLst>
+                                    <p:set>
+                                      <p:cBhvr>
+                                        <p:cTn id="25" dur="1" fill="hold">
+                                          <p:stCondLst>
+                                            <p:cond delay="0"/>
+                                          </p:stCondLst>
+                                        </p:cTn>
+                                        <p:tgtEl>
+                                          <p:spTgt spid="32"/>
+                                        </p:tgtEl>
+                                        <p:attrNameLst>
+                                          <p:attrName>style.visibility</p:attrName>
+                                        </p:attrNameLst>
+                                      </p:cBhvr>
+                                      <p:to>
+                                        <p:strVal val="visible"/>
+                                      </p:to>
+                                    </p:set>
+                                    <p:animEffect transition="in" filter="fade">
+                                      <p:cBhvr>
+                                        <p:cTn id="26" dur="500"/>
+                                        <p:tgtEl>
+                                          <p:spTgt spid="32"/>
+                                        </p:tgtEl>
+                                      </p:cBhvr>
+                                    </p:animEffect>
+                                  </p:childTnLst>
+                                </p:cTn>
+                              </p:par>
+                            </p:childTnLst>
+                          </p:cTn>
+                        </p:par>
+                      </p:childTnLst>
+                    </p:cTn>
+                  </p:par>
+                  <p:par>
+                    <p:cTn id="27" fill="hold">
+                      <p:stCondLst>
+                        <p:cond delay="indefinite"/>
+                      </p:stCondLst>
+                      <p:childTnLst>
+                        <p:par>
+                          <p:cTn id="28" fill="hold">
+                            <p:stCondLst>
+                              <p:cond delay="0"/>
+                            </p:stCondLst>
+                            <p:childTnLst>
+                              <p:par>
+                                <p:cTn id="29" presetID="10" presetClass="entr" presetSubtype="0" fill="hold" nodeType="clickEffect">
+                                  <p:stCondLst>
+                                    <p:cond delay="0"/>
+                                  </p:stCondLst>
+                                  <p:childTnLst>
+                                    <p:set>
+                                      <p:cBhvr>
+                                        <p:cTn id="30" dur="1" fill="hold">
+                                          <p:stCondLst>
+                                            <p:cond delay="0"/>
+                                          </p:stCondLst>
+                                        </p:cTn>
+                                        <p:tgtEl>
+                                          <p:spTgt spid="30"/>
+                                        </p:tgtEl>
+                                        <p:attrNameLst>
+                                          <p:attrName>style.visibility</p:attrName>
+                                        </p:attrNameLst>
+                                      </p:cBhvr>
+                                      <p:to>
+                                        <p:strVal val="visible"/>
+                                      </p:to>
+                                    </p:set>
+                                    <p:animEffect transition="in" filter="fade">
+                                      <p:cBhvr>
+                                        <p:cTn id="31" dur="500"/>
+                                        <p:tgtEl>
+                                          <p:spTgt spid="30"/>
+                                        </p:tgtEl>
+                                      </p:cBhvr>
+                                    </p:animEffect>
+                                  </p:childTnLst>
+                                </p:cTn>
+                              </p:par>
+                            </p:childTnLst>
+                          </p:cTn>
+                        </p:par>
+                      </p:childTnLst>
+                    </p:cTn>
+                  </p:par>
+                  <p:par>
+                    <p:cTn id="32" fill="hold">
+                      <p:stCondLst>
+                        <p:cond delay="indefinite"/>
+                      </p:stCondLst>
+                      <p:childTnLst>
+                        <p:par>
+                          <p:cTn id="33" fill="hold">
+                            <p:stCondLst>
+                              <p:cond delay="0"/>
+                            </p:stCondLst>
+                            <p:childTnLst>
+                              <p:par>
+                                <p:cTn id="34" presetID="10" presetClass="entr" presetSubtype="0" fill="hold" grpId="0" nodeType="clickEffect">
+                                  <p:stCondLst>
+                                    <p:cond delay="0"/>
+                                  </p:stCondLst>
+                                  <p:childTnLst>
+                                    <p:set>
+                                      <p:cBhvr>
+                                        <p:cTn id="35" dur="1" fill="hold">
+                                          <p:stCondLst>
+                                            <p:cond delay="0"/>
+                                          </p:stCondLst>
+                                        </p:cTn>
+                                        <p:tgtEl>
+                                          <p:spTgt spid="33"/>
+                                        </p:tgtEl>
+                                        <p:attrNameLst>
+                                          <p:attrName>style.visibility</p:attrName>
+                                        </p:attrNameLst>
+                                      </p:cBhvr>
+                                      <p:to>
+                                        <p:strVal val="visible"/>
+                                      </p:to>
+                                    </p:set>
+                                    <p:animEffect transition="in" filter="fade">
+                                      <p:cBhvr>
+                                        <p:cTn id="36" dur="500"/>
+                                        <p:tgtEl>
+                                          <p:spTgt spid="33"/>
+                                        </p:tgtEl>
+                                      </p:cBhvr>
+                                    </p:animEffect>
+                                  </p:childTnLst>
+                                </p:cTn>
+                              </p:par>
+                            </p:childTnLst>
+                          </p:cTn>
+                        </p:par>
+                      </p:childTnLst>
+                    </p:cTn>
+                  </p:par>
+                </p:childTnLst>
+              </p:cTn>
+              <p:prevCondLst>
+                <p:cond evt="onPrev" delay="0">
+                  <p:tgtEl>
+                    <p:sldTgt/>
+                  </p:tgtEl>
+                </p:cond>
+              </p:prevCondLst>
+              <p:nextCondLst>
+                <p:cond evt="onNext" delay="0">
+                  <p:tgtEl>
+                    <p:sldTgt/>
+                  </p:tgtEl>
+                </p:cond>
+              </p:nextCondLst>
+            </p:seq>
+          </p:childTnLst>
+        </p:cTn>
+      </p:par>
+    </p:tnLst>
+    <p:bldLst>
+      <p:bldP spid="28" grpId="0"/>
+      <p:bldP spid="29" grpId="0"/>
+      <p:bldP spid="31" grpId="0" animBg="1"/>
+      <p:bldP spid="32" grpId="0" animBg="1"/>
+      <p:bldP spid="33" grpId="0" animBg="1"/>
+    </p:bldLst>
+  </p:timing>
+</p:sld>
+</file>
+
+<file path=ppt/slides/slide17.xml><?xml version="1.0" encoding="utf-8"?>
 <p:sld xmlns:a="http://schemas.openxmlformats.org/drawingml/2006/main" xmlns:r="http://schemas.openxmlformats.org/officeDocument/2006/relationships" xmlns:p="http://schemas.openxmlformats.org/presentationml/2006/main">
   <p:cSld>
     <p:spTree>
@@ -13999,6 +16658,212 @@
 </file>
 
 <file path=ppt/slides/slide4.xml><?xml version="1.0" encoding="utf-8"?>
+<p:sld xmlns:a="http://schemas.openxmlformats.org/drawingml/2006/main" xmlns:r="http://schemas.openxmlformats.org/officeDocument/2006/relationships" xmlns:p="http://schemas.openxmlformats.org/presentationml/2006/main">
+  <p:cSld>
+    <p:spTree>
+      <p:nvGrpSpPr>
+        <p:cNvPr id="1" name=""/>
+        <p:cNvGrpSpPr/>
+        <p:nvPr/>
+      </p:nvGrpSpPr>
+      <p:grpSpPr>
+        <a:xfrm>
+          <a:off x="0" y="0"/>
+          <a:ext cx="0" cy="0"/>
+          <a:chOff x="0" y="0"/>
+          <a:chExt cx="0" cy="0"/>
+        </a:xfrm>
+      </p:grpSpPr>
+      <p:sp>
+        <p:nvSpPr>
+          <p:cNvPr id="2" name="Título 1"/>
+          <p:cNvSpPr>
+            <a:spLocks noGrp="1"/>
+          </p:cNvSpPr>
+          <p:nvPr>
+            <p:ph type="title"/>
+          </p:nvPr>
+        </p:nvSpPr>
+        <p:spPr/>
+        <p:txBody>
+          <a:bodyPr>
+            <a:normAutofit/>
+          </a:bodyPr>
+          <a:lstStyle/>
+          <a:p>
+            <a:r>
+              <a:rPr lang="pt-BR" sz="3200" dirty="0" smtClean="0">
+                <a:latin typeface="Consolas" panose="020B0609020204030204" pitchFamily="49" charset="0"/>
+              </a:rPr>
+              <a:t>Variáveis</a:t>
+            </a:r>
+            <a:endParaRPr lang="pt-BR" sz="3200" dirty="0">
+              <a:latin typeface="Consolas" panose="020B0609020204030204" pitchFamily="49" charset="0"/>
+            </a:endParaRPr>
+          </a:p>
+        </p:txBody>
+      </p:sp>
+      <p:pic>
+        <p:nvPicPr>
+          <p:cNvPr id="4" name="Imagem 3"/>
+          <p:cNvPicPr>
+            <a:picLocks noChangeAspect="1"/>
+          </p:cNvPicPr>
+          <p:nvPr/>
+        </p:nvPicPr>
+        <p:blipFill>
+          <a:blip r:embed="rId2" cstate="print">
+            <a:extLst>
+              <a:ext uri="{28A0092B-C50C-407E-A947-70E740481C1C}">
+                <a14:useLocalDpi xmlns:a14="http://schemas.microsoft.com/office/drawing/2010/main" val="0"/>
+              </a:ext>
+            </a:extLst>
+          </a:blip>
+          <a:stretch>
+            <a:fillRect/>
+          </a:stretch>
+        </p:blipFill>
+        <p:spPr>
+          <a:xfrm>
+            <a:off x="10441211" y="110689"/>
+            <a:ext cx="1750789" cy="2157949"/>
+          </a:xfrm>
+          <a:prstGeom prst="rect">
+            <a:avLst/>
+          </a:prstGeom>
+        </p:spPr>
+      </p:pic>
+      <p:sp>
+        <p:nvSpPr>
+          <p:cNvPr id="9" name="CaixaDeTexto 8"/>
+          <p:cNvSpPr txBox="1"/>
+          <p:nvPr/>
+        </p:nvSpPr>
+        <p:spPr>
+          <a:xfrm>
+            <a:off x="838200" y="1456443"/>
+            <a:ext cx="5022995" cy="523220"/>
+          </a:xfrm>
+          <a:prstGeom prst="rect">
+            <a:avLst/>
+          </a:prstGeom>
+          <a:noFill/>
+        </p:spPr>
+        <p:txBody>
+          <a:bodyPr wrap="square" rtlCol="0">
+            <a:spAutoFit/>
+          </a:bodyPr>
+          <a:lstStyle/>
+          <a:p>
+            <a:r>
+              <a:rPr lang="pt-BR" sz="2800" dirty="0" smtClean="0">
+                <a:latin typeface="Consolas" panose="020B0609020204030204" pitchFamily="49" charset="0"/>
+              </a:rPr>
+              <a:t>Falar sobre variáveis</a:t>
+            </a:r>
+          </a:p>
+        </p:txBody>
+      </p:sp>
+    </p:spTree>
+    <p:extLst>
+      <p:ext uri="{BB962C8B-B14F-4D97-AF65-F5344CB8AC3E}">
+        <p14:creationId xmlns:p14="http://schemas.microsoft.com/office/powerpoint/2010/main" val="2424265070"/>
+      </p:ext>
+    </p:extLst>
+  </p:cSld>
+  <p:clrMapOvr>
+    <a:masterClrMapping/>
+  </p:clrMapOvr>
+  <p:timing>
+    <p:tnLst>
+      <p:par>
+        <p:cTn id="1" dur="indefinite" restart="never" nodeType="tmRoot">
+          <p:childTnLst>
+            <p:seq concurrent="1" nextAc="seek">
+              <p:cTn id="2" dur="indefinite" nodeType="mainSeq">
+                <p:childTnLst>
+                  <p:par>
+                    <p:cTn id="3" fill="hold">
+                      <p:stCondLst>
+                        <p:cond delay="indefinite"/>
+                      </p:stCondLst>
+                      <p:childTnLst>
+                        <p:par>
+                          <p:cTn id="4" fill="hold">
+                            <p:stCondLst>
+                              <p:cond delay="0"/>
+                            </p:stCondLst>
+                            <p:childTnLst>
+                              <p:par>
+                                <p:cTn id="5" presetID="10" presetClass="entr" presetSubtype="0" fill="hold" grpId="0" nodeType="clickEffect">
+                                  <p:stCondLst>
+                                    <p:cond delay="0"/>
+                                  </p:stCondLst>
+                                  <p:childTnLst>
+                                    <p:set>
+                                      <p:cBhvr>
+                                        <p:cTn id="6" dur="1" fill="hold">
+                                          <p:stCondLst>
+                                            <p:cond delay="0"/>
+                                          </p:stCondLst>
+                                        </p:cTn>
+                                        <p:tgtEl>
+                                          <p:spTgt spid="9"/>
+                                        </p:tgtEl>
+                                        <p:attrNameLst>
+                                          <p:attrName>style.visibility</p:attrName>
+                                        </p:attrNameLst>
+                                      </p:cBhvr>
+                                      <p:to>
+                                        <p:strVal val="visible"/>
+                                      </p:to>
+                                    </p:set>
+                                    <p:animEffect transition="in" filter="fade">
+                                      <p:cBhvr>
+                                        <p:cTn id="7" dur="500"/>
+                                        <p:tgtEl>
+                                          <p:spTgt spid="9"/>
+                                        </p:tgtEl>
+                                      </p:cBhvr>
+                                    </p:animEffect>
+                                  </p:childTnLst>
+                                </p:cTn>
+                              </p:par>
+                            </p:childTnLst>
+                          </p:cTn>
+                        </p:par>
+                      </p:childTnLst>
+                    </p:cTn>
+                  </p:par>
+                </p:childTnLst>
+              </p:cTn>
+              <p:prevCondLst>
+                <p:cond evt="onPrev" delay="0">
+                  <p:tgtEl>
+                    <p:sldTgt/>
+                  </p:tgtEl>
+                </p:cond>
+              </p:prevCondLst>
+              <p:nextCondLst>
+                <p:cond evt="onNext" delay="0">
+                  <p:tgtEl>
+                    <p:sldTgt/>
+                  </p:tgtEl>
+                </p:cond>
+              </p:nextCondLst>
+            </p:seq>
+          </p:childTnLst>
+        </p:cTn>
+      </p:par>
+    </p:tnLst>
+    <p:bldLst>
+      <p:bldP spid="9" grpId="0"/>
+    </p:bldLst>
+  </p:timing>
+</p:sld>
+</file>
+
+<file path=ppt/slides/slide5.xml><?xml version="1.0" encoding="utf-8"?>
 <p:sld xmlns:a="http://schemas.openxmlformats.org/drawingml/2006/main" xmlns:r="http://schemas.openxmlformats.org/officeDocument/2006/relationships" xmlns:p="http://schemas.openxmlformats.org/presentationml/2006/main">
   <p:cSld>
     <p:spTree>
@@ -17227,7 +20092,7 @@
 </p:sld>
 </file>
 
-<file path=ppt/slides/slide5.xml><?xml version="1.0" encoding="utf-8"?>
+<file path=ppt/slides/slide6.xml><?xml version="1.0" encoding="utf-8"?>
 <p:sld xmlns:a="http://schemas.openxmlformats.org/drawingml/2006/main" xmlns:r="http://schemas.openxmlformats.org/officeDocument/2006/relationships" xmlns:p="http://schemas.openxmlformats.org/presentationml/2006/main">
   <p:cSld>
     <p:spTree>
@@ -18366,7 +21231,7 @@
 </p:sld>
 </file>
 
-<file path=ppt/slides/slide6.xml><?xml version="1.0" encoding="utf-8"?>
+<file path=ppt/slides/slide7.xml><?xml version="1.0" encoding="utf-8"?>
 <p:sld xmlns:a="http://schemas.openxmlformats.org/drawingml/2006/main" xmlns:r="http://schemas.openxmlformats.org/officeDocument/2006/relationships" xmlns:p="http://schemas.openxmlformats.org/presentationml/2006/main">
   <p:cSld>
     <p:spTree>
@@ -21866,7 +24731,7 @@
 </p:sld>
 </file>
 
-<file path=ppt/slides/slide7.xml><?xml version="1.0" encoding="utf-8"?>
+<file path=ppt/slides/slide8.xml><?xml version="1.0" encoding="utf-8"?>
 <p:sld xmlns:a="http://schemas.openxmlformats.org/drawingml/2006/main" xmlns:r="http://schemas.openxmlformats.org/officeDocument/2006/relationships" xmlns:p="http://schemas.openxmlformats.org/presentationml/2006/main">
   <p:cSld>
     <p:spTree>
@@ -26579,7 +29444,7 @@
 </p:sld>
 </file>
 
-<file path=ppt/slides/slide8.xml><?xml version="1.0" encoding="utf-8"?>
+<file path=ppt/slides/slide9.xml><?xml version="1.0" encoding="utf-8"?>
 <p:sld xmlns:a="http://schemas.openxmlformats.org/drawingml/2006/main" xmlns:r="http://schemas.openxmlformats.org/officeDocument/2006/relationships" xmlns:p="http://schemas.openxmlformats.org/presentationml/2006/main">
   <p:cSld>
     <p:spTree>
@@ -28469,1668 +31334,6 @@
       <p:bldP spid="44" grpId="0"/>
       <p:bldP spid="45" grpId="0"/>
       <p:bldP spid="46" grpId="0"/>
-      <p:bldP spid="47" grpId="0"/>
-      <p:bldP spid="48" grpId="0"/>
-    </p:bldLst>
-  </p:timing>
-</p:sld>
-</file>
-
-<file path=ppt/slides/slide9.xml><?xml version="1.0" encoding="utf-8"?>
-<p:sld xmlns:a="http://schemas.openxmlformats.org/drawingml/2006/main" xmlns:r="http://schemas.openxmlformats.org/officeDocument/2006/relationships" xmlns:p="http://schemas.openxmlformats.org/presentationml/2006/main">
-  <p:cSld>
-    <p:spTree>
-      <p:nvGrpSpPr>
-        <p:cNvPr id="1" name=""/>
-        <p:cNvGrpSpPr/>
-        <p:nvPr/>
-      </p:nvGrpSpPr>
-      <p:grpSpPr>
-        <a:xfrm>
-          <a:off x="0" y="0"/>
-          <a:ext cx="0" cy="0"/>
-          <a:chOff x="0" y="0"/>
-          <a:chExt cx="0" cy="0"/>
-        </a:xfrm>
-      </p:grpSpPr>
-      <p:pic>
-        <p:nvPicPr>
-          <p:cNvPr id="3" name="Imagem 2"/>
-          <p:cNvPicPr>
-            <a:picLocks noChangeAspect="1"/>
-          </p:cNvPicPr>
-          <p:nvPr/>
-        </p:nvPicPr>
-        <p:blipFill>
-          <a:blip r:embed="rId2">
-            <a:extLst>
-              <a:ext uri="{28A0092B-C50C-407E-A947-70E740481C1C}">
-                <a14:useLocalDpi xmlns:a14="http://schemas.microsoft.com/office/drawing/2010/main" val="0"/>
-              </a:ext>
-            </a:extLst>
-          </a:blip>
-          <a:stretch>
-            <a:fillRect/>
-          </a:stretch>
-        </p:blipFill>
-        <p:spPr>
-          <a:xfrm>
-            <a:off x="772259" y="1585247"/>
-            <a:ext cx="4172748" cy="3232411"/>
-          </a:xfrm>
-          <a:prstGeom prst="rect">
-            <a:avLst/>
-          </a:prstGeom>
-        </p:spPr>
-      </p:pic>
-      <p:sp>
-        <p:nvSpPr>
-          <p:cNvPr id="2" name="Título 1"/>
-          <p:cNvSpPr>
-            <a:spLocks noGrp="1"/>
-          </p:cNvSpPr>
-          <p:nvPr>
-            <p:ph type="title"/>
-          </p:nvPr>
-        </p:nvSpPr>
-        <p:spPr>
-          <a:xfrm>
-            <a:off x="838200" y="365125"/>
-            <a:ext cx="10515600" cy="1586505"/>
-          </a:xfrm>
-        </p:spPr>
-        <p:txBody>
-          <a:bodyPr>
-            <a:normAutofit/>
-          </a:bodyPr>
-          <a:lstStyle/>
-          <a:p>
-            <a:r>
-              <a:rPr lang="pt-BR" sz="3200" dirty="0" smtClean="0">
-                <a:latin typeface="Consolas" panose="020B0609020204030204" pitchFamily="49" charset="0"/>
-              </a:rPr>
-              <a:t>Atribuição utilizando o “tipo” </a:t>
-            </a:r>
-            <a:r>
-              <a:rPr lang="pt-BR" sz="3200" dirty="0" err="1" smtClean="0">
-                <a:latin typeface="Consolas" panose="020B0609020204030204" pitchFamily="49" charset="0"/>
-              </a:rPr>
-              <a:t>String</a:t>
-            </a:r>
-            <a:endParaRPr lang="pt-BR" sz="3200" dirty="0">
-              <a:latin typeface="Consolas" panose="020B0609020204030204" pitchFamily="49" charset="0"/>
-            </a:endParaRPr>
-          </a:p>
-        </p:txBody>
-      </p:sp>
-      <p:pic>
-        <p:nvPicPr>
-          <p:cNvPr id="4" name="Imagem 3"/>
-          <p:cNvPicPr>
-            <a:picLocks noChangeAspect="1"/>
-          </p:cNvPicPr>
-          <p:nvPr/>
-        </p:nvPicPr>
-        <p:blipFill>
-          <a:blip r:embed="rId3" cstate="print">
-            <a:extLst>
-              <a:ext uri="{28A0092B-C50C-407E-A947-70E740481C1C}">
-                <a14:useLocalDpi xmlns:a14="http://schemas.microsoft.com/office/drawing/2010/main" val="0"/>
-              </a:ext>
-            </a:extLst>
-          </a:blip>
-          <a:stretch>
-            <a:fillRect/>
-          </a:stretch>
-        </p:blipFill>
-        <p:spPr>
-          <a:xfrm>
-            <a:off x="10441211" y="110689"/>
-            <a:ext cx="1750789" cy="2157949"/>
-          </a:xfrm>
-          <a:prstGeom prst="rect">
-            <a:avLst/>
-          </a:prstGeom>
-        </p:spPr>
-      </p:pic>
-      <p:sp>
-        <p:nvSpPr>
-          <p:cNvPr id="17" name="Retângulo 16"/>
-          <p:cNvSpPr/>
-          <p:nvPr/>
-        </p:nvSpPr>
-        <p:spPr>
-          <a:xfrm>
-            <a:off x="1284999" y="2268638"/>
-            <a:ext cx="1717507" cy="258502"/>
-          </a:xfrm>
-          <a:prstGeom prst="rect">
-            <a:avLst/>
-          </a:prstGeom>
-          <a:noFill/>
-          <a:ln w="25400" cmpd="sng">
-            <a:solidFill>
-              <a:schemeClr val="tx1">
-                <a:lumMod val="95000"/>
-              </a:schemeClr>
-            </a:solidFill>
-          </a:ln>
-        </p:spPr>
-        <p:style>
-          <a:lnRef idx="2">
-            <a:schemeClr val="accent1">
-              <a:shade val="50000"/>
-            </a:schemeClr>
-          </a:lnRef>
-          <a:fillRef idx="1001">
-            <a:schemeClr val="lt2"/>
-          </a:fillRef>
-          <a:effectRef idx="0">
-            <a:schemeClr val="accent1"/>
-          </a:effectRef>
-          <a:fontRef idx="minor">
-            <a:schemeClr val="lt1"/>
-          </a:fontRef>
-        </p:style>
-        <p:txBody>
-          <a:bodyPr rtlCol="0" anchor="t"/>
-          <a:lstStyle/>
-          <a:p>
-            <a:pPr algn="ctr"/>
-            <a:endParaRPr lang="pt-BR" b="1" dirty="0">
-              <a:latin typeface="Consolas" panose="020B0609020204030204" pitchFamily="49" charset="0"/>
-            </a:endParaRPr>
-          </a:p>
-        </p:txBody>
-      </p:sp>
-      <p:cxnSp>
-        <p:nvCxnSpPr>
-          <p:cNvPr id="18" name="Conector de seta reta 17"/>
-          <p:cNvCxnSpPr/>
-          <p:nvPr/>
-        </p:nvCxnSpPr>
-        <p:spPr>
-          <a:xfrm flipV="1">
-            <a:off x="3002506" y="2266456"/>
-            <a:ext cx="2636400" cy="2182"/>
-          </a:xfrm>
-          <a:prstGeom prst="straightConnector1">
-            <a:avLst/>
-          </a:prstGeom>
-          <a:ln w="28575">
-            <a:solidFill>
-              <a:schemeClr val="tx1">
-                <a:lumMod val="95000"/>
-              </a:schemeClr>
-            </a:solidFill>
-            <a:tailEnd type="triangle"/>
-          </a:ln>
-        </p:spPr>
-        <p:style>
-          <a:lnRef idx="1">
-            <a:schemeClr val="accent1"/>
-          </a:lnRef>
-          <a:fillRef idx="0">
-            <a:schemeClr val="accent1"/>
-          </a:fillRef>
-          <a:effectRef idx="0">
-            <a:schemeClr val="accent1"/>
-          </a:effectRef>
-          <a:fontRef idx="minor">
-            <a:schemeClr val="tx1"/>
-          </a:fontRef>
-        </p:style>
-      </p:cxnSp>
-      <p:sp>
-        <p:nvSpPr>
-          <p:cNvPr id="19" name="CaixaDeTexto 18"/>
-          <p:cNvSpPr txBox="1"/>
-          <p:nvPr/>
-        </p:nvSpPr>
-        <p:spPr>
-          <a:xfrm>
-            <a:off x="5636525" y="2074796"/>
-            <a:ext cx="1583141" cy="369332"/>
-          </a:xfrm>
-          <a:prstGeom prst="rect">
-            <a:avLst/>
-          </a:prstGeom>
-          <a:noFill/>
-        </p:spPr>
-        <p:txBody>
-          <a:bodyPr wrap="square" rtlCol="0">
-            <a:spAutoFit/>
-          </a:bodyPr>
-          <a:lstStyle/>
-          <a:p>
-            <a:r>
-              <a:rPr lang="pt-BR" dirty="0" smtClean="0">
-                <a:latin typeface="Consolas" panose="020B0609020204030204" pitchFamily="49" charset="0"/>
-              </a:rPr>
-              <a:t>Declaração</a:t>
-            </a:r>
-            <a:endParaRPr lang="pt-BR" dirty="0">
-              <a:latin typeface="Consolas" panose="020B0609020204030204" pitchFamily="49" charset="0"/>
-            </a:endParaRPr>
-          </a:p>
-        </p:txBody>
-      </p:sp>
-      <p:sp>
-        <p:nvSpPr>
-          <p:cNvPr id="23" name="Retângulo 22"/>
-          <p:cNvSpPr/>
-          <p:nvPr/>
-        </p:nvSpPr>
-        <p:spPr>
-          <a:xfrm>
-            <a:off x="1289686" y="2591996"/>
-            <a:ext cx="1561464" cy="260250"/>
-          </a:xfrm>
-          <a:prstGeom prst="rect">
-            <a:avLst/>
-          </a:prstGeom>
-          <a:noFill/>
-          <a:ln w="25400" cmpd="sng">
-            <a:solidFill>
-              <a:schemeClr val="tx1">
-                <a:lumMod val="95000"/>
-              </a:schemeClr>
-            </a:solidFill>
-          </a:ln>
-        </p:spPr>
-        <p:style>
-          <a:lnRef idx="2">
-            <a:schemeClr val="accent1">
-              <a:shade val="50000"/>
-            </a:schemeClr>
-          </a:lnRef>
-          <a:fillRef idx="1001">
-            <a:schemeClr val="lt2"/>
-          </a:fillRef>
-          <a:effectRef idx="0">
-            <a:schemeClr val="accent1"/>
-          </a:effectRef>
-          <a:fontRef idx="minor">
-            <a:schemeClr val="lt1"/>
-          </a:fontRef>
-        </p:style>
-        <p:txBody>
-          <a:bodyPr rtlCol="0" anchor="t"/>
-          <a:lstStyle/>
-          <a:p>
-            <a:pPr algn="ctr"/>
-            <a:endParaRPr lang="pt-BR" b="1" dirty="0">
-              <a:latin typeface="Consolas" panose="020B0609020204030204" pitchFamily="49" charset="0"/>
-            </a:endParaRPr>
-          </a:p>
-        </p:txBody>
-      </p:sp>
-      <p:sp>
-        <p:nvSpPr>
-          <p:cNvPr id="24" name="Retângulo 23"/>
-          <p:cNvSpPr/>
-          <p:nvPr/>
-        </p:nvSpPr>
-        <p:spPr>
-          <a:xfrm>
-            <a:off x="1289686" y="2921148"/>
-            <a:ext cx="3352164" cy="260250"/>
-          </a:xfrm>
-          <a:prstGeom prst="rect">
-            <a:avLst/>
-          </a:prstGeom>
-          <a:noFill/>
-          <a:ln w="25400" cmpd="sng">
-            <a:solidFill>
-              <a:schemeClr val="tx1">
-                <a:lumMod val="95000"/>
-              </a:schemeClr>
-            </a:solidFill>
-          </a:ln>
-        </p:spPr>
-        <p:style>
-          <a:lnRef idx="2">
-            <a:schemeClr val="accent1">
-              <a:shade val="50000"/>
-            </a:schemeClr>
-          </a:lnRef>
-          <a:fillRef idx="1001">
-            <a:schemeClr val="lt2"/>
-          </a:fillRef>
-          <a:effectRef idx="0">
-            <a:schemeClr val="accent1"/>
-          </a:effectRef>
-          <a:fontRef idx="minor">
-            <a:schemeClr val="lt1"/>
-          </a:fontRef>
-        </p:style>
-        <p:txBody>
-          <a:bodyPr rtlCol="0" anchor="t"/>
-          <a:lstStyle/>
-          <a:p>
-            <a:pPr algn="ctr"/>
-            <a:endParaRPr lang="pt-BR" b="1" dirty="0">
-              <a:latin typeface="Consolas" panose="020B0609020204030204" pitchFamily="49" charset="0"/>
-            </a:endParaRPr>
-          </a:p>
-        </p:txBody>
-      </p:sp>
-      <p:sp>
-        <p:nvSpPr>
-          <p:cNvPr id="25" name="Retângulo 24"/>
-          <p:cNvSpPr/>
-          <p:nvPr/>
-        </p:nvSpPr>
-        <p:spPr>
-          <a:xfrm>
-            <a:off x="1285000" y="3580564"/>
-            <a:ext cx="1566150" cy="260250"/>
-          </a:xfrm>
-          <a:prstGeom prst="rect">
-            <a:avLst/>
-          </a:prstGeom>
-          <a:noFill/>
-          <a:ln w="25400" cmpd="sng">
-            <a:solidFill>
-              <a:schemeClr val="tx1">
-                <a:lumMod val="95000"/>
-              </a:schemeClr>
-            </a:solidFill>
-          </a:ln>
-        </p:spPr>
-        <p:style>
-          <a:lnRef idx="2">
-            <a:schemeClr val="accent1">
-              <a:shade val="50000"/>
-            </a:schemeClr>
-          </a:lnRef>
-          <a:fillRef idx="1001">
-            <a:schemeClr val="lt2"/>
-          </a:fillRef>
-          <a:effectRef idx="0">
-            <a:schemeClr val="accent1"/>
-          </a:effectRef>
-          <a:fontRef idx="minor">
-            <a:schemeClr val="lt1"/>
-          </a:fontRef>
-        </p:style>
-        <p:txBody>
-          <a:bodyPr rtlCol="0" anchor="t"/>
-          <a:lstStyle/>
-          <a:p>
-            <a:pPr algn="ctr"/>
-            <a:endParaRPr lang="pt-BR" b="1" dirty="0">
-              <a:latin typeface="Consolas" panose="020B0609020204030204" pitchFamily="49" charset="0"/>
-            </a:endParaRPr>
-          </a:p>
-        </p:txBody>
-      </p:sp>
-      <p:sp>
-        <p:nvSpPr>
-          <p:cNvPr id="26" name="Retângulo 25"/>
-          <p:cNvSpPr/>
-          <p:nvPr/>
-        </p:nvSpPr>
-        <p:spPr>
-          <a:xfrm>
-            <a:off x="1289686" y="3903922"/>
-            <a:ext cx="2444114" cy="260250"/>
-          </a:xfrm>
-          <a:prstGeom prst="rect">
-            <a:avLst/>
-          </a:prstGeom>
-          <a:noFill/>
-          <a:ln w="25400" cmpd="sng">
-            <a:solidFill>
-              <a:schemeClr val="tx1">
-                <a:lumMod val="95000"/>
-              </a:schemeClr>
-            </a:solidFill>
-          </a:ln>
-        </p:spPr>
-        <p:style>
-          <a:lnRef idx="2">
-            <a:schemeClr val="accent1">
-              <a:shade val="50000"/>
-            </a:schemeClr>
-          </a:lnRef>
-          <a:fillRef idx="1001">
-            <a:schemeClr val="lt2"/>
-          </a:fillRef>
-          <a:effectRef idx="0">
-            <a:schemeClr val="accent1"/>
-          </a:effectRef>
-          <a:fontRef idx="minor">
-            <a:schemeClr val="lt1"/>
-          </a:fontRef>
-        </p:style>
-        <p:txBody>
-          <a:bodyPr rtlCol="0" anchor="t"/>
-          <a:lstStyle/>
-          <a:p>
-            <a:pPr algn="ctr"/>
-            <a:endParaRPr lang="pt-BR" b="1" dirty="0">
-              <a:latin typeface="Consolas" panose="020B0609020204030204" pitchFamily="49" charset="0"/>
-            </a:endParaRPr>
-          </a:p>
-        </p:txBody>
-      </p:sp>
-      <p:sp>
-        <p:nvSpPr>
-          <p:cNvPr id="28" name="Retângulo 27"/>
-          <p:cNvSpPr/>
-          <p:nvPr/>
-        </p:nvSpPr>
-        <p:spPr>
-          <a:xfrm>
-            <a:off x="1285000" y="4246406"/>
-            <a:ext cx="3217150" cy="260250"/>
-          </a:xfrm>
-          <a:prstGeom prst="rect">
-            <a:avLst/>
-          </a:prstGeom>
-          <a:noFill/>
-          <a:ln w="25400" cmpd="sng">
-            <a:solidFill>
-              <a:schemeClr val="tx1">
-                <a:lumMod val="95000"/>
-              </a:schemeClr>
-            </a:solidFill>
-          </a:ln>
-        </p:spPr>
-        <p:style>
-          <a:lnRef idx="2">
-            <a:schemeClr val="accent1">
-              <a:shade val="50000"/>
-            </a:schemeClr>
-          </a:lnRef>
-          <a:fillRef idx="1001">
-            <a:schemeClr val="lt2"/>
-          </a:fillRef>
-          <a:effectRef idx="0">
-            <a:schemeClr val="accent1"/>
-          </a:effectRef>
-          <a:fontRef idx="minor">
-            <a:schemeClr val="lt1"/>
-          </a:fontRef>
-        </p:style>
-        <p:txBody>
-          <a:bodyPr rtlCol="0" anchor="t"/>
-          <a:lstStyle/>
-          <a:p>
-            <a:pPr algn="ctr"/>
-            <a:endParaRPr lang="pt-BR" b="1" dirty="0">
-              <a:latin typeface="Consolas" panose="020B0609020204030204" pitchFamily="49" charset="0"/>
-            </a:endParaRPr>
-          </a:p>
-        </p:txBody>
-      </p:sp>
-      <p:cxnSp>
-        <p:nvCxnSpPr>
-          <p:cNvPr id="30" name="Conector de seta reta 29"/>
-          <p:cNvCxnSpPr/>
-          <p:nvPr/>
-        </p:nvCxnSpPr>
-        <p:spPr>
-          <a:xfrm>
-            <a:off x="2842842" y="2594678"/>
-            <a:ext cx="2793683" cy="0"/>
-          </a:xfrm>
-          <a:prstGeom prst="straightConnector1">
-            <a:avLst/>
-          </a:prstGeom>
-          <a:ln w="28575">
-            <a:solidFill>
-              <a:schemeClr val="tx1">
-                <a:lumMod val="95000"/>
-              </a:schemeClr>
-            </a:solidFill>
-            <a:tailEnd type="triangle"/>
-          </a:ln>
-        </p:spPr>
-        <p:style>
-          <a:lnRef idx="1">
-            <a:schemeClr val="accent1"/>
-          </a:lnRef>
-          <a:fillRef idx="0">
-            <a:schemeClr val="accent1"/>
-          </a:fillRef>
-          <a:effectRef idx="0">
-            <a:schemeClr val="accent1"/>
-          </a:effectRef>
-          <a:fontRef idx="minor">
-            <a:schemeClr val="tx1"/>
-          </a:fontRef>
-        </p:style>
-      </p:cxnSp>
-      <p:cxnSp>
-        <p:nvCxnSpPr>
-          <p:cNvPr id="31" name="Conector de seta reta 30"/>
-          <p:cNvCxnSpPr/>
-          <p:nvPr/>
-        </p:nvCxnSpPr>
-        <p:spPr>
-          <a:xfrm>
-            <a:off x="4641850" y="2923529"/>
-            <a:ext cx="994675" cy="0"/>
-          </a:xfrm>
-          <a:prstGeom prst="straightConnector1">
-            <a:avLst/>
-          </a:prstGeom>
-          <a:ln w="28575">
-            <a:solidFill>
-              <a:schemeClr val="tx1">
-                <a:lumMod val="95000"/>
-              </a:schemeClr>
-            </a:solidFill>
-            <a:tailEnd type="triangle"/>
-          </a:ln>
-        </p:spPr>
-        <p:style>
-          <a:lnRef idx="1">
-            <a:schemeClr val="accent1"/>
-          </a:lnRef>
-          <a:fillRef idx="0">
-            <a:schemeClr val="accent1"/>
-          </a:fillRef>
-          <a:effectRef idx="0">
-            <a:schemeClr val="accent1"/>
-          </a:effectRef>
-          <a:fontRef idx="minor">
-            <a:schemeClr val="tx1"/>
-          </a:fontRef>
-        </p:style>
-      </p:cxnSp>
-      <p:cxnSp>
-        <p:nvCxnSpPr>
-          <p:cNvPr id="32" name="Conector de seta reta 31"/>
-          <p:cNvCxnSpPr/>
-          <p:nvPr/>
-        </p:nvCxnSpPr>
-        <p:spPr>
-          <a:xfrm>
-            <a:off x="2853533" y="3583248"/>
-            <a:ext cx="2782992" cy="0"/>
-          </a:xfrm>
-          <a:prstGeom prst="straightConnector1">
-            <a:avLst/>
-          </a:prstGeom>
-          <a:ln w="28575">
-            <a:solidFill>
-              <a:schemeClr val="tx1">
-                <a:lumMod val="95000"/>
-              </a:schemeClr>
-            </a:solidFill>
-            <a:tailEnd type="triangle"/>
-          </a:ln>
-        </p:spPr>
-        <p:style>
-          <a:lnRef idx="1">
-            <a:schemeClr val="accent1"/>
-          </a:lnRef>
-          <a:fillRef idx="0">
-            <a:schemeClr val="accent1"/>
-          </a:fillRef>
-          <a:effectRef idx="0">
-            <a:schemeClr val="accent1"/>
-          </a:effectRef>
-          <a:fontRef idx="minor">
-            <a:schemeClr val="tx1"/>
-          </a:fontRef>
-        </p:style>
-      </p:cxnSp>
-      <p:cxnSp>
-        <p:nvCxnSpPr>
-          <p:cNvPr id="33" name="Conector de seta reta 32"/>
-          <p:cNvCxnSpPr/>
-          <p:nvPr/>
-        </p:nvCxnSpPr>
-        <p:spPr>
-          <a:xfrm>
-            <a:off x="3733800" y="3906304"/>
-            <a:ext cx="1902725" cy="0"/>
-          </a:xfrm>
-          <a:prstGeom prst="straightConnector1">
-            <a:avLst/>
-          </a:prstGeom>
-          <a:ln w="28575">
-            <a:solidFill>
-              <a:schemeClr val="tx1">
-                <a:lumMod val="95000"/>
-              </a:schemeClr>
-            </a:solidFill>
-            <a:tailEnd type="triangle"/>
-          </a:ln>
-        </p:spPr>
-        <p:style>
-          <a:lnRef idx="1">
-            <a:schemeClr val="accent1"/>
-          </a:lnRef>
-          <a:fillRef idx="0">
-            <a:schemeClr val="accent1"/>
-          </a:fillRef>
-          <a:effectRef idx="0">
-            <a:schemeClr val="accent1"/>
-          </a:effectRef>
-          <a:fontRef idx="minor">
-            <a:schemeClr val="tx1"/>
-          </a:fontRef>
-        </p:style>
-      </p:cxnSp>
-      <p:cxnSp>
-        <p:nvCxnSpPr>
-          <p:cNvPr id="35" name="Conector de seta reta 34"/>
-          <p:cNvCxnSpPr/>
-          <p:nvPr/>
-        </p:nvCxnSpPr>
-        <p:spPr>
-          <a:xfrm>
-            <a:off x="4502150" y="4248788"/>
-            <a:ext cx="1134375" cy="0"/>
-          </a:xfrm>
-          <a:prstGeom prst="straightConnector1">
-            <a:avLst/>
-          </a:prstGeom>
-          <a:ln w="28575">
-            <a:solidFill>
-              <a:schemeClr val="tx1">
-                <a:lumMod val="95000"/>
-              </a:schemeClr>
-            </a:solidFill>
-            <a:tailEnd type="triangle"/>
-          </a:ln>
-        </p:spPr>
-        <p:style>
-          <a:lnRef idx="1">
-            <a:schemeClr val="accent1"/>
-          </a:lnRef>
-          <a:fillRef idx="0">
-            <a:schemeClr val="accent1"/>
-          </a:fillRef>
-          <a:effectRef idx="0">
-            <a:schemeClr val="accent1"/>
-          </a:effectRef>
-          <a:fontRef idx="minor">
-            <a:schemeClr val="tx1"/>
-          </a:fontRef>
-        </p:style>
-      </p:cxnSp>
-      <p:sp>
-        <p:nvSpPr>
-          <p:cNvPr id="43" name="CaixaDeTexto 42"/>
-          <p:cNvSpPr txBox="1"/>
-          <p:nvPr/>
-        </p:nvSpPr>
-        <p:spPr>
-          <a:xfrm>
-            <a:off x="5636525" y="2387701"/>
-            <a:ext cx="3971499" cy="369332"/>
-          </a:xfrm>
-          <a:prstGeom prst="rect">
-            <a:avLst/>
-          </a:prstGeom>
-          <a:noFill/>
-        </p:spPr>
-        <p:txBody>
-          <a:bodyPr wrap="square" rtlCol="0">
-            <a:spAutoFit/>
-          </a:bodyPr>
-          <a:lstStyle/>
-          <a:p>
-            <a:r>
-              <a:rPr lang="pt-BR" dirty="0">
-                <a:latin typeface="Consolas" panose="020B0609020204030204" pitchFamily="49" charset="0"/>
-              </a:rPr>
-              <a:t>A</a:t>
-            </a:r>
-            <a:r>
-              <a:rPr lang="pt-BR" dirty="0" smtClean="0">
-                <a:latin typeface="Consolas" panose="020B0609020204030204" pitchFamily="49" charset="0"/>
-              </a:rPr>
-              <a:t>tribuição</a:t>
-            </a:r>
-            <a:endParaRPr lang="pt-BR" dirty="0">
-              <a:latin typeface="Consolas" panose="020B0609020204030204" pitchFamily="49" charset="0"/>
-            </a:endParaRPr>
-          </a:p>
-        </p:txBody>
-      </p:sp>
-      <p:sp>
-        <p:nvSpPr>
-          <p:cNvPr id="44" name="CaixaDeTexto 43"/>
-          <p:cNvSpPr txBox="1"/>
-          <p:nvPr/>
-        </p:nvSpPr>
-        <p:spPr>
-          <a:xfrm>
-            <a:off x="5636524" y="2718691"/>
-            <a:ext cx="3971499" cy="369332"/>
-          </a:xfrm>
-          <a:prstGeom prst="rect">
-            <a:avLst/>
-          </a:prstGeom>
-          <a:noFill/>
-        </p:spPr>
-        <p:txBody>
-          <a:bodyPr wrap="square" rtlCol="0">
-            <a:spAutoFit/>
-          </a:bodyPr>
-          <a:lstStyle/>
-          <a:p>
-            <a:r>
-              <a:rPr lang="pt-BR" dirty="0" smtClean="0">
-                <a:latin typeface="Consolas" panose="020B0609020204030204" pitchFamily="49" charset="0"/>
-              </a:rPr>
-              <a:t>Escrita (Imprime “a” na tela)</a:t>
-            </a:r>
-            <a:endParaRPr lang="pt-BR" dirty="0">
-              <a:latin typeface="Consolas" panose="020B0609020204030204" pitchFamily="49" charset="0"/>
-            </a:endParaRPr>
-          </a:p>
-        </p:txBody>
-      </p:sp>
-      <p:sp>
-        <p:nvSpPr>
-          <p:cNvPr id="45" name="CaixaDeTexto 44"/>
-          <p:cNvSpPr txBox="1"/>
-          <p:nvPr/>
-        </p:nvSpPr>
-        <p:spPr>
-          <a:xfrm>
-            <a:off x="5599363" y="3385125"/>
-            <a:ext cx="1715837" cy="369332"/>
-          </a:xfrm>
-          <a:prstGeom prst="rect">
-            <a:avLst/>
-          </a:prstGeom>
-          <a:noFill/>
-        </p:spPr>
-        <p:txBody>
-          <a:bodyPr wrap="square" rtlCol="0">
-            <a:spAutoFit/>
-          </a:bodyPr>
-          <a:lstStyle/>
-          <a:p>
-            <a:r>
-              <a:rPr lang="pt-BR" dirty="0" smtClean="0">
-                <a:latin typeface="Consolas" panose="020B0609020204030204" pitchFamily="49" charset="0"/>
-              </a:rPr>
-              <a:t>Declaração</a:t>
-            </a:r>
-            <a:endParaRPr lang="pt-BR" dirty="0">
-              <a:latin typeface="Consolas" panose="020B0609020204030204" pitchFamily="49" charset="0"/>
-            </a:endParaRPr>
-          </a:p>
-        </p:txBody>
-      </p:sp>
-      <p:sp>
-        <p:nvSpPr>
-          <p:cNvPr id="47" name="CaixaDeTexto 46"/>
-          <p:cNvSpPr txBox="1"/>
-          <p:nvPr/>
-        </p:nvSpPr>
-        <p:spPr>
-          <a:xfrm>
-            <a:off x="5620172" y="3661222"/>
-            <a:ext cx="1589969" cy="369332"/>
-          </a:xfrm>
-          <a:prstGeom prst="rect">
-            <a:avLst/>
-          </a:prstGeom>
-          <a:noFill/>
-        </p:spPr>
-        <p:txBody>
-          <a:bodyPr wrap="square" rtlCol="0">
-            <a:spAutoFit/>
-          </a:bodyPr>
-          <a:lstStyle/>
-          <a:p>
-            <a:r>
-              <a:rPr lang="pt-BR" dirty="0" smtClean="0">
-                <a:latin typeface="Consolas" panose="020B0609020204030204" pitchFamily="49" charset="0"/>
-              </a:rPr>
-              <a:t>Atribuição</a:t>
-            </a:r>
-            <a:endParaRPr lang="pt-BR" dirty="0">
-              <a:latin typeface="Consolas" panose="020B0609020204030204" pitchFamily="49" charset="0"/>
-            </a:endParaRPr>
-          </a:p>
-        </p:txBody>
-      </p:sp>
-      <p:sp>
-        <p:nvSpPr>
-          <p:cNvPr id="48" name="CaixaDeTexto 47"/>
-          <p:cNvSpPr txBox="1"/>
-          <p:nvPr/>
-        </p:nvSpPr>
-        <p:spPr>
-          <a:xfrm>
-            <a:off x="5579466" y="4034495"/>
-            <a:ext cx="4506230" cy="369332"/>
-          </a:xfrm>
-          <a:prstGeom prst="rect">
-            <a:avLst/>
-          </a:prstGeom>
-          <a:noFill/>
-        </p:spPr>
-        <p:txBody>
-          <a:bodyPr wrap="square" rtlCol="0">
-            <a:spAutoFit/>
-          </a:bodyPr>
-          <a:lstStyle/>
-          <a:p>
-            <a:r>
-              <a:rPr lang="pt-BR" dirty="0" smtClean="0">
-                <a:latin typeface="Consolas" panose="020B0609020204030204" pitchFamily="49" charset="0"/>
-              </a:rPr>
-              <a:t>Escrita (Imprime “</a:t>
-            </a:r>
-            <a:r>
-              <a:rPr lang="pt-BR" dirty="0" err="1" smtClean="0">
-                <a:latin typeface="Consolas" panose="020B0609020204030204" pitchFamily="49" charset="0"/>
-              </a:rPr>
-              <a:t>pedro</a:t>
-            </a:r>
-            <a:r>
-              <a:rPr lang="pt-BR" dirty="0" smtClean="0">
-                <a:latin typeface="Consolas" panose="020B0609020204030204" pitchFamily="49" charset="0"/>
-              </a:rPr>
-              <a:t>” na tela)</a:t>
-            </a:r>
-            <a:endParaRPr lang="pt-BR" dirty="0">
-              <a:latin typeface="Consolas" panose="020B0609020204030204" pitchFamily="49" charset="0"/>
-            </a:endParaRPr>
-          </a:p>
-        </p:txBody>
-      </p:sp>
-    </p:spTree>
-    <p:extLst>
-      <p:ext uri="{BB962C8B-B14F-4D97-AF65-F5344CB8AC3E}">
-        <p14:creationId xmlns:p14="http://schemas.microsoft.com/office/powerpoint/2010/main" val="818936931"/>
-      </p:ext>
-    </p:extLst>
-  </p:cSld>
-  <p:clrMapOvr>
-    <a:masterClrMapping/>
-  </p:clrMapOvr>
-  <p:timing>
-    <p:tnLst>
-      <p:par>
-        <p:cTn id="1" dur="indefinite" restart="never" nodeType="tmRoot">
-          <p:childTnLst>
-            <p:seq concurrent="1" nextAc="seek">
-              <p:cTn id="2" dur="indefinite" nodeType="mainSeq">
-                <p:childTnLst>
-                  <p:par>
-                    <p:cTn id="3" fill="hold">
-                      <p:stCondLst>
-                        <p:cond delay="indefinite"/>
-                      </p:stCondLst>
-                      <p:childTnLst>
-                        <p:par>
-                          <p:cTn id="4" fill="hold">
-                            <p:stCondLst>
-                              <p:cond delay="0"/>
-                            </p:stCondLst>
-                            <p:childTnLst>
-                              <p:par>
-                                <p:cTn id="5" presetID="10" presetClass="entr" presetSubtype="0" fill="hold" grpId="0" nodeType="clickEffect">
-                                  <p:stCondLst>
-                                    <p:cond delay="0"/>
-                                  </p:stCondLst>
-                                  <p:childTnLst>
-                                    <p:set>
-                                      <p:cBhvr>
-                                        <p:cTn id="6" dur="1" fill="hold">
-                                          <p:stCondLst>
-                                            <p:cond delay="0"/>
-                                          </p:stCondLst>
-                                        </p:cTn>
-                                        <p:tgtEl>
-                                          <p:spTgt spid="17"/>
-                                        </p:tgtEl>
-                                        <p:attrNameLst>
-                                          <p:attrName>style.visibility</p:attrName>
-                                        </p:attrNameLst>
-                                      </p:cBhvr>
-                                      <p:to>
-                                        <p:strVal val="visible"/>
-                                      </p:to>
-                                    </p:set>
-                                    <p:animEffect transition="in" filter="fade">
-                                      <p:cBhvr>
-                                        <p:cTn id="7" dur="500"/>
-                                        <p:tgtEl>
-                                          <p:spTgt spid="17"/>
-                                        </p:tgtEl>
-                                      </p:cBhvr>
-                                    </p:animEffect>
-                                  </p:childTnLst>
-                                </p:cTn>
-                              </p:par>
-                              <p:par>
-                                <p:cTn id="8" presetID="10" presetClass="entr" presetSubtype="0" fill="hold" nodeType="withEffect">
-                                  <p:stCondLst>
-                                    <p:cond delay="0"/>
-                                  </p:stCondLst>
-                                  <p:childTnLst>
-                                    <p:set>
-                                      <p:cBhvr>
-                                        <p:cTn id="9" dur="1" fill="hold">
-                                          <p:stCondLst>
-                                            <p:cond delay="0"/>
-                                          </p:stCondLst>
-                                        </p:cTn>
-                                        <p:tgtEl>
-                                          <p:spTgt spid="18"/>
-                                        </p:tgtEl>
-                                        <p:attrNameLst>
-                                          <p:attrName>style.visibility</p:attrName>
-                                        </p:attrNameLst>
-                                      </p:cBhvr>
-                                      <p:to>
-                                        <p:strVal val="visible"/>
-                                      </p:to>
-                                    </p:set>
-                                    <p:animEffect transition="in" filter="fade">
-                                      <p:cBhvr>
-                                        <p:cTn id="10" dur="500"/>
-                                        <p:tgtEl>
-                                          <p:spTgt spid="18"/>
-                                        </p:tgtEl>
-                                      </p:cBhvr>
-                                    </p:animEffect>
-                                  </p:childTnLst>
-                                </p:cTn>
-                              </p:par>
-                              <p:par>
-                                <p:cTn id="11" presetID="10" presetClass="entr" presetSubtype="0" fill="hold" grpId="0" nodeType="withEffect">
-                                  <p:stCondLst>
-                                    <p:cond delay="0"/>
-                                  </p:stCondLst>
-                                  <p:childTnLst>
-                                    <p:set>
-                                      <p:cBhvr>
-                                        <p:cTn id="12" dur="1" fill="hold">
-                                          <p:stCondLst>
-                                            <p:cond delay="0"/>
-                                          </p:stCondLst>
-                                        </p:cTn>
-                                        <p:tgtEl>
-                                          <p:spTgt spid="19"/>
-                                        </p:tgtEl>
-                                        <p:attrNameLst>
-                                          <p:attrName>style.visibility</p:attrName>
-                                        </p:attrNameLst>
-                                      </p:cBhvr>
-                                      <p:to>
-                                        <p:strVal val="visible"/>
-                                      </p:to>
-                                    </p:set>
-                                    <p:animEffect transition="in" filter="fade">
-                                      <p:cBhvr>
-                                        <p:cTn id="13" dur="500"/>
-                                        <p:tgtEl>
-                                          <p:spTgt spid="19"/>
-                                        </p:tgtEl>
-                                      </p:cBhvr>
-                                    </p:animEffect>
-                                  </p:childTnLst>
-                                </p:cTn>
-                              </p:par>
-                            </p:childTnLst>
-                          </p:cTn>
-                        </p:par>
-                      </p:childTnLst>
-                    </p:cTn>
-                  </p:par>
-                  <p:par>
-                    <p:cTn id="14" fill="hold">
-                      <p:stCondLst>
-                        <p:cond delay="indefinite"/>
-                      </p:stCondLst>
-                      <p:childTnLst>
-                        <p:par>
-                          <p:cTn id="15" fill="hold">
-                            <p:stCondLst>
-                              <p:cond delay="0"/>
-                            </p:stCondLst>
-                            <p:childTnLst>
-                              <p:par>
-                                <p:cTn id="16" presetID="10" presetClass="entr" presetSubtype="0" fill="hold" grpId="0" nodeType="clickEffect">
-                                  <p:stCondLst>
-                                    <p:cond delay="0"/>
-                                  </p:stCondLst>
-                                  <p:childTnLst>
-                                    <p:set>
-                                      <p:cBhvr>
-                                        <p:cTn id="17" dur="1" fill="hold">
-                                          <p:stCondLst>
-                                            <p:cond delay="0"/>
-                                          </p:stCondLst>
-                                        </p:cTn>
-                                        <p:tgtEl>
-                                          <p:spTgt spid="23"/>
-                                        </p:tgtEl>
-                                        <p:attrNameLst>
-                                          <p:attrName>style.visibility</p:attrName>
-                                        </p:attrNameLst>
-                                      </p:cBhvr>
-                                      <p:to>
-                                        <p:strVal val="visible"/>
-                                      </p:to>
-                                    </p:set>
-                                    <p:animEffect transition="in" filter="fade">
-                                      <p:cBhvr>
-                                        <p:cTn id="18" dur="500"/>
-                                        <p:tgtEl>
-                                          <p:spTgt spid="23"/>
-                                        </p:tgtEl>
-                                      </p:cBhvr>
-                                    </p:animEffect>
-                                  </p:childTnLst>
-                                </p:cTn>
-                              </p:par>
-                              <p:par>
-                                <p:cTn id="19" presetID="10" presetClass="entr" presetSubtype="0" fill="hold" nodeType="withEffect">
-                                  <p:stCondLst>
-                                    <p:cond delay="0"/>
-                                  </p:stCondLst>
-                                  <p:childTnLst>
-                                    <p:set>
-                                      <p:cBhvr>
-                                        <p:cTn id="20" dur="1" fill="hold">
-                                          <p:stCondLst>
-                                            <p:cond delay="0"/>
-                                          </p:stCondLst>
-                                        </p:cTn>
-                                        <p:tgtEl>
-                                          <p:spTgt spid="30"/>
-                                        </p:tgtEl>
-                                        <p:attrNameLst>
-                                          <p:attrName>style.visibility</p:attrName>
-                                        </p:attrNameLst>
-                                      </p:cBhvr>
-                                      <p:to>
-                                        <p:strVal val="visible"/>
-                                      </p:to>
-                                    </p:set>
-                                    <p:animEffect transition="in" filter="fade">
-                                      <p:cBhvr>
-                                        <p:cTn id="21" dur="500"/>
-                                        <p:tgtEl>
-                                          <p:spTgt spid="30"/>
-                                        </p:tgtEl>
-                                      </p:cBhvr>
-                                    </p:animEffect>
-                                  </p:childTnLst>
-                                </p:cTn>
-                              </p:par>
-                              <p:par>
-                                <p:cTn id="22" presetID="10" presetClass="entr" presetSubtype="0" fill="hold" grpId="0" nodeType="withEffect">
-                                  <p:stCondLst>
-                                    <p:cond delay="0"/>
-                                  </p:stCondLst>
-                                  <p:childTnLst>
-                                    <p:set>
-                                      <p:cBhvr>
-                                        <p:cTn id="23" dur="1" fill="hold">
-                                          <p:stCondLst>
-                                            <p:cond delay="0"/>
-                                          </p:stCondLst>
-                                        </p:cTn>
-                                        <p:tgtEl>
-                                          <p:spTgt spid="43"/>
-                                        </p:tgtEl>
-                                        <p:attrNameLst>
-                                          <p:attrName>style.visibility</p:attrName>
-                                        </p:attrNameLst>
-                                      </p:cBhvr>
-                                      <p:to>
-                                        <p:strVal val="visible"/>
-                                      </p:to>
-                                    </p:set>
-                                    <p:animEffect transition="in" filter="fade">
-                                      <p:cBhvr>
-                                        <p:cTn id="24" dur="500"/>
-                                        <p:tgtEl>
-                                          <p:spTgt spid="43"/>
-                                        </p:tgtEl>
-                                      </p:cBhvr>
-                                    </p:animEffect>
-                                  </p:childTnLst>
-                                </p:cTn>
-                              </p:par>
-                            </p:childTnLst>
-                          </p:cTn>
-                        </p:par>
-                      </p:childTnLst>
-                    </p:cTn>
-                  </p:par>
-                  <p:par>
-                    <p:cTn id="25" fill="hold">
-                      <p:stCondLst>
-                        <p:cond delay="indefinite"/>
-                      </p:stCondLst>
-                      <p:childTnLst>
-                        <p:par>
-                          <p:cTn id="26" fill="hold">
-                            <p:stCondLst>
-                              <p:cond delay="0"/>
-                            </p:stCondLst>
-                            <p:childTnLst>
-                              <p:par>
-                                <p:cTn id="27" presetID="10" presetClass="entr" presetSubtype="0" fill="hold" grpId="0" nodeType="clickEffect">
-                                  <p:stCondLst>
-                                    <p:cond delay="0"/>
-                                  </p:stCondLst>
-                                  <p:childTnLst>
-                                    <p:set>
-                                      <p:cBhvr>
-                                        <p:cTn id="28" dur="1" fill="hold">
-                                          <p:stCondLst>
-                                            <p:cond delay="0"/>
-                                          </p:stCondLst>
-                                        </p:cTn>
-                                        <p:tgtEl>
-                                          <p:spTgt spid="44"/>
-                                        </p:tgtEl>
-                                        <p:attrNameLst>
-                                          <p:attrName>style.visibility</p:attrName>
-                                        </p:attrNameLst>
-                                      </p:cBhvr>
-                                      <p:to>
-                                        <p:strVal val="visible"/>
-                                      </p:to>
-                                    </p:set>
-                                    <p:animEffect transition="in" filter="fade">
-                                      <p:cBhvr>
-                                        <p:cTn id="29" dur="500"/>
-                                        <p:tgtEl>
-                                          <p:spTgt spid="44"/>
-                                        </p:tgtEl>
-                                      </p:cBhvr>
-                                    </p:animEffect>
-                                  </p:childTnLst>
-                                </p:cTn>
-                              </p:par>
-                              <p:par>
-                                <p:cTn id="30" presetID="10" presetClass="entr" presetSubtype="0" fill="hold" nodeType="withEffect">
-                                  <p:stCondLst>
-                                    <p:cond delay="0"/>
-                                  </p:stCondLst>
-                                  <p:childTnLst>
-                                    <p:set>
-                                      <p:cBhvr>
-                                        <p:cTn id="31" dur="1" fill="hold">
-                                          <p:stCondLst>
-                                            <p:cond delay="0"/>
-                                          </p:stCondLst>
-                                        </p:cTn>
-                                        <p:tgtEl>
-                                          <p:spTgt spid="31"/>
-                                        </p:tgtEl>
-                                        <p:attrNameLst>
-                                          <p:attrName>style.visibility</p:attrName>
-                                        </p:attrNameLst>
-                                      </p:cBhvr>
-                                      <p:to>
-                                        <p:strVal val="visible"/>
-                                      </p:to>
-                                    </p:set>
-                                    <p:animEffect transition="in" filter="fade">
-                                      <p:cBhvr>
-                                        <p:cTn id="32" dur="500"/>
-                                        <p:tgtEl>
-                                          <p:spTgt spid="31"/>
-                                        </p:tgtEl>
-                                      </p:cBhvr>
-                                    </p:animEffect>
-                                  </p:childTnLst>
-                                </p:cTn>
-                              </p:par>
-                              <p:par>
-                                <p:cTn id="33" presetID="10" presetClass="entr" presetSubtype="0" fill="hold" grpId="0" nodeType="withEffect">
-                                  <p:stCondLst>
-                                    <p:cond delay="0"/>
-                                  </p:stCondLst>
-                                  <p:childTnLst>
-                                    <p:set>
-                                      <p:cBhvr>
-                                        <p:cTn id="34" dur="1" fill="hold">
-                                          <p:stCondLst>
-                                            <p:cond delay="0"/>
-                                          </p:stCondLst>
-                                        </p:cTn>
-                                        <p:tgtEl>
-                                          <p:spTgt spid="24"/>
-                                        </p:tgtEl>
-                                        <p:attrNameLst>
-                                          <p:attrName>style.visibility</p:attrName>
-                                        </p:attrNameLst>
-                                      </p:cBhvr>
-                                      <p:to>
-                                        <p:strVal val="visible"/>
-                                      </p:to>
-                                    </p:set>
-                                    <p:animEffect transition="in" filter="fade">
-                                      <p:cBhvr>
-                                        <p:cTn id="35" dur="500"/>
-                                        <p:tgtEl>
-                                          <p:spTgt spid="24"/>
-                                        </p:tgtEl>
-                                      </p:cBhvr>
-                                    </p:animEffect>
-                                  </p:childTnLst>
-                                </p:cTn>
-                              </p:par>
-                            </p:childTnLst>
-                          </p:cTn>
-                        </p:par>
-                      </p:childTnLst>
-                    </p:cTn>
-                  </p:par>
-                  <p:par>
-                    <p:cTn id="36" fill="hold">
-                      <p:stCondLst>
-                        <p:cond delay="indefinite"/>
-                      </p:stCondLst>
-                      <p:childTnLst>
-                        <p:par>
-                          <p:cTn id="37" fill="hold">
-                            <p:stCondLst>
-                              <p:cond delay="0"/>
-                            </p:stCondLst>
-                            <p:childTnLst>
-                              <p:par>
-                                <p:cTn id="38" presetID="10" presetClass="entr" presetSubtype="0" fill="hold" grpId="0" nodeType="clickEffect">
-                                  <p:stCondLst>
-                                    <p:cond delay="0"/>
-                                  </p:stCondLst>
-                                  <p:childTnLst>
-                                    <p:set>
-                                      <p:cBhvr>
-                                        <p:cTn id="39" dur="1" fill="hold">
-                                          <p:stCondLst>
-                                            <p:cond delay="0"/>
-                                          </p:stCondLst>
-                                        </p:cTn>
-                                        <p:tgtEl>
-                                          <p:spTgt spid="45"/>
-                                        </p:tgtEl>
-                                        <p:attrNameLst>
-                                          <p:attrName>style.visibility</p:attrName>
-                                        </p:attrNameLst>
-                                      </p:cBhvr>
-                                      <p:to>
-                                        <p:strVal val="visible"/>
-                                      </p:to>
-                                    </p:set>
-                                    <p:animEffect transition="in" filter="fade">
-                                      <p:cBhvr>
-                                        <p:cTn id="40" dur="500"/>
-                                        <p:tgtEl>
-                                          <p:spTgt spid="45"/>
-                                        </p:tgtEl>
-                                      </p:cBhvr>
-                                    </p:animEffect>
-                                  </p:childTnLst>
-                                </p:cTn>
-                              </p:par>
-                              <p:par>
-                                <p:cTn id="41" presetID="10" presetClass="entr" presetSubtype="0" fill="hold" nodeType="withEffect">
-                                  <p:stCondLst>
-                                    <p:cond delay="0"/>
-                                  </p:stCondLst>
-                                  <p:childTnLst>
-                                    <p:set>
-                                      <p:cBhvr>
-                                        <p:cTn id="42" dur="1" fill="hold">
-                                          <p:stCondLst>
-                                            <p:cond delay="0"/>
-                                          </p:stCondLst>
-                                        </p:cTn>
-                                        <p:tgtEl>
-                                          <p:spTgt spid="32"/>
-                                        </p:tgtEl>
-                                        <p:attrNameLst>
-                                          <p:attrName>style.visibility</p:attrName>
-                                        </p:attrNameLst>
-                                      </p:cBhvr>
-                                      <p:to>
-                                        <p:strVal val="visible"/>
-                                      </p:to>
-                                    </p:set>
-                                    <p:animEffect transition="in" filter="fade">
-                                      <p:cBhvr>
-                                        <p:cTn id="43" dur="500"/>
-                                        <p:tgtEl>
-                                          <p:spTgt spid="32"/>
-                                        </p:tgtEl>
-                                      </p:cBhvr>
-                                    </p:animEffect>
-                                  </p:childTnLst>
-                                </p:cTn>
-                              </p:par>
-                              <p:par>
-                                <p:cTn id="44" presetID="10" presetClass="entr" presetSubtype="0" fill="hold" grpId="0" nodeType="withEffect">
-                                  <p:stCondLst>
-                                    <p:cond delay="0"/>
-                                  </p:stCondLst>
-                                  <p:childTnLst>
-                                    <p:set>
-                                      <p:cBhvr>
-                                        <p:cTn id="45" dur="1" fill="hold">
-                                          <p:stCondLst>
-                                            <p:cond delay="0"/>
-                                          </p:stCondLst>
-                                        </p:cTn>
-                                        <p:tgtEl>
-                                          <p:spTgt spid="25"/>
-                                        </p:tgtEl>
-                                        <p:attrNameLst>
-                                          <p:attrName>style.visibility</p:attrName>
-                                        </p:attrNameLst>
-                                      </p:cBhvr>
-                                      <p:to>
-                                        <p:strVal val="visible"/>
-                                      </p:to>
-                                    </p:set>
-                                    <p:animEffect transition="in" filter="fade">
-                                      <p:cBhvr>
-                                        <p:cTn id="46" dur="500"/>
-                                        <p:tgtEl>
-                                          <p:spTgt spid="25"/>
-                                        </p:tgtEl>
-                                      </p:cBhvr>
-                                    </p:animEffect>
-                                  </p:childTnLst>
-                                </p:cTn>
-                              </p:par>
-                            </p:childTnLst>
-                          </p:cTn>
-                        </p:par>
-                      </p:childTnLst>
-                    </p:cTn>
-                  </p:par>
-                  <p:par>
-                    <p:cTn id="47" fill="hold">
-                      <p:stCondLst>
-                        <p:cond delay="indefinite"/>
-                      </p:stCondLst>
-                      <p:childTnLst>
-                        <p:par>
-                          <p:cTn id="48" fill="hold">
-                            <p:stCondLst>
-                              <p:cond delay="0"/>
-                            </p:stCondLst>
-                            <p:childTnLst>
-                              <p:par>
-                                <p:cTn id="49" presetID="10" presetClass="entr" presetSubtype="0" fill="hold" grpId="0" nodeType="clickEffect">
-                                  <p:stCondLst>
-                                    <p:cond delay="0"/>
-                                  </p:stCondLst>
-                                  <p:childTnLst>
-                                    <p:set>
-                                      <p:cBhvr>
-                                        <p:cTn id="50" dur="1" fill="hold">
-                                          <p:stCondLst>
-                                            <p:cond delay="0"/>
-                                          </p:stCondLst>
-                                        </p:cTn>
-                                        <p:tgtEl>
-                                          <p:spTgt spid="26"/>
-                                        </p:tgtEl>
-                                        <p:attrNameLst>
-                                          <p:attrName>style.visibility</p:attrName>
-                                        </p:attrNameLst>
-                                      </p:cBhvr>
-                                      <p:to>
-                                        <p:strVal val="visible"/>
-                                      </p:to>
-                                    </p:set>
-                                    <p:animEffect transition="in" filter="fade">
-                                      <p:cBhvr>
-                                        <p:cTn id="51" dur="500"/>
-                                        <p:tgtEl>
-                                          <p:spTgt spid="26"/>
-                                        </p:tgtEl>
-                                      </p:cBhvr>
-                                    </p:animEffect>
-                                  </p:childTnLst>
-                                </p:cTn>
-                              </p:par>
-                              <p:par>
-                                <p:cTn id="52" presetID="10" presetClass="entr" presetSubtype="0" fill="hold" nodeType="withEffect">
-                                  <p:stCondLst>
-                                    <p:cond delay="0"/>
-                                  </p:stCondLst>
-                                  <p:childTnLst>
-                                    <p:set>
-                                      <p:cBhvr>
-                                        <p:cTn id="53" dur="1" fill="hold">
-                                          <p:stCondLst>
-                                            <p:cond delay="0"/>
-                                          </p:stCondLst>
-                                        </p:cTn>
-                                        <p:tgtEl>
-                                          <p:spTgt spid="33"/>
-                                        </p:tgtEl>
-                                        <p:attrNameLst>
-                                          <p:attrName>style.visibility</p:attrName>
-                                        </p:attrNameLst>
-                                      </p:cBhvr>
-                                      <p:to>
-                                        <p:strVal val="visible"/>
-                                      </p:to>
-                                    </p:set>
-                                    <p:animEffect transition="in" filter="fade">
-                                      <p:cBhvr>
-                                        <p:cTn id="54" dur="500"/>
-                                        <p:tgtEl>
-                                          <p:spTgt spid="33"/>
-                                        </p:tgtEl>
-                                      </p:cBhvr>
-                                    </p:animEffect>
-                                  </p:childTnLst>
-                                </p:cTn>
-                              </p:par>
-                              <p:par>
-                                <p:cTn id="55" presetID="10" presetClass="entr" presetSubtype="0" fill="hold" grpId="0" nodeType="withEffect">
-                                  <p:stCondLst>
-                                    <p:cond delay="0"/>
-                                  </p:stCondLst>
-                                  <p:childTnLst>
-                                    <p:set>
-                                      <p:cBhvr>
-                                        <p:cTn id="56" dur="1" fill="hold">
-                                          <p:stCondLst>
-                                            <p:cond delay="0"/>
-                                          </p:stCondLst>
-                                        </p:cTn>
-                                        <p:tgtEl>
-                                          <p:spTgt spid="47"/>
-                                        </p:tgtEl>
-                                        <p:attrNameLst>
-                                          <p:attrName>style.visibility</p:attrName>
-                                        </p:attrNameLst>
-                                      </p:cBhvr>
-                                      <p:to>
-                                        <p:strVal val="visible"/>
-                                      </p:to>
-                                    </p:set>
-                                    <p:animEffect transition="in" filter="fade">
-                                      <p:cBhvr>
-                                        <p:cTn id="57" dur="500"/>
-                                        <p:tgtEl>
-                                          <p:spTgt spid="47"/>
-                                        </p:tgtEl>
-                                      </p:cBhvr>
-                                    </p:animEffect>
-                                  </p:childTnLst>
-                                </p:cTn>
-                              </p:par>
-                            </p:childTnLst>
-                          </p:cTn>
-                        </p:par>
-                      </p:childTnLst>
-                    </p:cTn>
-                  </p:par>
-                  <p:par>
-                    <p:cTn id="58" fill="hold">
-                      <p:stCondLst>
-                        <p:cond delay="indefinite"/>
-                      </p:stCondLst>
-                      <p:childTnLst>
-                        <p:par>
-                          <p:cTn id="59" fill="hold">
-                            <p:stCondLst>
-                              <p:cond delay="0"/>
-                            </p:stCondLst>
-                            <p:childTnLst>
-                              <p:par>
-                                <p:cTn id="60" presetID="10" presetClass="entr" presetSubtype="0" fill="hold" grpId="0" nodeType="clickEffect">
-                                  <p:stCondLst>
-                                    <p:cond delay="0"/>
-                                  </p:stCondLst>
-                                  <p:childTnLst>
-                                    <p:set>
-                                      <p:cBhvr>
-                                        <p:cTn id="61" dur="1" fill="hold">
-                                          <p:stCondLst>
-                                            <p:cond delay="0"/>
-                                          </p:stCondLst>
-                                        </p:cTn>
-                                        <p:tgtEl>
-                                          <p:spTgt spid="48"/>
-                                        </p:tgtEl>
-                                        <p:attrNameLst>
-                                          <p:attrName>style.visibility</p:attrName>
-                                        </p:attrNameLst>
-                                      </p:cBhvr>
-                                      <p:to>
-                                        <p:strVal val="visible"/>
-                                      </p:to>
-                                    </p:set>
-                                    <p:animEffect transition="in" filter="fade">
-                                      <p:cBhvr>
-                                        <p:cTn id="62" dur="500"/>
-                                        <p:tgtEl>
-                                          <p:spTgt spid="48"/>
-                                        </p:tgtEl>
-                                      </p:cBhvr>
-                                    </p:animEffect>
-                                  </p:childTnLst>
-                                </p:cTn>
-                              </p:par>
-                              <p:par>
-                                <p:cTn id="63" presetID="10" presetClass="entr" presetSubtype="0" fill="hold" nodeType="withEffect">
-                                  <p:stCondLst>
-                                    <p:cond delay="0"/>
-                                  </p:stCondLst>
-                                  <p:childTnLst>
-                                    <p:set>
-                                      <p:cBhvr>
-                                        <p:cTn id="64" dur="1" fill="hold">
-                                          <p:stCondLst>
-                                            <p:cond delay="0"/>
-                                          </p:stCondLst>
-                                        </p:cTn>
-                                        <p:tgtEl>
-                                          <p:spTgt spid="35"/>
-                                        </p:tgtEl>
-                                        <p:attrNameLst>
-                                          <p:attrName>style.visibility</p:attrName>
-                                        </p:attrNameLst>
-                                      </p:cBhvr>
-                                      <p:to>
-                                        <p:strVal val="visible"/>
-                                      </p:to>
-                                    </p:set>
-                                    <p:animEffect transition="in" filter="fade">
-                                      <p:cBhvr>
-                                        <p:cTn id="65" dur="500"/>
-                                        <p:tgtEl>
-                                          <p:spTgt spid="35"/>
-                                        </p:tgtEl>
-                                      </p:cBhvr>
-                                    </p:animEffect>
-                                  </p:childTnLst>
-                                </p:cTn>
-                              </p:par>
-                              <p:par>
-                                <p:cTn id="66" presetID="10" presetClass="entr" presetSubtype="0" fill="hold" grpId="0" nodeType="withEffect">
-                                  <p:stCondLst>
-                                    <p:cond delay="0"/>
-                                  </p:stCondLst>
-                                  <p:childTnLst>
-                                    <p:set>
-                                      <p:cBhvr>
-                                        <p:cTn id="67" dur="1" fill="hold">
-                                          <p:stCondLst>
-                                            <p:cond delay="0"/>
-                                          </p:stCondLst>
-                                        </p:cTn>
-                                        <p:tgtEl>
-                                          <p:spTgt spid="28"/>
-                                        </p:tgtEl>
-                                        <p:attrNameLst>
-                                          <p:attrName>style.visibility</p:attrName>
-                                        </p:attrNameLst>
-                                      </p:cBhvr>
-                                      <p:to>
-                                        <p:strVal val="visible"/>
-                                      </p:to>
-                                    </p:set>
-                                    <p:animEffect transition="in" filter="fade">
-                                      <p:cBhvr>
-                                        <p:cTn id="68" dur="500"/>
-                                        <p:tgtEl>
-                                          <p:spTgt spid="28"/>
-                                        </p:tgtEl>
-                                      </p:cBhvr>
-                                    </p:animEffect>
-                                  </p:childTnLst>
-                                </p:cTn>
-                              </p:par>
-                            </p:childTnLst>
-                          </p:cTn>
-                        </p:par>
-                      </p:childTnLst>
-                    </p:cTn>
-                  </p:par>
-                </p:childTnLst>
-              </p:cTn>
-              <p:prevCondLst>
-                <p:cond evt="onPrev" delay="0">
-                  <p:tgtEl>
-                    <p:sldTgt/>
-                  </p:tgtEl>
-                </p:cond>
-              </p:prevCondLst>
-              <p:nextCondLst>
-                <p:cond evt="onNext" delay="0">
-                  <p:tgtEl>
-                    <p:sldTgt/>
-                  </p:tgtEl>
-                </p:cond>
-              </p:nextCondLst>
-            </p:seq>
-          </p:childTnLst>
-        </p:cTn>
-      </p:par>
-    </p:tnLst>
-    <p:bldLst>
-      <p:bldP spid="17" grpId="0" animBg="1"/>
-      <p:bldP spid="19" grpId="0"/>
-      <p:bldP spid="23" grpId="0" animBg="1"/>
-      <p:bldP spid="24" grpId="0" animBg="1"/>
-      <p:bldP spid="25" grpId="0" animBg="1"/>
-      <p:bldP spid="26" grpId="0" animBg="1"/>
-      <p:bldP spid="28" grpId="0" animBg="1"/>
-      <p:bldP spid="43" grpId="0"/>
-      <p:bldP spid="44" grpId="0"/>
-      <p:bldP spid="45" grpId="0"/>
       <p:bldP spid="47" grpId="0"/>
       <p:bldP spid="48" grpId="0"/>
     </p:bldLst>

--- a/material_de_apoio/resumo_pratico.pptx
+++ b/material_de_apoio/resumo_pratico.pptx
@@ -213,7 +213,7 @@
           <a:p>
             <a:fld id="{84F8FAB4-CDC9-4783-9150-ADAB9E9698F4}" type="datetimeFigureOut">
               <a:rPr lang="pt-BR" smtClean="0"/>
-              <a:t>26/02/2023</a:t>
+              <a:t>27/02/2023</a:t>
             </a:fld>
             <a:endParaRPr lang="pt-BR"/>
           </a:p>
@@ -696,7 +696,7 @@
           <a:p>
             <a:fld id="{6808C966-7050-4632-AD51-45F5537B7264}" type="datetimeFigureOut">
               <a:rPr lang="pt-BR" smtClean="0"/>
-              <a:t>26/02/2023</a:t>
+              <a:t>27/02/2023</a:t>
             </a:fld>
             <a:endParaRPr lang="pt-BR"/>
           </a:p>
@@ -866,7 +866,7 @@
           <a:p>
             <a:fld id="{6808C966-7050-4632-AD51-45F5537B7264}" type="datetimeFigureOut">
               <a:rPr lang="pt-BR" smtClean="0"/>
-              <a:t>26/02/2023</a:t>
+              <a:t>27/02/2023</a:t>
             </a:fld>
             <a:endParaRPr lang="pt-BR"/>
           </a:p>
@@ -1046,7 +1046,7 @@
           <a:p>
             <a:fld id="{6808C966-7050-4632-AD51-45F5537B7264}" type="datetimeFigureOut">
               <a:rPr lang="pt-BR" smtClean="0"/>
-              <a:t>26/02/2023</a:t>
+              <a:t>27/02/2023</a:t>
             </a:fld>
             <a:endParaRPr lang="pt-BR"/>
           </a:p>
@@ -1216,7 +1216,7 @@
           <a:p>
             <a:fld id="{6808C966-7050-4632-AD51-45F5537B7264}" type="datetimeFigureOut">
               <a:rPr lang="pt-BR" smtClean="0"/>
-              <a:t>26/02/2023</a:t>
+              <a:t>27/02/2023</a:t>
             </a:fld>
             <a:endParaRPr lang="pt-BR"/>
           </a:p>
@@ -1462,7 +1462,7 @@
           <a:p>
             <a:fld id="{6808C966-7050-4632-AD51-45F5537B7264}" type="datetimeFigureOut">
               <a:rPr lang="pt-BR" smtClean="0"/>
-              <a:t>26/02/2023</a:t>
+              <a:t>27/02/2023</a:t>
             </a:fld>
             <a:endParaRPr lang="pt-BR"/>
           </a:p>
@@ -1694,7 +1694,7 @@
           <a:p>
             <a:fld id="{6808C966-7050-4632-AD51-45F5537B7264}" type="datetimeFigureOut">
               <a:rPr lang="pt-BR" smtClean="0"/>
-              <a:t>26/02/2023</a:t>
+              <a:t>27/02/2023</a:t>
             </a:fld>
             <a:endParaRPr lang="pt-BR"/>
           </a:p>
@@ -2061,7 +2061,7 @@
           <a:p>
             <a:fld id="{6808C966-7050-4632-AD51-45F5537B7264}" type="datetimeFigureOut">
               <a:rPr lang="pt-BR" smtClean="0"/>
-              <a:t>26/02/2023</a:t>
+              <a:t>27/02/2023</a:t>
             </a:fld>
             <a:endParaRPr lang="pt-BR"/>
           </a:p>
@@ -2179,7 +2179,7 @@
           <a:p>
             <a:fld id="{6808C966-7050-4632-AD51-45F5537B7264}" type="datetimeFigureOut">
               <a:rPr lang="pt-BR" smtClean="0"/>
-              <a:t>26/02/2023</a:t>
+              <a:t>27/02/2023</a:t>
             </a:fld>
             <a:endParaRPr lang="pt-BR"/>
           </a:p>
@@ -2274,7 +2274,7 @@
           <a:p>
             <a:fld id="{6808C966-7050-4632-AD51-45F5537B7264}" type="datetimeFigureOut">
               <a:rPr lang="pt-BR" smtClean="0"/>
-              <a:t>26/02/2023</a:t>
+              <a:t>27/02/2023</a:t>
             </a:fld>
             <a:endParaRPr lang="pt-BR"/>
           </a:p>
@@ -2551,7 +2551,7 @@
           <a:p>
             <a:fld id="{6808C966-7050-4632-AD51-45F5537B7264}" type="datetimeFigureOut">
               <a:rPr lang="pt-BR" smtClean="0"/>
-              <a:t>26/02/2023</a:t>
+              <a:t>27/02/2023</a:t>
             </a:fld>
             <a:endParaRPr lang="pt-BR"/>
           </a:p>
@@ -2808,7 +2808,7 @@
           <a:p>
             <a:fld id="{6808C966-7050-4632-AD51-45F5537B7264}" type="datetimeFigureOut">
               <a:rPr lang="pt-BR" smtClean="0"/>
-              <a:t>26/02/2023</a:t>
+              <a:t>27/02/2023</a:t>
             </a:fld>
             <a:endParaRPr lang="pt-BR"/>
           </a:p>
@@ -3021,7 +3021,7 @@
           <a:p>
             <a:fld id="{6808C966-7050-4632-AD51-45F5537B7264}" type="datetimeFigureOut">
               <a:rPr lang="pt-BR" smtClean="0"/>
-              <a:t>26/02/2023</a:t>
+              <a:t>27/02/2023</a:t>
             </a:fld>
             <a:endParaRPr lang="pt-BR"/>
           </a:p>
@@ -13242,9 +13242,6 @@
               </a:rPr>
               <a:t>}</a:t>
             </a:r>
-            <a:endParaRPr lang="pt-BR" sz="2800" b="1" dirty="0">
-              <a:latin typeface="Consolas" panose="020B0609020204030204" pitchFamily="49" charset="0"/>
-            </a:endParaRPr>
           </a:p>
         </p:txBody>
       </p:sp>
@@ -16674,38 +16671,9 @@
           <a:chExt cx="0" cy="0"/>
         </a:xfrm>
       </p:grpSpPr>
-      <p:sp>
-        <p:nvSpPr>
-          <p:cNvPr id="2" name="Título 1"/>
-          <p:cNvSpPr>
-            <a:spLocks noGrp="1"/>
-          </p:cNvSpPr>
-          <p:nvPr>
-            <p:ph type="title"/>
-          </p:nvPr>
-        </p:nvSpPr>
-        <p:spPr/>
-        <p:txBody>
-          <a:bodyPr>
-            <a:normAutofit/>
-          </a:bodyPr>
-          <a:lstStyle/>
-          <a:p>
-            <a:r>
-              <a:rPr lang="pt-BR" sz="3200" dirty="0" smtClean="0">
-                <a:latin typeface="Consolas" panose="020B0609020204030204" pitchFamily="49" charset="0"/>
-              </a:rPr>
-              <a:t>Variáveis</a:t>
-            </a:r>
-            <a:endParaRPr lang="pt-BR" sz="3200" dirty="0">
-              <a:latin typeface="Consolas" panose="020B0609020204030204" pitchFamily="49" charset="0"/>
-            </a:endParaRPr>
-          </a:p>
-        </p:txBody>
-      </p:sp>
       <p:pic>
         <p:nvPicPr>
-          <p:cNvPr id="4" name="Imagem 3"/>
+          <p:cNvPr id="11" name="Imagem 10"/>
           <p:cNvPicPr>
             <a:picLocks noChangeAspect="1"/>
           </p:cNvPicPr>
@@ -16725,6 +16693,110 @@
         </p:blipFill>
         <p:spPr>
           <a:xfrm>
+            <a:off x="295149" y="4200633"/>
+            <a:ext cx="2509740" cy="2513305"/>
+          </a:xfrm>
+          <a:prstGeom prst="rect">
+            <a:avLst/>
+          </a:prstGeom>
+        </p:spPr>
+      </p:pic>
+      <p:sp>
+        <p:nvSpPr>
+          <p:cNvPr id="15" name="Retângulo 14"/>
+          <p:cNvSpPr/>
+          <p:nvPr/>
+        </p:nvSpPr>
+        <p:spPr>
+          <a:xfrm>
+            <a:off x="121346" y="4129884"/>
+            <a:ext cx="2806567" cy="2586451"/>
+          </a:xfrm>
+          <a:prstGeom prst="rect">
+            <a:avLst/>
+          </a:prstGeom>
+        </p:spPr>
+        <p:style>
+          <a:lnRef idx="2">
+            <a:schemeClr val="dk1">
+              <a:shade val="50000"/>
+            </a:schemeClr>
+          </a:lnRef>
+          <a:fillRef idx="1">
+            <a:schemeClr val="dk1"/>
+          </a:fillRef>
+          <a:effectRef idx="0">
+            <a:schemeClr val="dk1"/>
+          </a:effectRef>
+          <a:fontRef idx="minor">
+            <a:schemeClr val="lt1"/>
+          </a:fontRef>
+        </p:style>
+        <p:txBody>
+          <a:bodyPr rtlCol="0" anchor="ctr"/>
+          <a:lstStyle/>
+          <a:p>
+            <a:pPr algn="ctr"/>
+            <a:endParaRPr lang="pt-BR"/>
+          </a:p>
+        </p:txBody>
+      </p:sp>
+      <p:sp>
+        <p:nvSpPr>
+          <p:cNvPr id="2" name="Título 1"/>
+          <p:cNvSpPr>
+            <a:spLocks noGrp="1"/>
+          </p:cNvSpPr>
+          <p:nvPr>
+            <p:ph type="title"/>
+          </p:nvPr>
+        </p:nvSpPr>
+        <p:spPr>
+          <a:xfrm>
+            <a:off x="397525" y="343091"/>
+            <a:ext cx="2577029" cy="758595"/>
+          </a:xfrm>
+        </p:spPr>
+        <p:txBody>
+          <a:bodyPr>
+            <a:normAutofit/>
+          </a:bodyPr>
+          <a:lstStyle/>
+          <a:p>
+            <a:r>
+              <a:rPr lang="pt-BR" sz="3200" dirty="0" smtClean="0">
+                <a:latin typeface="Consolas" panose="020B0609020204030204" pitchFamily="49" charset="0"/>
+              </a:rPr>
+              <a:t>Variáveis</a:t>
+            </a:r>
+            <a:endParaRPr lang="pt-BR" sz="3200" dirty="0">
+              <a:latin typeface="Consolas" panose="020B0609020204030204" pitchFamily="49" charset="0"/>
+            </a:endParaRPr>
+          </a:p>
+        </p:txBody>
+      </p:sp>
+      <p:pic>
+        <p:nvPicPr>
+          <p:cNvPr id="4" name="Imagem 3"/>
+          <p:cNvPicPr>
+            <a:picLocks noChangeAspect="1"/>
+          </p:cNvPicPr>
+          <p:nvPr/>
+        </p:nvPicPr>
+        <p:blipFill>
+          <a:blip r:embed="rId3" cstate="print">
+            <a:extLst>
+              <a:ext uri="{28A0092B-C50C-407E-A947-70E740481C1C}">
+                <a14:useLocalDpi xmlns:a14="http://schemas.microsoft.com/office/drawing/2010/main" val="0"/>
+              </a:ext>
+            </a:extLst>
+          </a:blip>
+          <a:stretch>
+            <a:fillRect/>
+          </a:stretch>
+        </p:blipFill>
+        <p:spPr>
+          <a:xfrm>
             <a:off x="10441211" y="110689"/>
             <a:ext cx="1750789" cy="2157949"/>
           </a:xfrm>
@@ -16741,8 +16813,8 @@
         </p:nvSpPr>
         <p:spPr>
           <a:xfrm>
-            <a:off x="838200" y="1456443"/>
-            <a:ext cx="5022995" cy="523220"/>
+            <a:off x="3549967" y="1333481"/>
+            <a:ext cx="5092063" cy="523220"/>
           </a:xfrm>
           <a:prstGeom prst="rect">
             <a:avLst/>
@@ -16755,12 +16827,791 @@
           </a:bodyPr>
           <a:lstStyle/>
           <a:p>
+            <a:pPr algn="ctr"/>
             <a:r>
               <a:rPr lang="pt-BR" sz="2800" dirty="0" smtClean="0">
                 <a:latin typeface="Consolas" panose="020B0609020204030204" pitchFamily="49" charset="0"/>
               </a:rPr>
-              <a:t>Falar sobre variáveis</a:t>
-            </a:r>
+              <a:t>Memória RAM</a:t>
+            </a:r>
+            <a:endParaRPr lang="pt-BR" sz="2800" dirty="0" smtClean="0">
+              <a:latin typeface="Consolas" panose="020B0609020204030204" pitchFamily="49" charset="0"/>
+            </a:endParaRPr>
+          </a:p>
+        </p:txBody>
+      </p:sp>
+      <p:pic>
+        <p:nvPicPr>
+          <p:cNvPr id="5" name="Imagem 4"/>
+          <p:cNvPicPr>
+            <a:picLocks noChangeAspect="1"/>
+          </p:cNvPicPr>
+          <p:nvPr/>
+        </p:nvPicPr>
+        <p:blipFill>
+          <a:blip r:embed="rId4">
+            <a:extLst>
+              <a:ext uri="{28A0092B-C50C-407E-A947-70E740481C1C}">
+                <a14:useLocalDpi xmlns:a14="http://schemas.microsoft.com/office/drawing/2010/main" val="0"/>
+              </a:ext>
+            </a:extLst>
+          </a:blip>
+          <a:stretch>
+            <a:fillRect/>
+          </a:stretch>
+        </p:blipFill>
+        <p:spPr>
+          <a:xfrm>
+            <a:off x="3177429" y="1785784"/>
+            <a:ext cx="5837142" cy="2551756"/>
+          </a:xfrm>
+          <a:prstGeom prst="rect">
+            <a:avLst/>
+          </a:prstGeom>
+        </p:spPr>
+      </p:pic>
+      <p:sp>
+        <p:nvSpPr>
+          <p:cNvPr id="6" name="Retângulo 5"/>
+          <p:cNvSpPr/>
+          <p:nvPr/>
+        </p:nvSpPr>
+        <p:spPr>
+          <a:xfrm>
+            <a:off x="3177429" y="1785784"/>
+            <a:ext cx="5837145" cy="2775200"/>
+          </a:xfrm>
+          <a:prstGeom prst="rect">
+            <a:avLst/>
+          </a:prstGeom>
+        </p:spPr>
+        <p:style>
+          <a:lnRef idx="2">
+            <a:schemeClr val="dk1">
+              <a:shade val="50000"/>
+            </a:schemeClr>
+          </a:lnRef>
+          <a:fillRef idx="1">
+            <a:schemeClr val="dk1"/>
+          </a:fillRef>
+          <a:effectRef idx="0">
+            <a:schemeClr val="dk1"/>
+          </a:effectRef>
+          <a:fontRef idx="minor">
+            <a:schemeClr val="lt1"/>
+          </a:fontRef>
+        </p:style>
+        <p:txBody>
+          <a:bodyPr rtlCol="0" anchor="ctr"/>
+          <a:lstStyle/>
+          <a:p>
+            <a:pPr algn="ctr"/>
+            <a:endParaRPr lang="pt-BR"/>
+          </a:p>
+        </p:txBody>
+      </p:sp>
+      <p:pic>
+        <p:nvPicPr>
+          <p:cNvPr id="3" name="Imagem 2"/>
+          <p:cNvPicPr>
+            <a:picLocks noChangeAspect="1"/>
+          </p:cNvPicPr>
+          <p:nvPr/>
+        </p:nvPicPr>
+        <p:blipFill>
+          <a:blip r:embed="rId5">
+            <a:extLst>
+              <a:ext uri="{28A0092B-C50C-407E-A947-70E740481C1C}">
+                <a14:useLocalDpi xmlns:a14="http://schemas.microsoft.com/office/drawing/2010/main" val="0"/>
+              </a:ext>
+            </a:extLst>
+          </a:blip>
+          <a:stretch>
+            <a:fillRect/>
+          </a:stretch>
+        </p:blipFill>
+        <p:spPr>
+          <a:xfrm>
+            <a:off x="3549968" y="1927617"/>
+            <a:ext cx="5092063" cy="2273016"/>
+          </a:xfrm>
+          <a:prstGeom prst="rect">
+            <a:avLst/>
+          </a:prstGeom>
+        </p:spPr>
+      </p:pic>
+      <p:sp>
+        <p:nvSpPr>
+          <p:cNvPr id="8" name="Retângulo 7"/>
+          <p:cNvSpPr/>
+          <p:nvPr/>
+        </p:nvSpPr>
+        <p:spPr>
+          <a:xfrm>
+            <a:off x="4131274" y="2497231"/>
+            <a:ext cx="528875" cy="564431"/>
+          </a:xfrm>
+          <a:prstGeom prst="rect">
+            <a:avLst/>
+          </a:prstGeom>
+          <a:noFill/>
+          <a:ln w="25400" cmpd="sng">
+            <a:solidFill>
+              <a:schemeClr val="tx1">
+                <a:lumMod val="95000"/>
+              </a:schemeClr>
+            </a:solidFill>
+          </a:ln>
+        </p:spPr>
+        <p:style>
+          <a:lnRef idx="2">
+            <a:schemeClr val="accent1">
+              <a:shade val="50000"/>
+            </a:schemeClr>
+          </a:lnRef>
+          <a:fillRef idx="1001">
+            <a:schemeClr val="lt2"/>
+          </a:fillRef>
+          <a:effectRef idx="0">
+            <a:schemeClr val="accent1"/>
+          </a:effectRef>
+          <a:fontRef idx="minor">
+            <a:schemeClr val="lt1"/>
+          </a:fontRef>
+        </p:style>
+        <p:txBody>
+          <a:bodyPr rtlCol="0" anchor="t"/>
+          <a:lstStyle/>
+          <a:p>
+            <a:pPr algn="ctr"/>
+            <a:r>
+              <a:rPr lang="pt-BR" sz="3200" b="1" dirty="0">
+                <a:solidFill>
+                  <a:srgbClr val="00FF00"/>
+                </a:solidFill>
+                <a:latin typeface="Consolas" panose="020B0609020204030204" pitchFamily="49" charset="0"/>
+              </a:rPr>
+              <a:t>2</a:t>
+            </a:r>
+            <a:endParaRPr lang="pt-BR" sz="3200" b="1" dirty="0">
+              <a:solidFill>
+                <a:srgbClr val="00FF00"/>
+              </a:solidFill>
+              <a:latin typeface="Consolas" panose="020B0609020204030204" pitchFamily="49" charset="0"/>
+            </a:endParaRPr>
+          </a:p>
+        </p:txBody>
+      </p:sp>
+      <p:sp>
+        <p:nvSpPr>
+          <p:cNvPr id="10" name="Retângulo 9"/>
+          <p:cNvSpPr/>
+          <p:nvPr/>
+        </p:nvSpPr>
+        <p:spPr>
+          <a:xfrm>
+            <a:off x="5252472" y="2528896"/>
+            <a:ext cx="528875" cy="564431"/>
+          </a:xfrm>
+          <a:prstGeom prst="rect">
+            <a:avLst/>
+          </a:prstGeom>
+          <a:noFill/>
+          <a:ln w="25400" cmpd="sng">
+            <a:solidFill>
+              <a:schemeClr val="tx1">
+                <a:lumMod val="95000"/>
+              </a:schemeClr>
+            </a:solidFill>
+          </a:ln>
+        </p:spPr>
+        <p:style>
+          <a:lnRef idx="2">
+            <a:schemeClr val="accent1">
+              <a:shade val="50000"/>
+            </a:schemeClr>
+          </a:lnRef>
+          <a:fillRef idx="1001">
+            <a:schemeClr val="lt2"/>
+          </a:fillRef>
+          <a:effectRef idx="0">
+            <a:schemeClr val="accent1"/>
+          </a:effectRef>
+          <a:fontRef idx="minor">
+            <a:schemeClr val="lt1"/>
+          </a:fontRef>
+        </p:style>
+        <p:txBody>
+          <a:bodyPr rtlCol="0" anchor="t"/>
+          <a:lstStyle/>
+          <a:p>
+            <a:pPr algn="ctr"/>
+            <a:r>
+              <a:rPr lang="pt-BR" sz="3200" b="1" dirty="0">
+                <a:solidFill>
+                  <a:srgbClr val="00FF00"/>
+                </a:solidFill>
+                <a:latin typeface="Consolas" panose="020B0609020204030204" pitchFamily="49" charset="0"/>
+              </a:rPr>
+              <a:t>3</a:t>
+            </a:r>
+            <a:endParaRPr lang="pt-BR" sz="3200" b="1" dirty="0">
+              <a:solidFill>
+                <a:srgbClr val="00FF00"/>
+              </a:solidFill>
+              <a:latin typeface="Consolas" panose="020B0609020204030204" pitchFamily="49" charset="0"/>
+            </a:endParaRPr>
+          </a:p>
+        </p:txBody>
+      </p:sp>
+      <p:pic>
+        <p:nvPicPr>
+          <p:cNvPr id="12" name="Imagem 11"/>
+          <p:cNvPicPr>
+            <a:picLocks noChangeAspect="1"/>
+          </p:cNvPicPr>
+          <p:nvPr/>
+        </p:nvPicPr>
+        <p:blipFill>
+          <a:blip r:embed="rId6" cstate="print">
+            <a:extLst>
+              <a:ext uri="{28A0092B-C50C-407E-A947-70E740481C1C}">
+                <a14:useLocalDpi xmlns:a14="http://schemas.microsoft.com/office/drawing/2010/main" val="0"/>
+              </a:ext>
+            </a:extLst>
+          </a:blip>
+          <a:stretch>
+            <a:fillRect/>
+          </a:stretch>
+        </p:blipFill>
+        <p:spPr>
+          <a:xfrm>
+            <a:off x="385089" y="4258179"/>
+            <a:ext cx="2329860" cy="2329860"/>
+          </a:xfrm>
+          <a:prstGeom prst="rect">
+            <a:avLst/>
+          </a:prstGeom>
+        </p:spPr>
+      </p:pic>
+      <p:cxnSp>
+        <p:nvCxnSpPr>
+          <p:cNvPr id="16" name="Conector de seta reta 15"/>
+          <p:cNvCxnSpPr/>
+          <p:nvPr/>
+        </p:nvCxnSpPr>
+        <p:spPr>
+          <a:xfrm flipH="1">
+            <a:off x="1279081" y="3011050"/>
+            <a:ext cx="2852192" cy="2046370"/>
+          </a:xfrm>
+          <a:prstGeom prst="straightConnector1">
+            <a:avLst/>
+          </a:prstGeom>
+          <a:ln w="28575">
+            <a:solidFill>
+              <a:schemeClr val="tx1">
+                <a:lumMod val="95000"/>
+              </a:schemeClr>
+            </a:solidFill>
+            <a:tailEnd type="triangle"/>
+          </a:ln>
+        </p:spPr>
+        <p:style>
+          <a:lnRef idx="1">
+            <a:schemeClr val="accent1"/>
+          </a:lnRef>
+          <a:fillRef idx="0">
+            <a:schemeClr val="accent1"/>
+          </a:fillRef>
+          <a:effectRef idx="0">
+            <a:schemeClr val="accent1"/>
+          </a:effectRef>
+          <a:fontRef idx="minor">
+            <a:schemeClr val="tx1"/>
+          </a:fontRef>
+        </p:style>
+      </p:cxnSp>
+      <p:cxnSp>
+        <p:nvCxnSpPr>
+          <p:cNvPr id="19" name="Conector de seta reta 18"/>
+          <p:cNvCxnSpPr/>
+          <p:nvPr/>
+        </p:nvCxnSpPr>
+        <p:spPr>
+          <a:xfrm flipH="1">
+            <a:off x="2042009" y="3062982"/>
+            <a:ext cx="3224964" cy="1950305"/>
+          </a:xfrm>
+          <a:prstGeom prst="straightConnector1">
+            <a:avLst/>
+          </a:prstGeom>
+          <a:ln w="28575">
+            <a:solidFill>
+              <a:schemeClr val="tx1">
+                <a:lumMod val="95000"/>
+              </a:schemeClr>
+            </a:solidFill>
+            <a:tailEnd type="triangle"/>
+          </a:ln>
+        </p:spPr>
+        <p:style>
+          <a:lnRef idx="1">
+            <a:schemeClr val="accent1"/>
+          </a:lnRef>
+          <a:fillRef idx="0">
+            <a:schemeClr val="accent1"/>
+          </a:fillRef>
+          <a:effectRef idx="0">
+            <a:schemeClr val="accent1"/>
+          </a:effectRef>
+          <a:fontRef idx="minor">
+            <a:schemeClr val="tx1"/>
+          </a:fontRef>
+        </p:style>
+      </p:cxnSp>
+      <p:sp>
+        <p:nvSpPr>
+          <p:cNvPr id="22" name="Retângulo 21"/>
+          <p:cNvSpPr/>
+          <p:nvPr/>
+        </p:nvSpPr>
+        <p:spPr>
+          <a:xfrm>
+            <a:off x="980498" y="5059817"/>
+            <a:ext cx="288099" cy="371500"/>
+          </a:xfrm>
+          <a:prstGeom prst="rect">
+            <a:avLst/>
+          </a:prstGeom>
+          <a:noFill/>
+          <a:ln w="25400" cmpd="sng">
+            <a:solidFill>
+              <a:schemeClr val="tx1">
+                <a:lumMod val="95000"/>
+              </a:schemeClr>
+            </a:solidFill>
+          </a:ln>
+        </p:spPr>
+        <p:style>
+          <a:lnRef idx="2">
+            <a:schemeClr val="accent1">
+              <a:shade val="50000"/>
+            </a:schemeClr>
+          </a:lnRef>
+          <a:fillRef idx="1001">
+            <a:schemeClr val="lt2"/>
+          </a:fillRef>
+          <a:effectRef idx="0">
+            <a:schemeClr val="accent1"/>
+          </a:effectRef>
+          <a:fontRef idx="minor">
+            <a:schemeClr val="lt1"/>
+          </a:fontRef>
+        </p:style>
+        <p:txBody>
+          <a:bodyPr rtlCol="0" anchor="t"/>
+          <a:lstStyle/>
+          <a:p>
+            <a:pPr algn="ctr"/>
+            <a:r>
+              <a:rPr lang="pt-BR" sz="2000" b="1" dirty="0">
+                <a:solidFill>
+                  <a:srgbClr val="00FF00"/>
+                </a:solidFill>
+                <a:latin typeface="Consolas" panose="020B0609020204030204" pitchFamily="49" charset="0"/>
+              </a:rPr>
+              <a:t>2</a:t>
+            </a:r>
+            <a:endParaRPr lang="pt-BR" sz="2000" b="1" dirty="0">
+              <a:solidFill>
+                <a:srgbClr val="00FF00"/>
+              </a:solidFill>
+              <a:latin typeface="Consolas" panose="020B0609020204030204" pitchFamily="49" charset="0"/>
+            </a:endParaRPr>
+          </a:p>
+        </p:txBody>
+      </p:sp>
+      <p:sp>
+        <p:nvSpPr>
+          <p:cNvPr id="23" name="CaixaDeTexto 22"/>
+          <p:cNvSpPr txBox="1"/>
+          <p:nvPr/>
+        </p:nvSpPr>
+        <p:spPr>
+          <a:xfrm>
+            <a:off x="1351769" y="4934065"/>
+            <a:ext cx="512237" cy="523220"/>
+          </a:xfrm>
+          <a:prstGeom prst="rect">
+            <a:avLst/>
+          </a:prstGeom>
+          <a:noFill/>
+        </p:spPr>
+        <p:txBody>
+          <a:bodyPr wrap="square" rtlCol="0">
+            <a:spAutoFit/>
+          </a:bodyPr>
+          <a:lstStyle/>
+          <a:p>
+            <a:r>
+              <a:rPr lang="pt-BR" sz="2800" b="1" dirty="0" smtClean="0">
+                <a:solidFill>
+                  <a:srgbClr val="0000FF"/>
+                </a:solidFill>
+                <a:latin typeface="Consolas" panose="020B0609020204030204" pitchFamily="49" charset="0"/>
+              </a:rPr>
+              <a:t>+</a:t>
+            </a:r>
+            <a:endParaRPr lang="pt-BR" sz="2800" b="1" dirty="0">
+              <a:solidFill>
+                <a:srgbClr val="0000FF"/>
+              </a:solidFill>
+              <a:latin typeface="Consolas" panose="020B0609020204030204" pitchFamily="49" charset="0"/>
+            </a:endParaRPr>
+          </a:p>
+        </p:txBody>
+      </p:sp>
+      <p:sp>
+        <p:nvSpPr>
+          <p:cNvPr id="24" name="Retângulo 23"/>
+          <p:cNvSpPr/>
+          <p:nvPr/>
+        </p:nvSpPr>
+        <p:spPr>
+          <a:xfrm>
+            <a:off x="1753910" y="5060553"/>
+            <a:ext cx="288099" cy="371500"/>
+          </a:xfrm>
+          <a:prstGeom prst="rect">
+            <a:avLst/>
+          </a:prstGeom>
+          <a:noFill/>
+          <a:ln w="25400" cmpd="sng">
+            <a:solidFill>
+              <a:schemeClr val="tx1">
+                <a:lumMod val="95000"/>
+              </a:schemeClr>
+            </a:solidFill>
+          </a:ln>
+        </p:spPr>
+        <p:style>
+          <a:lnRef idx="2">
+            <a:schemeClr val="accent1">
+              <a:shade val="50000"/>
+            </a:schemeClr>
+          </a:lnRef>
+          <a:fillRef idx="1001">
+            <a:schemeClr val="lt2"/>
+          </a:fillRef>
+          <a:effectRef idx="0">
+            <a:schemeClr val="accent1"/>
+          </a:effectRef>
+          <a:fontRef idx="minor">
+            <a:schemeClr val="lt1"/>
+          </a:fontRef>
+        </p:style>
+        <p:txBody>
+          <a:bodyPr rtlCol="0" anchor="t"/>
+          <a:lstStyle/>
+          <a:p>
+            <a:pPr algn="ctr"/>
+            <a:r>
+              <a:rPr lang="pt-BR" sz="2000" b="1" dirty="0" smtClean="0">
+                <a:solidFill>
+                  <a:srgbClr val="00FF00"/>
+                </a:solidFill>
+                <a:latin typeface="Consolas" panose="020B0609020204030204" pitchFamily="49" charset="0"/>
+              </a:rPr>
+              <a:t>3</a:t>
+            </a:r>
+            <a:endParaRPr lang="pt-BR" sz="2000" b="1" dirty="0">
+              <a:solidFill>
+                <a:srgbClr val="00FF00"/>
+              </a:solidFill>
+              <a:latin typeface="Consolas" panose="020B0609020204030204" pitchFamily="49" charset="0"/>
+            </a:endParaRPr>
+          </a:p>
+        </p:txBody>
+      </p:sp>
+      <p:sp>
+        <p:nvSpPr>
+          <p:cNvPr id="27" name="CaixaDeTexto 26"/>
+          <p:cNvSpPr txBox="1"/>
+          <p:nvPr/>
+        </p:nvSpPr>
+        <p:spPr>
+          <a:xfrm>
+            <a:off x="1351769" y="5457285"/>
+            <a:ext cx="890564" cy="523220"/>
+          </a:xfrm>
+          <a:prstGeom prst="rect">
+            <a:avLst/>
+          </a:prstGeom>
+          <a:noFill/>
+        </p:spPr>
+        <p:txBody>
+          <a:bodyPr wrap="square" rtlCol="0">
+            <a:spAutoFit/>
+          </a:bodyPr>
+          <a:lstStyle/>
+          <a:p>
+            <a:r>
+              <a:rPr lang="pt-BR" sz="2800" b="1" dirty="0" smtClean="0">
+                <a:solidFill>
+                  <a:srgbClr val="0000FF"/>
+                </a:solidFill>
+                <a:latin typeface="Consolas" panose="020B0609020204030204" pitchFamily="49" charset="0"/>
+              </a:rPr>
+              <a:t>= </a:t>
+            </a:r>
+            <a:r>
+              <a:rPr lang="pt-BR" sz="2400" b="1" dirty="0" smtClean="0">
+                <a:solidFill>
+                  <a:srgbClr val="00FF00"/>
+                </a:solidFill>
+                <a:latin typeface="Consolas" panose="020B0609020204030204" pitchFamily="49" charset="0"/>
+              </a:rPr>
+              <a:t>5</a:t>
+            </a:r>
+            <a:endParaRPr lang="pt-BR" sz="2400" b="1" dirty="0">
+              <a:solidFill>
+                <a:srgbClr val="00FF00"/>
+              </a:solidFill>
+              <a:latin typeface="Consolas" panose="020B0609020204030204" pitchFamily="49" charset="0"/>
+            </a:endParaRPr>
+          </a:p>
+        </p:txBody>
+      </p:sp>
+      <p:cxnSp>
+        <p:nvCxnSpPr>
+          <p:cNvPr id="28" name="Conector de seta reta 27"/>
+          <p:cNvCxnSpPr/>
+          <p:nvPr/>
+        </p:nvCxnSpPr>
+        <p:spPr>
+          <a:xfrm flipV="1">
+            <a:off x="2042009" y="5340522"/>
+            <a:ext cx="7465548" cy="445729"/>
+          </a:xfrm>
+          <a:prstGeom prst="straightConnector1">
+            <a:avLst/>
+          </a:prstGeom>
+          <a:ln w="28575">
+            <a:solidFill>
+              <a:schemeClr val="tx1">
+                <a:lumMod val="95000"/>
+              </a:schemeClr>
+            </a:solidFill>
+            <a:tailEnd type="triangle"/>
+          </a:ln>
+        </p:spPr>
+        <p:style>
+          <a:lnRef idx="1">
+            <a:schemeClr val="accent1"/>
+          </a:lnRef>
+          <a:fillRef idx="0">
+            <a:schemeClr val="accent1"/>
+          </a:fillRef>
+          <a:effectRef idx="0">
+            <a:schemeClr val="accent1"/>
+          </a:effectRef>
+          <a:fontRef idx="minor">
+            <a:schemeClr val="tx1"/>
+          </a:fontRef>
+        </p:style>
+      </p:cxnSp>
+      <p:pic>
+        <p:nvPicPr>
+          <p:cNvPr id="31" name="Imagem 30"/>
+          <p:cNvPicPr>
+            <a:picLocks noChangeAspect="1"/>
+          </p:cNvPicPr>
+          <p:nvPr/>
+        </p:nvPicPr>
+        <p:blipFill>
+          <a:blip r:embed="rId7" cstate="print">
+            <a:extLst>
+              <a:ext uri="{28A0092B-C50C-407E-A947-70E740481C1C}">
+                <a14:useLocalDpi xmlns:a14="http://schemas.microsoft.com/office/drawing/2010/main" val="0"/>
+              </a:ext>
+            </a:extLst>
+          </a:blip>
+          <a:stretch>
+            <a:fillRect/>
+          </a:stretch>
+        </p:blipFill>
+        <p:spPr>
+          <a:xfrm>
+            <a:off x="8642030" y="4373649"/>
+            <a:ext cx="3237411" cy="2214390"/>
+          </a:xfrm>
+          <a:prstGeom prst="rect">
+            <a:avLst/>
+          </a:prstGeom>
+        </p:spPr>
+      </p:pic>
+      <p:sp>
+        <p:nvSpPr>
+          <p:cNvPr id="33" name="CaixaDeTexto 32"/>
+          <p:cNvSpPr txBox="1"/>
+          <p:nvPr/>
+        </p:nvSpPr>
+        <p:spPr>
+          <a:xfrm>
+            <a:off x="9924207" y="4645402"/>
+            <a:ext cx="512861" cy="1200329"/>
+          </a:xfrm>
+          <a:prstGeom prst="rect">
+            <a:avLst/>
+          </a:prstGeom>
+          <a:noFill/>
+        </p:spPr>
+        <p:txBody>
+          <a:bodyPr wrap="square" rtlCol="0">
+            <a:spAutoFit/>
+          </a:bodyPr>
+          <a:lstStyle/>
+          <a:p>
+            <a:r>
+              <a:rPr lang="pt-BR" sz="7200" b="1" dirty="0" smtClean="0">
+                <a:solidFill>
+                  <a:srgbClr val="00FF00"/>
+                </a:solidFill>
+                <a:latin typeface="Consolas" panose="020B0609020204030204" pitchFamily="49" charset="0"/>
+              </a:rPr>
+              <a:t>5</a:t>
+            </a:r>
+            <a:endParaRPr lang="pt-BR" sz="7200" b="1" dirty="0">
+              <a:solidFill>
+                <a:srgbClr val="00FF00"/>
+              </a:solidFill>
+              <a:latin typeface="Consolas" panose="020B0609020204030204" pitchFamily="49" charset="0"/>
+            </a:endParaRPr>
+          </a:p>
+        </p:txBody>
+      </p:sp>
+      <p:sp>
+        <p:nvSpPr>
+          <p:cNvPr id="34" name="Retângulo 33"/>
+          <p:cNvSpPr/>
+          <p:nvPr/>
+        </p:nvSpPr>
+        <p:spPr>
+          <a:xfrm>
+            <a:off x="4131271" y="2500621"/>
+            <a:ext cx="135929" cy="276444"/>
+          </a:xfrm>
+          <a:prstGeom prst="rect">
+            <a:avLst/>
+          </a:prstGeom>
+          <a:noFill/>
+          <a:ln w="25400" cmpd="sng">
+            <a:solidFill>
+              <a:schemeClr val="tx1">
+                <a:lumMod val="95000"/>
+              </a:schemeClr>
+            </a:solidFill>
+          </a:ln>
+        </p:spPr>
+        <p:style>
+          <a:lnRef idx="2">
+            <a:schemeClr val="accent1">
+              <a:shade val="50000"/>
+            </a:schemeClr>
+          </a:lnRef>
+          <a:fillRef idx="1001">
+            <a:schemeClr val="lt2"/>
+          </a:fillRef>
+          <a:effectRef idx="0">
+            <a:schemeClr val="accent1"/>
+          </a:effectRef>
+          <a:fontRef idx="minor">
+            <a:schemeClr val="lt1"/>
+          </a:fontRef>
+        </p:style>
+        <p:txBody>
+          <a:bodyPr rtlCol="0" anchor="t"/>
+          <a:lstStyle/>
+          <a:p>
+            <a:pPr algn="ctr"/>
+            <a:r>
+              <a:rPr lang="pt-BR" sz="1400" b="1" dirty="0" smtClean="0">
+                <a:solidFill>
+                  <a:schemeClr val="tx1"/>
+                </a:solidFill>
+                <a:latin typeface="Consolas" panose="020B0609020204030204" pitchFamily="49" charset="0"/>
+              </a:rPr>
+              <a:t>a</a:t>
+            </a:r>
+            <a:endParaRPr lang="pt-BR" sz="1400" b="1" dirty="0">
+              <a:solidFill>
+                <a:schemeClr val="tx1"/>
+              </a:solidFill>
+              <a:latin typeface="Consolas" panose="020B0609020204030204" pitchFamily="49" charset="0"/>
+            </a:endParaRPr>
+          </a:p>
+        </p:txBody>
+      </p:sp>
+      <p:sp>
+        <p:nvSpPr>
+          <p:cNvPr id="35" name="Retângulo 34"/>
+          <p:cNvSpPr/>
+          <p:nvPr/>
+        </p:nvSpPr>
+        <p:spPr>
+          <a:xfrm>
+            <a:off x="5252469" y="2528896"/>
+            <a:ext cx="135929" cy="276444"/>
+          </a:xfrm>
+          <a:prstGeom prst="rect">
+            <a:avLst/>
+          </a:prstGeom>
+          <a:noFill/>
+          <a:ln w="25400" cmpd="sng">
+            <a:solidFill>
+              <a:schemeClr val="tx1">
+                <a:lumMod val="95000"/>
+              </a:schemeClr>
+            </a:solidFill>
+          </a:ln>
+        </p:spPr>
+        <p:style>
+          <a:lnRef idx="2">
+            <a:schemeClr val="accent1">
+              <a:shade val="50000"/>
+            </a:schemeClr>
+          </a:lnRef>
+          <a:fillRef idx="1001">
+            <a:schemeClr val="lt2"/>
+          </a:fillRef>
+          <a:effectRef idx="0">
+            <a:schemeClr val="accent1"/>
+          </a:effectRef>
+          <a:fontRef idx="minor">
+            <a:schemeClr val="lt1"/>
+          </a:fontRef>
+        </p:style>
+        <p:txBody>
+          <a:bodyPr rtlCol="0" anchor="t"/>
+          <a:lstStyle/>
+          <a:p>
+            <a:pPr algn="ctr"/>
+            <a:r>
+              <a:rPr lang="pt-BR" sz="1400" b="1" dirty="0" smtClean="0">
+                <a:solidFill>
+                  <a:schemeClr val="tx1"/>
+                </a:solidFill>
+                <a:latin typeface="Consolas" panose="020B0609020204030204" pitchFamily="49" charset="0"/>
+              </a:rPr>
+              <a:t>b</a:t>
+            </a:r>
+            <a:endParaRPr lang="pt-BR" sz="1400" b="1" dirty="0">
+              <a:solidFill>
+                <a:schemeClr val="tx1"/>
+              </a:solidFill>
+              <a:latin typeface="Consolas" panose="020B0609020204030204" pitchFamily="49" charset="0"/>
+            </a:endParaRPr>
           </a:p>
         </p:txBody>
       </p:sp>
@@ -16829,6 +17680,833 @@
                                   </p:childTnLst>
                                 </p:cTn>
                               </p:par>
+                              <p:par>
+                                <p:cTn id="8" presetID="10" presetClass="entr" presetSubtype="0" fill="hold" nodeType="withEffect">
+                                  <p:stCondLst>
+                                    <p:cond delay="0"/>
+                                  </p:stCondLst>
+                                  <p:childTnLst>
+                                    <p:set>
+                                      <p:cBhvr>
+                                        <p:cTn id="9" dur="1" fill="hold">
+                                          <p:stCondLst>
+                                            <p:cond delay="0"/>
+                                          </p:stCondLst>
+                                        </p:cTn>
+                                        <p:tgtEl>
+                                          <p:spTgt spid="5"/>
+                                        </p:tgtEl>
+                                        <p:attrNameLst>
+                                          <p:attrName>style.visibility</p:attrName>
+                                        </p:attrNameLst>
+                                      </p:cBhvr>
+                                      <p:to>
+                                        <p:strVal val="visible"/>
+                                      </p:to>
+                                    </p:set>
+                                    <p:animEffect transition="in" filter="fade">
+                                      <p:cBhvr>
+                                        <p:cTn id="10" dur="500"/>
+                                        <p:tgtEl>
+                                          <p:spTgt spid="5"/>
+                                        </p:tgtEl>
+                                      </p:cBhvr>
+                                    </p:animEffect>
+                                  </p:childTnLst>
+                                </p:cTn>
+                              </p:par>
+                            </p:childTnLst>
+                          </p:cTn>
+                        </p:par>
+                      </p:childTnLst>
+                    </p:cTn>
+                  </p:par>
+                  <p:par>
+                    <p:cTn id="11" fill="hold">
+                      <p:stCondLst>
+                        <p:cond delay="indefinite"/>
+                      </p:stCondLst>
+                      <p:childTnLst>
+                        <p:par>
+                          <p:cTn id="12" fill="hold">
+                            <p:stCondLst>
+                              <p:cond delay="0"/>
+                            </p:stCondLst>
+                            <p:childTnLst>
+                              <p:par>
+                                <p:cTn id="13" presetID="10" presetClass="entr" presetSubtype="0" fill="hold" nodeType="clickEffect">
+                                  <p:stCondLst>
+                                    <p:cond delay="0"/>
+                                  </p:stCondLst>
+                                  <p:childTnLst>
+                                    <p:set>
+                                      <p:cBhvr>
+                                        <p:cTn id="14" dur="1" fill="hold">
+                                          <p:stCondLst>
+                                            <p:cond delay="0"/>
+                                          </p:stCondLst>
+                                        </p:cTn>
+                                        <p:tgtEl>
+                                          <p:spTgt spid="3"/>
+                                        </p:tgtEl>
+                                        <p:attrNameLst>
+                                          <p:attrName>style.visibility</p:attrName>
+                                        </p:attrNameLst>
+                                      </p:cBhvr>
+                                      <p:to>
+                                        <p:strVal val="visible"/>
+                                      </p:to>
+                                    </p:set>
+                                    <p:animEffect transition="in" filter="fade">
+                                      <p:cBhvr>
+                                        <p:cTn id="15" dur="500"/>
+                                        <p:tgtEl>
+                                          <p:spTgt spid="3"/>
+                                        </p:tgtEl>
+                                      </p:cBhvr>
+                                    </p:animEffect>
+                                  </p:childTnLst>
+                                </p:cTn>
+                              </p:par>
+                              <p:par>
+                                <p:cTn id="16" presetID="10" presetClass="entr" presetSubtype="0" fill="hold" grpId="0" nodeType="withEffect">
+                                  <p:stCondLst>
+                                    <p:cond delay="0"/>
+                                  </p:stCondLst>
+                                  <p:childTnLst>
+                                    <p:set>
+                                      <p:cBhvr>
+                                        <p:cTn id="17" dur="1" fill="hold">
+                                          <p:stCondLst>
+                                            <p:cond delay="0"/>
+                                          </p:stCondLst>
+                                        </p:cTn>
+                                        <p:tgtEl>
+                                          <p:spTgt spid="6"/>
+                                        </p:tgtEl>
+                                        <p:attrNameLst>
+                                          <p:attrName>style.visibility</p:attrName>
+                                        </p:attrNameLst>
+                                      </p:cBhvr>
+                                      <p:to>
+                                        <p:strVal val="visible"/>
+                                      </p:to>
+                                    </p:set>
+                                    <p:animEffect transition="in" filter="fade">
+                                      <p:cBhvr>
+                                        <p:cTn id="18" dur="500"/>
+                                        <p:tgtEl>
+                                          <p:spTgt spid="6"/>
+                                        </p:tgtEl>
+                                      </p:cBhvr>
+                                    </p:animEffect>
+                                  </p:childTnLst>
+                                </p:cTn>
+                              </p:par>
+                            </p:childTnLst>
+                          </p:cTn>
+                        </p:par>
+                      </p:childTnLst>
+                    </p:cTn>
+                  </p:par>
+                  <p:par>
+                    <p:cTn id="19" fill="hold">
+                      <p:stCondLst>
+                        <p:cond delay="indefinite"/>
+                      </p:stCondLst>
+                      <p:childTnLst>
+                        <p:par>
+                          <p:cTn id="20" fill="hold">
+                            <p:stCondLst>
+                              <p:cond delay="0"/>
+                            </p:stCondLst>
+                            <p:childTnLst>
+                              <p:par>
+                                <p:cTn id="21" presetID="10" presetClass="entr" presetSubtype="0" fill="hold" grpId="0" nodeType="clickEffect">
+                                  <p:stCondLst>
+                                    <p:cond delay="0"/>
+                                  </p:stCondLst>
+                                  <p:childTnLst>
+                                    <p:set>
+                                      <p:cBhvr>
+                                        <p:cTn id="22" dur="1" fill="hold">
+                                          <p:stCondLst>
+                                            <p:cond delay="0"/>
+                                          </p:stCondLst>
+                                        </p:cTn>
+                                        <p:tgtEl>
+                                          <p:spTgt spid="8"/>
+                                        </p:tgtEl>
+                                        <p:attrNameLst>
+                                          <p:attrName>style.visibility</p:attrName>
+                                        </p:attrNameLst>
+                                      </p:cBhvr>
+                                      <p:to>
+                                        <p:strVal val="visible"/>
+                                      </p:to>
+                                    </p:set>
+                                    <p:animEffect transition="in" filter="fade">
+                                      <p:cBhvr>
+                                        <p:cTn id="23" dur="500"/>
+                                        <p:tgtEl>
+                                          <p:spTgt spid="8"/>
+                                        </p:tgtEl>
+                                      </p:cBhvr>
+                                    </p:animEffect>
+                                  </p:childTnLst>
+                                </p:cTn>
+                              </p:par>
+                            </p:childTnLst>
+                          </p:cTn>
+                        </p:par>
+                      </p:childTnLst>
+                    </p:cTn>
+                  </p:par>
+                  <p:par>
+                    <p:cTn id="24" fill="hold">
+                      <p:stCondLst>
+                        <p:cond delay="indefinite"/>
+                      </p:stCondLst>
+                      <p:childTnLst>
+                        <p:par>
+                          <p:cTn id="25" fill="hold">
+                            <p:stCondLst>
+                              <p:cond delay="0"/>
+                            </p:stCondLst>
+                            <p:childTnLst>
+                              <p:par>
+                                <p:cTn id="26" presetID="10" presetClass="entr" presetSubtype="0" fill="hold" grpId="0" nodeType="clickEffect">
+                                  <p:stCondLst>
+                                    <p:cond delay="0"/>
+                                  </p:stCondLst>
+                                  <p:childTnLst>
+                                    <p:set>
+                                      <p:cBhvr>
+                                        <p:cTn id="27" dur="1" fill="hold">
+                                          <p:stCondLst>
+                                            <p:cond delay="0"/>
+                                          </p:stCondLst>
+                                        </p:cTn>
+                                        <p:tgtEl>
+                                          <p:spTgt spid="10"/>
+                                        </p:tgtEl>
+                                        <p:attrNameLst>
+                                          <p:attrName>style.visibility</p:attrName>
+                                        </p:attrNameLst>
+                                      </p:cBhvr>
+                                      <p:to>
+                                        <p:strVal val="visible"/>
+                                      </p:to>
+                                    </p:set>
+                                    <p:animEffect transition="in" filter="fade">
+                                      <p:cBhvr>
+                                        <p:cTn id="28" dur="500"/>
+                                        <p:tgtEl>
+                                          <p:spTgt spid="10"/>
+                                        </p:tgtEl>
+                                      </p:cBhvr>
+                                    </p:animEffect>
+                                  </p:childTnLst>
+                                </p:cTn>
+                              </p:par>
+                            </p:childTnLst>
+                          </p:cTn>
+                        </p:par>
+                      </p:childTnLst>
+                    </p:cTn>
+                  </p:par>
+                  <p:par>
+                    <p:cTn id="29" fill="hold">
+                      <p:stCondLst>
+                        <p:cond delay="indefinite"/>
+                      </p:stCondLst>
+                      <p:childTnLst>
+                        <p:par>
+                          <p:cTn id="30" fill="hold">
+                            <p:stCondLst>
+                              <p:cond delay="0"/>
+                            </p:stCondLst>
+                            <p:childTnLst>
+                              <p:par>
+                                <p:cTn id="31" presetID="10" presetClass="entr" presetSubtype="0" fill="hold" grpId="0" nodeType="clickEffect">
+                                  <p:stCondLst>
+                                    <p:cond delay="0"/>
+                                  </p:stCondLst>
+                                  <p:childTnLst>
+                                    <p:set>
+                                      <p:cBhvr>
+                                        <p:cTn id="32" dur="1" fill="hold">
+                                          <p:stCondLst>
+                                            <p:cond delay="0"/>
+                                          </p:stCondLst>
+                                        </p:cTn>
+                                        <p:tgtEl>
+                                          <p:spTgt spid="34"/>
+                                        </p:tgtEl>
+                                        <p:attrNameLst>
+                                          <p:attrName>style.visibility</p:attrName>
+                                        </p:attrNameLst>
+                                      </p:cBhvr>
+                                      <p:to>
+                                        <p:strVal val="visible"/>
+                                      </p:to>
+                                    </p:set>
+                                    <p:animEffect transition="in" filter="fade">
+                                      <p:cBhvr>
+                                        <p:cTn id="33" dur="500"/>
+                                        <p:tgtEl>
+                                          <p:spTgt spid="34"/>
+                                        </p:tgtEl>
+                                      </p:cBhvr>
+                                    </p:animEffect>
+                                  </p:childTnLst>
+                                </p:cTn>
+                              </p:par>
+                              <p:par>
+                                <p:cTn id="34" presetID="10" presetClass="entr" presetSubtype="0" fill="hold" grpId="0" nodeType="withEffect">
+                                  <p:stCondLst>
+                                    <p:cond delay="0"/>
+                                  </p:stCondLst>
+                                  <p:childTnLst>
+                                    <p:set>
+                                      <p:cBhvr>
+                                        <p:cTn id="35" dur="1" fill="hold">
+                                          <p:stCondLst>
+                                            <p:cond delay="0"/>
+                                          </p:stCondLst>
+                                        </p:cTn>
+                                        <p:tgtEl>
+                                          <p:spTgt spid="35"/>
+                                        </p:tgtEl>
+                                        <p:attrNameLst>
+                                          <p:attrName>style.visibility</p:attrName>
+                                        </p:attrNameLst>
+                                      </p:cBhvr>
+                                      <p:to>
+                                        <p:strVal val="visible"/>
+                                      </p:to>
+                                    </p:set>
+                                    <p:animEffect transition="in" filter="fade">
+                                      <p:cBhvr>
+                                        <p:cTn id="36" dur="500"/>
+                                        <p:tgtEl>
+                                          <p:spTgt spid="35"/>
+                                        </p:tgtEl>
+                                      </p:cBhvr>
+                                    </p:animEffect>
+                                  </p:childTnLst>
+                                </p:cTn>
+                              </p:par>
+                            </p:childTnLst>
+                          </p:cTn>
+                        </p:par>
+                      </p:childTnLst>
+                    </p:cTn>
+                  </p:par>
+                  <p:par>
+                    <p:cTn id="37" fill="hold">
+                      <p:stCondLst>
+                        <p:cond delay="indefinite"/>
+                      </p:stCondLst>
+                      <p:childTnLst>
+                        <p:par>
+                          <p:cTn id="38" fill="hold">
+                            <p:stCondLst>
+                              <p:cond delay="0"/>
+                            </p:stCondLst>
+                            <p:childTnLst>
+                              <p:par>
+                                <p:cTn id="39" presetID="10" presetClass="entr" presetSubtype="0" fill="hold" nodeType="clickEffect">
+                                  <p:stCondLst>
+                                    <p:cond delay="0"/>
+                                  </p:stCondLst>
+                                  <p:childTnLst>
+                                    <p:set>
+                                      <p:cBhvr>
+                                        <p:cTn id="40" dur="1" fill="hold">
+                                          <p:stCondLst>
+                                            <p:cond delay="0"/>
+                                          </p:stCondLst>
+                                        </p:cTn>
+                                        <p:tgtEl>
+                                          <p:spTgt spid="11"/>
+                                        </p:tgtEl>
+                                        <p:attrNameLst>
+                                          <p:attrName>style.visibility</p:attrName>
+                                        </p:attrNameLst>
+                                      </p:cBhvr>
+                                      <p:to>
+                                        <p:strVal val="visible"/>
+                                      </p:to>
+                                    </p:set>
+                                    <p:animEffect transition="in" filter="fade">
+                                      <p:cBhvr>
+                                        <p:cTn id="41" dur="500"/>
+                                        <p:tgtEl>
+                                          <p:spTgt spid="11"/>
+                                        </p:tgtEl>
+                                      </p:cBhvr>
+                                    </p:animEffect>
+                                  </p:childTnLst>
+                                </p:cTn>
+                              </p:par>
+                            </p:childTnLst>
+                          </p:cTn>
+                        </p:par>
+                      </p:childTnLst>
+                    </p:cTn>
+                  </p:par>
+                  <p:par>
+                    <p:cTn id="42" fill="hold">
+                      <p:stCondLst>
+                        <p:cond delay="indefinite"/>
+                      </p:stCondLst>
+                      <p:childTnLst>
+                        <p:par>
+                          <p:cTn id="43" fill="hold">
+                            <p:stCondLst>
+                              <p:cond delay="0"/>
+                            </p:stCondLst>
+                            <p:childTnLst>
+                              <p:par>
+                                <p:cTn id="44" presetID="10" presetClass="entr" presetSubtype="0" fill="hold" grpId="0" nodeType="clickEffect">
+                                  <p:stCondLst>
+                                    <p:cond delay="0"/>
+                                  </p:stCondLst>
+                                  <p:childTnLst>
+                                    <p:set>
+                                      <p:cBhvr>
+                                        <p:cTn id="45" dur="1" fill="hold">
+                                          <p:stCondLst>
+                                            <p:cond delay="0"/>
+                                          </p:stCondLst>
+                                        </p:cTn>
+                                        <p:tgtEl>
+                                          <p:spTgt spid="15"/>
+                                        </p:tgtEl>
+                                        <p:attrNameLst>
+                                          <p:attrName>style.visibility</p:attrName>
+                                        </p:attrNameLst>
+                                      </p:cBhvr>
+                                      <p:to>
+                                        <p:strVal val="visible"/>
+                                      </p:to>
+                                    </p:set>
+                                    <p:animEffect transition="in" filter="fade">
+                                      <p:cBhvr>
+                                        <p:cTn id="46" dur="500"/>
+                                        <p:tgtEl>
+                                          <p:spTgt spid="15"/>
+                                        </p:tgtEl>
+                                      </p:cBhvr>
+                                    </p:animEffect>
+                                  </p:childTnLst>
+                                </p:cTn>
+                              </p:par>
+                              <p:par>
+                                <p:cTn id="47" presetID="10" presetClass="entr" presetSubtype="0" fill="hold" nodeType="withEffect">
+                                  <p:stCondLst>
+                                    <p:cond delay="0"/>
+                                  </p:stCondLst>
+                                  <p:childTnLst>
+                                    <p:set>
+                                      <p:cBhvr>
+                                        <p:cTn id="48" dur="1" fill="hold">
+                                          <p:stCondLst>
+                                            <p:cond delay="0"/>
+                                          </p:stCondLst>
+                                        </p:cTn>
+                                        <p:tgtEl>
+                                          <p:spTgt spid="12"/>
+                                        </p:tgtEl>
+                                        <p:attrNameLst>
+                                          <p:attrName>style.visibility</p:attrName>
+                                        </p:attrNameLst>
+                                      </p:cBhvr>
+                                      <p:to>
+                                        <p:strVal val="visible"/>
+                                      </p:to>
+                                    </p:set>
+                                    <p:animEffect transition="in" filter="fade">
+                                      <p:cBhvr>
+                                        <p:cTn id="49" dur="500"/>
+                                        <p:tgtEl>
+                                          <p:spTgt spid="12"/>
+                                        </p:tgtEl>
+                                      </p:cBhvr>
+                                    </p:animEffect>
+                                  </p:childTnLst>
+                                </p:cTn>
+                              </p:par>
+                            </p:childTnLst>
+                          </p:cTn>
+                        </p:par>
+                      </p:childTnLst>
+                    </p:cTn>
+                  </p:par>
+                  <p:par>
+                    <p:cTn id="50" fill="hold">
+                      <p:stCondLst>
+                        <p:cond delay="indefinite"/>
+                      </p:stCondLst>
+                      <p:childTnLst>
+                        <p:par>
+                          <p:cTn id="51" fill="hold">
+                            <p:stCondLst>
+                              <p:cond delay="0"/>
+                            </p:stCondLst>
+                            <p:childTnLst>
+                              <p:par>
+                                <p:cTn id="52" presetID="10" presetClass="entr" presetSubtype="0" fill="hold" nodeType="clickEffect">
+                                  <p:stCondLst>
+                                    <p:cond delay="0"/>
+                                  </p:stCondLst>
+                                  <p:childTnLst>
+                                    <p:set>
+                                      <p:cBhvr>
+                                        <p:cTn id="53" dur="1" fill="hold">
+                                          <p:stCondLst>
+                                            <p:cond delay="0"/>
+                                          </p:stCondLst>
+                                        </p:cTn>
+                                        <p:tgtEl>
+                                          <p:spTgt spid="16"/>
+                                        </p:tgtEl>
+                                        <p:attrNameLst>
+                                          <p:attrName>style.visibility</p:attrName>
+                                        </p:attrNameLst>
+                                      </p:cBhvr>
+                                      <p:to>
+                                        <p:strVal val="visible"/>
+                                      </p:to>
+                                    </p:set>
+                                    <p:animEffect transition="in" filter="fade">
+                                      <p:cBhvr>
+                                        <p:cTn id="54" dur="500"/>
+                                        <p:tgtEl>
+                                          <p:spTgt spid="16"/>
+                                        </p:tgtEl>
+                                      </p:cBhvr>
+                                    </p:animEffect>
+                                  </p:childTnLst>
+                                </p:cTn>
+                              </p:par>
+                              <p:par>
+                                <p:cTn id="55" presetID="10" presetClass="entr" presetSubtype="0" fill="hold" nodeType="withEffect">
+                                  <p:stCondLst>
+                                    <p:cond delay="0"/>
+                                  </p:stCondLst>
+                                  <p:childTnLst>
+                                    <p:set>
+                                      <p:cBhvr>
+                                        <p:cTn id="56" dur="1" fill="hold">
+                                          <p:stCondLst>
+                                            <p:cond delay="0"/>
+                                          </p:stCondLst>
+                                        </p:cTn>
+                                        <p:tgtEl>
+                                          <p:spTgt spid="19"/>
+                                        </p:tgtEl>
+                                        <p:attrNameLst>
+                                          <p:attrName>style.visibility</p:attrName>
+                                        </p:attrNameLst>
+                                      </p:cBhvr>
+                                      <p:to>
+                                        <p:strVal val="visible"/>
+                                      </p:to>
+                                    </p:set>
+                                    <p:animEffect transition="in" filter="fade">
+                                      <p:cBhvr>
+                                        <p:cTn id="57" dur="500"/>
+                                        <p:tgtEl>
+                                          <p:spTgt spid="19"/>
+                                        </p:tgtEl>
+                                      </p:cBhvr>
+                                    </p:animEffect>
+                                  </p:childTnLst>
+                                </p:cTn>
+                              </p:par>
+                              <p:par>
+                                <p:cTn id="58" presetID="10" presetClass="entr" presetSubtype="0" fill="hold" grpId="0" nodeType="withEffect">
+                                  <p:stCondLst>
+                                    <p:cond delay="0"/>
+                                  </p:stCondLst>
+                                  <p:childTnLst>
+                                    <p:set>
+                                      <p:cBhvr>
+                                        <p:cTn id="59" dur="1" fill="hold">
+                                          <p:stCondLst>
+                                            <p:cond delay="0"/>
+                                          </p:stCondLst>
+                                        </p:cTn>
+                                        <p:tgtEl>
+                                          <p:spTgt spid="24"/>
+                                        </p:tgtEl>
+                                        <p:attrNameLst>
+                                          <p:attrName>style.visibility</p:attrName>
+                                        </p:attrNameLst>
+                                      </p:cBhvr>
+                                      <p:to>
+                                        <p:strVal val="visible"/>
+                                      </p:to>
+                                    </p:set>
+                                    <p:animEffect transition="in" filter="fade">
+                                      <p:cBhvr>
+                                        <p:cTn id="60" dur="500"/>
+                                        <p:tgtEl>
+                                          <p:spTgt spid="24"/>
+                                        </p:tgtEl>
+                                      </p:cBhvr>
+                                    </p:animEffect>
+                                  </p:childTnLst>
+                                </p:cTn>
+                              </p:par>
+                              <p:par>
+                                <p:cTn id="61" presetID="10" presetClass="entr" presetSubtype="0" fill="hold" grpId="0" nodeType="withEffect">
+                                  <p:stCondLst>
+                                    <p:cond delay="0"/>
+                                  </p:stCondLst>
+                                  <p:childTnLst>
+                                    <p:set>
+                                      <p:cBhvr>
+                                        <p:cTn id="62" dur="1" fill="hold">
+                                          <p:stCondLst>
+                                            <p:cond delay="0"/>
+                                          </p:stCondLst>
+                                        </p:cTn>
+                                        <p:tgtEl>
+                                          <p:spTgt spid="22"/>
+                                        </p:tgtEl>
+                                        <p:attrNameLst>
+                                          <p:attrName>style.visibility</p:attrName>
+                                        </p:attrNameLst>
+                                      </p:cBhvr>
+                                      <p:to>
+                                        <p:strVal val="visible"/>
+                                      </p:to>
+                                    </p:set>
+                                    <p:animEffect transition="in" filter="fade">
+                                      <p:cBhvr>
+                                        <p:cTn id="63" dur="500"/>
+                                        <p:tgtEl>
+                                          <p:spTgt spid="22"/>
+                                        </p:tgtEl>
+                                      </p:cBhvr>
+                                    </p:animEffect>
+                                  </p:childTnLst>
+                                </p:cTn>
+                              </p:par>
+                              <p:par>
+                                <p:cTn id="64" presetID="10" presetClass="entr" presetSubtype="0" fill="hold" grpId="0" nodeType="withEffect">
+                                  <p:stCondLst>
+                                    <p:cond delay="0"/>
+                                  </p:stCondLst>
+                                  <p:childTnLst>
+                                    <p:set>
+                                      <p:cBhvr>
+                                        <p:cTn id="65" dur="1" fill="hold">
+                                          <p:stCondLst>
+                                            <p:cond delay="0"/>
+                                          </p:stCondLst>
+                                        </p:cTn>
+                                        <p:tgtEl>
+                                          <p:spTgt spid="23"/>
+                                        </p:tgtEl>
+                                        <p:attrNameLst>
+                                          <p:attrName>style.visibility</p:attrName>
+                                        </p:attrNameLst>
+                                      </p:cBhvr>
+                                      <p:to>
+                                        <p:strVal val="visible"/>
+                                      </p:to>
+                                    </p:set>
+                                    <p:animEffect transition="in" filter="fade">
+                                      <p:cBhvr>
+                                        <p:cTn id="66" dur="500"/>
+                                        <p:tgtEl>
+                                          <p:spTgt spid="23"/>
+                                        </p:tgtEl>
+                                      </p:cBhvr>
+                                    </p:animEffect>
+                                  </p:childTnLst>
+                                </p:cTn>
+                              </p:par>
+                            </p:childTnLst>
+                          </p:cTn>
+                        </p:par>
+                      </p:childTnLst>
+                    </p:cTn>
+                  </p:par>
+                  <p:par>
+                    <p:cTn id="67" fill="hold">
+                      <p:stCondLst>
+                        <p:cond delay="indefinite"/>
+                      </p:stCondLst>
+                      <p:childTnLst>
+                        <p:par>
+                          <p:cTn id="68" fill="hold">
+                            <p:stCondLst>
+                              <p:cond delay="0"/>
+                            </p:stCondLst>
+                            <p:childTnLst>
+                              <p:par>
+                                <p:cTn id="69" presetID="10" presetClass="entr" presetSubtype="0" fill="hold" grpId="0" nodeType="clickEffect">
+                                  <p:stCondLst>
+                                    <p:cond delay="0"/>
+                                  </p:stCondLst>
+                                  <p:childTnLst>
+                                    <p:set>
+                                      <p:cBhvr>
+                                        <p:cTn id="70" dur="1" fill="hold">
+                                          <p:stCondLst>
+                                            <p:cond delay="0"/>
+                                          </p:stCondLst>
+                                        </p:cTn>
+                                        <p:tgtEl>
+                                          <p:spTgt spid="27"/>
+                                        </p:tgtEl>
+                                        <p:attrNameLst>
+                                          <p:attrName>style.visibility</p:attrName>
+                                        </p:attrNameLst>
+                                      </p:cBhvr>
+                                      <p:to>
+                                        <p:strVal val="visible"/>
+                                      </p:to>
+                                    </p:set>
+                                    <p:animEffect transition="in" filter="fade">
+                                      <p:cBhvr>
+                                        <p:cTn id="71" dur="500"/>
+                                        <p:tgtEl>
+                                          <p:spTgt spid="27"/>
+                                        </p:tgtEl>
+                                      </p:cBhvr>
+                                    </p:animEffect>
+                                  </p:childTnLst>
+                                </p:cTn>
+                              </p:par>
+                            </p:childTnLst>
+                          </p:cTn>
+                        </p:par>
+                      </p:childTnLst>
+                    </p:cTn>
+                  </p:par>
+                  <p:par>
+                    <p:cTn id="72" fill="hold">
+                      <p:stCondLst>
+                        <p:cond delay="indefinite"/>
+                      </p:stCondLst>
+                      <p:childTnLst>
+                        <p:par>
+                          <p:cTn id="73" fill="hold">
+                            <p:stCondLst>
+                              <p:cond delay="0"/>
+                            </p:stCondLst>
+                            <p:childTnLst>
+                              <p:par>
+                                <p:cTn id="74" presetID="10" presetClass="entr" presetSubtype="0" fill="hold" nodeType="clickEffect">
+                                  <p:stCondLst>
+                                    <p:cond delay="0"/>
+                                  </p:stCondLst>
+                                  <p:childTnLst>
+                                    <p:set>
+                                      <p:cBhvr>
+                                        <p:cTn id="75" dur="1" fill="hold">
+                                          <p:stCondLst>
+                                            <p:cond delay="0"/>
+                                          </p:stCondLst>
+                                        </p:cTn>
+                                        <p:tgtEl>
+                                          <p:spTgt spid="28"/>
+                                        </p:tgtEl>
+                                        <p:attrNameLst>
+                                          <p:attrName>style.visibility</p:attrName>
+                                        </p:attrNameLst>
+                                      </p:cBhvr>
+                                      <p:to>
+                                        <p:strVal val="visible"/>
+                                      </p:to>
+                                    </p:set>
+                                    <p:animEffect transition="in" filter="fade">
+                                      <p:cBhvr>
+                                        <p:cTn id="76" dur="500"/>
+                                        <p:tgtEl>
+                                          <p:spTgt spid="28"/>
+                                        </p:tgtEl>
+                                      </p:cBhvr>
+                                    </p:animEffect>
+                                  </p:childTnLst>
+                                </p:cTn>
+                              </p:par>
+                              <p:par>
+                                <p:cTn id="77" presetID="10" presetClass="entr" presetSubtype="0" fill="hold" grpId="0" nodeType="withEffect">
+                                  <p:stCondLst>
+                                    <p:cond delay="0"/>
+                                  </p:stCondLst>
+                                  <p:childTnLst>
+                                    <p:set>
+                                      <p:cBhvr>
+                                        <p:cTn id="78" dur="1" fill="hold">
+                                          <p:stCondLst>
+                                            <p:cond delay="0"/>
+                                          </p:stCondLst>
+                                        </p:cTn>
+                                        <p:tgtEl>
+                                          <p:spTgt spid="33"/>
+                                        </p:tgtEl>
+                                        <p:attrNameLst>
+                                          <p:attrName>style.visibility</p:attrName>
+                                        </p:attrNameLst>
+                                      </p:cBhvr>
+                                      <p:to>
+                                        <p:strVal val="visible"/>
+                                      </p:to>
+                                    </p:set>
+                                    <p:animEffect transition="in" filter="fade">
+                                      <p:cBhvr>
+                                        <p:cTn id="79" dur="500"/>
+                                        <p:tgtEl>
+                                          <p:spTgt spid="33"/>
+                                        </p:tgtEl>
+                                      </p:cBhvr>
+                                    </p:animEffect>
+                                  </p:childTnLst>
+                                </p:cTn>
+                              </p:par>
+                              <p:par>
+                                <p:cTn id="80" presetID="10" presetClass="entr" presetSubtype="0" fill="hold" nodeType="withEffect">
+                                  <p:stCondLst>
+                                    <p:cond delay="0"/>
+                                  </p:stCondLst>
+                                  <p:childTnLst>
+                                    <p:set>
+                                      <p:cBhvr>
+                                        <p:cTn id="81" dur="1" fill="hold">
+                                          <p:stCondLst>
+                                            <p:cond delay="0"/>
+                                          </p:stCondLst>
+                                        </p:cTn>
+                                        <p:tgtEl>
+                                          <p:spTgt spid="31"/>
+                                        </p:tgtEl>
+                                        <p:attrNameLst>
+                                          <p:attrName>style.visibility</p:attrName>
+                                        </p:attrNameLst>
+                                      </p:cBhvr>
+                                      <p:to>
+                                        <p:strVal val="visible"/>
+                                      </p:to>
+                                    </p:set>
+                                    <p:animEffect transition="in" filter="fade">
+                                      <p:cBhvr>
+                                        <p:cTn id="82" dur="500"/>
+                                        <p:tgtEl>
+                                          <p:spTgt spid="31"/>
+                                        </p:tgtEl>
+                                      </p:cBhvr>
+                                    </p:animEffect>
+                                  </p:childTnLst>
+                                </p:cTn>
+                              </p:par>
                             </p:childTnLst>
                           </p:cTn>
                         </p:par>
@@ -16857,7 +18535,18 @@
       </p:par>
     </p:tnLst>
     <p:bldLst>
+      <p:bldP spid="15" grpId="0" animBg="1"/>
       <p:bldP spid="9" grpId="0"/>
+      <p:bldP spid="6" grpId="0" animBg="1"/>
+      <p:bldP spid="8" grpId="0" animBg="1"/>
+      <p:bldP spid="10" grpId="0" animBg="1"/>
+      <p:bldP spid="22" grpId="0" animBg="1"/>
+      <p:bldP spid="23" grpId="0"/>
+      <p:bldP spid="24" grpId="0" animBg="1"/>
+      <p:bldP spid="27" grpId="0"/>
+      <p:bldP spid="33" grpId="0"/>
+      <p:bldP spid="34" grpId="0" animBg="1"/>
+      <p:bldP spid="35" grpId="0" animBg="1"/>
     </p:bldLst>
   </p:timing>
 </p:sld>

--- a/material_de_apoio/resumo_pratico.pptx
+++ b/material_de_apoio/resumo_pratico.pptx
@@ -5,7 +5,7 @@
     <p:sldMasterId id="2147483660" r:id="rId1"/>
   </p:sldMasterIdLst>
   <p:notesMasterIdLst>
-    <p:notesMasterId r:id="rId19"/>
+    <p:notesMasterId r:id="rId26"/>
   </p:notesMasterIdLst>
   <p:sldIdLst>
     <p:sldId id="256" r:id="rId2"/>
@@ -22,9 +22,16 @@
     <p:sldId id="267" r:id="rId13"/>
     <p:sldId id="268" r:id="rId14"/>
     <p:sldId id="269" r:id="rId15"/>
-    <p:sldId id="270" r:id="rId16"/>
-    <p:sldId id="271" r:id="rId17"/>
-    <p:sldId id="263" r:id="rId18"/>
+    <p:sldId id="263" r:id="rId16"/>
+    <p:sldId id="270" r:id="rId17"/>
+    <p:sldId id="271" r:id="rId18"/>
+    <p:sldId id="273" r:id="rId19"/>
+    <p:sldId id="274" r:id="rId20"/>
+    <p:sldId id="275" r:id="rId21"/>
+    <p:sldId id="276" r:id="rId22"/>
+    <p:sldId id="277" r:id="rId23"/>
+    <p:sldId id="278" r:id="rId24"/>
+    <p:sldId id="279" r:id="rId25"/>
   </p:sldIdLst>
   <p:sldSz cx="12192000" cy="6858000"/>
   <p:notesSz cx="6858000" cy="9144000"/>
@@ -213,7 +220,7 @@
           <a:p>
             <a:fld id="{84F8FAB4-CDC9-4783-9150-ADAB9E9698F4}" type="datetimeFigureOut">
               <a:rPr lang="pt-BR" smtClean="0"/>
-              <a:t>27/02/2023</a:t>
+              <a:t>01/03/2023</a:t>
             </a:fld>
             <a:endParaRPr lang="pt-BR"/>
           </a:p>
@@ -696,7 +703,7 @@
           <a:p>
             <a:fld id="{6808C966-7050-4632-AD51-45F5537B7264}" type="datetimeFigureOut">
               <a:rPr lang="pt-BR" smtClean="0"/>
-              <a:t>27/02/2023</a:t>
+              <a:t>01/03/2023</a:t>
             </a:fld>
             <a:endParaRPr lang="pt-BR"/>
           </a:p>
@@ -866,7 +873,7 @@
           <a:p>
             <a:fld id="{6808C966-7050-4632-AD51-45F5537B7264}" type="datetimeFigureOut">
               <a:rPr lang="pt-BR" smtClean="0"/>
-              <a:t>27/02/2023</a:t>
+              <a:t>01/03/2023</a:t>
             </a:fld>
             <a:endParaRPr lang="pt-BR"/>
           </a:p>
@@ -1046,7 +1053,7 @@
           <a:p>
             <a:fld id="{6808C966-7050-4632-AD51-45F5537B7264}" type="datetimeFigureOut">
               <a:rPr lang="pt-BR" smtClean="0"/>
-              <a:t>27/02/2023</a:t>
+              <a:t>01/03/2023</a:t>
             </a:fld>
             <a:endParaRPr lang="pt-BR"/>
           </a:p>
@@ -1216,7 +1223,7 @@
           <a:p>
             <a:fld id="{6808C966-7050-4632-AD51-45F5537B7264}" type="datetimeFigureOut">
               <a:rPr lang="pt-BR" smtClean="0"/>
-              <a:t>27/02/2023</a:t>
+              <a:t>01/03/2023</a:t>
             </a:fld>
             <a:endParaRPr lang="pt-BR"/>
           </a:p>
@@ -1462,7 +1469,7 @@
           <a:p>
             <a:fld id="{6808C966-7050-4632-AD51-45F5537B7264}" type="datetimeFigureOut">
               <a:rPr lang="pt-BR" smtClean="0"/>
-              <a:t>27/02/2023</a:t>
+              <a:t>01/03/2023</a:t>
             </a:fld>
             <a:endParaRPr lang="pt-BR"/>
           </a:p>
@@ -1694,7 +1701,7 @@
           <a:p>
             <a:fld id="{6808C966-7050-4632-AD51-45F5537B7264}" type="datetimeFigureOut">
               <a:rPr lang="pt-BR" smtClean="0"/>
-              <a:t>27/02/2023</a:t>
+              <a:t>01/03/2023</a:t>
             </a:fld>
             <a:endParaRPr lang="pt-BR"/>
           </a:p>
@@ -2061,7 +2068,7 @@
           <a:p>
             <a:fld id="{6808C966-7050-4632-AD51-45F5537B7264}" type="datetimeFigureOut">
               <a:rPr lang="pt-BR" smtClean="0"/>
-              <a:t>27/02/2023</a:t>
+              <a:t>01/03/2023</a:t>
             </a:fld>
             <a:endParaRPr lang="pt-BR"/>
           </a:p>
@@ -2179,7 +2186,7 @@
           <a:p>
             <a:fld id="{6808C966-7050-4632-AD51-45F5537B7264}" type="datetimeFigureOut">
               <a:rPr lang="pt-BR" smtClean="0"/>
-              <a:t>27/02/2023</a:t>
+              <a:t>01/03/2023</a:t>
             </a:fld>
             <a:endParaRPr lang="pt-BR"/>
           </a:p>
@@ -2274,7 +2281,7 @@
           <a:p>
             <a:fld id="{6808C966-7050-4632-AD51-45F5537B7264}" type="datetimeFigureOut">
               <a:rPr lang="pt-BR" smtClean="0"/>
-              <a:t>27/02/2023</a:t>
+              <a:t>01/03/2023</a:t>
             </a:fld>
             <a:endParaRPr lang="pt-BR"/>
           </a:p>
@@ -2551,7 +2558,7 @@
           <a:p>
             <a:fld id="{6808C966-7050-4632-AD51-45F5537B7264}" type="datetimeFigureOut">
               <a:rPr lang="pt-BR" smtClean="0"/>
-              <a:t>27/02/2023</a:t>
+              <a:t>01/03/2023</a:t>
             </a:fld>
             <a:endParaRPr lang="pt-BR"/>
           </a:p>
@@ -2808,7 +2815,7 @@
           <a:p>
             <a:fld id="{6808C966-7050-4632-AD51-45F5537B7264}" type="datetimeFigureOut">
               <a:rPr lang="pt-BR" smtClean="0"/>
-              <a:t>27/02/2023</a:t>
+              <a:t>01/03/2023</a:t>
             </a:fld>
             <a:endParaRPr lang="pt-BR"/>
           </a:p>
@@ -3021,7 +3028,7 @@
           <a:p>
             <a:fld id="{6808C966-7050-4632-AD51-45F5537B7264}" type="datetimeFigureOut">
               <a:rPr lang="pt-BR" smtClean="0"/>
-              <a:t>27/02/2023</a:t>
+              <a:t>01/03/2023</a:t>
             </a:fld>
             <a:endParaRPr lang="pt-BR"/>
           </a:p>
@@ -13011,6 +13018,1019 @@
         </p:nvSpPr>
         <p:spPr>
           <a:xfrm>
+            <a:off x="838200" y="365125"/>
+            <a:ext cx="10515600" cy="1586505"/>
+          </a:xfrm>
+        </p:spPr>
+        <p:txBody>
+          <a:bodyPr>
+            <a:normAutofit/>
+          </a:bodyPr>
+          <a:lstStyle/>
+          <a:p>
+            <a:r>
+              <a:rPr lang="pt-BR" sz="3200" dirty="0" smtClean="0">
+                <a:latin typeface="Consolas" panose="020B0609020204030204" pitchFamily="49" charset="0"/>
+              </a:rPr>
+              <a:t>Instrução de leitura</a:t>
+            </a:r>
+            <a:endParaRPr lang="pt-BR" sz="3200" dirty="0">
+              <a:latin typeface="Consolas" panose="020B0609020204030204" pitchFamily="49" charset="0"/>
+            </a:endParaRPr>
+          </a:p>
+        </p:txBody>
+      </p:sp>
+      <p:pic>
+        <p:nvPicPr>
+          <p:cNvPr id="4" name="Imagem 3"/>
+          <p:cNvPicPr>
+            <a:picLocks noChangeAspect="1"/>
+          </p:cNvPicPr>
+          <p:nvPr/>
+        </p:nvPicPr>
+        <p:blipFill>
+          <a:blip r:embed="rId2" cstate="print">
+            <a:extLst>
+              <a:ext uri="{28A0092B-C50C-407E-A947-70E740481C1C}">
+                <a14:useLocalDpi xmlns:a14="http://schemas.microsoft.com/office/drawing/2010/main" val="0"/>
+              </a:ext>
+            </a:extLst>
+          </a:blip>
+          <a:stretch>
+            <a:fillRect/>
+          </a:stretch>
+        </p:blipFill>
+        <p:spPr>
+          <a:xfrm>
+            <a:off x="10441211" y="110689"/>
+            <a:ext cx="1750789" cy="2157949"/>
+          </a:xfrm>
+          <a:prstGeom prst="rect">
+            <a:avLst/>
+          </a:prstGeom>
+        </p:spPr>
+      </p:pic>
+      <p:pic>
+        <p:nvPicPr>
+          <p:cNvPr id="3" name="Imagem 2"/>
+          <p:cNvPicPr>
+            <a:picLocks noChangeAspect="1"/>
+          </p:cNvPicPr>
+          <p:nvPr/>
+        </p:nvPicPr>
+        <p:blipFill>
+          <a:blip r:embed="rId3">
+            <a:extLst>
+              <a:ext uri="{28A0092B-C50C-407E-A947-70E740481C1C}">
+                <a14:useLocalDpi xmlns:a14="http://schemas.microsoft.com/office/drawing/2010/main" val="0"/>
+              </a:ext>
+            </a:extLst>
+          </a:blip>
+          <a:stretch>
+            <a:fillRect/>
+          </a:stretch>
+        </p:blipFill>
+        <p:spPr>
+          <a:xfrm>
+            <a:off x="464024" y="1607314"/>
+            <a:ext cx="9977187" cy="4755246"/>
+          </a:xfrm>
+          <a:prstGeom prst="rect">
+            <a:avLst/>
+          </a:prstGeom>
+        </p:spPr>
+      </p:pic>
+      <p:sp>
+        <p:nvSpPr>
+          <p:cNvPr id="6" name="Retângulo 5"/>
+          <p:cNvSpPr/>
+          <p:nvPr/>
+        </p:nvSpPr>
+        <p:spPr>
+          <a:xfrm>
+            <a:off x="2109176" y="3701444"/>
+            <a:ext cx="5190103" cy="365381"/>
+          </a:xfrm>
+          <a:prstGeom prst="rect">
+            <a:avLst/>
+          </a:prstGeom>
+          <a:noFill/>
+          <a:ln w="25400" cmpd="sng">
+            <a:solidFill>
+              <a:schemeClr val="tx1">
+                <a:lumMod val="95000"/>
+              </a:schemeClr>
+            </a:solidFill>
+          </a:ln>
+        </p:spPr>
+        <p:style>
+          <a:lnRef idx="2">
+            <a:schemeClr val="accent1">
+              <a:shade val="50000"/>
+            </a:schemeClr>
+          </a:lnRef>
+          <a:fillRef idx="1001">
+            <a:schemeClr val="lt2"/>
+          </a:fillRef>
+          <a:effectRef idx="0">
+            <a:schemeClr val="accent1"/>
+          </a:effectRef>
+          <a:fontRef idx="minor">
+            <a:schemeClr val="lt1"/>
+          </a:fontRef>
+        </p:style>
+        <p:txBody>
+          <a:bodyPr rtlCol="0" anchor="t"/>
+          <a:lstStyle/>
+          <a:p>
+            <a:pPr algn="ctr"/>
+            <a:endParaRPr lang="pt-BR" b="1" dirty="0">
+              <a:latin typeface="Consolas" panose="020B0609020204030204" pitchFamily="49" charset="0"/>
+            </a:endParaRPr>
+          </a:p>
+        </p:txBody>
+      </p:sp>
+      <p:sp>
+        <p:nvSpPr>
+          <p:cNvPr id="7" name="Retângulo 6"/>
+          <p:cNvSpPr/>
+          <p:nvPr/>
+        </p:nvSpPr>
+        <p:spPr>
+          <a:xfrm>
+            <a:off x="2111448" y="4276929"/>
+            <a:ext cx="5190103" cy="365381"/>
+          </a:xfrm>
+          <a:prstGeom prst="rect">
+            <a:avLst/>
+          </a:prstGeom>
+          <a:noFill/>
+          <a:ln w="25400" cmpd="sng">
+            <a:solidFill>
+              <a:schemeClr val="tx1">
+                <a:lumMod val="95000"/>
+              </a:schemeClr>
+            </a:solidFill>
+          </a:ln>
+        </p:spPr>
+        <p:style>
+          <a:lnRef idx="2">
+            <a:schemeClr val="accent1">
+              <a:shade val="50000"/>
+            </a:schemeClr>
+          </a:lnRef>
+          <a:fillRef idx="1001">
+            <a:schemeClr val="lt2"/>
+          </a:fillRef>
+          <a:effectRef idx="0">
+            <a:schemeClr val="accent1"/>
+          </a:effectRef>
+          <a:fontRef idx="minor">
+            <a:schemeClr val="lt1"/>
+          </a:fontRef>
+        </p:style>
+        <p:txBody>
+          <a:bodyPr rtlCol="0" anchor="t"/>
+          <a:lstStyle/>
+          <a:p>
+            <a:pPr algn="ctr"/>
+            <a:endParaRPr lang="pt-BR" b="1" dirty="0">
+              <a:latin typeface="Consolas" panose="020B0609020204030204" pitchFamily="49" charset="0"/>
+            </a:endParaRPr>
+          </a:p>
+        </p:txBody>
+      </p:sp>
+      <p:sp>
+        <p:nvSpPr>
+          <p:cNvPr id="8" name="Retângulo 7"/>
+          <p:cNvSpPr/>
+          <p:nvPr/>
+        </p:nvSpPr>
+        <p:spPr>
+          <a:xfrm>
+            <a:off x="2109177" y="4849311"/>
+            <a:ext cx="5190103" cy="365381"/>
+          </a:xfrm>
+          <a:prstGeom prst="rect">
+            <a:avLst/>
+          </a:prstGeom>
+          <a:noFill/>
+          <a:ln w="25400" cmpd="sng">
+            <a:solidFill>
+              <a:schemeClr val="tx1">
+                <a:lumMod val="95000"/>
+              </a:schemeClr>
+            </a:solidFill>
+          </a:ln>
+        </p:spPr>
+        <p:style>
+          <a:lnRef idx="2">
+            <a:schemeClr val="accent1">
+              <a:shade val="50000"/>
+            </a:schemeClr>
+          </a:lnRef>
+          <a:fillRef idx="1001">
+            <a:schemeClr val="lt2"/>
+          </a:fillRef>
+          <a:effectRef idx="0">
+            <a:schemeClr val="accent1"/>
+          </a:effectRef>
+          <a:fontRef idx="minor">
+            <a:schemeClr val="lt1"/>
+          </a:fontRef>
+        </p:style>
+        <p:txBody>
+          <a:bodyPr rtlCol="0" anchor="t"/>
+          <a:lstStyle/>
+          <a:p>
+            <a:pPr algn="ctr"/>
+            <a:endParaRPr lang="pt-BR" b="1" dirty="0">
+              <a:latin typeface="Consolas" panose="020B0609020204030204" pitchFamily="49" charset="0"/>
+            </a:endParaRPr>
+          </a:p>
+        </p:txBody>
+      </p:sp>
+      <p:sp>
+        <p:nvSpPr>
+          <p:cNvPr id="9" name="Seta para baixo 8"/>
+          <p:cNvSpPr/>
+          <p:nvPr/>
+        </p:nvSpPr>
+        <p:spPr>
+          <a:xfrm>
+            <a:off x="1119112" y="3701444"/>
+            <a:ext cx="545911" cy="1513248"/>
+          </a:xfrm>
+          <a:prstGeom prst="downArrow">
+            <a:avLst/>
+          </a:prstGeom>
+          <a:noFill/>
+          <a:ln w="28575">
+            <a:solidFill>
+              <a:schemeClr val="tx1"/>
+            </a:solidFill>
+          </a:ln>
+        </p:spPr>
+        <p:style>
+          <a:lnRef idx="2">
+            <a:schemeClr val="accent1">
+              <a:shade val="50000"/>
+            </a:schemeClr>
+          </a:lnRef>
+          <a:fillRef idx="1">
+            <a:schemeClr val="accent1"/>
+          </a:fillRef>
+          <a:effectRef idx="0">
+            <a:schemeClr val="accent1"/>
+          </a:effectRef>
+          <a:fontRef idx="minor">
+            <a:schemeClr val="lt1"/>
+          </a:fontRef>
+        </p:style>
+        <p:txBody>
+          <a:bodyPr rtlCol="0" anchor="ctr"/>
+          <a:lstStyle/>
+          <a:p>
+            <a:pPr algn="ctr"/>
+            <a:endParaRPr lang="pt-BR"/>
+          </a:p>
+        </p:txBody>
+      </p:sp>
+      <p:cxnSp>
+        <p:nvCxnSpPr>
+          <p:cNvPr id="10" name="Conector de seta reta 9"/>
+          <p:cNvCxnSpPr/>
+          <p:nvPr/>
+        </p:nvCxnSpPr>
+        <p:spPr>
+          <a:xfrm>
+            <a:off x="7299279" y="3703187"/>
+            <a:ext cx="599327" cy="0"/>
+          </a:xfrm>
+          <a:prstGeom prst="straightConnector1">
+            <a:avLst/>
+          </a:prstGeom>
+          <a:ln w="28575">
+            <a:solidFill>
+              <a:schemeClr val="tx1">
+                <a:lumMod val="95000"/>
+              </a:schemeClr>
+            </a:solidFill>
+            <a:tailEnd type="triangle"/>
+          </a:ln>
+        </p:spPr>
+        <p:style>
+          <a:lnRef idx="1">
+            <a:schemeClr val="accent1"/>
+          </a:lnRef>
+          <a:fillRef idx="0">
+            <a:schemeClr val="accent1"/>
+          </a:fillRef>
+          <a:effectRef idx="0">
+            <a:schemeClr val="accent1"/>
+          </a:effectRef>
+          <a:fontRef idx="minor">
+            <a:schemeClr val="tx1"/>
+          </a:fontRef>
+        </p:style>
+      </p:cxnSp>
+      <p:cxnSp>
+        <p:nvCxnSpPr>
+          <p:cNvPr id="12" name="Conector de seta reta 11"/>
+          <p:cNvCxnSpPr/>
+          <p:nvPr/>
+        </p:nvCxnSpPr>
+        <p:spPr>
+          <a:xfrm>
+            <a:off x="7299278" y="4279310"/>
+            <a:ext cx="599327" cy="0"/>
+          </a:xfrm>
+          <a:prstGeom prst="straightConnector1">
+            <a:avLst/>
+          </a:prstGeom>
+          <a:ln w="28575">
+            <a:solidFill>
+              <a:schemeClr val="tx1">
+                <a:lumMod val="95000"/>
+              </a:schemeClr>
+            </a:solidFill>
+            <a:tailEnd type="triangle"/>
+          </a:ln>
+        </p:spPr>
+        <p:style>
+          <a:lnRef idx="1">
+            <a:schemeClr val="accent1"/>
+          </a:lnRef>
+          <a:fillRef idx="0">
+            <a:schemeClr val="accent1"/>
+          </a:fillRef>
+          <a:effectRef idx="0">
+            <a:schemeClr val="accent1"/>
+          </a:effectRef>
+          <a:fontRef idx="minor">
+            <a:schemeClr val="tx1"/>
+          </a:fontRef>
+        </p:style>
+      </p:cxnSp>
+      <p:cxnSp>
+        <p:nvCxnSpPr>
+          <p:cNvPr id="13" name="Conector de seta reta 12"/>
+          <p:cNvCxnSpPr/>
+          <p:nvPr/>
+        </p:nvCxnSpPr>
+        <p:spPr>
+          <a:xfrm>
+            <a:off x="7287370" y="4851692"/>
+            <a:ext cx="599327" cy="0"/>
+          </a:xfrm>
+          <a:prstGeom prst="straightConnector1">
+            <a:avLst/>
+          </a:prstGeom>
+          <a:ln w="28575">
+            <a:solidFill>
+              <a:schemeClr val="tx1">
+                <a:lumMod val="95000"/>
+              </a:schemeClr>
+            </a:solidFill>
+            <a:tailEnd type="triangle"/>
+          </a:ln>
+        </p:spPr>
+        <p:style>
+          <a:lnRef idx="1">
+            <a:schemeClr val="accent1"/>
+          </a:lnRef>
+          <a:fillRef idx="0">
+            <a:schemeClr val="accent1"/>
+          </a:fillRef>
+          <a:effectRef idx="0">
+            <a:schemeClr val="accent1"/>
+          </a:effectRef>
+          <a:fontRef idx="minor">
+            <a:schemeClr val="tx1"/>
+          </a:fontRef>
+        </p:style>
+      </p:cxnSp>
+      <p:sp>
+        <p:nvSpPr>
+          <p:cNvPr id="14" name="CaixaDeTexto 13"/>
+          <p:cNvSpPr txBox="1"/>
+          <p:nvPr/>
+        </p:nvSpPr>
+        <p:spPr>
+          <a:xfrm>
+            <a:off x="7898605" y="3514802"/>
+            <a:ext cx="1895948" cy="369332"/>
+          </a:xfrm>
+          <a:prstGeom prst="rect">
+            <a:avLst/>
+          </a:prstGeom>
+          <a:noFill/>
+        </p:spPr>
+        <p:txBody>
+          <a:bodyPr wrap="square" rtlCol="0">
+            <a:spAutoFit/>
+          </a:bodyPr>
+          <a:lstStyle/>
+          <a:p>
+            <a:r>
+              <a:rPr lang="pt-BR" dirty="0" smtClean="0">
+                <a:latin typeface="Consolas" panose="020B0609020204030204" pitchFamily="49" charset="0"/>
+              </a:rPr>
+              <a:t>Declaração</a:t>
+            </a:r>
+            <a:endParaRPr lang="pt-BR" dirty="0">
+              <a:latin typeface="Consolas" panose="020B0609020204030204" pitchFamily="49" charset="0"/>
+            </a:endParaRPr>
+          </a:p>
+        </p:txBody>
+      </p:sp>
+      <p:sp>
+        <p:nvSpPr>
+          <p:cNvPr id="15" name="CaixaDeTexto 14"/>
+          <p:cNvSpPr txBox="1"/>
+          <p:nvPr/>
+        </p:nvSpPr>
+        <p:spPr>
+          <a:xfrm>
+            <a:off x="7884991" y="3895389"/>
+            <a:ext cx="3211308" cy="646331"/>
+          </a:xfrm>
+          <a:prstGeom prst="rect">
+            <a:avLst/>
+          </a:prstGeom>
+          <a:noFill/>
+        </p:spPr>
+        <p:txBody>
+          <a:bodyPr wrap="square" rtlCol="0">
+            <a:spAutoFit/>
+          </a:bodyPr>
+          <a:lstStyle/>
+          <a:p>
+            <a:r>
+              <a:rPr lang="pt-BR" dirty="0" smtClean="0">
+                <a:latin typeface="Consolas" panose="020B0609020204030204" pitchFamily="49" charset="0"/>
+              </a:rPr>
+              <a:t>Instrução </a:t>
+            </a:r>
+          </a:p>
+          <a:p>
+            <a:r>
+              <a:rPr lang="pt-BR" dirty="0" smtClean="0">
+                <a:latin typeface="Consolas" panose="020B0609020204030204" pitchFamily="49" charset="0"/>
+              </a:rPr>
+              <a:t>de leitura</a:t>
+            </a:r>
+            <a:endParaRPr lang="pt-BR" dirty="0">
+              <a:latin typeface="Consolas" panose="020B0609020204030204" pitchFamily="49" charset="0"/>
+            </a:endParaRPr>
+          </a:p>
+        </p:txBody>
+      </p:sp>
+      <p:sp>
+        <p:nvSpPr>
+          <p:cNvPr id="16" name="CaixaDeTexto 15"/>
+          <p:cNvSpPr txBox="1"/>
+          <p:nvPr/>
+        </p:nvSpPr>
+        <p:spPr>
+          <a:xfrm>
+            <a:off x="7884991" y="4510430"/>
+            <a:ext cx="3211308" cy="646331"/>
+          </a:xfrm>
+          <a:prstGeom prst="rect">
+            <a:avLst/>
+          </a:prstGeom>
+          <a:noFill/>
+        </p:spPr>
+        <p:txBody>
+          <a:bodyPr wrap="square" rtlCol="0">
+            <a:spAutoFit/>
+          </a:bodyPr>
+          <a:lstStyle/>
+          <a:p>
+            <a:r>
+              <a:rPr lang="pt-BR" dirty="0" smtClean="0">
+                <a:latin typeface="Consolas" panose="020B0609020204030204" pitchFamily="49" charset="0"/>
+              </a:rPr>
+              <a:t>Instrução </a:t>
+            </a:r>
+          </a:p>
+          <a:p>
+            <a:r>
+              <a:rPr lang="pt-BR" dirty="0" smtClean="0">
+                <a:latin typeface="Consolas" panose="020B0609020204030204" pitchFamily="49" charset="0"/>
+              </a:rPr>
+              <a:t>de Escrita</a:t>
+            </a:r>
+            <a:endParaRPr lang="pt-BR" dirty="0">
+              <a:latin typeface="Consolas" panose="020B0609020204030204" pitchFamily="49" charset="0"/>
+            </a:endParaRPr>
+          </a:p>
+        </p:txBody>
+      </p:sp>
+    </p:spTree>
+    <p:extLst>
+      <p:ext uri="{BB962C8B-B14F-4D97-AF65-F5344CB8AC3E}">
+        <p14:creationId xmlns:p14="http://schemas.microsoft.com/office/powerpoint/2010/main" val="1835654900"/>
+      </p:ext>
+    </p:extLst>
+  </p:cSld>
+  <p:clrMapOvr>
+    <a:masterClrMapping/>
+  </p:clrMapOvr>
+  <p:timing>
+    <p:tnLst>
+      <p:par>
+        <p:cTn id="1" dur="indefinite" restart="never" nodeType="tmRoot">
+          <p:childTnLst>
+            <p:seq concurrent="1" nextAc="seek">
+              <p:cTn id="2" dur="indefinite" nodeType="mainSeq">
+                <p:childTnLst>
+                  <p:par>
+                    <p:cTn id="3" fill="hold">
+                      <p:stCondLst>
+                        <p:cond delay="indefinite"/>
+                      </p:stCondLst>
+                      <p:childTnLst>
+                        <p:par>
+                          <p:cTn id="4" fill="hold">
+                            <p:stCondLst>
+                              <p:cond delay="0"/>
+                            </p:stCondLst>
+                            <p:childTnLst>
+                              <p:par>
+                                <p:cTn id="5" presetID="10" presetClass="entr" presetSubtype="0" fill="hold" grpId="0" nodeType="clickEffect">
+                                  <p:stCondLst>
+                                    <p:cond delay="0"/>
+                                  </p:stCondLst>
+                                  <p:childTnLst>
+                                    <p:set>
+                                      <p:cBhvr>
+                                        <p:cTn id="6" dur="1" fill="hold">
+                                          <p:stCondLst>
+                                            <p:cond delay="0"/>
+                                          </p:stCondLst>
+                                        </p:cTn>
+                                        <p:tgtEl>
+                                          <p:spTgt spid="6"/>
+                                        </p:tgtEl>
+                                        <p:attrNameLst>
+                                          <p:attrName>style.visibility</p:attrName>
+                                        </p:attrNameLst>
+                                      </p:cBhvr>
+                                      <p:to>
+                                        <p:strVal val="visible"/>
+                                      </p:to>
+                                    </p:set>
+                                    <p:animEffect transition="in" filter="fade">
+                                      <p:cBhvr>
+                                        <p:cTn id="7" dur="500"/>
+                                        <p:tgtEl>
+                                          <p:spTgt spid="6"/>
+                                        </p:tgtEl>
+                                      </p:cBhvr>
+                                    </p:animEffect>
+                                  </p:childTnLst>
+                                </p:cTn>
+                              </p:par>
+                              <p:par>
+                                <p:cTn id="8" presetID="10" presetClass="entr" presetSubtype="0" fill="hold" nodeType="withEffect">
+                                  <p:stCondLst>
+                                    <p:cond delay="0"/>
+                                  </p:stCondLst>
+                                  <p:childTnLst>
+                                    <p:set>
+                                      <p:cBhvr>
+                                        <p:cTn id="9" dur="1" fill="hold">
+                                          <p:stCondLst>
+                                            <p:cond delay="0"/>
+                                          </p:stCondLst>
+                                        </p:cTn>
+                                        <p:tgtEl>
+                                          <p:spTgt spid="10"/>
+                                        </p:tgtEl>
+                                        <p:attrNameLst>
+                                          <p:attrName>style.visibility</p:attrName>
+                                        </p:attrNameLst>
+                                      </p:cBhvr>
+                                      <p:to>
+                                        <p:strVal val="visible"/>
+                                      </p:to>
+                                    </p:set>
+                                    <p:animEffect transition="in" filter="fade">
+                                      <p:cBhvr>
+                                        <p:cTn id="10" dur="500"/>
+                                        <p:tgtEl>
+                                          <p:spTgt spid="10"/>
+                                        </p:tgtEl>
+                                      </p:cBhvr>
+                                    </p:animEffect>
+                                  </p:childTnLst>
+                                </p:cTn>
+                              </p:par>
+                              <p:par>
+                                <p:cTn id="11" presetID="10" presetClass="entr" presetSubtype="0" fill="hold" grpId="0" nodeType="withEffect">
+                                  <p:stCondLst>
+                                    <p:cond delay="0"/>
+                                  </p:stCondLst>
+                                  <p:childTnLst>
+                                    <p:set>
+                                      <p:cBhvr>
+                                        <p:cTn id="12" dur="1" fill="hold">
+                                          <p:stCondLst>
+                                            <p:cond delay="0"/>
+                                          </p:stCondLst>
+                                        </p:cTn>
+                                        <p:tgtEl>
+                                          <p:spTgt spid="14"/>
+                                        </p:tgtEl>
+                                        <p:attrNameLst>
+                                          <p:attrName>style.visibility</p:attrName>
+                                        </p:attrNameLst>
+                                      </p:cBhvr>
+                                      <p:to>
+                                        <p:strVal val="visible"/>
+                                      </p:to>
+                                    </p:set>
+                                    <p:animEffect transition="in" filter="fade">
+                                      <p:cBhvr>
+                                        <p:cTn id="13" dur="500"/>
+                                        <p:tgtEl>
+                                          <p:spTgt spid="14"/>
+                                        </p:tgtEl>
+                                      </p:cBhvr>
+                                    </p:animEffect>
+                                  </p:childTnLst>
+                                </p:cTn>
+                              </p:par>
+                            </p:childTnLst>
+                          </p:cTn>
+                        </p:par>
+                      </p:childTnLst>
+                    </p:cTn>
+                  </p:par>
+                  <p:par>
+                    <p:cTn id="14" fill="hold">
+                      <p:stCondLst>
+                        <p:cond delay="indefinite"/>
+                      </p:stCondLst>
+                      <p:childTnLst>
+                        <p:par>
+                          <p:cTn id="15" fill="hold">
+                            <p:stCondLst>
+                              <p:cond delay="0"/>
+                            </p:stCondLst>
+                            <p:childTnLst>
+                              <p:par>
+                                <p:cTn id="16" presetID="10" presetClass="entr" presetSubtype="0" fill="hold" grpId="0" nodeType="clickEffect">
+                                  <p:stCondLst>
+                                    <p:cond delay="0"/>
+                                  </p:stCondLst>
+                                  <p:childTnLst>
+                                    <p:set>
+                                      <p:cBhvr>
+                                        <p:cTn id="17" dur="1" fill="hold">
+                                          <p:stCondLst>
+                                            <p:cond delay="0"/>
+                                          </p:stCondLst>
+                                        </p:cTn>
+                                        <p:tgtEl>
+                                          <p:spTgt spid="7"/>
+                                        </p:tgtEl>
+                                        <p:attrNameLst>
+                                          <p:attrName>style.visibility</p:attrName>
+                                        </p:attrNameLst>
+                                      </p:cBhvr>
+                                      <p:to>
+                                        <p:strVal val="visible"/>
+                                      </p:to>
+                                    </p:set>
+                                    <p:animEffect transition="in" filter="fade">
+                                      <p:cBhvr>
+                                        <p:cTn id="18" dur="500"/>
+                                        <p:tgtEl>
+                                          <p:spTgt spid="7"/>
+                                        </p:tgtEl>
+                                      </p:cBhvr>
+                                    </p:animEffect>
+                                  </p:childTnLst>
+                                </p:cTn>
+                              </p:par>
+                              <p:par>
+                                <p:cTn id="19" presetID="10" presetClass="entr" presetSubtype="0" fill="hold" grpId="0" nodeType="withEffect">
+                                  <p:stCondLst>
+                                    <p:cond delay="0"/>
+                                  </p:stCondLst>
+                                  <p:childTnLst>
+                                    <p:set>
+                                      <p:cBhvr>
+                                        <p:cTn id="20" dur="1" fill="hold">
+                                          <p:stCondLst>
+                                            <p:cond delay="0"/>
+                                          </p:stCondLst>
+                                        </p:cTn>
+                                        <p:tgtEl>
+                                          <p:spTgt spid="15"/>
+                                        </p:tgtEl>
+                                        <p:attrNameLst>
+                                          <p:attrName>style.visibility</p:attrName>
+                                        </p:attrNameLst>
+                                      </p:cBhvr>
+                                      <p:to>
+                                        <p:strVal val="visible"/>
+                                      </p:to>
+                                    </p:set>
+                                    <p:animEffect transition="in" filter="fade">
+                                      <p:cBhvr>
+                                        <p:cTn id="21" dur="500"/>
+                                        <p:tgtEl>
+                                          <p:spTgt spid="15"/>
+                                        </p:tgtEl>
+                                      </p:cBhvr>
+                                    </p:animEffect>
+                                  </p:childTnLst>
+                                </p:cTn>
+                              </p:par>
+                              <p:par>
+                                <p:cTn id="22" presetID="10" presetClass="entr" presetSubtype="0" fill="hold" nodeType="withEffect">
+                                  <p:stCondLst>
+                                    <p:cond delay="0"/>
+                                  </p:stCondLst>
+                                  <p:childTnLst>
+                                    <p:set>
+                                      <p:cBhvr>
+                                        <p:cTn id="23" dur="1" fill="hold">
+                                          <p:stCondLst>
+                                            <p:cond delay="0"/>
+                                          </p:stCondLst>
+                                        </p:cTn>
+                                        <p:tgtEl>
+                                          <p:spTgt spid="12"/>
+                                        </p:tgtEl>
+                                        <p:attrNameLst>
+                                          <p:attrName>style.visibility</p:attrName>
+                                        </p:attrNameLst>
+                                      </p:cBhvr>
+                                      <p:to>
+                                        <p:strVal val="visible"/>
+                                      </p:to>
+                                    </p:set>
+                                    <p:animEffect transition="in" filter="fade">
+                                      <p:cBhvr>
+                                        <p:cTn id="24" dur="500"/>
+                                        <p:tgtEl>
+                                          <p:spTgt spid="12"/>
+                                        </p:tgtEl>
+                                      </p:cBhvr>
+                                    </p:animEffect>
+                                  </p:childTnLst>
+                                </p:cTn>
+                              </p:par>
+                            </p:childTnLst>
+                          </p:cTn>
+                        </p:par>
+                      </p:childTnLst>
+                    </p:cTn>
+                  </p:par>
+                  <p:par>
+                    <p:cTn id="25" fill="hold">
+                      <p:stCondLst>
+                        <p:cond delay="indefinite"/>
+                      </p:stCondLst>
+                      <p:childTnLst>
+                        <p:par>
+                          <p:cTn id="26" fill="hold">
+                            <p:stCondLst>
+                              <p:cond delay="0"/>
+                            </p:stCondLst>
+                            <p:childTnLst>
+                              <p:par>
+                                <p:cTn id="27" presetID="10" presetClass="entr" presetSubtype="0" fill="hold" grpId="0" nodeType="clickEffect">
+                                  <p:stCondLst>
+                                    <p:cond delay="0"/>
+                                  </p:stCondLst>
+                                  <p:childTnLst>
+                                    <p:set>
+                                      <p:cBhvr>
+                                        <p:cTn id="28" dur="1" fill="hold">
+                                          <p:stCondLst>
+                                            <p:cond delay="0"/>
+                                          </p:stCondLst>
+                                        </p:cTn>
+                                        <p:tgtEl>
+                                          <p:spTgt spid="8"/>
+                                        </p:tgtEl>
+                                        <p:attrNameLst>
+                                          <p:attrName>style.visibility</p:attrName>
+                                        </p:attrNameLst>
+                                      </p:cBhvr>
+                                      <p:to>
+                                        <p:strVal val="visible"/>
+                                      </p:to>
+                                    </p:set>
+                                    <p:animEffect transition="in" filter="fade">
+                                      <p:cBhvr>
+                                        <p:cTn id="29" dur="500"/>
+                                        <p:tgtEl>
+                                          <p:spTgt spid="8"/>
+                                        </p:tgtEl>
+                                      </p:cBhvr>
+                                    </p:animEffect>
+                                  </p:childTnLst>
+                                </p:cTn>
+                              </p:par>
+                              <p:par>
+                                <p:cTn id="30" presetID="10" presetClass="entr" presetSubtype="0" fill="hold" grpId="0" nodeType="withEffect">
+                                  <p:stCondLst>
+                                    <p:cond delay="0"/>
+                                  </p:stCondLst>
+                                  <p:childTnLst>
+                                    <p:set>
+                                      <p:cBhvr>
+                                        <p:cTn id="31" dur="1" fill="hold">
+                                          <p:stCondLst>
+                                            <p:cond delay="0"/>
+                                          </p:stCondLst>
+                                        </p:cTn>
+                                        <p:tgtEl>
+                                          <p:spTgt spid="16"/>
+                                        </p:tgtEl>
+                                        <p:attrNameLst>
+                                          <p:attrName>style.visibility</p:attrName>
+                                        </p:attrNameLst>
+                                      </p:cBhvr>
+                                      <p:to>
+                                        <p:strVal val="visible"/>
+                                      </p:to>
+                                    </p:set>
+                                    <p:animEffect transition="in" filter="fade">
+                                      <p:cBhvr>
+                                        <p:cTn id="32" dur="500"/>
+                                        <p:tgtEl>
+                                          <p:spTgt spid="16"/>
+                                        </p:tgtEl>
+                                      </p:cBhvr>
+                                    </p:animEffect>
+                                  </p:childTnLst>
+                                </p:cTn>
+                              </p:par>
+                              <p:par>
+                                <p:cTn id="33" presetID="10" presetClass="entr" presetSubtype="0" fill="hold" nodeType="withEffect">
+                                  <p:stCondLst>
+                                    <p:cond delay="0"/>
+                                  </p:stCondLst>
+                                  <p:childTnLst>
+                                    <p:set>
+                                      <p:cBhvr>
+                                        <p:cTn id="34" dur="1" fill="hold">
+                                          <p:stCondLst>
+                                            <p:cond delay="0"/>
+                                          </p:stCondLst>
+                                        </p:cTn>
+                                        <p:tgtEl>
+                                          <p:spTgt spid="13"/>
+                                        </p:tgtEl>
+                                        <p:attrNameLst>
+                                          <p:attrName>style.visibility</p:attrName>
+                                        </p:attrNameLst>
+                                      </p:cBhvr>
+                                      <p:to>
+                                        <p:strVal val="visible"/>
+                                      </p:to>
+                                    </p:set>
+                                    <p:animEffect transition="in" filter="fade">
+                                      <p:cBhvr>
+                                        <p:cTn id="35" dur="500"/>
+                                        <p:tgtEl>
+                                          <p:spTgt spid="13"/>
+                                        </p:tgtEl>
+                                      </p:cBhvr>
+                                    </p:animEffect>
+                                  </p:childTnLst>
+                                </p:cTn>
+                              </p:par>
+                            </p:childTnLst>
+                          </p:cTn>
+                        </p:par>
+                      </p:childTnLst>
+                    </p:cTn>
+                  </p:par>
+                  <p:par>
+                    <p:cTn id="36" fill="hold">
+                      <p:stCondLst>
+                        <p:cond delay="indefinite"/>
+                      </p:stCondLst>
+                      <p:childTnLst>
+                        <p:par>
+                          <p:cTn id="37" fill="hold">
+                            <p:stCondLst>
+                              <p:cond delay="0"/>
+                            </p:stCondLst>
+                            <p:childTnLst>
+                              <p:par>
+                                <p:cTn id="38" presetID="22" presetClass="entr" presetSubtype="1" fill="hold" grpId="0" nodeType="clickEffect">
+                                  <p:stCondLst>
+                                    <p:cond delay="0"/>
+                                  </p:stCondLst>
+                                  <p:childTnLst>
+                                    <p:set>
+                                      <p:cBhvr>
+                                        <p:cTn id="39" dur="1" fill="hold">
+                                          <p:stCondLst>
+                                            <p:cond delay="0"/>
+                                          </p:stCondLst>
+                                        </p:cTn>
+                                        <p:tgtEl>
+                                          <p:spTgt spid="9"/>
+                                        </p:tgtEl>
+                                        <p:attrNameLst>
+                                          <p:attrName>style.visibility</p:attrName>
+                                        </p:attrNameLst>
+                                      </p:cBhvr>
+                                      <p:to>
+                                        <p:strVal val="visible"/>
+                                      </p:to>
+                                    </p:set>
+                                    <p:animEffect transition="in" filter="wipe(up)">
+                                      <p:cBhvr>
+                                        <p:cTn id="40" dur="500"/>
+                                        <p:tgtEl>
+                                          <p:spTgt spid="9"/>
+                                        </p:tgtEl>
+                                      </p:cBhvr>
+                                    </p:animEffect>
+                                  </p:childTnLst>
+                                </p:cTn>
+                              </p:par>
+                            </p:childTnLst>
+                          </p:cTn>
+                        </p:par>
+                      </p:childTnLst>
+                    </p:cTn>
+                  </p:par>
+                </p:childTnLst>
+              </p:cTn>
+              <p:prevCondLst>
+                <p:cond evt="onPrev" delay="0">
+                  <p:tgtEl>
+                    <p:sldTgt/>
+                  </p:tgtEl>
+                </p:cond>
+              </p:prevCondLst>
+              <p:nextCondLst>
+                <p:cond evt="onNext" delay="0">
+                  <p:tgtEl>
+                    <p:sldTgt/>
+                  </p:tgtEl>
+                </p:cond>
+              </p:nextCondLst>
+            </p:seq>
+          </p:childTnLst>
+        </p:cTn>
+      </p:par>
+    </p:tnLst>
+    <p:bldLst>
+      <p:bldP spid="6" grpId="0" animBg="1"/>
+      <p:bldP spid="7" grpId="0" animBg="1"/>
+      <p:bldP spid="8" grpId="0" animBg="1"/>
+      <p:bldP spid="9" grpId="0" animBg="1"/>
+      <p:bldP spid="14" grpId="0"/>
+      <p:bldP spid="15" grpId="0"/>
+      <p:bldP spid="16" grpId="0"/>
+    </p:bldLst>
+  </p:timing>
+</p:sld>
+</file>
+
+<file path=ppt/slides/slide16.xml><?xml version="1.0" encoding="utf-8"?>
+<p:sld xmlns:a="http://schemas.openxmlformats.org/drawingml/2006/main" xmlns:r="http://schemas.openxmlformats.org/officeDocument/2006/relationships" xmlns:p="http://schemas.openxmlformats.org/presentationml/2006/main">
+  <p:cSld>
+    <p:spTree>
+      <p:nvGrpSpPr>
+        <p:cNvPr id="1" name=""/>
+        <p:cNvGrpSpPr/>
+        <p:nvPr/>
+      </p:nvGrpSpPr>
+      <p:grpSpPr>
+        <a:xfrm>
+          <a:off x="0" y="0"/>
+          <a:ext cx="0" cy="0"/>
+          <a:chOff x="0" y="0"/>
+          <a:chExt cx="0" cy="0"/>
+        </a:xfrm>
+      </p:grpSpPr>
+      <p:sp>
+        <p:nvSpPr>
+          <p:cNvPr id="2" name="Título 1"/>
+          <p:cNvSpPr>
+            <a:spLocks noGrp="1"/>
+          </p:cNvSpPr>
+          <p:nvPr>
+            <p:ph type="title"/>
+          </p:nvPr>
+        </p:nvSpPr>
+        <p:spPr>
+          <a:xfrm>
             <a:off x="469709" y="269590"/>
             <a:ext cx="5357884" cy="685753"/>
           </a:xfrm>
@@ -13265,7 +14285,7 @@
 </p:sld>
 </file>
 
-<file path=ppt/slides/slide16.xml><?xml version="1.0" encoding="utf-8"?>
+<file path=ppt/slides/slide17.xml><?xml version="1.0" encoding="utf-8"?>
 <p:sld xmlns:a="http://schemas.openxmlformats.org/drawingml/2006/main" xmlns:r="http://schemas.openxmlformats.org/officeDocument/2006/relationships" xmlns:p="http://schemas.openxmlformats.org/presentationml/2006/main">
   <p:cSld>
     <p:spTree>
@@ -14066,7 +15086,7 @@
 </p:sld>
 </file>
 
-<file path=ppt/slides/slide17.xml><?xml version="1.0" encoding="utf-8"?>
+<file path=ppt/slides/slide18.xml><?xml version="1.0" encoding="utf-8"?>
 <p:sld xmlns:a="http://schemas.openxmlformats.org/drawingml/2006/main" xmlns:r="http://schemas.openxmlformats.org/officeDocument/2006/relationships" xmlns:p="http://schemas.openxmlformats.org/presentationml/2006/main">
   <p:cSld>
     <p:spTree>
@@ -14095,8 +15115,8 @@
         </p:nvSpPr>
         <p:spPr>
           <a:xfrm>
-            <a:off x="838200" y="365125"/>
-            <a:ext cx="10515600" cy="1586505"/>
+            <a:off x="469709" y="269590"/>
+            <a:ext cx="7594638" cy="685753"/>
           </a:xfrm>
         </p:spPr>
         <p:txBody>
@@ -14109,7 +15129,19 @@
               <a:rPr lang="pt-BR" sz="3200" dirty="0" smtClean="0">
                 <a:latin typeface="Consolas" panose="020B0609020204030204" pitchFamily="49" charset="0"/>
               </a:rPr>
-              <a:t>Instrução de leitura</a:t>
+              <a:t>Estrutura </a:t>
+            </a:r>
+            <a:r>
+              <a:rPr lang="pt-BR" sz="3200" dirty="0" smtClean="0">
+                <a:latin typeface="Consolas" panose="020B0609020204030204" pitchFamily="49" charset="0"/>
+              </a:rPr>
+              <a:t>condicional Switch </a:t>
+            </a:r>
+            <a:r>
+              <a:rPr lang="pt-BR" sz="3200" dirty="0" smtClean="0">
+                <a:latin typeface="Consolas" panose="020B0609020204030204" pitchFamily="49" charset="0"/>
+              </a:rPr>
+              <a:t>Case</a:t>
             </a:r>
             <a:endParaRPr lang="pt-BR" sz="3200" dirty="0">
               <a:latin typeface="Consolas" panose="020B0609020204030204" pitchFamily="49" charset="0"/>
@@ -14147,6 +15179,407 @@
           </a:prstGeom>
         </p:spPr>
       </p:pic>
+      <p:sp>
+        <p:nvSpPr>
+          <p:cNvPr id="12" name="CaixaDeTexto 11"/>
+          <p:cNvSpPr txBox="1"/>
+          <p:nvPr/>
+        </p:nvSpPr>
+        <p:spPr>
+          <a:xfrm>
+            <a:off x="469709" y="1528221"/>
+            <a:ext cx="10304060" cy="4401205"/>
+          </a:xfrm>
+          <a:prstGeom prst="rect">
+            <a:avLst/>
+          </a:prstGeom>
+          <a:noFill/>
+        </p:spPr>
+        <p:txBody>
+          <a:bodyPr wrap="square" rtlCol="0">
+            <a:spAutoFit/>
+          </a:bodyPr>
+          <a:lstStyle/>
+          <a:p>
+            <a:r>
+              <a:rPr lang="pt-BR" sz="2800" dirty="0">
+                <a:solidFill>
+                  <a:srgbClr val="FF0000"/>
+                </a:solidFill>
+              </a:rPr>
+              <a:t>switch</a:t>
+            </a:r>
+            <a:r>
+              <a:rPr lang="pt-BR" sz="2800" dirty="0"/>
+              <a:t> </a:t>
+            </a:r>
+            <a:r>
+              <a:rPr lang="pt-BR" sz="2800" dirty="0" smtClean="0"/>
+              <a:t>(</a:t>
+            </a:r>
+            <a:r>
+              <a:rPr lang="pt-BR" sz="2800" dirty="0" smtClean="0">
+                <a:solidFill>
+                  <a:srgbClr val="00FF00"/>
+                </a:solidFill>
+              </a:rPr>
+              <a:t>[Variável a ser testada]</a:t>
+            </a:r>
+            <a:r>
+              <a:rPr lang="pt-BR" sz="2800" dirty="0" smtClean="0"/>
+              <a:t>) </a:t>
+            </a:r>
+            <a:r>
+              <a:rPr lang="pt-BR" sz="2800" dirty="0"/>
+              <a:t>{</a:t>
+            </a:r>
+          </a:p>
+          <a:p>
+            <a:r>
+              <a:rPr lang="pt-BR" sz="2800" dirty="0"/>
+              <a:t>        </a:t>
+            </a:r>
+            <a:r>
+              <a:rPr lang="pt-BR" sz="2800" dirty="0">
+                <a:solidFill>
+                  <a:srgbClr val="FF0000"/>
+                </a:solidFill>
+              </a:rPr>
+              <a:t>case</a:t>
+            </a:r>
+            <a:r>
+              <a:rPr lang="pt-BR" sz="2800" dirty="0"/>
+              <a:t> </a:t>
+            </a:r>
+            <a:r>
+              <a:rPr lang="pt-BR" sz="2800" dirty="0" smtClean="0">
+                <a:solidFill>
+                  <a:srgbClr val="00FF00"/>
+                </a:solidFill>
+              </a:rPr>
+              <a:t>[Valor 1 de comparação da variável testada]</a:t>
+            </a:r>
+            <a:r>
+              <a:rPr lang="pt-BR" sz="2800" dirty="0" smtClean="0"/>
+              <a:t>:</a:t>
+            </a:r>
+            <a:endParaRPr lang="pt-BR" sz="2800" dirty="0"/>
+          </a:p>
+          <a:p>
+            <a:r>
+              <a:rPr lang="pt-BR" sz="2800" dirty="0"/>
+              <a:t>           </a:t>
+            </a:r>
+            <a:r>
+              <a:rPr lang="pt-BR" sz="2800" dirty="0">
+                <a:solidFill>
+                  <a:srgbClr val="0000FF"/>
+                </a:solidFill>
+              </a:rPr>
+              <a:t> </a:t>
+            </a:r>
+            <a:r>
+              <a:rPr lang="pt-BR" sz="2800" dirty="0" smtClean="0">
+                <a:solidFill>
+                  <a:srgbClr val="0000FF"/>
+                </a:solidFill>
+              </a:rPr>
+              <a:t>[Bloco de código se a variável for igual ao valor 1]</a:t>
+            </a:r>
+            <a:endParaRPr lang="pt-BR" sz="2800" dirty="0">
+              <a:solidFill>
+                <a:srgbClr val="0000FF"/>
+              </a:solidFill>
+            </a:endParaRPr>
+          </a:p>
+          <a:p>
+            <a:r>
+              <a:rPr lang="pt-BR" sz="2800" dirty="0"/>
+              <a:t>            break;</a:t>
+            </a:r>
+          </a:p>
+          <a:p>
+            <a:r>
+              <a:rPr lang="pt-BR" sz="2800" dirty="0"/>
+              <a:t>        </a:t>
+            </a:r>
+            <a:r>
+              <a:rPr lang="pt-BR" sz="2800" dirty="0">
+                <a:solidFill>
+                  <a:srgbClr val="FF0000"/>
+                </a:solidFill>
+              </a:rPr>
+              <a:t>case</a:t>
+            </a:r>
+            <a:r>
+              <a:rPr lang="pt-BR" sz="2800" dirty="0"/>
+              <a:t> </a:t>
+            </a:r>
+            <a:r>
+              <a:rPr lang="pt-BR" sz="2800" dirty="0">
+                <a:solidFill>
+                  <a:srgbClr val="00FF00"/>
+                </a:solidFill>
+              </a:rPr>
+              <a:t>[Valor </a:t>
+            </a:r>
+            <a:r>
+              <a:rPr lang="pt-BR" sz="2800" dirty="0" smtClean="0">
+                <a:solidFill>
+                  <a:srgbClr val="00FF00"/>
+                </a:solidFill>
+              </a:rPr>
+              <a:t>2 </a:t>
+            </a:r>
+            <a:r>
+              <a:rPr lang="pt-BR" sz="2800" dirty="0">
+                <a:solidFill>
+                  <a:srgbClr val="00FF00"/>
+                </a:solidFill>
+              </a:rPr>
+              <a:t>de comparação da variável testada]</a:t>
+            </a:r>
+            <a:r>
+              <a:rPr lang="pt-BR" sz="2800" dirty="0"/>
+              <a:t>: </a:t>
+            </a:r>
+            <a:endParaRPr lang="pt-BR" sz="2800" dirty="0"/>
+          </a:p>
+          <a:p>
+            <a:r>
+              <a:rPr lang="pt-BR" sz="2800" dirty="0"/>
+              <a:t>          </a:t>
+            </a:r>
+            <a:r>
+              <a:rPr lang="pt-BR" sz="2800" dirty="0">
+                <a:solidFill>
+                  <a:srgbClr val="0000FF"/>
+                </a:solidFill>
+              </a:rPr>
+              <a:t>  </a:t>
+            </a:r>
+            <a:r>
+              <a:rPr lang="pt-BR" sz="2800" dirty="0" smtClean="0">
+                <a:solidFill>
+                  <a:srgbClr val="0000FF"/>
+                </a:solidFill>
+              </a:rPr>
+              <a:t>[Bloco </a:t>
+            </a:r>
+            <a:r>
+              <a:rPr lang="pt-BR" sz="2800" dirty="0">
+                <a:solidFill>
+                  <a:srgbClr val="0000FF"/>
+                </a:solidFill>
+              </a:rPr>
+              <a:t>de código se a variável for igual ao </a:t>
+            </a:r>
+            <a:r>
+              <a:rPr lang="pt-BR" sz="2800" dirty="0" smtClean="0">
+                <a:solidFill>
+                  <a:srgbClr val="0000FF"/>
+                </a:solidFill>
+              </a:rPr>
+              <a:t>valor 2]</a:t>
+            </a:r>
+            <a:endParaRPr lang="pt-BR" sz="2800" dirty="0">
+              <a:solidFill>
+                <a:srgbClr val="0000FF"/>
+              </a:solidFill>
+            </a:endParaRPr>
+          </a:p>
+          <a:p>
+            <a:r>
+              <a:rPr lang="pt-BR" sz="2800" dirty="0"/>
+              <a:t>            break</a:t>
+            </a:r>
+            <a:r>
+              <a:rPr lang="pt-BR" sz="2800" dirty="0" smtClean="0"/>
+              <a:t>;</a:t>
+            </a:r>
+          </a:p>
+          <a:p>
+            <a:r>
+              <a:rPr lang="pt-BR" sz="2800" dirty="0"/>
+              <a:t> </a:t>
+            </a:r>
+            <a:r>
+              <a:rPr lang="pt-BR" sz="2800" dirty="0" smtClean="0"/>
+              <a:t>       </a:t>
+            </a:r>
+            <a:r>
+              <a:rPr lang="pt-BR" sz="2800" dirty="0" smtClean="0">
+                <a:solidFill>
+                  <a:srgbClr val="FF0000"/>
+                </a:solidFill>
+              </a:rPr>
+              <a:t>default</a:t>
+            </a:r>
+            <a:r>
+              <a:rPr lang="pt-BR" sz="2800" dirty="0" smtClean="0"/>
+              <a:t>:</a:t>
+            </a:r>
+          </a:p>
+          <a:p>
+            <a:r>
+              <a:rPr lang="pt-BR" sz="2800" dirty="0"/>
+              <a:t>	</a:t>
+            </a:r>
+            <a:r>
+              <a:rPr lang="pt-BR" sz="2800" dirty="0">
+                <a:solidFill>
+                  <a:srgbClr val="0000FF"/>
+                </a:solidFill>
+              </a:rPr>
+              <a:t> [</a:t>
+            </a:r>
+            <a:r>
+              <a:rPr lang="pt-BR" sz="2800" dirty="0" smtClean="0">
+                <a:solidFill>
+                  <a:srgbClr val="0000FF"/>
+                </a:solidFill>
+              </a:rPr>
+              <a:t>Bloco </a:t>
+            </a:r>
+            <a:r>
+              <a:rPr lang="pt-BR" sz="2800" dirty="0">
+                <a:solidFill>
+                  <a:srgbClr val="0000FF"/>
+                </a:solidFill>
+              </a:rPr>
+              <a:t>de código </a:t>
+            </a:r>
+            <a:r>
+              <a:rPr lang="pt-BR" sz="2800" dirty="0" smtClean="0">
+                <a:solidFill>
+                  <a:srgbClr val="0000FF"/>
+                </a:solidFill>
+              </a:rPr>
+              <a:t>caso a variável não se encaixe nos cases]</a:t>
+            </a:r>
+          </a:p>
+          <a:p>
+            <a:r>
+              <a:rPr lang="pt-BR" sz="2800" dirty="0" smtClean="0"/>
+              <a:t>}</a:t>
+            </a:r>
+            <a:endParaRPr lang="pt-BR" sz="2800" dirty="0"/>
+          </a:p>
+        </p:txBody>
+      </p:sp>
+    </p:spTree>
+    <p:extLst>
+      <p:ext uri="{BB962C8B-B14F-4D97-AF65-F5344CB8AC3E}">
+        <p14:creationId xmlns:p14="http://schemas.microsoft.com/office/powerpoint/2010/main" val="1482092755"/>
+      </p:ext>
+    </p:extLst>
+  </p:cSld>
+  <p:clrMapOvr>
+    <a:masterClrMapping/>
+  </p:clrMapOvr>
+  <p:timing>
+    <p:tnLst>
+      <p:par>
+        <p:cTn id="1" dur="indefinite" restart="never" nodeType="tmRoot"/>
+      </p:par>
+    </p:tnLst>
+  </p:timing>
+</p:sld>
+</file>
+
+<file path=ppt/slides/slide19.xml><?xml version="1.0" encoding="utf-8"?>
+<p:sld xmlns:a="http://schemas.openxmlformats.org/drawingml/2006/main" xmlns:r="http://schemas.openxmlformats.org/officeDocument/2006/relationships" xmlns:p="http://schemas.openxmlformats.org/presentationml/2006/main">
+  <p:cSld>
+    <p:spTree>
+      <p:nvGrpSpPr>
+        <p:cNvPr id="1" name=""/>
+        <p:cNvGrpSpPr/>
+        <p:nvPr/>
+      </p:nvGrpSpPr>
+      <p:grpSpPr>
+        <a:xfrm>
+          <a:off x="0" y="0"/>
+          <a:ext cx="0" cy="0"/>
+          <a:chOff x="0" y="0"/>
+          <a:chExt cx="0" cy="0"/>
+        </a:xfrm>
+      </p:grpSpPr>
+      <p:sp>
+        <p:nvSpPr>
+          <p:cNvPr id="2" name="Título 1"/>
+          <p:cNvSpPr>
+            <a:spLocks noGrp="1"/>
+          </p:cNvSpPr>
+          <p:nvPr>
+            <p:ph type="title"/>
+          </p:nvPr>
+        </p:nvSpPr>
+        <p:spPr>
+          <a:xfrm>
+            <a:off x="4270525" y="132204"/>
+            <a:ext cx="7506504" cy="685753"/>
+          </a:xfrm>
+        </p:spPr>
+        <p:txBody>
+          <a:bodyPr>
+            <a:normAutofit fontScale="90000"/>
+          </a:bodyPr>
+          <a:lstStyle/>
+          <a:p>
+            <a:r>
+              <a:rPr lang="pt-BR" sz="3200" dirty="0" smtClean="0">
+                <a:latin typeface="Consolas" panose="020B0609020204030204" pitchFamily="49" charset="0"/>
+              </a:rPr>
+              <a:t>Estrutura </a:t>
+            </a:r>
+            <a:r>
+              <a:rPr lang="pt-BR" sz="3200" dirty="0">
+                <a:latin typeface="Consolas" panose="020B0609020204030204" pitchFamily="49" charset="0"/>
+              </a:rPr>
+              <a:t>condicional Switch </a:t>
+            </a:r>
+            <a:r>
+              <a:rPr lang="pt-BR" sz="3200" dirty="0" smtClean="0">
+                <a:latin typeface="Consolas" panose="020B0609020204030204" pitchFamily="49" charset="0"/>
+              </a:rPr>
+              <a:t>Case</a:t>
+            </a:r>
+            <a:endParaRPr lang="pt-BR" sz="3200" dirty="0">
+              <a:latin typeface="Consolas" panose="020B0609020204030204" pitchFamily="49" charset="0"/>
+            </a:endParaRPr>
+          </a:p>
+        </p:txBody>
+      </p:sp>
+      <p:pic>
+        <p:nvPicPr>
+          <p:cNvPr id="4" name="Imagem 3"/>
+          <p:cNvPicPr>
+            <a:picLocks noChangeAspect="1"/>
+          </p:cNvPicPr>
+          <p:nvPr/>
+        </p:nvPicPr>
+        <p:blipFill>
+          <a:blip r:embed="rId2" cstate="print">
+            <a:extLst>
+              <a:ext uri="{28A0092B-C50C-407E-A947-70E740481C1C}">
+                <a14:useLocalDpi xmlns:a14="http://schemas.microsoft.com/office/drawing/2010/main" val="0"/>
+              </a:ext>
+            </a:extLst>
+          </a:blip>
+          <a:stretch>
+            <a:fillRect/>
+          </a:stretch>
+        </p:blipFill>
+        <p:spPr>
+          <a:xfrm>
+            <a:off x="10441211" y="110689"/>
+            <a:ext cx="1750789" cy="2157949"/>
+          </a:xfrm>
+          <a:prstGeom prst="rect">
+            <a:avLst/>
+          </a:prstGeom>
+        </p:spPr>
+      </p:pic>
       <p:pic>
         <p:nvPicPr>
           <p:cNvPr id="3" name="Imagem 2"/>
@@ -14169,8 +15602,8 @@
         </p:blipFill>
         <p:spPr>
           <a:xfrm>
-            <a:off x="464024" y="1607314"/>
-            <a:ext cx="9977187" cy="4755246"/>
+            <a:off x="0" y="0"/>
+            <a:ext cx="4264492" cy="6858000"/>
           </a:xfrm>
           <a:prstGeom prst="rect">
             <a:avLst/>
@@ -14179,170 +15612,20 @@
       </p:pic>
       <p:sp>
         <p:nvSpPr>
-          <p:cNvPr id="6" name="Retângulo 5"/>
+          <p:cNvPr id="6" name="Seta para baixo 5"/>
           <p:cNvSpPr/>
           <p:nvPr/>
         </p:nvSpPr>
         <p:spPr>
-          <a:xfrm>
-            <a:off x="2109176" y="3701444"/>
-            <a:ext cx="5190103" cy="365381"/>
-          </a:xfrm>
-          <a:prstGeom prst="rect">
+          <a:xfrm rot="5400000">
+            <a:off x="1214293" y="3052965"/>
+            <a:ext cx="309243" cy="442827"/>
+          </a:xfrm>
+          <a:prstGeom prst="downArrow">
             <a:avLst/>
           </a:prstGeom>
           <a:noFill/>
-          <a:ln w="25400" cmpd="sng">
-            <a:solidFill>
-              <a:schemeClr val="tx1">
-                <a:lumMod val="95000"/>
-              </a:schemeClr>
-            </a:solidFill>
-          </a:ln>
-        </p:spPr>
-        <p:style>
-          <a:lnRef idx="2">
-            <a:schemeClr val="accent1">
-              <a:shade val="50000"/>
-            </a:schemeClr>
-          </a:lnRef>
-          <a:fillRef idx="1001">
-            <a:schemeClr val="lt2"/>
-          </a:fillRef>
-          <a:effectRef idx="0">
-            <a:schemeClr val="accent1"/>
-          </a:effectRef>
-          <a:fontRef idx="minor">
-            <a:schemeClr val="lt1"/>
-          </a:fontRef>
-        </p:style>
-        <p:txBody>
-          <a:bodyPr rtlCol="0" anchor="t"/>
-          <a:lstStyle/>
-          <a:p>
-            <a:pPr algn="ctr"/>
-            <a:endParaRPr lang="pt-BR" b="1" dirty="0">
-              <a:latin typeface="Consolas" panose="020B0609020204030204" pitchFamily="49" charset="0"/>
-            </a:endParaRPr>
-          </a:p>
-        </p:txBody>
-      </p:sp>
-      <p:sp>
-        <p:nvSpPr>
-          <p:cNvPr id="7" name="Retângulo 6"/>
-          <p:cNvSpPr/>
-          <p:nvPr/>
-        </p:nvSpPr>
-        <p:spPr>
-          <a:xfrm>
-            <a:off x="2111448" y="4276929"/>
-            <a:ext cx="5190103" cy="365381"/>
-          </a:xfrm>
-          <a:prstGeom prst="rect">
-            <a:avLst/>
-          </a:prstGeom>
-          <a:noFill/>
-          <a:ln w="25400" cmpd="sng">
-            <a:solidFill>
-              <a:schemeClr val="tx1">
-                <a:lumMod val="95000"/>
-              </a:schemeClr>
-            </a:solidFill>
-          </a:ln>
-        </p:spPr>
-        <p:style>
-          <a:lnRef idx="2">
-            <a:schemeClr val="accent1">
-              <a:shade val="50000"/>
-            </a:schemeClr>
-          </a:lnRef>
-          <a:fillRef idx="1001">
-            <a:schemeClr val="lt2"/>
-          </a:fillRef>
-          <a:effectRef idx="0">
-            <a:schemeClr val="accent1"/>
-          </a:effectRef>
-          <a:fontRef idx="minor">
-            <a:schemeClr val="lt1"/>
-          </a:fontRef>
-        </p:style>
-        <p:txBody>
-          <a:bodyPr rtlCol="0" anchor="t"/>
-          <a:lstStyle/>
-          <a:p>
-            <a:pPr algn="ctr"/>
-            <a:endParaRPr lang="pt-BR" b="1" dirty="0">
-              <a:latin typeface="Consolas" panose="020B0609020204030204" pitchFamily="49" charset="0"/>
-            </a:endParaRPr>
-          </a:p>
-        </p:txBody>
-      </p:sp>
-      <p:sp>
-        <p:nvSpPr>
-          <p:cNvPr id="8" name="Retângulo 7"/>
-          <p:cNvSpPr/>
-          <p:nvPr/>
-        </p:nvSpPr>
-        <p:spPr>
-          <a:xfrm>
-            <a:off x="2109177" y="4849311"/>
-            <a:ext cx="5190103" cy="365381"/>
-          </a:xfrm>
-          <a:prstGeom prst="rect">
-            <a:avLst/>
-          </a:prstGeom>
-          <a:noFill/>
-          <a:ln w="25400" cmpd="sng">
-            <a:solidFill>
-              <a:schemeClr val="tx1">
-                <a:lumMod val="95000"/>
-              </a:schemeClr>
-            </a:solidFill>
-          </a:ln>
-        </p:spPr>
-        <p:style>
-          <a:lnRef idx="2">
-            <a:schemeClr val="accent1">
-              <a:shade val="50000"/>
-            </a:schemeClr>
-          </a:lnRef>
-          <a:fillRef idx="1001">
-            <a:schemeClr val="lt2"/>
-          </a:fillRef>
-          <a:effectRef idx="0">
-            <a:schemeClr val="accent1"/>
-          </a:effectRef>
-          <a:fontRef idx="minor">
-            <a:schemeClr val="lt1"/>
-          </a:fontRef>
-        </p:style>
-        <p:txBody>
-          <a:bodyPr rtlCol="0" anchor="t"/>
-          <a:lstStyle/>
-          <a:p>
-            <a:pPr algn="ctr"/>
-            <a:endParaRPr lang="pt-BR" b="1" dirty="0">
-              <a:latin typeface="Consolas" panose="020B0609020204030204" pitchFamily="49" charset="0"/>
-            </a:endParaRPr>
-          </a:p>
-        </p:txBody>
-      </p:sp>
-      <p:sp>
-        <p:nvSpPr>
-          <p:cNvPr id="9" name="Seta para baixo 8"/>
-          <p:cNvSpPr/>
-          <p:nvPr/>
-        </p:nvSpPr>
-        <p:spPr>
-          <a:xfrm>
-            <a:off x="1119112" y="3701444"/>
-            <a:ext cx="545911" cy="1513248"/>
-          </a:xfrm>
-          <a:prstGeom prst="downArrow">
-            <a:avLst/>
-          </a:prstGeom>
-          <a:noFill/>
-          <a:ln w="28575">
+          <a:ln w="38100">
             <a:solidFill>
               <a:schemeClr val="tx1"/>
             </a:solidFill>
@@ -14373,242 +15656,132 @@
           </a:p>
         </p:txBody>
       </p:sp>
-      <p:cxnSp>
-        <p:nvCxnSpPr>
-          <p:cNvPr id="10" name="Conector de seta reta 9"/>
-          <p:cNvCxnSpPr/>
-          <p:nvPr/>
-        </p:nvCxnSpPr>
-        <p:spPr>
-          <a:xfrm>
-            <a:off x="7299279" y="3703187"/>
-            <a:ext cx="599327" cy="0"/>
-          </a:xfrm>
-          <a:prstGeom prst="straightConnector1">
-            <a:avLst/>
-          </a:prstGeom>
-          <a:ln w="28575">
+      <p:sp>
+        <p:nvSpPr>
+          <p:cNvPr id="7" name="Seta para baixo 6"/>
+          <p:cNvSpPr/>
+          <p:nvPr/>
+        </p:nvSpPr>
+        <p:spPr>
+          <a:xfrm rot="16200000">
+            <a:off x="4990738" y="2669702"/>
+            <a:ext cx="309243" cy="1651566"/>
+          </a:xfrm>
+          <a:prstGeom prst="downArrow">
+            <a:avLst/>
+          </a:prstGeom>
+          <a:noFill/>
+          <a:ln w="38100">
             <a:solidFill>
-              <a:schemeClr val="tx1">
-                <a:lumMod val="95000"/>
-              </a:schemeClr>
+              <a:schemeClr val="tx1"/>
             </a:solidFill>
-            <a:tailEnd type="triangle"/>
           </a:ln>
         </p:spPr>
         <p:style>
-          <a:lnRef idx="1">
-            <a:schemeClr val="accent1"/>
+          <a:lnRef idx="2">
+            <a:schemeClr val="accent1">
+              <a:shade val="50000"/>
+            </a:schemeClr>
           </a:lnRef>
-          <a:fillRef idx="0">
+          <a:fillRef idx="1">
             <a:schemeClr val="accent1"/>
           </a:fillRef>
           <a:effectRef idx="0">
             <a:schemeClr val="accent1"/>
           </a:effectRef>
           <a:fontRef idx="minor">
-            <a:schemeClr val="tx1"/>
+            <a:schemeClr val="lt1"/>
           </a:fontRef>
         </p:style>
-      </p:cxnSp>
-      <p:cxnSp>
-        <p:nvCxnSpPr>
-          <p:cNvPr id="12" name="Conector de seta reta 11"/>
-          <p:cNvCxnSpPr/>
-          <p:nvPr/>
-        </p:nvCxnSpPr>
-        <p:spPr>
-          <a:xfrm>
-            <a:off x="7299278" y="4279310"/>
-            <a:ext cx="599327" cy="0"/>
-          </a:xfrm>
-          <a:prstGeom prst="straightConnector1">
-            <a:avLst/>
-          </a:prstGeom>
-          <a:ln w="28575">
+        <p:txBody>
+          <a:bodyPr rtlCol="0" anchor="ctr"/>
+          <a:lstStyle/>
+          <a:p>
+            <a:pPr algn="ctr"/>
+            <a:endParaRPr lang="pt-BR"/>
+          </a:p>
+        </p:txBody>
+      </p:sp>
+      <p:pic>
+        <p:nvPicPr>
+          <p:cNvPr id="5" name="Imagem 4"/>
+          <p:cNvPicPr>
+            <a:picLocks noChangeAspect="1"/>
+          </p:cNvPicPr>
+          <p:nvPr/>
+        </p:nvPicPr>
+        <p:blipFill>
+          <a:blip r:embed="rId4">
+            <a:extLst>
+              <a:ext uri="{28A0092B-C50C-407E-A947-70E740481C1C}">
+                <a14:useLocalDpi xmlns:a14="http://schemas.microsoft.com/office/drawing/2010/main" val="0"/>
+              </a:ext>
+            </a:extLst>
+          </a:blip>
+          <a:stretch>
+            <a:fillRect/>
+          </a:stretch>
+        </p:blipFill>
+        <p:spPr>
+          <a:xfrm>
+            <a:off x="6046870" y="2491292"/>
+            <a:ext cx="5159566" cy="1918714"/>
+          </a:xfrm>
+          <a:prstGeom prst="rect">
+            <a:avLst/>
+          </a:prstGeom>
+        </p:spPr>
+      </p:pic>
+      <p:sp>
+        <p:nvSpPr>
+          <p:cNvPr id="9" name="Seta para baixo 8"/>
+          <p:cNvSpPr/>
+          <p:nvPr/>
+        </p:nvSpPr>
+        <p:spPr>
+          <a:xfrm rot="5400000">
+            <a:off x="1657120" y="400992"/>
+            <a:ext cx="309243" cy="442827"/>
+          </a:xfrm>
+          <a:prstGeom prst="downArrow">
+            <a:avLst/>
+          </a:prstGeom>
+          <a:noFill/>
+          <a:ln w="38100">
             <a:solidFill>
-              <a:schemeClr val="tx1">
-                <a:lumMod val="95000"/>
-              </a:schemeClr>
+              <a:schemeClr val="tx1"/>
             </a:solidFill>
-            <a:tailEnd type="triangle"/>
           </a:ln>
         </p:spPr>
         <p:style>
-          <a:lnRef idx="1">
-            <a:schemeClr val="accent1"/>
+          <a:lnRef idx="2">
+            <a:schemeClr val="accent1">
+              <a:shade val="50000"/>
+            </a:schemeClr>
           </a:lnRef>
-          <a:fillRef idx="0">
+          <a:fillRef idx="1">
             <a:schemeClr val="accent1"/>
           </a:fillRef>
           <a:effectRef idx="0">
             <a:schemeClr val="accent1"/>
           </a:effectRef>
           <a:fontRef idx="minor">
-            <a:schemeClr val="tx1"/>
+            <a:schemeClr val="lt1"/>
           </a:fontRef>
         </p:style>
-      </p:cxnSp>
-      <p:cxnSp>
-        <p:nvCxnSpPr>
-          <p:cNvPr id="13" name="Conector de seta reta 12"/>
-          <p:cNvCxnSpPr/>
-          <p:nvPr/>
-        </p:nvCxnSpPr>
-        <p:spPr>
-          <a:xfrm>
-            <a:off x="7287370" y="4851692"/>
-            <a:ext cx="599327" cy="0"/>
-          </a:xfrm>
-          <a:prstGeom prst="straightConnector1">
-            <a:avLst/>
-          </a:prstGeom>
-          <a:ln w="28575">
-            <a:solidFill>
-              <a:schemeClr val="tx1">
-                <a:lumMod val="95000"/>
-              </a:schemeClr>
-            </a:solidFill>
-            <a:tailEnd type="triangle"/>
-          </a:ln>
-        </p:spPr>
-        <p:style>
-          <a:lnRef idx="1">
-            <a:schemeClr val="accent1"/>
-          </a:lnRef>
-          <a:fillRef idx="0">
-            <a:schemeClr val="accent1"/>
-          </a:fillRef>
-          <a:effectRef idx="0">
-            <a:schemeClr val="accent1"/>
-          </a:effectRef>
-          <a:fontRef idx="minor">
-            <a:schemeClr val="tx1"/>
-          </a:fontRef>
-        </p:style>
-      </p:cxnSp>
-      <p:sp>
-        <p:nvSpPr>
-          <p:cNvPr id="14" name="CaixaDeTexto 13"/>
-          <p:cNvSpPr txBox="1"/>
-          <p:nvPr/>
-        </p:nvSpPr>
-        <p:spPr>
-          <a:xfrm>
-            <a:off x="7898605" y="3514802"/>
-            <a:ext cx="1895948" cy="369332"/>
-          </a:xfrm>
-          <a:prstGeom prst="rect">
-            <a:avLst/>
-          </a:prstGeom>
-          <a:noFill/>
-        </p:spPr>
-        <p:txBody>
-          <a:bodyPr wrap="square" rtlCol="0">
-            <a:spAutoFit/>
-          </a:bodyPr>
+        <p:txBody>
+          <a:bodyPr rtlCol="0" anchor="ctr"/>
           <a:lstStyle/>
           <a:p>
-            <a:r>
-              <a:rPr lang="pt-BR" dirty="0" smtClean="0">
-                <a:latin typeface="Consolas" panose="020B0609020204030204" pitchFamily="49" charset="0"/>
-              </a:rPr>
-              <a:t>Declaração</a:t>
-            </a:r>
-            <a:endParaRPr lang="pt-BR" dirty="0">
-              <a:latin typeface="Consolas" panose="020B0609020204030204" pitchFamily="49" charset="0"/>
-            </a:endParaRPr>
-          </a:p>
-        </p:txBody>
-      </p:sp>
-      <p:sp>
-        <p:nvSpPr>
-          <p:cNvPr id="15" name="CaixaDeTexto 14"/>
-          <p:cNvSpPr txBox="1"/>
-          <p:nvPr/>
-        </p:nvSpPr>
-        <p:spPr>
-          <a:xfrm>
-            <a:off x="7884991" y="3895389"/>
-            <a:ext cx="3211308" cy="646331"/>
-          </a:xfrm>
-          <a:prstGeom prst="rect">
-            <a:avLst/>
-          </a:prstGeom>
-          <a:noFill/>
-        </p:spPr>
-        <p:txBody>
-          <a:bodyPr wrap="square" rtlCol="0">
-            <a:spAutoFit/>
-          </a:bodyPr>
-          <a:lstStyle/>
-          <a:p>
-            <a:r>
-              <a:rPr lang="pt-BR" dirty="0" smtClean="0">
-                <a:latin typeface="Consolas" panose="020B0609020204030204" pitchFamily="49" charset="0"/>
-              </a:rPr>
-              <a:t>Instrução </a:t>
-            </a:r>
-          </a:p>
-          <a:p>
-            <a:r>
-              <a:rPr lang="pt-BR" dirty="0" smtClean="0">
-                <a:latin typeface="Consolas" panose="020B0609020204030204" pitchFamily="49" charset="0"/>
-              </a:rPr>
-              <a:t>de leitura</a:t>
-            </a:r>
-            <a:endParaRPr lang="pt-BR" dirty="0">
-              <a:latin typeface="Consolas" panose="020B0609020204030204" pitchFamily="49" charset="0"/>
-            </a:endParaRPr>
-          </a:p>
-        </p:txBody>
-      </p:sp>
-      <p:sp>
-        <p:nvSpPr>
-          <p:cNvPr id="16" name="CaixaDeTexto 15"/>
-          <p:cNvSpPr txBox="1"/>
-          <p:nvPr/>
-        </p:nvSpPr>
-        <p:spPr>
-          <a:xfrm>
-            <a:off x="7884991" y="4510430"/>
-            <a:ext cx="3211308" cy="646331"/>
-          </a:xfrm>
-          <a:prstGeom prst="rect">
-            <a:avLst/>
-          </a:prstGeom>
-          <a:noFill/>
-        </p:spPr>
-        <p:txBody>
-          <a:bodyPr wrap="square" rtlCol="0">
-            <a:spAutoFit/>
-          </a:bodyPr>
-          <a:lstStyle/>
-          <a:p>
-            <a:r>
-              <a:rPr lang="pt-BR" dirty="0" smtClean="0">
-                <a:latin typeface="Consolas" panose="020B0609020204030204" pitchFamily="49" charset="0"/>
-              </a:rPr>
-              <a:t>Instrução </a:t>
-            </a:r>
-          </a:p>
-          <a:p>
-            <a:r>
-              <a:rPr lang="pt-BR" dirty="0" smtClean="0">
-                <a:latin typeface="Consolas" panose="020B0609020204030204" pitchFamily="49" charset="0"/>
-              </a:rPr>
-              <a:t>de Escrita</a:t>
-            </a:r>
-            <a:endParaRPr lang="pt-BR" dirty="0">
-              <a:latin typeface="Consolas" panose="020B0609020204030204" pitchFamily="49" charset="0"/>
-            </a:endParaRPr>
+            <a:pPr algn="ctr"/>
+            <a:endParaRPr lang="pt-BR"/>
           </a:p>
         </p:txBody>
       </p:sp>
     </p:spTree>
     <p:extLst>
       <p:ext uri="{BB962C8B-B14F-4D97-AF65-F5344CB8AC3E}">
-        <p14:creationId xmlns:p14="http://schemas.microsoft.com/office/powerpoint/2010/main" val="1835654900"/>
+        <p14:creationId xmlns:p14="http://schemas.microsoft.com/office/powerpoint/2010/main" val="3733390997"/>
       </p:ext>
     </p:extLst>
   </p:cSld>
@@ -14671,7 +15844,7 @@
                                 </p:cTn>
                               </p:par>
                               <p:par>
-                                <p:cTn id="8" presetID="10" presetClass="entr" presetSubtype="0" fill="hold" nodeType="withEffect">
+                                <p:cTn id="8" presetID="10" presetClass="entr" presetSubtype="0" fill="hold" grpId="0" nodeType="withEffect">
                                   <p:stCondLst>
                                     <p:cond delay="0"/>
                                   </p:stCondLst>
@@ -14684,7 +15857,7 @@
                                           </p:stCondLst>
                                         </p:cTn>
                                         <p:tgtEl>
-                                          <p:spTgt spid="10"/>
+                                          <p:spTgt spid="9"/>
                                         </p:tgtEl>
                                         <p:attrNameLst>
                                           <p:attrName>style.visibility</p:attrName>
@@ -14698,42 +15871,7 @@
                                       <p:cBhvr>
                                         <p:cTn id="10" dur="500"/>
                                         <p:tgtEl>
-                                          <p:spTgt spid="10"/>
-                                        </p:tgtEl>
-                                      </p:cBhvr>
-                                    </p:animEffect>
-                                  </p:childTnLst>
-                                </p:cTn>
-                              </p:par>
-                              <p:par>
-                                <p:cTn id="11" presetID="10" presetClass="entr" presetSubtype="0" fill="hold" grpId="0" nodeType="withEffect">
-                                  <p:stCondLst>
-                                    <p:cond delay="0"/>
-                                  </p:stCondLst>
-                                  <p:childTnLst>
-                                    <p:set>
-                                      <p:cBhvr>
-                                        <p:cTn id="12" dur="1" fill="hold">
-                                          <p:stCondLst>
-                                            <p:cond delay="0"/>
-                                          </p:stCondLst>
-                                        </p:cTn>
-                                        <p:tgtEl>
-                                          <p:spTgt spid="14"/>
-                                        </p:tgtEl>
-                                        <p:attrNameLst>
-                                          <p:attrName>style.visibility</p:attrName>
-                                        </p:attrNameLst>
-                                      </p:cBhvr>
-                                      <p:to>
-                                        <p:strVal val="visible"/>
-                                      </p:to>
-                                    </p:set>
-                                    <p:animEffect transition="in" filter="fade">
-                                      <p:cBhvr>
-                                        <p:cTn id="13" dur="500"/>
-                                        <p:tgtEl>
-                                          <p:spTgt spid="14"/>
+                                          <p:spTgt spid="9"/>
                                         </p:tgtEl>
                                       </p:cBhvr>
                                     </p:animEffect>
@@ -14747,32 +15885,67 @@
                     </p:cTn>
                   </p:par>
                   <p:par>
-                    <p:cTn id="14" fill="hold">
+                    <p:cTn id="11" fill="hold">
                       <p:stCondLst>
                         <p:cond delay="indefinite"/>
                       </p:stCondLst>
                       <p:childTnLst>
                         <p:par>
-                          <p:cTn id="15" fill="hold">
+                          <p:cTn id="12" fill="hold">
                             <p:stCondLst>
                               <p:cond delay="0"/>
                             </p:stCondLst>
                             <p:childTnLst>
                               <p:par>
-                                <p:cTn id="16" presetID="10" presetClass="entr" presetSubtype="0" fill="hold" grpId="0" nodeType="clickEffect">
+                                <p:cTn id="13" presetID="10" presetClass="entr" presetSubtype="0" fill="hold" grpId="0" nodeType="clickEffect">
                                   <p:stCondLst>
                                     <p:cond delay="0"/>
                                   </p:stCondLst>
                                   <p:childTnLst>
                                     <p:set>
                                       <p:cBhvr>
+                                        <p:cTn id="14" dur="1" fill="hold">
+                                          <p:stCondLst>
+                                            <p:cond delay="0"/>
+                                          </p:stCondLst>
+                                        </p:cTn>
+                                        <p:tgtEl>
+                                          <p:spTgt spid="7"/>
+                                        </p:tgtEl>
+                                        <p:attrNameLst>
+                                          <p:attrName>style.visibility</p:attrName>
+                                        </p:attrNameLst>
+                                      </p:cBhvr>
+                                      <p:to>
+                                        <p:strVal val="visible"/>
+                                      </p:to>
+                                    </p:set>
+                                    <p:animEffect transition="in" filter="fade">
+                                      <p:cBhvr>
+                                        <p:cTn id="15" dur="500"/>
+                                        <p:tgtEl>
+                                          <p:spTgt spid="7"/>
+                                        </p:tgtEl>
+                                      </p:cBhvr>
+                                    </p:animEffect>
+                                  </p:childTnLst>
+                                </p:cTn>
+                              </p:par>
+                              <p:par>
+                                <p:cTn id="16" presetID="10" presetClass="entr" presetSubtype="0" fill="hold" nodeType="withEffect">
+                                  <p:stCondLst>
+                                    <p:cond delay="0"/>
+                                  </p:stCondLst>
+                                  <p:childTnLst>
+                                    <p:set>
+                                      <p:cBhvr>
                                         <p:cTn id="17" dur="1" fill="hold">
                                           <p:stCondLst>
                                             <p:cond delay="0"/>
                                           </p:stCondLst>
                                         </p:cTn>
                                         <p:tgtEl>
-                                          <p:spTgt spid="7"/>
+                                          <p:spTgt spid="5"/>
                                         </p:tgtEl>
                                         <p:attrNameLst>
                                           <p:attrName>style.visibility</p:attrName>
@@ -14786,253 +15959,7 @@
                                       <p:cBhvr>
                                         <p:cTn id="18" dur="500"/>
                                         <p:tgtEl>
-                                          <p:spTgt spid="7"/>
-                                        </p:tgtEl>
-                                      </p:cBhvr>
-                                    </p:animEffect>
-                                  </p:childTnLst>
-                                </p:cTn>
-                              </p:par>
-                              <p:par>
-                                <p:cTn id="19" presetID="10" presetClass="entr" presetSubtype="0" fill="hold" grpId="0" nodeType="withEffect">
-                                  <p:stCondLst>
-                                    <p:cond delay="0"/>
-                                  </p:stCondLst>
-                                  <p:childTnLst>
-                                    <p:set>
-                                      <p:cBhvr>
-                                        <p:cTn id="20" dur="1" fill="hold">
-                                          <p:stCondLst>
-                                            <p:cond delay="0"/>
-                                          </p:stCondLst>
-                                        </p:cTn>
-                                        <p:tgtEl>
-                                          <p:spTgt spid="15"/>
-                                        </p:tgtEl>
-                                        <p:attrNameLst>
-                                          <p:attrName>style.visibility</p:attrName>
-                                        </p:attrNameLst>
-                                      </p:cBhvr>
-                                      <p:to>
-                                        <p:strVal val="visible"/>
-                                      </p:to>
-                                    </p:set>
-                                    <p:animEffect transition="in" filter="fade">
-                                      <p:cBhvr>
-                                        <p:cTn id="21" dur="500"/>
-                                        <p:tgtEl>
-                                          <p:spTgt spid="15"/>
-                                        </p:tgtEl>
-                                      </p:cBhvr>
-                                    </p:animEffect>
-                                  </p:childTnLst>
-                                </p:cTn>
-                              </p:par>
-                              <p:par>
-                                <p:cTn id="22" presetID="10" presetClass="entr" presetSubtype="0" fill="hold" nodeType="withEffect">
-                                  <p:stCondLst>
-                                    <p:cond delay="0"/>
-                                  </p:stCondLst>
-                                  <p:childTnLst>
-                                    <p:set>
-                                      <p:cBhvr>
-                                        <p:cTn id="23" dur="1" fill="hold">
-                                          <p:stCondLst>
-                                            <p:cond delay="0"/>
-                                          </p:stCondLst>
-                                        </p:cTn>
-                                        <p:tgtEl>
-                                          <p:spTgt spid="12"/>
-                                        </p:tgtEl>
-                                        <p:attrNameLst>
-                                          <p:attrName>style.visibility</p:attrName>
-                                        </p:attrNameLst>
-                                      </p:cBhvr>
-                                      <p:to>
-                                        <p:strVal val="visible"/>
-                                      </p:to>
-                                    </p:set>
-                                    <p:animEffect transition="in" filter="fade">
-                                      <p:cBhvr>
-                                        <p:cTn id="24" dur="500"/>
-                                        <p:tgtEl>
-                                          <p:spTgt spid="12"/>
-                                        </p:tgtEl>
-                                      </p:cBhvr>
-                                    </p:animEffect>
-                                  </p:childTnLst>
-                                </p:cTn>
-                              </p:par>
-                            </p:childTnLst>
-                          </p:cTn>
-                        </p:par>
-                      </p:childTnLst>
-                    </p:cTn>
-                  </p:par>
-                  <p:par>
-                    <p:cTn id="25" fill="hold">
-                      <p:stCondLst>
-                        <p:cond delay="indefinite"/>
-                      </p:stCondLst>
-                      <p:childTnLst>
-                        <p:par>
-                          <p:cTn id="26" fill="hold">
-                            <p:stCondLst>
-                              <p:cond delay="0"/>
-                            </p:stCondLst>
-                            <p:childTnLst>
-                              <p:par>
-                                <p:cTn id="27" presetID="10" presetClass="entr" presetSubtype="0" fill="hold" grpId="0" nodeType="clickEffect">
-                                  <p:stCondLst>
-                                    <p:cond delay="0"/>
-                                  </p:stCondLst>
-                                  <p:childTnLst>
-                                    <p:set>
-                                      <p:cBhvr>
-                                        <p:cTn id="28" dur="1" fill="hold">
-                                          <p:stCondLst>
-                                            <p:cond delay="0"/>
-                                          </p:stCondLst>
-                                        </p:cTn>
-                                        <p:tgtEl>
-                                          <p:spTgt spid="8"/>
-                                        </p:tgtEl>
-                                        <p:attrNameLst>
-                                          <p:attrName>style.visibility</p:attrName>
-                                        </p:attrNameLst>
-                                      </p:cBhvr>
-                                      <p:to>
-                                        <p:strVal val="visible"/>
-                                      </p:to>
-                                    </p:set>
-                                    <p:animEffect transition="in" filter="fade">
-                                      <p:cBhvr>
-                                        <p:cTn id="29" dur="500"/>
-                                        <p:tgtEl>
-                                          <p:spTgt spid="8"/>
-                                        </p:tgtEl>
-                                      </p:cBhvr>
-                                    </p:animEffect>
-                                  </p:childTnLst>
-                                </p:cTn>
-                              </p:par>
-                              <p:par>
-                                <p:cTn id="30" presetID="10" presetClass="entr" presetSubtype="0" fill="hold" grpId="0" nodeType="withEffect">
-                                  <p:stCondLst>
-                                    <p:cond delay="0"/>
-                                  </p:stCondLst>
-                                  <p:childTnLst>
-                                    <p:set>
-                                      <p:cBhvr>
-                                        <p:cTn id="31" dur="1" fill="hold">
-                                          <p:stCondLst>
-                                            <p:cond delay="0"/>
-                                          </p:stCondLst>
-                                        </p:cTn>
-                                        <p:tgtEl>
-                                          <p:spTgt spid="16"/>
-                                        </p:tgtEl>
-                                        <p:attrNameLst>
-                                          <p:attrName>style.visibility</p:attrName>
-                                        </p:attrNameLst>
-                                      </p:cBhvr>
-                                      <p:to>
-                                        <p:strVal val="visible"/>
-                                      </p:to>
-                                    </p:set>
-                                    <p:animEffect transition="in" filter="fade">
-                                      <p:cBhvr>
-                                        <p:cTn id="32" dur="500"/>
-                                        <p:tgtEl>
-                                          <p:spTgt spid="16"/>
-                                        </p:tgtEl>
-                                      </p:cBhvr>
-                                    </p:animEffect>
-                                  </p:childTnLst>
-                                </p:cTn>
-                              </p:par>
-                              <p:par>
-                                <p:cTn id="33" presetID="10" presetClass="entr" presetSubtype="0" fill="hold" nodeType="withEffect">
-                                  <p:stCondLst>
-                                    <p:cond delay="0"/>
-                                  </p:stCondLst>
-                                  <p:childTnLst>
-                                    <p:set>
-                                      <p:cBhvr>
-                                        <p:cTn id="34" dur="1" fill="hold">
-                                          <p:stCondLst>
-                                            <p:cond delay="0"/>
-                                          </p:stCondLst>
-                                        </p:cTn>
-                                        <p:tgtEl>
-                                          <p:spTgt spid="13"/>
-                                        </p:tgtEl>
-                                        <p:attrNameLst>
-                                          <p:attrName>style.visibility</p:attrName>
-                                        </p:attrNameLst>
-                                      </p:cBhvr>
-                                      <p:to>
-                                        <p:strVal val="visible"/>
-                                      </p:to>
-                                    </p:set>
-                                    <p:animEffect transition="in" filter="fade">
-                                      <p:cBhvr>
-                                        <p:cTn id="35" dur="500"/>
-                                        <p:tgtEl>
-                                          <p:spTgt spid="13"/>
-                                        </p:tgtEl>
-                                      </p:cBhvr>
-                                    </p:animEffect>
-                                  </p:childTnLst>
-                                </p:cTn>
-                              </p:par>
-                            </p:childTnLst>
-                          </p:cTn>
-                        </p:par>
-                      </p:childTnLst>
-                    </p:cTn>
-                  </p:par>
-                  <p:par>
-                    <p:cTn id="36" fill="hold">
-                      <p:stCondLst>
-                        <p:cond delay="indefinite"/>
-                      </p:stCondLst>
-                      <p:childTnLst>
-                        <p:par>
-                          <p:cTn id="37" fill="hold">
-                            <p:stCondLst>
-                              <p:cond delay="0"/>
-                            </p:stCondLst>
-                            <p:childTnLst>
-                              <p:par>
-                                <p:cTn id="38" presetID="22" presetClass="entr" presetSubtype="1" fill="hold" grpId="0" nodeType="clickEffect">
-                                  <p:stCondLst>
-                                    <p:cond delay="0"/>
-                                  </p:stCondLst>
-                                  <p:childTnLst>
-                                    <p:set>
-                                      <p:cBhvr>
-                                        <p:cTn id="39" dur="1" fill="hold">
-                                          <p:stCondLst>
-                                            <p:cond delay="0"/>
-                                          </p:stCondLst>
-                                        </p:cTn>
-                                        <p:tgtEl>
-                                          <p:spTgt spid="9"/>
-                                        </p:tgtEl>
-                                        <p:attrNameLst>
-                                          <p:attrName>style.visibility</p:attrName>
-                                        </p:attrNameLst>
-                                      </p:cBhvr>
-                                      <p:to>
-                                        <p:strVal val="visible"/>
-                                      </p:to>
-                                    </p:set>
-                                    <p:animEffect transition="in" filter="wipe(up)">
-                                      <p:cBhvr>
-                                        <p:cTn id="40" dur="500"/>
-                                        <p:tgtEl>
-                                          <p:spTgt spid="9"/>
+                                          <p:spTgt spid="5"/>
                                         </p:tgtEl>
                                       </p:cBhvr>
                                     </p:animEffect>
@@ -15069,11 +15996,7 @@
     <p:bldLst>
       <p:bldP spid="6" grpId="0" animBg="1"/>
       <p:bldP spid="7" grpId="0" animBg="1"/>
-      <p:bldP spid="8" grpId="0" animBg="1"/>
       <p:bldP spid="9" grpId="0" animBg="1"/>
-      <p:bldP spid="14" grpId="0"/>
-      <p:bldP spid="15" grpId="0"/>
-      <p:bldP spid="16" grpId="0"/>
     </p:bldLst>
   </p:timing>
 </p:sld>
@@ -16494,6 +17417,1924 @@
 </p:sld>
 </file>
 
+<file path=ppt/slides/slide20.xml><?xml version="1.0" encoding="utf-8"?>
+<p:sld xmlns:a="http://schemas.openxmlformats.org/drawingml/2006/main" xmlns:r="http://schemas.openxmlformats.org/officeDocument/2006/relationships" xmlns:p="http://schemas.openxmlformats.org/presentationml/2006/main">
+  <p:cSld>
+    <p:spTree>
+      <p:nvGrpSpPr>
+        <p:cNvPr id="1" name=""/>
+        <p:cNvGrpSpPr/>
+        <p:nvPr/>
+      </p:nvGrpSpPr>
+      <p:grpSpPr>
+        <a:xfrm>
+          <a:off x="0" y="0"/>
+          <a:ext cx="0" cy="0"/>
+          <a:chOff x="0" y="0"/>
+          <a:chExt cx="0" cy="0"/>
+        </a:xfrm>
+      </p:grpSpPr>
+      <p:sp>
+        <p:nvSpPr>
+          <p:cNvPr id="2" name="Título 1"/>
+          <p:cNvSpPr>
+            <a:spLocks noGrp="1"/>
+          </p:cNvSpPr>
+          <p:nvPr>
+            <p:ph type="title"/>
+          </p:nvPr>
+        </p:nvSpPr>
+        <p:spPr>
+          <a:xfrm>
+            <a:off x="480725" y="385591"/>
+            <a:ext cx="7914128" cy="685753"/>
+          </a:xfrm>
+        </p:spPr>
+        <p:txBody>
+          <a:bodyPr>
+            <a:normAutofit/>
+          </a:bodyPr>
+          <a:lstStyle/>
+          <a:p>
+            <a:r>
+              <a:rPr lang="pt-BR" sz="3200" dirty="0" smtClean="0">
+                <a:latin typeface="Consolas" panose="020B0609020204030204" pitchFamily="49" charset="0"/>
+              </a:rPr>
+              <a:t>Estrutura </a:t>
+            </a:r>
+            <a:r>
+              <a:rPr lang="pt-BR" sz="3200" dirty="0" smtClean="0">
+                <a:latin typeface="Consolas" panose="020B0609020204030204" pitchFamily="49" charset="0"/>
+              </a:rPr>
+              <a:t>de repetição </a:t>
+            </a:r>
+            <a:r>
+              <a:rPr lang="pt-BR" sz="3200" dirty="0" err="1">
+                <a:latin typeface="Consolas" panose="020B0609020204030204" pitchFamily="49" charset="0"/>
+              </a:rPr>
+              <a:t>W</a:t>
+            </a:r>
+            <a:r>
+              <a:rPr lang="pt-BR" sz="3200" dirty="0" err="1" smtClean="0">
+                <a:latin typeface="Consolas" panose="020B0609020204030204" pitchFamily="49" charset="0"/>
+              </a:rPr>
+              <a:t>hile</a:t>
+            </a:r>
+            <a:endParaRPr lang="pt-BR" sz="3200" dirty="0">
+              <a:latin typeface="Consolas" panose="020B0609020204030204" pitchFamily="49" charset="0"/>
+            </a:endParaRPr>
+          </a:p>
+        </p:txBody>
+      </p:sp>
+      <p:pic>
+        <p:nvPicPr>
+          <p:cNvPr id="4" name="Imagem 3"/>
+          <p:cNvPicPr>
+            <a:picLocks noChangeAspect="1"/>
+          </p:cNvPicPr>
+          <p:nvPr/>
+        </p:nvPicPr>
+        <p:blipFill>
+          <a:blip r:embed="rId2" cstate="print">
+            <a:extLst>
+              <a:ext uri="{28A0092B-C50C-407E-A947-70E740481C1C}">
+                <a14:useLocalDpi xmlns:a14="http://schemas.microsoft.com/office/drawing/2010/main" val="0"/>
+              </a:ext>
+            </a:extLst>
+          </a:blip>
+          <a:stretch>
+            <a:fillRect/>
+          </a:stretch>
+        </p:blipFill>
+        <p:spPr>
+          <a:xfrm>
+            <a:off x="10441211" y="110689"/>
+            <a:ext cx="1750789" cy="2157949"/>
+          </a:xfrm>
+          <a:prstGeom prst="rect">
+            <a:avLst/>
+          </a:prstGeom>
+        </p:spPr>
+      </p:pic>
+      <p:sp>
+        <p:nvSpPr>
+          <p:cNvPr id="10" name="CaixaDeTexto 9"/>
+          <p:cNvSpPr txBox="1"/>
+          <p:nvPr/>
+        </p:nvSpPr>
+        <p:spPr>
+          <a:xfrm>
+            <a:off x="480725" y="1902793"/>
+            <a:ext cx="8509038" cy="1384995"/>
+          </a:xfrm>
+          <a:prstGeom prst="rect">
+            <a:avLst/>
+          </a:prstGeom>
+          <a:noFill/>
+        </p:spPr>
+        <p:txBody>
+          <a:bodyPr wrap="square" rtlCol="0">
+            <a:spAutoFit/>
+          </a:bodyPr>
+          <a:lstStyle/>
+          <a:p>
+            <a:r>
+              <a:rPr lang="pt-BR" sz="2800" dirty="0" err="1" smtClean="0">
+                <a:solidFill>
+                  <a:srgbClr val="FF0000"/>
+                </a:solidFill>
+              </a:rPr>
+              <a:t>while</a:t>
+            </a:r>
+            <a:r>
+              <a:rPr lang="pt-BR" sz="2800" dirty="0" smtClean="0"/>
+              <a:t>(</a:t>
+            </a:r>
+            <a:r>
+              <a:rPr lang="pt-BR" sz="2800" dirty="0" smtClean="0">
+                <a:solidFill>
+                  <a:srgbClr val="00FF00"/>
+                </a:solidFill>
+              </a:rPr>
+              <a:t>[teste]</a:t>
+            </a:r>
+            <a:r>
+              <a:rPr lang="pt-BR" sz="2800" dirty="0" smtClean="0"/>
+              <a:t>) {</a:t>
+            </a:r>
+            <a:endParaRPr lang="pt-BR" sz="2800" dirty="0"/>
+          </a:p>
+          <a:p>
+            <a:r>
+              <a:rPr lang="pt-BR" sz="2800" dirty="0"/>
+              <a:t>      </a:t>
+            </a:r>
+            <a:r>
+              <a:rPr lang="pt-BR" sz="2800" dirty="0" smtClean="0">
+                <a:solidFill>
+                  <a:srgbClr val="0000FF"/>
+                </a:solidFill>
+              </a:rPr>
+              <a:t>[Bloco de código se a variável for igual ao valor 1]</a:t>
+            </a:r>
+          </a:p>
+          <a:p>
+            <a:r>
+              <a:rPr lang="pt-BR" sz="2800" dirty="0" smtClean="0"/>
+              <a:t>}</a:t>
+            </a:r>
+            <a:endParaRPr lang="pt-BR" sz="2800" dirty="0"/>
+          </a:p>
+        </p:txBody>
+      </p:sp>
+    </p:spTree>
+    <p:extLst>
+      <p:ext uri="{BB962C8B-B14F-4D97-AF65-F5344CB8AC3E}">
+        <p14:creationId xmlns:p14="http://schemas.microsoft.com/office/powerpoint/2010/main" val="1227429573"/>
+      </p:ext>
+    </p:extLst>
+  </p:cSld>
+  <p:clrMapOvr>
+    <a:masterClrMapping/>
+  </p:clrMapOvr>
+  <p:timing>
+    <p:tnLst>
+      <p:par>
+        <p:cTn id="1" dur="indefinite" restart="never" nodeType="tmRoot"/>
+      </p:par>
+    </p:tnLst>
+  </p:timing>
+</p:sld>
+</file>
+
+<file path=ppt/slides/slide21.xml><?xml version="1.0" encoding="utf-8"?>
+<p:sld xmlns:a="http://schemas.openxmlformats.org/drawingml/2006/main" xmlns:r="http://schemas.openxmlformats.org/officeDocument/2006/relationships" xmlns:p="http://schemas.openxmlformats.org/presentationml/2006/main">
+  <p:cSld>
+    <p:spTree>
+      <p:nvGrpSpPr>
+        <p:cNvPr id="1" name=""/>
+        <p:cNvGrpSpPr/>
+        <p:nvPr/>
+      </p:nvGrpSpPr>
+      <p:grpSpPr>
+        <a:xfrm>
+          <a:off x="0" y="0"/>
+          <a:ext cx="0" cy="0"/>
+          <a:chOff x="0" y="0"/>
+          <a:chExt cx="0" cy="0"/>
+        </a:xfrm>
+      </p:grpSpPr>
+      <p:sp>
+        <p:nvSpPr>
+          <p:cNvPr id="2" name="Título 1"/>
+          <p:cNvSpPr>
+            <a:spLocks noGrp="1"/>
+          </p:cNvSpPr>
+          <p:nvPr>
+            <p:ph type="title"/>
+          </p:nvPr>
+        </p:nvSpPr>
+        <p:spPr>
+          <a:xfrm>
+            <a:off x="480725" y="385591"/>
+            <a:ext cx="7914128" cy="685753"/>
+          </a:xfrm>
+        </p:spPr>
+        <p:txBody>
+          <a:bodyPr>
+            <a:normAutofit/>
+          </a:bodyPr>
+          <a:lstStyle/>
+          <a:p>
+            <a:r>
+              <a:rPr lang="pt-BR" sz="3200" dirty="0" smtClean="0">
+                <a:latin typeface="Consolas" panose="020B0609020204030204" pitchFamily="49" charset="0"/>
+              </a:rPr>
+              <a:t>Estrutura </a:t>
+            </a:r>
+            <a:r>
+              <a:rPr lang="pt-BR" sz="3200" dirty="0" smtClean="0">
+                <a:latin typeface="Consolas" panose="020B0609020204030204" pitchFamily="49" charset="0"/>
+              </a:rPr>
+              <a:t>de repetição </a:t>
+            </a:r>
+            <a:r>
+              <a:rPr lang="pt-BR" sz="3200" dirty="0" err="1">
+                <a:latin typeface="Consolas" panose="020B0609020204030204" pitchFamily="49" charset="0"/>
+              </a:rPr>
+              <a:t>W</a:t>
+            </a:r>
+            <a:r>
+              <a:rPr lang="pt-BR" sz="3200" dirty="0" err="1" smtClean="0">
+                <a:latin typeface="Consolas" panose="020B0609020204030204" pitchFamily="49" charset="0"/>
+              </a:rPr>
+              <a:t>hile</a:t>
+            </a:r>
+            <a:endParaRPr lang="pt-BR" sz="3200" dirty="0">
+              <a:latin typeface="Consolas" panose="020B0609020204030204" pitchFamily="49" charset="0"/>
+            </a:endParaRPr>
+          </a:p>
+        </p:txBody>
+      </p:sp>
+      <p:pic>
+        <p:nvPicPr>
+          <p:cNvPr id="4" name="Imagem 3"/>
+          <p:cNvPicPr>
+            <a:picLocks noChangeAspect="1"/>
+          </p:cNvPicPr>
+          <p:nvPr/>
+        </p:nvPicPr>
+        <p:blipFill>
+          <a:blip r:embed="rId2" cstate="print">
+            <a:extLst>
+              <a:ext uri="{28A0092B-C50C-407E-A947-70E740481C1C}">
+                <a14:useLocalDpi xmlns:a14="http://schemas.microsoft.com/office/drawing/2010/main" val="0"/>
+              </a:ext>
+            </a:extLst>
+          </a:blip>
+          <a:stretch>
+            <a:fillRect/>
+          </a:stretch>
+        </p:blipFill>
+        <p:spPr>
+          <a:xfrm>
+            <a:off x="10441211" y="110689"/>
+            <a:ext cx="1750789" cy="2157949"/>
+          </a:xfrm>
+          <a:prstGeom prst="rect">
+            <a:avLst/>
+          </a:prstGeom>
+        </p:spPr>
+      </p:pic>
+      <p:pic>
+        <p:nvPicPr>
+          <p:cNvPr id="3" name="Imagem 2"/>
+          <p:cNvPicPr>
+            <a:picLocks noChangeAspect="1"/>
+          </p:cNvPicPr>
+          <p:nvPr/>
+        </p:nvPicPr>
+        <p:blipFill>
+          <a:blip r:embed="rId3">
+            <a:extLst>
+              <a:ext uri="{28A0092B-C50C-407E-A947-70E740481C1C}">
+                <a14:useLocalDpi xmlns:a14="http://schemas.microsoft.com/office/drawing/2010/main" val="0"/>
+              </a:ext>
+            </a:extLst>
+          </a:blip>
+          <a:stretch>
+            <a:fillRect/>
+          </a:stretch>
+        </p:blipFill>
+        <p:spPr>
+          <a:xfrm>
+            <a:off x="480725" y="1509311"/>
+            <a:ext cx="9285856" cy="4767962"/>
+          </a:xfrm>
+          <a:prstGeom prst="rect">
+            <a:avLst/>
+          </a:prstGeom>
+        </p:spPr>
+      </p:pic>
+      <p:sp>
+        <p:nvSpPr>
+          <p:cNvPr id="6" name="Seta para baixo 5"/>
+          <p:cNvSpPr/>
+          <p:nvPr/>
+        </p:nvSpPr>
+        <p:spPr>
+          <a:xfrm rot="16200000">
+            <a:off x="817685" y="2454805"/>
+            <a:ext cx="309243" cy="442827"/>
+          </a:xfrm>
+          <a:prstGeom prst="downArrow">
+            <a:avLst/>
+          </a:prstGeom>
+          <a:noFill/>
+          <a:ln w="38100">
+            <a:solidFill>
+              <a:schemeClr val="tx1"/>
+            </a:solidFill>
+          </a:ln>
+        </p:spPr>
+        <p:style>
+          <a:lnRef idx="2">
+            <a:schemeClr val="accent1">
+              <a:shade val="50000"/>
+            </a:schemeClr>
+          </a:lnRef>
+          <a:fillRef idx="1">
+            <a:schemeClr val="accent1"/>
+          </a:fillRef>
+          <a:effectRef idx="0">
+            <a:schemeClr val="accent1"/>
+          </a:effectRef>
+          <a:fontRef idx="minor">
+            <a:schemeClr val="lt1"/>
+          </a:fontRef>
+        </p:style>
+        <p:txBody>
+          <a:bodyPr rtlCol="0" anchor="ctr"/>
+          <a:lstStyle/>
+          <a:p>
+            <a:pPr algn="ctr"/>
+            <a:endParaRPr lang="pt-BR"/>
+          </a:p>
+        </p:txBody>
+      </p:sp>
+    </p:spTree>
+    <p:extLst>
+      <p:ext uri="{BB962C8B-B14F-4D97-AF65-F5344CB8AC3E}">
+        <p14:creationId xmlns:p14="http://schemas.microsoft.com/office/powerpoint/2010/main" val="3525897703"/>
+      </p:ext>
+    </p:extLst>
+  </p:cSld>
+  <p:clrMapOvr>
+    <a:masterClrMapping/>
+  </p:clrMapOvr>
+  <p:timing>
+    <p:tnLst>
+      <p:par>
+        <p:cTn id="1" dur="indefinite" restart="never" nodeType="tmRoot">
+          <p:childTnLst>
+            <p:seq concurrent="1" nextAc="seek">
+              <p:cTn id="2" dur="indefinite" nodeType="mainSeq">
+                <p:childTnLst>
+                  <p:par>
+                    <p:cTn id="3" fill="hold">
+                      <p:stCondLst>
+                        <p:cond delay="indefinite"/>
+                      </p:stCondLst>
+                      <p:childTnLst>
+                        <p:par>
+                          <p:cTn id="4" fill="hold">
+                            <p:stCondLst>
+                              <p:cond delay="0"/>
+                            </p:stCondLst>
+                            <p:childTnLst>
+                              <p:par>
+                                <p:cTn id="5" presetID="10" presetClass="entr" presetSubtype="0" fill="hold" grpId="0" nodeType="clickEffect">
+                                  <p:stCondLst>
+                                    <p:cond delay="0"/>
+                                  </p:stCondLst>
+                                  <p:childTnLst>
+                                    <p:set>
+                                      <p:cBhvr>
+                                        <p:cTn id="6" dur="1" fill="hold">
+                                          <p:stCondLst>
+                                            <p:cond delay="0"/>
+                                          </p:stCondLst>
+                                        </p:cTn>
+                                        <p:tgtEl>
+                                          <p:spTgt spid="6"/>
+                                        </p:tgtEl>
+                                        <p:attrNameLst>
+                                          <p:attrName>style.visibility</p:attrName>
+                                        </p:attrNameLst>
+                                      </p:cBhvr>
+                                      <p:to>
+                                        <p:strVal val="visible"/>
+                                      </p:to>
+                                    </p:set>
+                                    <p:animEffect transition="in" filter="fade">
+                                      <p:cBhvr>
+                                        <p:cTn id="7" dur="500"/>
+                                        <p:tgtEl>
+                                          <p:spTgt spid="6"/>
+                                        </p:tgtEl>
+                                      </p:cBhvr>
+                                    </p:animEffect>
+                                  </p:childTnLst>
+                                </p:cTn>
+                              </p:par>
+                            </p:childTnLst>
+                          </p:cTn>
+                        </p:par>
+                      </p:childTnLst>
+                    </p:cTn>
+                  </p:par>
+                </p:childTnLst>
+              </p:cTn>
+              <p:prevCondLst>
+                <p:cond evt="onPrev" delay="0">
+                  <p:tgtEl>
+                    <p:sldTgt/>
+                  </p:tgtEl>
+                </p:cond>
+              </p:prevCondLst>
+              <p:nextCondLst>
+                <p:cond evt="onNext" delay="0">
+                  <p:tgtEl>
+                    <p:sldTgt/>
+                  </p:tgtEl>
+                </p:cond>
+              </p:nextCondLst>
+            </p:seq>
+          </p:childTnLst>
+        </p:cTn>
+      </p:par>
+    </p:tnLst>
+    <p:bldLst>
+      <p:bldP spid="6" grpId="0" animBg="1"/>
+    </p:bldLst>
+  </p:timing>
+</p:sld>
+</file>
+
+<file path=ppt/slides/slide22.xml><?xml version="1.0" encoding="utf-8"?>
+<p:sld xmlns:a="http://schemas.openxmlformats.org/drawingml/2006/main" xmlns:r="http://schemas.openxmlformats.org/officeDocument/2006/relationships" xmlns:p="http://schemas.openxmlformats.org/presentationml/2006/main">
+  <p:cSld>
+    <p:spTree>
+      <p:nvGrpSpPr>
+        <p:cNvPr id="1" name=""/>
+        <p:cNvGrpSpPr/>
+        <p:nvPr/>
+      </p:nvGrpSpPr>
+      <p:grpSpPr>
+        <a:xfrm>
+          <a:off x="0" y="0"/>
+          <a:ext cx="0" cy="0"/>
+          <a:chOff x="0" y="0"/>
+          <a:chExt cx="0" cy="0"/>
+        </a:xfrm>
+      </p:grpSpPr>
+      <p:sp>
+        <p:nvSpPr>
+          <p:cNvPr id="2" name="Título 1"/>
+          <p:cNvSpPr>
+            <a:spLocks noGrp="1"/>
+          </p:cNvSpPr>
+          <p:nvPr>
+            <p:ph type="title"/>
+          </p:nvPr>
+        </p:nvSpPr>
+        <p:spPr>
+          <a:xfrm>
+            <a:off x="480725" y="385591"/>
+            <a:ext cx="7914128" cy="685753"/>
+          </a:xfrm>
+        </p:spPr>
+        <p:txBody>
+          <a:bodyPr>
+            <a:normAutofit/>
+          </a:bodyPr>
+          <a:lstStyle/>
+          <a:p>
+            <a:r>
+              <a:rPr lang="pt-BR" sz="3200" dirty="0" smtClean="0">
+                <a:latin typeface="Consolas" panose="020B0609020204030204" pitchFamily="49" charset="0"/>
+              </a:rPr>
+              <a:t>Estrutura </a:t>
+            </a:r>
+            <a:r>
+              <a:rPr lang="pt-BR" sz="3200" dirty="0" smtClean="0">
+                <a:latin typeface="Consolas" panose="020B0609020204030204" pitchFamily="49" charset="0"/>
+              </a:rPr>
+              <a:t>de repetição </a:t>
+            </a:r>
+            <a:r>
+              <a:rPr lang="pt-BR" sz="3200" dirty="0" err="1">
+                <a:latin typeface="Consolas" panose="020B0609020204030204" pitchFamily="49" charset="0"/>
+              </a:rPr>
+              <a:t>W</a:t>
+            </a:r>
+            <a:r>
+              <a:rPr lang="pt-BR" sz="3200" dirty="0" err="1" smtClean="0">
+                <a:latin typeface="Consolas" panose="020B0609020204030204" pitchFamily="49" charset="0"/>
+              </a:rPr>
+              <a:t>hile</a:t>
+            </a:r>
+            <a:endParaRPr lang="pt-BR" sz="3200" dirty="0">
+              <a:latin typeface="Consolas" panose="020B0609020204030204" pitchFamily="49" charset="0"/>
+            </a:endParaRPr>
+          </a:p>
+        </p:txBody>
+      </p:sp>
+      <p:pic>
+        <p:nvPicPr>
+          <p:cNvPr id="4" name="Imagem 3"/>
+          <p:cNvPicPr>
+            <a:picLocks noChangeAspect="1"/>
+          </p:cNvPicPr>
+          <p:nvPr/>
+        </p:nvPicPr>
+        <p:blipFill>
+          <a:blip r:embed="rId2" cstate="print">
+            <a:extLst>
+              <a:ext uri="{28A0092B-C50C-407E-A947-70E740481C1C}">
+                <a14:useLocalDpi xmlns:a14="http://schemas.microsoft.com/office/drawing/2010/main" val="0"/>
+              </a:ext>
+            </a:extLst>
+          </a:blip>
+          <a:stretch>
+            <a:fillRect/>
+          </a:stretch>
+        </p:blipFill>
+        <p:spPr>
+          <a:xfrm>
+            <a:off x="10441211" y="110689"/>
+            <a:ext cx="1750789" cy="2157949"/>
+          </a:xfrm>
+          <a:prstGeom prst="rect">
+            <a:avLst/>
+          </a:prstGeom>
+        </p:spPr>
+      </p:pic>
+      <p:pic>
+        <p:nvPicPr>
+          <p:cNvPr id="3" name="Imagem 2"/>
+          <p:cNvPicPr>
+            <a:picLocks noChangeAspect="1"/>
+          </p:cNvPicPr>
+          <p:nvPr/>
+        </p:nvPicPr>
+        <p:blipFill>
+          <a:blip r:embed="rId3">
+            <a:extLst>
+              <a:ext uri="{28A0092B-C50C-407E-A947-70E740481C1C}">
+                <a14:useLocalDpi xmlns:a14="http://schemas.microsoft.com/office/drawing/2010/main" val="0"/>
+              </a:ext>
+            </a:extLst>
+          </a:blip>
+          <a:stretch>
+            <a:fillRect/>
+          </a:stretch>
+        </p:blipFill>
+        <p:spPr>
+          <a:xfrm>
+            <a:off x="480725" y="1509311"/>
+            <a:ext cx="9285856" cy="4767962"/>
+          </a:xfrm>
+          <a:prstGeom prst="rect">
+            <a:avLst/>
+          </a:prstGeom>
+        </p:spPr>
+      </p:pic>
+      <p:sp>
+        <p:nvSpPr>
+          <p:cNvPr id="6" name="Seta para baixo 5"/>
+          <p:cNvSpPr/>
+          <p:nvPr/>
+        </p:nvSpPr>
+        <p:spPr>
+          <a:xfrm rot="16200000">
+            <a:off x="817685" y="2917514"/>
+            <a:ext cx="309243" cy="442827"/>
+          </a:xfrm>
+          <a:prstGeom prst="downArrow">
+            <a:avLst/>
+          </a:prstGeom>
+          <a:noFill/>
+          <a:ln w="38100">
+            <a:solidFill>
+              <a:schemeClr val="tx1"/>
+            </a:solidFill>
+          </a:ln>
+        </p:spPr>
+        <p:style>
+          <a:lnRef idx="2">
+            <a:schemeClr val="accent1">
+              <a:shade val="50000"/>
+            </a:schemeClr>
+          </a:lnRef>
+          <a:fillRef idx="1">
+            <a:schemeClr val="accent1"/>
+          </a:fillRef>
+          <a:effectRef idx="0">
+            <a:schemeClr val="accent1"/>
+          </a:effectRef>
+          <a:fontRef idx="minor">
+            <a:schemeClr val="lt1"/>
+          </a:fontRef>
+        </p:style>
+        <p:txBody>
+          <a:bodyPr rtlCol="0" anchor="ctr"/>
+          <a:lstStyle/>
+          <a:p>
+            <a:pPr algn="ctr"/>
+            <a:endParaRPr lang="pt-BR"/>
+          </a:p>
+        </p:txBody>
+      </p:sp>
+      <p:sp>
+        <p:nvSpPr>
+          <p:cNvPr id="8" name="CaixaDeTexto 7"/>
+          <p:cNvSpPr txBox="1"/>
+          <p:nvPr/>
+        </p:nvSpPr>
+        <p:spPr>
+          <a:xfrm>
+            <a:off x="4184401" y="3293549"/>
+            <a:ext cx="5345460" cy="523220"/>
+          </a:xfrm>
+          <a:prstGeom prst="rect">
+            <a:avLst/>
+          </a:prstGeom>
+          <a:noFill/>
+        </p:spPr>
+        <p:txBody>
+          <a:bodyPr wrap="square" rtlCol="0">
+            <a:spAutoFit/>
+          </a:bodyPr>
+          <a:lstStyle/>
+          <a:p>
+            <a:pPr algn="ctr"/>
+            <a:r>
+              <a:rPr lang="pt-BR" sz="2800" b="1" dirty="0">
+                <a:latin typeface="Consolas" panose="020B0609020204030204" pitchFamily="49" charset="0"/>
+              </a:rPr>
+              <a:t>n</a:t>
+            </a:r>
+            <a:r>
+              <a:rPr lang="pt-BR" sz="2800" b="1" dirty="0" smtClean="0">
+                <a:latin typeface="Consolas" panose="020B0609020204030204" pitchFamily="49" charset="0"/>
+              </a:rPr>
+              <a:t>umero é menor que 4?</a:t>
+            </a:r>
+            <a:endParaRPr lang="pt-BR" sz="2800" b="1" dirty="0">
+              <a:latin typeface="Consolas" panose="020B0609020204030204" pitchFamily="49" charset="0"/>
+            </a:endParaRPr>
+          </a:p>
+        </p:txBody>
+      </p:sp>
+      <p:cxnSp>
+        <p:nvCxnSpPr>
+          <p:cNvPr id="9" name="Conector de seta reta 8"/>
+          <p:cNvCxnSpPr/>
+          <p:nvPr/>
+        </p:nvCxnSpPr>
+        <p:spPr>
+          <a:xfrm>
+            <a:off x="2919470" y="3304566"/>
+            <a:ext cx="1795750" cy="275916"/>
+          </a:xfrm>
+          <a:prstGeom prst="straightConnector1">
+            <a:avLst/>
+          </a:prstGeom>
+          <a:ln w="38100">
+            <a:solidFill>
+              <a:schemeClr val="tx1"/>
+            </a:solidFill>
+            <a:tailEnd type="triangle"/>
+          </a:ln>
+        </p:spPr>
+        <p:style>
+          <a:lnRef idx="1">
+            <a:schemeClr val="accent1"/>
+          </a:lnRef>
+          <a:fillRef idx="0">
+            <a:schemeClr val="accent1"/>
+          </a:fillRef>
+          <a:effectRef idx="0">
+            <a:schemeClr val="accent1"/>
+          </a:effectRef>
+          <a:fontRef idx="minor">
+            <a:schemeClr val="tx1"/>
+          </a:fontRef>
+        </p:style>
+      </p:cxnSp>
+      <p:cxnSp>
+        <p:nvCxnSpPr>
+          <p:cNvPr id="10" name="Conector de seta reta 9"/>
+          <p:cNvCxnSpPr/>
+          <p:nvPr/>
+        </p:nvCxnSpPr>
+        <p:spPr>
+          <a:xfrm>
+            <a:off x="8987066" y="3555159"/>
+            <a:ext cx="1027267" cy="0"/>
+          </a:xfrm>
+          <a:prstGeom prst="straightConnector1">
+            <a:avLst/>
+          </a:prstGeom>
+          <a:ln w="38100">
+            <a:solidFill>
+              <a:schemeClr val="tx1"/>
+            </a:solidFill>
+            <a:tailEnd type="triangle"/>
+          </a:ln>
+        </p:spPr>
+        <p:style>
+          <a:lnRef idx="1">
+            <a:schemeClr val="accent1"/>
+          </a:lnRef>
+          <a:fillRef idx="0">
+            <a:schemeClr val="accent1"/>
+          </a:fillRef>
+          <a:effectRef idx="0">
+            <a:schemeClr val="accent1"/>
+          </a:effectRef>
+          <a:fontRef idx="minor">
+            <a:schemeClr val="tx1"/>
+          </a:fontRef>
+        </p:style>
+      </p:cxnSp>
+      <p:sp>
+        <p:nvSpPr>
+          <p:cNvPr id="12" name="CaixaDeTexto 11"/>
+          <p:cNvSpPr txBox="1"/>
+          <p:nvPr/>
+        </p:nvSpPr>
+        <p:spPr>
+          <a:xfrm>
+            <a:off x="9197986" y="3271515"/>
+            <a:ext cx="2484177" cy="523220"/>
+          </a:xfrm>
+          <a:prstGeom prst="rect">
+            <a:avLst/>
+          </a:prstGeom>
+          <a:noFill/>
+        </p:spPr>
+        <p:txBody>
+          <a:bodyPr wrap="square" rtlCol="0">
+            <a:spAutoFit/>
+          </a:bodyPr>
+          <a:lstStyle/>
+          <a:p>
+            <a:pPr algn="ctr"/>
+            <a:r>
+              <a:rPr lang="pt-BR" sz="2800" b="1" dirty="0" err="1" smtClean="0">
+                <a:latin typeface="Consolas" panose="020B0609020204030204" pitchFamily="49" charset="0"/>
+              </a:rPr>
+              <a:t>true</a:t>
+            </a:r>
+            <a:endParaRPr lang="pt-BR" sz="2800" b="1" dirty="0">
+              <a:latin typeface="Consolas" panose="020B0609020204030204" pitchFamily="49" charset="0"/>
+            </a:endParaRPr>
+          </a:p>
+        </p:txBody>
+      </p:sp>
+    </p:spTree>
+    <p:extLst>
+      <p:ext uri="{BB962C8B-B14F-4D97-AF65-F5344CB8AC3E}">
+        <p14:creationId xmlns:p14="http://schemas.microsoft.com/office/powerpoint/2010/main" val="4056858557"/>
+      </p:ext>
+    </p:extLst>
+  </p:cSld>
+  <p:clrMapOvr>
+    <a:masterClrMapping/>
+  </p:clrMapOvr>
+  <p:timing>
+    <p:tnLst>
+      <p:par>
+        <p:cTn id="1" dur="indefinite" restart="never" nodeType="tmRoot">
+          <p:childTnLst>
+            <p:seq concurrent="1" nextAc="seek">
+              <p:cTn id="2" dur="indefinite" nodeType="mainSeq">
+                <p:childTnLst>
+                  <p:par>
+                    <p:cTn id="3" fill="hold">
+                      <p:stCondLst>
+                        <p:cond delay="indefinite"/>
+                      </p:stCondLst>
+                      <p:childTnLst>
+                        <p:par>
+                          <p:cTn id="4" fill="hold">
+                            <p:stCondLst>
+                              <p:cond delay="0"/>
+                            </p:stCondLst>
+                            <p:childTnLst>
+                              <p:par>
+                                <p:cTn id="5" presetID="1" presetClass="entr" presetSubtype="0" fill="hold" grpId="0" nodeType="clickEffect">
+                                  <p:stCondLst>
+                                    <p:cond delay="0"/>
+                                  </p:stCondLst>
+                                  <p:childTnLst>
+                                    <p:set>
+                                      <p:cBhvr>
+                                        <p:cTn id="6" dur="1" fill="hold">
+                                          <p:stCondLst>
+                                            <p:cond delay="0"/>
+                                          </p:stCondLst>
+                                        </p:cTn>
+                                        <p:tgtEl>
+                                          <p:spTgt spid="8"/>
+                                        </p:tgtEl>
+                                        <p:attrNameLst>
+                                          <p:attrName>style.visibility</p:attrName>
+                                        </p:attrNameLst>
+                                      </p:cBhvr>
+                                      <p:to>
+                                        <p:strVal val="visible"/>
+                                      </p:to>
+                                    </p:set>
+                                  </p:childTnLst>
+                                </p:cTn>
+                              </p:par>
+                              <p:par>
+                                <p:cTn id="7" presetID="10" presetClass="entr" presetSubtype="0" fill="hold" nodeType="withEffect">
+                                  <p:stCondLst>
+                                    <p:cond delay="0"/>
+                                  </p:stCondLst>
+                                  <p:childTnLst>
+                                    <p:set>
+                                      <p:cBhvr>
+                                        <p:cTn id="8" dur="1" fill="hold">
+                                          <p:stCondLst>
+                                            <p:cond delay="0"/>
+                                          </p:stCondLst>
+                                        </p:cTn>
+                                        <p:tgtEl>
+                                          <p:spTgt spid="9"/>
+                                        </p:tgtEl>
+                                        <p:attrNameLst>
+                                          <p:attrName>style.visibility</p:attrName>
+                                        </p:attrNameLst>
+                                      </p:cBhvr>
+                                      <p:to>
+                                        <p:strVal val="visible"/>
+                                      </p:to>
+                                    </p:set>
+                                    <p:animEffect transition="in" filter="fade">
+                                      <p:cBhvr>
+                                        <p:cTn id="9" dur="500"/>
+                                        <p:tgtEl>
+                                          <p:spTgt spid="9"/>
+                                        </p:tgtEl>
+                                      </p:cBhvr>
+                                    </p:animEffect>
+                                  </p:childTnLst>
+                                </p:cTn>
+                              </p:par>
+                            </p:childTnLst>
+                          </p:cTn>
+                        </p:par>
+                      </p:childTnLst>
+                    </p:cTn>
+                  </p:par>
+                  <p:par>
+                    <p:cTn id="10" fill="hold">
+                      <p:stCondLst>
+                        <p:cond delay="indefinite"/>
+                      </p:stCondLst>
+                      <p:childTnLst>
+                        <p:par>
+                          <p:cTn id="11" fill="hold">
+                            <p:stCondLst>
+                              <p:cond delay="0"/>
+                            </p:stCondLst>
+                            <p:childTnLst>
+                              <p:par>
+                                <p:cTn id="12" presetID="10" presetClass="entr" presetSubtype="0" fill="hold" nodeType="clickEffect">
+                                  <p:stCondLst>
+                                    <p:cond delay="0"/>
+                                  </p:stCondLst>
+                                  <p:childTnLst>
+                                    <p:set>
+                                      <p:cBhvr>
+                                        <p:cTn id="13" dur="1" fill="hold">
+                                          <p:stCondLst>
+                                            <p:cond delay="0"/>
+                                          </p:stCondLst>
+                                        </p:cTn>
+                                        <p:tgtEl>
+                                          <p:spTgt spid="10"/>
+                                        </p:tgtEl>
+                                        <p:attrNameLst>
+                                          <p:attrName>style.visibility</p:attrName>
+                                        </p:attrNameLst>
+                                      </p:cBhvr>
+                                      <p:to>
+                                        <p:strVal val="visible"/>
+                                      </p:to>
+                                    </p:set>
+                                    <p:animEffect transition="in" filter="fade">
+                                      <p:cBhvr>
+                                        <p:cTn id="14" dur="500"/>
+                                        <p:tgtEl>
+                                          <p:spTgt spid="10"/>
+                                        </p:tgtEl>
+                                      </p:cBhvr>
+                                    </p:animEffect>
+                                  </p:childTnLst>
+                                </p:cTn>
+                              </p:par>
+                              <p:par>
+                                <p:cTn id="15" presetID="1" presetClass="entr" presetSubtype="0" fill="hold" grpId="0" nodeType="withEffect">
+                                  <p:stCondLst>
+                                    <p:cond delay="0"/>
+                                  </p:stCondLst>
+                                  <p:childTnLst>
+                                    <p:set>
+                                      <p:cBhvr>
+                                        <p:cTn id="16" dur="1" fill="hold">
+                                          <p:stCondLst>
+                                            <p:cond delay="0"/>
+                                          </p:stCondLst>
+                                        </p:cTn>
+                                        <p:tgtEl>
+                                          <p:spTgt spid="12"/>
+                                        </p:tgtEl>
+                                        <p:attrNameLst>
+                                          <p:attrName>style.visibility</p:attrName>
+                                        </p:attrNameLst>
+                                      </p:cBhvr>
+                                      <p:to>
+                                        <p:strVal val="visible"/>
+                                      </p:to>
+                                    </p:set>
+                                  </p:childTnLst>
+                                </p:cTn>
+                              </p:par>
+                            </p:childTnLst>
+                          </p:cTn>
+                        </p:par>
+                      </p:childTnLst>
+                    </p:cTn>
+                  </p:par>
+                </p:childTnLst>
+              </p:cTn>
+              <p:prevCondLst>
+                <p:cond evt="onPrev" delay="0">
+                  <p:tgtEl>
+                    <p:sldTgt/>
+                  </p:tgtEl>
+                </p:cond>
+              </p:prevCondLst>
+              <p:nextCondLst>
+                <p:cond evt="onNext" delay="0">
+                  <p:tgtEl>
+                    <p:sldTgt/>
+                  </p:tgtEl>
+                </p:cond>
+              </p:nextCondLst>
+            </p:seq>
+          </p:childTnLst>
+        </p:cTn>
+      </p:par>
+    </p:tnLst>
+    <p:bldLst>
+      <p:bldP spid="8" grpId="0"/>
+      <p:bldP spid="12" grpId="0"/>
+    </p:bldLst>
+  </p:timing>
+</p:sld>
+</file>
+
+<file path=ppt/slides/slide23.xml><?xml version="1.0" encoding="utf-8"?>
+<p:sld xmlns:a="http://schemas.openxmlformats.org/drawingml/2006/main" xmlns:r="http://schemas.openxmlformats.org/officeDocument/2006/relationships" xmlns:p="http://schemas.openxmlformats.org/presentationml/2006/main">
+  <p:cSld>
+    <p:spTree>
+      <p:nvGrpSpPr>
+        <p:cNvPr id="1" name=""/>
+        <p:cNvGrpSpPr/>
+        <p:nvPr/>
+      </p:nvGrpSpPr>
+      <p:grpSpPr>
+        <a:xfrm>
+          <a:off x="0" y="0"/>
+          <a:ext cx="0" cy="0"/>
+          <a:chOff x="0" y="0"/>
+          <a:chExt cx="0" cy="0"/>
+        </a:xfrm>
+      </p:grpSpPr>
+      <p:sp>
+        <p:nvSpPr>
+          <p:cNvPr id="2" name="Título 1"/>
+          <p:cNvSpPr>
+            <a:spLocks noGrp="1"/>
+          </p:cNvSpPr>
+          <p:nvPr>
+            <p:ph type="title"/>
+          </p:nvPr>
+        </p:nvSpPr>
+        <p:spPr>
+          <a:xfrm>
+            <a:off x="480725" y="385591"/>
+            <a:ext cx="7914128" cy="685753"/>
+          </a:xfrm>
+        </p:spPr>
+        <p:txBody>
+          <a:bodyPr>
+            <a:normAutofit/>
+          </a:bodyPr>
+          <a:lstStyle/>
+          <a:p>
+            <a:r>
+              <a:rPr lang="pt-BR" sz="3200" dirty="0" smtClean="0">
+                <a:latin typeface="Consolas" panose="020B0609020204030204" pitchFamily="49" charset="0"/>
+              </a:rPr>
+              <a:t>Estrutura </a:t>
+            </a:r>
+            <a:r>
+              <a:rPr lang="pt-BR" sz="3200" dirty="0" smtClean="0">
+                <a:latin typeface="Consolas" panose="020B0609020204030204" pitchFamily="49" charset="0"/>
+              </a:rPr>
+              <a:t>de repetição </a:t>
+            </a:r>
+            <a:r>
+              <a:rPr lang="pt-BR" sz="3200" dirty="0" err="1">
+                <a:latin typeface="Consolas" panose="020B0609020204030204" pitchFamily="49" charset="0"/>
+              </a:rPr>
+              <a:t>W</a:t>
+            </a:r>
+            <a:r>
+              <a:rPr lang="pt-BR" sz="3200" dirty="0" err="1" smtClean="0">
+                <a:latin typeface="Consolas" panose="020B0609020204030204" pitchFamily="49" charset="0"/>
+              </a:rPr>
+              <a:t>hile</a:t>
+            </a:r>
+            <a:endParaRPr lang="pt-BR" sz="3200" dirty="0">
+              <a:latin typeface="Consolas" panose="020B0609020204030204" pitchFamily="49" charset="0"/>
+            </a:endParaRPr>
+          </a:p>
+        </p:txBody>
+      </p:sp>
+      <p:pic>
+        <p:nvPicPr>
+          <p:cNvPr id="4" name="Imagem 3"/>
+          <p:cNvPicPr>
+            <a:picLocks noChangeAspect="1"/>
+          </p:cNvPicPr>
+          <p:nvPr/>
+        </p:nvPicPr>
+        <p:blipFill>
+          <a:blip r:embed="rId2" cstate="print">
+            <a:extLst>
+              <a:ext uri="{28A0092B-C50C-407E-A947-70E740481C1C}">
+                <a14:useLocalDpi xmlns:a14="http://schemas.microsoft.com/office/drawing/2010/main" val="0"/>
+              </a:ext>
+            </a:extLst>
+          </a:blip>
+          <a:stretch>
+            <a:fillRect/>
+          </a:stretch>
+        </p:blipFill>
+        <p:spPr>
+          <a:xfrm>
+            <a:off x="10441211" y="110689"/>
+            <a:ext cx="1750789" cy="2157949"/>
+          </a:xfrm>
+          <a:prstGeom prst="rect">
+            <a:avLst/>
+          </a:prstGeom>
+        </p:spPr>
+      </p:pic>
+      <p:pic>
+        <p:nvPicPr>
+          <p:cNvPr id="3" name="Imagem 2"/>
+          <p:cNvPicPr>
+            <a:picLocks noChangeAspect="1"/>
+          </p:cNvPicPr>
+          <p:nvPr/>
+        </p:nvPicPr>
+        <p:blipFill>
+          <a:blip r:embed="rId3">
+            <a:extLst>
+              <a:ext uri="{28A0092B-C50C-407E-A947-70E740481C1C}">
+                <a14:useLocalDpi xmlns:a14="http://schemas.microsoft.com/office/drawing/2010/main" val="0"/>
+              </a:ext>
+            </a:extLst>
+          </a:blip>
+          <a:stretch>
+            <a:fillRect/>
+          </a:stretch>
+        </p:blipFill>
+        <p:spPr>
+          <a:xfrm>
+            <a:off x="480725" y="1509311"/>
+            <a:ext cx="9285856" cy="4767962"/>
+          </a:xfrm>
+          <a:prstGeom prst="rect">
+            <a:avLst/>
+          </a:prstGeom>
+        </p:spPr>
+      </p:pic>
+      <p:sp>
+        <p:nvSpPr>
+          <p:cNvPr id="6" name="Seta para baixo 5"/>
+          <p:cNvSpPr/>
+          <p:nvPr/>
+        </p:nvSpPr>
+        <p:spPr>
+          <a:xfrm rot="16200000">
+            <a:off x="1522765" y="3864964"/>
+            <a:ext cx="309243" cy="442827"/>
+          </a:xfrm>
+          <a:prstGeom prst="downArrow">
+            <a:avLst/>
+          </a:prstGeom>
+          <a:noFill/>
+          <a:ln w="38100">
+            <a:solidFill>
+              <a:schemeClr val="tx1"/>
+            </a:solidFill>
+          </a:ln>
+        </p:spPr>
+        <p:style>
+          <a:lnRef idx="2">
+            <a:schemeClr val="accent1">
+              <a:shade val="50000"/>
+            </a:schemeClr>
+          </a:lnRef>
+          <a:fillRef idx="1">
+            <a:schemeClr val="accent1"/>
+          </a:fillRef>
+          <a:effectRef idx="0">
+            <a:schemeClr val="accent1"/>
+          </a:effectRef>
+          <a:fontRef idx="minor">
+            <a:schemeClr val="lt1"/>
+          </a:fontRef>
+        </p:style>
+        <p:txBody>
+          <a:bodyPr rtlCol="0" anchor="ctr"/>
+          <a:lstStyle/>
+          <a:p>
+            <a:pPr algn="ctr"/>
+            <a:endParaRPr lang="pt-BR"/>
+          </a:p>
+        </p:txBody>
+      </p:sp>
+      <p:sp>
+        <p:nvSpPr>
+          <p:cNvPr id="7" name="CaixaDeTexto 6"/>
+          <p:cNvSpPr txBox="1"/>
+          <p:nvPr/>
+        </p:nvSpPr>
+        <p:spPr>
+          <a:xfrm>
+            <a:off x="7216048" y="3609323"/>
+            <a:ext cx="2401605" cy="954107"/>
+          </a:xfrm>
+          <a:prstGeom prst="rect">
+            <a:avLst/>
+          </a:prstGeom>
+          <a:noFill/>
+        </p:spPr>
+        <p:txBody>
+          <a:bodyPr wrap="square" rtlCol="0">
+            <a:spAutoFit/>
+          </a:bodyPr>
+          <a:lstStyle/>
+          <a:p>
+            <a:pPr algn="ctr"/>
+            <a:r>
+              <a:rPr lang="pt-BR" sz="2800" b="1" dirty="0" smtClean="0">
+                <a:latin typeface="Consolas" panose="020B0609020204030204" pitchFamily="49" charset="0"/>
+              </a:rPr>
+              <a:t>Imprime </a:t>
+            </a:r>
+          </a:p>
+          <a:p>
+            <a:pPr algn="ctr"/>
+            <a:r>
+              <a:rPr lang="pt-BR" sz="2800" b="1" dirty="0" smtClean="0">
+                <a:latin typeface="Consolas" panose="020B0609020204030204" pitchFamily="49" charset="0"/>
+              </a:rPr>
+              <a:t>1 na tela</a:t>
+            </a:r>
+            <a:endParaRPr lang="pt-BR" sz="2800" b="1" dirty="0">
+              <a:latin typeface="Consolas" panose="020B0609020204030204" pitchFamily="49" charset="0"/>
+            </a:endParaRPr>
+          </a:p>
+        </p:txBody>
+      </p:sp>
+      <p:cxnSp>
+        <p:nvCxnSpPr>
+          <p:cNvPr id="8" name="Conector de seta reta 7"/>
+          <p:cNvCxnSpPr/>
+          <p:nvPr/>
+        </p:nvCxnSpPr>
+        <p:spPr>
+          <a:xfrm>
+            <a:off x="6995711" y="4086377"/>
+            <a:ext cx="440675" cy="0"/>
+          </a:xfrm>
+          <a:prstGeom prst="straightConnector1">
+            <a:avLst/>
+          </a:prstGeom>
+          <a:ln w="38100">
+            <a:solidFill>
+              <a:schemeClr val="tx1"/>
+            </a:solidFill>
+            <a:tailEnd type="triangle"/>
+          </a:ln>
+        </p:spPr>
+        <p:style>
+          <a:lnRef idx="1">
+            <a:schemeClr val="accent1"/>
+          </a:lnRef>
+          <a:fillRef idx="0">
+            <a:schemeClr val="accent1"/>
+          </a:fillRef>
+          <a:effectRef idx="0">
+            <a:schemeClr val="accent1"/>
+          </a:effectRef>
+          <a:fontRef idx="minor">
+            <a:schemeClr val="tx1"/>
+          </a:fontRef>
+        </p:style>
+      </p:cxnSp>
+    </p:spTree>
+    <p:extLst>
+      <p:ext uri="{BB962C8B-B14F-4D97-AF65-F5344CB8AC3E}">
+        <p14:creationId xmlns:p14="http://schemas.microsoft.com/office/powerpoint/2010/main" val="1243444969"/>
+      </p:ext>
+    </p:extLst>
+  </p:cSld>
+  <p:clrMapOvr>
+    <a:masterClrMapping/>
+  </p:clrMapOvr>
+  <p:timing>
+    <p:tnLst>
+      <p:par>
+        <p:cTn id="1" dur="indefinite" restart="never" nodeType="tmRoot">
+          <p:childTnLst>
+            <p:seq concurrent="1" nextAc="seek">
+              <p:cTn id="2" dur="indefinite" nodeType="mainSeq">
+                <p:childTnLst>
+                  <p:par>
+                    <p:cTn id="3" fill="hold">
+                      <p:stCondLst>
+                        <p:cond delay="indefinite"/>
+                      </p:stCondLst>
+                      <p:childTnLst>
+                        <p:par>
+                          <p:cTn id="4" fill="hold">
+                            <p:stCondLst>
+                              <p:cond delay="0"/>
+                            </p:stCondLst>
+                            <p:childTnLst>
+                              <p:par>
+                                <p:cTn id="5" presetID="1" presetClass="entr" presetSubtype="0" fill="hold" grpId="0" nodeType="clickEffect">
+                                  <p:stCondLst>
+                                    <p:cond delay="0"/>
+                                  </p:stCondLst>
+                                  <p:childTnLst>
+                                    <p:set>
+                                      <p:cBhvr>
+                                        <p:cTn id="6" dur="1" fill="hold">
+                                          <p:stCondLst>
+                                            <p:cond delay="0"/>
+                                          </p:stCondLst>
+                                        </p:cTn>
+                                        <p:tgtEl>
+                                          <p:spTgt spid="7"/>
+                                        </p:tgtEl>
+                                        <p:attrNameLst>
+                                          <p:attrName>style.visibility</p:attrName>
+                                        </p:attrNameLst>
+                                      </p:cBhvr>
+                                      <p:to>
+                                        <p:strVal val="visible"/>
+                                      </p:to>
+                                    </p:set>
+                                  </p:childTnLst>
+                                </p:cTn>
+                              </p:par>
+                              <p:par>
+                                <p:cTn id="7" presetID="10" presetClass="entr" presetSubtype="0" fill="hold" nodeType="withEffect">
+                                  <p:stCondLst>
+                                    <p:cond delay="0"/>
+                                  </p:stCondLst>
+                                  <p:childTnLst>
+                                    <p:set>
+                                      <p:cBhvr>
+                                        <p:cTn id="8" dur="1" fill="hold">
+                                          <p:stCondLst>
+                                            <p:cond delay="0"/>
+                                          </p:stCondLst>
+                                        </p:cTn>
+                                        <p:tgtEl>
+                                          <p:spTgt spid="8"/>
+                                        </p:tgtEl>
+                                        <p:attrNameLst>
+                                          <p:attrName>style.visibility</p:attrName>
+                                        </p:attrNameLst>
+                                      </p:cBhvr>
+                                      <p:to>
+                                        <p:strVal val="visible"/>
+                                      </p:to>
+                                    </p:set>
+                                    <p:animEffect transition="in" filter="fade">
+                                      <p:cBhvr>
+                                        <p:cTn id="9" dur="500"/>
+                                        <p:tgtEl>
+                                          <p:spTgt spid="8"/>
+                                        </p:tgtEl>
+                                      </p:cBhvr>
+                                    </p:animEffect>
+                                  </p:childTnLst>
+                                </p:cTn>
+                              </p:par>
+                            </p:childTnLst>
+                          </p:cTn>
+                        </p:par>
+                      </p:childTnLst>
+                    </p:cTn>
+                  </p:par>
+                </p:childTnLst>
+              </p:cTn>
+              <p:prevCondLst>
+                <p:cond evt="onPrev" delay="0">
+                  <p:tgtEl>
+                    <p:sldTgt/>
+                  </p:tgtEl>
+                </p:cond>
+              </p:prevCondLst>
+              <p:nextCondLst>
+                <p:cond evt="onNext" delay="0">
+                  <p:tgtEl>
+                    <p:sldTgt/>
+                  </p:tgtEl>
+                </p:cond>
+              </p:nextCondLst>
+            </p:seq>
+          </p:childTnLst>
+        </p:cTn>
+      </p:par>
+    </p:tnLst>
+    <p:bldLst>
+      <p:bldP spid="7" grpId="0"/>
+    </p:bldLst>
+  </p:timing>
+</p:sld>
+</file>
+
+<file path=ppt/slides/slide24.xml><?xml version="1.0" encoding="utf-8"?>
+<p:sld xmlns:a="http://schemas.openxmlformats.org/drawingml/2006/main" xmlns:r="http://schemas.openxmlformats.org/officeDocument/2006/relationships" xmlns:p="http://schemas.openxmlformats.org/presentationml/2006/main">
+  <p:cSld>
+    <p:spTree>
+      <p:nvGrpSpPr>
+        <p:cNvPr id="1" name=""/>
+        <p:cNvGrpSpPr/>
+        <p:nvPr/>
+      </p:nvGrpSpPr>
+      <p:grpSpPr>
+        <a:xfrm>
+          <a:off x="0" y="0"/>
+          <a:ext cx="0" cy="0"/>
+          <a:chOff x="0" y="0"/>
+          <a:chExt cx="0" cy="0"/>
+        </a:xfrm>
+      </p:grpSpPr>
+      <p:sp>
+        <p:nvSpPr>
+          <p:cNvPr id="2" name="Título 1"/>
+          <p:cNvSpPr>
+            <a:spLocks noGrp="1"/>
+          </p:cNvSpPr>
+          <p:nvPr>
+            <p:ph type="title"/>
+          </p:nvPr>
+        </p:nvSpPr>
+        <p:spPr>
+          <a:xfrm>
+            <a:off x="480725" y="385591"/>
+            <a:ext cx="7914128" cy="685753"/>
+          </a:xfrm>
+        </p:spPr>
+        <p:txBody>
+          <a:bodyPr>
+            <a:normAutofit/>
+          </a:bodyPr>
+          <a:lstStyle/>
+          <a:p>
+            <a:r>
+              <a:rPr lang="pt-BR" sz="3200" dirty="0" smtClean="0">
+                <a:latin typeface="Consolas" panose="020B0609020204030204" pitchFamily="49" charset="0"/>
+              </a:rPr>
+              <a:t>Estrutura </a:t>
+            </a:r>
+            <a:r>
+              <a:rPr lang="pt-BR" sz="3200" dirty="0" smtClean="0">
+                <a:latin typeface="Consolas" panose="020B0609020204030204" pitchFamily="49" charset="0"/>
+              </a:rPr>
+              <a:t>de repetição </a:t>
+            </a:r>
+            <a:r>
+              <a:rPr lang="pt-BR" sz="3200" dirty="0" err="1">
+                <a:latin typeface="Consolas" panose="020B0609020204030204" pitchFamily="49" charset="0"/>
+              </a:rPr>
+              <a:t>W</a:t>
+            </a:r>
+            <a:r>
+              <a:rPr lang="pt-BR" sz="3200" dirty="0" err="1" smtClean="0">
+                <a:latin typeface="Consolas" panose="020B0609020204030204" pitchFamily="49" charset="0"/>
+              </a:rPr>
+              <a:t>hile</a:t>
+            </a:r>
+            <a:endParaRPr lang="pt-BR" sz="3200" dirty="0">
+              <a:latin typeface="Consolas" panose="020B0609020204030204" pitchFamily="49" charset="0"/>
+            </a:endParaRPr>
+          </a:p>
+        </p:txBody>
+      </p:sp>
+      <p:pic>
+        <p:nvPicPr>
+          <p:cNvPr id="4" name="Imagem 3"/>
+          <p:cNvPicPr>
+            <a:picLocks noChangeAspect="1"/>
+          </p:cNvPicPr>
+          <p:nvPr/>
+        </p:nvPicPr>
+        <p:blipFill>
+          <a:blip r:embed="rId2" cstate="print">
+            <a:extLst>
+              <a:ext uri="{28A0092B-C50C-407E-A947-70E740481C1C}">
+                <a14:useLocalDpi xmlns:a14="http://schemas.microsoft.com/office/drawing/2010/main" val="0"/>
+              </a:ext>
+            </a:extLst>
+          </a:blip>
+          <a:stretch>
+            <a:fillRect/>
+          </a:stretch>
+        </p:blipFill>
+        <p:spPr>
+          <a:xfrm>
+            <a:off x="10441211" y="110689"/>
+            <a:ext cx="1750789" cy="2157949"/>
+          </a:xfrm>
+          <a:prstGeom prst="rect">
+            <a:avLst/>
+          </a:prstGeom>
+        </p:spPr>
+      </p:pic>
+      <p:pic>
+        <p:nvPicPr>
+          <p:cNvPr id="3" name="Imagem 2"/>
+          <p:cNvPicPr>
+            <a:picLocks noChangeAspect="1"/>
+          </p:cNvPicPr>
+          <p:nvPr/>
+        </p:nvPicPr>
+        <p:blipFill>
+          <a:blip r:embed="rId3">
+            <a:extLst>
+              <a:ext uri="{28A0092B-C50C-407E-A947-70E740481C1C}">
+                <a14:useLocalDpi xmlns:a14="http://schemas.microsoft.com/office/drawing/2010/main" val="0"/>
+              </a:ext>
+            </a:extLst>
+          </a:blip>
+          <a:stretch>
+            <a:fillRect/>
+          </a:stretch>
+        </p:blipFill>
+        <p:spPr>
+          <a:xfrm>
+            <a:off x="480725" y="1509311"/>
+            <a:ext cx="9285856" cy="4767962"/>
+          </a:xfrm>
+          <a:prstGeom prst="rect">
+            <a:avLst/>
+          </a:prstGeom>
+        </p:spPr>
+      </p:pic>
+      <p:sp>
+        <p:nvSpPr>
+          <p:cNvPr id="6" name="Seta para baixo 5"/>
+          <p:cNvSpPr/>
+          <p:nvPr/>
+        </p:nvSpPr>
+        <p:spPr>
+          <a:xfrm rot="16200000">
+            <a:off x="1522765" y="4790380"/>
+            <a:ext cx="309243" cy="442827"/>
+          </a:xfrm>
+          <a:prstGeom prst="downArrow">
+            <a:avLst/>
+          </a:prstGeom>
+          <a:noFill/>
+          <a:ln w="38100">
+            <a:solidFill>
+              <a:schemeClr val="tx1"/>
+            </a:solidFill>
+          </a:ln>
+        </p:spPr>
+        <p:style>
+          <a:lnRef idx="2">
+            <a:schemeClr val="accent1">
+              <a:shade val="50000"/>
+            </a:schemeClr>
+          </a:lnRef>
+          <a:fillRef idx="1">
+            <a:schemeClr val="accent1"/>
+          </a:fillRef>
+          <a:effectRef idx="0">
+            <a:schemeClr val="accent1"/>
+          </a:effectRef>
+          <a:fontRef idx="minor">
+            <a:schemeClr val="lt1"/>
+          </a:fontRef>
+        </p:style>
+        <p:txBody>
+          <a:bodyPr rtlCol="0" anchor="ctr"/>
+          <a:lstStyle/>
+          <a:p>
+            <a:pPr algn="ctr"/>
+            <a:endParaRPr lang="pt-BR"/>
+          </a:p>
+        </p:txBody>
+      </p:sp>
+      <p:sp>
+        <p:nvSpPr>
+          <p:cNvPr id="7" name="CaixaDeTexto 6"/>
+          <p:cNvSpPr txBox="1"/>
+          <p:nvPr/>
+        </p:nvSpPr>
+        <p:spPr>
+          <a:xfrm>
+            <a:off x="6334699" y="4772218"/>
+            <a:ext cx="4726237" cy="400110"/>
+          </a:xfrm>
+          <a:prstGeom prst="rect">
+            <a:avLst/>
+          </a:prstGeom>
+          <a:noFill/>
+        </p:spPr>
+        <p:txBody>
+          <a:bodyPr wrap="square" rtlCol="0">
+            <a:spAutoFit/>
+          </a:bodyPr>
+          <a:lstStyle/>
+          <a:p>
+            <a:r>
+              <a:rPr lang="pt-BR" sz="2000" b="1" dirty="0">
+                <a:latin typeface="Consolas" panose="020B0609020204030204" pitchFamily="49" charset="0"/>
+              </a:rPr>
+              <a:t>n</a:t>
+            </a:r>
+            <a:r>
+              <a:rPr lang="pt-BR" sz="2000" b="1" dirty="0" smtClean="0">
+                <a:latin typeface="Consolas" panose="020B0609020204030204" pitchFamily="49" charset="0"/>
+              </a:rPr>
+              <a:t>umero = numero + 1</a:t>
+            </a:r>
+            <a:endParaRPr lang="pt-BR" sz="2000" b="1" dirty="0">
+              <a:latin typeface="Consolas" panose="020B0609020204030204" pitchFamily="49" charset="0"/>
+            </a:endParaRPr>
+          </a:p>
+        </p:txBody>
+      </p:sp>
+      <p:cxnSp>
+        <p:nvCxnSpPr>
+          <p:cNvPr id="8" name="Conector de seta reta 7"/>
+          <p:cNvCxnSpPr/>
+          <p:nvPr/>
+        </p:nvCxnSpPr>
+        <p:spPr>
+          <a:xfrm>
+            <a:off x="5894024" y="4989760"/>
+            <a:ext cx="440675" cy="0"/>
+          </a:xfrm>
+          <a:prstGeom prst="straightConnector1">
+            <a:avLst/>
+          </a:prstGeom>
+          <a:ln w="38100">
+            <a:solidFill>
+              <a:schemeClr val="tx1"/>
+            </a:solidFill>
+            <a:tailEnd type="triangle"/>
+          </a:ln>
+        </p:spPr>
+        <p:style>
+          <a:lnRef idx="1">
+            <a:schemeClr val="accent1"/>
+          </a:lnRef>
+          <a:fillRef idx="0">
+            <a:schemeClr val="accent1"/>
+          </a:fillRef>
+          <a:effectRef idx="0">
+            <a:schemeClr val="accent1"/>
+          </a:effectRef>
+          <a:fontRef idx="minor">
+            <a:schemeClr val="tx1"/>
+          </a:fontRef>
+        </p:style>
+      </p:cxnSp>
+      <p:sp>
+        <p:nvSpPr>
+          <p:cNvPr id="9" name="CaixaDeTexto 8"/>
+          <p:cNvSpPr txBox="1"/>
+          <p:nvPr/>
+        </p:nvSpPr>
+        <p:spPr>
+          <a:xfrm>
+            <a:off x="6334698" y="5124635"/>
+            <a:ext cx="4726237" cy="400110"/>
+          </a:xfrm>
+          <a:prstGeom prst="rect">
+            <a:avLst/>
+          </a:prstGeom>
+          <a:noFill/>
+        </p:spPr>
+        <p:txBody>
+          <a:bodyPr wrap="square" rtlCol="0">
+            <a:spAutoFit/>
+          </a:bodyPr>
+          <a:lstStyle/>
+          <a:p>
+            <a:r>
+              <a:rPr lang="pt-BR" sz="2000" b="1" dirty="0">
+                <a:latin typeface="Consolas" panose="020B0609020204030204" pitchFamily="49" charset="0"/>
+              </a:rPr>
+              <a:t>n</a:t>
+            </a:r>
+            <a:r>
+              <a:rPr lang="pt-BR" sz="2000" b="1" dirty="0" smtClean="0">
+                <a:latin typeface="Consolas" panose="020B0609020204030204" pitchFamily="49" charset="0"/>
+              </a:rPr>
+              <a:t>umero = 1 + 1</a:t>
+            </a:r>
+            <a:endParaRPr lang="pt-BR" sz="2000" b="1" dirty="0">
+              <a:latin typeface="Consolas" panose="020B0609020204030204" pitchFamily="49" charset="0"/>
+            </a:endParaRPr>
+          </a:p>
+        </p:txBody>
+      </p:sp>
+      <p:sp>
+        <p:nvSpPr>
+          <p:cNvPr id="10" name="CaixaDeTexto 9"/>
+          <p:cNvSpPr txBox="1"/>
+          <p:nvPr/>
+        </p:nvSpPr>
+        <p:spPr>
+          <a:xfrm>
+            <a:off x="6343879" y="5464324"/>
+            <a:ext cx="3152662" cy="830997"/>
+          </a:xfrm>
+          <a:prstGeom prst="rect">
+            <a:avLst/>
+          </a:prstGeom>
+          <a:noFill/>
+        </p:spPr>
+        <p:txBody>
+          <a:bodyPr wrap="square" rtlCol="0">
+            <a:spAutoFit/>
+          </a:bodyPr>
+          <a:lstStyle/>
+          <a:p>
+            <a:r>
+              <a:rPr lang="pt-BR" sz="1600" b="1" dirty="0" smtClean="0">
+                <a:latin typeface="Consolas" panose="020B0609020204030204" pitchFamily="49" charset="0"/>
+              </a:rPr>
+              <a:t>numero	vale 2 agora e todo o processo se reinicia</a:t>
+            </a:r>
+            <a:endParaRPr lang="pt-BR" sz="1600" b="1" dirty="0">
+              <a:latin typeface="Consolas" panose="020B0609020204030204" pitchFamily="49" charset="0"/>
+            </a:endParaRPr>
+          </a:p>
+        </p:txBody>
+      </p:sp>
+    </p:spTree>
+    <p:extLst>
+      <p:ext uri="{BB962C8B-B14F-4D97-AF65-F5344CB8AC3E}">
+        <p14:creationId xmlns:p14="http://schemas.microsoft.com/office/powerpoint/2010/main" val="2124873687"/>
+      </p:ext>
+    </p:extLst>
+  </p:cSld>
+  <p:clrMapOvr>
+    <a:masterClrMapping/>
+  </p:clrMapOvr>
+  <p:timing>
+    <p:tnLst>
+      <p:par>
+        <p:cTn id="1" dur="indefinite" restart="never" nodeType="tmRoot">
+          <p:childTnLst>
+            <p:seq concurrent="1" nextAc="seek">
+              <p:cTn id="2" dur="indefinite" nodeType="mainSeq">
+                <p:childTnLst>
+                  <p:par>
+                    <p:cTn id="3" fill="hold">
+                      <p:stCondLst>
+                        <p:cond delay="indefinite"/>
+                      </p:stCondLst>
+                      <p:childTnLst>
+                        <p:par>
+                          <p:cTn id="4" fill="hold">
+                            <p:stCondLst>
+                              <p:cond delay="0"/>
+                            </p:stCondLst>
+                            <p:childTnLst>
+                              <p:par>
+                                <p:cTn id="5" presetID="1" presetClass="entr" presetSubtype="0" fill="hold" grpId="0" nodeType="clickEffect">
+                                  <p:stCondLst>
+                                    <p:cond delay="0"/>
+                                  </p:stCondLst>
+                                  <p:childTnLst>
+                                    <p:set>
+                                      <p:cBhvr>
+                                        <p:cTn id="6" dur="1" fill="hold">
+                                          <p:stCondLst>
+                                            <p:cond delay="0"/>
+                                          </p:stCondLst>
+                                        </p:cTn>
+                                        <p:tgtEl>
+                                          <p:spTgt spid="7"/>
+                                        </p:tgtEl>
+                                        <p:attrNameLst>
+                                          <p:attrName>style.visibility</p:attrName>
+                                        </p:attrNameLst>
+                                      </p:cBhvr>
+                                      <p:to>
+                                        <p:strVal val="visible"/>
+                                      </p:to>
+                                    </p:set>
+                                  </p:childTnLst>
+                                </p:cTn>
+                              </p:par>
+                              <p:par>
+                                <p:cTn id="7" presetID="10" presetClass="entr" presetSubtype="0" fill="hold" nodeType="withEffect">
+                                  <p:stCondLst>
+                                    <p:cond delay="0"/>
+                                  </p:stCondLst>
+                                  <p:childTnLst>
+                                    <p:set>
+                                      <p:cBhvr>
+                                        <p:cTn id="8" dur="1" fill="hold">
+                                          <p:stCondLst>
+                                            <p:cond delay="0"/>
+                                          </p:stCondLst>
+                                        </p:cTn>
+                                        <p:tgtEl>
+                                          <p:spTgt spid="8"/>
+                                        </p:tgtEl>
+                                        <p:attrNameLst>
+                                          <p:attrName>style.visibility</p:attrName>
+                                        </p:attrNameLst>
+                                      </p:cBhvr>
+                                      <p:to>
+                                        <p:strVal val="visible"/>
+                                      </p:to>
+                                    </p:set>
+                                    <p:animEffect transition="in" filter="fade">
+                                      <p:cBhvr>
+                                        <p:cTn id="9" dur="500"/>
+                                        <p:tgtEl>
+                                          <p:spTgt spid="8"/>
+                                        </p:tgtEl>
+                                      </p:cBhvr>
+                                    </p:animEffect>
+                                  </p:childTnLst>
+                                </p:cTn>
+                              </p:par>
+                            </p:childTnLst>
+                          </p:cTn>
+                        </p:par>
+                      </p:childTnLst>
+                    </p:cTn>
+                  </p:par>
+                  <p:par>
+                    <p:cTn id="10" fill="hold">
+                      <p:stCondLst>
+                        <p:cond delay="indefinite"/>
+                      </p:stCondLst>
+                      <p:childTnLst>
+                        <p:par>
+                          <p:cTn id="11" fill="hold">
+                            <p:stCondLst>
+                              <p:cond delay="0"/>
+                            </p:stCondLst>
+                            <p:childTnLst>
+                              <p:par>
+                                <p:cTn id="12" presetID="1" presetClass="entr" presetSubtype="0" fill="hold" grpId="0" nodeType="clickEffect">
+                                  <p:stCondLst>
+                                    <p:cond delay="0"/>
+                                  </p:stCondLst>
+                                  <p:childTnLst>
+                                    <p:set>
+                                      <p:cBhvr>
+                                        <p:cTn id="13" dur="1" fill="hold">
+                                          <p:stCondLst>
+                                            <p:cond delay="0"/>
+                                          </p:stCondLst>
+                                        </p:cTn>
+                                        <p:tgtEl>
+                                          <p:spTgt spid="9"/>
+                                        </p:tgtEl>
+                                        <p:attrNameLst>
+                                          <p:attrName>style.visibility</p:attrName>
+                                        </p:attrNameLst>
+                                      </p:cBhvr>
+                                      <p:to>
+                                        <p:strVal val="visible"/>
+                                      </p:to>
+                                    </p:set>
+                                  </p:childTnLst>
+                                </p:cTn>
+                              </p:par>
+                            </p:childTnLst>
+                          </p:cTn>
+                        </p:par>
+                      </p:childTnLst>
+                    </p:cTn>
+                  </p:par>
+                  <p:par>
+                    <p:cTn id="14" fill="hold">
+                      <p:stCondLst>
+                        <p:cond delay="indefinite"/>
+                      </p:stCondLst>
+                      <p:childTnLst>
+                        <p:par>
+                          <p:cTn id="15" fill="hold">
+                            <p:stCondLst>
+                              <p:cond delay="0"/>
+                            </p:stCondLst>
+                            <p:childTnLst>
+                              <p:par>
+                                <p:cTn id="16" presetID="1" presetClass="entr" presetSubtype="0" fill="hold" grpId="0" nodeType="clickEffect">
+                                  <p:stCondLst>
+                                    <p:cond delay="0"/>
+                                  </p:stCondLst>
+                                  <p:childTnLst>
+                                    <p:set>
+                                      <p:cBhvr>
+                                        <p:cTn id="17" dur="1" fill="hold">
+                                          <p:stCondLst>
+                                            <p:cond delay="0"/>
+                                          </p:stCondLst>
+                                        </p:cTn>
+                                        <p:tgtEl>
+                                          <p:spTgt spid="10"/>
+                                        </p:tgtEl>
+                                        <p:attrNameLst>
+                                          <p:attrName>style.visibility</p:attrName>
+                                        </p:attrNameLst>
+                                      </p:cBhvr>
+                                      <p:to>
+                                        <p:strVal val="visible"/>
+                                      </p:to>
+                                    </p:set>
+                                  </p:childTnLst>
+                                </p:cTn>
+                              </p:par>
+                            </p:childTnLst>
+                          </p:cTn>
+                        </p:par>
+                      </p:childTnLst>
+                    </p:cTn>
+                  </p:par>
+                </p:childTnLst>
+              </p:cTn>
+              <p:prevCondLst>
+                <p:cond evt="onPrev" delay="0">
+                  <p:tgtEl>
+                    <p:sldTgt/>
+                  </p:tgtEl>
+                </p:cond>
+              </p:prevCondLst>
+              <p:nextCondLst>
+                <p:cond evt="onNext" delay="0">
+                  <p:tgtEl>
+                    <p:sldTgt/>
+                  </p:tgtEl>
+                </p:cond>
+              </p:nextCondLst>
+            </p:seq>
+          </p:childTnLst>
+        </p:cTn>
+      </p:par>
+    </p:tnLst>
+    <p:bldLst>
+      <p:bldP spid="7" grpId="0"/>
+      <p:bldP spid="9" grpId="0"/>
+      <p:bldP spid="10" grpId="0"/>
+    </p:bldLst>
+  </p:timing>
+</p:sld>
+</file>
+
 <file path=ppt/slides/slide3.xml><?xml version="1.0" encoding="utf-8"?>
 <p:sld xmlns:a="http://schemas.openxmlformats.org/drawingml/2006/main" xmlns:r="http://schemas.openxmlformats.org/officeDocument/2006/relationships" xmlns:p="http://schemas.openxmlformats.org/presentationml/2006/main">
   <p:cSld>
@@ -16834,9 +19675,6 @@
               </a:rPr>
               <a:t>Memória RAM</a:t>
             </a:r>
-            <a:endParaRPr lang="pt-BR" sz="2800" dirty="0" smtClean="0">
-              <a:latin typeface="Consolas" panose="020B0609020204030204" pitchFamily="49" charset="0"/>
-            </a:endParaRPr>
           </a:p>
         </p:txBody>
       </p:sp>
@@ -16993,12 +19831,6 @@
               </a:rPr>
               <a:t>2</a:t>
             </a:r>
-            <a:endParaRPr lang="pt-BR" sz="3200" b="1" dirty="0">
-              <a:solidFill>
-                <a:srgbClr val="00FF00"/>
-              </a:solidFill>
-              <a:latin typeface="Consolas" panose="020B0609020204030204" pitchFamily="49" charset="0"/>
-            </a:endParaRPr>
           </a:p>
         </p:txBody>
       </p:sp>
@@ -17055,12 +19887,6 @@
               </a:rPr>
               <a:t>3</a:t>
             </a:r>
-            <a:endParaRPr lang="pt-BR" sz="3200" b="1" dirty="0">
-              <a:solidFill>
-                <a:srgbClr val="00FF00"/>
-              </a:solidFill>
-              <a:latin typeface="Consolas" panose="020B0609020204030204" pitchFamily="49" charset="0"/>
-            </a:endParaRPr>
           </a:p>
         </p:txBody>
       </p:sp>
@@ -17223,12 +20049,6 @@
               </a:rPr>
               <a:t>2</a:t>
             </a:r>
-            <a:endParaRPr lang="pt-BR" sz="2000" b="1" dirty="0">
-              <a:solidFill>
-                <a:srgbClr val="00FF00"/>
-              </a:solidFill>
-              <a:latin typeface="Consolas" panose="020B0609020204030204" pitchFamily="49" charset="0"/>
-            </a:endParaRPr>
           </a:p>
         </p:txBody>
       </p:sp>

--- a/material_de_apoio/resumo_pratico.pptx
+++ b/material_de_apoio/resumo_pratico.pptx
@@ -5,7 +5,7 @@
     <p:sldMasterId id="2147483660" r:id="rId1"/>
   </p:sldMasterIdLst>
   <p:notesMasterIdLst>
-    <p:notesMasterId r:id="rId26"/>
+    <p:notesMasterId r:id="rId43"/>
   </p:notesMasterIdLst>
   <p:sldIdLst>
     <p:sldId id="256" r:id="rId2"/>
@@ -26,12 +26,29 @@
     <p:sldId id="270" r:id="rId17"/>
     <p:sldId id="271" r:id="rId18"/>
     <p:sldId id="273" r:id="rId19"/>
-    <p:sldId id="274" r:id="rId20"/>
-    <p:sldId id="275" r:id="rId21"/>
-    <p:sldId id="276" r:id="rId22"/>
-    <p:sldId id="277" r:id="rId23"/>
-    <p:sldId id="278" r:id="rId24"/>
-    <p:sldId id="279" r:id="rId25"/>
+    <p:sldId id="287" r:id="rId20"/>
+    <p:sldId id="288" r:id="rId21"/>
+    <p:sldId id="289" r:id="rId22"/>
+    <p:sldId id="290" r:id="rId23"/>
+    <p:sldId id="291" r:id="rId24"/>
+    <p:sldId id="292" r:id="rId25"/>
+    <p:sldId id="274" r:id="rId26"/>
+    <p:sldId id="275" r:id="rId27"/>
+    <p:sldId id="276" r:id="rId28"/>
+    <p:sldId id="277" r:id="rId29"/>
+    <p:sldId id="278" r:id="rId30"/>
+    <p:sldId id="279" r:id="rId31"/>
+    <p:sldId id="280" r:id="rId32"/>
+    <p:sldId id="281" r:id="rId33"/>
+    <p:sldId id="282" r:id="rId34"/>
+    <p:sldId id="283" r:id="rId35"/>
+    <p:sldId id="284" r:id="rId36"/>
+    <p:sldId id="285" r:id="rId37"/>
+    <p:sldId id="286" r:id="rId38"/>
+    <p:sldId id="293" r:id="rId39"/>
+    <p:sldId id="294" r:id="rId40"/>
+    <p:sldId id="295" r:id="rId41"/>
+    <p:sldId id="296" r:id="rId42"/>
   </p:sldIdLst>
   <p:sldSz cx="12192000" cy="6858000"/>
   <p:notesSz cx="6858000" cy="9144000"/>
@@ -220,7 +237,7 @@
           <a:p>
             <a:fld id="{84F8FAB4-CDC9-4783-9150-ADAB9E9698F4}" type="datetimeFigureOut">
               <a:rPr lang="pt-BR" smtClean="0"/>
-              <a:t>01/03/2023</a:t>
+              <a:t>02/03/2023</a:t>
             </a:fld>
             <a:endParaRPr lang="pt-BR"/>
           </a:p>
@@ -703,7 +720,7 @@
           <a:p>
             <a:fld id="{6808C966-7050-4632-AD51-45F5537B7264}" type="datetimeFigureOut">
               <a:rPr lang="pt-BR" smtClean="0"/>
-              <a:t>01/03/2023</a:t>
+              <a:t>02/03/2023</a:t>
             </a:fld>
             <a:endParaRPr lang="pt-BR"/>
           </a:p>
@@ -873,7 +890,7 @@
           <a:p>
             <a:fld id="{6808C966-7050-4632-AD51-45F5537B7264}" type="datetimeFigureOut">
               <a:rPr lang="pt-BR" smtClean="0"/>
-              <a:t>01/03/2023</a:t>
+              <a:t>02/03/2023</a:t>
             </a:fld>
             <a:endParaRPr lang="pt-BR"/>
           </a:p>
@@ -1053,7 +1070,7 @@
           <a:p>
             <a:fld id="{6808C966-7050-4632-AD51-45F5537B7264}" type="datetimeFigureOut">
               <a:rPr lang="pt-BR" smtClean="0"/>
-              <a:t>01/03/2023</a:t>
+              <a:t>02/03/2023</a:t>
             </a:fld>
             <a:endParaRPr lang="pt-BR"/>
           </a:p>
@@ -1223,7 +1240,7 @@
           <a:p>
             <a:fld id="{6808C966-7050-4632-AD51-45F5537B7264}" type="datetimeFigureOut">
               <a:rPr lang="pt-BR" smtClean="0"/>
-              <a:t>01/03/2023</a:t>
+              <a:t>02/03/2023</a:t>
             </a:fld>
             <a:endParaRPr lang="pt-BR"/>
           </a:p>
@@ -1469,7 +1486,7 @@
           <a:p>
             <a:fld id="{6808C966-7050-4632-AD51-45F5537B7264}" type="datetimeFigureOut">
               <a:rPr lang="pt-BR" smtClean="0"/>
-              <a:t>01/03/2023</a:t>
+              <a:t>02/03/2023</a:t>
             </a:fld>
             <a:endParaRPr lang="pt-BR"/>
           </a:p>
@@ -1701,7 +1718,7 @@
           <a:p>
             <a:fld id="{6808C966-7050-4632-AD51-45F5537B7264}" type="datetimeFigureOut">
               <a:rPr lang="pt-BR" smtClean="0"/>
-              <a:t>01/03/2023</a:t>
+              <a:t>02/03/2023</a:t>
             </a:fld>
             <a:endParaRPr lang="pt-BR"/>
           </a:p>
@@ -2068,7 +2085,7 @@
           <a:p>
             <a:fld id="{6808C966-7050-4632-AD51-45F5537B7264}" type="datetimeFigureOut">
               <a:rPr lang="pt-BR" smtClean="0"/>
-              <a:t>01/03/2023</a:t>
+              <a:t>02/03/2023</a:t>
             </a:fld>
             <a:endParaRPr lang="pt-BR"/>
           </a:p>
@@ -2186,7 +2203,7 @@
           <a:p>
             <a:fld id="{6808C966-7050-4632-AD51-45F5537B7264}" type="datetimeFigureOut">
               <a:rPr lang="pt-BR" smtClean="0"/>
-              <a:t>01/03/2023</a:t>
+              <a:t>02/03/2023</a:t>
             </a:fld>
             <a:endParaRPr lang="pt-BR"/>
           </a:p>
@@ -2281,7 +2298,7 @@
           <a:p>
             <a:fld id="{6808C966-7050-4632-AD51-45F5537B7264}" type="datetimeFigureOut">
               <a:rPr lang="pt-BR" smtClean="0"/>
-              <a:t>01/03/2023</a:t>
+              <a:t>02/03/2023</a:t>
             </a:fld>
             <a:endParaRPr lang="pt-BR"/>
           </a:p>
@@ -2558,7 +2575,7 @@
           <a:p>
             <a:fld id="{6808C966-7050-4632-AD51-45F5537B7264}" type="datetimeFigureOut">
               <a:rPr lang="pt-BR" smtClean="0"/>
-              <a:t>01/03/2023</a:t>
+              <a:t>02/03/2023</a:t>
             </a:fld>
             <a:endParaRPr lang="pt-BR"/>
           </a:p>
@@ -2815,7 +2832,7 @@
           <a:p>
             <a:fld id="{6808C966-7050-4632-AD51-45F5537B7264}" type="datetimeFigureOut">
               <a:rPr lang="pt-BR" smtClean="0"/>
-              <a:t>01/03/2023</a:t>
+              <a:t>02/03/2023</a:t>
             </a:fld>
             <a:endParaRPr lang="pt-BR"/>
           </a:p>
@@ -3028,7 +3045,7 @@
           <a:p>
             <a:fld id="{6808C966-7050-4632-AD51-45F5537B7264}" type="datetimeFigureOut">
               <a:rPr lang="pt-BR" smtClean="0"/>
-              <a:t>01/03/2023</a:t>
+              <a:t>02/03/2023</a:t>
             </a:fld>
             <a:endParaRPr lang="pt-BR"/>
           </a:p>
@@ -15129,19 +15146,7 @@
               <a:rPr lang="pt-BR" sz="3200" dirty="0" smtClean="0">
                 <a:latin typeface="Consolas" panose="020B0609020204030204" pitchFamily="49" charset="0"/>
               </a:rPr>
-              <a:t>Estrutura </a:t>
-            </a:r>
-            <a:r>
-              <a:rPr lang="pt-BR" sz="3200" dirty="0" smtClean="0">
-                <a:latin typeface="Consolas" panose="020B0609020204030204" pitchFamily="49" charset="0"/>
-              </a:rPr>
-              <a:t>condicional Switch </a:t>
-            </a:r>
-            <a:r>
-              <a:rPr lang="pt-BR" sz="3200" dirty="0" smtClean="0">
-                <a:latin typeface="Consolas" panose="020B0609020204030204" pitchFamily="49" charset="0"/>
-              </a:rPr>
-              <a:t>Case</a:t>
+              <a:t>Estrutura condicional Switch Case</a:t>
             </a:r>
             <a:endParaRPr lang="pt-BR" sz="3200" dirty="0">
               <a:latin typeface="Consolas" panose="020B0609020204030204" pitchFamily="49" charset="0"/>
@@ -15343,7 +15348,6 @@
               <a:rPr lang="pt-BR" sz="2800" dirty="0"/>
               <a:t>: </a:t>
             </a:r>
-            <a:endParaRPr lang="pt-BR" sz="2800" dirty="0"/>
           </a:p>
           <a:p>
             <a:r>
@@ -15612,13 +15616,13 @@
       </p:pic>
       <p:sp>
         <p:nvSpPr>
-          <p:cNvPr id="6" name="Seta para baixo 5"/>
+          <p:cNvPr id="9" name="Seta para baixo 8"/>
           <p:cNvSpPr/>
           <p:nvPr/>
         </p:nvSpPr>
         <p:spPr>
           <a:xfrm rot="5400000">
-            <a:off x="1214293" y="3052965"/>
+            <a:off x="1657120" y="400992"/>
             <a:ext cx="309243" cy="442827"/>
           </a:xfrm>
           <a:prstGeom prst="downArrow">
@@ -15658,130 +15662,84 @@
       </p:sp>
       <p:sp>
         <p:nvSpPr>
-          <p:cNvPr id="7" name="Seta para baixo 6"/>
-          <p:cNvSpPr/>
+          <p:cNvPr id="12" name="CaixaDeTexto 11"/>
+          <p:cNvSpPr txBox="1"/>
           <p:nvPr/>
         </p:nvSpPr>
         <p:spPr>
-          <a:xfrm rot="16200000">
-            <a:off x="4990738" y="2669702"/>
-            <a:ext cx="309243" cy="1651566"/>
-          </a:xfrm>
-          <a:prstGeom prst="downArrow">
+          <a:xfrm>
+            <a:off x="4542210" y="1281687"/>
+            <a:ext cx="3783484" cy="523220"/>
+          </a:xfrm>
+          <a:prstGeom prst="rect">
             <a:avLst/>
           </a:prstGeom>
           <a:noFill/>
+        </p:spPr>
+        <p:txBody>
+          <a:bodyPr wrap="square" rtlCol="0">
+            <a:spAutoFit/>
+          </a:bodyPr>
+          <a:lstStyle/>
+          <a:p>
+            <a:r>
+              <a:rPr lang="pt-BR" sz="2800" b="1" dirty="0" err="1" smtClean="0">
+                <a:latin typeface="Consolas" panose="020B0609020204030204" pitchFamily="49" charset="0"/>
+              </a:rPr>
+              <a:t>day</a:t>
+            </a:r>
+            <a:r>
+              <a:rPr lang="pt-BR" sz="2800" b="1" dirty="0" smtClean="0">
+                <a:latin typeface="Consolas" panose="020B0609020204030204" pitchFamily="49" charset="0"/>
+              </a:rPr>
+              <a:t> recebe 4</a:t>
+            </a:r>
+            <a:endParaRPr lang="pt-BR" sz="2800" b="1" dirty="0">
+              <a:latin typeface="Consolas" panose="020B0609020204030204" pitchFamily="49" charset="0"/>
+            </a:endParaRPr>
+          </a:p>
+        </p:txBody>
+      </p:sp>
+      <p:cxnSp>
+        <p:nvCxnSpPr>
+          <p:cNvPr id="13" name="Conector de seta reta 12"/>
+          <p:cNvCxnSpPr/>
+          <p:nvPr/>
+        </p:nvCxnSpPr>
+        <p:spPr>
+          <a:xfrm>
+            <a:off x="2169460" y="639069"/>
+            <a:ext cx="2312825" cy="948959"/>
+          </a:xfrm>
+          <a:prstGeom prst="straightConnector1">
+            <a:avLst/>
+          </a:prstGeom>
           <a:ln w="38100">
             <a:solidFill>
               <a:schemeClr val="tx1"/>
             </a:solidFill>
+            <a:tailEnd type="triangle"/>
           </a:ln>
         </p:spPr>
         <p:style>
-          <a:lnRef idx="2">
-            <a:schemeClr val="accent1">
-              <a:shade val="50000"/>
-            </a:schemeClr>
+          <a:lnRef idx="1">
+            <a:schemeClr val="accent1"/>
           </a:lnRef>
-          <a:fillRef idx="1">
+          <a:fillRef idx="0">
             <a:schemeClr val="accent1"/>
           </a:fillRef>
           <a:effectRef idx="0">
             <a:schemeClr val="accent1"/>
           </a:effectRef>
           <a:fontRef idx="minor">
-            <a:schemeClr val="lt1"/>
+            <a:schemeClr val="tx1"/>
           </a:fontRef>
         </p:style>
-        <p:txBody>
-          <a:bodyPr rtlCol="0" anchor="ctr"/>
-          <a:lstStyle/>
-          <a:p>
-            <a:pPr algn="ctr"/>
-            <a:endParaRPr lang="pt-BR"/>
-          </a:p>
-        </p:txBody>
-      </p:sp>
-      <p:pic>
-        <p:nvPicPr>
-          <p:cNvPr id="5" name="Imagem 4"/>
-          <p:cNvPicPr>
-            <a:picLocks noChangeAspect="1"/>
-          </p:cNvPicPr>
-          <p:nvPr/>
-        </p:nvPicPr>
-        <p:blipFill>
-          <a:blip r:embed="rId4">
-            <a:extLst>
-              <a:ext uri="{28A0092B-C50C-407E-A947-70E740481C1C}">
-                <a14:useLocalDpi xmlns:a14="http://schemas.microsoft.com/office/drawing/2010/main" val="0"/>
-              </a:ext>
-            </a:extLst>
-          </a:blip>
-          <a:stretch>
-            <a:fillRect/>
-          </a:stretch>
-        </p:blipFill>
-        <p:spPr>
-          <a:xfrm>
-            <a:off x="6046870" y="2491292"/>
-            <a:ext cx="5159566" cy="1918714"/>
-          </a:xfrm>
-          <a:prstGeom prst="rect">
-            <a:avLst/>
-          </a:prstGeom>
-        </p:spPr>
-      </p:pic>
-      <p:sp>
-        <p:nvSpPr>
-          <p:cNvPr id="9" name="Seta para baixo 8"/>
-          <p:cNvSpPr/>
-          <p:nvPr/>
-        </p:nvSpPr>
-        <p:spPr>
-          <a:xfrm rot="5400000">
-            <a:off x="1657120" y="400992"/>
-            <a:ext cx="309243" cy="442827"/>
-          </a:xfrm>
-          <a:prstGeom prst="downArrow">
-            <a:avLst/>
-          </a:prstGeom>
-          <a:noFill/>
-          <a:ln w="38100">
-            <a:solidFill>
-              <a:schemeClr val="tx1"/>
-            </a:solidFill>
-          </a:ln>
-        </p:spPr>
-        <p:style>
-          <a:lnRef idx="2">
-            <a:schemeClr val="accent1">
-              <a:shade val="50000"/>
-            </a:schemeClr>
-          </a:lnRef>
-          <a:fillRef idx="1">
-            <a:schemeClr val="accent1"/>
-          </a:fillRef>
-          <a:effectRef idx="0">
-            <a:schemeClr val="accent1"/>
-          </a:effectRef>
-          <a:fontRef idx="minor">
-            <a:schemeClr val="lt1"/>
-          </a:fontRef>
-        </p:style>
-        <p:txBody>
-          <a:bodyPr rtlCol="0" anchor="ctr"/>
-          <a:lstStyle/>
-          <a:p>
-            <a:pPr algn="ctr"/>
-            <a:endParaRPr lang="pt-BR"/>
-          </a:p>
-        </p:txBody>
-      </p:sp>
+      </p:cxnSp>
     </p:spTree>
     <p:extLst>
       <p:ext uri="{BB962C8B-B14F-4D97-AF65-F5344CB8AC3E}">
-        <p14:creationId xmlns:p14="http://schemas.microsoft.com/office/powerpoint/2010/main" val="3733390997"/>
+        <p14:creationId xmlns:p14="http://schemas.microsoft.com/office/powerpoint/2010/main" val="646823178"/>
       </p:ext>
     </p:extLst>
   </p:cSld>
@@ -15800,6 +15758,9 @@
                     <p:cTn id="3" fill="hold">
                       <p:stCondLst>
                         <p:cond delay="indefinite"/>
+                        <p:cond evt="onBegin" delay="0">
+                          <p:tn val="2"/>
+                        </p:cond>
                       </p:stCondLst>
                       <p:childTnLst>
                         <p:par>
@@ -15809,7 +15770,7 @@
                             </p:stCondLst>
                             <p:childTnLst>
                               <p:par>
-                                <p:cTn id="5" presetID="10" presetClass="entr" presetSubtype="0" fill="hold" grpId="0" nodeType="clickEffect">
+                                <p:cTn id="5" presetID="10" presetClass="entr" presetSubtype="0" fill="hold" grpId="0" nodeType="withEffect">
                                   <p:stCondLst>
                                     <p:cond delay="0"/>
                                   </p:stCondLst>
@@ -15822,7 +15783,7 @@
                                           </p:stCondLst>
                                         </p:cTn>
                                         <p:tgtEl>
-                                          <p:spTgt spid="6"/>
+                                          <p:spTgt spid="9"/>
                                         </p:tgtEl>
                                         <p:attrNameLst>
                                           <p:attrName>style.visibility</p:attrName>
@@ -15835,41 +15796,6 @@
                                     <p:animEffect transition="in" filter="fade">
                                       <p:cBhvr>
                                         <p:cTn id="7" dur="500"/>
-                                        <p:tgtEl>
-                                          <p:spTgt spid="6"/>
-                                        </p:tgtEl>
-                                      </p:cBhvr>
-                                    </p:animEffect>
-                                  </p:childTnLst>
-                                </p:cTn>
-                              </p:par>
-                              <p:par>
-                                <p:cTn id="8" presetID="10" presetClass="entr" presetSubtype="0" fill="hold" grpId="0" nodeType="withEffect">
-                                  <p:stCondLst>
-                                    <p:cond delay="0"/>
-                                  </p:stCondLst>
-                                  <p:childTnLst>
-                                    <p:set>
-                                      <p:cBhvr>
-                                        <p:cTn id="9" dur="1" fill="hold">
-                                          <p:stCondLst>
-                                            <p:cond delay="0"/>
-                                          </p:stCondLst>
-                                        </p:cTn>
-                                        <p:tgtEl>
-                                          <p:spTgt spid="9"/>
-                                        </p:tgtEl>
-                                        <p:attrNameLst>
-                                          <p:attrName>style.visibility</p:attrName>
-                                        </p:attrNameLst>
-                                      </p:cBhvr>
-                                      <p:to>
-                                        <p:strVal val="visible"/>
-                                      </p:to>
-                                    </p:set>
-                                    <p:animEffect transition="in" filter="fade">
-                                      <p:cBhvr>
-                                        <p:cTn id="10" dur="500"/>
                                         <p:tgtEl>
                                           <p:spTgt spid="9"/>
                                         </p:tgtEl>
@@ -15885,32 +15811,67 @@
                     </p:cTn>
                   </p:par>
                   <p:par>
-                    <p:cTn id="11" fill="hold">
+                    <p:cTn id="8" fill="hold">
                       <p:stCondLst>
                         <p:cond delay="indefinite"/>
                       </p:stCondLst>
                       <p:childTnLst>
                         <p:par>
-                          <p:cTn id="12" fill="hold">
+                          <p:cTn id="9" fill="hold">
                             <p:stCondLst>
                               <p:cond delay="0"/>
                             </p:stCondLst>
                             <p:childTnLst>
                               <p:par>
-                                <p:cTn id="13" presetID="10" presetClass="entr" presetSubtype="0" fill="hold" grpId="0" nodeType="clickEffect">
+                                <p:cTn id="10" presetID="10" presetClass="entr" presetSubtype="0" fill="hold" grpId="0" nodeType="clickEffect">
                                   <p:stCondLst>
                                     <p:cond delay="0"/>
                                   </p:stCondLst>
                                   <p:childTnLst>
                                     <p:set>
                                       <p:cBhvr>
+                                        <p:cTn id="11" dur="1" fill="hold">
+                                          <p:stCondLst>
+                                            <p:cond delay="0"/>
+                                          </p:stCondLst>
+                                        </p:cTn>
+                                        <p:tgtEl>
+                                          <p:spTgt spid="12"/>
+                                        </p:tgtEl>
+                                        <p:attrNameLst>
+                                          <p:attrName>style.visibility</p:attrName>
+                                        </p:attrNameLst>
+                                      </p:cBhvr>
+                                      <p:to>
+                                        <p:strVal val="visible"/>
+                                      </p:to>
+                                    </p:set>
+                                    <p:animEffect transition="in" filter="fade">
+                                      <p:cBhvr>
+                                        <p:cTn id="12" dur="500"/>
+                                        <p:tgtEl>
+                                          <p:spTgt spid="12"/>
+                                        </p:tgtEl>
+                                      </p:cBhvr>
+                                    </p:animEffect>
+                                  </p:childTnLst>
+                                </p:cTn>
+                              </p:par>
+                              <p:par>
+                                <p:cTn id="13" presetID="10" presetClass="entr" presetSubtype="0" fill="hold" nodeType="withEffect">
+                                  <p:stCondLst>
+                                    <p:cond delay="0"/>
+                                  </p:stCondLst>
+                                  <p:childTnLst>
+                                    <p:set>
+                                      <p:cBhvr>
                                         <p:cTn id="14" dur="1" fill="hold">
                                           <p:stCondLst>
                                             <p:cond delay="0"/>
                                           </p:stCondLst>
                                         </p:cTn>
                                         <p:tgtEl>
-                                          <p:spTgt spid="7"/>
+                                          <p:spTgt spid="13"/>
                                         </p:tgtEl>
                                         <p:attrNameLst>
                                           <p:attrName>style.visibility</p:attrName>
@@ -15924,42 +15885,7 @@
                                       <p:cBhvr>
                                         <p:cTn id="15" dur="500"/>
                                         <p:tgtEl>
-                                          <p:spTgt spid="7"/>
-                                        </p:tgtEl>
-                                      </p:cBhvr>
-                                    </p:animEffect>
-                                  </p:childTnLst>
-                                </p:cTn>
-                              </p:par>
-                              <p:par>
-                                <p:cTn id="16" presetID="10" presetClass="entr" presetSubtype="0" fill="hold" nodeType="withEffect">
-                                  <p:stCondLst>
-                                    <p:cond delay="0"/>
-                                  </p:stCondLst>
-                                  <p:childTnLst>
-                                    <p:set>
-                                      <p:cBhvr>
-                                        <p:cTn id="17" dur="1" fill="hold">
-                                          <p:stCondLst>
-                                            <p:cond delay="0"/>
-                                          </p:stCondLst>
-                                        </p:cTn>
-                                        <p:tgtEl>
-                                          <p:spTgt spid="5"/>
-                                        </p:tgtEl>
-                                        <p:attrNameLst>
-                                          <p:attrName>style.visibility</p:attrName>
-                                        </p:attrNameLst>
-                                      </p:cBhvr>
-                                      <p:to>
-                                        <p:strVal val="visible"/>
-                                      </p:to>
-                                    </p:set>
-                                    <p:animEffect transition="in" filter="fade">
-                                      <p:cBhvr>
-                                        <p:cTn id="18" dur="500"/>
-                                        <p:tgtEl>
-                                          <p:spTgt spid="5"/>
+                                          <p:spTgt spid="13"/>
                                         </p:tgtEl>
                                       </p:cBhvr>
                                     </p:animEffect>
@@ -15994,9 +15920,8 @@
       </p:par>
     </p:tnLst>
     <p:bldLst>
-      <p:bldP spid="6" grpId="0" animBg="1"/>
-      <p:bldP spid="7" grpId="0" animBg="1"/>
       <p:bldP spid="9" grpId="0" animBg="1"/>
+      <p:bldP spid="12" grpId="0"/>
     </p:bldLst>
   </p:timing>
 </p:sld>
@@ -17446,13 +17371,13 @@
         </p:nvSpPr>
         <p:spPr>
           <a:xfrm>
-            <a:off x="480725" y="385591"/>
-            <a:ext cx="7914128" cy="685753"/>
+            <a:off x="4270525" y="132204"/>
+            <a:ext cx="7506504" cy="685753"/>
           </a:xfrm>
         </p:spPr>
         <p:txBody>
           <a:bodyPr>
-            <a:normAutofit/>
+            <a:normAutofit fontScale="90000"/>
           </a:bodyPr>
           <a:lstStyle/>
           <a:p>
@@ -17463,22 +17388,16 @@
               <a:t>Estrutura </a:t>
             </a:r>
             <a:r>
+              <a:rPr lang="pt-BR" sz="3200" dirty="0">
+                <a:latin typeface="Consolas" panose="020B0609020204030204" pitchFamily="49" charset="0"/>
+              </a:rPr>
+              <a:t>condicional Switch </a:t>
+            </a:r>
+            <a:r>
               <a:rPr lang="pt-BR" sz="3200" dirty="0" smtClean="0">
                 <a:latin typeface="Consolas" panose="020B0609020204030204" pitchFamily="49" charset="0"/>
               </a:rPr>
-              <a:t>de repetição </a:t>
-            </a:r>
-            <a:r>
-              <a:rPr lang="pt-BR" sz="3200" dirty="0" err="1">
-                <a:latin typeface="Consolas" panose="020B0609020204030204" pitchFamily="49" charset="0"/>
-              </a:rPr>
-              <a:t>W</a:t>
-            </a:r>
-            <a:r>
-              <a:rPr lang="pt-BR" sz="3200" dirty="0" err="1" smtClean="0">
-                <a:latin typeface="Consolas" panose="020B0609020204030204" pitchFamily="49" charset="0"/>
-              </a:rPr>
-              <a:t>hile</a:t>
+              <a:t>Case</a:t>
             </a:r>
             <a:endParaRPr lang="pt-BR" sz="3200" dirty="0">
               <a:latin typeface="Consolas" panose="020B0609020204030204" pitchFamily="49" charset="0"/>
@@ -17516,16 +17435,92 @@
           </a:prstGeom>
         </p:spPr>
       </p:pic>
+      <p:pic>
+        <p:nvPicPr>
+          <p:cNvPr id="3" name="Imagem 2"/>
+          <p:cNvPicPr>
+            <a:picLocks noChangeAspect="1"/>
+          </p:cNvPicPr>
+          <p:nvPr/>
+        </p:nvPicPr>
+        <p:blipFill>
+          <a:blip r:embed="rId3">
+            <a:extLst>
+              <a:ext uri="{28A0092B-C50C-407E-A947-70E740481C1C}">
+                <a14:useLocalDpi xmlns:a14="http://schemas.microsoft.com/office/drawing/2010/main" val="0"/>
+              </a:ext>
+            </a:extLst>
+          </a:blip>
+          <a:stretch>
+            <a:fillRect/>
+          </a:stretch>
+        </p:blipFill>
+        <p:spPr>
+          <a:xfrm>
+            <a:off x="0" y="0"/>
+            <a:ext cx="4264492" cy="6858000"/>
+          </a:xfrm>
+          <a:prstGeom prst="rect">
+            <a:avLst/>
+          </a:prstGeom>
+        </p:spPr>
+      </p:pic>
       <p:sp>
         <p:nvSpPr>
-          <p:cNvPr id="10" name="CaixaDeTexto 9"/>
+          <p:cNvPr id="9" name="Seta para baixo 8"/>
+          <p:cNvSpPr/>
+          <p:nvPr/>
+        </p:nvSpPr>
+        <p:spPr>
+          <a:xfrm rot="5400000">
+            <a:off x="1641208" y="618519"/>
+            <a:ext cx="309243" cy="442827"/>
+          </a:xfrm>
+          <a:prstGeom prst="downArrow">
+            <a:avLst/>
+          </a:prstGeom>
+          <a:noFill/>
+          <a:ln w="38100">
+            <a:solidFill>
+              <a:schemeClr val="tx1"/>
+            </a:solidFill>
+          </a:ln>
+        </p:spPr>
+        <p:style>
+          <a:lnRef idx="2">
+            <a:schemeClr val="accent1">
+              <a:shade val="50000"/>
+            </a:schemeClr>
+          </a:lnRef>
+          <a:fillRef idx="1">
+            <a:schemeClr val="accent1"/>
+          </a:fillRef>
+          <a:effectRef idx="0">
+            <a:schemeClr val="accent1"/>
+          </a:effectRef>
+          <a:fontRef idx="minor">
+            <a:schemeClr val="lt1"/>
+          </a:fontRef>
+        </p:style>
+        <p:txBody>
+          <a:bodyPr rtlCol="0" anchor="ctr"/>
+          <a:lstStyle/>
+          <a:p>
+            <a:pPr algn="ctr"/>
+            <a:endParaRPr lang="pt-BR"/>
+          </a:p>
+        </p:txBody>
+      </p:sp>
+      <p:sp>
+        <p:nvSpPr>
+          <p:cNvPr id="12" name="CaixaDeTexto 11"/>
           <p:cNvSpPr txBox="1"/>
           <p:nvPr/>
         </p:nvSpPr>
         <p:spPr>
           <a:xfrm>
-            <a:off x="480725" y="1902793"/>
-            <a:ext cx="8509038" cy="1384995"/>
+            <a:off x="5797804" y="1423115"/>
+            <a:ext cx="3783484" cy="2246769"/>
           </a:xfrm>
           <a:prstGeom prst="rect">
             <a:avLst/>
@@ -17539,58 +17534,69 @@
           <a:lstStyle/>
           <a:p>
             <a:r>
-              <a:rPr lang="pt-BR" sz="2800" dirty="0" err="1" smtClean="0">
-                <a:solidFill>
-                  <a:srgbClr val="FF0000"/>
-                </a:solidFill>
-              </a:rPr>
-              <a:t>while</a:t>
-            </a:r>
-            <a:r>
-              <a:rPr lang="pt-BR" sz="2800" dirty="0" smtClean="0"/>
-              <a:t>(</a:t>
-            </a:r>
-            <a:r>
-              <a:rPr lang="pt-BR" sz="2800" dirty="0" smtClean="0">
-                <a:solidFill>
-                  <a:srgbClr val="00FF00"/>
-                </a:solidFill>
-              </a:rPr>
-              <a:t>[teste]</a:t>
-            </a:r>
-            <a:r>
-              <a:rPr lang="pt-BR" sz="2800" dirty="0" smtClean="0"/>
-              <a:t>) {</a:t>
-            </a:r>
-            <a:endParaRPr lang="pt-BR" sz="2800" dirty="0"/>
-          </a:p>
-          <a:p>
-            <a:r>
-              <a:rPr lang="pt-BR" sz="2800" dirty="0"/>
-              <a:t>      </a:t>
-            </a:r>
-            <a:r>
-              <a:rPr lang="pt-BR" sz="2800" dirty="0" smtClean="0">
-                <a:solidFill>
-                  <a:srgbClr val="0000FF"/>
-                </a:solidFill>
-              </a:rPr>
-              <a:t>[Bloco de código se a variável for igual ao valor 1]</a:t>
-            </a:r>
-          </a:p>
-          <a:p>
-            <a:r>
-              <a:rPr lang="pt-BR" sz="2800" dirty="0" smtClean="0"/>
-              <a:t>}</a:t>
-            </a:r>
-            <a:endParaRPr lang="pt-BR" sz="2800" dirty="0"/>
+              <a:rPr lang="pt-BR" sz="2800" b="1" dirty="0" smtClean="0">
+                <a:latin typeface="Consolas" panose="020B0609020204030204" pitchFamily="49" charset="0"/>
+              </a:rPr>
+              <a:t>Indica que a variável </a:t>
+            </a:r>
+            <a:r>
+              <a:rPr lang="pt-BR" sz="2800" b="1" dirty="0" err="1" smtClean="0">
+                <a:latin typeface="Consolas" panose="020B0609020204030204" pitchFamily="49" charset="0"/>
+              </a:rPr>
+              <a:t>day</a:t>
+            </a:r>
+            <a:r>
+              <a:rPr lang="pt-BR" sz="2800" b="1" dirty="0" smtClean="0">
+                <a:latin typeface="Consolas" panose="020B0609020204030204" pitchFamily="49" charset="0"/>
+              </a:rPr>
+              <a:t> será testada para os casos (cases) especificados</a:t>
+            </a:r>
+            <a:endParaRPr lang="pt-BR" sz="2800" b="1" dirty="0">
+              <a:latin typeface="Consolas" panose="020B0609020204030204" pitchFamily="49" charset="0"/>
+            </a:endParaRPr>
           </a:p>
         </p:txBody>
       </p:sp>
+      <p:cxnSp>
+        <p:nvCxnSpPr>
+          <p:cNvPr id="13" name="Conector de seta reta 12"/>
+          <p:cNvCxnSpPr/>
+          <p:nvPr/>
+        </p:nvCxnSpPr>
+        <p:spPr>
+          <a:xfrm>
+            <a:off x="2132246" y="839472"/>
+            <a:ext cx="3665558" cy="886514"/>
+          </a:xfrm>
+          <a:prstGeom prst="straightConnector1">
+            <a:avLst/>
+          </a:prstGeom>
+          <a:ln w="38100">
+            <a:solidFill>
+              <a:schemeClr val="tx1"/>
+            </a:solidFill>
+            <a:tailEnd type="triangle"/>
+          </a:ln>
+        </p:spPr>
+        <p:style>
+          <a:lnRef idx="1">
+            <a:schemeClr val="accent1"/>
+          </a:lnRef>
+          <a:fillRef idx="0">
+            <a:schemeClr val="accent1"/>
+          </a:fillRef>
+          <a:effectRef idx="0">
+            <a:schemeClr val="accent1"/>
+          </a:effectRef>
+          <a:fontRef idx="minor">
+            <a:schemeClr val="tx1"/>
+          </a:fontRef>
+        </p:style>
+      </p:cxnSp>
     </p:spTree>
     <p:extLst>
       <p:ext uri="{BB962C8B-B14F-4D97-AF65-F5344CB8AC3E}">
-        <p14:creationId xmlns:p14="http://schemas.microsoft.com/office/powerpoint/2010/main" val="1227429573"/>
+        <p14:creationId xmlns:p14="http://schemas.microsoft.com/office/powerpoint/2010/main" val="1665308769"/>
       </p:ext>
     </p:extLst>
   </p:cSld>
@@ -17600,9 +17606,180 @@
   <p:timing>
     <p:tnLst>
       <p:par>
-        <p:cTn id="1" dur="indefinite" restart="never" nodeType="tmRoot"/>
+        <p:cTn id="1" dur="indefinite" restart="never" nodeType="tmRoot">
+          <p:childTnLst>
+            <p:seq concurrent="1" nextAc="seek">
+              <p:cTn id="2" dur="indefinite" nodeType="mainSeq">
+                <p:childTnLst>
+                  <p:par>
+                    <p:cTn id="3" fill="hold">
+                      <p:stCondLst>
+                        <p:cond delay="indefinite"/>
+                        <p:cond evt="onBegin" delay="0">
+                          <p:tn val="2"/>
+                        </p:cond>
+                      </p:stCondLst>
+                      <p:childTnLst>
+                        <p:par>
+                          <p:cTn id="4" fill="hold">
+                            <p:stCondLst>
+                              <p:cond delay="0"/>
+                            </p:stCondLst>
+                            <p:childTnLst>
+                              <p:par>
+                                <p:cTn id="5" presetID="10" presetClass="entr" presetSubtype="0" fill="hold" grpId="0" nodeType="withEffect">
+                                  <p:stCondLst>
+                                    <p:cond delay="0"/>
+                                  </p:stCondLst>
+                                  <p:childTnLst>
+                                    <p:set>
+                                      <p:cBhvr>
+                                        <p:cTn id="6" dur="1" fill="hold">
+                                          <p:stCondLst>
+                                            <p:cond delay="0"/>
+                                          </p:stCondLst>
+                                        </p:cTn>
+                                        <p:tgtEl>
+                                          <p:spTgt spid="9"/>
+                                        </p:tgtEl>
+                                        <p:attrNameLst>
+                                          <p:attrName>style.visibility</p:attrName>
+                                        </p:attrNameLst>
+                                      </p:cBhvr>
+                                      <p:to>
+                                        <p:strVal val="visible"/>
+                                      </p:to>
+                                    </p:set>
+                                    <p:animEffect transition="in" filter="fade">
+                                      <p:cBhvr>
+                                        <p:cTn id="7" dur="500"/>
+                                        <p:tgtEl>
+                                          <p:spTgt spid="9"/>
+                                        </p:tgtEl>
+                                      </p:cBhvr>
+                                    </p:animEffect>
+                                  </p:childTnLst>
+                                </p:cTn>
+                              </p:par>
+                            </p:childTnLst>
+                          </p:cTn>
+                        </p:par>
+                      </p:childTnLst>
+                    </p:cTn>
+                  </p:par>
+                  <p:par>
+                    <p:cTn id="8" fill="hold">
+                      <p:stCondLst>
+                        <p:cond delay="indefinite"/>
+                      </p:stCondLst>
+                      <p:childTnLst>
+                        <p:par>
+                          <p:cTn id="9" fill="hold">
+                            <p:stCondLst>
+                              <p:cond delay="0"/>
+                            </p:stCondLst>
+                            <p:childTnLst>
+                              <p:par>
+                                <p:cTn id="10" presetID="10" presetClass="entr" presetSubtype="0" fill="hold" grpId="0" nodeType="clickEffect">
+                                  <p:stCondLst>
+                                    <p:cond delay="0"/>
+                                  </p:stCondLst>
+                                  <p:childTnLst>
+                                    <p:set>
+                                      <p:cBhvr>
+                                        <p:cTn id="11" dur="1" fill="hold">
+                                          <p:stCondLst>
+                                            <p:cond delay="0"/>
+                                          </p:stCondLst>
+                                        </p:cTn>
+                                        <p:tgtEl>
+                                          <p:spTgt spid="12"/>
+                                        </p:tgtEl>
+                                        <p:attrNameLst>
+                                          <p:attrName>style.visibility</p:attrName>
+                                        </p:attrNameLst>
+                                      </p:cBhvr>
+                                      <p:to>
+                                        <p:strVal val="visible"/>
+                                      </p:to>
+                                    </p:set>
+                                    <p:animEffect transition="in" filter="fade">
+                                      <p:cBhvr>
+                                        <p:cTn id="12" dur="500"/>
+                                        <p:tgtEl>
+                                          <p:spTgt spid="12"/>
+                                        </p:tgtEl>
+                                      </p:cBhvr>
+                                    </p:animEffect>
+                                  </p:childTnLst>
+                                </p:cTn>
+                              </p:par>
+                              <p:par>
+                                <p:cTn id="13" presetID="10" presetClass="entr" presetSubtype="0" fill="hold" nodeType="withEffect">
+                                  <p:stCondLst>
+                                    <p:cond delay="0"/>
+                                  </p:stCondLst>
+                                  <p:childTnLst>
+                                    <p:set>
+                                      <p:cBhvr>
+                                        <p:cTn id="14" dur="1" fill="hold">
+                                          <p:stCondLst>
+                                            <p:cond delay="0"/>
+                                          </p:stCondLst>
+                                        </p:cTn>
+                                        <p:tgtEl>
+                                          <p:spTgt spid="13"/>
+                                        </p:tgtEl>
+                                        <p:attrNameLst>
+                                          <p:attrName>style.visibility</p:attrName>
+                                        </p:attrNameLst>
+                                      </p:cBhvr>
+                                      <p:to>
+                                        <p:strVal val="visible"/>
+                                      </p:to>
+                                    </p:set>
+                                    <p:animEffect transition="in" filter="fade">
+                                      <p:cBhvr>
+                                        <p:cTn id="15" dur="500"/>
+                                        <p:tgtEl>
+                                          <p:spTgt spid="13"/>
+                                        </p:tgtEl>
+                                      </p:cBhvr>
+                                    </p:animEffect>
+                                  </p:childTnLst>
+                                </p:cTn>
+                              </p:par>
+                            </p:childTnLst>
+                          </p:cTn>
+                        </p:par>
+                      </p:childTnLst>
+                    </p:cTn>
+                  </p:par>
+                </p:childTnLst>
+              </p:cTn>
+              <p:prevCondLst>
+                <p:cond evt="onPrev" delay="0">
+                  <p:tgtEl>
+                    <p:sldTgt/>
+                  </p:tgtEl>
+                </p:cond>
+              </p:prevCondLst>
+              <p:nextCondLst>
+                <p:cond evt="onNext" delay="0">
+                  <p:tgtEl>
+                    <p:sldTgt/>
+                  </p:tgtEl>
+                </p:cond>
+              </p:nextCondLst>
+            </p:seq>
+          </p:childTnLst>
+        </p:cTn>
       </p:par>
     </p:tnLst>
+    <p:bldLst>
+      <p:bldP spid="9" grpId="0" animBg="1"/>
+      <p:bldP spid="12" grpId="0"/>
+    </p:bldLst>
   </p:timing>
 </p:sld>
 </file>
@@ -17636,6 +17813,2627 @@
         </p:nvSpPr>
         <p:spPr>
           <a:xfrm>
+            <a:off x="4270525" y="132204"/>
+            <a:ext cx="7506504" cy="685753"/>
+          </a:xfrm>
+        </p:spPr>
+        <p:txBody>
+          <a:bodyPr>
+            <a:normAutofit fontScale="90000"/>
+          </a:bodyPr>
+          <a:lstStyle/>
+          <a:p>
+            <a:r>
+              <a:rPr lang="pt-BR" sz="3200" dirty="0" smtClean="0">
+                <a:latin typeface="Consolas" panose="020B0609020204030204" pitchFamily="49" charset="0"/>
+              </a:rPr>
+              <a:t>Estrutura </a:t>
+            </a:r>
+            <a:r>
+              <a:rPr lang="pt-BR" sz="3200" dirty="0">
+                <a:latin typeface="Consolas" panose="020B0609020204030204" pitchFamily="49" charset="0"/>
+              </a:rPr>
+              <a:t>condicional Switch </a:t>
+            </a:r>
+            <a:r>
+              <a:rPr lang="pt-BR" sz="3200" dirty="0" smtClean="0">
+                <a:latin typeface="Consolas" panose="020B0609020204030204" pitchFamily="49" charset="0"/>
+              </a:rPr>
+              <a:t>Case</a:t>
+            </a:r>
+            <a:endParaRPr lang="pt-BR" sz="3200" dirty="0">
+              <a:latin typeface="Consolas" panose="020B0609020204030204" pitchFamily="49" charset="0"/>
+            </a:endParaRPr>
+          </a:p>
+        </p:txBody>
+      </p:sp>
+      <p:pic>
+        <p:nvPicPr>
+          <p:cNvPr id="4" name="Imagem 3"/>
+          <p:cNvPicPr>
+            <a:picLocks noChangeAspect="1"/>
+          </p:cNvPicPr>
+          <p:nvPr/>
+        </p:nvPicPr>
+        <p:blipFill>
+          <a:blip r:embed="rId2" cstate="print">
+            <a:extLst>
+              <a:ext uri="{28A0092B-C50C-407E-A947-70E740481C1C}">
+                <a14:useLocalDpi xmlns:a14="http://schemas.microsoft.com/office/drawing/2010/main" val="0"/>
+              </a:ext>
+            </a:extLst>
+          </a:blip>
+          <a:stretch>
+            <a:fillRect/>
+          </a:stretch>
+        </p:blipFill>
+        <p:spPr>
+          <a:xfrm>
+            <a:off x="10441211" y="110689"/>
+            <a:ext cx="1750789" cy="2157949"/>
+          </a:xfrm>
+          <a:prstGeom prst="rect">
+            <a:avLst/>
+          </a:prstGeom>
+        </p:spPr>
+      </p:pic>
+      <p:pic>
+        <p:nvPicPr>
+          <p:cNvPr id="3" name="Imagem 2"/>
+          <p:cNvPicPr>
+            <a:picLocks noChangeAspect="1"/>
+          </p:cNvPicPr>
+          <p:nvPr/>
+        </p:nvPicPr>
+        <p:blipFill>
+          <a:blip r:embed="rId3">
+            <a:extLst>
+              <a:ext uri="{28A0092B-C50C-407E-A947-70E740481C1C}">
+                <a14:useLocalDpi xmlns:a14="http://schemas.microsoft.com/office/drawing/2010/main" val="0"/>
+              </a:ext>
+            </a:extLst>
+          </a:blip>
+          <a:stretch>
+            <a:fillRect/>
+          </a:stretch>
+        </p:blipFill>
+        <p:spPr>
+          <a:xfrm>
+            <a:off x="0" y="0"/>
+            <a:ext cx="4264492" cy="6858000"/>
+          </a:xfrm>
+          <a:prstGeom prst="rect">
+            <a:avLst/>
+          </a:prstGeom>
+        </p:spPr>
+      </p:pic>
+      <p:sp>
+        <p:nvSpPr>
+          <p:cNvPr id="9" name="Seta para baixo 8"/>
+          <p:cNvSpPr/>
+          <p:nvPr/>
+        </p:nvSpPr>
+        <p:spPr>
+          <a:xfrm rot="5400000">
+            <a:off x="1219379" y="840924"/>
+            <a:ext cx="309243" cy="442827"/>
+          </a:xfrm>
+          <a:prstGeom prst="downArrow">
+            <a:avLst/>
+          </a:prstGeom>
+          <a:noFill/>
+          <a:ln w="38100">
+            <a:solidFill>
+              <a:schemeClr val="tx1"/>
+            </a:solidFill>
+          </a:ln>
+        </p:spPr>
+        <p:style>
+          <a:lnRef idx="2">
+            <a:schemeClr val="accent1">
+              <a:shade val="50000"/>
+            </a:schemeClr>
+          </a:lnRef>
+          <a:fillRef idx="1">
+            <a:schemeClr val="accent1"/>
+          </a:fillRef>
+          <a:effectRef idx="0">
+            <a:schemeClr val="accent1"/>
+          </a:effectRef>
+          <a:fontRef idx="minor">
+            <a:schemeClr val="lt1"/>
+          </a:fontRef>
+        </p:style>
+        <p:txBody>
+          <a:bodyPr rtlCol="0" anchor="ctr"/>
+          <a:lstStyle/>
+          <a:p>
+            <a:pPr algn="ctr"/>
+            <a:endParaRPr lang="pt-BR"/>
+          </a:p>
+        </p:txBody>
+      </p:sp>
+      <p:sp>
+        <p:nvSpPr>
+          <p:cNvPr id="12" name="CaixaDeTexto 11"/>
+          <p:cNvSpPr txBox="1"/>
+          <p:nvPr/>
+        </p:nvSpPr>
+        <p:spPr>
+          <a:xfrm>
+            <a:off x="5485770" y="1556742"/>
+            <a:ext cx="3783484" cy="1384995"/>
+          </a:xfrm>
+          <a:prstGeom prst="rect">
+            <a:avLst/>
+          </a:prstGeom>
+          <a:noFill/>
+        </p:spPr>
+        <p:txBody>
+          <a:bodyPr wrap="square" rtlCol="0">
+            <a:spAutoFit/>
+          </a:bodyPr>
+          <a:lstStyle/>
+          <a:p>
+            <a:r>
+              <a:rPr lang="pt-BR" sz="2800" b="1" dirty="0" smtClean="0">
+                <a:latin typeface="Consolas" panose="020B0609020204030204" pitchFamily="49" charset="0"/>
+              </a:rPr>
+              <a:t>Caso </a:t>
+            </a:r>
+            <a:r>
+              <a:rPr lang="pt-BR" sz="2800" b="1" dirty="0" err="1" smtClean="0">
+                <a:latin typeface="Consolas" panose="020B0609020204030204" pitchFamily="49" charset="0"/>
+              </a:rPr>
+              <a:t>day</a:t>
+            </a:r>
+            <a:r>
+              <a:rPr lang="pt-BR" sz="2800" b="1" dirty="0" smtClean="0">
+                <a:latin typeface="Consolas" panose="020B0609020204030204" pitchFamily="49" charset="0"/>
+              </a:rPr>
+              <a:t> == 1 executa o bloco de código abaixo</a:t>
+            </a:r>
+            <a:endParaRPr lang="pt-BR" sz="2800" b="1" dirty="0">
+              <a:latin typeface="Consolas" panose="020B0609020204030204" pitchFamily="49" charset="0"/>
+            </a:endParaRPr>
+          </a:p>
+        </p:txBody>
+      </p:sp>
+      <p:cxnSp>
+        <p:nvCxnSpPr>
+          <p:cNvPr id="13" name="Conector de seta reta 12"/>
+          <p:cNvCxnSpPr/>
+          <p:nvPr/>
+        </p:nvCxnSpPr>
+        <p:spPr>
+          <a:xfrm>
+            <a:off x="1770891" y="1113485"/>
+            <a:ext cx="3665558" cy="886514"/>
+          </a:xfrm>
+          <a:prstGeom prst="straightConnector1">
+            <a:avLst/>
+          </a:prstGeom>
+          <a:ln w="38100">
+            <a:solidFill>
+              <a:schemeClr val="tx1"/>
+            </a:solidFill>
+            <a:tailEnd type="triangle"/>
+          </a:ln>
+        </p:spPr>
+        <p:style>
+          <a:lnRef idx="1">
+            <a:schemeClr val="accent1"/>
+          </a:lnRef>
+          <a:fillRef idx="0">
+            <a:schemeClr val="accent1"/>
+          </a:fillRef>
+          <a:effectRef idx="0">
+            <a:schemeClr val="accent1"/>
+          </a:effectRef>
+          <a:fontRef idx="minor">
+            <a:schemeClr val="tx1"/>
+          </a:fontRef>
+        </p:style>
+      </p:cxnSp>
+      <p:cxnSp>
+        <p:nvCxnSpPr>
+          <p:cNvPr id="8" name="Conector de seta reta 7"/>
+          <p:cNvCxnSpPr/>
+          <p:nvPr/>
+        </p:nvCxnSpPr>
+        <p:spPr>
+          <a:xfrm>
+            <a:off x="8215493" y="1867245"/>
+            <a:ext cx="682847" cy="2499"/>
+          </a:xfrm>
+          <a:prstGeom prst="straightConnector1">
+            <a:avLst/>
+          </a:prstGeom>
+          <a:ln w="38100">
+            <a:solidFill>
+              <a:srgbClr val="FF0000"/>
+            </a:solidFill>
+            <a:tailEnd type="triangle"/>
+          </a:ln>
+        </p:spPr>
+        <p:style>
+          <a:lnRef idx="1">
+            <a:schemeClr val="accent1"/>
+          </a:lnRef>
+          <a:fillRef idx="0">
+            <a:schemeClr val="accent1"/>
+          </a:fillRef>
+          <a:effectRef idx="0">
+            <a:schemeClr val="accent1"/>
+          </a:effectRef>
+          <a:fontRef idx="minor">
+            <a:schemeClr val="tx1"/>
+          </a:fontRef>
+        </p:style>
+      </p:cxnSp>
+      <p:sp>
+        <p:nvSpPr>
+          <p:cNvPr id="10" name="CaixaDeTexto 9"/>
+          <p:cNvSpPr txBox="1"/>
+          <p:nvPr/>
+        </p:nvSpPr>
+        <p:spPr>
+          <a:xfrm>
+            <a:off x="8857396" y="1572315"/>
+            <a:ext cx="1774209" cy="523220"/>
+          </a:xfrm>
+          <a:prstGeom prst="rect">
+            <a:avLst/>
+          </a:prstGeom>
+          <a:noFill/>
+        </p:spPr>
+        <p:txBody>
+          <a:bodyPr wrap="square" rtlCol="0">
+            <a:spAutoFit/>
+          </a:bodyPr>
+          <a:lstStyle/>
+          <a:p>
+            <a:r>
+              <a:rPr lang="pt-BR" sz="2800" b="1" dirty="0" smtClean="0">
+                <a:solidFill>
+                  <a:srgbClr val="FF0000"/>
+                </a:solidFill>
+                <a:latin typeface="Consolas" panose="020B0609020204030204" pitchFamily="49" charset="0"/>
+              </a:rPr>
+              <a:t>false</a:t>
+            </a:r>
+            <a:endParaRPr lang="pt-BR" sz="2800" b="1" dirty="0">
+              <a:solidFill>
+                <a:srgbClr val="FF0000"/>
+              </a:solidFill>
+              <a:latin typeface="Consolas" panose="020B0609020204030204" pitchFamily="49" charset="0"/>
+            </a:endParaRPr>
+          </a:p>
+        </p:txBody>
+      </p:sp>
+    </p:spTree>
+    <p:extLst>
+      <p:ext uri="{BB962C8B-B14F-4D97-AF65-F5344CB8AC3E}">
+        <p14:creationId xmlns:p14="http://schemas.microsoft.com/office/powerpoint/2010/main" val="4095869077"/>
+      </p:ext>
+    </p:extLst>
+  </p:cSld>
+  <p:clrMapOvr>
+    <a:masterClrMapping/>
+  </p:clrMapOvr>
+  <p:timing>
+    <p:tnLst>
+      <p:par>
+        <p:cTn id="1" dur="indefinite" restart="never" nodeType="tmRoot">
+          <p:childTnLst>
+            <p:seq concurrent="1" nextAc="seek">
+              <p:cTn id="2" dur="indefinite" nodeType="mainSeq">
+                <p:childTnLst>
+                  <p:par>
+                    <p:cTn id="3" fill="hold">
+                      <p:stCondLst>
+                        <p:cond delay="indefinite"/>
+                        <p:cond evt="onBegin" delay="0">
+                          <p:tn val="2"/>
+                        </p:cond>
+                      </p:stCondLst>
+                      <p:childTnLst>
+                        <p:par>
+                          <p:cTn id="4" fill="hold">
+                            <p:stCondLst>
+                              <p:cond delay="0"/>
+                            </p:stCondLst>
+                            <p:childTnLst>
+                              <p:par>
+                                <p:cTn id="5" presetID="10" presetClass="entr" presetSubtype="0" fill="hold" grpId="0" nodeType="withEffect">
+                                  <p:stCondLst>
+                                    <p:cond delay="0"/>
+                                  </p:stCondLst>
+                                  <p:childTnLst>
+                                    <p:set>
+                                      <p:cBhvr>
+                                        <p:cTn id="6" dur="1" fill="hold">
+                                          <p:stCondLst>
+                                            <p:cond delay="0"/>
+                                          </p:stCondLst>
+                                        </p:cTn>
+                                        <p:tgtEl>
+                                          <p:spTgt spid="9"/>
+                                        </p:tgtEl>
+                                        <p:attrNameLst>
+                                          <p:attrName>style.visibility</p:attrName>
+                                        </p:attrNameLst>
+                                      </p:cBhvr>
+                                      <p:to>
+                                        <p:strVal val="visible"/>
+                                      </p:to>
+                                    </p:set>
+                                    <p:animEffect transition="in" filter="fade">
+                                      <p:cBhvr>
+                                        <p:cTn id="7" dur="500"/>
+                                        <p:tgtEl>
+                                          <p:spTgt spid="9"/>
+                                        </p:tgtEl>
+                                      </p:cBhvr>
+                                    </p:animEffect>
+                                  </p:childTnLst>
+                                </p:cTn>
+                              </p:par>
+                              <p:par>
+                                <p:cTn id="8" presetID="1" presetClass="entr" presetSubtype="0" fill="hold" grpId="0" nodeType="withEffect">
+                                  <p:stCondLst>
+                                    <p:cond delay="0"/>
+                                  </p:stCondLst>
+                                  <p:childTnLst>
+                                    <p:set>
+                                      <p:cBhvr>
+                                        <p:cTn id="9" dur="1" fill="hold">
+                                          <p:stCondLst>
+                                            <p:cond delay="0"/>
+                                          </p:stCondLst>
+                                        </p:cTn>
+                                        <p:tgtEl>
+                                          <p:spTgt spid="12"/>
+                                        </p:tgtEl>
+                                        <p:attrNameLst>
+                                          <p:attrName>style.visibility</p:attrName>
+                                        </p:attrNameLst>
+                                      </p:cBhvr>
+                                      <p:to>
+                                        <p:strVal val="visible"/>
+                                      </p:to>
+                                    </p:set>
+                                  </p:childTnLst>
+                                </p:cTn>
+                              </p:par>
+                              <p:par>
+                                <p:cTn id="10" presetID="10" presetClass="entr" presetSubtype="0" fill="hold" nodeType="withEffect">
+                                  <p:stCondLst>
+                                    <p:cond delay="0"/>
+                                  </p:stCondLst>
+                                  <p:childTnLst>
+                                    <p:set>
+                                      <p:cBhvr>
+                                        <p:cTn id="11" dur="1" fill="hold">
+                                          <p:stCondLst>
+                                            <p:cond delay="0"/>
+                                          </p:stCondLst>
+                                        </p:cTn>
+                                        <p:tgtEl>
+                                          <p:spTgt spid="13"/>
+                                        </p:tgtEl>
+                                        <p:attrNameLst>
+                                          <p:attrName>style.visibility</p:attrName>
+                                        </p:attrNameLst>
+                                      </p:cBhvr>
+                                      <p:to>
+                                        <p:strVal val="visible"/>
+                                      </p:to>
+                                    </p:set>
+                                    <p:animEffect transition="in" filter="fade">
+                                      <p:cBhvr>
+                                        <p:cTn id="12" dur="500"/>
+                                        <p:tgtEl>
+                                          <p:spTgt spid="13"/>
+                                        </p:tgtEl>
+                                      </p:cBhvr>
+                                    </p:animEffect>
+                                  </p:childTnLst>
+                                </p:cTn>
+                              </p:par>
+                            </p:childTnLst>
+                          </p:cTn>
+                        </p:par>
+                      </p:childTnLst>
+                    </p:cTn>
+                  </p:par>
+                  <p:par>
+                    <p:cTn id="13" fill="hold">
+                      <p:stCondLst>
+                        <p:cond delay="indefinite"/>
+                      </p:stCondLst>
+                      <p:childTnLst>
+                        <p:par>
+                          <p:cTn id="14" fill="hold">
+                            <p:stCondLst>
+                              <p:cond delay="0"/>
+                            </p:stCondLst>
+                            <p:childTnLst>
+                              <p:par>
+                                <p:cTn id="15" presetID="10" presetClass="entr" presetSubtype="0" fill="hold" nodeType="clickEffect">
+                                  <p:stCondLst>
+                                    <p:cond delay="0"/>
+                                  </p:stCondLst>
+                                  <p:childTnLst>
+                                    <p:set>
+                                      <p:cBhvr>
+                                        <p:cTn id="16" dur="1" fill="hold">
+                                          <p:stCondLst>
+                                            <p:cond delay="0"/>
+                                          </p:stCondLst>
+                                        </p:cTn>
+                                        <p:tgtEl>
+                                          <p:spTgt spid="8"/>
+                                        </p:tgtEl>
+                                        <p:attrNameLst>
+                                          <p:attrName>style.visibility</p:attrName>
+                                        </p:attrNameLst>
+                                      </p:cBhvr>
+                                      <p:to>
+                                        <p:strVal val="visible"/>
+                                      </p:to>
+                                    </p:set>
+                                    <p:animEffect transition="in" filter="fade">
+                                      <p:cBhvr>
+                                        <p:cTn id="17" dur="500"/>
+                                        <p:tgtEl>
+                                          <p:spTgt spid="8"/>
+                                        </p:tgtEl>
+                                      </p:cBhvr>
+                                    </p:animEffect>
+                                  </p:childTnLst>
+                                </p:cTn>
+                              </p:par>
+                              <p:par>
+                                <p:cTn id="18" presetID="10" presetClass="entr" presetSubtype="0" fill="hold" grpId="0" nodeType="withEffect">
+                                  <p:stCondLst>
+                                    <p:cond delay="0"/>
+                                  </p:stCondLst>
+                                  <p:childTnLst>
+                                    <p:set>
+                                      <p:cBhvr>
+                                        <p:cTn id="19" dur="1" fill="hold">
+                                          <p:stCondLst>
+                                            <p:cond delay="0"/>
+                                          </p:stCondLst>
+                                        </p:cTn>
+                                        <p:tgtEl>
+                                          <p:spTgt spid="10"/>
+                                        </p:tgtEl>
+                                        <p:attrNameLst>
+                                          <p:attrName>style.visibility</p:attrName>
+                                        </p:attrNameLst>
+                                      </p:cBhvr>
+                                      <p:to>
+                                        <p:strVal val="visible"/>
+                                      </p:to>
+                                    </p:set>
+                                    <p:animEffect transition="in" filter="fade">
+                                      <p:cBhvr>
+                                        <p:cTn id="20" dur="500"/>
+                                        <p:tgtEl>
+                                          <p:spTgt spid="10"/>
+                                        </p:tgtEl>
+                                      </p:cBhvr>
+                                    </p:animEffect>
+                                  </p:childTnLst>
+                                </p:cTn>
+                              </p:par>
+                            </p:childTnLst>
+                          </p:cTn>
+                        </p:par>
+                      </p:childTnLst>
+                    </p:cTn>
+                  </p:par>
+                </p:childTnLst>
+              </p:cTn>
+              <p:prevCondLst>
+                <p:cond evt="onPrev" delay="0">
+                  <p:tgtEl>
+                    <p:sldTgt/>
+                  </p:tgtEl>
+                </p:cond>
+              </p:prevCondLst>
+              <p:nextCondLst>
+                <p:cond evt="onNext" delay="0">
+                  <p:tgtEl>
+                    <p:sldTgt/>
+                  </p:tgtEl>
+                </p:cond>
+              </p:nextCondLst>
+            </p:seq>
+          </p:childTnLst>
+        </p:cTn>
+      </p:par>
+    </p:tnLst>
+    <p:bldLst>
+      <p:bldP spid="9" grpId="0" animBg="1"/>
+      <p:bldP spid="12" grpId="0"/>
+      <p:bldP spid="10" grpId="0"/>
+    </p:bldLst>
+  </p:timing>
+</p:sld>
+</file>
+
+<file path=ppt/slides/slide22.xml><?xml version="1.0" encoding="utf-8"?>
+<p:sld xmlns:a="http://schemas.openxmlformats.org/drawingml/2006/main" xmlns:r="http://schemas.openxmlformats.org/officeDocument/2006/relationships" xmlns:p="http://schemas.openxmlformats.org/presentationml/2006/main">
+  <p:cSld>
+    <p:spTree>
+      <p:nvGrpSpPr>
+        <p:cNvPr id="1" name=""/>
+        <p:cNvGrpSpPr/>
+        <p:nvPr/>
+      </p:nvGrpSpPr>
+      <p:grpSpPr>
+        <a:xfrm>
+          <a:off x="0" y="0"/>
+          <a:ext cx="0" cy="0"/>
+          <a:chOff x="0" y="0"/>
+          <a:chExt cx="0" cy="0"/>
+        </a:xfrm>
+      </p:grpSpPr>
+      <p:sp>
+        <p:nvSpPr>
+          <p:cNvPr id="2" name="Título 1"/>
+          <p:cNvSpPr>
+            <a:spLocks noGrp="1"/>
+          </p:cNvSpPr>
+          <p:nvPr>
+            <p:ph type="title"/>
+          </p:nvPr>
+        </p:nvSpPr>
+        <p:spPr>
+          <a:xfrm>
+            <a:off x="4270525" y="132204"/>
+            <a:ext cx="7506504" cy="685753"/>
+          </a:xfrm>
+        </p:spPr>
+        <p:txBody>
+          <a:bodyPr>
+            <a:normAutofit fontScale="90000"/>
+          </a:bodyPr>
+          <a:lstStyle/>
+          <a:p>
+            <a:r>
+              <a:rPr lang="pt-BR" sz="3200" dirty="0" smtClean="0">
+                <a:latin typeface="Consolas" panose="020B0609020204030204" pitchFamily="49" charset="0"/>
+              </a:rPr>
+              <a:t>Estrutura </a:t>
+            </a:r>
+            <a:r>
+              <a:rPr lang="pt-BR" sz="3200" dirty="0">
+                <a:latin typeface="Consolas" panose="020B0609020204030204" pitchFamily="49" charset="0"/>
+              </a:rPr>
+              <a:t>condicional Switch </a:t>
+            </a:r>
+            <a:r>
+              <a:rPr lang="pt-BR" sz="3200" dirty="0" smtClean="0">
+                <a:latin typeface="Consolas" panose="020B0609020204030204" pitchFamily="49" charset="0"/>
+              </a:rPr>
+              <a:t>Case</a:t>
+            </a:r>
+            <a:endParaRPr lang="pt-BR" sz="3200" dirty="0">
+              <a:latin typeface="Consolas" panose="020B0609020204030204" pitchFamily="49" charset="0"/>
+            </a:endParaRPr>
+          </a:p>
+        </p:txBody>
+      </p:sp>
+      <p:pic>
+        <p:nvPicPr>
+          <p:cNvPr id="4" name="Imagem 3"/>
+          <p:cNvPicPr>
+            <a:picLocks noChangeAspect="1"/>
+          </p:cNvPicPr>
+          <p:nvPr/>
+        </p:nvPicPr>
+        <p:blipFill>
+          <a:blip r:embed="rId2" cstate="print">
+            <a:extLst>
+              <a:ext uri="{28A0092B-C50C-407E-A947-70E740481C1C}">
+                <a14:useLocalDpi xmlns:a14="http://schemas.microsoft.com/office/drawing/2010/main" val="0"/>
+              </a:ext>
+            </a:extLst>
+          </a:blip>
+          <a:stretch>
+            <a:fillRect/>
+          </a:stretch>
+        </p:blipFill>
+        <p:spPr>
+          <a:xfrm>
+            <a:off x="10441211" y="110689"/>
+            <a:ext cx="1750789" cy="2157949"/>
+          </a:xfrm>
+          <a:prstGeom prst="rect">
+            <a:avLst/>
+          </a:prstGeom>
+        </p:spPr>
+      </p:pic>
+      <p:pic>
+        <p:nvPicPr>
+          <p:cNvPr id="3" name="Imagem 2"/>
+          <p:cNvPicPr>
+            <a:picLocks noChangeAspect="1"/>
+          </p:cNvPicPr>
+          <p:nvPr/>
+        </p:nvPicPr>
+        <p:blipFill>
+          <a:blip r:embed="rId3">
+            <a:extLst>
+              <a:ext uri="{28A0092B-C50C-407E-A947-70E740481C1C}">
+                <a14:useLocalDpi xmlns:a14="http://schemas.microsoft.com/office/drawing/2010/main" val="0"/>
+              </a:ext>
+            </a:extLst>
+          </a:blip>
+          <a:stretch>
+            <a:fillRect/>
+          </a:stretch>
+        </p:blipFill>
+        <p:spPr>
+          <a:xfrm>
+            <a:off x="0" y="0"/>
+            <a:ext cx="4264492" cy="6858000"/>
+          </a:xfrm>
+          <a:prstGeom prst="rect">
+            <a:avLst/>
+          </a:prstGeom>
+        </p:spPr>
+      </p:pic>
+      <p:sp>
+        <p:nvSpPr>
+          <p:cNvPr id="9" name="Seta para baixo 8"/>
+          <p:cNvSpPr/>
+          <p:nvPr/>
+        </p:nvSpPr>
+        <p:spPr>
+          <a:xfrm rot="5400000">
+            <a:off x="1177115" y="1571567"/>
+            <a:ext cx="309243" cy="442827"/>
+          </a:xfrm>
+          <a:prstGeom prst="downArrow">
+            <a:avLst/>
+          </a:prstGeom>
+          <a:noFill/>
+          <a:ln w="38100">
+            <a:solidFill>
+              <a:schemeClr val="tx1"/>
+            </a:solidFill>
+          </a:ln>
+        </p:spPr>
+        <p:style>
+          <a:lnRef idx="2">
+            <a:schemeClr val="accent1">
+              <a:shade val="50000"/>
+            </a:schemeClr>
+          </a:lnRef>
+          <a:fillRef idx="1">
+            <a:schemeClr val="accent1"/>
+          </a:fillRef>
+          <a:effectRef idx="0">
+            <a:schemeClr val="accent1"/>
+          </a:effectRef>
+          <a:fontRef idx="minor">
+            <a:schemeClr val="lt1"/>
+          </a:fontRef>
+        </p:style>
+        <p:txBody>
+          <a:bodyPr rtlCol="0" anchor="ctr"/>
+          <a:lstStyle/>
+          <a:p>
+            <a:pPr algn="ctr"/>
+            <a:endParaRPr lang="pt-BR"/>
+          </a:p>
+        </p:txBody>
+      </p:sp>
+      <p:sp>
+        <p:nvSpPr>
+          <p:cNvPr id="12" name="CaixaDeTexto 11"/>
+          <p:cNvSpPr txBox="1"/>
+          <p:nvPr/>
+        </p:nvSpPr>
+        <p:spPr>
+          <a:xfrm>
+            <a:off x="5485770" y="1556742"/>
+            <a:ext cx="3783484" cy="1384995"/>
+          </a:xfrm>
+          <a:prstGeom prst="rect">
+            <a:avLst/>
+          </a:prstGeom>
+          <a:noFill/>
+        </p:spPr>
+        <p:txBody>
+          <a:bodyPr wrap="square" rtlCol="0">
+            <a:spAutoFit/>
+          </a:bodyPr>
+          <a:lstStyle/>
+          <a:p>
+            <a:r>
+              <a:rPr lang="pt-BR" sz="2800" b="1" dirty="0" smtClean="0">
+                <a:latin typeface="Consolas" panose="020B0609020204030204" pitchFamily="49" charset="0"/>
+              </a:rPr>
+              <a:t>Caso </a:t>
+            </a:r>
+            <a:r>
+              <a:rPr lang="pt-BR" sz="2800" b="1" dirty="0" err="1" smtClean="0">
+                <a:latin typeface="Consolas" panose="020B0609020204030204" pitchFamily="49" charset="0"/>
+              </a:rPr>
+              <a:t>day</a:t>
+            </a:r>
+            <a:r>
+              <a:rPr lang="pt-BR" sz="2800" b="1" dirty="0" smtClean="0">
+                <a:latin typeface="Consolas" panose="020B0609020204030204" pitchFamily="49" charset="0"/>
+              </a:rPr>
+              <a:t> == 2 executa o bloco de código abaixo</a:t>
+            </a:r>
+            <a:endParaRPr lang="pt-BR" sz="2800" b="1" dirty="0">
+              <a:latin typeface="Consolas" panose="020B0609020204030204" pitchFamily="49" charset="0"/>
+            </a:endParaRPr>
+          </a:p>
+        </p:txBody>
+      </p:sp>
+      <p:cxnSp>
+        <p:nvCxnSpPr>
+          <p:cNvPr id="13" name="Conector de seta reta 12"/>
+          <p:cNvCxnSpPr/>
+          <p:nvPr/>
+        </p:nvCxnSpPr>
+        <p:spPr>
+          <a:xfrm>
+            <a:off x="1719618" y="1833925"/>
+            <a:ext cx="3716831" cy="166074"/>
+          </a:xfrm>
+          <a:prstGeom prst="straightConnector1">
+            <a:avLst/>
+          </a:prstGeom>
+          <a:ln w="38100">
+            <a:solidFill>
+              <a:schemeClr val="tx1"/>
+            </a:solidFill>
+            <a:tailEnd type="triangle"/>
+          </a:ln>
+        </p:spPr>
+        <p:style>
+          <a:lnRef idx="1">
+            <a:schemeClr val="accent1"/>
+          </a:lnRef>
+          <a:fillRef idx="0">
+            <a:schemeClr val="accent1"/>
+          </a:fillRef>
+          <a:effectRef idx="0">
+            <a:schemeClr val="accent1"/>
+          </a:effectRef>
+          <a:fontRef idx="minor">
+            <a:schemeClr val="tx1"/>
+          </a:fontRef>
+        </p:style>
+      </p:cxnSp>
+      <p:cxnSp>
+        <p:nvCxnSpPr>
+          <p:cNvPr id="8" name="Conector de seta reta 7"/>
+          <p:cNvCxnSpPr/>
+          <p:nvPr/>
+        </p:nvCxnSpPr>
+        <p:spPr>
+          <a:xfrm>
+            <a:off x="8215493" y="1867245"/>
+            <a:ext cx="682847" cy="2499"/>
+          </a:xfrm>
+          <a:prstGeom prst="straightConnector1">
+            <a:avLst/>
+          </a:prstGeom>
+          <a:ln w="38100">
+            <a:solidFill>
+              <a:srgbClr val="FF0000"/>
+            </a:solidFill>
+            <a:tailEnd type="triangle"/>
+          </a:ln>
+        </p:spPr>
+        <p:style>
+          <a:lnRef idx="1">
+            <a:schemeClr val="accent1"/>
+          </a:lnRef>
+          <a:fillRef idx="0">
+            <a:schemeClr val="accent1"/>
+          </a:fillRef>
+          <a:effectRef idx="0">
+            <a:schemeClr val="accent1"/>
+          </a:effectRef>
+          <a:fontRef idx="minor">
+            <a:schemeClr val="tx1"/>
+          </a:fontRef>
+        </p:style>
+      </p:cxnSp>
+      <p:sp>
+        <p:nvSpPr>
+          <p:cNvPr id="10" name="CaixaDeTexto 9"/>
+          <p:cNvSpPr txBox="1"/>
+          <p:nvPr/>
+        </p:nvSpPr>
+        <p:spPr>
+          <a:xfrm>
+            <a:off x="8857396" y="1572315"/>
+            <a:ext cx="1774209" cy="523220"/>
+          </a:xfrm>
+          <a:prstGeom prst="rect">
+            <a:avLst/>
+          </a:prstGeom>
+          <a:noFill/>
+        </p:spPr>
+        <p:txBody>
+          <a:bodyPr wrap="square" rtlCol="0">
+            <a:spAutoFit/>
+          </a:bodyPr>
+          <a:lstStyle/>
+          <a:p>
+            <a:r>
+              <a:rPr lang="pt-BR" sz="2800" b="1" dirty="0" smtClean="0">
+                <a:solidFill>
+                  <a:srgbClr val="FF0000"/>
+                </a:solidFill>
+                <a:latin typeface="Consolas" panose="020B0609020204030204" pitchFamily="49" charset="0"/>
+              </a:rPr>
+              <a:t>false</a:t>
+            </a:r>
+            <a:endParaRPr lang="pt-BR" sz="2800" b="1" dirty="0">
+              <a:solidFill>
+                <a:srgbClr val="FF0000"/>
+              </a:solidFill>
+              <a:latin typeface="Consolas" panose="020B0609020204030204" pitchFamily="49" charset="0"/>
+            </a:endParaRPr>
+          </a:p>
+        </p:txBody>
+      </p:sp>
+    </p:spTree>
+    <p:extLst>
+      <p:ext uri="{BB962C8B-B14F-4D97-AF65-F5344CB8AC3E}">
+        <p14:creationId xmlns:p14="http://schemas.microsoft.com/office/powerpoint/2010/main" val="3569617869"/>
+      </p:ext>
+    </p:extLst>
+  </p:cSld>
+  <p:clrMapOvr>
+    <a:masterClrMapping/>
+  </p:clrMapOvr>
+  <p:timing>
+    <p:tnLst>
+      <p:par>
+        <p:cTn id="1" dur="indefinite" restart="never" nodeType="tmRoot">
+          <p:childTnLst>
+            <p:seq concurrent="1" nextAc="seek">
+              <p:cTn id="2" dur="indefinite" nodeType="mainSeq">
+                <p:childTnLst>
+                  <p:par>
+                    <p:cTn id="3" fill="hold">
+                      <p:stCondLst>
+                        <p:cond delay="indefinite"/>
+                        <p:cond evt="onBegin" delay="0">
+                          <p:tn val="2"/>
+                        </p:cond>
+                      </p:stCondLst>
+                      <p:childTnLst>
+                        <p:par>
+                          <p:cTn id="4" fill="hold">
+                            <p:stCondLst>
+                              <p:cond delay="0"/>
+                            </p:stCondLst>
+                            <p:childTnLst>
+                              <p:par>
+                                <p:cTn id="5" presetID="10" presetClass="entr" presetSubtype="0" fill="hold" grpId="0" nodeType="withEffect">
+                                  <p:stCondLst>
+                                    <p:cond delay="0"/>
+                                  </p:stCondLst>
+                                  <p:childTnLst>
+                                    <p:set>
+                                      <p:cBhvr>
+                                        <p:cTn id="6" dur="1" fill="hold">
+                                          <p:stCondLst>
+                                            <p:cond delay="0"/>
+                                          </p:stCondLst>
+                                        </p:cTn>
+                                        <p:tgtEl>
+                                          <p:spTgt spid="9"/>
+                                        </p:tgtEl>
+                                        <p:attrNameLst>
+                                          <p:attrName>style.visibility</p:attrName>
+                                        </p:attrNameLst>
+                                      </p:cBhvr>
+                                      <p:to>
+                                        <p:strVal val="visible"/>
+                                      </p:to>
+                                    </p:set>
+                                    <p:animEffect transition="in" filter="fade">
+                                      <p:cBhvr>
+                                        <p:cTn id="7" dur="500"/>
+                                        <p:tgtEl>
+                                          <p:spTgt spid="9"/>
+                                        </p:tgtEl>
+                                      </p:cBhvr>
+                                    </p:animEffect>
+                                  </p:childTnLst>
+                                </p:cTn>
+                              </p:par>
+                              <p:par>
+                                <p:cTn id="8" presetID="1" presetClass="entr" presetSubtype="0" fill="hold" grpId="0" nodeType="withEffect">
+                                  <p:stCondLst>
+                                    <p:cond delay="0"/>
+                                  </p:stCondLst>
+                                  <p:childTnLst>
+                                    <p:set>
+                                      <p:cBhvr>
+                                        <p:cTn id="9" dur="1" fill="hold">
+                                          <p:stCondLst>
+                                            <p:cond delay="0"/>
+                                          </p:stCondLst>
+                                        </p:cTn>
+                                        <p:tgtEl>
+                                          <p:spTgt spid="12"/>
+                                        </p:tgtEl>
+                                        <p:attrNameLst>
+                                          <p:attrName>style.visibility</p:attrName>
+                                        </p:attrNameLst>
+                                      </p:cBhvr>
+                                      <p:to>
+                                        <p:strVal val="visible"/>
+                                      </p:to>
+                                    </p:set>
+                                  </p:childTnLst>
+                                </p:cTn>
+                              </p:par>
+                              <p:par>
+                                <p:cTn id="10" presetID="10" presetClass="entr" presetSubtype="0" fill="hold" nodeType="withEffect">
+                                  <p:stCondLst>
+                                    <p:cond delay="0"/>
+                                  </p:stCondLst>
+                                  <p:childTnLst>
+                                    <p:set>
+                                      <p:cBhvr>
+                                        <p:cTn id="11" dur="1" fill="hold">
+                                          <p:stCondLst>
+                                            <p:cond delay="0"/>
+                                          </p:stCondLst>
+                                        </p:cTn>
+                                        <p:tgtEl>
+                                          <p:spTgt spid="13"/>
+                                        </p:tgtEl>
+                                        <p:attrNameLst>
+                                          <p:attrName>style.visibility</p:attrName>
+                                        </p:attrNameLst>
+                                      </p:cBhvr>
+                                      <p:to>
+                                        <p:strVal val="visible"/>
+                                      </p:to>
+                                    </p:set>
+                                    <p:animEffect transition="in" filter="fade">
+                                      <p:cBhvr>
+                                        <p:cTn id="12" dur="500"/>
+                                        <p:tgtEl>
+                                          <p:spTgt spid="13"/>
+                                        </p:tgtEl>
+                                      </p:cBhvr>
+                                    </p:animEffect>
+                                  </p:childTnLst>
+                                </p:cTn>
+                              </p:par>
+                            </p:childTnLst>
+                          </p:cTn>
+                        </p:par>
+                      </p:childTnLst>
+                    </p:cTn>
+                  </p:par>
+                  <p:par>
+                    <p:cTn id="13" fill="hold">
+                      <p:stCondLst>
+                        <p:cond delay="indefinite"/>
+                      </p:stCondLst>
+                      <p:childTnLst>
+                        <p:par>
+                          <p:cTn id="14" fill="hold">
+                            <p:stCondLst>
+                              <p:cond delay="0"/>
+                            </p:stCondLst>
+                            <p:childTnLst>
+                              <p:par>
+                                <p:cTn id="15" presetID="10" presetClass="entr" presetSubtype="0" fill="hold" nodeType="clickEffect">
+                                  <p:stCondLst>
+                                    <p:cond delay="0"/>
+                                  </p:stCondLst>
+                                  <p:childTnLst>
+                                    <p:set>
+                                      <p:cBhvr>
+                                        <p:cTn id="16" dur="1" fill="hold">
+                                          <p:stCondLst>
+                                            <p:cond delay="0"/>
+                                          </p:stCondLst>
+                                        </p:cTn>
+                                        <p:tgtEl>
+                                          <p:spTgt spid="8"/>
+                                        </p:tgtEl>
+                                        <p:attrNameLst>
+                                          <p:attrName>style.visibility</p:attrName>
+                                        </p:attrNameLst>
+                                      </p:cBhvr>
+                                      <p:to>
+                                        <p:strVal val="visible"/>
+                                      </p:to>
+                                    </p:set>
+                                    <p:animEffect transition="in" filter="fade">
+                                      <p:cBhvr>
+                                        <p:cTn id="17" dur="500"/>
+                                        <p:tgtEl>
+                                          <p:spTgt spid="8"/>
+                                        </p:tgtEl>
+                                      </p:cBhvr>
+                                    </p:animEffect>
+                                  </p:childTnLst>
+                                </p:cTn>
+                              </p:par>
+                              <p:par>
+                                <p:cTn id="18" presetID="10" presetClass="entr" presetSubtype="0" fill="hold" grpId="0" nodeType="withEffect">
+                                  <p:stCondLst>
+                                    <p:cond delay="0"/>
+                                  </p:stCondLst>
+                                  <p:childTnLst>
+                                    <p:set>
+                                      <p:cBhvr>
+                                        <p:cTn id="19" dur="1" fill="hold">
+                                          <p:stCondLst>
+                                            <p:cond delay="0"/>
+                                          </p:stCondLst>
+                                        </p:cTn>
+                                        <p:tgtEl>
+                                          <p:spTgt spid="10"/>
+                                        </p:tgtEl>
+                                        <p:attrNameLst>
+                                          <p:attrName>style.visibility</p:attrName>
+                                        </p:attrNameLst>
+                                      </p:cBhvr>
+                                      <p:to>
+                                        <p:strVal val="visible"/>
+                                      </p:to>
+                                    </p:set>
+                                    <p:animEffect transition="in" filter="fade">
+                                      <p:cBhvr>
+                                        <p:cTn id="20" dur="500"/>
+                                        <p:tgtEl>
+                                          <p:spTgt spid="10"/>
+                                        </p:tgtEl>
+                                      </p:cBhvr>
+                                    </p:animEffect>
+                                  </p:childTnLst>
+                                </p:cTn>
+                              </p:par>
+                            </p:childTnLst>
+                          </p:cTn>
+                        </p:par>
+                      </p:childTnLst>
+                    </p:cTn>
+                  </p:par>
+                </p:childTnLst>
+              </p:cTn>
+              <p:prevCondLst>
+                <p:cond evt="onPrev" delay="0">
+                  <p:tgtEl>
+                    <p:sldTgt/>
+                  </p:tgtEl>
+                </p:cond>
+              </p:prevCondLst>
+              <p:nextCondLst>
+                <p:cond evt="onNext" delay="0">
+                  <p:tgtEl>
+                    <p:sldTgt/>
+                  </p:tgtEl>
+                </p:cond>
+              </p:nextCondLst>
+            </p:seq>
+          </p:childTnLst>
+        </p:cTn>
+      </p:par>
+    </p:tnLst>
+    <p:bldLst>
+      <p:bldP spid="9" grpId="0" animBg="1"/>
+      <p:bldP spid="12" grpId="0"/>
+      <p:bldP spid="10" grpId="0"/>
+    </p:bldLst>
+  </p:timing>
+</p:sld>
+</file>
+
+<file path=ppt/slides/slide23.xml><?xml version="1.0" encoding="utf-8"?>
+<p:sld xmlns:a="http://schemas.openxmlformats.org/drawingml/2006/main" xmlns:r="http://schemas.openxmlformats.org/officeDocument/2006/relationships" xmlns:p="http://schemas.openxmlformats.org/presentationml/2006/main">
+  <p:cSld>
+    <p:spTree>
+      <p:nvGrpSpPr>
+        <p:cNvPr id="1" name=""/>
+        <p:cNvGrpSpPr/>
+        <p:nvPr/>
+      </p:nvGrpSpPr>
+      <p:grpSpPr>
+        <a:xfrm>
+          <a:off x="0" y="0"/>
+          <a:ext cx="0" cy="0"/>
+          <a:chOff x="0" y="0"/>
+          <a:chExt cx="0" cy="0"/>
+        </a:xfrm>
+      </p:grpSpPr>
+      <p:sp>
+        <p:nvSpPr>
+          <p:cNvPr id="2" name="Título 1"/>
+          <p:cNvSpPr>
+            <a:spLocks noGrp="1"/>
+          </p:cNvSpPr>
+          <p:nvPr>
+            <p:ph type="title"/>
+          </p:nvPr>
+        </p:nvSpPr>
+        <p:spPr>
+          <a:xfrm>
+            <a:off x="4270525" y="132204"/>
+            <a:ext cx="7506504" cy="685753"/>
+          </a:xfrm>
+        </p:spPr>
+        <p:txBody>
+          <a:bodyPr>
+            <a:normAutofit fontScale="90000"/>
+          </a:bodyPr>
+          <a:lstStyle/>
+          <a:p>
+            <a:r>
+              <a:rPr lang="pt-BR" sz="3200" dirty="0" smtClean="0">
+                <a:latin typeface="Consolas" panose="020B0609020204030204" pitchFamily="49" charset="0"/>
+              </a:rPr>
+              <a:t>Estrutura </a:t>
+            </a:r>
+            <a:r>
+              <a:rPr lang="pt-BR" sz="3200" dirty="0">
+                <a:latin typeface="Consolas" panose="020B0609020204030204" pitchFamily="49" charset="0"/>
+              </a:rPr>
+              <a:t>condicional Switch </a:t>
+            </a:r>
+            <a:r>
+              <a:rPr lang="pt-BR" sz="3200" dirty="0" smtClean="0">
+                <a:latin typeface="Consolas" panose="020B0609020204030204" pitchFamily="49" charset="0"/>
+              </a:rPr>
+              <a:t>Case</a:t>
+            </a:r>
+            <a:endParaRPr lang="pt-BR" sz="3200" dirty="0">
+              <a:latin typeface="Consolas" panose="020B0609020204030204" pitchFamily="49" charset="0"/>
+            </a:endParaRPr>
+          </a:p>
+        </p:txBody>
+      </p:sp>
+      <p:pic>
+        <p:nvPicPr>
+          <p:cNvPr id="4" name="Imagem 3"/>
+          <p:cNvPicPr>
+            <a:picLocks noChangeAspect="1"/>
+          </p:cNvPicPr>
+          <p:nvPr/>
+        </p:nvPicPr>
+        <p:blipFill>
+          <a:blip r:embed="rId2" cstate="print">
+            <a:extLst>
+              <a:ext uri="{28A0092B-C50C-407E-A947-70E740481C1C}">
+                <a14:useLocalDpi xmlns:a14="http://schemas.microsoft.com/office/drawing/2010/main" val="0"/>
+              </a:ext>
+            </a:extLst>
+          </a:blip>
+          <a:stretch>
+            <a:fillRect/>
+          </a:stretch>
+        </p:blipFill>
+        <p:spPr>
+          <a:xfrm>
+            <a:off x="10441211" y="110689"/>
+            <a:ext cx="1750789" cy="2157949"/>
+          </a:xfrm>
+          <a:prstGeom prst="rect">
+            <a:avLst/>
+          </a:prstGeom>
+        </p:spPr>
+      </p:pic>
+      <p:pic>
+        <p:nvPicPr>
+          <p:cNvPr id="3" name="Imagem 2"/>
+          <p:cNvPicPr>
+            <a:picLocks noChangeAspect="1"/>
+          </p:cNvPicPr>
+          <p:nvPr/>
+        </p:nvPicPr>
+        <p:blipFill>
+          <a:blip r:embed="rId3">
+            <a:extLst>
+              <a:ext uri="{28A0092B-C50C-407E-A947-70E740481C1C}">
+                <a14:useLocalDpi xmlns:a14="http://schemas.microsoft.com/office/drawing/2010/main" val="0"/>
+              </a:ext>
+            </a:extLst>
+          </a:blip>
+          <a:stretch>
+            <a:fillRect/>
+          </a:stretch>
+        </p:blipFill>
+        <p:spPr>
+          <a:xfrm>
+            <a:off x="0" y="0"/>
+            <a:ext cx="4264492" cy="6858000"/>
+          </a:xfrm>
+          <a:prstGeom prst="rect">
+            <a:avLst/>
+          </a:prstGeom>
+        </p:spPr>
+      </p:pic>
+      <p:sp>
+        <p:nvSpPr>
+          <p:cNvPr id="9" name="Seta para baixo 8"/>
+          <p:cNvSpPr/>
+          <p:nvPr/>
+        </p:nvSpPr>
+        <p:spPr>
+          <a:xfrm rot="5400000">
+            <a:off x="1177115" y="2308551"/>
+            <a:ext cx="309243" cy="442827"/>
+          </a:xfrm>
+          <a:prstGeom prst="downArrow">
+            <a:avLst/>
+          </a:prstGeom>
+          <a:noFill/>
+          <a:ln w="38100">
+            <a:solidFill>
+              <a:schemeClr val="tx1"/>
+            </a:solidFill>
+          </a:ln>
+        </p:spPr>
+        <p:style>
+          <a:lnRef idx="2">
+            <a:schemeClr val="accent1">
+              <a:shade val="50000"/>
+            </a:schemeClr>
+          </a:lnRef>
+          <a:fillRef idx="1">
+            <a:schemeClr val="accent1"/>
+          </a:fillRef>
+          <a:effectRef idx="0">
+            <a:schemeClr val="accent1"/>
+          </a:effectRef>
+          <a:fontRef idx="minor">
+            <a:schemeClr val="lt1"/>
+          </a:fontRef>
+        </p:style>
+        <p:txBody>
+          <a:bodyPr rtlCol="0" anchor="ctr"/>
+          <a:lstStyle/>
+          <a:p>
+            <a:pPr algn="ctr"/>
+            <a:endParaRPr lang="pt-BR"/>
+          </a:p>
+        </p:txBody>
+      </p:sp>
+      <p:sp>
+        <p:nvSpPr>
+          <p:cNvPr id="12" name="CaixaDeTexto 11"/>
+          <p:cNvSpPr txBox="1"/>
+          <p:nvPr/>
+        </p:nvSpPr>
+        <p:spPr>
+          <a:xfrm>
+            <a:off x="5485770" y="1556742"/>
+            <a:ext cx="3783484" cy="1384995"/>
+          </a:xfrm>
+          <a:prstGeom prst="rect">
+            <a:avLst/>
+          </a:prstGeom>
+          <a:noFill/>
+        </p:spPr>
+        <p:txBody>
+          <a:bodyPr wrap="square" rtlCol="0">
+            <a:spAutoFit/>
+          </a:bodyPr>
+          <a:lstStyle/>
+          <a:p>
+            <a:r>
+              <a:rPr lang="pt-BR" sz="2800" b="1" dirty="0" smtClean="0">
+                <a:latin typeface="Consolas" panose="020B0609020204030204" pitchFamily="49" charset="0"/>
+              </a:rPr>
+              <a:t>Caso </a:t>
+            </a:r>
+            <a:r>
+              <a:rPr lang="pt-BR" sz="2800" b="1" dirty="0" err="1" smtClean="0">
+                <a:latin typeface="Consolas" panose="020B0609020204030204" pitchFamily="49" charset="0"/>
+              </a:rPr>
+              <a:t>day</a:t>
+            </a:r>
+            <a:r>
+              <a:rPr lang="pt-BR" sz="2800" b="1" dirty="0" smtClean="0">
+                <a:latin typeface="Consolas" panose="020B0609020204030204" pitchFamily="49" charset="0"/>
+              </a:rPr>
+              <a:t> == 3 executa o bloco de código abaixo</a:t>
+            </a:r>
+            <a:endParaRPr lang="pt-BR" sz="2800" b="1" dirty="0">
+              <a:latin typeface="Consolas" panose="020B0609020204030204" pitchFamily="49" charset="0"/>
+            </a:endParaRPr>
+          </a:p>
+        </p:txBody>
+      </p:sp>
+      <p:cxnSp>
+        <p:nvCxnSpPr>
+          <p:cNvPr id="13" name="Conector de seta reta 12"/>
+          <p:cNvCxnSpPr/>
+          <p:nvPr/>
+        </p:nvCxnSpPr>
+        <p:spPr>
+          <a:xfrm flipV="1">
+            <a:off x="1746913" y="1999999"/>
+            <a:ext cx="3689536" cy="497541"/>
+          </a:xfrm>
+          <a:prstGeom prst="straightConnector1">
+            <a:avLst/>
+          </a:prstGeom>
+          <a:ln w="38100">
+            <a:solidFill>
+              <a:schemeClr val="tx1"/>
+            </a:solidFill>
+            <a:tailEnd type="triangle"/>
+          </a:ln>
+        </p:spPr>
+        <p:style>
+          <a:lnRef idx="1">
+            <a:schemeClr val="accent1"/>
+          </a:lnRef>
+          <a:fillRef idx="0">
+            <a:schemeClr val="accent1"/>
+          </a:fillRef>
+          <a:effectRef idx="0">
+            <a:schemeClr val="accent1"/>
+          </a:effectRef>
+          <a:fontRef idx="minor">
+            <a:schemeClr val="tx1"/>
+          </a:fontRef>
+        </p:style>
+      </p:cxnSp>
+      <p:cxnSp>
+        <p:nvCxnSpPr>
+          <p:cNvPr id="8" name="Conector de seta reta 7"/>
+          <p:cNvCxnSpPr/>
+          <p:nvPr/>
+        </p:nvCxnSpPr>
+        <p:spPr>
+          <a:xfrm>
+            <a:off x="8215493" y="1867245"/>
+            <a:ext cx="682847" cy="2499"/>
+          </a:xfrm>
+          <a:prstGeom prst="straightConnector1">
+            <a:avLst/>
+          </a:prstGeom>
+          <a:ln w="38100">
+            <a:solidFill>
+              <a:srgbClr val="FF0000"/>
+            </a:solidFill>
+            <a:tailEnd type="triangle"/>
+          </a:ln>
+        </p:spPr>
+        <p:style>
+          <a:lnRef idx="1">
+            <a:schemeClr val="accent1"/>
+          </a:lnRef>
+          <a:fillRef idx="0">
+            <a:schemeClr val="accent1"/>
+          </a:fillRef>
+          <a:effectRef idx="0">
+            <a:schemeClr val="accent1"/>
+          </a:effectRef>
+          <a:fontRef idx="minor">
+            <a:schemeClr val="tx1"/>
+          </a:fontRef>
+        </p:style>
+      </p:cxnSp>
+      <p:sp>
+        <p:nvSpPr>
+          <p:cNvPr id="10" name="CaixaDeTexto 9"/>
+          <p:cNvSpPr txBox="1"/>
+          <p:nvPr/>
+        </p:nvSpPr>
+        <p:spPr>
+          <a:xfrm>
+            <a:off x="8857396" y="1572315"/>
+            <a:ext cx="1774209" cy="523220"/>
+          </a:xfrm>
+          <a:prstGeom prst="rect">
+            <a:avLst/>
+          </a:prstGeom>
+          <a:noFill/>
+        </p:spPr>
+        <p:txBody>
+          <a:bodyPr wrap="square" rtlCol="0">
+            <a:spAutoFit/>
+          </a:bodyPr>
+          <a:lstStyle/>
+          <a:p>
+            <a:r>
+              <a:rPr lang="pt-BR" sz="2800" b="1" dirty="0" smtClean="0">
+                <a:solidFill>
+                  <a:srgbClr val="FF0000"/>
+                </a:solidFill>
+                <a:latin typeface="Consolas" panose="020B0609020204030204" pitchFamily="49" charset="0"/>
+              </a:rPr>
+              <a:t>false</a:t>
+            </a:r>
+            <a:endParaRPr lang="pt-BR" sz="2800" b="1" dirty="0">
+              <a:solidFill>
+                <a:srgbClr val="FF0000"/>
+              </a:solidFill>
+              <a:latin typeface="Consolas" panose="020B0609020204030204" pitchFamily="49" charset="0"/>
+            </a:endParaRPr>
+          </a:p>
+        </p:txBody>
+      </p:sp>
+    </p:spTree>
+    <p:extLst>
+      <p:ext uri="{BB962C8B-B14F-4D97-AF65-F5344CB8AC3E}">
+        <p14:creationId xmlns:p14="http://schemas.microsoft.com/office/powerpoint/2010/main" val="570187549"/>
+      </p:ext>
+    </p:extLst>
+  </p:cSld>
+  <p:clrMapOvr>
+    <a:masterClrMapping/>
+  </p:clrMapOvr>
+  <p:timing>
+    <p:tnLst>
+      <p:par>
+        <p:cTn id="1" dur="indefinite" restart="never" nodeType="tmRoot">
+          <p:childTnLst>
+            <p:seq concurrent="1" nextAc="seek">
+              <p:cTn id="2" dur="indefinite" nodeType="mainSeq">
+                <p:childTnLst>
+                  <p:par>
+                    <p:cTn id="3" fill="hold">
+                      <p:stCondLst>
+                        <p:cond delay="indefinite"/>
+                        <p:cond evt="onBegin" delay="0">
+                          <p:tn val="2"/>
+                        </p:cond>
+                      </p:stCondLst>
+                      <p:childTnLst>
+                        <p:par>
+                          <p:cTn id="4" fill="hold">
+                            <p:stCondLst>
+                              <p:cond delay="0"/>
+                            </p:stCondLst>
+                            <p:childTnLst>
+                              <p:par>
+                                <p:cTn id="5" presetID="10" presetClass="entr" presetSubtype="0" fill="hold" grpId="0" nodeType="withEffect">
+                                  <p:stCondLst>
+                                    <p:cond delay="0"/>
+                                  </p:stCondLst>
+                                  <p:childTnLst>
+                                    <p:set>
+                                      <p:cBhvr>
+                                        <p:cTn id="6" dur="1" fill="hold">
+                                          <p:stCondLst>
+                                            <p:cond delay="0"/>
+                                          </p:stCondLst>
+                                        </p:cTn>
+                                        <p:tgtEl>
+                                          <p:spTgt spid="9"/>
+                                        </p:tgtEl>
+                                        <p:attrNameLst>
+                                          <p:attrName>style.visibility</p:attrName>
+                                        </p:attrNameLst>
+                                      </p:cBhvr>
+                                      <p:to>
+                                        <p:strVal val="visible"/>
+                                      </p:to>
+                                    </p:set>
+                                    <p:animEffect transition="in" filter="fade">
+                                      <p:cBhvr>
+                                        <p:cTn id="7" dur="500"/>
+                                        <p:tgtEl>
+                                          <p:spTgt spid="9"/>
+                                        </p:tgtEl>
+                                      </p:cBhvr>
+                                    </p:animEffect>
+                                  </p:childTnLst>
+                                </p:cTn>
+                              </p:par>
+                              <p:par>
+                                <p:cTn id="8" presetID="1" presetClass="entr" presetSubtype="0" fill="hold" grpId="0" nodeType="withEffect">
+                                  <p:stCondLst>
+                                    <p:cond delay="0"/>
+                                  </p:stCondLst>
+                                  <p:childTnLst>
+                                    <p:set>
+                                      <p:cBhvr>
+                                        <p:cTn id="9" dur="1" fill="hold">
+                                          <p:stCondLst>
+                                            <p:cond delay="0"/>
+                                          </p:stCondLst>
+                                        </p:cTn>
+                                        <p:tgtEl>
+                                          <p:spTgt spid="12"/>
+                                        </p:tgtEl>
+                                        <p:attrNameLst>
+                                          <p:attrName>style.visibility</p:attrName>
+                                        </p:attrNameLst>
+                                      </p:cBhvr>
+                                      <p:to>
+                                        <p:strVal val="visible"/>
+                                      </p:to>
+                                    </p:set>
+                                  </p:childTnLst>
+                                </p:cTn>
+                              </p:par>
+                              <p:par>
+                                <p:cTn id="10" presetID="10" presetClass="entr" presetSubtype="0" fill="hold" nodeType="withEffect">
+                                  <p:stCondLst>
+                                    <p:cond delay="0"/>
+                                  </p:stCondLst>
+                                  <p:childTnLst>
+                                    <p:set>
+                                      <p:cBhvr>
+                                        <p:cTn id="11" dur="1" fill="hold">
+                                          <p:stCondLst>
+                                            <p:cond delay="0"/>
+                                          </p:stCondLst>
+                                        </p:cTn>
+                                        <p:tgtEl>
+                                          <p:spTgt spid="13"/>
+                                        </p:tgtEl>
+                                        <p:attrNameLst>
+                                          <p:attrName>style.visibility</p:attrName>
+                                        </p:attrNameLst>
+                                      </p:cBhvr>
+                                      <p:to>
+                                        <p:strVal val="visible"/>
+                                      </p:to>
+                                    </p:set>
+                                    <p:animEffect transition="in" filter="fade">
+                                      <p:cBhvr>
+                                        <p:cTn id="12" dur="500"/>
+                                        <p:tgtEl>
+                                          <p:spTgt spid="13"/>
+                                        </p:tgtEl>
+                                      </p:cBhvr>
+                                    </p:animEffect>
+                                  </p:childTnLst>
+                                </p:cTn>
+                              </p:par>
+                            </p:childTnLst>
+                          </p:cTn>
+                        </p:par>
+                      </p:childTnLst>
+                    </p:cTn>
+                  </p:par>
+                  <p:par>
+                    <p:cTn id="13" fill="hold">
+                      <p:stCondLst>
+                        <p:cond delay="indefinite"/>
+                      </p:stCondLst>
+                      <p:childTnLst>
+                        <p:par>
+                          <p:cTn id="14" fill="hold">
+                            <p:stCondLst>
+                              <p:cond delay="0"/>
+                            </p:stCondLst>
+                            <p:childTnLst>
+                              <p:par>
+                                <p:cTn id="15" presetID="10" presetClass="entr" presetSubtype="0" fill="hold" nodeType="clickEffect">
+                                  <p:stCondLst>
+                                    <p:cond delay="0"/>
+                                  </p:stCondLst>
+                                  <p:childTnLst>
+                                    <p:set>
+                                      <p:cBhvr>
+                                        <p:cTn id="16" dur="1" fill="hold">
+                                          <p:stCondLst>
+                                            <p:cond delay="0"/>
+                                          </p:stCondLst>
+                                        </p:cTn>
+                                        <p:tgtEl>
+                                          <p:spTgt spid="8"/>
+                                        </p:tgtEl>
+                                        <p:attrNameLst>
+                                          <p:attrName>style.visibility</p:attrName>
+                                        </p:attrNameLst>
+                                      </p:cBhvr>
+                                      <p:to>
+                                        <p:strVal val="visible"/>
+                                      </p:to>
+                                    </p:set>
+                                    <p:animEffect transition="in" filter="fade">
+                                      <p:cBhvr>
+                                        <p:cTn id="17" dur="500"/>
+                                        <p:tgtEl>
+                                          <p:spTgt spid="8"/>
+                                        </p:tgtEl>
+                                      </p:cBhvr>
+                                    </p:animEffect>
+                                  </p:childTnLst>
+                                </p:cTn>
+                              </p:par>
+                              <p:par>
+                                <p:cTn id="18" presetID="10" presetClass="entr" presetSubtype="0" fill="hold" grpId="0" nodeType="withEffect">
+                                  <p:stCondLst>
+                                    <p:cond delay="0"/>
+                                  </p:stCondLst>
+                                  <p:childTnLst>
+                                    <p:set>
+                                      <p:cBhvr>
+                                        <p:cTn id="19" dur="1" fill="hold">
+                                          <p:stCondLst>
+                                            <p:cond delay="0"/>
+                                          </p:stCondLst>
+                                        </p:cTn>
+                                        <p:tgtEl>
+                                          <p:spTgt spid="10"/>
+                                        </p:tgtEl>
+                                        <p:attrNameLst>
+                                          <p:attrName>style.visibility</p:attrName>
+                                        </p:attrNameLst>
+                                      </p:cBhvr>
+                                      <p:to>
+                                        <p:strVal val="visible"/>
+                                      </p:to>
+                                    </p:set>
+                                    <p:animEffect transition="in" filter="fade">
+                                      <p:cBhvr>
+                                        <p:cTn id="20" dur="500"/>
+                                        <p:tgtEl>
+                                          <p:spTgt spid="10"/>
+                                        </p:tgtEl>
+                                      </p:cBhvr>
+                                    </p:animEffect>
+                                  </p:childTnLst>
+                                </p:cTn>
+                              </p:par>
+                            </p:childTnLst>
+                          </p:cTn>
+                        </p:par>
+                      </p:childTnLst>
+                    </p:cTn>
+                  </p:par>
+                </p:childTnLst>
+              </p:cTn>
+              <p:prevCondLst>
+                <p:cond evt="onPrev" delay="0">
+                  <p:tgtEl>
+                    <p:sldTgt/>
+                  </p:tgtEl>
+                </p:cond>
+              </p:prevCondLst>
+              <p:nextCondLst>
+                <p:cond evt="onNext" delay="0">
+                  <p:tgtEl>
+                    <p:sldTgt/>
+                  </p:tgtEl>
+                </p:cond>
+              </p:nextCondLst>
+            </p:seq>
+          </p:childTnLst>
+        </p:cTn>
+      </p:par>
+    </p:tnLst>
+    <p:bldLst>
+      <p:bldP spid="9" grpId="0" animBg="1"/>
+      <p:bldP spid="12" grpId="0"/>
+      <p:bldP spid="10" grpId="0"/>
+    </p:bldLst>
+  </p:timing>
+</p:sld>
+</file>
+
+<file path=ppt/slides/slide24.xml><?xml version="1.0" encoding="utf-8"?>
+<p:sld xmlns:a="http://schemas.openxmlformats.org/drawingml/2006/main" xmlns:r="http://schemas.openxmlformats.org/officeDocument/2006/relationships" xmlns:p="http://schemas.openxmlformats.org/presentationml/2006/main">
+  <p:cSld>
+    <p:spTree>
+      <p:nvGrpSpPr>
+        <p:cNvPr id="1" name=""/>
+        <p:cNvGrpSpPr/>
+        <p:nvPr/>
+      </p:nvGrpSpPr>
+      <p:grpSpPr>
+        <a:xfrm>
+          <a:off x="0" y="0"/>
+          <a:ext cx="0" cy="0"/>
+          <a:chOff x="0" y="0"/>
+          <a:chExt cx="0" cy="0"/>
+        </a:xfrm>
+      </p:grpSpPr>
+      <p:sp>
+        <p:nvSpPr>
+          <p:cNvPr id="2" name="Título 1"/>
+          <p:cNvSpPr>
+            <a:spLocks noGrp="1"/>
+          </p:cNvSpPr>
+          <p:nvPr>
+            <p:ph type="title"/>
+          </p:nvPr>
+        </p:nvSpPr>
+        <p:spPr>
+          <a:xfrm>
+            <a:off x="4270525" y="132204"/>
+            <a:ext cx="7506504" cy="685753"/>
+          </a:xfrm>
+        </p:spPr>
+        <p:txBody>
+          <a:bodyPr>
+            <a:normAutofit fontScale="90000"/>
+          </a:bodyPr>
+          <a:lstStyle/>
+          <a:p>
+            <a:r>
+              <a:rPr lang="pt-BR" sz="3200" dirty="0" smtClean="0">
+                <a:latin typeface="Consolas" panose="020B0609020204030204" pitchFamily="49" charset="0"/>
+              </a:rPr>
+              <a:t>Estrutura </a:t>
+            </a:r>
+            <a:r>
+              <a:rPr lang="pt-BR" sz="3200" dirty="0">
+                <a:latin typeface="Consolas" panose="020B0609020204030204" pitchFamily="49" charset="0"/>
+              </a:rPr>
+              <a:t>condicional Switch </a:t>
+            </a:r>
+            <a:r>
+              <a:rPr lang="pt-BR" sz="3200" dirty="0" smtClean="0">
+                <a:latin typeface="Consolas" panose="020B0609020204030204" pitchFamily="49" charset="0"/>
+              </a:rPr>
+              <a:t>Case</a:t>
+            </a:r>
+            <a:endParaRPr lang="pt-BR" sz="3200" dirty="0">
+              <a:latin typeface="Consolas" panose="020B0609020204030204" pitchFamily="49" charset="0"/>
+            </a:endParaRPr>
+          </a:p>
+        </p:txBody>
+      </p:sp>
+      <p:pic>
+        <p:nvPicPr>
+          <p:cNvPr id="4" name="Imagem 3"/>
+          <p:cNvPicPr>
+            <a:picLocks noChangeAspect="1"/>
+          </p:cNvPicPr>
+          <p:nvPr/>
+        </p:nvPicPr>
+        <p:blipFill>
+          <a:blip r:embed="rId2" cstate="print">
+            <a:extLst>
+              <a:ext uri="{28A0092B-C50C-407E-A947-70E740481C1C}">
+                <a14:useLocalDpi xmlns:a14="http://schemas.microsoft.com/office/drawing/2010/main" val="0"/>
+              </a:ext>
+            </a:extLst>
+          </a:blip>
+          <a:stretch>
+            <a:fillRect/>
+          </a:stretch>
+        </p:blipFill>
+        <p:spPr>
+          <a:xfrm>
+            <a:off x="10441211" y="110689"/>
+            <a:ext cx="1750789" cy="2157949"/>
+          </a:xfrm>
+          <a:prstGeom prst="rect">
+            <a:avLst/>
+          </a:prstGeom>
+        </p:spPr>
+      </p:pic>
+      <p:pic>
+        <p:nvPicPr>
+          <p:cNvPr id="3" name="Imagem 2"/>
+          <p:cNvPicPr>
+            <a:picLocks noChangeAspect="1"/>
+          </p:cNvPicPr>
+          <p:nvPr/>
+        </p:nvPicPr>
+        <p:blipFill>
+          <a:blip r:embed="rId3">
+            <a:extLst>
+              <a:ext uri="{28A0092B-C50C-407E-A947-70E740481C1C}">
+                <a14:useLocalDpi xmlns:a14="http://schemas.microsoft.com/office/drawing/2010/main" val="0"/>
+              </a:ext>
+            </a:extLst>
+          </a:blip>
+          <a:stretch>
+            <a:fillRect/>
+          </a:stretch>
+        </p:blipFill>
+        <p:spPr>
+          <a:xfrm>
+            <a:off x="0" y="0"/>
+            <a:ext cx="4264492" cy="6858000"/>
+          </a:xfrm>
+          <a:prstGeom prst="rect">
+            <a:avLst/>
+          </a:prstGeom>
+        </p:spPr>
+      </p:pic>
+      <p:sp>
+        <p:nvSpPr>
+          <p:cNvPr id="9" name="Seta para baixo 8"/>
+          <p:cNvSpPr/>
+          <p:nvPr/>
+        </p:nvSpPr>
+        <p:spPr>
+          <a:xfrm rot="5400000">
+            <a:off x="1177115" y="3059178"/>
+            <a:ext cx="309243" cy="442827"/>
+          </a:xfrm>
+          <a:prstGeom prst="downArrow">
+            <a:avLst/>
+          </a:prstGeom>
+          <a:noFill/>
+          <a:ln w="38100">
+            <a:solidFill>
+              <a:schemeClr val="tx1"/>
+            </a:solidFill>
+          </a:ln>
+        </p:spPr>
+        <p:style>
+          <a:lnRef idx="2">
+            <a:schemeClr val="accent1">
+              <a:shade val="50000"/>
+            </a:schemeClr>
+          </a:lnRef>
+          <a:fillRef idx="1">
+            <a:schemeClr val="accent1"/>
+          </a:fillRef>
+          <a:effectRef idx="0">
+            <a:schemeClr val="accent1"/>
+          </a:effectRef>
+          <a:fontRef idx="minor">
+            <a:schemeClr val="lt1"/>
+          </a:fontRef>
+        </p:style>
+        <p:txBody>
+          <a:bodyPr rtlCol="0" anchor="ctr"/>
+          <a:lstStyle/>
+          <a:p>
+            <a:pPr algn="ctr"/>
+            <a:endParaRPr lang="pt-BR"/>
+          </a:p>
+        </p:txBody>
+      </p:sp>
+      <p:sp>
+        <p:nvSpPr>
+          <p:cNvPr id="12" name="CaixaDeTexto 11"/>
+          <p:cNvSpPr txBox="1"/>
+          <p:nvPr/>
+        </p:nvSpPr>
+        <p:spPr>
+          <a:xfrm>
+            <a:off x="5485770" y="1556742"/>
+            <a:ext cx="3783484" cy="1384995"/>
+          </a:xfrm>
+          <a:prstGeom prst="rect">
+            <a:avLst/>
+          </a:prstGeom>
+          <a:noFill/>
+        </p:spPr>
+        <p:txBody>
+          <a:bodyPr wrap="square" rtlCol="0">
+            <a:spAutoFit/>
+          </a:bodyPr>
+          <a:lstStyle/>
+          <a:p>
+            <a:r>
+              <a:rPr lang="pt-BR" sz="2800" b="1" dirty="0" smtClean="0">
+                <a:latin typeface="Consolas" panose="020B0609020204030204" pitchFamily="49" charset="0"/>
+              </a:rPr>
+              <a:t>Caso </a:t>
+            </a:r>
+            <a:r>
+              <a:rPr lang="pt-BR" sz="2800" b="1" dirty="0" err="1" smtClean="0">
+                <a:latin typeface="Consolas" panose="020B0609020204030204" pitchFamily="49" charset="0"/>
+              </a:rPr>
+              <a:t>day</a:t>
+            </a:r>
+            <a:r>
+              <a:rPr lang="pt-BR" sz="2800" b="1" dirty="0" smtClean="0">
+                <a:latin typeface="Consolas" panose="020B0609020204030204" pitchFamily="49" charset="0"/>
+              </a:rPr>
+              <a:t> == 4 executa o bloco de código abaixo</a:t>
+            </a:r>
+            <a:endParaRPr lang="pt-BR" sz="2800" b="1" dirty="0">
+              <a:latin typeface="Consolas" panose="020B0609020204030204" pitchFamily="49" charset="0"/>
+            </a:endParaRPr>
+          </a:p>
+        </p:txBody>
+      </p:sp>
+      <p:cxnSp>
+        <p:nvCxnSpPr>
+          <p:cNvPr id="13" name="Conector de seta reta 12"/>
+          <p:cNvCxnSpPr/>
+          <p:nvPr/>
+        </p:nvCxnSpPr>
+        <p:spPr>
+          <a:xfrm flipV="1">
+            <a:off x="1692322" y="2000000"/>
+            <a:ext cx="3744127" cy="1275463"/>
+          </a:xfrm>
+          <a:prstGeom prst="straightConnector1">
+            <a:avLst/>
+          </a:prstGeom>
+          <a:ln w="38100">
+            <a:solidFill>
+              <a:schemeClr val="tx1"/>
+            </a:solidFill>
+            <a:tailEnd type="triangle"/>
+          </a:ln>
+        </p:spPr>
+        <p:style>
+          <a:lnRef idx="1">
+            <a:schemeClr val="accent1"/>
+          </a:lnRef>
+          <a:fillRef idx="0">
+            <a:schemeClr val="accent1"/>
+          </a:fillRef>
+          <a:effectRef idx="0">
+            <a:schemeClr val="accent1"/>
+          </a:effectRef>
+          <a:fontRef idx="minor">
+            <a:schemeClr val="tx1"/>
+          </a:fontRef>
+        </p:style>
+      </p:cxnSp>
+      <p:cxnSp>
+        <p:nvCxnSpPr>
+          <p:cNvPr id="8" name="Conector de seta reta 7"/>
+          <p:cNvCxnSpPr/>
+          <p:nvPr/>
+        </p:nvCxnSpPr>
+        <p:spPr>
+          <a:xfrm>
+            <a:off x="8215493" y="1867245"/>
+            <a:ext cx="682847" cy="2499"/>
+          </a:xfrm>
+          <a:prstGeom prst="straightConnector1">
+            <a:avLst/>
+          </a:prstGeom>
+          <a:ln w="38100">
+            <a:solidFill>
+              <a:srgbClr val="00FF00"/>
+            </a:solidFill>
+            <a:tailEnd type="triangle"/>
+          </a:ln>
+        </p:spPr>
+        <p:style>
+          <a:lnRef idx="1">
+            <a:schemeClr val="accent1"/>
+          </a:lnRef>
+          <a:fillRef idx="0">
+            <a:schemeClr val="accent1"/>
+          </a:fillRef>
+          <a:effectRef idx="0">
+            <a:schemeClr val="accent1"/>
+          </a:effectRef>
+          <a:fontRef idx="minor">
+            <a:schemeClr val="tx1"/>
+          </a:fontRef>
+        </p:style>
+      </p:cxnSp>
+      <p:sp>
+        <p:nvSpPr>
+          <p:cNvPr id="10" name="CaixaDeTexto 9"/>
+          <p:cNvSpPr txBox="1"/>
+          <p:nvPr/>
+        </p:nvSpPr>
+        <p:spPr>
+          <a:xfrm>
+            <a:off x="8857396" y="1572315"/>
+            <a:ext cx="1774209" cy="523220"/>
+          </a:xfrm>
+          <a:prstGeom prst="rect">
+            <a:avLst/>
+          </a:prstGeom>
+          <a:noFill/>
+        </p:spPr>
+        <p:txBody>
+          <a:bodyPr wrap="square" rtlCol="0">
+            <a:spAutoFit/>
+          </a:bodyPr>
+          <a:lstStyle/>
+          <a:p>
+            <a:r>
+              <a:rPr lang="pt-BR" sz="2800" b="1" dirty="0" err="1" smtClean="0">
+                <a:solidFill>
+                  <a:srgbClr val="00FF00"/>
+                </a:solidFill>
+                <a:latin typeface="Consolas" panose="020B0609020204030204" pitchFamily="49" charset="0"/>
+              </a:rPr>
+              <a:t>true</a:t>
+            </a:r>
+            <a:endParaRPr lang="pt-BR" sz="2800" b="1" dirty="0">
+              <a:solidFill>
+                <a:srgbClr val="00FF00"/>
+              </a:solidFill>
+              <a:latin typeface="Consolas" panose="020B0609020204030204" pitchFamily="49" charset="0"/>
+            </a:endParaRPr>
+          </a:p>
+        </p:txBody>
+      </p:sp>
+      <p:pic>
+        <p:nvPicPr>
+          <p:cNvPr id="14" name="Imagem 13"/>
+          <p:cNvPicPr>
+            <a:picLocks noChangeAspect="1"/>
+          </p:cNvPicPr>
+          <p:nvPr/>
+        </p:nvPicPr>
+        <p:blipFill>
+          <a:blip r:embed="rId4">
+            <a:extLst>
+              <a:ext uri="{28A0092B-C50C-407E-A947-70E740481C1C}">
+                <a14:useLocalDpi xmlns:a14="http://schemas.microsoft.com/office/drawing/2010/main" val="0"/>
+              </a:ext>
+            </a:extLst>
+          </a:blip>
+          <a:stretch>
+            <a:fillRect/>
+          </a:stretch>
+        </p:blipFill>
+        <p:spPr>
+          <a:xfrm>
+            <a:off x="6601386" y="3175483"/>
+            <a:ext cx="5159566" cy="1918714"/>
+          </a:xfrm>
+          <a:prstGeom prst="rect">
+            <a:avLst/>
+          </a:prstGeom>
+        </p:spPr>
+      </p:pic>
+      <p:cxnSp>
+        <p:nvCxnSpPr>
+          <p:cNvPr id="15" name="Conector de seta reta 14"/>
+          <p:cNvCxnSpPr/>
+          <p:nvPr/>
+        </p:nvCxnSpPr>
+        <p:spPr>
+          <a:xfrm>
+            <a:off x="4108450" y="3543300"/>
+            <a:ext cx="2335893" cy="591540"/>
+          </a:xfrm>
+          <a:prstGeom prst="straightConnector1">
+            <a:avLst/>
+          </a:prstGeom>
+          <a:ln w="38100">
+            <a:solidFill>
+              <a:schemeClr val="tx1"/>
+            </a:solidFill>
+            <a:tailEnd type="triangle"/>
+          </a:ln>
+        </p:spPr>
+        <p:style>
+          <a:lnRef idx="1">
+            <a:schemeClr val="accent1"/>
+          </a:lnRef>
+          <a:fillRef idx="0">
+            <a:schemeClr val="accent1"/>
+          </a:fillRef>
+          <a:effectRef idx="0">
+            <a:schemeClr val="accent1"/>
+          </a:effectRef>
+          <a:fontRef idx="minor">
+            <a:schemeClr val="tx1"/>
+          </a:fontRef>
+        </p:style>
+      </p:cxnSp>
+    </p:spTree>
+    <p:extLst>
+      <p:ext uri="{BB962C8B-B14F-4D97-AF65-F5344CB8AC3E}">
+        <p14:creationId xmlns:p14="http://schemas.microsoft.com/office/powerpoint/2010/main" val="2495727891"/>
+      </p:ext>
+    </p:extLst>
+  </p:cSld>
+  <p:clrMapOvr>
+    <a:masterClrMapping/>
+  </p:clrMapOvr>
+  <p:timing>
+    <p:tnLst>
+      <p:par>
+        <p:cTn id="1" dur="indefinite" restart="never" nodeType="tmRoot">
+          <p:childTnLst>
+            <p:seq concurrent="1" nextAc="seek">
+              <p:cTn id="2" dur="indefinite" nodeType="mainSeq">
+                <p:childTnLst>
+                  <p:par>
+                    <p:cTn id="3" fill="hold">
+                      <p:stCondLst>
+                        <p:cond delay="indefinite"/>
+                        <p:cond evt="onBegin" delay="0">
+                          <p:tn val="2"/>
+                        </p:cond>
+                      </p:stCondLst>
+                      <p:childTnLst>
+                        <p:par>
+                          <p:cTn id="4" fill="hold">
+                            <p:stCondLst>
+                              <p:cond delay="0"/>
+                            </p:stCondLst>
+                            <p:childTnLst>
+                              <p:par>
+                                <p:cTn id="5" presetID="10" presetClass="entr" presetSubtype="0" fill="hold" grpId="0" nodeType="withEffect">
+                                  <p:stCondLst>
+                                    <p:cond delay="0"/>
+                                  </p:stCondLst>
+                                  <p:childTnLst>
+                                    <p:set>
+                                      <p:cBhvr>
+                                        <p:cTn id="6" dur="1" fill="hold">
+                                          <p:stCondLst>
+                                            <p:cond delay="0"/>
+                                          </p:stCondLst>
+                                        </p:cTn>
+                                        <p:tgtEl>
+                                          <p:spTgt spid="9"/>
+                                        </p:tgtEl>
+                                        <p:attrNameLst>
+                                          <p:attrName>style.visibility</p:attrName>
+                                        </p:attrNameLst>
+                                      </p:cBhvr>
+                                      <p:to>
+                                        <p:strVal val="visible"/>
+                                      </p:to>
+                                    </p:set>
+                                    <p:animEffect transition="in" filter="fade">
+                                      <p:cBhvr>
+                                        <p:cTn id="7" dur="500"/>
+                                        <p:tgtEl>
+                                          <p:spTgt spid="9"/>
+                                        </p:tgtEl>
+                                      </p:cBhvr>
+                                    </p:animEffect>
+                                  </p:childTnLst>
+                                </p:cTn>
+                              </p:par>
+                              <p:par>
+                                <p:cTn id="8" presetID="1" presetClass="entr" presetSubtype="0" fill="hold" grpId="0" nodeType="withEffect">
+                                  <p:stCondLst>
+                                    <p:cond delay="0"/>
+                                  </p:stCondLst>
+                                  <p:childTnLst>
+                                    <p:set>
+                                      <p:cBhvr>
+                                        <p:cTn id="9" dur="1" fill="hold">
+                                          <p:stCondLst>
+                                            <p:cond delay="0"/>
+                                          </p:stCondLst>
+                                        </p:cTn>
+                                        <p:tgtEl>
+                                          <p:spTgt spid="12"/>
+                                        </p:tgtEl>
+                                        <p:attrNameLst>
+                                          <p:attrName>style.visibility</p:attrName>
+                                        </p:attrNameLst>
+                                      </p:cBhvr>
+                                      <p:to>
+                                        <p:strVal val="visible"/>
+                                      </p:to>
+                                    </p:set>
+                                  </p:childTnLst>
+                                </p:cTn>
+                              </p:par>
+                              <p:par>
+                                <p:cTn id="10" presetID="10" presetClass="entr" presetSubtype="0" fill="hold" nodeType="withEffect">
+                                  <p:stCondLst>
+                                    <p:cond delay="0"/>
+                                  </p:stCondLst>
+                                  <p:childTnLst>
+                                    <p:set>
+                                      <p:cBhvr>
+                                        <p:cTn id="11" dur="1" fill="hold">
+                                          <p:stCondLst>
+                                            <p:cond delay="0"/>
+                                          </p:stCondLst>
+                                        </p:cTn>
+                                        <p:tgtEl>
+                                          <p:spTgt spid="13"/>
+                                        </p:tgtEl>
+                                        <p:attrNameLst>
+                                          <p:attrName>style.visibility</p:attrName>
+                                        </p:attrNameLst>
+                                      </p:cBhvr>
+                                      <p:to>
+                                        <p:strVal val="visible"/>
+                                      </p:to>
+                                    </p:set>
+                                    <p:animEffect transition="in" filter="fade">
+                                      <p:cBhvr>
+                                        <p:cTn id="12" dur="500"/>
+                                        <p:tgtEl>
+                                          <p:spTgt spid="13"/>
+                                        </p:tgtEl>
+                                      </p:cBhvr>
+                                    </p:animEffect>
+                                  </p:childTnLst>
+                                </p:cTn>
+                              </p:par>
+                            </p:childTnLst>
+                          </p:cTn>
+                        </p:par>
+                      </p:childTnLst>
+                    </p:cTn>
+                  </p:par>
+                  <p:par>
+                    <p:cTn id="13" fill="hold">
+                      <p:stCondLst>
+                        <p:cond delay="indefinite"/>
+                      </p:stCondLst>
+                      <p:childTnLst>
+                        <p:par>
+                          <p:cTn id="14" fill="hold">
+                            <p:stCondLst>
+                              <p:cond delay="0"/>
+                            </p:stCondLst>
+                            <p:childTnLst>
+                              <p:par>
+                                <p:cTn id="15" presetID="10" presetClass="entr" presetSubtype="0" fill="hold" nodeType="clickEffect">
+                                  <p:stCondLst>
+                                    <p:cond delay="0"/>
+                                  </p:stCondLst>
+                                  <p:childTnLst>
+                                    <p:set>
+                                      <p:cBhvr>
+                                        <p:cTn id="16" dur="1" fill="hold">
+                                          <p:stCondLst>
+                                            <p:cond delay="0"/>
+                                          </p:stCondLst>
+                                        </p:cTn>
+                                        <p:tgtEl>
+                                          <p:spTgt spid="8"/>
+                                        </p:tgtEl>
+                                        <p:attrNameLst>
+                                          <p:attrName>style.visibility</p:attrName>
+                                        </p:attrNameLst>
+                                      </p:cBhvr>
+                                      <p:to>
+                                        <p:strVal val="visible"/>
+                                      </p:to>
+                                    </p:set>
+                                    <p:animEffect transition="in" filter="fade">
+                                      <p:cBhvr>
+                                        <p:cTn id="17" dur="500"/>
+                                        <p:tgtEl>
+                                          <p:spTgt spid="8"/>
+                                        </p:tgtEl>
+                                      </p:cBhvr>
+                                    </p:animEffect>
+                                  </p:childTnLst>
+                                </p:cTn>
+                              </p:par>
+                              <p:par>
+                                <p:cTn id="18" presetID="10" presetClass="entr" presetSubtype="0" fill="hold" grpId="0" nodeType="withEffect">
+                                  <p:stCondLst>
+                                    <p:cond delay="0"/>
+                                  </p:stCondLst>
+                                  <p:childTnLst>
+                                    <p:set>
+                                      <p:cBhvr>
+                                        <p:cTn id="19" dur="1" fill="hold">
+                                          <p:stCondLst>
+                                            <p:cond delay="0"/>
+                                          </p:stCondLst>
+                                        </p:cTn>
+                                        <p:tgtEl>
+                                          <p:spTgt spid="10"/>
+                                        </p:tgtEl>
+                                        <p:attrNameLst>
+                                          <p:attrName>style.visibility</p:attrName>
+                                        </p:attrNameLst>
+                                      </p:cBhvr>
+                                      <p:to>
+                                        <p:strVal val="visible"/>
+                                      </p:to>
+                                    </p:set>
+                                    <p:animEffect transition="in" filter="fade">
+                                      <p:cBhvr>
+                                        <p:cTn id="20" dur="500"/>
+                                        <p:tgtEl>
+                                          <p:spTgt spid="10"/>
+                                        </p:tgtEl>
+                                      </p:cBhvr>
+                                    </p:animEffect>
+                                  </p:childTnLst>
+                                </p:cTn>
+                              </p:par>
+                            </p:childTnLst>
+                          </p:cTn>
+                        </p:par>
+                      </p:childTnLst>
+                    </p:cTn>
+                  </p:par>
+                  <p:par>
+                    <p:cTn id="21" fill="hold">
+                      <p:stCondLst>
+                        <p:cond delay="indefinite"/>
+                      </p:stCondLst>
+                      <p:childTnLst>
+                        <p:par>
+                          <p:cTn id="22" fill="hold">
+                            <p:stCondLst>
+                              <p:cond delay="0"/>
+                            </p:stCondLst>
+                            <p:childTnLst>
+                              <p:par>
+                                <p:cTn id="23" presetID="10" presetClass="entr" presetSubtype="0" fill="hold" nodeType="clickEffect">
+                                  <p:stCondLst>
+                                    <p:cond delay="0"/>
+                                  </p:stCondLst>
+                                  <p:childTnLst>
+                                    <p:set>
+                                      <p:cBhvr>
+                                        <p:cTn id="24" dur="1" fill="hold">
+                                          <p:stCondLst>
+                                            <p:cond delay="0"/>
+                                          </p:stCondLst>
+                                        </p:cTn>
+                                        <p:tgtEl>
+                                          <p:spTgt spid="15"/>
+                                        </p:tgtEl>
+                                        <p:attrNameLst>
+                                          <p:attrName>style.visibility</p:attrName>
+                                        </p:attrNameLst>
+                                      </p:cBhvr>
+                                      <p:to>
+                                        <p:strVal val="visible"/>
+                                      </p:to>
+                                    </p:set>
+                                    <p:animEffect transition="in" filter="fade">
+                                      <p:cBhvr>
+                                        <p:cTn id="25" dur="500"/>
+                                        <p:tgtEl>
+                                          <p:spTgt spid="15"/>
+                                        </p:tgtEl>
+                                      </p:cBhvr>
+                                    </p:animEffect>
+                                  </p:childTnLst>
+                                </p:cTn>
+                              </p:par>
+                              <p:par>
+                                <p:cTn id="26" presetID="10" presetClass="entr" presetSubtype="0" fill="hold" nodeType="withEffect">
+                                  <p:stCondLst>
+                                    <p:cond delay="0"/>
+                                  </p:stCondLst>
+                                  <p:childTnLst>
+                                    <p:set>
+                                      <p:cBhvr>
+                                        <p:cTn id="27" dur="1" fill="hold">
+                                          <p:stCondLst>
+                                            <p:cond delay="0"/>
+                                          </p:stCondLst>
+                                        </p:cTn>
+                                        <p:tgtEl>
+                                          <p:spTgt spid="14"/>
+                                        </p:tgtEl>
+                                        <p:attrNameLst>
+                                          <p:attrName>style.visibility</p:attrName>
+                                        </p:attrNameLst>
+                                      </p:cBhvr>
+                                      <p:to>
+                                        <p:strVal val="visible"/>
+                                      </p:to>
+                                    </p:set>
+                                    <p:animEffect transition="in" filter="fade">
+                                      <p:cBhvr>
+                                        <p:cTn id="28" dur="500"/>
+                                        <p:tgtEl>
+                                          <p:spTgt spid="14"/>
+                                        </p:tgtEl>
+                                      </p:cBhvr>
+                                    </p:animEffect>
+                                  </p:childTnLst>
+                                </p:cTn>
+                              </p:par>
+                            </p:childTnLst>
+                          </p:cTn>
+                        </p:par>
+                      </p:childTnLst>
+                    </p:cTn>
+                  </p:par>
+                </p:childTnLst>
+              </p:cTn>
+              <p:prevCondLst>
+                <p:cond evt="onPrev" delay="0">
+                  <p:tgtEl>
+                    <p:sldTgt/>
+                  </p:tgtEl>
+                </p:cond>
+              </p:prevCondLst>
+              <p:nextCondLst>
+                <p:cond evt="onNext" delay="0">
+                  <p:tgtEl>
+                    <p:sldTgt/>
+                  </p:tgtEl>
+                </p:cond>
+              </p:nextCondLst>
+            </p:seq>
+          </p:childTnLst>
+        </p:cTn>
+      </p:par>
+    </p:tnLst>
+    <p:bldLst>
+      <p:bldP spid="9" grpId="0" animBg="1"/>
+      <p:bldP spid="12" grpId="0"/>
+      <p:bldP spid="10" grpId="0"/>
+    </p:bldLst>
+  </p:timing>
+</p:sld>
+</file>
+
+<file path=ppt/slides/slide25.xml><?xml version="1.0" encoding="utf-8"?>
+<p:sld xmlns:a="http://schemas.openxmlformats.org/drawingml/2006/main" xmlns:r="http://schemas.openxmlformats.org/officeDocument/2006/relationships" xmlns:p="http://schemas.openxmlformats.org/presentationml/2006/main">
+  <p:cSld>
+    <p:spTree>
+      <p:nvGrpSpPr>
+        <p:cNvPr id="1" name=""/>
+        <p:cNvGrpSpPr/>
+        <p:nvPr/>
+      </p:nvGrpSpPr>
+      <p:grpSpPr>
+        <a:xfrm>
+          <a:off x="0" y="0"/>
+          <a:ext cx="0" cy="0"/>
+          <a:chOff x="0" y="0"/>
+          <a:chExt cx="0" cy="0"/>
+        </a:xfrm>
+      </p:grpSpPr>
+      <p:sp>
+        <p:nvSpPr>
+          <p:cNvPr id="2" name="Título 1"/>
+          <p:cNvSpPr>
+            <a:spLocks noGrp="1"/>
+          </p:cNvSpPr>
+          <p:nvPr>
+            <p:ph type="title"/>
+          </p:nvPr>
+        </p:nvSpPr>
+        <p:spPr>
+          <a:xfrm>
+            <a:off x="4270525" y="132204"/>
+            <a:ext cx="7506504" cy="685753"/>
+          </a:xfrm>
+        </p:spPr>
+        <p:txBody>
+          <a:bodyPr>
+            <a:normAutofit fontScale="90000"/>
+          </a:bodyPr>
+          <a:lstStyle/>
+          <a:p>
+            <a:r>
+              <a:rPr lang="pt-BR" sz="3200" dirty="0" smtClean="0">
+                <a:latin typeface="Consolas" panose="020B0609020204030204" pitchFamily="49" charset="0"/>
+              </a:rPr>
+              <a:t>Estrutura </a:t>
+            </a:r>
+            <a:r>
+              <a:rPr lang="pt-BR" sz="3200" dirty="0">
+                <a:latin typeface="Consolas" panose="020B0609020204030204" pitchFamily="49" charset="0"/>
+              </a:rPr>
+              <a:t>condicional Switch </a:t>
+            </a:r>
+            <a:r>
+              <a:rPr lang="pt-BR" sz="3200" dirty="0" smtClean="0">
+                <a:latin typeface="Consolas" panose="020B0609020204030204" pitchFamily="49" charset="0"/>
+              </a:rPr>
+              <a:t>Case</a:t>
+            </a:r>
+            <a:endParaRPr lang="pt-BR" sz="3200" dirty="0">
+              <a:latin typeface="Consolas" panose="020B0609020204030204" pitchFamily="49" charset="0"/>
+            </a:endParaRPr>
+          </a:p>
+        </p:txBody>
+      </p:sp>
+      <p:pic>
+        <p:nvPicPr>
+          <p:cNvPr id="4" name="Imagem 3"/>
+          <p:cNvPicPr>
+            <a:picLocks noChangeAspect="1"/>
+          </p:cNvPicPr>
+          <p:nvPr/>
+        </p:nvPicPr>
+        <p:blipFill>
+          <a:blip r:embed="rId2" cstate="print">
+            <a:extLst>
+              <a:ext uri="{28A0092B-C50C-407E-A947-70E740481C1C}">
+                <a14:useLocalDpi xmlns:a14="http://schemas.microsoft.com/office/drawing/2010/main" val="0"/>
+              </a:ext>
+            </a:extLst>
+          </a:blip>
+          <a:stretch>
+            <a:fillRect/>
+          </a:stretch>
+        </p:blipFill>
+        <p:spPr>
+          <a:xfrm>
+            <a:off x="10441211" y="110689"/>
+            <a:ext cx="1750789" cy="2157949"/>
+          </a:xfrm>
+          <a:prstGeom prst="rect">
+            <a:avLst/>
+          </a:prstGeom>
+        </p:spPr>
+      </p:pic>
+      <p:pic>
+        <p:nvPicPr>
+          <p:cNvPr id="3" name="Imagem 2"/>
+          <p:cNvPicPr>
+            <a:picLocks noChangeAspect="1"/>
+          </p:cNvPicPr>
+          <p:nvPr/>
+        </p:nvPicPr>
+        <p:blipFill>
+          <a:blip r:embed="rId3">
+            <a:extLst>
+              <a:ext uri="{28A0092B-C50C-407E-A947-70E740481C1C}">
+                <a14:useLocalDpi xmlns:a14="http://schemas.microsoft.com/office/drawing/2010/main" val="0"/>
+              </a:ext>
+            </a:extLst>
+          </a:blip>
+          <a:stretch>
+            <a:fillRect/>
+          </a:stretch>
+        </p:blipFill>
+        <p:spPr>
+          <a:xfrm>
+            <a:off x="0" y="0"/>
+            <a:ext cx="4264492" cy="6858000"/>
+          </a:xfrm>
+          <a:prstGeom prst="rect">
+            <a:avLst/>
+          </a:prstGeom>
+        </p:spPr>
+      </p:pic>
+    </p:spTree>
+    <p:extLst>
+      <p:ext uri="{BB962C8B-B14F-4D97-AF65-F5344CB8AC3E}">
+        <p14:creationId xmlns:p14="http://schemas.microsoft.com/office/powerpoint/2010/main" val="3733390997"/>
+      </p:ext>
+    </p:extLst>
+  </p:cSld>
+  <p:clrMapOvr>
+    <a:masterClrMapping/>
+  </p:clrMapOvr>
+  <p:timing>
+    <p:tnLst>
+      <p:par>
+        <p:cTn id="1" dur="indefinite" restart="never" nodeType="tmRoot"/>
+      </p:par>
+    </p:tnLst>
+  </p:timing>
+</p:sld>
+</file>
+
+<file path=ppt/slides/slide26.xml><?xml version="1.0" encoding="utf-8"?>
+<p:sld xmlns:a="http://schemas.openxmlformats.org/drawingml/2006/main" xmlns:r="http://schemas.openxmlformats.org/officeDocument/2006/relationships" xmlns:p="http://schemas.openxmlformats.org/presentationml/2006/main">
+  <p:cSld>
+    <p:spTree>
+      <p:nvGrpSpPr>
+        <p:cNvPr id="1" name=""/>
+        <p:cNvGrpSpPr/>
+        <p:nvPr/>
+      </p:nvGrpSpPr>
+      <p:grpSpPr>
+        <a:xfrm>
+          <a:off x="0" y="0"/>
+          <a:ext cx="0" cy="0"/>
+          <a:chOff x="0" y="0"/>
+          <a:chExt cx="0" cy="0"/>
+        </a:xfrm>
+      </p:grpSpPr>
+      <p:sp>
+        <p:nvSpPr>
+          <p:cNvPr id="2" name="Título 1"/>
+          <p:cNvSpPr>
+            <a:spLocks noGrp="1"/>
+          </p:cNvSpPr>
+          <p:nvPr>
+            <p:ph type="title"/>
+          </p:nvPr>
+        </p:nvSpPr>
+        <p:spPr>
+          <a:xfrm>
             <a:off x="480725" y="385591"/>
             <a:ext cx="7914128" cy="685753"/>
           </a:xfrm>
@@ -17650,13 +20448,191 @@
               <a:rPr lang="pt-BR" sz="3200" dirty="0" smtClean="0">
                 <a:latin typeface="Consolas" panose="020B0609020204030204" pitchFamily="49" charset="0"/>
               </a:rPr>
-              <a:t>Estrutura </a:t>
-            </a:r>
+              <a:t>Estrutura de repetição </a:t>
+            </a:r>
+            <a:r>
+              <a:rPr lang="pt-BR" sz="3200" dirty="0" err="1">
+                <a:latin typeface="Consolas" panose="020B0609020204030204" pitchFamily="49" charset="0"/>
+              </a:rPr>
+              <a:t>W</a:t>
+            </a:r>
+            <a:r>
+              <a:rPr lang="pt-BR" sz="3200" dirty="0" err="1" smtClean="0">
+                <a:latin typeface="Consolas" panose="020B0609020204030204" pitchFamily="49" charset="0"/>
+              </a:rPr>
+              <a:t>hile</a:t>
+            </a:r>
+            <a:endParaRPr lang="pt-BR" sz="3200" dirty="0">
+              <a:latin typeface="Consolas" panose="020B0609020204030204" pitchFamily="49" charset="0"/>
+            </a:endParaRPr>
+          </a:p>
+        </p:txBody>
+      </p:sp>
+      <p:pic>
+        <p:nvPicPr>
+          <p:cNvPr id="4" name="Imagem 3"/>
+          <p:cNvPicPr>
+            <a:picLocks noChangeAspect="1"/>
+          </p:cNvPicPr>
+          <p:nvPr/>
+        </p:nvPicPr>
+        <p:blipFill>
+          <a:blip r:embed="rId2" cstate="print">
+            <a:extLst>
+              <a:ext uri="{28A0092B-C50C-407E-A947-70E740481C1C}">
+                <a14:useLocalDpi xmlns:a14="http://schemas.microsoft.com/office/drawing/2010/main" val="0"/>
+              </a:ext>
+            </a:extLst>
+          </a:blip>
+          <a:stretch>
+            <a:fillRect/>
+          </a:stretch>
+        </p:blipFill>
+        <p:spPr>
+          <a:xfrm>
+            <a:off x="10441211" y="110689"/>
+            <a:ext cx="1750789" cy="2157949"/>
+          </a:xfrm>
+          <a:prstGeom prst="rect">
+            <a:avLst/>
+          </a:prstGeom>
+        </p:spPr>
+      </p:pic>
+      <p:sp>
+        <p:nvSpPr>
+          <p:cNvPr id="10" name="CaixaDeTexto 9"/>
+          <p:cNvSpPr txBox="1"/>
+          <p:nvPr/>
+        </p:nvSpPr>
+        <p:spPr>
+          <a:xfrm>
+            <a:off x="480725" y="1902793"/>
+            <a:ext cx="8509038" cy="1384995"/>
+          </a:xfrm>
+          <a:prstGeom prst="rect">
+            <a:avLst/>
+          </a:prstGeom>
+          <a:noFill/>
+        </p:spPr>
+        <p:txBody>
+          <a:bodyPr wrap="square" rtlCol="0">
+            <a:spAutoFit/>
+          </a:bodyPr>
+          <a:lstStyle/>
+          <a:p>
+            <a:r>
+              <a:rPr lang="pt-BR" sz="2800" dirty="0" err="1" smtClean="0">
+                <a:solidFill>
+                  <a:srgbClr val="FF0000"/>
+                </a:solidFill>
+              </a:rPr>
+              <a:t>while</a:t>
+            </a:r>
+            <a:r>
+              <a:rPr lang="pt-BR" sz="2800" dirty="0" smtClean="0"/>
+              <a:t>(</a:t>
+            </a:r>
+            <a:r>
+              <a:rPr lang="pt-BR" sz="2800" dirty="0" smtClean="0">
+                <a:solidFill>
+                  <a:srgbClr val="00FF00"/>
+                </a:solidFill>
+              </a:rPr>
+              <a:t>[teste]</a:t>
+            </a:r>
+            <a:r>
+              <a:rPr lang="pt-BR" sz="2800" dirty="0" smtClean="0"/>
+              <a:t>) {</a:t>
+            </a:r>
+            <a:endParaRPr lang="pt-BR" sz="2800" dirty="0"/>
+          </a:p>
+          <a:p>
+            <a:r>
+              <a:rPr lang="pt-BR" sz="2800" dirty="0"/>
+              <a:t>      </a:t>
+            </a:r>
+            <a:r>
+              <a:rPr lang="pt-BR" sz="2800" dirty="0" smtClean="0">
+                <a:solidFill>
+                  <a:srgbClr val="0000FF"/>
+                </a:solidFill>
+              </a:rPr>
+              <a:t>[Bloco de código]</a:t>
+            </a:r>
+          </a:p>
+          <a:p>
+            <a:r>
+              <a:rPr lang="pt-BR" sz="2800" dirty="0" smtClean="0"/>
+              <a:t>}</a:t>
+            </a:r>
+            <a:endParaRPr lang="pt-BR" sz="2800" dirty="0"/>
+          </a:p>
+        </p:txBody>
+      </p:sp>
+    </p:spTree>
+    <p:extLst>
+      <p:ext uri="{BB962C8B-B14F-4D97-AF65-F5344CB8AC3E}">
+        <p14:creationId xmlns:p14="http://schemas.microsoft.com/office/powerpoint/2010/main" val="1227429573"/>
+      </p:ext>
+    </p:extLst>
+  </p:cSld>
+  <p:clrMapOvr>
+    <a:masterClrMapping/>
+  </p:clrMapOvr>
+  <p:timing>
+    <p:tnLst>
+      <p:par>
+        <p:cTn id="1" dur="indefinite" restart="never" nodeType="tmRoot"/>
+      </p:par>
+    </p:tnLst>
+  </p:timing>
+</p:sld>
+</file>
+
+<file path=ppt/slides/slide27.xml><?xml version="1.0" encoding="utf-8"?>
+<p:sld xmlns:a="http://schemas.openxmlformats.org/drawingml/2006/main" xmlns:r="http://schemas.openxmlformats.org/officeDocument/2006/relationships" xmlns:p="http://schemas.openxmlformats.org/presentationml/2006/main">
+  <p:cSld>
+    <p:spTree>
+      <p:nvGrpSpPr>
+        <p:cNvPr id="1" name=""/>
+        <p:cNvGrpSpPr/>
+        <p:nvPr/>
+      </p:nvGrpSpPr>
+      <p:grpSpPr>
+        <a:xfrm>
+          <a:off x="0" y="0"/>
+          <a:ext cx="0" cy="0"/>
+          <a:chOff x="0" y="0"/>
+          <a:chExt cx="0" cy="0"/>
+        </a:xfrm>
+      </p:grpSpPr>
+      <p:sp>
+        <p:nvSpPr>
+          <p:cNvPr id="2" name="Título 1"/>
+          <p:cNvSpPr>
+            <a:spLocks noGrp="1"/>
+          </p:cNvSpPr>
+          <p:nvPr>
+            <p:ph type="title"/>
+          </p:nvPr>
+        </p:nvSpPr>
+        <p:spPr>
+          <a:xfrm>
+            <a:off x="480725" y="385591"/>
+            <a:ext cx="7914128" cy="685753"/>
+          </a:xfrm>
+        </p:spPr>
+        <p:txBody>
+          <a:bodyPr>
+            <a:normAutofit/>
+          </a:bodyPr>
+          <a:lstStyle/>
+          <a:p>
             <a:r>
               <a:rPr lang="pt-BR" sz="3200" dirty="0" smtClean="0">
                 <a:latin typeface="Consolas" panose="020B0609020204030204" pitchFamily="49" charset="0"/>
               </a:rPr>
-              <a:t>de repetição </a:t>
+              <a:t>Estrutura de repetição </a:t>
             </a:r>
             <a:r>
               <a:rPr lang="pt-BR" sz="3200" dirty="0" err="1">
@@ -17881,7 +20857,7 @@
 </p:sld>
 </file>
 
-<file path=ppt/slides/slide22.xml><?xml version="1.0" encoding="utf-8"?>
+<file path=ppt/slides/slide28.xml><?xml version="1.0" encoding="utf-8"?>
 <p:sld xmlns:a="http://schemas.openxmlformats.org/drawingml/2006/main" xmlns:r="http://schemas.openxmlformats.org/officeDocument/2006/relationships" xmlns:p="http://schemas.openxmlformats.org/presentationml/2006/main">
   <p:cSld>
     <p:spTree>
@@ -17924,13 +20900,7 @@
               <a:rPr lang="pt-BR" sz="3200" dirty="0" smtClean="0">
                 <a:latin typeface="Consolas" panose="020B0609020204030204" pitchFamily="49" charset="0"/>
               </a:rPr>
-              <a:t>Estrutura </a:t>
-            </a:r>
-            <a:r>
-              <a:rPr lang="pt-BR" sz="3200" dirty="0" smtClean="0">
-                <a:latin typeface="Consolas" panose="020B0609020204030204" pitchFamily="49" charset="0"/>
-              </a:rPr>
-              <a:t>de repetição </a:t>
+              <a:t>Estrutura de repetição </a:t>
             </a:r>
             <a:r>
               <a:rPr lang="pt-BR" sz="3200" dirty="0" err="1">
@@ -18411,7 +21381,7 @@
 </p:sld>
 </file>
 
-<file path=ppt/slides/slide23.xml><?xml version="1.0" encoding="utf-8"?>
+<file path=ppt/slides/slide29.xml><?xml version="1.0" encoding="utf-8"?>
 <p:sld xmlns:a="http://schemas.openxmlformats.org/drawingml/2006/main" xmlns:r="http://schemas.openxmlformats.org/officeDocument/2006/relationships" xmlns:p="http://schemas.openxmlformats.org/presentationml/2006/main">
   <p:cSld>
     <p:spTree>
@@ -18454,13 +21424,7 @@
               <a:rPr lang="pt-BR" sz="3200" dirty="0" smtClean="0">
                 <a:latin typeface="Consolas" panose="020B0609020204030204" pitchFamily="49" charset="0"/>
               </a:rPr>
-              <a:t>Estrutura </a:t>
-            </a:r>
-            <a:r>
-              <a:rPr lang="pt-BR" sz="3200" dirty="0" smtClean="0">
-                <a:latin typeface="Consolas" panose="020B0609020204030204" pitchFamily="49" charset="0"/>
-              </a:rPr>
-              <a:t>de repetição </a:t>
+              <a:t>Estrutura de repetição </a:t>
             </a:r>
             <a:r>
               <a:rPr lang="pt-BR" sz="3200" dirty="0" err="1">
@@ -18792,7 +21756,7 @@
 </p:sld>
 </file>
 
-<file path=ppt/slides/slide24.xml><?xml version="1.0" encoding="utf-8"?>
+<file path=ppt/slides/slide3.xml><?xml version="1.0" encoding="utf-8"?>
 <p:sld xmlns:a="http://schemas.openxmlformats.org/drawingml/2006/main" xmlns:r="http://schemas.openxmlformats.org/officeDocument/2006/relationships" xmlns:p="http://schemas.openxmlformats.org/presentationml/2006/main">
   <p:cSld>
     <p:spTree>
@@ -18821,8 +21785,8 @@
         </p:nvSpPr>
         <p:spPr>
           <a:xfrm>
-            <a:off x="480725" y="385591"/>
-            <a:ext cx="7914128" cy="685753"/>
+            <a:off x="838200" y="365125"/>
+            <a:ext cx="10515600" cy="1586505"/>
           </a:xfrm>
         </p:spPr>
         <p:txBody>
@@ -18835,13 +21799,167 @@
               <a:rPr lang="pt-BR" sz="3200" dirty="0" smtClean="0">
                 <a:latin typeface="Consolas" panose="020B0609020204030204" pitchFamily="49" charset="0"/>
               </a:rPr>
-              <a:t>Estrutura </a:t>
-            </a:r>
+              <a:t>Instrução de escrita</a:t>
+            </a:r>
+            <a:r>
+              <a:rPr lang="pt-BR" sz="3200" dirty="0">
+                <a:latin typeface="Consolas" panose="020B0609020204030204" pitchFamily="49" charset="0"/>
+              </a:rPr>
+              <a:t/>
+            </a:r>
+            <a:br>
+              <a:rPr lang="pt-BR" sz="3200" dirty="0">
+                <a:latin typeface="Consolas" panose="020B0609020204030204" pitchFamily="49" charset="0"/>
+              </a:rPr>
+            </a:br>
             <a:r>
               <a:rPr lang="pt-BR" sz="3200" dirty="0" smtClean="0">
                 <a:latin typeface="Consolas" panose="020B0609020204030204" pitchFamily="49" charset="0"/>
               </a:rPr>
-              <a:t>de repetição </a:t>
+              <a:t>(O </a:t>
+            </a:r>
+            <a:r>
+              <a:rPr lang="pt-BR" sz="3200" dirty="0">
+                <a:latin typeface="Consolas" panose="020B0609020204030204" pitchFamily="49" charset="0"/>
+              </a:rPr>
+              <a:t>programa mais simples em </a:t>
+            </a:r>
+            <a:r>
+              <a:rPr lang="pt-BR" sz="3200" dirty="0" smtClean="0">
+                <a:latin typeface="Consolas" panose="020B0609020204030204" pitchFamily="49" charset="0"/>
+              </a:rPr>
+              <a:t>Java)</a:t>
+            </a:r>
+            <a:endParaRPr lang="pt-BR" sz="3200" dirty="0">
+              <a:latin typeface="Consolas" panose="020B0609020204030204" pitchFamily="49" charset="0"/>
+            </a:endParaRPr>
+          </a:p>
+        </p:txBody>
+      </p:sp>
+      <p:pic>
+        <p:nvPicPr>
+          <p:cNvPr id="4" name="Imagem 3"/>
+          <p:cNvPicPr>
+            <a:picLocks noChangeAspect="1"/>
+          </p:cNvPicPr>
+          <p:nvPr/>
+        </p:nvPicPr>
+        <p:blipFill>
+          <a:blip r:embed="rId2" cstate="print">
+            <a:extLst>
+              <a:ext uri="{28A0092B-C50C-407E-A947-70E740481C1C}">
+                <a14:useLocalDpi xmlns:a14="http://schemas.microsoft.com/office/drawing/2010/main" val="0"/>
+              </a:ext>
+            </a:extLst>
+          </a:blip>
+          <a:stretch>
+            <a:fillRect/>
+          </a:stretch>
+        </p:blipFill>
+        <p:spPr>
+          <a:xfrm>
+            <a:off x="10441211" y="110689"/>
+            <a:ext cx="1750789" cy="2157949"/>
+          </a:xfrm>
+          <a:prstGeom prst="rect">
+            <a:avLst/>
+          </a:prstGeom>
+        </p:spPr>
+      </p:pic>
+      <p:pic>
+        <p:nvPicPr>
+          <p:cNvPr id="5" name="Imagem 4"/>
+          <p:cNvPicPr>
+            <a:picLocks noChangeAspect="1"/>
+          </p:cNvPicPr>
+          <p:nvPr/>
+        </p:nvPicPr>
+        <p:blipFill>
+          <a:blip r:embed="rId3">
+            <a:extLst>
+              <a:ext uri="{28A0092B-C50C-407E-A947-70E740481C1C}">
+                <a14:useLocalDpi xmlns:a14="http://schemas.microsoft.com/office/drawing/2010/main" val="0"/>
+              </a:ext>
+            </a:extLst>
+          </a:blip>
+          <a:stretch>
+            <a:fillRect/>
+          </a:stretch>
+        </p:blipFill>
+        <p:spPr>
+          <a:xfrm>
+            <a:off x="0" y="2688631"/>
+            <a:ext cx="12192000" cy="3221401"/>
+          </a:xfrm>
+          <a:prstGeom prst="rect">
+            <a:avLst/>
+          </a:prstGeom>
+        </p:spPr>
+      </p:pic>
+    </p:spTree>
+    <p:extLst>
+      <p:ext uri="{BB962C8B-B14F-4D97-AF65-F5344CB8AC3E}">
+        <p14:creationId xmlns:p14="http://schemas.microsoft.com/office/powerpoint/2010/main" val="1140937190"/>
+      </p:ext>
+    </p:extLst>
+  </p:cSld>
+  <p:clrMapOvr>
+    <a:masterClrMapping/>
+  </p:clrMapOvr>
+  <p:timing>
+    <p:tnLst>
+      <p:par>
+        <p:cTn id="1" dur="indefinite" restart="never" nodeType="tmRoot"/>
+      </p:par>
+    </p:tnLst>
+  </p:timing>
+</p:sld>
+</file>
+
+<file path=ppt/slides/slide30.xml><?xml version="1.0" encoding="utf-8"?>
+<p:sld xmlns:a="http://schemas.openxmlformats.org/drawingml/2006/main" xmlns:r="http://schemas.openxmlformats.org/officeDocument/2006/relationships" xmlns:p="http://schemas.openxmlformats.org/presentationml/2006/main">
+  <p:cSld>
+    <p:spTree>
+      <p:nvGrpSpPr>
+        <p:cNvPr id="1" name=""/>
+        <p:cNvGrpSpPr/>
+        <p:nvPr/>
+      </p:nvGrpSpPr>
+      <p:grpSpPr>
+        <a:xfrm>
+          <a:off x="0" y="0"/>
+          <a:ext cx="0" cy="0"/>
+          <a:chOff x="0" y="0"/>
+          <a:chExt cx="0" cy="0"/>
+        </a:xfrm>
+      </p:grpSpPr>
+      <p:sp>
+        <p:nvSpPr>
+          <p:cNvPr id="2" name="Título 1"/>
+          <p:cNvSpPr>
+            <a:spLocks noGrp="1"/>
+          </p:cNvSpPr>
+          <p:nvPr>
+            <p:ph type="title"/>
+          </p:nvPr>
+        </p:nvSpPr>
+        <p:spPr>
+          <a:xfrm>
+            <a:off x="480725" y="385591"/>
+            <a:ext cx="7914128" cy="685753"/>
+          </a:xfrm>
+        </p:spPr>
+        <p:txBody>
+          <a:bodyPr>
+            <a:normAutofit/>
+          </a:bodyPr>
+          <a:lstStyle/>
+          <a:p>
+            <a:r>
+              <a:rPr lang="pt-BR" sz="3200" dirty="0" smtClean="0">
+                <a:latin typeface="Consolas" panose="020B0609020204030204" pitchFamily="49" charset="0"/>
+              </a:rPr>
+              <a:t>Estrutura de repetição </a:t>
             </a:r>
             <a:r>
               <a:rPr lang="pt-BR" sz="3200" dirty="0" err="1">
@@ -19335,7 +22453,7 @@
 </p:sld>
 </file>
 
-<file path=ppt/slides/slide3.xml><?xml version="1.0" encoding="utf-8"?>
+<file path=ppt/slides/slide31.xml><?xml version="1.0" encoding="utf-8"?>
 <p:sld xmlns:a="http://schemas.openxmlformats.org/drawingml/2006/main" xmlns:r="http://schemas.openxmlformats.org/officeDocument/2006/relationships" xmlns:p="http://schemas.openxmlformats.org/presentationml/2006/main">
   <p:cSld>
     <p:spTree>
@@ -19364,8 +22482,8 @@
         </p:nvSpPr>
         <p:spPr>
           <a:xfrm>
-            <a:off x="838200" y="365125"/>
-            <a:ext cx="10515600" cy="1586505"/>
+            <a:off x="480725" y="385591"/>
+            <a:ext cx="7914128" cy="685753"/>
           </a:xfrm>
         </p:spPr>
         <p:txBody>
@@ -19378,36 +22496,19 @@
               <a:rPr lang="pt-BR" sz="3200" dirty="0" smtClean="0">
                 <a:latin typeface="Consolas" panose="020B0609020204030204" pitchFamily="49" charset="0"/>
               </a:rPr>
-              <a:t>Instrução de escrita</a:t>
-            </a:r>
-            <a:r>
-              <a:rPr lang="pt-BR" sz="3200" dirty="0">
-                <a:latin typeface="Consolas" panose="020B0609020204030204" pitchFamily="49" charset="0"/>
-              </a:rPr>
-              <a:t/>
-            </a:r>
-            <a:br>
-              <a:rPr lang="pt-BR" sz="3200" dirty="0">
-                <a:latin typeface="Consolas" panose="020B0609020204030204" pitchFamily="49" charset="0"/>
-              </a:rPr>
-            </a:br>
-            <a:r>
-              <a:rPr lang="pt-BR" sz="3200" dirty="0" smtClean="0">
-                <a:latin typeface="Consolas" panose="020B0609020204030204" pitchFamily="49" charset="0"/>
-              </a:rPr>
-              <a:t>(O </a:t>
-            </a:r>
-            <a:r>
-              <a:rPr lang="pt-BR" sz="3200" dirty="0">
-                <a:latin typeface="Consolas" panose="020B0609020204030204" pitchFamily="49" charset="0"/>
-              </a:rPr>
-              <a:t>programa mais simples em </a:t>
-            </a:r>
-            <a:r>
-              <a:rPr lang="pt-BR" sz="3200" dirty="0" smtClean="0">
-                <a:latin typeface="Consolas" panose="020B0609020204030204" pitchFamily="49" charset="0"/>
-              </a:rPr>
-              <a:t>Java)</a:t>
+              <a:t>Estrutura de repetição </a:t>
+            </a:r>
+            <a:r>
+              <a:rPr lang="pt-BR" sz="3200" dirty="0" err="1">
+                <a:latin typeface="Consolas" panose="020B0609020204030204" pitchFamily="49" charset="0"/>
+              </a:rPr>
+              <a:t>W</a:t>
+            </a:r>
+            <a:r>
+              <a:rPr lang="pt-BR" sz="3200" dirty="0" err="1" smtClean="0">
+                <a:latin typeface="Consolas" panose="020B0609020204030204" pitchFamily="49" charset="0"/>
+              </a:rPr>
+              <a:t>hile</a:t>
             </a:r>
             <a:endParaRPr lang="pt-BR" sz="3200" dirty="0">
               <a:latin typeface="Consolas" panose="020B0609020204030204" pitchFamily="49" charset="0"/>
@@ -19447,7 +22548,7 @@
       </p:pic>
       <p:pic>
         <p:nvPicPr>
-          <p:cNvPr id="5" name="Imagem 4"/>
+          <p:cNvPr id="3" name="Imagem 2"/>
           <p:cNvPicPr>
             <a:picLocks noChangeAspect="1"/>
           </p:cNvPicPr>
@@ -19467,18 +22568,252 @@
         </p:blipFill>
         <p:spPr>
           <a:xfrm>
-            <a:off x="0" y="2688631"/>
-            <a:ext cx="12192000" cy="3221401"/>
+            <a:off x="480725" y="1509311"/>
+            <a:ext cx="9285856" cy="4767962"/>
           </a:xfrm>
           <a:prstGeom prst="rect">
             <a:avLst/>
           </a:prstGeom>
         </p:spPr>
       </p:pic>
+      <p:sp>
+        <p:nvSpPr>
+          <p:cNvPr id="6" name="Seta para baixo 5"/>
+          <p:cNvSpPr/>
+          <p:nvPr/>
+        </p:nvSpPr>
+        <p:spPr>
+          <a:xfrm rot="16200000">
+            <a:off x="817685" y="2917514"/>
+            <a:ext cx="309243" cy="442827"/>
+          </a:xfrm>
+          <a:prstGeom prst="downArrow">
+            <a:avLst/>
+          </a:prstGeom>
+          <a:noFill/>
+          <a:ln w="38100">
+            <a:solidFill>
+              <a:schemeClr val="tx1"/>
+            </a:solidFill>
+          </a:ln>
+        </p:spPr>
+        <p:style>
+          <a:lnRef idx="2">
+            <a:schemeClr val="accent1">
+              <a:shade val="50000"/>
+            </a:schemeClr>
+          </a:lnRef>
+          <a:fillRef idx="1">
+            <a:schemeClr val="accent1"/>
+          </a:fillRef>
+          <a:effectRef idx="0">
+            <a:schemeClr val="accent1"/>
+          </a:effectRef>
+          <a:fontRef idx="minor">
+            <a:schemeClr val="lt1"/>
+          </a:fontRef>
+        </p:style>
+        <p:txBody>
+          <a:bodyPr rtlCol="0" anchor="ctr"/>
+          <a:lstStyle/>
+          <a:p>
+            <a:pPr algn="ctr"/>
+            <a:endParaRPr lang="pt-BR"/>
+          </a:p>
+        </p:txBody>
+      </p:sp>
+      <p:sp>
+        <p:nvSpPr>
+          <p:cNvPr id="8" name="CaixaDeTexto 7"/>
+          <p:cNvSpPr txBox="1"/>
+          <p:nvPr/>
+        </p:nvSpPr>
+        <p:spPr>
+          <a:xfrm>
+            <a:off x="4184401" y="3293549"/>
+            <a:ext cx="5345460" cy="523220"/>
+          </a:xfrm>
+          <a:prstGeom prst="rect">
+            <a:avLst/>
+          </a:prstGeom>
+          <a:noFill/>
+        </p:spPr>
+        <p:txBody>
+          <a:bodyPr wrap="square" rtlCol="0">
+            <a:spAutoFit/>
+          </a:bodyPr>
+          <a:lstStyle/>
+          <a:p>
+            <a:pPr algn="ctr"/>
+            <a:r>
+              <a:rPr lang="pt-BR" sz="2800" b="1" dirty="0">
+                <a:latin typeface="Consolas" panose="020B0609020204030204" pitchFamily="49" charset="0"/>
+              </a:rPr>
+              <a:t>n</a:t>
+            </a:r>
+            <a:r>
+              <a:rPr lang="pt-BR" sz="2800" b="1" dirty="0" smtClean="0">
+                <a:latin typeface="Consolas" panose="020B0609020204030204" pitchFamily="49" charset="0"/>
+              </a:rPr>
+              <a:t>umero é menor que 4?</a:t>
+            </a:r>
+            <a:endParaRPr lang="pt-BR" sz="2800" b="1" dirty="0">
+              <a:latin typeface="Consolas" panose="020B0609020204030204" pitchFamily="49" charset="0"/>
+            </a:endParaRPr>
+          </a:p>
+        </p:txBody>
+      </p:sp>
+      <p:cxnSp>
+        <p:nvCxnSpPr>
+          <p:cNvPr id="9" name="Conector de seta reta 8"/>
+          <p:cNvCxnSpPr/>
+          <p:nvPr/>
+        </p:nvCxnSpPr>
+        <p:spPr>
+          <a:xfrm>
+            <a:off x="2919470" y="3304566"/>
+            <a:ext cx="1795750" cy="275916"/>
+          </a:xfrm>
+          <a:prstGeom prst="straightConnector1">
+            <a:avLst/>
+          </a:prstGeom>
+          <a:ln w="38100">
+            <a:solidFill>
+              <a:schemeClr val="tx1"/>
+            </a:solidFill>
+            <a:tailEnd type="triangle"/>
+          </a:ln>
+        </p:spPr>
+        <p:style>
+          <a:lnRef idx="1">
+            <a:schemeClr val="accent1"/>
+          </a:lnRef>
+          <a:fillRef idx="0">
+            <a:schemeClr val="accent1"/>
+          </a:fillRef>
+          <a:effectRef idx="0">
+            <a:schemeClr val="accent1"/>
+          </a:effectRef>
+          <a:fontRef idx="minor">
+            <a:schemeClr val="tx1"/>
+          </a:fontRef>
+        </p:style>
+      </p:cxnSp>
+      <p:cxnSp>
+        <p:nvCxnSpPr>
+          <p:cNvPr id="10" name="Conector de seta reta 9"/>
+          <p:cNvCxnSpPr/>
+          <p:nvPr/>
+        </p:nvCxnSpPr>
+        <p:spPr>
+          <a:xfrm>
+            <a:off x="8987066" y="3555159"/>
+            <a:ext cx="1027267" cy="0"/>
+          </a:xfrm>
+          <a:prstGeom prst="straightConnector1">
+            <a:avLst/>
+          </a:prstGeom>
+          <a:ln w="38100">
+            <a:solidFill>
+              <a:schemeClr val="tx1"/>
+            </a:solidFill>
+            <a:tailEnd type="triangle"/>
+          </a:ln>
+        </p:spPr>
+        <p:style>
+          <a:lnRef idx="1">
+            <a:schemeClr val="accent1"/>
+          </a:lnRef>
+          <a:fillRef idx="0">
+            <a:schemeClr val="accent1"/>
+          </a:fillRef>
+          <a:effectRef idx="0">
+            <a:schemeClr val="accent1"/>
+          </a:effectRef>
+          <a:fontRef idx="minor">
+            <a:schemeClr val="tx1"/>
+          </a:fontRef>
+        </p:style>
+      </p:cxnSp>
+      <p:sp>
+        <p:nvSpPr>
+          <p:cNvPr id="12" name="CaixaDeTexto 11"/>
+          <p:cNvSpPr txBox="1"/>
+          <p:nvPr/>
+        </p:nvSpPr>
+        <p:spPr>
+          <a:xfrm>
+            <a:off x="9197986" y="3271515"/>
+            <a:ext cx="2484177" cy="523220"/>
+          </a:xfrm>
+          <a:prstGeom prst="rect">
+            <a:avLst/>
+          </a:prstGeom>
+          <a:noFill/>
+        </p:spPr>
+        <p:txBody>
+          <a:bodyPr wrap="square" rtlCol="0">
+            <a:spAutoFit/>
+          </a:bodyPr>
+          <a:lstStyle/>
+          <a:p>
+            <a:pPr algn="ctr"/>
+            <a:r>
+              <a:rPr lang="pt-BR" sz="2800" b="1" dirty="0" err="1" smtClean="0">
+                <a:latin typeface="Consolas" panose="020B0609020204030204" pitchFamily="49" charset="0"/>
+              </a:rPr>
+              <a:t>true</a:t>
+            </a:r>
+            <a:endParaRPr lang="pt-BR" sz="2800" b="1" dirty="0">
+              <a:latin typeface="Consolas" panose="020B0609020204030204" pitchFamily="49" charset="0"/>
+            </a:endParaRPr>
+          </a:p>
+        </p:txBody>
+      </p:sp>
+      <p:sp>
+        <p:nvSpPr>
+          <p:cNvPr id="11" name="CaixaDeTexto 10"/>
+          <p:cNvSpPr txBox="1"/>
+          <p:nvPr/>
+        </p:nvSpPr>
+        <p:spPr>
+          <a:xfrm>
+            <a:off x="4708834" y="2847113"/>
+            <a:ext cx="5345460" cy="523220"/>
+          </a:xfrm>
+          <a:prstGeom prst="rect">
+            <a:avLst/>
+          </a:prstGeom>
+          <a:noFill/>
+        </p:spPr>
+        <p:txBody>
+          <a:bodyPr wrap="square" rtlCol="0">
+            <a:spAutoFit/>
+          </a:bodyPr>
+          <a:lstStyle/>
+          <a:p>
+            <a:r>
+              <a:rPr lang="pt-BR" sz="2800" b="1" dirty="0">
+                <a:latin typeface="Consolas" panose="020B0609020204030204" pitchFamily="49" charset="0"/>
+              </a:rPr>
+              <a:t>n</a:t>
+            </a:r>
+            <a:r>
+              <a:rPr lang="pt-BR" sz="2800" b="1" dirty="0" smtClean="0">
+                <a:latin typeface="Consolas" panose="020B0609020204030204" pitchFamily="49" charset="0"/>
+              </a:rPr>
+              <a:t>umero vale 2</a:t>
+            </a:r>
+            <a:endParaRPr lang="pt-BR" sz="2800" b="1" dirty="0">
+              <a:latin typeface="Consolas" panose="020B0609020204030204" pitchFamily="49" charset="0"/>
+            </a:endParaRPr>
+          </a:p>
+        </p:txBody>
+      </p:sp>
     </p:spTree>
     <p:extLst>
       <p:ext uri="{BB962C8B-B14F-4D97-AF65-F5344CB8AC3E}">
-        <p14:creationId xmlns:p14="http://schemas.microsoft.com/office/powerpoint/2010/main" val="1140937190"/>
+        <p14:creationId xmlns:p14="http://schemas.microsoft.com/office/powerpoint/2010/main" val="1803560645"/>
       </p:ext>
     </p:extLst>
   </p:cSld>
@@ -19488,9 +22823,4606 @@
   <p:timing>
     <p:tnLst>
       <p:par>
-        <p:cTn id="1" dur="indefinite" restart="never" nodeType="tmRoot"/>
+        <p:cTn id="1" dur="indefinite" restart="never" nodeType="tmRoot">
+          <p:childTnLst>
+            <p:seq concurrent="1" nextAc="seek">
+              <p:cTn id="2" dur="indefinite" nodeType="mainSeq">
+                <p:childTnLst>
+                  <p:par>
+                    <p:cTn id="3" fill="hold">
+                      <p:stCondLst>
+                        <p:cond delay="indefinite"/>
+                      </p:stCondLst>
+                      <p:childTnLst>
+                        <p:par>
+                          <p:cTn id="4" fill="hold">
+                            <p:stCondLst>
+                              <p:cond delay="0"/>
+                            </p:stCondLst>
+                            <p:childTnLst>
+                              <p:par>
+                                <p:cTn id="5" presetID="1" presetClass="entr" presetSubtype="0" fill="hold" grpId="0" nodeType="clickEffect">
+                                  <p:stCondLst>
+                                    <p:cond delay="0"/>
+                                  </p:stCondLst>
+                                  <p:childTnLst>
+                                    <p:set>
+                                      <p:cBhvr>
+                                        <p:cTn id="6" dur="1" fill="hold">
+                                          <p:stCondLst>
+                                            <p:cond delay="0"/>
+                                          </p:stCondLst>
+                                        </p:cTn>
+                                        <p:tgtEl>
+                                          <p:spTgt spid="8"/>
+                                        </p:tgtEl>
+                                        <p:attrNameLst>
+                                          <p:attrName>style.visibility</p:attrName>
+                                        </p:attrNameLst>
+                                      </p:cBhvr>
+                                      <p:to>
+                                        <p:strVal val="visible"/>
+                                      </p:to>
+                                    </p:set>
+                                  </p:childTnLst>
+                                </p:cTn>
+                              </p:par>
+                              <p:par>
+                                <p:cTn id="7" presetID="10" presetClass="entr" presetSubtype="0" fill="hold" nodeType="withEffect">
+                                  <p:stCondLst>
+                                    <p:cond delay="0"/>
+                                  </p:stCondLst>
+                                  <p:childTnLst>
+                                    <p:set>
+                                      <p:cBhvr>
+                                        <p:cTn id="8" dur="1" fill="hold">
+                                          <p:stCondLst>
+                                            <p:cond delay="0"/>
+                                          </p:stCondLst>
+                                        </p:cTn>
+                                        <p:tgtEl>
+                                          <p:spTgt spid="9"/>
+                                        </p:tgtEl>
+                                        <p:attrNameLst>
+                                          <p:attrName>style.visibility</p:attrName>
+                                        </p:attrNameLst>
+                                      </p:cBhvr>
+                                      <p:to>
+                                        <p:strVal val="visible"/>
+                                      </p:to>
+                                    </p:set>
+                                    <p:animEffect transition="in" filter="fade">
+                                      <p:cBhvr>
+                                        <p:cTn id="9" dur="500"/>
+                                        <p:tgtEl>
+                                          <p:spTgt spid="9"/>
+                                        </p:tgtEl>
+                                      </p:cBhvr>
+                                    </p:animEffect>
+                                  </p:childTnLst>
+                                </p:cTn>
+                              </p:par>
+                            </p:childTnLst>
+                          </p:cTn>
+                        </p:par>
+                      </p:childTnLst>
+                    </p:cTn>
+                  </p:par>
+                  <p:par>
+                    <p:cTn id="10" fill="hold">
+                      <p:stCondLst>
+                        <p:cond delay="indefinite"/>
+                      </p:stCondLst>
+                      <p:childTnLst>
+                        <p:par>
+                          <p:cTn id="11" fill="hold">
+                            <p:stCondLst>
+                              <p:cond delay="0"/>
+                            </p:stCondLst>
+                            <p:childTnLst>
+                              <p:par>
+                                <p:cTn id="12" presetID="10" presetClass="entr" presetSubtype="0" fill="hold" nodeType="clickEffect">
+                                  <p:stCondLst>
+                                    <p:cond delay="0"/>
+                                  </p:stCondLst>
+                                  <p:childTnLst>
+                                    <p:set>
+                                      <p:cBhvr>
+                                        <p:cTn id="13" dur="1" fill="hold">
+                                          <p:stCondLst>
+                                            <p:cond delay="0"/>
+                                          </p:stCondLst>
+                                        </p:cTn>
+                                        <p:tgtEl>
+                                          <p:spTgt spid="10"/>
+                                        </p:tgtEl>
+                                        <p:attrNameLst>
+                                          <p:attrName>style.visibility</p:attrName>
+                                        </p:attrNameLst>
+                                      </p:cBhvr>
+                                      <p:to>
+                                        <p:strVal val="visible"/>
+                                      </p:to>
+                                    </p:set>
+                                    <p:animEffect transition="in" filter="fade">
+                                      <p:cBhvr>
+                                        <p:cTn id="14" dur="500"/>
+                                        <p:tgtEl>
+                                          <p:spTgt spid="10"/>
+                                        </p:tgtEl>
+                                      </p:cBhvr>
+                                    </p:animEffect>
+                                  </p:childTnLst>
+                                </p:cTn>
+                              </p:par>
+                              <p:par>
+                                <p:cTn id="15" presetID="1" presetClass="entr" presetSubtype="0" fill="hold" grpId="0" nodeType="withEffect">
+                                  <p:stCondLst>
+                                    <p:cond delay="0"/>
+                                  </p:stCondLst>
+                                  <p:childTnLst>
+                                    <p:set>
+                                      <p:cBhvr>
+                                        <p:cTn id="16" dur="1" fill="hold">
+                                          <p:stCondLst>
+                                            <p:cond delay="0"/>
+                                          </p:stCondLst>
+                                        </p:cTn>
+                                        <p:tgtEl>
+                                          <p:spTgt spid="12"/>
+                                        </p:tgtEl>
+                                        <p:attrNameLst>
+                                          <p:attrName>style.visibility</p:attrName>
+                                        </p:attrNameLst>
+                                      </p:cBhvr>
+                                      <p:to>
+                                        <p:strVal val="visible"/>
+                                      </p:to>
+                                    </p:set>
+                                  </p:childTnLst>
+                                </p:cTn>
+                              </p:par>
+                              <p:par>
+                                <p:cTn id="17" presetID="1" presetClass="entr" presetSubtype="0" fill="hold" grpId="0" nodeType="withEffect">
+                                  <p:stCondLst>
+                                    <p:cond delay="0"/>
+                                  </p:stCondLst>
+                                  <p:childTnLst>
+                                    <p:set>
+                                      <p:cBhvr>
+                                        <p:cTn id="18" dur="1" fill="hold">
+                                          <p:stCondLst>
+                                            <p:cond delay="0"/>
+                                          </p:stCondLst>
+                                        </p:cTn>
+                                        <p:tgtEl>
+                                          <p:spTgt spid="11"/>
+                                        </p:tgtEl>
+                                        <p:attrNameLst>
+                                          <p:attrName>style.visibility</p:attrName>
+                                        </p:attrNameLst>
+                                      </p:cBhvr>
+                                      <p:to>
+                                        <p:strVal val="visible"/>
+                                      </p:to>
+                                    </p:set>
+                                  </p:childTnLst>
+                                </p:cTn>
+                              </p:par>
+                            </p:childTnLst>
+                          </p:cTn>
+                        </p:par>
+                      </p:childTnLst>
+                    </p:cTn>
+                  </p:par>
+                </p:childTnLst>
+              </p:cTn>
+              <p:prevCondLst>
+                <p:cond evt="onPrev" delay="0">
+                  <p:tgtEl>
+                    <p:sldTgt/>
+                  </p:tgtEl>
+                </p:cond>
+              </p:prevCondLst>
+              <p:nextCondLst>
+                <p:cond evt="onNext" delay="0">
+                  <p:tgtEl>
+                    <p:sldTgt/>
+                  </p:tgtEl>
+                </p:cond>
+              </p:nextCondLst>
+            </p:seq>
+          </p:childTnLst>
+        </p:cTn>
       </p:par>
     </p:tnLst>
+    <p:bldLst>
+      <p:bldP spid="8" grpId="0"/>
+      <p:bldP spid="12" grpId="0"/>
+      <p:bldP spid="11" grpId="0"/>
+    </p:bldLst>
+  </p:timing>
+</p:sld>
+</file>
+
+<file path=ppt/slides/slide32.xml><?xml version="1.0" encoding="utf-8"?>
+<p:sld xmlns:a="http://schemas.openxmlformats.org/drawingml/2006/main" xmlns:r="http://schemas.openxmlformats.org/officeDocument/2006/relationships" xmlns:p="http://schemas.openxmlformats.org/presentationml/2006/main">
+  <p:cSld>
+    <p:spTree>
+      <p:nvGrpSpPr>
+        <p:cNvPr id="1" name=""/>
+        <p:cNvGrpSpPr/>
+        <p:nvPr/>
+      </p:nvGrpSpPr>
+      <p:grpSpPr>
+        <a:xfrm>
+          <a:off x="0" y="0"/>
+          <a:ext cx="0" cy="0"/>
+          <a:chOff x="0" y="0"/>
+          <a:chExt cx="0" cy="0"/>
+        </a:xfrm>
+      </p:grpSpPr>
+      <p:sp>
+        <p:nvSpPr>
+          <p:cNvPr id="2" name="Título 1"/>
+          <p:cNvSpPr>
+            <a:spLocks noGrp="1"/>
+          </p:cNvSpPr>
+          <p:nvPr>
+            <p:ph type="title"/>
+          </p:nvPr>
+        </p:nvSpPr>
+        <p:spPr>
+          <a:xfrm>
+            <a:off x="480725" y="385591"/>
+            <a:ext cx="7914128" cy="685753"/>
+          </a:xfrm>
+        </p:spPr>
+        <p:txBody>
+          <a:bodyPr>
+            <a:normAutofit/>
+          </a:bodyPr>
+          <a:lstStyle/>
+          <a:p>
+            <a:r>
+              <a:rPr lang="pt-BR" sz="3200" dirty="0" smtClean="0">
+                <a:latin typeface="Consolas" panose="020B0609020204030204" pitchFamily="49" charset="0"/>
+              </a:rPr>
+              <a:t>Estrutura de repetição </a:t>
+            </a:r>
+            <a:r>
+              <a:rPr lang="pt-BR" sz="3200" dirty="0" err="1">
+                <a:latin typeface="Consolas" panose="020B0609020204030204" pitchFamily="49" charset="0"/>
+              </a:rPr>
+              <a:t>W</a:t>
+            </a:r>
+            <a:r>
+              <a:rPr lang="pt-BR" sz="3200" dirty="0" err="1" smtClean="0">
+                <a:latin typeface="Consolas" panose="020B0609020204030204" pitchFamily="49" charset="0"/>
+              </a:rPr>
+              <a:t>hile</a:t>
+            </a:r>
+            <a:endParaRPr lang="pt-BR" sz="3200" dirty="0">
+              <a:latin typeface="Consolas" panose="020B0609020204030204" pitchFamily="49" charset="0"/>
+            </a:endParaRPr>
+          </a:p>
+        </p:txBody>
+      </p:sp>
+      <p:pic>
+        <p:nvPicPr>
+          <p:cNvPr id="4" name="Imagem 3"/>
+          <p:cNvPicPr>
+            <a:picLocks noChangeAspect="1"/>
+          </p:cNvPicPr>
+          <p:nvPr/>
+        </p:nvPicPr>
+        <p:blipFill>
+          <a:blip r:embed="rId2" cstate="print">
+            <a:extLst>
+              <a:ext uri="{28A0092B-C50C-407E-A947-70E740481C1C}">
+                <a14:useLocalDpi xmlns:a14="http://schemas.microsoft.com/office/drawing/2010/main" val="0"/>
+              </a:ext>
+            </a:extLst>
+          </a:blip>
+          <a:stretch>
+            <a:fillRect/>
+          </a:stretch>
+        </p:blipFill>
+        <p:spPr>
+          <a:xfrm>
+            <a:off x="10441211" y="110689"/>
+            <a:ext cx="1750789" cy="2157949"/>
+          </a:xfrm>
+          <a:prstGeom prst="rect">
+            <a:avLst/>
+          </a:prstGeom>
+        </p:spPr>
+      </p:pic>
+      <p:pic>
+        <p:nvPicPr>
+          <p:cNvPr id="3" name="Imagem 2"/>
+          <p:cNvPicPr>
+            <a:picLocks noChangeAspect="1"/>
+          </p:cNvPicPr>
+          <p:nvPr/>
+        </p:nvPicPr>
+        <p:blipFill>
+          <a:blip r:embed="rId3">
+            <a:extLst>
+              <a:ext uri="{28A0092B-C50C-407E-A947-70E740481C1C}">
+                <a14:useLocalDpi xmlns:a14="http://schemas.microsoft.com/office/drawing/2010/main" val="0"/>
+              </a:ext>
+            </a:extLst>
+          </a:blip>
+          <a:stretch>
+            <a:fillRect/>
+          </a:stretch>
+        </p:blipFill>
+        <p:spPr>
+          <a:xfrm>
+            <a:off x="480725" y="1509311"/>
+            <a:ext cx="9285856" cy="4767962"/>
+          </a:xfrm>
+          <a:prstGeom prst="rect">
+            <a:avLst/>
+          </a:prstGeom>
+        </p:spPr>
+      </p:pic>
+      <p:sp>
+        <p:nvSpPr>
+          <p:cNvPr id="6" name="Seta para baixo 5"/>
+          <p:cNvSpPr/>
+          <p:nvPr/>
+        </p:nvSpPr>
+        <p:spPr>
+          <a:xfrm rot="16200000">
+            <a:off x="1555815" y="3853950"/>
+            <a:ext cx="309243" cy="442827"/>
+          </a:xfrm>
+          <a:prstGeom prst="downArrow">
+            <a:avLst/>
+          </a:prstGeom>
+          <a:noFill/>
+          <a:ln w="38100">
+            <a:solidFill>
+              <a:schemeClr val="tx1"/>
+            </a:solidFill>
+          </a:ln>
+        </p:spPr>
+        <p:style>
+          <a:lnRef idx="2">
+            <a:schemeClr val="accent1">
+              <a:shade val="50000"/>
+            </a:schemeClr>
+          </a:lnRef>
+          <a:fillRef idx="1">
+            <a:schemeClr val="accent1"/>
+          </a:fillRef>
+          <a:effectRef idx="0">
+            <a:schemeClr val="accent1"/>
+          </a:effectRef>
+          <a:fontRef idx="minor">
+            <a:schemeClr val="lt1"/>
+          </a:fontRef>
+        </p:style>
+        <p:txBody>
+          <a:bodyPr rtlCol="0" anchor="ctr"/>
+          <a:lstStyle/>
+          <a:p>
+            <a:pPr algn="ctr"/>
+            <a:endParaRPr lang="pt-BR"/>
+          </a:p>
+        </p:txBody>
+      </p:sp>
+      <p:sp>
+        <p:nvSpPr>
+          <p:cNvPr id="8" name="CaixaDeTexto 7"/>
+          <p:cNvSpPr txBox="1"/>
+          <p:nvPr/>
+        </p:nvSpPr>
+        <p:spPr>
+          <a:xfrm>
+            <a:off x="7638317" y="3580482"/>
+            <a:ext cx="2128264" cy="954107"/>
+          </a:xfrm>
+          <a:prstGeom prst="rect">
+            <a:avLst/>
+          </a:prstGeom>
+          <a:noFill/>
+        </p:spPr>
+        <p:txBody>
+          <a:bodyPr wrap="square" rtlCol="0">
+            <a:spAutoFit/>
+          </a:bodyPr>
+          <a:lstStyle/>
+          <a:p>
+            <a:pPr algn="ctr"/>
+            <a:r>
+              <a:rPr lang="pt-BR" sz="2800" b="1" dirty="0" smtClean="0">
+                <a:latin typeface="Consolas" panose="020B0609020204030204" pitchFamily="49" charset="0"/>
+              </a:rPr>
+              <a:t>Imprime 2 na tela</a:t>
+            </a:r>
+            <a:endParaRPr lang="pt-BR" sz="2800" b="1" dirty="0">
+              <a:latin typeface="Consolas" panose="020B0609020204030204" pitchFamily="49" charset="0"/>
+            </a:endParaRPr>
+          </a:p>
+        </p:txBody>
+      </p:sp>
+      <p:cxnSp>
+        <p:nvCxnSpPr>
+          <p:cNvPr id="9" name="Conector de seta reta 8"/>
+          <p:cNvCxnSpPr>
+            <a:endCxn id="8" idx="1"/>
+          </p:cNvCxnSpPr>
+          <p:nvPr/>
+        </p:nvCxnSpPr>
+        <p:spPr>
+          <a:xfrm>
+            <a:off x="6984694" y="4057535"/>
+            <a:ext cx="653623" cy="1"/>
+          </a:xfrm>
+          <a:prstGeom prst="straightConnector1">
+            <a:avLst/>
+          </a:prstGeom>
+          <a:ln w="38100">
+            <a:solidFill>
+              <a:schemeClr val="tx1"/>
+            </a:solidFill>
+            <a:tailEnd type="triangle"/>
+          </a:ln>
+        </p:spPr>
+        <p:style>
+          <a:lnRef idx="1">
+            <a:schemeClr val="accent1"/>
+          </a:lnRef>
+          <a:fillRef idx="0">
+            <a:schemeClr val="accent1"/>
+          </a:fillRef>
+          <a:effectRef idx="0">
+            <a:schemeClr val="accent1"/>
+          </a:effectRef>
+          <a:fontRef idx="minor">
+            <a:schemeClr val="tx1"/>
+          </a:fontRef>
+        </p:style>
+      </p:cxnSp>
+    </p:spTree>
+    <p:extLst>
+      <p:ext uri="{BB962C8B-B14F-4D97-AF65-F5344CB8AC3E}">
+        <p14:creationId xmlns:p14="http://schemas.microsoft.com/office/powerpoint/2010/main" val="600315461"/>
+      </p:ext>
+    </p:extLst>
+  </p:cSld>
+  <p:clrMapOvr>
+    <a:masterClrMapping/>
+  </p:clrMapOvr>
+  <p:timing>
+    <p:tnLst>
+      <p:par>
+        <p:cTn id="1" dur="indefinite" restart="never" nodeType="tmRoot">
+          <p:childTnLst>
+            <p:seq concurrent="1" nextAc="seek">
+              <p:cTn id="2" dur="indefinite" nodeType="mainSeq">
+                <p:childTnLst>
+                  <p:par>
+                    <p:cTn id="3" fill="hold">
+                      <p:stCondLst>
+                        <p:cond delay="indefinite"/>
+                      </p:stCondLst>
+                      <p:childTnLst>
+                        <p:par>
+                          <p:cTn id="4" fill="hold">
+                            <p:stCondLst>
+                              <p:cond delay="0"/>
+                            </p:stCondLst>
+                            <p:childTnLst>
+                              <p:par>
+                                <p:cTn id="5" presetID="1" presetClass="entr" presetSubtype="0" fill="hold" grpId="0" nodeType="clickEffect">
+                                  <p:stCondLst>
+                                    <p:cond delay="0"/>
+                                  </p:stCondLst>
+                                  <p:childTnLst>
+                                    <p:set>
+                                      <p:cBhvr>
+                                        <p:cTn id="6" dur="1" fill="hold">
+                                          <p:stCondLst>
+                                            <p:cond delay="0"/>
+                                          </p:stCondLst>
+                                        </p:cTn>
+                                        <p:tgtEl>
+                                          <p:spTgt spid="8"/>
+                                        </p:tgtEl>
+                                        <p:attrNameLst>
+                                          <p:attrName>style.visibility</p:attrName>
+                                        </p:attrNameLst>
+                                      </p:cBhvr>
+                                      <p:to>
+                                        <p:strVal val="visible"/>
+                                      </p:to>
+                                    </p:set>
+                                  </p:childTnLst>
+                                </p:cTn>
+                              </p:par>
+                              <p:par>
+                                <p:cTn id="7" presetID="10" presetClass="entr" presetSubtype="0" fill="hold" nodeType="withEffect">
+                                  <p:stCondLst>
+                                    <p:cond delay="0"/>
+                                  </p:stCondLst>
+                                  <p:childTnLst>
+                                    <p:set>
+                                      <p:cBhvr>
+                                        <p:cTn id="8" dur="1" fill="hold">
+                                          <p:stCondLst>
+                                            <p:cond delay="0"/>
+                                          </p:stCondLst>
+                                        </p:cTn>
+                                        <p:tgtEl>
+                                          <p:spTgt spid="9"/>
+                                        </p:tgtEl>
+                                        <p:attrNameLst>
+                                          <p:attrName>style.visibility</p:attrName>
+                                        </p:attrNameLst>
+                                      </p:cBhvr>
+                                      <p:to>
+                                        <p:strVal val="visible"/>
+                                      </p:to>
+                                    </p:set>
+                                    <p:animEffect transition="in" filter="fade">
+                                      <p:cBhvr>
+                                        <p:cTn id="9" dur="500"/>
+                                        <p:tgtEl>
+                                          <p:spTgt spid="9"/>
+                                        </p:tgtEl>
+                                      </p:cBhvr>
+                                    </p:animEffect>
+                                  </p:childTnLst>
+                                </p:cTn>
+                              </p:par>
+                            </p:childTnLst>
+                          </p:cTn>
+                        </p:par>
+                      </p:childTnLst>
+                    </p:cTn>
+                  </p:par>
+                </p:childTnLst>
+              </p:cTn>
+              <p:prevCondLst>
+                <p:cond evt="onPrev" delay="0">
+                  <p:tgtEl>
+                    <p:sldTgt/>
+                  </p:tgtEl>
+                </p:cond>
+              </p:prevCondLst>
+              <p:nextCondLst>
+                <p:cond evt="onNext" delay="0">
+                  <p:tgtEl>
+                    <p:sldTgt/>
+                  </p:tgtEl>
+                </p:cond>
+              </p:nextCondLst>
+            </p:seq>
+          </p:childTnLst>
+        </p:cTn>
+      </p:par>
+    </p:tnLst>
+    <p:bldLst>
+      <p:bldP spid="8" grpId="0"/>
+    </p:bldLst>
+  </p:timing>
+</p:sld>
+</file>
+
+<file path=ppt/slides/slide33.xml><?xml version="1.0" encoding="utf-8"?>
+<p:sld xmlns:a="http://schemas.openxmlformats.org/drawingml/2006/main" xmlns:r="http://schemas.openxmlformats.org/officeDocument/2006/relationships" xmlns:p="http://schemas.openxmlformats.org/presentationml/2006/main">
+  <p:cSld>
+    <p:spTree>
+      <p:nvGrpSpPr>
+        <p:cNvPr id="1" name=""/>
+        <p:cNvGrpSpPr/>
+        <p:nvPr/>
+      </p:nvGrpSpPr>
+      <p:grpSpPr>
+        <a:xfrm>
+          <a:off x="0" y="0"/>
+          <a:ext cx="0" cy="0"/>
+          <a:chOff x="0" y="0"/>
+          <a:chExt cx="0" cy="0"/>
+        </a:xfrm>
+      </p:grpSpPr>
+      <p:sp>
+        <p:nvSpPr>
+          <p:cNvPr id="2" name="Título 1"/>
+          <p:cNvSpPr>
+            <a:spLocks noGrp="1"/>
+          </p:cNvSpPr>
+          <p:nvPr>
+            <p:ph type="title"/>
+          </p:nvPr>
+        </p:nvSpPr>
+        <p:spPr>
+          <a:xfrm>
+            <a:off x="480725" y="385591"/>
+            <a:ext cx="7914128" cy="685753"/>
+          </a:xfrm>
+        </p:spPr>
+        <p:txBody>
+          <a:bodyPr>
+            <a:normAutofit/>
+          </a:bodyPr>
+          <a:lstStyle/>
+          <a:p>
+            <a:r>
+              <a:rPr lang="pt-BR" sz="3200" dirty="0" smtClean="0">
+                <a:latin typeface="Consolas" panose="020B0609020204030204" pitchFamily="49" charset="0"/>
+              </a:rPr>
+              <a:t>Estrutura de repetição </a:t>
+            </a:r>
+            <a:r>
+              <a:rPr lang="pt-BR" sz="3200" dirty="0" err="1">
+                <a:latin typeface="Consolas" panose="020B0609020204030204" pitchFamily="49" charset="0"/>
+              </a:rPr>
+              <a:t>W</a:t>
+            </a:r>
+            <a:r>
+              <a:rPr lang="pt-BR" sz="3200" dirty="0" err="1" smtClean="0">
+                <a:latin typeface="Consolas" panose="020B0609020204030204" pitchFamily="49" charset="0"/>
+              </a:rPr>
+              <a:t>hile</a:t>
+            </a:r>
+            <a:endParaRPr lang="pt-BR" sz="3200" dirty="0">
+              <a:latin typeface="Consolas" panose="020B0609020204030204" pitchFamily="49" charset="0"/>
+            </a:endParaRPr>
+          </a:p>
+        </p:txBody>
+      </p:sp>
+      <p:pic>
+        <p:nvPicPr>
+          <p:cNvPr id="4" name="Imagem 3"/>
+          <p:cNvPicPr>
+            <a:picLocks noChangeAspect="1"/>
+          </p:cNvPicPr>
+          <p:nvPr/>
+        </p:nvPicPr>
+        <p:blipFill>
+          <a:blip r:embed="rId2" cstate="print">
+            <a:extLst>
+              <a:ext uri="{28A0092B-C50C-407E-A947-70E740481C1C}">
+                <a14:useLocalDpi xmlns:a14="http://schemas.microsoft.com/office/drawing/2010/main" val="0"/>
+              </a:ext>
+            </a:extLst>
+          </a:blip>
+          <a:stretch>
+            <a:fillRect/>
+          </a:stretch>
+        </p:blipFill>
+        <p:spPr>
+          <a:xfrm>
+            <a:off x="10441211" y="110689"/>
+            <a:ext cx="1750789" cy="2157949"/>
+          </a:xfrm>
+          <a:prstGeom prst="rect">
+            <a:avLst/>
+          </a:prstGeom>
+        </p:spPr>
+      </p:pic>
+      <p:pic>
+        <p:nvPicPr>
+          <p:cNvPr id="3" name="Imagem 2"/>
+          <p:cNvPicPr>
+            <a:picLocks noChangeAspect="1"/>
+          </p:cNvPicPr>
+          <p:nvPr/>
+        </p:nvPicPr>
+        <p:blipFill>
+          <a:blip r:embed="rId3">
+            <a:extLst>
+              <a:ext uri="{28A0092B-C50C-407E-A947-70E740481C1C}">
+                <a14:useLocalDpi xmlns:a14="http://schemas.microsoft.com/office/drawing/2010/main" val="0"/>
+              </a:ext>
+            </a:extLst>
+          </a:blip>
+          <a:stretch>
+            <a:fillRect/>
+          </a:stretch>
+        </p:blipFill>
+        <p:spPr>
+          <a:xfrm>
+            <a:off x="480725" y="1509311"/>
+            <a:ext cx="9285856" cy="4767962"/>
+          </a:xfrm>
+          <a:prstGeom prst="rect">
+            <a:avLst/>
+          </a:prstGeom>
+        </p:spPr>
+      </p:pic>
+      <p:sp>
+        <p:nvSpPr>
+          <p:cNvPr id="6" name="Seta para baixo 5"/>
+          <p:cNvSpPr/>
+          <p:nvPr/>
+        </p:nvSpPr>
+        <p:spPr>
+          <a:xfrm rot="16200000">
+            <a:off x="1522765" y="4790380"/>
+            <a:ext cx="309243" cy="442827"/>
+          </a:xfrm>
+          <a:prstGeom prst="downArrow">
+            <a:avLst/>
+          </a:prstGeom>
+          <a:noFill/>
+          <a:ln w="38100">
+            <a:solidFill>
+              <a:schemeClr val="tx1"/>
+            </a:solidFill>
+          </a:ln>
+        </p:spPr>
+        <p:style>
+          <a:lnRef idx="2">
+            <a:schemeClr val="accent1">
+              <a:shade val="50000"/>
+            </a:schemeClr>
+          </a:lnRef>
+          <a:fillRef idx="1">
+            <a:schemeClr val="accent1"/>
+          </a:fillRef>
+          <a:effectRef idx="0">
+            <a:schemeClr val="accent1"/>
+          </a:effectRef>
+          <a:fontRef idx="minor">
+            <a:schemeClr val="lt1"/>
+          </a:fontRef>
+        </p:style>
+        <p:txBody>
+          <a:bodyPr rtlCol="0" anchor="ctr"/>
+          <a:lstStyle/>
+          <a:p>
+            <a:pPr algn="ctr"/>
+            <a:endParaRPr lang="pt-BR"/>
+          </a:p>
+        </p:txBody>
+      </p:sp>
+      <p:sp>
+        <p:nvSpPr>
+          <p:cNvPr id="7" name="CaixaDeTexto 6"/>
+          <p:cNvSpPr txBox="1"/>
+          <p:nvPr/>
+        </p:nvSpPr>
+        <p:spPr>
+          <a:xfrm>
+            <a:off x="6334699" y="4772218"/>
+            <a:ext cx="4726237" cy="400110"/>
+          </a:xfrm>
+          <a:prstGeom prst="rect">
+            <a:avLst/>
+          </a:prstGeom>
+          <a:noFill/>
+        </p:spPr>
+        <p:txBody>
+          <a:bodyPr wrap="square" rtlCol="0">
+            <a:spAutoFit/>
+          </a:bodyPr>
+          <a:lstStyle/>
+          <a:p>
+            <a:r>
+              <a:rPr lang="pt-BR" sz="2000" b="1" dirty="0">
+                <a:latin typeface="Consolas" panose="020B0609020204030204" pitchFamily="49" charset="0"/>
+              </a:rPr>
+              <a:t>n</a:t>
+            </a:r>
+            <a:r>
+              <a:rPr lang="pt-BR" sz="2000" b="1" dirty="0" smtClean="0">
+                <a:latin typeface="Consolas" panose="020B0609020204030204" pitchFamily="49" charset="0"/>
+              </a:rPr>
+              <a:t>umero = numero + 1</a:t>
+            </a:r>
+            <a:endParaRPr lang="pt-BR" sz="2000" b="1" dirty="0">
+              <a:latin typeface="Consolas" panose="020B0609020204030204" pitchFamily="49" charset="0"/>
+            </a:endParaRPr>
+          </a:p>
+        </p:txBody>
+      </p:sp>
+      <p:cxnSp>
+        <p:nvCxnSpPr>
+          <p:cNvPr id="8" name="Conector de seta reta 7"/>
+          <p:cNvCxnSpPr/>
+          <p:nvPr/>
+        </p:nvCxnSpPr>
+        <p:spPr>
+          <a:xfrm>
+            <a:off x="5894024" y="4989760"/>
+            <a:ext cx="440675" cy="0"/>
+          </a:xfrm>
+          <a:prstGeom prst="straightConnector1">
+            <a:avLst/>
+          </a:prstGeom>
+          <a:ln w="38100">
+            <a:solidFill>
+              <a:schemeClr val="tx1"/>
+            </a:solidFill>
+            <a:tailEnd type="triangle"/>
+          </a:ln>
+        </p:spPr>
+        <p:style>
+          <a:lnRef idx="1">
+            <a:schemeClr val="accent1"/>
+          </a:lnRef>
+          <a:fillRef idx="0">
+            <a:schemeClr val="accent1"/>
+          </a:fillRef>
+          <a:effectRef idx="0">
+            <a:schemeClr val="accent1"/>
+          </a:effectRef>
+          <a:fontRef idx="minor">
+            <a:schemeClr val="tx1"/>
+          </a:fontRef>
+        </p:style>
+      </p:cxnSp>
+      <p:sp>
+        <p:nvSpPr>
+          <p:cNvPr id="9" name="CaixaDeTexto 8"/>
+          <p:cNvSpPr txBox="1"/>
+          <p:nvPr/>
+        </p:nvSpPr>
+        <p:spPr>
+          <a:xfrm>
+            <a:off x="6334698" y="5124635"/>
+            <a:ext cx="4726237" cy="400110"/>
+          </a:xfrm>
+          <a:prstGeom prst="rect">
+            <a:avLst/>
+          </a:prstGeom>
+          <a:noFill/>
+        </p:spPr>
+        <p:txBody>
+          <a:bodyPr wrap="square" rtlCol="0">
+            <a:spAutoFit/>
+          </a:bodyPr>
+          <a:lstStyle/>
+          <a:p>
+            <a:r>
+              <a:rPr lang="pt-BR" sz="2000" b="1" dirty="0">
+                <a:latin typeface="Consolas" panose="020B0609020204030204" pitchFamily="49" charset="0"/>
+              </a:rPr>
+              <a:t>n</a:t>
+            </a:r>
+            <a:r>
+              <a:rPr lang="pt-BR" sz="2000" b="1" dirty="0" smtClean="0">
+                <a:latin typeface="Consolas" panose="020B0609020204030204" pitchFamily="49" charset="0"/>
+              </a:rPr>
+              <a:t>umero = 2 + 1</a:t>
+            </a:r>
+            <a:endParaRPr lang="pt-BR" sz="2000" b="1" dirty="0">
+              <a:latin typeface="Consolas" panose="020B0609020204030204" pitchFamily="49" charset="0"/>
+            </a:endParaRPr>
+          </a:p>
+        </p:txBody>
+      </p:sp>
+      <p:sp>
+        <p:nvSpPr>
+          <p:cNvPr id="10" name="CaixaDeTexto 9"/>
+          <p:cNvSpPr txBox="1"/>
+          <p:nvPr/>
+        </p:nvSpPr>
+        <p:spPr>
+          <a:xfrm>
+            <a:off x="6343879" y="5464324"/>
+            <a:ext cx="3152662" cy="830997"/>
+          </a:xfrm>
+          <a:prstGeom prst="rect">
+            <a:avLst/>
+          </a:prstGeom>
+          <a:noFill/>
+        </p:spPr>
+        <p:txBody>
+          <a:bodyPr wrap="square" rtlCol="0">
+            <a:spAutoFit/>
+          </a:bodyPr>
+          <a:lstStyle/>
+          <a:p>
+            <a:r>
+              <a:rPr lang="pt-BR" sz="1600" b="1" dirty="0" smtClean="0">
+                <a:latin typeface="Consolas" panose="020B0609020204030204" pitchFamily="49" charset="0"/>
+              </a:rPr>
+              <a:t>numero	vale 3 agora e todo o processo se reinicia</a:t>
+            </a:r>
+            <a:endParaRPr lang="pt-BR" sz="1600" b="1" dirty="0">
+              <a:latin typeface="Consolas" panose="020B0609020204030204" pitchFamily="49" charset="0"/>
+            </a:endParaRPr>
+          </a:p>
+        </p:txBody>
+      </p:sp>
+    </p:spTree>
+    <p:extLst>
+      <p:ext uri="{BB962C8B-B14F-4D97-AF65-F5344CB8AC3E}">
+        <p14:creationId xmlns:p14="http://schemas.microsoft.com/office/powerpoint/2010/main" val="2318848459"/>
+      </p:ext>
+    </p:extLst>
+  </p:cSld>
+  <p:clrMapOvr>
+    <a:masterClrMapping/>
+  </p:clrMapOvr>
+  <p:timing>
+    <p:tnLst>
+      <p:par>
+        <p:cTn id="1" dur="indefinite" restart="never" nodeType="tmRoot">
+          <p:childTnLst>
+            <p:seq concurrent="1" nextAc="seek">
+              <p:cTn id="2" dur="indefinite" nodeType="mainSeq">
+                <p:childTnLst>
+                  <p:par>
+                    <p:cTn id="3" fill="hold">
+                      <p:stCondLst>
+                        <p:cond delay="indefinite"/>
+                      </p:stCondLst>
+                      <p:childTnLst>
+                        <p:par>
+                          <p:cTn id="4" fill="hold">
+                            <p:stCondLst>
+                              <p:cond delay="0"/>
+                            </p:stCondLst>
+                            <p:childTnLst>
+                              <p:par>
+                                <p:cTn id="5" presetID="1" presetClass="entr" presetSubtype="0" fill="hold" grpId="0" nodeType="clickEffect">
+                                  <p:stCondLst>
+                                    <p:cond delay="0"/>
+                                  </p:stCondLst>
+                                  <p:childTnLst>
+                                    <p:set>
+                                      <p:cBhvr>
+                                        <p:cTn id="6" dur="1" fill="hold">
+                                          <p:stCondLst>
+                                            <p:cond delay="0"/>
+                                          </p:stCondLst>
+                                        </p:cTn>
+                                        <p:tgtEl>
+                                          <p:spTgt spid="7"/>
+                                        </p:tgtEl>
+                                        <p:attrNameLst>
+                                          <p:attrName>style.visibility</p:attrName>
+                                        </p:attrNameLst>
+                                      </p:cBhvr>
+                                      <p:to>
+                                        <p:strVal val="visible"/>
+                                      </p:to>
+                                    </p:set>
+                                  </p:childTnLst>
+                                </p:cTn>
+                              </p:par>
+                              <p:par>
+                                <p:cTn id="7" presetID="10" presetClass="entr" presetSubtype="0" fill="hold" nodeType="withEffect">
+                                  <p:stCondLst>
+                                    <p:cond delay="0"/>
+                                  </p:stCondLst>
+                                  <p:childTnLst>
+                                    <p:set>
+                                      <p:cBhvr>
+                                        <p:cTn id="8" dur="1" fill="hold">
+                                          <p:stCondLst>
+                                            <p:cond delay="0"/>
+                                          </p:stCondLst>
+                                        </p:cTn>
+                                        <p:tgtEl>
+                                          <p:spTgt spid="8"/>
+                                        </p:tgtEl>
+                                        <p:attrNameLst>
+                                          <p:attrName>style.visibility</p:attrName>
+                                        </p:attrNameLst>
+                                      </p:cBhvr>
+                                      <p:to>
+                                        <p:strVal val="visible"/>
+                                      </p:to>
+                                    </p:set>
+                                    <p:animEffect transition="in" filter="fade">
+                                      <p:cBhvr>
+                                        <p:cTn id="9" dur="500"/>
+                                        <p:tgtEl>
+                                          <p:spTgt spid="8"/>
+                                        </p:tgtEl>
+                                      </p:cBhvr>
+                                    </p:animEffect>
+                                  </p:childTnLst>
+                                </p:cTn>
+                              </p:par>
+                            </p:childTnLst>
+                          </p:cTn>
+                        </p:par>
+                      </p:childTnLst>
+                    </p:cTn>
+                  </p:par>
+                  <p:par>
+                    <p:cTn id="10" fill="hold">
+                      <p:stCondLst>
+                        <p:cond delay="indefinite"/>
+                      </p:stCondLst>
+                      <p:childTnLst>
+                        <p:par>
+                          <p:cTn id="11" fill="hold">
+                            <p:stCondLst>
+                              <p:cond delay="0"/>
+                            </p:stCondLst>
+                            <p:childTnLst>
+                              <p:par>
+                                <p:cTn id="12" presetID="1" presetClass="entr" presetSubtype="0" fill="hold" grpId="0" nodeType="clickEffect">
+                                  <p:stCondLst>
+                                    <p:cond delay="0"/>
+                                  </p:stCondLst>
+                                  <p:childTnLst>
+                                    <p:set>
+                                      <p:cBhvr>
+                                        <p:cTn id="13" dur="1" fill="hold">
+                                          <p:stCondLst>
+                                            <p:cond delay="0"/>
+                                          </p:stCondLst>
+                                        </p:cTn>
+                                        <p:tgtEl>
+                                          <p:spTgt spid="9"/>
+                                        </p:tgtEl>
+                                        <p:attrNameLst>
+                                          <p:attrName>style.visibility</p:attrName>
+                                        </p:attrNameLst>
+                                      </p:cBhvr>
+                                      <p:to>
+                                        <p:strVal val="visible"/>
+                                      </p:to>
+                                    </p:set>
+                                  </p:childTnLst>
+                                </p:cTn>
+                              </p:par>
+                            </p:childTnLst>
+                          </p:cTn>
+                        </p:par>
+                      </p:childTnLst>
+                    </p:cTn>
+                  </p:par>
+                  <p:par>
+                    <p:cTn id="14" fill="hold">
+                      <p:stCondLst>
+                        <p:cond delay="indefinite"/>
+                      </p:stCondLst>
+                      <p:childTnLst>
+                        <p:par>
+                          <p:cTn id="15" fill="hold">
+                            <p:stCondLst>
+                              <p:cond delay="0"/>
+                            </p:stCondLst>
+                            <p:childTnLst>
+                              <p:par>
+                                <p:cTn id="16" presetID="1" presetClass="entr" presetSubtype="0" fill="hold" grpId="0" nodeType="clickEffect">
+                                  <p:stCondLst>
+                                    <p:cond delay="0"/>
+                                  </p:stCondLst>
+                                  <p:childTnLst>
+                                    <p:set>
+                                      <p:cBhvr>
+                                        <p:cTn id="17" dur="1" fill="hold">
+                                          <p:stCondLst>
+                                            <p:cond delay="0"/>
+                                          </p:stCondLst>
+                                        </p:cTn>
+                                        <p:tgtEl>
+                                          <p:spTgt spid="10"/>
+                                        </p:tgtEl>
+                                        <p:attrNameLst>
+                                          <p:attrName>style.visibility</p:attrName>
+                                        </p:attrNameLst>
+                                      </p:cBhvr>
+                                      <p:to>
+                                        <p:strVal val="visible"/>
+                                      </p:to>
+                                    </p:set>
+                                  </p:childTnLst>
+                                </p:cTn>
+                              </p:par>
+                            </p:childTnLst>
+                          </p:cTn>
+                        </p:par>
+                      </p:childTnLst>
+                    </p:cTn>
+                  </p:par>
+                </p:childTnLst>
+              </p:cTn>
+              <p:prevCondLst>
+                <p:cond evt="onPrev" delay="0">
+                  <p:tgtEl>
+                    <p:sldTgt/>
+                  </p:tgtEl>
+                </p:cond>
+              </p:prevCondLst>
+              <p:nextCondLst>
+                <p:cond evt="onNext" delay="0">
+                  <p:tgtEl>
+                    <p:sldTgt/>
+                  </p:tgtEl>
+                </p:cond>
+              </p:nextCondLst>
+            </p:seq>
+          </p:childTnLst>
+        </p:cTn>
+      </p:par>
+    </p:tnLst>
+    <p:bldLst>
+      <p:bldP spid="7" grpId="0"/>
+      <p:bldP spid="9" grpId="0"/>
+      <p:bldP spid="10" grpId="0"/>
+    </p:bldLst>
+  </p:timing>
+</p:sld>
+</file>
+
+<file path=ppt/slides/slide34.xml><?xml version="1.0" encoding="utf-8"?>
+<p:sld xmlns:a="http://schemas.openxmlformats.org/drawingml/2006/main" xmlns:r="http://schemas.openxmlformats.org/officeDocument/2006/relationships" xmlns:p="http://schemas.openxmlformats.org/presentationml/2006/main">
+  <p:cSld>
+    <p:spTree>
+      <p:nvGrpSpPr>
+        <p:cNvPr id="1" name=""/>
+        <p:cNvGrpSpPr/>
+        <p:nvPr/>
+      </p:nvGrpSpPr>
+      <p:grpSpPr>
+        <a:xfrm>
+          <a:off x="0" y="0"/>
+          <a:ext cx="0" cy="0"/>
+          <a:chOff x="0" y="0"/>
+          <a:chExt cx="0" cy="0"/>
+        </a:xfrm>
+      </p:grpSpPr>
+      <p:sp>
+        <p:nvSpPr>
+          <p:cNvPr id="2" name="Título 1"/>
+          <p:cNvSpPr>
+            <a:spLocks noGrp="1"/>
+          </p:cNvSpPr>
+          <p:nvPr>
+            <p:ph type="title"/>
+          </p:nvPr>
+        </p:nvSpPr>
+        <p:spPr>
+          <a:xfrm>
+            <a:off x="480725" y="385591"/>
+            <a:ext cx="7914128" cy="685753"/>
+          </a:xfrm>
+        </p:spPr>
+        <p:txBody>
+          <a:bodyPr>
+            <a:normAutofit/>
+          </a:bodyPr>
+          <a:lstStyle/>
+          <a:p>
+            <a:r>
+              <a:rPr lang="pt-BR" sz="3200" dirty="0" smtClean="0">
+                <a:latin typeface="Consolas" panose="020B0609020204030204" pitchFamily="49" charset="0"/>
+              </a:rPr>
+              <a:t>Estrutura de repetição </a:t>
+            </a:r>
+            <a:r>
+              <a:rPr lang="pt-BR" sz="3200" dirty="0" err="1">
+                <a:latin typeface="Consolas" panose="020B0609020204030204" pitchFamily="49" charset="0"/>
+              </a:rPr>
+              <a:t>W</a:t>
+            </a:r>
+            <a:r>
+              <a:rPr lang="pt-BR" sz="3200" dirty="0" err="1" smtClean="0">
+                <a:latin typeface="Consolas" panose="020B0609020204030204" pitchFamily="49" charset="0"/>
+              </a:rPr>
+              <a:t>hile</a:t>
+            </a:r>
+            <a:endParaRPr lang="pt-BR" sz="3200" dirty="0">
+              <a:latin typeface="Consolas" panose="020B0609020204030204" pitchFamily="49" charset="0"/>
+            </a:endParaRPr>
+          </a:p>
+        </p:txBody>
+      </p:sp>
+      <p:pic>
+        <p:nvPicPr>
+          <p:cNvPr id="4" name="Imagem 3"/>
+          <p:cNvPicPr>
+            <a:picLocks noChangeAspect="1"/>
+          </p:cNvPicPr>
+          <p:nvPr/>
+        </p:nvPicPr>
+        <p:blipFill>
+          <a:blip r:embed="rId2" cstate="print">
+            <a:extLst>
+              <a:ext uri="{28A0092B-C50C-407E-A947-70E740481C1C}">
+                <a14:useLocalDpi xmlns:a14="http://schemas.microsoft.com/office/drawing/2010/main" val="0"/>
+              </a:ext>
+            </a:extLst>
+          </a:blip>
+          <a:stretch>
+            <a:fillRect/>
+          </a:stretch>
+        </p:blipFill>
+        <p:spPr>
+          <a:xfrm>
+            <a:off x="10441211" y="110689"/>
+            <a:ext cx="1750789" cy="2157949"/>
+          </a:xfrm>
+          <a:prstGeom prst="rect">
+            <a:avLst/>
+          </a:prstGeom>
+        </p:spPr>
+      </p:pic>
+      <p:pic>
+        <p:nvPicPr>
+          <p:cNvPr id="3" name="Imagem 2"/>
+          <p:cNvPicPr>
+            <a:picLocks noChangeAspect="1"/>
+          </p:cNvPicPr>
+          <p:nvPr/>
+        </p:nvPicPr>
+        <p:blipFill>
+          <a:blip r:embed="rId3">
+            <a:extLst>
+              <a:ext uri="{28A0092B-C50C-407E-A947-70E740481C1C}">
+                <a14:useLocalDpi xmlns:a14="http://schemas.microsoft.com/office/drawing/2010/main" val="0"/>
+              </a:ext>
+            </a:extLst>
+          </a:blip>
+          <a:stretch>
+            <a:fillRect/>
+          </a:stretch>
+        </p:blipFill>
+        <p:spPr>
+          <a:xfrm>
+            <a:off x="480725" y="1509311"/>
+            <a:ext cx="9285856" cy="4767962"/>
+          </a:xfrm>
+          <a:prstGeom prst="rect">
+            <a:avLst/>
+          </a:prstGeom>
+        </p:spPr>
+      </p:pic>
+      <p:sp>
+        <p:nvSpPr>
+          <p:cNvPr id="6" name="Seta para baixo 5"/>
+          <p:cNvSpPr/>
+          <p:nvPr/>
+        </p:nvSpPr>
+        <p:spPr>
+          <a:xfrm rot="16200000">
+            <a:off x="817685" y="2917514"/>
+            <a:ext cx="309243" cy="442827"/>
+          </a:xfrm>
+          <a:prstGeom prst="downArrow">
+            <a:avLst/>
+          </a:prstGeom>
+          <a:noFill/>
+          <a:ln w="38100">
+            <a:solidFill>
+              <a:schemeClr val="tx1"/>
+            </a:solidFill>
+          </a:ln>
+        </p:spPr>
+        <p:style>
+          <a:lnRef idx="2">
+            <a:schemeClr val="accent1">
+              <a:shade val="50000"/>
+            </a:schemeClr>
+          </a:lnRef>
+          <a:fillRef idx="1">
+            <a:schemeClr val="accent1"/>
+          </a:fillRef>
+          <a:effectRef idx="0">
+            <a:schemeClr val="accent1"/>
+          </a:effectRef>
+          <a:fontRef idx="minor">
+            <a:schemeClr val="lt1"/>
+          </a:fontRef>
+        </p:style>
+        <p:txBody>
+          <a:bodyPr rtlCol="0" anchor="ctr"/>
+          <a:lstStyle/>
+          <a:p>
+            <a:pPr algn="ctr"/>
+            <a:endParaRPr lang="pt-BR"/>
+          </a:p>
+        </p:txBody>
+      </p:sp>
+      <p:sp>
+        <p:nvSpPr>
+          <p:cNvPr id="8" name="CaixaDeTexto 7"/>
+          <p:cNvSpPr txBox="1"/>
+          <p:nvPr/>
+        </p:nvSpPr>
+        <p:spPr>
+          <a:xfrm>
+            <a:off x="4184401" y="3293549"/>
+            <a:ext cx="5345460" cy="523220"/>
+          </a:xfrm>
+          <a:prstGeom prst="rect">
+            <a:avLst/>
+          </a:prstGeom>
+          <a:noFill/>
+        </p:spPr>
+        <p:txBody>
+          <a:bodyPr wrap="square" rtlCol="0">
+            <a:spAutoFit/>
+          </a:bodyPr>
+          <a:lstStyle/>
+          <a:p>
+            <a:pPr algn="ctr"/>
+            <a:r>
+              <a:rPr lang="pt-BR" sz="2800" b="1" dirty="0">
+                <a:latin typeface="Consolas" panose="020B0609020204030204" pitchFamily="49" charset="0"/>
+              </a:rPr>
+              <a:t>n</a:t>
+            </a:r>
+            <a:r>
+              <a:rPr lang="pt-BR" sz="2800" b="1" dirty="0" smtClean="0">
+                <a:latin typeface="Consolas" panose="020B0609020204030204" pitchFamily="49" charset="0"/>
+              </a:rPr>
+              <a:t>umero é menor que 4?</a:t>
+            </a:r>
+            <a:endParaRPr lang="pt-BR" sz="2800" b="1" dirty="0">
+              <a:latin typeface="Consolas" panose="020B0609020204030204" pitchFamily="49" charset="0"/>
+            </a:endParaRPr>
+          </a:p>
+        </p:txBody>
+      </p:sp>
+      <p:cxnSp>
+        <p:nvCxnSpPr>
+          <p:cNvPr id="9" name="Conector de seta reta 8"/>
+          <p:cNvCxnSpPr/>
+          <p:nvPr/>
+        </p:nvCxnSpPr>
+        <p:spPr>
+          <a:xfrm>
+            <a:off x="2919470" y="3304566"/>
+            <a:ext cx="1795750" cy="275916"/>
+          </a:xfrm>
+          <a:prstGeom prst="straightConnector1">
+            <a:avLst/>
+          </a:prstGeom>
+          <a:ln w="38100">
+            <a:solidFill>
+              <a:schemeClr val="tx1"/>
+            </a:solidFill>
+            <a:tailEnd type="triangle"/>
+          </a:ln>
+        </p:spPr>
+        <p:style>
+          <a:lnRef idx="1">
+            <a:schemeClr val="accent1"/>
+          </a:lnRef>
+          <a:fillRef idx="0">
+            <a:schemeClr val="accent1"/>
+          </a:fillRef>
+          <a:effectRef idx="0">
+            <a:schemeClr val="accent1"/>
+          </a:effectRef>
+          <a:fontRef idx="minor">
+            <a:schemeClr val="tx1"/>
+          </a:fontRef>
+        </p:style>
+      </p:cxnSp>
+      <p:cxnSp>
+        <p:nvCxnSpPr>
+          <p:cNvPr id="10" name="Conector de seta reta 9"/>
+          <p:cNvCxnSpPr/>
+          <p:nvPr/>
+        </p:nvCxnSpPr>
+        <p:spPr>
+          <a:xfrm>
+            <a:off x="8987066" y="3555159"/>
+            <a:ext cx="1027267" cy="0"/>
+          </a:xfrm>
+          <a:prstGeom prst="straightConnector1">
+            <a:avLst/>
+          </a:prstGeom>
+          <a:ln w="38100">
+            <a:solidFill>
+              <a:schemeClr val="tx1"/>
+            </a:solidFill>
+            <a:tailEnd type="triangle"/>
+          </a:ln>
+        </p:spPr>
+        <p:style>
+          <a:lnRef idx="1">
+            <a:schemeClr val="accent1"/>
+          </a:lnRef>
+          <a:fillRef idx="0">
+            <a:schemeClr val="accent1"/>
+          </a:fillRef>
+          <a:effectRef idx="0">
+            <a:schemeClr val="accent1"/>
+          </a:effectRef>
+          <a:fontRef idx="minor">
+            <a:schemeClr val="tx1"/>
+          </a:fontRef>
+        </p:style>
+      </p:cxnSp>
+      <p:sp>
+        <p:nvSpPr>
+          <p:cNvPr id="12" name="CaixaDeTexto 11"/>
+          <p:cNvSpPr txBox="1"/>
+          <p:nvPr/>
+        </p:nvSpPr>
+        <p:spPr>
+          <a:xfrm>
+            <a:off x="9197986" y="3271515"/>
+            <a:ext cx="2484177" cy="523220"/>
+          </a:xfrm>
+          <a:prstGeom prst="rect">
+            <a:avLst/>
+          </a:prstGeom>
+          <a:noFill/>
+        </p:spPr>
+        <p:txBody>
+          <a:bodyPr wrap="square" rtlCol="0">
+            <a:spAutoFit/>
+          </a:bodyPr>
+          <a:lstStyle/>
+          <a:p>
+            <a:pPr algn="ctr"/>
+            <a:r>
+              <a:rPr lang="pt-BR" sz="2800" b="1" dirty="0" err="1" smtClean="0">
+                <a:latin typeface="Consolas" panose="020B0609020204030204" pitchFamily="49" charset="0"/>
+              </a:rPr>
+              <a:t>true</a:t>
+            </a:r>
+            <a:endParaRPr lang="pt-BR" sz="2800" b="1" dirty="0">
+              <a:latin typeface="Consolas" panose="020B0609020204030204" pitchFamily="49" charset="0"/>
+            </a:endParaRPr>
+          </a:p>
+        </p:txBody>
+      </p:sp>
+      <p:sp>
+        <p:nvSpPr>
+          <p:cNvPr id="11" name="CaixaDeTexto 10"/>
+          <p:cNvSpPr txBox="1"/>
+          <p:nvPr/>
+        </p:nvSpPr>
+        <p:spPr>
+          <a:xfrm>
+            <a:off x="4708834" y="2847113"/>
+            <a:ext cx="5345460" cy="523220"/>
+          </a:xfrm>
+          <a:prstGeom prst="rect">
+            <a:avLst/>
+          </a:prstGeom>
+          <a:noFill/>
+        </p:spPr>
+        <p:txBody>
+          <a:bodyPr wrap="square" rtlCol="0">
+            <a:spAutoFit/>
+          </a:bodyPr>
+          <a:lstStyle/>
+          <a:p>
+            <a:r>
+              <a:rPr lang="pt-BR" sz="2800" b="1" dirty="0">
+                <a:latin typeface="Consolas" panose="020B0609020204030204" pitchFamily="49" charset="0"/>
+              </a:rPr>
+              <a:t>n</a:t>
+            </a:r>
+            <a:r>
+              <a:rPr lang="pt-BR" sz="2800" b="1" dirty="0" smtClean="0">
+                <a:latin typeface="Consolas" panose="020B0609020204030204" pitchFamily="49" charset="0"/>
+              </a:rPr>
+              <a:t>umero vale 3</a:t>
+            </a:r>
+            <a:endParaRPr lang="pt-BR" sz="2800" b="1" dirty="0">
+              <a:latin typeface="Consolas" panose="020B0609020204030204" pitchFamily="49" charset="0"/>
+            </a:endParaRPr>
+          </a:p>
+        </p:txBody>
+      </p:sp>
+    </p:spTree>
+    <p:extLst>
+      <p:ext uri="{BB962C8B-B14F-4D97-AF65-F5344CB8AC3E}">
+        <p14:creationId xmlns:p14="http://schemas.microsoft.com/office/powerpoint/2010/main" val="994046600"/>
+      </p:ext>
+    </p:extLst>
+  </p:cSld>
+  <p:clrMapOvr>
+    <a:masterClrMapping/>
+  </p:clrMapOvr>
+  <p:timing>
+    <p:tnLst>
+      <p:par>
+        <p:cTn id="1" dur="indefinite" restart="never" nodeType="tmRoot">
+          <p:childTnLst>
+            <p:seq concurrent="1" nextAc="seek">
+              <p:cTn id="2" dur="indefinite" nodeType="mainSeq">
+                <p:childTnLst>
+                  <p:par>
+                    <p:cTn id="3" fill="hold">
+                      <p:stCondLst>
+                        <p:cond delay="indefinite"/>
+                      </p:stCondLst>
+                      <p:childTnLst>
+                        <p:par>
+                          <p:cTn id="4" fill="hold">
+                            <p:stCondLst>
+                              <p:cond delay="0"/>
+                            </p:stCondLst>
+                            <p:childTnLst>
+                              <p:par>
+                                <p:cTn id="5" presetID="1" presetClass="entr" presetSubtype="0" fill="hold" grpId="0" nodeType="clickEffect">
+                                  <p:stCondLst>
+                                    <p:cond delay="0"/>
+                                  </p:stCondLst>
+                                  <p:childTnLst>
+                                    <p:set>
+                                      <p:cBhvr>
+                                        <p:cTn id="6" dur="1" fill="hold">
+                                          <p:stCondLst>
+                                            <p:cond delay="0"/>
+                                          </p:stCondLst>
+                                        </p:cTn>
+                                        <p:tgtEl>
+                                          <p:spTgt spid="8"/>
+                                        </p:tgtEl>
+                                        <p:attrNameLst>
+                                          <p:attrName>style.visibility</p:attrName>
+                                        </p:attrNameLst>
+                                      </p:cBhvr>
+                                      <p:to>
+                                        <p:strVal val="visible"/>
+                                      </p:to>
+                                    </p:set>
+                                  </p:childTnLst>
+                                </p:cTn>
+                              </p:par>
+                              <p:par>
+                                <p:cTn id="7" presetID="10" presetClass="entr" presetSubtype="0" fill="hold" nodeType="withEffect">
+                                  <p:stCondLst>
+                                    <p:cond delay="0"/>
+                                  </p:stCondLst>
+                                  <p:childTnLst>
+                                    <p:set>
+                                      <p:cBhvr>
+                                        <p:cTn id="8" dur="1" fill="hold">
+                                          <p:stCondLst>
+                                            <p:cond delay="0"/>
+                                          </p:stCondLst>
+                                        </p:cTn>
+                                        <p:tgtEl>
+                                          <p:spTgt spid="9"/>
+                                        </p:tgtEl>
+                                        <p:attrNameLst>
+                                          <p:attrName>style.visibility</p:attrName>
+                                        </p:attrNameLst>
+                                      </p:cBhvr>
+                                      <p:to>
+                                        <p:strVal val="visible"/>
+                                      </p:to>
+                                    </p:set>
+                                    <p:animEffect transition="in" filter="fade">
+                                      <p:cBhvr>
+                                        <p:cTn id="9" dur="500"/>
+                                        <p:tgtEl>
+                                          <p:spTgt spid="9"/>
+                                        </p:tgtEl>
+                                      </p:cBhvr>
+                                    </p:animEffect>
+                                  </p:childTnLst>
+                                </p:cTn>
+                              </p:par>
+                            </p:childTnLst>
+                          </p:cTn>
+                        </p:par>
+                      </p:childTnLst>
+                    </p:cTn>
+                  </p:par>
+                  <p:par>
+                    <p:cTn id="10" fill="hold">
+                      <p:stCondLst>
+                        <p:cond delay="indefinite"/>
+                      </p:stCondLst>
+                      <p:childTnLst>
+                        <p:par>
+                          <p:cTn id="11" fill="hold">
+                            <p:stCondLst>
+                              <p:cond delay="0"/>
+                            </p:stCondLst>
+                            <p:childTnLst>
+                              <p:par>
+                                <p:cTn id="12" presetID="10" presetClass="entr" presetSubtype="0" fill="hold" nodeType="clickEffect">
+                                  <p:stCondLst>
+                                    <p:cond delay="0"/>
+                                  </p:stCondLst>
+                                  <p:childTnLst>
+                                    <p:set>
+                                      <p:cBhvr>
+                                        <p:cTn id="13" dur="1" fill="hold">
+                                          <p:stCondLst>
+                                            <p:cond delay="0"/>
+                                          </p:stCondLst>
+                                        </p:cTn>
+                                        <p:tgtEl>
+                                          <p:spTgt spid="10"/>
+                                        </p:tgtEl>
+                                        <p:attrNameLst>
+                                          <p:attrName>style.visibility</p:attrName>
+                                        </p:attrNameLst>
+                                      </p:cBhvr>
+                                      <p:to>
+                                        <p:strVal val="visible"/>
+                                      </p:to>
+                                    </p:set>
+                                    <p:animEffect transition="in" filter="fade">
+                                      <p:cBhvr>
+                                        <p:cTn id="14" dur="500"/>
+                                        <p:tgtEl>
+                                          <p:spTgt spid="10"/>
+                                        </p:tgtEl>
+                                      </p:cBhvr>
+                                    </p:animEffect>
+                                  </p:childTnLst>
+                                </p:cTn>
+                              </p:par>
+                              <p:par>
+                                <p:cTn id="15" presetID="1" presetClass="entr" presetSubtype="0" fill="hold" grpId="0" nodeType="withEffect">
+                                  <p:stCondLst>
+                                    <p:cond delay="0"/>
+                                  </p:stCondLst>
+                                  <p:childTnLst>
+                                    <p:set>
+                                      <p:cBhvr>
+                                        <p:cTn id="16" dur="1" fill="hold">
+                                          <p:stCondLst>
+                                            <p:cond delay="0"/>
+                                          </p:stCondLst>
+                                        </p:cTn>
+                                        <p:tgtEl>
+                                          <p:spTgt spid="12"/>
+                                        </p:tgtEl>
+                                        <p:attrNameLst>
+                                          <p:attrName>style.visibility</p:attrName>
+                                        </p:attrNameLst>
+                                      </p:cBhvr>
+                                      <p:to>
+                                        <p:strVal val="visible"/>
+                                      </p:to>
+                                    </p:set>
+                                  </p:childTnLst>
+                                </p:cTn>
+                              </p:par>
+                              <p:par>
+                                <p:cTn id="17" presetID="1" presetClass="entr" presetSubtype="0" fill="hold" grpId="0" nodeType="withEffect">
+                                  <p:stCondLst>
+                                    <p:cond delay="0"/>
+                                  </p:stCondLst>
+                                  <p:childTnLst>
+                                    <p:set>
+                                      <p:cBhvr>
+                                        <p:cTn id="18" dur="1" fill="hold">
+                                          <p:stCondLst>
+                                            <p:cond delay="0"/>
+                                          </p:stCondLst>
+                                        </p:cTn>
+                                        <p:tgtEl>
+                                          <p:spTgt spid="11"/>
+                                        </p:tgtEl>
+                                        <p:attrNameLst>
+                                          <p:attrName>style.visibility</p:attrName>
+                                        </p:attrNameLst>
+                                      </p:cBhvr>
+                                      <p:to>
+                                        <p:strVal val="visible"/>
+                                      </p:to>
+                                    </p:set>
+                                  </p:childTnLst>
+                                </p:cTn>
+                              </p:par>
+                            </p:childTnLst>
+                          </p:cTn>
+                        </p:par>
+                      </p:childTnLst>
+                    </p:cTn>
+                  </p:par>
+                </p:childTnLst>
+              </p:cTn>
+              <p:prevCondLst>
+                <p:cond evt="onPrev" delay="0">
+                  <p:tgtEl>
+                    <p:sldTgt/>
+                  </p:tgtEl>
+                </p:cond>
+              </p:prevCondLst>
+              <p:nextCondLst>
+                <p:cond evt="onNext" delay="0">
+                  <p:tgtEl>
+                    <p:sldTgt/>
+                  </p:tgtEl>
+                </p:cond>
+              </p:nextCondLst>
+            </p:seq>
+          </p:childTnLst>
+        </p:cTn>
+      </p:par>
+    </p:tnLst>
+    <p:bldLst>
+      <p:bldP spid="8" grpId="0"/>
+      <p:bldP spid="12" grpId="0"/>
+      <p:bldP spid="11" grpId="0"/>
+    </p:bldLst>
+  </p:timing>
+</p:sld>
+</file>
+
+<file path=ppt/slides/slide35.xml><?xml version="1.0" encoding="utf-8"?>
+<p:sld xmlns:a="http://schemas.openxmlformats.org/drawingml/2006/main" xmlns:r="http://schemas.openxmlformats.org/officeDocument/2006/relationships" xmlns:p="http://schemas.openxmlformats.org/presentationml/2006/main">
+  <p:cSld>
+    <p:spTree>
+      <p:nvGrpSpPr>
+        <p:cNvPr id="1" name=""/>
+        <p:cNvGrpSpPr/>
+        <p:nvPr/>
+      </p:nvGrpSpPr>
+      <p:grpSpPr>
+        <a:xfrm>
+          <a:off x="0" y="0"/>
+          <a:ext cx="0" cy="0"/>
+          <a:chOff x="0" y="0"/>
+          <a:chExt cx="0" cy="0"/>
+        </a:xfrm>
+      </p:grpSpPr>
+      <p:sp>
+        <p:nvSpPr>
+          <p:cNvPr id="2" name="Título 1"/>
+          <p:cNvSpPr>
+            <a:spLocks noGrp="1"/>
+          </p:cNvSpPr>
+          <p:nvPr>
+            <p:ph type="title"/>
+          </p:nvPr>
+        </p:nvSpPr>
+        <p:spPr>
+          <a:xfrm>
+            <a:off x="480725" y="385591"/>
+            <a:ext cx="7914128" cy="685753"/>
+          </a:xfrm>
+        </p:spPr>
+        <p:txBody>
+          <a:bodyPr>
+            <a:normAutofit/>
+          </a:bodyPr>
+          <a:lstStyle/>
+          <a:p>
+            <a:r>
+              <a:rPr lang="pt-BR" sz="3200" dirty="0" smtClean="0">
+                <a:latin typeface="Consolas" panose="020B0609020204030204" pitchFamily="49" charset="0"/>
+              </a:rPr>
+              <a:t>Estrutura de repetição </a:t>
+            </a:r>
+            <a:r>
+              <a:rPr lang="pt-BR" sz="3200" dirty="0" err="1">
+                <a:latin typeface="Consolas" panose="020B0609020204030204" pitchFamily="49" charset="0"/>
+              </a:rPr>
+              <a:t>W</a:t>
+            </a:r>
+            <a:r>
+              <a:rPr lang="pt-BR" sz="3200" dirty="0" err="1" smtClean="0">
+                <a:latin typeface="Consolas" panose="020B0609020204030204" pitchFamily="49" charset="0"/>
+              </a:rPr>
+              <a:t>hile</a:t>
+            </a:r>
+            <a:endParaRPr lang="pt-BR" sz="3200" dirty="0">
+              <a:latin typeface="Consolas" panose="020B0609020204030204" pitchFamily="49" charset="0"/>
+            </a:endParaRPr>
+          </a:p>
+        </p:txBody>
+      </p:sp>
+      <p:pic>
+        <p:nvPicPr>
+          <p:cNvPr id="4" name="Imagem 3"/>
+          <p:cNvPicPr>
+            <a:picLocks noChangeAspect="1"/>
+          </p:cNvPicPr>
+          <p:nvPr/>
+        </p:nvPicPr>
+        <p:blipFill>
+          <a:blip r:embed="rId2" cstate="print">
+            <a:extLst>
+              <a:ext uri="{28A0092B-C50C-407E-A947-70E740481C1C}">
+                <a14:useLocalDpi xmlns:a14="http://schemas.microsoft.com/office/drawing/2010/main" val="0"/>
+              </a:ext>
+            </a:extLst>
+          </a:blip>
+          <a:stretch>
+            <a:fillRect/>
+          </a:stretch>
+        </p:blipFill>
+        <p:spPr>
+          <a:xfrm>
+            <a:off x="10441211" y="110689"/>
+            <a:ext cx="1750789" cy="2157949"/>
+          </a:xfrm>
+          <a:prstGeom prst="rect">
+            <a:avLst/>
+          </a:prstGeom>
+        </p:spPr>
+      </p:pic>
+      <p:pic>
+        <p:nvPicPr>
+          <p:cNvPr id="3" name="Imagem 2"/>
+          <p:cNvPicPr>
+            <a:picLocks noChangeAspect="1"/>
+          </p:cNvPicPr>
+          <p:nvPr/>
+        </p:nvPicPr>
+        <p:blipFill>
+          <a:blip r:embed="rId3">
+            <a:extLst>
+              <a:ext uri="{28A0092B-C50C-407E-A947-70E740481C1C}">
+                <a14:useLocalDpi xmlns:a14="http://schemas.microsoft.com/office/drawing/2010/main" val="0"/>
+              </a:ext>
+            </a:extLst>
+          </a:blip>
+          <a:stretch>
+            <a:fillRect/>
+          </a:stretch>
+        </p:blipFill>
+        <p:spPr>
+          <a:xfrm>
+            <a:off x="480725" y="1509311"/>
+            <a:ext cx="9285856" cy="4767962"/>
+          </a:xfrm>
+          <a:prstGeom prst="rect">
+            <a:avLst/>
+          </a:prstGeom>
+        </p:spPr>
+      </p:pic>
+      <p:sp>
+        <p:nvSpPr>
+          <p:cNvPr id="6" name="Seta para baixo 5"/>
+          <p:cNvSpPr/>
+          <p:nvPr/>
+        </p:nvSpPr>
+        <p:spPr>
+          <a:xfrm rot="16200000">
+            <a:off x="1555815" y="3853950"/>
+            <a:ext cx="309243" cy="442827"/>
+          </a:xfrm>
+          <a:prstGeom prst="downArrow">
+            <a:avLst/>
+          </a:prstGeom>
+          <a:noFill/>
+          <a:ln w="38100">
+            <a:solidFill>
+              <a:schemeClr val="tx1"/>
+            </a:solidFill>
+          </a:ln>
+        </p:spPr>
+        <p:style>
+          <a:lnRef idx="2">
+            <a:schemeClr val="accent1">
+              <a:shade val="50000"/>
+            </a:schemeClr>
+          </a:lnRef>
+          <a:fillRef idx="1">
+            <a:schemeClr val="accent1"/>
+          </a:fillRef>
+          <a:effectRef idx="0">
+            <a:schemeClr val="accent1"/>
+          </a:effectRef>
+          <a:fontRef idx="minor">
+            <a:schemeClr val="lt1"/>
+          </a:fontRef>
+        </p:style>
+        <p:txBody>
+          <a:bodyPr rtlCol="0" anchor="ctr"/>
+          <a:lstStyle/>
+          <a:p>
+            <a:pPr algn="ctr"/>
+            <a:endParaRPr lang="pt-BR"/>
+          </a:p>
+        </p:txBody>
+      </p:sp>
+      <p:sp>
+        <p:nvSpPr>
+          <p:cNvPr id="8" name="CaixaDeTexto 7"/>
+          <p:cNvSpPr txBox="1"/>
+          <p:nvPr/>
+        </p:nvSpPr>
+        <p:spPr>
+          <a:xfrm>
+            <a:off x="7638317" y="3580482"/>
+            <a:ext cx="2128264" cy="954107"/>
+          </a:xfrm>
+          <a:prstGeom prst="rect">
+            <a:avLst/>
+          </a:prstGeom>
+          <a:noFill/>
+        </p:spPr>
+        <p:txBody>
+          <a:bodyPr wrap="square" rtlCol="0">
+            <a:spAutoFit/>
+          </a:bodyPr>
+          <a:lstStyle/>
+          <a:p>
+            <a:pPr algn="ctr"/>
+            <a:r>
+              <a:rPr lang="pt-BR" sz="2800" b="1" dirty="0" smtClean="0">
+                <a:latin typeface="Consolas" panose="020B0609020204030204" pitchFamily="49" charset="0"/>
+              </a:rPr>
+              <a:t>Imprime 3 na tela</a:t>
+            </a:r>
+            <a:endParaRPr lang="pt-BR" sz="2800" b="1" dirty="0">
+              <a:latin typeface="Consolas" panose="020B0609020204030204" pitchFamily="49" charset="0"/>
+            </a:endParaRPr>
+          </a:p>
+        </p:txBody>
+      </p:sp>
+      <p:cxnSp>
+        <p:nvCxnSpPr>
+          <p:cNvPr id="9" name="Conector de seta reta 8"/>
+          <p:cNvCxnSpPr>
+            <a:endCxn id="8" idx="1"/>
+          </p:cNvCxnSpPr>
+          <p:nvPr/>
+        </p:nvCxnSpPr>
+        <p:spPr>
+          <a:xfrm>
+            <a:off x="6984694" y="4057535"/>
+            <a:ext cx="653623" cy="1"/>
+          </a:xfrm>
+          <a:prstGeom prst="straightConnector1">
+            <a:avLst/>
+          </a:prstGeom>
+          <a:ln w="38100">
+            <a:solidFill>
+              <a:schemeClr val="tx1"/>
+            </a:solidFill>
+            <a:tailEnd type="triangle"/>
+          </a:ln>
+        </p:spPr>
+        <p:style>
+          <a:lnRef idx="1">
+            <a:schemeClr val="accent1"/>
+          </a:lnRef>
+          <a:fillRef idx="0">
+            <a:schemeClr val="accent1"/>
+          </a:fillRef>
+          <a:effectRef idx="0">
+            <a:schemeClr val="accent1"/>
+          </a:effectRef>
+          <a:fontRef idx="minor">
+            <a:schemeClr val="tx1"/>
+          </a:fontRef>
+        </p:style>
+      </p:cxnSp>
+    </p:spTree>
+    <p:extLst>
+      <p:ext uri="{BB962C8B-B14F-4D97-AF65-F5344CB8AC3E}">
+        <p14:creationId xmlns:p14="http://schemas.microsoft.com/office/powerpoint/2010/main" val="1161489584"/>
+      </p:ext>
+    </p:extLst>
+  </p:cSld>
+  <p:clrMapOvr>
+    <a:masterClrMapping/>
+  </p:clrMapOvr>
+  <p:timing>
+    <p:tnLst>
+      <p:par>
+        <p:cTn id="1" dur="indefinite" restart="never" nodeType="tmRoot">
+          <p:childTnLst>
+            <p:seq concurrent="1" nextAc="seek">
+              <p:cTn id="2" dur="indefinite" nodeType="mainSeq">
+                <p:childTnLst>
+                  <p:par>
+                    <p:cTn id="3" fill="hold">
+                      <p:stCondLst>
+                        <p:cond delay="indefinite"/>
+                      </p:stCondLst>
+                      <p:childTnLst>
+                        <p:par>
+                          <p:cTn id="4" fill="hold">
+                            <p:stCondLst>
+                              <p:cond delay="0"/>
+                            </p:stCondLst>
+                            <p:childTnLst>
+                              <p:par>
+                                <p:cTn id="5" presetID="1" presetClass="entr" presetSubtype="0" fill="hold" grpId="0" nodeType="clickEffect">
+                                  <p:stCondLst>
+                                    <p:cond delay="0"/>
+                                  </p:stCondLst>
+                                  <p:childTnLst>
+                                    <p:set>
+                                      <p:cBhvr>
+                                        <p:cTn id="6" dur="1" fill="hold">
+                                          <p:stCondLst>
+                                            <p:cond delay="0"/>
+                                          </p:stCondLst>
+                                        </p:cTn>
+                                        <p:tgtEl>
+                                          <p:spTgt spid="8"/>
+                                        </p:tgtEl>
+                                        <p:attrNameLst>
+                                          <p:attrName>style.visibility</p:attrName>
+                                        </p:attrNameLst>
+                                      </p:cBhvr>
+                                      <p:to>
+                                        <p:strVal val="visible"/>
+                                      </p:to>
+                                    </p:set>
+                                  </p:childTnLst>
+                                </p:cTn>
+                              </p:par>
+                              <p:par>
+                                <p:cTn id="7" presetID="10" presetClass="entr" presetSubtype="0" fill="hold" nodeType="withEffect">
+                                  <p:stCondLst>
+                                    <p:cond delay="0"/>
+                                  </p:stCondLst>
+                                  <p:childTnLst>
+                                    <p:set>
+                                      <p:cBhvr>
+                                        <p:cTn id="8" dur="1" fill="hold">
+                                          <p:stCondLst>
+                                            <p:cond delay="0"/>
+                                          </p:stCondLst>
+                                        </p:cTn>
+                                        <p:tgtEl>
+                                          <p:spTgt spid="9"/>
+                                        </p:tgtEl>
+                                        <p:attrNameLst>
+                                          <p:attrName>style.visibility</p:attrName>
+                                        </p:attrNameLst>
+                                      </p:cBhvr>
+                                      <p:to>
+                                        <p:strVal val="visible"/>
+                                      </p:to>
+                                    </p:set>
+                                    <p:animEffect transition="in" filter="fade">
+                                      <p:cBhvr>
+                                        <p:cTn id="9" dur="500"/>
+                                        <p:tgtEl>
+                                          <p:spTgt spid="9"/>
+                                        </p:tgtEl>
+                                      </p:cBhvr>
+                                    </p:animEffect>
+                                  </p:childTnLst>
+                                </p:cTn>
+                              </p:par>
+                            </p:childTnLst>
+                          </p:cTn>
+                        </p:par>
+                      </p:childTnLst>
+                    </p:cTn>
+                  </p:par>
+                </p:childTnLst>
+              </p:cTn>
+              <p:prevCondLst>
+                <p:cond evt="onPrev" delay="0">
+                  <p:tgtEl>
+                    <p:sldTgt/>
+                  </p:tgtEl>
+                </p:cond>
+              </p:prevCondLst>
+              <p:nextCondLst>
+                <p:cond evt="onNext" delay="0">
+                  <p:tgtEl>
+                    <p:sldTgt/>
+                  </p:tgtEl>
+                </p:cond>
+              </p:nextCondLst>
+            </p:seq>
+          </p:childTnLst>
+        </p:cTn>
+      </p:par>
+    </p:tnLst>
+    <p:bldLst>
+      <p:bldP spid="8" grpId="0"/>
+    </p:bldLst>
+  </p:timing>
+</p:sld>
+</file>
+
+<file path=ppt/slides/slide36.xml><?xml version="1.0" encoding="utf-8"?>
+<p:sld xmlns:a="http://schemas.openxmlformats.org/drawingml/2006/main" xmlns:r="http://schemas.openxmlformats.org/officeDocument/2006/relationships" xmlns:p="http://schemas.openxmlformats.org/presentationml/2006/main">
+  <p:cSld>
+    <p:spTree>
+      <p:nvGrpSpPr>
+        <p:cNvPr id="1" name=""/>
+        <p:cNvGrpSpPr/>
+        <p:nvPr/>
+      </p:nvGrpSpPr>
+      <p:grpSpPr>
+        <a:xfrm>
+          <a:off x="0" y="0"/>
+          <a:ext cx="0" cy="0"/>
+          <a:chOff x="0" y="0"/>
+          <a:chExt cx="0" cy="0"/>
+        </a:xfrm>
+      </p:grpSpPr>
+      <p:sp>
+        <p:nvSpPr>
+          <p:cNvPr id="2" name="Título 1"/>
+          <p:cNvSpPr>
+            <a:spLocks noGrp="1"/>
+          </p:cNvSpPr>
+          <p:nvPr>
+            <p:ph type="title"/>
+          </p:nvPr>
+        </p:nvSpPr>
+        <p:spPr>
+          <a:xfrm>
+            <a:off x="480725" y="385591"/>
+            <a:ext cx="7914128" cy="685753"/>
+          </a:xfrm>
+        </p:spPr>
+        <p:txBody>
+          <a:bodyPr>
+            <a:normAutofit/>
+          </a:bodyPr>
+          <a:lstStyle/>
+          <a:p>
+            <a:r>
+              <a:rPr lang="pt-BR" sz="3200" dirty="0" smtClean="0">
+                <a:latin typeface="Consolas" panose="020B0609020204030204" pitchFamily="49" charset="0"/>
+              </a:rPr>
+              <a:t>Estrutura de repetição </a:t>
+            </a:r>
+            <a:r>
+              <a:rPr lang="pt-BR" sz="3200" dirty="0" err="1">
+                <a:latin typeface="Consolas" panose="020B0609020204030204" pitchFamily="49" charset="0"/>
+              </a:rPr>
+              <a:t>W</a:t>
+            </a:r>
+            <a:r>
+              <a:rPr lang="pt-BR" sz="3200" dirty="0" err="1" smtClean="0">
+                <a:latin typeface="Consolas" panose="020B0609020204030204" pitchFamily="49" charset="0"/>
+              </a:rPr>
+              <a:t>hile</a:t>
+            </a:r>
+            <a:endParaRPr lang="pt-BR" sz="3200" dirty="0">
+              <a:latin typeface="Consolas" panose="020B0609020204030204" pitchFamily="49" charset="0"/>
+            </a:endParaRPr>
+          </a:p>
+        </p:txBody>
+      </p:sp>
+      <p:pic>
+        <p:nvPicPr>
+          <p:cNvPr id="4" name="Imagem 3"/>
+          <p:cNvPicPr>
+            <a:picLocks noChangeAspect="1"/>
+          </p:cNvPicPr>
+          <p:nvPr/>
+        </p:nvPicPr>
+        <p:blipFill>
+          <a:blip r:embed="rId2" cstate="print">
+            <a:extLst>
+              <a:ext uri="{28A0092B-C50C-407E-A947-70E740481C1C}">
+                <a14:useLocalDpi xmlns:a14="http://schemas.microsoft.com/office/drawing/2010/main" val="0"/>
+              </a:ext>
+            </a:extLst>
+          </a:blip>
+          <a:stretch>
+            <a:fillRect/>
+          </a:stretch>
+        </p:blipFill>
+        <p:spPr>
+          <a:xfrm>
+            <a:off x="10441211" y="110689"/>
+            <a:ext cx="1750789" cy="2157949"/>
+          </a:xfrm>
+          <a:prstGeom prst="rect">
+            <a:avLst/>
+          </a:prstGeom>
+        </p:spPr>
+      </p:pic>
+      <p:pic>
+        <p:nvPicPr>
+          <p:cNvPr id="3" name="Imagem 2"/>
+          <p:cNvPicPr>
+            <a:picLocks noChangeAspect="1"/>
+          </p:cNvPicPr>
+          <p:nvPr/>
+        </p:nvPicPr>
+        <p:blipFill>
+          <a:blip r:embed="rId3">
+            <a:extLst>
+              <a:ext uri="{28A0092B-C50C-407E-A947-70E740481C1C}">
+                <a14:useLocalDpi xmlns:a14="http://schemas.microsoft.com/office/drawing/2010/main" val="0"/>
+              </a:ext>
+            </a:extLst>
+          </a:blip>
+          <a:stretch>
+            <a:fillRect/>
+          </a:stretch>
+        </p:blipFill>
+        <p:spPr>
+          <a:xfrm>
+            <a:off x="480725" y="1509311"/>
+            <a:ext cx="9285856" cy="4767962"/>
+          </a:xfrm>
+          <a:prstGeom prst="rect">
+            <a:avLst/>
+          </a:prstGeom>
+        </p:spPr>
+      </p:pic>
+      <p:sp>
+        <p:nvSpPr>
+          <p:cNvPr id="6" name="Seta para baixo 5"/>
+          <p:cNvSpPr/>
+          <p:nvPr/>
+        </p:nvSpPr>
+        <p:spPr>
+          <a:xfrm rot="16200000">
+            <a:off x="1522765" y="4790380"/>
+            <a:ext cx="309243" cy="442827"/>
+          </a:xfrm>
+          <a:prstGeom prst="downArrow">
+            <a:avLst/>
+          </a:prstGeom>
+          <a:noFill/>
+          <a:ln w="38100">
+            <a:solidFill>
+              <a:schemeClr val="tx1"/>
+            </a:solidFill>
+          </a:ln>
+        </p:spPr>
+        <p:style>
+          <a:lnRef idx="2">
+            <a:schemeClr val="accent1">
+              <a:shade val="50000"/>
+            </a:schemeClr>
+          </a:lnRef>
+          <a:fillRef idx="1">
+            <a:schemeClr val="accent1"/>
+          </a:fillRef>
+          <a:effectRef idx="0">
+            <a:schemeClr val="accent1"/>
+          </a:effectRef>
+          <a:fontRef idx="minor">
+            <a:schemeClr val="lt1"/>
+          </a:fontRef>
+        </p:style>
+        <p:txBody>
+          <a:bodyPr rtlCol="0" anchor="ctr"/>
+          <a:lstStyle/>
+          <a:p>
+            <a:pPr algn="ctr"/>
+            <a:endParaRPr lang="pt-BR"/>
+          </a:p>
+        </p:txBody>
+      </p:sp>
+      <p:sp>
+        <p:nvSpPr>
+          <p:cNvPr id="7" name="CaixaDeTexto 6"/>
+          <p:cNvSpPr txBox="1"/>
+          <p:nvPr/>
+        </p:nvSpPr>
+        <p:spPr>
+          <a:xfrm>
+            <a:off x="6334699" y="4772218"/>
+            <a:ext cx="4726237" cy="400110"/>
+          </a:xfrm>
+          <a:prstGeom prst="rect">
+            <a:avLst/>
+          </a:prstGeom>
+          <a:noFill/>
+        </p:spPr>
+        <p:txBody>
+          <a:bodyPr wrap="square" rtlCol="0">
+            <a:spAutoFit/>
+          </a:bodyPr>
+          <a:lstStyle/>
+          <a:p>
+            <a:r>
+              <a:rPr lang="pt-BR" sz="2000" b="1" dirty="0">
+                <a:latin typeface="Consolas" panose="020B0609020204030204" pitchFamily="49" charset="0"/>
+              </a:rPr>
+              <a:t>n</a:t>
+            </a:r>
+            <a:r>
+              <a:rPr lang="pt-BR" sz="2000" b="1" dirty="0" smtClean="0">
+                <a:latin typeface="Consolas" panose="020B0609020204030204" pitchFamily="49" charset="0"/>
+              </a:rPr>
+              <a:t>umero = numero + 1</a:t>
+            </a:r>
+            <a:endParaRPr lang="pt-BR" sz="2000" b="1" dirty="0">
+              <a:latin typeface="Consolas" panose="020B0609020204030204" pitchFamily="49" charset="0"/>
+            </a:endParaRPr>
+          </a:p>
+        </p:txBody>
+      </p:sp>
+      <p:cxnSp>
+        <p:nvCxnSpPr>
+          <p:cNvPr id="8" name="Conector de seta reta 7"/>
+          <p:cNvCxnSpPr/>
+          <p:nvPr/>
+        </p:nvCxnSpPr>
+        <p:spPr>
+          <a:xfrm>
+            <a:off x="5894024" y="4989760"/>
+            <a:ext cx="440675" cy="0"/>
+          </a:xfrm>
+          <a:prstGeom prst="straightConnector1">
+            <a:avLst/>
+          </a:prstGeom>
+          <a:ln w="38100">
+            <a:solidFill>
+              <a:schemeClr val="tx1"/>
+            </a:solidFill>
+            <a:tailEnd type="triangle"/>
+          </a:ln>
+        </p:spPr>
+        <p:style>
+          <a:lnRef idx="1">
+            <a:schemeClr val="accent1"/>
+          </a:lnRef>
+          <a:fillRef idx="0">
+            <a:schemeClr val="accent1"/>
+          </a:fillRef>
+          <a:effectRef idx="0">
+            <a:schemeClr val="accent1"/>
+          </a:effectRef>
+          <a:fontRef idx="minor">
+            <a:schemeClr val="tx1"/>
+          </a:fontRef>
+        </p:style>
+      </p:cxnSp>
+      <p:sp>
+        <p:nvSpPr>
+          <p:cNvPr id="9" name="CaixaDeTexto 8"/>
+          <p:cNvSpPr txBox="1"/>
+          <p:nvPr/>
+        </p:nvSpPr>
+        <p:spPr>
+          <a:xfrm>
+            <a:off x="6334698" y="5124635"/>
+            <a:ext cx="4726237" cy="400110"/>
+          </a:xfrm>
+          <a:prstGeom prst="rect">
+            <a:avLst/>
+          </a:prstGeom>
+          <a:noFill/>
+        </p:spPr>
+        <p:txBody>
+          <a:bodyPr wrap="square" rtlCol="0">
+            <a:spAutoFit/>
+          </a:bodyPr>
+          <a:lstStyle/>
+          <a:p>
+            <a:r>
+              <a:rPr lang="pt-BR" sz="2000" b="1" dirty="0">
+                <a:latin typeface="Consolas" panose="020B0609020204030204" pitchFamily="49" charset="0"/>
+              </a:rPr>
+              <a:t>n</a:t>
+            </a:r>
+            <a:r>
+              <a:rPr lang="pt-BR" sz="2000" b="1" dirty="0" smtClean="0">
+                <a:latin typeface="Consolas" panose="020B0609020204030204" pitchFamily="49" charset="0"/>
+              </a:rPr>
+              <a:t>umero = </a:t>
+            </a:r>
+            <a:r>
+              <a:rPr lang="pt-BR" sz="2000" b="1" dirty="0">
+                <a:latin typeface="Consolas" panose="020B0609020204030204" pitchFamily="49" charset="0"/>
+              </a:rPr>
+              <a:t>3</a:t>
+            </a:r>
+            <a:r>
+              <a:rPr lang="pt-BR" sz="2000" b="1" dirty="0" smtClean="0">
+                <a:latin typeface="Consolas" panose="020B0609020204030204" pitchFamily="49" charset="0"/>
+              </a:rPr>
+              <a:t> + 1</a:t>
+            </a:r>
+            <a:endParaRPr lang="pt-BR" sz="2000" b="1" dirty="0">
+              <a:latin typeface="Consolas" panose="020B0609020204030204" pitchFamily="49" charset="0"/>
+            </a:endParaRPr>
+          </a:p>
+        </p:txBody>
+      </p:sp>
+      <p:sp>
+        <p:nvSpPr>
+          <p:cNvPr id="10" name="CaixaDeTexto 9"/>
+          <p:cNvSpPr txBox="1"/>
+          <p:nvPr/>
+        </p:nvSpPr>
+        <p:spPr>
+          <a:xfrm>
+            <a:off x="6343879" y="5464324"/>
+            <a:ext cx="3659930" cy="584775"/>
+          </a:xfrm>
+          <a:prstGeom prst="rect">
+            <a:avLst/>
+          </a:prstGeom>
+          <a:noFill/>
+        </p:spPr>
+        <p:txBody>
+          <a:bodyPr wrap="square" rtlCol="0">
+            <a:spAutoFit/>
+          </a:bodyPr>
+          <a:lstStyle/>
+          <a:p>
+            <a:r>
+              <a:rPr lang="pt-BR" sz="1600" b="1" dirty="0" smtClean="0">
+                <a:latin typeface="Consolas" panose="020B0609020204030204" pitchFamily="49" charset="0"/>
+              </a:rPr>
+              <a:t>numero	vale </a:t>
+            </a:r>
+            <a:r>
+              <a:rPr lang="pt-BR" sz="1600" b="1" dirty="0">
+                <a:latin typeface="Consolas" panose="020B0609020204030204" pitchFamily="49" charset="0"/>
+              </a:rPr>
+              <a:t>4</a:t>
+            </a:r>
+            <a:r>
+              <a:rPr lang="pt-BR" sz="1600" b="1" dirty="0" smtClean="0">
+                <a:latin typeface="Consolas" panose="020B0609020204030204" pitchFamily="49" charset="0"/>
+              </a:rPr>
+              <a:t> agora e todo o processo se reinicia</a:t>
+            </a:r>
+            <a:endParaRPr lang="pt-BR" sz="1600" b="1" dirty="0">
+              <a:latin typeface="Consolas" panose="020B0609020204030204" pitchFamily="49" charset="0"/>
+            </a:endParaRPr>
+          </a:p>
+        </p:txBody>
+      </p:sp>
+    </p:spTree>
+    <p:extLst>
+      <p:ext uri="{BB962C8B-B14F-4D97-AF65-F5344CB8AC3E}">
+        <p14:creationId xmlns:p14="http://schemas.microsoft.com/office/powerpoint/2010/main" val="1788981614"/>
+      </p:ext>
+    </p:extLst>
+  </p:cSld>
+  <p:clrMapOvr>
+    <a:masterClrMapping/>
+  </p:clrMapOvr>
+  <p:timing>
+    <p:tnLst>
+      <p:par>
+        <p:cTn id="1" dur="indefinite" restart="never" nodeType="tmRoot">
+          <p:childTnLst>
+            <p:seq concurrent="1" nextAc="seek">
+              <p:cTn id="2" dur="indefinite" nodeType="mainSeq">
+                <p:childTnLst>
+                  <p:par>
+                    <p:cTn id="3" fill="hold">
+                      <p:stCondLst>
+                        <p:cond delay="indefinite"/>
+                      </p:stCondLst>
+                      <p:childTnLst>
+                        <p:par>
+                          <p:cTn id="4" fill="hold">
+                            <p:stCondLst>
+                              <p:cond delay="0"/>
+                            </p:stCondLst>
+                            <p:childTnLst>
+                              <p:par>
+                                <p:cTn id="5" presetID="1" presetClass="entr" presetSubtype="0" fill="hold" grpId="0" nodeType="clickEffect">
+                                  <p:stCondLst>
+                                    <p:cond delay="0"/>
+                                  </p:stCondLst>
+                                  <p:childTnLst>
+                                    <p:set>
+                                      <p:cBhvr>
+                                        <p:cTn id="6" dur="1" fill="hold">
+                                          <p:stCondLst>
+                                            <p:cond delay="0"/>
+                                          </p:stCondLst>
+                                        </p:cTn>
+                                        <p:tgtEl>
+                                          <p:spTgt spid="7"/>
+                                        </p:tgtEl>
+                                        <p:attrNameLst>
+                                          <p:attrName>style.visibility</p:attrName>
+                                        </p:attrNameLst>
+                                      </p:cBhvr>
+                                      <p:to>
+                                        <p:strVal val="visible"/>
+                                      </p:to>
+                                    </p:set>
+                                  </p:childTnLst>
+                                </p:cTn>
+                              </p:par>
+                              <p:par>
+                                <p:cTn id="7" presetID="10" presetClass="entr" presetSubtype="0" fill="hold" nodeType="withEffect">
+                                  <p:stCondLst>
+                                    <p:cond delay="0"/>
+                                  </p:stCondLst>
+                                  <p:childTnLst>
+                                    <p:set>
+                                      <p:cBhvr>
+                                        <p:cTn id="8" dur="1" fill="hold">
+                                          <p:stCondLst>
+                                            <p:cond delay="0"/>
+                                          </p:stCondLst>
+                                        </p:cTn>
+                                        <p:tgtEl>
+                                          <p:spTgt spid="8"/>
+                                        </p:tgtEl>
+                                        <p:attrNameLst>
+                                          <p:attrName>style.visibility</p:attrName>
+                                        </p:attrNameLst>
+                                      </p:cBhvr>
+                                      <p:to>
+                                        <p:strVal val="visible"/>
+                                      </p:to>
+                                    </p:set>
+                                    <p:animEffect transition="in" filter="fade">
+                                      <p:cBhvr>
+                                        <p:cTn id="9" dur="500"/>
+                                        <p:tgtEl>
+                                          <p:spTgt spid="8"/>
+                                        </p:tgtEl>
+                                      </p:cBhvr>
+                                    </p:animEffect>
+                                  </p:childTnLst>
+                                </p:cTn>
+                              </p:par>
+                            </p:childTnLst>
+                          </p:cTn>
+                        </p:par>
+                      </p:childTnLst>
+                    </p:cTn>
+                  </p:par>
+                  <p:par>
+                    <p:cTn id="10" fill="hold">
+                      <p:stCondLst>
+                        <p:cond delay="indefinite"/>
+                      </p:stCondLst>
+                      <p:childTnLst>
+                        <p:par>
+                          <p:cTn id="11" fill="hold">
+                            <p:stCondLst>
+                              <p:cond delay="0"/>
+                            </p:stCondLst>
+                            <p:childTnLst>
+                              <p:par>
+                                <p:cTn id="12" presetID="1" presetClass="entr" presetSubtype="0" fill="hold" grpId="0" nodeType="clickEffect">
+                                  <p:stCondLst>
+                                    <p:cond delay="0"/>
+                                  </p:stCondLst>
+                                  <p:childTnLst>
+                                    <p:set>
+                                      <p:cBhvr>
+                                        <p:cTn id="13" dur="1" fill="hold">
+                                          <p:stCondLst>
+                                            <p:cond delay="0"/>
+                                          </p:stCondLst>
+                                        </p:cTn>
+                                        <p:tgtEl>
+                                          <p:spTgt spid="9"/>
+                                        </p:tgtEl>
+                                        <p:attrNameLst>
+                                          <p:attrName>style.visibility</p:attrName>
+                                        </p:attrNameLst>
+                                      </p:cBhvr>
+                                      <p:to>
+                                        <p:strVal val="visible"/>
+                                      </p:to>
+                                    </p:set>
+                                  </p:childTnLst>
+                                </p:cTn>
+                              </p:par>
+                            </p:childTnLst>
+                          </p:cTn>
+                        </p:par>
+                      </p:childTnLst>
+                    </p:cTn>
+                  </p:par>
+                  <p:par>
+                    <p:cTn id="14" fill="hold">
+                      <p:stCondLst>
+                        <p:cond delay="indefinite"/>
+                      </p:stCondLst>
+                      <p:childTnLst>
+                        <p:par>
+                          <p:cTn id="15" fill="hold">
+                            <p:stCondLst>
+                              <p:cond delay="0"/>
+                            </p:stCondLst>
+                            <p:childTnLst>
+                              <p:par>
+                                <p:cTn id="16" presetID="1" presetClass="entr" presetSubtype="0" fill="hold" grpId="0" nodeType="clickEffect">
+                                  <p:stCondLst>
+                                    <p:cond delay="0"/>
+                                  </p:stCondLst>
+                                  <p:childTnLst>
+                                    <p:set>
+                                      <p:cBhvr>
+                                        <p:cTn id="17" dur="1" fill="hold">
+                                          <p:stCondLst>
+                                            <p:cond delay="0"/>
+                                          </p:stCondLst>
+                                        </p:cTn>
+                                        <p:tgtEl>
+                                          <p:spTgt spid="10"/>
+                                        </p:tgtEl>
+                                        <p:attrNameLst>
+                                          <p:attrName>style.visibility</p:attrName>
+                                        </p:attrNameLst>
+                                      </p:cBhvr>
+                                      <p:to>
+                                        <p:strVal val="visible"/>
+                                      </p:to>
+                                    </p:set>
+                                  </p:childTnLst>
+                                </p:cTn>
+                              </p:par>
+                            </p:childTnLst>
+                          </p:cTn>
+                        </p:par>
+                      </p:childTnLst>
+                    </p:cTn>
+                  </p:par>
+                </p:childTnLst>
+              </p:cTn>
+              <p:prevCondLst>
+                <p:cond evt="onPrev" delay="0">
+                  <p:tgtEl>
+                    <p:sldTgt/>
+                  </p:tgtEl>
+                </p:cond>
+              </p:prevCondLst>
+              <p:nextCondLst>
+                <p:cond evt="onNext" delay="0">
+                  <p:tgtEl>
+                    <p:sldTgt/>
+                  </p:tgtEl>
+                </p:cond>
+              </p:nextCondLst>
+            </p:seq>
+          </p:childTnLst>
+        </p:cTn>
+      </p:par>
+    </p:tnLst>
+    <p:bldLst>
+      <p:bldP spid="7" grpId="0"/>
+      <p:bldP spid="9" grpId="0"/>
+      <p:bldP spid="10" grpId="0"/>
+    </p:bldLst>
+  </p:timing>
+</p:sld>
+</file>
+
+<file path=ppt/slides/slide37.xml><?xml version="1.0" encoding="utf-8"?>
+<p:sld xmlns:a="http://schemas.openxmlformats.org/drawingml/2006/main" xmlns:r="http://schemas.openxmlformats.org/officeDocument/2006/relationships" xmlns:p="http://schemas.openxmlformats.org/presentationml/2006/main">
+  <p:cSld>
+    <p:spTree>
+      <p:nvGrpSpPr>
+        <p:cNvPr id="1" name=""/>
+        <p:cNvGrpSpPr/>
+        <p:nvPr/>
+      </p:nvGrpSpPr>
+      <p:grpSpPr>
+        <a:xfrm>
+          <a:off x="0" y="0"/>
+          <a:ext cx="0" cy="0"/>
+          <a:chOff x="0" y="0"/>
+          <a:chExt cx="0" cy="0"/>
+        </a:xfrm>
+      </p:grpSpPr>
+      <p:sp>
+        <p:nvSpPr>
+          <p:cNvPr id="2" name="Título 1"/>
+          <p:cNvSpPr>
+            <a:spLocks noGrp="1"/>
+          </p:cNvSpPr>
+          <p:nvPr>
+            <p:ph type="title"/>
+          </p:nvPr>
+        </p:nvSpPr>
+        <p:spPr>
+          <a:xfrm>
+            <a:off x="480725" y="385591"/>
+            <a:ext cx="7914128" cy="685753"/>
+          </a:xfrm>
+        </p:spPr>
+        <p:txBody>
+          <a:bodyPr>
+            <a:normAutofit/>
+          </a:bodyPr>
+          <a:lstStyle/>
+          <a:p>
+            <a:r>
+              <a:rPr lang="pt-BR" sz="3200" dirty="0" smtClean="0">
+                <a:latin typeface="Consolas" panose="020B0609020204030204" pitchFamily="49" charset="0"/>
+              </a:rPr>
+              <a:t>Estrutura de repetição </a:t>
+            </a:r>
+            <a:r>
+              <a:rPr lang="pt-BR" sz="3200" dirty="0" err="1">
+                <a:latin typeface="Consolas" panose="020B0609020204030204" pitchFamily="49" charset="0"/>
+              </a:rPr>
+              <a:t>W</a:t>
+            </a:r>
+            <a:r>
+              <a:rPr lang="pt-BR" sz="3200" dirty="0" err="1" smtClean="0">
+                <a:latin typeface="Consolas" panose="020B0609020204030204" pitchFamily="49" charset="0"/>
+              </a:rPr>
+              <a:t>hile</a:t>
+            </a:r>
+            <a:endParaRPr lang="pt-BR" sz="3200" dirty="0">
+              <a:latin typeface="Consolas" panose="020B0609020204030204" pitchFamily="49" charset="0"/>
+            </a:endParaRPr>
+          </a:p>
+        </p:txBody>
+      </p:sp>
+      <p:pic>
+        <p:nvPicPr>
+          <p:cNvPr id="4" name="Imagem 3"/>
+          <p:cNvPicPr>
+            <a:picLocks noChangeAspect="1"/>
+          </p:cNvPicPr>
+          <p:nvPr/>
+        </p:nvPicPr>
+        <p:blipFill>
+          <a:blip r:embed="rId2" cstate="print">
+            <a:extLst>
+              <a:ext uri="{28A0092B-C50C-407E-A947-70E740481C1C}">
+                <a14:useLocalDpi xmlns:a14="http://schemas.microsoft.com/office/drawing/2010/main" val="0"/>
+              </a:ext>
+            </a:extLst>
+          </a:blip>
+          <a:stretch>
+            <a:fillRect/>
+          </a:stretch>
+        </p:blipFill>
+        <p:spPr>
+          <a:xfrm>
+            <a:off x="10441211" y="110689"/>
+            <a:ext cx="1750789" cy="2157949"/>
+          </a:xfrm>
+          <a:prstGeom prst="rect">
+            <a:avLst/>
+          </a:prstGeom>
+        </p:spPr>
+      </p:pic>
+      <p:pic>
+        <p:nvPicPr>
+          <p:cNvPr id="3" name="Imagem 2"/>
+          <p:cNvPicPr>
+            <a:picLocks noChangeAspect="1"/>
+          </p:cNvPicPr>
+          <p:nvPr/>
+        </p:nvPicPr>
+        <p:blipFill>
+          <a:blip r:embed="rId3">
+            <a:extLst>
+              <a:ext uri="{28A0092B-C50C-407E-A947-70E740481C1C}">
+                <a14:useLocalDpi xmlns:a14="http://schemas.microsoft.com/office/drawing/2010/main" val="0"/>
+              </a:ext>
+            </a:extLst>
+          </a:blip>
+          <a:stretch>
+            <a:fillRect/>
+          </a:stretch>
+        </p:blipFill>
+        <p:spPr>
+          <a:xfrm>
+            <a:off x="480725" y="1509311"/>
+            <a:ext cx="9285856" cy="4767962"/>
+          </a:xfrm>
+          <a:prstGeom prst="rect">
+            <a:avLst/>
+          </a:prstGeom>
+        </p:spPr>
+      </p:pic>
+      <p:sp>
+        <p:nvSpPr>
+          <p:cNvPr id="6" name="Seta para baixo 5"/>
+          <p:cNvSpPr/>
+          <p:nvPr/>
+        </p:nvSpPr>
+        <p:spPr>
+          <a:xfrm rot="16200000">
+            <a:off x="817685" y="2917514"/>
+            <a:ext cx="309243" cy="442827"/>
+          </a:xfrm>
+          <a:prstGeom prst="downArrow">
+            <a:avLst/>
+          </a:prstGeom>
+          <a:noFill/>
+          <a:ln w="38100">
+            <a:solidFill>
+              <a:schemeClr val="tx1"/>
+            </a:solidFill>
+          </a:ln>
+        </p:spPr>
+        <p:style>
+          <a:lnRef idx="2">
+            <a:schemeClr val="accent1">
+              <a:shade val="50000"/>
+            </a:schemeClr>
+          </a:lnRef>
+          <a:fillRef idx="1">
+            <a:schemeClr val="accent1"/>
+          </a:fillRef>
+          <a:effectRef idx="0">
+            <a:schemeClr val="accent1"/>
+          </a:effectRef>
+          <a:fontRef idx="minor">
+            <a:schemeClr val="lt1"/>
+          </a:fontRef>
+        </p:style>
+        <p:txBody>
+          <a:bodyPr rtlCol="0" anchor="ctr"/>
+          <a:lstStyle/>
+          <a:p>
+            <a:pPr algn="ctr"/>
+            <a:endParaRPr lang="pt-BR"/>
+          </a:p>
+        </p:txBody>
+      </p:sp>
+      <p:sp>
+        <p:nvSpPr>
+          <p:cNvPr id="8" name="CaixaDeTexto 7"/>
+          <p:cNvSpPr txBox="1"/>
+          <p:nvPr/>
+        </p:nvSpPr>
+        <p:spPr>
+          <a:xfrm>
+            <a:off x="4184401" y="3293549"/>
+            <a:ext cx="5345460" cy="523220"/>
+          </a:xfrm>
+          <a:prstGeom prst="rect">
+            <a:avLst/>
+          </a:prstGeom>
+          <a:noFill/>
+        </p:spPr>
+        <p:txBody>
+          <a:bodyPr wrap="square" rtlCol="0">
+            <a:spAutoFit/>
+          </a:bodyPr>
+          <a:lstStyle/>
+          <a:p>
+            <a:pPr algn="ctr"/>
+            <a:r>
+              <a:rPr lang="pt-BR" sz="2800" b="1" dirty="0">
+                <a:latin typeface="Consolas" panose="020B0609020204030204" pitchFamily="49" charset="0"/>
+              </a:rPr>
+              <a:t>n</a:t>
+            </a:r>
+            <a:r>
+              <a:rPr lang="pt-BR" sz="2800" b="1" dirty="0" smtClean="0">
+                <a:latin typeface="Consolas" panose="020B0609020204030204" pitchFamily="49" charset="0"/>
+              </a:rPr>
+              <a:t>umero é menor que 4?</a:t>
+            </a:r>
+            <a:endParaRPr lang="pt-BR" sz="2800" b="1" dirty="0">
+              <a:latin typeface="Consolas" panose="020B0609020204030204" pitchFamily="49" charset="0"/>
+            </a:endParaRPr>
+          </a:p>
+        </p:txBody>
+      </p:sp>
+      <p:cxnSp>
+        <p:nvCxnSpPr>
+          <p:cNvPr id="9" name="Conector de seta reta 8"/>
+          <p:cNvCxnSpPr/>
+          <p:nvPr/>
+        </p:nvCxnSpPr>
+        <p:spPr>
+          <a:xfrm>
+            <a:off x="2919470" y="3304566"/>
+            <a:ext cx="1795750" cy="275916"/>
+          </a:xfrm>
+          <a:prstGeom prst="straightConnector1">
+            <a:avLst/>
+          </a:prstGeom>
+          <a:ln w="38100">
+            <a:solidFill>
+              <a:schemeClr val="tx1"/>
+            </a:solidFill>
+            <a:tailEnd type="triangle"/>
+          </a:ln>
+        </p:spPr>
+        <p:style>
+          <a:lnRef idx="1">
+            <a:schemeClr val="accent1"/>
+          </a:lnRef>
+          <a:fillRef idx="0">
+            <a:schemeClr val="accent1"/>
+          </a:fillRef>
+          <a:effectRef idx="0">
+            <a:schemeClr val="accent1"/>
+          </a:effectRef>
+          <a:fontRef idx="minor">
+            <a:schemeClr val="tx1"/>
+          </a:fontRef>
+        </p:style>
+      </p:cxnSp>
+      <p:cxnSp>
+        <p:nvCxnSpPr>
+          <p:cNvPr id="10" name="Conector de seta reta 9"/>
+          <p:cNvCxnSpPr/>
+          <p:nvPr/>
+        </p:nvCxnSpPr>
+        <p:spPr>
+          <a:xfrm>
+            <a:off x="8987066" y="3555159"/>
+            <a:ext cx="1027267" cy="0"/>
+          </a:xfrm>
+          <a:prstGeom prst="straightConnector1">
+            <a:avLst/>
+          </a:prstGeom>
+          <a:ln w="38100">
+            <a:solidFill>
+              <a:schemeClr val="tx1"/>
+            </a:solidFill>
+            <a:tailEnd type="triangle"/>
+          </a:ln>
+        </p:spPr>
+        <p:style>
+          <a:lnRef idx="1">
+            <a:schemeClr val="accent1"/>
+          </a:lnRef>
+          <a:fillRef idx="0">
+            <a:schemeClr val="accent1"/>
+          </a:fillRef>
+          <a:effectRef idx="0">
+            <a:schemeClr val="accent1"/>
+          </a:effectRef>
+          <a:fontRef idx="minor">
+            <a:schemeClr val="tx1"/>
+          </a:fontRef>
+        </p:style>
+      </p:cxnSp>
+      <p:sp>
+        <p:nvSpPr>
+          <p:cNvPr id="12" name="CaixaDeTexto 11"/>
+          <p:cNvSpPr txBox="1"/>
+          <p:nvPr/>
+        </p:nvSpPr>
+        <p:spPr>
+          <a:xfrm>
+            <a:off x="9375410" y="3271515"/>
+            <a:ext cx="2484177" cy="523220"/>
+          </a:xfrm>
+          <a:prstGeom prst="rect">
+            <a:avLst/>
+          </a:prstGeom>
+          <a:noFill/>
+        </p:spPr>
+        <p:txBody>
+          <a:bodyPr wrap="square" rtlCol="0">
+            <a:spAutoFit/>
+          </a:bodyPr>
+          <a:lstStyle/>
+          <a:p>
+            <a:pPr algn="ctr"/>
+            <a:r>
+              <a:rPr lang="pt-BR" sz="2800" b="1" dirty="0" smtClean="0">
+                <a:latin typeface="Consolas" panose="020B0609020204030204" pitchFamily="49" charset="0"/>
+              </a:rPr>
+              <a:t>false</a:t>
+            </a:r>
+            <a:endParaRPr lang="pt-BR" sz="2800" b="1" dirty="0">
+              <a:latin typeface="Consolas" panose="020B0609020204030204" pitchFamily="49" charset="0"/>
+            </a:endParaRPr>
+          </a:p>
+        </p:txBody>
+      </p:sp>
+      <p:sp>
+        <p:nvSpPr>
+          <p:cNvPr id="11" name="CaixaDeTexto 10"/>
+          <p:cNvSpPr txBox="1"/>
+          <p:nvPr/>
+        </p:nvSpPr>
+        <p:spPr>
+          <a:xfrm>
+            <a:off x="4708834" y="2847113"/>
+            <a:ext cx="5345460" cy="523220"/>
+          </a:xfrm>
+          <a:prstGeom prst="rect">
+            <a:avLst/>
+          </a:prstGeom>
+          <a:noFill/>
+        </p:spPr>
+        <p:txBody>
+          <a:bodyPr wrap="square" rtlCol="0">
+            <a:spAutoFit/>
+          </a:bodyPr>
+          <a:lstStyle/>
+          <a:p>
+            <a:r>
+              <a:rPr lang="pt-BR" sz="2800" b="1" dirty="0">
+                <a:latin typeface="Consolas" panose="020B0609020204030204" pitchFamily="49" charset="0"/>
+              </a:rPr>
+              <a:t>n</a:t>
+            </a:r>
+            <a:r>
+              <a:rPr lang="pt-BR" sz="2800" b="1" dirty="0" smtClean="0">
+                <a:latin typeface="Consolas" panose="020B0609020204030204" pitchFamily="49" charset="0"/>
+              </a:rPr>
+              <a:t>umero vale 4</a:t>
+            </a:r>
+            <a:endParaRPr lang="pt-BR" sz="2800" b="1" dirty="0">
+              <a:latin typeface="Consolas" panose="020B0609020204030204" pitchFamily="49" charset="0"/>
+            </a:endParaRPr>
+          </a:p>
+        </p:txBody>
+      </p:sp>
+      <p:cxnSp>
+        <p:nvCxnSpPr>
+          <p:cNvPr id="13" name="Conector de seta reta 12"/>
+          <p:cNvCxnSpPr/>
+          <p:nvPr/>
+        </p:nvCxnSpPr>
+        <p:spPr>
+          <a:xfrm>
+            <a:off x="10617498" y="3893292"/>
+            <a:ext cx="0" cy="1197323"/>
+          </a:xfrm>
+          <a:prstGeom prst="straightConnector1">
+            <a:avLst/>
+          </a:prstGeom>
+          <a:ln w="38100">
+            <a:solidFill>
+              <a:srgbClr val="FF0000"/>
+            </a:solidFill>
+            <a:tailEnd type="triangle"/>
+          </a:ln>
+        </p:spPr>
+        <p:style>
+          <a:lnRef idx="1">
+            <a:schemeClr val="accent1"/>
+          </a:lnRef>
+          <a:fillRef idx="0">
+            <a:schemeClr val="accent1"/>
+          </a:fillRef>
+          <a:effectRef idx="0">
+            <a:schemeClr val="accent1"/>
+          </a:effectRef>
+          <a:fontRef idx="minor">
+            <a:schemeClr val="tx1"/>
+          </a:fontRef>
+        </p:style>
+      </p:cxnSp>
+      <p:sp>
+        <p:nvSpPr>
+          <p:cNvPr id="14" name="CaixaDeTexto 13"/>
+          <p:cNvSpPr txBox="1"/>
+          <p:nvPr/>
+        </p:nvSpPr>
+        <p:spPr>
+          <a:xfrm>
+            <a:off x="9894627" y="5154571"/>
+            <a:ext cx="1774209" cy="707886"/>
+          </a:xfrm>
+          <a:prstGeom prst="rect">
+            <a:avLst/>
+          </a:prstGeom>
+          <a:noFill/>
+        </p:spPr>
+        <p:txBody>
+          <a:bodyPr wrap="square" rtlCol="0">
+            <a:spAutoFit/>
+          </a:bodyPr>
+          <a:lstStyle/>
+          <a:p>
+            <a:pPr algn="ctr"/>
+            <a:r>
+              <a:rPr lang="pt-BR" sz="2000" b="1" dirty="0" smtClean="0">
+                <a:solidFill>
+                  <a:srgbClr val="FF0000"/>
+                </a:solidFill>
+                <a:latin typeface="Consolas" panose="020B0609020204030204" pitchFamily="49" charset="0"/>
+              </a:rPr>
+              <a:t>A repetição se encerra</a:t>
+            </a:r>
+            <a:endParaRPr lang="pt-BR" sz="2000" b="1" dirty="0">
+              <a:solidFill>
+                <a:srgbClr val="FF0000"/>
+              </a:solidFill>
+              <a:latin typeface="Consolas" panose="020B0609020204030204" pitchFamily="49" charset="0"/>
+            </a:endParaRPr>
+          </a:p>
+        </p:txBody>
+      </p:sp>
+    </p:spTree>
+    <p:extLst>
+      <p:ext uri="{BB962C8B-B14F-4D97-AF65-F5344CB8AC3E}">
+        <p14:creationId xmlns:p14="http://schemas.microsoft.com/office/powerpoint/2010/main" val="2434110278"/>
+      </p:ext>
+    </p:extLst>
+  </p:cSld>
+  <p:clrMapOvr>
+    <a:masterClrMapping/>
+  </p:clrMapOvr>
+  <p:timing>
+    <p:tnLst>
+      <p:par>
+        <p:cTn id="1" dur="indefinite" restart="never" nodeType="tmRoot">
+          <p:childTnLst>
+            <p:seq concurrent="1" nextAc="seek">
+              <p:cTn id="2" dur="indefinite" nodeType="mainSeq">
+                <p:childTnLst>
+                  <p:par>
+                    <p:cTn id="3" fill="hold">
+                      <p:stCondLst>
+                        <p:cond delay="indefinite"/>
+                      </p:stCondLst>
+                      <p:childTnLst>
+                        <p:par>
+                          <p:cTn id="4" fill="hold">
+                            <p:stCondLst>
+                              <p:cond delay="0"/>
+                            </p:stCondLst>
+                            <p:childTnLst>
+                              <p:par>
+                                <p:cTn id="5" presetID="1" presetClass="entr" presetSubtype="0" fill="hold" grpId="0" nodeType="clickEffect">
+                                  <p:stCondLst>
+                                    <p:cond delay="0"/>
+                                  </p:stCondLst>
+                                  <p:childTnLst>
+                                    <p:set>
+                                      <p:cBhvr>
+                                        <p:cTn id="6" dur="1" fill="hold">
+                                          <p:stCondLst>
+                                            <p:cond delay="0"/>
+                                          </p:stCondLst>
+                                        </p:cTn>
+                                        <p:tgtEl>
+                                          <p:spTgt spid="8"/>
+                                        </p:tgtEl>
+                                        <p:attrNameLst>
+                                          <p:attrName>style.visibility</p:attrName>
+                                        </p:attrNameLst>
+                                      </p:cBhvr>
+                                      <p:to>
+                                        <p:strVal val="visible"/>
+                                      </p:to>
+                                    </p:set>
+                                  </p:childTnLst>
+                                </p:cTn>
+                              </p:par>
+                              <p:par>
+                                <p:cTn id="7" presetID="10" presetClass="entr" presetSubtype="0" fill="hold" nodeType="withEffect">
+                                  <p:stCondLst>
+                                    <p:cond delay="0"/>
+                                  </p:stCondLst>
+                                  <p:childTnLst>
+                                    <p:set>
+                                      <p:cBhvr>
+                                        <p:cTn id="8" dur="1" fill="hold">
+                                          <p:stCondLst>
+                                            <p:cond delay="0"/>
+                                          </p:stCondLst>
+                                        </p:cTn>
+                                        <p:tgtEl>
+                                          <p:spTgt spid="9"/>
+                                        </p:tgtEl>
+                                        <p:attrNameLst>
+                                          <p:attrName>style.visibility</p:attrName>
+                                        </p:attrNameLst>
+                                      </p:cBhvr>
+                                      <p:to>
+                                        <p:strVal val="visible"/>
+                                      </p:to>
+                                    </p:set>
+                                    <p:animEffect transition="in" filter="fade">
+                                      <p:cBhvr>
+                                        <p:cTn id="9" dur="500"/>
+                                        <p:tgtEl>
+                                          <p:spTgt spid="9"/>
+                                        </p:tgtEl>
+                                      </p:cBhvr>
+                                    </p:animEffect>
+                                  </p:childTnLst>
+                                </p:cTn>
+                              </p:par>
+                            </p:childTnLst>
+                          </p:cTn>
+                        </p:par>
+                      </p:childTnLst>
+                    </p:cTn>
+                  </p:par>
+                  <p:par>
+                    <p:cTn id="10" fill="hold">
+                      <p:stCondLst>
+                        <p:cond delay="indefinite"/>
+                      </p:stCondLst>
+                      <p:childTnLst>
+                        <p:par>
+                          <p:cTn id="11" fill="hold">
+                            <p:stCondLst>
+                              <p:cond delay="0"/>
+                            </p:stCondLst>
+                            <p:childTnLst>
+                              <p:par>
+                                <p:cTn id="12" presetID="10" presetClass="entr" presetSubtype="0" fill="hold" nodeType="clickEffect">
+                                  <p:stCondLst>
+                                    <p:cond delay="0"/>
+                                  </p:stCondLst>
+                                  <p:childTnLst>
+                                    <p:set>
+                                      <p:cBhvr>
+                                        <p:cTn id="13" dur="1" fill="hold">
+                                          <p:stCondLst>
+                                            <p:cond delay="0"/>
+                                          </p:stCondLst>
+                                        </p:cTn>
+                                        <p:tgtEl>
+                                          <p:spTgt spid="10"/>
+                                        </p:tgtEl>
+                                        <p:attrNameLst>
+                                          <p:attrName>style.visibility</p:attrName>
+                                        </p:attrNameLst>
+                                      </p:cBhvr>
+                                      <p:to>
+                                        <p:strVal val="visible"/>
+                                      </p:to>
+                                    </p:set>
+                                    <p:animEffect transition="in" filter="fade">
+                                      <p:cBhvr>
+                                        <p:cTn id="14" dur="500"/>
+                                        <p:tgtEl>
+                                          <p:spTgt spid="10"/>
+                                        </p:tgtEl>
+                                      </p:cBhvr>
+                                    </p:animEffect>
+                                  </p:childTnLst>
+                                </p:cTn>
+                              </p:par>
+                              <p:par>
+                                <p:cTn id="15" presetID="1" presetClass="entr" presetSubtype="0" fill="hold" grpId="0" nodeType="withEffect">
+                                  <p:stCondLst>
+                                    <p:cond delay="0"/>
+                                  </p:stCondLst>
+                                  <p:childTnLst>
+                                    <p:set>
+                                      <p:cBhvr>
+                                        <p:cTn id="16" dur="1" fill="hold">
+                                          <p:stCondLst>
+                                            <p:cond delay="0"/>
+                                          </p:stCondLst>
+                                        </p:cTn>
+                                        <p:tgtEl>
+                                          <p:spTgt spid="12"/>
+                                        </p:tgtEl>
+                                        <p:attrNameLst>
+                                          <p:attrName>style.visibility</p:attrName>
+                                        </p:attrNameLst>
+                                      </p:cBhvr>
+                                      <p:to>
+                                        <p:strVal val="visible"/>
+                                      </p:to>
+                                    </p:set>
+                                  </p:childTnLst>
+                                </p:cTn>
+                              </p:par>
+                              <p:par>
+                                <p:cTn id="17" presetID="1" presetClass="entr" presetSubtype="0" fill="hold" grpId="0" nodeType="withEffect">
+                                  <p:stCondLst>
+                                    <p:cond delay="0"/>
+                                  </p:stCondLst>
+                                  <p:childTnLst>
+                                    <p:set>
+                                      <p:cBhvr>
+                                        <p:cTn id="18" dur="1" fill="hold">
+                                          <p:stCondLst>
+                                            <p:cond delay="0"/>
+                                          </p:stCondLst>
+                                        </p:cTn>
+                                        <p:tgtEl>
+                                          <p:spTgt spid="11"/>
+                                        </p:tgtEl>
+                                        <p:attrNameLst>
+                                          <p:attrName>style.visibility</p:attrName>
+                                        </p:attrNameLst>
+                                      </p:cBhvr>
+                                      <p:to>
+                                        <p:strVal val="visible"/>
+                                      </p:to>
+                                    </p:set>
+                                  </p:childTnLst>
+                                </p:cTn>
+                              </p:par>
+                            </p:childTnLst>
+                          </p:cTn>
+                        </p:par>
+                      </p:childTnLst>
+                    </p:cTn>
+                  </p:par>
+                  <p:par>
+                    <p:cTn id="19" fill="hold">
+                      <p:stCondLst>
+                        <p:cond delay="indefinite"/>
+                      </p:stCondLst>
+                      <p:childTnLst>
+                        <p:par>
+                          <p:cTn id="20" fill="hold">
+                            <p:stCondLst>
+                              <p:cond delay="0"/>
+                            </p:stCondLst>
+                            <p:childTnLst>
+                              <p:par>
+                                <p:cTn id="21" presetID="10" presetClass="entr" presetSubtype="0" fill="hold" nodeType="clickEffect">
+                                  <p:stCondLst>
+                                    <p:cond delay="0"/>
+                                  </p:stCondLst>
+                                  <p:childTnLst>
+                                    <p:set>
+                                      <p:cBhvr>
+                                        <p:cTn id="22" dur="1" fill="hold">
+                                          <p:stCondLst>
+                                            <p:cond delay="0"/>
+                                          </p:stCondLst>
+                                        </p:cTn>
+                                        <p:tgtEl>
+                                          <p:spTgt spid="13"/>
+                                        </p:tgtEl>
+                                        <p:attrNameLst>
+                                          <p:attrName>style.visibility</p:attrName>
+                                        </p:attrNameLst>
+                                      </p:cBhvr>
+                                      <p:to>
+                                        <p:strVal val="visible"/>
+                                      </p:to>
+                                    </p:set>
+                                    <p:animEffect transition="in" filter="fade">
+                                      <p:cBhvr>
+                                        <p:cTn id="23" dur="500"/>
+                                        <p:tgtEl>
+                                          <p:spTgt spid="13"/>
+                                        </p:tgtEl>
+                                      </p:cBhvr>
+                                    </p:animEffect>
+                                  </p:childTnLst>
+                                </p:cTn>
+                              </p:par>
+                              <p:par>
+                                <p:cTn id="24" presetID="1" presetClass="entr" presetSubtype="0" fill="hold" grpId="0" nodeType="withEffect">
+                                  <p:stCondLst>
+                                    <p:cond delay="0"/>
+                                  </p:stCondLst>
+                                  <p:childTnLst>
+                                    <p:set>
+                                      <p:cBhvr>
+                                        <p:cTn id="25" dur="1" fill="hold">
+                                          <p:stCondLst>
+                                            <p:cond delay="0"/>
+                                          </p:stCondLst>
+                                        </p:cTn>
+                                        <p:tgtEl>
+                                          <p:spTgt spid="14"/>
+                                        </p:tgtEl>
+                                        <p:attrNameLst>
+                                          <p:attrName>style.visibility</p:attrName>
+                                        </p:attrNameLst>
+                                      </p:cBhvr>
+                                      <p:to>
+                                        <p:strVal val="visible"/>
+                                      </p:to>
+                                    </p:set>
+                                  </p:childTnLst>
+                                </p:cTn>
+                              </p:par>
+                            </p:childTnLst>
+                          </p:cTn>
+                        </p:par>
+                      </p:childTnLst>
+                    </p:cTn>
+                  </p:par>
+                </p:childTnLst>
+              </p:cTn>
+              <p:prevCondLst>
+                <p:cond evt="onPrev" delay="0">
+                  <p:tgtEl>
+                    <p:sldTgt/>
+                  </p:tgtEl>
+                </p:cond>
+              </p:prevCondLst>
+              <p:nextCondLst>
+                <p:cond evt="onNext" delay="0">
+                  <p:tgtEl>
+                    <p:sldTgt/>
+                  </p:tgtEl>
+                </p:cond>
+              </p:nextCondLst>
+            </p:seq>
+          </p:childTnLst>
+        </p:cTn>
+      </p:par>
+    </p:tnLst>
+    <p:bldLst>
+      <p:bldP spid="8" grpId="0"/>
+      <p:bldP spid="12" grpId="0"/>
+      <p:bldP spid="11" grpId="0"/>
+      <p:bldP spid="14" grpId="0"/>
+    </p:bldLst>
+  </p:timing>
+</p:sld>
+</file>
+
+<file path=ppt/slides/slide38.xml><?xml version="1.0" encoding="utf-8"?>
+<p:sld xmlns:a="http://schemas.openxmlformats.org/drawingml/2006/main" xmlns:r="http://schemas.openxmlformats.org/officeDocument/2006/relationships" xmlns:p="http://schemas.openxmlformats.org/presentationml/2006/main">
+  <p:cSld>
+    <p:spTree>
+      <p:nvGrpSpPr>
+        <p:cNvPr id="1" name=""/>
+        <p:cNvGrpSpPr/>
+        <p:nvPr/>
+      </p:nvGrpSpPr>
+      <p:grpSpPr>
+        <a:xfrm>
+          <a:off x="0" y="0"/>
+          <a:ext cx="0" cy="0"/>
+          <a:chOff x="0" y="0"/>
+          <a:chExt cx="0" cy="0"/>
+        </a:xfrm>
+      </p:grpSpPr>
+      <p:sp>
+        <p:nvSpPr>
+          <p:cNvPr id="2" name="Título 1"/>
+          <p:cNvSpPr>
+            <a:spLocks noGrp="1"/>
+          </p:cNvSpPr>
+          <p:nvPr>
+            <p:ph type="title"/>
+          </p:nvPr>
+        </p:nvSpPr>
+        <p:spPr>
+          <a:xfrm>
+            <a:off x="480725" y="385591"/>
+            <a:ext cx="7914128" cy="685753"/>
+          </a:xfrm>
+        </p:spPr>
+        <p:txBody>
+          <a:bodyPr>
+            <a:normAutofit/>
+          </a:bodyPr>
+          <a:lstStyle/>
+          <a:p>
+            <a:r>
+              <a:rPr lang="pt-BR" sz="3200" dirty="0" smtClean="0">
+                <a:latin typeface="Consolas" panose="020B0609020204030204" pitchFamily="49" charset="0"/>
+              </a:rPr>
+              <a:t>Estrutura de repetição Do </a:t>
+            </a:r>
+            <a:r>
+              <a:rPr lang="pt-BR" sz="3200" dirty="0" err="1" smtClean="0">
+                <a:latin typeface="Consolas" panose="020B0609020204030204" pitchFamily="49" charset="0"/>
+              </a:rPr>
+              <a:t>While</a:t>
+            </a:r>
+            <a:endParaRPr lang="pt-BR" sz="3200" dirty="0">
+              <a:latin typeface="Consolas" panose="020B0609020204030204" pitchFamily="49" charset="0"/>
+            </a:endParaRPr>
+          </a:p>
+        </p:txBody>
+      </p:sp>
+      <p:pic>
+        <p:nvPicPr>
+          <p:cNvPr id="4" name="Imagem 3"/>
+          <p:cNvPicPr>
+            <a:picLocks noChangeAspect="1"/>
+          </p:cNvPicPr>
+          <p:nvPr/>
+        </p:nvPicPr>
+        <p:blipFill>
+          <a:blip r:embed="rId2" cstate="print">
+            <a:extLst>
+              <a:ext uri="{28A0092B-C50C-407E-A947-70E740481C1C}">
+                <a14:useLocalDpi xmlns:a14="http://schemas.microsoft.com/office/drawing/2010/main" val="0"/>
+              </a:ext>
+            </a:extLst>
+          </a:blip>
+          <a:stretch>
+            <a:fillRect/>
+          </a:stretch>
+        </p:blipFill>
+        <p:spPr>
+          <a:xfrm>
+            <a:off x="10441211" y="110689"/>
+            <a:ext cx="1750789" cy="2157949"/>
+          </a:xfrm>
+          <a:prstGeom prst="rect">
+            <a:avLst/>
+          </a:prstGeom>
+        </p:spPr>
+      </p:pic>
+      <p:sp>
+        <p:nvSpPr>
+          <p:cNvPr id="10" name="CaixaDeTexto 9"/>
+          <p:cNvSpPr txBox="1"/>
+          <p:nvPr/>
+        </p:nvSpPr>
+        <p:spPr>
+          <a:xfrm>
+            <a:off x="480725" y="1902793"/>
+            <a:ext cx="8509038" cy="1384995"/>
+          </a:xfrm>
+          <a:prstGeom prst="rect">
+            <a:avLst/>
+          </a:prstGeom>
+          <a:noFill/>
+        </p:spPr>
+        <p:txBody>
+          <a:bodyPr wrap="square" rtlCol="0">
+            <a:spAutoFit/>
+          </a:bodyPr>
+          <a:lstStyle/>
+          <a:p>
+            <a:r>
+              <a:rPr lang="pt-BR" sz="2800" dirty="0" smtClean="0">
+                <a:solidFill>
+                  <a:srgbClr val="FF0000"/>
+                </a:solidFill>
+              </a:rPr>
+              <a:t>do</a:t>
+            </a:r>
+            <a:r>
+              <a:rPr lang="pt-BR" sz="2800" dirty="0" smtClean="0"/>
+              <a:t>{</a:t>
+            </a:r>
+            <a:endParaRPr lang="pt-BR" sz="2800" dirty="0"/>
+          </a:p>
+          <a:p>
+            <a:r>
+              <a:rPr lang="pt-BR" sz="2800" dirty="0"/>
+              <a:t>      </a:t>
+            </a:r>
+            <a:r>
+              <a:rPr lang="pt-BR" sz="2800" dirty="0" smtClean="0">
+                <a:solidFill>
+                  <a:srgbClr val="0000FF"/>
+                </a:solidFill>
+              </a:rPr>
+              <a:t>[Bloco de código]</a:t>
+            </a:r>
+          </a:p>
+          <a:p>
+            <a:r>
+              <a:rPr lang="pt-BR" sz="2800" dirty="0" smtClean="0"/>
+              <a:t>}</a:t>
+            </a:r>
+            <a:r>
+              <a:rPr lang="pt-BR" sz="2800" dirty="0">
+                <a:solidFill>
+                  <a:srgbClr val="FF0000"/>
+                </a:solidFill>
+              </a:rPr>
+              <a:t> </a:t>
+            </a:r>
+            <a:r>
+              <a:rPr lang="pt-BR" sz="2800" dirty="0" err="1">
+                <a:solidFill>
+                  <a:srgbClr val="FF0000"/>
+                </a:solidFill>
+              </a:rPr>
+              <a:t>while</a:t>
+            </a:r>
+            <a:r>
+              <a:rPr lang="pt-BR" sz="2800" dirty="0"/>
+              <a:t>(</a:t>
+            </a:r>
+            <a:r>
+              <a:rPr lang="pt-BR" sz="2800" dirty="0">
+                <a:solidFill>
+                  <a:srgbClr val="00FF00"/>
+                </a:solidFill>
+              </a:rPr>
+              <a:t>[teste]</a:t>
+            </a:r>
+            <a:r>
+              <a:rPr lang="pt-BR" sz="2800" dirty="0"/>
+              <a:t>) </a:t>
+            </a:r>
+          </a:p>
+        </p:txBody>
+      </p:sp>
+      <p:sp>
+        <p:nvSpPr>
+          <p:cNvPr id="5" name="CaixaDeTexto 4"/>
+          <p:cNvSpPr txBox="1"/>
+          <p:nvPr/>
+        </p:nvSpPr>
+        <p:spPr>
+          <a:xfrm>
+            <a:off x="4534406" y="1406960"/>
+            <a:ext cx="4020104" cy="954107"/>
+          </a:xfrm>
+          <a:prstGeom prst="rect">
+            <a:avLst/>
+          </a:prstGeom>
+          <a:noFill/>
+        </p:spPr>
+        <p:txBody>
+          <a:bodyPr wrap="square" rtlCol="0">
+            <a:spAutoFit/>
+          </a:bodyPr>
+          <a:lstStyle/>
+          <a:p>
+            <a:r>
+              <a:rPr lang="pt-BR" sz="2800" b="1" dirty="0" smtClean="0">
+                <a:latin typeface="Consolas" panose="020B0609020204030204" pitchFamily="49" charset="0"/>
+              </a:rPr>
+              <a:t>Primeiro o bloco de código é executado</a:t>
+            </a:r>
+            <a:endParaRPr lang="pt-BR" sz="2800" b="1" dirty="0">
+              <a:latin typeface="Consolas" panose="020B0609020204030204" pitchFamily="49" charset="0"/>
+            </a:endParaRPr>
+          </a:p>
+        </p:txBody>
+      </p:sp>
+      <p:cxnSp>
+        <p:nvCxnSpPr>
+          <p:cNvPr id="6" name="Conector de seta reta 5"/>
+          <p:cNvCxnSpPr/>
+          <p:nvPr/>
+        </p:nvCxnSpPr>
+        <p:spPr>
+          <a:xfrm flipV="1">
+            <a:off x="2709093" y="1947975"/>
+            <a:ext cx="1870419" cy="340522"/>
+          </a:xfrm>
+          <a:prstGeom prst="straightConnector1">
+            <a:avLst/>
+          </a:prstGeom>
+          <a:ln w="38100">
+            <a:solidFill>
+              <a:schemeClr val="tx1"/>
+            </a:solidFill>
+            <a:tailEnd type="triangle"/>
+          </a:ln>
+        </p:spPr>
+        <p:style>
+          <a:lnRef idx="1">
+            <a:schemeClr val="accent1"/>
+          </a:lnRef>
+          <a:fillRef idx="0">
+            <a:schemeClr val="accent1"/>
+          </a:fillRef>
+          <a:effectRef idx="0">
+            <a:schemeClr val="accent1"/>
+          </a:effectRef>
+          <a:fontRef idx="minor">
+            <a:schemeClr val="tx1"/>
+          </a:fontRef>
+        </p:style>
+      </p:cxnSp>
+      <p:sp>
+        <p:nvSpPr>
+          <p:cNvPr id="8" name="CaixaDeTexto 7"/>
+          <p:cNvSpPr txBox="1"/>
+          <p:nvPr/>
+        </p:nvSpPr>
+        <p:spPr>
+          <a:xfrm>
+            <a:off x="5087527" y="2901719"/>
+            <a:ext cx="4020104" cy="954107"/>
+          </a:xfrm>
+          <a:prstGeom prst="rect">
+            <a:avLst/>
+          </a:prstGeom>
+          <a:noFill/>
+        </p:spPr>
+        <p:txBody>
+          <a:bodyPr wrap="square" rtlCol="0">
+            <a:spAutoFit/>
+          </a:bodyPr>
+          <a:lstStyle/>
+          <a:p>
+            <a:r>
+              <a:rPr lang="pt-BR" sz="2800" b="1" dirty="0" smtClean="0">
+                <a:latin typeface="Consolas" panose="020B0609020204030204" pitchFamily="49" charset="0"/>
+              </a:rPr>
+              <a:t>Depois o teste é feito</a:t>
+            </a:r>
+            <a:endParaRPr lang="pt-BR" sz="2800" b="1" dirty="0">
+              <a:latin typeface="Consolas" panose="020B0609020204030204" pitchFamily="49" charset="0"/>
+            </a:endParaRPr>
+          </a:p>
+        </p:txBody>
+      </p:sp>
+      <p:cxnSp>
+        <p:nvCxnSpPr>
+          <p:cNvPr id="9" name="Conector de seta reta 8"/>
+          <p:cNvCxnSpPr/>
+          <p:nvPr/>
+        </p:nvCxnSpPr>
+        <p:spPr>
+          <a:xfrm>
+            <a:off x="2854233" y="3004457"/>
+            <a:ext cx="2118740" cy="394735"/>
+          </a:xfrm>
+          <a:prstGeom prst="straightConnector1">
+            <a:avLst/>
+          </a:prstGeom>
+          <a:ln w="38100">
+            <a:solidFill>
+              <a:schemeClr val="tx1"/>
+            </a:solidFill>
+            <a:tailEnd type="triangle"/>
+          </a:ln>
+        </p:spPr>
+        <p:style>
+          <a:lnRef idx="1">
+            <a:schemeClr val="accent1"/>
+          </a:lnRef>
+          <a:fillRef idx="0">
+            <a:schemeClr val="accent1"/>
+          </a:fillRef>
+          <a:effectRef idx="0">
+            <a:schemeClr val="accent1"/>
+          </a:effectRef>
+          <a:fontRef idx="minor">
+            <a:schemeClr val="tx1"/>
+          </a:fontRef>
+        </p:style>
+      </p:cxnSp>
+    </p:spTree>
+    <p:extLst>
+      <p:ext uri="{BB962C8B-B14F-4D97-AF65-F5344CB8AC3E}">
+        <p14:creationId xmlns:p14="http://schemas.microsoft.com/office/powerpoint/2010/main" val="2723394673"/>
+      </p:ext>
+    </p:extLst>
+  </p:cSld>
+  <p:clrMapOvr>
+    <a:masterClrMapping/>
+  </p:clrMapOvr>
+  <p:timing>
+    <p:tnLst>
+      <p:par>
+        <p:cTn id="1" dur="indefinite" restart="never" nodeType="tmRoot">
+          <p:childTnLst>
+            <p:seq concurrent="1" nextAc="seek">
+              <p:cTn id="2" dur="indefinite" nodeType="mainSeq">
+                <p:childTnLst>
+                  <p:par>
+                    <p:cTn id="3" fill="hold">
+                      <p:stCondLst>
+                        <p:cond delay="indefinite"/>
+                      </p:stCondLst>
+                      <p:childTnLst>
+                        <p:par>
+                          <p:cTn id="4" fill="hold">
+                            <p:stCondLst>
+                              <p:cond delay="0"/>
+                            </p:stCondLst>
+                            <p:childTnLst>
+                              <p:par>
+                                <p:cTn id="5" presetID="1" presetClass="entr" presetSubtype="0" fill="hold" grpId="0" nodeType="clickEffect">
+                                  <p:stCondLst>
+                                    <p:cond delay="0"/>
+                                  </p:stCondLst>
+                                  <p:childTnLst>
+                                    <p:set>
+                                      <p:cBhvr>
+                                        <p:cTn id="6" dur="1" fill="hold">
+                                          <p:stCondLst>
+                                            <p:cond delay="0"/>
+                                          </p:stCondLst>
+                                        </p:cTn>
+                                        <p:tgtEl>
+                                          <p:spTgt spid="5"/>
+                                        </p:tgtEl>
+                                        <p:attrNameLst>
+                                          <p:attrName>style.visibility</p:attrName>
+                                        </p:attrNameLst>
+                                      </p:cBhvr>
+                                      <p:to>
+                                        <p:strVal val="visible"/>
+                                      </p:to>
+                                    </p:set>
+                                  </p:childTnLst>
+                                </p:cTn>
+                              </p:par>
+                              <p:par>
+                                <p:cTn id="7" presetID="10" presetClass="entr" presetSubtype="0" fill="hold" nodeType="withEffect">
+                                  <p:stCondLst>
+                                    <p:cond delay="0"/>
+                                  </p:stCondLst>
+                                  <p:childTnLst>
+                                    <p:set>
+                                      <p:cBhvr>
+                                        <p:cTn id="8" dur="1" fill="hold">
+                                          <p:stCondLst>
+                                            <p:cond delay="0"/>
+                                          </p:stCondLst>
+                                        </p:cTn>
+                                        <p:tgtEl>
+                                          <p:spTgt spid="6"/>
+                                        </p:tgtEl>
+                                        <p:attrNameLst>
+                                          <p:attrName>style.visibility</p:attrName>
+                                        </p:attrNameLst>
+                                      </p:cBhvr>
+                                      <p:to>
+                                        <p:strVal val="visible"/>
+                                      </p:to>
+                                    </p:set>
+                                    <p:animEffect transition="in" filter="fade">
+                                      <p:cBhvr>
+                                        <p:cTn id="9" dur="500"/>
+                                        <p:tgtEl>
+                                          <p:spTgt spid="6"/>
+                                        </p:tgtEl>
+                                      </p:cBhvr>
+                                    </p:animEffect>
+                                  </p:childTnLst>
+                                </p:cTn>
+                              </p:par>
+                            </p:childTnLst>
+                          </p:cTn>
+                        </p:par>
+                      </p:childTnLst>
+                    </p:cTn>
+                  </p:par>
+                  <p:par>
+                    <p:cTn id="10" fill="hold">
+                      <p:stCondLst>
+                        <p:cond delay="indefinite"/>
+                      </p:stCondLst>
+                      <p:childTnLst>
+                        <p:par>
+                          <p:cTn id="11" fill="hold">
+                            <p:stCondLst>
+                              <p:cond delay="0"/>
+                            </p:stCondLst>
+                            <p:childTnLst>
+                              <p:par>
+                                <p:cTn id="12" presetID="1" presetClass="entr" presetSubtype="0" fill="hold" grpId="0" nodeType="clickEffect">
+                                  <p:stCondLst>
+                                    <p:cond delay="0"/>
+                                  </p:stCondLst>
+                                  <p:childTnLst>
+                                    <p:set>
+                                      <p:cBhvr>
+                                        <p:cTn id="13" dur="1" fill="hold">
+                                          <p:stCondLst>
+                                            <p:cond delay="0"/>
+                                          </p:stCondLst>
+                                        </p:cTn>
+                                        <p:tgtEl>
+                                          <p:spTgt spid="8"/>
+                                        </p:tgtEl>
+                                        <p:attrNameLst>
+                                          <p:attrName>style.visibility</p:attrName>
+                                        </p:attrNameLst>
+                                      </p:cBhvr>
+                                      <p:to>
+                                        <p:strVal val="visible"/>
+                                      </p:to>
+                                    </p:set>
+                                  </p:childTnLst>
+                                </p:cTn>
+                              </p:par>
+                              <p:par>
+                                <p:cTn id="14" presetID="10" presetClass="entr" presetSubtype="0" fill="hold" nodeType="withEffect">
+                                  <p:stCondLst>
+                                    <p:cond delay="0"/>
+                                  </p:stCondLst>
+                                  <p:childTnLst>
+                                    <p:set>
+                                      <p:cBhvr>
+                                        <p:cTn id="15" dur="1" fill="hold">
+                                          <p:stCondLst>
+                                            <p:cond delay="0"/>
+                                          </p:stCondLst>
+                                        </p:cTn>
+                                        <p:tgtEl>
+                                          <p:spTgt spid="9"/>
+                                        </p:tgtEl>
+                                        <p:attrNameLst>
+                                          <p:attrName>style.visibility</p:attrName>
+                                        </p:attrNameLst>
+                                      </p:cBhvr>
+                                      <p:to>
+                                        <p:strVal val="visible"/>
+                                      </p:to>
+                                    </p:set>
+                                    <p:animEffect transition="in" filter="fade">
+                                      <p:cBhvr>
+                                        <p:cTn id="16" dur="500"/>
+                                        <p:tgtEl>
+                                          <p:spTgt spid="9"/>
+                                        </p:tgtEl>
+                                      </p:cBhvr>
+                                    </p:animEffect>
+                                  </p:childTnLst>
+                                </p:cTn>
+                              </p:par>
+                            </p:childTnLst>
+                          </p:cTn>
+                        </p:par>
+                      </p:childTnLst>
+                    </p:cTn>
+                  </p:par>
+                </p:childTnLst>
+              </p:cTn>
+              <p:prevCondLst>
+                <p:cond evt="onPrev" delay="0">
+                  <p:tgtEl>
+                    <p:sldTgt/>
+                  </p:tgtEl>
+                </p:cond>
+              </p:prevCondLst>
+              <p:nextCondLst>
+                <p:cond evt="onNext" delay="0">
+                  <p:tgtEl>
+                    <p:sldTgt/>
+                  </p:tgtEl>
+                </p:cond>
+              </p:nextCondLst>
+            </p:seq>
+          </p:childTnLst>
+        </p:cTn>
+      </p:par>
+    </p:tnLst>
+    <p:bldLst>
+      <p:bldP spid="5" grpId="0"/>
+      <p:bldP spid="8" grpId="0"/>
+    </p:bldLst>
+  </p:timing>
+</p:sld>
+</file>
+
+<file path=ppt/slides/slide39.xml><?xml version="1.0" encoding="utf-8"?>
+<p:sld xmlns:a="http://schemas.openxmlformats.org/drawingml/2006/main" xmlns:r="http://schemas.openxmlformats.org/officeDocument/2006/relationships" xmlns:p="http://schemas.openxmlformats.org/presentationml/2006/main">
+  <p:cSld>
+    <p:spTree>
+      <p:nvGrpSpPr>
+        <p:cNvPr id="1" name=""/>
+        <p:cNvGrpSpPr/>
+        <p:nvPr/>
+      </p:nvGrpSpPr>
+      <p:grpSpPr>
+        <a:xfrm>
+          <a:off x="0" y="0"/>
+          <a:ext cx="0" cy="0"/>
+          <a:chOff x="0" y="0"/>
+          <a:chExt cx="0" cy="0"/>
+        </a:xfrm>
+      </p:grpSpPr>
+      <p:sp>
+        <p:nvSpPr>
+          <p:cNvPr id="2" name="Título 1"/>
+          <p:cNvSpPr>
+            <a:spLocks noGrp="1"/>
+          </p:cNvSpPr>
+          <p:nvPr>
+            <p:ph type="title"/>
+          </p:nvPr>
+        </p:nvSpPr>
+        <p:spPr>
+          <a:xfrm>
+            <a:off x="480725" y="385591"/>
+            <a:ext cx="7914128" cy="685753"/>
+          </a:xfrm>
+        </p:spPr>
+        <p:txBody>
+          <a:bodyPr>
+            <a:normAutofit/>
+          </a:bodyPr>
+          <a:lstStyle/>
+          <a:p>
+            <a:r>
+              <a:rPr lang="pt-BR" sz="3200" dirty="0" smtClean="0">
+                <a:latin typeface="Consolas" panose="020B0609020204030204" pitchFamily="49" charset="0"/>
+              </a:rPr>
+              <a:t>Estrutura de repetição For</a:t>
+            </a:r>
+            <a:endParaRPr lang="pt-BR" sz="3200" dirty="0">
+              <a:latin typeface="Consolas" panose="020B0609020204030204" pitchFamily="49" charset="0"/>
+            </a:endParaRPr>
+          </a:p>
+        </p:txBody>
+      </p:sp>
+      <p:pic>
+        <p:nvPicPr>
+          <p:cNvPr id="4" name="Imagem 3"/>
+          <p:cNvPicPr>
+            <a:picLocks noChangeAspect="1"/>
+          </p:cNvPicPr>
+          <p:nvPr/>
+        </p:nvPicPr>
+        <p:blipFill>
+          <a:blip r:embed="rId2" cstate="print">
+            <a:extLst>
+              <a:ext uri="{28A0092B-C50C-407E-A947-70E740481C1C}">
+                <a14:useLocalDpi xmlns:a14="http://schemas.microsoft.com/office/drawing/2010/main" val="0"/>
+              </a:ext>
+            </a:extLst>
+          </a:blip>
+          <a:stretch>
+            <a:fillRect/>
+          </a:stretch>
+        </p:blipFill>
+        <p:spPr>
+          <a:xfrm>
+            <a:off x="10441211" y="110689"/>
+            <a:ext cx="1750789" cy="2157949"/>
+          </a:xfrm>
+          <a:prstGeom prst="rect">
+            <a:avLst/>
+          </a:prstGeom>
+        </p:spPr>
+      </p:pic>
+      <p:sp>
+        <p:nvSpPr>
+          <p:cNvPr id="10" name="CaixaDeTexto 9"/>
+          <p:cNvSpPr txBox="1"/>
+          <p:nvPr/>
+        </p:nvSpPr>
+        <p:spPr>
+          <a:xfrm>
+            <a:off x="480724" y="2396280"/>
+            <a:ext cx="10985561" cy="1384995"/>
+          </a:xfrm>
+          <a:prstGeom prst="rect">
+            <a:avLst/>
+          </a:prstGeom>
+          <a:noFill/>
+        </p:spPr>
+        <p:txBody>
+          <a:bodyPr wrap="square" rtlCol="0">
+            <a:spAutoFit/>
+          </a:bodyPr>
+          <a:lstStyle/>
+          <a:p>
+            <a:r>
+              <a:rPr lang="pt-BR" sz="2800" dirty="0" smtClean="0">
+                <a:solidFill>
+                  <a:srgbClr val="FF0000"/>
+                </a:solidFill>
+              </a:rPr>
+              <a:t>for</a:t>
+            </a:r>
+            <a:r>
+              <a:rPr lang="pt-BR" sz="2800" dirty="0" smtClean="0"/>
+              <a:t>(</a:t>
+            </a:r>
+            <a:r>
+              <a:rPr lang="pt-BR" sz="2800" dirty="0" smtClean="0">
+                <a:solidFill>
+                  <a:srgbClr val="00FF00"/>
+                </a:solidFill>
+              </a:rPr>
+              <a:t>[variável de controle] ; [teste] ; [incremento]</a:t>
+            </a:r>
+            <a:r>
+              <a:rPr lang="pt-BR" sz="2800" dirty="0" smtClean="0"/>
+              <a:t>){</a:t>
+            </a:r>
+          </a:p>
+          <a:p>
+            <a:r>
+              <a:rPr lang="pt-BR" sz="2800" dirty="0">
+                <a:solidFill>
+                  <a:srgbClr val="FF0000"/>
+                </a:solidFill>
+              </a:rPr>
+              <a:t> </a:t>
+            </a:r>
+            <a:r>
+              <a:rPr lang="pt-BR" sz="2800" dirty="0" smtClean="0">
+                <a:solidFill>
+                  <a:srgbClr val="FF0000"/>
+                </a:solidFill>
+              </a:rPr>
+              <a:t>      </a:t>
+            </a:r>
+            <a:r>
+              <a:rPr lang="pt-BR" sz="2800" dirty="0" smtClean="0">
+                <a:solidFill>
+                  <a:srgbClr val="0000FF"/>
+                </a:solidFill>
+              </a:rPr>
+              <a:t> </a:t>
+            </a:r>
+            <a:r>
+              <a:rPr lang="pt-BR" sz="2800" dirty="0">
+                <a:solidFill>
+                  <a:srgbClr val="0000FF"/>
+                </a:solidFill>
+              </a:rPr>
+              <a:t>[Bloco de </a:t>
+            </a:r>
+            <a:r>
+              <a:rPr lang="pt-BR" sz="2800" dirty="0" smtClean="0">
+                <a:solidFill>
+                  <a:srgbClr val="0000FF"/>
+                </a:solidFill>
+              </a:rPr>
+              <a:t>código]</a:t>
+            </a:r>
+            <a:endParaRPr lang="pt-BR" sz="2800" dirty="0" smtClean="0">
+              <a:solidFill>
+                <a:srgbClr val="FF0000"/>
+              </a:solidFill>
+            </a:endParaRPr>
+          </a:p>
+          <a:p>
+            <a:r>
+              <a:rPr lang="pt-BR" sz="2800" dirty="0" smtClean="0"/>
+              <a:t>}</a:t>
+            </a:r>
+            <a:endParaRPr lang="pt-BR" sz="2800" dirty="0"/>
+          </a:p>
+        </p:txBody>
+      </p:sp>
+      <p:sp>
+        <p:nvSpPr>
+          <p:cNvPr id="5" name="CaixaDeTexto 4"/>
+          <p:cNvSpPr txBox="1"/>
+          <p:nvPr/>
+        </p:nvSpPr>
+        <p:spPr>
+          <a:xfrm>
+            <a:off x="590901" y="1122408"/>
+            <a:ext cx="2210356" cy="1077218"/>
+          </a:xfrm>
+          <a:prstGeom prst="rect">
+            <a:avLst/>
+          </a:prstGeom>
+          <a:noFill/>
+        </p:spPr>
+        <p:txBody>
+          <a:bodyPr wrap="square" rtlCol="0">
+            <a:spAutoFit/>
+          </a:bodyPr>
+          <a:lstStyle/>
+          <a:p>
+            <a:r>
+              <a:rPr lang="pt-BR" sz="1600" b="1" dirty="0" smtClean="0">
+                <a:latin typeface="Consolas" panose="020B0609020204030204" pitchFamily="49" charset="0"/>
+              </a:rPr>
+              <a:t>Declaração e inicialização da variável de controle</a:t>
+            </a:r>
+            <a:endParaRPr lang="pt-BR" sz="1600" b="1" dirty="0">
+              <a:latin typeface="Consolas" panose="020B0609020204030204" pitchFamily="49" charset="0"/>
+            </a:endParaRPr>
+          </a:p>
+        </p:txBody>
+      </p:sp>
+      <p:cxnSp>
+        <p:nvCxnSpPr>
+          <p:cNvPr id="6" name="Conector de seta reta 5"/>
+          <p:cNvCxnSpPr/>
+          <p:nvPr/>
+        </p:nvCxnSpPr>
+        <p:spPr>
+          <a:xfrm flipH="1" flipV="1">
+            <a:off x="1814286" y="2002971"/>
+            <a:ext cx="567894" cy="393310"/>
+          </a:xfrm>
+          <a:prstGeom prst="straightConnector1">
+            <a:avLst/>
+          </a:prstGeom>
+          <a:ln w="38100">
+            <a:solidFill>
+              <a:schemeClr val="tx1"/>
+            </a:solidFill>
+            <a:tailEnd type="triangle"/>
+          </a:ln>
+        </p:spPr>
+        <p:style>
+          <a:lnRef idx="1">
+            <a:schemeClr val="accent1"/>
+          </a:lnRef>
+          <a:fillRef idx="0">
+            <a:schemeClr val="accent1"/>
+          </a:fillRef>
+          <a:effectRef idx="0">
+            <a:schemeClr val="accent1"/>
+          </a:effectRef>
+          <a:fontRef idx="minor">
+            <a:schemeClr val="tx1"/>
+          </a:fontRef>
+        </p:style>
+      </p:cxnSp>
+      <p:sp>
+        <p:nvSpPr>
+          <p:cNvPr id="11" name="CaixaDeTexto 10"/>
+          <p:cNvSpPr txBox="1"/>
+          <p:nvPr/>
+        </p:nvSpPr>
+        <p:spPr>
+          <a:xfrm>
+            <a:off x="3029641" y="1267998"/>
+            <a:ext cx="2210356" cy="830997"/>
+          </a:xfrm>
+          <a:prstGeom prst="rect">
+            <a:avLst/>
+          </a:prstGeom>
+          <a:noFill/>
+        </p:spPr>
+        <p:txBody>
+          <a:bodyPr wrap="square" rtlCol="0">
+            <a:spAutoFit/>
+          </a:bodyPr>
+          <a:lstStyle/>
+          <a:p>
+            <a:r>
+              <a:rPr lang="pt-BR" sz="1600" b="1" dirty="0" smtClean="0">
+                <a:latin typeface="Consolas" panose="020B0609020204030204" pitchFamily="49" charset="0"/>
+              </a:rPr>
+              <a:t>Teste de continuação da  repetição</a:t>
+            </a:r>
+            <a:endParaRPr lang="pt-BR" sz="1600" b="1" dirty="0">
+              <a:latin typeface="Consolas" panose="020B0609020204030204" pitchFamily="49" charset="0"/>
+            </a:endParaRPr>
+          </a:p>
+        </p:txBody>
+      </p:sp>
+      <p:cxnSp>
+        <p:nvCxnSpPr>
+          <p:cNvPr id="12" name="Conector de seta reta 11"/>
+          <p:cNvCxnSpPr/>
+          <p:nvPr/>
+        </p:nvCxnSpPr>
+        <p:spPr>
+          <a:xfrm flipH="1" flipV="1">
+            <a:off x="4319546" y="1971676"/>
+            <a:ext cx="567894" cy="393310"/>
+          </a:xfrm>
+          <a:prstGeom prst="straightConnector1">
+            <a:avLst/>
+          </a:prstGeom>
+          <a:ln w="38100">
+            <a:solidFill>
+              <a:schemeClr val="tx1"/>
+            </a:solidFill>
+            <a:tailEnd type="triangle"/>
+          </a:ln>
+        </p:spPr>
+        <p:style>
+          <a:lnRef idx="1">
+            <a:schemeClr val="accent1"/>
+          </a:lnRef>
+          <a:fillRef idx="0">
+            <a:schemeClr val="accent1"/>
+          </a:fillRef>
+          <a:effectRef idx="0">
+            <a:schemeClr val="accent1"/>
+          </a:effectRef>
+          <a:fontRef idx="minor">
+            <a:schemeClr val="tx1"/>
+          </a:fontRef>
+        </p:style>
+      </p:cxnSp>
+      <p:sp>
+        <p:nvSpPr>
+          <p:cNvPr id="13" name="CaixaDeTexto 12"/>
+          <p:cNvSpPr txBox="1"/>
+          <p:nvPr/>
+        </p:nvSpPr>
+        <p:spPr>
+          <a:xfrm>
+            <a:off x="5225326" y="1333960"/>
+            <a:ext cx="2210356" cy="830997"/>
+          </a:xfrm>
+          <a:prstGeom prst="rect">
+            <a:avLst/>
+          </a:prstGeom>
+          <a:noFill/>
+        </p:spPr>
+        <p:txBody>
+          <a:bodyPr wrap="square" rtlCol="0">
+            <a:spAutoFit/>
+          </a:bodyPr>
+          <a:lstStyle/>
+          <a:p>
+            <a:r>
+              <a:rPr lang="pt-BR" sz="1600" b="1" dirty="0" smtClean="0">
+                <a:latin typeface="Consolas" panose="020B0609020204030204" pitchFamily="49" charset="0"/>
+              </a:rPr>
+              <a:t>Incremento da variável de controle</a:t>
+            </a:r>
+            <a:endParaRPr lang="pt-BR" sz="1600" b="1" dirty="0">
+              <a:latin typeface="Consolas" panose="020B0609020204030204" pitchFamily="49" charset="0"/>
+            </a:endParaRPr>
+          </a:p>
+        </p:txBody>
+      </p:sp>
+      <p:cxnSp>
+        <p:nvCxnSpPr>
+          <p:cNvPr id="14" name="Conector de seta reta 13"/>
+          <p:cNvCxnSpPr/>
+          <p:nvPr/>
+        </p:nvCxnSpPr>
+        <p:spPr>
+          <a:xfrm flipH="1" flipV="1">
+            <a:off x="6515231" y="2037638"/>
+            <a:ext cx="567894" cy="393310"/>
+          </a:xfrm>
+          <a:prstGeom prst="straightConnector1">
+            <a:avLst/>
+          </a:prstGeom>
+          <a:ln w="38100">
+            <a:solidFill>
+              <a:schemeClr val="tx1"/>
+            </a:solidFill>
+            <a:tailEnd type="triangle"/>
+          </a:ln>
+        </p:spPr>
+        <p:style>
+          <a:lnRef idx="1">
+            <a:schemeClr val="accent1"/>
+          </a:lnRef>
+          <a:fillRef idx="0">
+            <a:schemeClr val="accent1"/>
+          </a:fillRef>
+          <a:effectRef idx="0">
+            <a:schemeClr val="accent1"/>
+          </a:effectRef>
+          <a:fontRef idx="minor">
+            <a:schemeClr val="tx1"/>
+          </a:fontRef>
+        </p:style>
+      </p:cxnSp>
+    </p:spTree>
+    <p:extLst>
+      <p:ext uri="{BB962C8B-B14F-4D97-AF65-F5344CB8AC3E}">
+        <p14:creationId xmlns:p14="http://schemas.microsoft.com/office/powerpoint/2010/main" val="976305809"/>
+      </p:ext>
+    </p:extLst>
+  </p:cSld>
+  <p:clrMapOvr>
+    <a:masterClrMapping/>
+  </p:clrMapOvr>
+  <p:timing>
+    <p:tnLst>
+      <p:par>
+        <p:cTn id="1" dur="indefinite" restart="never" nodeType="tmRoot">
+          <p:childTnLst>
+            <p:seq concurrent="1" nextAc="seek">
+              <p:cTn id="2" dur="indefinite" nodeType="mainSeq">
+                <p:childTnLst>
+                  <p:par>
+                    <p:cTn id="3" fill="hold">
+                      <p:stCondLst>
+                        <p:cond delay="indefinite"/>
+                      </p:stCondLst>
+                      <p:childTnLst>
+                        <p:par>
+                          <p:cTn id="4" fill="hold">
+                            <p:stCondLst>
+                              <p:cond delay="0"/>
+                            </p:stCondLst>
+                            <p:childTnLst>
+                              <p:par>
+                                <p:cTn id="5" presetID="1" presetClass="entr" presetSubtype="0" fill="hold" grpId="0" nodeType="clickEffect">
+                                  <p:stCondLst>
+                                    <p:cond delay="0"/>
+                                  </p:stCondLst>
+                                  <p:childTnLst>
+                                    <p:set>
+                                      <p:cBhvr>
+                                        <p:cTn id="6" dur="1" fill="hold">
+                                          <p:stCondLst>
+                                            <p:cond delay="0"/>
+                                          </p:stCondLst>
+                                        </p:cTn>
+                                        <p:tgtEl>
+                                          <p:spTgt spid="5"/>
+                                        </p:tgtEl>
+                                        <p:attrNameLst>
+                                          <p:attrName>style.visibility</p:attrName>
+                                        </p:attrNameLst>
+                                      </p:cBhvr>
+                                      <p:to>
+                                        <p:strVal val="visible"/>
+                                      </p:to>
+                                    </p:set>
+                                  </p:childTnLst>
+                                </p:cTn>
+                              </p:par>
+                              <p:par>
+                                <p:cTn id="7" presetID="10" presetClass="entr" presetSubtype="0" fill="hold" nodeType="withEffect">
+                                  <p:stCondLst>
+                                    <p:cond delay="0"/>
+                                  </p:stCondLst>
+                                  <p:childTnLst>
+                                    <p:set>
+                                      <p:cBhvr>
+                                        <p:cTn id="8" dur="1" fill="hold">
+                                          <p:stCondLst>
+                                            <p:cond delay="0"/>
+                                          </p:stCondLst>
+                                        </p:cTn>
+                                        <p:tgtEl>
+                                          <p:spTgt spid="6"/>
+                                        </p:tgtEl>
+                                        <p:attrNameLst>
+                                          <p:attrName>style.visibility</p:attrName>
+                                        </p:attrNameLst>
+                                      </p:cBhvr>
+                                      <p:to>
+                                        <p:strVal val="visible"/>
+                                      </p:to>
+                                    </p:set>
+                                    <p:animEffect transition="in" filter="fade">
+                                      <p:cBhvr>
+                                        <p:cTn id="9" dur="500"/>
+                                        <p:tgtEl>
+                                          <p:spTgt spid="6"/>
+                                        </p:tgtEl>
+                                      </p:cBhvr>
+                                    </p:animEffect>
+                                  </p:childTnLst>
+                                </p:cTn>
+                              </p:par>
+                            </p:childTnLst>
+                          </p:cTn>
+                        </p:par>
+                      </p:childTnLst>
+                    </p:cTn>
+                  </p:par>
+                  <p:par>
+                    <p:cTn id="10" fill="hold">
+                      <p:stCondLst>
+                        <p:cond delay="indefinite"/>
+                      </p:stCondLst>
+                      <p:childTnLst>
+                        <p:par>
+                          <p:cTn id="11" fill="hold">
+                            <p:stCondLst>
+                              <p:cond delay="0"/>
+                            </p:stCondLst>
+                            <p:childTnLst>
+                              <p:par>
+                                <p:cTn id="12" presetID="1" presetClass="entr" presetSubtype="0" fill="hold" grpId="0" nodeType="clickEffect">
+                                  <p:stCondLst>
+                                    <p:cond delay="0"/>
+                                  </p:stCondLst>
+                                  <p:childTnLst>
+                                    <p:set>
+                                      <p:cBhvr>
+                                        <p:cTn id="13" dur="1" fill="hold">
+                                          <p:stCondLst>
+                                            <p:cond delay="0"/>
+                                          </p:stCondLst>
+                                        </p:cTn>
+                                        <p:tgtEl>
+                                          <p:spTgt spid="11"/>
+                                        </p:tgtEl>
+                                        <p:attrNameLst>
+                                          <p:attrName>style.visibility</p:attrName>
+                                        </p:attrNameLst>
+                                      </p:cBhvr>
+                                      <p:to>
+                                        <p:strVal val="visible"/>
+                                      </p:to>
+                                    </p:set>
+                                  </p:childTnLst>
+                                </p:cTn>
+                              </p:par>
+                              <p:par>
+                                <p:cTn id="14" presetID="10" presetClass="entr" presetSubtype="0" fill="hold" nodeType="withEffect">
+                                  <p:stCondLst>
+                                    <p:cond delay="0"/>
+                                  </p:stCondLst>
+                                  <p:childTnLst>
+                                    <p:set>
+                                      <p:cBhvr>
+                                        <p:cTn id="15" dur="1" fill="hold">
+                                          <p:stCondLst>
+                                            <p:cond delay="0"/>
+                                          </p:stCondLst>
+                                        </p:cTn>
+                                        <p:tgtEl>
+                                          <p:spTgt spid="12"/>
+                                        </p:tgtEl>
+                                        <p:attrNameLst>
+                                          <p:attrName>style.visibility</p:attrName>
+                                        </p:attrNameLst>
+                                      </p:cBhvr>
+                                      <p:to>
+                                        <p:strVal val="visible"/>
+                                      </p:to>
+                                    </p:set>
+                                    <p:animEffect transition="in" filter="fade">
+                                      <p:cBhvr>
+                                        <p:cTn id="16" dur="500"/>
+                                        <p:tgtEl>
+                                          <p:spTgt spid="12"/>
+                                        </p:tgtEl>
+                                      </p:cBhvr>
+                                    </p:animEffect>
+                                  </p:childTnLst>
+                                </p:cTn>
+                              </p:par>
+                            </p:childTnLst>
+                          </p:cTn>
+                        </p:par>
+                      </p:childTnLst>
+                    </p:cTn>
+                  </p:par>
+                  <p:par>
+                    <p:cTn id="17" fill="hold">
+                      <p:stCondLst>
+                        <p:cond delay="indefinite"/>
+                      </p:stCondLst>
+                      <p:childTnLst>
+                        <p:par>
+                          <p:cTn id="18" fill="hold">
+                            <p:stCondLst>
+                              <p:cond delay="0"/>
+                            </p:stCondLst>
+                            <p:childTnLst>
+                              <p:par>
+                                <p:cTn id="19" presetID="1" presetClass="entr" presetSubtype="0" fill="hold" grpId="0" nodeType="clickEffect">
+                                  <p:stCondLst>
+                                    <p:cond delay="0"/>
+                                  </p:stCondLst>
+                                  <p:childTnLst>
+                                    <p:set>
+                                      <p:cBhvr>
+                                        <p:cTn id="20" dur="1" fill="hold">
+                                          <p:stCondLst>
+                                            <p:cond delay="0"/>
+                                          </p:stCondLst>
+                                        </p:cTn>
+                                        <p:tgtEl>
+                                          <p:spTgt spid="13"/>
+                                        </p:tgtEl>
+                                        <p:attrNameLst>
+                                          <p:attrName>style.visibility</p:attrName>
+                                        </p:attrNameLst>
+                                      </p:cBhvr>
+                                      <p:to>
+                                        <p:strVal val="visible"/>
+                                      </p:to>
+                                    </p:set>
+                                  </p:childTnLst>
+                                </p:cTn>
+                              </p:par>
+                              <p:par>
+                                <p:cTn id="21" presetID="10" presetClass="entr" presetSubtype="0" fill="hold" nodeType="withEffect">
+                                  <p:stCondLst>
+                                    <p:cond delay="0"/>
+                                  </p:stCondLst>
+                                  <p:childTnLst>
+                                    <p:set>
+                                      <p:cBhvr>
+                                        <p:cTn id="22" dur="1" fill="hold">
+                                          <p:stCondLst>
+                                            <p:cond delay="0"/>
+                                          </p:stCondLst>
+                                        </p:cTn>
+                                        <p:tgtEl>
+                                          <p:spTgt spid="14"/>
+                                        </p:tgtEl>
+                                        <p:attrNameLst>
+                                          <p:attrName>style.visibility</p:attrName>
+                                        </p:attrNameLst>
+                                      </p:cBhvr>
+                                      <p:to>
+                                        <p:strVal val="visible"/>
+                                      </p:to>
+                                    </p:set>
+                                    <p:animEffect transition="in" filter="fade">
+                                      <p:cBhvr>
+                                        <p:cTn id="23" dur="500"/>
+                                        <p:tgtEl>
+                                          <p:spTgt spid="14"/>
+                                        </p:tgtEl>
+                                      </p:cBhvr>
+                                    </p:animEffect>
+                                  </p:childTnLst>
+                                </p:cTn>
+                              </p:par>
+                            </p:childTnLst>
+                          </p:cTn>
+                        </p:par>
+                      </p:childTnLst>
+                    </p:cTn>
+                  </p:par>
+                </p:childTnLst>
+              </p:cTn>
+              <p:prevCondLst>
+                <p:cond evt="onPrev" delay="0">
+                  <p:tgtEl>
+                    <p:sldTgt/>
+                  </p:tgtEl>
+                </p:cond>
+              </p:prevCondLst>
+              <p:nextCondLst>
+                <p:cond evt="onNext" delay="0">
+                  <p:tgtEl>
+                    <p:sldTgt/>
+                  </p:tgtEl>
+                </p:cond>
+              </p:nextCondLst>
+            </p:seq>
+          </p:childTnLst>
+        </p:cTn>
+      </p:par>
+    </p:tnLst>
+    <p:bldLst>
+      <p:bldP spid="5" grpId="0"/>
+      <p:bldP spid="11" grpId="0"/>
+      <p:bldP spid="13" grpId="0"/>
+    </p:bldLst>
   </p:timing>
 </p:sld>
 </file>
@@ -21368,6 +29300,855 @@
       <p:bldP spid="34" grpId="0" animBg="1"/>
       <p:bldP spid="35" grpId="0" animBg="1"/>
     </p:bldLst>
+  </p:timing>
+</p:sld>
+</file>
+
+<file path=ppt/slides/slide40.xml><?xml version="1.0" encoding="utf-8"?>
+<p:sld xmlns:a="http://schemas.openxmlformats.org/drawingml/2006/main" xmlns:r="http://schemas.openxmlformats.org/officeDocument/2006/relationships" xmlns:p="http://schemas.openxmlformats.org/presentationml/2006/main">
+  <p:cSld>
+    <p:spTree>
+      <p:nvGrpSpPr>
+        <p:cNvPr id="1" name=""/>
+        <p:cNvGrpSpPr/>
+        <p:nvPr/>
+      </p:nvGrpSpPr>
+      <p:grpSpPr>
+        <a:xfrm>
+          <a:off x="0" y="0"/>
+          <a:ext cx="0" cy="0"/>
+          <a:chOff x="0" y="0"/>
+          <a:chExt cx="0" cy="0"/>
+        </a:xfrm>
+      </p:grpSpPr>
+      <p:pic>
+        <p:nvPicPr>
+          <p:cNvPr id="3" name="Imagem 2"/>
+          <p:cNvPicPr>
+            <a:picLocks noChangeAspect="1"/>
+          </p:cNvPicPr>
+          <p:nvPr/>
+        </p:nvPicPr>
+        <p:blipFill>
+          <a:blip r:embed="rId2">
+            <a:extLst>
+              <a:ext uri="{28A0092B-C50C-407E-A947-70E740481C1C}">
+                <a14:useLocalDpi xmlns:a14="http://schemas.microsoft.com/office/drawing/2010/main" val="0"/>
+              </a:ext>
+            </a:extLst>
+          </a:blip>
+          <a:stretch>
+            <a:fillRect/>
+          </a:stretch>
+        </p:blipFill>
+        <p:spPr>
+          <a:xfrm>
+            <a:off x="480725" y="2802673"/>
+            <a:ext cx="10610850" cy="2800350"/>
+          </a:xfrm>
+          <a:prstGeom prst="rect">
+            <a:avLst/>
+          </a:prstGeom>
+        </p:spPr>
+      </p:pic>
+      <p:sp>
+        <p:nvSpPr>
+          <p:cNvPr id="2" name="Título 1"/>
+          <p:cNvSpPr>
+            <a:spLocks noGrp="1"/>
+          </p:cNvSpPr>
+          <p:nvPr>
+            <p:ph type="title"/>
+          </p:nvPr>
+        </p:nvSpPr>
+        <p:spPr>
+          <a:xfrm>
+            <a:off x="480725" y="385591"/>
+            <a:ext cx="7914128" cy="685753"/>
+          </a:xfrm>
+        </p:spPr>
+        <p:txBody>
+          <a:bodyPr>
+            <a:normAutofit/>
+          </a:bodyPr>
+          <a:lstStyle/>
+          <a:p>
+            <a:r>
+              <a:rPr lang="pt-BR" sz="3200" dirty="0" smtClean="0">
+                <a:latin typeface="Consolas" panose="020B0609020204030204" pitchFamily="49" charset="0"/>
+              </a:rPr>
+              <a:t>Estrutura de repetição For</a:t>
+            </a:r>
+            <a:endParaRPr lang="pt-BR" sz="3200" dirty="0">
+              <a:latin typeface="Consolas" panose="020B0609020204030204" pitchFamily="49" charset="0"/>
+            </a:endParaRPr>
+          </a:p>
+        </p:txBody>
+      </p:sp>
+      <p:pic>
+        <p:nvPicPr>
+          <p:cNvPr id="4" name="Imagem 3"/>
+          <p:cNvPicPr>
+            <a:picLocks noChangeAspect="1"/>
+          </p:cNvPicPr>
+          <p:nvPr/>
+        </p:nvPicPr>
+        <p:blipFill>
+          <a:blip r:embed="rId3" cstate="print">
+            <a:extLst>
+              <a:ext uri="{28A0092B-C50C-407E-A947-70E740481C1C}">
+                <a14:useLocalDpi xmlns:a14="http://schemas.microsoft.com/office/drawing/2010/main" val="0"/>
+              </a:ext>
+            </a:extLst>
+          </a:blip>
+          <a:stretch>
+            <a:fillRect/>
+          </a:stretch>
+        </p:blipFill>
+        <p:spPr>
+          <a:xfrm>
+            <a:off x="10441211" y="110689"/>
+            <a:ext cx="1750789" cy="2157949"/>
+          </a:xfrm>
+          <a:prstGeom prst="rect">
+            <a:avLst/>
+          </a:prstGeom>
+        </p:spPr>
+      </p:pic>
+      <p:sp>
+        <p:nvSpPr>
+          <p:cNvPr id="5" name="CaixaDeTexto 4"/>
+          <p:cNvSpPr txBox="1"/>
+          <p:nvPr/>
+        </p:nvSpPr>
+        <p:spPr>
+          <a:xfrm>
+            <a:off x="590901" y="1122408"/>
+            <a:ext cx="2210356" cy="1077218"/>
+          </a:xfrm>
+          <a:prstGeom prst="rect">
+            <a:avLst/>
+          </a:prstGeom>
+          <a:noFill/>
+        </p:spPr>
+        <p:txBody>
+          <a:bodyPr wrap="square" rtlCol="0">
+            <a:spAutoFit/>
+          </a:bodyPr>
+          <a:lstStyle/>
+          <a:p>
+            <a:r>
+              <a:rPr lang="pt-BR" sz="1600" b="1" dirty="0" smtClean="0">
+                <a:latin typeface="Consolas" panose="020B0609020204030204" pitchFamily="49" charset="0"/>
+              </a:rPr>
+              <a:t>Declaração e inicialização da variável de controle</a:t>
+            </a:r>
+            <a:endParaRPr lang="pt-BR" sz="1600" b="1" dirty="0">
+              <a:latin typeface="Consolas" panose="020B0609020204030204" pitchFamily="49" charset="0"/>
+            </a:endParaRPr>
+          </a:p>
+        </p:txBody>
+      </p:sp>
+      <p:cxnSp>
+        <p:nvCxnSpPr>
+          <p:cNvPr id="6" name="Conector de seta reta 5"/>
+          <p:cNvCxnSpPr/>
+          <p:nvPr/>
+        </p:nvCxnSpPr>
+        <p:spPr>
+          <a:xfrm flipH="1" flipV="1">
+            <a:off x="1814286" y="2002971"/>
+            <a:ext cx="1324857" cy="1750163"/>
+          </a:xfrm>
+          <a:prstGeom prst="straightConnector1">
+            <a:avLst/>
+          </a:prstGeom>
+          <a:ln w="38100">
+            <a:solidFill>
+              <a:schemeClr val="tx1"/>
+            </a:solidFill>
+            <a:tailEnd type="triangle"/>
+          </a:ln>
+        </p:spPr>
+        <p:style>
+          <a:lnRef idx="1">
+            <a:schemeClr val="accent1"/>
+          </a:lnRef>
+          <a:fillRef idx="0">
+            <a:schemeClr val="accent1"/>
+          </a:fillRef>
+          <a:effectRef idx="0">
+            <a:schemeClr val="accent1"/>
+          </a:effectRef>
+          <a:fontRef idx="minor">
+            <a:schemeClr val="tx1"/>
+          </a:fontRef>
+        </p:style>
+      </p:cxnSp>
+      <p:sp>
+        <p:nvSpPr>
+          <p:cNvPr id="11" name="CaixaDeTexto 10"/>
+          <p:cNvSpPr txBox="1"/>
+          <p:nvPr/>
+        </p:nvSpPr>
+        <p:spPr>
+          <a:xfrm>
+            <a:off x="3029641" y="1267998"/>
+            <a:ext cx="2210356" cy="830997"/>
+          </a:xfrm>
+          <a:prstGeom prst="rect">
+            <a:avLst/>
+          </a:prstGeom>
+          <a:noFill/>
+        </p:spPr>
+        <p:txBody>
+          <a:bodyPr wrap="square" rtlCol="0">
+            <a:spAutoFit/>
+          </a:bodyPr>
+          <a:lstStyle/>
+          <a:p>
+            <a:r>
+              <a:rPr lang="pt-BR" sz="1600" b="1" dirty="0" smtClean="0">
+                <a:latin typeface="Consolas" panose="020B0609020204030204" pitchFamily="49" charset="0"/>
+              </a:rPr>
+              <a:t>Teste de continuação da  repetição</a:t>
+            </a:r>
+            <a:endParaRPr lang="pt-BR" sz="1600" b="1" dirty="0">
+              <a:latin typeface="Consolas" panose="020B0609020204030204" pitchFamily="49" charset="0"/>
+            </a:endParaRPr>
+          </a:p>
+        </p:txBody>
+      </p:sp>
+      <p:cxnSp>
+        <p:nvCxnSpPr>
+          <p:cNvPr id="12" name="Conector de seta reta 11"/>
+          <p:cNvCxnSpPr/>
+          <p:nvPr/>
+        </p:nvCxnSpPr>
+        <p:spPr>
+          <a:xfrm flipH="1" flipV="1">
+            <a:off x="4319546" y="1971676"/>
+            <a:ext cx="677396" cy="1858648"/>
+          </a:xfrm>
+          <a:prstGeom prst="straightConnector1">
+            <a:avLst/>
+          </a:prstGeom>
+          <a:ln w="38100">
+            <a:solidFill>
+              <a:schemeClr val="tx1"/>
+            </a:solidFill>
+            <a:tailEnd type="triangle"/>
+          </a:ln>
+        </p:spPr>
+        <p:style>
+          <a:lnRef idx="1">
+            <a:schemeClr val="accent1"/>
+          </a:lnRef>
+          <a:fillRef idx="0">
+            <a:schemeClr val="accent1"/>
+          </a:fillRef>
+          <a:effectRef idx="0">
+            <a:schemeClr val="accent1"/>
+          </a:effectRef>
+          <a:fontRef idx="minor">
+            <a:schemeClr val="tx1"/>
+          </a:fontRef>
+        </p:style>
+      </p:cxnSp>
+      <p:sp>
+        <p:nvSpPr>
+          <p:cNvPr id="13" name="CaixaDeTexto 12"/>
+          <p:cNvSpPr txBox="1"/>
+          <p:nvPr/>
+        </p:nvSpPr>
+        <p:spPr>
+          <a:xfrm>
+            <a:off x="5225326" y="1333960"/>
+            <a:ext cx="2210356" cy="830997"/>
+          </a:xfrm>
+          <a:prstGeom prst="rect">
+            <a:avLst/>
+          </a:prstGeom>
+          <a:noFill/>
+        </p:spPr>
+        <p:txBody>
+          <a:bodyPr wrap="square" rtlCol="0">
+            <a:spAutoFit/>
+          </a:bodyPr>
+          <a:lstStyle/>
+          <a:p>
+            <a:r>
+              <a:rPr lang="pt-BR" sz="1600" b="1" dirty="0" smtClean="0">
+                <a:latin typeface="Consolas" panose="020B0609020204030204" pitchFamily="49" charset="0"/>
+              </a:rPr>
+              <a:t>Incremento da variável de controle</a:t>
+            </a:r>
+            <a:endParaRPr lang="pt-BR" sz="1600" b="1" dirty="0">
+              <a:latin typeface="Consolas" panose="020B0609020204030204" pitchFamily="49" charset="0"/>
+            </a:endParaRPr>
+          </a:p>
+        </p:txBody>
+      </p:sp>
+      <p:cxnSp>
+        <p:nvCxnSpPr>
+          <p:cNvPr id="14" name="Conector de seta reta 13"/>
+          <p:cNvCxnSpPr/>
+          <p:nvPr/>
+        </p:nvCxnSpPr>
+        <p:spPr>
+          <a:xfrm flipH="1" flipV="1">
+            <a:off x="6515231" y="2037638"/>
+            <a:ext cx="462733" cy="1715496"/>
+          </a:xfrm>
+          <a:prstGeom prst="straightConnector1">
+            <a:avLst/>
+          </a:prstGeom>
+          <a:ln w="38100">
+            <a:solidFill>
+              <a:schemeClr val="tx1"/>
+            </a:solidFill>
+            <a:tailEnd type="triangle"/>
+          </a:ln>
+        </p:spPr>
+        <p:style>
+          <a:lnRef idx="1">
+            <a:schemeClr val="accent1"/>
+          </a:lnRef>
+          <a:fillRef idx="0">
+            <a:schemeClr val="accent1"/>
+          </a:fillRef>
+          <a:effectRef idx="0">
+            <a:schemeClr val="accent1"/>
+          </a:effectRef>
+          <a:fontRef idx="minor">
+            <a:schemeClr val="tx1"/>
+          </a:fontRef>
+        </p:style>
+      </p:cxnSp>
+    </p:spTree>
+    <p:extLst>
+      <p:ext uri="{BB962C8B-B14F-4D97-AF65-F5344CB8AC3E}">
+        <p14:creationId xmlns:p14="http://schemas.microsoft.com/office/powerpoint/2010/main" val="3654085408"/>
+      </p:ext>
+    </p:extLst>
+  </p:cSld>
+  <p:clrMapOvr>
+    <a:masterClrMapping/>
+  </p:clrMapOvr>
+  <p:timing>
+    <p:tnLst>
+      <p:par>
+        <p:cTn id="1" dur="indefinite" restart="never" nodeType="tmRoot"/>
+      </p:par>
+    </p:tnLst>
+  </p:timing>
+</p:sld>
+</file>
+
+<file path=ppt/slides/slide41.xml><?xml version="1.0" encoding="utf-8"?>
+<p:sld xmlns:a="http://schemas.openxmlformats.org/drawingml/2006/main" xmlns:r="http://schemas.openxmlformats.org/officeDocument/2006/relationships" xmlns:p="http://schemas.openxmlformats.org/presentationml/2006/main">
+  <p:cSld>
+    <p:spTree>
+      <p:nvGrpSpPr>
+        <p:cNvPr id="1" name=""/>
+        <p:cNvGrpSpPr/>
+        <p:nvPr/>
+      </p:nvGrpSpPr>
+      <p:grpSpPr>
+        <a:xfrm>
+          <a:off x="0" y="0"/>
+          <a:ext cx="0" cy="0"/>
+          <a:chOff x="0" y="0"/>
+          <a:chExt cx="0" cy="0"/>
+        </a:xfrm>
+      </p:grpSpPr>
+      <p:pic>
+        <p:nvPicPr>
+          <p:cNvPr id="8" name="Imagem 7"/>
+          <p:cNvPicPr>
+            <a:picLocks noChangeAspect="1"/>
+          </p:cNvPicPr>
+          <p:nvPr/>
+        </p:nvPicPr>
+        <p:blipFill>
+          <a:blip r:embed="rId2"/>
+          <a:stretch>
+            <a:fillRect/>
+          </a:stretch>
+        </p:blipFill>
+        <p:spPr>
+          <a:xfrm>
+            <a:off x="480725" y="2803023"/>
+            <a:ext cx="10609524" cy="2800000"/>
+          </a:xfrm>
+          <a:prstGeom prst="rect">
+            <a:avLst/>
+          </a:prstGeom>
+        </p:spPr>
+      </p:pic>
+      <p:sp>
+        <p:nvSpPr>
+          <p:cNvPr id="2" name="Título 1"/>
+          <p:cNvSpPr>
+            <a:spLocks noGrp="1"/>
+          </p:cNvSpPr>
+          <p:nvPr>
+            <p:ph type="title"/>
+          </p:nvPr>
+        </p:nvSpPr>
+        <p:spPr>
+          <a:xfrm>
+            <a:off x="480725" y="385591"/>
+            <a:ext cx="7914128" cy="685753"/>
+          </a:xfrm>
+        </p:spPr>
+        <p:txBody>
+          <a:bodyPr>
+            <a:normAutofit/>
+          </a:bodyPr>
+          <a:lstStyle/>
+          <a:p>
+            <a:r>
+              <a:rPr lang="pt-BR" sz="3200" dirty="0" smtClean="0">
+                <a:latin typeface="Consolas" panose="020B0609020204030204" pitchFamily="49" charset="0"/>
+              </a:rPr>
+              <a:t>Estrutura de repetição For</a:t>
+            </a:r>
+            <a:endParaRPr lang="pt-BR" sz="3200" dirty="0">
+              <a:latin typeface="Consolas" panose="020B0609020204030204" pitchFamily="49" charset="0"/>
+            </a:endParaRPr>
+          </a:p>
+        </p:txBody>
+      </p:sp>
+      <p:pic>
+        <p:nvPicPr>
+          <p:cNvPr id="4" name="Imagem 3"/>
+          <p:cNvPicPr>
+            <a:picLocks noChangeAspect="1"/>
+          </p:cNvPicPr>
+          <p:nvPr/>
+        </p:nvPicPr>
+        <p:blipFill>
+          <a:blip r:embed="rId3" cstate="print">
+            <a:extLst>
+              <a:ext uri="{28A0092B-C50C-407E-A947-70E740481C1C}">
+                <a14:useLocalDpi xmlns:a14="http://schemas.microsoft.com/office/drawing/2010/main" val="0"/>
+              </a:ext>
+            </a:extLst>
+          </a:blip>
+          <a:stretch>
+            <a:fillRect/>
+          </a:stretch>
+        </p:blipFill>
+        <p:spPr>
+          <a:xfrm>
+            <a:off x="10441211" y="110689"/>
+            <a:ext cx="1750789" cy="2157949"/>
+          </a:xfrm>
+          <a:prstGeom prst="rect">
+            <a:avLst/>
+          </a:prstGeom>
+        </p:spPr>
+      </p:pic>
+      <p:sp>
+        <p:nvSpPr>
+          <p:cNvPr id="5" name="CaixaDeTexto 4"/>
+          <p:cNvSpPr txBox="1"/>
+          <p:nvPr/>
+        </p:nvSpPr>
+        <p:spPr>
+          <a:xfrm>
+            <a:off x="590901" y="1122408"/>
+            <a:ext cx="2210356" cy="1077218"/>
+          </a:xfrm>
+          <a:prstGeom prst="rect">
+            <a:avLst/>
+          </a:prstGeom>
+          <a:noFill/>
+        </p:spPr>
+        <p:txBody>
+          <a:bodyPr wrap="square" rtlCol="0">
+            <a:spAutoFit/>
+          </a:bodyPr>
+          <a:lstStyle/>
+          <a:p>
+            <a:r>
+              <a:rPr lang="pt-BR" sz="1600" b="1" dirty="0" smtClean="0">
+                <a:latin typeface="Consolas" panose="020B0609020204030204" pitchFamily="49" charset="0"/>
+              </a:rPr>
+              <a:t>Declaração e inicialização da variável de controle</a:t>
+            </a:r>
+            <a:endParaRPr lang="pt-BR" sz="1600" b="1" dirty="0">
+              <a:latin typeface="Consolas" panose="020B0609020204030204" pitchFamily="49" charset="0"/>
+            </a:endParaRPr>
+          </a:p>
+        </p:txBody>
+      </p:sp>
+      <p:cxnSp>
+        <p:nvCxnSpPr>
+          <p:cNvPr id="6" name="Conector de seta reta 5"/>
+          <p:cNvCxnSpPr/>
+          <p:nvPr/>
+        </p:nvCxnSpPr>
+        <p:spPr>
+          <a:xfrm flipH="1" flipV="1">
+            <a:off x="1814286" y="2002971"/>
+            <a:ext cx="1324857" cy="1750163"/>
+          </a:xfrm>
+          <a:prstGeom prst="straightConnector1">
+            <a:avLst/>
+          </a:prstGeom>
+          <a:ln w="38100">
+            <a:solidFill>
+              <a:schemeClr val="tx1"/>
+            </a:solidFill>
+            <a:tailEnd type="triangle"/>
+          </a:ln>
+        </p:spPr>
+        <p:style>
+          <a:lnRef idx="1">
+            <a:schemeClr val="accent1"/>
+          </a:lnRef>
+          <a:fillRef idx="0">
+            <a:schemeClr val="accent1"/>
+          </a:fillRef>
+          <a:effectRef idx="0">
+            <a:schemeClr val="accent1"/>
+          </a:effectRef>
+          <a:fontRef idx="minor">
+            <a:schemeClr val="tx1"/>
+          </a:fontRef>
+        </p:style>
+      </p:cxnSp>
+      <p:sp>
+        <p:nvSpPr>
+          <p:cNvPr id="11" name="CaixaDeTexto 10"/>
+          <p:cNvSpPr txBox="1"/>
+          <p:nvPr/>
+        </p:nvSpPr>
+        <p:spPr>
+          <a:xfrm>
+            <a:off x="3029641" y="1267998"/>
+            <a:ext cx="2210356" cy="830997"/>
+          </a:xfrm>
+          <a:prstGeom prst="rect">
+            <a:avLst/>
+          </a:prstGeom>
+          <a:noFill/>
+        </p:spPr>
+        <p:txBody>
+          <a:bodyPr wrap="square" rtlCol="0">
+            <a:spAutoFit/>
+          </a:bodyPr>
+          <a:lstStyle/>
+          <a:p>
+            <a:r>
+              <a:rPr lang="pt-BR" sz="1600" b="1" dirty="0" smtClean="0">
+                <a:latin typeface="Consolas" panose="020B0609020204030204" pitchFamily="49" charset="0"/>
+              </a:rPr>
+              <a:t>Teste de continuação da  repetição</a:t>
+            </a:r>
+            <a:endParaRPr lang="pt-BR" sz="1600" b="1" dirty="0">
+              <a:latin typeface="Consolas" panose="020B0609020204030204" pitchFamily="49" charset="0"/>
+            </a:endParaRPr>
+          </a:p>
+        </p:txBody>
+      </p:sp>
+      <p:cxnSp>
+        <p:nvCxnSpPr>
+          <p:cNvPr id="12" name="Conector de seta reta 11"/>
+          <p:cNvCxnSpPr/>
+          <p:nvPr/>
+        </p:nvCxnSpPr>
+        <p:spPr>
+          <a:xfrm flipH="1" flipV="1">
+            <a:off x="4319546" y="1971676"/>
+            <a:ext cx="677396" cy="1858648"/>
+          </a:xfrm>
+          <a:prstGeom prst="straightConnector1">
+            <a:avLst/>
+          </a:prstGeom>
+          <a:ln w="38100">
+            <a:solidFill>
+              <a:schemeClr val="tx1"/>
+            </a:solidFill>
+            <a:tailEnd type="triangle"/>
+          </a:ln>
+        </p:spPr>
+        <p:style>
+          <a:lnRef idx="1">
+            <a:schemeClr val="accent1"/>
+          </a:lnRef>
+          <a:fillRef idx="0">
+            <a:schemeClr val="accent1"/>
+          </a:fillRef>
+          <a:effectRef idx="0">
+            <a:schemeClr val="accent1"/>
+          </a:effectRef>
+          <a:fontRef idx="minor">
+            <a:schemeClr val="tx1"/>
+          </a:fontRef>
+        </p:style>
+      </p:cxnSp>
+      <p:sp>
+        <p:nvSpPr>
+          <p:cNvPr id="13" name="CaixaDeTexto 12"/>
+          <p:cNvSpPr txBox="1"/>
+          <p:nvPr/>
+        </p:nvSpPr>
+        <p:spPr>
+          <a:xfrm>
+            <a:off x="5225326" y="1333960"/>
+            <a:ext cx="2210356" cy="830997"/>
+          </a:xfrm>
+          <a:prstGeom prst="rect">
+            <a:avLst/>
+          </a:prstGeom>
+          <a:noFill/>
+        </p:spPr>
+        <p:txBody>
+          <a:bodyPr wrap="square" rtlCol="0">
+            <a:spAutoFit/>
+          </a:bodyPr>
+          <a:lstStyle/>
+          <a:p>
+            <a:r>
+              <a:rPr lang="pt-BR" sz="1600" b="1" dirty="0" smtClean="0">
+                <a:latin typeface="Consolas" panose="020B0609020204030204" pitchFamily="49" charset="0"/>
+              </a:rPr>
+              <a:t>Incremento da variável de controle</a:t>
+            </a:r>
+            <a:endParaRPr lang="pt-BR" sz="1600" b="1" dirty="0">
+              <a:latin typeface="Consolas" panose="020B0609020204030204" pitchFamily="49" charset="0"/>
+            </a:endParaRPr>
+          </a:p>
+        </p:txBody>
+      </p:sp>
+      <p:cxnSp>
+        <p:nvCxnSpPr>
+          <p:cNvPr id="14" name="Conector de seta reta 13"/>
+          <p:cNvCxnSpPr/>
+          <p:nvPr/>
+        </p:nvCxnSpPr>
+        <p:spPr>
+          <a:xfrm flipV="1">
+            <a:off x="6330504" y="2037638"/>
+            <a:ext cx="184728" cy="1858998"/>
+          </a:xfrm>
+          <a:prstGeom prst="straightConnector1">
+            <a:avLst/>
+          </a:prstGeom>
+          <a:ln w="38100">
+            <a:solidFill>
+              <a:schemeClr val="tx1"/>
+            </a:solidFill>
+            <a:tailEnd type="triangle"/>
+          </a:ln>
+        </p:spPr>
+        <p:style>
+          <a:lnRef idx="1">
+            <a:schemeClr val="accent1"/>
+          </a:lnRef>
+          <a:fillRef idx="0">
+            <a:schemeClr val="accent1"/>
+          </a:fillRef>
+          <a:effectRef idx="0">
+            <a:schemeClr val="accent1"/>
+          </a:effectRef>
+          <a:fontRef idx="minor">
+            <a:schemeClr val="tx1"/>
+          </a:fontRef>
+        </p:style>
+      </p:cxnSp>
+      <p:cxnSp>
+        <p:nvCxnSpPr>
+          <p:cNvPr id="15" name="Conector de seta reta 14"/>
+          <p:cNvCxnSpPr>
+            <a:endCxn id="19" idx="0"/>
+          </p:cNvCxnSpPr>
+          <p:nvPr/>
+        </p:nvCxnSpPr>
+        <p:spPr>
+          <a:xfrm>
+            <a:off x="6422868" y="4312693"/>
+            <a:ext cx="3064370" cy="1642681"/>
+          </a:xfrm>
+          <a:prstGeom prst="straightConnector1">
+            <a:avLst/>
+          </a:prstGeom>
+          <a:ln w="38100">
+            <a:solidFill>
+              <a:schemeClr val="tx1"/>
+            </a:solidFill>
+            <a:tailEnd type="triangle"/>
+          </a:ln>
+        </p:spPr>
+        <p:style>
+          <a:lnRef idx="1">
+            <a:schemeClr val="accent1"/>
+          </a:lnRef>
+          <a:fillRef idx="0">
+            <a:schemeClr val="accent1"/>
+          </a:fillRef>
+          <a:effectRef idx="0">
+            <a:schemeClr val="accent1"/>
+          </a:effectRef>
+          <a:fontRef idx="minor">
+            <a:schemeClr val="tx1"/>
+          </a:fontRef>
+        </p:style>
+      </p:cxnSp>
+      <p:pic>
+        <p:nvPicPr>
+          <p:cNvPr id="19" name="Imagem 18"/>
+          <p:cNvPicPr>
+            <a:picLocks noChangeAspect="1"/>
+          </p:cNvPicPr>
+          <p:nvPr/>
+        </p:nvPicPr>
+        <p:blipFill>
+          <a:blip r:embed="rId4"/>
+          <a:stretch>
+            <a:fillRect/>
+          </a:stretch>
+        </p:blipFill>
+        <p:spPr>
+          <a:xfrm>
+            <a:off x="6782476" y="5955374"/>
+            <a:ext cx="5409524" cy="571429"/>
+          </a:xfrm>
+          <a:prstGeom prst="rect">
+            <a:avLst/>
+          </a:prstGeom>
+        </p:spPr>
+      </p:pic>
+    </p:spTree>
+    <p:extLst>
+      <p:ext uri="{BB962C8B-B14F-4D97-AF65-F5344CB8AC3E}">
+        <p14:creationId xmlns:p14="http://schemas.microsoft.com/office/powerpoint/2010/main" val="2164516027"/>
+      </p:ext>
+    </p:extLst>
+  </p:cSld>
+  <p:clrMapOvr>
+    <a:masterClrMapping/>
+  </p:clrMapOvr>
+  <p:timing>
+    <p:tnLst>
+      <p:par>
+        <p:cTn id="1" dur="indefinite" restart="never" nodeType="tmRoot">
+          <p:childTnLst>
+            <p:seq concurrent="1" nextAc="seek">
+              <p:cTn id="2" dur="indefinite" nodeType="mainSeq">
+                <p:childTnLst>
+                  <p:par>
+                    <p:cTn id="3" fill="hold">
+                      <p:stCondLst>
+                        <p:cond delay="indefinite"/>
+                      </p:stCondLst>
+                      <p:childTnLst>
+                        <p:par>
+                          <p:cTn id="4" fill="hold">
+                            <p:stCondLst>
+                              <p:cond delay="0"/>
+                            </p:stCondLst>
+                            <p:childTnLst>
+                              <p:par>
+                                <p:cTn id="5" presetID="10" presetClass="entr" presetSubtype="0" fill="hold" nodeType="clickEffect">
+                                  <p:stCondLst>
+                                    <p:cond delay="0"/>
+                                  </p:stCondLst>
+                                  <p:childTnLst>
+                                    <p:set>
+                                      <p:cBhvr>
+                                        <p:cTn id="6" dur="1" fill="hold">
+                                          <p:stCondLst>
+                                            <p:cond delay="0"/>
+                                          </p:stCondLst>
+                                        </p:cTn>
+                                        <p:tgtEl>
+                                          <p:spTgt spid="15"/>
+                                        </p:tgtEl>
+                                        <p:attrNameLst>
+                                          <p:attrName>style.visibility</p:attrName>
+                                        </p:attrNameLst>
+                                      </p:cBhvr>
+                                      <p:to>
+                                        <p:strVal val="visible"/>
+                                      </p:to>
+                                    </p:set>
+                                    <p:animEffect transition="in" filter="fade">
+                                      <p:cBhvr>
+                                        <p:cTn id="7" dur="500"/>
+                                        <p:tgtEl>
+                                          <p:spTgt spid="15"/>
+                                        </p:tgtEl>
+                                      </p:cBhvr>
+                                    </p:animEffect>
+                                  </p:childTnLst>
+                                </p:cTn>
+                              </p:par>
+                              <p:par>
+                                <p:cTn id="8" presetID="10" presetClass="entr" presetSubtype="0" fill="hold" nodeType="withEffect">
+                                  <p:stCondLst>
+                                    <p:cond delay="0"/>
+                                  </p:stCondLst>
+                                  <p:childTnLst>
+                                    <p:set>
+                                      <p:cBhvr>
+                                        <p:cTn id="9" dur="1" fill="hold">
+                                          <p:stCondLst>
+                                            <p:cond delay="0"/>
+                                          </p:stCondLst>
+                                        </p:cTn>
+                                        <p:tgtEl>
+                                          <p:spTgt spid="19"/>
+                                        </p:tgtEl>
+                                        <p:attrNameLst>
+                                          <p:attrName>style.visibility</p:attrName>
+                                        </p:attrNameLst>
+                                      </p:cBhvr>
+                                      <p:to>
+                                        <p:strVal val="visible"/>
+                                      </p:to>
+                                    </p:set>
+                                    <p:animEffect transition="in" filter="fade">
+                                      <p:cBhvr>
+                                        <p:cTn id="10" dur="500"/>
+                                        <p:tgtEl>
+                                          <p:spTgt spid="19"/>
+                                        </p:tgtEl>
+                                      </p:cBhvr>
+                                    </p:animEffect>
+                                  </p:childTnLst>
+                                </p:cTn>
+                              </p:par>
+                            </p:childTnLst>
+                          </p:cTn>
+                        </p:par>
+                      </p:childTnLst>
+                    </p:cTn>
+                  </p:par>
+                </p:childTnLst>
+              </p:cTn>
+              <p:prevCondLst>
+                <p:cond evt="onPrev" delay="0">
+                  <p:tgtEl>
+                    <p:sldTgt/>
+                  </p:tgtEl>
+                </p:cond>
+              </p:prevCondLst>
+              <p:nextCondLst>
+                <p:cond evt="onNext" delay="0">
+                  <p:tgtEl>
+                    <p:sldTgt/>
+                  </p:tgtEl>
+                </p:cond>
+              </p:nextCondLst>
+            </p:seq>
+          </p:childTnLst>
+        </p:cTn>
+      </p:par>
+    </p:tnLst>
   </p:timing>
 </p:sld>
 </file>

--- a/material_de_apoio/resumo_pratico.pptx
+++ b/material_de_apoio/resumo_pratico.pptx
@@ -5,7 +5,7 @@
     <p:sldMasterId id="2147483660" r:id="rId1"/>
   </p:sldMasterIdLst>
   <p:notesMasterIdLst>
-    <p:notesMasterId r:id="rId43"/>
+    <p:notesMasterId r:id="rId57"/>
   </p:notesMasterIdLst>
   <p:sldIdLst>
     <p:sldId id="256" r:id="rId2"/>
@@ -49,6 +49,20 @@
     <p:sldId id="294" r:id="rId40"/>
     <p:sldId id="295" r:id="rId41"/>
     <p:sldId id="296" r:id="rId42"/>
+    <p:sldId id="297" r:id="rId43"/>
+    <p:sldId id="298" r:id="rId44"/>
+    <p:sldId id="299" r:id="rId45"/>
+    <p:sldId id="300" r:id="rId46"/>
+    <p:sldId id="301" r:id="rId47"/>
+    <p:sldId id="302" r:id="rId48"/>
+    <p:sldId id="303" r:id="rId49"/>
+    <p:sldId id="304" r:id="rId50"/>
+    <p:sldId id="305" r:id="rId51"/>
+    <p:sldId id="306" r:id="rId52"/>
+    <p:sldId id="307" r:id="rId53"/>
+    <p:sldId id="308" r:id="rId54"/>
+    <p:sldId id="309" r:id="rId55"/>
+    <p:sldId id="310" r:id="rId56"/>
   </p:sldIdLst>
   <p:sldSz cx="12192000" cy="6858000"/>
   <p:notesSz cx="6858000" cy="9144000"/>
@@ -21119,7 +21133,7 @@
           </a:prstGeom>
           <a:ln w="38100">
             <a:solidFill>
-              <a:schemeClr val="tx1"/>
+              <a:srgbClr val="00FF00"/>
             </a:solidFill>
             <a:tailEnd type="triangle"/>
           </a:ln>
@@ -21164,11 +21178,17 @@
             <a:pPr algn="ctr"/>
             <a:r>
               <a:rPr lang="pt-BR" sz="2800" b="1" dirty="0" err="1" smtClean="0">
+                <a:solidFill>
+                  <a:srgbClr val="00FF00"/>
+                </a:solidFill>
                 <a:latin typeface="Consolas" panose="020B0609020204030204" pitchFamily="49" charset="0"/>
               </a:rPr>
               <a:t>true</a:t>
             </a:r>
             <a:endParaRPr lang="pt-BR" sz="2800" b="1" dirty="0">
+              <a:solidFill>
+                <a:srgbClr val="00FF00"/>
+              </a:solidFill>
               <a:latin typeface="Consolas" panose="020B0609020204030204" pitchFamily="49" charset="0"/>
             </a:endParaRPr>
           </a:p>
@@ -22715,7 +22735,7 @@
           </a:prstGeom>
           <a:ln w="38100">
             <a:solidFill>
-              <a:schemeClr val="tx1"/>
+              <a:srgbClr val="00FF00"/>
             </a:solidFill>
             <a:tailEnd type="triangle"/>
           </a:ln>
@@ -22760,11 +22780,17 @@
             <a:pPr algn="ctr"/>
             <a:r>
               <a:rPr lang="pt-BR" sz="2800" b="1" dirty="0" err="1" smtClean="0">
+                <a:solidFill>
+                  <a:srgbClr val="00FF00"/>
+                </a:solidFill>
                 <a:latin typeface="Consolas" panose="020B0609020204030204" pitchFamily="49" charset="0"/>
               </a:rPr>
               <a:t>true</a:t>
             </a:r>
             <a:endParaRPr lang="pt-BR" sz="2800" b="1" dirty="0">
+              <a:solidFill>
+                <a:srgbClr val="00FF00"/>
+              </a:solidFill>
               <a:latin typeface="Consolas" panose="020B0609020204030204" pitchFamily="49" charset="0"/>
             </a:endParaRPr>
           </a:p>
@@ -24212,7 +24238,7 @@
           </a:prstGeom>
           <a:ln w="38100">
             <a:solidFill>
-              <a:schemeClr val="tx1"/>
+              <a:srgbClr val="00FF00"/>
             </a:solidFill>
             <a:tailEnd type="triangle"/>
           </a:ln>
@@ -24257,11 +24283,17 @@
             <a:pPr algn="ctr"/>
             <a:r>
               <a:rPr lang="pt-BR" sz="2800" b="1" dirty="0" err="1" smtClean="0">
+                <a:solidFill>
+                  <a:srgbClr val="00FF00"/>
+                </a:solidFill>
                 <a:latin typeface="Consolas" panose="020B0609020204030204" pitchFamily="49" charset="0"/>
               </a:rPr>
               <a:t>true</a:t>
             </a:r>
             <a:endParaRPr lang="pt-BR" sz="2800" b="1" dirty="0">
+              <a:solidFill>
+                <a:srgbClr val="00FF00"/>
+              </a:solidFill>
               <a:latin typeface="Consolas" panose="020B0609020204030204" pitchFamily="49" charset="0"/>
             </a:endParaRPr>
           </a:p>
@@ -25733,7 +25765,7 @@
           </a:prstGeom>
           <a:ln w="38100">
             <a:solidFill>
-              <a:schemeClr val="tx1"/>
+              <a:srgbClr val="FF0000"/>
             </a:solidFill>
             <a:tailEnd type="triangle"/>
           </a:ln>
@@ -25778,11 +25810,17 @@
             <a:pPr algn="ctr"/>
             <a:r>
               <a:rPr lang="pt-BR" sz="2800" b="1" dirty="0" smtClean="0">
+                <a:solidFill>
+                  <a:srgbClr val="FF0000"/>
+                </a:solidFill>
                 <a:latin typeface="Consolas" panose="020B0609020204030204" pitchFamily="49" charset="0"/>
               </a:rPr>
               <a:t>false</a:t>
             </a:r>
             <a:endParaRPr lang="pt-BR" sz="2800" b="1" dirty="0">
+              <a:solidFill>
+                <a:srgbClr val="FF0000"/>
+              </a:solidFill>
               <a:latin typeface="Consolas" panose="020B0609020204030204" pitchFamily="49" charset="0"/>
             </a:endParaRPr>
           </a:p>
@@ -30153,6 +30191,2803 @@
 </p:sld>
 </file>
 
+<file path=ppt/slides/slide42.xml><?xml version="1.0" encoding="utf-8"?>
+<p:sld xmlns:a="http://schemas.openxmlformats.org/drawingml/2006/main" xmlns:r="http://schemas.openxmlformats.org/officeDocument/2006/relationships" xmlns:p="http://schemas.openxmlformats.org/presentationml/2006/main">
+  <p:cSld>
+    <p:spTree>
+      <p:nvGrpSpPr>
+        <p:cNvPr id="1" name=""/>
+        <p:cNvGrpSpPr/>
+        <p:nvPr/>
+      </p:nvGrpSpPr>
+      <p:grpSpPr>
+        <a:xfrm>
+          <a:off x="0" y="0"/>
+          <a:ext cx="0" cy="0"/>
+          <a:chOff x="0" y="0"/>
+          <a:chExt cx="0" cy="0"/>
+        </a:xfrm>
+      </p:grpSpPr>
+      <p:pic>
+        <p:nvPicPr>
+          <p:cNvPr id="8" name="Imagem 7"/>
+          <p:cNvPicPr>
+            <a:picLocks noChangeAspect="1"/>
+          </p:cNvPicPr>
+          <p:nvPr/>
+        </p:nvPicPr>
+        <p:blipFill>
+          <a:blip r:embed="rId2"/>
+          <a:stretch>
+            <a:fillRect/>
+          </a:stretch>
+        </p:blipFill>
+        <p:spPr>
+          <a:xfrm>
+            <a:off x="480725" y="2803023"/>
+            <a:ext cx="10609524" cy="2800000"/>
+          </a:xfrm>
+          <a:prstGeom prst="rect">
+            <a:avLst/>
+          </a:prstGeom>
+        </p:spPr>
+      </p:pic>
+      <p:sp>
+        <p:nvSpPr>
+          <p:cNvPr id="2" name="Título 1"/>
+          <p:cNvSpPr>
+            <a:spLocks noGrp="1"/>
+          </p:cNvSpPr>
+          <p:nvPr>
+            <p:ph type="title"/>
+          </p:nvPr>
+        </p:nvSpPr>
+        <p:spPr>
+          <a:xfrm>
+            <a:off x="480725" y="385591"/>
+            <a:ext cx="7914128" cy="685753"/>
+          </a:xfrm>
+        </p:spPr>
+        <p:txBody>
+          <a:bodyPr>
+            <a:normAutofit/>
+          </a:bodyPr>
+          <a:lstStyle/>
+          <a:p>
+            <a:r>
+              <a:rPr lang="pt-BR" sz="3200" dirty="0" smtClean="0">
+                <a:latin typeface="Consolas" panose="020B0609020204030204" pitchFamily="49" charset="0"/>
+              </a:rPr>
+              <a:t>Estrutura de repetição For</a:t>
+            </a:r>
+            <a:endParaRPr lang="pt-BR" sz="3200" dirty="0">
+              <a:latin typeface="Consolas" panose="020B0609020204030204" pitchFamily="49" charset="0"/>
+            </a:endParaRPr>
+          </a:p>
+        </p:txBody>
+      </p:sp>
+      <p:pic>
+        <p:nvPicPr>
+          <p:cNvPr id="4" name="Imagem 3"/>
+          <p:cNvPicPr>
+            <a:picLocks noChangeAspect="1"/>
+          </p:cNvPicPr>
+          <p:nvPr/>
+        </p:nvPicPr>
+        <p:blipFill>
+          <a:blip r:embed="rId3" cstate="print">
+            <a:extLst>
+              <a:ext uri="{28A0092B-C50C-407E-A947-70E740481C1C}">
+                <a14:useLocalDpi xmlns:a14="http://schemas.microsoft.com/office/drawing/2010/main" val="0"/>
+              </a:ext>
+            </a:extLst>
+          </a:blip>
+          <a:stretch>
+            <a:fillRect/>
+          </a:stretch>
+        </p:blipFill>
+        <p:spPr>
+          <a:xfrm>
+            <a:off x="10441211" y="110689"/>
+            <a:ext cx="1750789" cy="2157949"/>
+          </a:xfrm>
+          <a:prstGeom prst="rect">
+            <a:avLst/>
+          </a:prstGeom>
+        </p:spPr>
+      </p:pic>
+      <p:sp>
+        <p:nvSpPr>
+          <p:cNvPr id="5" name="CaixaDeTexto 4"/>
+          <p:cNvSpPr txBox="1"/>
+          <p:nvPr/>
+        </p:nvSpPr>
+        <p:spPr>
+          <a:xfrm>
+            <a:off x="1130264" y="1499324"/>
+            <a:ext cx="3631777" cy="461665"/>
+          </a:xfrm>
+          <a:prstGeom prst="rect">
+            <a:avLst/>
+          </a:prstGeom>
+          <a:noFill/>
+        </p:spPr>
+        <p:txBody>
+          <a:bodyPr wrap="square" rtlCol="0">
+            <a:spAutoFit/>
+          </a:bodyPr>
+          <a:lstStyle/>
+          <a:p>
+            <a:r>
+              <a:rPr lang="pt-BR" sz="2400" b="1" dirty="0" smtClean="0">
+                <a:latin typeface="Consolas" panose="020B0609020204030204" pitchFamily="49" charset="0"/>
+              </a:rPr>
+              <a:t>i inicia igual a 0</a:t>
+            </a:r>
+            <a:endParaRPr lang="pt-BR" sz="2400" b="1" dirty="0">
+              <a:latin typeface="Consolas" panose="020B0609020204030204" pitchFamily="49" charset="0"/>
+            </a:endParaRPr>
+          </a:p>
+        </p:txBody>
+      </p:sp>
+      <p:cxnSp>
+        <p:nvCxnSpPr>
+          <p:cNvPr id="6" name="Conector de seta reta 5"/>
+          <p:cNvCxnSpPr/>
+          <p:nvPr/>
+        </p:nvCxnSpPr>
+        <p:spPr>
+          <a:xfrm flipH="1" flipV="1">
+            <a:off x="2722268" y="1977914"/>
+            <a:ext cx="447770" cy="1707169"/>
+          </a:xfrm>
+          <a:prstGeom prst="straightConnector1">
+            <a:avLst/>
+          </a:prstGeom>
+          <a:ln w="38100">
+            <a:solidFill>
+              <a:schemeClr val="tx1"/>
+            </a:solidFill>
+            <a:tailEnd type="triangle"/>
+          </a:ln>
+        </p:spPr>
+        <p:style>
+          <a:lnRef idx="1">
+            <a:schemeClr val="accent1"/>
+          </a:lnRef>
+          <a:fillRef idx="0">
+            <a:schemeClr val="accent1"/>
+          </a:fillRef>
+          <a:effectRef idx="0">
+            <a:schemeClr val="accent1"/>
+          </a:effectRef>
+          <a:fontRef idx="minor">
+            <a:schemeClr val="tx1"/>
+          </a:fontRef>
+        </p:style>
+      </p:cxnSp>
+      <p:sp>
+        <p:nvSpPr>
+          <p:cNvPr id="16" name="Seta para baixo 15"/>
+          <p:cNvSpPr/>
+          <p:nvPr/>
+        </p:nvSpPr>
+        <p:spPr>
+          <a:xfrm rot="16200000">
+            <a:off x="913219" y="3909362"/>
+            <a:ext cx="309243" cy="442827"/>
+          </a:xfrm>
+          <a:prstGeom prst="downArrow">
+            <a:avLst/>
+          </a:prstGeom>
+          <a:noFill/>
+          <a:ln w="38100">
+            <a:solidFill>
+              <a:schemeClr val="tx1"/>
+            </a:solidFill>
+          </a:ln>
+        </p:spPr>
+        <p:style>
+          <a:lnRef idx="2">
+            <a:schemeClr val="accent1">
+              <a:shade val="50000"/>
+            </a:schemeClr>
+          </a:lnRef>
+          <a:fillRef idx="1">
+            <a:schemeClr val="accent1"/>
+          </a:fillRef>
+          <a:effectRef idx="0">
+            <a:schemeClr val="accent1"/>
+          </a:effectRef>
+          <a:fontRef idx="minor">
+            <a:schemeClr val="lt1"/>
+          </a:fontRef>
+        </p:style>
+        <p:txBody>
+          <a:bodyPr rtlCol="0" anchor="ctr"/>
+          <a:lstStyle/>
+          <a:p>
+            <a:pPr algn="ctr"/>
+            <a:endParaRPr lang="pt-BR"/>
+          </a:p>
+        </p:txBody>
+      </p:sp>
+      <p:sp>
+        <p:nvSpPr>
+          <p:cNvPr id="17" name="CaixaDeTexto 16"/>
+          <p:cNvSpPr txBox="1"/>
+          <p:nvPr/>
+        </p:nvSpPr>
+        <p:spPr>
+          <a:xfrm>
+            <a:off x="4768625" y="1417863"/>
+            <a:ext cx="4375375" cy="461665"/>
+          </a:xfrm>
+          <a:prstGeom prst="rect">
+            <a:avLst/>
+          </a:prstGeom>
+          <a:noFill/>
+        </p:spPr>
+        <p:txBody>
+          <a:bodyPr wrap="square" rtlCol="0">
+            <a:spAutoFit/>
+          </a:bodyPr>
+          <a:lstStyle/>
+          <a:p>
+            <a:r>
+              <a:rPr lang="pt-BR" sz="2400" b="1" dirty="0" smtClean="0">
+                <a:latin typeface="Consolas" panose="020B0609020204030204" pitchFamily="49" charset="0"/>
+              </a:rPr>
+              <a:t>Testa se i é menor que 4</a:t>
+            </a:r>
+            <a:endParaRPr lang="pt-BR" sz="2400" b="1" dirty="0">
+              <a:latin typeface="Consolas" panose="020B0609020204030204" pitchFamily="49" charset="0"/>
+            </a:endParaRPr>
+          </a:p>
+        </p:txBody>
+      </p:sp>
+      <p:cxnSp>
+        <p:nvCxnSpPr>
+          <p:cNvPr id="18" name="Conector de seta reta 17"/>
+          <p:cNvCxnSpPr/>
+          <p:nvPr/>
+        </p:nvCxnSpPr>
+        <p:spPr>
+          <a:xfrm flipV="1">
+            <a:off x="5216396" y="1896455"/>
+            <a:ext cx="1144233" cy="1788628"/>
+          </a:xfrm>
+          <a:prstGeom prst="straightConnector1">
+            <a:avLst/>
+          </a:prstGeom>
+          <a:ln w="38100">
+            <a:solidFill>
+              <a:schemeClr val="tx1"/>
+            </a:solidFill>
+            <a:tailEnd type="triangle"/>
+          </a:ln>
+        </p:spPr>
+        <p:style>
+          <a:lnRef idx="1">
+            <a:schemeClr val="accent1"/>
+          </a:lnRef>
+          <a:fillRef idx="0">
+            <a:schemeClr val="accent1"/>
+          </a:fillRef>
+          <a:effectRef idx="0">
+            <a:schemeClr val="accent1"/>
+          </a:effectRef>
+          <a:fontRef idx="minor">
+            <a:schemeClr val="tx1"/>
+          </a:fontRef>
+        </p:style>
+      </p:cxnSp>
+      <p:sp>
+        <p:nvSpPr>
+          <p:cNvPr id="22" name="CaixaDeTexto 21"/>
+          <p:cNvSpPr txBox="1"/>
+          <p:nvPr/>
+        </p:nvSpPr>
+        <p:spPr>
+          <a:xfrm>
+            <a:off x="7086600" y="2037805"/>
+            <a:ext cx="1390571" cy="461665"/>
+          </a:xfrm>
+          <a:prstGeom prst="rect">
+            <a:avLst/>
+          </a:prstGeom>
+          <a:noFill/>
+        </p:spPr>
+        <p:txBody>
+          <a:bodyPr wrap="square" rtlCol="0">
+            <a:spAutoFit/>
+          </a:bodyPr>
+          <a:lstStyle/>
+          <a:p>
+            <a:r>
+              <a:rPr lang="pt-BR" sz="2400" b="1" dirty="0" err="1" smtClean="0">
+                <a:solidFill>
+                  <a:srgbClr val="00FF00"/>
+                </a:solidFill>
+                <a:latin typeface="Consolas" panose="020B0609020204030204" pitchFamily="49" charset="0"/>
+              </a:rPr>
+              <a:t>true</a:t>
+            </a:r>
+            <a:endParaRPr lang="pt-BR" sz="2400" b="1" dirty="0">
+              <a:solidFill>
+                <a:srgbClr val="00FF00"/>
+              </a:solidFill>
+              <a:latin typeface="Consolas" panose="020B0609020204030204" pitchFamily="49" charset="0"/>
+            </a:endParaRPr>
+          </a:p>
+        </p:txBody>
+      </p:sp>
+      <p:cxnSp>
+        <p:nvCxnSpPr>
+          <p:cNvPr id="23" name="Conector de seta reta 22"/>
+          <p:cNvCxnSpPr/>
+          <p:nvPr/>
+        </p:nvCxnSpPr>
+        <p:spPr>
+          <a:xfrm>
+            <a:off x="6537751" y="1977912"/>
+            <a:ext cx="548849" cy="351192"/>
+          </a:xfrm>
+          <a:prstGeom prst="straightConnector1">
+            <a:avLst/>
+          </a:prstGeom>
+          <a:ln w="38100">
+            <a:solidFill>
+              <a:srgbClr val="00FF00"/>
+            </a:solidFill>
+            <a:tailEnd type="triangle"/>
+          </a:ln>
+        </p:spPr>
+        <p:style>
+          <a:lnRef idx="1">
+            <a:schemeClr val="accent1"/>
+          </a:lnRef>
+          <a:fillRef idx="0">
+            <a:schemeClr val="accent1"/>
+          </a:fillRef>
+          <a:effectRef idx="0">
+            <a:schemeClr val="accent1"/>
+          </a:effectRef>
+          <a:fontRef idx="minor">
+            <a:schemeClr val="tx1"/>
+          </a:fontRef>
+        </p:style>
+      </p:cxnSp>
+    </p:spTree>
+    <p:extLst>
+      <p:ext uri="{BB962C8B-B14F-4D97-AF65-F5344CB8AC3E}">
+        <p14:creationId xmlns:p14="http://schemas.microsoft.com/office/powerpoint/2010/main" val="3555976388"/>
+      </p:ext>
+    </p:extLst>
+  </p:cSld>
+  <p:clrMapOvr>
+    <a:masterClrMapping/>
+  </p:clrMapOvr>
+  <p:timing>
+    <p:tnLst>
+      <p:par>
+        <p:cTn id="1" dur="indefinite" restart="never" nodeType="tmRoot">
+          <p:childTnLst>
+            <p:seq concurrent="1" nextAc="seek">
+              <p:cTn id="2" dur="indefinite" nodeType="mainSeq">
+                <p:childTnLst>
+                  <p:par>
+                    <p:cTn id="3" fill="hold">
+                      <p:stCondLst>
+                        <p:cond delay="indefinite"/>
+                      </p:stCondLst>
+                      <p:childTnLst>
+                        <p:par>
+                          <p:cTn id="4" fill="hold">
+                            <p:stCondLst>
+                              <p:cond delay="0"/>
+                            </p:stCondLst>
+                            <p:childTnLst>
+                              <p:par>
+                                <p:cTn id="5" presetID="10" presetClass="entr" presetSubtype="0" fill="hold" grpId="0" nodeType="clickEffect">
+                                  <p:stCondLst>
+                                    <p:cond delay="0"/>
+                                  </p:stCondLst>
+                                  <p:childTnLst>
+                                    <p:set>
+                                      <p:cBhvr>
+                                        <p:cTn id="6" dur="1" fill="hold">
+                                          <p:stCondLst>
+                                            <p:cond delay="0"/>
+                                          </p:stCondLst>
+                                        </p:cTn>
+                                        <p:tgtEl>
+                                          <p:spTgt spid="17"/>
+                                        </p:tgtEl>
+                                        <p:attrNameLst>
+                                          <p:attrName>style.visibility</p:attrName>
+                                        </p:attrNameLst>
+                                      </p:cBhvr>
+                                      <p:to>
+                                        <p:strVal val="visible"/>
+                                      </p:to>
+                                    </p:set>
+                                    <p:animEffect transition="in" filter="fade">
+                                      <p:cBhvr>
+                                        <p:cTn id="7" dur="500"/>
+                                        <p:tgtEl>
+                                          <p:spTgt spid="17"/>
+                                        </p:tgtEl>
+                                      </p:cBhvr>
+                                    </p:animEffect>
+                                  </p:childTnLst>
+                                </p:cTn>
+                              </p:par>
+                              <p:par>
+                                <p:cTn id="8" presetID="10" presetClass="entr" presetSubtype="0" fill="hold" nodeType="withEffect">
+                                  <p:stCondLst>
+                                    <p:cond delay="0"/>
+                                  </p:stCondLst>
+                                  <p:childTnLst>
+                                    <p:set>
+                                      <p:cBhvr>
+                                        <p:cTn id="9" dur="1" fill="hold">
+                                          <p:stCondLst>
+                                            <p:cond delay="0"/>
+                                          </p:stCondLst>
+                                        </p:cTn>
+                                        <p:tgtEl>
+                                          <p:spTgt spid="18"/>
+                                        </p:tgtEl>
+                                        <p:attrNameLst>
+                                          <p:attrName>style.visibility</p:attrName>
+                                        </p:attrNameLst>
+                                      </p:cBhvr>
+                                      <p:to>
+                                        <p:strVal val="visible"/>
+                                      </p:to>
+                                    </p:set>
+                                    <p:animEffect transition="in" filter="fade">
+                                      <p:cBhvr>
+                                        <p:cTn id="10" dur="500"/>
+                                        <p:tgtEl>
+                                          <p:spTgt spid="18"/>
+                                        </p:tgtEl>
+                                      </p:cBhvr>
+                                    </p:animEffect>
+                                  </p:childTnLst>
+                                </p:cTn>
+                              </p:par>
+                            </p:childTnLst>
+                          </p:cTn>
+                        </p:par>
+                      </p:childTnLst>
+                    </p:cTn>
+                  </p:par>
+                  <p:par>
+                    <p:cTn id="11" fill="hold">
+                      <p:stCondLst>
+                        <p:cond delay="indefinite"/>
+                      </p:stCondLst>
+                      <p:childTnLst>
+                        <p:par>
+                          <p:cTn id="12" fill="hold">
+                            <p:stCondLst>
+                              <p:cond delay="0"/>
+                            </p:stCondLst>
+                            <p:childTnLst>
+                              <p:par>
+                                <p:cTn id="13" presetID="10" presetClass="entr" presetSubtype="0" fill="hold" grpId="0" nodeType="clickEffect">
+                                  <p:stCondLst>
+                                    <p:cond delay="0"/>
+                                  </p:stCondLst>
+                                  <p:childTnLst>
+                                    <p:set>
+                                      <p:cBhvr>
+                                        <p:cTn id="14" dur="1" fill="hold">
+                                          <p:stCondLst>
+                                            <p:cond delay="0"/>
+                                          </p:stCondLst>
+                                        </p:cTn>
+                                        <p:tgtEl>
+                                          <p:spTgt spid="22"/>
+                                        </p:tgtEl>
+                                        <p:attrNameLst>
+                                          <p:attrName>style.visibility</p:attrName>
+                                        </p:attrNameLst>
+                                      </p:cBhvr>
+                                      <p:to>
+                                        <p:strVal val="visible"/>
+                                      </p:to>
+                                    </p:set>
+                                    <p:animEffect transition="in" filter="fade">
+                                      <p:cBhvr>
+                                        <p:cTn id="15" dur="500"/>
+                                        <p:tgtEl>
+                                          <p:spTgt spid="22"/>
+                                        </p:tgtEl>
+                                      </p:cBhvr>
+                                    </p:animEffect>
+                                  </p:childTnLst>
+                                </p:cTn>
+                              </p:par>
+                              <p:par>
+                                <p:cTn id="16" presetID="10" presetClass="entr" presetSubtype="0" fill="hold" nodeType="withEffect">
+                                  <p:stCondLst>
+                                    <p:cond delay="0"/>
+                                  </p:stCondLst>
+                                  <p:childTnLst>
+                                    <p:set>
+                                      <p:cBhvr>
+                                        <p:cTn id="17" dur="1" fill="hold">
+                                          <p:stCondLst>
+                                            <p:cond delay="0"/>
+                                          </p:stCondLst>
+                                        </p:cTn>
+                                        <p:tgtEl>
+                                          <p:spTgt spid="23"/>
+                                        </p:tgtEl>
+                                        <p:attrNameLst>
+                                          <p:attrName>style.visibility</p:attrName>
+                                        </p:attrNameLst>
+                                      </p:cBhvr>
+                                      <p:to>
+                                        <p:strVal val="visible"/>
+                                      </p:to>
+                                    </p:set>
+                                    <p:animEffect transition="in" filter="fade">
+                                      <p:cBhvr>
+                                        <p:cTn id="18" dur="500"/>
+                                        <p:tgtEl>
+                                          <p:spTgt spid="23"/>
+                                        </p:tgtEl>
+                                      </p:cBhvr>
+                                    </p:animEffect>
+                                  </p:childTnLst>
+                                </p:cTn>
+                              </p:par>
+                            </p:childTnLst>
+                          </p:cTn>
+                        </p:par>
+                      </p:childTnLst>
+                    </p:cTn>
+                  </p:par>
+                </p:childTnLst>
+              </p:cTn>
+              <p:prevCondLst>
+                <p:cond evt="onPrev" delay="0">
+                  <p:tgtEl>
+                    <p:sldTgt/>
+                  </p:tgtEl>
+                </p:cond>
+              </p:prevCondLst>
+              <p:nextCondLst>
+                <p:cond evt="onNext" delay="0">
+                  <p:tgtEl>
+                    <p:sldTgt/>
+                  </p:tgtEl>
+                </p:cond>
+              </p:nextCondLst>
+            </p:seq>
+          </p:childTnLst>
+        </p:cTn>
+      </p:par>
+    </p:tnLst>
+    <p:bldLst>
+      <p:bldP spid="17" grpId="0"/>
+      <p:bldP spid="22" grpId="0"/>
+    </p:bldLst>
+  </p:timing>
+</p:sld>
+</file>
+
+<file path=ppt/slides/slide43.xml><?xml version="1.0" encoding="utf-8"?>
+<p:sld xmlns:a="http://schemas.openxmlformats.org/drawingml/2006/main" xmlns:r="http://schemas.openxmlformats.org/officeDocument/2006/relationships" xmlns:p="http://schemas.openxmlformats.org/presentationml/2006/main">
+  <p:cSld>
+    <p:spTree>
+      <p:nvGrpSpPr>
+        <p:cNvPr id="1" name=""/>
+        <p:cNvGrpSpPr/>
+        <p:nvPr/>
+      </p:nvGrpSpPr>
+      <p:grpSpPr>
+        <a:xfrm>
+          <a:off x="0" y="0"/>
+          <a:ext cx="0" cy="0"/>
+          <a:chOff x="0" y="0"/>
+          <a:chExt cx="0" cy="0"/>
+        </a:xfrm>
+      </p:grpSpPr>
+      <p:pic>
+        <p:nvPicPr>
+          <p:cNvPr id="8" name="Imagem 7"/>
+          <p:cNvPicPr>
+            <a:picLocks noChangeAspect="1"/>
+          </p:cNvPicPr>
+          <p:nvPr/>
+        </p:nvPicPr>
+        <p:blipFill>
+          <a:blip r:embed="rId2"/>
+          <a:stretch>
+            <a:fillRect/>
+          </a:stretch>
+        </p:blipFill>
+        <p:spPr>
+          <a:xfrm>
+            <a:off x="480725" y="2803023"/>
+            <a:ext cx="10609524" cy="2800000"/>
+          </a:xfrm>
+          <a:prstGeom prst="rect">
+            <a:avLst/>
+          </a:prstGeom>
+        </p:spPr>
+      </p:pic>
+      <p:sp>
+        <p:nvSpPr>
+          <p:cNvPr id="2" name="Título 1"/>
+          <p:cNvSpPr>
+            <a:spLocks noGrp="1"/>
+          </p:cNvSpPr>
+          <p:nvPr>
+            <p:ph type="title"/>
+          </p:nvPr>
+        </p:nvSpPr>
+        <p:spPr>
+          <a:xfrm>
+            <a:off x="480725" y="385591"/>
+            <a:ext cx="7914128" cy="685753"/>
+          </a:xfrm>
+        </p:spPr>
+        <p:txBody>
+          <a:bodyPr>
+            <a:normAutofit/>
+          </a:bodyPr>
+          <a:lstStyle/>
+          <a:p>
+            <a:r>
+              <a:rPr lang="pt-BR" sz="3200" dirty="0" smtClean="0">
+                <a:latin typeface="Consolas" panose="020B0609020204030204" pitchFamily="49" charset="0"/>
+              </a:rPr>
+              <a:t>Estrutura de repetição For</a:t>
+            </a:r>
+            <a:endParaRPr lang="pt-BR" sz="3200" dirty="0">
+              <a:latin typeface="Consolas" panose="020B0609020204030204" pitchFamily="49" charset="0"/>
+            </a:endParaRPr>
+          </a:p>
+        </p:txBody>
+      </p:sp>
+      <p:pic>
+        <p:nvPicPr>
+          <p:cNvPr id="4" name="Imagem 3"/>
+          <p:cNvPicPr>
+            <a:picLocks noChangeAspect="1"/>
+          </p:cNvPicPr>
+          <p:nvPr/>
+        </p:nvPicPr>
+        <p:blipFill>
+          <a:blip r:embed="rId3" cstate="print">
+            <a:extLst>
+              <a:ext uri="{28A0092B-C50C-407E-A947-70E740481C1C}">
+                <a14:useLocalDpi xmlns:a14="http://schemas.microsoft.com/office/drawing/2010/main" val="0"/>
+              </a:ext>
+            </a:extLst>
+          </a:blip>
+          <a:stretch>
+            <a:fillRect/>
+          </a:stretch>
+        </p:blipFill>
+        <p:spPr>
+          <a:xfrm>
+            <a:off x="10441211" y="110689"/>
+            <a:ext cx="1750789" cy="2157949"/>
+          </a:xfrm>
+          <a:prstGeom prst="rect">
+            <a:avLst/>
+          </a:prstGeom>
+        </p:spPr>
+      </p:pic>
+      <p:sp>
+        <p:nvSpPr>
+          <p:cNvPr id="5" name="CaixaDeTexto 4"/>
+          <p:cNvSpPr txBox="1"/>
+          <p:nvPr/>
+        </p:nvSpPr>
+        <p:spPr>
+          <a:xfrm>
+            <a:off x="8099610" y="4185984"/>
+            <a:ext cx="2210356" cy="954107"/>
+          </a:xfrm>
+          <a:prstGeom prst="rect">
+            <a:avLst/>
+          </a:prstGeom>
+          <a:noFill/>
+        </p:spPr>
+        <p:txBody>
+          <a:bodyPr wrap="square" rtlCol="0">
+            <a:spAutoFit/>
+          </a:bodyPr>
+          <a:lstStyle/>
+          <a:p>
+            <a:r>
+              <a:rPr lang="pt-BR" sz="2800" b="1" dirty="0" smtClean="0">
+                <a:latin typeface="Consolas" panose="020B0609020204030204" pitchFamily="49" charset="0"/>
+              </a:rPr>
+              <a:t>Imprime 0 na tela</a:t>
+            </a:r>
+            <a:endParaRPr lang="pt-BR" sz="2800" b="1" dirty="0">
+              <a:latin typeface="Consolas" panose="020B0609020204030204" pitchFamily="49" charset="0"/>
+            </a:endParaRPr>
+          </a:p>
+        </p:txBody>
+      </p:sp>
+      <p:cxnSp>
+        <p:nvCxnSpPr>
+          <p:cNvPr id="6" name="Conector de seta reta 5"/>
+          <p:cNvCxnSpPr/>
+          <p:nvPr/>
+        </p:nvCxnSpPr>
+        <p:spPr>
+          <a:xfrm>
+            <a:off x="6800204" y="4698206"/>
+            <a:ext cx="1223206" cy="7144"/>
+          </a:xfrm>
+          <a:prstGeom prst="straightConnector1">
+            <a:avLst/>
+          </a:prstGeom>
+          <a:ln w="38100">
+            <a:solidFill>
+              <a:schemeClr val="tx1"/>
+            </a:solidFill>
+            <a:tailEnd type="triangle"/>
+          </a:ln>
+        </p:spPr>
+        <p:style>
+          <a:lnRef idx="1">
+            <a:schemeClr val="accent1"/>
+          </a:lnRef>
+          <a:fillRef idx="0">
+            <a:schemeClr val="accent1"/>
+          </a:fillRef>
+          <a:effectRef idx="0">
+            <a:schemeClr val="accent1"/>
+          </a:effectRef>
+          <a:fontRef idx="minor">
+            <a:schemeClr val="tx1"/>
+          </a:fontRef>
+        </p:style>
+      </p:cxnSp>
+      <p:sp>
+        <p:nvSpPr>
+          <p:cNvPr id="16" name="Seta para baixo 15"/>
+          <p:cNvSpPr/>
+          <p:nvPr/>
+        </p:nvSpPr>
+        <p:spPr>
+          <a:xfrm rot="16200000">
+            <a:off x="1768241" y="4441625"/>
+            <a:ext cx="309243" cy="442827"/>
+          </a:xfrm>
+          <a:prstGeom prst="downArrow">
+            <a:avLst/>
+          </a:prstGeom>
+          <a:noFill/>
+          <a:ln w="38100">
+            <a:solidFill>
+              <a:schemeClr val="tx1"/>
+            </a:solidFill>
+          </a:ln>
+        </p:spPr>
+        <p:style>
+          <a:lnRef idx="2">
+            <a:schemeClr val="accent1">
+              <a:shade val="50000"/>
+            </a:schemeClr>
+          </a:lnRef>
+          <a:fillRef idx="1">
+            <a:schemeClr val="accent1"/>
+          </a:fillRef>
+          <a:effectRef idx="0">
+            <a:schemeClr val="accent1"/>
+          </a:effectRef>
+          <a:fontRef idx="minor">
+            <a:schemeClr val="lt1"/>
+          </a:fontRef>
+        </p:style>
+        <p:txBody>
+          <a:bodyPr rtlCol="0" anchor="ctr"/>
+          <a:lstStyle/>
+          <a:p>
+            <a:pPr algn="ctr"/>
+            <a:endParaRPr lang="pt-BR"/>
+          </a:p>
+        </p:txBody>
+      </p:sp>
+    </p:spTree>
+    <p:extLst>
+      <p:ext uri="{BB962C8B-B14F-4D97-AF65-F5344CB8AC3E}">
+        <p14:creationId xmlns:p14="http://schemas.microsoft.com/office/powerpoint/2010/main" val="4087973174"/>
+      </p:ext>
+    </p:extLst>
+  </p:cSld>
+  <p:clrMapOvr>
+    <a:masterClrMapping/>
+  </p:clrMapOvr>
+  <p:timing>
+    <p:tnLst>
+      <p:par>
+        <p:cTn id="1" dur="indefinite" restart="never" nodeType="tmRoot"/>
+      </p:par>
+    </p:tnLst>
+  </p:timing>
+</p:sld>
+</file>
+
+<file path=ppt/slides/slide44.xml><?xml version="1.0" encoding="utf-8"?>
+<p:sld xmlns:a="http://schemas.openxmlformats.org/drawingml/2006/main" xmlns:r="http://schemas.openxmlformats.org/officeDocument/2006/relationships" xmlns:p="http://schemas.openxmlformats.org/presentationml/2006/main">
+  <p:cSld>
+    <p:spTree>
+      <p:nvGrpSpPr>
+        <p:cNvPr id="1" name=""/>
+        <p:cNvGrpSpPr/>
+        <p:nvPr/>
+      </p:nvGrpSpPr>
+      <p:grpSpPr>
+        <a:xfrm>
+          <a:off x="0" y="0"/>
+          <a:ext cx="0" cy="0"/>
+          <a:chOff x="0" y="0"/>
+          <a:chExt cx="0" cy="0"/>
+        </a:xfrm>
+      </p:grpSpPr>
+      <p:pic>
+        <p:nvPicPr>
+          <p:cNvPr id="8" name="Imagem 7"/>
+          <p:cNvPicPr>
+            <a:picLocks noChangeAspect="1"/>
+          </p:cNvPicPr>
+          <p:nvPr/>
+        </p:nvPicPr>
+        <p:blipFill>
+          <a:blip r:embed="rId2"/>
+          <a:stretch>
+            <a:fillRect/>
+          </a:stretch>
+        </p:blipFill>
+        <p:spPr>
+          <a:xfrm>
+            <a:off x="480725" y="2803023"/>
+            <a:ext cx="10609524" cy="2800000"/>
+          </a:xfrm>
+          <a:prstGeom prst="rect">
+            <a:avLst/>
+          </a:prstGeom>
+        </p:spPr>
+      </p:pic>
+      <p:sp>
+        <p:nvSpPr>
+          <p:cNvPr id="2" name="Título 1"/>
+          <p:cNvSpPr>
+            <a:spLocks noGrp="1"/>
+          </p:cNvSpPr>
+          <p:nvPr>
+            <p:ph type="title"/>
+          </p:nvPr>
